--- a/презентация.pptx
+++ b/презентация.pptx
@@ -5,7 +5,7 @@
     <p:sldMasterId id="2147483660" r:id="rId1"/>
   </p:sldMasterIdLst>
   <p:notesMasterIdLst>
-    <p:notesMasterId r:id="rId20"/>
+    <p:notesMasterId r:id="rId21"/>
   </p:notesMasterIdLst>
   <p:sldIdLst>
     <p:sldId id="256" r:id="rId2"/>
@@ -25,7 +25,8 @@
     <p:sldId id="289" r:id="rId16"/>
     <p:sldId id="290" r:id="rId17"/>
     <p:sldId id="299" r:id="rId18"/>
-    <p:sldId id="295" r:id="rId19"/>
+    <p:sldId id="300" r:id="rId19"/>
+    <p:sldId id="295" r:id="rId20"/>
   </p:sldIdLst>
   <p:sldSz cx="12192000" cy="6858000"/>
   <p:notesSz cx="6797675" cy="9928225"/>
@@ -235,7 +236,7 @@
           <a:p>
             <a:fld id="{5CD53283-0C54-4801-851B-CFE3DD693168}" type="datetimeFigureOut">
               <a:rPr lang="ru-RU" smtClean="0"/>
-              <a:t>27.05.2022</a:t>
+              <a:t>29.05.2022</a:t>
             </a:fld>
             <a:endParaRPr lang="ru-RU"/>
           </a:p>
@@ -2907,7 +2908,6 @@
               <a:rPr lang="ru-RU" dirty="0"/>
               <a:t>Отчёты об ошибках</a:t>
             </a:r>
-            <a:endParaRPr lang="ru-RU" dirty="0"/>
           </a:p>
         </p:txBody>
       </p:sp>
@@ -3167,155 +3167,9 @@
           <a:p>
             <a:r>
               <a:rPr lang="ru-RU" dirty="0" smtClean="0"/>
-              <a:t>Заключение</a:t>
+              <a:t>Экспертные оценки</a:t>
             </a:r>
             <a:endParaRPr lang="ru-RU" dirty="0"/>
-          </a:p>
-        </p:txBody>
-      </p:sp>
-      <p:sp>
-        <p:nvSpPr>
-          <p:cNvPr id="3" name="Объект 2"/>
-          <p:cNvSpPr>
-            <a:spLocks noGrp="1"/>
-          </p:cNvSpPr>
-          <p:nvPr>
-            <p:ph idx="1"/>
-          </p:nvPr>
-        </p:nvSpPr>
-        <p:spPr/>
-        <p:txBody>
-          <a:bodyPr>
-            <a:normAutofit fontScale="92500"/>
-          </a:bodyPr>
-          <a:lstStyle/>
-          <a:p>
-            <a:pPr marL="0" indent="450850">
-              <a:buNone/>
-            </a:pPr>
-            <a:r>
-              <a:rPr lang="ru-RU" dirty="0"/>
-              <a:t>В результате выполнения выпускной квалификационной работы </a:t>
-            </a:r>
-            <a:r>
-              <a:rPr lang="ru-RU" dirty="0" smtClean="0"/>
-              <a:t>был разработан гибридный </a:t>
-            </a:r>
-            <a:r>
-              <a:rPr lang="ru-RU" dirty="0" err="1" smtClean="0"/>
-              <a:t>фреймворк</a:t>
-            </a:r>
-            <a:r>
-              <a:rPr lang="ru-RU" dirty="0" smtClean="0"/>
-              <a:t>. Фреймворк отвечает </a:t>
-            </a:r>
-            <a:r>
-              <a:rPr lang="ru-RU" dirty="0"/>
-              <a:t>всем поставленным требованиям, включает все необходимые функции. </a:t>
-            </a:r>
-          </a:p>
-          <a:p>
-            <a:pPr marL="0" indent="450850">
-              <a:buNone/>
-            </a:pPr>
-            <a:r>
-              <a:rPr lang="ru-RU" dirty="0"/>
-              <a:t>Внедрение </a:t>
-            </a:r>
-            <a:r>
-              <a:rPr lang="ru-RU" dirty="0" err="1" smtClean="0"/>
-              <a:t>фреймворка</a:t>
-            </a:r>
-            <a:r>
-              <a:rPr lang="ru-RU" dirty="0" smtClean="0"/>
-              <a:t> в </a:t>
-            </a:r>
-            <a:r>
-              <a:rPr lang="ru-RU" dirty="0"/>
-              <a:t>промышленную </a:t>
-            </a:r>
-            <a:r>
-              <a:rPr lang="ru-RU" dirty="0" smtClean="0"/>
-              <a:t>эксплуатацию:</a:t>
-            </a:r>
-          </a:p>
-          <a:p>
-            <a:r>
-              <a:rPr lang="ru-RU" dirty="0"/>
-              <a:t>с</a:t>
-            </a:r>
-            <a:r>
-              <a:rPr lang="ru-RU" dirty="0" smtClean="0"/>
-              <a:t>ократит расходы на проведение тестирования;</a:t>
-            </a:r>
-          </a:p>
-          <a:p>
-            <a:r>
-              <a:rPr lang="ru-RU" dirty="0"/>
-              <a:t>о</a:t>
-            </a:r>
-            <a:r>
-              <a:rPr lang="ru-RU" dirty="0" smtClean="0"/>
-              <a:t>птимизирует работу специалистов по автоматизированному тестированию</a:t>
-            </a:r>
-            <a:r>
-              <a:rPr lang="en-US" dirty="0" smtClean="0"/>
-              <a:t>;</a:t>
-            </a:r>
-          </a:p>
-          <a:p>
-            <a:r>
-              <a:rPr lang="ru-RU" dirty="0"/>
-              <a:t>у</a:t>
-            </a:r>
-            <a:r>
-              <a:rPr lang="ru-RU" dirty="0" smtClean="0"/>
-              <a:t>простит работу специалистов по ручному тестированию</a:t>
-            </a:r>
-            <a:r>
-              <a:rPr lang="en-US" dirty="0" smtClean="0"/>
-              <a:t>;</a:t>
-            </a:r>
-          </a:p>
-          <a:p>
-            <a:r>
-              <a:rPr lang="ru-RU" dirty="0"/>
-              <a:t>у</a:t>
-            </a:r>
-            <a:r>
-              <a:rPr lang="ru-RU" dirty="0" smtClean="0"/>
-              <a:t>скорит внедрение авто-тестов в оборот</a:t>
-            </a:r>
-            <a:r>
-              <a:rPr lang="en-US" dirty="0" smtClean="0"/>
-              <a:t>.</a:t>
-            </a:r>
-            <a:endParaRPr lang="ru-RU" dirty="0" smtClean="0"/>
-          </a:p>
-          <a:p>
-            <a:pPr marL="0" indent="0">
-              <a:buNone/>
-            </a:pPr>
-            <a:r>
-              <a:rPr lang="ru-RU" dirty="0" smtClean="0"/>
-              <a:t>Функционал </a:t>
-            </a:r>
-            <a:r>
-              <a:rPr lang="ru-RU" dirty="0"/>
-              <a:t>разработанного </a:t>
-            </a:r>
-            <a:r>
-              <a:rPr lang="ru-RU" dirty="0" err="1" smtClean="0"/>
-              <a:t>фреймворка</a:t>
-            </a:r>
-            <a:r>
-              <a:rPr lang="ru-RU" dirty="0" smtClean="0"/>
-              <a:t> можно </a:t>
-            </a:r>
-            <a:r>
-              <a:rPr lang="ru-RU" dirty="0"/>
-              <a:t>будет увеличивать. </a:t>
-            </a:r>
           </a:p>
         </p:txBody>
       </p:sp>
@@ -3338,6 +3192,255 @@
               <a:rPr lang="ru-RU" smtClean="0"/>
               <a:pPr/>
               <a:t>18</a:t>
+            </a:fld>
+            <a:endParaRPr lang="ru-RU"/>
+          </a:p>
+        </p:txBody>
+      </p:sp>
+      <p:sp>
+        <p:nvSpPr>
+          <p:cNvPr id="5" name="Объект 4"/>
+          <p:cNvSpPr>
+            <a:spLocks noGrp="1"/>
+          </p:cNvSpPr>
+          <p:nvPr>
+            <p:ph idx="1"/>
+          </p:nvPr>
+        </p:nvSpPr>
+        <p:spPr/>
+        <p:txBody>
+          <a:bodyPr/>
+          <a:lstStyle/>
+          <a:p>
+            <a:endParaRPr lang="ru-RU" dirty="0"/>
+          </a:p>
+        </p:txBody>
+      </p:sp>
+    </p:spTree>
+    <p:extLst>
+      <p:ext uri="{BB962C8B-B14F-4D97-AF65-F5344CB8AC3E}">
+        <p14:creationId xmlns:p14="http://schemas.microsoft.com/office/powerpoint/2010/main" val="1919998662"/>
+      </p:ext>
+    </p:extLst>
+  </p:cSld>
+  <p:clrMapOvr>
+    <a:masterClrMapping/>
+  </p:clrMapOvr>
+  <p:timing>
+    <p:tnLst>
+      <p:par>
+        <p:cTn id="1" dur="indefinite" restart="never" nodeType="tmRoot"/>
+      </p:par>
+    </p:tnLst>
+  </p:timing>
+</p:sld>
+</file>
+
+<file path=ppt/slides/slide19.xml><?xml version="1.0" encoding="utf-8"?>
+<p:sld xmlns:a="http://schemas.openxmlformats.org/drawingml/2006/main" xmlns:r="http://schemas.openxmlformats.org/officeDocument/2006/relationships" xmlns:p="http://schemas.openxmlformats.org/presentationml/2006/main">
+  <p:cSld>
+    <p:spTree>
+      <p:nvGrpSpPr>
+        <p:cNvPr id="1" name=""/>
+        <p:cNvGrpSpPr/>
+        <p:nvPr/>
+      </p:nvGrpSpPr>
+      <p:grpSpPr>
+        <a:xfrm>
+          <a:off x="0" y="0"/>
+          <a:ext cx="0" cy="0"/>
+          <a:chOff x="0" y="0"/>
+          <a:chExt cx="0" cy="0"/>
+        </a:xfrm>
+      </p:grpSpPr>
+      <p:sp>
+        <p:nvSpPr>
+          <p:cNvPr id="2" name="Заголовок 1"/>
+          <p:cNvSpPr>
+            <a:spLocks noGrp="1"/>
+          </p:cNvSpPr>
+          <p:nvPr>
+            <p:ph type="title"/>
+          </p:nvPr>
+        </p:nvSpPr>
+        <p:spPr/>
+        <p:txBody>
+          <a:bodyPr/>
+          <a:lstStyle/>
+          <a:p>
+            <a:r>
+              <a:rPr lang="ru-RU" dirty="0" smtClean="0"/>
+              <a:t>Заключение</a:t>
+            </a:r>
+            <a:endParaRPr lang="ru-RU" dirty="0"/>
+          </a:p>
+        </p:txBody>
+      </p:sp>
+      <p:sp>
+        <p:nvSpPr>
+          <p:cNvPr id="3" name="Объект 2"/>
+          <p:cNvSpPr>
+            <a:spLocks noGrp="1"/>
+          </p:cNvSpPr>
+          <p:nvPr>
+            <p:ph idx="1"/>
+          </p:nvPr>
+        </p:nvSpPr>
+        <p:spPr/>
+        <p:txBody>
+          <a:bodyPr>
+            <a:normAutofit fontScale="92500"/>
+          </a:bodyPr>
+          <a:lstStyle/>
+          <a:p>
+            <a:pPr marL="0" indent="450850">
+              <a:buNone/>
+            </a:pPr>
+            <a:r>
+              <a:rPr lang="ru-RU" dirty="0"/>
+              <a:t>В результате выполнения выпускной квалификационной работы </a:t>
+            </a:r>
+            <a:r>
+              <a:rPr lang="ru-RU" dirty="0" smtClean="0"/>
+              <a:t>был разработан гибридный </a:t>
+            </a:r>
+            <a:r>
+              <a:rPr lang="ru-RU" dirty="0" err="1" smtClean="0"/>
+              <a:t>фреймворк</a:t>
+            </a:r>
+            <a:r>
+              <a:rPr lang="ru-RU" dirty="0" smtClean="0"/>
+              <a:t>. Фреймворк отвечает </a:t>
+            </a:r>
+            <a:r>
+              <a:rPr lang="ru-RU" dirty="0"/>
+              <a:t>всем поставленным требованиям, включает все необходимые функции. </a:t>
+            </a:r>
+          </a:p>
+          <a:p>
+            <a:pPr marL="0" indent="450850">
+              <a:buNone/>
+            </a:pPr>
+            <a:r>
+              <a:rPr lang="ru-RU" dirty="0"/>
+              <a:t>Внедрение </a:t>
+            </a:r>
+            <a:r>
+              <a:rPr lang="ru-RU" dirty="0" err="1" smtClean="0"/>
+              <a:t>фреймворка</a:t>
+            </a:r>
+            <a:r>
+              <a:rPr lang="ru-RU" dirty="0" smtClean="0"/>
+              <a:t> в </a:t>
+            </a:r>
+            <a:r>
+              <a:rPr lang="ru-RU" dirty="0"/>
+              <a:t>промышленную </a:t>
+            </a:r>
+            <a:r>
+              <a:rPr lang="ru-RU" dirty="0" smtClean="0"/>
+              <a:t>эксплуатацию:</a:t>
+            </a:r>
+          </a:p>
+          <a:p>
+            <a:r>
+              <a:rPr lang="ru-RU" dirty="0"/>
+              <a:t>с</a:t>
+            </a:r>
+            <a:r>
+              <a:rPr lang="ru-RU" dirty="0" smtClean="0"/>
+              <a:t>ократит расходы на проведение тестирования;</a:t>
+            </a:r>
+          </a:p>
+          <a:p>
+            <a:r>
+              <a:rPr lang="ru-RU" dirty="0"/>
+              <a:t>о</a:t>
+            </a:r>
+            <a:r>
+              <a:rPr lang="ru-RU" dirty="0" smtClean="0"/>
+              <a:t>птимизирует работу специалистов по автоматизированному тестированию</a:t>
+            </a:r>
+            <a:r>
+              <a:rPr lang="en-US" dirty="0" smtClean="0"/>
+              <a:t>;</a:t>
+            </a:r>
+          </a:p>
+          <a:p>
+            <a:r>
+              <a:rPr lang="ru-RU" dirty="0"/>
+              <a:t>у</a:t>
+            </a:r>
+            <a:r>
+              <a:rPr lang="ru-RU" dirty="0" smtClean="0"/>
+              <a:t>простит работу специалистов по ручному тестированию</a:t>
+            </a:r>
+            <a:r>
+              <a:rPr lang="en-US" dirty="0" smtClean="0"/>
+              <a:t>;</a:t>
+            </a:r>
+          </a:p>
+          <a:p>
+            <a:r>
+              <a:rPr lang="ru-RU" dirty="0"/>
+              <a:t>у</a:t>
+            </a:r>
+            <a:r>
+              <a:rPr lang="ru-RU" dirty="0" smtClean="0"/>
+              <a:t>скорит внедрение авто-тестов в оборот</a:t>
+            </a:r>
+            <a:r>
+              <a:rPr lang="en-US" dirty="0" smtClean="0"/>
+              <a:t>.</a:t>
+            </a:r>
+            <a:endParaRPr lang="ru-RU" dirty="0" smtClean="0"/>
+          </a:p>
+          <a:p>
+            <a:pPr marL="0" indent="0">
+              <a:buNone/>
+            </a:pPr>
+            <a:r>
+              <a:rPr lang="ru-RU" dirty="0" smtClean="0"/>
+              <a:t>Функционал </a:t>
+            </a:r>
+            <a:r>
+              <a:rPr lang="ru-RU" dirty="0"/>
+              <a:t>разработанного </a:t>
+            </a:r>
+            <a:r>
+              <a:rPr lang="ru-RU" dirty="0" err="1" smtClean="0"/>
+              <a:t>фреймворка</a:t>
+            </a:r>
+            <a:r>
+              <a:rPr lang="ru-RU" dirty="0" smtClean="0"/>
+              <a:t> можно </a:t>
+            </a:r>
+            <a:r>
+              <a:rPr lang="ru-RU" dirty="0"/>
+              <a:t>будет увеличивать. </a:t>
+            </a:r>
+          </a:p>
+        </p:txBody>
+      </p:sp>
+      <p:sp>
+        <p:nvSpPr>
+          <p:cNvPr id="4" name="Номер слайда 3"/>
+          <p:cNvSpPr>
+            <a:spLocks noGrp="1"/>
+          </p:cNvSpPr>
+          <p:nvPr>
+            <p:ph type="sldNum" sz="quarter" idx="12"/>
+          </p:nvPr>
+        </p:nvSpPr>
+        <p:spPr/>
+        <p:txBody>
+          <a:bodyPr/>
+          <a:lstStyle/>
+          <a:p>
+            <a:fld id="{EF717E07-C66C-6149-98B7-03ADCD069AD7}" type="slidenum">
+              <a:rPr lang="ru-RU" smtClean="0"/>
+              <a:pPr/>
+              <a:t>19</a:t>
             </a:fld>
             <a:endParaRPr lang="ru-RU"/>
           </a:p>

--- a/презентация.pptx
+++ b/презентация.pptx
@@ -5,28 +5,24 @@
     <p:sldMasterId id="2147483660" r:id="rId1"/>
   </p:sldMasterIdLst>
   <p:notesMasterIdLst>
-    <p:notesMasterId r:id="rId21"/>
+    <p:notesMasterId r:id="rId17"/>
   </p:notesMasterIdLst>
   <p:sldIdLst>
     <p:sldId id="256" r:id="rId2"/>
     <p:sldId id="279" r:id="rId3"/>
     <p:sldId id="280" r:id="rId4"/>
-    <p:sldId id="281" r:id="rId5"/>
-    <p:sldId id="282" r:id="rId6"/>
+    <p:sldId id="301" r:id="rId5"/>
+    <p:sldId id="281" r:id="rId6"/>
     <p:sldId id="283" r:id="rId7"/>
     <p:sldId id="284" r:id="rId8"/>
-    <p:sldId id="296" r:id="rId9"/>
-    <p:sldId id="297" r:id="rId10"/>
-    <p:sldId id="285" r:id="rId11"/>
-    <p:sldId id="298" r:id="rId12"/>
-    <p:sldId id="286" r:id="rId13"/>
-    <p:sldId id="287" r:id="rId14"/>
-    <p:sldId id="288" r:id="rId15"/>
-    <p:sldId id="289" r:id="rId16"/>
-    <p:sldId id="290" r:id="rId17"/>
-    <p:sldId id="299" r:id="rId18"/>
-    <p:sldId id="300" r:id="rId19"/>
-    <p:sldId id="295" r:id="rId20"/>
+    <p:sldId id="297" r:id="rId9"/>
+    <p:sldId id="285" r:id="rId10"/>
+    <p:sldId id="287" r:id="rId11"/>
+    <p:sldId id="288" r:id="rId12"/>
+    <p:sldId id="290" r:id="rId13"/>
+    <p:sldId id="299" r:id="rId14"/>
+    <p:sldId id="300" r:id="rId15"/>
+    <p:sldId id="295" r:id="rId16"/>
   </p:sldIdLst>
   <p:sldSz cx="12192000" cy="6858000"/>
   <p:notesSz cx="6797675" cy="9928225"/>
@@ -2005,7 +2001,7 @@
           <a:p>
             <a:r>
               <a:rPr lang="ru-RU" dirty="0" smtClean="0"/>
-              <a:t>Как было</a:t>
+              <a:t>Обработка сценария</a:t>
             </a:r>
             <a:endParaRPr lang="ru-RU" dirty="0"/>
           </a:p>
@@ -2030,529 +2026,6 @@
               <a:rPr lang="ru-RU" smtClean="0"/>
               <a:pPr/>
               <a:t>10</a:t>
-            </a:fld>
-            <a:endParaRPr lang="ru-RU"/>
-          </a:p>
-        </p:txBody>
-      </p:sp>
-      <p:pic>
-        <p:nvPicPr>
-          <p:cNvPr id="12" name="Объект 11"/>
-          <p:cNvPicPr>
-            <a:picLocks noGrp="1" noChangeAspect="1"/>
-          </p:cNvPicPr>
-          <p:nvPr>
-            <p:ph idx="1"/>
-          </p:nvPr>
-        </p:nvPicPr>
-        <p:blipFill>
-          <a:blip r:embed="rId2"/>
-          <a:stretch>
-            <a:fillRect/>
-          </a:stretch>
-        </p:blipFill>
-        <p:spPr>
-          <a:xfrm>
-            <a:off x="860410" y="1091682"/>
-            <a:ext cx="10233688" cy="4851918"/>
-          </a:xfrm>
-          <a:prstGeom prst="rect">
-            <a:avLst/>
-          </a:prstGeom>
-        </p:spPr>
-      </p:pic>
-    </p:spTree>
-    <p:extLst>
-      <p:ext uri="{BB962C8B-B14F-4D97-AF65-F5344CB8AC3E}">
-        <p14:creationId xmlns:p14="http://schemas.microsoft.com/office/powerpoint/2010/main" val="1871869421"/>
-      </p:ext>
-    </p:extLst>
-  </p:cSld>
-  <p:clrMapOvr>
-    <a:masterClrMapping/>
-  </p:clrMapOvr>
-  <p:timing>
-    <p:tnLst>
-      <p:par>
-        <p:cTn id="1" dur="indefinite" restart="never" nodeType="tmRoot"/>
-      </p:par>
-    </p:tnLst>
-  </p:timing>
-</p:sld>
-</file>
-
-<file path=ppt/slides/slide11.xml><?xml version="1.0" encoding="utf-8"?>
-<p:sld xmlns:a="http://schemas.openxmlformats.org/drawingml/2006/main" xmlns:r="http://schemas.openxmlformats.org/officeDocument/2006/relationships" xmlns:p="http://schemas.openxmlformats.org/presentationml/2006/main">
-  <p:cSld>
-    <p:spTree>
-      <p:nvGrpSpPr>
-        <p:cNvPr id="1" name=""/>
-        <p:cNvGrpSpPr/>
-        <p:nvPr/>
-      </p:nvGrpSpPr>
-      <p:grpSpPr>
-        <a:xfrm>
-          <a:off x="0" y="0"/>
-          <a:ext cx="0" cy="0"/>
-          <a:chOff x="0" y="0"/>
-          <a:chExt cx="0" cy="0"/>
-        </a:xfrm>
-      </p:grpSpPr>
-      <p:sp>
-        <p:nvSpPr>
-          <p:cNvPr id="2" name="Заголовок 1"/>
-          <p:cNvSpPr>
-            <a:spLocks noGrp="1"/>
-          </p:cNvSpPr>
-          <p:nvPr>
-            <p:ph type="title"/>
-          </p:nvPr>
-        </p:nvSpPr>
-        <p:spPr/>
-        <p:txBody>
-          <a:bodyPr/>
-          <a:lstStyle/>
-          <a:p>
-            <a:r>
-              <a:rPr lang="ru-RU" dirty="0" smtClean="0"/>
-              <a:t>Как будет</a:t>
-            </a:r>
-            <a:endParaRPr lang="ru-RU" dirty="0"/>
-          </a:p>
-        </p:txBody>
-      </p:sp>
-      <p:sp>
-        <p:nvSpPr>
-          <p:cNvPr id="4" name="Номер слайда 3"/>
-          <p:cNvSpPr>
-            <a:spLocks noGrp="1"/>
-          </p:cNvSpPr>
-          <p:nvPr>
-            <p:ph type="sldNum" sz="quarter" idx="12"/>
-          </p:nvPr>
-        </p:nvSpPr>
-        <p:spPr/>
-        <p:txBody>
-          <a:bodyPr/>
-          <a:lstStyle/>
-          <a:p>
-            <a:fld id="{EF717E07-C66C-6149-98B7-03ADCD069AD7}" type="slidenum">
-              <a:rPr lang="ru-RU" smtClean="0"/>
-              <a:pPr/>
-              <a:t>11</a:t>
-            </a:fld>
-            <a:endParaRPr lang="ru-RU"/>
-          </a:p>
-        </p:txBody>
-      </p:sp>
-      <p:pic>
-        <p:nvPicPr>
-          <p:cNvPr id="6" name="Объект 5"/>
-          <p:cNvPicPr>
-            <a:picLocks noGrp="1" noChangeAspect="1"/>
-          </p:cNvPicPr>
-          <p:nvPr>
-            <p:ph idx="1"/>
-          </p:nvPr>
-        </p:nvPicPr>
-        <p:blipFill>
-          <a:blip r:embed="rId2"/>
-          <a:stretch>
-            <a:fillRect/>
-          </a:stretch>
-        </p:blipFill>
-        <p:spPr>
-          <a:xfrm>
-            <a:off x="735194" y="1193800"/>
-            <a:ext cx="10370775" cy="4749800"/>
-          </a:xfrm>
-          <a:prstGeom prst="rect">
-            <a:avLst/>
-          </a:prstGeom>
-        </p:spPr>
-      </p:pic>
-    </p:spTree>
-    <p:extLst>
-      <p:ext uri="{BB962C8B-B14F-4D97-AF65-F5344CB8AC3E}">
-        <p14:creationId xmlns:p14="http://schemas.microsoft.com/office/powerpoint/2010/main" val="1212888093"/>
-      </p:ext>
-    </p:extLst>
-  </p:cSld>
-  <p:clrMapOvr>
-    <a:masterClrMapping/>
-  </p:clrMapOvr>
-  <p:timing>
-    <p:tnLst>
-      <p:par>
-        <p:cTn id="1" dur="indefinite" restart="never" nodeType="tmRoot"/>
-      </p:par>
-    </p:tnLst>
-  </p:timing>
-</p:sld>
-</file>
-
-<file path=ppt/slides/slide12.xml><?xml version="1.0" encoding="utf-8"?>
-<p:sld xmlns:a="http://schemas.openxmlformats.org/drawingml/2006/main" xmlns:r="http://schemas.openxmlformats.org/officeDocument/2006/relationships" xmlns:p="http://schemas.openxmlformats.org/presentationml/2006/main">
-  <p:cSld>
-    <p:spTree>
-      <p:nvGrpSpPr>
-        <p:cNvPr id="1" name=""/>
-        <p:cNvGrpSpPr/>
-        <p:nvPr/>
-      </p:nvGrpSpPr>
-      <p:grpSpPr>
-        <a:xfrm>
-          <a:off x="0" y="0"/>
-          <a:ext cx="0" cy="0"/>
-          <a:chOff x="0" y="0"/>
-          <a:chExt cx="0" cy="0"/>
-        </a:xfrm>
-      </p:grpSpPr>
-      <p:sp>
-        <p:nvSpPr>
-          <p:cNvPr id="2" name="Заголовок 1"/>
-          <p:cNvSpPr>
-            <a:spLocks noGrp="1"/>
-          </p:cNvSpPr>
-          <p:nvPr>
-            <p:ph type="title"/>
-          </p:nvPr>
-        </p:nvSpPr>
-        <p:spPr/>
-        <p:txBody>
-          <a:bodyPr/>
-          <a:lstStyle/>
-          <a:p>
-            <a:r>
-              <a:rPr lang="ru-RU" dirty="0" smtClean="0"/>
-              <a:t>Пример сконструированного сценария</a:t>
-            </a:r>
-            <a:endParaRPr lang="ru-RU" dirty="0"/>
-          </a:p>
-        </p:txBody>
-      </p:sp>
-      <p:sp>
-        <p:nvSpPr>
-          <p:cNvPr id="4" name="Номер слайда 3"/>
-          <p:cNvSpPr>
-            <a:spLocks noGrp="1"/>
-          </p:cNvSpPr>
-          <p:nvPr>
-            <p:ph type="sldNum" sz="quarter" idx="12"/>
-          </p:nvPr>
-        </p:nvSpPr>
-        <p:spPr/>
-        <p:txBody>
-          <a:bodyPr/>
-          <a:lstStyle/>
-          <a:p>
-            <a:fld id="{EF717E07-C66C-6149-98B7-03ADCD069AD7}" type="slidenum">
-              <a:rPr lang="ru-RU" smtClean="0"/>
-              <a:pPr/>
-              <a:t>12</a:t>
-            </a:fld>
-            <a:endParaRPr lang="ru-RU"/>
-          </a:p>
-        </p:txBody>
-      </p:sp>
-      <p:sp>
-        <p:nvSpPr>
-          <p:cNvPr id="3" name="Объект 2"/>
-          <p:cNvSpPr>
-            <a:spLocks noGrp="1"/>
-          </p:cNvSpPr>
-          <p:nvPr>
-            <p:ph idx="1"/>
-          </p:nvPr>
-        </p:nvSpPr>
-        <p:spPr/>
-        <p:txBody>
-          <a:bodyPr>
-            <a:normAutofit fontScale="92500" lnSpcReduction="20000"/>
-          </a:bodyPr>
-          <a:lstStyle/>
-          <a:p>
-            <a:pPr marL="0" indent="0">
-              <a:buNone/>
-            </a:pPr>
-            <a:r>
-              <a:rPr lang="en-US" dirty="0"/>
-              <a:t>Scenario: </a:t>
-            </a:r>
-            <a:r>
-              <a:rPr lang="ru-RU" dirty="0"/>
-              <a:t>Покупка одного продукта</a:t>
-            </a:r>
-          </a:p>
-          <a:p>
-            <a:pPr marL="0" indent="0">
-              <a:buNone/>
-            </a:pPr>
-            <a:r>
-              <a:rPr lang="ru-RU" dirty="0"/>
-              <a:t>    </a:t>
-            </a:r>
-            <a:r>
-              <a:rPr lang="en-US" dirty="0"/>
-              <a:t>Given </a:t>
-            </a:r>
-            <a:r>
-              <a:rPr lang="ru-RU" dirty="0"/>
-              <a:t>Пользователь </a:t>
-            </a:r>
-            <a:r>
-              <a:rPr lang="ru-RU" dirty="0" err="1"/>
-              <a:t>залогинился</a:t>
-            </a:r>
-            <a:endParaRPr lang="ru-RU" dirty="0"/>
-          </a:p>
-          <a:p>
-            <a:pPr marL="0" indent="0">
-              <a:buNone/>
-            </a:pPr>
-            <a:r>
-              <a:rPr lang="ru-RU" dirty="0"/>
-              <a:t>    </a:t>
-            </a:r>
-            <a:r>
-              <a:rPr lang="en-US" dirty="0"/>
-              <a:t>Then </a:t>
-            </a:r>
-            <a:r>
-              <a:rPr lang="ru-RU" dirty="0"/>
-              <a:t>Добавить в корзину "</a:t>
-            </a:r>
-            <a:r>
-              <a:rPr lang="en-US" dirty="0"/>
-              <a:t>Sauce Labs Bike Light"</a:t>
-            </a:r>
-          </a:p>
-          <a:p>
-            <a:pPr marL="0" indent="0">
-              <a:buNone/>
-            </a:pPr>
-            <a:r>
-              <a:rPr lang="en-US" dirty="0"/>
-              <a:t>    Then </a:t>
-            </a:r>
-            <a:r>
-              <a:rPr lang="ru-RU" dirty="0"/>
-              <a:t>Открыть корзину</a:t>
-            </a:r>
-          </a:p>
-          <a:p>
-            <a:pPr marL="0" indent="0">
-              <a:buNone/>
-            </a:pPr>
-            <a:r>
-              <a:rPr lang="ru-RU" dirty="0"/>
-              <a:t>    </a:t>
-            </a:r>
-            <a:r>
-              <a:rPr lang="en-US" dirty="0"/>
-              <a:t>Then </a:t>
-            </a:r>
-            <a:r>
-              <a:rPr lang="ru-RU" dirty="0"/>
-              <a:t>Перейти к оформлению заказа</a:t>
-            </a:r>
-          </a:p>
-          <a:p>
-            <a:pPr marL="0" indent="0">
-              <a:buNone/>
-            </a:pPr>
-            <a:r>
-              <a:rPr lang="ru-RU" dirty="0"/>
-              <a:t>    </a:t>
-            </a:r>
-            <a:r>
-              <a:rPr lang="en-US" dirty="0"/>
-              <a:t>Then </a:t>
-            </a:r>
-            <a:r>
-              <a:rPr lang="ru-RU" dirty="0"/>
-              <a:t>Ввести имя "Даниил"</a:t>
-            </a:r>
-          </a:p>
-          <a:p>
-            <a:pPr marL="0" indent="0">
-              <a:buNone/>
-            </a:pPr>
-            <a:r>
-              <a:rPr lang="ru-RU" dirty="0"/>
-              <a:t>    </a:t>
-            </a:r>
-            <a:r>
-              <a:rPr lang="en-US" dirty="0"/>
-              <a:t>Then </a:t>
-            </a:r>
-            <a:r>
-              <a:rPr lang="ru-RU" dirty="0"/>
-              <a:t>Ввести фамилию "Романов"</a:t>
-            </a:r>
-          </a:p>
-          <a:p>
-            <a:pPr marL="0" indent="0">
-              <a:buNone/>
-            </a:pPr>
-            <a:r>
-              <a:rPr lang="ru-RU" dirty="0"/>
-              <a:t>    </a:t>
-            </a:r>
-            <a:r>
-              <a:rPr lang="en-US" dirty="0"/>
-              <a:t>Then </a:t>
-            </a:r>
-            <a:r>
-              <a:rPr lang="ru-RU" dirty="0"/>
-              <a:t>Ввести индекс "4978523"</a:t>
-            </a:r>
-          </a:p>
-          <a:p>
-            <a:pPr marL="0" indent="0">
-              <a:buNone/>
-            </a:pPr>
-            <a:r>
-              <a:rPr lang="ru-RU" dirty="0"/>
-              <a:t>    </a:t>
-            </a:r>
-            <a:r>
-              <a:rPr lang="en-US" dirty="0"/>
-              <a:t>Then </a:t>
-            </a:r>
-            <a:r>
-              <a:rPr lang="ru-RU" dirty="0"/>
-              <a:t>Нажать на кнопку подтверждения</a:t>
-            </a:r>
-          </a:p>
-          <a:p>
-            <a:pPr marL="0" indent="0">
-              <a:buNone/>
-            </a:pPr>
-            <a:r>
-              <a:rPr lang="ru-RU" dirty="0"/>
-              <a:t>    </a:t>
-            </a:r>
-            <a:r>
-              <a:rPr lang="en-US" dirty="0"/>
-              <a:t>Then </a:t>
-            </a:r>
-            <a:r>
-              <a:rPr lang="ru-RU" dirty="0"/>
-              <a:t>Подтвердить покупку</a:t>
-            </a:r>
-          </a:p>
-          <a:p>
-            <a:pPr marL="0" indent="0">
-              <a:buNone/>
-            </a:pPr>
-            <a:r>
-              <a:rPr lang="ru-RU" dirty="0"/>
-              <a:t>    </a:t>
-            </a:r>
-            <a:r>
-              <a:rPr lang="en-US" dirty="0"/>
-              <a:t>Then </a:t>
-            </a:r>
-            <a:r>
-              <a:rPr lang="ru-RU" dirty="0"/>
-              <a:t>Видно элемент с текстом "</a:t>
-            </a:r>
-            <a:r>
-              <a:rPr lang="en-US" dirty="0"/>
-              <a:t>THANK YOU FOR </a:t>
-            </a:r>
-            <a:r>
-              <a:rPr lang="en-US" dirty="0" smtClean="0"/>
-              <a:t>ORDER</a:t>
-            </a:r>
-            <a:r>
-              <a:rPr lang="en-US" dirty="0"/>
-              <a:t>"</a:t>
-            </a:r>
-            <a:endParaRPr lang="ru-RU" dirty="0"/>
-          </a:p>
-        </p:txBody>
-      </p:sp>
-    </p:spTree>
-    <p:extLst>
-      <p:ext uri="{BB962C8B-B14F-4D97-AF65-F5344CB8AC3E}">
-        <p14:creationId xmlns:p14="http://schemas.microsoft.com/office/powerpoint/2010/main" val="3003515438"/>
-      </p:ext>
-    </p:extLst>
-  </p:cSld>
-  <p:clrMapOvr>
-    <a:masterClrMapping/>
-  </p:clrMapOvr>
-  <p:timing>
-    <p:tnLst>
-      <p:par>
-        <p:cTn id="1" dur="indefinite" restart="never" nodeType="tmRoot"/>
-      </p:par>
-    </p:tnLst>
-  </p:timing>
-</p:sld>
-</file>
-
-<file path=ppt/slides/slide13.xml><?xml version="1.0" encoding="utf-8"?>
-<p:sld xmlns:a="http://schemas.openxmlformats.org/drawingml/2006/main" xmlns:r="http://schemas.openxmlformats.org/officeDocument/2006/relationships" xmlns:p="http://schemas.openxmlformats.org/presentationml/2006/main">
-  <p:cSld>
-    <p:spTree>
-      <p:nvGrpSpPr>
-        <p:cNvPr id="1" name=""/>
-        <p:cNvGrpSpPr/>
-        <p:nvPr/>
-      </p:nvGrpSpPr>
-      <p:grpSpPr>
-        <a:xfrm>
-          <a:off x="0" y="0"/>
-          <a:ext cx="0" cy="0"/>
-          <a:chOff x="0" y="0"/>
-          <a:chExt cx="0" cy="0"/>
-        </a:xfrm>
-      </p:grpSpPr>
-      <p:sp>
-        <p:nvSpPr>
-          <p:cNvPr id="2" name="Заголовок 1"/>
-          <p:cNvSpPr>
-            <a:spLocks noGrp="1"/>
-          </p:cNvSpPr>
-          <p:nvPr>
-            <p:ph type="title"/>
-          </p:nvPr>
-        </p:nvSpPr>
-        <p:spPr/>
-        <p:txBody>
-          <a:bodyPr/>
-          <a:lstStyle/>
-          <a:p>
-            <a:r>
-              <a:rPr lang="ru-RU" dirty="0" smtClean="0"/>
-              <a:t>Обработка сценария</a:t>
-            </a:r>
-            <a:endParaRPr lang="ru-RU" dirty="0"/>
-          </a:p>
-        </p:txBody>
-      </p:sp>
-      <p:sp>
-        <p:nvSpPr>
-          <p:cNvPr id="4" name="Номер слайда 3"/>
-          <p:cNvSpPr>
-            <a:spLocks noGrp="1"/>
-          </p:cNvSpPr>
-          <p:nvPr>
-            <p:ph type="sldNum" sz="quarter" idx="12"/>
-          </p:nvPr>
-        </p:nvSpPr>
-        <p:spPr/>
-        <p:txBody>
-          <a:bodyPr/>
-          <a:lstStyle/>
-          <a:p>
-            <a:fld id="{EF717E07-C66C-6149-98B7-03ADCD069AD7}" type="slidenum">
-              <a:rPr lang="ru-RU" smtClean="0"/>
-              <a:pPr/>
-              <a:t>13</a:t>
             </a:fld>
             <a:endParaRPr lang="ru-RU"/>
           </a:p>
@@ -2633,7 +2106,7 @@
 </p:sld>
 </file>
 
-<file path=ppt/slides/slide14.xml><?xml version="1.0" encoding="utf-8"?>
+<file path=ppt/slides/slide11.xml><?xml version="1.0" encoding="utf-8"?>
 <p:sld xmlns:a="http://schemas.openxmlformats.org/drawingml/2006/main" xmlns:r="http://schemas.openxmlformats.org/officeDocument/2006/relationships" xmlns:p="http://schemas.openxmlformats.org/presentationml/2006/main">
   <p:cSld>
     <p:spTree>
@@ -2691,7 +2164,7 @@
             <a:fld id="{EF717E07-C66C-6149-98B7-03ADCD069AD7}" type="slidenum">
               <a:rPr lang="ru-RU" smtClean="0"/>
               <a:pPr/>
-              <a:t>14</a:t>
+              <a:t>11</a:t>
             </a:fld>
             <a:endParaRPr lang="ru-RU"/>
           </a:p>
@@ -2743,7 +2216,7 @@
 </p:sld>
 </file>
 
-<file path=ppt/slides/slide15.xml><?xml version="1.0" encoding="utf-8"?>
+<file path=ppt/slides/slide12.xml><?xml version="1.0" encoding="utf-8"?>
 <p:sld xmlns:a="http://schemas.openxmlformats.org/drawingml/2006/main" xmlns:r="http://schemas.openxmlformats.org/officeDocument/2006/relationships" xmlns:p="http://schemas.openxmlformats.org/presentationml/2006/main">
   <p:cSld>
     <p:spTree>
@@ -2776,10 +2249,9 @@
           <a:lstStyle/>
           <a:p>
             <a:r>
-              <a:rPr lang="ru-RU" dirty="0" smtClean="0"/>
+              <a:rPr lang="ru-RU" dirty="0"/>
               <a:t>Отчёты об ошибках</a:t>
             </a:r>
-            <a:endParaRPr lang="ru-RU" dirty="0"/>
           </a:p>
         </p:txBody>
       </p:sp>
@@ -2801,61 +2273,65 @@
             <a:fld id="{EF717E07-C66C-6149-98B7-03ADCD069AD7}" type="slidenum">
               <a:rPr lang="ru-RU" smtClean="0"/>
               <a:pPr/>
-              <a:t>15</a:t>
+              <a:t>12</a:t>
             </a:fld>
             <a:endParaRPr lang="ru-RU"/>
           </a:p>
         </p:txBody>
       </p:sp>
-      <p:sp>
-        <p:nvSpPr>
-          <p:cNvPr id="3" name="Объект 2"/>
-          <p:cNvSpPr>
-            <a:spLocks noGrp="1"/>
-          </p:cNvSpPr>
+      <p:pic>
+        <p:nvPicPr>
+          <p:cNvPr id="10" name="Объект 9"/>
+          <p:cNvPicPr>
+            <a:picLocks noGrp="1"/>
+          </p:cNvPicPr>
           <p:nvPr>
             <p:ph idx="1"/>
           </p:nvPr>
-        </p:nvSpPr>
-        <p:spPr/>
-        <p:txBody>
-          <a:bodyPr/>
-          <a:lstStyle/>
-          <a:p>
-            <a:r>
-              <a:rPr lang="ru-RU" dirty="0" smtClean="0"/>
-              <a:t>После запуска тестов важно наглядно видеть и понимать где конкретно произошла ошибка</a:t>
-            </a:r>
-          </a:p>
-          <a:p>
-            <a:r>
-              <a:rPr lang="ru-RU" dirty="0" smtClean="0"/>
-              <a:t>Если проблема в авто-тесте, то необходимо сообщить </a:t>
-            </a:r>
-            <a:r>
-              <a:rPr lang="ru-RU" dirty="0" err="1" smtClean="0"/>
-              <a:t>тестировщику</a:t>
-            </a:r>
-            <a:r>
-              <a:rPr lang="ru-RU" dirty="0" smtClean="0"/>
-              <a:t> о неполадке для дальнейшего восстановления работы</a:t>
-            </a:r>
-          </a:p>
-          <a:p>
-            <a:r>
-              <a:rPr lang="ru-RU" dirty="0" smtClean="0"/>
-              <a:t>Если проблема на стороне тестируемого приложения, то необходимо задокументировать поломку и сообщить разработчикам</a:t>
-            </a:r>
-          </a:p>
-          <a:p>
-            <a:endParaRPr lang="ru-RU" dirty="0"/>
-          </a:p>
-        </p:txBody>
-      </p:sp>
+        </p:nvPicPr>
+        <p:blipFill rotWithShape="1">
+          <a:blip r:embed="rId2"/>
+          <a:srcRect l="56586"/>
+          <a:stretch/>
+        </p:blipFill>
+        <p:spPr>
+          <a:xfrm>
+            <a:off x="685800" y="832175"/>
+            <a:ext cx="4675178" cy="5214062"/>
+          </a:xfrm>
+          <a:prstGeom prst="rect">
+            <a:avLst/>
+          </a:prstGeom>
+        </p:spPr>
+      </p:pic>
+      <p:pic>
+        <p:nvPicPr>
+          <p:cNvPr id="11" name="Объект 5"/>
+          <p:cNvPicPr>
+            <a:picLocks/>
+          </p:cNvPicPr>
+          <p:nvPr/>
+        </p:nvPicPr>
+        <p:blipFill>
+          <a:blip r:embed="rId3"/>
+          <a:stretch>
+            <a:fillRect/>
+          </a:stretch>
+        </p:blipFill>
+        <p:spPr>
+          <a:xfrm>
+            <a:off x="6186195" y="823836"/>
+            <a:ext cx="5019869" cy="5427673"/>
+          </a:xfrm>
+          <a:prstGeom prst="rect">
+            <a:avLst/>
+          </a:prstGeom>
+        </p:spPr>
+      </p:pic>
     </p:spTree>
     <p:extLst>
       <p:ext uri="{BB962C8B-B14F-4D97-AF65-F5344CB8AC3E}">
-        <p14:creationId xmlns:p14="http://schemas.microsoft.com/office/powerpoint/2010/main" val="71085421"/>
+        <p14:creationId xmlns:p14="http://schemas.microsoft.com/office/powerpoint/2010/main" val="5248377"/>
       </p:ext>
     </p:extLst>
   </p:cSld>
@@ -2872,7 +2348,7 @@
 </p:sld>
 </file>
 
-<file path=ppt/slides/slide16.xml><?xml version="1.0" encoding="utf-8"?>
+<file path=ppt/slides/slide13.xml><?xml version="1.0" encoding="utf-8"?>
 <p:sld xmlns:a="http://schemas.openxmlformats.org/drawingml/2006/main" xmlns:r="http://schemas.openxmlformats.org/officeDocument/2006/relationships" xmlns:p="http://schemas.openxmlformats.org/presentationml/2006/main">
   <p:cSld>
     <p:spTree>
@@ -2905,138 +2381,6 @@
           <a:lstStyle/>
           <a:p>
             <a:r>
-              <a:rPr lang="ru-RU" dirty="0"/>
-              <a:t>Отчёты об ошибках</a:t>
-            </a:r>
-          </a:p>
-        </p:txBody>
-      </p:sp>
-      <p:sp>
-        <p:nvSpPr>
-          <p:cNvPr id="4" name="Номер слайда 3"/>
-          <p:cNvSpPr>
-            <a:spLocks noGrp="1"/>
-          </p:cNvSpPr>
-          <p:nvPr>
-            <p:ph type="sldNum" sz="quarter" idx="12"/>
-          </p:nvPr>
-        </p:nvSpPr>
-        <p:spPr/>
-        <p:txBody>
-          <a:bodyPr/>
-          <a:lstStyle/>
-          <a:p>
-            <a:fld id="{EF717E07-C66C-6149-98B7-03ADCD069AD7}" type="slidenum">
-              <a:rPr lang="ru-RU" smtClean="0"/>
-              <a:pPr/>
-              <a:t>16</a:t>
-            </a:fld>
-            <a:endParaRPr lang="ru-RU"/>
-          </a:p>
-        </p:txBody>
-      </p:sp>
-      <p:pic>
-        <p:nvPicPr>
-          <p:cNvPr id="10" name="Объект 9"/>
-          <p:cNvPicPr>
-            <a:picLocks noGrp="1"/>
-          </p:cNvPicPr>
-          <p:nvPr>
-            <p:ph idx="1"/>
-          </p:nvPr>
-        </p:nvPicPr>
-        <p:blipFill rotWithShape="1">
-          <a:blip r:embed="rId2"/>
-          <a:srcRect l="56586"/>
-          <a:stretch/>
-        </p:blipFill>
-        <p:spPr>
-          <a:xfrm>
-            <a:off x="685800" y="1035699"/>
-            <a:ext cx="4492689" cy="5010538"/>
-          </a:xfrm>
-          <a:prstGeom prst="rect">
-            <a:avLst/>
-          </a:prstGeom>
-        </p:spPr>
-      </p:pic>
-      <p:pic>
-        <p:nvPicPr>
-          <p:cNvPr id="11" name="Объект 5"/>
-          <p:cNvPicPr>
-            <a:picLocks/>
-          </p:cNvPicPr>
-          <p:nvPr/>
-        </p:nvPicPr>
-        <p:blipFill>
-          <a:blip r:embed="rId3"/>
-          <a:stretch>
-            <a:fillRect/>
-          </a:stretch>
-        </p:blipFill>
-        <p:spPr>
-          <a:xfrm>
-            <a:off x="6186196" y="1035698"/>
-            <a:ext cx="4823925" cy="5215811"/>
-          </a:xfrm>
-          <a:prstGeom prst="rect">
-            <a:avLst/>
-          </a:prstGeom>
-        </p:spPr>
-      </p:pic>
-    </p:spTree>
-    <p:extLst>
-      <p:ext uri="{BB962C8B-B14F-4D97-AF65-F5344CB8AC3E}">
-        <p14:creationId xmlns:p14="http://schemas.microsoft.com/office/powerpoint/2010/main" val="5248377"/>
-      </p:ext>
-    </p:extLst>
-  </p:cSld>
-  <p:clrMapOvr>
-    <a:masterClrMapping/>
-  </p:clrMapOvr>
-  <p:timing>
-    <p:tnLst>
-      <p:par>
-        <p:cTn id="1" dur="indefinite" restart="never" nodeType="tmRoot"/>
-      </p:par>
-    </p:tnLst>
-  </p:timing>
-</p:sld>
-</file>
-
-<file path=ppt/slides/slide17.xml><?xml version="1.0" encoding="utf-8"?>
-<p:sld xmlns:a="http://schemas.openxmlformats.org/drawingml/2006/main" xmlns:r="http://schemas.openxmlformats.org/officeDocument/2006/relationships" xmlns:p="http://schemas.openxmlformats.org/presentationml/2006/main">
-  <p:cSld>
-    <p:spTree>
-      <p:nvGrpSpPr>
-        <p:cNvPr id="1" name=""/>
-        <p:cNvGrpSpPr/>
-        <p:nvPr/>
-      </p:nvGrpSpPr>
-      <p:grpSpPr>
-        <a:xfrm>
-          <a:off x="0" y="0"/>
-          <a:ext cx="0" cy="0"/>
-          <a:chOff x="0" y="0"/>
-          <a:chExt cx="0" cy="0"/>
-        </a:xfrm>
-      </p:grpSpPr>
-      <p:sp>
-        <p:nvSpPr>
-          <p:cNvPr id="2" name="Заголовок 1"/>
-          <p:cNvSpPr>
-            <a:spLocks noGrp="1"/>
-          </p:cNvSpPr>
-          <p:nvPr>
-            <p:ph type="title"/>
-          </p:nvPr>
-        </p:nvSpPr>
-        <p:spPr/>
-        <p:txBody>
-          <a:bodyPr/>
-          <a:lstStyle/>
-          <a:p>
-            <a:r>
               <a:rPr lang="ru-RU" dirty="0" smtClean="0"/>
               <a:t>Параллельный запуск</a:t>
             </a:r>
@@ -3062,7 +2406,7 @@
             <a:fld id="{EF717E07-C66C-6149-98B7-03ADCD069AD7}" type="slidenum">
               <a:rPr lang="ru-RU" smtClean="0"/>
               <a:pPr/>
-              <a:t>17</a:t>
+              <a:t>13</a:t>
             </a:fld>
             <a:endParaRPr lang="ru-RU"/>
           </a:p>
@@ -3133,7 +2477,7 @@
 </p:sld>
 </file>
 
-<file path=ppt/slides/slide18.xml><?xml version="1.0" encoding="utf-8"?>
+<file path=ppt/slides/slide14.xml><?xml version="1.0" encoding="utf-8"?>
 <p:sld xmlns:a="http://schemas.openxmlformats.org/drawingml/2006/main" xmlns:r="http://schemas.openxmlformats.org/officeDocument/2006/relationships" xmlns:p="http://schemas.openxmlformats.org/presentationml/2006/main">
   <p:cSld>
     <p:spTree>
@@ -3191,31 +2535,6056 @@
             <a:fld id="{EF717E07-C66C-6149-98B7-03ADCD069AD7}" type="slidenum">
               <a:rPr lang="ru-RU" smtClean="0"/>
               <a:pPr/>
-              <a:t>18</a:t>
+              <a:t>14</a:t>
             </a:fld>
             <a:endParaRPr lang="ru-RU"/>
           </a:p>
         </p:txBody>
       </p:sp>
+      <mc:AlternateContent xmlns:mc="http://schemas.openxmlformats.org/markup-compatibility/2006">
+        <mc:Choice xmlns:a14="http://schemas.microsoft.com/office/drawing/2010/main" Requires="a14">
+          <p:graphicFrame>
+            <p:nvGraphicFramePr>
+              <p:cNvPr id="3" name="Объект 2"/>
+              <p:cNvGraphicFramePr>
+                <a:graphicFrameLocks noGrp="1"/>
+              </p:cNvGraphicFramePr>
+              <p:nvPr>
+                <p:ph idx="1"/>
+                <p:extLst>
+                  <p:ext uri="{D42A27DB-BD31-4B8C-83A1-F6EECF244321}">
+                    <p14:modId xmlns:p14="http://schemas.microsoft.com/office/powerpoint/2010/main" val="3633099823"/>
+                  </p:ext>
+                </p:extLst>
+              </p:nvPr>
+            </p:nvGraphicFramePr>
+            <p:xfrm>
+              <a:off x="487043" y="2404233"/>
+              <a:ext cx="3831623" cy="2606307"/>
+            </p:xfrm>
+            <a:graphic>
+              <a:graphicData uri="http://schemas.openxmlformats.org/drawingml/2006/table">
+                <a:tbl>
+                  <a:tblPr firstRow="1" firstCol="1" bandRow="1">
+                    <a:tableStyleId>{21E4AEA4-8DFA-4A89-87EB-49C32662AFE0}</a:tableStyleId>
+                  </a:tblPr>
+                  <a:tblGrid>
+                    <a:gridCol w="1321058">
+                      <a:extLst>
+                        <a:ext uri="{9D8B030D-6E8A-4147-A177-3AD203B41FA5}">
+                          <a16:colId xmlns:a16="http://schemas.microsoft.com/office/drawing/2014/main" val="3937347236"/>
+                        </a:ext>
+                      </a:extLst>
+                    </a:gridCol>
+                    <a:gridCol w="822237">
+                      <a:extLst>
+                        <a:ext uri="{9D8B030D-6E8A-4147-A177-3AD203B41FA5}">
+                          <a16:colId xmlns:a16="http://schemas.microsoft.com/office/drawing/2014/main" val="215165887"/>
+                        </a:ext>
+                      </a:extLst>
+                    </a:gridCol>
+                    <a:gridCol w="745494">
+                      <a:extLst>
+                        <a:ext uri="{9D8B030D-6E8A-4147-A177-3AD203B41FA5}">
+                          <a16:colId xmlns:a16="http://schemas.microsoft.com/office/drawing/2014/main" val="1723564653"/>
+                        </a:ext>
+                      </a:extLst>
+                    </a:gridCol>
+                    <a:gridCol w="942834">
+                      <a:extLst>
+                        <a:ext uri="{9D8B030D-6E8A-4147-A177-3AD203B41FA5}">
+                          <a16:colId xmlns:a16="http://schemas.microsoft.com/office/drawing/2014/main" val="2302272877"/>
+                        </a:ext>
+                      </a:extLst>
+                    </a:gridCol>
+                  </a:tblGrid>
+                  <a:tr h="276075">
+                    <a:tc rowSpan="2">
+                      <a:txBody>
+                        <a:bodyPr/>
+                        <a:lstStyle/>
+                        <a:p>
+                          <a:pPr indent="9525" algn="ctr">
+                            <a:lnSpc>
+                              <a:spcPct val="106000"/>
+                            </a:lnSpc>
+                            <a:spcAft>
+                              <a:spcPts val="0"/>
+                            </a:spcAft>
+                          </a:pPr>
+                          <a:r>
+                            <a:rPr lang="ru-RU" sz="1400" dirty="0">
+                              <a:effectLst/>
+                            </a:rPr>
+                            <a:t>Оценки</a:t>
+                          </a:r>
+                          <a:endParaRPr lang="ru-RU" sz="1100" dirty="0">
+                            <a:effectLst/>
+                            <a:latin typeface="Calibri" panose="020F0502020204030204" pitchFamily="34" charset="0"/>
+                            <a:ea typeface="Calibri" panose="020F0502020204030204" pitchFamily="34" charset="0"/>
+                            <a:cs typeface="Times New Roman" panose="02020603050405020304" pitchFamily="18" charset="0"/>
+                          </a:endParaRPr>
+                        </a:p>
+                      </a:txBody>
+                      <a:tcPr marL="72743" marR="72743" marT="0" marB="0" anchor="ctr"/>
+                    </a:tc>
+                    <a:tc gridSpan="3">
+                      <a:txBody>
+                        <a:bodyPr/>
+                        <a:lstStyle/>
+                        <a:p>
+                          <a:pPr algn="ctr">
+                            <a:lnSpc>
+                              <a:spcPct val="106000"/>
+                            </a:lnSpc>
+                            <a:spcAft>
+                              <a:spcPts val="0"/>
+                            </a:spcAft>
+                          </a:pPr>
+                          <a:r>
+                            <a:rPr lang="ru-RU" sz="1400" dirty="0">
+                              <a:effectLst/>
+                            </a:rPr>
+                            <a:t>№ критерия</a:t>
+                          </a:r>
+                          <a:endParaRPr lang="ru-RU" sz="1100" dirty="0">
+                            <a:effectLst/>
+                            <a:latin typeface="Calibri" panose="020F0502020204030204" pitchFamily="34" charset="0"/>
+                            <a:ea typeface="Calibri" panose="020F0502020204030204" pitchFamily="34" charset="0"/>
+                            <a:cs typeface="Times New Roman" panose="02020603050405020304" pitchFamily="18" charset="0"/>
+                          </a:endParaRPr>
+                        </a:p>
+                      </a:txBody>
+                      <a:tcPr marL="72743" marR="72743" marT="0" marB="0" anchor="ctr"/>
+                    </a:tc>
+                    <a:tc hMerge="1">
+                      <a:txBody>
+                        <a:bodyPr/>
+                        <a:lstStyle/>
+                        <a:p>
+                          <a:endParaRPr lang="ru-RU"/>
+                        </a:p>
+                      </a:txBody>
+                      <a:tcPr/>
+                    </a:tc>
+                    <a:tc hMerge="1">
+                      <a:txBody>
+                        <a:bodyPr/>
+                        <a:lstStyle/>
+                        <a:p>
+                          <a:endParaRPr lang="ru-RU"/>
+                        </a:p>
+                      </a:txBody>
+                      <a:tcPr/>
+                    </a:tc>
+                    <a:extLst>
+                      <a:ext uri="{0D108BD9-81ED-4DB2-BD59-A6C34878D82A}">
+                        <a16:rowId xmlns:a16="http://schemas.microsoft.com/office/drawing/2014/main" val="1012919914"/>
+                      </a:ext>
+                    </a:extLst>
+                  </a:tr>
+                  <a:tr h="276075">
+                    <a:tc vMerge="1">
+                      <a:txBody>
+                        <a:bodyPr/>
+                        <a:lstStyle/>
+                        <a:p>
+                          <a:endParaRPr lang="ru-RU"/>
+                        </a:p>
+                      </a:txBody>
+                      <a:tcPr/>
+                    </a:tc>
+                    <a:tc>
+                      <a:txBody>
+                        <a:bodyPr/>
+                        <a:lstStyle/>
+                        <a:p>
+                          <a:pPr algn="ctr">
+                            <a:lnSpc>
+                              <a:spcPct val="106000"/>
+                            </a:lnSpc>
+                            <a:spcAft>
+                              <a:spcPts val="0"/>
+                            </a:spcAft>
+                          </a:pPr>
+                          <a:r>
+                            <a:rPr lang="ru-RU" sz="1400" dirty="0">
+                              <a:effectLst/>
+                            </a:rPr>
+                            <a:t>1</a:t>
+                          </a:r>
+                          <a:endParaRPr lang="ru-RU" sz="1100" dirty="0">
+                            <a:effectLst/>
+                            <a:latin typeface="Calibri" panose="020F0502020204030204" pitchFamily="34" charset="0"/>
+                            <a:ea typeface="Calibri" panose="020F0502020204030204" pitchFamily="34" charset="0"/>
+                            <a:cs typeface="Times New Roman" panose="02020603050405020304" pitchFamily="18" charset="0"/>
+                          </a:endParaRPr>
+                        </a:p>
+                      </a:txBody>
+                      <a:tcPr marL="72743" marR="72743" marT="0" marB="0" anchor="ctr"/>
+                    </a:tc>
+                    <a:tc>
+                      <a:txBody>
+                        <a:bodyPr/>
+                        <a:lstStyle/>
+                        <a:p>
+                          <a:pPr algn="ctr">
+                            <a:lnSpc>
+                              <a:spcPct val="106000"/>
+                            </a:lnSpc>
+                            <a:spcAft>
+                              <a:spcPts val="0"/>
+                            </a:spcAft>
+                          </a:pPr>
+                          <a:r>
+                            <a:rPr lang="ru-RU" sz="1400">
+                              <a:effectLst/>
+                            </a:rPr>
+                            <a:t>2</a:t>
+                          </a:r>
+                          <a:endParaRPr lang="ru-RU" sz="1100">
+                            <a:effectLst/>
+                            <a:latin typeface="Calibri" panose="020F0502020204030204" pitchFamily="34" charset="0"/>
+                            <a:ea typeface="Calibri" panose="020F0502020204030204" pitchFamily="34" charset="0"/>
+                            <a:cs typeface="Times New Roman" panose="02020603050405020304" pitchFamily="18" charset="0"/>
+                          </a:endParaRPr>
+                        </a:p>
+                      </a:txBody>
+                      <a:tcPr marL="72743" marR="72743" marT="0" marB="0" anchor="ctr"/>
+                    </a:tc>
+                    <a:tc>
+                      <a:txBody>
+                        <a:bodyPr/>
+                        <a:lstStyle/>
+                        <a:p>
+                          <a:pPr algn="ctr">
+                            <a:lnSpc>
+                              <a:spcPct val="106000"/>
+                            </a:lnSpc>
+                            <a:spcAft>
+                              <a:spcPts val="0"/>
+                            </a:spcAft>
+                          </a:pPr>
+                          <a:r>
+                            <a:rPr lang="ru-RU" sz="1400" dirty="0">
+                              <a:effectLst/>
+                            </a:rPr>
+                            <a:t>3</a:t>
+                          </a:r>
+                          <a:endParaRPr lang="ru-RU" sz="1100" dirty="0">
+                            <a:effectLst/>
+                            <a:latin typeface="Calibri" panose="020F0502020204030204" pitchFamily="34" charset="0"/>
+                            <a:ea typeface="Calibri" panose="020F0502020204030204" pitchFamily="34" charset="0"/>
+                            <a:cs typeface="Times New Roman" panose="02020603050405020304" pitchFamily="18" charset="0"/>
+                          </a:endParaRPr>
+                        </a:p>
+                      </a:txBody>
+                      <a:tcPr marL="72743" marR="72743" marT="0" marB="0" anchor="ctr"/>
+                    </a:tc>
+                    <a:extLst>
+                      <a:ext uri="{0D108BD9-81ED-4DB2-BD59-A6C34878D82A}">
+                        <a16:rowId xmlns:a16="http://schemas.microsoft.com/office/drawing/2014/main" val="2944430712"/>
+                      </a:ext>
+                    </a:extLst>
+                  </a:tr>
+                  <a:tr h="276075">
+                    <a:tc>
+                      <a:txBody>
+                        <a:bodyPr/>
+                        <a:lstStyle/>
+                        <a:p>
+                          <a:pPr algn="ctr">
+                            <a:lnSpc>
+                              <a:spcPct val="106000"/>
+                            </a:lnSpc>
+                            <a:spcAft>
+                              <a:spcPts val="0"/>
+                            </a:spcAft>
+                          </a:pPr>
+                          <a:r>
+                            <a:rPr lang="ru-RU" sz="1400">
+                              <a:effectLst/>
+                            </a:rPr>
+                            <a:t>Эксперт 1</a:t>
+                          </a:r>
+                          <a:endParaRPr lang="ru-RU" sz="1100">
+                            <a:effectLst/>
+                            <a:latin typeface="Calibri" panose="020F0502020204030204" pitchFamily="34" charset="0"/>
+                            <a:ea typeface="Calibri" panose="020F0502020204030204" pitchFamily="34" charset="0"/>
+                            <a:cs typeface="Times New Roman" panose="02020603050405020304" pitchFamily="18" charset="0"/>
+                          </a:endParaRPr>
+                        </a:p>
+                      </a:txBody>
+                      <a:tcPr marL="72743" marR="72743" marT="0" marB="0" anchor="ctr"/>
+                    </a:tc>
+                    <a:tc>
+                      <a:txBody>
+                        <a:bodyPr/>
+                        <a:lstStyle/>
+                        <a:p>
+                          <a:pPr algn="ctr">
+                            <a:lnSpc>
+                              <a:spcPct val="106000"/>
+                            </a:lnSpc>
+                            <a:spcAft>
+                              <a:spcPts val="0"/>
+                            </a:spcAft>
+                          </a:pPr>
+                          <a:r>
+                            <a:rPr lang="ru-RU" sz="1200">
+                              <a:effectLst/>
+                            </a:rPr>
+                            <a:t>5</a:t>
+                          </a:r>
+                          <a:endParaRPr lang="ru-RU" sz="1100">
+                            <a:effectLst/>
+                            <a:latin typeface="Calibri" panose="020F0502020204030204" pitchFamily="34" charset="0"/>
+                            <a:ea typeface="Calibri" panose="020F0502020204030204" pitchFamily="34" charset="0"/>
+                            <a:cs typeface="Times New Roman" panose="02020603050405020304" pitchFamily="18" charset="0"/>
+                          </a:endParaRPr>
+                        </a:p>
+                      </a:txBody>
+                      <a:tcPr marL="72743" marR="72743" marT="0" marB="0" anchor="ctr"/>
+                    </a:tc>
+                    <a:tc>
+                      <a:txBody>
+                        <a:bodyPr/>
+                        <a:lstStyle/>
+                        <a:p>
+                          <a:pPr algn="ctr">
+                            <a:lnSpc>
+                              <a:spcPct val="106000"/>
+                            </a:lnSpc>
+                            <a:spcAft>
+                              <a:spcPts val="0"/>
+                            </a:spcAft>
+                          </a:pPr>
+                          <a:r>
+                            <a:rPr lang="ru-RU" sz="1200">
+                              <a:effectLst/>
+                            </a:rPr>
+                            <a:t>5</a:t>
+                          </a:r>
+                          <a:endParaRPr lang="ru-RU" sz="1100">
+                            <a:effectLst/>
+                            <a:latin typeface="Calibri" panose="020F0502020204030204" pitchFamily="34" charset="0"/>
+                            <a:ea typeface="Calibri" panose="020F0502020204030204" pitchFamily="34" charset="0"/>
+                            <a:cs typeface="Times New Roman" panose="02020603050405020304" pitchFamily="18" charset="0"/>
+                          </a:endParaRPr>
+                        </a:p>
+                      </a:txBody>
+                      <a:tcPr marL="72743" marR="72743" marT="0" marB="0" anchor="ctr"/>
+                    </a:tc>
+                    <a:tc>
+                      <a:txBody>
+                        <a:bodyPr/>
+                        <a:lstStyle/>
+                        <a:p>
+                          <a:pPr algn="ctr">
+                            <a:lnSpc>
+                              <a:spcPct val="106000"/>
+                            </a:lnSpc>
+                            <a:spcAft>
+                              <a:spcPts val="0"/>
+                            </a:spcAft>
+                          </a:pPr>
+                          <a:r>
+                            <a:rPr lang="ru-RU" sz="1200">
+                              <a:effectLst/>
+                            </a:rPr>
+                            <a:t>5</a:t>
+                          </a:r>
+                          <a:endParaRPr lang="ru-RU" sz="1100">
+                            <a:effectLst/>
+                            <a:latin typeface="Calibri" panose="020F0502020204030204" pitchFamily="34" charset="0"/>
+                            <a:ea typeface="Calibri" panose="020F0502020204030204" pitchFamily="34" charset="0"/>
+                            <a:cs typeface="Times New Roman" panose="02020603050405020304" pitchFamily="18" charset="0"/>
+                          </a:endParaRPr>
+                        </a:p>
+                      </a:txBody>
+                      <a:tcPr marL="72743" marR="72743" marT="0" marB="0" anchor="ctr"/>
+                    </a:tc>
+                    <a:extLst>
+                      <a:ext uri="{0D108BD9-81ED-4DB2-BD59-A6C34878D82A}">
+                        <a16:rowId xmlns:a16="http://schemas.microsoft.com/office/drawing/2014/main" val="1867091642"/>
+                      </a:ext>
+                    </a:extLst>
+                  </a:tr>
+                  <a:tr h="276075">
+                    <a:tc>
+                      <a:txBody>
+                        <a:bodyPr/>
+                        <a:lstStyle/>
+                        <a:p>
+                          <a:pPr algn="ctr">
+                            <a:lnSpc>
+                              <a:spcPct val="106000"/>
+                            </a:lnSpc>
+                            <a:spcAft>
+                              <a:spcPts val="0"/>
+                            </a:spcAft>
+                          </a:pPr>
+                          <a:r>
+                            <a:rPr lang="ru-RU" sz="1400">
+                              <a:effectLst/>
+                            </a:rPr>
+                            <a:t>Эксперт 2</a:t>
+                          </a:r>
+                          <a:endParaRPr lang="ru-RU" sz="1100">
+                            <a:effectLst/>
+                            <a:latin typeface="Calibri" panose="020F0502020204030204" pitchFamily="34" charset="0"/>
+                            <a:ea typeface="Calibri" panose="020F0502020204030204" pitchFamily="34" charset="0"/>
+                            <a:cs typeface="Times New Roman" panose="02020603050405020304" pitchFamily="18" charset="0"/>
+                          </a:endParaRPr>
+                        </a:p>
+                      </a:txBody>
+                      <a:tcPr marL="72743" marR="72743" marT="0" marB="0" anchor="ctr"/>
+                    </a:tc>
+                    <a:tc>
+                      <a:txBody>
+                        <a:bodyPr/>
+                        <a:lstStyle/>
+                        <a:p>
+                          <a:pPr algn="ctr">
+                            <a:lnSpc>
+                              <a:spcPct val="106000"/>
+                            </a:lnSpc>
+                            <a:spcAft>
+                              <a:spcPts val="0"/>
+                            </a:spcAft>
+                          </a:pPr>
+                          <a:r>
+                            <a:rPr lang="ru-RU" sz="1200">
+                              <a:effectLst/>
+                            </a:rPr>
+                            <a:t>5</a:t>
+                          </a:r>
+                          <a:endParaRPr lang="ru-RU" sz="1100">
+                            <a:effectLst/>
+                            <a:latin typeface="Calibri" panose="020F0502020204030204" pitchFamily="34" charset="0"/>
+                            <a:ea typeface="Calibri" panose="020F0502020204030204" pitchFamily="34" charset="0"/>
+                            <a:cs typeface="Times New Roman" panose="02020603050405020304" pitchFamily="18" charset="0"/>
+                          </a:endParaRPr>
+                        </a:p>
+                      </a:txBody>
+                      <a:tcPr marL="72743" marR="72743" marT="0" marB="0" anchor="ctr"/>
+                    </a:tc>
+                    <a:tc>
+                      <a:txBody>
+                        <a:bodyPr/>
+                        <a:lstStyle/>
+                        <a:p>
+                          <a:pPr algn="ctr">
+                            <a:lnSpc>
+                              <a:spcPct val="106000"/>
+                            </a:lnSpc>
+                            <a:spcAft>
+                              <a:spcPts val="0"/>
+                            </a:spcAft>
+                          </a:pPr>
+                          <a:r>
+                            <a:rPr lang="ru-RU" sz="1200">
+                              <a:effectLst/>
+                            </a:rPr>
+                            <a:t>5</a:t>
+                          </a:r>
+                          <a:endParaRPr lang="ru-RU" sz="1100">
+                            <a:effectLst/>
+                            <a:latin typeface="Calibri" panose="020F0502020204030204" pitchFamily="34" charset="0"/>
+                            <a:ea typeface="Calibri" panose="020F0502020204030204" pitchFamily="34" charset="0"/>
+                            <a:cs typeface="Times New Roman" panose="02020603050405020304" pitchFamily="18" charset="0"/>
+                          </a:endParaRPr>
+                        </a:p>
+                      </a:txBody>
+                      <a:tcPr marL="72743" marR="72743" marT="0" marB="0" anchor="ctr"/>
+                    </a:tc>
+                    <a:tc>
+                      <a:txBody>
+                        <a:bodyPr/>
+                        <a:lstStyle/>
+                        <a:p>
+                          <a:pPr algn="ctr">
+                            <a:lnSpc>
+                              <a:spcPct val="106000"/>
+                            </a:lnSpc>
+                            <a:spcAft>
+                              <a:spcPts val="0"/>
+                            </a:spcAft>
+                          </a:pPr>
+                          <a:r>
+                            <a:rPr lang="ru-RU" sz="1200" dirty="0">
+                              <a:effectLst/>
+                            </a:rPr>
+                            <a:t>4</a:t>
+                          </a:r>
+                          <a:endParaRPr lang="ru-RU" sz="1100" dirty="0">
+                            <a:effectLst/>
+                            <a:latin typeface="Calibri" panose="020F0502020204030204" pitchFamily="34" charset="0"/>
+                            <a:ea typeface="Calibri" panose="020F0502020204030204" pitchFamily="34" charset="0"/>
+                            <a:cs typeface="Times New Roman" panose="02020603050405020304" pitchFamily="18" charset="0"/>
+                          </a:endParaRPr>
+                        </a:p>
+                      </a:txBody>
+                      <a:tcPr marL="72743" marR="72743" marT="0" marB="0" anchor="ctr"/>
+                    </a:tc>
+                    <a:extLst>
+                      <a:ext uri="{0D108BD9-81ED-4DB2-BD59-A6C34878D82A}">
+                        <a16:rowId xmlns:a16="http://schemas.microsoft.com/office/drawing/2014/main" val="3307369629"/>
+                      </a:ext>
+                    </a:extLst>
+                  </a:tr>
+                  <a:tr h="276075">
+                    <a:tc>
+                      <a:txBody>
+                        <a:bodyPr/>
+                        <a:lstStyle/>
+                        <a:p>
+                          <a:pPr algn="ctr">
+                            <a:lnSpc>
+                              <a:spcPct val="106000"/>
+                            </a:lnSpc>
+                            <a:spcAft>
+                              <a:spcPts val="0"/>
+                            </a:spcAft>
+                          </a:pPr>
+                          <a:r>
+                            <a:rPr lang="ru-RU" sz="1400">
+                              <a:effectLst/>
+                            </a:rPr>
+                            <a:t>Эксперт 3</a:t>
+                          </a:r>
+                          <a:endParaRPr lang="ru-RU" sz="1100">
+                            <a:effectLst/>
+                            <a:latin typeface="Calibri" panose="020F0502020204030204" pitchFamily="34" charset="0"/>
+                            <a:ea typeface="Calibri" panose="020F0502020204030204" pitchFamily="34" charset="0"/>
+                            <a:cs typeface="Times New Roman" panose="02020603050405020304" pitchFamily="18" charset="0"/>
+                          </a:endParaRPr>
+                        </a:p>
+                      </a:txBody>
+                      <a:tcPr marL="72743" marR="72743" marT="0" marB="0" anchor="ctr"/>
+                    </a:tc>
+                    <a:tc>
+                      <a:txBody>
+                        <a:bodyPr/>
+                        <a:lstStyle/>
+                        <a:p>
+                          <a:pPr algn="ctr">
+                            <a:lnSpc>
+                              <a:spcPct val="106000"/>
+                            </a:lnSpc>
+                            <a:spcAft>
+                              <a:spcPts val="0"/>
+                            </a:spcAft>
+                          </a:pPr>
+                          <a:r>
+                            <a:rPr lang="ru-RU" sz="1200">
+                              <a:effectLst/>
+                            </a:rPr>
+                            <a:t>5</a:t>
+                          </a:r>
+                          <a:endParaRPr lang="ru-RU" sz="1100">
+                            <a:effectLst/>
+                            <a:latin typeface="Calibri" panose="020F0502020204030204" pitchFamily="34" charset="0"/>
+                            <a:ea typeface="Calibri" panose="020F0502020204030204" pitchFamily="34" charset="0"/>
+                            <a:cs typeface="Times New Roman" panose="02020603050405020304" pitchFamily="18" charset="0"/>
+                          </a:endParaRPr>
+                        </a:p>
+                      </a:txBody>
+                      <a:tcPr marL="72743" marR="72743" marT="0" marB="0" anchor="ctr"/>
+                    </a:tc>
+                    <a:tc>
+                      <a:txBody>
+                        <a:bodyPr/>
+                        <a:lstStyle/>
+                        <a:p>
+                          <a:pPr algn="ctr">
+                            <a:lnSpc>
+                              <a:spcPct val="106000"/>
+                            </a:lnSpc>
+                            <a:spcAft>
+                              <a:spcPts val="0"/>
+                            </a:spcAft>
+                          </a:pPr>
+                          <a:r>
+                            <a:rPr lang="ru-RU" sz="1200">
+                              <a:effectLst/>
+                            </a:rPr>
+                            <a:t>5</a:t>
+                          </a:r>
+                          <a:endParaRPr lang="ru-RU" sz="1100">
+                            <a:effectLst/>
+                            <a:latin typeface="Calibri" panose="020F0502020204030204" pitchFamily="34" charset="0"/>
+                            <a:ea typeface="Calibri" panose="020F0502020204030204" pitchFamily="34" charset="0"/>
+                            <a:cs typeface="Times New Roman" panose="02020603050405020304" pitchFamily="18" charset="0"/>
+                          </a:endParaRPr>
+                        </a:p>
+                      </a:txBody>
+                      <a:tcPr marL="72743" marR="72743" marT="0" marB="0" anchor="ctr"/>
+                    </a:tc>
+                    <a:tc>
+                      <a:txBody>
+                        <a:bodyPr/>
+                        <a:lstStyle/>
+                        <a:p>
+                          <a:pPr algn="ctr">
+                            <a:lnSpc>
+                              <a:spcPct val="106000"/>
+                            </a:lnSpc>
+                            <a:spcAft>
+                              <a:spcPts val="0"/>
+                            </a:spcAft>
+                          </a:pPr>
+                          <a:r>
+                            <a:rPr lang="ru-RU" sz="1200" dirty="0">
+                              <a:effectLst/>
+                            </a:rPr>
+                            <a:t>4</a:t>
+                          </a:r>
+                          <a:endParaRPr lang="ru-RU" sz="1100" dirty="0">
+                            <a:effectLst/>
+                            <a:latin typeface="Calibri" panose="020F0502020204030204" pitchFamily="34" charset="0"/>
+                            <a:ea typeface="Calibri" panose="020F0502020204030204" pitchFamily="34" charset="0"/>
+                            <a:cs typeface="Times New Roman" panose="02020603050405020304" pitchFamily="18" charset="0"/>
+                          </a:endParaRPr>
+                        </a:p>
+                      </a:txBody>
+                      <a:tcPr marL="72743" marR="72743" marT="0" marB="0" anchor="ctr"/>
+                    </a:tc>
+                    <a:extLst>
+                      <a:ext uri="{0D108BD9-81ED-4DB2-BD59-A6C34878D82A}">
+                        <a16:rowId xmlns:a16="http://schemas.microsoft.com/office/drawing/2014/main" val="2928514819"/>
+                      </a:ext>
+                    </a:extLst>
+                  </a:tr>
+                  <a:tr h="276075">
+                    <a:tc>
+                      <a:txBody>
+                        <a:bodyPr/>
+                        <a:lstStyle/>
+                        <a:p>
+                          <a:pPr algn="ctr">
+                            <a:lnSpc>
+                              <a:spcPct val="106000"/>
+                            </a:lnSpc>
+                            <a:spcAft>
+                              <a:spcPts val="0"/>
+                            </a:spcAft>
+                          </a:pPr>
+                          <a:r>
+                            <a:rPr lang="ru-RU" sz="1400">
+                              <a:effectLst/>
+                            </a:rPr>
+                            <a:t>Эксперт 4</a:t>
+                          </a:r>
+                          <a:endParaRPr lang="ru-RU" sz="1100">
+                            <a:effectLst/>
+                            <a:latin typeface="Calibri" panose="020F0502020204030204" pitchFamily="34" charset="0"/>
+                            <a:ea typeface="Calibri" panose="020F0502020204030204" pitchFamily="34" charset="0"/>
+                            <a:cs typeface="Times New Roman" panose="02020603050405020304" pitchFamily="18" charset="0"/>
+                          </a:endParaRPr>
+                        </a:p>
+                      </a:txBody>
+                      <a:tcPr marL="72743" marR="72743" marT="0" marB="0" anchor="ctr"/>
+                    </a:tc>
+                    <a:tc>
+                      <a:txBody>
+                        <a:bodyPr/>
+                        <a:lstStyle/>
+                        <a:p>
+                          <a:pPr algn="ctr">
+                            <a:lnSpc>
+                              <a:spcPct val="106000"/>
+                            </a:lnSpc>
+                            <a:spcAft>
+                              <a:spcPts val="0"/>
+                            </a:spcAft>
+                          </a:pPr>
+                          <a:r>
+                            <a:rPr lang="ru-RU" sz="1200">
+                              <a:effectLst/>
+                            </a:rPr>
+                            <a:t>5</a:t>
+                          </a:r>
+                          <a:endParaRPr lang="ru-RU" sz="1100">
+                            <a:effectLst/>
+                            <a:latin typeface="Calibri" panose="020F0502020204030204" pitchFamily="34" charset="0"/>
+                            <a:ea typeface="Calibri" panose="020F0502020204030204" pitchFamily="34" charset="0"/>
+                            <a:cs typeface="Times New Roman" panose="02020603050405020304" pitchFamily="18" charset="0"/>
+                          </a:endParaRPr>
+                        </a:p>
+                      </a:txBody>
+                      <a:tcPr marL="72743" marR="72743" marT="0" marB="0" anchor="ctr"/>
+                    </a:tc>
+                    <a:tc>
+                      <a:txBody>
+                        <a:bodyPr/>
+                        <a:lstStyle/>
+                        <a:p>
+                          <a:pPr algn="ctr">
+                            <a:lnSpc>
+                              <a:spcPct val="106000"/>
+                            </a:lnSpc>
+                            <a:spcAft>
+                              <a:spcPts val="0"/>
+                            </a:spcAft>
+                          </a:pPr>
+                          <a:r>
+                            <a:rPr lang="ru-RU" sz="1200">
+                              <a:effectLst/>
+                            </a:rPr>
+                            <a:t>4</a:t>
+                          </a:r>
+                          <a:endParaRPr lang="ru-RU" sz="1100">
+                            <a:effectLst/>
+                            <a:latin typeface="Calibri" panose="020F0502020204030204" pitchFamily="34" charset="0"/>
+                            <a:ea typeface="Calibri" panose="020F0502020204030204" pitchFamily="34" charset="0"/>
+                            <a:cs typeface="Times New Roman" panose="02020603050405020304" pitchFamily="18" charset="0"/>
+                          </a:endParaRPr>
+                        </a:p>
+                      </a:txBody>
+                      <a:tcPr marL="72743" marR="72743" marT="0" marB="0" anchor="ctr"/>
+                    </a:tc>
+                    <a:tc>
+                      <a:txBody>
+                        <a:bodyPr/>
+                        <a:lstStyle/>
+                        <a:p>
+                          <a:pPr algn="ctr">
+                            <a:lnSpc>
+                              <a:spcPct val="106000"/>
+                            </a:lnSpc>
+                            <a:spcAft>
+                              <a:spcPts val="0"/>
+                            </a:spcAft>
+                          </a:pPr>
+                          <a:r>
+                            <a:rPr lang="ru-RU" sz="1200">
+                              <a:effectLst/>
+                            </a:rPr>
+                            <a:t>5</a:t>
+                          </a:r>
+                          <a:endParaRPr lang="ru-RU" sz="1100">
+                            <a:effectLst/>
+                            <a:latin typeface="Calibri" panose="020F0502020204030204" pitchFamily="34" charset="0"/>
+                            <a:ea typeface="Calibri" panose="020F0502020204030204" pitchFamily="34" charset="0"/>
+                            <a:cs typeface="Times New Roman" panose="02020603050405020304" pitchFamily="18" charset="0"/>
+                          </a:endParaRPr>
+                        </a:p>
+                      </a:txBody>
+                      <a:tcPr marL="72743" marR="72743" marT="0" marB="0" anchor="ctr"/>
+                    </a:tc>
+                    <a:extLst>
+                      <a:ext uri="{0D108BD9-81ED-4DB2-BD59-A6C34878D82A}">
+                        <a16:rowId xmlns:a16="http://schemas.microsoft.com/office/drawing/2014/main" val="1216530820"/>
+                      </a:ext>
+                    </a:extLst>
+                  </a:tr>
+                  <a:tr h="348386">
+                    <a:tc>
+                      <a:txBody>
+                        <a:bodyPr/>
+                        <a:lstStyle/>
+                        <a:p>
+                          <a:pPr algn="ctr">
+                            <a:lnSpc>
+                              <a:spcPct val="106000"/>
+                            </a:lnSpc>
+                            <a:spcAft>
+                              <a:spcPts val="0"/>
+                            </a:spcAft>
+                          </a:pPr>
+                          <a:r>
+                            <a:rPr lang="ru-RU" sz="1400">
+                              <a:effectLst/>
+                            </a:rPr>
+                            <a:t>Эксперт 5</a:t>
+                          </a:r>
+                          <a:endParaRPr lang="ru-RU" sz="1100">
+                            <a:effectLst/>
+                            <a:latin typeface="Calibri" panose="020F0502020204030204" pitchFamily="34" charset="0"/>
+                            <a:ea typeface="Calibri" panose="020F0502020204030204" pitchFamily="34" charset="0"/>
+                            <a:cs typeface="Times New Roman" panose="02020603050405020304" pitchFamily="18" charset="0"/>
+                          </a:endParaRPr>
+                        </a:p>
+                      </a:txBody>
+                      <a:tcPr marL="72743" marR="72743" marT="0" marB="0" anchor="ctr"/>
+                    </a:tc>
+                    <a:tc>
+                      <a:txBody>
+                        <a:bodyPr/>
+                        <a:lstStyle/>
+                        <a:p>
+                          <a:pPr algn="ctr">
+                            <a:lnSpc>
+                              <a:spcPct val="106000"/>
+                            </a:lnSpc>
+                            <a:spcAft>
+                              <a:spcPts val="0"/>
+                            </a:spcAft>
+                          </a:pPr>
+                          <a:r>
+                            <a:rPr lang="ru-RU" sz="1200">
+                              <a:effectLst/>
+                            </a:rPr>
+                            <a:t>4</a:t>
+                          </a:r>
+                          <a:endParaRPr lang="ru-RU" sz="1100">
+                            <a:effectLst/>
+                            <a:latin typeface="Calibri" panose="020F0502020204030204" pitchFamily="34" charset="0"/>
+                            <a:ea typeface="Calibri" panose="020F0502020204030204" pitchFamily="34" charset="0"/>
+                            <a:cs typeface="Times New Roman" panose="02020603050405020304" pitchFamily="18" charset="0"/>
+                          </a:endParaRPr>
+                        </a:p>
+                      </a:txBody>
+                      <a:tcPr marL="72743" marR="72743" marT="0" marB="0" anchor="ctr"/>
+                    </a:tc>
+                    <a:tc>
+                      <a:txBody>
+                        <a:bodyPr/>
+                        <a:lstStyle/>
+                        <a:p>
+                          <a:pPr algn="ctr">
+                            <a:lnSpc>
+                              <a:spcPct val="106000"/>
+                            </a:lnSpc>
+                            <a:spcAft>
+                              <a:spcPts val="0"/>
+                            </a:spcAft>
+                          </a:pPr>
+                          <a:r>
+                            <a:rPr lang="ru-RU" sz="1200">
+                              <a:effectLst/>
+                            </a:rPr>
+                            <a:t>4</a:t>
+                          </a:r>
+                          <a:endParaRPr lang="ru-RU" sz="1100">
+                            <a:effectLst/>
+                            <a:latin typeface="Calibri" panose="020F0502020204030204" pitchFamily="34" charset="0"/>
+                            <a:ea typeface="Calibri" panose="020F0502020204030204" pitchFamily="34" charset="0"/>
+                            <a:cs typeface="Times New Roman" panose="02020603050405020304" pitchFamily="18" charset="0"/>
+                          </a:endParaRPr>
+                        </a:p>
+                      </a:txBody>
+                      <a:tcPr marL="72743" marR="72743" marT="0" marB="0" anchor="ctr"/>
+                    </a:tc>
+                    <a:tc>
+                      <a:txBody>
+                        <a:bodyPr/>
+                        <a:lstStyle/>
+                        <a:p>
+                          <a:pPr algn="ctr">
+                            <a:lnSpc>
+                              <a:spcPct val="106000"/>
+                            </a:lnSpc>
+                            <a:spcAft>
+                              <a:spcPts val="0"/>
+                            </a:spcAft>
+                          </a:pPr>
+                          <a:r>
+                            <a:rPr lang="ru-RU" sz="1200">
+                              <a:effectLst/>
+                            </a:rPr>
+                            <a:t>5</a:t>
+                          </a:r>
+                          <a:endParaRPr lang="ru-RU" sz="1100">
+                            <a:effectLst/>
+                            <a:latin typeface="Calibri" panose="020F0502020204030204" pitchFamily="34" charset="0"/>
+                            <a:ea typeface="Calibri" panose="020F0502020204030204" pitchFamily="34" charset="0"/>
+                            <a:cs typeface="Times New Roman" panose="02020603050405020304" pitchFamily="18" charset="0"/>
+                          </a:endParaRPr>
+                        </a:p>
+                      </a:txBody>
+                      <a:tcPr marL="72743" marR="72743" marT="0" marB="0" anchor="ctr"/>
+                    </a:tc>
+                    <a:extLst>
+                      <a:ext uri="{0D108BD9-81ED-4DB2-BD59-A6C34878D82A}">
+                        <a16:rowId xmlns:a16="http://schemas.microsoft.com/office/drawing/2014/main" val="2868299042"/>
+                      </a:ext>
+                    </a:extLst>
+                  </a:tr>
+                  <a:tr h="276075">
+                    <a:tc>
+                      <a:txBody>
+                        <a:bodyPr/>
+                        <a:lstStyle/>
+                        <a:p>
+                          <a:pPr algn="ctr">
+                            <a:lnSpc>
+                              <a:spcPct val="106000"/>
+                            </a:lnSpc>
+                            <a:spcAft>
+                              <a:spcPts val="0"/>
+                            </a:spcAft>
+                          </a:pPr>
+                          <a:r>
+                            <a:rPr lang="ru-RU" sz="1400">
+                              <a:effectLst/>
+                            </a:rPr>
+                            <a:t>Ср. оценка</a:t>
+                          </a:r>
+                          <a:endParaRPr lang="ru-RU" sz="1100">
+                            <a:effectLst/>
+                            <a:latin typeface="Calibri" panose="020F0502020204030204" pitchFamily="34" charset="0"/>
+                            <a:ea typeface="Calibri" panose="020F0502020204030204" pitchFamily="34" charset="0"/>
+                            <a:cs typeface="Times New Roman" panose="02020603050405020304" pitchFamily="18" charset="0"/>
+                          </a:endParaRPr>
+                        </a:p>
+                      </a:txBody>
+                      <a:tcPr marL="72743" marR="72743" marT="0" marB="0" anchor="ctr"/>
+                    </a:tc>
+                    <a:tc>
+                      <a:txBody>
+                        <a:bodyPr/>
+                        <a:lstStyle/>
+                        <a:p>
+                          <a:pPr algn="ctr">
+                            <a:lnSpc>
+                              <a:spcPct val="106000"/>
+                            </a:lnSpc>
+                            <a:spcAft>
+                              <a:spcPts val="0"/>
+                            </a:spcAft>
+                          </a:pPr>
+                          <a:r>
+                            <a:rPr lang="ru-RU" sz="1200" dirty="0">
+                              <a:effectLst/>
+                            </a:rPr>
+                            <a:t>4</a:t>
+                          </a:r>
+                          <a:r>
+                            <a:rPr lang="en-US" sz="1200" dirty="0">
+                              <a:effectLst/>
+                            </a:rPr>
+                            <a:t>,8</a:t>
+                          </a:r>
+                          <a:endParaRPr lang="ru-RU" sz="1100" dirty="0">
+                            <a:effectLst/>
+                            <a:latin typeface="Calibri" panose="020F0502020204030204" pitchFamily="34" charset="0"/>
+                            <a:ea typeface="Calibri" panose="020F0502020204030204" pitchFamily="34" charset="0"/>
+                            <a:cs typeface="Times New Roman" panose="02020603050405020304" pitchFamily="18" charset="0"/>
+                          </a:endParaRPr>
+                        </a:p>
+                      </a:txBody>
+                      <a:tcPr marL="72743" marR="72743" marT="0" marB="0" anchor="ctr"/>
+                    </a:tc>
+                    <a:tc>
+                      <a:txBody>
+                        <a:bodyPr/>
+                        <a:lstStyle/>
+                        <a:p>
+                          <a:pPr algn="ctr">
+                            <a:lnSpc>
+                              <a:spcPct val="106000"/>
+                            </a:lnSpc>
+                            <a:spcAft>
+                              <a:spcPts val="0"/>
+                            </a:spcAft>
+                          </a:pPr>
+                          <a:r>
+                            <a:rPr lang="en-US" sz="1200" dirty="0">
+                              <a:effectLst/>
+                            </a:rPr>
+                            <a:t>4,6</a:t>
+                          </a:r>
+                          <a:endParaRPr lang="ru-RU" sz="1100" dirty="0">
+                            <a:effectLst/>
+                            <a:latin typeface="Calibri" panose="020F0502020204030204" pitchFamily="34" charset="0"/>
+                            <a:ea typeface="Calibri" panose="020F0502020204030204" pitchFamily="34" charset="0"/>
+                            <a:cs typeface="Times New Roman" panose="02020603050405020304" pitchFamily="18" charset="0"/>
+                          </a:endParaRPr>
+                        </a:p>
+                      </a:txBody>
+                      <a:tcPr marL="72743" marR="72743" marT="0" marB="0" anchor="ctr"/>
+                    </a:tc>
+                    <a:tc>
+                      <a:txBody>
+                        <a:bodyPr/>
+                        <a:lstStyle/>
+                        <a:p>
+                          <a:pPr algn="ctr">
+                            <a:lnSpc>
+                              <a:spcPct val="106000"/>
+                            </a:lnSpc>
+                            <a:spcAft>
+                              <a:spcPts val="0"/>
+                            </a:spcAft>
+                          </a:pPr>
+                          <a:r>
+                            <a:rPr lang="en-US" sz="1200" dirty="0" smtClean="0">
+                              <a:effectLst/>
+                            </a:rPr>
+                            <a:t>4,6</a:t>
+                          </a:r>
+                          <a:endParaRPr lang="ru-RU" sz="1200" dirty="0" smtClean="0">
+                            <a:effectLst/>
+                          </a:endParaRPr>
+                        </a:p>
+                      </a:txBody>
+                      <a:tcPr marL="72743" marR="72743" marT="0" marB="0" anchor="ctr"/>
+                    </a:tc>
+                    <a:extLst>
+                      <a:ext uri="{0D108BD9-81ED-4DB2-BD59-A6C34878D82A}">
+                        <a16:rowId xmlns:a16="http://schemas.microsoft.com/office/drawing/2014/main" val="1628162115"/>
+                      </a:ext>
+                    </a:extLst>
+                  </a:tr>
+                  <a:tr h="325396">
+                    <a:tc>
+                      <a:txBody>
+                        <a:bodyPr/>
+                        <a:lstStyle/>
+                        <a:p>
+                          <a:pPr algn="ctr">
+                            <a:lnSpc>
+                              <a:spcPct val="106000"/>
+                            </a:lnSpc>
+                            <a:spcAft>
+                              <a:spcPts val="0"/>
+                            </a:spcAft>
+                          </a:pPr>
+                          <a14:m>
+                            <m:oMathPara xmlns:m="http://schemas.openxmlformats.org/officeDocument/2006/math">
+                              <m:oMathParaPr>
+                                <m:jc m:val="centerGroup"/>
+                              </m:oMathParaPr>
+                              <m:oMath xmlns:m="http://schemas.openxmlformats.org/officeDocument/2006/math">
+                                <m:sSub>
+                                  <m:sSubPr>
+                                    <m:ctrlPr>
+                                      <a:rPr lang="ru-RU" sz="1800" b="1" i="1" kern="1200" smtClean="0">
+                                        <a:solidFill>
+                                          <a:schemeClr val="lt1"/>
+                                        </a:solidFill>
+                                        <a:effectLst/>
+                                        <a:latin typeface="+mn-lt"/>
+                                        <a:ea typeface="+mn-ea"/>
+                                        <a:cs typeface="+mn-cs"/>
+                                      </a:rPr>
+                                    </m:ctrlPr>
+                                  </m:sSubPr>
+                                  <m:e>
+                                    <m:r>
+                                      <a:rPr lang="ru-RU" sz="1800" b="1" i="1" kern="1200">
+                                        <a:solidFill>
+                                          <a:schemeClr val="lt1"/>
+                                        </a:solidFill>
+                                        <a:effectLst/>
+                                        <a:latin typeface="+mn-lt"/>
+                                        <a:ea typeface="+mn-ea"/>
+                                        <a:cs typeface="+mn-cs"/>
+                                      </a:rPr>
+                                      <m:t>𝛽</m:t>
+                                    </m:r>
+                                  </m:e>
+                                  <m:sub>
+                                    <m:r>
+                                      <a:rPr lang="en-US" sz="1800" b="1" i="1" kern="1200" smtClean="0">
+                                        <a:solidFill>
+                                          <a:schemeClr val="lt1"/>
+                                        </a:solidFill>
+                                        <a:effectLst/>
+                                        <a:latin typeface="Cambria Math" panose="02040503050406030204" pitchFamily="18" charset="0"/>
+                                        <a:ea typeface="+mn-ea"/>
+                                        <a:cs typeface="+mn-cs"/>
+                                      </a:rPr>
+                                      <m:t>𝒊</m:t>
+                                    </m:r>
+                                  </m:sub>
+                                </m:sSub>
+                              </m:oMath>
+                            </m:oMathPara>
+                          </a14:m>
+                          <a:endParaRPr lang="ru-RU" sz="1100" dirty="0">
+                            <a:effectLst/>
+                            <a:latin typeface="Calibri" panose="020F0502020204030204" pitchFamily="34" charset="0"/>
+                            <a:ea typeface="Calibri" panose="020F0502020204030204" pitchFamily="34" charset="0"/>
+                            <a:cs typeface="Times New Roman" panose="02020603050405020304" pitchFamily="18" charset="0"/>
+                          </a:endParaRPr>
+                        </a:p>
+                      </a:txBody>
+                      <a:tcPr marL="72743" marR="72743" marT="0" marB="0" anchor="ctr"/>
+                    </a:tc>
+                    <a:tc>
+                      <a:txBody>
+                        <a:bodyPr/>
+                        <a:lstStyle/>
+                        <a:p>
+                          <a:pPr marL="0" marR="0" indent="0" algn="ctr" defTabSz="914400" rtl="0" eaLnBrk="1" fontAlgn="auto" latinLnBrk="0" hangingPunct="1">
+                            <a:lnSpc>
+                              <a:spcPct val="106000"/>
+                            </a:lnSpc>
+                            <a:spcBef>
+                              <a:spcPts val="0"/>
+                            </a:spcBef>
+                            <a:spcAft>
+                              <a:spcPts val="0"/>
+                            </a:spcAft>
+                            <a:buClrTx/>
+                            <a:buSzTx/>
+                            <a:buFontTx/>
+                            <a:buNone/>
+                            <a:tabLst/>
+                            <a:defRPr/>
+                          </a:pPr>
+                          <a:r>
+                            <a:rPr lang="en-US" sz="1200" dirty="0" smtClean="0">
+                              <a:effectLst/>
+                              <a:latin typeface="+mn-lt"/>
+                              <a:ea typeface="+mn-ea"/>
+                              <a:cs typeface="+mn-cs"/>
+                            </a:rPr>
+                            <a:t>0,333</a:t>
+                          </a:r>
+                          <a:endParaRPr lang="ru-RU" sz="1200" dirty="0" smtClean="0">
+                            <a:effectLst/>
+                            <a:latin typeface="Calibri" panose="020F0502020204030204" pitchFamily="34" charset="0"/>
+                            <a:ea typeface="Calibri" panose="020F0502020204030204" pitchFamily="34" charset="0"/>
+                            <a:cs typeface="Times New Roman" panose="02020603050405020304" pitchFamily="18" charset="0"/>
+                          </a:endParaRPr>
+                        </a:p>
+                      </a:txBody>
+                      <a:tcPr marL="72743" marR="72743" marT="0" marB="0" anchor="ctr"/>
+                    </a:tc>
+                    <a:tc>
+                      <a:txBody>
+                        <a:bodyPr/>
+                        <a:lstStyle/>
+                        <a:p>
+                          <a:pPr marL="0" marR="0" indent="0" algn="ctr" defTabSz="914400" rtl="0" eaLnBrk="1" fontAlgn="auto" latinLnBrk="0" hangingPunct="1">
+                            <a:lnSpc>
+                              <a:spcPct val="106000"/>
+                            </a:lnSpc>
+                            <a:spcBef>
+                              <a:spcPts val="0"/>
+                            </a:spcBef>
+                            <a:spcAft>
+                              <a:spcPts val="0"/>
+                            </a:spcAft>
+                            <a:buClrTx/>
+                            <a:buSzTx/>
+                            <a:buFontTx/>
+                            <a:buNone/>
+                            <a:tabLst/>
+                            <a:defRPr/>
+                          </a:pPr>
+                          <a:r>
+                            <a:rPr lang="en-US" sz="1200" dirty="0" smtClean="0">
+                              <a:effectLst/>
+                            </a:rPr>
+                            <a:t>0,316</a:t>
+                          </a:r>
+                          <a:endParaRPr lang="ru-RU" sz="1200" dirty="0" smtClean="0">
+                            <a:effectLst/>
+                            <a:latin typeface="Calibri" panose="020F0502020204030204" pitchFamily="34" charset="0"/>
+                            <a:ea typeface="Calibri" panose="020F0502020204030204" pitchFamily="34" charset="0"/>
+                            <a:cs typeface="Times New Roman" panose="02020603050405020304" pitchFamily="18" charset="0"/>
+                          </a:endParaRPr>
+                        </a:p>
+                      </a:txBody>
+                      <a:tcPr marL="72743" marR="72743" marT="0" marB="0" anchor="ctr"/>
+                    </a:tc>
+                    <a:tc>
+                      <a:txBody>
+                        <a:bodyPr/>
+                        <a:lstStyle/>
+                        <a:p>
+                          <a:pPr marL="0" marR="0" indent="0" algn="ctr" defTabSz="914400" rtl="0" eaLnBrk="1" fontAlgn="auto" latinLnBrk="0" hangingPunct="1">
+                            <a:lnSpc>
+                              <a:spcPct val="106000"/>
+                            </a:lnSpc>
+                            <a:spcBef>
+                              <a:spcPts val="0"/>
+                            </a:spcBef>
+                            <a:spcAft>
+                              <a:spcPts val="0"/>
+                            </a:spcAft>
+                            <a:buClrTx/>
+                            <a:buSzTx/>
+                            <a:buFontTx/>
+                            <a:buNone/>
+                            <a:tabLst/>
+                            <a:defRPr/>
+                          </a:pPr>
+                          <a:r>
+                            <a:rPr lang="en-US" sz="1200" dirty="0" smtClean="0">
+                              <a:effectLst/>
+                            </a:rPr>
+                            <a:t>0,35</a:t>
+                          </a:r>
+                          <a:endParaRPr lang="ru-RU" sz="1200" dirty="0" smtClean="0">
+                            <a:effectLst/>
+                            <a:latin typeface="Calibri" panose="020F0502020204030204" pitchFamily="34" charset="0"/>
+                            <a:ea typeface="Calibri" panose="020F0502020204030204" pitchFamily="34" charset="0"/>
+                            <a:cs typeface="Times New Roman" panose="02020603050405020304" pitchFamily="18" charset="0"/>
+                          </a:endParaRPr>
+                        </a:p>
+                      </a:txBody>
+                      <a:tcPr marL="72743" marR="72743" marT="0" marB="0" anchor="ctr"/>
+                    </a:tc>
+                    <a:extLst>
+                      <a:ext uri="{0D108BD9-81ED-4DB2-BD59-A6C34878D82A}">
+                        <a16:rowId xmlns:a16="http://schemas.microsoft.com/office/drawing/2014/main" val="3473109421"/>
+                      </a:ext>
+                    </a:extLst>
+                  </a:tr>
+                </a:tbl>
+              </a:graphicData>
+            </a:graphic>
+          </p:graphicFrame>
+        </mc:Choice>
+        <mc:Fallback>
+          <p:graphicFrame>
+            <p:nvGraphicFramePr>
+              <p:cNvPr id="3" name="Объект 2"/>
+              <p:cNvGraphicFramePr>
+                <a:graphicFrameLocks noGrp="1"/>
+              </p:cNvGraphicFramePr>
+              <p:nvPr>
+                <p:ph idx="1"/>
+                <p:extLst>
+                  <p:ext uri="{D42A27DB-BD31-4B8C-83A1-F6EECF244321}">
+                    <p14:modId xmlns:p14="http://schemas.microsoft.com/office/powerpoint/2010/main" val="3633099823"/>
+                  </p:ext>
+                </p:extLst>
+              </p:nvPr>
+            </p:nvGraphicFramePr>
+            <p:xfrm>
+              <a:off x="487043" y="2404233"/>
+              <a:ext cx="3831623" cy="2606307"/>
+            </p:xfrm>
+            <a:graphic>
+              <a:graphicData uri="http://schemas.openxmlformats.org/drawingml/2006/table">
+                <a:tbl>
+                  <a:tblPr firstRow="1" firstCol="1" bandRow="1">
+                    <a:tableStyleId>{21E4AEA4-8DFA-4A89-87EB-49C32662AFE0}</a:tableStyleId>
+                  </a:tblPr>
+                  <a:tblGrid>
+                    <a:gridCol w="1321058">
+                      <a:extLst>
+                        <a:ext uri="{9D8B030D-6E8A-4147-A177-3AD203B41FA5}">
+                          <a16:colId xmlns:a16="http://schemas.microsoft.com/office/drawing/2014/main" val="3937347236"/>
+                        </a:ext>
+                      </a:extLst>
+                    </a:gridCol>
+                    <a:gridCol w="822237">
+                      <a:extLst>
+                        <a:ext uri="{9D8B030D-6E8A-4147-A177-3AD203B41FA5}">
+                          <a16:colId xmlns:a16="http://schemas.microsoft.com/office/drawing/2014/main" val="215165887"/>
+                        </a:ext>
+                      </a:extLst>
+                    </a:gridCol>
+                    <a:gridCol w="745494">
+                      <a:extLst>
+                        <a:ext uri="{9D8B030D-6E8A-4147-A177-3AD203B41FA5}">
+                          <a16:colId xmlns:a16="http://schemas.microsoft.com/office/drawing/2014/main" val="1723564653"/>
+                        </a:ext>
+                      </a:extLst>
+                    </a:gridCol>
+                    <a:gridCol w="942834">
+                      <a:extLst>
+                        <a:ext uri="{9D8B030D-6E8A-4147-A177-3AD203B41FA5}">
+                          <a16:colId xmlns:a16="http://schemas.microsoft.com/office/drawing/2014/main" val="2302272877"/>
+                        </a:ext>
+                      </a:extLst>
+                    </a:gridCol>
+                  </a:tblGrid>
+                  <a:tr h="276075">
+                    <a:tc rowSpan="2">
+                      <a:txBody>
+                        <a:bodyPr/>
+                        <a:lstStyle/>
+                        <a:p>
+                          <a:pPr indent="9525" algn="ctr">
+                            <a:lnSpc>
+                              <a:spcPct val="106000"/>
+                            </a:lnSpc>
+                            <a:spcAft>
+                              <a:spcPts val="0"/>
+                            </a:spcAft>
+                          </a:pPr>
+                          <a:r>
+                            <a:rPr lang="ru-RU" sz="1400" dirty="0">
+                              <a:effectLst/>
+                            </a:rPr>
+                            <a:t>Оценки</a:t>
+                          </a:r>
+                          <a:endParaRPr lang="ru-RU" sz="1100" dirty="0">
+                            <a:effectLst/>
+                            <a:latin typeface="Calibri" panose="020F0502020204030204" pitchFamily="34" charset="0"/>
+                            <a:ea typeface="Calibri" panose="020F0502020204030204" pitchFamily="34" charset="0"/>
+                            <a:cs typeface="Times New Roman" panose="02020603050405020304" pitchFamily="18" charset="0"/>
+                          </a:endParaRPr>
+                        </a:p>
+                      </a:txBody>
+                      <a:tcPr marL="72743" marR="72743" marT="0" marB="0" anchor="ctr"/>
+                    </a:tc>
+                    <a:tc gridSpan="3">
+                      <a:txBody>
+                        <a:bodyPr/>
+                        <a:lstStyle/>
+                        <a:p>
+                          <a:pPr algn="ctr">
+                            <a:lnSpc>
+                              <a:spcPct val="106000"/>
+                            </a:lnSpc>
+                            <a:spcAft>
+                              <a:spcPts val="0"/>
+                            </a:spcAft>
+                          </a:pPr>
+                          <a:r>
+                            <a:rPr lang="ru-RU" sz="1400" dirty="0">
+                              <a:effectLst/>
+                            </a:rPr>
+                            <a:t>№ критерия</a:t>
+                          </a:r>
+                          <a:endParaRPr lang="ru-RU" sz="1100" dirty="0">
+                            <a:effectLst/>
+                            <a:latin typeface="Calibri" panose="020F0502020204030204" pitchFamily="34" charset="0"/>
+                            <a:ea typeface="Calibri" panose="020F0502020204030204" pitchFamily="34" charset="0"/>
+                            <a:cs typeface="Times New Roman" panose="02020603050405020304" pitchFamily="18" charset="0"/>
+                          </a:endParaRPr>
+                        </a:p>
+                      </a:txBody>
+                      <a:tcPr marL="72743" marR="72743" marT="0" marB="0" anchor="ctr"/>
+                    </a:tc>
+                    <a:tc hMerge="1">
+                      <a:txBody>
+                        <a:bodyPr/>
+                        <a:lstStyle/>
+                        <a:p>
+                          <a:endParaRPr lang="ru-RU"/>
+                        </a:p>
+                      </a:txBody>
+                      <a:tcPr/>
+                    </a:tc>
+                    <a:tc hMerge="1">
+                      <a:txBody>
+                        <a:bodyPr/>
+                        <a:lstStyle/>
+                        <a:p>
+                          <a:endParaRPr lang="ru-RU"/>
+                        </a:p>
+                      </a:txBody>
+                      <a:tcPr/>
+                    </a:tc>
+                    <a:extLst>
+                      <a:ext uri="{0D108BD9-81ED-4DB2-BD59-A6C34878D82A}">
+                        <a16:rowId xmlns:a16="http://schemas.microsoft.com/office/drawing/2014/main" val="1012919914"/>
+                      </a:ext>
+                    </a:extLst>
+                  </a:tr>
+                  <a:tr h="276075">
+                    <a:tc vMerge="1">
+                      <a:txBody>
+                        <a:bodyPr/>
+                        <a:lstStyle/>
+                        <a:p>
+                          <a:endParaRPr lang="ru-RU"/>
+                        </a:p>
+                      </a:txBody>
+                      <a:tcPr/>
+                    </a:tc>
+                    <a:tc>
+                      <a:txBody>
+                        <a:bodyPr/>
+                        <a:lstStyle/>
+                        <a:p>
+                          <a:pPr algn="ctr">
+                            <a:lnSpc>
+                              <a:spcPct val="106000"/>
+                            </a:lnSpc>
+                            <a:spcAft>
+                              <a:spcPts val="0"/>
+                            </a:spcAft>
+                          </a:pPr>
+                          <a:r>
+                            <a:rPr lang="ru-RU" sz="1400" dirty="0">
+                              <a:effectLst/>
+                            </a:rPr>
+                            <a:t>1</a:t>
+                          </a:r>
+                          <a:endParaRPr lang="ru-RU" sz="1100" dirty="0">
+                            <a:effectLst/>
+                            <a:latin typeface="Calibri" panose="020F0502020204030204" pitchFamily="34" charset="0"/>
+                            <a:ea typeface="Calibri" panose="020F0502020204030204" pitchFamily="34" charset="0"/>
+                            <a:cs typeface="Times New Roman" panose="02020603050405020304" pitchFamily="18" charset="0"/>
+                          </a:endParaRPr>
+                        </a:p>
+                      </a:txBody>
+                      <a:tcPr marL="72743" marR="72743" marT="0" marB="0" anchor="ctr"/>
+                    </a:tc>
+                    <a:tc>
+                      <a:txBody>
+                        <a:bodyPr/>
+                        <a:lstStyle/>
+                        <a:p>
+                          <a:pPr algn="ctr">
+                            <a:lnSpc>
+                              <a:spcPct val="106000"/>
+                            </a:lnSpc>
+                            <a:spcAft>
+                              <a:spcPts val="0"/>
+                            </a:spcAft>
+                          </a:pPr>
+                          <a:r>
+                            <a:rPr lang="ru-RU" sz="1400">
+                              <a:effectLst/>
+                            </a:rPr>
+                            <a:t>2</a:t>
+                          </a:r>
+                          <a:endParaRPr lang="ru-RU" sz="1100">
+                            <a:effectLst/>
+                            <a:latin typeface="Calibri" panose="020F0502020204030204" pitchFamily="34" charset="0"/>
+                            <a:ea typeface="Calibri" panose="020F0502020204030204" pitchFamily="34" charset="0"/>
+                            <a:cs typeface="Times New Roman" panose="02020603050405020304" pitchFamily="18" charset="0"/>
+                          </a:endParaRPr>
+                        </a:p>
+                      </a:txBody>
+                      <a:tcPr marL="72743" marR="72743" marT="0" marB="0" anchor="ctr"/>
+                    </a:tc>
+                    <a:tc>
+                      <a:txBody>
+                        <a:bodyPr/>
+                        <a:lstStyle/>
+                        <a:p>
+                          <a:pPr algn="ctr">
+                            <a:lnSpc>
+                              <a:spcPct val="106000"/>
+                            </a:lnSpc>
+                            <a:spcAft>
+                              <a:spcPts val="0"/>
+                            </a:spcAft>
+                          </a:pPr>
+                          <a:r>
+                            <a:rPr lang="ru-RU" sz="1400" dirty="0">
+                              <a:effectLst/>
+                            </a:rPr>
+                            <a:t>3</a:t>
+                          </a:r>
+                          <a:endParaRPr lang="ru-RU" sz="1100" dirty="0">
+                            <a:effectLst/>
+                            <a:latin typeface="Calibri" panose="020F0502020204030204" pitchFamily="34" charset="0"/>
+                            <a:ea typeface="Calibri" panose="020F0502020204030204" pitchFamily="34" charset="0"/>
+                            <a:cs typeface="Times New Roman" panose="02020603050405020304" pitchFamily="18" charset="0"/>
+                          </a:endParaRPr>
+                        </a:p>
+                      </a:txBody>
+                      <a:tcPr marL="72743" marR="72743" marT="0" marB="0" anchor="ctr"/>
+                    </a:tc>
+                    <a:extLst>
+                      <a:ext uri="{0D108BD9-81ED-4DB2-BD59-A6C34878D82A}">
+                        <a16:rowId xmlns:a16="http://schemas.microsoft.com/office/drawing/2014/main" val="2944430712"/>
+                      </a:ext>
+                    </a:extLst>
+                  </a:tr>
+                  <a:tr h="276075">
+                    <a:tc>
+                      <a:txBody>
+                        <a:bodyPr/>
+                        <a:lstStyle/>
+                        <a:p>
+                          <a:pPr algn="ctr">
+                            <a:lnSpc>
+                              <a:spcPct val="106000"/>
+                            </a:lnSpc>
+                            <a:spcAft>
+                              <a:spcPts val="0"/>
+                            </a:spcAft>
+                          </a:pPr>
+                          <a:r>
+                            <a:rPr lang="ru-RU" sz="1400">
+                              <a:effectLst/>
+                            </a:rPr>
+                            <a:t>Эксперт 1</a:t>
+                          </a:r>
+                          <a:endParaRPr lang="ru-RU" sz="1100">
+                            <a:effectLst/>
+                            <a:latin typeface="Calibri" panose="020F0502020204030204" pitchFamily="34" charset="0"/>
+                            <a:ea typeface="Calibri" panose="020F0502020204030204" pitchFamily="34" charset="0"/>
+                            <a:cs typeface="Times New Roman" panose="02020603050405020304" pitchFamily="18" charset="0"/>
+                          </a:endParaRPr>
+                        </a:p>
+                      </a:txBody>
+                      <a:tcPr marL="72743" marR="72743" marT="0" marB="0" anchor="ctr"/>
+                    </a:tc>
+                    <a:tc>
+                      <a:txBody>
+                        <a:bodyPr/>
+                        <a:lstStyle/>
+                        <a:p>
+                          <a:pPr algn="ctr">
+                            <a:lnSpc>
+                              <a:spcPct val="106000"/>
+                            </a:lnSpc>
+                            <a:spcAft>
+                              <a:spcPts val="0"/>
+                            </a:spcAft>
+                          </a:pPr>
+                          <a:r>
+                            <a:rPr lang="ru-RU" sz="1200">
+                              <a:effectLst/>
+                            </a:rPr>
+                            <a:t>5</a:t>
+                          </a:r>
+                          <a:endParaRPr lang="ru-RU" sz="1100">
+                            <a:effectLst/>
+                            <a:latin typeface="Calibri" panose="020F0502020204030204" pitchFamily="34" charset="0"/>
+                            <a:ea typeface="Calibri" panose="020F0502020204030204" pitchFamily="34" charset="0"/>
+                            <a:cs typeface="Times New Roman" panose="02020603050405020304" pitchFamily="18" charset="0"/>
+                          </a:endParaRPr>
+                        </a:p>
+                      </a:txBody>
+                      <a:tcPr marL="72743" marR="72743" marT="0" marB="0" anchor="ctr"/>
+                    </a:tc>
+                    <a:tc>
+                      <a:txBody>
+                        <a:bodyPr/>
+                        <a:lstStyle/>
+                        <a:p>
+                          <a:pPr algn="ctr">
+                            <a:lnSpc>
+                              <a:spcPct val="106000"/>
+                            </a:lnSpc>
+                            <a:spcAft>
+                              <a:spcPts val="0"/>
+                            </a:spcAft>
+                          </a:pPr>
+                          <a:r>
+                            <a:rPr lang="ru-RU" sz="1200">
+                              <a:effectLst/>
+                            </a:rPr>
+                            <a:t>5</a:t>
+                          </a:r>
+                          <a:endParaRPr lang="ru-RU" sz="1100">
+                            <a:effectLst/>
+                            <a:latin typeface="Calibri" panose="020F0502020204030204" pitchFamily="34" charset="0"/>
+                            <a:ea typeface="Calibri" panose="020F0502020204030204" pitchFamily="34" charset="0"/>
+                            <a:cs typeface="Times New Roman" panose="02020603050405020304" pitchFamily="18" charset="0"/>
+                          </a:endParaRPr>
+                        </a:p>
+                      </a:txBody>
+                      <a:tcPr marL="72743" marR="72743" marT="0" marB="0" anchor="ctr"/>
+                    </a:tc>
+                    <a:tc>
+                      <a:txBody>
+                        <a:bodyPr/>
+                        <a:lstStyle/>
+                        <a:p>
+                          <a:pPr algn="ctr">
+                            <a:lnSpc>
+                              <a:spcPct val="106000"/>
+                            </a:lnSpc>
+                            <a:spcAft>
+                              <a:spcPts val="0"/>
+                            </a:spcAft>
+                          </a:pPr>
+                          <a:r>
+                            <a:rPr lang="ru-RU" sz="1200">
+                              <a:effectLst/>
+                            </a:rPr>
+                            <a:t>5</a:t>
+                          </a:r>
+                          <a:endParaRPr lang="ru-RU" sz="1100">
+                            <a:effectLst/>
+                            <a:latin typeface="Calibri" panose="020F0502020204030204" pitchFamily="34" charset="0"/>
+                            <a:ea typeface="Calibri" panose="020F0502020204030204" pitchFamily="34" charset="0"/>
+                            <a:cs typeface="Times New Roman" panose="02020603050405020304" pitchFamily="18" charset="0"/>
+                          </a:endParaRPr>
+                        </a:p>
+                      </a:txBody>
+                      <a:tcPr marL="72743" marR="72743" marT="0" marB="0" anchor="ctr"/>
+                    </a:tc>
+                    <a:extLst>
+                      <a:ext uri="{0D108BD9-81ED-4DB2-BD59-A6C34878D82A}">
+                        <a16:rowId xmlns:a16="http://schemas.microsoft.com/office/drawing/2014/main" val="1867091642"/>
+                      </a:ext>
+                    </a:extLst>
+                  </a:tr>
+                  <a:tr h="276075">
+                    <a:tc>
+                      <a:txBody>
+                        <a:bodyPr/>
+                        <a:lstStyle/>
+                        <a:p>
+                          <a:pPr algn="ctr">
+                            <a:lnSpc>
+                              <a:spcPct val="106000"/>
+                            </a:lnSpc>
+                            <a:spcAft>
+                              <a:spcPts val="0"/>
+                            </a:spcAft>
+                          </a:pPr>
+                          <a:r>
+                            <a:rPr lang="ru-RU" sz="1400">
+                              <a:effectLst/>
+                            </a:rPr>
+                            <a:t>Эксперт 2</a:t>
+                          </a:r>
+                          <a:endParaRPr lang="ru-RU" sz="1100">
+                            <a:effectLst/>
+                            <a:latin typeface="Calibri" panose="020F0502020204030204" pitchFamily="34" charset="0"/>
+                            <a:ea typeface="Calibri" panose="020F0502020204030204" pitchFamily="34" charset="0"/>
+                            <a:cs typeface="Times New Roman" panose="02020603050405020304" pitchFamily="18" charset="0"/>
+                          </a:endParaRPr>
+                        </a:p>
+                      </a:txBody>
+                      <a:tcPr marL="72743" marR="72743" marT="0" marB="0" anchor="ctr"/>
+                    </a:tc>
+                    <a:tc>
+                      <a:txBody>
+                        <a:bodyPr/>
+                        <a:lstStyle/>
+                        <a:p>
+                          <a:pPr algn="ctr">
+                            <a:lnSpc>
+                              <a:spcPct val="106000"/>
+                            </a:lnSpc>
+                            <a:spcAft>
+                              <a:spcPts val="0"/>
+                            </a:spcAft>
+                          </a:pPr>
+                          <a:r>
+                            <a:rPr lang="ru-RU" sz="1200">
+                              <a:effectLst/>
+                            </a:rPr>
+                            <a:t>5</a:t>
+                          </a:r>
+                          <a:endParaRPr lang="ru-RU" sz="1100">
+                            <a:effectLst/>
+                            <a:latin typeface="Calibri" panose="020F0502020204030204" pitchFamily="34" charset="0"/>
+                            <a:ea typeface="Calibri" panose="020F0502020204030204" pitchFamily="34" charset="0"/>
+                            <a:cs typeface="Times New Roman" panose="02020603050405020304" pitchFamily="18" charset="0"/>
+                          </a:endParaRPr>
+                        </a:p>
+                      </a:txBody>
+                      <a:tcPr marL="72743" marR="72743" marT="0" marB="0" anchor="ctr"/>
+                    </a:tc>
+                    <a:tc>
+                      <a:txBody>
+                        <a:bodyPr/>
+                        <a:lstStyle/>
+                        <a:p>
+                          <a:pPr algn="ctr">
+                            <a:lnSpc>
+                              <a:spcPct val="106000"/>
+                            </a:lnSpc>
+                            <a:spcAft>
+                              <a:spcPts val="0"/>
+                            </a:spcAft>
+                          </a:pPr>
+                          <a:r>
+                            <a:rPr lang="ru-RU" sz="1200">
+                              <a:effectLst/>
+                            </a:rPr>
+                            <a:t>5</a:t>
+                          </a:r>
+                          <a:endParaRPr lang="ru-RU" sz="1100">
+                            <a:effectLst/>
+                            <a:latin typeface="Calibri" panose="020F0502020204030204" pitchFamily="34" charset="0"/>
+                            <a:ea typeface="Calibri" panose="020F0502020204030204" pitchFamily="34" charset="0"/>
+                            <a:cs typeface="Times New Roman" panose="02020603050405020304" pitchFamily="18" charset="0"/>
+                          </a:endParaRPr>
+                        </a:p>
+                      </a:txBody>
+                      <a:tcPr marL="72743" marR="72743" marT="0" marB="0" anchor="ctr"/>
+                    </a:tc>
+                    <a:tc>
+                      <a:txBody>
+                        <a:bodyPr/>
+                        <a:lstStyle/>
+                        <a:p>
+                          <a:pPr algn="ctr">
+                            <a:lnSpc>
+                              <a:spcPct val="106000"/>
+                            </a:lnSpc>
+                            <a:spcAft>
+                              <a:spcPts val="0"/>
+                            </a:spcAft>
+                          </a:pPr>
+                          <a:r>
+                            <a:rPr lang="ru-RU" sz="1200" dirty="0">
+                              <a:effectLst/>
+                            </a:rPr>
+                            <a:t>4</a:t>
+                          </a:r>
+                          <a:endParaRPr lang="ru-RU" sz="1100" dirty="0">
+                            <a:effectLst/>
+                            <a:latin typeface="Calibri" panose="020F0502020204030204" pitchFamily="34" charset="0"/>
+                            <a:ea typeface="Calibri" panose="020F0502020204030204" pitchFamily="34" charset="0"/>
+                            <a:cs typeface="Times New Roman" panose="02020603050405020304" pitchFamily="18" charset="0"/>
+                          </a:endParaRPr>
+                        </a:p>
+                      </a:txBody>
+                      <a:tcPr marL="72743" marR="72743" marT="0" marB="0" anchor="ctr"/>
+                    </a:tc>
+                    <a:extLst>
+                      <a:ext uri="{0D108BD9-81ED-4DB2-BD59-A6C34878D82A}">
+                        <a16:rowId xmlns:a16="http://schemas.microsoft.com/office/drawing/2014/main" val="3307369629"/>
+                      </a:ext>
+                    </a:extLst>
+                  </a:tr>
+                  <a:tr h="276075">
+                    <a:tc>
+                      <a:txBody>
+                        <a:bodyPr/>
+                        <a:lstStyle/>
+                        <a:p>
+                          <a:pPr algn="ctr">
+                            <a:lnSpc>
+                              <a:spcPct val="106000"/>
+                            </a:lnSpc>
+                            <a:spcAft>
+                              <a:spcPts val="0"/>
+                            </a:spcAft>
+                          </a:pPr>
+                          <a:r>
+                            <a:rPr lang="ru-RU" sz="1400">
+                              <a:effectLst/>
+                            </a:rPr>
+                            <a:t>Эксперт 3</a:t>
+                          </a:r>
+                          <a:endParaRPr lang="ru-RU" sz="1100">
+                            <a:effectLst/>
+                            <a:latin typeface="Calibri" panose="020F0502020204030204" pitchFamily="34" charset="0"/>
+                            <a:ea typeface="Calibri" panose="020F0502020204030204" pitchFamily="34" charset="0"/>
+                            <a:cs typeface="Times New Roman" panose="02020603050405020304" pitchFamily="18" charset="0"/>
+                          </a:endParaRPr>
+                        </a:p>
+                      </a:txBody>
+                      <a:tcPr marL="72743" marR="72743" marT="0" marB="0" anchor="ctr"/>
+                    </a:tc>
+                    <a:tc>
+                      <a:txBody>
+                        <a:bodyPr/>
+                        <a:lstStyle/>
+                        <a:p>
+                          <a:pPr algn="ctr">
+                            <a:lnSpc>
+                              <a:spcPct val="106000"/>
+                            </a:lnSpc>
+                            <a:spcAft>
+                              <a:spcPts val="0"/>
+                            </a:spcAft>
+                          </a:pPr>
+                          <a:r>
+                            <a:rPr lang="ru-RU" sz="1200">
+                              <a:effectLst/>
+                            </a:rPr>
+                            <a:t>5</a:t>
+                          </a:r>
+                          <a:endParaRPr lang="ru-RU" sz="1100">
+                            <a:effectLst/>
+                            <a:latin typeface="Calibri" panose="020F0502020204030204" pitchFamily="34" charset="0"/>
+                            <a:ea typeface="Calibri" panose="020F0502020204030204" pitchFamily="34" charset="0"/>
+                            <a:cs typeface="Times New Roman" panose="02020603050405020304" pitchFamily="18" charset="0"/>
+                          </a:endParaRPr>
+                        </a:p>
+                      </a:txBody>
+                      <a:tcPr marL="72743" marR="72743" marT="0" marB="0" anchor="ctr"/>
+                    </a:tc>
+                    <a:tc>
+                      <a:txBody>
+                        <a:bodyPr/>
+                        <a:lstStyle/>
+                        <a:p>
+                          <a:pPr algn="ctr">
+                            <a:lnSpc>
+                              <a:spcPct val="106000"/>
+                            </a:lnSpc>
+                            <a:spcAft>
+                              <a:spcPts val="0"/>
+                            </a:spcAft>
+                          </a:pPr>
+                          <a:r>
+                            <a:rPr lang="ru-RU" sz="1200">
+                              <a:effectLst/>
+                            </a:rPr>
+                            <a:t>5</a:t>
+                          </a:r>
+                          <a:endParaRPr lang="ru-RU" sz="1100">
+                            <a:effectLst/>
+                            <a:latin typeface="Calibri" panose="020F0502020204030204" pitchFamily="34" charset="0"/>
+                            <a:ea typeface="Calibri" panose="020F0502020204030204" pitchFamily="34" charset="0"/>
+                            <a:cs typeface="Times New Roman" panose="02020603050405020304" pitchFamily="18" charset="0"/>
+                          </a:endParaRPr>
+                        </a:p>
+                      </a:txBody>
+                      <a:tcPr marL="72743" marR="72743" marT="0" marB="0" anchor="ctr"/>
+                    </a:tc>
+                    <a:tc>
+                      <a:txBody>
+                        <a:bodyPr/>
+                        <a:lstStyle/>
+                        <a:p>
+                          <a:pPr algn="ctr">
+                            <a:lnSpc>
+                              <a:spcPct val="106000"/>
+                            </a:lnSpc>
+                            <a:spcAft>
+                              <a:spcPts val="0"/>
+                            </a:spcAft>
+                          </a:pPr>
+                          <a:r>
+                            <a:rPr lang="ru-RU" sz="1200" dirty="0">
+                              <a:effectLst/>
+                            </a:rPr>
+                            <a:t>4</a:t>
+                          </a:r>
+                          <a:endParaRPr lang="ru-RU" sz="1100" dirty="0">
+                            <a:effectLst/>
+                            <a:latin typeface="Calibri" panose="020F0502020204030204" pitchFamily="34" charset="0"/>
+                            <a:ea typeface="Calibri" panose="020F0502020204030204" pitchFamily="34" charset="0"/>
+                            <a:cs typeface="Times New Roman" panose="02020603050405020304" pitchFamily="18" charset="0"/>
+                          </a:endParaRPr>
+                        </a:p>
+                      </a:txBody>
+                      <a:tcPr marL="72743" marR="72743" marT="0" marB="0" anchor="ctr"/>
+                    </a:tc>
+                    <a:extLst>
+                      <a:ext uri="{0D108BD9-81ED-4DB2-BD59-A6C34878D82A}">
+                        <a16:rowId xmlns:a16="http://schemas.microsoft.com/office/drawing/2014/main" val="2928514819"/>
+                      </a:ext>
+                    </a:extLst>
+                  </a:tr>
+                  <a:tr h="276075">
+                    <a:tc>
+                      <a:txBody>
+                        <a:bodyPr/>
+                        <a:lstStyle/>
+                        <a:p>
+                          <a:pPr algn="ctr">
+                            <a:lnSpc>
+                              <a:spcPct val="106000"/>
+                            </a:lnSpc>
+                            <a:spcAft>
+                              <a:spcPts val="0"/>
+                            </a:spcAft>
+                          </a:pPr>
+                          <a:r>
+                            <a:rPr lang="ru-RU" sz="1400">
+                              <a:effectLst/>
+                            </a:rPr>
+                            <a:t>Эксперт 4</a:t>
+                          </a:r>
+                          <a:endParaRPr lang="ru-RU" sz="1100">
+                            <a:effectLst/>
+                            <a:latin typeface="Calibri" panose="020F0502020204030204" pitchFamily="34" charset="0"/>
+                            <a:ea typeface="Calibri" panose="020F0502020204030204" pitchFamily="34" charset="0"/>
+                            <a:cs typeface="Times New Roman" panose="02020603050405020304" pitchFamily="18" charset="0"/>
+                          </a:endParaRPr>
+                        </a:p>
+                      </a:txBody>
+                      <a:tcPr marL="72743" marR="72743" marT="0" marB="0" anchor="ctr"/>
+                    </a:tc>
+                    <a:tc>
+                      <a:txBody>
+                        <a:bodyPr/>
+                        <a:lstStyle/>
+                        <a:p>
+                          <a:pPr algn="ctr">
+                            <a:lnSpc>
+                              <a:spcPct val="106000"/>
+                            </a:lnSpc>
+                            <a:spcAft>
+                              <a:spcPts val="0"/>
+                            </a:spcAft>
+                          </a:pPr>
+                          <a:r>
+                            <a:rPr lang="ru-RU" sz="1200">
+                              <a:effectLst/>
+                            </a:rPr>
+                            <a:t>5</a:t>
+                          </a:r>
+                          <a:endParaRPr lang="ru-RU" sz="1100">
+                            <a:effectLst/>
+                            <a:latin typeface="Calibri" panose="020F0502020204030204" pitchFamily="34" charset="0"/>
+                            <a:ea typeface="Calibri" panose="020F0502020204030204" pitchFamily="34" charset="0"/>
+                            <a:cs typeface="Times New Roman" panose="02020603050405020304" pitchFamily="18" charset="0"/>
+                          </a:endParaRPr>
+                        </a:p>
+                      </a:txBody>
+                      <a:tcPr marL="72743" marR="72743" marT="0" marB="0" anchor="ctr"/>
+                    </a:tc>
+                    <a:tc>
+                      <a:txBody>
+                        <a:bodyPr/>
+                        <a:lstStyle/>
+                        <a:p>
+                          <a:pPr algn="ctr">
+                            <a:lnSpc>
+                              <a:spcPct val="106000"/>
+                            </a:lnSpc>
+                            <a:spcAft>
+                              <a:spcPts val="0"/>
+                            </a:spcAft>
+                          </a:pPr>
+                          <a:r>
+                            <a:rPr lang="ru-RU" sz="1200">
+                              <a:effectLst/>
+                            </a:rPr>
+                            <a:t>4</a:t>
+                          </a:r>
+                          <a:endParaRPr lang="ru-RU" sz="1100">
+                            <a:effectLst/>
+                            <a:latin typeface="Calibri" panose="020F0502020204030204" pitchFamily="34" charset="0"/>
+                            <a:ea typeface="Calibri" panose="020F0502020204030204" pitchFamily="34" charset="0"/>
+                            <a:cs typeface="Times New Roman" panose="02020603050405020304" pitchFamily="18" charset="0"/>
+                          </a:endParaRPr>
+                        </a:p>
+                      </a:txBody>
+                      <a:tcPr marL="72743" marR="72743" marT="0" marB="0" anchor="ctr"/>
+                    </a:tc>
+                    <a:tc>
+                      <a:txBody>
+                        <a:bodyPr/>
+                        <a:lstStyle/>
+                        <a:p>
+                          <a:pPr algn="ctr">
+                            <a:lnSpc>
+                              <a:spcPct val="106000"/>
+                            </a:lnSpc>
+                            <a:spcAft>
+                              <a:spcPts val="0"/>
+                            </a:spcAft>
+                          </a:pPr>
+                          <a:r>
+                            <a:rPr lang="ru-RU" sz="1200">
+                              <a:effectLst/>
+                            </a:rPr>
+                            <a:t>5</a:t>
+                          </a:r>
+                          <a:endParaRPr lang="ru-RU" sz="1100">
+                            <a:effectLst/>
+                            <a:latin typeface="Calibri" panose="020F0502020204030204" pitchFamily="34" charset="0"/>
+                            <a:ea typeface="Calibri" panose="020F0502020204030204" pitchFamily="34" charset="0"/>
+                            <a:cs typeface="Times New Roman" panose="02020603050405020304" pitchFamily="18" charset="0"/>
+                          </a:endParaRPr>
+                        </a:p>
+                      </a:txBody>
+                      <a:tcPr marL="72743" marR="72743" marT="0" marB="0" anchor="ctr"/>
+                    </a:tc>
+                    <a:extLst>
+                      <a:ext uri="{0D108BD9-81ED-4DB2-BD59-A6C34878D82A}">
+                        <a16:rowId xmlns:a16="http://schemas.microsoft.com/office/drawing/2014/main" val="1216530820"/>
+                      </a:ext>
+                    </a:extLst>
+                  </a:tr>
+                  <a:tr h="348386">
+                    <a:tc>
+                      <a:txBody>
+                        <a:bodyPr/>
+                        <a:lstStyle/>
+                        <a:p>
+                          <a:pPr algn="ctr">
+                            <a:lnSpc>
+                              <a:spcPct val="106000"/>
+                            </a:lnSpc>
+                            <a:spcAft>
+                              <a:spcPts val="0"/>
+                            </a:spcAft>
+                          </a:pPr>
+                          <a:r>
+                            <a:rPr lang="ru-RU" sz="1400">
+                              <a:effectLst/>
+                            </a:rPr>
+                            <a:t>Эксперт 5</a:t>
+                          </a:r>
+                          <a:endParaRPr lang="ru-RU" sz="1100">
+                            <a:effectLst/>
+                            <a:latin typeface="Calibri" panose="020F0502020204030204" pitchFamily="34" charset="0"/>
+                            <a:ea typeface="Calibri" panose="020F0502020204030204" pitchFamily="34" charset="0"/>
+                            <a:cs typeface="Times New Roman" panose="02020603050405020304" pitchFamily="18" charset="0"/>
+                          </a:endParaRPr>
+                        </a:p>
+                      </a:txBody>
+                      <a:tcPr marL="72743" marR="72743" marT="0" marB="0" anchor="ctr"/>
+                    </a:tc>
+                    <a:tc>
+                      <a:txBody>
+                        <a:bodyPr/>
+                        <a:lstStyle/>
+                        <a:p>
+                          <a:pPr algn="ctr">
+                            <a:lnSpc>
+                              <a:spcPct val="106000"/>
+                            </a:lnSpc>
+                            <a:spcAft>
+                              <a:spcPts val="0"/>
+                            </a:spcAft>
+                          </a:pPr>
+                          <a:r>
+                            <a:rPr lang="ru-RU" sz="1200">
+                              <a:effectLst/>
+                            </a:rPr>
+                            <a:t>4</a:t>
+                          </a:r>
+                          <a:endParaRPr lang="ru-RU" sz="1100">
+                            <a:effectLst/>
+                            <a:latin typeface="Calibri" panose="020F0502020204030204" pitchFamily="34" charset="0"/>
+                            <a:ea typeface="Calibri" panose="020F0502020204030204" pitchFamily="34" charset="0"/>
+                            <a:cs typeface="Times New Roman" panose="02020603050405020304" pitchFamily="18" charset="0"/>
+                          </a:endParaRPr>
+                        </a:p>
+                      </a:txBody>
+                      <a:tcPr marL="72743" marR="72743" marT="0" marB="0" anchor="ctr"/>
+                    </a:tc>
+                    <a:tc>
+                      <a:txBody>
+                        <a:bodyPr/>
+                        <a:lstStyle/>
+                        <a:p>
+                          <a:pPr algn="ctr">
+                            <a:lnSpc>
+                              <a:spcPct val="106000"/>
+                            </a:lnSpc>
+                            <a:spcAft>
+                              <a:spcPts val="0"/>
+                            </a:spcAft>
+                          </a:pPr>
+                          <a:r>
+                            <a:rPr lang="ru-RU" sz="1200">
+                              <a:effectLst/>
+                            </a:rPr>
+                            <a:t>4</a:t>
+                          </a:r>
+                          <a:endParaRPr lang="ru-RU" sz="1100">
+                            <a:effectLst/>
+                            <a:latin typeface="Calibri" panose="020F0502020204030204" pitchFamily="34" charset="0"/>
+                            <a:ea typeface="Calibri" panose="020F0502020204030204" pitchFamily="34" charset="0"/>
+                            <a:cs typeface="Times New Roman" panose="02020603050405020304" pitchFamily="18" charset="0"/>
+                          </a:endParaRPr>
+                        </a:p>
+                      </a:txBody>
+                      <a:tcPr marL="72743" marR="72743" marT="0" marB="0" anchor="ctr"/>
+                    </a:tc>
+                    <a:tc>
+                      <a:txBody>
+                        <a:bodyPr/>
+                        <a:lstStyle/>
+                        <a:p>
+                          <a:pPr algn="ctr">
+                            <a:lnSpc>
+                              <a:spcPct val="106000"/>
+                            </a:lnSpc>
+                            <a:spcAft>
+                              <a:spcPts val="0"/>
+                            </a:spcAft>
+                          </a:pPr>
+                          <a:r>
+                            <a:rPr lang="ru-RU" sz="1200">
+                              <a:effectLst/>
+                            </a:rPr>
+                            <a:t>5</a:t>
+                          </a:r>
+                          <a:endParaRPr lang="ru-RU" sz="1100">
+                            <a:effectLst/>
+                            <a:latin typeface="Calibri" panose="020F0502020204030204" pitchFamily="34" charset="0"/>
+                            <a:ea typeface="Calibri" panose="020F0502020204030204" pitchFamily="34" charset="0"/>
+                            <a:cs typeface="Times New Roman" panose="02020603050405020304" pitchFamily="18" charset="0"/>
+                          </a:endParaRPr>
+                        </a:p>
+                      </a:txBody>
+                      <a:tcPr marL="72743" marR="72743" marT="0" marB="0" anchor="ctr"/>
+                    </a:tc>
+                    <a:extLst>
+                      <a:ext uri="{0D108BD9-81ED-4DB2-BD59-A6C34878D82A}">
+                        <a16:rowId xmlns:a16="http://schemas.microsoft.com/office/drawing/2014/main" val="2868299042"/>
+                      </a:ext>
+                    </a:extLst>
+                  </a:tr>
+                  <a:tr h="276075">
+                    <a:tc>
+                      <a:txBody>
+                        <a:bodyPr/>
+                        <a:lstStyle/>
+                        <a:p>
+                          <a:pPr algn="ctr">
+                            <a:lnSpc>
+                              <a:spcPct val="106000"/>
+                            </a:lnSpc>
+                            <a:spcAft>
+                              <a:spcPts val="0"/>
+                            </a:spcAft>
+                          </a:pPr>
+                          <a:r>
+                            <a:rPr lang="ru-RU" sz="1400">
+                              <a:effectLst/>
+                            </a:rPr>
+                            <a:t>Ср. оценка</a:t>
+                          </a:r>
+                          <a:endParaRPr lang="ru-RU" sz="1100">
+                            <a:effectLst/>
+                            <a:latin typeface="Calibri" panose="020F0502020204030204" pitchFamily="34" charset="0"/>
+                            <a:ea typeface="Calibri" panose="020F0502020204030204" pitchFamily="34" charset="0"/>
+                            <a:cs typeface="Times New Roman" panose="02020603050405020304" pitchFamily="18" charset="0"/>
+                          </a:endParaRPr>
+                        </a:p>
+                      </a:txBody>
+                      <a:tcPr marL="72743" marR="72743" marT="0" marB="0" anchor="ctr"/>
+                    </a:tc>
+                    <a:tc>
+                      <a:txBody>
+                        <a:bodyPr/>
+                        <a:lstStyle/>
+                        <a:p>
+                          <a:pPr algn="ctr">
+                            <a:lnSpc>
+                              <a:spcPct val="106000"/>
+                            </a:lnSpc>
+                            <a:spcAft>
+                              <a:spcPts val="0"/>
+                            </a:spcAft>
+                          </a:pPr>
+                          <a:r>
+                            <a:rPr lang="ru-RU" sz="1200" dirty="0">
+                              <a:effectLst/>
+                            </a:rPr>
+                            <a:t>4</a:t>
+                          </a:r>
+                          <a:r>
+                            <a:rPr lang="en-US" sz="1200" dirty="0">
+                              <a:effectLst/>
+                            </a:rPr>
+                            <a:t>,8</a:t>
+                          </a:r>
+                          <a:endParaRPr lang="ru-RU" sz="1100" dirty="0">
+                            <a:effectLst/>
+                            <a:latin typeface="Calibri" panose="020F0502020204030204" pitchFamily="34" charset="0"/>
+                            <a:ea typeface="Calibri" panose="020F0502020204030204" pitchFamily="34" charset="0"/>
+                            <a:cs typeface="Times New Roman" panose="02020603050405020304" pitchFamily="18" charset="0"/>
+                          </a:endParaRPr>
+                        </a:p>
+                      </a:txBody>
+                      <a:tcPr marL="72743" marR="72743" marT="0" marB="0" anchor="ctr"/>
+                    </a:tc>
+                    <a:tc>
+                      <a:txBody>
+                        <a:bodyPr/>
+                        <a:lstStyle/>
+                        <a:p>
+                          <a:pPr algn="ctr">
+                            <a:lnSpc>
+                              <a:spcPct val="106000"/>
+                            </a:lnSpc>
+                            <a:spcAft>
+                              <a:spcPts val="0"/>
+                            </a:spcAft>
+                          </a:pPr>
+                          <a:r>
+                            <a:rPr lang="en-US" sz="1200" dirty="0">
+                              <a:effectLst/>
+                            </a:rPr>
+                            <a:t>4,6</a:t>
+                          </a:r>
+                          <a:endParaRPr lang="ru-RU" sz="1100" dirty="0">
+                            <a:effectLst/>
+                            <a:latin typeface="Calibri" panose="020F0502020204030204" pitchFamily="34" charset="0"/>
+                            <a:ea typeface="Calibri" panose="020F0502020204030204" pitchFamily="34" charset="0"/>
+                            <a:cs typeface="Times New Roman" panose="02020603050405020304" pitchFamily="18" charset="0"/>
+                          </a:endParaRPr>
+                        </a:p>
+                      </a:txBody>
+                      <a:tcPr marL="72743" marR="72743" marT="0" marB="0" anchor="ctr"/>
+                    </a:tc>
+                    <a:tc>
+                      <a:txBody>
+                        <a:bodyPr/>
+                        <a:lstStyle/>
+                        <a:p>
+                          <a:pPr algn="ctr">
+                            <a:lnSpc>
+                              <a:spcPct val="106000"/>
+                            </a:lnSpc>
+                            <a:spcAft>
+                              <a:spcPts val="0"/>
+                            </a:spcAft>
+                          </a:pPr>
+                          <a:r>
+                            <a:rPr lang="en-US" sz="1200" dirty="0" smtClean="0">
+                              <a:effectLst/>
+                            </a:rPr>
+                            <a:t>4,6</a:t>
+                          </a:r>
+                          <a:endParaRPr lang="ru-RU" sz="1200" dirty="0" smtClean="0">
+                            <a:effectLst/>
+                          </a:endParaRPr>
+                        </a:p>
+                      </a:txBody>
+                      <a:tcPr marL="72743" marR="72743" marT="0" marB="0" anchor="ctr"/>
+                    </a:tc>
+                    <a:extLst>
+                      <a:ext uri="{0D108BD9-81ED-4DB2-BD59-A6C34878D82A}">
+                        <a16:rowId xmlns:a16="http://schemas.microsoft.com/office/drawing/2014/main" val="1628162115"/>
+                      </a:ext>
+                    </a:extLst>
+                  </a:tr>
+                  <a:tr h="325396">
+                    <a:tc>
+                      <a:txBody>
+                        <a:bodyPr/>
+                        <a:lstStyle/>
+                        <a:p>
+                          <a:endParaRPr lang="ru-RU"/>
+                        </a:p>
+                      </a:txBody>
+                      <a:tcPr marL="72743" marR="72743" marT="0" marB="0" anchor="ctr">
+                        <a:blipFill>
+                          <a:blip r:embed="rId2"/>
+                          <a:stretch>
+                            <a:fillRect l="-461" t="-716981" r="-192166" b="-20755"/>
+                          </a:stretch>
+                        </a:blipFill>
+                      </a:tcPr>
+                    </a:tc>
+                    <a:tc>
+                      <a:txBody>
+                        <a:bodyPr/>
+                        <a:lstStyle/>
+                        <a:p>
+                          <a:pPr marL="0" marR="0" indent="0" algn="ctr" defTabSz="914400" rtl="0" eaLnBrk="1" fontAlgn="auto" latinLnBrk="0" hangingPunct="1">
+                            <a:lnSpc>
+                              <a:spcPct val="106000"/>
+                            </a:lnSpc>
+                            <a:spcBef>
+                              <a:spcPts val="0"/>
+                            </a:spcBef>
+                            <a:spcAft>
+                              <a:spcPts val="0"/>
+                            </a:spcAft>
+                            <a:buClrTx/>
+                            <a:buSzTx/>
+                            <a:buFontTx/>
+                            <a:buNone/>
+                            <a:tabLst/>
+                            <a:defRPr/>
+                          </a:pPr>
+                          <a:r>
+                            <a:rPr lang="en-US" sz="1200" dirty="0" smtClean="0">
+                              <a:effectLst/>
+                              <a:latin typeface="+mn-lt"/>
+                              <a:ea typeface="+mn-ea"/>
+                              <a:cs typeface="+mn-cs"/>
+                            </a:rPr>
+                            <a:t>0,333</a:t>
+                          </a:r>
+                          <a:endParaRPr lang="ru-RU" sz="1200" dirty="0" smtClean="0">
+                            <a:effectLst/>
+                            <a:latin typeface="Calibri" panose="020F0502020204030204" pitchFamily="34" charset="0"/>
+                            <a:ea typeface="Calibri" panose="020F0502020204030204" pitchFamily="34" charset="0"/>
+                            <a:cs typeface="Times New Roman" panose="02020603050405020304" pitchFamily="18" charset="0"/>
+                          </a:endParaRPr>
+                        </a:p>
+                      </a:txBody>
+                      <a:tcPr marL="72743" marR="72743" marT="0" marB="0" anchor="ctr"/>
+                    </a:tc>
+                    <a:tc>
+                      <a:txBody>
+                        <a:bodyPr/>
+                        <a:lstStyle/>
+                        <a:p>
+                          <a:pPr marL="0" marR="0" indent="0" algn="ctr" defTabSz="914400" rtl="0" eaLnBrk="1" fontAlgn="auto" latinLnBrk="0" hangingPunct="1">
+                            <a:lnSpc>
+                              <a:spcPct val="106000"/>
+                            </a:lnSpc>
+                            <a:spcBef>
+                              <a:spcPts val="0"/>
+                            </a:spcBef>
+                            <a:spcAft>
+                              <a:spcPts val="0"/>
+                            </a:spcAft>
+                            <a:buClrTx/>
+                            <a:buSzTx/>
+                            <a:buFontTx/>
+                            <a:buNone/>
+                            <a:tabLst/>
+                            <a:defRPr/>
+                          </a:pPr>
+                          <a:r>
+                            <a:rPr lang="en-US" sz="1200" dirty="0" smtClean="0">
+                              <a:effectLst/>
+                            </a:rPr>
+                            <a:t>0,316</a:t>
+                          </a:r>
+                          <a:endParaRPr lang="ru-RU" sz="1200" dirty="0" smtClean="0">
+                            <a:effectLst/>
+                            <a:latin typeface="Calibri" panose="020F0502020204030204" pitchFamily="34" charset="0"/>
+                            <a:ea typeface="Calibri" panose="020F0502020204030204" pitchFamily="34" charset="0"/>
+                            <a:cs typeface="Times New Roman" panose="02020603050405020304" pitchFamily="18" charset="0"/>
+                          </a:endParaRPr>
+                        </a:p>
+                      </a:txBody>
+                      <a:tcPr marL="72743" marR="72743" marT="0" marB="0" anchor="ctr"/>
+                    </a:tc>
+                    <a:tc>
+                      <a:txBody>
+                        <a:bodyPr/>
+                        <a:lstStyle/>
+                        <a:p>
+                          <a:pPr marL="0" marR="0" indent="0" algn="ctr" defTabSz="914400" rtl="0" eaLnBrk="1" fontAlgn="auto" latinLnBrk="0" hangingPunct="1">
+                            <a:lnSpc>
+                              <a:spcPct val="106000"/>
+                            </a:lnSpc>
+                            <a:spcBef>
+                              <a:spcPts val="0"/>
+                            </a:spcBef>
+                            <a:spcAft>
+                              <a:spcPts val="0"/>
+                            </a:spcAft>
+                            <a:buClrTx/>
+                            <a:buSzTx/>
+                            <a:buFontTx/>
+                            <a:buNone/>
+                            <a:tabLst/>
+                            <a:defRPr/>
+                          </a:pPr>
+                          <a:r>
+                            <a:rPr lang="en-US" sz="1200" dirty="0" smtClean="0">
+                              <a:effectLst/>
+                            </a:rPr>
+                            <a:t>0,35</a:t>
+                          </a:r>
+                          <a:endParaRPr lang="ru-RU" sz="1200" dirty="0" smtClean="0">
+                            <a:effectLst/>
+                            <a:latin typeface="Calibri" panose="020F0502020204030204" pitchFamily="34" charset="0"/>
+                            <a:ea typeface="Calibri" panose="020F0502020204030204" pitchFamily="34" charset="0"/>
+                            <a:cs typeface="Times New Roman" panose="02020603050405020304" pitchFamily="18" charset="0"/>
+                          </a:endParaRPr>
+                        </a:p>
+                      </a:txBody>
+                      <a:tcPr marL="72743" marR="72743" marT="0" marB="0" anchor="ctr"/>
+                    </a:tc>
+                    <a:extLst>
+                      <a:ext uri="{0D108BD9-81ED-4DB2-BD59-A6C34878D82A}">
+                        <a16:rowId xmlns:a16="http://schemas.microsoft.com/office/drawing/2014/main" val="3473109421"/>
+                      </a:ext>
+                    </a:extLst>
+                  </a:tr>
+                </a:tbl>
+              </a:graphicData>
+            </a:graphic>
+          </p:graphicFrame>
+        </mc:Fallback>
+      </mc:AlternateContent>
       <p:sp>
         <p:nvSpPr>
-          <p:cNvPr id="5" name="Объект 4"/>
-          <p:cNvSpPr>
-            <a:spLocks noGrp="1"/>
+          <p:cNvPr id="7" name="Объект 4"/>
+          <p:cNvSpPr txBox="1">
+            <a:spLocks/>
           </p:cNvSpPr>
-          <p:nvPr>
-            <p:ph idx="1"/>
-          </p:nvPr>
+          <p:nvPr/>
         </p:nvSpPr>
-        <p:spPr/>
+        <p:spPr>
+          <a:xfrm>
+            <a:off x="487043" y="5770018"/>
+            <a:ext cx="10866756" cy="431461"/>
+          </a:xfrm>
+          <a:prstGeom prst="rect">
+            <a:avLst/>
+          </a:prstGeom>
+        </p:spPr>
         <p:txBody>
-          <a:bodyPr/>
-          <a:lstStyle/>
+          <a:bodyPr vert="horz" lIns="91440" tIns="45720" rIns="91440" bIns="45720" rtlCol="0">
+            <a:noAutofit/>
+          </a:bodyPr>
+          <a:lstStyle>
+            <a:lvl1pPr marL="228600" indent="-228600" algn="l" defTabSz="914400" rtl="0" eaLnBrk="1" latinLnBrk="0" hangingPunct="1">
+              <a:lnSpc>
+                <a:spcPct val="90000"/>
+              </a:lnSpc>
+              <a:spcBef>
+                <a:spcPts val="1000"/>
+              </a:spcBef>
+              <a:buFont typeface="Arial"/>
+              <a:buChar char="•"/>
+              <a:defRPr sz="2800" b="0" i="0" kern="1200">
+                <a:solidFill>
+                  <a:schemeClr val="tx1">
+                    <a:lumMod val="85000"/>
+                    <a:lumOff val="15000"/>
+                  </a:schemeClr>
+                </a:solidFill>
+                <a:latin typeface="+mn-lt"/>
+                <a:ea typeface="Open Sans Light" charset="0"/>
+                <a:cs typeface="Open Sans Light" charset="0"/>
+              </a:defRPr>
+            </a:lvl1pPr>
+            <a:lvl2pPr marL="685800" indent="-228600" algn="l" defTabSz="914400" rtl="0" eaLnBrk="1" latinLnBrk="0" hangingPunct="1">
+              <a:lnSpc>
+                <a:spcPct val="90000"/>
+              </a:lnSpc>
+              <a:spcBef>
+                <a:spcPts val="500"/>
+              </a:spcBef>
+              <a:buFont typeface="Arial"/>
+              <a:buChar char="•"/>
+              <a:defRPr sz="2400" b="0" i="0" kern="1200">
+                <a:solidFill>
+                  <a:schemeClr val="tx1"/>
+                </a:solidFill>
+                <a:latin typeface="+mn-lt"/>
+                <a:ea typeface="Open Sans Light" charset="0"/>
+                <a:cs typeface="Open Sans Light" charset="0"/>
+              </a:defRPr>
+            </a:lvl2pPr>
+            <a:lvl3pPr marL="1143000" indent="-228600" algn="l" defTabSz="914400" rtl="0" eaLnBrk="1" latinLnBrk="0" hangingPunct="1">
+              <a:lnSpc>
+                <a:spcPct val="90000"/>
+              </a:lnSpc>
+              <a:spcBef>
+                <a:spcPts val="500"/>
+              </a:spcBef>
+              <a:buFont typeface="Arial"/>
+              <a:buChar char="•"/>
+              <a:defRPr sz="2000" b="0" i="0" kern="1200">
+                <a:solidFill>
+                  <a:schemeClr val="tx1"/>
+                </a:solidFill>
+                <a:latin typeface="+mn-lt"/>
+                <a:ea typeface="Open Sans Light" charset="0"/>
+                <a:cs typeface="Open Sans Light" charset="0"/>
+              </a:defRPr>
+            </a:lvl3pPr>
+            <a:lvl4pPr marL="1600200" indent="-228600" algn="l" defTabSz="914400" rtl="0" eaLnBrk="1" latinLnBrk="0" hangingPunct="1">
+              <a:lnSpc>
+                <a:spcPct val="90000"/>
+              </a:lnSpc>
+              <a:spcBef>
+                <a:spcPts val="500"/>
+              </a:spcBef>
+              <a:buFont typeface="Arial"/>
+              <a:buChar char="•"/>
+              <a:defRPr sz="1800" b="0" i="0" kern="1200">
+                <a:solidFill>
+                  <a:schemeClr val="tx1"/>
+                </a:solidFill>
+                <a:latin typeface="+mn-lt"/>
+                <a:ea typeface="Open Sans Light" charset="0"/>
+                <a:cs typeface="Open Sans Light" charset="0"/>
+              </a:defRPr>
+            </a:lvl4pPr>
+            <a:lvl5pPr marL="2057400" indent="-228600" algn="l" defTabSz="914400" rtl="0" eaLnBrk="1" latinLnBrk="0" hangingPunct="1">
+              <a:lnSpc>
+                <a:spcPct val="90000"/>
+              </a:lnSpc>
+              <a:spcBef>
+                <a:spcPts val="500"/>
+              </a:spcBef>
+              <a:buFont typeface="Arial"/>
+              <a:buChar char="•"/>
+              <a:defRPr sz="1800" b="0" i="0" kern="1200">
+                <a:solidFill>
+                  <a:schemeClr val="tx1"/>
+                </a:solidFill>
+                <a:latin typeface="+mn-lt"/>
+                <a:ea typeface="Open Sans Light" charset="0"/>
+                <a:cs typeface="Open Sans Light" charset="0"/>
+              </a:defRPr>
+            </a:lvl5pPr>
+            <a:lvl6pPr marL="2514600" indent="-228600" algn="l" defTabSz="914400" rtl="0" eaLnBrk="1" latinLnBrk="0" hangingPunct="1">
+              <a:lnSpc>
+                <a:spcPct val="90000"/>
+              </a:lnSpc>
+              <a:spcBef>
+                <a:spcPts val="500"/>
+              </a:spcBef>
+              <a:buFont typeface="Arial"/>
+              <a:buChar char="•"/>
+              <a:defRPr sz="1800" kern="1200">
+                <a:solidFill>
+                  <a:schemeClr val="tx1"/>
+                </a:solidFill>
+                <a:latin typeface="+mn-lt"/>
+                <a:ea typeface="+mn-ea"/>
+                <a:cs typeface="+mn-cs"/>
+              </a:defRPr>
+            </a:lvl6pPr>
+            <a:lvl7pPr marL="2971800" indent="-228600" algn="l" defTabSz="914400" rtl="0" eaLnBrk="1" latinLnBrk="0" hangingPunct="1">
+              <a:lnSpc>
+                <a:spcPct val="90000"/>
+              </a:lnSpc>
+              <a:spcBef>
+                <a:spcPts val="500"/>
+              </a:spcBef>
+              <a:buFont typeface="Arial"/>
+              <a:buChar char="•"/>
+              <a:defRPr sz="1800" kern="1200">
+                <a:solidFill>
+                  <a:schemeClr val="tx1"/>
+                </a:solidFill>
+                <a:latin typeface="+mn-lt"/>
+                <a:ea typeface="+mn-ea"/>
+                <a:cs typeface="+mn-cs"/>
+              </a:defRPr>
+            </a:lvl7pPr>
+            <a:lvl8pPr marL="3429000" indent="-228600" algn="l" defTabSz="914400" rtl="0" eaLnBrk="1" latinLnBrk="0" hangingPunct="1">
+              <a:lnSpc>
+                <a:spcPct val="90000"/>
+              </a:lnSpc>
+              <a:spcBef>
+                <a:spcPts val="500"/>
+              </a:spcBef>
+              <a:buFont typeface="Arial"/>
+              <a:buChar char="•"/>
+              <a:defRPr sz="1800" kern="1200">
+                <a:solidFill>
+                  <a:schemeClr val="tx1"/>
+                </a:solidFill>
+                <a:latin typeface="+mn-lt"/>
+                <a:ea typeface="+mn-ea"/>
+                <a:cs typeface="+mn-cs"/>
+              </a:defRPr>
+            </a:lvl8pPr>
+            <a:lvl9pPr marL="3886200" indent="-228600" algn="l" defTabSz="914400" rtl="0" eaLnBrk="1" latinLnBrk="0" hangingPunct="1">
+              <a:lnSpc>
+                <a:spcPct val="90000"/>
+              </a:lnSpc>
+              <a:spcBef>
+                <a:spcPts val="500"/>
+              </a:spcBef>
+              <a:buFont typeface="Arial"/>
+              <a:buChar char="•"/>
+              <a:defRPr sz="1800" kern="1200">
+                <a:solidFill>
+                  <a:schemeClr val="tx1"/>
+                </a:solidFill>
+                <a:latin typeface="+mn-lt"/>
+                <a:ea typeface="+mn-ea"/>
+                <a:cs typeface="+mn-cs"/>
+              </a:defRPr>
+            </a:lvl9pPr>
+          </a:lstStyle>
           <a:p>
-            <a:endParaRPr lang="ru-RU" dirty="0"/>
+            <a:pPr marL="0" indent="0">
+              <a:buNone/>
+            </a:pPr>
+            <a:r>
+              <a:rPr lang="ru-RU" sz="2400" dirty="0" smtClean="0"/>
+              <a:t> В результате </a:t>
+            </a:r>
+            <a:r>
+              <a:rPr lang="ru-RU" sz="2400" dirty="0"/>
+              <a:t>оценки качества </a:t>
+            </a:r>
+            <a:r>
+              <a:rPr lang="ru-RU" sz="2400" dirty="0" smtClean="0"/>
+              <a:t>была </a:t>
+            </a:r>
+            <a:r>
+              <a:rPr lang="ru-RU" sz="2400" dirty="0"/>
+              <a:t>получена следующая оценка: </a:t>
+            </a:r>
+            <a:r>
+              <a:rPr lang="ru-RU" sz="2400" dirty="0" smtClean="0"/>
+              <a:t>4,667.</a:t>
+            </a:r>
+            <a:endParaRPr lang="ru-RU" sz="2400" dirty="0"/>
           </a:p>
         </p:txBody>
       </p:sp>
+      <p:graphicFrame>
+        <p:nvGraphicFramePr>
+          <p:cNvPr id="10" name="Таблица 9"/>
+          <p:cNvGraphicFramePr>
+            <a:graphicFrameLocks noGrp="1"/>
+          </p:cNvGraphicFramePr>
+          <p:nvPr>
+            <p:extLst>
+              <p:ext uri="{D42A27DB-BD31-4B8C-83A1-F6EECF244321}">
+                <p14:modId xmlns:p14="http://schemas.microsoft.com/office/powerpoint/2010/main" val="305647496"/>
+              </p:ext>
+            </p:extLst>
+          </p:nvPr>
+        </p:nvGraphicFramePr>
+        <p:xfrm>
+          <a:off x="487043" y="1193801"/>
+          <a:ext cx="3441145" cy="1008223"/>
+        </p:xfrm>
+        <a:graphic>
+          <a:graphicData uri="http://schemas.openxmlformats.org/drawingml/2006/table">
+            <a:tbl>
+              <a:tblPr firstRow="1" firstCol="1" bandRow="1">
+                <a:tableStyleId>{21E4AEA4-8DFA-4A89-87EB-49C32662AFE0}</a:tableStyleId>
+              </a:tblPr>
+              <a:tblGrid>
+                <a:gridCol w="268651">
+                  <a:extLst>
+                    <a:ext uri="{9D8B030D-6E8A-4147-A177-3AD203B41FA5}">
+                      <a16:colId xmlns:a16="http://schemas.microsoft.com/office/drawing/2014/main" val="1504205120"/>
+                    </a:ext>
+                  </a:extLst>
+                </a:gridCol>
+                <a:gridCol w="3172494">
+                  <a:extLst>
+                    <a:ext uri="{9D8B030D-6E8A-4147-A177-3AD203B41FA5}">
+                      <a16:colId xmlns:a16="http://schemas.microsoft.com/office/drawing/2014/main" val="376924219"/>
+                    </a:ext>
+                  </a:extLst>
+                </a:gridCol>
+              </a:tblGrid>
+              <a:tr h="275107">
+                <a:tc>
+                  <a:txBody>
+                    <a:bodyPr/>
+                    <a:lstStyle/>
+                    <a:p>
+                      <a:pPr algn="ctr">
+                        <a:lnSpc>
+                          <a:spcPct val="106000"/>
+                        </a:lnSpc>
+                        <a:spcAft>
+                          <a:spcPts val="0"/>
+                        </a:spcAft>
+                      </a:pPr>
+                      <a:r>
+                        <a:rPr lang="ru-RU" sz="1400" dirty="0" smtClean="0">
+                          <a:effectLst/>
+                          <a:latin typeface="+mn-lt"/>
+                          <a:ea typeface="+mn-ea"/>
+                          <a:cs typeface="+mn-cs"/>
+                        </a:rPr>
+                        <a:t>№</a:t>
+                      </a:r>
+                      <a:endParaRPr lang="ru-RU" sz="1100" dirty="0">
+                        <a:effectLst/>
+                        <a:latin typeface="Calibri" panose="020F0502020204030204" pitchFamily="34" charset="0"/>
+                        <a:ea typeface="Calibri" panose="020F0502020204030204" pitchFamily="34" charset="0"/>
+                        <a:cs typeface="Times New Roman" panose="02020603050405020304" pitchFamily="18" charset="0"/>
+                      </a:endParaRPr>
+                    </a:p>
+                  </a:txBody>
+                  <a:tcPr marL="68580" marR="68580" marT="0" marB="0"/>
+                </a:tc>
+                <a:tc>
+                  <a:txBody>
+                    <a:bodyPr/>
+                    <a:lstStyle/>
+                    <a:p>
+                      <a:pPr algn="ctr">
+                        <a:lnSpc>
+                          <a:spcPct val="106000"/>
+                        </a:lnSpc>
+                        <a:spcAft>
+                          <a:spcPts val="0"/>
+                        </a:spcAft>
+                      </a:pPr>
+                      <a:r>
+                        <a:rPr lang="ru-RU" sz="1400" dirty="0">
+                          <a:effectLst/>
+                        </a:rPr>
+                        <a:t>Показатель</a:t>
+                      </a:r>
+                      <a:endParaRPr lang="ru-RU" sz="1100" dirty="0">
+                        <a:effectLst/>
+                        <a:latin typeface="Calibri" panose="020F0502020204030204" pitchFamily="34" charset="0"/>
+                        <a:ea typeface="Calibri" panose="020F0502020204030204" pitchFamily="34" charset="0"/>
+                        <a:cs typeface="Times New Roman" panose="02020603050405020304" pitchFamily="18" charset="0"/>
+                      </a:endParaRPr>
+                    </a:p>
+                  </a:txBody>
+                  <a:tcPr marL="68580" marR="68580" marT="0" marB="0"/>
+                </a:tc>
+                <a:extLst>
+                  <a:ext uri="{0D108BD9-81ED-4DB2-BD59-A6C34878D82A}">
+                    <a16:rowId xmlns:a16="http://schemas.microsoft.com/office/drawing/2014/main" val="314568210"/>
+                  </a:ext>
+                </a:extLst>
+              </a:tr>
+              <a:tr h="244372">
+                <a:tc>
+                  <a:txBody>
+                    <a:bodyPr/>
+                    <a:lstStyle/>
+                    <a:p>
+                      <a:pPr algn="ctr">
+                        <a:lnSpc>
+                          <a:spcPct val="106000"/>
+                        </a:lnSpc>
+                        <a:spcAft>
+                          <a:spcPts val="0"/>
+                        </a:spcAft>
+                      </a:pPr>
+                      <a:r>
+                        <a:rPr lang="ru-RU" sz="1400">
+                          <a:effectLst/>
+                        </a:rPr>
+                        <a:t>1</a:t>
+                      </a:r>
+                      <a:endParaRPr lang="ru-RU" sz="1100">
+                        <a:effectLst/>
+                        <a:latin typeface="Calibri" panose="020F0502020204030204" pitchFamily="34" charset="0"/>
+                        <a:ea typeface="Calibri" panose="020F0502020204030204" pitchFamily="34" charset="0"/>
+                        <a:cs typeface="Times New Roman" panose="02020603050405020304" pitchFamily="18" charset="0"/>
+                      </a:endParaRPr>
+                    </a:p>
+                  </a:txBody>
+                  <a:tcPr marL="68580" marR="68580" marT="0" marB="0" anchor="ctr"/>
+                </a:tc>
+                <a:tc>
+                  <a:txBody>
+                    <a:bodyPr/>
+                    <a:lstStyle/>
+                    <a:p>
+                      <a:pPr algn="just">
+                        <a:lnSpc>
+                          <a:spcPct val="106000"/>
+                        </a:lnSpc>
+                        <a:spcAft>
+                          <a:spcPts val="0"/>
+                        </a:spcAft>
+                      </a:pPr>
+                      <a:r>
+                        <a:rPr lang="ru-RU" sz="1400" dirty="0">
+                          <a:effectLst/>
+                        </a:rPr>
+                        <a:t>Доступность</a:t>
+                      </a:r>
+                      <a:endParaRPr lang="ru-RU" sz="1100" dirty="0">
+                        <a:effectLst/>
+                        <a:latin typeface="Calibri" panose="020F0502020204030204" pitchFamily="34" charset="0"/>
+                        <a:ea typeface="Calibri" panose="020F0502020204030204" pitchFamily="34" charset="0"/>
+                        <a:cs typeface="Times New Roman" panose="02020603050405020304" pitchFamily="18" charset="0"/>
+                      </a:endParaRPr>
+                    </a:p>
+                  </a:txBody>
+                  <a:tcPr marL="68580" marR="68580" marT="0" marB="0"/>
+                </a:tc>
+                <a:extLst>
+                  <a:ext uri="{0D108BD9-81ED-4DB2-BD59-A6C34878D82A}">
+                    <a16:rowId xmlns:a16="http://schemas.microsoft.com/office/drawing/2014/main" val="1228767796"/>
+                  </a:ext>
+                </a:extLst>
+              </a:tr>
+              <a:tr h="244372">
+                <a:tc>
+                  <a:txBody>
+                    <a:bodyPr/>
+                    <a:lstStyle/>
+                    <a:p>
+                      <a:pPr algn="ctr">
+                        <a:lnSpc>
+                          <a:spcPct val="106000"/>
+                        </a:lnSpc>
+                        <a:spcAft>
+                          <a:spcPts val="0"/>
+                        </a:spcAft>
+                      </a:pPr>
+                      <a:r>
+                        <a:rPr lang="ru-RU" sz="1400">
+                          <a:effectLst/>
+                        </a:rPr>
+                        <a:t>2</a:t>
+                      </a:r>
+                      <a:endParaRPr lang="ru-RU" sz="1100">
+                        <a:effectLst/>
+                        <a:latin typeface="Calibri" panose="020F0502020204030204" pitchFamily="34" charset="0"/>
+                        <a:ea typeface="Calibri" panose="020F0502020204030204" pitchFamily="34" charset="0"/>
+                        <a:cs typeface="Times New Roman" panose="02020603050405020304" pitchFamily="18" charset="0"/>
+                      </a:endParaRPr>
+                    </a:p>
+                  </a:txBody>
+                  <a:tcPr marL="68580" marR="68580" marT="0" marB="0" anchor="ctr"/>
+                </a:tc>
+                <a:tc>
+                  <a:txBody>
+                    <a:bodyPr/>
+                    <a:lstStyle/>
+                    <a:p>
+                      <a:pPr algn="just">
+                        <a:lnSpc>
+                          <a:spcPct val="106000"/>
+                        </a:lnSpc>
+                        <a:spcAft>
+                          <a:spcPts val="0"/>
+                        </a:spcAft>
+                      </a:pPr>
+                      <a:r>
+                        <a:rPr lang="ru-RU" sz="1400" dirty="0">
+                          <a:effectLst/>
+                        </a:rPr>
+                        <a:t>Информативность отчётов</a:t>
+                      </a:r>
+                      <a:endParaRPr lang="ru-RU" sz="1100" dirty="0">
+                        <a:effectLst/>
+                        <a:latin typeface="Calibri" panose="020F0502020204030204" pitchFamily="34" charset="0"/>
+                        <a:ea typeface="Calibri" panose="020F0502020204030204" pitchFamily="34" charset="0"/>
+                        <a:cs typeface="Times New Roman" panose="02020603050405020304" pitchFamily="18" charset="0"/>
+                      </a:endParaRPr>
+                    </a:p>
+                  </a:txBody>
+                  <a:tcPr marL="68580" marR="68580" marT="0" marB="0"/>
+                </a:tc>
+                <a:extLst>
+                  <a:ext uri="{0D108BD9-81ED-4DB2-BD59-A6C34878D82A}">
+                    <a16:rowId xmlns:a16="http://schemas.microsoft.com/office/drawing/2014/main" val="3453889802"/>
+                  </a:ext>
+                </a:extLst>
+              </a:tr>
+              <a:tr h="244372">
+                <a:tc>
+                  <a:txBody>
+                    <a:bodyPr/>
+                    <a:lstStyle/>
+                    <a:p>
+                      <a:pPr algn="ctr">
+                        <a:lnSpc>
+                          <a:spcPct val="106000"/>
+                        </a:lnSpc>
+                        <a:spcAft>
+                          <a:spcPts val="0"/>
+                        </a:spcAft>
+                      </a:pPr>
+                      <a:r>
+                        <a:rPr lang="ru-RU" sz="1400">
+                          <a:effectLst/>
+                        </a:rPr>
+                        <a:t>3</a:t>
+                      </a:r>
+                      <a:endParaRPr lang="ru-RU" sz="1100">
+                        <a:effectLst/>
+                        <a:latin typeface="Calibri" panose="020F0502020204030204" pitchFamily="34" charset="0"/>
+                        <a:ea typeface="Calibri" panose="020F0502020204030204" pitchFamily="34" charset="0"/>
+                        <a:cs typeface="Times New Roman" panose="02020603050405020304" pitchFamily="18" charset="0"/>
+                      </a:endParaRPr>
+                    </a:p>
+                  </a:txBody>
+                  <a:tcPr marL="68580" marR="68580" marT="0" marB="0" anchor="ctr"/>
+                </a:tc>
+                <a:tc>
+                  <a:txBody>
+                    <a:bodyPr/>
+                    <a:lstStyle/>
+                    <a:p>
+                      <a:pPr algn="just">
+                        <a:lnSpc>
+                          <a:spcPct val="106000"/>
+                        </a:lnSpc>
+                        <a:spcAft>
+                          <a:spcPts val="0"/>
+                        </a:spcAft>
+                      </a:pPr>
+                      <a:r>
+                        <a:rPr lang="ru-RU" sz="1400" dirty="0">
+                          <a:effectLst/>
+                        </a:rPr>
+                        <a:t>Поддержка</a:t>
+                      </a:r>
+                      <a:endParaRPr lang="ru-RU" sz="1100" dirty="0">
+                        <a:effectLst/>
+                        <a:latin typeface="Calibri" panose="020F0502020204030204" pitchFamily="34" charset="0"/>
+                        <a:ea typeface="Calibri" panose="020F0502020204030204" pitchFamily="34" charset="0"/>
+                        <a:cs typeface="Times New Roman" panose="02020603050405020304" pitchFamily="18" charset="0"/>
+                      </a:endParaRPr>
+                    </a:p>
+                  </a:txBody>
+                  <a:tcPr marL="68580" marR="68580" marT="0" marB="0"/>
+                </a:tc>
+                <a:extLst>
+                  <a:ext uri="{0D108BD9-81ED-4DB2-BD59-A6C34878D82A}">
+                    <a16:rowId xmlns:a16="http://schemas.microsoft.com/office/drawing/2014/main" val="1655196384"/>
+                  </a:ext>
+                </a:extLst>
+              </a:tr>
+            </a:tbl>
+          </a:graphicData>
+        </a:graphic>
+      </p:graphicFrame>
+      <mc:AlternateContent xmlns:mc="http://schemas.openxmlformats.org/markup-compatibility/2006">
+        <mc:Choice xmlns:a14="http://schemas.microsoft.com/office/drawing/2010/main" Requires="a14">
+          <p:graphicFrame>
+            <p:nvGraphicFramePr>
+              <p:cNvPr id="11" name="Таблица 10"/>
+              <p:cNvGraphicFramePr>
+                <a:graphicFrameLocks noGrp="1"/>
+              </p:cNvGraphicFramePr>
+              <p:nvPr>
+                <p:extLst>
+                  <p:ext uri="{D42A27DB-BD31-4B8C-83A1-F6EECF244321}">
+                    <p14:modId xmlns:p14="http://schemas.microsoft.com/office/powerpoint/2010/main" val="2091402219"/>
+                  </p:ext>
+                </p:extLst>
+              </p:nvPr>
+            </p:nvGraphicFramePr>
+            <p:xfrm>
+              <a:off x="8449220" y="1193801"/>
+              <a:ext cx="3559277" cy="2827692"/>
+            </p:xfrm>
+            <a:graphic>
+              <a:graphicData uri="http://schemas.openxmlformats.org/drawingml/2006/table">
+                <a:tbl>
+                  <a:tblPr firstRow="1" firstCol="1" bandRow="1">
+                    <a:tableStyleId>{21E4AEA4-8DFA-4A89-87EB-49C32662AFE0}</a:tableStyleId>
+                  </a:tblPr>
+                  <a:tblGrid>
+                    <a:gridCol w="1599849">
+                      <a:extLst>
+                        <a:ext uri="{9D8B030D-6E8A-4147-A177-3AD203B41FA5}">
+                          <a16:colId xmlns:a16="http://schemas.microsoft.com/office/drawing/2014/main" val="1205946314"/>
+                        </a:ext>
+                      </a:extLst>
+                    </a:gridCol>
+                    <a:gridCol w="648789">
+                      <a:extLst>
+                        <a:ext uri="{9D8B030D-6E8A-4147-A177-3AD203B41FA5}">
+                          <a16:colId xmlns:a16="http://schemas.microsoft.com/office/drawing/2014/main" val="2605779932"/>
+                        </a:ext>
+                      </a:extLst>
+                    </a:gridCol>
+                    <a:gridCol w="563250">
+                      <a:extLst>
+                        <a:ext uri="{9D8B030D-6E8A-4147-A177-3AD203B41FA5}">
+                          <a16:colId xmlns:a16="http://schemas.microsoft.com/office/drawing/2014/main" val="718572341"/>
+                        </a:ext>
+                      </a:extLst>
+                    </a:gridCol>
+                    <a:gridCol w="747389">
+                      <a:extLst>
+                        <a:ext uri="{9D8B030D-6E8A-4147-A177-3AD203B41FA5}">
+                          <a16:colId xmlns:a16="http://schemas.microsoft.com/office/drawing/2014/main" val="2591767640"/>
+                        </a:ext>
+                      </a:extLst>
+                    </a:gridCol>
+                  </a:tblGrid>
+                  <a:tr h="315753">
+                    <a:tc rowSpan="2">
+                      <a:txBody>
+                        <a:bodyPr/>
+                        <a:lstStyle/>
+                        <a:p>
+                          <a:pPr indent="9525" algn="ctr">
+                            <a:lnSpc>
+                              <a:spcPct val="106000"/>
+                            </a:lnSpc>
+                            <a:spcAft>
+                              <a:spcPts val="0"/>
+                            </a:spcAft>
+                          </a:pPr>
+                          <a:r>
+                            <a:rPr lang="ru-RU" sz="1400" dirty="0">
+                              <a:effectLst/>
+                            </a:rPr>
+                            <a:t>Норм. ранжирование</a:t>
+                          </a:r>
+                          <a:endParaRPr lang="ru-RU" sz="1100" dirty="0">
+                            <a:effectLst/>
+                            <a:latin typeface="Calibri" panose="020F0502020204030204" pitchFamily="34" charset="0"/>
+                            <a:ea typeface="Calibri" panose="020F0502020204030204" pitchFamily="34" charset="0"/>
+                            <a:cs typeface="Times New Roman" panose="02020603050405020304" pitchFamily="18" charset="0"/>
+                          </a:endParaRPr>
+                        </a:p>
+                      </a:txBody>
+                      <a:tcPr marL="73025" marR="73025" marT="0" marB="0" anchor="ctr"/>
+                    </a:tc>
+                    <a:tc gridSpan="3">
+                      <a:txBody>
+                        <a:bodyPr/>
+                        <a:lstStyle/>
+                        <a:p>
+                          <a:pPr algn="ctr">
+                            <a:lnSpc>
+                              <a:spcPct val="106000"/>
+                            </a:lnSpc>
+                            <a:spcAft>
+                              <a:spcPts val="0"/>
+                            </a:spcAft>
+                          </a:pPr>
+                          <a:r>
+                            <a:rPr lang="ru-RU" sz="1400">
+                              <a:effectLst/>
+                            </a:rPr>
+                            <a:t>№ критерия</a:t>
+                          </a:r>
+                          <a:endParaRPr lang="ru-RU" sz="1100">
+                            <a:effectLst/>
+                            <a:latin typeface="Calibri" panose="020F0502020204030204" pitchFamily="34" charset="0"/>
+                            <a:ea typeface="Calibri" panose="020F0502020204030204" pitchFamily="34" charset="0"/>
+                            <a:cs typeface="Times New Roman" panose="02020603050405020304" pitchFamily="18" charset="0"/>
+                          </a:endParaRPr>
+                        </a:p>
+                      </a:txBody>
+                      <a:tcPr marL="73025" marR="73025" marT="0" marB="0" anchor="ctr"/>
+                    </a:tc>
+                    <a:tc hMerge="1">
+                      <a:txBody>
+                        <a:bodyPr/>
+                        <a:lstStyle/>
+                        <a:p>
+                          <a:endParaRPr lang="ru-RU"/>
+                        </a:p>
+                      </a:txBody>
+                      <a:tcPr/>
+                    </a:tc>
+                    <a:tc hMerge="1">
+                      <a:txBody>
+                        <a:bodyPr/>
+                        <a:lstStyle/>
+                        <a:p>
+                          <a:endParaRPr lang="ru-RU"/>
+                        </a:p>
+                      </a:txBody>
+                      <a:tcPr/>
+                    </a:tc>
+                    <a:extLst>
+                      <a:ext uri="{0D108BD9-81ED-4DB2-BD59-A6C34878D82A}">
+                        <a16:rowId xmlns:a16="http://schemas.microsoft.com/office/drawing/2014/main" val="1962512153"/>
+                      </a:ext>
+                    </a:extLst>
+                  </a:tr>
+                  <a:tr h="315753">
+                    <a:tc vMerge="1">
+                      <a:txBody>
+                        <a:bodyPr/>
+                        <a:lstStyle/>
+                        <a:p>
+                          <a:endParaRPr lang="ru-RU"/>
+                        </a:p>
+                      </a:txBody>
+                      <a:tcPr/>
+                    </a:tc>
+                    <a:tc>
+                      <a:txBody>
+                        <a:bodyPr/>
+                        <a:lstStyle/>
+                        <a:p>
+                          <a:pPr algn="ctr">
+                            <a:lnSpc>
+                              <a:spcPct val="106000"/>
+                            </a:lnSpc>
+                            <a:spcAft>
+                              <a:spcPts val="0"/>
+                            </a:spcAft>
+                          </a:pPr>
+                          <a:r>
+                            <a:rPr lang="ru-RU" sz="1400" dirty="0">
+                              <a:effectLst/>
+                            </a:rPr>
+                            <a:t>1</a:t>
+                          </a:r>
+                          <a:endParaRPr lang="ru-RU" sz="1100" dirty="0">
+                            <a:effectLst/>
+                            <a:latin typeface="Calibri" panose="020F0502020204030204" pitchFamily="34" charset="0"/>
+                            <a:ea typeface="Calibri" panose="020F0502020204030204" pitchFamily="34" charset="0"/>
+                            <a:cs typeface="Times New Roman" panose="02020603050405020304" pitchFamily="18" charset="0"/>
+                          </a:endParaRPr>
+                        </a:p>
+                      </a:txBody>
+                      <a:tcPr marL="73025" marR="73025" marT="0" marB="0" anchor="ctr"/>
+                    </a:tc>
+                    <a:tc>
+                      <a:txBody>
+                        <a:bodyPr/>
+                        <a:lstStyle/>
+                        <a:p>
+                          <a:pPr algn="ctr">
+                            <a:lnSpc>
+                              <a:spcPct val="106000"/>
+                            </a:lnSpc>
+                            <a:spcAft>
+                              <a:spcPts val="0"/>
+                            </a:spcAft>
+                          </a:pPr>
+                          <a:r>
+                            <a:rPr lang="ru-RU" sz="1400" dirty="0">
+                              <a:effectLst/>
+                            </a:rPr>
+                            <a:t>2</a:t>
+                          </a:r>
+                          <a:endParaRPr lang="ru-RU" sz="1100" dirty="0">
+                            <a:effectLst/>
+                            <a:latin typeface="Calibri" panose="020F0502020204030204" pitchFamily="34" charset="0"/>
+                            <a:ea typeface="Calibri" panose="020F0502020204030204" pitchFamily="34" charset="0"/>
+                            <a:cs typeface="Times New Roman" panose="02020603050405020304" pitchFamily="18" charset="0"/>
+                          </a:endParaRPr>
+                        </a:p>
+                      </a:txBody>
+                      <a:tcPr marL="73025" marR="73025" marT="0" marB="0" anchor="ctr"/>
+                    </a:tc>
+                    <a:tc>
+                      <a:txBody>
+                        <a:bodyPr/>
+                        <a:lstStyle/>
+                        <a:p>
+                          <a:pPr algn="ctr">
+                            <a:lnSpc>
+                              <a:spcPct val="106000"/>
+                            </a:lnSpc>
+                            <a:spcAft>
+                              <a:spcPts val="0"/>
+                            </a:spcAft>
+                          </a:pPr>
+                          <a:r>
+                            <a:rPr lang="ru-RU" sz="1400" dirty="0">
+                              <a:effectLst/>
+                            </a:rPr>
+                            <a:t>3</a:t>
+                          </a:r>
+                          <a:endParaRPr lang="ru-RU" sz="1100" dirty="0">
+                            <a:effectLst/>
+                            <a:latin typeface="Calibri" panose="020F0502020204030204" pitchFamily="34" charset="0"/>
+                            <a:ea typeface="Calibri" panose="020F0502020204030204" pitchFamily="34" charset="0"/>
+                            <a:cs typeface="Times New Roman" panose="02020603050405020304" pitchFamily="18" charset="0"/>
+                          </a:endParaRPr>
+                        </a:p>
+                      </a:txBody>
+                      <a:tcPr marL="73025" marR="73025" marT="0" marB="0" anchor="ctr"/>
+                    </a:tc>
+                    <a:extLst>
+                      <a:ext uri="{0D108BD9-81ED-4DB2-BD59-A6C34878D82A}">
+                        <a16:rowId xmlns:a16="http://schemas.microsoft.com/office/drawing/2014/main" val="2412281421"/>
+                      </a:ext>
+                    </a:extLst>
+                  </a:tr>
+                  <a:tr h="315753">
+                    <a:tc>
+                      <a:txBody>
+                        <a:bodyPr/>
+                        <a:lstStyle/>
+                        <a:p>
+                          <a:pPr algn="ctr">
+                            <a:lnSpc>
+                              <a:spcPct val="106000"/>
+                            </a:lnSpc>
+                            <a:spcAft>
+                              <a:spcPts val="0"/>
+                            </a:spcAft>
+                          </a:pPr>
+                          <a:r>
+                            <a:rPr lang="ru-RU" sz="1400">
+                              <a:effectLst/>
+                            </a:rPr>
+                            <a:t>Эксперт 1</a:t>
+                          </a:r>
+                          <a:endParaRPr lang="ru-RU" sz="1100">
+                            <a:effectLst/>
+                            <a:latin typeface="Calibri" panose="020F0502020204030204" pitchFamily="34" charset="0"/>
+                            <a:ea typeface="Calibri" panose="020F0502020204030204" pitchFamily="34" charset="0"/>
+                            <a:cs typeface="Times New Roman" panose="02020603050405020304" pitchFamily="18" charset="0"/>
+                          </a:endParaRPr>
+                        </a:p>
+                      </a:txBody>
+                      <a:tcPr marL="73025" marR="73025" marT="0" marB="0" anchor="ctr"/>
+                    </a:tc>
+                    <a:tc>
+                      <a:txBody>
+                        <a:bodyPr/>
+                        <a:lstStyle/>
+                        <a:p>
+                          <a:pPr algn="ctr">
+                            <a:lnSpc>
+                              <a:spcPct val="106000"/>
+                            </a:lnSpc>
+                            <a:spcAft>
+                              <a:spcPts val="0"/>
+                            </a:spcAft>
+                          </a:pPr>
+                          <a:r>
+                            <a:rPr lang="ru-RU" sz="1200">
+                              <a:effectLst/>
+                            </a:rPr>
+                            <a:t>3</a:t>
+                          </a:r>
+                          <a:endParaRPr lang="ru-RU" sz="1100">
+                            <a:effectLst/>
+                            <a:latin typeface="Calibri" panose="020F0502020204030204" pitchFamily="34" charset="0"/>
+                            <a:ea typeface="Calibri" panose="020F0502020204030204" pitchFamily="34" charset="0"/>
+                            <a:cs typeface="Times New Roman" panose="02020603050405020304" pitchFamily="18" charset="0"/>
+                          </a:endParaRPr>
+                        </a:p>
+                      </a:txBody>
+                      <a:tcPr marL="73025" marR="73025" marT="0" marB="0" anchor="ctr"/>
+                    </a:tc>
+                    <a:tc>
+                      <a:txBody>
+                        <a:bodyPr/>
+                        <a:lstStyle/>
+                        <a:p>
+                          <a:pPr algn="ctr">
+                            <a:lnSpc>
+                              <a:spcPct val="106000"/>
+                            </a:lnSpc>
+                            <a:spcAft>
+                              <a:spcPts val="0"/>
+                            </a:spcAft>
+                          </a:pPr>
+                          <a:r>
+                            <a:rPr lang="ru-RU" sz="1200">
+                              <a:effectLst/>
+                            </a:rPr>
+                            <a:t>2</a:t>
+                          </a:r>
+                          <a:endParaRPr lang="ru-RU" sz="1100">
+                            <a:effectLst/>
+                            <a:latin typeface="Calibri" panose="020F0502020204030204" pitchFamily="34" charset="0"/>
+                            <a:ea typeface="Calibri" panose="020F0502020204030204" pitchFamily="34" charset="0"/>
+                            <a:cs typeface="Times New Roman" panose="02020603050405020304" pitchFamily="18" charset="0"/>
+                          </a:endParaRPr>
+                        </a:p>
+                      </a:txBody>
+                      <a:tcPr marL="73025" marR="73025" marT="0" marB="0" anchor="ctr"/>
+                    </a:tc>
+                    <a:tc>
+                      <a:txBody>
+                        <a:bodyPr/>
+                        <a:lstStyle/>
+                        <a:p>
+                          <a:pPr algn="ctr">
+                            <a:lnSpc>
+                              <a:spcPct val="106000"/>
+                            </a:lnSpc>
+                            <a:spcAft>
+                              <a:spcPts val="0"/>
+                            </a:spcAft>
+                          </a:pPr>
+                          <a:r>
+                            <a:rPr lang="ru-RU" sz="1200" dirty="0">
+                              <a:effectLst/>
+                            </a:rPr>
+                            <a:t>1</a:t>
+                          </a:r>
+                          <a:endParaRPr lang="ru-RU" sz="1100" dirty="0">
+                            <a:effectLst/>
+                            <a:latin typeface="Calibri" panose="020F0502020204030204" pitchFamily="34" charset="0"/>
+                            <a:ea typeface="Calibri" panose="020F0502020204030204" pitchFamily="34" charset="0"/>
+                            <a:cs typeface="Times New Roman" panose="02020603050405020304" pitchFamily="18" charset="0"/>
+                          </a:endParaRPr>
+                        </a:p>
+                      </a:txBody>
+                      <a:tcPr marL="73025" marR="73025" marT="0" marB="0" anchor="ctr"/>
+                    </a:tc>
+                    <a:extLst>
+                      <a:ext uri="{0D108BD9-81ED-4DB2-BD59-A6C34878D82A}">
+                        <a16:rowId xmlns:a16="http://schemas.microsoft.com/office/drawing/2014/main" val="2884718959"/>
+                      </a:ext>
+                    </a:extLst>
+                  </a:tr>
+                  <a:tr h="315753">
+                    <a:tc>
+                      <a:txBody>
+                        <a:bodyPr/>
+                        <a:lstStyle/>
+                        <a:p>
+                          <a:pPr algn="ctr">
+                            <a:lnSpc>
+                              <a:spcPct val="106000"/>
+                            </a:lnSpc>
+                            <a:spcAft>
+                              <a:spcPts val="0"/>
+                            </a:spcAft>
+                          </a:pPr>
+                          <a:r>
+                            <a:rPr lang="ru-RU" sz="1400">
+                              <a:effectLst/>
+                            </a:rPr>
+                            <a:t>Эксперт 2</a:t>
+                          </a:r>
+                          <a:endParaRPr lang="ru-RU" sz="1100">
+                            <a:effectLst/>
+                            <a:latin typeface="Calibri" panose="020F0502020204030204" pitchFamily="34" charset="0"/>
+                            <a:ea typeface="Calibri" panose="020F0502020204030204" pitchFamily="34" charset="0"/>
+                            <a:cs typeface="Times New Roman" panose="02020603050405020304" pitchFamily="18" charset="0"/>
+                          </a:endParaRPr>
+                        </a:p>
+                      </a:txBody>
+                      <a:tcPr marL="73025" marR="73025" marT="0" marB="0" anchor="ctr"/>
+                    </a:tc>
+                    <a:tc>
+                      <a:txBody>
+                        <a:bodyPr/>
+                        <a:lstStyle/>
+                        <a:p>
+                          <a:pPr algn="ctr">
+                            <a:lnSpc>
+                              <a:spcPct val="106000"/>
+                            </a:lnSpc>
+                            <a:spcAft>
+                              <a:spcPts val="0"/>
+                            </a:spcAft>
+                          </a:pPr>
+                          <a:r>
+                            <a:rPr lang="ru-RU" sz="1200">
+                              <a:effectLst/>
+                            </a:rPr>
+                            <a:t>1</a:t>
+                          </a:r>
+                          <a:r>
+                            <a:rPr lang="en-US" sz="1200">
+                              <a:effectLst/>
+                            </a:rPr>
+                            <a:t>,5</a:t>
+                          </a:r>
+                          <a:endParaRPr lang="ru-RU" sz="1100">
+                            <a:effectLst/>
+                            <a:latin typeface="Calibri" panose="020F0502020204030204" pitchFamily="34" charset="0"/>
+                            <a:ea typeface="Calibri" panose="020F0502020204030204" pitchFamily="34" charset="0"/>
+                            <a:cs typeface="Times New Roman" panose="02020603050405020304" pitchFamily="18" charset="0"/>
+                          </a:endParaRPr>
+                        </a:p>
+                      </a:txBody>
+                      <a:tcPr marL="73025" marR="73025" marT="0" marB="0" anchor="ctr"/>
+                    </a:tc>
+                    <a:tc>
+                      <a:txBody>
+                        <a:bodyPr/>
+                        <a:lstStyle/>
+                        <a:p>
+                          <a:pPr algn="ctr">
+                            <a:lnSpc>
+                              <a:spcPct val="106000"/>
+                            </a:lnSpc>
+                            <a:spcAft>
+                              <a:spcPts val="0"/>
+                            </a:spcAft>
+                          </a:pPr>
+                          <a:r>
+                            <a:rPr lang="ru-RU" sz="1200">
+                              <a:effectLst/>
+                            </a:rPr>
+                            <a:t>3</a:t>
+                          </a:r>
+                          <a:endParaRPr lang="ru-RU" sz="1100">
+                            <a:effectLst/>
+                            <a:latin typeface="Calibri" panose="020F0502020204030204" pitchFamily="34" charset="0"/>
+                            <a:ea typeface="Calibri" panose="020F0502020204030204" pitchFamily="34" charset="0"/>
+                            <a:cs typeface="Times New Roman" panose="02020603050405020304" pitchFamily="18" charset="0"/>
+                          </a:endParaRPr>
+                        </a:p>
+                      </a:txBody>
+                      <a:tcPr marL="73025" marR="73025" marT="0" marB="0" anchor="ctr"/>
+                    </a:tc>
+                    <a:tc>
+                      <a:txBody>
+                        <a:bodyPr/>
+                        <a:lstStyle/>
+                        <a:p>
+                          <a:pPr algn="ctr">
+                            <a:lnSpc>
+                              <a:spcPct val="106000"/>
+                            </a:lnSpc>
+                            <a:spcAft>
+                              <a:spcPts val="0"/>
+                            </a:spcAft>
+                          </a:pPr>
+                          <a:r>
+                            <a:rPr lang="ru-RU" sz="1200">
+                              <a:effectLst/>
+                            </a:rPr>
+                            <a:t>1</a:t>
+                          </a:r>
+                          <a:r>
+                            <a:rPr lang="en-US" sz="1200">
+                              <a:effectLst/>
+                            </a:rPr>
+                            <a:t>,5</a:t>
+                          </a:r>
+                          <a:endParaRPr lang="ru-RU" sz="1100">
+                            <a:effectLst/>
+                            <a:latin typeface="Calibri" panose="020F0502020204030204" pitchFamily="34" charset="0"/>
+                            <a:ea typeface="Calibri" panose="020F0502020204030204" pitchFamily="34" charset="0"/>
+                            <a:cs typeface="Times New Roman" panose="02020603050405020304" pitchFamily="18" charset="0"/>
+                          </a:endParaRPr>
+                        </a:p>
+                      </a:txBody>
+                      <a:tcPr marL="73025" marR="73025" marT="0" marB="0" anchor="ctr"/>
+                    </a:tc>
+                    <a:extLst>
+                      <a:ext uri="{0D108BD9-81ED-4DB2-BD59-A6C34878D82A}">
+                        <a16:rowId xmlns:a16="http://schemas.microsoft.com/office/drawing/2014/main" val="1857253360"/>
+                      </a:ext>
+                    </a:extLst>
+                  </a:tr>
+                  <a:tr h="315753">
+                    <a:tc>
+                      <a:txBody>
+                        <a:bodyPr/>
+                        <a:lstStyle/>
+                        <a:p>
+                          <a:pPr algn="ctr">
+                            <a:lnSpc>
+                              <a:spcPct val="106000"/>
+                            </a:lnSpc>
+                            <a:spcAft>
+                              <a:spcPts val="0"/>
+                            </a:spcAft>
+                          </a:pPr>
+                          <a:r>
+                            <a:rPr lang="ru-RU" sz="1400">
+                              <a:effectLst/>
+                            </a:rPr>
+                            <a:t>Эксперт 3</a:t>
+                          </a:r>
+                          <a:endParaRPr lang="ru-RU" sz="1100">
+                            <a:effectLst/>
+                            <a:latin typeface="Calibri" panose="020F0502020204030204" pitchFamily="34" charset="0"/>
+                            <a:ea typeface="Calibri" panose="020F0502020204030204" pitchFamily="34" charset="0"/>
+                            <a:cs typeface="Times New Roman" panose="02020603050405020304" pitchFamily="18" charset="0"/>
+                          </a:endParaRPr>
+                        </a:p>
+                      </a:txBody>
+                      <a:tcPr marL="73025" marR="73025" marT="0" marB="0" anchor="ctr"/>
+                    </a:tc>
+                    <a:tc>
+                      <a:txBody>
+                        <a:bodyPr/>
+                        <a:lstStyle/>
+                        <a:p>
+                          <a:pPr algn="ctr">
+                            <a:lnSpc>
+                              <a:spcPct val="106000"/>
+                            </a:lnSpc>
+                            <a:spcAft>
+                              <a:spcPts val="0"/>
+                            </a:spcAft>
+                          </a:pPr>
+                          <a:r>
+                            <a:rPr lang="en-US" sz="1200">
+                              <a:effectLst/>
+                            </a:rPr>
+                            <a:t>1,5</a:t>
+                          </a:r>
+                          <a:endParaRPr lang="ru-RU" sz="1100">
+                            <a:effectLst/>
+                            <a:latin typeface="Calibri" panose="020F0502020204030204" pitchFamily="34" charset="0"/>
+                            <a:ea typeface="Calibri" panose="020F0502020204030204" pitchFamily="34" charset="0"/>
+                            <a:cs typeface="Times New Roman" panose="02020603050405020304" pitchFamily="18" charset="0"/>
+                          </a:endParaRPr>
+                        </a:p>
+                      </a:txBody>
+                      <a:tcPr marL="73025" marR="73025" marT="0" marB="0" anchor="ctr"/>
+                    </a:tc>
+                    <a:tc>
+                      <a:txBody>
+                        <a:bodyPr/>
+                        <a:lstStyle/>
+                        <a:p>
+                          <a:pPr algn="ctr">
+                            <a:lnSpc>
+                              <a:spcPct val="106000"/>
+                            </a:lnSpc>
+                            <a:spcAft>
+                              <a:spcPts val="0"/>
+                            </a:spcAft>
+                          </a:pPr>
+                          <a:r>
+                            <a:rPr lang="en-US" sz="1200">
+                              <a:effectLst/>
+                            </a:rPr>
+                            <a:t>1,5</a:t>
+                          </a:r>
+                          <a:endParaRPr lang="ru-RU" sz="1100">
+                            <a:effectLst/>
+                            <a:latin typeface="Calibri" panose="020F0502020204030204" pitchFamily="34" charset="0"/>
+                            <a:ea typeface="Calibri" panose="020F0502020204030204" pitchFamily="34" charset="0"/>
+                            <a:cs typeface="Times New Roman" panose="02020603050405020304" pitchFamily="18" charset="0"/>
+                          </a:endParaRPr>
+                        </a:p>
+                      </a:txBody>
+                      <a:tcPr marL="73025" marR="73025" marT="0" marB="0" anchor="ctr"/>
+                    </a:tc>
+                    <a:tc>
+                      <a:txBody>
+                        <a:bodyPr/>
+                        <a:lstStyle/>
+                        <a:p>
+                          <a:pPr algn="ctr">
+                            <a:lnSpc>
+                              <a:spcPct val="106000"/>
+                            </a:lnSpc>
+                            <a:spcAft>
+                              <a:spcPts val="0"/>
+                            </a:spcAft>
+                          </a:pPr>
+                          <a:r>
+                            <a:rPr lang="en-US" sz="1200">
+                              <a:effectLst/>
+                            </a:rPr>
+                            <a:t>3</a:t>
+                          </a:r>
+                          <a:endParaRPr lang="ru-RU" sz="1100">
+                            <a:effectLst/>
+                            <a:latin typeface="Calibri" panose="020F0502020204030204" pitchFamily="34" charset="0"/>
+                            <a:ea typeface="Calibri" panose="020F0502020204030204" pitchFamily="34" charset="0"/>
+                            <a:cs typeface="Times New Roman" panose="02020603050405020304" pitchFamily="18" charset="0"/>
+                          </a:endParaRPr>
+                        </a:p>
+                      </a:txBody>
+                      <a:tcPr marL="73025" marR="73025" marT="0" marB="0" anchor="ctr"/>
+                    </a:tc>
+                    <a:extLst>
+                      <a:ext uri="{0D108BD9-81ED-4DB2-BD59-A6C34878D82A}">
+                        <a16:rowId xmlns:a16="http://schemas.microsoft.com/office/drawing/2014/main" val="3351712514"/>
+                      </a:ext>
+                    </a:extLst>
+                  </a:tr>
+                  <a:tr h="315753">
+                    <a:tc>
+                      <a:txBody>
+                        <a:bodyPr/>
+                        <a:lstStyle/>
+                        <a:p>
+                          <a:pPr algn="ctr">
+                            <a:lnSpc>
+                              <a:spcPct val="106000"/>
+                            </a:lnSpc>
+                            <a:spcAft>
+                              <a:spcPts val="0"/>
+                            </a:spcAft>
+                          </a:pPr>
+                          <a:r>
+                            <a:rPr lang="ru-RU" sz="1400">
+                              <a:effectLst/>
+                            </a:rPr>
+                            <a:t>Эксперт 4</a:t>
+                          </a:r>
+                          <a:endParaRPr lang="ru-RU" sz="1100">
+                            <a:effectLst/>
+                            <a:latin typeface="Calibri" panose="020F0502020204030204" pitchFamily="34" charset="0"/>
+                            <a:ea typeface="Calibri" panose="020F0502020204030204" pitchFamily="34" charset="0"/>
+                            <a:cs typeface="Times New Roman" panose="02020603050405020304" pitchFamily="18" charset="0"/>
+                          </a:endParaRPr>
+                        </a:p>
+                      </a:txBody>
+                      <a:tcPr marL="73025" marR="73025" marT="0" marB="0" anchor="ctr"/>
+                    </a:tc>
+                    <a:tc>
+                      <a:txBody>
+                        <a:bodyPr/>
+                        <a:lstStyle/>
+                        <a:p>
+                          <a:pPr algn="ctr">
+                            <a:lnSpc>
+                              <a:spcPct val="106000"/>
+                            </a:lnSpc>
+                            <a:spcAft>
+                              <a:spcPts val="0"/>
+                            </a:spcAft>
+                          </a:pPr>
+                          <a:r>
+                            <a:rPr lang="ru-RU" sz="1200">
+                              <a:effectLst/>
+                            </a:rPr>
+                            <a:t>2</a:t>
+                          </a:r>
+                          <a:r>
+                            <a:rPr lang="en-US" sz="1200">
+                              <a:effectLst/>
+                            </a:rPr>
+                            <a:t>,5</a:t>
+                          </a:r>
+                          <a:endParaRPr lang="ru-RU" sz="1100">
+                            <a:effectLst/>
+                            <a:latin typeface="Calibri" panose="020F0502020204030204" pitchFamily="34" charset="0"/>
+                            <a:ea typeface="Calibri" panose="020F0502020204030204" pitchFamily="34" charset="0"/>
+                            <a:cs typeface="Times New Roman" panose="02020603050405020304" pitchFamily="18" charset="0"/>
+                          </a:endParaRPr>
+                        </a:p>
+                      </a:txBody>
+                      <a:tcPr marL="73025" marR="73025" marT="0" marB="0" anchor="ctr"/>
+                    </a:tc>
+                    <a:tc>
+                      <a:txBody>
+                        <a:bodyPr/>
+                        <a:lstStyle/>
+                        <a:p>
+                          <a:pPr algn="ctr">
+                            <a:lnSpc>
+                              <a:spcPct val="106000"/>
+                            </a:lnSpc>
+                            <a:spcAft>
+                              <a:spcPts val="0"/>
+                            </a:spcAft>
+                          </a:pPr>
+                          <a:r>
+                            <a:rPr lang="ru-RU" sz="1200">
+                              <a:effectLst/>
+                            </a:rPr>
+                            <a:t>1</a:t>
+                          </a:r>
+                          <a:endParaRPr lang="ru-RU" sz="1100">
+                            <a:effectLst/>
+                            <a:latin typeface="Calibri" panose="020F0502020204030204" pitchFamily="34" charset="0"/>
+                            <a:ea typeface="Calibri" panose="020F0502020204030204" pitchFamily="34" charset="0"/>
+                            <a:cs typeface="Times New Roman" panose="02020603050405020304" pitchFamily="18" charset="0"/>
+                          </a:endParaRPr>
+                        </a:p>
+                      </a:txBody>
+                      <a:tcPr marL="73025" marR="73025" marT="0" marB="0" anchor="ctr"/>
+                    </a:tc>
+                    <a:tc>
+                      <a:txBody>
+                        <a:bodyPr/>
+                        <a:lstStyle/>
+                        <a:p>
+                          <a:pPr algn="ctr">
+                            <a:lnSpc>
+                              <a:spcPct val="106000"/>
+                            </a:lnSpc>
+                            <a:spcAft>
+                              <a:spcPts val="0"/>
+                            </a:spcAft>
+                          </a:pPr>
+                          <a:r>
+                            <a:rPr lang="ru-RU" sz="1200">
+                              <a:effectLst/>
+                            </a:rPr>
+                            <a:t>2</a:t>
+                          </a:r>
+                          <a:r>
+                            <a:rPr lang="en-US" sz="1200">
+                              <a:effectLst/>
+                            </a:rPr>
+                            <a:t>,5</a:t>
+                          </a:r>
+                          <a:endParaRPr lang="ru-RU" sz="1100">
+                            <a:effectLst/>
+                            <a:latin typeface="Calibri" panose="020F0502020204030204" pitchFamily="34" charset="0"/>
+                            <a:ea typeface="Calibri" panose="020F0502020204030204" pitchFamily="34" charset="0"/>
+                            <a:cs typeface="Times New Roman" panose="02020603050405020304" pitchFamily="18" charset="0"/>
+                          </a:endParaRPr>
+                        </a:p>
+                      </a:txBody>
+                      <a:tcPr marL="73025" marR="73025" marT="0" marB="0" anchor="ctr"/>
+                    </a:tc>
+                    <a:extLst>
+                      <a:ext uri="{0D108BD9-81ED-4DB2-BD59-A6C34878D82A}">
+                        <a16:rowId xmlns:a16="http://schemas.microsoft.com/office/drawing/2014/main" val="4246673890"/>
+                      </a:ext>
+                    </a:extLst>
+                  </a:tr>
+                  <a:tr h="315753">
+                    <a:tc>
+                      <a:txBody>
+                        <a:bodyPr/>
+                        <a:lstStyle/>
+                        <a:p>
+                          <a:pPr algn="ctr">
+                            <a:lnSpc>
+                              <a:spcPct val="106000"/>
+                            </a:lnSpc>
+                            <a:spcAft>
+                              <a:spcPts val="0"/>
+                            </a:spcAft>
+                          </a:pPr>
+                          <a:r>
+                            <a:rPr lang="ru-RU" sz="1400">
+                              <a:effectLst/>
+                            </a:rPr>
+                            <a:t>Эксперт 5</a:t>
+                          </a:r>
+                          <a:endParaRPr lang="ru-RU" sz="1100">
+                            <a:effectLst/>
+                            <a:latin typeface="Calibri" panose="020F0502020204030204" pitchFamily="34" charset="0"/>
+                            <a:ea typeface="Calibri" panose="020F0502020204030204" pitchFamily="34" charset="0"/>
+                            <a:cs typeface="Times New Roman" panose="02020603050405020304" pitchFamily="18" charset="0"/>
+                          </a:endParaRPr>
+                        </a:p>
+                      </a:txBody>
+                      <a:tcPr marL="73025" marR="73025" marT="0" marB="0" anchor="ctr"/>
+                    </a:tc>
+                    <a:tc>
+                      <a:txBody>
+                        <a:bodyPr/>
+                        <a:lstStyle/>
+                        <a:p>
+                          <a:pPr algn="ctr">
+                            <a:lnSpc>
+                              <a:spcPct val="106000"/>
+                            </a:lnSpc>
+                            <a:spcAft>
+                              <a:spcPts val="0"/>
+                            </a:spcAft>
+                          </a:pPr>
+                          <a:r>
+                            <a:rPr lang="en-US" sz="1200">
+                              <a:effectLst/>
+                            </a:rPr>
+                            <a:t>1,5</a:t>
+                          </a:r>
+                          <a:endParaRPr lang="ru-RU" sz="1100">
+                            <a:effectLst/>
+                            <a:latin typeface="Calibri" panose="020F0502020204030204" pitchFamily="34" charset="0"/>
+                            <a:ea typeface="Calibri" panose="020F0502020204030204" pitchFamily="34" charset="0"/>
+                            <a:cs typeface="Times New Roman" panose="02020603050405020304" pitchFamily="18" charset="0"/>
+                          </a:endParaRPr>
+                        </a:p>
+                      </a:txBody>
+                      <a:tcPr marL="73025" marR="73025" marT="0" marB="0" anchor="ctr"/>
+                    </a:tc>
+                    <a:tc>
+                      <a:txBody>
+                        <a:bodyPr/>
+                        <a:lstStyle/>
+                        <a:p>
+                          <a:pPr algn="ctr">
+                            <a:lnSpc>
+                              <a:spcPct val="106000"/>
+                            </a:lnSpc>
+                            <a:spcAft>
+                              <a:spcPts val="0"/>
+                            </a:spcAft>
+                          </a:pPr>
+                          <a:r>
+                            <a:rPr lang="en-US" sz="1200">
+                              <a:effectLst/>
+                            </a:rPr>
+                            <a:t>3</a:t>
+                          </a:r>
+                          <a:endParaRPr lang="ru-RU" sz="1100">
+                            <a:effectLst/>
+                            <a:latin typeface="Calibri" panose="020F0502020204030204" pitchFamily="34" charset="0"/>
+                            <a:ea typeface="Calibri" panose="020F0502020204030204" pitchFamily="34" charset="0"/>
+                            <a:cs typeface="Times New Roman" panose="02020603050405020304" pitchFamily="18" charset="0"/>
+                          </a:endParaRPr>
+                        </a:p>
+                      </a:txBody>
+                      <a:tcPr marL="73025" marR="73025" marT="0" marB="0" anchor="ctr"/>
+                    </a:tc>
+                    <a:tc>
+                      <a:txBody>
+                        <a:bodyPr/>
+                        <a:lstStyle/>
+                        <a:p>
+                          <a:pPr algn="ctr">
+                            <a:lnSpc>
+                              <a:spcPct val="106000"/>
+                            </a:lnSpc>
+                            <a:spcAft>
+                              <a:spcPts val="0"/>
+                            </a:spcAft>
+                          </a:pPr>
+                          <a:r>
+                            <a:rPr lang="en-US" sz="1200">
+                              <a:effectLst/>
+                            </a:rPr>
+                            <a:t>1,5</a:t>
+                          </a:r>
+                          <a:endParaRPr lang="ru-RU" sz="1100">
+                            <a:effectLst/>
+                            <a:latin typeface="Calibri" panose="020F0502020204030204" pitchFamily="34" charset="0"/>
+                            <a:ea typeface="Calibri" panose="020F0502020204030204" pitchFamily="34" charset="0"/>
+                            <a:cs typeface="Times New Roman" panose="02020603050405020304" pitchFamily="18" charset="0"/>
+                          </a:endParaRPr>
+                        </a:p>
+                      </a:txBody>
+                      <a:tcPr marL="73025" marR="73025" marT="0" marB="0" anchor="ctr"/>
+                    </a:tc>
+                    <a:extLst>
+                      <a:ext uri="{0D108BD9-81ED-4DB2-BD59-A6C34878D82A}">
+                        <a16:rowId xmlns:a16="http://schemas.microsoft.com/office/drawing/2014/main" val="2696010294"/>
+                      </a:ext>
+                    </a:extLst>
+                  </a:tr>
+                  <a:tr h="617421">
+                    <a:tc>
+                      <a:txBody>
+                        <a:bodyPr/>
+                        <a:lstStyle/>
+                        <a:p>
+                          <a:pPr algn="ctr">
+                            <a:lnSpc>
+                              <a:spcPct val="106000"/>
+                            </a:lnSpc>
+                            <a:spcAft>
+                              <a:spcPts val="0"/>
+                            </a:spcAft>
+                          </a:pPr>
+                          <a14:m>
+                            <m:oMathPara xmlns:m="http://schemas.openxmlformats.org/officeDocument/2006/math">
+                              <m:oMathParaPr>
+                                <m:jc m:val="centerGroup"/>
+                              </m:oMathParaPr>
+                              <m:oMath xmlns:m="http://schemas.openxmlformats.org/officeDocument/2006/math">
+                                <m:sSub>
+                                  <m:sSubPr>
+                                    <m:ctrlPr>
+                                      <a:rPr lang="ru-RU" sz="1100">
+                                        <a:effectLst/>
+                                      </a:rPr>
+                                    </m:ctrlPr>
+                                  </m:sSubPr>
+                                  <m:e>
+                                    <m:r>
+                                      <a:rPr lang="ru-RU" sz="1100">
+                                        <a:effectLst/>
+                                      </a:rPr>
+                                      <m:t>𝑿</m:t>
+                                    </m:r>
+                                  </m:e>
+                                  <m:sub>
+                                    <m:r>
+                                      <a:rPr lang="ru-RU" sz="1100">
+                                        <a:effectLst/>
+                                      </a:rPr>
+                                      <m:t>𝒋</m:t>
+                                    </m:r>
+                                  </m:sub>
+                                </m:sSub>
+                                <m:r>
+                                  <a:rPr lang="ru-RU" sz="1100">
+                                    <a:effectLst/>
+                                  </a:rPr>
+                                  <m:t>=</m:t>
+                                </m:r>
+                                <m:nary>
+                                  <m:naryPr>
+                                    <m:chr m:val="∑"/>
+                                    <m:limLoc m:val="undOvr"/>
+                                    <m:ctrlPr>
+                                      <a:rPr lang="ru-RU" sz="1100">
+                                        <a:effectLst/>
+                                      </a:rPr>
+                                    </m:ctrlPr>
+                                  </m:naryPr>
+                                  <m:sub>
+                                    <m:r>
+                                      <a:rPr lang="en-US" sz="1100">
+                                        <a:effectLst/>
+                                      </a:rPr>
+                                      <m:t>𝒊</m:t>
+                                    </m:r>
+                                    <m:r>
+                                      <a:rPr lang="ru-RU" sz="1100">
+                                        <a:effectLst/>
+                                      </a:rPr>
+                                      <m:t>=</m:t>
+                                    </m:r>
+                                    <m:r>
+                                      <a:rPr lang="ru-RU" sz="1100">
+                                        <a:effectLst/>
+                                      </a:rPr>
+                                      <m:t>𝟏</m:t>
+                                    </m:r>
+                                  </m:sub>
+                                  <m:sup>
+                                    <m:r>
+                                      <a:rPr lang="ru-RU" sz="1100">
+                                        <a:effectLst/>
+                                      </a:rPr>
+                                      <m:t>𝒎</m:t>
+                                    </m:r>
+                                  </m:sup>
+                                  <m:e>
+                                    <m:sSub>
+                                      <m:sSubPr>
+                                        <m:ctrlPr>
+                                          <a:rPr lang="ru-RU" sz="1100">
+                                            <a:effectLst/>
+                                          </a:rPr>
+                                        </m:ctrlPr>
+                                      </m:sSubPr>
+                                      <m:e>
+                                        <m:sSub>
+                                          <m:sSubPr>
+                                            <m:ctrlPr>
+                                              <a:rPr lang="ru-RU" sz="1100">
+                                                <a:effectLst/>
+                                              </a:rPr>
+                                            </m:ctrlPr>
+                                          </m:sSubPr>
+                                          <m:e>
+                                            <m:r>
+                                              <a:rPr lang="ru-RU" sz="1100">
+                                                <a:effectLst/>
+                                              </a:rPr>
+                                              <m:t>𝑿</m:t>
+                                            </m:r>
+                                          </m:e>
+                                          <m:sub>
+                                            <m:r>
+                                              <a:rPr lang="ru-RU" sz="1100">
+                                                <a:effectLst/>
+                                              </a:rPr>
+                                              <m:t>𝒊𝒋</m:t>
+                                            </m:r>
+                                          </m:sub>
+                                        </m:sSub>
+                                      </m:e>
+                                      <m:sub>
+                                        <m:r>
+                                          <a:rPr lang="ru-RU" sz="1100">
+                                            <a:effectLst/>
+                                          </a:rPr>
+                                          <m:t> </m:t>
+                                        </m:r>
+                                      </m:sub>
+                                    </m:sSub>
+                                  </m:e>
+                                </m:nary>
+                              </m:oMath>
+                            </m:oMathPara>
+                          </a14:m>
+                          <a:endParaRPr lang="ru-RU" sz="1100" dirty="0">
+                            <a:effectLst/>
+                            <a:latin typeface="Calibri" panose="020F0502020204030204" pitchFamily="34" charset="0"/>
+                            <a:ea typeface="Calibri" panose="020F0502020204030204" pitchFamily="34" charset="0"/>
+                            <a:cs typeface="Times New Roman" panose="02020603050405020304" pitchFamily="18" charset="0"/>
+                          </a:endParaRPr>
+                        </a:p>
+                      </a:txBody>
+                      <a:tcPr marL="73025" marR="73025" marT="0" marB="0" anchor="ctr"/>
+                    </a:tc>
+                    <a:tc>
+                      <a:txBody>
+                        <a:bodyPr/>
+                        <a:lstStyle/>
+                        <a:p>
+                          <a:pPr algn="ctr">
+                            <a:lnSpc>
+                              <a:spcPct val="106000"/>
+                            </a:lnSpc>
+                            <a:spcAft>
+                              <a:spcPts val="0"/>
+                            </a:spcAft>
+                          </a:pPr>
+                          <a:r>
+                            <a:rPr lang="ru-RU" sz="1200">
+                              <a:effectLst/>
+                            </a:rPr>
+                            <a:t>10</a:t>
+                          </a:r>
+                          <a:endParaRPr lang="ru-RU" sz="1100">
+                            <a:effectLst/>
+                            <a:latin typeface="Calibri" panose="020F0502020204030204" pitchFamily="34" charset="0"/>
+                            <a:ea typeface="Calibri" panose="020F0502020204030204" pitchFamily="34" charset="0"/>
+                            <a:cs typeface="Times New Roman" panose="02020603050405020304" pitchFamily="18" charset="0"/>
+                          </a:endParaRPr>
+                        </a:p>
+                      </a:txBody>
+                      <a:tcPr marL="73025" marR="73025" marT="0" marB="0" anchor="ctr"/>
+                    </a:tc>
+                    <a:tc>
+                      <a:txBody>
+                        <a:bodyPr/>
+                        <a:lstStyle/>
+                        <a:p>
+                          <a:pPr algn="ctr">
+                            <a:lnSpc>
+                              <a:spcPct val="106000"/>
+                            </a:lnSpc>
+                            <a:spcAft>
+                              <a:spcPts val="0"/>
+                            </a:spcAft>
+                          </a:pPr>
+                          <a:r>
+                            <a:rPr lang="ru-RU" sz="1200">
+                              <a:effectLst/>
+                            </a:rPr>
+                            <a:t>10</a:t>
+                          </a:r>
+                          <a:r>
+                            <a:rPr lang="en-US" sz="1200">
+                              <a:effectLst/>
+                            </a:rPr>
+                            <a:t>,5</a:t>
+                          </a:r>
+                          <a:endParaRPr lang="ru-RU" sz="1100">
+                            <a:effectLst/>
+                            <a:latin typeface="Calibri" panose="020F0502020204030204" pitchFamily="34" charset="0"/>
+                            <a:ea typeface="Calibri" panose="020F0502020204030204" pitchFamily="34" charset="0"/>
+                            <a:cs typeface="Times New Roman" panose="02020603050405020304" pitchFamily="18" charset="0"/>
+                          </a:endParaRPr>
+                        </a:p>
+                      </a:txBody>
+                      <a:tcPr marL="73025" marR="73025" marT="0" marB="0" anchor="ctr"/>
+                    </a:tc>
+                    <a:tc>
+                      <a:txBody>
+                        <a:bodyPr/>
+                        <a:lstStyle/>
+                        <a:p>
+                          <a:pPr algn="ctr">
+                            <a:lnSpc>
+                              <a:spcPct val="106000"/>
+                            </a:lnSpc>
+                            <a:spcAft>
+                              <a:spcPts val="0"/>
+                            </a:spcAft>
+                          </a:pPr>
+                          <a:r>
+                            <a:rPr lang="en-US" sz="1200" dirty="0">
+                              <a:effectLst/>
+                            </a:rPr>
+                            <a:t>9,5</a:t>
+                          </a:r>
+                          <a:endParaRPr lang="ru-RU" sz="1100" dirty="0">
+                            <a:effectLst/>
+                            <a:latin typeface="Calibri" panose="020F0502020204030204" pitchFamily="34" charset="0"/>
+                            <a:ea typeface="Calibri" panose="020F0502020204030204" pitchFamily="34" charset="0"/>
+                            <a:cs typeface="Times New Roman" panose="02020603050405020304" pitchFamily="18" charset="0"/>
+                          </a:endParaRPr>
+                        </a:p>
+                      </a:txBody>
+                      <a:tcPr marL="73025" marR="73025" marT="0" marB="0" anchor="ctr"/>
+                    </a:tc>
+                    <a:extLst>
+                      <a:ext uri="{0D108BD9-81ED-4DB2-BD59-A6C34878D82A}">
+                        <a16:rowId xmlns:a16="http://schemas.microsoft.com/office/drawing/2014/main" val="2107736999"/>
+                      </a:ext>
+                    </a:extLst>
+                  </a:tr>
+                </a:tbl>
+              </a:graphicData>
+            </a:graphic>
+          </p:graphicFrame>
+        </mc:Choice>
+        <mc:Fallback>
+          <p:graphicFrame>
+            <p:nvGraphicFramePr>
+              <p:cNvPr id="11" name="Таблица 10"/>
+              <p:cNvGraphicFramePr>
+                <a:graphicFrameLocks noGrp="1"/>
+              </p:cNvGraphicFramePr>
+              <p:nvPr>
+                <p:extLst>
+                  <p:ext uri="{D42A27DB-BD31-4B8C-83A1-F6EECF244321}">
+                    <p14:modId xmlns:p14="http://schemas.microsoft.com/office/powerpoint/2010/main" val="2091402219"/>
+                  </p:ext>
+                </p:extLst>
+              </p:nvPr>
+            </p:nvGraphicFramePr>
+            <p:xfrm>
+              <a:off x="8449220" y="1193801"/>
+              <a:ext cx="3559277" cy="2827692"/>
+            </p:xfrm>
+            <a:graphic>
+              <a:graphicData uri="http://schemas.openxmlformats.org/drawingml/2006/table">
+                <a:tbl>
+                  <a:tblPr firstRow="1" firstCol="1" bandRow="1">
+                    <a:tableStyleId>{21E4AEA4-8DFA-4A89-87EB-49C32662AFE0}</a:tableStyleId>
+                  </a:tblPr>
+                  <a:tblGrid>
+                    <a:gridCol w="1599849">
+                      <a:extLst>
+                        <a:ext uri="{9D8B030D-6E8A-4147-A177-3AD203B41FA5}">
+                          <a16:colId xmlns:a16="http://schemas.microsoft.com/office/drawing/2014/main" val="1205946314"/>
+                        </a:ext>
+                      </a:extLst>
+                    </a:gridCol>
+                    <a:gridCol w="648789">
+                      <a:extLst>
+                        <a:ext uri="{9D8B030D-6E8A-4147-A177-3AD203B41FA5}">
+                          <a16:colId xmlns:a16="http://schemas.microsoft.com/office/drawing/2014/main" val="2605779932"/>
+                        </a:ext>
+                      </a:extLst>
+                    </a:gridCol>
+                    <a:gridCol w="563250">
+                      <a:extLst>
+                        <a:ext uri="{9D8B030D-6E8A-4147-A177-3AD203B41FA5}">
+                          <a16:colId xmlns:a16="http://schemas.microsoft.com/office/drawing/2014/main" val="718572341"/>
+                        </a:ext>
+                      </a:extLst>
+                    </a:gridCol>
+                    <a:gridCol w="747389">
+                      <a:extLst>
+                        <a:ext uri="{9D8B030D-6E8A-4147-A177-3AD203B41FA5}">
+                          <a16:colId xmlns:a16="http://schemas.microsoft.com/office/drawing/2014/main" val="2591767640"/>
+                        </a:ext>
+                      </a:extLst>
+                    </a:gridCol>
+                  </a:tblGrid>
+                  <a:tr h="315753">
+                    <a:tc rowSpan="2">
+                      <a:txBody>
+                        <a:bodyPr/>
+                        <a:lstStyle/>
+                        <a:p>
+                          <a:pPr indent="9525" algn="ctr">
+                            <a:lnSpc>
+                              <a:spcPct val="106000"/>
+                            </a:lnSpc>
+                            <a:spcAft>
+                              <a:spcPts val="0"/>
+                            </a:spcAft>
+                          </a:pPr>
+                          <a:r>
+                            <a:rPr lang="ru-RU" sz="1400" dirty="0">
+                              <a:effectLst/>
+                            </a:rPr>
+                            <a:t>Норм. ранжирование</a:t>
+                          </a:r>
+                          <a:endParaRPr lang="ru-RU" sz="1100" dirty="0">
+                            <a:effectLst/>
+                            <a:latin typeface="Calibri" panose="020F0502020204030204" pitchFamily="34" charset="0"/>
+                            <a:ea typeface="Calibri" panose="020F0502020204030204" pitchFamily="34" charset="0"/>
+                            <a:cs typeface="Times New Roman" panose="02020603050405020304" pitchFamily="18" charset="0"/>
+                          </a:endParaRPr>
+                        </a:p>
+                      </a:txBody>
+                      <a:tcPr marL="73025" marR="73025" marT="0" marB="0" anchor="ctr"/>
+                    </a:tc>
+                    <a:tc gridSpan="3">
+                      <a:txBody>
+                        <a:bodyPr/>
+                        <a:lstStyle/>
+                        <a:p>
+                          <a:pPr algn="ctr">
+                            <a:lnSpc>
+                              <a:spcPct val="106000"/>
+                            </a:lnSpc>
+                            <a:spcAft>
+                              <a:spcPts val="0"/>
+                            </a:spcAft>
+                          </a:pPr>
+                          <a:r>
+                            <a:rPr lang="ru-RU" sz="1400">
+                              <a:effectLst/>
+                            </a:rPr>
+                            <a:t>№ критерия</a:t>
+                          </a:r>
+                          <a:endParaRPr lang="ru-RU" sz="1100">
+                            <a:effectLst/>
+                            <a:latin typeface="Calibri" panose="020F0502020204030204" pitchFamily="34" charset="0"/>
+                            <a:ea typeface="Calibri" panose="020F0502020204030204" pitchFamily="34" charset="0"/>
+                            <a:cs typeface="Times New Roman" panose="02020603050405020304" pitchFamily="18" charset="0"/>
+                          </a:endParaRPr>
+                        </a:p>
+                      </a:txBody>
+                      <a:tcPr marL="73025" marR="73025" marT="0" marB="0" anchor="ctr"/>
+                    </a:tc>
+                    <a:tc hMerge="1">
+                      <a:txBody>
+                        <a:bodyPr/>
+                        <a:lstStyle/>
+                        <a:p>
+                          <a:endParaRPr lang="ru-RU"/>
+                        </a:p>
+                      </a:txBody>
+                      <a:tcPr/>
+                    </a:tc>
+                    <a:tc hMerge="1">
+                      <a:txBody>
+                        <a:bodyPr/>
+                        <a:lstStyle/>
+                        <a:p>
+                          <a:endParaRPr lang="ru-RU"/>
+                        </a:p>
+                      </a:txBody>
+                      <a:tcPr/>
+                    </a:tc>
+                    <a:extLst>
+                      <a:ext uri="{0D108BD9-81ED-4DB2-BD59-A6C34878D82A}">
+                        <a16:rowId xmlns:a16="http://schemas.microsoft.com/office/drawing/2014/main" val="1962512153"/>
+                      </a:ext>
+                    </a:extLst>
+                  </a:tr>
+                  <a:tr h="315753">
+                    <a:tc vMerge="1">
+                      <a:txBody>
+                        <a:bodyPr/>
+                        <a:lstStyle/>
+                        <a:p>
+                          <a:endParaRPr lang="ru-RU"/>
+                        </a:p>
+                      </a:txBody>
+                      <a:tcPr/>
+                    </a:tc>
+                    <a:tc>
+                      <a:txBody>
+                        <a:bodyPr/>
+                        <a:lstStyle/>
+                        <a:p>
+                          <a:pPr algn="ctr">
+                            <a:lnSpc>
+                              <a:spcPct val="106000"/>
+                            </a:lnSpc>
+                            <a:spcAft>
+                              <a:spcPts val="0"/>
+                            </a:spcAft>
+                          </a:pPr>
+                          <a:r>
+                            <a:rPr lang="ru-RU" sz="1400" dirty="0">
+                              <a:effectLst/>
+                            </a:rPr>
+                            <a:t>1</a:t>
+                          </a:r>
+                          <a:endParaRPr lang="ru-RU" sz="1100" dirty="0">
+                            <a:effectLst/>
+                            <a:latin typeface="Calibri" panose="020F0502020204030204" pitchFamily="34" charset="0"/>
+                            <a:ea typeface="Calibri" panose="020F0502020204030204" pitchFamily="34" charset="0"/>
+                            <a:cs typeface="Times New Roman" panose="02020603050405020304" pitchFamily="18" charset="0"/>
+                          </a:endParaRPr>
+                        </a:p>
+                      </a:txBody>
+                      <a:tcPr marL="73025" marR="73025" marT="0" marB="0" anchor="ctr"/>
+                    </a:tc>
+                    <a:tc>
+                      <a:txBody>
+                        <a:bodyPr/>
+                        <a:lstStyle/>
+                        <a:p>
+                          <a:pPr algn="ctr">
+                            <a:lnSpc>
+                              <a:spcPct val="106000"/>
+                            </a:lnSpc>
+                            <a:spcAft>
+                              <a:spcPts val="0"/>
+                            </a:spcAft>
+                          </a:pPr>
+                          <a:r>
+                            <a:rPr lang="ru-RU" sz="1400" dirty="0">
+                              <a:effectLst/>
+                            </a:rPr>
+                            <a:t>2</a:t>
+                          </a:r>
+                          <a:endParaRPr lang="ru-RU" sz="1100" dirty="0">
+                            <a:effectLst/>
+                            <a:latin typeface="Calibri" panose="020F0502020204030204" pitchFamily="34" charset="0"/>
+                            <a:ea typeface="Calibri" panose="020F0502020204030204" pitchFamily="34" charset="0"/>
+                            <a:cs typeface="Times New Roman" panose="02020603050405020304" pitchFamily="18" charset="0"/>
+                          </a:endParaRPr>
+                        </a:p>
+                      </a:txBody>
+                      <a:tcPr marL="73025" marR="73025" marT="0" marB="0" anchor="ctr"/>
+                    </a:tc>
+                    <a:tc>
+                      <a:txBody>
+                        <a:bodyPr/>
+                        <a:lstStyle/>
+                        <a:p>
+                          <a:pPr algn="ctr">
+                            <a:lnSpc>
+                              <a:spcPct val="106000"/>
+                            </a:lnSpc>
+                            <a:spcAft>
+                              <a:spcPts val="0"/>
+                            </a:spcAft>
+                          </a:pPr>
+                          <a:r>
+                            <a:rPr lang="ru-RU" sz="1400" dirty="0">
+                              <a:effectLst/>
+                            </a:rPr>
+                            <a:t>3</a:t>
+                          </a:r>
+                          <a:endParaRPr lang="ru-RU" sz="1100" dirty="0">
+                            <a:effectLst/>
+                            <a:latin typeface="Calibri" panose="020F0502020204030204" pitchFamily="34" charset="0"/>
+                            <a:ea typeface="Calibri" panose="020F0502020204030204" pitchFamily="34" charset="0"/>
+                            <a:cs typeface="Times New Roman" panose="02020603050405020304" pitchFamily="18" charset="0"/>
+                          </a:endParaRPr>
+                        </a:p>
+                      </a:txBody>
+                      <a:tcPr marL="73025" marR="73025" marT="0" marB="0" anchor="ctr"/>
+                    </a:tc>
+                    <a:extLst>
+                      <a:ext uri="{0D108BD9-81ED-4DB2-BD59-A6C34878D82A}">
+                        <a16:rowId xmlns:a16="http://schemas.microsoft.com/office/drawing/2014/main" val="2412281421"/>
+                      </a:ext>
+                    </a:extLst>
+                  </a:tr>
+                  <a:tr h="315753">
+                    <a:tc>
+                      <a:txBody>
+                        <a:bodyPr/>
+                        <a:lstStyle/>
+                        <a:p>
+                          <a:pPr algn="ctr">
+                            <a:lnSpc>
+                              <a:spcPct val="106000"/>
+                            </a:lnSpc>
+                            <a:spcAft>
+                              <a:spcPts val="0"/>
+                            </a:spcAft>
+                          </a:pPr>
+                          <a:r>
+                            <a:rPr lang="ru-RU" sz="1400">
+                              <a:effectLst/>
+                            </a:rPr>
+                            <a:t>Эксперт 1</a:t>
+                          </a:r>
+                          <a:endParaRPr lang="ru-RU" sz="1100">
+                            <a:effectLst/>
+                            <a:latin typeface="Calibri" panose="020F0502020204030204" pitchFamily="34" charset="0"/>
+                            <a:ea typeface="Calibri" panose="020F0502020204030204" pitchFamily="34" charset="0"/>
+                            <a:cs typeface="Times New Roman" panose="02020603050405020304" pitchFamily="18" charset="0"/>
+                          </a:endParaRPr>
+                        </a:p>
+                      </a:txBody>
+                      <a:tcPr marL="73025" marR="73025" marT="0" marB="0" anchor="ctr"/>
+                    </a:tc>
+                    <a:tc>
+                      <a:txBody>
+                        <a:bodyPr/>
+                        <a:lstStyle/>
+                        <a:p>
+                          <a:pPr algn="ctr">
+                            <a:lnSpc>
+                              <a:spcPct val="106000"/>
+                            </a:lnSpc>
+                            <a:spcAft>
+                              <a:spcPts val="0"/>
+                            </a:spcAft>
+                          </a:pPr>
+                          <a:r>
+                            <a:rPr lang="ru-RU" sz="1200">
+                              <a:effectLst/>
+                            </a:rPr>
+                            <a:t>3</a:t>
+                          </a:r>
+                          <a:endParaRPr lang="ru-RU" sz="1100">
+                            <a:effectLst/>
+                            <a:latin typeface="Calibri" panose="020F0502020204030204" pitchFamily="34" charset="0"/>
+                            <a:ea typeface="Calibri" panose="020F0502020204030204" pitchFamily="34" charset="0"/>
+                            <a:cs typeface="Times New Roman" panose="02020603050405020304" pitchFamily="18" charset="0"/>
+                          </a:endParaRPr>
+                        </a:p>
+                      </a:txBody>
+                      <a:tcPr marL="73025" marR="73025" marT="0" marB="0" anchor="ctr"/>
+                    </a:tc>
+                    <a:tc>
+                      <a:txBody>
+                        <a:bodyPr/>
+                        <a:lstStyle/>
+                        <a:p>
+                          <a:pPr algn="ctr">
+                            <a:lnSpc>
+                              <a:spcPct val="106000"/>
+                            </a:lnSpc>
+                            <a:spcAft>
+                              <a:spcPts val="0"/>
+                            </a:spcAft>
+                          </a:pPr>
+                          <a:r>
+                            <a:rPr lang="ru-RU" sz="1200">
+                              <a:effectLst/>
+                            </a:rPr>
+                            <a:t>2</a:t>
+                          </a:r>
+                          <a:endParaRPr lang="ru-RU" sz="1100">
+                            <a:effectLst/>
+                            <a:latin typeface="Calibri" panose="020F0502020204030204" pitchFamily="34" charset="0"/>
+                            <a:ea typeface="Calibri" panose="020F0502020204030204" pitchFamily="34" charset="0"/>
+                            <a:cs typeface="Times New Roman" panose="02020603050405020304" pitchFamily="18" charset="0"/>
+                          </a:endParaRPr>
+                        </a:p>
+                      </a:txBody>
+                      <a:tcPr marL="73025" marR="73025" marT="0" marB="0" anchor="ctr"/>
+                    </a:tc>
+                    <a:tc>
+                      <a:txBody>
+                        <a:bodyPr/>
+                        <a:lstStyle/>
+                        <a:p>
+                          <a:pPr algn="ctr">
+                            <a:lnSpc>
+                              <a:spcPct val="106000"/>
+                            </a:lnSpc>
+                            <a:spcAft>
+                              <a:spcPts val="0"/>
+                            </a:spcAft>
+                          </a:pPr>
+                          <a:r>
+                            <a:rPr lang="ru-RU" sz="1200" dirty="0">
+                              <a:effectLst/>
+                            </a:rPr>
+                            <a:t>1</a:t>
+                          </a:r>
+                          <a:endParaRPr lang="ru-RU" sz="1100" dirty="0">
+                            <a:effectLst/>
+                            <a:latin typeface="Calibri" panose="020F0502020204030204" pitchFamily="34" charset="0"/>
+                            <a:ea typeface="Calibri" panose="020F0502020204030204" pitchFamily="34" charset="0"/>
+                            <a:cs typeface="Times New Roman" panose="02020603050405020304" pitchFamily="18" charset="0"/>
+                          </a:endParaRPr>
+                        </a:p>
+                      </a:txBody>
+                      <a:tcPr marL="73025" marR="73025" marT="0" marB="0" anchor="ctr"/>
+                    </a:tc>
+                    <a:extLst>
+                      <a:ext uri="{0D108BD9-81ED-4DB2-BD59-A6C34878D82A}">
+                        <a16:rowId xmlns:a16="http://schemas.microsoft.com/office/drawing/2014/main" val="2884718959"/>
+                      </a:ext>
+                    </a:extLst>
+                  </a:tr>
+                  <a:tr h="315753">
+                    <a:tc>
+                      <a:txBody>
+                        <a:bodyPr/>
+                        <a:lstStyle/>
+                        <a:p>
+                          <a:pPr algn="ctr">
+                            <a:lnSpc>
+                              <a:spcPct val="106000"/>
+                            </a:lnSpc>
+                            <a:spcAft>
+                              <a:spcPts val="0"/>
+                            </a:spcAft>
+                          </a:pPr>
+                          <a:r>
+                            <a:rPr lang="ru-RU" sz="1400">
+                              <a:effectLst/>
+                            </a:rPr>
+                            <a:t>Эксперт 2</a:t>
+                          </a:r>
+                          <a:endParaRPr lang="ru-RU" sz="1100">
+                            <a:effectLst/>
+                            <a:latin typeface="Calibri" panose="020F0502020204030204" pitchFamily="34" charset="0"/>
+                            <a:ea typeface="Calibri" panose="020F0502020204030204" pitchFamily="34" charset="0"/>
+                            <a:cs typeface="Times New Roman" panose="02020603050405020304" pitchFamily="18" charset="0"/>
+                          </a:endParaRPr>
+                        </a:p>
+                      </a:txBody>
+                      <a:tcPr marL="73025" marR="73025" marT="0" marB="0" anchor="ctr"/>
+                    </a:tc>
+                    <a:tc>
+                      <a:txBody>
+                        <a:bodyPr/>
+                        <a:lstStyle/>
+                        <a:p>
+                          <a:pPr algn="ctr">
+                            <a:lnSpc>
+                              <a:spcPct val="106000"/>
+                            </a:lnSpc>
+                            <a:spcAft>
+                              <a:spcPts val="0"/>
+                            </a:spcAft>
+                          </a:pPr>
+                          <a:r>
+                            <a:rPr lang="ru-RU" sz="1200">
+                              <a:effectLst/>
+                            </a:rPr>
+                            <a:t>1</a:t>
+                          </a:r>
+                          <a:r>
+                            <a:rPr lang="en-US" sz="1200">
+                              <a:effectLst/>
+                            </a:rPr>
+                            <a:t>,5</a:t>
+                          </a:r>
+                          <a:endParaRPr lang="ru-RU" sz="1100">
+                            <a:effectLst/>
+                            <a:latin typeface="Calibri" panose="020F0502020204030204" pitchFamily="34" charset="0"/>
+                            <a:ea typeface="Calibri" panose="020F0502020204030204" pitchFamily="34" charset="0"/>
+                            <a:cs typeface="Times New Roman" panose="02020603050405020304" pitchFamily="18" charset="0"/>
+                          </a:endParaRPr>
+                        </a:p>
+                      </a:txBody>
+                      <a:tcPr marL="73025" marR="73025" marT="0" marB="0" anchor="ctr"/>
+                    </a:tc>
+                    <a:tc>
+                      <a:txBody>
+                        <a:bodyPr/>
+                        <a:lstStyle/>
+                        <a:p>
+                          <a:pPr algn="ctr">
+                            <a:lnSpc>
+                              <a:spcPct val="106000"/>
+                            </a:lnSpc>
+                            <a:spcAft>
+                              <a:spcPts val="0"/>
+                            </a:spcAft>
+                          </a:pPr>
+                          <a:r>
+                            <a:rPr lang="ru-RU" sz="1200">
+                              <a:effectLst/>
+                            </a:rPr>
+                            <a:t>3</a:t>
+                          </a:r>
+                          <a:endParaRPr lang="ru-RU" sz="1100">
+                            <a:effectLst/>
+                            <a:latin typeface="Calibri" panose="020F0502020204030204" pitchFamily="34" charset="0"/>
+                            <a:ea typeface="Calibri" panose="020F0502020204030204" pitchFamily="34" charset="0"/>
+                            <a:cs typeface="Times New Roman" panose="02020603050405020304" pitchFamily="18" charset="0"/>
+                          </a:endParaRPr>
+                        </a:p>
+                      </a:txBody>
+                      <a:tcPr marL="73025" marR="73025" marT="0" marB="0" anchor="ctr"/>
+                    </a:tc>
+                    <a:tc>
+                      <a:txBody>
+                        <a:bodyPr/>
+                        <a:lstStyle/>
+                        <a:p>
+                          <a:pPr algn="ctr">
+                            <a:lnSpc>
+                              <a:spcPct val="106000"/>
+                            </a:lnSpc>
+                            <a:spcAft>
+                              <a:spcPts val="0"/>
+                            </a:spcAft>
+                          </a:pPr>
+                          <a:r>
+                            <a:rPr lang="ru-RU" sz="1200">
+                              <a:effectLst/>
+                            </a:rPr>
+                            <a:t>1</a:t>
+                          </a:r>
+                          <a:r>
+                            <a:rPr lang="en-US" sz="1200">
+                              <a:effectLst/>
+                            </a:rPr>
+                            <a:t>,5</a:t>
+                          </a:r>
+                          <a:endParaRPr lang="ru-RU" sz="1100">
+                            <a:effectLst/>
+                            <a:latin typeface="Calibri" panose="020F0502020204030204" pitchFamily="34" charset="0"/>
+                            <a:ea typeface="Calibri" panose="020F0502020204030204" pitchFamily="34" charset="0"/>
+                            <a:cs typeface="Times New Roman" panose="02020603050405020304" pitchFamily="18" charset="0"/>
+                          </a:endParaRPr>
+                        </a:p>
+                      </a:txBody>
+                      <a:tcPr marL="73025" marR="73025" marT="0" marB="0" anchor="ctr"/>
+                    </a:tc>
+                    <a:extLst>
+                      <a:ext uri="{0D108BD9-81ED-4DB2-BD59-A6C34878D82A}">
+                        <a16:rowId xmlns:a16="http://schemas.microsoft.com/office/drawing/2014/main" val="1857253360"/>
+                      </a:ext>
+                    </a:extLst>
+                  </a:tr>
+                  <a:tr h="315753">
+                    <a:tc>
+                      <a:txBody>
+                        <a:bodyPr/>
+                        <a:lstStyle/>
+                        <a:p>
+                          <a:pPr algn="ctr">
+                            <a:lnSpc>
+                              <a:spcPct val="106000"/>
+                            </a:lnSpc>
+                            <a:spcAft>
+                              <a:spcPts val="0"/>
+                            </a:spcAft>
+                          </a:pPr>
+                          <a:r>
+                            <a:rPr lang="ru-RU" sz="1400">
+                              <a:effectLst/>
+                            </a:rPr>
+                            <a:t>Эксперт 3</a:t>
+                          </a:r>
+                          <a:endParaRPr lang="ru-RU" sz="1100">
+                            <a:effectLst/>
+                            <a:latin typeface="Calibri" panose="020F0502020204030204" pitchFamily="34" charset="0"/>
+                            <a:ea typeface="Calibri" panose="020F0502020204030204" pitchFamily="34" charset="0"/>
+                            <a:cs typeface="Times New Roman" panose="02020603050405020304" pitchFamily="18" charset="0"/>
+                          </a:endParaRPr>
+                        </a:p>
+                      </a:txBody>
+                      <a:tcPr marL="73025" marR="73025" marT="0" marB="0" anchor="ctr"/>
+                    </a:tc>
+                    <a:tc>
+                      <a:txBody>
+                        <a:bodyPr/>
+                        <a:lstStyle/>
+                        <a:p>
+                          <a:pPr algn="ctr">
+                            <a:lnSpc>
+                              <a:spcPct val="106000"/>
+                            </a:lnSpc>
+                            <a:spcAft>
+                              <a:spcPts val="0"/>
+                            </a:spcAft>
+                          </a:pPr>
+                          <a:r>
+                            <a:rPr lang="en-US" sz="1200">
+                              <a:effectLst/>
+                            </a:rPr>
+                            <a:t>1,5</a:t>
+                          </a:r>
+                          <a:endParaRPr lang="ru-RU" sz="1100">
+                            <a:effectLst/>
+                            <a:latin typeface="Calibri" panose="020F0502020204030204" pitchFamily="34" charset="0"/>
+                            <a:ea typeface="Calibri" panose="020F0502020204030204" pitchFamily="34" charset="0"/>
+                            <a:cs typeface="Times New Roman" panose="02020603050405020304" pitchFamily="18" charset="0"/>
+                          </a:endParaRPr>
+                        </a:p>
+                      </a:txBody>
+                      <a:tcPr marL="73025" marR="73025" marT="0" marB="0" anchor="ctr"/>
+                    </a:tc>
+                    <a:tc>
+                      <a:txBody>
+                        <a:bodyPr/>
+                        <a:lstStyle/>
+                        <a:p>
+                          <a:pPr algn="ctr">
+                            <a:lnSpc>
+                              <a:spcPct val="106000"/>
+                            </a:lnSpc>
+                            <a:spcAft>
+                              <a:spcPts val="0"/>
+                            </a:spcAft>
+                          </a:pPr>
+                          <a:r>
+                            <a:rPr lang="en-US" sz="1200">
+                              <a:effectLst/>
+                            </a:rPr>
+                            <a:t>1,5</a:t>
+                          </a:r>
+                          <a:endParaRPr lang="ru-RU" sz="1100">
+                            <a:effectLst/>
+                            <a:latin typeface="Calibri" panose="020F0502020204030204" pitchFamily="34" charset="0"/>
+                            <a:ea typeface="Calibri" panose="020F0502020204030204" pitchFamily="34" charset="0"/>
+                            <a:cs typeface="Times New Roman" panose="02020603050405020304" pitchFamily="18" charset="0"/>
+                          </a:endParaRPr>
+                        </a:p>
+                      </a:txBody>
+                      <a:tcPr marL="73025" marR="73025" marT="0" marB="0" anchor="ctr"/>
+                    </a:tc>
+                    <a:tc>
+                      <a:txBody>
+                        <a:bodyPr/>
+                        <a:lstStyle/>
+                        <a:p>
+                          <a:pPr algn="ctr">
+                            <a:lnSpc>
+                              <a:spcPct val="106000"/>
+                            </a:lnSpc>
+                            <a:spcAft>
+                              <a:spcPts val="0"/>
+                            </a:spcAft>
+                          </a:pPr>
+                          <a:r>
+                            <a:rPr lang="en-US" sz="1200">
+                              <a:effectLst/>
+                            </a:rPr>
+                            <a:t>3</a:t>
+                          </a:r>
+                          <a:endParaRPr lang="ru-RU" sz="1100">
+                            <a:effectLst/>
+                            <a:latin typeface="Calibri" panose="020F0502020204030204" pitchFamily="34" charset="0"/>
+                            <a:ea typeface="Calibri" panose="020F0502020204030204" pitchFamily="34" charset="0"/>
+                            <a:cs typeface="Times New Roman" panose="02020603050405020304" pitchFamily="18" charset="0"/>
+                          </a:endParaRPr>
+                        </a:p>
+                      </a:txBody>
+                      <a:tcPr marL="73025" marR="73025" marT="0" marB="0" anchor="ctr"/>
+                    </a:tc>
+                    <a:extLst>
+                      <a:ext uri="{0D108BD9-81ED-4DB2-BD59-A6C34878D82A}">
+                        <a16:rowId xmlns:a16="http://schemas.microsoft.com/office/drawing/2014/main" val="3351712514"/>
+                      </a:ext>
+                    </a:extLst>
+                  </a:tr>
+                  <a:tr h="315753">
+                    <a:tc>
+                      <a:txBody>
+                        <a:bodyPr/>
+                        <a:lstStyle/>
+                        <a:p>
+                          <a:pPr algn="ctr">
+                            <a:lnSpc>
+                              <a:spcPct val="106000"/>
+                            </a:lnSpc>
+                            <a:spcAft>
+                              <a:spcPts val="0"/>
+                            </a:spcAft>
+                          </a:pPr>
+                          <a:r>
+                            <a:rPr lang="ru-RU" sz="1400">
+                              <a:effectLst/>
+                            </a:rPr>
+                            <a:t>Эксперт 4</a:t>
+                          </a:r>
+                          <a:endParaRPr lang="ru-RU" sz="1100">
+                            <a:effectLst/>
+                            <a:latin typeface="Calibri" panose="020F0502020204030204" pitchFamily="34" charset="0"/>
+                            <a:ea typeface="Calibri" panose="020F0502020204030204" pitchFamily="34" charset="0"/>
+                            <a:cs typeface="Times New Roman" panose="02020603050405020304" pitchFamily="18" charset="0"/>
+                          </a:endParaRPr>
+                        </a:p>
+                      </a:txBody>
+                      <a:tcPr marL="73025" marR="73025" marT="0" marB="0" anchor="ctr"/>
+                    </a:tc>
+                    <a:tc>
+                      <a:txBody>
+                        <a:bodyPr/>
+                        <a:lstStyle/>
+                        <a:p>
+                          <a:pPr algn="ctr">
+                            <a:lnSpc>
+                              <a:spcPct val="106000"/>
+                            </a:lnSpc>
+                            <a:spcAft>
+                              <a:spcPts val="0"/>
+                            </a:spcAft>
+                          </a:pPr>
+                          <a:r>
+                            <a:rPr lang="ru-RU" sz="1200">
+                              <a:effectLst/>
+                            </a:rPr>
+                            <a:t>2</a:t>
+                          </a:r>
+                          <a:r>
+                            <a:rPr lang="en-US" sz="1200">
+                              <a:effectLst/>
+                            </a:rPr>
+                            <a:t>,5</a:t>
+                          </a:r>
+                          <a:endParaRPr lang="ru-RU" sz="1100">
+                            <a:effectLst/>
+                            <a:latin typeface="Calibri" panose="020F0502020204030204" pitchFamily="34" charset="0"/>
+                            <a:ea typeface="Calibri" panose="020F0502020204030204" pitchFamily="34" charset="0"/>
+                            <a:cs typeface="Times New Roman" panose="02020603050405020304" pitchFamily="18" charset="0"/>
+                          </a:endParaRPr>
+                        </a:p>
+                      </a:txBody>
+                      <a:tcPr marL="73025" marR="73025" marT="0" marB="0" anchor="ctr"/>
+                    </a:tc>
+                    <a:tc>
+                      <a:txBody>
+                        <a:bodyPr/>
+                        <a:lstStyle/>
+                        <a:p>
+                          <a:pPr algn="ctr">
+                            <a:lnSpc>
+                              <a:spcPct val="106000"/>
+                            </a:lnSpc>
+                            <a:spcAft>
+                              <a:spcPts val="0"/>
+                            </a:spcAft>
+                          </a:pPr>
+                          <a:r>
+                            <a:rPr lang="ru-RU" sz="1200">
+                              <a:effectLst/>
+                            </a:rPr>
+                            <a:t>1</a:t>
+                          </a:r>
+                          <a:endParaRPr lang="ru-RU" sz="1100">
+                            <a:effectLst/>
+                            <a:latin typeface="Calibri" panose="020F0502020204030204" pitchFamily="34" charset="0"/>
+                            <a:ea typeface="Calibri" panose="020F0502020204030204" pitchFamily="34" charset="0"/>
+                            <a:cs typeface="Times New Roman" panose="02020603050405020304" pitchFamily="18" charset="0"/>
+                          </a:endParaRPr>
+                        </a:p>
+                      </a:txBody>
+                      <a:tcPr marL="73025" marR="73025" marT="0" marB="0" anchor="ctr"/>
+                    </a:tc>
+                    <a:tc>
+                      <a:txBody>
+                        <a:bodyPr/>
+                        <a:lstStyle/>
+                        <a:p>
+                          <a:pPr algn="ctr">
+                            <a:lnSpc>
+                              <a:spcPct val="106000"/>
+                            </a:lnSpc>
+                            <a:spcAft>
+                              <a:spcPts val="0"/>
+                            </a:spcAft>
+                          </a:pPr>
+                          <a:r>
+                            <a:rPr lang="ru-RU" sz="1200">
+                              <a:effectLst/>
+                            </a:rPr>
+                            <a:t>2</a:t>
+                          </a:r>
+                          <a:r>
+                            <a:rPr lang="en-US" sz="1200">
+                              <a:effectLst/>
+                            </a:rPr>
+                            <a:t>,5</a:t>
+                          </a:r>
+                          <a:endParaRPr lang="ru-RU" sz="1100">
+                            <a:effectLst/>
+                            <a:latin typeface="Calibri" panose="020F0502020204030204" pitchFamily="34" charset="0"/>
+                            <a:ea typeface="Calibri" panose="020F0502020204030204" pitchFamily="34" charset="0"/>
+                            <a:cs typeface="Times New Roman" panose="02020603050405020304" pitchFamily="18" charset="0"/>
+                          </a:endParaRPr>
+                        </a:p>
+                      </a:txBody>
+                      <a:tcPr marL="73025" marR="73025" marT="0" marB="0" anchor="ctr"/>
+                    </a:tc>
+                    <a:extLst>
+                      <a:ext uri="{0D108BD9-81ED-4DB2-BD59-A6C34878D82A}">
+                        <a16:rowId xmlns:a16="http://schemas.microsoft.com/office/drawing/2014/main" val="4246673890"/>
+                      </a:ext>
+                    </a:extLst>
+                  </a:tr>
+                  <a:tr h="315753">
+                    <a:tc>
+                      <a:txBody>
+                        <a:bodyPr/>
+                        <a:lstStyle/>
+                        <a:p>
+                          <a:pPr algn="ctr">
+                            <a:lnSpc>
+                              <a:spcPct val="106000"/>
+                            </a:lnSpc>
+                            <a:spcAft>
+                              <a:spcPts val="0"/>
+                            </a:spcAft>
+                          </a:pPr>
+                          <a:r>
+                            <a:rPr lang="ru-RU" sz="1400">
+                              <a:effectLst/>
+                            </a:rPr>
+                            <a:t>Эксперт 5</a:t>
+                          </a:r>
+                          <a:endParaRPr lang="ru-RU" sz="1100">
+                            <a:effectLst/>
+                            <a:latin typeface="Calibri" panose="020F0502020204030204" pitchFamily="34" charset="0"/>
+                            <a:ea typeface="Calibri" panose="020F0502020204030204" pitchFamily="34" charset="0"/>
+                            <a:cs typeface="Times New Roman" panose="02020603050405020304" pitchFamily="18" charset="0"/>
+                          </a:endParaRPr>
+                        </a:p>
+                      </a:txBody>
+                      <a:tcPr marL="73025" marR="73025" marT="0" marB="0" anchor="ctr"/>
+                    </a:tc>
+                    <a:tc>
+                      <a:txBody>
+                        <a:bodyPr/>
+                        <a:lstStyle/>
+                        <a:p>
+                          <a:pPr algn="ctr">
+                            <a:lnSpc>
+                              <a:spcPct val="106000"/>
+                            </a:lnSpc>
+                            <a:spcAft>
+                              <a:spcPts val="0"/>
+                            </a:spcAft>
+                          </a:pPr>
+                          <a:r>
+                            <a:rPr lang="en-US" sz="1200">
+                              <a:effectLst/>
+                            </a:rPr>
+                            <a:t>1,5</a:t>
+                          </a:r>
+                          <a:endParaRPr lang="ru-RU" sz="1100">
+                            <a:effectLst/>
+                            <a:latin typeface="Calibri" panose="020F0502020204030204" pitchFamily="34" charset="0"/>
+                            <a:ea typeface="Calibri" panose="020F0502020204030204" pitchFamily="34" charset="0"/>
+                            <a:cs typeface="Times New Roman" panose="02020603050405020304" pitchFamily="18" charset="0"/>
+                          </a:endParaRPr>
+                        </a:p>
+                      </a:txBody>
+                      <a:tcPr marL="73025" marR="73025" marT="0" marB="0" anchor="ctr"/>
+                    </a:tc>
+                    <a:tc>
+                      <a:txBody>
+                        <a:bodyPr/>
+                        <a:lstStyle/>
+                        <a:p>
+                          <a:pPr algn="ctr">
+                            <a:lnSpc>
+                              <a:spcPct val="106000"/>
+                            </a:lnSpc>
+                            <a:spcAft>
+                              <a:spcPts val="0"/>
+                            </a:spcAft>
+                          </a:pPr>
+                          <a:r>
+                            <a:rPr lang="en-US" sz="1200">
+                              <a:effectLst/>
+                            </a:rPr>
+                            <a:t>3</a:t>
+                          </a:r>
+                          <a:endParaRPr lang="ru-RU" sz="1100">
+                            <a:effectLst/>
+                            <a:latin typeface="Calibri" panose="020F0502020204030204" pitchFamily="34" charset="0"/>
+                            <a:ea typeface="Calibri" panose="020F0502020204030204" pitchFamily="34" charset="0"/>
+                            <a:cs typeface="Times New Roman" panose="02020603050405020304" pitchFamily="18" charset="0"/>
+                          </a:endParaRPr>
+                        </a:p>
+                      </a:txBody>
+                      <a:tcPr marL="73025" marR="73025" marT="0" marB="0" anchor="ctr"/>
+                    </a:tc>
+                    <a:tc>
+                      <a:txBody>
+                        <a:bodyPr/>
+                        <a:lstStyle/>
+                        <a:p>
+                          <a:pPr algn="ctr">
+                            <a:lnSpc>
+                              <a:spcPct val="106000"/>
+                            </a:lnSpc>
+                            <a:spcAft>
+                              <a:spcPts val="0"/>
+                            </a:spcAft>
+                          </a:pPr>
+                          <a:r>
+                            <a:rPr lang="en-US" sz="1200">
+                              <a:effectLst/>
+                            </a:rPr>
+                            <a:t>1,5</a:t>
+                          </a:r>
+                          <a:endParaRPr lang="ru-RU" sz="1100">
+                            <a:effectLst/>
+                            <a:latin typeface="Calibri" panose="020F0502020204030204" pitchFamily="34" charset="0"/>
+                            <a:ea typeface="Calibri" panose="020F0502020204030204" pitchFamily="34" charset="0"/>
+                            <a:cs typeface="Times New Roman" panose="02020603050405020304" pitchFamily="18" charset="0"/>
+                          </a:endParaRPr>
+                        </a:p>
+                      </a:txBody>
+                      <a:tcPr marL="73025" marR="73025" marT="0" marB="0" anchor="ctr"/>
+                    </a:tc>
+                    <a:extLst>
+                      <a:ext uri="{0D108BD9-81ED-4DB2-BD59-A6C34878D82A}">
+                        <a16:rowId xmlns:a16="http://schemas.microsoft.com/office/drawing/2014/main" val="2696010294"/>
+                      </a:ext>
+                    </a:extLst>
+                  </a:tr>
+                  <a:tr h="617421">
+                    <a:tc>
+                      <a:txBody>
+                        <a:bodyPr/>
+                        <a:lstStyle/>
+                        <a:p>
+                          <a:endParaRPr lang="ru-RU"/>
+                        </a:p>
+                      </a:txBody>
+                      <a:tcPr marL="73025" marR="73025" marT="0" marB="0" anchor="ctr">
+                        <a:blipFill>
+                          <a:blip r:embed="rId3"/>
+                          <a:stretch>
+                            <a:fillRect l="-760" t="-356863" r="-123954" b="-1961"/>
+                          </a:stretch>
+                        </a:blipFill>
+                      </a:tcPr>
+                    </a:tc>
+                    <a:tc>
+                      <a:txBody>
+                        <a:bodyPr/>
+                        <a:lstStyle/>
+                        <a:p>
+                          <a:pPr algn="ctr">
+                            <a:lnSpc>
+                              <a:spcPct val="106000"/>
+                            </a:lnSpc>
+                            <a:spcAft>
+                              <a:spcPts val="0"/>
+                            </a:spcAft>
+                          </a:pPr>
+                          <a:r>
+                            <a:rPr lang="ru-RU" sz="1200">
+                              <a:effectLst/>
+                            </a:rPr>
+                            <a:t>10</a:t>
+                          </a:r>
+                          <a:endParaRPr lang="ru-RU" sz="1100">
+                            <a:effectLst/>
+                            <a:latin typeface="Calibri" panose="020F0502020204030204" pitchFamily="34" charset="0"/>
+                            <a:ea typeface="Calibri" panose="020F0502020204030204" pitchFamily="34" charset="0"/>
+                            <a:cs typeface="Times New Roman" panose="02020603050405020304" pitchFamily="18" charset="0"/>
+                          </a:endParaRPr>
+                        </a:p>
+                      </a:txBody>
+                      <a:tcPr marL="73025" marR="73025" marT="0" marB="0" anchor="ctr"/>
+                    </a:tc>
+                    <a:tc>
+                      <a:txBody>
+                        <a:bodyPr/>
+                        <a:lstStyle/>
+                        <a:p>
+                          <a:pPr algn="ctr">
+                            <a:lnSpc>
+                              <a:spcPct val="106000"/>
+                            </a:lnSpc>
+                            <a:spcAft>
+                              <a:spcPts val="0"/>
+                            </a:spcAft>
+                          </a:pPr>
+                          <a:r>
+                            <a:rPr lang="ru-RU" sz="1200">
+                              <a:effectLst/>
+                            </a:rPr>
+                            <a:t>10</a:t>
+                          </a:r>
+                          <a:r>
+                            <a:rPr lang="en-US" sz="1200">
+                              <a:effectLst/>
+                            </a:rPr>
+                            <a:t>,5</a:t>
+                          </a:r>
+                          <a:endParaRPr lang="ru-RU" sz="1100">
+                            <a:effectLst/>
+                            <a:latin typeface="Calibri" panose="020F0502020204030204" pitchFamily="34" charset="0"/>
+                            <a:ea typeface="Calibri" panose="020F0502020204030204" pitchFamily="34" charset="0"/>
+                            <a:cs typeface="Times New Roman" panose="02020603050405020304" pitchFamily="18" charset="0"/>
+                          </a:endParaRPr>
+                        </a:p>
+                      </a:txBody>
+                      <a:tcPr marL="73025" marR="73025" marT="0" marB="0" anchor="ctr"/>
+                    </a:tc>
+                    <a:tc>
+                      <a:txBody>
+                        <a:bodyPr/>
+                        <a:lstStyle/>
+                        <a:p>
+                          <a:pPr algn="ctr">
+                            <a:lnSpc>
+                              <a:spcPct val="106000"/>
+                            </a:lnSpc>
+                            <a:spcAft>
+                              <a:spcPts val="0"/>
+                            </a:spcAft>
+                          </a:pPr>
+                          <a:r>
+                            <a:rPr lang="en-US" sz="1200" dirty="0">
+                              <a:effectLst/>
+                            </a:rPr>
+                            <a:t>9,5</a:t>
+                          </a:r>
+                          <a:endParaRPr lang="ru-RU" sz="1100" dirty="0">
+                            <a:effectLst/>
+                            <a:latin typeface="Calibri" panose="020F0502020204030204" pitchFamily="34" charset="0"/>
+                            <a:ea typeface="Calibri" panose="020F0502020204030204" pitchFamily="34" charset="0"/>
+                            <a:cs typeface="Times New Roman" panose="02020603050405020304" pitchFamily="18" charset="0"/>
+                          </a:endParaRPr>
+                        </a:p>
+                      </a:txBody>
+                      <a:tcPr marL="73025" marR="73025" marT="0" marB="0" anchor="ctr"/>
+                    </a:tc>
+                    <a:extLst>
+                      <a:ext uri="{0D108BD9-81ED-4DB2-BD59-A6C34878D82A}">
+                        <a16:rowId xmlns:a16="http://schemas.microsoft.com/office/drawing/2014/main" val="2107736999"/>
+                      </a:ext>
+                    </a:extLst>
+                  </a:tr>
+                </a:tbl>
+              </a:graphicData>
+            </a:graphic>
+          </p:graphicFrame>
+        </mc:Fallback>
+      </mc:AlternateContent>
+      <p:graphicFrame>
+        <p:nvGraphicFramePr>
+          <p:cNvPr id="12" name="Таблица 11"/>
+          <p:cNvGraphicFramePr>
+            <a:graphicFrameLocks noGrp="1"/>
+          </p:cNvGraphicFramePr>
+          <p:nvPr>
+            <p:extLst>
+              <p:ext uri="{D42A27DB-BD31-4B8C-83A1-F6EECF244321}">
+                <p14:modId xmlns:p14="http://schemas.microsoft.com/office/powerpoint/2010/main" val="4156611167"/>
+              </p:ext>
+            </p:extLst>
+          </p:nvPr>
+        </p:nvGraphicFramePr>
+        <p:xfrm>
+          <a:off x="4486990" y="1193801"/>
+          <a:ext cx="3793906" cy="2217803"/>
+        </p:xfrm>
+        <a:graphic>
+          <a:graphicData uri="http://schemas.openxmlformats.org/drawingml/2006/table">
+            <a:tbl>
+              <a:tblPr firstRow="1" firstCol="1" bandRow="1">
+                <a:tableStyleId>{21E4AEA4-8DFA-4A89-87EB-49C32662AFE0}</a:tableStyleId>
+              </a:tblPr>
+              <a:tblGrid>
+                <a:gridCol w="1713692">
+                  <a:extLst>
+                    <a:ext uri="{9D8B030D-6E8A-4147-A177-3AD203B41FA5}">
+                      <a16:colId xmlns:a16="http://schemas.microsoft.com/office/drawing/2014/main" val="833438753"/>
+                    </a:ext>
+                  </a:extLst>
+                </a:gridCol>
+                <a:gridCol w="655758">
+                  <a:extLst>
+                    <a:ext uri="{9D8B030D-6E8A-4147-A177-3AD203B41FA5}">
+                      <a16:colId xmlns:a16="http://schemas.microsoft.com/office/drawing/2014/main" val="4021806655"/>
+                    </a:ext>
+                  </a:extLst>
+                </a:gridCol>
+                <a:gridCol w="793917">
+                  <a:extLst>
+                    <a:ext uri="{9D8B030D-6E8A-4147-A177-3AD203B41FA5}">
+                      <a16:colId xmlns:a16="http://schemas.microsoft.com/office/drawing/2014/main" val="1378140194"/>
+                    </a:ext>
+                  </a:extLst>
+                </a:gridCol>
+                <a:gridCol w="630539">
+                  <a:extLst>
+                    <a:ext uri="{9D8B030D-6E8A-4147-A177-3AD203B41FA5}">
+                      <a16:colId xmlns:a16="http://schemas.microsoft.com/office/drawing/2014/main" val="2848014602"/>
+                    </a:ext>
+                  </a:extLst>
+                </a:gridCol>
+              </a:tblGrid>
+              <a:tr h="316829">
+                <a:tc rowSpan="2">
+                  <a:txBody>
+                    <a:bodyPr/>
+                    <a:lstStyle/>
+                    <a:p>
+                      <a:pPr indent="9525" algn="ctr">
+                        <a:lnSpc>
+                          <a:spcPct val="106000"/>
+                        </a:lnSpc>
+                        <a:spcAft>
+                          <a:spcPts val="0"/>
+                        </a:spcAft>
+                      </a:pPr>
+                      <a:r>
+                        <a:rPr lang="ru-RU" sz="1400">
+                          <a:effectLst/>
+                        </a:rPr>
+                        <a:t>Ранжирование</a:t>
+                      </a:r>
+                      <a:endParaRPr lang="ru-RU" sz="1100">
+                        <a:effectLst/>
+                        <a:latin typeface="Calibri" panose="020F0502020204030204" pitchFamily="34" charset="0"/>
+                        <a:ea typeface="Calibri" panose="020F0502020204030204" pitchFamily="34" charset="0"/>
+                        <a:cs typeface="Times New Roman" panose="02020603050405020304" pitchFamily="18" charset="0"/>
+                      </a:endParaRPr>
+                    </a:p>
+                  </a:txBody>
+                  <a:tcPr marL="73025" marR="73025" marT="0" marB="0" anchor="ctr"/>
+                </a:tc>
+                <a:tc gridSpan="3">
+                  <a:txBody>
+                    <a:bodyPr/>
+                    <a:lstStyle/>
+                    <a:p>
+                      <a:pPr algn="ctr">
+                        <a:lnSpc>
+                          <a:spcPct val="106000"/>
+                        </a:lnSpc>
+                        <a:spcAft>
+                          <a:spcPts val="0"/>
+                        </a:spcAft>
+                      </a:pPr>
+                      <a:r>
+                        <a:rPr lang="ru-RU" sz="1400" dirty="0">
+                          <a:effectLst/>
+                        </a:rPr>
+                        <a:t>№ критерия</a:t>
+                      </a:r>
+                      <a:endParaRPr lang="ru-RU" sz="1100" dirty="0">
+                        <a:effectLst/>
+                        <a:latin typeface="Calibri" panose="020F0502020204030204" pitchFamily="34" charset="0"/>
+                        <a:ea typeface="Calibri" panose="020F0502020204030204" pitchFamily="34" charset="0"/>
+                        <a:cs typeface="Times New Roman" panose="02020603050405020304" pitchFamily="18" charset="0"/>
+                      </a:endParaRPr>
+                    </a:p>
+                  </a:txBody>
+                  <a:tcPr marL="73025" marR="73025" marT="0" marB="0" anchor="ctr"/>
+                </a:tc>
+                <a:tc hMerge="1">
+                  <a:txBody>
+                    <a:bodyPr/>
+                    <a:lstStyle/>
+                    <a:p>
+                      <a:endParaRPr lang="ru-RU"/>
+                    </a:p>
+                  </a:txBody>
+                  <a:tcPr/>
+                </a:tc>
+                <a:tc hMerge="1">
+                  <a:txBody>
+                    <a:bodyPr/>
+                    <a:lstStyle/>
+                    <a:p>
+                      <a:endParaRPr lang="ru-RU"/>
+                    </a:p>
+                  </a:txBody>
+                  <a:tcPr/>
+                </a:tc>
+                <a:extLst>
+                  <a:ext uri="{0D108BD9-81ED-4DB2-BD59-A6C34878D82A}">
+                    <a16:rowId xmlns:a16="http://schemas.microsoft.com/office/drawing/2014/main" val="642685841"/>
+                  </a:ext>
+                </a:extLst>
+              </a:tr>
+              <a:tr h="316829">
+                <a:tc vMerge="1">
+                  <a:txBody>
+                    <a:bodyPr/>
+                    <a:lstStyle/>
+                    <a:p>
+                      <a:endParaRPr lang="ru-RU"/>
+                    </a:p>
+                  </a:txBody>
+                  <a:tcPr/>
+                </a:tc>
+                <a:tc>
+                  <a:txBody>
+                    <a:bodyPr/>
+                    <a:lstStyle/>
+                    <a:p>
+                      <a:pPr algn="ctr">
+                        <a:lnSpc>
+                          <a:spcPct val="106000"/>
+                        </a:lnSpc>
+                        <a:spcAft>
+                          <a:spcPts val="0"/>
+                        </a:spcAft>
+                      </a:pPr>
+                      <a:r>
+                        <a:rPr lang="ru-RU" sz="1400" dirty="0">
+                          <a:effectLst/>
+                        </a:rPr>
+                        <a:t>1</a:t>
+                      </a:r>
+                      <a:endParaRPr lang="ru-RU" sz="1100" dirty="0">
+                        <a:effectLst/>
+                        <a:latin typeface="Calibri" panose="020F0502020204030204" pitchFamily="34" charset="0"/>
+                        <a:ea typeface="Calibri" panose="020F0502020204030204" pitchFamily="34" charset="0"/>
+                        <a:cs typeface="Times New Roman" panose="02020603050405020304" pitchFamily="18" charset="0"/>
+                      </a:endParaRPr>
+                    </a:p>
+                  </a:txBody>
+                  <a:tcPr marL="73025" marR="73025" marT="0" marB="0" anchor="ctr"/>
+                </a:tc>
+                <a:tc>
+                  <a:txBody>
+                    <a:bodyPr/>
+                    <a:lstStyle/>
+                    <a:p>
+                      <a:pPr algn="ctr">
+                        <a:lnSpc>
+                          <a:spcPct val="106000"/>
+                        </a:lnSpc>
+                        <a:spcAft>
+                          <a:spcPts val="0"/>
+                        </a:spcAft>
+                      </a:pPr>
+                      <a:r>
+                        <a:rPr lang="ru-RU" sz="1400" dirty="0">
+                          <a:effectLst/>
+                        </a:rPr>
+                        <a:t>2</a:t>
+                      </a:r>
+                      <a:endParaRPr lang="ru-RU" sz="1100" dirty="0">
+                        <a:effectLst/>
+                        <a:latin typeface="Calibri" panose="020F0502020204030204" pitchFamily="34" charset="0"/>
+                        <a:ea typeface="Calibri" panose="020F0502020204030204" pitchFamily="34" charset="0"/>
+                        <a:cs typeface="Times New Roman" panose="02020603050405020304" pitchFamily="18" charset="0"/>
+                      </a:endParaRPr>
+                    </a:p>
+                  </a:txBody>
+                  <a:tcPr marL="73025" marR="73025" marT="0" marB="0" anchor="ctr"/>
+                </a:tc>
+                <a:tc>
+                  <a:txBody>
+                    <a:bodyPr/>
+                    <a:lstStyle/>
+                    <a:p>
+                      <a:pPr algn="ctr">
+                        <a:lnSpc>
+                          <a:spcPct val="106000"/>
+                        </a:lnSpc>
+                        <a:spcAft>
+                          <a:spcPts val="0"/>
+                        </a:spcAft>
+                      </a:pPr>
+                      <a:r>
+                        <a:rPr lang="ru-RU" sz="1400" dirty="0">
+                          <a:effectLst/>
+                        </a:rPr>
+                        <a:t>3</a:t>
+                      </a:r>
+                      <a:endParaRPr lang="ru-RU" sz="1100" dirty="0">
+                        <a:effectLst/>
+                        <a:latin typeface="Calibri" panose="020F0502020204030204" pitchFamily="34" charset="0"/>
+                        <a:ea typeface="Calibri" panose="020F0502020204030204" pitchFamily="34" charset="0"/>
+                        <a:cs typeface="Times New Roman" panose="02020603050405020304" pitchFamily="18" charset="0"/>
+                      </a:endParaRPr>
+                    </a:p>
+                  </a:txBody>
+                  <a:tcPr marL="73025" marR="73025" marT="0" marB="0" anchor="ctr"/>
+                </a:tc>
+                <a:extLst>
+                  <a:ext uri="{0D108BD9-81ED-4DB2-BD59-A6C34878D82A}">
+                    <a16:rowId xmlns:a16="http://schemas.microsoft.com/office/drawing/2014/main" val="2580011008"/>
+                  </a:ext>
+                </a:extLst>
+              </a:tr>
+              <a:tr h="316829">
+                <a:tc>
+                  <a:txBody>
+                    <a:bodyPr/>
+                    <a:lstStyle/>
+                    <a:p>
+                      <a:pPr algn="ctr">
+                        <a:lnSpc>
+                          <a:spcPct val="106000"/>
+                        </a:lnSpc>
+                        <a:spcAft>
+                          <a:spcPts val="0"/>
+                        </a:spcAft>
+                      </a:pPr>
+                      <a:r>
+                        <a:rPr lang="ru-RU" sz="1400">
+                          <a:effectLst/>
+                        </a:rPr>
+                        <a:t>Эксперт 1</a:t>
+                      </a:r>
+                      <a:endParaRPr lang="ru-RU" sz="1100">
+                        <a:effectLst/>
+                        <a:latin typeface="Calibri" panose="020F0502020204030204" pitchFamily="34" charset="0"/>
+                        <a:ea typeface="Calibri" panose="020F0502020204030204" pitchFamily="34" charset="0"/>
+                        <a:cs typeface="Times New Roman" panose="02020603050405020304" pitchFamily="18" charset="0"/>
+                      </a:endParaRPr>
+                    </a:p>
+                  </a:txBody>
+                  <a:tcPr marL="73025" marR="73025" marT="0" marB="0" anchor="ctr"/>
+                </a:tc>
+                <a:tc>
+                  <a:txBody>
+                    <a:bodyPr/>
+                    <a:lstStyle/>
+                    <a:p>
+                      <a:pPr algn="ctr">
+                        <a:lnSpc>
+                          <a:spcPct val="106000"/>
+                        </a:lnSpc>
+                        <a:spcAft>
+                          <a:spcPts val="0"/>
+                        </a:spcAft>
+                      </a:pPr>
+                      <a:r>
+                        <a:rPr lang="en-US" sz="1200">
+                          <a:effectLst/>
+                        </a:rPr>
+                        <a:t>3</a:t>
+                      </a:r>
+                      <a:endParaRPr lang="ru-RU" sz="1100">
+                        <a:effectLst/>
+                        <a:latin typeface="Calibri" panose="020F0502020204030204" pitchFamily="34" charset="0"/>
+                        <a:ea typeface="Calibri" panose="020F0502020204030204" pitchFamily="34" charset="0"/>
+                        <a:cs typeface="Times New Roman" panose="02020603050405020304" pitchFamily="18" charset="0"/>
+                      </a:endParaRPr>
+                    </a:p>
+                  </a:txBody>
+                  <a:tcPr marL="73025" marR="73025" marT="0" marB="0" anchor="ctr"/>
+                </a:tc>
+                <a:tc>
+                  <a:txBody>
+                    <a:bodyPr/>
+                    <a:lstStyle/>
+                    <a:p>
+                      <a:pPr algn="ctr">
+                        <a:lnSpc>
+                          <a:spcPct val="106000"/>
+                        </a:lnSpc>
+                        <a:spcAft>
+                          <a:spcPts val="0"/>
+                        </a:spcAft>
+                      </a:pPr>
+                      <a:r>
+                        <a:rPr lang="en-US" sz="1200">
+                          <a:effectLst/>
+                        </a:rPr>
+                        <a:t>2</a:t>
+                      </a:r>
+                      <a:endParaRPr lang="ru-RU" sz="1100">
+                        <a:effectLst/>
+                        <a:latin typeface="Calibri" panose="020F0502020204030204" pitchFamily="34" charset="0"/>
+                        <a:ea typeface="Calibri" panose="020F0502020204030204" pitchFamily="34" charset="0"/>
+                        <a:cs typeface="Times New Roman" panose="02020603050405020304" pitchFamily="18" charset="0"/>
+                      </a:endParaRPr>
+                    </a:p>
+                  </a:txBody>
+                  <a:tcPr marL="73025" marR="73025" marT="0" marB="0" anchor="ctr"/>
+                </a:tc>
+                <a:tc>
+                  <a:txBody>
+                    <a:bodyPr/>
+                    <a:lstStyle/>
+                    <a:p>
+                      <a:pPr algn="ctr">
+                        <a:lnSpc>
+                          <a:spcPct val="106000"/>
+                        </a:lnSpc>
+                        <a:spcAft>
+                          <a:spcPts val="0"/>
+                        </a:spcAft>
+                      </a:pPr>
+                      <a:r>
+                        <a:rPr lang="en-US" sz="1200" dirty="0">
+                          <a:effectLst/>
+                        </a:rPr>
+                        <a:t>1</a:t>
+                      </a:r>
+                      <a:endParaRPr lang="ru-RU" sz="1100" dirty="0">
+                        <a:effectLst/>
+                        <a:latin typeface="Calibri" panose="020F0502020204030204" pitchFamily="34" charset="0"/>
+                        <a:ea typeface="Calibri" panose="020F0502020204030204" pitchFamily="34" charset="0"/>
+                        <a:cs typeface="Times New Roman" panose="02020603050405020304" pitchFamily="18" charset="0"/>
+                      </a:endParaRPr>
+                    </a:p>
+                  </a:txBody>
+                  <a:tcPr marL="73025" marR="73025" marT="0" marB="0" anchor="ctr"/>
+                </a:tc>
+                <a:extLst>
+                  <a:ext uri="{0D108BD9-81ED-4DB2-BD59-A6C34878D82A}">
+                    <a16:rowId xmlns:a16="http://schemas.microsoft.com/office/drawing/2014/main" val="1390166152"/>
+                  </a:ext>
+                </a:extLst>
+              </a:tr>
+              <a:tr h="316829">
+                <a:tc>
+                  <a:txBody>
+                    <a:bodyPr/>
+                    <a:lstStyle/>
+                    <a:p>
+                      <a:pPr algn="ctr">
+                        <a:lnSpc>
+                          <a:spcPct val="106000"/>
+                        </a:lnSpc>
+                        <a:spcAft>
+                          <a:spcPts val="0"/>
+                        </a:spcAft>
+                      </a:pPr>
+                      <a:r>
+                        <a:rPr lang="ru-RU" sz="1400">
+                          <a:effectLst/>
+                        </a:rPr>
+                        <a:t>Эксперт 2</a:t>
+                      </a:r>
+                      <a:endParaRPr lang="ru-RU" sz="1100">
+                        <a:effectLst/>
+                        <a:latin typeface="Calibri" panose="020F0502020204030204" pitchFamily="34" charset="0"/>
+                        <a:ea typeface="Calibri" panose="020F0502020204030204" pitchFamily="34" charset="0"/>
+                        <a:cs typeface="Times New Roman" panose="02020603050405020304" pitchFamily="18" charset="0"/>
+                      </a:endParaRPr>
+                    </a:p>
+                  </a:txBody>
+                  <a:tcPr marL="73025" marR="73025" marT="0" marB="0" anchor="ctr"/>
+                </a:tc>
+                <a:tc>
+                  <a:txBody>
+                    <a:bodyPr/>
+                    <a:lstStyle/>
+                    <a:p>
+                      <a:pPr algn="ctr">
+                        <a:lnSpc>
+                          <a:spcPct val="106000"/>
+                        </a:lnSpc>
+                        <a:spcAft>
+                          <a:spcPts val="0"/>
+                        </a:spcAft>
+                      </a:pPr>
+                      <a:r>
+                        <a:rPr lang="en-US" sz="1200">
+                          <a:effectLst/>
+                        </a:rPr>
+                        <a:t>1</a:t>
+                      </a:r>
+                      <a:endParaRPr lang="ru-RU" sz="1100">
+                        <a:effectLst/>
+                        <a:latin typeface="Calibri" panose="020F0502020204030204" pitchFamily="34" charset="0"/>
+                        <a:ea typeface="Calibri" panose="020F0502020204030204" pitchFamily="34" charset="0"/>
+                        <a:cs typeface="Times New Roman" panose="02020603050405020304" pitchFamily="18" charset="0"/>
+                      </a:endParaRPr>
+                    </a:p>
+                  </a:txBody>
+                  <a:tcPr marL="73025" marR="73025" marT="0" marB="0" anchor="ctr"/>
+                </a:tc>
+                <a:tc>
+                  <a:txBody>
+                    <a:bodyPr/>
+                    <a:lstStyle/>
+                    <a:p>
+                      <a:pPr algn="ctr">
+                        <a:lnSpc>
+                          <a:spcPct val="106000"/>
+                        </a:lnSpc>
+                        <a:spcAft>
+                          <a:spcPts val="0"/>
+                        </a:spcAft>
+                      </a:pPr>
+                      <a:r>
+                        <a:rPr lang="en-US" sz="1200">
+                          <a:effectLst/>
+                        </a:rPr>
+                        <a:t>2</a:t>
+                      </a:r>
+                      <a:endParaRPr lang="ru-RU" sz="1100">
+                        <a:effectLst/>
+                        <a:latin typeface="Calibri" panose="020F0502020204030204" pitchFamily="34" charset="0"/>
+                        <a:ea typeface="Calibri" panose="020F0502020204030204" pitchFamily="34" charset="0"/>
+                        <a:cs typeface="Times New Roman" panose="02020603050405020304" pitchFamily="18" charset="0"/>
+                      </a:endParaRPr>
+                    </a:p>
+                  </a:txBody>
+                  <a:tcPr marL="73025" marR="73025" marT="0" marB="0" anchor="ctr"/>
+                </a:tc>
+                <a:tc>
+                  <a:txBody>
+                    <a:bodyPr/>
+                    <a:lstStyle/>
+                    <a:p>
+                      <a:pPr algn="ctr">
+                        <a:lnSpc>
+                          <a:spcPct val="106000"/>
+                        </a:lnSpc>
+                        <a:spcAft>
+                          <a:spcPts val="0"/>
+                        </a:spcAft>
+                      </a:pPr>
+                      <a:r>
+                        <a:rPr lang="en-US" sz="1200">
+                          <a:effectLst/>
+                        </a:rPr>
+                        <a:t>1</a:t>
+                      </a:r>
+                      <a:endParaRPr lang="ru-RU" sz="1100">
+                        <a:effectLst/>
+                        <a:latin typeface="Calibri" panose="020F0502020204030204" pitchFamily="34" charset="0"/>
+                        <a:ea typeface="Calibri" panose="020F0502020204030204" pitchFamily="34" charset="0"/>
+                        <a:cs typeface="Times New Roman" panose="02020603050405020304" pitchFamily="18" charset="0"/>
+                      </a:endParaRPr>
+                    </a:p>
+                  </a:txBody>
+                  <a:tcPr marL="73025" marR="73025" marT="0" marB="0" anchor="ctr"/>
+                </a:tc>
+                <a:extLst>
+                  <a:ext uri="{0D108BD9-81ED-4DB2-BD59-A6C34878D82A}">
+                    <a16:rowId xmlns:a16="http://schemas.microsoft.com/office/drawing/2014/main" val="1106267485"/>
+                  </a:ext>
+                </a:extLst>
+              </a:tr>
+              <a:tr h="316829">
+                <a:tc>
+                  <a:txBody>
+                    <a:bodyPr/>
+                    <a:lstStyle/>
+                    <a:p>
+                      <a:pPr algn="ctr">
+                        <a:lnSpc>
+                          <a:spcPct val="106000"/>
+                        </a:lnSpc>
+                        <a:spcAft>
+                          <a:spcPts val="0"/>
+                        </a:spcAft>
+                      </a:pPr>
+                      <a:r>
+                        <a:rPr lang="ru-RU" sz="1400">
+                          <a:effectLst/>
+                        </a:rPr>
+                        <a:t>Эксперт 3</a:t>
+                      </a:r>
+                      <a:endParaRPr lang="ru-RU" sz="1100">
+                        <a:effectLst/>
+                        <a:latin typeface="Calibri" panose="020F0502020204030204" pitchFamily="34" charset="0"/>
+                        <a:ea typeface="Calibri" panose="020F0502020204030204" pitchFamily="34" charset="0"/>
+                        <a:cs typeface="Times New Roman" panose="02020603050405020304" pitchFamily="18" charset="0"/>
+                      </a:endParaRPr>
+                    </a:p>
+                  </a:txBody>
+                  <a:tcPr marL="73025" marR="73025" marT="0" marB="0" anchor="ctr"/>
+                </a:tc>
+                <a:tc>
+                  <a:txBody>
+                    <a:bodyPr/>
+                    <a:lstStyle/>
+                    <a:p>
+                      <a:pPr algn="ctr">
+                        <a:lnSpc>
+                          <a:spcPct val="106000"/>
+                        </a:lnSpc>
+                        <a:spcAft>
+                          <a:spcPts val="0"/>
+                        </a:spcAft>
+                      </a:pPr>
+                      <a:r>
+                        <a:rPr lang="en-US" sz="1200">
+                          <a:effectLst/>
+                        </a:rPr>
+                        <a:t>1</a:t>
+                      </a:r>
+                      <a:endParaRPr lang="ru-RU" sz="1100">
+                        <a:effectLst/>
+                        <a:latin typeface="Calibri" panose="020F0502020204030204" pitchFamily="34" charset="0"/>
+                        <a:ea typeface="Calibri" panose="020F0502020204030204" pitchFamily="34" charset="0"/>
+                        <a:cs typeface="Times New Roman" panose="02020603050405020304" pitchFamily="18" charset="0"/>
+                      </a:endParaRPr>
+                    </a:p>
+                  </a:txBody>
+                  <a:tcPr marL="73025" marR="73025" marT="0" marB="0" anchor="ctr"/>
+                </a:tc>
+                <a:tc>
+                  <a:txBody>
+                    <a:bodyPr/>
+                    <a:lstStyle/>
+                    <a:p>
+                      <a:pPr algn="ctr">
+                        <a:lnSpc>
+                          <a:spcPct val="106000"/>
+                        </a:lnSpc>
+                        <a:spcAft>
+                          <a:spcPts val="0"/>
+                        </a:spcAft>
+                      </a:pPr>
+                      <a:r>
+                        <a:rPr lang="en-US" sz="1200">
+                          <a:effectLst/>
+                        </a:rPr>
+                        <a:t>1</a:t>
+                      </a:r>
+                      <a:endParaRPr lang="ru-RU" sz="1100">
+                        <a:effectLst/>
+                        <a:latin typeface="Calibri" panose="020F0502020204030204" pitchFamily="34" charset="0"/>
+                        <a:ea typeface="Calibri" panose="020F0502020204030204" pitchFamily="34" charset="0"/>
+                        <a:cs typeface="Times New Roman" panose="02020603050405020304" pitchFamily="18" charset="0"/>
+                      </a:endParaRPr>
+                    </a:p>
+                  </a:txBody>
+                  <a:tcPr marL="73025" marR="73025" marT="0" marB="0" anchor="ctr"/>
+                </a:tc>
+                <a:tc>
+                  <a:txBody>
+                    <a:bodyPr/>
+                    <a:lstStyle/>
+                    <a:p>
+                      <a:pPr algn="ctr">
+                        <a:lnSpc>
+                          <a:spcPct val="106000"/>
+                        </a:lnSpc>
+                        <a:spcAft>
+                          <a:spcPts val="0"/>
+                        </a:spcAft>
+                      </a:pPr>
+                      <a:r>
+                        <a:rPr lang="en-US" sz="1200">
+                          <a:effectLst/>
+                        </a:rPr>
+                        <a:t>2</a:t>
+                      </a:r>
+                      <a:endParaRPr lang="ru-RU" sz="1100">
+                        <a:effectLst/>
+                        <a:latin typeface="Calibri" panose="020F0502020204030204" pitchFamily="34" charset="0"/>
+                        <a:ea typeface="Calibri" panose="020F0502020204030204" pitchFamily="34" charset="0"/>
+                        <a:cs typeface="Times New Roman" panose="02020603050405020304" pitchFamily="18" charset="0"/>
+                      </a:endParaRPr>
+                    </a:p>
+                  </a:txBody>
+                  <a:tcPr marL="73025" marR="73025" marT="0" marB="0" anchor="ctr"/>
+                </a:tc>
+                <a:extLst>
+                  <a:ext uri="{0D108BD9-81ED-4DB2-BD59-A6C34878D82A}">
+                    <a16:rowId xmlns:a16="http://schemas.microsoft.com/office/drawing/2014/main" val="2942439722"/>
+                  </a:ext>
+                </a:extLst>
+              </a:tr>
+              <a:tr h="316829">
+                <a:tc>
+                  <a:txBody>
+                    <a:bodyPr/>
+                    <a:lstStyle/>
+                    <a:p>
+                      <a:pPr algn="ctr">
+                        <a:lnSpc>
+                          <a:spcPct val="106000"/>
+                        </a:lnSpc>
+                        <a:spcAft>
+                          <a:spcPts val="0"/>
+                        </a:spcAft>
+                      </a:pPr>
+                      <a:r>
+                        <a:rPr lang="ru-RU" sz="1400">
+                          <a:effectLst/>
+                        </a:rPr>
+                        <a:t>Эксперт 4</a:t>
+                      </a:r>
+                      <a:endParaRPr lang="ru-RU" sz="1100">
+                        <a:effectLst/>
+                        <a:latin typeface="Calibri" panose="020F0502020204030204" pitchFamily="34" charset="0"/>
+                        <a:ea typeface="Calibri" panose="020F0502020204030204" pitchFamily="34" charset="0"/>
+                        <a:cs typeface="Times New Roman" panose="02020603050405020304" pitchFamily="18" charset="0"/>
+                      </a:endParaRPr>
+                    </a:p>
+                  </a:txBody>
+                  <a:tcPr marL="73025" marR="73025" marT="0" marB="0" anchor="ctr"/>
+                </a:tc>
+                <a:tc>
+                  <a:txBody>
+                    <a:bodyPr/>
+                    <a:lstStyle/>
+                    <a:p>
+                      <a:pPr algn="ctr">
+                        <a:lnSpc>
+                          <a:spcPct val="106000"/>
+                        </a:lnSpc>
+                        <a:spcAft>
+                          <a:spcPts val="0"/>
+                        </a:spcAft>
+                      </a:pPr>
+                      <a:r>
+                        <a:rPr lang="en-US" sz="1200">
+                          <a:effectLst/>
+                        </a:rPr>
+                        <a:t>2</a:t>
+                      </a:r>
+                      <a:endParaRPr lang="ru-RU" sz="1100">
+                        <a:effectLst/>
+                        <a:latin typeface="Calibri" panose="020F0502020204030204" pitchFamily="34" charset="0"/>
+                        <a:ea typeface="Calibri" panose="020F0502020204030204" pitchFamily="34" charset="0"/>
+                        <a:cs typeface="Times New Roman" panose="02020603050405020304" pitchFamily="18" charset="0"/>
+                      </a:endParaRPr>
+                    </a:p>
+                  </a:txBody>
+                  <a:tcPr marL="73025" marR="73025" marT="0" marB="0" anchor="ctr"/>
+                </a:tc>
+                <a:tc>
+                  <a:txBody>
+                    <a:bodyPr/>
+                    <a:lstStyle/>
+                    <a:p>
+                      <a:pPr algn="ctr">
+                        <a:lnSpc>
+                          <a:spcPct val="106000"/>
+                        </a:lnSpc>
+                        <a:spcAft>
+                          <a:spcPts val="0"/>
+                        </a:spcAft>
+                      </a:pPr>
+                      <a:r>
+                        <a:rPr lang="en-US" sz="1200">
+                          <a:effectLst/>
+                        </a:rPr>
+                        <a:t>1</a:t>
+                      </a:r>
+                      <a:endParaRPr lang="ru-RU" sz="1100">
+                        <a:effectLst/>
+                        <a:latin typeface="Calibri" panose="020F0502020204030204" pitchFamily="34" charset="0"/>
+                        <a:ea typeface="Calibri" panose="020F0502020204030204" pitchFamily="34" charset="0"/>
+                        <a:cs typeface="Times New Roman" panose="02020603050405020304" pitchFamily="18" charset="0"/>
+                      </a:endParaRPr>
+                    </a:p>
+                  </a:txBody>
+                  <a:tcPr marL="73025" marR="73025" marT="0" marB="0" anchor="ctr"/>
+                </a:tc>
+                <a:tc>
+                  <a:txBody>
+                    <a:bodyPr/>
+                    <a:lstStyle/>
+                    <a:p>
+                      <a:pPr algn="ctr">
+                        <a:lnSpc>
+                          <a:spcPct val="106000"/>
+                        </a:lnSpc>
+                        <a:spcAft>
+                          <a:spcPts val="0"/>
+                        </a:spcAft>
+                      </a:pPr>
+                      <a:r>
+                        <a:rPr lang="en-US" sz="1200">
+                          <a:effectLst/>
+                        </a:rPr>
+                        <a:t>2</a:t>
+                      </a:r>
+                      <a:endParaRPr lang="ru-RU" sz="1100">
+                        <a:effectLst/>
+                        <a:latin typeface="Calibri" panose="020F0502020204030204" pitchFamily="34" charset="0"/>
+                        <a:ea typeface="Calibri" panose="020F0502020204030204" pitchFamily="34" charset="0"/>
+                        <a:cs typeface="Times New Roman" panose="02020603050405020304" pitchFamily="18" charset="0"/>
+                      </a:endParaRPr>
+                    </a:p>
+                  </a:txBody>
+                  <a:tcPr marL="73025" marR="73025" marT="0" marB="0" anchor="ctr"/>
+                </a:tc>
+                <a:extLst>
+                  <a:ext uri="{0D108BD9-81ED-4DB2-BD59-A6C34878D82A}">
+                    <a16:rowId xmlns:a16="http://schemas.microsoft.com/office/drawing/2014/main" val="1839067615"/>
+                  </a:ext>
+                </a:extLst>
+              </a:tr>
+              <a:tr h="316829">
+                <a:tc>
+                  <a:txBody>
+                    <a:bodyPr/>
+                    <a:lstStyle/>
+                    <a:p>
+                      <a:pPr algn="ctr">
+                        <a:lnSpc>
+                          <a:spcPct val="106000"/>
+                        </a:lnSpc>
+                        <a:spcAft>
+                          <a:spcPts val="0"/>
+                        </a:spcAft>
+                      </a:pPr>
+                      <a:r>
+                        <a:rPr lang="ru-RU" sz="1400" dirty="0">
+                          <a:effectLst/>
+                        </a:rPr>
+                        <a:t>Эксперт 5</a:t>
+                      </a:r>
+                      <a:endParaRPr lang="ru-RU" sz="1100" dirty="0">
+                        <a:effectLst/>
+                        <a:latin typeface="Calibri" panose="020F0502020204030204" pitchFamily="34" charset="0"/>
+                        <a:ea typeface="Calibri" panose="020F0502020204030204" pitchFamily="34" charset="0"/>
+                        <a:cs typeface="Times New Roman" panose="02020603050405020304" pitchFamily="18" charset="0"/>
+                      </a:endParaRPr>
+                    </a:p>
+                  </a:txBody>
+                  <a:tcPr marL="73025" marR="73025" marT="0" marB="0" anchor="ctr"/>
+                </a:tc>
+                <a:tc>
+                  <a:txBody>
+                    <a:bodyPr/>
+                    <a:lstStyle/>
+                    <a:p>
+                      <a:pPr algn="ctr">
+                        <a:lnSpc>
+                          <a:spcPct val="106000"/>
+                        </a:lnSpc>
+                        <a:spcAft>
+                          <a:spcPts val="0"/>
+                        </a:spcAft>
+                      </a:pPr>
+                      <a:r>
+                        <a:rPr lang="en-US" sz="1200">
+                          <a:effectLst/>
+                        </a:rPr>
+                        <a:t>1</a:t>
+                      </a:r>
+                      <a:endParaRPr lang="ru-RU" sz="1100">
+                        <a:effectLst/>
+                        <a:latin typeface="Calibri" panose="020F0502020204030204" pitchFamily="34" charset="0"/>
+                        <a:ea typeface="Calibri" panose="020F0502020204030204" pitchFamily="34" charset="0"/>
+                        <a:cs typeface="Times New Roman" panose="02020603050405020304" pitchFamily="18" charset="0"/>
+                      </a:endParaRPr>
+                    </a:p>
+                  </a:txBody>
+                  <a:tcPr marL="73025" marR="73025" marT="0" marB="0" anchor="ctr"/>
+                </a:tc>
+                <a:tc>
+                  <a:txBody>
+                    <a:bodyPr/>
+                    <a:lstStyle/>
+                    <a:p>
+                      <a:pPr algn="ctr">
+                        <a:lnSpc>
+                          <a:spcPct val="106000"/>
+                        </a:lnSpc>
+                        <a:spcAft>
+                          <a:spcPts val="0"/>
+                        </a:spcAft>
+                      </a:pPr>
+                      <a:r>
+                        <a:rPr lang="en-US" sz="1200">
+                          <a:effectLst/>
+                        </a:rPr>
+                        <a:t>2</a:t>
+                      </a:r>
+                      <a:endParaRPr lang="ru-RU" sz="1100">
+                        <a:effectLst/>
+                        <a:latin typeface="Calibri" panose="020F0502020204030204" pitchFamily="34" charset="0"/>
+                        <a:ea typeface="Calibri" panose="020F0502020204030204" pitchFamily="34" charset="0"/>
+                        <a:cs typeface="Times New Roman" panose="02020603050405020304" pitchFamily="18" charset="0"/>
+                      </a:endParaRPr>
+                    </a:p>
+                  </a:txBody>
+                  <a:tcPr marL="73025" marR="73025" marT="0" marB="0" anchor="ctr"/>
+                </a:tc>
+                <a:tc>
+                  <a:txBody>
+                    <a:bodyPr/>
+                    <a:lstStyle/>
+                    <a:p>
+                      <a:pPr algn="ctr">
+                        <a:lnSpc>
+                          <a:spcPct val="106000"/>
+                        </a:lnSpc>
+                        <a:spcAft>
+                          <a:spcPts val="0"/>
+                        </a:spcAft>
+                      </a:pPr>
+                      <a:r>
+                        <a:rPr lang="en-US" sz="1200" dirty="0">
+                          <a:effectLst/>
+                        </a:rPr>
+                        <a:t>1</a:t>
+                      </a:r>
+                      <a:endParaRPr lang="ru-RU" sz="1100" dirty="0">
+                        <a:effectLst/>
+                        <a:latin typeface="Calibri" panose="020F0502020204030204" pitchFamily="34" charset="0"/>
+                        <a:ea typeface="Calibri" panose="020F0502020204030204" pitchFamily="34" charset="0"/>
+                        <a:cs typeface="Times New Roman" panose="02020603050405020304" pitchFamily="18" charset="0"/>
+                      </a:endParaRPr>
+                    </a:p>
+                  </a:txBody>
+                  <a:tcPr marL="73025" marR="73025" marT="0" marB="0" anchor="ctr"/>
+                </a:tc>
+                <a:extLst>
+                  <a:ext uri="{0D108BD9-81ED-4DB2-BD59-A6C34878D82A}">
+                    <a16:rowId xmlns:a16="http://schemas.microsoft.com/office/drawing/2014/main" val="3648046027"/>
+                  </a:ext>
+                </a:extLst>
+              </a:tr>
+            </a:tbl>
+          </a:graphicData>
+        </a:graphic>
+      </p:graphicFrame>
+      <mc:AlternateContent xmlns:mc="http://schemas.openxmlformats.org/markup-compatibility/2006">
+        <mc:Choice xmlns:a14="http://schemas.microsoft.com/office/drawing/2010/main" Requires="a14">
+          <p:sp>
+            <p:nvSpPr>
+              <p:cNvPr id="13" name="Прямоугольник 12"/>
+              <p:cNvSpPr/>
+              <p:nvPr/>
+            </p:nvSpPr>
+            <p:spPr>
+              <a:xfrm>
+                <a:off x="4560599" y="4021493"/>
+                <a:ext cx="3203510" cy="967444"/>
+              </a:xfrm>
+              <a:prstGeom prst="rect">
+                <a:avLst/>
+              </a:prstGeom>
+            </p:spPr>
+            <p:txBody>
+              <a:bodyPr wrap="square">
+                <a:spAutoFit/>
+              </a:bodyPr>
+              <a:lstStyle/>
+              <a:p>
+                <a14:m>
+                  <m:oMathPara xmlns:m="http://schemas.openxmlformats.org/officeDocument/2006/math">
+                    <m:oMathParaPr>
+                      <m:jc m:val="centerGroup"/>
+                    </m:oMathParaPr>
+                    <m:oMath xmlns:m="http://schemas.openxmlformats.org/officeDocument/2006/math">
+                      <m:r>
+                        <a:rPr lang="ru-RU" sz="2000" i="1">
+                          <a:latin typeface="Cambria Math" panose="02040503050406030204" pitchFamily="18" charset="0"/>
+                        </a:rPr>
+                        <m:t>𝑥</m:t>
+                      </m:r>
+                      <m:r>
+                        <a:rPr lang="ru-RU" sz="2000" i="0">
+                          <a:latin typeface="Cambria Math" panose="02040503050406030204" pitchFamily="18" charset="0"/>
+                        </a:rPr>
+                        <m:t>= </m:t>
+                      </m:r>
+                      <m:nary>
+                        <m:naryPr>
+                          <m:chr m:val="∑"/>
+                          <m:limLoc m:val="undOvr"/>
+                          <m:ctrlPr>
+                            <a:rPr lang="ru-RU" sz="2000" i="1">
+                              <a:latin typeface="Cambria Math" panose="02040503050406030204" pitchFamily="18" charset="0"/>
+                            </a:rPr>
+                          </m:ctrlPr>
+                        </m:naryPr>
+                        <m:sub>
+                          <m:r>
+                            <a:rPr lang="ru-RU" sz="2000" i="1">
+                              <a:latin typeface="Cambria Math" panose="02040503050406030204" pitchFamily="18" charset="0"/>
+                            </a:rPr>
+                            <m:t>𝑗</m:t>
+                          </m:r>
+                          <m:r>
+                            <a:rPr lang="ru-RU" sz="2000" i="0">
+                              <a:latin typeface="Cambria Math" panose="02040503050406030204" pitchFamily="18" charset="0"/>
+                            </a:rPr>
+                            <m:t>=1</m:t>
+                          </m:r>
+                        </m:sub>
+                        <m:sup>
+                          <m:r>
+                            <a:rPr lang="ru-RU" sz="2000" i="1">
+                              <a:latin typeface="Cambria Math" panose="02040503050406030204" pitchFamily="18" charset="0"/>
+                            </a:rPr>
+                            <m:t>𝑛</m:t>
+                          </m:r>
+                        </m:sup>
+                        <m:e>
+                          <m:sSub>
+                            <m:sSubPr>
+                              <m:ctrlPr>
+                                <a:rPr lang="ru-RU" sz="2000" i="1">
+                                  <a:latin typeface="Cambria Math" panose="02040503050406030204" pitchFamily="18" charset="0"/>
+                                </a:rPr>
+                              </m:ctrlPr>
+                            </m:sSubPr>
+                            <m:e>
+                              <m:r>
+                                <a:rPr lang="ru-RU" sz="2000" i="1">
+                                  <a:latin typeface="Cambria Math" panose="02040503050406030204" pitchFamily="18" charset="0"/>
+                                </a:rPr>
+                                <m:t>𝑋</m:t>
+                              </m:r>
+                            </m:e>
+                            <m:sub>
+                              <m:r>
+                                <a:rPr lang="ru-RU" sz="2000" i="1">
+                                  <a:latin typeface="Cambria Math" panose="02040503050406030204" pitchFamily="18" charset="0"/>
+                                </a:rPr>
+                                <m:t>𝑗</m:t>
+                              </m:r>
+                            </m:sub>
+                          </m:sSub>
+                          <m:r>
+                            <a:rPr lang="ru-RU" sz="2000" i="0">
+                              <a:latin typeface="Cambria Math" panose="02040503050406030204" pitchFamily="18" charset="0"/>
+                            </a:rPr>
+                            <m:t>∗ </m:t>
+                          </m:r>
+                          <m:sSub>
+                            <m:sSubPr>
+                              <m:ctrlPr>
+                                <a:rPr lang="ru-RU" sz="2000" i="1">
+                                  <a:latin typeface="Cambria Math" panose="02040503050406030204" pitchFamily="18" charset="0"/>
+                                </a:rPr>
+                              </m:ctrlPr>
+                            </m:sSubPr>
+                            <m:e>
+                              <m:r>
+                                <a:rPr lang="ru-RU" sz="2000" i="1" smtClean="0">
+                                  <a:latin typeface="Cambria Math" panose="02040503050406030204" pitchFamily="18" charset="0"/>
+                                  <a:ea typeface="Cambria Math" panose="02040503050406030204" pitchFamily="18" charset="0"/>
+                                </a:rPr>
+                                <m:t>𝛽</m:t>
+                              </m:r>
+                            </m:e>
+                            <m:sub>
+                              <m:r>
+                                <a:rPr lang="ru-RU" sz="2000" i="1">
+                                  <a:latin typeface="Cambria Math" panose="02040503050406030204" pitchFamily="18" charset="0"/>
+                                </a:rPr>
+                                <m:t>𝑗</m:t>
+                              </m:r>
+                              <m:r>
+                                <a:rPr lang="ru-RU" sz="2000" i="0">
+                                  <a:latin typeface="Cambria Math" panose="02040503050406030204" pitchFamily="18" charset="0"/>
+                                </a:rPr>
+                                <m:t> </m:t>
+                              </m:r>
+                            </m:sub>
+                          </m:sSub>
+                        </m:e>
+                      </m:nary>
+                      <m:r>
+                        <a:rPr lang="ru-RU" sz="2000" i="0">
+                          <a:latin typeface="Cambria Math" panose="02040503050406030204" pitchFamily="18" charset="0"/>
+                        </a:rPr>
+                        <m:t>=4,667</m:t>
+                      </m:r>
+                    </m:oMath>
+                  </m:oMathPara>
+                </a14:m>
+                <a:endParaRPr lang="ru-RU" sz="2000" dirty="0"/>
+              </a:p>
+            </p:txBody>
+          </p:sp>
+        </mc:Choice>
+        <mc:Fallback>
+          <p:sp>
+            <p:nvSpPr>
+              <p:cNvPr id="13" name="Прямоугольник 12"/>
+              <p:cNvSpPr>
+                <a:spLocks noRot="1" noChangeAspect="1" noMove="1" noResize="1" noEditPoints="1" noAdjustHandles="1" noChangeArrowheads="1" noChangeShapeType="1" noTextEdit="1"/>
+              </p:cNvSpPr>
+              <p:nvPr/>
+            </p:nvSpPr>
+            <p:spPr>
+              <a:xfrm>
+                <a:off x="4560599" y="4021493"/>
+                <a:ext cx="3203510" cy="967444"/>
+              </a:xfrm>
+              <a:prstGeom prst="rect">
+                <a:avLst/>
+              </a:prstGeom>
+              <a:blipFill>
+                <a:blip r:embed="rId4"/>
+                <a:stretch>
+                  <a:fillRect/>
+                </a:stretch>
+              </a:blipFill>
+            </p:spPr>
+            <p:txBody>
+              <a:bodyPr/>
+              <a:lstStyle/>
+              <a:p>
+                <a:r>
+                  <a:rPr lang="ru-RU">
+                    <a:noFill/>
+                  </a:rPr>
+                  <a:t> </a:t>
+                </a:r>
+              </a:p>
+            </p:txBody>
+          </p:sp>
+        </mc:Fallback>
+      </mc:AlternateContent>
     </p:spTree>
     <p:extLst>
       <p:ext uri="{BB962C8B-B14F-4D97-AF65-F5344CB8AC3E}">
@@ -3236,7 +8605,7 @@
 </p:sld>
 </file>
 
-<file path=ppt/slides/slide19.xml><?xml version="1.0" encoding="utf-8"?>
+<file path=ppt/slides/slide15.xml><?xml version="1.0" encoding="utf-8"?>
 <p:sld xmlns:a="http://schemas.openxmlformats.org/drawingml/2006/main" xmlns:r="http://schemas.openxmlformats.org/officeDocument/2006/relationships" xmlns:p="http://schemas.openxmlformats.org/presentationml/2006/main">
   <p:cSld>
     <p:spTree>
@@ -3440,7 +8809,7 @@
             <a:fld id="{EF717E07-C66C-6149-98B7-03ADCD069AD7}" type="slidenum">
               <a:rPr lang="ru-RU" smtClean="0"/>
               <a:pPr/>
-              <a:t>19</a:t>
+              <a:t>15</a:t>
             </a:fld>
             <a:endParaRPr lang="ru-RU"/>
           </a:p>
@@ -3583,40 +8952,27 @@
           <a:p>
             <a:r>
               <a:rPr lang="ru-RU" sz="2400" dirty="0" smtClean="0"/>
-              <a:t>Разработать оптимальный подход к решению проблем автоматизации тестирования</a:t>
-            </a:r>
+              <a:t>Предложить оптимальный подход к решению проблем автоматизации тестирования</a:t>
+            </a:r>
+            <a:endParaRPr lang="en-US" sz="2400" dirty="0" smtClean="0"/>
           </a:p>
           <a:p>
             <a:r>
               <a:rPr lang="ru-RU" sz="2400" dirty="0" smtClean="0"/>
-              <a:t>Реализовать </a:t>
+              <a:t>Разработать архитектуру модулей будущего </a:t>
             </a:r>
             <a:r>
               <a:rPr lang="ru-RU" sz="2400" dirty="0" err="1" smtClean="0"/>
-              <a:t>фреймворк</a:t>
-            </a:r>
-            <a:r>
-              <a:rPr lang="ru-RU" sz="2400" dirty="0" smtClean="0"/>
-              <a:t> для создания </a:t>
-            </a:r>
-            <a:r>
-              <a:rPr lang="ru-RU" sz="2400" dirty="0" err="1" smtClean="0"/>
-              <a:t>автотестов</a:t>
+              <a:t>фреймворка</a:t>
             </a:r>
             <a:endParaRPr lang="ru-RU" sz="2400" dirty="0" smtClean="0"/>
           </a:p>
           <a:p>
             <a:r>
               <a:rPr lang="ru-RU" sz="2400" dirty="0" smtClean="0"/>
-              <a:t>Продемонстрировать контрольный пример</a:t>
-            </a:r>
-          </a:p>
-          <a:p>
-            <a:r>
-              <a:rPr lang="ru-RU" sz="2400" dirty="0" smtClean="0"/>
-              <a:t>Продемонстрировать полученные отчёты о проведённом тестировании</a:t>
-            </a:r>
-            <a:endParaRPr lang="ru-RU" sz="2400" dirty="0"/>
+              <a:t>Разработать типовую модель автоматизированных тестов на контрольном примере</a:t>
+            </a:r>
+            <a:endParaRPr lang="ru-RU" sz="2400" dirty="0" smtClean="0"/>
           </a:p>
         </p:txBody>
       </p:sp>
@@ -3704,7 +9060,7 @@
           <a:p>
             <a:r>
               <a:rPr lang="ru-RU" dirty="0" smtClean="0"/>
-              <a:t>Что такое автоматизированное тестирование?</a:t>
+              <a:t>Тестирование и его место в цикле разработки</a:t>
             </a:r>
             <a:endParaRPr lang="ru-RU" dirty="0"/>
           </a:p>
@@ -3734,49 +9090,9 @@
           </a:p>
         </p:txBody>
       </p:sp>
-      <p:sp>
-        <p:nvSpPr>
-          <p:cNvPr id="3" name="Объект 2"/>
-          <p:cNvSpPr>
-            <a:spLocks noGrp="1"/>
-          </p:cNvSpPr>
-          <p:nvPr>
-            <p:ph idx="1"/>
-          </p:nvPr>
-        </p:nvSpPr>
-        <p:spPr/>
-        <p:txBody>
-          <a:bodyPr/>
-          <a:lstStyle/>
-          <a:p>
-            <a:r>
-              <a:rPr lang="ru-RU" dirty="0" smtClean="0"/>
-              <a:t>Автоматизированное тестирование – это программа, которая проверяет работу сайтов, мобильных приложений, баз данных, </a:t>
-            </a:r>
-            <a:r>
-              <a:rPr lang="en-US" dirty="0" smtClean="0"/>
-              <a:t>API</a:t>
-            </a:r>
-            <a:r>
-              <a:rPr lang="ru-RU" dirty="0"/>
-              <a:t> </a:t>
-            </a:r>
-            <a:r>
-              <a:rPr lang="ru-RU" dirty="0" smtClean="0"/>
-              <a:t>и пользовательских интерфейсов.</a:t>
-            </a:r>
-          </a:p>
-          <a:p>
-            <a:r>
-              <a:rPr lang="ru-RU" dirty="0" smtClean="0"/>
-              <a:t>Возможности автоматизированных тестов очень широки.</a:t>
-            </a:r>
-          </a:p>
-        </p:txBody>
-      </p:sp>
       <p:pic>
         <p:nvPicPr>
-          <p:cNvPr id="7" name="Рисунок 6"/>
+          <p:cNvPr id="9" name="Рисунок 8"/>
           <p:cNvPicPr>
             <a:picLocks noChangeAspect="1"/>
           </p:cNvPicPr>
@@ -3790,8 +9106,8 @@
         </p:blipFill>
         <p:spPr>
           <a:xfrm>
-            <a:off x="695688" y="3475395"/>
-            <a:ext cx="11123945" cy="2468206"/>
+            <a:off x="952441" y="827279"/>
+            <a:ext cx="10184667" cy="5560161"/>
           </a:xfrm>
           <a:prstGeom prst="rect">
             <a:avLst/>
@@ -3845,19 +9161,14 @@
             <p:ph type="title"/>
           </p:nvPr>
         </p:nvSpPr>
-        <p:spPr>
-          <a:xfrm>
-            <a:off x="685800" y="319731"/>
-            <a:ext cx="11248053" cy="506896"/>
-          </a:xfrm>
-        </p:spPr>
+        <p:spPr/>
         <p:txBody>
           <a:bodyPr/>
           <a:lstStyle/>
           <a:p>
             <a:r>
               <a:rPr lang="ru-RU" dirty="0" smtClean="0"/>
-              <a:t>Преимущества автоматизированного тестирования</a:t>
+              <a:t>Что такое автоматизированное тестирование?</a:t>
             </a:r>
             <a:endParaRPr lang="ru-RU" dirty="0"/>
           </a:p>
@@ -3883,7 +9194,7 @@
               <a:pPr/>
               <a:t>4</a:t>
             </a:fld>
-            <a:endParaRPr lang="ru-RU"/>
+            <a:endParaRPr lang="ru-RU" dirty="0"/>
           </a:p>
         </p:txBody>
       </p:sp>
@@ -3903,97 +9214,58 @@
           <a:lstStyle/>
           <a:p>
             <a:r>
+              <a:rPr lang="ru-RU" dirty="0" smtClean="0"/>
+              <a:t>Автоматизированное тестирование – это программа, которая проверяет работу сайтов, мобильных приложений, баз данных, </a:t>
+            </a:r>
+            <a:r>
+              <a:rPr lang="en-US" dirty="0" smtClean="0"/>
+              <a:t>API</a:t>
+            </a:r>
+            <a:r>
               <a:rPr lang="ru-RU" dirty="0"/>
-              <a:t>А</a:t>
+              <a:t> </a:t>
             </a:r>
             <a:r>
               <a:rPr lang="ru-RU" dirty="0" smtClean="0"/>
-              <a:t>втоматизированные </a:t>
-            </a:r>
-            <a:r>
-              <a:rPr lang="ru-RU" dirty="0"/>
-              <a:t>тесты работают быстрее любого </a:t>
-            </a:r>
-            <a:r>
-              <a:rPr lang="ru-RU" dirty="0" smtClean="0"/>
-              <a:t>человека.</a:t>
+              <a:t>и пользовательских интерфейсов.</a:t>
             </a:r>
           </a:p>
           <a:p>
-            <a:r>
-              <a:rPr lang="ru-RU" dirty="0" smtClean="0"/>
-              <a:t>Работают </a:t>
-            </a:r>
-            <a:r>
-              <a:rPr lang="ru-RU" dirty="0"/>
-              <a:t>одновременно, в асинхронном режиме</a:t>
-            </a:r>
-            <a:r>
-              <a:rPr lang="ru-RU" dirty="0" smtClean="0"/>
-              <a:t>.</a:t>
-            </a:r>
-          </a:p>
-          <a:p>
-            <a:pPr lvl="0"/>
-            <a:r>
-              <a:rPr lang="ru-RU" dirty="0" smtClean="0"/>
-              <a:t>Не </a:t>
-            </a:r>
-            <a:r>
-              <a:rPr lang="ru-RU" dirty="0"/>
-              <a:t>имеют человеческого фактора - безошибочны</a:t>
-            </a:r>
-            <a:r>
-              <a:rPr lang="ru-RU" dirty="0" smtClean="0"/>
-              <a:t>.</a:t>
-            </a:r>
-          </a:p>
-          <a:p>
-            <a:r>
-              <a:rPr lang="ru-RU" dirty="0" smtClean="0"/>
-              <a:t>Легко </a:t>
-            </a:r>
-            <a:r>
-              <a:rPr lang="ru-RU" dirty="0"/>
-              <a:t>поддерживать, есть возможность гибкой настройки</a:t>
-            </a:r>
-            <a:r>
-              <a:rPr lang="ru-RU" dirty="0" smtClean="0"/>
-              <a:t>.</a:t>
-            </a:r>
-          </a:p>
-          <a:p>
-            <a:pPr lvl="0"/>
-            <a:r>
-              <a:rPr lang="ru-RU" dirty="0" smtClean="0"/>
-              <a:t>М</a:t>
-            </a:r>
-            <a:r>
-              <a:rPr lang="ru-RU" dirty="0"/>
-              <a:t>ожно быстро выполнять полное тестирование </a:t>
-            </a:r>
-            <a:r>
-              <a:rPr lang="ru-RU" dirty="0" smtClean="0"/>
-              <a:t>любой версии приложения.</a:t>
-            </a:r>
-            <a:endParaRPr lang="ru-RU" dirty="0"/>
-          </a:p>
-          <a:p>
-            <a:endParaRPr lang="ru-RU" dirty="0"/>
-          </a:p>
-          <a:p>
-            <a:pPr lvl="0"/>
-            <a:endParaRPr lang="ru-RU" dirty="0"/>
-          </a:p>
-          <a:p>
-            <a:endParaRPr lang="ru-RU" dirty="0"/>
+            <a:pPr marL="0" indent="0">
+              <a:buNone/>
+            </a:pPr>
+            <a:endParaRPr lang="ru-RU" dirty="0" smtClean="0"/>
           </a:p>
         </p:txBody>
       </p:sp>
+      <p:pic>
+        <p:nvPicPr>
+          <p:cNvPr id="7" name="Рисунок 6"/>
+          <p:cNvPicPr>
+            <a:picLocks noChangeAspect="1"/>
+          </p:cNvPicPr>
+          <p:nvPr/>
+        </p:nvPicPr>
+        <p:blipFill>
+          <a:blip r:embed="rId2"/>
+          <a:stretch>
+            <a:fillRect/>
+          </a:stretch>
+        </p:blipFill>
+        <p:spPr>
+          <a:xfrm>
+            <a:off x="487044" y="3475395"/>
+            <a:ext cx="11123945" cy="2468206"/>
+          </a:xfrm>
+          <a:prstGeom prst="rect">
+            <a:avLst/>
+          </a:prstGeom>
+        </p:spPr>
+      </p:pic>
     </p:spTree>
     <p:extLst>
       <p:ext uri="{BB962C8B-B14F-4D97-AF65-F5344CB8AC3E}">
-        <p14:creationId xmlns:p14="http://schemas.microsoft.com/office/powerpoint/2010/main" val="82060962"/>
+        <p14:creationId xmlns:p14="http://schemas.microsoft.com/office/powerpoint/2010/main" val="2995943153"/>
       </p:ext>
     </p:extLst>
   </p:cSld>
@@ -4039,8 +9311,8 @@
         </p:nvSpPr>
         <p:spPr>
           <a:xfrm>
-            <a:off x="685801" y="319731"/>
-            <a:ext cx="10753530" cy="506896"/>
+            <a:off x="685800" y="319731"/>
+            <a:ext cx="11248053" cy="506896"/>
           </a:xfrm>
         </p:spPr>
         <p:txBody>
@@ -4049,62 +9321,8 @@
           <a:p>
             <a:r>
               <a:rPr lang="ru-RU" dirty="0" smtClean="0"/>
-              <a:t>Недостатки автоматизированного тестирования</a:t>
-            </a:r>
-            <a:endParaRPr lang="ru-RU" dirty="0"/>
-          </a:p>
-        </p:txBody>
-      </p:sp>
-      <p:sp>
-        <p:nvSpPr>
-          <p:cNvPr id="3" name="Объект 2"/>
-          <p:cNvSpPr>
-            <a:spLocks noGrp="1"/>
-          </p:cNvSpPr>
-          <p:nvPr>
-            <p:ph idx="1"/>
-          </p:nvPr>
-        </p:nvSpPr>
-        <p:spPr/>
-        <p:txBody>
-          <a:bodyPr>
-            <a:normAutofit/>
-          </a:bodyPr>
-          <a:lstStyle/>
-          <a:p>
-            <a:pPr lvl="0"/>
-            <a:r>
-              <a:rPr lang="ru-RU" dirty="0" smtClean="0"/>
-              <a:t>На разработку </a:t>
-            </a:r>
-            <a:r>
-              <a:rPr lang="ru-RU" dirty="0"/>
-              <a:t>автоматизированных тестов уходит много времени</a:t>
-            </a:r>
-            <a:r>
-              <a:rPr lang="ru-RU" dirty="0" smtClean="0"/>
-              <a:t>.</a:t>
-            </a:r>
-          </a:p>
-          <a:p>
-            <a:pPr lvl="0"/>
-            <a:r>
-              <a:rPr lang="ru-RU" dirty="0" smtClean="0"/>
-              <a:t>Специалисты по автоматизированному тестированию редкие, очень востребованные и дорогие.</a:t>
-            </a:r>
-          </a:p>
-          <a:p>
-            <a:pPr lvl="0"/>
-            <a:r>
-              <a:rPr lang="ru-RU" dirty="0" smtClean="0"/>
-              <a:t>В крупных компаниях сильный дефицит специалистов по автоматизированному тестированию.</a:t>
-            </a:r>
-            <a:endParaRPr lang="ru-RU" dirty="0"/>
-          </a:p>
-          <a:p>
-            <a:pPr marL="0" indent="0">
-              <a:buNone/>
-            </a:pPr>
+              <a:t>Преимущества автоматизированного тестирования</a:t>
+            </a:r>
             <a:endParaRPr lang="ru-RU" dirty="0"/>
           </a:p>
         </p:txBody>
@@ -4133,10 +9351,106 @@
           </a:p>
         </p:txBody>
       </p:sp>
+      <p:sp>
+        <p:nvSpPr>
+          <p:cNvPr id="3" name="Объект 2"/>
+          <p:cNvSpPr>
+            <a:spLocks noGrp="1"/>
+          </p:cNvSpPr>
+          <p:nvPr>
+            <p:ph idx="1"/>
+          </p:nvPr>
+        </p:nvSpPr>
+        <p:spPr/>
+        <p:txBody>
+          <a:bodyPr/>
+          <a:lstStyle/>
+          <a:p>
+            <a:pPr marL="0" indent="0">
+              <a:buNone/>
+            </a:pPr>
+            <a:r>
+              <a:rPr lang="ru-RU" dirty="0" smtClean="0"/>
+              <a:t>Автоматизированные тесты: </a:t>
+            </a:r>
+          </a:p>
+          <a:p>
+            <a:r>
+              <a:rPr lang="ru-RU" dirty="0" smtClean="0"/>
+              <a:t>Скорость работы тестов гораздо выше, чем у человека</a:t>
+            </a:r>
+            <a:r>
+              <a:rPr lang="en-US" dirty="0" smtClean="0"/>
+              <a:t>;</a:t>
+            </a:r>
+            <a:endParaRPr lang="ru-RU" dirty="0" smtClean="0"/>
+          </a:p>
+          <a:p>
+            <a:r>
+              <a:rPr lang="ru-RU" dirty="0" smtClean="0"/>
+              <a:t>Тесты работают одновременно</a:t>
+            </a:r>
+            <a:r>
+              <a:rPr lang="ru-RU" dirty="0"/>
+              <a:t>, в асинхронном </a:t>
+            </a:r>
+            <a:r>
+              <a:rPr lang="ru-RU" dirty="0" smtClean="0"/>
+              <a:t>режиме</a:t>
+            </a:r>
+            <a:r>
+              <a:rPr lang="en-US" dirty="0"/>
+              <a:t>;</a:t>
+            </a:r>
+            <a:endParaRPr lang="ru-RU" dirty="0" smtClean="0"/>
+          </a:p>
+          <a:p>
+            <a:pPr lvl="0"/>
+            <a:r>
+              <a:rPr lang="ru-RU" dirty="0" smtClean="0"/>
+              <a:t>Отсутствие влияния человеческого фактора</a:t>
+            </a:r>
+            <a:r>
+              <a:rPr lang="en-US" dirty="0" smtClean="0"/>
+              <a:t>;</a:t>
+            </a:r>
+            <a:endParaRPr lang="ru-RU" dirty="0" smtClean="0"/>
+          </a:p>
+          <a:p>
+            <a:r>
+              <a:rPr lang="ru-RU" dirty="0" smtClean="0"/>
+              <a:t>Возможность гибкой настройки и простоты технической поддержки</a:t>
+            </a:r>
+            <a:r>
+              <a:rPr lang="en-US" dirty="0" smtClean="0"/>
+              <a:t>;</a:t>
+            </a:r>
+            <a:endParaRPr lang="ru-RU" dirty="0" smtClean="0"/>
+          </a:p>
+          <a:p>
+            <a:pPr lvl="0"/>
+            <a:r>
+              <a:rPr lang="ru-RU" dirty="0" smtClean="0"/>
+              <a:t>Возможность быстрого выполнения тестирования приложения целиком.</a:t>
+            </a:r>
+            <a:endParaRPr lang="ru-RU" dirty="0"/>
+          </a:p>
+          <a:p>
+            <a:endParaRPr lang="ru-RU" dirty="0"/>
+          </a:p>
+          <a:p>
+            <a:pPr lvl="0"/>
+            <a:endParaRPr lang="ru-RU" dirty="0"/>
+          </a:p>
+          <a:p>
+            <a:endParaRPr lang="ru-RU" dirty="0"/>
+          </a:p>
+        </p:txBody>
+      </p:sp>
     </p:spTree>
     <p:extLst>
       <p:ext uri="{BB962C8B-B14F-4D97-AF65-F5344CB8AC3E}">
-        <p14:creationId xmlns:p14="http://schemas.microsoft.com/office/powerpoint/2010/main" val="3260890645"/>
+        <p14:creationId xmlns:p14="http://schemas.microsoft.com/office/powerpoint/2010/main" val="82060962"/>
       </p:ext>
     </p:extLst>
   </p:cSld>
@@ -4234,33 +9548,113 @@
         </p:nvSpPr>
         <p:spPr/>
         <p:txBody>
-          <a:bodyPr/>
+          <a:bodyPr>
+            <a:normAutofit/>
+          </a:bodyPr>
           <a:lstStyle/>
           <a:p>
             <a:r>
-              <a:rPr lang="ru-RU" dirty="0" smtClean="0"/>
+              <a:rPr lang="ru-RU" sz="1800" dirty="0" smtClean="0"/>
               <a:t>Специалисты по ручному тестированию передают тестовые сценарии на автоматизацию.</a:t>
             </a:r>
           </a:p>
           <a:p>
             <a:r>
-              <a:rPr lang="ru-RU" dirty="0"/>
+              <a:rPr lang="ru-RU" sz="1800" dirty="0"/>
               <a:t>Специалисты по </a:t>
             </a:r>
             <a:r>
-              <a:rPr lang="ru-RU" dirty="0" smtClean="0"/>
+              <a:rPr lang="ru-RU" sz="1800" dirty="0" smtClean="0"/>
               <a:t>автоматизированному тестированию разрабатывают авто-тесты, далее получают новые сценарии к реализации.</a:t>
             </a:r>
           </a:p>
           <a:p>
             <a:r>
-              <a:rPr lang="ru-RU" dirty="0" smtClean="0"/>
+              <a:rPr lang="ru-RU" sz="1800" dirty="0" smtClean="0"/>
               <a:t>Таким образом происходит уменьшение ручных тестов в пользу автоматизированных.</a:t>
             </a:r>
-            <a:endParaRPr lang="ru-RU" dirty="0"/>
+            <a:endParaRPr lang="ru-RU" sz="1800" dirty="0"/>
           </a:p>
         </p:txBody>
       </p:sp>
+      <p:pic>
+        <p:nvPicPr>
+          <p:cNvPr id="2050" name="Picture 2" descr="https://imgr.whimsical.com/object/6mZuFBrywTUmQSxA9XE6zX"/>
+          <p:cNvPicPr>
+            <a:picLocks noChangeAspect="1" noChangeArrowheads="1"/>
+          </p:cNvPicPr>
+          <p:nvPr/>
+        </p:nvPicPr>
+        <p:blipFill rotWithShape="1">
+          <a:blip r:embed="rId2">
+            <a:extLst>
+              <a:ext uri="{28A0092B-C50C-407E-A947-70E740481C1C}">
+                <a14:useLocalDpi xmlns:a14="http://schemas.microsoft.com/office/drawing/2010/main" val="0"/>
+              </a:ext>
+            </a:extLst>
+          </a:blip>
+          <a:srcRect r="10966"/>
+          <a:stretch/>
+        </p:blipFill>
+        <p:spPr bwMode="auto">
+          <a:xfrm>
+            <a:off x="304800" y="2673544"/>
+            <a:ext cx="5826304" cy="3424645"/>
+          </a:xfrm>
+          <a:prstGeom prst="rect">
+            <a:avLst/>
+          </a:prstGeom>
+          <a:noFill/>
+          <a:extLst>
+            <a:ext uri="{909E8E84-426E-40DD-AFC4-6F175D3DCCD1}">
+              <a14:hiddenFill xmlns:a14="http://schemas.microsoft.com/office/drawing/2010/main">
+                <a:solidFill>
+                  <a:srgbClr val="FFFFFF"/>
+                </a:solidFill>
+              </a14:hiddenFill>
+            </a:ext>
+          </a:extLst>
+        </p:spPr>
+      </p:pic>
+      <p:pic>
+        <p:nvPicPr>
+          <p:cNvPr id="2052" name="Picture 4" descr="https://imgr.whimsical.com/object/J66D9DPc4o1YavzUWxCRTq"/>
+          <p:cNvPicPr>
+            <a:picLocks noChangeAspect="1" noChangeArrowheads="1"/>
+          </p:cNvPicPr>
+          <p:nvPr/>
+        </p:nvPicPr>
+        <p:blipFill rotWithShape="1">
+          <a:blip r:embed="rId3">
+            <a:extLst>
+              <a:ext uri="{28A0092B-C50C-407E-A947-70E740481C1C}">
+                <a14:useLocalDpi xmlns:a14="http://schemas.microsoft.com/office/drawing/2010/main" val="0"/>
+              </a:ext>
+            </a:extLst>
+          </a:blip>
+          <a:srcRect r="24675"/>
+          <a:stretch/>
+        </p:blipFill>
+        <p:spPr bwMode="auto">
+          <a:xfrm>
+            <a:off x="6266068" y="2673544"/>
+            <a:ext cx="5553565" cy="3858440"/>
+          </a:xfrm>
+          <a:prstGeom prst="rect">
+            <a:avLst/>
+          </a:prstGeom>
+          <a:noFill/>
+          <a:extLst>
+            <a:ext uri="{909E8E84-426E-40DD-AFC4-6F175D3DCCD1}">
+              <a14:hiddenFill xmlns:a14="http://schemas.microsoft.com/office/drawing/2010/main">
+                <a:solidFill>
+                  <a:srgbClr val="FFFFFF"/>
+                </a:solidFill>
+              </a14:hiddenFill>
+            </a:ext>
+          </a:extLst>
+        </p:spPr>
+      </p:pic>
     </p:spTree>
     <p:extLst>
       <p:ext uri="{BB962C8B-B14F-4D97-AF65-F5344CB8AC3E}">
@@ -4311,7 +9705,7 @@
         <p:spPr>
           <a:xfrm>
             <a:off x="685801" y="319731"/>
-            <a:ext cx="10829434" cy="506896"/>
+            <a:ext cx="11667930" cy="506896"/>
           </a:xfrm>
         </p:spPr>
         <p:txBody>
@@ -4320,7 +9714,15 @@
           <a:p>
             <a:r>
               <a:rPr lang="ru-RU" dirty="0" smtClean="0"/>
-              <a:t>Нюансы перехода от ручного к автоматическому</a:t>
+              <a:t>Переход </a:t>
+            </a:r>
+            <a:r>
+              <a:rPr lang="ru-RU" dirty="0" smtClean="0"/>
+              <a:t>от </a:t>
+            </a:r>
+            <a:r>
+              <a:rPr lang="ru-RU" dirty="0" smtClean="0"/>
+              <a:t>ручного к авто-тестированию</a:t>
             </a:r>
             <a:endParaRPr lang="ru-RU" dirty="0"/>
           </a:p>
@@ -4428,29 +9830,6 @@
           <a:chExt cx="0" cy="0"/>
         </a:xfrm>
       </p:grpSpPr>
-      <p:pic>
-        <p:nvPicPr>
-          <p:cNvPr id="11" name="Рисунок 10"/>
-          <p:cNvPicPr>
-            <a:picLocks noChangeAspect="1"/>
-          </p:cNvPicPr>
-          <p:nvPr/>
-        </p:nvPicPr>
-        <p:blipFill rotWithShape="1">
-          <a:blip r:embed="rId2"/>
-          <a:srcRect l="61657"/>
-          <a:stretch/>
-        </p:blipFill>
-        <p:spPr>
-          <a:xfrm>
-            <a:off x="4706563" y="2145172"/>
-            <a:ext cx="2364540" cy="3863823"/>
-          </a:xfrm>
-          <a:prstGeom prst="rect">
-            <a:avLst/>
-          </a:prstGeom>
-        </p:spPr>
-      </p:pic>
       <p:sp>
         <p:nvSpPr>
           <p:cNvPr id="2" name="Заголовок 1"/>
@@ -4473,7 +9852,7 @@
           <a:p>
             <a:r>
               <a:rPr lang="ru-RU" dirty="0" smtClean="0"/>
-              <a:t>Нюансы перехода от ручного к автоматическому</a:t>
+              <a:t>Решение проблем внедрения авто-тестов </a:t>
             </a:r>
             <a:endParaRPr lang="ru-RU" dirty="0"/>
           </a:p>
@@ -4498,171 +9877,6 @@
               <a:rPr lang="ru-RU" smtClean="0"/>
               <a:pPr/>
               <a:t>8</a:t>
-            </a:fld>
-            <a:endParaRPr lang="ru-RU"/>
-          </a:p>
-        </p:txBody>
-      </p:sp>
-      <p:pic>
-        <p:nvPicPr>
-          <p:cNvPr id="12" name="Рисунок 11"/>
-          <p:cNvPicPr>
-            <a:picLocks noChangeAspect="1"/>
-          </p:cNvPicPr>
-          <p:nvPr/>
-        </p:nvPicPr>
-        <p:blipFill>
-          <a:blip r:embed="rId3"/>
-          <a:stretch>
-            <a:fillRect/>
-          </a:stretch>
-        </p:blipFill>
-        <p:spPr>
-          <a:xfrm>
-            <a:off x="362043" y="1813860"/>
-            <a:ext cx="4204521" cy="4195135"/>
-          </a:xfrm>
-          <a:prstGeom prst="rect">
-            <a:avLst/>
-          </a:prstGeom>
-        </p:spPr>
-      </p:pic>
-      <p:pic>
-        <p:nvPicPr>
-          <p:cNvPr id="13" name="Рисунок 12"/>
-          <p:cNvPicPr>
-            <a:picLocks noChangeAspect="1"/>
-          </p:cNvPicPr>
-          <p:nvPr/>
-        </p:nvPicPr>
-        <p:blipFill>
-          <a:blip r:embed="rId4"/>
-          <a:stretch>
-            <a:fillRect/>
-          </a:stretch>
-        </p:blipFill>
-        <p:spPr>
-          <a:xfrm>
-            <a:off x="7295078" y="1720143"/>
-            <a:ext cx="4304133" cy="4382567"/>
-          </a:xfrm>
-          <a:prstGeom prst="rect">
-            <a:avLst/>
-          </a:prstGeom>
-        </p:spPr>
-      </p:pic>
-      <p:sp>
-        <p:nvSpPr>
-          <p:cNvPr id="14" name="Объект 6"/>
-          <p:cNvSpPr>
-            <a:spLocks noGrp="1"/>
-          </p:cNvSpPr>
-          <p:nvPr>
-            <p:ph idx="1"/>
-          </p:nvPr>
-        </p:nvSpPr>
-        <p:spPr>
-          <a:xfrm>
-            <a:off x="487044" y="1193801"/>
-            <a:ext cx="10866756" cy="4749800"/>
-          </a:xfrm>
-        </p:spPr>
-        <p:txBody>
-          <a:bodyPr/>
-          <a:lstStyle/>
-          <a:p>
-            <a:r>
-              <a:rPr lang="ru-RU" dirty="0" smtClean="0"/>
-              <a:t>График слева плавно переходит в график справа.</a:t>
-            </a:r>
-            <a:endParaRPr lang="ru-RU" dirty="0"/>
-          </a:p>
-        </p:txBody>
-      </p:sp>
-    </p:spTree>
-    <p:extLst>
-      <p:ext uri="{BB962C8B-B14F-4D97-AF65-F5344CB8AC3E}">
-        <p14:creationId xmlns:p14="http://schemas.microsoft.com/office/powerpoint/2010/main" val="591923777"/>
-      </p:ext>
-    </p:extLst>
-  </p:cSld>
-  <p:clrMapOvr>
-    <a:masterClrMapping/>
-  </p:clrMapOvr>
-  <p:timing>
-    <p:tnLst>
-      <p:par>
-        <p:cTn id="1" dur="indefinite" restart="never" nodeType="tmRoot"/>
-      </p:par>
-    </p:tnLst>
-  </p:timing>
-</p:sld>
-</file>
-
-<file path=ppt/slides/slide9.xml><?xml version="1.0" encoding="utf-8"?>
-<p:sld xmlns:a="http://schemas.openxmlformats.org/drawingml/2006/main" xmlns:r="http://schemas.openxmlformats.org/officeDocument/2006/relationships" xmlns:p="http://schemas.openxmlformats.org/presentationml/2006/main">
-  <p:cSld>
-    <p:spTree>
-      <p:nvGrpSpPr>
-        <p:cNvPr id="1" name=""/>
-        <p:cNvGrpSpPr/>
-        <p:nvPr/>
-      </p:nvGrpSpPr>
-      <p:grpSpPr>
-        <a:xfrm>
-          <a:off x="0" y="0"/>
-          <a:ext cx="0" cy="0"/>
-          <a:chOff x="0" y="0"/>
-          <a:chExt cx="0" cy="0"/>
-        </a:xfrm>
-      </p:grpSpPr>
-      <p:sp>
-        <p:nvSpPr>
-          <p:cNvPr id="2" name="Заголовок 1"/>
-          <p:cNvSpPr>
-            <a:spLocks noGrp="1"/>
-          </p:cNvSpPr>
-          <p:nvPr>
-            <p:ph type="title"/>
-          </p:nvPr>
-        </p:nvSpPr>
-        <p:spPr>
-          <a:xfrm>
-            <a:off x="685801" y="319731"/>
-            <a:ext cx="10829434" cy="506896"/>
-          </a:xfrm>
-        </p:spPr>
-        <p:txBody>
-          <a:bodyPr/>
-          <a:lstStyle/>
-          <a:p>
-            <a:r>
-              <a:rPr lang="ru-RU" dirty="0" smtClean="0"/>
-              <a:t>Решение проблем внедрения авто-тестов </a:t>
-            </a:r>
-            <a:endParaRPr lang="ru-RU" dirty="0"/>
-          </a:p>
-        </p:txBody>
-      </p:sp>
-      <p:sp>
-        <p:nvSpPr>
-          <p:cNvPr id="4" name="Номер слайда 3"/>
-          <p:cNvSpPr>
-            <a:spLocks noGrp="1"/>
-          </p:cNvSpPr>
-          <p:nvPr>
-            <p:ph type="sldNum" sz="quarter" idx="12"/>
-          </p:nvPr>
-        </p:nvSpPr>
-        <p:spPr/>
-        <p:txBody>
-          <a:bodyPr/>
-          <a:lstStyle/>
-          <a:p>
-            <a:fld id="{EF717E07-C66C-6149-98B7-03ADCD069AD7}" type="slidenum">
-              <a:rPr lang="ru-RU" smtClean="0"/>
-              <a:pPr/>
-              <a:t>9</a:t>
             </a:fld>
             <a:endParaRPr lang="ru-RU"/>
           </a:p>
@@ -4757,6 +9971,133 @@
     <p:extLst>
       <p:ext uri="{BB962C8B-B14F-4D97-AF65-F5344CB8AC3E}">
         <p14:creationId xmlns:p14="http://schemas.microsoft.com/office/powerpoint/2010/main" val="1948816499"/>
+      </p:ext>
+    </p:extLst>
+  </p:cSld>
+  <p:clrMapOvr>
+    <a:masterClrMapping/>
+  </p:clrMapOvr>
+  <p:timing>
+    <p:tnLst>
+      <p:par>
+        <p:cTn id="1" dur="indefinite" restart="never" nodeType="tmRoot"/>
+      </p:par>
+    </p:tnLst>
+  </p:timing>
+</p:sld>
+</file>
+
+<file path=ppt/slides/slide9.xml><?xml version="1.0" encoding="utf-8"?>
+<p:sld xmlns:a="http://schemas.openxmlformats.org/drawingml/2006/main" xmlns:r="http://schemas.openxmlformats.org/officeDocument/2006/relationships" xmlns:p="http://schemas.openxmlformats.org/presentationml/2006/main">
+  <p:cSld>
+    <p:spTree>
+      <p:nvGrpSpPr>
+        <p:cNvPr id="1" name=""/>
+        <p:cNvGrpSpPr/>
+        <p:nvPr/>
+      </p:nvGrpSpPr>
+      <p:grpSpPr>
+        <a:xfrm>
+          <a:off x="0" y="0"/>
+          <a:ext cx="0" cy="0"/>
+          <a:chOff x="0" y="0"/>
+          <a:chExt cx="0" cy="0"/>
+        </a:xfrm>
+      </p:grpSpPr>
+      <p:sp>
+        <p:nvSpPr>
+          <p:cNvPr id="2" name="Заголовок 1"/>
+          <p:cNvSpPr>
+            <a:spLocks noGrp="1"/>
+          </p:cNvSpPr>
+          <p:nvPr>
+            <p:ph type="title"/>
+          </p:nvPr>
+        </p:nvSpPr>
+        <p:spPr/>
+        <p:txBody>
+          <a:bodyPr/>
+          <a:lstStyle/>
+          <a:p>
+            <a:r>
+              <a:rPr lang="ru-RU" dirty="0" smtClean="0"/>
+              <a:t>Модель работы ручного и авто-тестирования</a:t>
+            </a:r>
+            <a:endParaRPr lang="ru-RU" dirty="0"/>
+          </a:p>
+        </p:txBody>
+      </p:sp>
+      <p:sp>
+        <p:nvSpPr>
+          <p:cNvPr id="4" name="Номер слайда 3"/>
+          <p:cNvSpPr>
+            <a:spLocks noGrp="1"/>
+          </p:cNvSpPr>
+          <p:nvPr>
+            <p:ph type="sldNum" sz="quarter" idx="12"/>
+          </p:nvPr>
+        </p:nvSpPr>
+        <p:spPr/>
+        <p:txBody>
+          <a:bodyPr/>
+          <a:lstStyle/>
+          <a:p>
+            <a:fld id="{EF717E07-C66C-6149-98B7-03ADCD069AD7}" type="slidenum">
+              <a:rPr lang="ru-RU" smtClean="0"/>
+              <a:pPr/>
+              <a:t>9</a:t>
+            </a:fld>
+            <a:endParaRPr lang="ru-RU"/>
+          </a:p>
+        </p:txBody>
+      </p:sp>
+      <p:sp>
+        <p:nvSpPr>
+          <p:cNvPr id="6" name="Объект 5"/>
+          <p:cNvSpPr>
+            <a:spLocks noGrp="1"/>
+          </p:cNvSpPr>
+          <p:nvPr>
+            <p:ph idx="1"/>
+          </p:nvPr>
+        </p:nvSpPr>
+        <p:spPr/>
+        <p:txBody>
+          <a:bodyPr/>
+          <a:lstStyle/>
+          <a:p>
+            <a:endParaRPr lang="ru-RU"/>
+          </a:p>
+        </p:txBody>
+      </p:sp>
+      <p:pic>
+        <p:nvPicPr>
+          <p:cNvPr id="7" name="Рисунок 6"/>
+          <p:cNvPicPr>
+            <a:picLocks noChangeAspect="1"/>
+          </p:cNvPicPr>
+          <p:nvPr/>
+        </p:nvPicPr>
+        <p:blipFill>
+          <a:blip r:embed="rId2"/>
+          <a:stretch>
+            <a:fillRect/>
+          </a:stretch>
+        </p:blipFill>
+        <p:spPr>
+          <a:xfrm>
+            <a:off x="487044" y="1193800"/>
+            <a:ext cx="11320166" cy="4684485"/>
+          </a:xfrm>
+          <a:prstGeom prst="rect">
+            <a:avLst/>
+          </a:prstGeom>
+        </p:spPr>
+      </p:pic>
+    </p:spTree>
+    <p:extLst>
+      <p:ext uri="{BB962C8B-B14F-4D97-AF65-F5344CB8AC3E}">
+        <p14:creationId xmlns:p14="http://schemas.microsoft.com/office/powerpoint/2010/main" val="1871869421"/>
       </p:ext>
     </p:extLst>
   </p:cSld>

--- a/презентация.pptx
+++ b/презентация.pptx
@@ -5,24 +5,23 @@
     <p:sldMasterId id="2147483660" r:id="rId1"/>
   </p:sldMasterIdLst>
   <p:notesMasterIdLst>
-    <p:notesMasterId r:id="rId17"/>
+    <p:notesMasterId r:id="rId16"/>
   </p:notesMasterIdLst>
   <p:sldIdLst>
     <p:sldId id="256" r:id="rId2"/>
-    <p:sldId id="279" r:id="rId3"/>
-    <p:sldId id="280" r:id="rId4"/>
-    <p:sldId id="301" r:id="rId5"/>
-    <p:sldId id="281" r:id="rId6"/>
-    <p:sldId id="283" r:id="rId7"/>
-    <p:sldId id="284" r:id="rId8"/>
-    <p:sldId id="297" r:id="rId9"/>
-    <p:sldId id="285" r:id="rId10"/>
-    <p:sldId id="287" r:id="rId11"/>
+    <p:sldId id="280" r:id="rId3"/>
+    <p:sldId id="301" r:id="rId4"/>
+    <p:sldId id="279" r:id="rId5"/>
+    <p:sldId id="297" r:id="rId6"/>
+    <p:sldId id="285" r:id="rId7"/>
+    <p:sldId id="302" r:id="rId8"/>
+    <p:sldId id="303" r:id="rId9"/>
+    <p:sldId id="287" r:id="rId10"/>
+    <p:sldId id="304" r:id="rId11"/>
     <p:sldId id="288" r:id="rId12"/>
     <p:sldId id="290" r:id="rId13"/>
     <p:sldId id="299" r:id="rId14"/>
     <p:sldId id="300" r:id="rId15"/>
-    <p:sldId id="295" r:id="rId16"/>
   </p:sldIdLst>
   <p:sldSz cx="12192000" cy="6858000"/>
   <p:notesSz cx="6797675" cy="9928225"/>
@@ -140,6 +139,18 @@
 </p:presentation>
 </file>
 
+<file path=ppt/commentAuthors.xml><?xml version="1.0" encoding="utf-8"?>
+<p:cmAuthorLst xmlns:a="http://schemas.openxmlformats.org/drawingml/2006/main" xmlns:r="http://schemas.openxmlformats.org/officeDocument/2006/relationships" xmlns:p="http://schemas.openxmlformats.org/presentationml/2006/main">
+  <p:cmAuthor id="1" name="VTB" initials="V" lastIdx="1" clrIdx="0">
+    <p:extLst>
+      <p:ext uri="{19B8F6BF-5375-455C-9EA6-DF929625EA0E}">
+        <p15:presenceInfo xmlns:p15="http://schemas.microsoft.com/office/powerpoint/2012/main" userId="VTB" providerId="None"/>
+      </p:ext>
+    </p:extLst>
+  </p:cmAuthor>
+</p:cmAuthorLst>
+</file>
+
 <file path=ppt/revisionInfo.xml><?xml version="1.0" encoding="utf-8"?>
 <p1510:revInfo xmlns:a="http://schemas.openxmlformats.org/drawingml/2006/main" xmlns:r="http://schemas.openxmlformats.org/officeDocument/2006/relationships" xmlns:p1510="http://schemas.microsoft.com/office/powerpoint/2015/10/main">
   <p1510:revLst>
@@ -232,7 +243,7 @@
           <a:p>
             <a:fld id="{5CD53283-0C54-4801-851B-CFE3DD693168}" type="datetimeFigureOut">
               <a:rPr lang="ru-RU" smtClean="0"/>
-              <a:t>29.05.2022</a:t>
+              <a:t>30.05.2022</a:t>
             </a:fld>
             <a:endParaRPr lang="ru-RU"/>
           </a:p>
@@ -2001,7 +2012,7 @@
           <a:p>
             <a:r>
               <a:rPr lang="ru-RU" dirty="0" smtClean="0"/>
-              <a:t>Обработка сценария</a:t>
+              <a:t>ПО</a:t>
             </a:r>
             <a:endParaRPr lang="ru-RU" dirty="0"/>
           </a:p>
@@ -2041,55 +2052,28 @@
             <p:ph idx="1"/>
           </p:nvPr>
         </p:nvSpPr>
-        <p:spPr/>
+        <p:spPr>
+          <a:xfrm>
+            <a:off x="487043" y="1084217"/>
+            <a:ext cx="11028191" cy="5204616"/>
+          </a:xfrm>
+        </p:spPr>
         <p:txBody>
           <a:bodyPr/>
           <a:lstStyle/>
           <a:p>
             <a:r>
               <a:rPr lang="ru-RU" dirty="0" smtClean="0"/>
-              <a:t>На каждый шаг сценария реализован свой программный метод</a:t>
+              <a:t>Как я это реализовал</a:t>
             </a:r>
-          </a:p>
-          <a:p>
-            <a:r>
-              <a:rPr lang="ru-RU" dirty="0" smtClean="0"/>
-              <a:t>Шаги сценария вызывают одноимённые методы построчно</a:t>
-            </a:r>
-          </a:p>
-          <a:p>
             <a:endParaRPr lang="ru-RU" dirty="0" smtClean="0"/>
           </a:p>
         </p:txBody>
       </p:sp>
-      <p:pic>
-        <p:nvPicPr>
-          <p:cNvPr id="7" name="Рисунок 6"/>
-          <p:cNvPicPr>
-            <a:picLocks noChangeAspect="1"/>
-          </p:cNvPicPr>
-          <p:nvPr/>
-        </p:nvPicPr>
-        <p:blipFill>
-          <a:blip r:embed="rId2"/>
-          <a:stretch>
-            <a:fillRect/>
-          </a:stretch>
-        </p:blipFill>
-        <p:spPr>
-          <a:xfrm>
-            <a:off x="825767" y="2758165"/>
-            <a:ext cx="10394581" cy="3185436"/>
-          </a:xfrm>
-          <a:prstGeom prst="rect">
-            <a:avLst/>
-          </a:prstGeom>
-        </p:spPr>
-      </p:pic>
     </p:spTree>
     <p:extLst>
       <p:ext uri="{BB962C8B-B14F-4D97-AF65-F5344CB8AC3E}">
-        <p14:creationId xmlns:p14="http://schemas.microsoft.com/office/powerpoint/2010/main" val="2021078865"/>
+        <p14:creationId xmlns:p14="http://schemas.microsoft.com/office/powerpoint/2010/main" val="3265274318"/>
       </p:ext>
     </p:extLst>
   </p:cSld>
@@ -2541,8 +2525,8 @@
           </a:p>
         </p:txBody>
       </p:sp>
-      <mc:AlternateContent xmlns:mc="http://schemas.openxmlformats.org/markup-compatibility/2006">
-        <mc:Choice xmlns:a14="http://schemas.microsoft.com/office/drawing/2010/main" Requires="a14">
+      <mc:AlternateContent xmlns:mc="http://schemas.openxmlformats.org/markup-compatibility/2006" xmlns:a14="http://schemas.microsoft.com/office/drawing/2010/main">
+        <mc:Choice Requires="a14">
           <p:graphicFrame>
             <p:nvGraphicFramePr>
               <p:cNvPr id="3" name="Объект 2"/>
@@ -3556,7 +3540,7 @@
                                           <a:schemeClr val="lt1"/>
                                         </a:solidFill>
                                         <a:effectLst/>
-                                        <a:latin typeface="+mn-lt"/>
+                                        <a:latin typeface="Cambria Math" panose="02040503050406030204" pitchFamily="18" charset="0"/>
                                         <a:ea typeface="+mn-ea"/>
                                         <a:cs typeface="+mn-cs"/>
                                       </a:rPr>
@@ -3569,7 +3553,7 @@
                                           <a:schemeClr val="lt1"/>
                                         </a:solidFill>
                                         <a:effectLst/>
-                                        <a:latin typeface="+mn-lt"/>
+                                        <a:latin typeface="Cambria Math" panose="02040503050406030204" pitchFamily="18" charset="0"/>
                                         <a:ea typeface="+mn-ea"/>
                                         <a:cs typeface="+mn-cs"/>
                                       </a:rPr>
@@ -3732,7 +3716,7 @@
             </a:graphic>
           </p:graphicFrame>
         </mc:Choice>
-        <mc:Fallback>
+        <mc:Fallback xmlns="">
           <p:graphicFrame>
             <p:nvGraphicFramePr>
               <p:cNvPr id="3" name="Объект 2"/>
@@ -5388,8 +5372,8 @@
           </a:graphicData>
         </a:graphic>
       </p:graphicFrame>
-      <mc:AlternateContent xmlns:mc="http://schemas.openxmlformats.org/markup-compatibility/2006">
-        <mc:Choice xmlns:a14="http://schemas.microsoft.com/office/drawing/2010/main" Requires="a14">
+      <mc:AlternateContent xmlns:mc="http://schemas.openxmlformats.org/markup-compatibility/2006" xmlns:a14="http://schemas.microsoft.com/office/drawing/2010/main">
+        <mc:Choice Requires="a14">
           <p:graphicFrame>
             <p:nvGraphicFramePr>
               <p:cNvPr id="11" name="Таблица 10"/>
@@ -6295,8 +6279,9 @@
                                 <m:sSub>
                                   <m:sSubPr>
                                     <m:ctrlPr>
-                                      <a:rPr lang="ru-RU" sz="1100">
+                                      <a:rPr lang="ru-RU" sz="1100" i="1">
                                         <a:effectLst/>
+                                        <a:latin typeface="Cambria Math" panose="02040503050406030204" pitchFamily="18" charset="0"/>
                                       </a:rPr>
                                     </m:ctrlPr>
                                   </m:sSubPr>
@@ -6304,6 +6289,7 @@
                                     <m:r>
                                       <a:rPr lang="ru-RU" sz="1100">
                                         <a:effectLst/>
+                                        <a:latin typeface="Cambria Math" panose="02040503050406030204" pitchFamily="18" charset="0"/>
                                       </a:rPr>
                                       <m:t>𝑿</m:t>
                                     </m:r>
@@ -6312,6 +6298,7 @@
                                     <m:r>
                                       <a:rPr lang="ru-RU" sz="1100">
                                         <a:effectLst/>
+                                        <a:latin typeface="Cambria Math" panose="02040503050406030204" pitchFamily="18" charset="0"/>
                                       </a:rPr>
                                       <m:t>𝒋</m:t>
                                     </m:r>
@@ -6320,6 +6307,7 @@
                                 <m:r>
                                   <a:rPr lang="ru-RU" sz="1100">
                                     <a:effectLst/>
+                                    <a:latin typeface="Cambria Math" panose="02040503050406030204" pitchFamily="18" charset="0"/>
                                   </a:rPr>
                                   <m:t>=</m:t>
                                 </m:r>
@@ -6328,8 +6316,9 @@
                                     <m:chr m:val="∑"/>
                                     <m:limLoc m:val="undOvr"/>
                                     <m:ctrlPr>
-                                      <a:rPr lang="ru-RU" sz="1100">
+                                      <a:rPr lang="ru-RU" sz="1100" i="1">
                                         <a:effectLst/>
+                                        <a:latin typeface="Cambria Math" panose="02040503050406030204" pitchFamily="18" charset="0"/>
                                       </a:rPr>
                                     </m:ctrlPr>
                                   </m:naryPr>
@@ -6337,18 +6326,21 @@
                                     <m:r>
                                       <a:rPr lang="en-US" sz="1100">
                                         <a:effectLst/>
+                                        <a:latin typeface="Cambria Math" panose="02040503050406030204" pitchFamily="18" charset="0"/>
                                       </a:rPr>
                                       <m:t>𝒊</m:t>
                                     </m:r>
                                     <m:r>
                                       <a:rPr lang="ru-RU" sz="1100">
                                         <a:effectLst/>
+                                        <a:latin typeface="Cambria Math" panose="02040503050406030204" pitchFamily="18" charset="0"/>
                                       </a:rPr>
                                       <m:t>=</m:t>
                                     </m:r>
                                     <m:r>
                                       <a:rPr lang="ru-RU" sz="1100">
                                         <a:effectLst/>
+                                        <a:latin typeface="Cambria Math" panose="02040503050406030204" pitchFamily="18" charset="0"/>
                                       </a:rPr>
                                       <m:t>𝟏</m:t>
                                     </m:r>
@@ -6357,6 +6349,7 @@
                                     <m:r>
                                       <a:rPr lang="ru-RU" sz="1100">
                                         <a:effectLst/>
+                                        <a:latin typeface="Cambria Math" panose="02040503050406030204" pitchFamily="18" charset="0"/>
                                       </a:rPr>
                                       <m:t>𝒎</m:t>
                                     </m:r>
@@ -6365,8 +6358,9 @@
                                     <m:sSub>
                                       <m:sSubPr>
                                         <m:ctrlPr>
-                                          <a:rPr lang="ru-RU" sz="1100">
+                                          <a:rPr lang="ru-RU" sz="1100" i="1">
                                             <a:effectLst/>
+                                            <a:latin typeface="Cambria Math" panose="02040503050406030204" pitchFamily="18" charset="0"/>
                                           </a:rPr>
                                         </m:ctrlPr>
                                       </m:sSubPr>
@@ -6374,8 +6368,9 @@
                                         <m:sSub>
                                           <m:sSubPr>
                                             <m:ctrlPr>
-                                              <a:rPr lang="ru-RU" sz="1100">
+                                              <a:rPr lang="ru-RU" sz="1100" i="1">
                                                 <a:effectLst/>
+                                                <a:latin typeface="Cambria Math" panose="02040503050406030204" pitchFamily="18" charset="0"/>
                                               </a:rPr>
                                             </m:ctrlPr>
                                           </m:sSubPr>
@@ -6383,6 +6378,7 @@
                                             <m:r>
                                               <a:rPr lang="ru-RU" sz="1100">
                                                 <a:effectLst/>
+                                                <a:latin typeface="Cambria Math" panose="02040503050406030204" pitchFamily="18" charset="0"/>
                                               </a:rPr>
                                               <m:t>𝑿</m:t>
                                             </m:r>
@@ -6391,6 +6387,7 @@
                                             <m:r>
                                               <a:rPr lang="ru-RU" sz="1100">
                                                 <a:effectLst/>
+                                                <a:latin typeface="Cambria Math" panose="02040503050406030204" pitchFamily="18" charset="0"/>
                                               </a:rPr>
                                               <m:t>𝒊𝒋</m:t>
                                             </m:r>
@@ -6401,6 +6398,7 @@
                                         <m:r>
                                           <a:rPr lang="ru-RU" sz="1100">
                                             <a:effectLst/>
+                                            <a:latin typeface="Cambria Math" panose="02040503050406030204" pitchFamily="18" charset="0"/>
                                           </a:rPr>
                                           <m:t> </m:t>
                                         </m:r>
@@ -6525,7 +6523,7 @@
             </a:graphic>
           </p:graphicFrame>
         </mc:Choice>
-        <mc:Fallback>
+        <mc:Fallback xmlns="">
           <p:graphicFrame>
             <p:nvGraphicFramePr>
               <p:cNvPr id="11" name="Таблица 10"/>
@@ -8393,8 +8391,8 @@
           </a:graphicData>
         </a:graphic>
       </p:graphicFrame>
-      <mc:AlternateContent xmlns:mc="http://schemas.openxmlformats.org/markup-compatibility/2006">
-        <mc:Choice xmlns:a14="http://schemas.microsoft.com/office/drawing/2010/main" Requires="a14">
+      <mc:AlternateContent xmlns:mc="http://schemas.openxmlformats.org/markup-compatibility/2006" xmlns:a14="http://schemas.microsoft.com/office/drawing/2010/main">
+        <mc:Choice Requires="a14">
           <p:sp>
             <p:nvSpPr>
               <p:cNvPr id="13" name="Прямоугольник 12"/>
@@ -8416,6 +8414,7 @@
               </a:bodyPr>
               <a:lstStyle/>
               <a:p>
+                <a:pPr/>
                 <a14:m>
                   <m:oMathPara xmlns:m="http://schemas.openxmlformats.org/officeDocument/2006/math">
                     <m:oMathParaPr>
@@ -8546,7 +8545,7 @@
             </p:txBody>
           </p:sp>
         </mc:Choice>
-        <mc:Fallback>
+        <mc:Fallback xmlns="">
           <p:sp>
             <p:nvSpPr>
               <p:cNvPr id="13" name="Прямоугольник 12"/>
@@ -8605,7 +8604,7 @@
 </p:sld>
 </file>
 
-<file path=ppt/slides/slide15.xml><?xml version="1.0" encoding="utf-8"?>
+<file path=ppt/slides/slide2.xml><?xml version="1.0" encoding="utf-8"?>
 <p:sld xmlns:a="http://schemas.openxmlformats.org/drawingml/2006/main" xmlns:r="http://schemas.openxmlformats.org/officeDocument/2006/relationships" xmlns:p="http://schemas.openxmlformats.org/presentationml/2006/main">
   <p:cSld>
     <p:spTree>
@@ -8639,155 +8638,21 @@
           <a:p>
             <a:r>
               <a:rPr lang="ru-RU" dirty="0" smtClean="0"/>
-              <a:t>Заключение</a:t>
-            </a:r>
-            <a:endParaRPr lang="ru-RU" dirty="0"/>
-          </a:p>
-        </p:txBody>
-      </p:sp>
-      <p:sp>
-        <p:nvSpPr>
-          <p:cNvPr id="3" name="Объект 2"/>
-          <p:cNvSpPr>
-            <a:spLocks noGrp="1"/>
-          </p:cNvSpPr>
-          <p:nvPr>
-            <p:ph idx="1"/>
-          </p:nvPr>
-        </p:nvSpPr>
-        <p:spPr/>
-        <p:txBody>
-          <a:bodyPr>
-            <a:normAutofit fontScale="92500"/>
-          </a:bodyPr>
-          <a:lstStyle/>
-          <a:p>
-            <a:pPr marL="0" indent="450850">
-              <a:buNone/>
-            </a:pPr>
-            <a:r>
-              <a:rPr lang="ru-RU" dirty="0"/>
-              <a:t>В результате выполнения выпускной квалификационной работы </a:t>
+              <a:t>Тестирование </a:t>
             </a:r>
             <a:r>
               <a:rPr lang="ru-RU" dirty="0" smtClean="0"/>
-              <a:t>был разработан гибридный </a:t>
-            </a:r>
-            <a:r>
-              <a:rPr lang="ru-RU" dirty="0" err="1" smtClean="0"/>
-              <a:t>фреймворк</a:t>
+              <a:t>этап в </a:t>
             </a:r>
             <a:r>
               <a:rPr lang="ru-RU" dirty="0" smtClean="0"/>
-              <a:t>. Фреймворк отвечает </a:t>
-            </a:r>
-            <a:r>
-              <a:rPr lang="ru-RU" dirty="0"/>
-              <a:t>всем поставленным требованиям, включает все необходимые функции. </a:t>
-            </a:r>
-          </a:p>
-          <a:p>
-            <a:pPr marL="0" indent="450850">
-              <a:buNone/>
-            </a:pPr>
-            <a:r>
-              <a:rPr lang="ru-RU" dirty="0"/>
-              <a:t>Внедрение </a:t>
-            </a:r>
-            <a:r>
-              <a:rPr lang="ru-RU" dirty="0" err="1" smtClean="0"/>
-              <a:t>фреймворка</a:t>
+              <a:t>цикле </a:t>
             </a:r>
             <a:r>
               <a:rPr lang="ru-RU" dirty="0" smtClean="0"/>
-              <a:t> в </a:t>
+              <a:t>разработки ПО</a:t>
             </a:r>
-            <a:r>
-              <a:rPr lang="ru-RU" dirty="0"/>
-              <a:t>промышленную </a:t>
-            </a:r>
-            <a:r>
-              <a:rPr lang="ru-RU" dirty="0" smtClean="0"/>
-              <a:t>эксплуатацию:</a:t>
-            </a:r>
-          </a:p>
-          <a:p>
-            <a:r>
-              <a:rPr lang="ru-RU" dirty="0"/>
-              <a:t>с</a:t>
-            </a:r>
-            <a:r>
-              <a:rPr lang="ru-RU" dirty="0" smtClean="0"/>
-              <a:t>ократит расходы на проведение тестирования;</a:t>
-            </a:r>
-          </a:p>
-          <a:p>
-            <a:r>
-              <a:rPr lang="ru-RU" dirty="0"/>
-              <a:t>о</a:t>
-            </a:r>
-            <a:r>
-              <a:rPr lang="ru-RU" dirty="0" smtClean="0"/>
-              <a:t>птимизирует работу специалистов по автоматизированному тестированию</a:t>
-            </a:r>
-            <a:r>
-              <a:rPr lang="en-US" dirty="0" smtClean="0"/>
-              <a:t>;</a:t>
-            </a:r>
-          </a:p>
-          <a:p>
-            <a:r>
-              <a:rPr lang="ru-RU" dirty="0"/>
-              <a:t>у</a:t>
-            </a:r>
-            <a:r>
-              <a:rPr lang="ru-RU" dirty="0" smtClean="0"/>
-              <a:t>простит работу специалистов по ручному тестированию</a:t>
-            </a:r>
-            <a:r>
-              <a:rPr lang="en-US" dirty="0" smtClean="0"/>
-              <a:t>;</a:t>
-            </a:r>
-          </a:p>
-          <a:p>
-            <a:r>
-              <a:rPr lang="ru-RU" dirty="0"/>
-              <a:t>у</a:t>
-            </a:r>
-            <a:r>
-              <a:rPr lang="ru-RU" dirty="0" smtClean="0"/>
-              <a:t>скорит внедрение авто-тестов в оборот</a:t>
-            </a:r>
-            <a:r>
-              <a:rPr lang="en-US" dirty="0" smtClean="0"/>
-              <a:t>.</a:t>
-            </a:r>
-            <a:endParaRPr lang="ru-RU" dirty="0" smtClean="0"/>
-          </a:p>
-          <a:p>
-            <a:pPr marL="0" indent="0">
-              <a:buNone/>
-            </a:pPr>
-            <a:r>
-              <a:rPr lang="ru-RU" dirty="0" smtClean="0"/>
-              <a:t>Функционал </a:t>
-            </a:r>
-            <a:r>
-              <a:rPr lang="ru-RU" dirty="0"/>
-              <a:t>разработанного </a:t>
-            </a:r>
-            <a:r>
-              <a:rPr lang="ru-RU" dirty="0" err="1" smtClean="0"/>
-              <a:t>фреймворка</a:t>
-            </a:r>
-            <a:r>
-              <a:rPr lang="ru-RU" dirty="0" smtClean="0"/>
-              <a:t> можно </a:t>
-            </a:r>
-            <a:r>
-              <a:rPr lang="ru-RU" dirty="0"/>
-              <a:t>будет увеличивать. </a:t>
-            </a:r>
+            <a:endParaRPr lang="ru-RU" dirty="0"/>
           </a:p>
         </p:txBody>
       </p:sp>
@@ -8809,16 +8674,95 @@
             <a:fld id="{EF717E07-C66C-6149-98B7-03ADCD069AD7}" type="slidenum">
               <a:rPr lang="ru-RU" smtClean="0"/>
               <a:pPr/>
-              <a:t>15</a:t>
+              <a:t>2</a:t>
             </a:fld>
-            <a:endParaRPr lang="ru-RU"/>
+            <a:endParaRPr lang="ru-RU" dirty="0"/>
           </a:p>
         </p:txBody>
       </p:sp>
+      <p:pic>
+        <p:nvPicPr>
+          <p:cNvPr id="9" name="Рисунок 8"/>
+          <p:cNvPicPr>
+            <a:picLocks noChangeAspect="1"/>
+          </p:cNvPicPr>
+          <p:nvPr/>
+        </p:nvPicPr>
+        <p:blipFill>
+          <a:blip r:embed="rId2"/>
+          <a:stretch>
+            <a:fillRect/>
+          </a:stretch>
+        </p:blipFill>
+        <p:spPr>
+          <a:xfrm>
+            <a:off x="3004847" y="1532292"/>
+            <a:ext cx="7130920" cy="3893015"/>
+          </a:xfrm>
+          <a:prstGeom prst="rect">
+            <a:avLst/>
+          </a:prstGeom>
+        </p:spPr>
+      </p:pic>
+      <p:sp>
+        <p:nvSpPr>
+          <p:cNvPr id="5" name="Объект 2"/>
+          <p:cNvSpPr>
+            <a:spLocks noGrp="1"/>
+          </p:cNvSpPr>
+          <p:nvPr>
+            <p:ph idx="1"/>
+          </p:nvPr>
+        </p:nvSpPr>
+        <p:spPr>
+          <a:xfrm>
+            <a:off x="487044" y="826626"/>
+            <a:ext cx="11028191" cy="5560813"/>
+          </a:xfrm>
+        </p:spPr>
+        <p:txBody>
+          <a:bodyPr/>
+          <a:lstStyle/>
+          <a:p>
+            <a:pPr marL="0" indent="0">
+              <a:buNone/>
+            </a:pPr>
+            <a:r>
+              <a:rPr lang="ru-RU" dirty="0" smtClean="0"/>
+              <a:t>Тестирование это этап в цикле разработки ПО, который покрывает – (много всего)</a:t>
+            </a:r>
+            <a:endParaRPr lang="ru-RU" dirty="0" smtClean="0"/>
+          </a:p>
+        </p:txBody>
+      </p:sp>
+      <p:pic>
+        <p:nvPicPr>
+          <p:cNvPr id="6" name="Рисунок 5"/>
+          <p:cNvPicPr>
+            <a:picLocks noChangeAspect="1"/>
+          </p:cNvPicPr>
+          <p:nvPr/>
+        </p:nvPicPr>
+        <p:blipFill>
+          <a:blip r:embed="rId3"/>
+          <a:stretch>
+            <a:fillRect/>
+          </a:stretch>
+        </p:blipFill>
+        <p:spPr>
+          <a:xfrm>
+            <a:off x="487043" y="5425308"/>
+            <a:ext cx="4212987" cy="934787"/>
+          </a:xfrm>
+          <a:prstGeom prst="rect">
+            <a:avLst/>
+          </a:prstGeom>
+        </p:spPr>
+      </p:pic>
     </p:spTree>
     <p:extLst>
       <p:ext uri="{BB962C8B-B14F-4D97-AF65-F5344CB8AC3E}">
-        <p14:creationId xmlns:p14="http://schemas.microsoft.com/office/powerpoint/2010/main" val="3420591480"/>
+        <p14:creationId xmlns:p14="http://schemas.microsoft.com/office/powerpoint/2010/main" val="1153039697"/>
       </p:ext>
     </p:extLst>
   </p:cSld>
@@ -8835,7 +8779,361 @@
 </p:sld>
 </file>
 
-<file path=ppt/slides/slide2.xml><?xml version="1.0" encoding="utf-8"?>
+<file path=ppt/slides/slide3.xml><?xml version="1.0" encoding="utf-8"?>
+<p:sld xmlns:a="http://schemas.openxmlformats.org/drawingml/2006/main" xmlns:r="http://schemas.openxmlformats.org/officeDocument/2006/relationships" xmlns:p="http://schemas.openxmlformats.org/presentationml/2006/main">
+  <p:cSld>
+    <p:spTree>
+      <p:nvGrpSpPr>
+        <p:cNvPr id="1" name=""/>
+        <p:cNvGrpSpPr/>
+        <p:nvPr/>
+      </p:nvGrpSpPr>
+      <p:grpSpPr>
+        <a:xfrm>
+          <a:off x="0" y="0"/>
+          <a:ext cx="0" cy="0"/>
+          <a:chOff x="0" y="0"/>
+          <a:chExt cx="0" cy="0"/>
+        </a:xfrm>
+      </p:grpSpPr>
+      <p:sp>
+        <p:nvSpPr>
+          <p:cNvPr id="2" name="Заголовок 1"/>
+          <p:cNvSpPr>
+            <a:spLocks noGrp="1"/>
+          </p:cNvSpPr>
+          <p:nvPr>
+            <p:ph type="title"/>
+          </p:nvPr>
+        </p:nvSpPr>
+        <p:spPr/>
+        <p:txBody>
+          <a:bodyPr/>
+          <a:lstStyle/>
+          <a:p>
+            <a:r>
+              <a:rPr lang="ru-RU" strike="sngStrike" dirty="0" smtClean="0"/>
+              <a:t>Автоматизированное тестирование</a:t>
+            </a:r>
+            <a:endParaRPr lang="ru-RU" strike="sngStrike" dirty="0"/>
+          </a:p>
+        </p:txBody>
+      </p:sp>
+      <p:sp>
+        <p:nvSpPr>
+          <p:cNvPr id="4" name="Номер слайда 3"/>
+          <p:cNvSpPr>
+            <a:spLocks noGrp="1"/>
+          </p:cNvSpPr>
+          <p:nvPr>
+            <p:ph type="sldNum" sz="quarter" idx="12"/>
+          </p:nvPr>
+        </p:nvSpPr>
+        <p:spPr/>
+        <p:txBody>
+          <a:bodyPr/>
+          <a:lstStyle/>
+          <a:p>
+            <a:fld id="{EF717E07-C66C-6149-98B7-03ADCD069AD7}" type="slidenum">
+              <a:rPr lang="ru-RU" smtClean="0"/>
+              <a:pPr/>
+              <a:t>3</a:t>
+            </a:fld>
+            <a:endParaRPr lang="ru-RU" dirty="0"/>
+          </a:p>
+        </p:txBody>
+      </p:sp>
+      <p:sp>
+        <p:nvSpPr>
+          <p:cNvPr id="3" name="Объект 2"/>
+          <p:cNvSpPr>
+            <a:spLocks noGrp="1"/>
+          </p:cNvSpPr>
+          <p:nvPr>
+            <p:ph idx="1"/>
+          </p:nvPr>
+        </p:nvSpPr>
+        <p:spPr>
+          <a:xfrm>
+            <a:off x="487043" y="951722"/>
+            <a:ext cx="11028191" cy="1280298"/>
+          </a:xfrm>
+        </p:spPr>
+        <p:txBody>
+          <a:bodyPr>
+            <a:normAutofit/>
+          </a:bodyPr>
+          <a:lstStyle/>
+          <a:p>
+            <a:pPr marL="0" indent="0">
+              <a:buNone/>
+            </a:pPr>
+            <a:r>
+              <a:rPr lang="ru-RU" b="1" dirty="0" smtClean="0"/>
+              <a:t>Автоматизированное </a:t>
+            </a:r>
+            <a:r>
+              <a:rPr lang="ru-RU" b="1" dirty="0" smtClean="0"/>
+              <a:t>тестирование (авто-тестирование) </a:t>
+            </a:r>
+            <a:r>
+              <a:rPr lang="ru-RU" dirty="0" smtClean="0"/>
+              <a:t>– это программа, </a:t>
+            </a:r>
+            <a:r>
+              <a:rPr lang="ru-RU" dirty="0" smtClean="0"/>
+              <a:t>которая позволяет проводить полноценное тестирование ПО без участия человека.</a:t>
+            </a:r>
+          </a:p>
+          <a:p>
+            <a:pPr marL="0" indent="0">
+              <a:buNone/>
+            </a:pPr>
+            <a:endParaRPr lang="ru-RU" dirty="0" smtClean="0"/>
+          </a:p>
+          <a:p>
+            <a:pPr marL="0" indent="0">
+              <a:buNone/>
+            </a:pPr>
+            <a:endParaRPr lang="ru-RU" dirty="0" smtClean="0"/>
+          </a:p>
+        </p:txBody>
+      </p:sp>
+      <p:sp>
+        <p:nvSpPr>
+          <p:cNvPr id="6" name="Прямоугольник 5"/>
+          <p:cNvSpPr/>
+          <p:nvPr/>
+        </p:nvSpPr>
+        <p:spPr>
+          <a:xfrm>
+            <a:off x="487043" y="2232019"/>
+            <a:ext cx="5587186" cy="2862322"/>
+          </a:xfrm>
+          <a:prstGeom prst="rect">
+            <a:avLst/>
+          </a:prstGeom>
+        </p:spPr>
+        <p:txBody>
+          <a:bodyPr wrap="square">
+            <a:spAutoFit/>
+          </a:bodyPr>
+          <a:lstStyle/>
+          <a:p>
+            <a:r>
+              <a:rPr lang="ru-RU" dirty="0" smtClean="0"/>
+              <a:t>Преимущества </a:t>
+            </a:r>
+            <a:r>
+              <a:rPr lang="ru-RU" dirty="0"/>
+              <a:t>авто-тестов</a:t>
+            </a:r>
+            <a:r>
+              <a:rPr lang="en-US" dirty="0"/>
+              <a:t>:</a:t>
+            </a:r>
+            <a:endParaRPr lang="ru-RU" dirty="0"/>
+          </a:p>
+          <a:p>
+            <a:pPr marL="285750" indent="-285750">
+              <a:buFont typeface="Arial" panose="020B0604020202020204" pitchFamily="34" charset="0"/>
+              <a:buChar char="•"/>
+            </a:pPr>
+            <a:r>
+              <a:rPr lang="ru-RU" dirty="0"/>
+              <a:t>скорость работы намного выше, чем у человека</a:t>
+            </a:r>
+            <a:r>
+              <a:rPr lang="en-US" dirty="0"/>
+              <a:t>;</a:t>
+            </a:r>
+            <a:endParaRPr lang="ru-RU" dirty="0"/>
+          </a:p>
+          <a:p>
+            <a:pPr marL="285750" indent="-285750">
+              <a:buFont typeface="Arial" panose="020B0604020202020204" pitchFamily="34" charset="0"/>
+              <a:buChar char="•"/>
+            </a:pPr>
+            <a:r>
+              <a:rPr lang="ru-RU" dirty="0"/>
+              <a:t>работают одновременно, в многопоточном режиме</a:t>
+            </a:r>
+            <a:r>
+              <a:rPr lang="en-US" dirty="0"/>
+              <a:t>;</a:t>
+            </a:r>
+            <a:endParaRPr lang="ru-RU" dirty="0"/>
+          </a:p>
+          <a:p>
+            <a:pPr marL="285750" indent="-285750">
+              <a:buFont typeface="Arial" panose="020B0604020202020204" pitchFamily="34" charset="0"/>
+              <a:buChar char="•"/>
+            </a:pPr>
+            <a:r>
+              <a:rPr lang="ru-RU" dirty="0"/>
+              <a:t>отсутствие влияния человеческого фактора</a:t>
+            </a:r>
+            <a:r>
+              <a:rPr lang="en-US" dirty="0"/>
+              <a:t>;</a:t>
+            </a:r>
+            <a:endParaRPr lang="ru-RU" dirty="0"/>
+          </a:p>
+          <a:p>
+            <a:pPr marL="285750" indent="-285750">
+              <a:buFont typeface="Arial" panose="020B0604020202020204" pitchFamily="34" charset="0"/>
+              <a:buChar char="•"/>
+            </a:pPr>
+            <a:r>
+              <a:rPr lang="ru-RU" dirty="0"/>
+              <a:t>гибкость настройки и удобство технической поддержки</a:t>
+            </a:r>
+            <a:r>
+              <a:rPr lang="en-US" dirty="0"/>
+              <a:t>;</a:t>
+            </a:r>
+            <a:endParaRPr lang="ru-RU" dirty="0"/>
+          </a:p>
+          <a:p>
+            <a:pPr marL="285750" indent="-285750">
+              <a:buFont typeface="Arial" panose="020B0604020202020204" pitchFamily="34" charset="0"/>
+              <a:buChar char="•"/>
+            </a:pPr>
+            <a:r>
+              <a:rPr lang="ru-RU" dirty="0"/>
+              <a:t>возможность тестирования приложения целиком.</a:t>
+            </a:r>
+          </a:p>
+        </p:txBody>
+      </p:sp>
+      <p:sp>
+        <p:nvSpPr>
+          <p:cNvPr id="9" name="Прямоугольник 8"/>
+          <p:cNvSpPr/>
+          <p:nvPr/>
+        </p:nvSpPr>
+        <p:spPr>
+          <a:xfrm>
+            <a:off x="6687394" y="2235683"/>
+            <a:ext cx="4827840" cy="3139321"/>
+          </a:xfrm>
+          <a:prstGeom prst="rect">
+            <a:avLst/>
+          </a:prstGeom>
+        </p:spPr>
+        <p:txBody>
+          <a:bodyPr wrap="square">
+            <a:spAutoFit/>
+          </a:bodyPr>
+          <a:lstStyle/>
+          <a:p>
+            <a:r>
+              <a:rPr lang="ru-RU" dirty="0" smtClean="0"/>
+              <a:t>Недостатки </a:t>
+            </a:r>
+            <a:r>
+              <a:rPr lang="ru-RU" dirty="0"/>
+              <a:t>авто-тестов</a:t>
+            </a:r>
+            <a:r>
+              <a:rPr lang="en-US" dirty="0" smtClean="0"/>
+              <a:t>:</a:t>
+            </a:r>
+            <a:endParaRPr lang="ru-RU" dirty="0" smtClean="0"/>
+          </a:p>
+          <a:p>
+            <a:pPr marL="285750" indent="-285750">
+              <a:buFont typeface="Arial" panose="020B0604020202020204" pitchFamily="34" charset="0"/>
+              <a:buChar char="•"/>
+            </a:pPr>
+            <a:r>
+              <a:rPr lang="ru-RU" dirty="0"/>
+              <a:t>быстро устаревают и требуют обновления в связи с постоянными изменениями </a:t>
+            </a:r>
+            <a:r>
+              <a:rPr lang="ru-RU" dirty="0" smtClean="0"/>
+              <a:t>приложений</a:t>
+            </a:r>
+            <a:endParaRPr lang="ru-RU" dirty="0"/>
+          </a:p>
+          <a:p>
+            <a:pPr marL="285750" indent="-285750">
+              <a:buFont typeface="Arial" panose="020B0604020202020204" pitchFamily="34" charset="0"/>
+              <a:buChar char="•"/>
+            </a:pPr>
+            <a:r>
+              <a:rPr lang="ru-RU" dirty="0"/>
+              <a:t>регулярное отставание в создании </a:t>
+            </a:r>
+            <a:r>
+              <a:rPr lang="ru-RU" dirty="0" smtClean="0"/>
+              <a:t>авто-тестов </a:t>
+            </a:r>
+            <a:r>
+              <a:rPr lang="ru-RU" dirty="0"/>
+              <a:t>от необходимости проведения новых </a:t>
+            </a:r>
+            <a:r>
+              <a:rPr lang="ru-RU" dirty="0" smtClean="0"/>
+              <a:t>проверок</a:t>
+            </a:r>
+          </a:p>
+          <a:p>
+            <a:pPr marL="285750" indent="-285750">
+              <a:buFont typeface="Arial" panose="020B0604020202020204" pitchFamily="34" charset="0"/>
+              <a:buChar char="•"/>
+            </a:pPr>
+            <a:r>
+              <a:rPr lang="ru-RU" dirty="0" smtClean="0"/>
+              <a:t>+</a:t>
+            </a:r>
+          </a:p>
+          <a:p>
+            <a:pPr marL="285750" indent="-285750">
+              <a:buFont typeface="Arial" panose="020B0604020202020204" pitchFamily="34" charset="0"/>
+              <a:buChar char="•"/>
+            </a:pPr>
+            <a:r>
+              <a:rPr lang="ru-RU" dirty="0" smtClean="0"/>
+              <a:t>+</a:t>
+            </a:r>
+          </a:p>
+          <a:p>
+            <a:pPr marL="285750" indent="-285750">
+              <a:buFont typeface="Arial" panose="020B0604020202020204" pitchFamily="34" charset="0"/>
+              <a:buChar char="•"/>
+            </a:pPr>
+            <a:r>
+              <a:rPr lang="ru-RU" dirty="0"/>
+              <a:t>+</a:t>
+            </a:r>
+          </a:p>
+          <a:p>
+            <a:endParaRPr lang="ru-RU" dirty="0"/>
+          </a:p>
+        </p:txBody>
+      </p:sp>
+    </p:spTree>
+    <p:extLst>
+      <p:ext uri="{BB962C8B-B14F-4D97-AF65-F5344CB8AC3E}">
+        <p14:creationId xmlns:p14="http://schemas.microsoft.com/office/powerpoint/2010/main" val="2995943153"/>
+      </p:ext>
+    </p:extLst>
+  </p:cSld>
+  <p:clrMapOvr>
+    <a:masterClrMapping/>
+  </p:clrMapOvr>
+  <p:timing>
+    <p:tnLst>
+      <p:par>
+        <p:cTn id="1" dur="indefinite" restart="never" nodeType="tmRoot"/>
+      </p:par>
+    </p:tnLst>
+  </p:timing>
+</p:sld>
+</file>
+
+<file path=ppt/slides/slide4.xml><?xml version="1.0" encoding="utf-8"?>
 <p:sld xmlns:a="http://schemas.openxmlformats.org/drawingml/2006/main" xmlns:r="http://schemas.openxmlformats.org/officeDocument/2006/relationships" xmlns:p="http://schemas.openxmlformats.org/presentationml/2006/main">
   <p:cSld>
     <p:spTree>
@@ -8903,7 +9201,12 @@
             <p:ph idx="1"/>
           </p:nvPr>
         </p:nvSpPr>
-        <p:spPr/>
+        <p:spPr>
+          <a:xfrm>
+            <a:off x="487043" y="1193801"/>
+            <a:ext cx="11028191" cy="4749800"/>
+          </a:xfrm>
+        </p:spPr>
         <p:txBody>
           <a:bodyPr>
             <a:normAutofit/>
@@ -8923,16 +9226,33 @@
             </a:r>
             <a:r>
               <a:rPr lang="ru-RU" sz="2400" dirty="0" smtClean="0"/>
-              <a:t>автоматизации тестирования </a:t>
+              <a:t>тестирования </a:t>
             </a:r>
             <a:r>
               <a:rPr lang="ru-RU" sz="2400" dirty="0"/>
-              <a:t>программного обеспечения гибким, не ресурсоемким и </a:t>
+              <a:t>программного </a:t>
             </a:r>
             <a:r>
               <a:rPr lang="ru-RU" sz="2400" dirty="0" smtClean="0"/>
-              <a:t>доступным.</a:t>
+              <a:t>обеспечения удобным, </a:t>
             </a:r>
+            <a:r>
+              <a:rPr lang="ru-RU" sz="2400" dirty="0"/>
+              <a:t>гибким, не ресурсоемким и </a:t>
+            </a:r>
+            <a:r>
+              <a:rPr lang="ru-RU" sz="2400" dirty="0" smtClean="0"/>
+              <a:t>доступным для </a:t>
+            </a:r>
+            <a:r>
+              <a:rPr lang="ru-RU" sz="2400" b="1" dirty="0" smtClean="0"/>
+              <a:t>непрограммистов</a:t>
+            </a:r>
+            <a:r>
+              <a:rPr lang="ru-RU" sz="2400" dirty="0" smtClean="0"/>
+              <a:t>.</a:t>
+            </a:r>
+            <a:endParaRPr lang="ru-RU" sz="2400" dirty="0" smtClean="0"/>
           </a:p>
           <a:p>
             <a:pPr marL="0" indent="0">
@@ -8946,31 +9266,51 @@
           <a:p>
             <a:r>
               <a:rPr lang="ru-RU" sz="2400" dirty="0" smtClean="0"/>
-              <a:t>Проанализировать существующие подходы к автоматизации тестирования в крупных компаниях</a:t>
-            </a:r>
-          </a:p>
-          <a:p>
-            <a:r>
-              <a:rPr lang="ru-RU" sz="2400" dirty="0" smtClean="0"/>
-              <a:t>Предложить оптимальный подход к решению проблем автоматизации тестирования</a:t>
-            </a:r>
-            <a:endParaRPr lang="en-US" sz="2400" dirty="0" smtClean="0"/>
-          </a:p>
-          <a:p>
-            <a:r>
-              <a:rPr lang="ru-RU" sz="2400" dirty="0" smtClean="0"/>
-              <a:t>Разработать архитектуру модулей будущего </a:t>
+              <a:t>проанализировать существующие подходы к автоматизации тестирования в крупных компаниях</a:t>
             </a:r>
             <a:r>
-              <a:rPr lang="ru-RU" sz="2400" dirty="0" err="1" smtClean="0"/>
-              <a:t>фреймворка</a:t>
+              <a:rPr lang="en-US" sz="2400" dirty="0" smtClean="0"/>
+              <a:t>;</a:t>
             </a:r>
             <a:endParaRPr lang="ru-RU" sz="2400" dirty="0" smtClean="0"/>
           </a:p>
           <a:p>
             <a:r>
               <a:rPr lang="ru-RU" sz="2400" dirty="0" smtClean="0"/>
-              <a:t>Разработать типовую модель автоматизированных тестов на контрольном примере</a:t>
+              <a:t>предложить оптимальное решение проблем связанных с автоматизацией тестирования</a:t>
+            </a:r>
+            <a:r>
+              <a:rPr lang="en-US" sz="2400" dirty="0" smtClean="0"/>
+              <a:t>;</a:t>
+            </a:r>
+          </a:p>
+          <a:p>
+            <a:r>
+              <a:rPr lang="ru-RU" sz="2400" dirty="0" smtClean="0"/>
+              <a:t>разработать архитектуру модулей</a:t>
+            </a:r>
+            <a:r>
+              <a:rPr lang="en-US" sz="2400" dirty="0" smtClean="0"/>
+              <a:t> </a:t>
+            </a:r>
+            <a:r>
+              <a:rPr lang="ru-RU" sz="2400" dirty="0" err="1" smtClean="0"/>
+              <a:t>фреймворка</a:t>
+            </a:r>
+            <a:r>
+              <a:rPr lang="en-US" sz="2400" dirty="0" smtClean="0"/>
+              <a:t>;</a:t>
+            </a:r>
+            <a:endParaRPr lang="ru-RU" sz="2400" dirty="0" smtClean="0"/>
+          </a:p>
+          <a:p>
+            <a:r>
+              <a:rPr lang="ru-RU" sz="2400" dirty="0" smtClean="0"/>
+              <a:t>разработать типовую модель автоматизированных тестов на контрольном примере</a:t>
+            </a:r>
+            <a:r>
+              <a:rPr lang="en-US" sz="2400" dirty="0" smtClean="0"/>
+              <a:t>.</a:t>
             </a:r>
             <a:endParaRPr lang="ru-RU" sz="2400" dirty="0" smtClean="0"/>
           </a:p>
@@ -9000,7 +9340,7 @@
             <a:fld id="{EF717E07-C66C-6149-98B7-03ADCD069AD7}" type="slidenum">
               <a:rPr lang="ru-RU" smtClean="0"/>
               <a:pPr/>
-              <a:t>2</a:t>
+              <a:t>4</a:t>
             </a:fld>
             <a:endParaRPr lang="ru-RU"/>
           </a:p>
@@ -9026,794 +9366,7 @@
 </p:sld>
 </file>
 
-<file path=ppt/slides/slide3.xml><?xml version="1.0" encoding="utf-8"?>
-<p:sld xmlns:a="http://schemas.openxmlformats.org/drawingml/2006/main" xmlns:r="http://schemas.openxmlformats.org/officeDocument/2006/relationships" xmlns:p="http://schemas.openxmlformats.org/presentationml/2006/main">
-  <p:cSld>
-    <p:spTree>
-      <p:nvGrpSpPr>
-        <p:cNvPr id="1" name=""/>
-        <p:cNvGrpSpPr/>
-        <p:nvPr/>
-      </p:nvGrpSpPr>
-      <p:grpSpPr>
-        <a:xfrm>
-          <a:off x="0" y="0"/>
-          <a:ext cx="0" cy="0"/>
-          <a:chOff x="0" y="0"/>
-          <a:chExt cx="0" cy="0"/>
-        </a:xfrm>
-      </p:grpSpPr>
-      <p:sp>
-        <p:nvSpPr>
-          <p:cNvPr id="2" name="Заголовок 1"/>
-          <p:cNvSpPr>
-            <a:spLocks noGrp="1"/>
-          </p:cNvSpPr>
-          <p:nvPr>
-            <p:ph type="title"/>
-          </p:nvPr>
-        </p:nvSpPr>
-        <p:spPr/>
-        <p:txBody>
-          <a:bodyPr/>
-          <a:lstStyle/>
-          <a:p>
-            <a:r>
-              <a:rPr lang="ru-RU" dirty="0" smtClean="0"/>
-              <a:t>Тестирование и его место в цикле разработки</a:t>
-            </a:r>
-            <a:endParaRPr lang="ru-RU" dirty="0"/>
-          </a:p>
-        </p:txBody>
-      </p:sp>
-      <p:sp>
-        <p:nvSpPr>
-          <p:cNvPr id="4" name="Номер слайда 3"/>
-          <p:cNvSpPr>
-            <a:spLocks noGrp="1"/>
-          </p:cNvSpPr>
-          <p:nvPr>
-            <p:ph type="sldNum" sz="quarter" idx="12"/>
-          </p:nvPr>
-        </p:nvSpPr>
-        <p:spPr/>
-        <p:txBody>
-          <a:bodyPr/>
-          <a:lstStyle/>
-          <a:p>
-            <a:fld id="{EF717E07-C66C-6149-98B7-03ADCD069AD7}" type="slidenum">
-              <a:rPr lang="ru-RU" smtClean="0"/>
-              <a:pPr/>
-              <a:t>3</a:t>
-            </a:fld>
-            <a:endParaRPr lang="ru-RU" dirty="0"/>
-          </a:p>
-        </p:txBody>
-      </p:sp>
-      <p:pic>
-        <p:nvPicPr>
-          <p:cNvPr id="9" name="Рисунок 8"/>
-          <p:cNvPicPr>
-            <a:picLocks noChangeAspect="1"/>
-          </p:cNvPicPr>
-          <p:nvPr/>
-        </p:nvPicPr>
-        <p:blipFill>
-          <a:blip r:embed="rId2"/>
-          <a:stretch>
-            <a:fillRect/>
-          </a:stretch>
-        </p:blipFill>
-        <p:spPr>
-          <a:xfrm>
-            <a:off x="952441" y="827279"/>
-            <a:ext cx="10184667" cy="5560161"/>
-          </a:xfrm>
-          <a:prstGeom prst="rect">
-            <a:avLst/>
-          </a:prstGeom>
-        </p:spPr>
-      </p:pic>
-    </p:spTree>
-    <p:extLst>
-      <p:ext uri="{BB962C8B-B14F-4D97-AF65-F5344CB8AC3E}">
-        <p14:creationId xmlns:p14="http://schemas.microsoft.com/office/powerpoint/2010/main" val="1153039697"/>
-      </p:ext>
-    </p:extLst>
-  </p:cSld>
-  <p:clrMapOvr>
-    <a:masterClrMapping/>
-  </p:clrMapOvr>
-  <p:timing>
-    <p:tnLst>
-      <p:par>
-        <p:cTn id="1" dur="indefinite" restart="never" nodeType="tmRoot"/>
-      </p:par>
-    </p:tnLst>
-  </p:timing>
-</p:sld>
-</file>
-
-<file path=ppt/slides/slide4.xml><?xml version="1.0" encoding="utf-8"?>
-<p:sld xmlns:a="http://schemas.openxmlformats.org/drawingml/2006/main" xmlns:r="http://schemas.openxmlformats.org/officeDocument/2006/relationships" xmlns:p="http://schemas.openxmlformats.org/presentationml/2006/main">
-  <p:cSld>
-    <p:spTree>
-      <p:nvGrpSpPr>
-        <p:cNvPr id="1" name=""/>
-        <p:cNvGrpSpPr/>
-        <p:nvPr/>
-      </p:nvGrpSpPr>
-      <p:grpSpPr>
-        <a:xfrm>
-          <a:off x="0" y="0"/>
-          <a:ext cx="0" cy="0"/>
-          <a:chOff x="0" y="0"/>
-          <a:chExt cx="0" cy="0"/>
-        </a:xfrm>
-      </p:grpSpPr>
-      <p:sp>
-        <p:nvSpPr>
-          <p:cNvPr id="2" name="Заголовок 1"/>
-          <p:cNvSpPr>
-            <a:spLocks noGrp="1"/>
-          </p:cNvSpPr>
-          <p:nvPr>
-            <p:ph type="title"/>
-          </p:nvPr>
-        </p:nvSpPr>
-        <p:spPr/>
-        <p:txBody>
-          <a:bodyPr/>
-          <a:lstStyle/>
-          <a:p>
-            <a:r>
-              <a:rPr lang="ru-RU" dirty="0" smtClean="0"/>
-              <a:t>Что такое автоматизированное тестирование?</a:t>
-            </a:r>
-            <a:endParaRPr lang="ru-RU" dirty="0"/>
-          </a:p>
-        </p:txBody>
-      </p:sp>
-      <p:sp>
-        <p:nvSpPr>
-          <p:cNvPr id="4" name="Номер слайда 3"/>
-          <p:cNvSpPr>
-            <a:spLocks noGrp="1"/>
-          </p:cNvSpPr>
-          <p:nvPr>
-            <p:ph type="sldNum" sz="quarter" idx="12"/>
-          </p:nvPr>
-        </p:nvSpPr>
-        <p:spPr/>
-        <p:txBody>
-          <a:bodyPr/>
-          <a:lstStyle/>
-          <a:p>
-            <a:fld id="{EF717E07-C66C-6149-98B7-03ADCD069AD7}" type="slidenum">
-              <a:rPr lang="ru-RU" smtClean="0"/>
-              <a:pPr/>
-              <a:t>4</a:t>
-            </a:fld>
-            <a:endParaRPr lang="ru-RU" dirty="0"/>
-          </a:p>
-        </p:txBody>
-      </p:sp>
-      <p:sp>
-        <p:nvSpPr>
-          <p:cNvPr id="3" name="Объект 2"/>
-          <p:cNvSpPr>
-            <a:spLocks noGrp="1"/>
-          </p:cNvSpPr>
-          <p:nvPr>
-            <p:ph idx="1"/>
-          </p:nvPr>
-        </p:nvSpPr>
-        <p:spPr/>
-        <p:txBody>
-          <a:bodyPr/>
-          <a:lstStyle/>
-          <a:p>
-            <a:r>
-              <a:rPr lang="ru-RU" dirty="0" smtClean="0"/>
-              <a:t>Автоматизированное тестирование – это программа, которая проверяет работу сайтов, мобильных приложений, баз данных, </a:t>
-            </a:r>
-            <a:r>
-              <a:rPr lang="en-US" dirty="0" smtClean="0"/>
-              <a:t>API</a:t>
-            </a:r>
-            <a:r>
-              <a:rPr lang="ru-RU" dirty="0"/>
-              <a:t> </a:t>
-            </a:r>
-            <a:r>
-              <a:rPr lang="ru-RU" dirty="0" smtClean="0"/>
-              <a:t>и пользовательских интерфейсов.</a:t>
-            </a:r>
-          </a:p>
-          <a:p>
-            <a:pPr marL="0" indent="0">
-              <a:buNone/>
-            </a:pPr>
-            <a:endParaRPr lang="ru-RU" dirty="0" smtClean="0"/>
-          </a:p>
-        </p:txBody>
-      </p:sp>
-      <p:pic>
-        <p:nvPicPr>
-          <p:cNvPr id="7" name="Рисунок 6"/>
-          <p:cNvPicPr>
-            <a:picLocks noChangeAspect="1"/>
-          </p:cNvPicPr>
-          <p:nvPr/>
-        </p:nvPicPr>
-        <p:blipFill>
-          <a:blip r:embed="rId2"/>
-          <a:stretch>
-            <a:fillRect/>
-          </a:stretch>
-        </p:blipFill>
-        <p:spPr>
-          <a:xfrm>
-            <a:off x="487044" y="3475395"/>
-            <a:ext cx="11123945" cy="2468206"/>
-          </a:xfrm>
-          <a:prstGeom prst="rect">
-            <a:avLst/>
-          </a:prstGeom>
-        </p:spPr>
-      </p:pic>
-    </p:spTree>
-    <p:extLst>
-      <p:ext uri="{BB962C8B-B14F-4D97-AF65-F5344CB8AC3E}">
-        <p14:creationId xmlns:p14="http://schemas.microsoft.com/office/powerpoint/2010/main" val="2995943153"/>
-      </p:ext>
-    </p:extLst>
-  </p:cSld>
-  <p:clrMapOvr>
-    <a:masterClrMapping/>
-  </p:clrMapOvr>
-  <p:timing>
-    <p:tnLst>
-      <p:par>
-        <p:cTn id="1" dur="indefinite" restart="never" nodeType="tmRoot"/>
-      </p:par>
-    </p:tnLst>
-  </p:timing>
-</p:sld>
-</file>
-
 <file path=ppt/slides/slide5.xml><?xml version="1.0" encoding="utf-8"?>
-<p:sld xmlns:a="http://schemas.openxmlformats.org/drawingml/2006/main" xmlns:r="http://schemas.openxmlformats.org/officeDocument/2006/relationships" xmlns:p="http://schemas.openxmlformats.org/presentationml/2006/main">
-  <p:cSld>
-    <p:spTree>
-      <p:nvGrpSpPr>
-        <p:cNvPr id="1" name=""/>
-        <p:cNvGrpSpPr/>
-        <p:nvPr/>
-      </p:nvGrpSpPr>
-      <p:grpSpPr>
-        <a:xfrm>
-          <a:off x="0" y="0"/>
-          <a:ext cx="0" cy="0"/>
-          <a:chOff x="0" y="0"/>
-          <a:chExt cx="0" cy="0"/>
-        </a:xfrm>
-      </p:grpSpPr>
-      <p:sp>
-        <p:nvSpPr>
-          <p:cNvPr id="2" name="Заголовок 1"/>
-          <p:cNvSpPr>
-            <a:spLocks noGrp="1"/>
-          </p:cNvSpPr>
-          <p:nvPr>
-            <p:ph type="title"/>
-          </p:nvPr>
-        </p:nvSpPr>
-        <p:spPr>
-          <a:xfrm>
-            <a:off x="685800" y="319731"/>
-            <a:ext cx="11248053" cy="506896"/>
-          </a:xfrm>
-        </p:spPr>
-        <p:txBody>
-          <a:bodyPr/>
-          <a:lstStyle/>
-          <a:p>
-            <a:r>
-              <a:rPr lang="ru-RU" dirty="0" smtClean="0"/>
-              <a:t>Преимущества автоматизированного тестирования</a:t>
-            </a:r>
-            <a:endParaRPr lang="ru-RU" dirty="0"/>
-          </a:p>
-        </p:txBody>
-      </p:sp>
-      <p:sp>
-        <p:nvSpPr>
-          <p:cNvPr id="4" name="Номер слайда 3"/>
-          <p:cNvSpPr>
-            <a:spLocks noGrp="1"/>
-          </p:cNvSpPr>
-          <p:nvPr>
-            <p:ph type="sldNum" sz="quarter" idx="12"/>
-          </p:nvPr>
-        </p:nvSpPr>
-        <p:spPr/>
-        <p:txBody>
-          <a:bodyPr/>
-          <a:lstStyle/>
-          <a:p>
-            <a:fld id="{EF717E07-C66C-6149-98B7-03ADCD069AD7}" type="slidenum">
-              <a:rPr lang="ru-RU" smtClean="0"/>
-              <a:pPr/>
-              <a:t>5</a:t>
-            </a:fld>
-            <a:endParaRPr lang="ru-RU"/>
-          </a:p>
-        </p:txBody>
-      </p:sp>
-      <p:sp>
-        <p:nvSpPr>
-          <p:cNvPr id="3" name="Объект 2"/>
-          <p:cNvSpPr>
-            <a:spLocks noGrp="1"/>
-          </p:cNvSpPr>
-          <p:nvPr>
-            <p:ph idx="1"/>
-          </p:nvPr>
-        </p:nvSpPr>
-        <p:spPr/>
-        <p:txBody>
-          <a:bodyPr/>
-          <a:lstStyle/>
-          <a:p>
-            <a:pPr marL="0" indent="0">
-              <a:buNone/>
-            </a:pPr>
-            <a:r>
-              <a:rPr lang="ru-RU" dirty="0" smtClean="0"/>
-              <a:t>Автоматизированные тесты: </a:t>
-            </a:r>
-          </a:p>
-          <a:p>
-            <a:r>
-              <a:rPr lang="ru-RU" dirty="0" smtClean="0"/>
-              <a:t>Скорость работы тестов гораздо выше, чем у человека</a:t>
-            </a:r>
-            <a:r>
-              <a:rPr lang="en-US" dirty="0" smtClean="0"/>
-              <a:t>;</a:t>
-            </a:r>
-            <a:endParaRPr lang="ru-RU" dirty="0" smtClean="0"/>
-          </a:p>
-          <a:p>
-            <a:r>
-              <a:rPr lang="ru-RU" dirty="0" smtClean="0"/>
-              <a:t>Тесты работают одновременно</a:t>
-            </a:r>
-            <a:r>
-              <a:rPr lang="ru-RU" dirty="0"/>
-              <a:t>, в асинхронном </a:t>
-            </a:r>
-            <a:r>
-              <a:rPr lang="ru-RU" dirty="0" smtClean="0"/>
-              <a:t>режиме</a:t>
-            </a:r>
-            <a:r>
-              <a:rPr lang="en-US" dirty="0"/>
-              <a:t>;</a:t>
-            </a:r>
-            <a:endParaRPr lang="ru-RU" dirty="0" smtClean="0"/>
-          </a:p>
-          <a:p>
-            <a:pPr lvl="0"/>
-            <a:r>
-              <a:rPr lang="ru-RU" dirty="0" smtClean="0"/>
-              <a:t>Отсутствие влияния человеческого фактора</a:t>
-            </a:r>
-            <a:r>
-              <a:rPr lang="en-US" dirty="0" smtClean="0"/>
-              <a:t>;</a:t>
-            </a:r>
-            <a:endParaRPr lang="ru-RU" dirty="0" smtClean="0"/>
-          </a:p>
-          <a:p>
-            <a:r>
-              <a:rPr lang="ru-RU" dirty="0" smtClean="0"/>
-              <a:t>Возможность гибкой настройки и простоты технической поддержки</a:t>
-            </a:r>
-            <a:r>
-              <a:rPr lang="en-US" dirty="0" smtClean="0"/>
-              <a:t>;</a:t>
-            </a:r>
-            <a:endParaRPr lang="ru-RU" dirty="0" smtClean="0"/>
-          </a:p>
-          <a:p>
-            <a:pPr lvl="0"/>
-            <a:r>
-              <a:rPr lang="ru-RU" dirty="0" smtClean="0"/>
-              <a:t>Возможность быстрого выполнения тестирования приложения целиком.</a:t>
-            </a:r>
-            <a:endParaRPr lang="ru-RU" dirty="0"/>
-          </a:p>
-          <a:p>
-            <a:endParaRPr lang="ru-RU" dirty="0"/>
-          </a:p>
-          <a:p>
-            <a:pPr lvl="0"/>
-            <a:endParaRPr lang="ru-RU" dirty="0"/>
-          </a:p>
-          <a:p>
-            <a:endParaRPr lang="ru-RU" dirty="0"/>
-          </a:p>
-        </p:txBody>
-      </p:sp>
-    </p:spTree>
-    <p:extLst>
-      <p:ext uri="{BB962C8B-B14F-4D97-AF65-F5344CB8AC3E}">
-        <p14:creationId xmlns:p14="http://schemas.microsoft.com/office/powerpoint/2010/main" val="82060962"/>
-      </p:ext>
-    </p:extLst>
-  </p:cSld>
-  <p:clrMapOvr>
-    <a:masterClrMapping/>
-  </p:clrMapOvr>
-  <p:timing>
-    <p:tnLst>
-      <p:par>
-        <p:cTn id="1" dur="indefinite" restart="never" nodeType="tmRoot"/>
-      </p:par>
-    </p:tnLst>
-  </p:timing>
-</p:sld>
-</file>
-
-<file path=ppt/slides/slide6.xml><?xml version="1.0" encoding="utf-8"?>
-<p:sld xmlns:a="http://schemas.openxmlformats.org/drawingml/2006/main" xmlns:r="http://schemas.openxmlformats.org/officeDocument/2006/relationships" xmlns:p="http://schemas.openxmlformats.org/presentationml/2006/main">
-  <p:cSld>
-    <p:spTree>
-      <p:nvGrpSpPr>
-        <p:cNvPr id="1" name=""/>
-        <p:cNvGrpSpPr/>
-        <p:nvPr/>
-      </p:nvGrpSpPr>
-      <p:grpSpPr>
-        <a:xfrm>
-          <a:off x="0" y="0"/>
-          <a:ext cx="0" cy="0"/>
-          <a:chOff x="0" y="0"/>
-          <a:chExt cx="0" cy="0"/>
-        </a:xfrm>
-      </p:grpSpPr>
-      <p:sp>
-        <p:nvSpPr>
-          <p:cNvPr id="2" name="Заголовок 1"/>
-          <p:cNvSpPr>
-            <a:spLocks noGrp="1"/>
-          </p:cNvSpPr>
-          <p:nvPr>
-            <p:ph type="title"/>
-          </p:nvPr>
-        </p:nvSpPr>
-        <p:spPr>
-          <a:xfrm>
-            <a:off x="685800" y="319731"/>
-            <a:ext cx="10668000" cy="506896"/>
-          </a:xfrm>
-        </p:spPr>
-        <p:txBody>
-          <a:bodyPr/>
-          <a:lstStyle/>
-          <a:p>
-            <a:r>
-              <a:rPr lang="ru-RU" dirty="0" smtClean="0"/>
-              <a:t>Переход от ручного тестирования к авто-тестам</a:t>
-            </a:r>
-            <a:endParaRPr lang="ru-RU" dirty="0"/>
-          </a:p>
-        </p:txBody>
-      </p:sp>
-      <p:sp>
-        <p:nvSpPr>
-          <p:cNvPr id="4" name="Номер слайда 3"/>
-          <p:cNvSpPr>
-            <a:spLocks noGrp="1"/>
-          </p:cNvSpPr>
-          <p:nvPr>
-            <p:ph type="sldNum" sz="quarter" idx="12"/>
-          </p:nvPr>
-        </p:nvSpPr>
-        <p:spPr/>
-        <p:txBody>
-          <a:bodyPr/>
-          <a:lstStyle/>
-          <a:p>
-            <a:fld id="{EF717E07-C66C-6149-98B7-03ADCD069AD7}" type="slidenum">
-              <a:rPr lang="ru-RU" smtClean="0"/>
-              <a:pPr/>
-              <a:t>6</a:t>
-            </a:fld>
-            <a:endParaRPr lang="ru-RU"/>
-          </a:p>
-        </p:txBody>
-      </p:sp>
-      <p:sp>
-        <p:nvSpPr>
-          <p:cNvPr id="3" name="Объект 2"/>
-          <p:cNvSpPr>
-            <a:spLocks noGrp="1"/>
-          </p:cNvSpPr>
-          <p:nvPr>
-            <p:ph idx="1"/>
-          </p:nvPr>
-        </p:nvSpPr>
-        <p:spPr/>
-        <p:txBody>
-          <a:bodyPr>
-            <a:normAutofit/>
-          </a:bodyPr>
-          <a:lstStyle/>
-          <a:p>
-            <a:r>
-              <a:rPr lang="ru-RU" sz="1800" dirty="0" smtClean="0"/>
-              <a:t>Специалисты по ручному тестированию передают тестовые сценарии на автоматизацию.</a:t>
-            </a:r>
-          </a:p>
-          <a:p>
-            <a:r>
-              <a:rPr lang="ru-RU" sz="1800" dirty="0"/>
-              <a:t>Специалисты по </a:t>
-            </a:r>
-            <a:r>
-              <a:rPr lang="ru-RU" sz="1800" dirty="0" smtClean="0"/>
-              <a:t>автоматизированному тестированию разрабатывают авто-тесты, далее получают новые сценарии к реализации.</a:t>
-            </a:r>
-          </a:p>
-          <a:p>
-            <a:r>
-              <a:rPr lang="ru-RU" sz="1800" dirty="0" smtClean="0"/>
-              <a:t>Таким образом происходит уменьшение ручных тестов в пользу автоматизированных.</a:t>
-            </a:r>
-            <a:endParaRPr lang="ru-RU" sz="1800" dirty="0"/>
-          </a:p>
-        </p:txBody>
-      </p:sp>
-      <p:pic>
-        <p:nvPicPr>
-          <p:cNvPr id="2050" name="Picture 2" descr="https://imgr.whimsical.com/object/6mZuFBrywTUmQSxA9XE6zX"/>
-          <p:cNvPicPr>
-            <a:picLocks noChangeAspect="1" noChangeArrowheads="1"/>
-          </p:cNvPicPr>
-          <p:nvPr/>
-        </p:nvPicPr>
-        <p:blipFill rotWithShape="1">
-          <a:blip r:embed="rId2">
-            <a:extLst>
-              <a:ext uri="{28A0092B-C50C-407E-A947-70E740481C1C}">
-                <a14:useLocalDpi xmlns:a14="http://schemas.microsoft.com/office/drawing/2010/main" val="0"/>
-              </a:ext>
-            </a:extLst>
-          </a:blip>
-          <a:srcRect r="10966"/>
-          <a:stretch/>
-        </p:blipFill>
-        <p:spPr bwMode="auto">
-          <a:xfrm>
-            <a:off x="304800" y="2673544"/>
-            <a:ext cx="5826304" cy="3424645"/>
-          </a:xfrm>
-          <a:prstGeom prst="rect">
-            <a:avLst/>
-          </a:prstGeom>
-          <a:noFill/>
-          <a:extLst>
-            <a:ext uri="{909E8E84-426E-40DD-AFC4-6F175D3DCCD1}">
-              <a14:hiddenFill xmlns:a14="http://schemas.microsoft.com/office/drawing/2010/main">
-                <a:solidFill>
-                  <a:srgbClr val="FFFFFF"/>
-                </a:solidFill>
-              </a14:hiddenFill>
-            </a:ext>
-          </a:extLst>
-        </p:spPr>
-      </p:pic>
-      <p:pic>
-        <p:nvPicPr>
-          <p:cNvPr id="2052" name="Picture 4" descr="https://imgr.whimsical.com/object/J66D9DPc4o1YavzUWxCRTq"/>
-          <p:cNvPicPr>
-            <a:picLocks noChangeAspect="1" noChangeArrowheads="1"/>
-          </p:cNvPicPr>
-          <p:nvPr/>
-        </p:nvPicPr>
-        <p:blipFill rotWithShape="1">
-          <a:blip r:embed="rId3">
-            <a:extLst>
-              <a:ext uri="{28A0092B-C50C-407E-A947-70E740481C1C}">
-                <a14:useLocalDpi xmlns:a14="http://schemas.microsoft.com/office/drawing/2010/main" val="0"/>
-              </a:ext>
-            </a:extLst>
-          </a:blip>
-          <a:srcRect r="24675"/>
-          <a:stretch/>
-        </p:blipFill>
-        <p:spPr bwMode="auto">
-          <a:xfrm>
-            <a:off x="6266068" y="2673544"/>
-            <a:ext cx="5553565" cy="3858440"/>
-          </a:xfrm>
-          <a:prstGeom prst="rect">
-            <a:avLst/>
-          </a:prstGeom>
-          <a:noFill/>
-          <a:extLst>
-            <a:ext uri="{909E8E84-426E-40DD-AFC4-6F175D3DCCD1}">
-              <a14:hiddenFill xmlns:a14="http://schemas.microsoft.com/office/drawing/2010/main">
-                <a:solidFill>
-                  <a:srgbClr val="FFFFFF"/>
-                </a:solidFill>
-              </a14:hiddenFill>
-            </a:ext>
-          </a:extLst>
-        </p:spPr>
-      </p:pic>
-    </p:spTree>
-    <p:extLst>
-      <p:ext uri="{BB962C8B-B14F-4D97-AF65-F5344CB8AC3E}">
-        <p14:creationId xmlns:p14="http://schemas.microsoft.com/office/powerpoint/2010/main" val="2634536443"/>
-      </p:ext>
-    </p:extLst>
-  </p:cSld>
-  <p:clrMapOvr>
-    <a:masterClrMapping/>
-  </p:clrMapOvr>
-  <p:timing>
-    <p:tnLst>
-      <p:par>
-        <p:cTn id="1" dur="indefinite" restart="never" nodeType="tmRoot"/>
-      </p:par>
-    </p:tnLst>
-  </p:timing>
-</p:sld>
-</file>
-
-<file path=ppt/slides/slide7.xml><?xml version="1.0" encoding="utf-8"?>
-<p:sld xmlns:a="http://schemas.openxmlformats.org/drawingml/2006/main" xmlns:r="http://schemas.openxmlformats.org/officeDocument/2006/relationships" xmlns:p="http://schemas.openxmlformats.org/presentationml/2006/main">
-  <p:cSld>
-    <p:spTree>
-      <p:nvGrpSpPr>
-        <p:cNvPr id="1" name=""/>
-        <p:cNvGrpSpPr/>
-        <p:nvPr/>
-      </p:nvGrpSpPr>
-      <p:grpSpPr>
-        <a:xfrm>
-          <a:off x="0" y="0"/>
-          <a:ext cx="0" cy="0"/>
-          <a:chOff x="0" y="0"/>
-          <a:chExt cx="0" cy="0"/>
-        </a:xfrm>
-      </p:grpSpPr>
-      <p:sp>
-        <p:nvSpPr>
-          <p:cNvPr id="2" name="Заголовок 1"/>
-          <p:cNvSpPr>
-            <a:spLocks noGrp="1"/>
-          </p:cNvSpPr>
-          <p:nvPr>
-            <p:ph type="title"/>
-          </p:nvPr>
-        </p:nvSpPr>
-        <p:spPr>
-          <a:xfrm>
-            <a:off x="685801" y="319731"/>
-            <a:ext cx="11667930" cy="506896"/>
-          </a:xfrm>
-        </p:spPr>
-        <p:txBody>
-          <a:bodyPr/>
-          <a:lstStyle/>
-          <a:p>
-            <a:r>
-              <a:rPr lang="ru-RU" dirty="0" smtClean="0"/>
-              <a:t>Переход </a:t>
-            </a:r>
-            <a:r>
-              <a:rPr lang="ru-RU" dirty="0" smtClean="0"/>
-              <a:t>от </a:t>
-            </a:r>
-            <a:r>
-              <a:rPr lang="ru-RU" dirty="0" smtClean="0"/>
-              <a:t>ручного к авто-тестированию</a:t>
-            </a:r>
-            <a:endParaRPr lang="ru-RU" dirty="0"/>
-          </a:p>
-        </p:txBody>
-      </p:sp>
-      <p:sp>
-        <p:nvSpPr>
-          <p:cNvPr id="4" name="Номер слайда 3"/>
-          <p:cNvSpPr>
-            <a:spLocks noGrp="1"/>
-          </p:cNvSpPr>
-          <p:nvPr>
-            <p:ph type="sldNum" sz="quarter" idx="12"/>
-          </p:nvPr>
-        </p:nvSpPr>
-        <p:spPr/>
-        <p:txBody>
-          <a:bodyPr/>
-          <a:lstStyle/>
-          <a:p>
-            <a:fld id="{EF717E07-C66C-6149-98B7-03ADCD069AD7}" type="slidenum">
-              <a:rPr lang="ru-RU" smtClean="0"/>
-              <a:pPr/>
-              <a:t>7</a:t>
-            </a:fld>
-            <a:endParaRPr lang="ru-RU"/>
-          </a:p>
-        </p:txBody>
-      </p:sp>
-      <p:sp>
-        <p:nvSpPr>
-          <p:cNvPr id="7" name="Объект 6"/>
-          <p:cNvSpPr>
-            <a:spLocks noGrp="1"/>
-          </p:cNvSpPr>
-          <p:nvPr>
-            <p:ph idx="1"/>
-          </p:nvPr>
-        </p:nvSpPr>
-        <p:spPr/>
-        <p:txBody>
-          <a:bodyPr/>
-          <a:lstStyle/>
-          <a:p>
-            <a:r>
-              <a:rPr lang="ru-RU" dirty="0" smtClean="0"/>
-              <a:t>Из-за постоянных обновлений приложения авто-тесты часто устаревают.</a:t>
-            </a:r>
-          </a:p>
-          <a:p>
-            <a:r>
-              <a:rPr lang="ru-RU" dirty="0" smtClean="0"/>
-              <a:t>Устаревшие авто-тесты необходимо обновить, на это уходит много времени.</a:t>
-            </a:r>
-          </a:p>
-          <a:p>
-            <a:r>
-              <a:rPr lang="ru-RU" dirty="0" smtClean="0"/>
-              <a:t>Пока специалисты по автоматизированному тестированию обновляют уже написанные авто-тесты, специалисты по ручному тестированию создают всё больше и больше сценариев.</a:t>
-            </a:r>
-          </a:p>
-          <a:p>
-            <a:r>
-              <a:rPr lang="ru-RU" dirty="0" smtClean="0"/>
-              <a:t>Таким образом, с текущим подходом по автоматизации эффективность авто-тестов падает.</a:t>
-            </a:r>
-            <a:endParaRPr lang="ru-RU" dirty="0"/>
-          </a:p>
-        </p:txBody>
-      </p:sp>
-    </p:spTree>
-    <p:extLst>
-      <p:ext uri="{BB962C8B-B14F-4D97-AF65-F5344CB8AC3E}">
-        <p14:creationId xmlns:p14="http://schemas.microsoft.com/office/powerpoint/2010/main" val="3459333985"/>
-      </p:ext>
-    </p:extLst>
-  </p:cSld>
-  <p:clrMapOvr>
-    <a:masterClrMapping/>
-  </p:clrMapOvr>
-  <p:timing>
-    <p:tnLst>
-      <p:par>
-        <p:cTn id="1" dur="indefinite" restart="never" nodeType="tmRoot"/>
-      </p:par>
-    </p:tnLst>
-  </p:timing>
-</p:sld>
-</file>
-
-<file path=ppt/slides/slide8.xml><?xml version="1.0" encoding="utf-8"?>
 <p:sld xmlns:a="http://schemas.openxmlformats.org/drawingml/2006/main" xmlns:r="http://schemas.openxmlformats.org/officeDocument/2006/relationships" xmlns:p="http://schemas.openxmlformats.org/presentationml/2006/main">
   <p:cSld>
     <p:spTree>
@@ -9876,7 +9429,7 @@
             <a:fld id="{EF717E07-C66C-6149-98B7-03ADCD069AD7}" type="slidenum">
               <a:rPr lang="ru-RU" smtClean="0"/>
               <a:pPr/>
-              <a:t>8</a:t>
+              <a:t>5</a:t>
             </a:fld>
             <a:endParaRPr lang="ru-RU"/>
           </a:p>
@@ -9928,45 +9481,6 @@
           </a:p>
         </p:txBody>
       </p:sp>
-      <p:pic>
-        <p:nvPicPr>
-          <p:cNvPr id="1026" name="Picture 2" descr="https://imgr.whimsical.com/object/P686MJT2SoG2hSVKbtizfc"/>
-          <p:cNvPicPr>
-            <a:picLocks noChangeAspect="1" noChangeArrowheads="1"/>
-          </p:cNvPicPr>
-          <p:nvPr/>
-        </p:nvPicPr>
-        <p:blipFill rotWithShape="1">
-          <a:blip r:embed="rId2">
-            <a:extLst>
-              <a:ext uri="{28A0092B-C50C-407E-A947-70E740481C1C}">
-                <a14:useLocalDpi xmlns:a14="http://schemas.microsoft.com/office/drawing/2010/main" val="0"/>
-              </a:ext>
-            </a:extLst>
-          </a:blip>
-          <a:srcRect b="35572"/>
-          <a:stretch/>
-        </p:blipFill>
-        <p:spPr bwMode="auto">
-          <a:xfrm>
-            <a:off x="2276207" y="3453094"/>
-            <a:ext cx="7648621" cy="2602473"/>
-          </a:xfrm>
-          <a:prstGeom prst="rect">
-            <a:avLst/>
-          </a:prstGeom>
-          <a:noFill/>
-          <a:extLst>
-            <a:ext uri="{909E8E84-426E-40DD-AFC4-6F175D3DCCD1}">
-              <a14:hiddenFill xmlns:a14="http://schemas.microsoft.com/office/drawing/2010/main">
-                <a:solidFill>
-                  <a:srgbClr val="FFFFFF"/>
-                </a:solidFill>
-              </a14:hiddenFill>
-            </a:ext>
-          </a:extLst>
-        </p:spPr>
-      </p:pic>
     </p:spTree>
     <p:extLst>
       <p:ext uri="{BB962C8B-B14F-4D97-AF65-F5344CB8AC3E}">
@@ -9987,7 +9501,7 @@
 </p:sld>
 </file>
 
-<file path=ppt/slides/slide9.xml><?xml version="1.0" encoding="utf-8"?>
+<file path=ppt/slides/slide6.xml><?xml version="1.0" encoding="utf-8"?>
 <p:sld xmlns:a="http://schemas.openxmlformats.org/drawingml/2006/main" xmlns:r="http://schemas.openxmlformats.org/officeDocument/2006/relationships" xmlns:p="http://schemas.openxmlformats.org/presentationml/2006/main">
   <p:cSld>
     <p:spTree>
@@ -10045,27 +9559,8 @@
             <a:fld id="{EF717E07-C66C-6149-98B7-03ADCD069AD7}" type="slidenum">
               <a:rPr lang="ru-RU" smtClean="0"/>
               <a:pPr/>
-              <a:t>9</a:t>
+              <a:t>6</a:t>
             </a:fld>
-            <a:endParaRPr lang="ru-RU"/>
-          </a:p>
-        </p:txBody>
-      </p:sp>
-      <p:sp>
-        <p:nvSpPr>
-          <p:cNvPr id="6" name="Объект 5"/>
-          <p:cNvSpPr>
-            <a:spLocks noGrp="1"/>
-          </p:cNvSpPr>
-          <p:nvPr>
-            <p:ph idx="1"/>
-          </p:nvPr>
-        </p:nvSpPr>
-        <p:spPr/>
-        <p:txBody>
-          <a:bodyPr/>
-          <a:lstStyle/>
-          <a:p>
             <a:endParaRPr lang="ru-RU"/>
           </a:p>
         </p:txBody>
@@ -10098,6 +9593,392 @@
     <p:extLst>
       <p:ext uri="{BB962C8B-B14F-4D97-AF65-F5344CB8AC3E}">
         <p14:creationId xmlns:p14="http://schemas.microsoft.com/office/powerpoint/2010/main" val="1871869421"/>
+      </p:ext>
+    </p:extLst>
+  </p:cSld>
+  <p:clrMapOvr>
+    <a:masterClrMapping/>
+  </p:clrMapOvr>
+  <p:timing>
+    <p:tnLst>
+      <p:par>
+        <p:cTn id="1" dur="indefinite" restart="never" nodeType="tmRoot"/>
+      </p:par>
+    </p:tnLst>
+  </p:timing>
+</p:sld>
+</file>
+
+<file path=ppt/slides/slide7.xml><?xml version="1.0" encoding="utf-8"?>
+<p:sld xmlns:a="http://schemas.openxmlformats.org/drawingml/2006/main" xmlns:r="http://schemas.openxmlformats.org/officeDocument/2006/relationships" xmlns:p="http://schemas.openxmlformats.org/presentationml/2006/main">
+  <p:cSld>
+    <p:spTree>
+      <p:nvGrpSpPr>
+        <p:cNvPr id="1" name=""/>
+        <p:cNvGrpSpPr/>
+        <p:nvPr/>
+      </p:nvGrpSpPr>
+      <p:grpSpPr>
+        <a:xfrm>
+          <a:off x="0" y="0"/>
+          <a:ext cx="0" cy="0"/>
+          <a:chOff x="0" y="0"/>
+          <a:chExt cx="0" cy="0"/>
+        </a:xfrm>
+      </p:grpSpPr>
+      <p:sp>
+        <p:nvSpPr>
+          <p:cNvPr id="2" name="Заголовок 1"/>
+          <p:cNvSpPr>
+            <a:spLocks noGrp="1"/>
+          </p:cNvSpPr>
+          <p:nvPr>
+            <p:ph type="title"/>
+          </p:nvPr>
+        </p:nvSpPr>
+        <p:spPr/>
+        <p:txBody>
+          <a:bodyPr/>
+          <a:lstStyle/>
+          <a:p>
+            <a:r>
+              <a:rPr lang="ru-RU" dirty="0" smtClean="0"/>
+              <a:t>Шаблоны (методы)</a:t>
+            </a:r>
+            <a:endParaRPr lang="ru-RU" dirty="0"/>
+          </a:p>
+        </p:txBody>
+      </p:sp>
+      <p:sp>
+        <p:nvSpPr>
+          <p:cNvPr id="4" name="Номер слайда 3"/>
+          <p:cNvSpPr>
+            <a:spLocks noGrp="1"/>
+          </p:cNvSpPr>
+          <p:nvPr>
+            <p:ph type="sldNum" sz="quarter" idx="12"/>
+          </p:nvPr>
+        </p:nvSpPr>
+        <p:spPr/>
+        <p:txBody>
+          <a:bodyPr/>
+          <a:lstStyle/>
+          <a:p>
+            <a:fld id="{EF717E07-C66C-6149-98B7-03ADCD069AD7}" type="slidenum">
+              <a:rPr lang="ru-RU" smtClean="0"/>
+              <a:pPr/>
+              <a:t>7</a:t>
+            </a:fld>
+            <a:endParaRPr lang="ru-RU"/>
+          </a:p>
+        </p:txBody>
+      </p:sp>
+      <p:sp>
+        <p:nvSpPr>
+          <p:cNvPr id="3" name="Объект 2"/>
+          <p:cNvSpPr>
+            <a:spLocks noGrp="1"/>
+          </p:cNvSpPr>
+          <p:nvPr>
+            <p:ph idx="1"/>
+          </p:nvPr>
+        </p:nvSpPr>
+        <p:spPr>
+          <a:xfrm>
+            <a:off x="487043" y="1084217"/>
+            <a:ext cx="11028191" cy="5111310"/>
+          </a:xfrm>
+        </p:spPr>
+        <p:txBody>
+          <a:bodyPr/>
+          <a:lstStyle/>
+          <a:p>
+            <a:r>
+              <a:rPr lang="ru-RU" dirty="0" smtClean="0"/>
+              <a:t>Их много</a:t>
+            </a:r>
+          </a:p>
+          <a:p>
+            <a:endParaRPr lang="ru-RU" dirty="0" smtClean="0"/>
+          </a:p>
+          <a:p>
+            <a:endParaRPr lang="ru-RU" dirty="0" smtClean="0"/>
+          </a:p>
+        </p:txBody>
+      </p:sp>
+    </p:spTree>
+    <p:extLst>
+      <p:ext uri="{BB962C8B-B14F-4D97-AF65-F5344CB8AC3E}">
+        <p14:creationId xmlns:p14="http://schemas.microsoft.com/office/powerpoint/2010/main" val="3480527783"/>
+      </p:ext>
+    </p:extLst>
+  </p:cSld>
+  <p:clrMapOvr>
+    <a:masterClrMapping/>
+  </p:clrMapOvr>
+  <p:timing>
+    <p:tnLst>
+      <p:par>
+        <p:cTn id="1" dur="indefinite" restart="never" nodeType="tmRoot"/>
+      </p:par>
+    </p:tnLst>
+  </p:timing>
+</p:sld>
+</file>
+
+<file path=ppt/slides/slide8.xml><?xml version="1.0" encoding="utf-8"?>
+<p:sld xmlns:a="http://schemas.openxmlformats.org/drawingml/2006/main" xmlns:r="http://schemas.openxmlformats.org/officeDocument/2006/relationships" xmlns:p="http://schemas.openxmlformats.org/presentationml/2006/main">
+  <p:cSld>
+    <p:spTree>
+      <p:nvGrpSpPr>
+        <p:cNvPr id="1" name=""/>
+        <p:cNvGrpSpPr/>
+        <p:nvPr/>
+      </p:nvGrpSpPr>
+      <p:grpSpPr>
+        <a:xfrm>
+          <a:off x="0" y="0"/>
+          <a:ext cx="0" cy="0"/>
+          <a:chOff x="0" y="0"/>
+          <a:chExt cx="0" cy="0"/>
+        </a:xfrm>
+      </p:grpSpPr>
+      <p:sp>
+        <p:nvSpPr>
+          <p:cNvPr id="2" name="Заголовок 1"/>
+          <p:cNvSpPr>
+            <a:spLocks noGrp="1"/>
+          </p:cNvSpPr>
+          <p:nvPr>
+            <p:ph type="title"/>
+          </p:nvPr>
+        </p:nvSpPr>
+        <p:spPr/>
+        <p:txBody>
+          <a:bodyPr/>
+          <a:lstStyle/>
+          <a:p>
+            <a:r>
+              <a:rPr lang="ru-RU" dirty="0" smtClean="0"/>
+              <a:t>Структуру архитектуру</a:t>
+            </a:r>
+            <a:endParaRPr lang="ru-RU" dirty="0"/>
+          </a:p>
+        </p:txBody>
+      </p:sp>
+      <p:sp>
+        <p:nvSpPr>
+          <p:cNvPr id="4" name="Номер слайда 3"/>
+          <p:cNvSpPr>
+            <a:spLocks noGrp="1"/>
+          </p:cNvSpPr>
+          <p:nvPr>
+            <p:ph type="sldNum" sz="quarter" idx="12"/>
+          </p:nvPr>
+        </p:nvSpPr>
+        <p:spPr/>
+        <p:txBody>
+          <a:bodyPr/>
+          <a:lstStyle/>
+          <a:p>
+            <a:fld id="{EF717E07-C66C-6149-98B7-03ADCD069AD7}" type="slidenum">
+              <a:rPr lang="ru-RU" smtClean="0"/>
+              <a:pPr/>
+              <a:t>8</a:t>
+            </a:fld>
+            <a:endParaRPr lang="ru-RU"/>
+          </a:p>
+        </p:txBody>
+      </p:sp>
+      <p:sp>
+        <p:nvSpPr>
+          <p:cNvPr id="3" name="Объект 2"/>
+          <p:cNvSpPr>
+            <a:spLocks noGrp="1"/>
+          </p:cNvSpPr>
+          <p:nvPr>
+            <p:ph idx="1"/>
+          </p:nvPr>
+        </p:nvSpPr>
+        <p:spPr>
+          <a:xfrm>
+            <a:off x="487043" y="1084217"/>
+            <a:ext cx="11028191" cy="5111310"/>
+          </a:xfrm>
+        </p:spPr>
+        <p:txBody>
+          <a:bodyPr/>
+          <a:lstStyle/>
+          <a:p>
+            <a:r>
+              <a:rPr lang="ru-RU" dirty="0" smtClean="0"/>
+              <a:t>Обсуждали</a:t>
+            </a:r>
+          </a:p>
+          <a:p>
+            <a:endParaRPr lang="ru-RU" dirty="0" smtClean="0"/>
+          </a:p>
+          <a:p>
+            <a:endParaRPr lang="ru-RU" dirty="0" smtClean="0"/>
+          </a:p>
+        </p:txBody>
+      </p:sp>
+    </p:spTree>
+    <p:extLst>
+      <p:ext uri="{BB962C8B-B14F-4D97-AF65-F5344CB8AC3E}">
+        <p14:creationId xmlns:p14="http://schemas.microsoft.com/office/powerpoint/2010/main" val="4245486614"/>
+      </p:ext>
+    </p:extLst>
+  </p:cSld>
+  <p:clrMapOvr>
+    <a:masterClrMapping/>
+  </p:clrMapOvr>
+  <p:timing>
+    <p:tnLst>
+      <p:par>
+        <p:cTn id="1" dur="indefinite" restart="never" nodeType="tmRoot"/>
+      </p:par>
+    </p:tnLst>
+  </p:timing>
+</p:sld>
+</file>
+
+<file path=ppt/slides/slide9.xml><?xml version="1.0" encoding="utf-8"?>
+<p:sld xmlns:a="http://schemas.openxmlformats.org/drawingml/2006/main" xmlns:r="http://schemas.openxmlformats.org/officeDocument/2006/relationships" xmlns:p="http://schemas.openxmlformats.org/presentationml/2006/main">
+  <p:cSld>
+    <p:spTree>
+      <p:nvGrpSpPr>
+        <p:cNvPr id="1" name=""/>
+        <p:cNvGrpSpPr/>
+        <p:nvPr/>
+      </p:nvGrpSpPr>
+      <p:grpSpPr>
+        <a:xfrm>
+          <a:off x="0" y="0"/>
+          <a:ext cx="0" cy="0"/>
+          <a:chOff x="0" y="0"/>
+          <a:chExt cx="0" cy="0"/>
+        </a:xfrm>
+      </p:grpSpPr>
+      <p:sp>
+        <p:nvSpPr>
+          <p:cNvPr id="2" name="Заголовок 1"/>
+          <p:cNvSpPr>
+            <a:spLocks noGrp="1"/>
+          </p:cNvSpPr>
+          <p:nvPr>
+            <p:ph type="title"/>
+          </p:nvPr>
+        </p:nvSpPr>
+        <p:spPr/>
+        <p:txBody>
+          <a:bodyPr/>
+          <a:lstStyle/>
+          <a:p>
+            <a:r>
+              <a:rPr lang="ru-RU" dirty="0" smtClean="0"/>
+              <a:t>Обработка сценария</a:t>
+            </a:r>
+            <a:endParaRPr lang="ru-RU" dirty="0"/>
+          </a:p>
+        </p:txBody>
+      </p:sp>
+      <p:sp>
+        <p:nvSpPr>
+          <p:cNvPr id="4" name="Номер слайда 3"/>
+          <p:cNvSpPr>
+            <a:spLocks noGrp="1"/>
+          </p:cNvSpPr>
+          <p:nvPr>
+            <p:ph type="sldNum" sz="quarter" idx="12"/>
+          </p:nvPr>
+        </p:nvSpPr>
+        <p:spPr/>
+        <p:txBody>
+          <a:bodyPr/>
+          <a:lstStyle/>
+          <a:p>
+            <a:fld id="{EF717E07-C66C-6149-98B7-03ADCD069AD7}" type="slidenum">
+              <a:rPr lang="ru-RU" smtClean="0"/>
+              <a:pPr/>
+              <a:t>9</a:t>
+            </a:fld>
+            <a:endParaRPr lang="ru-RU"/>
+          </a:p>
+        </p:txBody>
+      </p:sp>
+      <p:sp>
+        <p:nvSpPr>
+          <p:cNvPr id="3" name="Объект 2"/>
+          <p:cNvSpPr>
+            <a:spLocks noGrp="1"/>
+          </p:cNvSpPr>
+          <p:nvPr>
+            <p:ph idx="1"/>
+          </p:nvPr>
+        </p:nvSpPr>
+        <p:spPr>
+          <a:xfrm>
+            <a:off x="487043" y="1084217"/>
+            <a:ext cx="11028191" cy="1665401"/>
+          </a:xfrm>
+        </p:spPr>
+        <p:txBody>
+          <a:bodyPr/>
+          <a:lstStyle/>
+          <a:p>
+            <a:r>
+              <a:rPr lang="ru-RU" dirty="0" smtClean="0"/>
+              <a:t>На каждый шаг сценария реализован свой программный метод</a:t>
+            </a:r>
+          </a:p>
+          <a:p>
+            <a:r>
+              <a:rPr lang="ru-RU" dirty="0" smtClean="0"/>
+              <a:t>Шаги сценария вызывают одноимённые </a:t>
+            </a:r>
+            <a:r>
+              <a:rPr lang="ru-RU" dirty="0" smtClean="0"/>
+              <a:t>методы </a:t>
+            </a:r>
+            <a:r>
+              <a:rPr lang="ru-RU" dirty="0" smtClean="0"/>
+              <a:t>построчно</a:t>
+            </a:r>
+          </a:p>
+          <a:p>
+            <a:endParaRPr lang="ru-RU" dirty="0" smtClean="0"/>
+          </a:p>
+        </p:txBody>
+      </p:sp>
+      <p:pic>
+        <p:nvPicPr>
+          <p:cNvPr id="7" name="Рисунок 6"/>
+          <p:cNvPicPr>
+            <a:picLocks noChangeAspect="1"/>
+          </p:cNvPicPr>
+          <p:nvPr/>
+        </p:nvPicPr>
+        <p:blipFill>
+          <a:blip r:embed="rId2"/>
+          <a:stretch>
+            <a:fillRect/>
+          </a:stretch>
+        </p:blipFill>
+        <p:spPr>
+          <a:xfrm>
+            <a:off x="487044" y="2749619"/>
+            <a:ext cx="11028191" cy="3379607"/>
+          </a:xfrm>
+          <a:prstGeom prst="rect">
+            <a:avLst/>
+          </a:prstGeom>
+        </p:spPr>
+      </p:pic>
+    </p:spTree>
+    <p:extLst>
+      <p:ext uri="{BB962C8B-B14F-4D97-AF65-F5344CB8AC3E}">
+        <p14:creationId xmlns:p14="http://schemas.microsoft.com/office/powerpoint/2010/main" val="2021078865"/>
       </p:ext>
     </p:extLst>
   </p:cSld>

--- a/презентация.pptx
+++ b/презентация.pptx
@@ -5,10 +5,10 @@
     <p:sldMasterId id="2147483648" r:id="rId1"/>
   </p:sldMasterIdLst>
   <p:notesMasterIdLst>
-    <p:notesMasterId r:id="rId14"/>
+    <p:notesMasterId r:id="rId16"/>
   </p:notesMasterIdLst>
   <p:handoutMasterIdLst>
-    <p:handoutMasterId r:id="rId15"/>
+    <p:handoutMasterId r:id="rId17"/>
   </p:handoutMasterIdLst>
   <p:sldIdLst>
     <p:sldId id="256" r:id="rId2"/>
@@ -16,13 +16,15 @@
     <p:sldId id="265" r:id="rId4"/>
     <p:sldId id="257" r:id="rId5"/>
     <p:sldId id="268" r:id="rId6"/>
-    <p:sldId id="271" r:id="rId7"/>
-    <p:sldId id="269" r:id="rId8"/>
-    <p:sldId id="274" r:id="rId9"/>
-    <p:sldId id="277" r:id="rId10"/>
-    <p:sldId id="275" r:id="rId11"/>
-    <p:sldId id="276" r:id="rId12"/>
-    <p:sldId id="263" r:id="rId13"/>
+    <p:sldId id="278" r:id="rId7"/>
+    <p:sldId id="271" r:id="rId8"/>
+    <p:sldId id="269" r:id="rId9"/>
+    <p:sldId id="274" r:id="rId10"/>
+    <p:sldId id="279" r:id="rId11"/>
+    <p:sldId id="277" r:id="rId12"/>
+    <p:sldId id="275" r:id="rId13"/>
+    <p:sldId id="276" r:id="rId14"/>
+    <p:sldId id="263" r:id="rId15"/>
   </p:sldIdLst>
   <p:sldSz cx="12192000" cy="6858000"/>
   <p:notesSz cx="6858000" cy="9144000"/>
@@ -222,7 +224,7 @@
           <a:p>
             <a:fld id="{EE4BEA0C-B298-4F3F-8EAA-78E653AF7C43}" type="datetimeFigureOut">
               <a:rPr lang="ru-RU" smtClean="0"/>
-              <a:t>04.06.2022</a:t>
+              <a:t>05.06.2022</a:t>
             </a:fld>
             <a:endParaRPr lang="ru-RU"/>
           </a:p>
@@ -387,7 +389,7 @@
           <a:p>
             <a:fld id="{56F03E67-5427-4260-B62A-5770CE0A55F7}" type="datetimeFigureOut">
               <a:rPr lang="ru-RU" smtClean="0"/>
-              <a:t>04.06.2022</a:t>
+              <a:t>05.06.2022</a:t>
             </a:fld>
             <a:endParaRPr lang="ru-RU"/>
           </a:p>
@@ -654,6 +656,106 @@
 </p:notesMaster>
 </file>
 
+<file path=ppt/notesSlides/notesSlide1.xml><?xml version="1.0" encoding="utf-8"?>
+<p:notes xmlns:a="http://schemas.openxmlformats.org/drawingml/2006/main" xmlns:r="http://schemas.openxmlformats.org/officeDocument/2006/relationships" xmlns:p="http://schemas.openxmlformats.org/presentationml/2006/main">
+  <p:cSld>
+    <p:spTree>
+      <p:nvGrpSpPr>
+        <p:cNvPr id="1" name=""/>
+        <p:cNvGrpSpPr/>
+        <p:nvPr/>
+      </p:nvGrpSpPr>
+      <p:grpSpPr>
+        <a:xfrm>
+          <a:off x="0" y="0"/>
+          <a:ext cx="0" cy="0"/>
+          <a:chOff x="0" y="0"/>
+          <a:chExt cx="0" cy="0"/>
+        </a:xfrm>
+      </p:grpSpPr>
+      <p:sp>
+        <p:nvSpPr>
+          <p:cNvPr id="2" name="Образ слайда 1"/>
+          <p:cNvSpPr>
+            <a:spLocks noGrp="1" noRot="1" noChangeAspect="1"/>
+          </p:cNvSpPr>
+          <p:nvPr>
+            <p:ph type="sldImg"/>
+          </p:nvPr>
+        </p:nvSpPr>
+        <p:spPr/>
+      </p:sp>
+      <p:sp>
+        <p:nvSpPr>
+          <p:cNvPr id="3" name="Заметки 2"/>
+          <p:cNvSpPr>
+            <a:spLocks noGrp="1"/>
+          </p:cNvSpPr>
+          <p:nvPr>
+            <p:ph type="body" idx="1"/>
+          </p:nvPr>
+        </p:nvSpPr>
+        <p:spPr/>
+        <p:txBody>
+          <a:bodyPr/>
+          <a:lstStyle/>
+          <a:p>
+            <a:r>
+              <a:rPr lang="ru-RU" dirty="0" smtClean="0"/>
+              <a:t>Многопоточный</a:t>
+            </a:r>
+            <a:r>
+              <a:rPr lang="ru-RU" baseline="0" dirty="0" smtClean="0"/>
+              <a:t> режим, скорость работы сохраняется, отсутствие чел-</a:t>
+            </a:r>
+            <a:r>
+              <a:rPr lang="ru-RU" baseline="0" dirty="0" err="1" smtClean="0"/>
+              <a:t>го</a:t>
+            </a:r>
+            <a:r>
+              <a:rPr lang="ru-RU" baseline="0" dirty="0" smtClean="0"/>
+              <a:t> фактора</a:t>
+            </a:r>
+            <a:endParaRPr lang="ru-RU" dirty="0"/>
+          </a:p>
+        </p:txBody>
+      </p:sp>
+      <p:sp>
+        <p:nvSpPr>
+          <p:cNvPr id="4" name="Номер слайда 3"/>
+          <p:cNvSpPr>
+            <a:spLocks noGrp="1"/>
+          </p:cNvSpPr>
+          <p:nvPr>
+            <p:ph type="sldNum" sz="quarter" idx="10"/>
+          </p:nvPr>
+        </p:nvSpPr>
+        <p:spPr/>
+        <p:txBody>
+          <a:bodyPr/>
+          <a:lstStyle/>
+          <a:p>
+            <a:fld id="{21D83497-370A-4769-952C-4A01B6A4B640}" type="slidenum">
+              <a:rPr lang="ru-RU" smtClean="0"/>
+              <a:t>5</a:t>
+            </a:fld>
+            <a:endParaRPr lang="ru-RU"/>
+          </a:p>
+        </p:txBody>
+      </p:sp>
+    </p:spTree>
+    <p:extLst>
+      <p:ext uri="{BB962C8B-B14F-4D97-AF65-F5344CB8AC3E}">
+        <p14:creationId xmlns:p14="http://schemas.microsoft.com/office/powerpoint/2010/main" val="3796239609"/>
+      </p:ext>
+    </p:extLst>
+  </p:cSld>
+  <p:clrMapOvr>
+    <a:masterClrMapping/>
+  </p:clrMapOvr>
+</p:notes>
+</file>
+
 <file path=ppt/slideLayouts/slideLayout1.xml><?xml version="1.0" encoding="utf-8"?>
 <p:sldLayout xmlns:a="http://schemas.openxmlformats.org/drawingml/2006/main" xmlns:r="http://schemas.openxmlformats.org/officeDocument/2006/relationships" xmlns:p="http://schemas.openxmlformats.org/presentationml/2006/main" type="title" preserve="1">
   <p:cSld name="Титульный слайд">
@@ -839,7 +941,7 @@
           <a:p>
             <a:fld id="{61BBDE8E-1A21-4D39-9CDA-17B1B51844FA}" type="datetimeFigureOut">
               <a:rPr lang="ru-RU" smtClean="0"/>
-              <a:t>04.06.2022</a:t>
+              <a:t>05.06.2022</a:t>
             </a:fld>
             <a:endParaRPr lang="ru-RU"/>
           </a:p>
@@ -1139,7 +1241,7 @@
           <a:p>
             <a:fld id="{61BBDE8E-1A21-4D39-9CDA-17B1B51844FA}" type="datetimeFigureOut">
               <a:rPr lang="ru-RU" smtClean="0"/>
-              <a:t>04.06.2022</a:t>
+              <a:t>05.06.2022</a:t>
             </a:fld>
             <a:endParaRPr lang="ru-RU"/>
           </a:p>
@@ -1399,7 +1501,7 @@
           <a:p>
             <a:fld id="{61BBDE8E-1A21-4D39-9CDA-17B1B51844FA}" type="datetimeFigureOut">
               <a:rPr lang="ru-RU" smtClean="0"/>
-              <a:t>04.06.2022</a:t>
+              <a:t>05.06.2022</a:t>
             </a:fld>
             <a:endParaRPr lang="ru-RU"/>
           </a:p>
@@ -2080,7 +2182,7 @@
           <a:p>
             <a:fld id="{61BBDE8E-1A21-4D39-9CDA-17B1B51844FA}" type="datetimeFigureOut">
               <a:rPr lang="ru-RU" smtClean="0"/>
-              <a:t>04.06.2022</a:t>
+              <a:t>05.06.2022</a:t>
             </a:fld>
             <a:endParaRPr lang="ru-RU"/>
           </a:p>
@@ -4414,7 +4516,7 @@
           <a:p>
             <a:fld id="{61BBDE8E-1A21-4D39-9CDA-17B1B51844FA}" type="datetimeFigureOut">
               <a:rPr lang="ru-RU" smtClean="0"/>
-              <a:t>04.06.2022</a:t>
+              <a:t>05.06.2022</a:t>
             </a:fld>
             <a:endParaRPr lang="ru-RU"/>
           </a:p>
@@ -5069,7 +5171,19 @@
                 <a:latin typeface="Montserrat" pitchFamily="2" charset="0"/>
                 <a:cs typeface="Arial" panose="020B0604020202020204" pitchFamily="34" charset="0"/>
               </a:rPr>
-              <a:t> Елена Яковлевна, доц.</a:t>
+              <a:t> Елена Яковлевна, </a:t>
+            </a:r>
+            <a:r>
+              <a:rPr lang="ru-RU" sz="1400" dirty="0" smtClean="0">
+                <a:solidFill>
+                  <a:schemeClr val="accent1">
+                    <a:lumMod val="50000"/>
+                  </a:schemeClr>
+                </a:solidFill>
+                <a:latin typeface="Montserrat" pitchFamily="2" charset="0"/>
+                <a:cs typeface="Arial" panose="020B0604020202020204" pitchFamily="34" charset="0"/>
+              </a:rPr>
+              <a:t>доцент, к.т.н.</a:t>
             </a:r>
             <a:endParaRPr lang="ru-RU" sz="1400" dirty="0">
               <a:solidFill>
@@ -5107,6 +5221,734 @@
 </file>
 
 <file path=ppt/slides/slide10.xml><?xml version="1.0" encoding="utf-8"?>
+<p:sld xmlns:a="http://schemas.openxmlformats.org/drawingml/2006/main" xmlns:r="http://schemas.openxmlformats.org/officeDocument/2006/relationships" xmlns:p="http://schemas.openxmlformats.org/presentationml/2006/main">
+  <p:cSld>
+    <p:spTree>
+      <p:nvGrpSpPr>
+        <p:cNvPr id="1" name=""/>
+        <p:cNvGrpSpPr/>
+        <p:nvPr/>
+      </p:nvGrpSpPr>
+      <p:grpSpPr>
+        <a:xfrm>
+          <a:off x="0" y="0"/>
+          <a:ext cx="0" cy="0"/>
+          <a:chOff x="0" y="0"/>
+          <a:chExt cx="0" cy="0"/>
+        </a:xfrm>
+      </p:grpSpPr>
+      <p:sp>
+        <p:nvSpPr>
+          <p:cNvPr id="13" name="TextBox 12">
+            <a:extLst>
+              <a:ext uri="{FF2B5EF4-FFF2-40B4-BE49-F238E27FC236}">
+                <a16:creationId xmlns:a16="http://schemas.microsoft.com/office/drawing/2014/main" id="{A68819C7-B34B-F044-B35A-498FAAC374C9}"/>
+              </a:ext>
+            </a:extLst>
+          </p:cNvPr>
+          <p:cNvSpPr txBox="1"/>
+          <p:nvPr/>
+        </p:nvSpPr>
+        <p:spPr>
+          <a:xfrm>
+            <a:off x="8691830" y="6394311"/>
+            <a:ext cx="2881516" cy="400110"/>
+          </a:xfrm>
+          <a:prstGeom prst="rect">
+            <a:avLst/>
+          </a:prstGeom>
+          <a:noFill/>
+        </p:spPr>
+        <p:txBody>
+          <a:bodyPr wrap="square" rtlCol="0">
+            <a:spAutoFit/>
+          </a:bodyPr>
+          <a:lstStyle/>
+          <a:p>
+            <a:r>
+              <a:rPr lang="ru-RU" sz="1000" dirty="0">
+                <a:solidFill>
+                  <a:schemeClr val="bg1"/>
+                </a:solidFill>
+                <a:latin typeface="Montserrat" pitchFamily="2" charset="0"/>
+              </a:rPr>
+              <a:t>Студент:</a:t>
+            </a:r>
+          </a:p>
+          <a:p>
+            <a:r>
+              <a:rPr lang="ru-RU" sz="1000" dirty="0" smtClean="0">
+                <a:solidFill>
+                  <a:schemeClr val="bg1"/>
+                </a:solidFill>
+                <a:latin typeface="Montserrat" pitchFamily="2" charset="0"/>
+              </a:rPr>
+              <a:t>Романов Даниил Николаевич, УВА-411</a:t>
+            </a:r>
+            <a:endParaRPr lang="ru-RU" sz="1000" dirty="0">
+              <a:solidFill>
+                <a:schemeClr val="bg1"/>
+              </a:solidFill>
+              <a:latin typeface="Montserrat" pitchFamily="2" charset="0"/>
+            </a:endParaRPr>
+          </a:p>
+        </p:txBody>
+      </p:sp>
+      <p:pic>
+        <p:nvPicPr>
+          <p:cNvPr id="17" name="Рисунок 16">
+            <a:extLst>
+              <a:ext uri="{FF2B5EF4-FFF2-40B4-BE49-F238E27FC236}">
+                <a16:creationId xmlns:a16="http://schemas.microsoft.com/office/drawing/2014/main" id="{2CDB9450-EAD1-8C44-975B-72463ABE8C46}"/>
+              </a:ext>
+            </a:extLst>
+          </p:cNvPr>
+          <p:cNvPicPr>
+            <a:picLocks noChangeAspect="1"/>
+          </p:cNvPicPr>
+          <p:nvPr/>
+        </p:nvPicPr>
+        <p:blipFill>
+          <a:blip r:embed="rId2">
+            <a:extLst>
+              <a:ext uri="{28A0092B-C50C-407E-A947-70E740481C1C}">
+                <a14:useLocalDpi xmlns:a14="http://schemas.microsoft.com/office/drawing/2010/main" val="0"/>
+              </a:ext>
+            </a:extLst>
+          </a:blip>
+          <a:stretch>
+            <a:fillRect/>
+          </a:stretch>
+        </p:blipFill>
+        <p:spPr>
+          <a:xfrm>
+            <a:off x="231285" y="6362677"/>
+            <a:ext cx="1893079" cy="446879"/>
+          </a:xfrm>
+          <a:prstGeom prst="rect">
+            <a:avLst/>
+          </a:prstGeom>
+        </p:spPr>
+      </p:pic>
+      <p:sp>
+        <p:nvSpPr>
+          <p:cNvPr id="18" name="TextBox 17">
+            <a:extLst>
+              <a:ext uri="{FF2B5EF4-FFF2-40B4-BE49-F238E27FC236}">
+                <a16:creationId xmlns:a16="http://schemas.microsoft.com/office/drawing/2014/main" id="{3B276D71-247A-DA4E-A47F-057FC1898AEA}"/>
+              </a:ext>
+            </a:extLst>
+          </p:cNvPr>
+          <p:cNvSpPr txBox="1"/>
+          <p:nvPr/>
+        </p:nvSpPr>
+        <p:spPr>
+          <a:xfrm>
+            <a:off x="4132184" y="6394311"/>
+            <a:ext cx="4559646" cy="400110"/>
+          </a:xfrm>
+          <a:prstGeom prst="rect">
+            <a:avLst/>
+          </a:prstGeom>
+          <a:noFill/>
+        </p:spPr>
+        <p:txBody>
+          <a:bodyPr wrap="square" rtlCol="0">
+            <a:spAutoFit/>
+          </a:bodyPr>
+          <a:lstStyle/>
+          <a:p>
+            <a:r>
+              <a:rPr lang="ru-RU" sz="1000" dirty="0">
+                <a:solidFill>
+                  <a:schemeClr val="bg1"/>
+                </a:solidFill>
+                <a:latin typeface="Montserrat" pitchFamily="2" charset="0"/>
+              </a:rPr>
+              <a:t>Разработка гибридного </a:t>
+            </a:r>
+            <a:r>
+              <a:rPr lang="ru-RU" sz="1000" dirty="0" err="1">
+                <a:solidFill>
+                  <a:schemeClr val="bg1"/>
+                </a:solidFill>
+                <a:latin typeface="Montserrat" pitchFamily="2" charset="0"/>
+              </a:rPr>
+              <a:t>фреймворка</a:t>
+            </a:r>
+            <a:r>
+              <a:rPr lang="ru-RU" sz="1000" dirty="0">
+                <a:solidFill>
+                  <a:schemeClr val="bg1"/>
+                </a:solidFill>
+                <a:latin typeface="Montserrat" pitchFamily="2" charset="0"/>
+              </a:rPr>
+              <a:t> для автоматизации тестирования в крупных компаниях</a:t>
+            </a:r>
+          </a:p>
+        </p:txBody>
+      </p:sp>
+      <p:sp>
+        <p:nvSpPr>
+          <p:cNvPr id="19" name="TextBox 18">
+            <a:extLst>
+              <a:ext uri="{FF2B5EF4-FFF2-40B4-BE49-F238E27FC236}">
+                <a16:creationId xmlns:a16="http://schemas.microsoft.com/office/drawing/2014/main" id="{41ADB531-3E72-8F40-B990-1C1289A6F934}"/>
+              </a:ext>
+            </a:extLst>
+          </p:cNvPr>
+          <p:cNvSpPr txBox="1"/>
+          <p:nvPr/>
+        </p:nvSpPr>
+        <p:spPr>
+          <a:xfrm>
+            <a:off x="11633634" y="6380852"/>
+            <a:ext cx="405441" cy="400110"/>
+          </a:xfrm>
+          <a:prstGeom prst="rect">
+            <a:avLst/>
+          </a:prstGeom>
+          <a:noFill/>
+        </p:spPr>
+        <p:txBody>
+          <a:bodyPr wrap="square" rtlCol="0">
+            <a:spAutoFit/>
+          </a:bodyPr>
+          <a:lstStyle/>
+          <a:p>
+            <a:r>
+              <a:rPr lang="ru-RU" sz="2000" dirty="0" smtClean="0">
+                <a:solidFill>
+                  <a:schemeClr val="bg1"/>
+                </a:solidFill>
+                <a:latin typeface="Montserrat" pitchFamily="2" charset="0"/>
+              </a:rPr>
+              <a:t>9</a:t>
+            </a:r>
+            <a:endParaRPr lang="ru-RU" sz="2000" dirty="0">
+              <a:solidFill>
+                <a:schemeClr val="bg1"/>
+              </a:solidFill>
+              <a:latin typeface="Montserrat" pitchFamily="2" charset="0"/>
+            </a:endParaRPr>
+          </a:p>
+        </p:txBody>
+      </p:sp>
+      <p:pic>
+        <p:nvPicPr>
+          <p:cNvPr id="20" name="Объект 14">
+            <a:extLst>
+              <a:ext uri="{FF2B5EF4-FFF2-40B4-BE49-F238E27FC236}">
+                <a16:creationId xmlns:a16="http://schemas.microsoft.com/office/drawing/2014/main" id="{7BF412CF-0B35-BA41-A1BA-428FFFCDD4AC}"/>
+              </a:ext>
+            </a:extLst>
+          </p:cNvPr>
+          <p:cNvPicPr>
+            <a:picLocks noChangeAspect="1"/>
+          </p:cNvPicPr>
+          <p:nvPr/>
+        </p:nvPicPr>
+        <p:blipFill>
+          <a:blip r:embed="rId3">
+            <a:extLst>
+              <a:ext uri="{28A0092B-C50C-407E-A947-70E740481C1C}">
+                <a14:useLocalDpi xmlns:a14="http://schemas.microsoft.com/office/drawing/2010/main" val="0"/>
+              </a:ext>
+            </a:extLst>
+          </a:blip>
+          <a:stretch>
+            <a:fillRect/>
+          </a:stretch>
+        </p:blipFill>
+        <p:spPr>
+          <a:xfrm>
+            <a:off x="2342176" y="6338773"/>
+            <a:ext cx="685696" cy="519227"/>
+          </a:xfrm>
+          <a:prstGeom prst="rect">
+            <a:avLst/>
+          </a:prstGeom>
+        </p:spPr>
+      </p:pic>
+      <p:pic>
+        <p:nvPicPr>
+          <p:cNvPr id="12" name="Рисунок 11">
+            <a:extLst>
+              <a:ext uri="{FF2B5EF4-FFF2-40B4-BE49-F238E27FC236}">
+                <a16:creationId xmlns:a16="http://schemas.microsoft.com/office/drawing/2014/main" id="{6B3DC32E-0346-454B-9E36-EA8962DE6D5C}"/>
+              </a:ext>
+            </a:extLst>
+          </p:cNvPr>
+          <p:cNvPicPr>
+            <a:picLocks noChangeAspect="1"/>
+          </p:cNvPicPr>
+          <p:nvPr/>
+        </p:nvPicPr>
+        <p:blipFill>
+          <a:blip r:embed="rId4"/>
+          <a:stretch>
+            <a:fillRect/>
+          </a:stretch>
+        </p:blipFill>
+        <p:spPr>
+          <a:xfrm>
+            <a:off x="3245684" y="6327643"/>
+            <a:ext cx="431278" cy="498929"/>
+          </a:xfrm>
+          <a:prstGeom prst="rect">
+            <a:avLst/>
+          </a:prstGeom>
+        </p:spPr>
+      </p:pic>
+      <p:sp>
+        <p:nvSpPr>
+          <p:cNvPr id="23" name="Заголовок 1">
+            <a:extLst>
+              <a:ext uri="{FF2B5EF4-FFF2-40B4-BE49-F238E27FC236}">
+                <a16:creationId xmlns:a16="http://schemas.microsoft.com/office/drawing/2014/main" id="{B045726F-AAD5-41B2-8887-181C872C98CE}"/>
+              </a:ext>
+            </a:extLst>
+          </p:cNvPr>
+          <p:cNvSpPr>
+            <a:spLocks noGrp="1"/>
+          </p:cNvSpPr>
+          <p:nvPr>
+            <p:ph type="title"/>
+          </p:nvPr>
+        </p:nvSpPr>
+        <p:spPr>
+          <a:xfrm>
+            <a:off x="838200" y="365125"/>
+            <a:ext cx="10515600" cy="1325563"/>
+          </a:xfrm>
+        </p:spPr>
+        <p:txBody>
+          <a:bodyPr>
+            <a:normAutofit/>
+          </a:bodyPr>
+          <a:lstStyle/>
+          <a:p>
+            <a:r>
+              <a:rPr lang="ru-RU" sz="3200" dirty="0" smtClean="0">
+                <a:latin typeface="Montserrat" pitchFamily="2" charset="0"/>
+              </a:rPr>
+              <a:t>Пример сценария</a:t>
+            </a:r>
+            <a:endParaRPr lang="ru-RU" sz="3200" dirty="0">
+              <a:latin typeface="Montserrat" pitchFamily="2" charset="0"/>
+            </a:endParaRPr>
+          </a:p>
+        </p:txBody>
+      </p:sp>
+      <p:pic>
+        <p:nvPicPr>
+          <p:cNvPr id="2" name="Рисунок 1"/>
+          <p:cNvPicPr>
+            <a:picLocks noChangeAspect="1"/>
+          </p:cNvPicPr>
+          <p:nvPr/>
+        </p:nvPicPr>
+        <p:blipFill>
+          <a:blip r:embed="rId5"/>
+          <a:stretch>
+            <a:fillRect/>
+          </a:stretch>
+        </p:blipFill>
+        <p:spPr>
+          <a:xfrm>
+            <a:off x="3197337" y="1690688"/>
+            <a:ext cx="6429340" cy="4504839"/>
+          </a:xfrm>
+          <a:prstGeom prst="rect">
+            <a:avLst/>
+          </a:prstGeom>
+        </p:spPr>
+      </p:pic>
+    </p:spTree>
+    <p:extLst>
+      <p:ext uri="{BB962C8B-B14F-4D97-AF65-F5344CB8AC3E}">
+        <p14:creationId xmlns:p14="http://schemas.microsoft.com/office/powerpoint/2010/main" val="52214983"/>
+      </p:ext>
+    </p:extLst>
+  </p:cSld>
+  <p:clrMapOvr>
+    <a:masterClrMapping/>
+  </p:clrMapOvr>
+  <p:timing>
+    <p:tnLst>
+      <p:par>
+        <p:cTn id="1" dur="indefinite" restart="never" nodeType="tmRoot"/>
+      </p:par>
+    </p:tnLst>
+  </p:timing>
+</p:sld>
+</file>
+
+<file path=ppt/slides/slide11.xml><?xml version="1.0" encoding="utf-8"?>
+<p:sld xmlns:a="http://schemas.openxmlformats.org/drawingml/2006/main" xmlns:r="http://schemas.openxmlformats.org/officeDocument/2006/relationships" xmlns:p="http://schemas.openxmlformats.org/presentationml/2006/main">
+  <p:cSld>
+    <p:spTree>
+      <p:nvGrpSpPr>
+        <p:cNvPr id="1" name=""/>
+        <p:cNvGrpSpPr/>
+        <p:nvPr/>
+      </p:nvGrpSpPr>
+      <p:grpSpPr>
+        <a:xfrm>
+          <a:off x="0" y="0"/>
+          <a:ext cx="0" cy="0"/>
+          <a:chOff x="0" y="0"/>
+          <a:chExt cx="0" cy="0"/>
+        </a:xfrm>
+      </p:grpSpPr>
+      <p:sp>
+        <p:nvSpPr>
+          <p:cNvPr id="13" name="TextBox 12">
+            <a:extLst>
+              <a:ext uri="{FF2B5EF4-FFF2-40B4-BE49-F238E27FC236}">
+                <a16:creationId xmlns:a16="http://schemas.microsoft.com/office/drawing/2014/main" id="{A68819C7-B34B-F044-B35A-498FAAC374C9}"/>
+              </a:ext>
+            </a:extLst>
+          </p:cNvPr>
+          <p:cNvSpPr txBox="1"/>
+          <p:nvPr/>
+        </p:nvSpPr>
+        <p:spPr>
+          <a:xfrm>
+            <a:off x="8691830" y="6394311"/>
+            <a:ext cx="2881516" cy="400110"/>
+          </a:xfrm>
+          <a:prstGeom prst="rect">
+            <a:avLst/>
+          </a:prstGeom>
+          <a:noFill/>
+        </p:spPr>
+        <p:txBody>
+          <a:bodyPr wrap="square" rtlCol="0">
+            <a:spAutoFit/>
+          </a:bodyPr>
+          <a:lstStyle/>
+          <a:p>
+            <a:r>
+              <a:rPr lang="ru-RU" sz="1000" dirty="0">
+                <a:solidFill>
+                  <a:schemeClr val="bg1"/>
+                </a:solidFill>
+                <a:latin typeface="Montserrat" pitchFamily="2" charset="0"/>
+              </a:rPr>
+              <a:t>Студент:</a:t>
+            </a:r>
+          </a:p>
+          <a:p>
+            <a:r>
+              <a:rPr lang="ru-RU" sz="1000" dirty="0" smtClean="0">
+                <a:solidFill>
+                  <a:schemeClr val="bg1"/>
+                </a:solidFill>
+                <a:latin typeface="Montserrat" pitchFamily="2" charset="0"/>
+              </a:rPr>
+              <a:t>Романов Даниил Николаевич, УВА-411</a:t>
+            </a:r>
+            <a:endParaRPr lang="ru-RU" sz="1000" dirty="0">
+              <a:solidFill>
+                <a:schemeClr val="bg1"/>
+              </a:solidFill>
+              <a:latin typeface="Montserrat" pitchFamily="2" charset="0"/>
+            </a:endParaRPr>
+          </a:p>
+        </p:txBody>
+      </p:sp>
+      <p:pic>
+        <p:nvPicPr>
+          <p:cNvPr id="17" name="Рисунок 16">
+            <a:extLst>
+              <a:ext uri="{FF2B5EF4-FFF2-40B4-BE49-F238E27FC236}">
+                <a16:creationId xmlns:a16="http://schemas.microsoft.com/office/drawing/2014/main" id="{2CDB9450-EAD1-8C44-975B-72463ABE8C46}"/>
+              </a:ext>
+            </a:extLst>
+          </p:cNvPr>
+          <p:cNvPicPr>
+            <a:picLocks noChangeAspect="1"/>
+          </p:cNvPicPr>
+          <p:nvPr/>
+        </p:nvPicPr>
+        <p:blipFill>
+          <a:blip r:embed="rId2">
+            <a:extLst>
+              <a:ext uri="{28A0092B-C50C-407E-A947-70E740481C1C}">
+                <a14:useLocalDpi xmlns:a14="http://schemas.microsoft.com/office/drawing/2010/main" val="0"/>
+              </a:ext>
+            </a:extLst>
+          </a:blip>
+          <a:stretch>
+            <a:fillRect/>
+          </a:stretch>
+        </p:blipFill>
+        <p:spPr>
+          <a:xfrm>
+            <a:off x="231285" y="6362677"/>
+            <a:ext cx="1893079" cy="446879"/>
+          </a:xfrm>
+          <a:prstGeom prst="rect">
+            <a:avLst/>
+          </a:prstGeom>
+        </p:spPr>
+      </p:pic>
+      <p:sp>
+        <p:nvSpPr>
+          <p:cNvPr id="18" name="TextBox 17">
+            <a:extLst>
+              <a:ext uri="{FF2B5EF4-FFF2-40B4-BE49-F238E27FC236}">
+                <a16:creationId xmlns:a16="http://schemas.microsoft.com/office/drawing/2014/main" id="{3B276D71-247A-DA4E-A47F-057FC1898AEA}"/>
+              </a:ext>
+            </a:extLst>
+          </p:cNvPr>
+          <p:cNvSpPr txBox="1"/>
+          <p:nvPr/>
+        </p:nvSpPr>
+        <p:spPr>
+          <a:xfrm>
+            <a:off x="4132184" y="6394311"/>
+            <a:ext cx="4559646" cy="400110"/>
+          </a:xfrm>
+          <a:prstGeom prst="rect">
+            <a:avLst/>
+          </a:prstGeom>
+          <a:noFill/>
+        </p:spPr>
+        <p:txBody>
+          <a:bodyPr wrap="square" rtlCol="0">
+            <a:spAutoFit/>
+          </a:bodyPr>
+          <a:lstStyle/>
+          <a:p>
+            <a:r>
+              <a:rPr lang="ru-RU" sz="1000" dirty="0">
+                <a:solidFill>
+                  <a:schemeClr val="bg1"/>
+                </a:solidFill>
+                <a:latin typeface="Montserrat" pitchFamily="2" charset="0"/>
+              </a:rPr>
+              <a:t>Разработка гибридного </a:t>
+            </a:r>
+            <a:r>
+              <a:rPr lang="ru-RU" sz="1000" dirty="0" err="1">
+                <a:solidFill>
+                  <a:schemeClr val="bg1"/>
+                </a:solidFill>
+                <a:latin typeface="Montserrat" pitchFamily="2" charset="0"/>
+              </a:rPr>
+              <a:t>фреймворка</a:t>
+            </a:r>
+            <a:r>
+              <a:rPr lang="ru-RU" sz="1000" dirty="0">
+                <a:solidFill>
+                  <a:schemeClr val="bg1"/>
+                </a:solidFill>
+                <a:latin typeface="Montserrat" pitchFamily="2" charset="0"/>
+              </a:rPr>
+              <a:t> для автоматизации тестирования в крупных компаниях</a:t>
+            </a:r>
+          </a:p>
+        </p:txBody>
+      </p:sp>
+      <p:sp>
+        <p:nvSpPr>
+          <p:cNvPr id="19" name="TextBox 18">
+            <a:extLst>
+              <a:ext uri="{FF2B5EF4-FFF2-40B4-BE49-F238E27FC236}">
+                <a16:creationId xmlns:a16="http://schemas.microsoft.com/office/drawing/2014/main" id="{41ADB531-3E72-8F40-B990-1C1289A6F934}"/>
+              </a:ext>
+            </a:extLst>
+          </p:cNvPr>
+          <p:cNvSpPr txBox="1"/>
+          <p:nvPr/>
+        </p:nvSpPr>
+        <p:spPr>
+          <a:xfrm>
+            <a:off x="11573346" y="6380852"/>
+            <a:ext cx="465729" cy="400110"/>
+          </a:xfrm>
+          <a:prstGeom prst="rect">
+            <a:avLst/>
+          </a:prstGeom>
+          <a:noFill/>
+        </p:spPr>
+        <p:txBody>
+          <a:bodyPr wrap="square" rtlCol="0">
+            <a:spAutoFit/>
+          </a:bodyPr>
+          <a:lstStyle/>
+          <a:p>
+            <a:r>
+              <a:rPr lang="ru-RU" sz="2000" dirty="0" smtClean="0">
+                <a:solidFill>
+                  <a:schemeClr val="bg1"/>
+                </a:solidFill>
+                <a:latin typeface="Montserrat" pitchFamily="2" charset="0"/>
+              </a:rPr>
+              <a:t>10</a:t>
+            </a:r>
+            <a:endParaRPr lang="ru-RU" sz="2000" dirty="0">
+              <a:solidFill>
+                <a:schemeClr val="bg1"/>
+              </a:solidFill>
+              <a:latin typeface="Montserrat" pitchFamily="2" charset="0"/>
+            </a:endParaRPr>
+          </a:p>
+        </p:txBody>
+      </p:sp>
+      <p:pic>
+        <p:nvPicPr>
+          <p:cNvPr id="20" name="Объект 14">
+            <a:extLst>
+              <a:ext uri="{FF2B5EF4-FFF2-40B4-BE49-F238E27FC236}">
+                <a16:creationId xmlns:a16="http://schemas.microsoft.com/office/drawing/2014/main" id="{7BF412CF-0B35-BA41-A1BA-428FFFCDD4AC}"/>
+              </a:ext>
+            </a:extLst>
+          </p:cNvPr>
+          <p:cNvPicPr>
+            <a:picLocks noChangeAspect="1"/>
+          </p:cNvPicPr>
+          <p:nvPr/>
+        </p:nvPicPr>
+        <p:blipFill>
+          <a:blip r:embed="rId3">
+            <a:extLst>
+              <a:ext uri="{28A0092B-C50C-407E-A947-70E740481C1C}">
+                <a14:useLocalDpi xmlns:a14="http://schemas.microsoft.com/office/drawing/2010/main" val="0"/>
+              </a:ext>
+            </a:extLst>
+          </a:blip>
+          <a:stretch>
+            <a:fillRect/>
+          </a:stretch>
+        </p:blipFill>
+        <p:spPr>
+          <a:xfrm>
+            <a:off x="2342176" y="6338773"/>
+            <a:ext cx="685696" cy="519227"/>
+          </a:xfrm>
+          <a:prstGeom prst="rect">
+            <a:avLst/>
+          </a:prstGeom>
+        </p:spPr>
+      </p:pic>
+      <p:pic>
+        <p:nvPicPr>
+          <p:cNvPr id="12" name="Рисунок 11">
+            <a:extLst>
+              <a:ext uri="{FF2B5EF4-FFF2-40B4-BE49-F238E27FC236}">
+                <a16:creationId xmlns:a16="http://schemas.microsoft.com/office/drawing/2014/main" id="{6B3DC32E-0346-454B-9E36-EA8962DE6D5C}"/>
+              </a:ext>
+            </a:extLst>
+          </p:cNvPr>
+          <p:cNvPicPr>
+            <a:picLocks noChangeAspect="1"/>
+          </p:cNvPicPr>
+          <p:nvPr/>
+        </p:nvPicPr>
+        <p:blipFill>
+          <a:blip r:embed="rId4"/>
+          <a:stretch>
+            <a:fillRect/>
+          </a:stretch>
+        </p:blipFill>
+        <p:spPr>
+          <a:xfrm>
+            <a:off x="3245684" y="6327643"/>
+            <a:ext cx="431278" cy="498929"/>
+          </a:xfrm>
+          <a:prstGeom prst="rect">
+            <a:avLst/>
+          </a:prstGeom>
+        </p:spPr>
+      </p:pic>
+      <p:sp>
+        <p:nvSpPr>
+          <p:cNvPr id="23" name="Заголовок 1">
+            <a:extLst>
+              <a:ext uri="{FF2B5EF4-FFF2-40B4-BE49-F238E27FC236}">
+                <a16:creationId xmlns:a16="http://schemas.microsoft.com/office/drawing/2014/main" id="{B045726F-AAD5-41B2-8887-181C872C98CE}"/>
+              </a:ext>
+            </a:extLst>
+          </p:cNvPr>
+          <p:cNvSpPr>
+            <a:spLocks noGrp="1"/>
+          </p:cNvSpPr>
+          <p:nvPr>
+            <p:ph type="title"/>
+          </p:nvPr>
+        </p:nvSpPr>
+        <p:spPr>
+          <a:xfrm>
+            <a:off x="838200" y="365125"/>
+            <a:ext cx="10515600" cy="1325563"/>
+          </a:xfrm>
+        </p:spPr>
+        <p:txBody>
+          <a:bodyPr>
+            <a:normAutofit/>
+          </a:bodyPr>
+          <a:lstStyle/>
+          <a:p>
+            <a:r>
+              <a:rPr lang="ru-RU" sz="3200" dirty="0" smtClean="0">
+                <a:latin typeface="Montserrat" pitchFamily="2" charset="0"/>
+              </a:rPr>
+              <a:t>Результирующий отчёт</a:t>
+            </a:r>
+            <a:endParaRPr lang="ru-RU" sz="3200" dirty="0">
+              <a:latin typeface="Montserrat" pitchFamily="2" charset="0"/>
+            </a:endParaRPr>
+          </a:p>
+        </p:txBody>
+      </p:sp>
+      <p:pic>
+        <p:nvPicPr>
+          <p:cNvPr id="10" name="Объект 5"/>
+          <p:cNvPicPr>
+            <a:picLocks noChangeAspect="1"/>
+          </p:cNvPicPr>
+          <p:nvPr/>
+        </p:nvPicPr>
+        <p:blipFill>
+          <a:blip r:embed="rId5"/>
+          <a:stretch>
+            <a:fillRect/>
+          </a:stretch>
+        </p:blipFill>
+        <p:spPr>
+          <a:xfrm>
+            <a:off x="1482589" y="1690688"/>
+            <a:ext cx="9226821" cy="4252912"/>
+          </a:xfrm>
+          <a:prstGeom prst="rect">
+            <a:avLst/>
+          </a:prstGeom>
+        </p:spPr>
+      </p:pic>
+    </p:spTree>
+    <p:extLst>
+      <p:ext uri="{BB962C8B-B14F-4D97-AF65-F5344CB8AC3E}">
+        <p14:creationId xmlns:p14="http://schemas.microsoft.com/office/powerpoint/2010/main" val="2306136745"/>
+      </p:ext>
+    </p:extLst>
+  </p:cSld>
+  <p:clrMapOvr>
+    <a:masterClrMapping/>
+  </p:clrMapOvr>
+  <p:timing>
+    <p:tnLst>
+      <p:par>
+        <p:cTn id="1" dur="indefinite" restart="never" nodeType="tmRoot"/>
+      </p:par>
+    </p:tnLst>
+  </p:timing>
+</p:sld>
+</file>
+
+<file path=ppt/slides/slide12.xml><?xml version="1.0" encoding="utf-8"?>
 <p:sld xmlns:a="http://schemas.openxmlformats.org/drawingml/2006/main" xmlns:r="http://schemas.openxmlformats.org/officeDocument/2006/relationships" xmlns:p="http://schemas.openxmlformats.org/presentationml/2006/main">
   <p:cSld>
     <p:spTree>
@@ -5493,7 +6335,7 @@
 </p:sld>
 </file>
 
-<file path=ppt/slides/slide11.xml><?xml version="1.0" encoding="utf-8"?>
+<file path=ppt/slides/slide13.xml><?xml version="1.0" encoding="utf-8"?>
 <p:sld xmlns:a="http://schemas.openxmlformats.org/drawingml/2006/main" xmlns:r="http://schemas.openxmlformats.org/officeDocument/2006/relationships" xmlns:p="http://schemas.openxmlformats.org/presentationml/2006/main">
   <p:cSld>
     <p:spTree>
@@ -11890,7 +12732,7 @@
 </p:sld>
 </file>
 
-<file path=ppt/slides/slide12.xml><?xml version="1.0" encoding="utf-8"?>
+<file path=ppt/slides/slide14.xml><?xml version="1.0" encoding="utf-8"?>
 <p:sld xmlns:a="http://schemas.openxmlformats.org/drawingml/2006/main" xmlns:r="http://schemas.openxmlformats.org/officeDocument/2006/relationships" xmlns:p="http://schemas.openxmlformats.org/presentationml/2006/main">
   <p:cSld>
     <p:spTree>
@@ -12004,10 +12846,16 @@
           <a:lstStyle/>
           <a:p>
             <a:r>
+              <a:rPr lang="ru-RU" sz="2800" dirty="0" smtClean="0">
+                <a:latin typeface="Montserrat" pitchFamily="2" charset="0"/>
+              </a:rPr>
+              <a:t>Тестирование - этап </a:t>
+            </a:r>
+            <a:r>
               <a:rPr lang="ru-RU" sz="2800" dirty="0">
                 <a:latin typeface="Montserrat" pitchFamily="2" charset="0"/>
               </a:rPr>
-              <a:t>Тестирование. Этап в цикле разработки ПО</a:t>
+              <a:t>в цикле разработки ПО</a:t>
             </a:r>
           </a:p>
         </p:txBody>
@@ -12625,263 +13473,6 @@
       </p:pic>
       <p:sp>
         <p:nvSpPr>
-          <p:cNvPr id="11" name="TextBox 10">
-            <a:extLst>
-              <a:ext uri="{FF2B5EF4-FFF2-40B4-BE49-F238E27FC236}">
-                <a16:creationId xmlns:a16="http://schemas.microsoft.com/office/drawing/2014/main" id="{64D3E2F6-04B4-4424-9399-B88A2C4EF0DB}"/>
-              </a:ext>
-            </a:extLst>
-          </p:cNvPr>
-          <p:cNvSpPr txBox="1"/>
-          <p:nvPr/>
-        </p:nvSpPr>
-        <p:spPr>
-          <a:xfrm>
-            <a:off x="843280" y="1816586"/>
-            <a:ext cx="10730066" cy="646331"/>
-          </a:xfrm>
-          <a:prstGeom prst="rect">
-            <a:avLst/>
-          </a:prstGeom>
-          <a:noFill/>
-        </p:spPr>
-        <p:txBody>
-          <a:bodyPr wrap="square" rtlCol="0">
-            <a:spAutoFit/>
-          </a:bodyPr>
-          <a:lstStyle/>
-          <a:p>
-            <a:r>
-              <a:rPr lang="ru-RU" b="1" dirty="0"/>
-              <a:t>Автоматизированное тестирование (авто-тестирование) </a:t>
-            </a:r>
-            <a:r>
-              <a:rPr lang="ru-RU" dirty="0"/>
-              <a:t>– это программа, которая позволяет проводить полноценное тестирование ПО без участия человека.</a:t>
-            </a:r>
-          </a:p>
-        </p:txBody>
-      </p:sp>
-      <p:sp>
-        <p:nvSpPr>
-          <p:cNvPr id="21" name="TextBox 20">
-            <a:extLst>
-              <a:ext uri="{FF2B5EF4-FFF2-40B4-BE49-F238E27FC236}">
-                <a16:creationId xmlns:a16="http://schemas.microsoft.com/office/drawing/2014/main" id="{64D3E2F6-04B4-4424-9399-B88A2C4EF0DB}"/>
-              </a:ext>
-            </a:extLst>
-          </p:cNvPr>
-          <p:cNvSpPr txBox="1"/>
-          <p:nvPr/>
-        </p:nvSpPr>
-        <p:spPr>
-          <a:xfrm>
-            <a:off x="843280" y="2789869"/>
-            <a:ext cx="5242559" cy="2585323"/>
-          </a:xfrm>
-          <a:prstGeom prst="rect">
-            <a:avLst/>
-          </a:prstGeom>
-          <a:noFill/>
-        </p:spPr>
-        <p:txBody>
-          <a:bodyPr wrap="square" rtlCol="0">
-            <a:spAutoFit/>
-          </a:bodyPr>
-          <a:lstStyle/>
-          <a:p>
-            <a:r>
-              <a:rPr lang="ru-RU" dirty="0"/>
-              <a:t>Преимущества авто-тестов</a:t>
-            </a:r>
-            <a:r>
-              <a:rPr lang="en-US" dirty="0"/>
-              <a:t>:</a:t>
-            </a:r>
-            <a:endParaRPr lang="ru-RU" dirty="0"/>
-          </a:p>
-          <a:p>
-            <a:pPr marL="285750" indent="-285750">
-              <a:buFont typeface="Arial" panose="020B0604020202020204" pitchFamily="34" charset="0"/>
-              <a:buChar char="•"/>
-            </a:pPr>
-            <a:r>
-              <a:rPr lang="ru-RU" dirty="0"/>
-              <a:t>скорость работы намного выше, чем у человека</a:t>
-            </a:r>
-            <a:r>
-              <a:rPr lang="en-US" dirty="0"/>
-              <a:t>;</a:t>
-            </a:r>
-            <a:endParaRPr lang="ru-RU" dirty="0"/>
-          </a:p>
-          <a:p>
-            <a:pPr marL="285750" indent="-285750">
-              <a:buFont typeface="Arial" panose="020B0604020202020204" pitchFamily="34" charset="0"/>
-              <a:buChar char="•"/>
-            </a:pPr>
-            <a:r>
-              <a:rPr lang="ru-RU" dirty="0"/>
-              <a:t>работают одновременно, в многопоточном режиме</a:t>
-            </a:r>
-            <a:r>
-              <a:rPr lang="en-US" dirty="0"/>
-              <a:t>;</a:t>
-            </a:r>
-            <a:endParaRPr lang="ru-RU" dirty="0"/>
-          </a:p>
-          <a:p>
-            <a:pPr marL="285750" indent="-285750">
-              <a:buFont typeface="Arial" panose="020B0604020202020204" pitchFamily="34" charset="0"/>
-              <a:buChar char="•"/>
-            </a:pPr>
-            <a:r>
-              <a:rPr lang="ru-RU" dirty="0"/>
-              <a:t>отсутствие влияния человеческого фактора</a:t>
-            </a:r>
-            <a:r>
-              <a:rPr lang="en-US" dirty="0"/>
-              <a:t>;</a:t>
-            </a:r>
-            <a:endParaRPr lang="ru-RU" dirty="0"/>
-          </a:p>
-          <a:p>
-            <a:pPr marL="285750" indent="-285750">
-              <a:buFont typeface="Arial" panose="020B0604020202020204" pitchFamily="34" charset="0"/>
-              <a:buChar char="•"/>
-            </a:pPr>
-            <a:r>
-              <a:rPr lang="ru-RU" dirty="0"/>
-              <a:t>гибкость настройки и удобство технической поддержки</a:t>
-            </a:r>
-            <a:r>
-              <a:rPr lang="en-US" dirty="0"/>
-              <a:t>;</a:t>
-            </a:r>
-            <a:endParaRPr lang="ru-RU" dirty="0"/>
-          </a:p>
-          <a:p>
-            <a:pPr marL="285750" indent="-285750">
-              <a:buFont typeface="Arial" panose="020B0604020202020204" pitchFamily="34" charset="0"/>
-              <a:buChar char="•"/>
-            </a:pPr>
-            <a:r>
-              <a:rPr lang="ru-RU" dirty="0"/>
-              <a:t>возможность тестирования приложения целиком.</a:t>
-            </a:r>
-          </a:p>
-        </p:txBody>
-      </p:sp>
-      <p:sp>
-        <p:nvSpPr>
-          <p:cNvPr id="22" name="TextBox 21">
-            <a:extLst>
-              <a:ext uri="{FF2B5EF4-FFF2-40B4-BE49-F238E27FC236}">
-                <a16:creationId xmlns:a16="http://schemas.microsoft.com/office/drawing/2014/main" id="{64D3E2F6-04B4-4424-9399-B88A2C4EF0DB}"/>
-              </a:ext>
-            </a:extLst>
-          </p:cNvPr>
-          <p:cNvSpPr txBox="1"/>
-          <p:nvPr/>
-        </p:nvSpPr>
-        <p:spPr>
-          <a:xfrm>
-            <a:off x="6085839" y="2789868"/>
-            <a:ext cx="5242559" cy="3139321"/>
-          </a:xfrm>
-          <a:prstGeom prst="rect">
-            <a:avLst/>
-          </a:prstGeom>
-          <a:noFill/>
-        </p:spPr>
-        <p:txBody>
-          <a:bodyPr wrap="square" rtlCol="0">
-            <a:spAutoFit/>
-          </a:bodyPr>
-          <a:lstStyle/>
-          <a:p>
-            <a:r>
-              <a:rPr lang="ru-RU" dirty="0"/>
-              <a:t>Недостатки авто-тестов</a:t>
-            </a:r>
-            <a:r>
-              <a:rPr lang="en-US" dirty="0"/>
-              <a:t>:</a:t>
-            </a:r>
-            <a:endParaRPr lang="ru-RU" dirty="0"/>
-          </a:p>
-          <a:p>
-            <a:pPr marL="285750" indent="-285750">
-              <a:buFont typeface="Arial" panose="020B0604020202020204" pitchFamily="34" charset="0"/>
-              <a:buChar char="•"/>
-            </a:pPr>
-            <a:r>
-              <a:rPr lang="ru-RU" dirty="0"/>
-              <a:t>быстро устаревают и требуют обновления в связи с постоянными изменениями приложений</a:t>
-            </a:r>
-          </a:p>
-          <a:p>
-            <a:pPr marL="285750" indent="-285750">
-              <a:buFont typeface="Arial" panose="020B0604020202020204" pitchFamily="34" charset="0"/>
-              <a:buChar char="•"/>
-            </a:pPr>
-            <a:r>
-              <a:rPr lang="ru-RU" dirty="0"/>
-              <a:t>регулярное отставание в создании авто-тестов от необходимости </a:t>
-            </a:r>
-            <a:r>
-              <a:rPr lang="ru-RU" dirty="0" smtClean="0"/>
-              <a:t>реализации новых сценариев</a:t>
-            </a:r>
-            <a:endParaRPr lang="ru-RU" dirty="0"/>
-          </a:p>
-          <a:p>
-            <a:pPr marL="285750" indent="-285750">
-              <a:buFont typeface="Arial" panose="020B0604020202020204" pitchFamily="34" charset="0"/>
-              <a:buChar char="•"/>
-            </a:pPr>
-            <a:r>
-              <a:rPr lang="ru-RU" dirty="0" smtClean="0"/>
-              <a:t>недоступность для специалистов по ручному тестированию</a:t>
-            </a:r>
-            <a:endParaRPr lang="ru-RU" dirty="0"/>
-          </a:p>
-          <a:p>
-            <a:pPr marL="285750" indent="-285750">
-              <a:buFont typeface="Arial" panose="020B0604020202020204" pitchFamily="34" charset="0"/>
-              <a:buChar char="•"/>
-            </a:pPr>
-            <a:r>
-              <a:rPr lang="ru-RU" dirty="0"/>
-              <a:t>б</a:t>
-            </a:r>
-            <a:r>
-              <a:rPr lang="ru-RU" dirty="0" smtClean="0"/>
-              <a:t>ольшие временные затраты на создание новых авто-тестов</a:t>
-            </a:r>
-          </a:p>
-          <a:p>
-            <a:pPr marL="285750" indent="-285750">
-              <a:buFont typeface="Arial" panose="020B0604020202020204" pitchFamily="34" charset="0"/>
-              <a:buChar char="•"/>
-            </a:pPr>
-            <a:r>
-              <a:rPr lang="ru-RU" dirty="0"/>
-              <a:t>к</a:t>
-            </a:r>
-            <a:r>
-              <a:rPr lang="ru-RU" dirty="0" smtClean="0"/>
-              <a:t>аждый сценарий обрабатывается дважды</a:t>
-            </a:r>
-            <a:endParaRPr lang="ru-RU" dirty="0"/>
-          </a:p>
-          <a:p>
-            <a:endParaRPr lang="ru-RU" dirty="0"/>
-          </a:p>
-        </p:txBody>
-      </p:sp>
-      <p:sp>
-        <p:nvSpPr>
           <p:cNvPr id="23" name="Заголовок 1">
             <a:extLst>
               <a:ext uri="{FF2B5EF4-FFF2-40B4-BE49-F238E27FC236}">
@@ -12914,6 +13505,352 @@
               </a:rPr>
               <a:t>Достоинства и недостатки авто-тестов</a:t>
             </a:r>
+          </a:p>
+        </p:txBody>
+      </p:sp>
+      <p:sp>
+        <p:nvSpPr>
+          <p:cNvPr id="14" name="TextBox 13">
+            <a:extLst>
+              <a:ext uri="{FF2B5EF4-FFF2-40B4-BE49-F238E27FC236}">
+                <a16:creationId xmlns:a16="http://schemas.microsoft.com/office/drawing/2014/main" id="{64D3E2F6-04B4-4424-9399-B88A2C4EF0DB}"/>
+              </a:ext>
+            </a:extLst>
+          </p:cNvPr>
+          <p:cNvSpPr txBox="1"/>
+          <p:nvPr/>
+        </p:nvSpPr>
+        <p:spPr>
+          <a:xfrm>
+            <a:off x="838200" y="1801009"/>
+            <a:ext cx="10730066" cy="1200329"/>
+          </a:xfrm>
+          <a:prstGeom prst="rect">
+            <a:avLst/>
+          </a:prstGeom>
+          <a:noFill/>
+        </p:spPr>
+        <p:txBody>
+          <a:bodyPr wrap="square" rtlCol="0">
+            <a:spAutoFit/>
+          </a:bodyPr>
+          <a:lstStyle/>
+          <a:p>
+            <a:r>
+              <a:rPr lang="ru-RU" sz="2400" b="1" dirty="0" smtClean="0">
+                <a:latin typeface="Arial" panose="020B0604020202020204" pitchFamily="34" charset="0"/>
+                <a:cs typeface="Arial" panose="020B0604020202020204" pitchFamily="34" charset="0"/>
+              </a:rPr>
+              <a:t>Автоматизированное тестирование (авто-тестирование) </a:t>
+            </a:r>
+            <a:r>
+              <a:rPr lang="ru-RU" sz="2400" dirty="0" smtClean="0">
+                <a:latin typeface="Arial" panose="020B0604020202020204" pitchFamily="34" charset="0"/>
+                <a:cs typeface="Arial" panose="020B0604020202020204" pitchFamily="34" charset="0"/>
+              </a:rPr>
+              <a:t>– это программа, которая позволяет проводить полноценное тестирование ПО без участия человека.</a:t>
+            </a:r>
+            <a:endParaRPr lang="ru-RU" sz="2400" dirty="0">
+              <a:latin typeface="Arial" panose="020B0604020202020204" pitchFamily="34" charset="0"/>
+              <a:cs typeface="Arial" panose="020B0604020202020204" pitchFamily="34" charset="0"/>
+            </a:endParaRPr>
+          </a:p>
+        </p:txBody>
+      </p:sp>
+      <p:sp>
+        <p:nvSpPr>
+          <p:cNvPr id="15" name="TextBox 14">
+            <a:extLst>
+              <a:ext uri="{FF2B5EF4-FFF2-40B4-BE49-F238E27FC236}">
+                <a16:creationId xmlns:a16="http://schemas.microsoft.com/office/drawing/2014/main" id="{64D3E2F6-04B4-4424-9399-B88A2C4EF0DB}"/>
+              </a:ext>
+            </a:extLst>
+          </p:cNvPr>
+          <p:cNvSpPr txBox="1"/>
+          <p:nvPr/>
+        </p:nvSpPr>
+        <p:spPr>
+          <a:xfrm>
+            <a:off x="710765" y="3089692"/>
+            <a:ext cx="5242559" cy="2893100"/>
+          </a:xfrm>
+          <a:prstGeom prst="rect">
+            <a:avLst/>
+          </a:prstGeom>
+          <a:noFill/>
+          <a:ln>
+            <a:solidFill>
+              <a:schemeClr val="tx1"/>
+            </a:solidFill>
+          </a:ln>
+        </p:spPr>
+        <p:txBody>
+          <a:bodyPr wrap="square" rtlCol="0">
+            <a:spAutoFit/>
+          </a:bodyPr>
+          <a:lstStyle/>
+          <a:p>
+            <a:pPr algn="ctr"/>
+            <a:r>
+              <a:rPr lang="ru-RU" sz="2000" b="1" i="1" dirty="0">
+                <a:latin typeface="Arial" panose="020B0604020202020204" pitchFamily="34" charset="0"/>
+                <a:cs typeface="Arial" panose="020B0604020202020204" pitchFamily="34" charset="0"/>
+              </a:rPr>
+              <a:t>Преимущества авто-тестов</a:t>
+            </a:r>
+            <a:r>
+              <a:rPr lang="en-US" sz="2000" b="1" i="1" dirty="0">
+                <a:latin typeface="Arial" panose="020B0604020202020204" pitchFamily="34" charset="0"/>
+                <a:cs typeface="Arial" panose="020B0604020202020204" pitchFamily="34" charset="0"/>
+              </a:rPr>
+              <a:t>:</a:t>
+            </a:r>
+            <a:endParaRPr lang="ru-RU" sz="2000" b="1" i="1" dirty="0">
+              <a:latin typeface="Arial" panose="020B0604020202020204" pitchFamily="34" charset="0"/>
+              <a:cs typeface="Arial" panose="020B0604020202020204" pitchFamily="34" charset="0"/>
+            </a:endParaRPr>
+          </a:p>
+          <a:p>
+            <a:pPr marL="285750" indent="-285750">
+              <a:buFont typeface="Arial" panose="020B0604020202020204" pitchFamily="34" charset="0"/>
+              <a:buChar char="•"/>
+            </a:pPr>
+            <a:r>
+              <a:rPr lang="ru-RU" dirty="0">
+                <a:latin typeface="Arial" panose="020B0604020202020204" pitchFamily="34" charset="0"/>
+                <a:cs typeface="Arial" panose="020B0604020202020204" pitchFamily="34" charset="0"/>
+              </a:rPr>
+              <a:t>скорость работы намного выше, чем у человека</a:t>
+            </a:r>
+            <a:r>
+              <a:rPr lang="en-US" dirty="0">
+                <a:latin typeface="Arial" panose="020B0604020202020204" pitchFamily="34" charset="0"/>
+                <a:cs typeface="Arial" panose="020B0604020202020204" pitchFamily="34" charset="0"/>
+              </a:rPr>
+              <a:t>;</a:t>
+            </a:r>
+            <a:endParaRPr lang="ru-RU" dirty="0">
+              <a:latin typeface="Arial" panose="020B0604020202020204" pitchFamily="34" charset="0"/>
+              <a:cs typeface="Arial" panose="020B0604020202020204" pitchFamily="34" charset="0"/>
+            </a:endParaRPr>
+          </a:p>
+          <a:p>
+            <a:pPr marL="285750" indent="-285750">
+              <a:buFont typeface="Arial" panose="020B0604020202020204" pitchFamily="34" charset="0"/>
+              <a:buChar char="•"/>
+            </a:pPr>
+            <a:r>
+              <a:rPr lang="ru-RU" dirty="0">
+                <a:latin typeface="Arial" panose="020B0604020202020204" pitchFamily="34" charset="0"/>
+                <a:cs typeface="Arial" panose="020B0604020202020204" pitchFamily="34" charset="0"/>
+              </a:rPr>
+              <a:t>работают одновременно, в многопоточном режиме</a:t>
+            </a:r>
+            <a:r>
+              <a:rPr lang="en-US" dirty="0">
+                <a:latin typeface="Arial" panose="020B0604020202020204" pitchFamily="34" charset="0"/>
+                <a:cs typeface="Arial" panose="020B0604020202020204" pitchFamily="34" charset="0"/>
+              </a:rPr>
+              <a:t>;</a:t>
+            </a:r>
+            <a:endParaRPr lang="ru-RU" dirty="0">
+              <a:latin typeface="Arial" panose="020B0604020202020204" pitchFamily="34" charset="0"/>
+              <a:cs typeface="Arial" panose="020B0604020202020204" pitchFamily="34" charset="0"/>
+            </a:endParaRPr>
+          </a:p>
+          <a:p>
+            <a:pPr marL="285750" indent="-285750">
+              <a:buFont typeface="Arial" panose="020B0604020202020204" pitchFamily="34" charset="0"/>
+              <a:buChar char="•"/>
+            </a:pPr>
+            <a:r>
+              <a:rPr lang="ru-RU" dirty="0">
+                <a:latin typeface="Arial" panose="020B0604020202020204" pitchFamily="34" charset="0"/>
+                <a:cs typeface="Arial" panose="020B0604020202020204" pitchFamily="34" charset="0"/>
+              </a:rPr>
+              <a:t>отсутствие влияния человеческого фактора</a:t>
+            </a:r>
+            <a:r>
+              <a:rPr lang="en-US" dirty="0">
+                <a:latin typeface="Arial" panose="020B0604020202020204" pitchFamily="34" charset="0"/>
+                <a:cs typeface="Arial" panose="020B0604020202020204" pitchFamily="34" charset="0"/>
+              </a:rPr>
+              <a:t>;</a:t>
+            </a:r>
+            <a:endParaRPr lang="ru-RU" dirty="0">
+              <a:latin typeface="Arial" panose="020B0604020202020204" pitchFamily="34" charset="0"/>
+              <a:cs typeface="Arial" panose="020B0604020202020204" pitchFamily="34" charset="0"/>
+            </a:endParaRPr>
+          </a:p>
+          <a:p>
+            <a:pPr marL="285750" indent="-285750">
+              <a:buFont typeface="Arial" panose="020B0604020202020204" pitchFamily="34" charset="0"/>
+              <a:buChar char="•"/>
+            </a:pPr>
+            <a:r>
+              <a:rPr lang="ru-RU" dirty="0">
+                <a:latin typeface="Arial" panose="020B0604020202020204" pitchFamily="34" charset="0"/>
+                <a:cs typeface="Arial" panose="020B0604020202020204" pitchFamily="34" charset="0"/>
+              </a:rPr>
+              <a:t>гибкость настройки и удобство технической поддержки</a:t>
+            </a:r>
+            <a:r>
+              <a:rPr lang="en-US" dirty="0">
+                <a:latin typeface="Arial" panose="020B0604020202020204" pitchFamily="34" charset="0"/>
+                <a:cs typeface="Arial" panose="020B0604020202020204" pitchFamily="34" charset="0"/>
+              </a:rPr>
+              <a:t>;</a:t>
+            </a:r>
+            <a:endParaRPr lang="ru-RU" dirty="0">
+              <a:latin typeface="Arial" panose="020B0604020202020204" pitchFamily="34" charset="0"/>
+              <a:cs typeface="Arial" panose="020B0604020202020204" pitchFamily="34" charset="0"/>
+            </a:endParaRPr>
+          </a:p>
+          <a:p>
+            <a:pPr marL="285750" indent="-285750">
+              <a:buFont typeface="Arial" panose="020B0604020202020204" pitchFamily="34" charset="0"/>
+              <a:buChar char="•"/>
+            </a:pPr>
+            <a:r>
+              <a:rPr lang="ru-RU" dirty="0">
+                <a:latin typeface="Arial" panose="020B0604020202020204" pitchFamily="34" charset="0"/>
+                <a:cs typeface="Arial" panose="020B0604020202020204" pitchFamily="34" charset="0"/>
+              </a:rPr>
+              <a:t>возможность тестирования приложения целиком.</a:t>
+            </a:r>
+          </a:p>
+        </p:txBody>
+      </p:sp>
+      <p:sp>
+        <p:nvSpPr>
+          <p:cNvPr id="16" name="TextBox 15">
+            <a:extLst>
+              <a:ext uri="{FF2B5EF4-FFF2-40B4-BE49-F238E27FC236}">
+                <a16:creationId xmlns:a16="http://schemas.microsoft.com/office/drawing/2014/main" id="{64D3E2F6-04B4-4424-9399-B88A2C4EF0DB}"/>
+              </a:ext>
+            </a:extLst>
+          </p:cNvPr>
+          <p:cNvSpPr txBox="1"/>
+          <p:nvPr/>
+        </p:nvSpPr>
+        <p:spPr>
+          <a:xfrm>
+            <a:off x="6108788" y="3089692"/>
+            <a:ext cx="5459478" cy="2616101"/>
+          </a:xfrm>
+          <a:prstGeom prst="rect">
+            <a:avLst/>
+          </a:prstGeom>
+          <a:noFill/>
+          <a:ln>
+            <a:solidFill>
+              <a:schemeClr val="tx1"/>
+            </a:solidFill>
+          </a:ln>
+        </p:spPr>
+        <p:txBody>
+          <a:bodyPr wrap="square" rtlCol="0">
+            <a:spAutoFit/>
+          </a:bodyPr>
+          <a:lstStyle/>
+          <a:p>
+            <a:pPr algn="ctr"/>
+            <a:r>
+              <a:rPr lang="ru-RU" sz="2000" b="1" i="1" dirty="0">
+                <a:latin typeface="Arial" panose="020B0604020202020204" pitchFamily="34" charset="0"/>
+                <a:cs typeface="Arial" panose="020B0604020202020204" pitchFamily="34" charset="0"/>
+              </a:rPr>
+              <a:t>Недостатки авто-тестов</a:t>
+            </a:r>
+            <a:r>
+              <a:rPr lang="en-US" sz="2000" b="1" i="1" dirty="0">
+                <a:latin typeface="Arial" panose="020B0604020202020204" pitchFamily="34" charset="0"/>
+                <a:cs typeface="Arial" panose="020B0604020202020204" pitchFamily="34" charset="0"/>
+              </a:rPr>
+              <a:t>:</a:t>
+            </a:r>
+            <a:endParaRPr lang="ru-RU" sz="2000" b="1" i="1" dirty="0">
+              <a:latin typeface="Arial" panose="020B0604020202020204" pitchFamily="34" charset="0"/>
+              <a:cs typeface="Arial" panose="020B0604020202020204" pitchFamily="34" charset="0"/>
+            </a:endParaRPr>
+          </a:p>
+          <a:p>
+            <a:pPr marL="285750" indent="-285750">
+              <a:buFont typeface="Arial" panose="020B0604020202020204" pitchFamily="34" charset="0"/>
+              <a:buChar char="•"/>
+            </a:pPr>
+            <a:r>
+              <a:rPr lang="ru-RU" dirty="0">
+                <a:latin typeface="Arial" panose="020B0604020202020204" pitchFamily="34" charset="0"/>
+                <a:cs typeface="Arial" panose="020B0604020202020204" pitchFamily="34" charset="0"/>
+              </a:rPr>
+              <a:t>быстро устаревают и требуют обновления в связи с постоянными изменениями приложений</a:t>
+            </a:r>
+          </a:p>
+          <a:p>
+            <a:pPr marL="285750" indent="-285750">
+              <a:buFont typeface="Arial" panose="020B0604020202020204" pitchFamily="34" charset="0"/>
+              <a:buChar char="•"/>
+            </a:pPr>
+            <a:r>
+              <a:rPr lang="ru-RU" dirty="0" smtClean="0">
+                <a:latin typeface="Arial" panose="020B0604020202020204" pitchFamily="34" charset="0"/>
+                <a:cs typeface="Arial" panose="020B0604020202020204" pitchFamily="34" charset="0"/>
+              </a:rPr>
+              <a:t>недоступность </a:t>
+            </a:r>
+            <a:r>
+              <a:rPr lang="ru-RU" dirty="0" smtClean="0">
+                <a:latin typeface="Arial" panose="020B0604020202020204" pitchFamily="34" charset="0"/>
+                <a:cs typeface="Arial" panose="020B0604020202020204" pitchFamily="34" charset="0"/>
+              </a:rPr>
+              <a:t>для специалистов по ручному тестированию</a:t>
+            </a:r>
+            <a:endParaRPr lang="ru-RU" dirty="0">
+              <a:latin typeface="Arial" panose="020B0604020202020204" pitchFamily="34" charset="0"/>
+              <a:cs typeface="Arial" panose="020B0604020202020204" pitchFamily="34" charset="0"/>
+            </a:endParaRPr>
+          </a:p>
+          <a:p>
+            <a:pPr marL="285750" indent="-285750">
+              <a:buFont typeface="Arial" panose="020B0604020202020204" pitchFamily="34" charset="0"/>
+              <a:buChar char="•"/>
+            </a:pPr>
+            <a:r>
+              <a:rPr lang="ru-RU" dirty="0">
+                <a:latin typeface="Arial" panose="020B0604020202020204" pitchFamily="34" charset="0"/>
+                <a:cs typeface="Arial" panose="020B0604020202020204" pitchFamily="34" charset="0"/>
+              </a:rPr>
+              <a:t>б</a:t>
+            </a:r>
+            <a:r>
+              <a:rPr lang="ru-RU" dirty="0" smtClean="0">
+                <a:latin typeface="Arial" panose="020B0604020202020204" pitchFamily="34" charset="0"/>
+                <a:cs typeface="Arial" panose="020B0604020202020204" pitchFamily="34" charset="0"/>
+              </a:rPr>
+              <a:t>ольшие временные затраты на создание новых авто-тестов</a:t>
+            </a:r>
+          </a:p>
+          <a:p>
+            <a:pPr marL="285750" indent="-285750">
+              <a:buFont typeface="Arial" panose="020B0604020202020204" pitchFamily="34" charset="0"/>
+              <a:buChar char="•"/>
+            </a:pPr>
+            <a:r>
+              <a:rPr lang="ru-RU" dirty="0">
+                <a:latin typeface="Arial" panose="020B0604020202020204" pitchFamily="34" charset="0"/>
+                <a:cs typeface="Arial" panose="020B0604020202020204" pitchFamily="34" charset="0"/>
+              </a:rPr>
+              <a:t>к</a:t>
+            </a:r>
+            <a:r>
+              <a:rPr lang="ru-RU" dirty="0" smtClean="0">
+                <a:latin typeface="Arial" panose="020B0604020202020204" pitchFamily="34" charset="0"/>
+                <a:cs typeface="Arial" panose="020B0604020202020204" pitchFamily="34" charset="0"/>
+              </a:rPr>
+              <a:t>аждый сценарий обрабатывается дважды</a:t>
+            </a:r>
+            <a:endParaRPr lang="ru-RU" dirty="0"/>
           </a:p>
         </p:txBody>
       </p:sp>
@@ -13289,7 +14226,7 @@
         <p:spPr>
           <a:xfrm>
             <a:off x="853442" y="1690688"/>
-            <a:ext cx="8981438" cy="4708981"/>
+            <a:ext cx="8981438" cy="4401205"/>
           </a:xfrm>
           <a:prstGeom prst="rect">
             <a:avLst/>
@@ -13348,7 +14285,11 @@
             </a:pPr>
             <a:r>
               <a:rPr lang="ru-RU" sz="2000" dirty="0"/>
-              <a:t>предложить оптимальное решение проблем связанных с автоматизацией тестирования</a:t>
+              <a:t>предложить </a:t>
+            </a:r>
+            <a:r>
+              <a:rPr lang="ru-RU" sz="2000" dirty="0" smtClean="0"/>
+              <a:t>подход для решения проблем автоматизации тестирования</a:t>
             </a:r>
             <a:r>
               <a:rPr lang="en-US" sz="2000" dirty="0" smtClean="0"/>
@@ -13394,11 +14335,15 @@
             </a:pPr>
             <a:r>
               <a:rPr lang="ru-RU" sz="2000" dirty="0" smtClean="0"/>
-              <a:t>в</a:t>
+              <a:t>разработать </a:t>
+            </a:r>
+            <a:r>
+              <a:rPr lang="ru-RU" sz="2000" dirty="0" smtClean="0"/>
+              <a:t>шаблоны для </a:t>
             </a:r>
             <a:r>
               <a:rPr lang="ru-RU" sz="2000" dirty="0"/>
-              <a:t>едение общих шаблонов (методов) для унификации формирования тестовых сценариев</a:t>
+              <a:t>унификации формирования тестовых сценариев</a:t>
             </a:r>
             <a:r>
               <a:rPr lang="en-US" sz="2000" dirty="0" smtClean="0"/>
@@ -13413,17 +14358,17 @@
             </a:pPr>
             <a:r>
               <a:rPr lang="ru-RU" sz="2000" dirty="0"/>
-              <a:t>р</a:t>
+              <a:t>разработать доступного удобный и доступный для специалистов по ручному тестированию конструктор </a:t>
             </a:r>
             <a:r>
               <a:rPr lang="ru-RU" sz="2000" dirty="0" smtClean="0"/>
-              <a:t>азработка доступного конструктора для создания авто-тестов</a:t>
+              <a:t>авто-тестов</a:t>
             </a:r>
             <a:r>
               <a:rPr lang="en-US" sz="2000" dirty="0" smtClean="0"/>
               <a:t>;</a:t>
             </a:r>
-            <a:endParaRPr lang="ru-RU" sz="2000" dirty="0"/>
+            <a:endParaRPr lang="ru-RU" sz="2000" dirty="0" smtClean="0"/>
           </a:p>
           <a:p>
             <a:pPr marL="342900" indent="-342900">
@@ -13432,13 +14377,8 @@
             </a:pPr>
             <a:r>
               <a:rPr lang="ru-RU" sz="2000" dirty="0"/>
-              <a:t>разработать типовую модель автоматизированных тестов на контрольном примере</a:t>
-            </a:r>
-            <a:r>
-              <a:rPr lang="en-US" sz="2000" dirty="0" smtClean="0"/>
-              <a:t>.</a:t>
-            </a:r>
-            <a:endParaRPr lang="ru-RU" sz="2000" dirty="0" smtClean="0"/>
+              <a:t>представить типовую модель автоматизации тестирования на контрольном примере.</a:t>
+            </a:r>
           </a:p>
           <a:p>
             <a:endParaRPr lang="ru-RU" sz="2000" dirty="0"/>
@@ -13554,7 +14494,7 @@
           <p:nvPr/>
         </p:nvPicPr>
         <p:blipFill>
-          <a:blip r:embed="rId2">
+          <a:blip r:embed="rId3">
             <a:extLst>
               <a:ext uri="{28A0092B-C50C-407E-A947-70E740481C1C}">
                 <a14:useLocalDpi xmlns:a14="http://schemas.microsoft.com/office/drawing/2010/main" val="0"/>
@@ -13694,7 +14634,7 @@
           <p:nvPr/>
         </p:nvPicPr>
         <p:blipFill>
-          <a:blip r:embed="rId3">
+          <a:blip r:embed="rId4">
             <a:extLst>
               <a:ext uri="{28A0092B-C50C-407E-A947-70E740481C1C}">
                 <a14:useLocalDpi xmlns:a14="http://schemas.microsoft.com/office/drawing/2010/main" val="0"/>
@@ -13730,7 +14670,7 @@
           <p:nvPr/>
         </p:nvPicPr>
         <p:blipFill>
-          <a:blip r:embed="rId4"/>
+          <a:blip r:embed="rId5"/>
           <a:stretch>
             <a:fillRect/>
           </a:stretch>
@@ -13763,8 +14703,8 @@
         </p:nvSpPr>
         <p:spPr>
           <a:xfrm>
-            <a:off x="838200" y="365125"/>
-            <a:ext cx="10515600" cy="1325563"/>
+            <a:off x="838200" y="365126"/>
+            <a:ext cx="10795434" cy="530613"/>
           </a:xfrm>
         </p:spPr>
         <p:txBody>
@@ -13777,7 +14717,7 @@
               <a:rPr lang="ru-RU" sz="3200" dirty="0" smtClean="0">
                 <a:latin typeface="Montserrat" pitchFamily="2" charset="0"/>
               </a:rPr>
-              <a:t>Взаимодействие между специалистами по тестированию ПО.</a:t>
+              <a:t>Новое решение в создании автоматизированных тестов</a:t>
             </a:r>
             <a:endParaRPr lang="ru-RU" sz="3200" dirty="0">
               <a:latin typeface="Montserrat" pitchFamily="2" charset="0"/>
@@ -13794,21 +14734,170 @@
           <p:nvPr/>
         </p:nvPicPr>
         <p:blipFill>
-          <a:blip r:embed="rId5"/>
+          <a:blip r:embed="rId6"/>
           <a:stretch>
             <a:fillRect/>
           </a:stretch>
         </p:blipFill>
         <p:spPr>
           <a:xfrm>
-            <a:off x="857230" y="1690688"/>
-            <a:ext cx="10496570" cy="4343666"/>
+            <a:off x="1872992" y="904891"/>
+            <a:ext cx="8725850" cy="3610910"/>
           </a:xfrm>
           <a:prstGeom prst="rect">
             <a:avLst/>
           </a:prstGeom>
         </p:spPr>
       </p:pic>
+      <p:sp>
+        <p:nvSpPr>
+          <p:cNvPr id="14" name="TextBox 13">
+            <a:extLst>
+              <a:ext uri="{FF2B5EF4-FFF2-40B4-BE49-F238E27FC236}">
+                <a16:creationId xmlns:a16="http://schemas.microsoft.com/office/drawing/2014/main" id="{64D3E2F6-04B4-4424-9399-B88A2C4EF0DB}"/>
+              </a:ext>
+            </a:extLst>
+          </p:cNvPr>
+          <p:cNvSpPr txBox="1"/>
+          <p:nvPr/>
+        </p:nvSpPr>
+        <p:spPr>
+          <a:xfrm>
+            <a:off x="838200" y="4507787"/>
+            <a:ext cx="10795434" cy="1754326"/>
+          </a:xfrm>
+          <a:prstGeom prst="rect">
+            <a:avLst/>
+          </a:prstGeom>
+          <a:noFill/>
+          <a:ln>
+            <a:solidFill>
+              <a:schemeClr val="tx1"/>
+            </a:solidFill>
+          </a:ln>
+        </p:spPr>
+        <p:txBody>
+          <a:bodyPr wrap="square" rtlCol="0">
+            <a:spAutoFit/>
+          </a:bodyPr>
+          <a:lstStyle/>
+          <a:p>
+            <a:pPr marL="285750" indent="-285750">
+              <a:buFont typeface="Arial" panose="020B0604020202020204" pitchFamily="34" charset="0"/>
+              <a:buChar char="•"/>
+            </a:pPr>
+            <a:r>
+              <a:rPr lang="ru-RU" dirty="0" smtClean="0">
+                <a:latin typeface="Arial" panose="020B0604020202020204" pitchFamily="34" charset="0"/>
+                <a:cs typeface="Arial" panose="020B0604020202020204" pitchFamily="34" charset="0"/>
+              </a:rPr>
+              <a:t>наличие программного конструктора для создания авто-тестов</a:t>
+            </a:r>
+            <a:r>
+              <a:rPr lang="en-US" dirty="0" smtClean="0">
+                <a:latin typeface="Arial" panose="020B0604020202020204" pitchFamily="34" charset="0"/>
+                <a:cs typeface="Arial" panose="020B0604020202020204" pitchFamily="34" charset="0"/>
+              </a:rPr>
+              <a:t>;</a:t>
+            </a:r>
+            <a:endParaRPr lang="ru-RU" dirty="0" smtClean="0">
+              <a:latin typeface="Arial" panose="020B0604020202020204" pitchFamily="34" charset="0"/>
+              <a:cs typeface="Arial" panose="020B0604020202020204" pitchFamily="34" charset="0"/>
+            </a:endParaRPr>
+          </a:p>
+          <a:p>
+            <a:pPr marL="285750" indent="-285750">
+              <a:buFont typeface="Arial" panose="020B0604020202020204" pitchFamily="34" charset="0"/>
+              <a:buChar char="•"/>
+            </a:pPr>
+            <a:r>
+              <a:rPr lang="ru-RU" dirty="0" smtClean="0">
+                <a:latin typeface="Arial" panose="020B0604020202020204" pitchFamily="34" charset="0"/>
+                <a:cs typeface="Arial" panose="020B0604020202020204" pitchFamily="34" charset="0"/>
+              </a:rPr>
+              <a:t>возможность предоставления сценария на русском языке</a:t>
+            </a:r>
+            <a:r>
+              <a:rPr lang="en-US" dirty="0" smtClean="0">
+                <a:latin typeface="Arial" panose="020B0604020202020204" pitchFamily="34" charset="0"/>
+                <a:cs typeface="Arial" panose="020B0604020202020204" pitchFamily="34" charset="0"/>
+              </a:rPr>
+              <a:t>;</a:t>
+            </a:r>
+          </a:p>
+          <a:p>
+            <a:pPr marL="285750" indent="-285750">
+              <a:buFont typeface="Arial" panose="020B0604020202020204" pitchFamily="34" charset="0"/>
+              <a:buChar char="•"/>
+            </a:pPr>
+            <a:r>
+              <a:rPr lang="ru-RU" dirty="0" smtClean="0">
+                <a:latin typeface="Arial" panose="020B0604020202020204" pitchFamily="34" charset="0"/>
+                <a:cs typeface="Arial" panose="020B0604020202020204" pitchFamily="34" charset="0"/>
+              </a:rPr>
+              <a:t>исходный сценарий пишется только один раз</a:t>
+            </a:r>
+            <a:r>
+              <a:rPr lang="en-US" dirty="0" smtClean="0">
+                <a:latin typeface="Arial" panose="020B0604020202020204" pitchFamily="34" charset="0"/>
+                <a:cs typeface="Arial" panose="020B0604020202020204" pitchFamily="34" charset="0"/>
+              </a:rPr>
+              <a:t>;</a:t>
+            </a:r>
+          </a:p>
+          <a:p>
+            <a:pPr marL="285750" indent="-285750">
+              <a:buFont typeface="Arial" panose="020B0604020202020204" pitchFamily="34" charset="0"/>
+              <a:buChar char="•"/>
+            </a:pPr>
+            <a:r>
+              <a:rPr lang="ru-RU" dirty="0" smtClean="0">
+                <a:latin typeface="Arial" panose="020B0604020202020204" pitchFamily="34" charset="0"/>
+                <a:cs typeface="Arial" panose="020B0604020202020204" pitchFamily="34" charset="0"/>
+              </a:rPr>
+              <a:t>освобождение человеческих ресурсов для написания авто-тестов</a:t>
+            </a:r>
+            <a:r>
+              <a:rPr lang="en-US" dirty="0" smtClean="0">
+                <a:latin typeface="Arial" panose="020B0604020202020204" pitchFamily="34" charset="0"/>
+                <a:cs typeface="Arial" panose="020B0604020202020204" pitchFamily="34" charset="0"/>
+              </a:rPr>
+              <a:t>;</a:t>
+            </a:r>
+          </a:p>
+          <a:p>
+            <a:pPr marL="285750" indent="-285750">
+              <a:buFont typeface="Arial" panose="020B0604020202020204" pitchFamily="34" charset="0"/>
+              <a:buChar char="•"/>
+            </a:pPr>
+            <a:r>
+              <a:rPr lang="ru-RU" dirty="0" smtClean="0">
+                <a:latin typeface="Arial" panose="020B0604020202020204" pitchFamily="34" charset="0"/>
+                <a:cs typeface="Arial" panose="020B0604020202020204" pitchFamily="34" charset="0"/>
+              </a:rPr>
+              <a:t>предоставление возможности конструирования авто-теста </a:t>
+            </a:r>
+            <a:r>
+              <a:rPr lang="ru-RU" dirty="0">
+                <a:latin typeface="Arial" panose="020B0604020202020204" pitchFamily="34" charset="0"/>
+                <a:cs typeface="Arial" panose="020B0604020202020204" pitchFamily="34" charset="0"/>
+              </a:rPr>
+              <a:t>с</a:t>
+            </a:r>
+            <a:r>
+              <a:rPr lang="ru-RU" dirty="0" smtClean="0">
+                <a:latin typeface="Arial" panose="020B0604020202020204" pitchFamily="34" charset="0"/>
+                <a:cs typeface="Arial" panose="020B0604020202020204" pitchFamily="34" charset="0"/>
+              </a:rPr>
+              <a:t>пециалистам без знания языков программирования.</a:t>
+            </a:r>
+            <a:endParaRPr lang="en-US" dirty="0" smtClean="0">
+              <a:latin typeface="Arial" panose="020B0604020202020204" pitchFamily="34" charset="0"/>
+              <a:cs typeface="Arial" panose="020B0604020202020204" pitchFamily="34" charset="0"/>
+            </a:endParaRPr>
+          </a:p>
+        </p:txBody>
+      </p:sp>
     </p:spTree>
     <p:extLst>
       <p:ext uri="{BB962C8B-B14F-4D97-AF65-F5344CB8AC3E}">
@@ -14032,7 +15121,7 @@
                 </a:solidFill>
                 <a:latin typeface="Montserrat" pitchFamily="2" charset="0"/>
               </a:rPr>
-              <a:t>6</a:t>
+              <a:t>5</a:t>
             </a:r>
             <a:endParaRPr lang="ru-RU" sz="2000" dirty="0">
               <a:solidFill>
@@ -14109,80 +15198,78 @@
           </a:prstGeom>
         </p:spPr>
       </p:pic>
+      <p:sp>
+        <p:nvSpPr>
+          <p:cNvPr id="23" name="Заголовок 1">
+            <a:extLst>
+              <a:ext uri="{FF2B5EF4-FFF2-40B4-BE49-F238E27FC236}">
+                <a16:creationId xmlns:a16="http://schemas.microsoft.com/office/drawing/2014/main" id="{B045726F-AAD5-41B2-8887-181C872C98CE}"/>
+              </a:ext>
+            </a:extLst>
+          </p:cNvPr>
+          <p:cNvSpPr>
+            <a:spLocks noGrp="1"/>
+          </p:cNvSpPr>
+          <p:nvPr>
+            <p:ph type="title"/>
+          </p:nvPr>
+        </p:nvSpPr>
+        <p:spPr>
+          <a:xfrm>
+            <a:off x="838200" y="365125"/>
+            <a:ext cx="10515600" cy="1325563"/>
+          </a:xfrm>
+        </p:spPr>
+        <p:txBody>
+          <a:bodyPr>
+            <a:normAutofit/>
+          </a:bodyPr>
+          <a:lstStyle/>
+          <a:p>
+            <a:r>
+              <a:rPr lang="ru-RU" sz="3200" dirty="0" smtClean="0">
+                <a:latin typeface="Montserrat" pitchFamily="2" charset="0"/>
+              </a:rPr>
+              <a:t>Архитектура модулей гибридного </a:t>
+            </a:r>
+            <a:r>
+              <a:rPr lang="ru-RU" sz="3200" dirty="0" err="1" smtClean="0">
+                <a:latin typeface="Montserrat" pitchFamily="2" charset="0"/>
+              </a:rPr>
+              <a:t>фреймоворка</a:t>
+            </a:r>
+            <a:endParaRPr lang="ru-RU" sz="3200" dirty="0">
+              <a:latin typeface="Montserrat" pitchFamily="2" charset="0"/>
+            </a:endParaRPr>
+          </a:p>
+        </p:txBody>
+      </p:sp>
       <p:pic>
         <p:nvPicPr>
-          <p:cNvPr id="6" name="Рисунок 5"/>
-          <p:cNvPicPr>
-            <a:picLocks noChangeAspect="1"/>
-          </p:cNvPicPr>
+          <p:cNvPr id="11" name="Рисунок 10"/>
+          <p:cNvPicPr/>
           <p:nvPr/>
         </p:nvPicPr>
         <p:blipFill>
-          <a:blip r:embed="rId5">
-            <a:extLst>
-              <a:ext uri="{28A0092B-C50C-407E-A947-70E740481C1C}">
-                <a14:useLocalDpi xmlns:a14="http://schemas.microsoft.com/office/drawing/2010/main" val="0"/>
-              </a:ext>
-            </a:extLst>
-          </a:blip>
+          <a:blip r:embed="rId5"/>
           <a:stretch>
             <a:fillRect/>
           </a:stretch>
         </p:blipFill>
         <p:spPr>
           <a:xfrm>
-            <a:off x="0" y="207121"/>
-            <a:ext cx="12192000" cy="5428140"/>
+            <a:off x="2283667" y="1690688"/>
+            <a:ext cx="7624665" cy="4545181"/>
           </a:xfrm>
           <a:prstGeom prst="rect">
             <a:avLst/>
           </a:prstGeom>
         </p:spPr>
       </p:pic>
-      <p:sp>
-        <p:nvSpPr>
-          <p:cNvPr id="16" name="TextBox 15">
-            <a:extLst>
-              <a:ext uri="{FF2B5EF4-FFF2-40B4-BE49-F238E27FC236}">
-                <a16:creationId xmlns:a16="http://schemas.microsoft.com/office/drawing/2014/main" id="{64D3E2F6-04B4-4424-9399-B88A2C4EF0DB}"/>
-              </a:ext>
-            </a:extLst>
-          </p:cNvPr>
-          <p:cNvSpPr txBox="1"/>
-          <p:nvPr/>
-        </p:nvSpPr>
-        <p:spPr>
-          <a:xfrm>
-            <a:off x="1215099" y="5635261"/>
-            <a:ext cx="9761801" cy="523220"/>
-          </a:xfrm>
-          <a:prstGeom prst="rect">
-            <a:avLst/>
-          </a:prstGeom>
-          <a:noFill/>
-        </p:spPr>
-        <p:txBody>
-          <a:bodyPr wrap="square" rtlCol="0">
-            <a:spAutoFit/>
-          </a:bodyPr>
-          <a:lstStyle/>
-          <a:p>
-            <a:r>
-              <a:rPr lang="ru-RU" sz="2800" dirty="0" smtClean="0"/>
-              <a:t>Архитектура взаимодействия модулей гибридного </a:t>
-            </a:r>
-            <a:r>
-              <a:rPr lang="ru-RU" sz="2800" dirty="0" err="1" smtClean="0"/>
-              <a:t>фреймворка</a:t>
-            </a:r>
-            <a:endParaRPr lang="ru-RU" sz="2800" dirty="0"/>
-          </a:p>
-        </p:txBody>
-      </p:sp>
     </p:spTree>
     <p:extLst>
       <p:ext uri="{BB962C8B-B14F-4D97-AF65-F5344CB8AC3E}">
-        <p14:creationId xmlns:p14="http://schemas.microsoft.com/office/powerpoint/2010/main" val="3134470442"/>
+        <p14:creationId xmlns:p14="http://schemas.microsoft.com/office/powerpoint/2010/main" val="727017747"/>
       </p:ext>
     </p:extLst>
   </p:cSld>
@@ -14402,7 +15489,7 @@
                 </a:solidFill>
                 <a:latin typeface="Montserrat" pitchFamily="2" charset="0"/>
               </a:rPr>
-              <a:t>7</a:t>
+              <a:t>6</a:t>
             </a:r>
             <a:endParaRPr lang="ru-RU" sz="2000" dirty="0">
               <a:solidFill>
@@ -14479,9 +15566,39 @@
           </a:prstGeom>
         </p:spPr>
       </p:pic>
+      <p:pic>
+        <p:nvPicPr>
+          <p:cNvPr id="6" name="Рисунок 5"/>
+          <p:cNvPicPr>
+            <a:picLocks noChangeAspect="1"/>
+          </p:cNvPicPr>
+          <p:nvPr/>
+        </p:nvPicPr>
+        <p:blipFill>
+          <a:blip r:embed="rId5">
+            <a:extLst>
+              <a:ext uri="{28A0092B-C50C-407E-A947-70E740481C1C}">
+                <a14:useLocalDpi xmlns:a14="http://schemas.microsoft.com/office/drawing/2010/main" val="0"/>
+              </a:ext>
+            </a:extLst>
+          </a:blip>
+          <a:stretch>
+            <a:fillRect/>
+          </a:stretch>
+        </p:blipFill>
+        <p:spPr>
+          <a:xfrm>
+            <a:off x="0" y="207121"/>
+            <a:ext cx="12192000" cy="5428140"/>
+          </a:xfrm>
+          <a:prstGeom prst="rect">
+            <a:avLst/>
+          </a:prstGeom>
+        </p:spPr>
+      </p:pic>
       <p:sp>
         <p:nvSpPr>
-          <p:cNvPr id="11" name="TextBox 10">
+          <p:cNvPr id="16" name="TextBox 15">
             <a:extLst>
               <a:ext uri="{FF2B5EF4-FFF2-40B4-BE49-F238E27FC236}">
                 <a16:creationId xmlns:a16="http://schemas.microsoft.com/office/drawing/2014/main" id="{64D3E2F6-04B4-4424-9399-B88A2C4EF0DB}"/>
@@ -14493,8 +15610,8 @@
         </p:nvSpPr>
         <p:spPr>
           <a:xfrm>
-            <a:off x="843280" y="1816586"/>
-            <a:ext cx="10730066" cy="1569660"/>
+            <a:off x="1215099" y="5635261"/>
+            <a:ext cx="9761801" cy="523220"/>
           </a:xfrm>
           <a:prstGeom prst="rect">
             <a:avLst/>
@@ -14508,92 +15625,21 @@
           <a:lstStyle/>
           <a:p>
             <a:r>
-              <a:rPr lang="ru-RU" sz="2400" dirty="0" smtClean="0"/>
-              <a:t>Сценарий – это последовательность действий, выполняемая над проверяемым программным обеспечением с целью выявить недостатки.</a:t>
-            </a:r>
-          </a:p>
-          <a:p>
-            <a:r>
-              <a:rPr lang="ru-RU" sz="2400" dirty="0" smtClean="0"/>
-              <a:t>Шаблон (метод) – обобщённое действие, которое можно произвести в рамках тестового сценария.</a:t>
-            </a:r>
+              <a:rPr lang="ru-RU" sz="2800" dirty="0" smtClean="0"/>
+              <a:t>Архитектура взаимодействия модулей гибридного </a:t>
+            </a:r>
+            <a:r>
+              <a:rPr lang="ru-RU" sz="2800" dirty="0" err="1" smtClean="0"/>
+              <a:t>фреймворка</a:t>
+            </a:r>
+            <a:endParaRPr lang="ru-RU" sz="2800" dirty="0"/>
           </a:p>
         </p:txBody>
       </p:sp>
-      <p:sp>
-        <p:nvSpPr>
-          <p:cNvPr id="23" name="Заголовок 1">
-            <a:extLst>
-              <a:ext uri="{FF2B5EF4-FFF2-40B4-BE49-F238E27FC236}">
-                <a16:creationId xmlns:a16="http://schemas.microsoft.com/office/drawing/2014/main" id="{B045726F-AAD5-41B2-8887-181C872C98CE}"/>
-              </a:ext>
-            </a:extLst>
-          </p:cNvPr>
-          <p:cNvSpPr>
-            <a:spLocks noGrp="1"/>
-          </p:cNvSpPr>
-          <p:nvPr>
-            <p:ph type="title"/>
-          </p:nvPr>
-        </p:nvSpPr>
-        <p:spPr>
-          <a:xfrm>
-            <a:off x="838200" y="365125"/>
-            <a:ext cx="10515600" cy="1325563"/>
-          </a:xfrm>
-        </p:spPr>
-        <p:txBody>
-          <a:bodyPr>
-            <a:normAutofit/>
-          </a:bodyPr>
-          <a:lstStyle/>
-          <a:p>
-            <a:r>
-              <a:rPr lang="ru-RU" sz="3200" dirty="0" smtClean="0">
-                <a:latin typeface="Montserrat" pitchFamily="2" charset="0"/>
-              </a:rPr>
-              <a:t>Унификация формирования тестовых сценариев</a:t>
-            </a:r>
-            <a:endParaRPr lang="ru-RU" sz="3200" dirty="0">
-              <a:latin typeface="Montserrat" pitchFamily="2" charset="0"/>
-            </a:endParaRPr>
-          </a:p>
-        </p:txBody>
-      </p:sp>
-      <p:pic>
-        <p:nvPicPr>
-          <p:cNvPr id="4" name="Рисунок 3"/>
-          <p:cNvPicPr>
-            <a:picLocks noChangeAspect="1"/>
-          </p:cNvPicPr>
-          <p:nvPr/>
-        </p:nvPicPr>
-        <p:blipFill>
-          <a:blip r:embed="rId5">
-            <a:extLst>
-              <a:ext uri="{28A0092B-C50C-407E-A947-70E740481C1C}">
-                <a14:useLocalDpi xmlns:a14="http://schemas.microsoft.com/office/drawing/2010/main" val="0"/>
-              </a:ext>
-            </a:extLst>
-          </a:blip>
-          <a:stretch>
-            <a:fillRect/>
-          </a:stretch>
-        </p:blipFill>
-        <p:spPr>
-          <a:xfrm>
-            <a:off x="838200" y="3650096"/>
-            <a:ext cx="10711447" cy="2361537"/>
-          </a:xfrm>
-          <a:prstGeom prst="rect">
-            <a:avLst/>
-          </a:prstGeom>
-        </p:spPr>
-      </p:pic>
     </p:spTree>
     <p:extLst>
       <p:ext uri="{BB962C8B-B14F-4D97-AF65-F5344CB8AC3E}">
-        <p14:creationId xmlns:p14="http://schemas.microsoft.com/office/powerpoint/2010/main" val="3929514100"/>
+        <p14:creationId xmlns:p14="http://schemas.microsoft.com/office/powerpoint/2010/main" val="3134470442"/>
       </p:ext>
     </p:extLst>
   </p:cSld>
@@ -14813,6 +15859,435 @@
                 </a:solidFill>
                 <a:latin typeface="Montserrat" pitchFamily="2" charset="0"/>
               </a:rPr>
+              <a:t>7</a:t>
+            </a:r>
+            <a:endParaRPr lang="ru-RU" sz="2000" dirty="0">
+              <a:solidFill>
+                <a:schemeClr val="bg1"/>
+              </a:solidFill>
+              <a:latin typeface="Montserrat" pitchFamily="2" charset="0"/>
+            </a:endParaRPr>
+          </a:p>
+        </p:txBody>
+      </p:sp>
+      <p:pic>
+        <p:nvPicPr>
+          <p:cNvPr id="20" name="Объект 14">
+            <a:extLst>
+              <a:ext uri="{FF2B5EF4-FFF2-40B4-BE49-F238E27FC236}">
+                <a16:creationId xmlns:a16="http://schemas.microsoft.com/office/drawing/2014/main" id="{7BF412CF-0B35-BA41-A1BA-428FFFCDD4AC}"/>
+              </a:ext>
+            </a:extLst>
+          </p:cNvPr>
+          <p:cNvPicPr>
+            <a:picLocks noChangeAspect="1"/>
+          </p:cNvPicPr>
+          <p:nvPr/>
+        </p:nvPicPr>
+        <p:blipFill>
+          <a:blip r:embed="rId3">
+            <a:extLst>
+              <a:ext uri="{28A0092B-C50C-407E-A947-70E740481C1C}">
+                <a14:useLocalDpi xmlns:a14="http://schemas.microsoft.com/office/drawing/2010/main" val="0"/>
+              </a:ext>
+            </a:extLst>
+          </a:blip>
+          <a:stretch>
+            <a:fillRect/>
+          </a:stretch>
+        </p:blipFill>
+        <p:spPr>
+          <a:xfrm>
+            <a:off x="2342176" y="6338773"/>
+            <a:ext cx="685696" cy="519227"/>
+          </a:xfrm>
+          <a:prstGeom prst="rect">
+            <a:avLst/>
+          </a:prstGeom>
+        </p:spPr>
+      </p:pic>
+      <p:pic>
+        <p:nvPicPr>
+          <p:cNvPr id="12" name="Рисунок 11">
+            <a:extLst>
+              <a:ext uri="{FF2B5EF4-FFF2-40B4-BE49-F238E27FC236}">
+                <a16:creationId xmlns:a16="http://schemas.microsoft.com/office/drawing/2014/main" id="{6B3DC32E-0346-454B-9E36-EA8962DE6D5C}"/>
+              </a:ext>
+            </a:extLst>
+          </p:cNvPr>
+          <p:cNvPicPr>
+            <a:picLocks noChangeAspect="1"/>
+          </p:cNvPicPr>
+          <p:nvPr/>
+        </p:nvPicPr>
+        <p:blipFill>
+          <a:blip r:embed="rId4"/>
+          <a:stretch>
+            <a:fillRect/>
+          </a:stretch>
+        </p:blipFill>
+        <p:spPr>
+          <a:xfrm>
+            <a:off x="3245684" y="6327643"/>
+            <a:ext cx="431278" cy="498929"/>
+          </a:xfrm>
+          <a:prstGeom prst="rect">
+            <a:avLst/>
+          </a:prstGeom>
+        </p:spPr>
+      </p:pic>
+      <p:sp>
+        <p:nvSpPr>
+          <p:cNvPr id="11" name="TextBox 10">
+            <a:extLst>
+              <a:ext uri="{FF2B5EF4-FFF2-40B4-BE49-F238E27FC236}">
+                <a16:creationId xmlns:a16="http://schemas.microsoft.com/office/drawing/2014/main" id="{64D3E2F6-04B4-4424-9399-B88A2C4EF0DB}"/>
+              </a:ext>
+            </a:extLst>
+          </p:cNvPr>
+          <p:cNvSpPr txBox="1"/>
+          <p:nvPr/>
+        </p:nvSpPr>
+        <p:spPr>
+          <a:xfrm>
+            <a:off x="843280" y="1816586"/>
+            <a:ext cx="10730066" cy="1569660"/>
+          </a:xfrm>
+          <a:prstGeom prst="rect">
+            <a:avLst/>
+          </a:prstGeom>
+          <a:noFill/>
+        </p:spPr>
+        <p:txBody>
+          <a:bodyPr wrap="square" rtlCol="0">
+            <a:spAutoFit/>
+          </a:bodyPr>
+          <a:lstStyle/>
+          <a:p>
+            <a:r>
+              <a:rPr lang="ru-RU" sz="2400" b="1" i="1" dirty="0" smtClean="0"/>
+              <a:t>Тестовый с</a:t>
+            </a:r>
+            <a:r>
+              <a:rPr lang="ru-RU" sz="2400" b="1" i="1" dirty="0" smtClean="0"/>
+              <a:t>ценарий </a:t>
+            </a:r>
+            <a:r>
+              <a:rPr lang="ru-RU" sz="2400" dirty="0" smtClean="0"/>
+              <a:t>– это последовательность действий, выполняемая над проверяемым программным обеспечением с целью выявить недостатки.</a:t>
+            </a:r>
+          </a:p>
+          <a:p>
+            <a:r>
+              <a:rPr lang="ru-RU" sz="2400" b="1" i="1" dirty="0" smtClean="0"/>
+              <a:t>Шаблон (метод) </a:t>
+            </a:r>
+            <a:r>
+              <a:rPr lang="ru-RU" sz="2400" dirty="0" smtClean="0"/>
+              <a:t>– обобщённое действие, которое можно произвести в рамках тестового сценария.</a:t>
+            </a:r>
+          </a:p>
+        </p:txBody>
+      </p:sp>
+      <p:sp>
+        <p:nvSpPr>
+          <p:cNvPr id="23" name="Заголовок 1">
+            <a:extLst>
+              <a:ext uri="{FF2B5EF4-FFF2-40B4-BE49-F238E27FC236}">
+                <a16:creationId xmlns:a16="http://schemas.microsoft.com/office/drawing/2014/main" id="{B045726F-AAD5-41B2-8887-181C872C98CE}"/>
+              </a:ext>
+            </a:extLst>
+          </p:cNvPr>
+          <p:cNvSpPr>
+            <a:spLocks noGrp="1"/>
+          </p:cNvSpPr>
+          <p:nvPr>
+            <p:ph type="title"/>
+          </p:nvPr>
+        </p:nvSpPr>
+        <p:spPr>
+          <a:xfrm>
+            <a:off x="838200" y="365125"/>
+            <a:ext cx="10515600" cy="1325563"/>
+          </a:xfrm>
+        </p:spPr>
+        <p:txBody>
+          <a:bodyPr>
+            <a:normAutofit/>
+          </a:bodyPr>
+          <a:lstStyle/>
+          <a:p>
+            <a:r>
+              <a:rPr lang="ru-RU" sz="3200" dirty="0" smtClean="0">
+                <a:latin typeface="Montserrat" pitchFamily="2" charset="0"/>
+              </a:rPr>
+              <a:t>Шаблоны для унификации </a:t>
+            </a:r>
+            <a:r>
+              <a:rPr lang="ru-RU" sz="3200" dirty="0" smtClean="0">
+                <a:latin typeface="Montserrat" pitchFamily="2" charset="0"/>
+              </a:rPr>
+              <a:t>формирования тестовых сценариев</a:t>
+            </a:r>
+            <a:endParaRPr lang="ru-RU" sz="3200" dirty="0">
+              <a:latin typeface="Montserrat" pitchFamily="2" charset="0"/>
+            </a:endParaRPr>
+          </a:p>
+        </p:txBody>
+      </p:sp>
+      <p:pic>
+        <p:nvPicPr>
+          <p:cNvPr id="4" name="Рисунок 3"/>
+          <p:cNvPicPr>
+            <a:picLocks noChangeAspect="1"/>
+          </p:cNvPicPr>
+          <p:nvPr/>
+        </p:nvPicPr>
+        <p:blipFill>
+          <a:blip r:embed="rId5">
+            <a:extLst>
+              <a:ext uri="{28A0092B-C50C-407E-A947-70E740481C1C}">
+                <a14:useLocalDpi xmlns:a14="http://schemas.microsoft.com/office/drawing/2010/main" val="0"/>
+              </a:ext>
+            </a:extLst>
+          </a:blip>
+          <a:stretch>
+            <a:fillRect/>
+          </a:stretch>
+        </p:blipFill>
+        <p:spPr>
+          <a:xfrm>
+            <a:off x="838200" y="3650096"/>
+            <a:ext cx="10711447" cy="2361537"/>
+          </a:xfrm>
+          <a:prstGeom prst="rect">
+            <a:avLst/>
+          </a:prstGeom>
+        </p:spPr>
+      </p:pic>
+    </p:spTree>
+    <p:extLst>
+      <p:ext uri="{BB962C8B-B14F-4D97-AF65-F5344CB8AC3E}">
+        <p14:creationId xmlns:p14="http://schemas.microsoft.com/office/powerpoint/2010/main" val="3929514100"/>
+      </p:ext>
+    </p:extLst>
+  </p:cSld>
+  <p:clrMapOvr>
+    <a:masterClrMapping/>
+  </p:clrMapOvr>
+  <p:timing>
+    <p:tnLst>
+      <p:par>
+        <p:cTn id="1" dur="indefinite" restart="never" nodeType="tmRoot"/>
+      </p:par>
+    </p:tnLst>
+  </p:timing>
+</p:sld>
+</file>
+
+<file path=ppt/slides/slide9.xml><?xml version="1.0" encoding="utf-8"?>
+<p:sld xmlns:a="http://schemas.openxmlformats.org/drawingml/2006/main" xmlns:r="http://schemas.openxmlformats.org/officeDocument/2006/relationships" xmlns:p="http://schemas.openxmlformats.org/presentationml/2006/main">
+  <p:cSld>
+    <p:spTree>
+      <p:nvGrpSpPr>
+        <p:cNvPr id="1" name=""/>
+        <p:cNvGrpSpPr/>
+        <p:nvPr/>
+      </p:nvGrpSpPr>
+      <p:grpSpPr>
+        <a:xfrm>
+          <a:off x="0" y="0"/>
+          <a:ext cx="0" cy="0"/>
+          <a:chOff x="0" y="0"/>
+          <a:chExt cx="0" cy="0"/>
+        </a:xfrm>
+      </p:grpSpPr>
+      <p:sp>
+        <p:nvSpPr>
+          <p:cNvPr id="13" name="TextBox 12">
+            <a:extLst>
+              <a:ext uri="{FF2B5EF4-FFF2-40B4-BE49-F238E27FC236}">
+                <a16:creationId xmlns:a16="http://schemas.microsoft.com/office/drawing/2014/main" id="{A68819C7-B34B-F044-B35A-498FAAC374C9}"/>
+              </a:ext>
+            </a:extLst>
+          </p:cNvPr>
+          <p:cNvSpPr txBox="1"/>
+          <p:nvPr/>
+        </p:nvSpPr>
+        <p:spPr>
+          <a:xfrm>
+            <a:off x="8691830" y="6394311"/>
+            <a:ext cx="2881516" cy="400110"/>
+          </a:xfrm>
+          <a:prstGeom prst="rect">
+            <a:avLst/>
+          </a:prstGeom>
+          <a:noFill/>
+        </p:spPr>
+        <p:txBody>
+          <a:bodyPr wrap="square" rtlCol="0">
+            <a:spAutoFit/>
+          </a:bodyPr>
+          <a:lstStyle/>
+          <a:p>
+            <a:r>
+              <a:rPr lang="ru-RU" sz="1000" dirty="0">
+                <a:solidFill>
+                  <a:schemeClr val="bg1"/>
+                </a:solidFill>
+                <a:latin typeface="Montserrat" pitchFamily="2" charset="0"/>
+              </a:rPr>
+              <a:t>Студент:</a:t>
+            </a:r>
+          </a:p>
+          <a:p>
+            <a:r>
+              <a:rPr lang="ru-RU" sz="1000" dirty="0" smtClean="0">
+                <a:solidFill>
+                  <a:schemeClr val="bg1"/>
+                </a:solidFill>
+                <a:latin typeface="Montserrat" pitchFamily="2" charset="0"/>
+              </a:rPr>
+              <a:t>Романов Даниил Николаевич, УВА-411</a:t>
+            </a:r>
+            <a:endParaRPr lang="ru-RU" sz="1000" dirty="0">
+              <a:solidFill>
+                <a:schemeClr val="bg1"/>
+              </a:solidFill>
+              <a:latin typeface="Montserrat" pitchFamily="2" charset="0"/>
+            </a:endParaRPr>
+          </a:p>
+        </p:txBody>
+      </p:sp>
+      <p:pic>
+        <p:nvPicPr>
+          <p:cNvPr id="17" name="Рисунок 16">
+            <a:extLst>
+              <a:ext uri="{FF2B5EF4-FFF2-40B4-BE49-F238E27FC236}">
+                <a16:creationId xmlns:a16="http://schemas.microsoft.com/office/drawing/2014/main" id="{2CDB9450-EAD1-8C44-975B-72463ABE8C46}"/>
+              </a:ext>
+            </a:extLst>
+          </p:cNvPr>
+          <p:cNvPicPr>
+            <a:picLocks noChangeAspect="1"/>
+          </p:cNvPicPr>
+          <p:nvPr/>
+        </p:nvPicPr>
+        <p:blipFill>
+          <a:blip r:embed="rId2">
+            <a:extLst>
+              <a:ext uri="{28A0092B-C50C-407E-A947-70E740481C1C}">
+                <a14:useLocalDpi xmlns:a14="http://schemas.microsoft.com/office/drawing/2010/main" val="0"/>
+              </a:ext>
+            </a:extLst>
+          </a:blip>
+          <a:stretch>
+            <a:fillRect/>
+          </a:stretch>
+        </p:blipFill>
+        <p:spPr>
+          <a:xfrm>
+            <a:off x="231285" y="6362677"/>
+            <a:ext cx="1893079" cy="446879"/>
+          </a:xfrm>
+          <a:prstGeom prst="rect">
+            <a:avLst/>
+          </a:prstGeom>
+        </p:spPr>
+      </p:pic>
+      <p:sp>
+        <p:nvSpPr>
+          <p:cNvPr id="18" name="TextBox 17">
+            <a:extLst>
+              <a:ext uri="{FF2B5EF4-FFF2-40B4-BE49-F238E27FC236}">
+                <a16:creationId xmlns:a16="http://schemas.microsoft.com/office/drawing/2014/main" id="{3B276D71-247A-DA4E-A47F-057FC1898AEA}"/>
+              </a:ext>
+            </a:extLst>
+          </p:cNvPr>
+          <p:cNvSpPr txBox="1"/>
+          <p:nvPr/>
+        </p:nvSpPr>
+        <p:spPr>
+          <a:xfrm>
+            <a:off x="4132184" y="6394311"/>
+            <a:ext cx="4559646" cy="400110"/>
+          </a:xfrm>
+          <a:prstGeom prst="rect">
+            <a:avLst/>
+          </a:prstGeom>
+          <a:noFill/>
+        </p:spPr>
+        <p:txBody>
+          <a:bodyPr wrap="square" rtlCol="0">
+            <a:spAutoFit/>
+          </a:bodyPr>
+          <a:lstStyle/>
+          <a:p>
+            <a:r>
+              <a:rPr lang="ru-RU" sz="1000" dirty="0">
+                <a:solidFill>
+                  <a:schemeClr val="bg1"/>
+                </a:solidFill>
+                <a:latin typeface="Montserrat" pitchFamily="2" charset="0"/>
+              </a:rPr>
+              <a:t>Разработка гибридного </a:t>
+            </a:r>
+            <a:r>
+              <a:rPr lang="ru-RU" sz="1000" dirty="0" err="1">
+                <a:solidFill>
+                  <a:schemeClr val="bg1"/>
+                </a:solidFill>
+                <a:latin typeface="Montserrat" pitchFamily="2" charset="0"/>
+              </a:rPr>
+              <a:t>фреймворка</a:t>
+            </a:r>
+            <a:r>
+              <a:rPr lang="ru-RU" sz="1000" dirty="0">
+                <a:solidFill>
+                  <a:schemeClr val="bg1"/>
+                </a:solidFill>
+                <a:latin typeface="Montserrat" pitchFamily="2" charset="0"/>
+              </a:rPr>
+              <a:t> для автоматизации тестирования в крупных компаниях</a:t>
+            </a:r>
+          </a:p>
+        </p:txBody>
+      </p:sp>
+      <p:sp>
+        <p:nvSpPr>
+          <p:cNvPr id="19" name="TextBox 18">
+            <a:extLst>
+              <a:ext uri="{FF2B5EF4-FFF2-40B4-BE49-F238E27FC236}">
+                <a16:creationId xmlns:a16="http://schemas.microsoft.com/office/drawing/2014/main" id="{41ADB531-3E72-8F40-B990-1C1289A6F934}"/>
+              </a:ext>
+            </a:extLst>
+          </p:cNvPr>
+          <p:cNvSpPr txBox="1"/>
+          <p:nvPr/>
+        </p:nvSpPr>
+        <p:spPr>
+          <a:xfrm>
+            <a:off x="11633634" y="6380852"/>
+            <a:ext cx="405441" cy="400110"/>
+          </a:xfrm>
+          <a:prstGeom prst="rect">
+            <a:avLst/>
+          </a:prstGeom>
+          <a:noFill/>
+        </p:spPr>
+        <p:txBody>
+          <a:bodyPr wrap="square" rtlCol="0">
+            <a:spAutoFit/>
+          </a:bodyPr>
+          <a:lstStyle/>
+          <a:p>
+            <a:r>
+              <a:rPr lang="ru-RU" sz="2000" dirty="0" smtClean="0">
+                <a:solidFill>
+                  <a:schemeClr val="bg1"/>
+                </a:solidFill>
+                <a:latin typeface="Montserrat" pitchFamily="2" charset="0"/>
+              </a:rPr>
               <a:t>9</a:t>
             </a:r>
             <a:endParaRPr lang="ru-RU" sz="2000" dirty="0">
@@ -14919,10 +16394,10 @@
           <a:lstStyle/>
           <a:p>
             <a:r>
-              <a:rPr lang="ru-RU" sz="3200" dirty="0" smtClean="0">
+              <a:rPr lang="ru-RU" sz="3200" dirty="0">
                 <a:latin typeface="Montserrat" pitchFamily="2" charset="0"/>
               </a:rPr>
-              <a:t>Типовая модель автоматизированных тестов на контрольном примере</a:t>
+              <a:t>Пример применения типовой модели автоматизированных тестов </a:t>
             </a:r>
             <a:endParaRPr lang="ru-RU" sz="3200" dirty="0">
               <a:latin typeface="Montserrat" pitchFamily="2" charset="0"/>
@@ -15017,370 +16492,6 @@
     <p:extLst>
       <p:ext uri="{BB962C8B-B14F-4D97-AF65-F5344CB8AC3E}">
         <p14:creationId xmlns:p14="http://schemas.microsoft.com/office/powerpoint/2010/main" val="1975627555"/>
-      </p:ext>
-    </p:extLst>
-  </p:cSld>
-  <p:clrMapOvr>
-    <a:masterClrMapping/>
-  </p:clrMapOvr>
-  <p:timing>
-    <p:tnLst>
-      <p:par>
-        <p:cTn id="1" dur="indefinite" restart="never" nodeType="tmRoot"/>
-      </p:par>
-    </p:tnLst>
-  </p:timing>
-</p:sld>
-</file>
-
-<file path=ppt/slides/slide9.xml><?xml version="1.0" encoding="utf-8"?>
-<p:sld xmlns:a="http://schemas.openxmlformats.org/drawingml/2006/main" xmlns:r="http://schemas.openxmlformats.org/officeDocument/2006/relationships" xmlns:p="http://schemas.openxmlformats.org/presentationml/2006/main">
-  <p:cSld>
-    <p:spTree>
-      <p:nvGrpSpPr>
-        <p:cNvPr id="1" name=""/>
-        <p:cNvGrpSpPr/>
-        <p:nvPr/>
-      </p:nvGrpSpPr>
-      <p:grpSpPr>
-        <a:xfrm>
-          <a:off x="0" y="0"/>
-          <a:ext cx="0" cy="0"/>
-          <a:chOff x="0" y="0"/>
-          <a:chExt cx="0" cy="0"/>
-        </a:xfrm>
-      </p:grpSpPr>
-      <p:sp>
-        <p:nvSpPr>
-          <p:cNvPr id="13" name="TextBox 12">
-            <a:extLst>
-              <a:ext uri="{FF2B5EF4-FFF2-40B4-BE49-F238E27FC236}">
-                <a16:creationId xmlns:a16="http://schemas.microsoft.com/office/drawing/2014/main" id="{A68819C7-B34B-F044-B35A-498FAAC374C9}"/>
-              </a:ext>
-            </a:extLst>
-          </p:cNvPr>
-          <p:cNvSpPr txBox="1"/>
-          <p:nvPr/>
-        </p:nvSpPr>
-        <p:spPr>
-          <a:xfrm>
-            <a:off x="8691830" y="6394311"/>
-            <a:ext cx="2881516" cy="400110"/>
-          </a:xfrm>
-          <a:prstGeom prst="rect">
-            <a:avLst/>
-          </a:prstGeom>
-          <a:noFill/>
-        </p:spPr>
-        <p:txBody>
-          <a:bodyPr wrap="square" rtlCol="0">
-            <a:spAutoFit/>
-          </a:bodyPr>
-          <a:lstStyle/>
-          <a:p>
-            <a:r>
-              <a:rPr lang="ru-RU" sz="1000" dirty="0">
-                <a:solidFill>
-                  <a:schemeClr val="bg1"/>
-                </a:solidFill>
-                <a:latin typeface="Montserrat" pitchFamily="2" charset="0"/>
-              </a:rPr>
-              <a:t>Студент:</a:t>
-            </a:r>
-          </a:p>
-          <a:p>
-            <a:r>
-              <a:rPr lang="ru-RU" sz="1000" dirty="0" smtClean="0">
-                <a:solidFill>
-                  <a:schemeClr val="bg1"/>
-                </a:solidFill>
-                <a:latin typeface="Montserrat" pitchFamily="2" charset="0"/>
-              </a:rPr>
-              <a:t>Романов Даниил Николаевич, УВА-411</a:t>
-            </a:r>
-            <a:endParaRPr lang="ru-RU" sz="1000" dirty="0">
-              <a:solidFill>
-                <a:schemeClr val="bg1"/>
-              </a:solidFill>
-              <a:latin typeface="Montserrat" pitchFamily="2" charset="0"/>
-            </a:endParaRPr>
-          </a:p>
-        </p:txBody>
-      </p:sp>
-      <p:pic>
-        <p:nvPicPr>
-          <p:cNvPr id="17" name="Рисунок 16">
-            <a:extLst>
-              <a:ext uri="{FF2B5EF4-FFF2-40B4-BE49-F238E27FC236}">
-                <a16:creationId xmlns:a16="http://schemas.microsoft.com/office/drawing/2014/main" id="{2CDB9450-EAD1-8C44-975B-72463ABE8C46}"/>
-              </a:ext>
-            </a:extLst>
-          </p:cNvPr>
-          <p:cNvPicPr>
-            <a:picLocks noChangeAspect="1"/>
-          </p:cNvPicPr>
-          <p:nvPr/>
-        </p:nvPicPr>
-        <p:blipFill>
-          <a:blip r:embed="rId2">
-            <a:extLst>
-              <a:ext uri="{28A0092B-C50C-407E-A947-70E740481C1C}">
-                <a14:useLocalDpi xmlns:a14="http://schemas.microsoft.com/office/drawing/2010/main" val="0"/>
-              </a:ext>
-            </a:extLst>
-          </a:blip>
-          <a:stretch>
-            <a:fillRect/>
-          </a:stretch>
-        </p:blipFill>
-        <p:spPr>
-          <a:xfrm>
-            <a:off x="231285" y="6362677"/>
-            <a:ext cx="1893079" cy="446879"/>
-          </a:xfrm>
-          <a:prstGeom prst="rect">
-            <a:avLst/>
-          </a:prstGeom>
-        </p:spPr>
-      </p:pic>
-      <p:sp>
-        <p:nvSpPr>
-          <p:cNvPr id="18" name="TextBox 17">
-            <a:extLst>
-              <a:ext uri="{FF2B5EF4-FFF2-40B4-BE49-F238E27FC236}">
-                <a16:creationId xmlns:a16="http://schemas.microsoft.com/office/drawing/2014/main" id="{3B276D71-247A-DA4E-A47F-057FC1898AEA}"/>
-              </a:ext>
-            </a:extLst>
-          </p:cNvPr>
-          <p:cNvSpPr txBox="1"/>
-          <p:nvPr/>
-        </p:nvSpPr>
-        <p:spPr>
-          <a:xfrm>
-            <a:off x="4132184" y="6394311"/>
-            <a:ext cx="4559646" cy="400110"/>
-          </a:xfrm>
-          <a:prstGeom prst="rect">
-            <a:avLst/>
-          </a:prstGeom>
-          <a:noFill/>
-        </p:spPr>
-        <p:txBody>
-          <a:bodyPr wrap="square" rtlCol="0">
-            <a:spAutoFit/>
-          </a:bodyPr>
-          <a:lstStyle/>
-          <a:p>
-            <a:r>
-              <a:rPr lang="ru-RU" sz="1000" dirty="0">
-                <a:solidFill>
-                  <a:schemeClr val="bg1"/>
-                </a:solidFill>
-                <a:latin typeface="Montserrat" pitchFamily="2" charset="0"/>
-              </a:rPr>
-              <a:t>Разработка гибридного </a:t>
-            </a:r>
-            <a:r>
-              <a:rPr lang="ru-RU" sz="1000" dirty="0" err="1">
-                <a:solidFill>
-                  <a:schemeClr val="bg1"/>
-                </a:solidFill>
-                <a:latin typeface="Montserrat" pitchFamily="2" charset="0"/>
-              </a:rPr>
-              <a:t>фреймворка</a:t>
-            </a:r>
-            <a:r>
-              <a:rPr lang="ru-RU" sz="1000" dirty="0">
-                <a:solidFill>
-                  <a:schemeClr val="bg1"/>
-                </a:solidFill>
-                <a:latin typeface="Montserrat" pitchFamily="2" charset="0"/>
-              </a:rPr>
-              <a:t> для автоматизации тестирования в крупных компаниях</a:t>
-            </a:r>
-          </a:p>
-        </p:txBody>
-      </p:sp>
-      <p:sp>
-        <p:nvSpPr>
-          <p:cNvPr id="19" name="TextBox 18">
-            <a:extLst>
-              <a:ext uri="{FF2B5EF4-FFF2-40B4-BE49-F238E27FC236}">
-                <a16:creationId xmlns:a16="http://schemas.microsoft.com/office/drawing/2014/main" id="{41ADB531-3E72-8F40-B990-1C1289A6F934}"/>
-              </a:ext>
-            </a:extLst>
-          </p:cNvPr>
-          <p:cNvSpPr txBox="1"/>
-          <p:nvPr/>
-        </p:nvSpPr>
-        <p:spPr>
-          <a:xfrm>
-            <a:off x="11573346" y="6380852"/>
-            <a:ext cx="465729" cy="400110"/>
-          </a:xfrm>
-          <a:prstGeom prst="rect">
-            <a:avLst/>
-          </a:prstGeom>
-          <a:noFill/>
-        </p:spPr>
-        <p:txBody>
-          <a:bodyPr wrap="square" rtlCol="0">
-            <a:spAutoFit/>
-          </a:bodyPr>
-          <a:lstStyle/>
-          <a:p>
-            <a:r>
-              <a:rPr lang="ru-RU" sz="2000" dirty="0" smtClean="0">
-                <a:solidFill>
-                  <a:schemeClr val="bg1"/>
-                </a:solidFill>
-                <a:latin typeface="Montserrat" pitchFamily="2" charset="0"/>
-              </a:rPr>
-              <a:t>10</a:t>
-            </a:r>
-            <a:endParaRPr lang="ru-RU" sz="2000" dirty="0">
-              <a:solidFill>
-                <a:schemeClr val="bg1"/>
-              </a:solidFill>
-              <a:latin typeface="Montserrat" pitchFamily="2" charset="0"/>
-            </a:endParaRPr>
-          </a:p>
-        </p:txBody>
-      </p:sp>
-      <p:pic>
-        <p:nvPicPr>
-          <p:cNvPr id="20" name="Объект 14">
-            <a:extLst>
-              <a:ext uri="{FF2B5EF4-FFF2-40B4-BE49-F238E27FC236}">
-                <a16:creationId xmlns:a16="http://schemas.microsoft.com/office/drawing/2014/main" id="{7BF412CF-0B35-BA41-A1BA-428FFFCDD4AC}"/>
-              </a:ext>
-            </a:extLst>
-          </p:cNvPr>
-          <p:cNvPicPr>
-            <a:picLocks noChangeAspect="1"/>
-          </p:cNvPicPr>
-          <p:nvPr/>
-        </p:nvPicPr>
-        <p:blipFill>
-          <a:blip r:embed="rId3">
-            <a:extLst>
-              <a:ext uri="{28A0092B-C50C-407E-A947-70E740481C1C}">
-                <a14:useLocalDpi xmlns:a14="http://schemas.microsoft.com/office/drawing/2010/main" val="0"/>
-              </a:ext>
-            </a:extLst>
-          </a:blip>
-          <a:stretch>
-            <a:fillRect/>
-          </a:stretch>
-        </p:blipFill>
-        <p:spPr>
-          <a:xfrm>
-            <a:off x="2342176" y="6338773"/>
-            <a:ext cx="685696" cy="519227"/>
-          </a:xfrm>
-          <a:prstGeom prst="rect">
-            <a:avLst/>
-          </a:prstGeom>
-        </p:spPr>
-      </p:pic>
-      <p:pic>
-        <p:nvPicPr>
-          <p:cNvPr id="12" name="Рисунок 11">
-            <a:extLst>
-              <a:ext uri="{FF2B5EF4-FFF2-40B4-BE49-F238E27FC236}">
-                <a16:creationId xmlns:a16="http://schemas.microsoft.com/office/drawing/2014/main" id="{6B3DC32E-0346-454B-9E36-EA8962DE6D5C}"/>
-              </a:ext>
-            </a:extLst>
-          </p:cNvPr>
-          <p:cNvPicPr>
-            <a:picLocks noChangeAspect="1"/>
-          </p:cNvPicPr>
-          <p:nvPr/>
-        </p:nvPicPr>
-        <p:blipFill>
-          <a:blip r:embed="rId4"/>
-          <a:stretch>
-            <a:fillRect/>
-          </a:stretch>
-        </p:blipFill>
-        <p:spPr>
-          <a:xfrm>
-            <a:off x="3245684" y="6327643"/>
-            <a:ext cx="431278" cy="498929"/>
-          </a:xfrm>
-          <a:prstGeom prst="rect">
-            <a:avLst/>
-          </a:prstGeom>
-        </p:spPr>
-      </p:pic>
-      <p:sp>
-        <p:nvSpPr>
-          <p:cNvPr id="23" name="Заголовок 1">
-            <a:extLst>
-              <a:ext uri="{FF2B5EF4-FFF2-40B4-BE49-F238E27FC236}">
-                <a16:creationId xmlns:a16="http://schemas.microsoft.com/office/drawing/2014/main" id="{B045726F-AAD5-41B2-8887-181C872C98CE}"/>
-              </a:ext>
-            </a:extLst>
-          </p:cNvPr>
-          <p:cNvSpPr>
-            <a:spLocks noGrp="1"/>
-          </p:cNvSpPr>
-          <p:nvPr>
-            <p:ph type="title"/>
-          </p:nvPr>
-        </p:nvSpPr>
-        <p:spPr>
-          <a:xfrm>
-            <a:off x="838200" y="365125"/>
-            <a:ext cx="10515600" cy="1325563"/>
-          </a:xfrm>
-        </p:spPr>
-        <p:txBody>
-          <a:bodyPr>
-            <a:normAutofit/>
-          </a:bodyPr>
-          <a:lstStyle/>
-          <a:p>
-            <a:r>
-              <a:rPr lang="ru-RU" sz="3200" dirty="0" smtClean="0">
-                <a:latin typeface="Montserrat" pitchFamily="2" charset="0"/>
-              </a:rPr>
-              <a:t>Результирующий отчёт</a:t>
-            </a:r>
-            <a:endParaRPr lang="ru-RU" sz="3200" dirty="0">
-              <a:latin typeface="Montserrat" pitchFamily="2" charset="0"/>
-            </a:endParaRPr>
-          </a:p>
-        </p:txBody>
-      </p:sp>
-      <p:pic>
-        <p:nvPicPr>
-          <p:cNvPr id="10" name="Объект 5"/>
-          <p:cNvPicPr>
-            <a:picLocks noChangeAspect="1"/>
-          </p:cNvPicPr>
-          <p:nvPr/>
-        </p:nvPicPr>
-        <p:blipFill>
-          <a:blip r:embed="rId5"/>
-          <a:stretch>
-            <a:fillRect/>
-          </a:stretch>
-        </p:blipFill>
-        <p:spPr>
-          <a:xfrm>
-            <a:off x="1482589" y="1690688"/>
-            <a:ext cx="9226821" cy="4252912"/>
-          </a:xfrm>
-          <a:prstGeom prst="rect">
-            <a:avLst/>
-          </a:prstGeom>
-        </p:spPr>
-      </p:pic>
-    </p:spTree>
-    <p:extLst>
-      <p:ext uri="{BB962C8B-B14F-4D97-AF65-F5344CB8AC3E}">
-        <p14:creationId xmlns:p14="http://schemas.microsoft.com/office/powerpoint/2010/main" val="2306136745"/>
       </p:ext>
     </p:extLst>
   </p:cSld>

--- a/презентация.pptx
+++ b/презентация.pptx
@@ -224,7 +224,7 @@
           <a:p>
             <a:fld id="{EE4BEA0C-B298-4F3F-8EAA-78E653AF7C43}" type="datetimeFigureOut">
               <a:rPr lang="ru-RU" smtClean="0"/>
-              <a:t>05.06.2022</a:t>
+              <a:t>06.06.2022</a:t>
             </a:fld>
             <a:endParaRPr lang="ru-RU"/>
           </a:p>
@@ -389,7 +389,7 @@
           <a:p>
             <a:fld id="{56F03E67-5427-4260-B62A-5770CE0A55F7}" type="datetimeFigureOut">
               <a:rPr lang="ru-RU" smtClean="0"/>
-              <a:t>05.06.2022</a:t>
+              <a:t>06.06.2022</a:t>
             </a:fld>
             <a:endParaRPr lang="ru-RU"/>
           </a:p>
@@ -941,7 +941,7 @@
           <a:p>
             <a:fld id="{61BBDE8E-1A21-4D39-9CDA-17B1B51844FA}" type="datetimeFigureOut">
               <a:rPr lang="ru-RU" smtClean="0"/>
-              <a:t>05.06.2022</a:t>
+              <a:t>06.06.2022</a:t>
             </a:fld>
             <a:endParaRPr lang="ru-RU"/>
           </a:p>
@@ -1241,7 +1241,7 @@
           <a:p>
             <a:fld id="{61BBDE8E-1A21-4D39-9CDA-17B1B51844FA}" type="datetimeFigureOut">
               <a:rPr lang="ru-RU" smtClean="0"/>
-              <a:t>05.06.2022</a:t>
+              <a:t>06.06.2022</a:t>
             </a:fld>
             <a:endParaRPr lang="ru-RU"/>
           </a:p>
@@ -1501,7 +1501,7 @@
           <a:p>
             <a:fld id="{61BBDE8E-1A21-4D39-9CDA-17B1B51844FA}" type="datetimeFigureOut">
               <a:rPr lang="ru-RU" smtClean="0"/>
-              <a:t>05.06.2022</a:t>
+              <a:t>06.06.2022</a:t>
             </a:fld>
             <a:endParaRPr lang="ru-RU"/>
           </a:p>
@@ -2182,7 +2182,7 @@
           <a:p>
             <a:fld id="{61BBDE8E-1A21-4D39-9CDA-17B1B51844FA}" type="datetimeFigureOut">
               <a:rPr lang="ru-RU" smtClean="0"/>
-              <a:t>05.06.2022</a:t>
+              <a:t>06.06.2022</a:t>
             </a:fld>
             <a:endParaRPr lang="ru-RU"/>
           </a:p>
@@ -4516,7 +4516,7 @@
           <a:p>
             <a:fld id="{61BBDE8E-1A21-4D39-9CDA-17B1B51844FA}" type="datetimeFigureOut">
               <a:rPr lang="ru-RU" smtClean="0"/>
-              <a:t>05.06.2022</a:t>
+              <a:t>06.06.2022</a:t>
             </a:fld>
             <a:endParaRPr lang="ru-RU"/>
           </a:p>
@@ -4955,7 +4955,7 @@
           <a:lstStyle/>
           <a:p>
             <a:r>
-              <a:rPr lang="ru-RU" sz="2400" b="0" dirty="0">
+              <a:rPr lang="ru-RU" sz="2400" b="0" dirty="0" smtClean="0">
                 <a:solidFill>
                   <a:schemeClr val="accent1">
                     <a:lumMod val="50000"/>
@@ -4967,7 +4967,7 @@
               <a:t>Разработка гибридного </a:t>
             </a:r>
             <a:r>
-              <a:rPr lang="ru-RU" sz="2400" b="0" dirty="0" err="1">
+              <a:rPr lang="ru-RU" sz="2400" b="0" dirty="0" err="1" smtClean="0">
                 <a:solidFill>
                   <a:schemeClr val="accent1">
                     <a:lumMod val="50000"/>
@@ -4979,7 +4979,7 @@
               <a:t>фреймворка</a:t>
             </a:r>
             <a:r>
-              <a:rPr lang="ru-RU" sz="2400" b="0" dirty="0">
+              <a:rPr lang="ru-RU" sz="2400" b="0" dirty="0" smtClean="0">
                 <a:solidFill>
                   <a:schemeClr val="accent1">
                     <a:lumMod val="50000"/>
@@ -4988,7 +4988,7 @@
                 <a:latin typeface="Montserrat" pitchFamily="2" charset="0"/>
                 <a:cs typeface="Arial" panose="020B0604020202020204" pitchFamily="34" charset="0"/>
               </a:rPr>
-              <a:t> для автоматизации тестирования в крупных компаниях</a:t>
+              <a:t> для автоматизации тестирования приложений</a:t>
             </a:r>
             <a:endParaRPr lang="ru-RU" sz="2400" b="0" dirty="0">
               <a:latin typeface="Montserrat" pitchFamily="2" charset="0"/>
@@ -5171,19 +5171,7 @@
                 <a:latin typeface="Montserrat" pitchFamily="2" charset="0"/>
                 <a:cs typeface="Arial" panose="020B0604020202020204" pitchFamily="34" charset="0"/>
               </a:rPr>
-              <a:t> Елена Яковлевна, </a:t>
-            </a:r>
-            <a:r>
-              <a:rPr lang="ru-RU" sz="1400" dirty="0" smtClean="0">
-                <a:solidFill>
-                  <a:schemeClr val="accent1">
-                    <a:lumMod val="50000"/>
-                  </a:schemeClr>
-                </a:solidFill>
-                <a:latin typeface="Montserrat" pitchFamily="2" charset="0"/>
-                <a:cs typeface="Arial" panose="020B0604020202020204" pitchFamily="34" charset="0"/>
-              </a:rPr>
-              <a:t>доцент, к.т.н.</a:t>
+              <a:t> Елена Яковлевна, доцент, к.т.н.</a:t>
             </a:r>
             <a:endParaRPr lang="ru-RU" sz="1400" dirty="0">
               <a:solidFill>
@@ -5359,7 +5347,7 @@
           <a:lstStyle/>
           <a:p>
             <a:r>
-              <a:rPr lang="ru-RU" sz="1000" dirty="0">
+              <a:rPr lang="ru-RU" sz="1000" dirty="0" smtClean="0">
                 <a:solidFill>
                   <a:schemeClr val="bg1"/>
                 </a:solidFill>
@@ -5368,7 +5356,7 @@
               <a:t>Разработка гибридного </a:t>
             </a:r>
             <a:r>
-              <a:rPr lang="ru-RU" sz="1000" dirty="0" err="1">
+              <a:rPr lang="ru-RU" sz="1000" dirty="0" err="1" smtClean="0">
                 <a:solidFill>
                   <a:schemeClr val="bg1"/>
                 </a:solidFill>
@@ -5377,14 +5365,20 @@
               <a:t>фреймворка</a:t>
             </a:r>
             <a:r>
-              <a:rPr lang="ru-RU" sz="1000" dirty="0">
+              <a:rPr lang="ru-RU" sz="1000" dirty="0" smtClean="0">
                 <a:solidFill>
                   <a:schemeClr val="bg1"/>
                 </a:solidFill>
                 <a:latin typeface="Montserrat" pitchFamily="2" charset="0"/>
               </a:rPr>
-              <a:t> для автоматизации тестирования в крупных компаниях</a:t>
-            </a:r>
+              <a:t> для автоматизации тестирования приложений</a:t>
+            </a:r>
+            <a:endParaRPr lang="ru-RU" sz="1000" dirty="0">
+              <a:solidFill>
+                <a:schemeClr val="bg1"/>
+              </a:solidFill>
+              <a:latin typeface="Montserrat" pitchFamily="2" charset="0"/>
+            </a:endParaRPr>
           </a:p>
         </p:txBody>
       </p:sp>
@@ -5723,7 +5717,7 @@
           <a:lstStyle/>
           <a:p>
             <a:r>
-              <a:rPr lang="ru-RU" sz="1000" dirty="0">
+              <a:rPr lang="ru-RU" sz="1000" dirty="0" smtClean="0">
                 <a:solidFill>
                   <a:schemeClr val="bg1"/>
                 </a:solidFill>
@@ -5732,7 +5726,7 @@
               <a:t>Разработка гибридного </a:t>
             </a:r>
             <a:r>
-              <a:rPr lang="ru-RU" sz="1000" dirty="0" err="1">
+              <a:rPr lang="ru-RU" sz="1000" dirty="0" err="1" smtClean="0">
                 <a:solidFill>
                   <a:schemeClr val="bg1"/>
                 </a:solidFill>
@@ -5741,14 +5735,20 @@
               <a:t>фреймворка</a:t>
             </a:r>
             <a:r>
-              <a:rPr lang="ru-RU" sz="1000" dirty="0">
+              <a:rPr lang="ru-RU" sz="1000" dirty="0" smtClean="0">
                 <a:solidFill>
                   <a:schemeClr val="bg1"/>
                 </a:solidFill>
                 <a:latin typeface="Montserrat" pitchFamily="2" charset="0"/>
               </a:rPr>
-              <a:t> для автоматизации тестирования в крупных компаниях</a:t>
-            </a:r>
+              <a:t> для автоматизации тестирования приложений</a:t>
+            </a:r>
+            <a:endParaRPr lang="ru-RU" sz="1000" dirty="0">
+              <a:solidFill>
+                <a:schemeClr val="bg1"/>
+              </a:solidFill>
+              <a:latin typeface="Montserrat" pitchFamily="2" charset="0"/>
+            </a:endParaRPr>
           </a:p>
         </p:txBody>
       </p:sp>
@@ -6087,7 +6087,7 @@
           <a:lstStyle/>
           <a:p>
             <a:r>
-              <a:rPr lang="ru-RU" sz="1000" dirty="0">
+              <a:rPr lang="ru-RU" sz="1000" dirty="0" smtClean="0">
                 <a:solidFill>
                   <a:schemeClr val="bg1"/>
                 </a:solidFill>
@@ -6096,7 +6096,7 @@
               <a:t>Разработка гибридного </a:t>
             </a:r>
             <a:r>
-              <a:rPr lang="ru-RU" sz="1000" dirty="0" err="1">
+              <a:rPr lang="ru-RU" sz="1000" dirty="0" err="1" smtClean="0">
                 <a:solidFill>
                   <a:schemeClr val="bg1"/>
                 </a:solidFill>
@@ -6105,14 +6105,20 @@
               <a:t>фреймворка</a:t>
             </a:r>
             <a:r>
-              <a:rPr lang="ru-RU" sz="1000" dirty="0">
+              <a:rPr lang="ru-RU" sz="1000" dirty="0" smtClean="0">
                 <a:solidFill>
                   <a:schemeClr val="bg1"/>
                 </a:solidFill>
                 <a:latin typeface="Montserrat" pitchFamily="2" charset="0"/>
               </a:rPr>
-              <a:t> для автоматизации тестирования в крупных компаниях</a:t>
-            </a:r>
+              <a:t> для автоматизации тестирования приложений</a:t>
+            </a:r>
+            <a:endParaRPr lang="ru-RU" sz="1000" dirty="0">
+              <a:solidFill>
+                <a:schemeClr val="bg1"/>
+              </a:solidFill>
+              <a:latin typeface="Montserrat" pitchFamily="2" charset="0"/>
+            </a:endParaRPr>
           </a:p>
         </p:txBody>
       </p:sp>
@@ -6474,7 +6480,7 @@
           <a:lstStyle/>
           <a:p>
             <a:r>
-              <a:rPr lang="ru-RU" sz="1000" dirty="0">
+              <a:rPr lang="ru-RU" sz="1000" dirty="0" smtClean="0">
                 <a:solidFill>
                   <a:schemeClr val="bg1"/>
                 </a:solidFill>
@@ -6483,7 +6489,7 @@
               <a:t>Разработка гибридного </a:t>
             </a:r>
             <a:r>
-              <a:rPr lang="ru-RU" sz="1000" dirty="0" err="1">
+              <a:rPr lang="ru-RU" sz="1000" dirty="0" err="1" smtClean="0">
                 <a:solidFill>
                   <a:schemeClr val="bg1"/>
                 </a:solidFill>
@@ -6492,14 +6498,20 @@
               <a:t>фреймворка</a:t>
             </a:r>
             <a:r>
-              <a:rPr lang="ru-RU" sz="1000" dirty="0">
+              <a:rPr lang="ru-RU" sz="1000" dirty="0" smtClean="0">
                 <a:solidFill>
                   <a:schemeClr val="bg1"/>
                 </a:solidFill>
                 <a:latin typeface="Montserrat" pitchFamily="2" charset="0"/>
               </a:rPr>
-              <a:t> для автоматизации тестирования в крупных компаниях</a:t>
-            </a:r>
+              <a:t> для автоматизации тестирования приложений</a:t>
+            </a:r>
+            <a:endParaRPr lang="ru-RU" sz="1000" dirty="0">
+              <a:solidFill>
+                <a:schemeClr val="bg1"/>
+              </a:solidFill>
+              <a:latin typeface="Montserrat" pitchFamily="2" charset="0"/>
+            </a:endParaRPr>
           </a:p>
         </p:txBody>
       </p:sp>
@@ -12982,7 +12994,7 @@
           <a:lstStyle/>
           <a:p>
             <a:r>
-              <a:rPr lang="ru-RU" sz="1000" dirty="0">
+              <a:rPr lang="ru-RU" sz="1000" dirty="0" smtClean="0">
                 <a:solidFill>
                   <a:schemeClr val="bg1"/>
                 </a:solidFill>
@@ -12991,7 +13003,7 @@
               <a:t>Разработка гибридного </a:t>
             </a:r>
             <a:r>
-              <a:rPr lang="ru-RU" sz="1000" dirty="0" err="1">
+              <a:rPr lang="ru-RU" sz="1000" dirty="0" err="1" smtClean="0">
                 <a:solidFill>
                   <a:schemeClr val="bg1"/>
                 </a:solidFill>
@@ -13000,14 +13012,20 @@
               <a:t>фреймворка</a:t>
             </a:r>
             <a:r>
-              <a:rPr lang="ru-RU" sz="1000" dirty="0">
+              <a:rPr lang="ru-RU" sz="1000" dirty="0" smtClean="0">
                 <a:solidFill>
                   <a:schemeClr val="bg1"/>
                 </a:solidFill>
                 <a:latin typeface="Montserrat" pitchFamily="2" charset="0"/>
               </a:rPr>
-              <a:t> для автоматизации тестирования в крупных компаниях</a:t>
-            </a:r>
+              <a:t> для автоматизации тестирования приложений</a:t>
+            </a:r>
+            <a:endParaRPr lang="ru-RU" sz="1000" dirty="0">
+              <a:solidFill>
+                <a:schemeClr val="bg1"/>
+              </a:solidFill>
+              <a:latin typeface="Montserrat" pitchFamily="2" charset="0"/>
+            </a:endParaRPr>
           </a:p>
         </p:txBody>
       </p:sp>
@@ -13330,7 +13348,7 @@
           <a:lstStyle/>
           <a:p>
             <a:r>
-              <a:rPr lang="ru-RU" sz="1000" dirty="0">
+              <a:rPr lang="ru-RU" sz="1000" dirty="0" smtClean="0">
                 <a:solidFill>
                   <a:schemeClr val="bg1"/>
                 </a:solidFill>
@@ -13339,7 +13357,7 @@
               <a:t>Разработка гибридного </a:t>
             </a:r>
             <a:r>
-              <a:rPr lang="ru-RU" sz="1000" dirty="0" err="1">
+              <a:rPr lang="ru-RU" sz="1000" dirty="0" err="1" smtClean="0">
                 <a:solidFill>
                   <a:schemeClr val="bg1"/>
                 </a:solidFill>
@@ -13348,14 +13366,20 @@
               <a:t>фреймворка</a:t>
             </a:r>
             <a:r>
-              <a:rPr lang="ru-RU" sz="1000" dirty="0">
+              <a:rPr lang="ru-RU" sz="1000" dirty="0" smtClean="0">
                 <a:solidFill>
                   <a:schemeClr val="bg1"/>
                 </a:solidFill>
                 <a:latin typeface="Montserrat" pitchFamily="2" charset="0"/>
               </a:rPr>
-              <a:t> для автоматизации тестирования в крупных компаниях</a:t>
-            </a:r>
+              <a:t> для автоматизации тестирования приложений</a:t>
+            </a:r>
+            <a:endParaRPr lang="ru-RU" sz="1000" dirty="0">
+              <a:solidFill>
+                <a:schemeClr val="bg1"/>
+              </a:solidFill>
+              <a:latin typeface="Montserrat" pitchFamily="2" charset="0"/>
+            </a:endParaRPr>
           </a:p>
         </p:txBody>
       </p:sp>
@@ -13797,14 +13821,7 @@
                 <a:latin typeface="Arial" panose="020B0604020202020204" pitchFamily="34" charset="0"/>
                 <a:cs typeface="Arial" panose="020B0604020202020204" pitchFamily="34" charset="0"/>
               </a:rPr>
-              <a:t>недоступность </a:t>
-            </a:r>
-            <a:r>
-              <a:rPr lang="ru-RU" dirty="0" smtClean="0">
-                <a:latin typeface="Arial" panose="020B0604020202020204" pitchFamily="34" charset="0"/>
-                <a:cs typeface="Arial" panose="020B0604020202020204" pitchFamily="34" charset="0"/>
-              </a:rPr>
-              <a:t>для специалистов по ручному тестированию</a:t>
+              <a:t>недоступность для специалистов по ручному тестированию</a:t>
             </a:r>
             <a:endParaRPr lang="ru-RU" dirty="0">
               <a:latin typeface="Arial" panose="020B0604020202020204" pitchFamily="34" charset="0"/>
@@ -14106,7 +14123,7 @@
           <a:lstStyle/>
           <a:p>
             <a:r>
-              <a:rPr lang="ru-RU" sz="1000" dirty="0">
+              <a:rPr lang="ru-RU" sz="1000" dirty="0" smtClean="0">
                 <a:solidFill>
                   <a:schemeClr val="bg1"/>
                 </a:solidFill>
@@ -14115,7 +14132,7 @@
               <a:t>Разработка гибридного </a:t>
             </a:r>
             <a:r>
-              <a:rPr lang="ru-RU" sz="1000" dirty="0" err="1">
+              <a:rPr lang="ru-RU" sz="1000" dirty="0" err="1" smtClean="0">
                 <a:solidFill>
                   <a:schemeClr val="bg1"/>
                 </a:solidFill>
@@ -14124,14 +14141,20 @@
               <a:t>фреймворка</a:t>
             </a:r>
             <a:r>
-              <a:rPr lang="ru-RU" sz="1000" dirty="0">
+              <a:rPr lang="ru-RU" sz="1000" dirty="0" smtClean="0">
                 <a:solidFill>
                   <a:schemeClr val="bg1"/>
                 </a:solidFill>
                 <a:latin typeface="Montserrat" pitchFamily="2" charset="0"/>
               </a:rPr>
-              <a:t> для автоматизации тестирования в крупных компаниях</a:t>
-            </a:r>
+              <a:t> для автоматизации тестирования приложений</a:t>
+            </a:r>
+            <a:endParaRPr lang="ru-RU" sz="1000" dirty="0">
+              <a:solidFill>
+                <a:schemeClr val="bg1"/>
+              </a:solidFill>
+              <a:latin typeface="Montserrat" pitchFamily="2" charset="0"/>
+            </a:endParaRPr>
           </a:p>
         </p:txBody>
       </p:sp>
@@ -14335,11 +14358,7 @@
             </a:pPr>
             <a:r>
               <a:rPr lang="ru-RU" sz="2000" dirty="0" smtClean="0"/>
-              <a:t>разработать </a:t>
-            </a:r>
-            <a:r>
-              <a:rPr lang="ru-RU" sz="2000" dirty="0" smtClean="0"/>
-              <a:t>шаблоны для </a:t>
+              <a:t>разработать шаблоны для </a:t>
             </a:r>
             <a:r>
               <a:rPr lang="ru-RU" sz="2000" dirty="0"/>
@@ -14544,7 +14563,7 @@
           <a:lstStyle/>
           <a:p>
             <a:r>
-              <a:rPr lang="ru-RU" sz="1000" dirty="0">
+              <a:rPr lang="ru-RU" sz="1000" dirty="0" smtClean="0">
                 <a:solidFill>
                   <a:schemeClr val="bg1"/>
                 </a:solidFill>
@@ -14553,7 +14572,7 @@
               <a:t>Разработка гибридного </a:t>
             </a:r>
             <a:r>
-              <a:rPr lang="ru-RU" sz="1000" dirty="0" err="1">
+              <a:rPr lang="ru-RU" sz="1000" dirty="0" err="1" smtClean="0">
                 <a:solidFill>
                   <a:schemeClr val="bg1"/>
                 </a:solidFill>
@@ -14562,14 +14581,20 @@
               <a:t>фреймворка</a:t>
             </a:r>
             <a:r>
-              <a:rPr lang="ru-RU" sz="1000" dirty="0">
+              <a:rPr lang="ru-RU" sz="1000" dirty="0" smtClean="0">
                 <a:solidFill>
                   <a:schemeClr val="bg1"/>
                 </a:solidFill>
                 <a:latin typeface="Montserrat" pitchFamily="2" charset="0"/>
               </a:rPr>
-              <a:t> для автоматизации тестирования в крупных компаниях</a:t>
-            </a:r>
+              <a:t> для автоматизации тестирования приложений</a:t>
+            </a:r>
+            <a:endParaRPr lang="ru-RU" sz="1000" dirty="0">
+              <a:solidFill>
+                <a:schemeClr val="bg1"/>
+              </a:solidFill>
+              <a:latin typeface="Montserrat" pitchFamily="2" charset="0"/>
+            </a:endParaRPr>
           </a:p>
         </p:txBody>
       </p:sp>
@@ -15057,7 +15082,7 @@
           <a:lstStyle/>
           <a:p>
             <a:r>
-              <a:rPr lang="ru-RU" sz="1000" dirty="0">
+              <a:rPr lang="ru-RU" sz="1000" dirty="0" smtClean="0">
                 <a:solidFill>
                   <a:schemeClr val="bg1"/>
                 </a:solidFill>
@@ -15066,7 +15091,7 @@
               <a:t>Разработка гибридного </a:t>
             </a:r>
             <a:r>
-              <a:rPr lang="ru-RU" sz="1000" dirty="0" err="1">
+              <a:rPr lang="ru-RU" sz="1000" dirty="0" err="1" smtClean="0">
                 <a:solidFill>
                   <a:schemeClr val="bg1"/>
                 </a:solidFill>
@@ -15075,14 +15100,20 @@
               <a:t>фреймворка</a:t>
             </a:r>
             <a:r>
-              <a:rPr lang="ru-RU" sz="1000" dirty="0">
+              <a:rPr lang="ru-RU" sz="1000" dirty="0" smtClean="0">
                 <a:solidFill>
                   <a:schemeClr val="bg1"/>
                 </a:solidFill>
                 <a:latin typeface="Montserrat" pitchFamily="2" charset="0"/>
               </a:rPr>
-              <a:t> для автоматизации тестирования в крупных компаниях</a:t>
-            </a:r>
+              <a:t> для автоматизации тестирования приложений</a:t>
+            </a:r>
+            <a:endParaRPr lang="ru-RU" sz="1000" dirty="0">
+              <a:solidFill>
+                <a:schemeClr val="bg1"/>
+              </a:solidFill>
+              <a:latin typeface="Montserrat" pitchFamily="2" charset="0"/>
+            </a:endParaRPr>
           </a:p>
         </p:txBody>
       </p:sp>
@@ -15425,7 +15456,7 @@
           <a:lstStyle/>
           <a:p>
             <a:r>
-              <a:rPr lang="ru-RU" sz="1000" dirty="0">
+              <a:rPr lang="ru-RU" sz="1000" dirty="0" smtClean="0">
                 <a:solidFill>
                   <a:schemeClr val="bg1"/>
                 </a:solidFill>
@@ -15434,7 +15465,7 @@
               <a:t>Разработка гибридного </a:t>
             </a:r>
             <a:r>
-              <a:rPr lang="ru-RU" sz="1000" dirty="0" err="1">
+              <a:rPr lang="ru-RU" sz="1000" dirty="0" err="1" smtClean="0">
                 <a:solidFill>
                   <a:schemeClr val="bg1"/>
                 </a:solidFill>
@@ -15443,14 +15474,20 @@
               <a:t>фреймворка</a:t>
             </a:r>
             <a:r>
-              <a:rPr lang="ru-RU" sz="1000" dirty="0">
+              <a:rPr lang="ru-RU" sz="1000" dirty="0" smtClean="0">
                 <a:solidFill>
                   <a:schemeClr val="bg1"/>
                 </a:solidFill>
                 <a:latin typeface="Montserrat" pitchFamily="2" charset="0"/>
               </a:rPr>
-              <a:t> для автоматизации тестирования в крупных компаниях</a:t>
-            </a:r>
+              <a:t> для автоматизации тестирования приложений</a:t>
+            </a:r>
+            <a:endParaRPr lang="ru-RU" sz="1000" dirty="0">
+              <a:solidFill>
+                <a:schemeClr val="bg1"/>
+              </a:solidFill>
+              <a:latin typeface="Montserrat" pitchFamily="2" charset="0"/>
+            </a:endParaRPr>
           </a:p>
         </p:txBody>
       </p:sp>
@@ -15795,7 +15832,7 @@
           <a:lstStyle/>
           <a:p>
             <a:r>
-              <a:rPr lang="ru-RU" sz="1000" dirty="0">
+              <a:rPr lang="ru-RU" sz="1000" dirty="0" smtClean="0">
                 <a:solidFill>
                   <a:schemeClr val="bg1"/>
                 </a:solidFill>
@@ -15804,7 +15841,7 @@
               <a:t>Разработка гибридного </a:t>
             </a:r>
             <a:r>
-              <a:rPr lang="ru-RU" sz="1000" dirty="0" err="1">
+              <a:rPr lang="ru-RU" sz="1000" dirty="0" err="1" smtClean="0">
                 <a:solidFill>
                   <a:schemeClr val="bg1"/>
                 </a:solidFill>
@@ -15813,14 +15850,20 @@
               <a:t>фреймворка</a:t>
             </a:r>
             <a:r>
-              <a:rPr lang="ru-RU" sz="1000" dirty="0">
+              <a:rPr lang="ru-RU" sz="1000" dirty="0" smtClean="0">
                 <a:solidFill>
                   <a:schemeClr val="bg1"/>
                 </a:solidFill>
                 <a:latin typeface="Montserrat" pitchFamily="2" charset="0"/>
               </a:rPr>
-              <a:t> для автоматизации тестирования в крупных компаниях</a:t>
-            </a:r>
+              <a:t> для автоматизации тестирования приложений</a:t>
+            </a:r>
+            <a:endParaRPr lang="ru-RU" sz="1000" dirty="0">
+              <a:solidFill>
+                <a:schemeClr val="bg1"/>
+              </a:solidFill>
+              <a:latin typeface="Montserrat" pitchFamily="2" charset="0"/>
+            </a:endParaRPr>
           </a:p>
         </p:txBody>
       </p:sp>
@@ -15966,11 +16009,7 @@
           <a:p>
             <a:r>
               <a:rPr lang="ru-RU" sz="2400" b="1" i="1" dirty="0" smtClean="0"/>
-              <a:t>Тестовый с</a:t>
-            </a:r>
-            <a:r>
-              <a:rPr lang="ru-RU" sz="2400" b="1" i="1" dirty="0" smtClean="0"/>
-              <a:t>ценарий </a:t>
+              <a:t>Тестовый сценарий </a:t>
             </a:r>
             <a:r>
               <a:rPr lang="ru-RU" sz="2400" dirty="0" smtClean="0"/>
@@ -16021,13 +16060,7 @@
               <a:rPr lang="ru-RU" sz="3200" dirty="0" smtClean="0">
                 <a:latin typeface="Montserrat" pitchFamily="2" charset="0"/>
               </a:rPr>
-              <a:t>Шаблоны для унификации </a:t>
-            </a:r>
-            <a:r>
-              <a:rPr lang="ru-RU" sz="3200" dirty="0" smtClean="0">
-                <a:latin typeface="Montserrat" pitchFamily="2" charset="0"/>
-              </a:rPr>
-              <a:t>формирования тестовых сценариев</a:t>
+              <a:t>Шаблоны для унификации формирования тестовых сценариев</a:t>
             </a:r>
             <a:endParaRPr lang="ru-RU" sz="3200" dirty="0">
               <a:latin typeface="Montserrat" pitchFamily="2" charset="0"/>
@@ -16224,7 +16257,7 @@
           <a:lstStyle/>
           <a:p>
             <a:r>
-              <a:rPr lang="ru-RU" sz="1000" dirty="0">
+              <a:rPr lang="ru-RU" sz="1000" dirty="0" smtClean="0">
                 <a:solidFill>
                   <a:schemeClr val="bg1"/>
                 </a:solidFill>
@@ -16233,7 +16266,7 @@
               <a:t>Разработка гибридного </a:t>
             </a:r>
             <a:r>
-              <a:rPr lang="ru-RU" sz="1000" dirty="0" err="1">
+              <a:rPr lang="ru-RU" sz="1000" dirty="0" err="1" smtClean="0">
                 <a:solidFill>
                   <a:schemeClr val="bg1"/>
                 </a:solidFill>
@@ -16242,14 +16275,20 @@
               <a:t>фреймворка</a:t>
             </a:r>
             <a:r>
-              <a:rPr lang="ru-RU" sz="1000" dirty="0">
+              <a:rPr lang="ru-RU" sz="1000" dirty="0" smtClean="0">
                 <a:solidFill>
                   <a:schemeClr val="bg1"/>
                 </a:solidFill>
                 <a:latin typeface="Montserrat" pitchFamily="2" charset="0"/>
               </a:rPr>
-              <a:t> для автоматизации тестирования в крупных компаниях</a:t>
-            </a:r>
+              <a:t> для автоматизации тестирования приложений</a:t>
+            </a:r>
+            <a:endParaRPr lang="ru-RU" sz="1000" dirty="0">
+              <a:solidFill>
+                <a:schemeClr val="bg1"/>
+              </a:solidFill>
+              <a:latin typeface="Montserrat" pitchFamily="2" charset="0"/>
+            </a:endParaRPr>
           </a:p>
         </p:txBody>
       </p:sp>
@@ -16399,9 +16438,6 @@
               </a:rPr>
               <a:t>Пример применения типовой модели автоматизированных тестов </a:t>
             </a:r>
-            <a:endParaRPr lang="ru-RU" sz="3200" dirty="0">
-              <a:latin typeface="Montserrat" pitchFamily="2" charset="0"/>
-            </a:endParaRPr>
           </a:p>
         </p:txBody>
       </p:sp>

--- a/презентация.pptx
+++ b/презентация.pptx
@@ -224,7 +224,7 @@
           <a:p>
             <a:fld id="{EE4BEA0C-B298-4F3F-8EAA-78E653AF7C43}" type="datetimeFigureOut">
               <a:rPr lang="ru-RU" smtClean="0"/>
-              <a:t>06.06.2022</a:t>
+              <a:t>07.06.2022</a:t>
             </a:fld>
             <a:endParaRPr lang="ru-RU"/>
           </a:p>
@@ -389,7 +389,7 @@
           <a:p>
             <a:fld id="{56F03E67-5427-4260-B62A-5770CE0A55F7}" type="datetimeFigureOut">
               <a:rPr lang="ru-RU" smtClean="0"/>
-              <a:t>06.06.2022</a:t>
+              <a:t>07.06.2022</a:t>
             </a:fld>
             <a:endParaRPr lang="ru-RU"/>
           </a:p>
@@ -941,7 +941,7 @@
           <a:p>
             <a:fld id="{61BBDE8E-1A21-4D39-9CDA-17B1B51844FA}" type="datetimeFigureOut">
               <a:rPr lang="ru-RU" smtClean="0"/>
-              <a:t>06.06.2022</a:t>
+              <a:t>07.06.2022</a:t>
             </a:fld>
             <a:endParaRPr lang="ru-RU"/>
           </a:p>
@@ -1241,7 +1241,7 @@
           <a:p>
             <a:fld id="{61BBDE8E-1A21-4D39-9CDA-17B1B51844FA}" type="datetimeFigureOut">
               <a:rPr lang="ru-RU" smtClean="0"/>
-              <a:t>06.06.2022</a:t>
+              <a:t>07.06.2022</a:t>
             </a:fld>
             <a:endParaRPr lang="ru-RU"/>
           </a:p>
@@ -1501,7 +1501,7 @@
           <a:p>
             <a:fld id="{61BBDE8E-1A21-4D39-9CDA-17B1B51844FA}" type="datetimeFigureOut">
               <a:rPr lang="ru-RU" smtClean="0"/>
-              <a:t>06.06.2022</a:t>
+              <a:t>07.06.2022</a:t>
             </a:fld>
             <a:endParaRPr lang="ru-RU"/>
           </a:p>
@@ -2182,7 +2182,7 @@
           <a:p>
             <a:fld id="{61BBDE8E-1A21-4D39-9CDA-17B1B51844FA}" type="datetimeFigureOut">
               <a:rPr lang="ru-RU" smtClean="0"/>
-              <a:t>06.06.2022</a:t>
+              <a:t>07.06.2022</a:t>
             </a:fld>
             <a:endParaRPr lang="ru-RU"/>
           </a:p>
@@ -4516,7 +4516,7 @@
           <a:p>
             <a:fld id="{61BBDE8E-1A21-4D39-9CDA-17B1B51844FA}" type="datetimeFigureOut">
               <a:rPr lang="ru-RU" smtClean="0"/>
-              <a:t>06.06.2022</a:t>
+              <a:t>07.06.2022</a:t>
             </a:fld>
             <a:endParaRPr lang="ru-RU"/>
           </a:p>
@@ -4988,7 +4988,31 @@
                 <a:latin typeface="Montserrat" pitchFamily="2" charset="0"/>
                 <a:cs typeface="Arial" panose="020B0604020202020204" pitchFamily="34" charset="0"/>
               </a:rPr>
-              <a:t> для автоматизации тестирования приложений</a:t>
+              <a:t> для автоматизации тестирования </a:t>
+            </a:r>
+            <a:r>
+              <a:rPr lang="ru-RU" sz="2400" b="0" dirty="0" smtClean="0">
+                <a:solidFill>
+                  <a:schemeClr val="accent1">
+                    <a:lumMod val="50000"/>
+                  </a:schemeClr>
+                </a:solidFill>
+                <a:latin typeface="Montserrat" pitchFamily="2" charset="0"/>
+                <a:cs typeface="Arial" panose="020B0604020202020204" pitchFamily="34" charset="0"/>
+              </a:rPr>
+              <a:t>приложений</a:t>
+            </a:r>
+            <a:r>
+              <a:rPr lang="en-US" sz="2400" b="0" smtClean="0">
+                <a:solidFill>
+                  <a:schemeClr val="accent1">
+                    <a:lumMod val="50000"/>
+                  </a:schemeClr>
+                </a:solidFill>
+                <a:latin typeface="Montserrat" pitchFamily="2" charset="0"/>
+                <a:cs typeface="Arial" panose="020B0604020202020204" pitchFamily="34" charset="0"/>
+              </a:rPr>
+              <a:t> </a:t>
             </a:r>
             <a:endParaRPr lang="ru-RU" sz="2400" b="0" dirty="0">
               <a:latin typeface="Montserrat" pitchFamily="2" charset="0"/>

--- a/презентация.pptx
+++ b/презентация.pptx
@@ -224,7 +224,7 @@
           <a:p>
             <a:fld id="{EE4BEA0C-B298-4F3F-8EAA-78E653AF7C43}" type="datetimeFigureOut">
               <a:rPr lang="ru-RU" smtClean="0"/>
-              <a:t>07.06.2022</a:t>
+              <a:t>09.06.2022</a:t>
             </a:fld>
             <a:endParaRPr lang="ru-RU"/>
           </a:p>
@@ -389,7 +389,7 @@
           <a:p>
             <a:fld id="{56F03E67-5427-4260-B62A-5770CE0A55F7}" type="datetimeFigureOut">
               <a:rPr lang="ru-RU" smtClean="0"/>
-              <a:t>07.06.2022</a:t>
+              <a:t>09.06.2022</a:t>
             </a:fld>
             <a:endParaRPr lang="ru-RU"/>
           </a:p>
@@ -941,7 +941,7 @@
           <a:p>
             <a:fld id="{61BBDE8E-1A21-4D39-9CDA-17B1B51844FA}" type="datetimeFigureOut">
               <a:rPr lang="ru-RU" smtClean="0"/>
-              <a:t>07.06.2022</a:t>
+              <a:t>09.06.2022</a:t>
             </a:fld>
             <a:endParaRPr lang="ru-RU"/>
           </a:p>
@@ -1241,7 +1241,7 @@
           <a:p>
             <a:fld id="{61BBDE8E-1A21-4D39-9CDA-17B1B51844FA}" type="datetimeFigureOut">
               <a:rPr lang="ru-RU" smtClean="0"/>
-              <a:t>07.06.2022</a:t>
+              <a:t>09.06.2022</a:t>
             </a:fld>
             <a:endParaRPr lang="ru-RU"/>
           </a:p>
@@ -1501,7 +1501,7 @@
           <a:p>
             <a:fld id="{61BBDE8E-1A21-4D39-9CDA-17B1B51844FA}" type="datetimeFigureOut">
               <a:rPr lang="ru-RU" smtClean="0"/>
-              <a:t>07.06.2022</a:t>
+              <a:t>09.06.2022</a:t>
             </a:fld>
             <a:endParaRPr lang="ru-RU"/>
           </a:p>
@@ -2182,7 +2182,7 @@
           <a:p>
             <a:fld id="{61BBDE8E-1A21-4D39-9CDA-17B1B51844FA}" type="datetimeFigureOut">
               <a:rPr lang="ru-RU" smtClean="0"/>
-              <a:t>07.06.2022</a:t>
+              <a:t>09.06.2022</a:t>
             </a:fld>
             <a:endParaRPr lang="ru-RU"/>
           </a:p>
@@ -4516,7 +4516,7 @@
           <a:p>
             <a:fld id="{61BBDE8E-1A21-4D39-9CDA-17B1B51844FA}" type="datetimeFigureOut">
               <a:rPr lang="ru-RU" smtClean="0"/>
-              <a:t>07.06.2022</a:t>
+              <a:t>09.06.2022</a:t>
             </a:fld>
             <a:endParaRPr lang="ru-RU"/>
           </a:p>
@@ -4988,19 +4988,7 @@
                 <a:latin typeface="Montserrat" pitchFamily="2" charset="0"/>
                 <a:cs typeface="Arial" panose="020B0604020202020204" pitchFamily="34" charset="0"/>
               </a:rPr>
-              <a:t> для автоматизации тестирования </a:t>
-            </a:r>
-            <a:r>
-              <a:rPr lang="ru-RU" sz="2400" b="0" dirty="0" smtClean="0">
-                <a:solidFill>
-                  <a:schemeClr val="accent1">
-                    <a:lumMod val="50000"/>
-                  </a:schemeClr>
-                </a:solidFill>
-                <a:latin typeface="Montserrat" pitchFamily="2" charset="0"/>
-                <a:cs typeface="Arial" panose="020B0604020202020204" pitchFamily="34" charset="0"/>
-              </a:rPr>
-              <a:t>приложений</a:t>
+              <a:t> для автоматизации тестирования приложений</a:t>
             </a:r>
             <a:r>
               <a:rPr lang="en-US" sz="2400" b="0" smtClean="0">
@@ -5420,8 +5408,8 @@
         </p:nvSpPr>
         <p:spPr>
           <a:xfrm>
-            <a:off x="11633634" y="6380852"/>
-            <a:ext cx="405441" cy="400110"/>
+            <a:off x="11573346" y="6380852"/>
+            <a:ext cx="465729" cy="400110"/>
           </a:xfrm>
           <a:prstGeom prst="rect">
             <a:avLst/>
@@ -5441,7 +5429,7 @@
                 </a:solidFill>
                 <a:latin typeface="Montserrat" pitchFamily="2" charset="0"/>
               </a:rPr>
-              <a:t>9</a:t>
+              <a:t>10</a:t>
             </a:r>
             <a:endParaRPr lang="ru-RU" sz="2000" dirty="0">
               <a:solidFill>
@@ -5811,7 +5799,7 @@
                 </a:solidFill>
                 <a:latin typeface="Montserrat" pitchFamily="2" charset="0"/>
               </a:rPr>
-              <a:t>10</a:t>
+              <a:t>11</a:t>
             </a:r>
             <a:endParaRPr lang="ru-RU" sz="2000" dirty="0">
               <a:solidFill>
@@ -6181,7 +6169,7 @@
                 </a:solidFill>
                 <a:latin typeface="Montserrat" pitchFamily="2" charset="0"/>
               </a:rPr>
-              <a:t>11</a:t>
+              <a:t>12</a:t>
             </a:r>
             <a:endParaRPr lang="ru-RU" sz="2000" dirty="0">
               <a:solidFill>
@@ -6553,7 +6541,7 @@
         </p:nvSpPr>
         <p:spPr>
           <a:xfrm>
-            <a:off x="11504646" y="6380852"/>
+            <a:off x="11573346" y="6377052"/>
             <a:ext cx="534430" cy="400110"/>
           </a:xfrm>
           <a:prstGeom prst="rect">
@@ -6574,7 +6562,7 @@
                 </a:solidFill>
                 <a:latin typeface="Montserrat" pitchFamily="2" charset="0"/>
               </a:rPr>
-              <a:t>12</a:t>
+              <a:t>13</a:t>
             </a:r>
             <a:endParaRPr lang="ru-RU" sz="2000" dirty="0">
               <a:solidFill>
@@ -6691,2661 +6679,90 @@
           </a:p>
         </p:txBody>
       </p:sp>
-      <mc:AlternateContent xmlns:mc="http://schemas.openxmlformats.org/markup-compatibility/2006" xmlns:a14="http://schemas.microsoft.com/office/drawing/2010/main">
-        <mc:Choice Requires="a14">
-          <p:graphicFrame>
-            <p:nvGraphicFramePr>
-              <p:cNvPr id="15" name="Объект 2"/>
-              <p:cNvGraphicFramePr>
-                <a:graphicFrameLocks/>
-              </p:cNvGraphicFramePr>
-              <p:nvPr>
-                <p:extLst>
-                  <p:ext uri="{D42A27DB-BD31-4B8C-83A1-F6EECF244321}">
-                    <p14:modId xmlns:p14="http://schemas.microsoft.com/office/powerpoint/2010/main" val="282529182"/>
-                  </p:ext>
-                </p:extLst>
-              </p:nvPr>
-            </p:nvGraphicFramePr>
-            <p:xfrm>
-              <a:off x="487043" y="2955293"/>
-              <a:ext cx="3831623" cy="2606307"/>
-            </p:xfrm>
-            <a:graphic>
-              <a:graphicData uri="http://schemas.openxmlformats.org/drawingml/2006/table">
-                <a:tbl>
-                  <a:tblPr firstRow="1" firstCol="1" bandRow="1">
-                    <a:tableStyleId>{21E4AEA4-8DFA-4A89-87EB-49C32662AFE0}</a:tableStyleId>
-                  </a:tblPr>
-                  <a:tblGrid>
-                    <a:gridCol w="1321058">
-                      <a:extLst>
-                        <a:ext uri="{9D8B030D-6E8A-4147-A177-3AD203B41FA5}">
-                          <a16:colId xmlns:a16="http://schemas.microsoft.com/office/drawing/2014/main" val="3937347236"/>
-                        </a:ext>
-                      </a:extLst>
-                    </a:gridCol>
-                    <a:gridCol w="822237">
-                      <a:extLst>
-                        <a:ext uri="{9D8B030D-6E8A-4147-A177-3AD203B41FA5}">
-                          <a16:colId xmlns:a16="http://schemas.microsoft.com/office/drawing/2014/main" val="215165887"/>
-                        </a:ext>
-                      </a:extLst>
-                    </a:gridCol>
-                    <a:gridCol w="745494">
-                      <a:extLst>
-                        <a:ext uri="{9D8B030D-6E8A-4147-A177-3AD203B41FA5}">
-                          <a16:colId xmlns:a16="http://schemas.microsoft.com/office/drawing/2014/main" val="1723564653"/>
-                        </a:ext>
-                      </a:extLst>
-                    </a:gridCol>
-                    <a:gridCol w="942834">
-                      <a:extLst>
-                        <a:ext uri="{9D8B030D-6E8A-4147-A177-3AD203B41FA5}">
-                          <a16:colId xmlns:a16="http://schemas.microsoft.com/office/drawing/2014/main" val="2302272877"/>
-                        </a:ext>
-                      </a:extLst>
-                    </a:gridCol>
-                  </a:tblGrid>
-                  <a:tr h="276075">
-                    <a:tc rowSpan="2">
-                      <a:txBody>
-                        <a:bodyPr/>
-                        <a:lstStyle/>
-                        <a:p>
-                          <a:pPr indent="9525" algn="ctr">
-                            <a:lnSpc>
-                              <a:spcPct val="106000"/>
-                            </a:lnSpc>
-                            <a:spcAft>
-                              <a:spcPts val="0"/>
-                            </a:spcAft>
-                          </a:pPr>
-                          <a:r>
-                            <a:rPr lang="ru-RU" sz="1400" dirty="0">
-                              <a:effectLst/>
-                            </a:rPr>
-                            <a:t>Оценки</a:t>
-                          </a:r>
-                          <a:endParaRPr lang="ru-RU" sz="1100" dirty="0">
-                            <a:effectLst/>
-                            <a:latin typeface="Calibri" panose="020F0502020204030204" pitchFamily="34" charset="0"/>
-                            <a:ea typeface="Calibri" panose="020F0502020204030204" pitchFamily="34" charset="0"/>
-                            <a:cs typeface="Times New Roman" panose="02020603050405020304" pitchFamily="18" charset="0"/>
-                          </a:endParaRPr>
-                        </a:p>
-                      </a:txBody>
-                      <a:tcPr marL="72743" marR="72743" marT="0" marB="0" anchor="ctr"/>
-                    </a:tc>
-                    <a:tc gridSpan="3">
-                      <a:txBody>
-                        <a:bodyPr/>
-                        <a:lstStyle/>
-                        <a:p>
-                          <a:pPr algn="ctr">
-                            <a:lnSpc>
-                              <a:spcPct val="106000"/>
-                            </a:lnSpc>
-                            <a:spcAft>
-                              <a:spcPts val="0"/>
-                            </a:spcAft>
-                          </a:pPr>
-                          <a:r>
-                            <a:rPr lang="ru-RU" sz="1400" dirty="0">
-                              <a:effectLst/>
-                            </a:rPr>
-                            <a:t>№ критерия</a:t>
-                          </a:r>
-                          <a:endParaRPr lang="ru-RU" sz="1100" dirty="0">
-                            <a:effectLst/>
-                            <a:latin typeface="Calibri" panose="020F0502020204030204" pitchFamily="34" charset="0"/>
-                            <a:ea typeface="Calibri" panose="020F0502020204030204" pitchFamily="34" charset="0"/>
-                            <a:cs typeface="Times New Roman" panose="02020603050405020304" pitchFamily="18" charset="0"/>
-                          </a:endParaRPr>
-                        </a:p>
-                      </a:txBody>
-                      <a:tcPr marL="72743" marR="72743" marT="0" marB="0" anchor="ctr"/>
-                    </a:tc>
-                    <a:tc hMerge="1">
-                      <a:txBody>
-                        <a:bodyPr/>
-                        <a:lstStyle/>
-                        <a:p>
-                          <a:endParaRPr lang="ru-RU"/>
-                        </a:p>
-                      </a:txBody>
-                      <a:tcPr/>
-                    </a:tc>
-                    <a:tc hMerge="1">
-                      <a:txBody>
-                        <a:bodyPr/>
-                        <a:lstStyle/>
-                        <a:p>
-                          <a:endParaRPr lang="ru-RU"/>
-                        </a:p>
-                      </a:txBody>
-                      <a:tcPr/>
-                    </a:tc>
-                    <a:extLst>
-                      <a:ext uri="{0D108BD9-81ED-4DB2-BD59-A6C34878D82A}">
-                        <a16:rowId xmlns:a16="http://schemas.microsoft.com/office/drawing/2014/main" val="1012919914"/>
-                      </a:ext>
-                    </a:extLst>
-                  </a:tr>
-                  <a:tr h="276075">
-                    <a:tc vMerge="1">
-                      <a:txBody>
-                        <a:bodyPr/>
-                        <a:lstStyle/>
-                        <a:p>
-                          <a:endParaRPr lang="ru-RU"/>
-                        </a:p>
-                      </a:txBody>
-                      <a:tcPr/>
-                    </a:tc>
-                    <a:tc>
-                      <a:txBody>
-                        <a:bodyPr/>
-                        <a:lstStyle/>
-                        <a:p>
-                          <a:pPr algn="ctr">
-                            <a:lnSpc>
-                              <a:spcPct val="106000"/>
-                            </a:lnSpc>
-                            <a:spcAft>
-                              <a:spcPts val="0"/>
-                            </a:spcAft>
-                          </a:pPr>
-                          <a:r>
-                            <a:rPr lang="ru-RU" sz="1400" dirty="0">
-                              <a:effectLst/>
-                            </a:rPr>
-                            <a:t>1</a:t>
-                          </a:r>
-                          <a:endParaRPr lang="ru-RU" sz="1100" dirty="0">
-                            <a:effectLst/>
-                            <a:latin typeface="Calibri" panose="020F0502020204030204" pitchFamily="34" charset="0"/>
-                            <a:ea typeface="Calibri" panose="020F0502020204030204" pitchFamily="34" charset="0"/>
-                            <a:cs typeface="Times New Roman" panose="02020603050405020304" pitchFamily="18" charset="0"/>
-                          </a:endParaRPr>
-                        </a:p>
-                      </a:txBody>
-                      <a:tcPr marL="72743" marR="72743" marT="0" marB="0" anchor="ctr"/>
-                    </a:tc>
-                    <a:tc>
-                      <a:txBody>
-                        <a:bodyPr/>
-                        <a:lstStyle/>
-                        <a:p>
-                          <a:pPr algn="ctr">
-                            <a:lnSpc>
-                              <a:spcPct val="106000"/>
-                            </a:lnSpc>
-                            <a:spcAft>
-                              <a:spcPts val="0"/>
-                            </a:spcAft>
-                          </a:pPr>
-                          <a:r>
-                            <a:rPr lang="ru-RU" sz="1400">
-                              <a:effectLst/>
-                            </a:rPr>
-                            <a:t>2</a:t>
-                          </a:r>
-                          <a:endParaRPr lang="ru-RU" sz="1100">
-                            <a:effectLst/>
-                            <a:latin typeface="Calibri" panose="020F0502020204030204" pitchFamily="34" charset="0"/>
-                            <a:ea typeface="Calibri" panose="020F0502020204030204" pitchFamily="34" charset="0"/>
-                            <a:cs typeface="Times New Roman" panose="02020603050405020304" pitchFamily="18" charset="0"/>
-                          </a:endParaRPr>
-                        </a:p>
-                      </a:txBody>
-                      <a:tcPr marL="72743" marR="72743" marT="0" marB="0" anchor="ctr"/>
-                    </a:tc>
-                    <a:tc>
-                      <a:txBody>
-                        <a:bodyPr/>
-                        <a:lstStyle/>
-                        <a:p>
-                          <a:pPr algn="ctr">
-                            <a:lnSpc>
-                              <a:spcPct val="106000"/>
-                            </a:lnSpc>
-                            <a:spcAft>
-                              <a:spcPts val="0"/>
-                            </a:spcAft>
-                          </a:pPr>
-                          <a:r>
-                            <a:rPr lang="ru-RU" sz="1400" dirty="0">
-                              <a:effectLst/>
-                            </a:rPr>
-                            <a:t>3</a:t>
-                          </a:r>
-                          <a:endParaRPr lang="ru-RU" sz="1100" dirty="0">
-                            <a:effectLst/>
-                            <a:latin typeface="Calibri" panose="020F0502020204030204" pitchFamily="34" charset="0"/>
-                            <a:ea typeface="Calibri" panose="020F0502020204030204" pitchFamily="34" charset="0"/>
-                            <a:cs typeface="Times New Roman" panose="02020603050405020304" pitchFamily="18" charset="0"/>
-                          </a:endParaRPr>
-                        </a:p>
-                      </a:txBody>
-                      <a:tcPr marL="72743" marR="72743" marT="0" marB="0" anchor="ctr"/>
-                    </a:tc>
-                    <a:extLst>
-                      <a:ext uri="{0D108BD9-81ED-4DB2-BD59-A6C34878D82A}">
-                        <a16:rowId xmlns:a16="http://schemas.microsoft.com/office/drawing/2014/main" val="2944430712"/>
-                      </a:ext>
-                    </a:extLst>
-                  </a:tr>
-                  <a:tr h="276075">
-                    <a:tc>
-                      <a:txBody>
-                        <a:bodyPr/>
-                        <a:lstStyle/>
-                        <a:p>
-                          <a:pPr algn="ctr">
-                            <a:lnSpc>
-                              <a:spcPct val="106000"/>
-                            </a:lnSpc>
-                            <a:spcAft>
-                              <a:spcPts val="0"/>
-                            </a:spcAft>
-                          </a:pPr>
-                          <a:r>
-                            <a:rPr lang="ru-RU" sz="1400">
-                              <a:effectLst/>
-                            </a:rPr>
-                            <a:t>Эксперт 1</a:t>
-                          </a:r>
-                          <a:endParaRPr lang="ru-RU" sz="1100">
-                            <a:effectLst/>
-                            <a:latin typeface="Calibri" panose="020F0502020204030204" pitchFamily="34" charset="0"/>
-                            <a:ea typeface="Calibri" panose="020F0502020204030204" pitchFamily="34" charset="0"/>
-                            <a:cs typeface="Times New Roman" panose="02020603050405020304" pitchFamily="18" charset="0"/>
-                          </a:endParaRPr>
-                        </a:p>
-                      </a:txBody>
-                      <a:tcPr marL="72743" marR="72743" marT="0" marB="0" anchor="ctr"/>
-                    </a:tc>
-                    <a:tc>
-                      <a:txBody>
-                        <a:bodyPr/>
-                        <a:lstStyle/>
-                        <a:p>
-                          <a:pPr algn="ctr">
-                            <a:lnSpc>
-                              <a:spcPct val="106000"/>
-                            </a:lnSpc>
-                            <a:spcAft>
-                              <a:spcPts val="0"/>
-                            </a:spcAft>
-                          </a:pPr>
-                          <a:r>
-                            <a:rPr lang="ru-RU" sz="1200">
-                              <a:effectLst/>
-                            </a:rPr>
-                            <a:t>5</a:t>
-                          </a:r>
-                          <a:endParaRPr lang="ru-RU" sz="1100">
-                            <a:effectLst/>
-                            <a:latin typeface="Calibri" panose="020F0502020204030204" pitchFamily="34" charset="0"/>
-                            <a:ea typeface="Calibri" panose="020F0502020204030204" pitchFamily="34" charset="0"/>
-                            <a:cs typeface="Times New Roman" panose="02020603050405020304" pitchFamily="18" charset="0"/>
-                          </a:endParaRPr>
-                        </a:p>
-                      </a:txBody>
-                      <a:tcPr marL="72743" marR="72743" marT="0" marB="0" anchor="ctr"/>
-                    </a:tc>
-                    <a:tc>
-                      <a:txBody>
-                        <a:bodyPr/>
-                        <a:lstStyle/>
-                        <a:p>
-                          <a:pPr algn="ctr">
-                            <a:lnSpc>
-                              <a:spcPct val="106000"/>
-                            </a:lnSpc>
-                            <a:spcAft>
-                              <a:spcPts val="0"/>
-                            </a:spcAft>
-                          </a:pPr>
-                          <a:r>
-                            <a:rPr lang="ru-RU" sz="1200">
-                              <a:effectLst/>
-                            </a:rPr>
-                            <a:t>5</a:t>
-                          </a:r>
-                          <a:endParaRPr lang="ru-RU" sz="1100">
-                            <a:effectLst/>
-                            <a:latin typeface="Calibri" panose="020F0502020204030204" pitchFamily="34" charset="0"/>
-                            <a:ea typeface="Calibri" panose="020F0502020204030204" pitchFamily="34" charset="0"/>
-                            <a:cs typeface="Times New Roman" panose="02020603050405020304" pitchFamily="18" charset="0"/>
-                          </a:endParaRPr>
-                        </a:p>
-                      </a:txBody>
-                      <a:tcPr marL="72743" marR="72743" marT="0" marB="0" anchor="ctr"/>
-                    </a:tc>
-                    <a:tc>
-                      <a:txBody>
-                        <a:bodyPr/>
-                        <a:lstStyle/>
-                        <a:p>
-                          <a:pPr algn="ctr">
-                            <a:lnSpc>
-                              <a:spcPct val="106000"/>
-                            </a:lnSpc>
-                            <a:spcAft>
-                              <a:spcPts val="0"/>
-                            </a:spcAft>
-                          </a:pPr>
-                          <a:r>
-                            <a:rPr lang="ru-RU" sz="1200">
-                              <a:effectLst/>
-                            </a:rPr>
-                            <a:t>5</a:t>
-                          </a:r>
-                          <a:endParaRPr lang="ru-RU" sz="1100">
-                            <a:effectLst/>
-                            <a:latin typeface="Calibri" panose="020F0502020204030204" pitchFamily="34" charset="0"/>
-                            <a:ea typeface="Calibri" panose="020F0502020204030204" pitchFamily="34" charset="0"/>
-                            <a:cs typeface="Times New Roman" panose="02020603050405020304" pitchFamily="18" charset="0"/>
-                          </a:endParaRPr>
-                        </a:p>
-                      </a:txBody>
-                      <a:tcPr marL="72743" marR="72743" marT="0" marB="0" anchor="ctr"/>
-                    </a:tc>
-                    <a:extLst>
-                      <a:ext uri="{0D108BD9-81ED-4DB2-BD59-A6C34878D82A}">
-                        <a16:rowId xmlns:a16="http://schemas.microsoft.com/office/drawing/2014/main" val="1867091642"/>
-                      </a:ext>
-                    </a:extLst>
-                  </a:tr>
-                  <a:tr h="276075">
-                    <a:tc>
-                      <a:txBody>
-                        <a:bodyPr/>
-                        <a:lstStyle/>
-                        <a:p>
-                          <a:pPr algn="ctr">
-                            <a:lnSpc>
-                              <a:spcPct val="106000"/>
-                            </a:lnSpc>
-                            <a:spcAft>
-                              <a:spcPts val="0"/>
-                            </a:spcAft>
-                          </a:pPr>
-                          <a:r>
-                            <a:rPr lang="ru-RU" sz="1400">
-                              <a:effectLst/>
-                            </a:rPr>
-                            <a:t>Эксперт 2</a:t>
-                          </a:r>
-                          <a:endParaRPr lang="ru-RU" sz="1100">
-                            <a:effectLst/>
-                            <a:latin typeface="Calibri" panose="020F0502020204030204" pitchFamily="34" charset="0"/>
-                            <a:ea typeface="Calibri" panose="020F0502020204030204" pitchFamily="34" charset="0"/>
-                            <a:cs typeface="Times New Roman" panose="02020603050405020304" pitchFamily="18" charset="0"/>
-                          </a:endParaRPr>
-                        </a:p>
-                      </a:txBody>
-                      <a:tcPr marL="72743" marR="72743" marT="0" marB="0" anchor="ctr"/>
-                    </a:tc>
-                    <a:tc>
-                      <a:txBody>
-                        <a:bodyPr/>
-                        <a:lstStyle/>
-                        <a:p>
-                          <a:pPr algn="ctr">
-                            <a:lnSpc>
-                              <a:spcPct val="106000"/>
-                            </a:lnSpc>
-                            <a:spcAft>
-                              <a:spcPts val="0"/>
-                            </a:spcAft>
-                          </a:pPr>
-                          <a:r>
-                            <a:rPr lang="ru-RU" sz="1200">
-                              <a:effectLst/>
-                            </a:rPr>
-                            <a:t>5</a:t>
-                          </a:r>
-                          <a:endParaRPr lang="ru-RU" sz="1100">
-                            <a:effectLst/>
-                            <a:latin typeface="Calibri" panose="020F0502020204030204" pitchFamily="34" charset="0"/>
-                            <a:ea typeface="Calibri" panose="020F0502020204030204" pitchFamily="34" charset="0"/>
-                            <a:cs typeface="Times New Roman" panose="02020603050405020304" pitchFamily="18" charset="0"/>
-                          </a:endParaRPr>
-                        </a:p>
-                      </a:txBody>
-                      <a:tcPr marL="72743" marR="72743" marT="0" marB="0" anchor="ctr"/>
-                    </a:tc>
-                    <a:tc>
-                      <a:txBody>
-                        <a:bodyPr/>
-                        <a:lstStyle/>
-                        <a:p>
-                          <a:pPr algn="ctr">
-                            <a:lnSpc>
-                              <a:spcPct val="106000"/>
-                            </a:lnSpc>
-                            <a:spcAft>
-                              <a:spcPts val="0"/>
-                            </a:spcAft>
-                          </a:pPr>
-                          <a:r>
-                            <a:rPr lang="ru-RU" sz="1200">
-                              <a:effectLst/>
-                            </a:rPr>
-                            <a:t>5</a:t>
-                          </a:r>
-                          <a:endParaRPr lang="ru-RU" sz="1100">
-                            <a:effectLst/>
-                            <a:latin typeface="Calibri" panose="020F0502020204030204" pitchFamily="34" charset="0"/>
-                            <a:ea typeface="Calibri" panose="020F0502020204030204" pitchFamily="34" charset="0"/>
-                            <a:cs typeface="Times New Roman" panose="02020603050405020304" pitchFamily="18" charset="0"/>
-                          </a:endParaRPr>
-                        </a:p>
-                      </a:txBody>
-                      <a:tcPr marL="72743" marR="72743" marT="0" marB="0" anchor="ctr"/>
-                    </a:tc>
-                    <a:tc>
-                      <a:txBody>
-                        <a:bodyPr/>
-                        <a:lstStyle/>
-                        <a:p>
-                          <a:pPr algn="ctr">
-                            <a:lnSpc>
-                              <a:spcPct val="106000"/>
-                            </a:lnSpc>
-                            <a:spcAft>
-                              <a:spcPts val="0"/>
-                            </a:spcAft>
-                          </a:pPr>
-                          <a:r>
-                            <a:rPr lang="ru-RU" sz="1200" dirty="0">
-                              <a:effectLst/>
-                            </a:rPr>
-                            <a:t>4</a:t>
-                          </a:r>
-                          <a:endParaRPr lang="ru-RU" sz="1100" dirty="0">
-                            <a:effectLst/>
-                            <a:latin typeface="Calibri" panose="020F0502020204030204" pitchFamily="34" charset="0"/>
-                            <a:ea typeface="Calibri" panose="020F0502020204030204" pitchFamily="34" charset="0"/>
-                            <a:cs typeface="Times New Roman" panose="02020603050405020304" pitchFamily="18" charset="0"/>
-                          </a:endParaRPr>
-                        </a:p>
-                      </a:txBody>
-                      <a:tcPr marL="72743" marR="72743" marT="0" marB="0" anchor="ctr"/>
-                    </a:tc>
-                    <a:extLst>
-                      <a:ext uri="{0D108BD9-81ED-4DB2-BD59-A6C34878D82A}">
-                        <a16:rowId xmlns:a16="http://schemas.microsoft.com/office/drawing/2014/main" val="3307369629"/>
-                      </a:ext>
-                    </a:extLst>
-                  </a:tr>
-                  <a:tr h="276075">
-                    <a:tc>
-                      <a:txBody>
-                        <a:bodyPr/>
-                        <a:lstStyle/>
-                        <a:p>
-                          <a:pPr algn="ctr">
-                            <a:lnSpc>
-                              <a:spcPct val="106000"/>
-                            </a:lnSpc>
-                            <a:spcAft>
-                              <a:spcPts val="0"/>
-                            </a:spcAft>
-                          </a:pPr>
-                          <a:r>
-                            <a:rPr lang="ru-RU" sz="1400">
-                              <a:effectLst/>
-                            </a:rPr>
-                            <a:t>Эксперт 3</a:t>
-                          </a:r>
-                          <a:endParaRPr lang="ru-RU" sz="1100">
-                            <a:effectLst/>
-                            <a:latin typeface="Calibri" panose="020F0502020204030204" pitchFamily="34" charset="0"/>
-                            <a:ea typeface="Calibri" panose="020F0502020204030204" pitchFamily="34" charset="0"/>
-                            <a:cs typeface="Times New Roman" panose="02020603050405020304" pitchFamily="18" charset="0"/>
-                          </a:endParaRPr>
-                        </a:p>
-                      </a:txBody>
-                      <a:tcPr marL="72743" marR="72743" marT="0" marB="0" anchor="ctr"/>
-                    </a:tc>
-                    <a:tc>
-                      <a:txBody>
-                        <a:bodyPr/>
-                        <a:lstStyle/>
-                        <a:p>
-                          <a:pPr algn="ctr">
-                            <a:lnSpc>
-                              <a:spcPct val="106000"/>
-                            </a:lnSpc>
-                            <a:spcAft>
-                              <a:spcPts val="0"/>
-                            </a:spcAft>
-                          </a:pPr>
-                          <a:r>
-                            <a:rPr lang="ru-RU" sz="1200">
-                              <a:effectLst/>
-                            </a:rPr>
-                            <a:t>5</a:t>
-                          </a:r>
-                          <a:endParaRPr lang="ru-RU" sz="1100">
-                            <a:effectLst/>
-                            <a:latin typeface="Calibri" panose="020F0502020204030204" pitchFamily="34" charset="0"/>
-                            <a:ea typeface="Calibri" panose="020F0502020204030204" pitchFamily="34" charset="0"/>
-                            <a:cs typeface="Times New Roman" panose="02020603050405020304" pitchFamily="18" charset="0"/>
-                          </a:endParaRPr>
-                        </a:p>
-                      </a:txBody>
-                      <a:tcPr marL="72743" marR="72743" marT="0" marB="0" anchor="ctr"/>
-                    </a:tc>
-                    <a:tc>
-                      <a:txBody>
-                        <a:bodyPr/>
-                        <a:lstStyle/>
-                        <a:p>
-                          <a:pPr algn="ctr">
-                            <a:lnSpc>
-                              <a:spcPct val="106000"/>
-                            </a:lnSpc>
-                            <a:spcAft>
-                              <a:spcPts val="0"/>
-                            </a:spcAft>
-                          </a:pPr>
-                          <a:r>
-                            <a:rPr lang="ru-RU" sz="1200">
-                              <a:effectLst/>
-                            </a:rPr>
-                            <a:t>5</a:t>
-                          </a:r>
-                          <a:endParaRPr lang="ru-RU" sz="1100">
-                            <a:effectLst/>
-                            <a:latin typeface="Calibri" panose="020F0502020204030204" pitchFamily="34" charset="0"/>
-                            <a:ea typeface="Calibri" panose="020F0502020204030204" pitchFamily="34" charset="0"/>
-                            <a:cs typeface="Times New Roman" panose="02020603050405020304" pitchFamily="18" charset="0"/>
-                          </a:endParaRPr>
-                        </a:p>
-                      </a:txBody>
-                      <a:tcPr marL="72743" marR="72743" marT="0" marB="0" anchor="ctr"/>
-                    </a:tc>
-                    <a:tc>
-                      <a:txBody>
-                        <a:bodyPr/>
-                        <a:lstStyle/>
-                        <a:p>
-                          <a:pPr algn="ctr">
-                            <a:lnSpc>
-                              <a:spcPct val="106000"/>
-                            </a:lnSpc>
-                            <a:spcAft>
-                              <a:spcPts val="0"/>
-                            </a:spcAft>
-                          </a:pPr>
-                          <a:r>
-                            <a:rPr lang="ru-RU" sz="1200" dirty="0">
-                              <a:effectLst/>
-                            </a:rPr>
-                            <a:t>4</a:t>
-                          </a:r>
-                          <a:endParaRPr lang="ru-RU" sz="1100" dirty="0">
-                            <a:effectLst/>
-                            <a:latin typeface="Calibri" panose="020F0502020204030204" pitchFamily="34" charset="0"/>
-                            <a:ea typeface="Calibri" panose="020F0502020204030204" pitchFamily="34" charset="0"/>
-                            <a:cs typeface="Times New Roman" panose="02020603050405020304" pitchFamily="18" charset="0"/>
-                          </a:endParaRPr>
-                        </a:p>
-                      </a:txBody>
-                      <a:tcPr marL="72743" marR="72743" marT="0" marB="0" anchor="ctr"/>
-                    </a:tc>
-                    <a:extLst>
-                      <a:ext uri="{0D108BD9-81ED-4DB2-BD59-A6C34878D82A}">
-                        <a16:rowId xmlns:a16="http://schemas.microsoft.com/office/drawing/2014/main" val="2928514819"/>
-                      </a:ext>
-                    </a:extLst>
-                  </a:tr>
-                  <a:tr h="276075">
-                    <a:tc>
-                      <a:txBody>
-                        <a:bodyPr/>
-                        <a:lstStyle/>
-                        <a:p>
-                          <a:pPr algn="ctr">
-                            <a:lnSpc>
-                              <a:spcPct val="106000"/>
-                            </a:lnSpc>
-                            <a:spcAft>
-                              <a:spcPts val="0"/>
-                            </a:spcAft>
-                          </a:pPr>
-                          <a:r>
-                            <a:rPr lang="ru-RU" sz="1400">
-                              <a:effectLst/>
-                            </a:rPr>
-                            <a:t>Эксперт 4</a:t>
-                          </a:r>
-                          <a:endParaRPr lang="ru-RU" sz="1100">
-                            <a:effectLst/>
-                            <a:latin typeface="Calibri" panose="020F0502020204030204" pitchFamily="34" charset="0"/>
-                            <a:ea typeface="Calibri" panose="020F0502020204030204" pitchFamily="34" charset="0"/>
-                            <a:cs typeface="Times New Roman" panose="02020603050405020304" pitchFamily="18" charset="0"/>
-                          </a:endParaRPr>
-                        </a:p>
-                      </a:txBody>
-                      <a:tcPr marL="72743" marR="72743" marT="0" marB="0" anchor="ctr"/>
-                    </a:tc>
-                    <a:tc>
-                      <a:txBody>
-                        <a:bodyPr/>
-                        <a:lstStyle/>
-                        <a:p>
-                          <a:pPr algn="ctr">
-                            <a:lnSpc>
-                              <a:spcPct val="106000"/>
-                            </a:lnSpc>
-                            <a:spcAft>
-                              <a:spcPts val="0"/>
-                            </a:spcAft>
-                          </a:pPr>
-                          <a:r>
-                            <a:rPr lang="ru-RU" sz="1200">
-                              <a:effectLst/>
-                            </a:rPr>
-                            <a:t>5</a:t>
-                          </a:r>
-                          <a:endParaRPr lang="ru-RU" sz="1100">
-                            <a:effectLst/>
-                            <a:latin typeface="Calibri" panose="020F0502020204030204" pitchFamily="34" charset="0"/>
-                            <a:ea typeface="Calibri" panose="020F0502020204030204" pitchFamily="34" charset="0"/>
-                            <a:cs typeface="Times New Roman" panose="02020603050405020304" pitchFamily="18" charset="0"/>
-                          </a:endParaRPr>
-                        </a:p>
-                      </a:txBody>
-                      <a:tcPr marL="72743" marR="72743" marT="0" marB="0" anchor="ctr"/>
-                    </a:tc>
-                    <a:tc>
-                      <a:txBody>
-                        <a:bodyPr/>
-                        <a:lstStyle/>
-                        <a:p>
-                          <a:pPr algn="ctr">
-                            <a:lnSpc>
-                              <a:spcPct val="106000"/>
-                            </a:lnSpc>
-                            <a:spcAft>
-                              <a:spcPts val="0"/>
-                            </a:spcAft>
-                          </a:pPr>
-                          <a:r>
-                            <a:rPr lang="ru-RU" sz="1200">
-                              <a:effectLst/>
-                            </a:rPr>
-                            <a:t>4</a:t>
-                          </a:r>
-                          <a:endParaRPr lang="ru-RU" sz="1100">
-                            <a:effectLst/>
-                            <a:latin typeface="Calibri" panose="020F0502020204030204" pitchFamily="34" charset="0"/>
-                            <a:ea typeface="Calibri" panose="020F0502020204030204" pitchFamily="34" charset="0"/>
-                            <a:cs typeface="Times New Roman" panose="02020603050405020304" pitchFamily="18" charset="0"/>
-                          </a:endParaRPr>
-                        </a:p>
-                      </a:txBody>
-                      <a:tcPr marL="72743" marR="72743" marT="0" marB="0" anchor="ctr"/>
-                    </a:tc>
-                    <a:tc>
-                      <a:txBody>
-                        <a:bodyPr/>
-                        <a:lstStyle/>
-                        <a:p>
-                          <a:pPr algn="ctr">
-                            <a:lnSpc>
-                              <a:spcPct val="106000"/>
-                            </a:lnSpc>
-                            <a:spcAft>
-                              <a:spcPts val="0"/>
-                            </a:spcAft>
-                          </a:pPr>
-                          <a:r>
-                            <a:rPr lang="ru-RU" sz="1200">
-                              <a:effectLst/>
-                            </a:rPr>
-                            <a:t>5</a:t>
-                          </a:r>
-                          <a:endParaRPr lang="ru-RU" sz="1100">
-                            <a:effectLst/>
-                            <a:latin typeface="Calibri" panose="020F0502020204030204" pitchFamily="34" charset="0"/>
-                            <a:ea typeface="Calibri" panose="020F0502020204030204" pitchFamily="34" charset="0"/>
-                            <a:cs typeface="Times New Roman" panose="02020603050405020304" pitchFamily="18" charset="0"/>
-                          </a:endParaRPr>
-                        </a:p>
-                      </a:txBody>
-                      <a:tcPr marL="72743" marR="72743" marT="0" marB="0" anchor="ctr"/>
-                    </a:tc>
-                    <a:extLst>
-                      <a:ext uri="{0D108BD9-81ED-4DB2-BD59-A6C34878D82A}">
-                        <a16:rowId xmlns:a16="http://schemas.microsoft.com/office/drawing/2014/main" val="1216530820"/>
-                      </a:ext>
-                    </a:extLst>
-                  </a:tr>
-                  <a:tr h="348386">
-                    <a:tc>
-                      <a:txBody>
-                        <a:bodyPr/>
-                        <a:lstStyle/>
-                        <a:p>
-                          <a:pPr algn="ctr">
-                            <a:lnSpc>
-                              <a:spcPct val="106000"/>
-                            </a:lnSpc>
-                            <a:spcAft>
-                              <a:spcPts val="0"/>
-                            </a:spcAft>
-                          </a:pPr>
-                          <a:r>
-                            <a:rPr lang="ru-RU" sz="1400">
-                              <a:effectLst/>
-                            </a:rPr>
-                            <a:t>Эксперт 5</a:t>
-                          </a:r>
-                          <a:endParaRPr lang="ru-RU" sz="1100">
-                            <a:effectLst/>
-                            <a:latin typeface="Calibri" panose="020F0502020204030204" pitchFamily="34" charset="0"/>
-                            <a:ea typeface="Calibri" panose="020F0502020204030204" pitchFamily="34" charset="0"/>
-                            <a:cs typeface="Times New Roman" panose="02020603050405020304" pitchFamily="18" charset="0"/>
-                          </a:endParaRPr>
-                        </a:p>
-                      </a:txBody>
-                      <a:tcPr marL="72743" marR="72743" marT="0" marB="0" anchor="ctr"/>
-                    </a:tc>
-                    <a:tc>
-                      <a:txBody>
-                        <a:bodyPr/>
-                        <a:lstStyle/>
-                        <a:p>
-                          <a:pPr algn="ctr">
-                            <a:lnSpc>
-                              <a:spcPct val="106000"/>
-                            </a:lnSpc>
-                            <a:spcAft>
-                              <a:spcPts val="0"/>
-                            </a:spcAft>
-                          </a:pPr>
-                          <a:r>
-                            <a:rPr lang="ru-RU" sz="1200">
-                              <a:effectLst/>
-                            </a:rPr>
-                            <a:t>4</a:t>
-                          </a:r>
-                          <a:endParaRPr lang="ru-RU" sz="1100">
-                            <a:effectLst/>
-                            <a:latin typeface="Calibri" panose="020F0502020204030204" pitchFamily="34" charset="0"/>
-                            <a:ea typeface="Calibri" panose="020F0502020204030204" pitchFamily="34" charset="0"/>
-                            <a:cs typeface="Times New Roman" panose="02020603050405020304" pitchFamily="18" charset="0"/>
-                          </a:endParaRPr>
-                        </a:p>
-                      </a:txBody>
-                      <a:tcPr marL="72743" marR="72743" marT="0" marB="0" anchor="ctr"/>
-                    </a:tc>
-                    <a:tc>
-                      <a:txBody>
-                        <a:bodyPr/>
-                        <a:lstStyle/>
-                        <a:p>
-                          <a:pPr algn="ctr">
-                            <a:lnSpc>
-                              <a:spcPct val="106000"/>
-                            </a:lnSpc>
-                            <a:spcAft>
-                              <a:spcPts val="0"/>
-                            </a:spcAft>
-                          </a:pPr>
-                          <a:r>
-                            <a:rPr lang="ru-RU" sz="1200">
-                              <a:effectLst/>
-                            </a:rPr>
-                            <a:t>4</a:t>
-                          </a:r>
-                          <a:endParaRPr lang="ru-RU" sz="1100">
-                            <a:effectLst/>
-                            <a:latin typeface="Calibri" panose="020F0502020204030204" pitchFamily="34" charset="0"/>
-                            <a:ea typeface="Calibri" panose="020F0502020204030204" pitchFamily="34" charset="0"/>
-                            <a:cs typeface="Times New Roman" panose="02020603050405020304" pitchFamily="18" charset="0"/>
-                          </a:endParaRPr>
-                        </a:p>
-                      </a:txBody>
-                      <a:tcPr marL="72743" marR="72743" marT="0" marB="0" anchor="ctr"/>
-                    </a:tc>
-                    <a:tc>
-                      <a:txBody>
-                        <a:bodyPr/>
-                        <a:lstStyle/>
-                        <a:p>
-                          <a:pPr algn="ctr">
-                            <a:lnSpc>
-                              <a:spcPct val="106000"/>
-                            </a:lnSpc>
-                            <a:spcAft>
-                              <a:spcPts val="0"/>
-                            </a:spcAft>
-                          </a:pPr>
-                          <a:r>
-                            <a:rPr lang="ru-RU" sz="1200">
-                              <a:effectLst/>
-                            </a:rPr>
-                            <a:t>5</a:t>
-                          </a:r>
-                          <a:endParaRPr lang="ru-RU" sz="1100">
-                            <a:effectLst/>
-                            <a:latin typeface="Calibri" panose="020F0502020204030204" pitchFamily="34" charset="0"/>
-                            <a:ea typeface="Calibri" panose="020F0502020204030204" pitchFamily="34" charset="0"/>
-                            <a:cs typeface="Times New Roman" panose="02020603050405020304" pitchFamily="18" charset="0"/>
-                          </a:endParaRPr>
-                        </a:p>
-                      </a:txBody>
-                      <a:tcPr marL="72743" marR="72743" marT="0" marB="0" anchor="ctr"/>
-                    </a:tc>
-                    <a:extLst>
-                      <a:ext uri="{0D108BD9-81ED-4DB2-BD59-A6C34878D82A}">
-                        <a16:rowId xmlns:a16="http://schemas.microsoft.com/office/drawing/2014/main" val="2868299042"/>
-                      </a:ext>
-                    </a:extLst>
-                  </a:tr>
-                  <a:tr h="276075">
-                    <a:tc>
-                      <a:txBody>
-                        <a:bodyPr/>
-                        <a:lstStyle/>
-                        <a:p>
-                          <a:pPr algn="ctr">
-                            <a:lnSpc>
-                              <a:spcPct val="106000"/>
-                            </a:lnSpc>
-                            <a:spcAft>
-                              <a:spcPts val="0"/>
-                            </a:spcAft>
-                          </a:pPr>
-                          <a:r>
-                            <a:rPr lang="ru-RU" sz="1400">
-                              <a:effectLst/>
-                            </a:rPr>
-                            <a:t>Ср. оценка</a:t>
-                          </a:r>
-                          <a:endParaRPr lang="ru-RU" sz="1100">
-                            <a:effectLst/>
-                            <a:latin typeface="Calibri" panose="020F0502020204030204" pitchFamily="34" charset="0"/>
-                            <a:ea typeface="Calibri" panose="020F0502020204030204" pitchFamily="34" charset="0"/>
-                            <a:cs typeface="Times New Roman" panose="02020603050405020304" pitchFamily="18" charset="0"/>
-                          </a:endParaRPr>
-                        </a:p>
-                      </a:txBody>
-                      <a:tcPr marL="72743" marR="72743" marT="0" marB="0" anchor="ctr"/>
-                    </a:tc>
-                    <a:tc>
-                      <a:txBody>
-                        <a:bodyPr/>
-                        <a:lstStyle/>
-                        <a:p>
-                          <a:pPr algn="ctr">
-                            <a:lnSpc>
-                              <a:spcPct val="106000"/>
-                            </a:lnSpc>
-                            <a:spcAft>
-                              <a:spcPts val="0"/>
-                            </a:spcAft>
-                          </a:pPr>
-                          <a:r>
-                            <a:rPr lang="ru-RU" sz="1200" dirty="0">
-                              <a:effectLst/>
-                            </a:rPr>
-                            <a:t>4</a:t>
-                          </a:r>
-                          <a:r>
-                            <a:rPr lang="en-US" sz="1200" dirty="0">
-                              <a:effectLst/>
-                            </a:rPr>
-                            <a:t>,8</a:t>
-                          </a:r>
-                          <a:endParaRPr lang="ru-RU" sz="1100" dirty="0">
-                            <a:effectLst/>
-                            <a:latin typeface="Calibri" panose="020F0502020204030204" pitchFamily="34" charset="0"/>
-                            <a:ea typeface="Calibri" panose="020F0502020204030204" pitchFamily="34" charset="0"/>
-                            <a:cs typeface="Times New Roman" panose="02020603050405020304" pitchFamily="18" charset="0"/>
-                          </a:endParaRPr>
-                        </a:p>
-                      </a:txBody>
-                      <a:tcPr marL="72743" marR="72743" marT="0" marB="0" anchor="ctr"/>
-                    </a:tc>
-                    <a:tc>
-                      <a:txBody>
-                        <a:bodyPr/>
-                        <a:lstStyle/>
-                        <a:p>
-                          <a:pPr algn="ctr">
-                            <a:lnSpc>
-                              <a:spcPct val="106000"/>
-                            </a:lnSpc>
-                            <a:spcAft>
-                              <a:spcPts val="0"/>
-                            </a:spcAft>
-                          </a:pPr>
-                          <a:r>
-                            <a:rPr lang="en-US" sz="1200" dirty="0">
-                              <a:effectLst/>
-                            </a:rPr>
-                            <a:t>4,6</a:t>
-                          </a:r>
-                          <a:endParaRPr lang="ru-RU" sz="1100" dirty="0">
-                            <a:effectLst/>
-                            <a:latin typeface="Calibri" panose="020F0502020204030204" pitchFamily="34" charset="0"/>
-                            <a:ea typeface="Calibri" panose="020F0502020204030204" pitchFamily="34" charset="0"/>
-                            <a:cs typeface="Times New Roman" panose="02020603050405020304" pitchFamily="18" charset="0"/>
-                          </a:endParaRPr>
-                        </a:p>
-                      </a:txBody>
-                      <a:tcPr marL="72743" marR="72743" marT="0" marB="0" anchor="ctr"/>
-                    </a:tc>
-                    <a:tc>
-                      <a:txBody>
-                        <a:bodyPr/>
-                        <a:lstStyle/>
-                        <a:p>
-                          <a:pPr algn="ctr">
-                            <a:lnSpc>
-                              <a:spcPct val="106000"/>
-                            </a:lnSpc>
-                            <a:spcAft>
-                              <a:spcPts val="0"/>
-                            </a:spcAft>
-                          </a:pPr>
-                          <a:r>
-                            <a:rPr lang="en-US" sz="1200" dirty="0" smtClean="0">
-                              <a:effectLst/>
-                            </a:rPr>
-                            <a:t>4,6</a:t>
-                          </a:r>
-                          <a:endParaRPr lang="ru-RU" sz="1200" dirty="0" smtClean="0">
-                            <a:effectLst/>
-                          </a:endParaRPr>
-                        </a:p>
-                      </a:txBody>
-                      <a:tcPr marL="72743" marR="72743" marT="0" marB="0" anchor="ctr"/>
-                    </a:tc>
-                    <a:extLst>
-                      <a:ext uri="{0D108BD9-81ED-4DB2-BD59-A6C34878D82A}">
-                        <a16:rowId xmlns:a16="http://schemas.microsoft.com/office/drawing/2014/main" val="1628162115"/>
-                      </a:ext>
-                    </a:extLst>
-                  </a:tr>
-                  <a:tr h="325396">
-                    <a:tc>
-                      <a:txBody>
-                        <a:bodyPr/>
-                        <a:lstStyle/>
-                        <a:p>
-                          <a:pPr algn="ctr">
-                            <a:lnSpc>
-                              <a:spcPct val="106000"/>
-                            </a:lnSpc>
-                            <a:spcAft>
-                              <a:spcPts val="0"/>
-                            </a:spcAft>
-                          </a:pPr>
-                          <a14:m>
-                            <m:oMathPara xmlns:m="http://schemas.openxmlformats.org/officeDocument/2006/math">
-                              <m:oMathParaPr>
-                                <m:jc m:val="centerGroup"/>
-                              </m:oMathParaPr>
-                              <m:oMath xmlns:m="http://schemas.openxmlformats.org/officeDocument/2006/math">
-                                <m:sSub>
-                                  <m:sSubPr>
-                                    <m:ctrlPr>
-                                      <a:rPr lang="ru-RU" sz="1800" b="1" i="1" kern="1200" smtClean="0">
-                                        <a:solidFill>
-                                          <a:schemeClr val="lt1"/>
-                                        </a:solidFill>
-                                        <a:effectLst/>
-                                        <a:latin typeface="Cambria Math" panose="02040503050406030204" pitchFamily="18" charset="0"/>
-                                        <a:ea typeface="+mn-ea"/>
-                                        <a:cs typeface="+mn-cs"/>
-                                      </a:rPr>
-                                    </m:ctrlPr>
-                                  </m:sSubPr>
-                                  <m:e>
-                                    <m:r>
-                                      <a:rPr lang="ru-RU" sz="1800" b="1" i="1" kern="1200">
-                                        <a:solidFill>
-                                          <a:schemeClr val="lt1"/>
-                                        </a:solidFill>
-                                        <a:effectLst/>
-                                        <a:latin typeface="Cambria Math" panose="02040503050406030204" pitchFamily="18" charset="0"/>
-                                        <a:ea typeface="+mn-ea"/>
-                                        <a:cs typeface="+mn-cs"/>
-                                      </a:rPr>
-                                      <m:t>𝛽</m:t>
-                                    </m:r>
-                                  </m:e>
-                                  <m:sub>
-                                    <m:r>
-                                      <a:rPr lang="en-US" sz="1800" b="1" i="1" kern="1200" smtClean="0">
-                                        <a:solidFill>
-                                          <a:schemeClr val="lt1"/>
-                                        </a:solidFill>
-                                        <a:effectLst/>
-                                        <a:latin typeface="Cambria Math" panose="02040503050406030204" pitchFamily="18" charset="0"/>
-                                        <a:ea typeface="+mn-ea"/>
-                                        <a:cs typeface="+mn-cs"/>
-                                      </a:rPr>
-                                      <m:t>𝒊</m:t>
-                                    </m:r>
-                                  </m:sub>
-                                </m:sSub>
-                              </m:oMath>
-                            </m:oMathPara>
-                          </a14:m>
-                          <a:endParaRPr lang="ru-RU" sz="1100" dirty="0">
-                            <a:effectLst/>
-                            <a:latin typeface="Calibri" panose="020F0502020204030204" pitchFamily="34" charset="0"/>
-                            <a:ea typeface="Calibri" panose="020F0502020204030204" pitchFamily="34" charset="0"/>
-                            <a:cs typeface="Times New Roman" panose="02020603050405020304" pitchFamily="18" charset="0"/>
-                          </a:endParaRPr>
-                        </a:p>
-                      </a:txBody>
-                      <a:tcPr marL="72743" marR="72743" marT="0" marB="0" anchor="ctr"/>
-                    </a:tc>
-                    <a:tc>
-                      <a:txBody>
-                        <a:bodyPr/>
-                        <a:lstStyle/>
-                        <a:p>
-                          <a:pPr marL="0" marR="0" indent="0" algn="ctr" defTabSz="914400" rtl="0" eaLnBrk="1" fontAlgn="auto" latinLnBrk="0" hangingPunct="1">
-                            <a:lnSpc>
-                              <a:spcPct val="106000"/>
-                            </a:lnSpc>
-                            <a:spcBef>
-                              <a:spcPts val="0"/>
-                            </a:spcBef>
-                            <a:spcAft>
-                              <a:spcPts val="0"/>
-                            </a:spcAft>
-                            <a:buClrTx/>
-                            <a:buSzTx/>
-                            <a:buFontTx/>
-                            <a:buNone/>
-                            <a:tabLst/>
-                            <a:defRPr/>
-                          </a:pPr>
-                          <a:r>
-                            <a:rPr lang="en-US" sz="1200" dirty="0" smtClean="0">
-                              <a:effectLst/>
-                              <a:latin typeface="+mn-lt"/>
-                              <a:ea typeface="+mn-ea"/>
-                              <a:cs typeface="+mn-cs"/>
-                            </a:rPr>
-                            <a:t>0,333</a:t>
-                          </a:r>
-                          <a:endParaRPr lang="ru-RU" sz="1200" dirty="0" smtClean="0">
-                            <a:effectLst/>
-                            <a:latin typeface="Calibri" panose="020F0502020204030204" pitchFamily="34" charset="0"/>
-                            <a:ea typeface="Calibri" panose="020F0502020204030204" pitchFamily="34" charset="0"/>
-                            <a:cs typeface="Times New Roman" panose="02020603050405020304" pitchFamily="18" charset="0"/>
-                          </a:endParaRPr>
-                        </a:p>
-                      </a:txBody>
-                      <a:tcPr marL="72743" marR="72743" marT="0" marB="0" anchor="ctr"/>
-                    </a:tc>
-                    <a:tc>
-                      <a:txBody>
-                        <a:bodyPr/>
-                        <a:lstStyle/>
-                        <a:p>
-                          <a:pPr marL="0" marR="0" indent="0" algn="ctr" defTabSz="914400" rtl="0" eaLnBrk="1" fontAlgn="auto" latinLnBrk="0" hangingPunct="1">
-                            <a:lnSpc>
-                              <a:spcPct val="106000"/>
-                            </a:lnSpc>
-                            <a:spcBef>
-                              <a:spcPts val="0"/>
-                            </a:spcBef>
-                            <a:spcAft>
-                              <a:spcPts val="0"/>
-                            </a:spcAft>
-                            <a:buClrTx/>
-                            <a:buSzTx/>
-                            <a:buFontTx/>
-                            <a:buNone/>
-                            <a:tabLst/>
-                            <a:defRPr/>
-                          </a:pPr>
-                          <a:r>
-                            <a:rPr lang="en-US" sz="1200" dirty="0" smtClean="0">
-                              <a:effectLst/>
-                            </a:rPr>
-                            <a:t>0,316</a:t>
-                          </a:r>
-                          <a:endParaRPr lang="ru-RU" sz="1200" dirty="0" smtClean="0">
-                            <a:effectLst/>
-                            <a:latin typeface="Calibri" panose="020F0502020204030204" pitchFamily="34" charset="0"/>
-                            <a:ea typeface="Calibri" panose="020F0502020204030204" pitchFamily="34" charset="0"/>
-                            <a:cs typeface="Times New Roman" panose="02020603050405020304" pitchFamily="18" charset="0"/>
-                          </a:endParaRPr>
-                        </a:p>
-                      </a:txBody>
-                      <a:tcPr marL="72743" marR="72743" marT="0" marB="0" anchor="ctr"/>
-                    </a:tc>
-                    <a:tc>
-                      <a:txBody>
-                        <a:bodyPr/>
-                        <a:lstStyle/>
-                        <a:p>
-                          <a:pPr marL="0" marR="0" indent="0" algn="ctr" defTabSz="914400" rtl="0" eaLnBrk="1" fontAlgn="auto" latinLnBrk="0" hangingPunct="1">
-                            <a:lnSpc>
-                              <a:spcPct val="106000"/>
-                            </a:lnSpc>
-                            <a:spcBef>
-                              <a:spcPts val="0"/>
-                            </a:spcBef>
-                            <a:spcAft>
-                              <a:spcPts val="0"/>
-                            </a:spcAft>
-                            <a:buClrTx/>
-                            <a:buSzTx/>
-                            <a:buFontTx/>
-                            <a:buNone/>
-                            <a:tabLst/>
-                            <a:defRPr/>
-                          </a:pPr>
-                          <a:r>
-                            <a:rPr lang="en-US" sz="1200" dirty="0" smtClean="0">
-                              <a:effectLst/>
-                            </a:rPr>
-                            <a:t>0,35</a:t>
-                          </a:r>
-                          <a:endParaRPr lang="ru-RU" sz="1200" dirty="0" smtClean="0">
-                            <a:effectLst/>
-                            <a:latin typeface="Calibri" panose="020F0502020204030204" pitchFamily="34" charset="0"/>
-                            <a:ea typeface="Calibri" panose="020F0502020204030204" pitchFamily="34" charset="0"/>
-                            <a:cs typeface="Times New Roman" panose="02020603050405020304" pitchFamily="18" charset="0"/>
-                          </a:endParaRPr>
-                        </a:p>
-                      </a:txBody>
-                      <a:tcPr marL="72743" marR="72743" marT="0" marB="0" anchor="ctr"/>
-                    </a:tc>
-                    <a:extLst>
-                      <a:ext uri="{0D108BD9-81ED-4DB2-BD59-A6C34878D82A}">
-                        <a16:rowId xmlns:a16="http://schemas.microsoft.com/office/drawing/2014/main" val="3473109421"/>
-                      </a:ext>
-                    </a:extLst>
-                  </a:tr>
-                </a:tbl>
-              </a:graphicData>
-            </a:graphic>
-          </p:graphicFrame>
-        </mc:Choice>
-        <mc:Fallback xmlns="">
-          <p:graphicFrame>
-            <p:nvGraphicFramePr>
-              <p:cNvPr id="15" name="Объект 2"/>
-              <p:cNvGraphicFramePr>
-                <a:graphicFrameLocks/>
-              </p:cNvGraphicFramePr>
-              <p:nvPr>
-                <p:extLst>
-                  <p:ext uri="{D42A27DB-BD31-4B8C-83A1-F6EECF244321}">
-                    <p14:modId xmlns:p14="http://schemas.microsoft.com/office/powerpoint/2010/main" val="282529182"/>
-                  </p:ext>
-                </p:extLst>
-              </p:nvPr>
-            </p:nvGraphicFramePr>
-            <p:xfrm>
-              <a:off x="487043" y="2955293"/>
-              <a:ext cx="3831623" cy="2606307"/>
-            </p:xfrm>
-            <a:graphic>
-              <a:graphicData uri="http://schemas.openxmlformats.org/drawingml/2006/table">
-                <a:tbl>
-                  <a:tblPr firstRow="1" firstCol="1" bandRow="1">
-                    <a:tableStyleId>{21E4AEA4-8DFA-4A89-87EB-49C32662AFE0}</a:tableStyleId>
-                  </a:tblPr>
-                  <a:tblGrid>
-                    <a:gridCol w="1321058">
-                      <a:extLst>
-                        <a:ext uri="{9D8B030D-6E8A-4147-A177-3AD203B41FA5}">
-                          <a16:colId xmlns:a16="http://schemas.microsoft.com/office/drawing/2014/main" val="3937347236"/>
-                        </a:ext>
-                      </a:extLst>
-                    </a:gridCol>
-                    <a:gridCol w="822237">
-                      <a:extLst>
-                        <a:ext uri="{9D8B030D-6E8A-4147-A177-3AD203B41FA5}">
-                          <a16:colId xmlns:a16="http://schemas.microsoft.com/office/drawing/2014/main" val="215165887"/>
-                        </a:ext>
-                      </a:extLst>
-                    </a:gridCol>
-                    <a:gridCol w="745494">
-                      <a:extLst>
-                        <a:ext uri="{9D8B030D-6E8A-4147-A177-3AD203B41FA5}">
-                          <a16:colId xmlns:a16="http://schemas.microsoft.com/office/drawing/2014/main" val="1723564653"/>
-                        </a:ext>
-                      </a:extLst>
-                    </a:gridCol>
-                    <a:gridCol w="942834">
-                      <a:extLst>
-                        <a:ext uri="{9D8B030D-6E8A-4147-A177-3AD203B41FA5}">
-                          <a16:colId xmlns:a16="http://schemas.microsoft.com/office/drawing/2014/main" val="2302272877"/>
-                        </a:ext>
-                      </a:extLst>
-                    </a:gridCol>
-                  </a:tblGrid>
-                  <a:tr h="276075">
-                    <a:tc rowSpan="2">
-                      <a:txBody>
-                        <a:bodyPr/>
-                        <a:lstStyle/>
-                        <a:p>
-                          <a:pPr indent="9525" algn="ctr">
-                            <a:lnSpc>
-                              <a:spcPct val="106000"/>
-                            </a:lnSpc>
-                            <a:spcAft>
-                              <a:spcPts val="0"/>
-                            </a:spcAft>
-                          </a:pPr>
-                          <a:r>
-                            <a:rPr lang="ru-RU" sz="1400" dirty="0">
-                              <a:effectLst/>
-                            </a:rPr>
-                            <a:t>Оценки</a:t>
-                          </a:r>
-                          <a:endParaRPr lang="ru-RU" sz="1100" dirty="0">
-                            <a:effectLst/>
-                            <a:latin typeface="Calibri" panose="020F0502020204030204" pitchFamily="34" charset="0"/>
-                            <a:ea typeface="Calibri" panose="020F0502020204030204" pitchFamily="34" charset="0"/>
-                            <a:cs typeface="Times New Roman" panose="02020603050405020304" pitchFamily="18" charset="0"/>
-                          </a:endParaRPr>
-                        </a:p>
-                      </a:txBody>
-                      <a:tcPr marL="72743" marR="72743" marT="0" marB="0" anchor="ctr"/>
-                    </a:tc>
-                    <a:tc gridSpan="3">
-                      <a:txBody>
-                        <a:bodyPr/>
-                        <a:lstStyle/>
-                        <a:p>
-                          <a:pPr algn="ctr">
-                            <a:lnSpc>
-                              <a:spcPct val="106000"/>
-                            </a:lnSpc>
-                            <a:spcAft>
-                              <a:spcPts val="0"/>
-                            </a:spcAft>
-                          </a:pPr>
-                          <a:r>
-                            <a:rPr lang="ru-RU" sz="1400" dirty="0">
-                              <a:effectLst/>
-                            </a:rPr>
-                            <a:t>№ критерия</a:t>
-                          </a:r>
-                          <a:endParaRPr lang="ru-RU" sz="1100" dirty="0">
-                            <a:effectLst/>
-                            <a:latin typeface="Calibri" panose="020F0502020204030204" pitchFamily="34" charset="0"/>
-                            <a:ea typeface="Calibri" panose="020F0502020204030204" pitchFamily="34" charset="0"/>
-                            <a:cs typeface="Times New Roman" panose="02020603050405020304" pitchFamily="18" charset="0"/>
-                          </a:endParaRPr>
-                        </a:p>
-                      </a:txBody>
-                      <a:tcPr marL="72743" marR="72743" marT="0" marB="0" anchor="ctr"/>
-                    </a:tc>
-                    <a:tc hMerge="1">
-                      <a:txBody>
-                        <a:bodyPr/>
-                        <a:lstStyle/>
-                        <a:p>
-                          <a:endParaRPr lang="ru-RU"/>
-                        </a:p>
-                      </a:txBody>
-                      <a:tcPr/>
-                    </a:tc>
-                    <a:tc hMerge="1">
-                      <a:txBody>
-                        <a:bodyPr/>
-                        <a:lstStyle/>
-                        <a:p>
-                          <a:endParaRPr lang="ru-RU"/>
-                        </a:p>
-                      </a:txBody>
-                      <a:tcPr/>
-                    </a:tc>
-                    <a:extLst>
-                      <a:ext uri="{0D108BD9-81ED-4DB2-BD59-A6C34878D82A}">
-                        <a16:rowId xmlns:a16="http://schemas.microsoft.com/office/drawing/2014/main" val="1012919914"/>
-                      </a:ext>
-                    </a:extLst>
-                  </a:tr>
-                  <a:tr h="276075">
-                    <a:tc vMerge="1">
-                      <a:txBody>
-                        <a:bodyPr/>
-                        <a:lstStyle/>
-                        <a:p>
-                          <a:endParaRPr lang="ru-RU"/>
-                        </a:p>
-                      </a:txBody>
-                      <a:tcPr/>
-                    </a:tc>
-                    <a:tc>
-                      <a:txBody>
-                        <a:bodyPr/>
-                        <a:lstStyle/>
-                        <a:p>
-                          <a:pPr algn="ctr">
-                            <a:lnSpc>
-                              <a:spcPct val="106000"/>
-                            </a:lnSpc>
-                            <a:spcAft>
-                              <a:spcPts val="0"/>
-                            </a:spcAft>
-                          </a:pPr>
-                          <a:r>
-                            <a:rPr lang="ru-RU" sz="1400" dirty="0">
-                              <a:effectLst/>
-                            </a:rPr>
-                            <a:t>1</a:t>
-                          </a:r>
-                          <a:endParaRPr lang="ru-RU" sz="1100" dirty="0">
-                            <a:effectLst/>
-                            <a:latin typeface="Calibri" panose="020F0502020204030204" pitchFamily="34" charset="0"/>
-                            <a:ea typeface="Calibri" panose="020F0502020204030204" pitchFamily="34" charset="0"/>
-                            <a:cs typeface="Times New Roman" panose="02020603050405020304" pitchFamily="18" charset="0"/>
-                          </a:endParaRPr>
-                        </a:p>
-                      </a:txBody>
-                      <a:tcPr marL="72743" marR="72743" marT="0" marB="0" anchor="ctr"/>
-                    </a:tc>
-                    <a:tc>
-                      <a:txBody>
-                        <a:bodyPr/>
-                        <a:lstStyle/>
-                        <a:p>
-                          <a:pPr algn="ctr">
-                            <a:lnSpc>
-                              <a:spcPct val="106000"/>
-                            </a:lnSpc>
-                            <a:spcAft>
-                              <a:spcPts val="0"/>
-                            </a:spcAft>
-                          </a:pPr>
-                          <a:r>
-                            <a:rPr lang="ru-RU" sz="1400">
-                              <a:effectLst/>
-                            </a:rPr>
-                            <a:t>2</a:t>
-                          </a:r>
-                          <a:endParaRPr lang="ru-RU" sz="1100">
-                            <a:effectLst/>
-                            <a:latin typeface="Calibri" panose="020F0502020204030204" pitchFamily="34" charset="0"/>
-                            <a:ea typeface="Calibri" panose="020F0502020204030204" pitchFamily="34" charset="0"/>
-                            <a:cs typeface="Times New Roman" panose="02020603050405020304" pitchFamily="18" charset="0"/>
-                          </a:endParaRPr>
-                        </a:p>
-                      </a:txBody>
-                      <a:tcPr marL="72743" marR="72743" marT="0" marB="0" anchor="ctr"/>
-                    </a:tc>
-                    <a:tc>
-                      <a:txBody>
-                        <a:bodyPr/>
-                        <a:lstStyle/>
-                        <a:p>
-                          <a:pPr algn="ctr">
-                            <a:lnSpc>
-                              <a:spcPct val="106000"/>
-                            </a:lnSpc>
-                            <a:spcAft>
-                              <a:spcPts val="0"/>
-                            </a:spcAft>
-                          </a:pPr>
-                          <a:r>
-                            <a:rPr lang="ru-RU" sz="1400" dirty="0">
-                              <a:effectLst/>
-                            </a:rPr>
-                            <a:t>3</a:t>
-                          </a:r>
-                          <a:endParaRPr lang="ru-RU" sz="1100" dirty="0">
-                            <a:effectLst/>
-                            <a:latin typeface="Calibri" panose="020F0502020204030204" pitchFamily="34" charset="0"/>
-                            <a:ea typeface="Calibri" panose="020F0502020204030204" pitchFamily="34" charset="0"/>
-                            <a:cs typeface="Times New Roman" panose="02020603050405020304" pitchFamily="18" charset="0"/>
-                          </a:endParaRPr>
-                        </a:p>
-                      </a:txBody>
-                      <a:tcPr marL="72743" marR="72743" marT="0" marB="0" anchor="ctr"/>
-                    </a:tc>
-                    <a:extLst>
-                      <a:ext uri="{0D108BD9-81ED-4DB2-BD59-A6C34878D82A}">
-                        <a16:rowId xmlns:a16="http://schemas.microsoft.com/office/drawing/2014/main" val="2944430712"/>
-                      </a:ext>
-                    </a:extLst>
-                  </a:tr>
-                  <a:tr h="276075">
-                    <a:tc>
-                      <a:txBody>
-                        <a:bodyPr/>
-                        <a:lstStyle/>
-                        <a:p>
-                          <a:pPr algn="ctr">
-                            <a:lnSpc>
-                              <a:spcPct val="106000"/>
-                            </a:lnSpc>
-                            <a:spcAft>
-                              <a:spcPts val="0"/>
-                            </a:spcAft>
-                          </a:pPr>
-                          <a:r>
-                            <a:rPr lang="ru-RU" sz="1400">
-                              <a:effectLst/>
-                            </a:rPr>
-                            <a:t>Эксперт 1</a:t>
-                          </a:r>
-                          <a:endParaRPr lang="ru-RU" sz="1100">
-                            <a:effectLst/>
-                            <a:latin typeface="Calibri" panose="020F0502020204030204" pitchFamily="34" charset="0"/>
-                            <a:ea typeface="Calibri" panose="020F0502020204030204" pitchFamily="34" charset="0"/>
-                            <a:cs typeface="Times New Roman" panose="02020603050405020304" pitchFamily="18" charset="0"/>
-                          </a:endParaRPr>
-                        </a:p>
-                      </a:txBody>
-                      <a:tcPr marL="72743" marR="72743" marT="0" marB="0" anchor="ctr"/>
-                    </a:tc>
-                    <a:tc>
-                      <a:txBody>
-                        <a:bodyPr/>
-                        <a:lstStyle/>
-                        <a:p>
-                          <a:pPr algn="ctr">
-                            <a:lnSpc>
-                              <a:spcPct val="106000"/>
-                            </a:lnSpc>
-                            <a:spcAft>
-                              <a:spcPts val="0"/>
-                            </a:spcAft>
-                          </a:pPr>
-                          <a:r>
-                            <a:rPr lang="ru-RU" sz="1200">
-                              <a:effectLst/>
-                            </a:rPr>
-                            <a:t>5</a:t>
-                          </a:r>
-                          <a:endParaRPr lang="ru-RU" sz="1100">
-                            <a:effectLst/>
-                            <a:latin typeface="Calibri" panose="020F0502020204030204" pitchFamily="34" charset="0"/>
-                            <a:ea typeface="Calibri" panose="020F0502020204030204" pitchFamily="34" charset="0"/>
-                            <a:cs typeface="Times New Roman" panose="02020603050405020304" pitchFamily="18" charset="0"/>
-                          </a:endParaRPr>
-                        </a:p>
-                      </a:txBody>
-                      <a:tcPr marL="72743" marR="72743" marT="0" marB="0" anchor="ctr"/>
-                    </a:tc>
-                    <a:tc>
-                      <a:txBody>
-                        <a:bodyPr/>
-                        <a:lstStyle/>
-                        <a:p>
-                          <a:pPr algn="ctr">
-                            <a:lnSpc>
-                              <a:spcPct val="106000"/>
-                            </a:lnSpc>
-                            <a:spcAft>
-                              <a:spcPts val="0"/>
-                            </a:spcAft>
-                          </a:pPr>
-                          <a:r>
-                            <a:rPr lang="ru-RU" sz="1200">
-                              <a:effectLst/>
-                            </a:rPr>
-                            <a:t>5</a:t>
-                          </a:r>
-                          <a:endParaRPr lang="ru-RU" sz="1100">
-                            <a:effectLst/>
-                            <a:latin typeface="Calibri" panose="020F0502020204030204" pitchFamily="34" charset="0"/>
-                            <a:ea typeface="Calibri" panose="020F0502020204030204" pitchFamily="34" charset="0"/>
-                            <a:cs typeface="Times New Roman" panose="02020603050405020304" pitchFamily="18" charset="0"/>
-                          </a:endParaRPr>
-                        </a:p>
-                      </a:txBody>
-                      <a:tcPr marL="72743" marR="72743" marT="0" marB="0" anchor="ctr"/>
-                    </a:tc>
-                    <a:tc>
-                      <a:txBody>
-                        <a:bodyPr/>
-                        <a:lstStyle/>
-                        <a:p>
-                          <a:pPr algn="ctr">
-                            <a:lnSpc>
-                              <a:spcPct val="106000"/>
-                            </a:lnSpc>
-                            <a:spcAft>
-                              <a:spcPts val="0"/>
-                            </a:spcAft>
-                          </a:pPr>
-                          <a:r>
-                            <a:rPr lang="ru-RU" sz="1200">
-                              <a:effectLst/>
-                            </a:rPr>
-                            <a:t>5</a:t>
-                          </a:r>
-                          <a:endParaRPr lang="ru-RU" sz="1100">
-                            <a:effectLst/>
-                            <a:latin typeface="Calibri" panose="020F0502020204030204" pitchFamily="34" charset="0"/>
-                            <a:ea typeface="Calibri" panose="020F0502020204030204" pitchFamily="34" charset="0"/>
-                            <a:cs typeface="Times New Roman" panose="02020603050405020304" pitchFamily="18" charset="0"/>
-                          </a:endParaRPr>
-                        </a:p>
-                      </a:txBody>
-                      <a:tcPr marL="72743" marR="72743" marT="0" marB="0" anchor="ctr"/>
-                    </a:tc>
-                    <a:extLst>
-                      <a:ext uri="{0D108BD9-81ED-4DB2-BD59-A6C34878D82A}">
-                        <a16:rowId xmlns:a16="http://schemas.microsoft.com/office/drawing/2014/main" val="1867091642"/>
-                      </a:ext>
-                    </a:extLst>
-                  </a:tr>
-                  <a:tr h="276075">
-                    <a:tc>
-                      <a:txBody>
-                        <a:bodyPr/>
-                        <a:lstStyle/>
-                        <a:p>
-                          <a:pPr algn="ctr">
-                            <a:lnSpc>
-                              <a:spcPct val="106000"/>
-                            </a:lnSpc>
-                            <a:spcAft>
-                              <a:spcPts val="0"/>
-                            </a:spcAft>
-                          </a:pPr>
-                          <a:r>
-                            <a:rPr lang="ru-RU" sz="1400">
-                              <a:effectLst/>
-                            </a:rPr>
-                            <a:t>Эксперт 2</a:t>
-                          </a:r>
-                          <a:endParaRPr lang="ru-RU" sz="1100">
-                            <a:effectLst/>
-                            <a:latin typeface="Calibri" panose="020F0502020204030204" pitchFamily="34" charset="0"/>
-                            <a:ea typeface="Calibri" panose="020F0502020204030204" pitchFamily="34" charset="0"/>
-                            <a:cs typeface="Times New Roman" panose="02020603050405020304" pitchFamily="18" charset="0"/>
-                          </a:endParaRPr>
-                        </a:p>
-                      </a:txBody>
-                      <a:tcPr marL="72743" marR="72743" marT="0" marB="0" anchor="ctr"/>
-                    </a:tc>
-                    <a:tc>
-                      <a:txBody>
-                        <a:bodyPr/>
-                        <a:lstStyle/>
-                        <a:p>
-                          <a:pPr algn="ctr">
-                            <a:lnSpc>
-                              <a:spcPct val="106000"/>
-                            </a:lnSpc>
-                            <a:spcAft>
-                              <a:spcPts val="0"/>
-                            </a:spcAft>
-                          </a:pPr>
-                          <a:r>
-                            <a:rPr lang="ru-RU" sz="1200">
-                              <a:effectLst/>
-                            </a:rPr>
-                            <a:t>5</a:t>
-                          </a:r>
-                          <a:endParaRPr lang="ru-RU" sz="1100">
-                            <a:effectLst/>
-                            <a:latin typeface="Calibri" panose="020F0502020204030204" pitchFamily="34" charset="0"/>
-                            <a:ea typeface="Calibri" panose="020F0502020204030204" pitchFamily="34" charset="0"/>
-                            <a:cs typeface="Times New Roman" panose="02020603050405020304" pitchFamily="18" charset="0"/>
-                          </a:endParaRPr>
-                        </a:p>
-                      </a:txBody>
-                      <a:tcPr marL="72743" marR="72743" marT="0" marB="0" anchor="ctr"/>
-                    </a:tc>
-                    <a:tc>
-                      <a:txBody>
-                        <a:bodyPr/>
-                        <a:lstStyle/>
-                        <a:p>
-                          <a:pPr algn="ctr">
-                            <a:lnSpc>
-                              <a:spcPct val="106000"/>
-                            </a:lnSpc>
-                            <a:spcAft>
-                              <a:spcPts val="0"/>
-                            </a:spcAft>
-                          </a:pPr>
-                          <a:r>
-                            <a:rPr lang="ru-RU" sz="1200">
-                              <a:effectLst/>
-                            </a:rPr>
-                            <a:t>5</a:t>
-                          </a:r>
-                          <a:endParaRPr lang="ru-RU" sz="1100">
-                            <a:effectLst/>
-                            <a:latin typeface="Calibri" panose="020F0502020204030204" pitchFamily="34" charset="0"/>
-                            <a:ea typeface="Calibri" panose="020F0502020204030204" pitchFamily="34" charset="0"/>
-                            <a:cs typeface="Times New Roman" panose="02020603050405020304" pitchFamily="18" charset="0"/>
-                          </a:endParaRPr>
-                        </a:p>
-                      </a:txBody>
-                      <a:tcPr marL="72743" marR="72743" marT="0" marB="0" anchor="ctr"/>
-                    </a:tc>
-                    <a:tc>
-                      <a:txBody>
-                        <a:bodyPr/>
-                        <a:lstStyle/>
-                        <a:p>
-                          <a:pPr algn="ctr">
-                            <a:lnSpc>
-                              <a:spcPct val="106000"/>
-                            </a:lnSpc>
-                            <a:spcAft>
-                              <a:spcPts val="0"/>
-                            </a:spcAft>
-                          </a:pPr>
-                          <a:r>
-                            <a:rPr lang="ru-RU" sz="1200" dirty="0">
-                              <a:effectLst/>
-                            </a:rPr>
-                            <a:t>4</a:t>
-                          </a:r>
-                          <a:endParaRPr lang="ru-RU" sz="1100" dirty="0">
-                            <a:effectLst/>
-                            <a:latin typeface="Calibri" panose="020F0502020204030204" pitchFamily="34" charset="0"/>
-                            <a:ea typeface="Calibri" panose="020F0502020204030204" pitchFamily="34" charset="0"/>
-                            <a:cs typeface="Times New Roman" panose="02020603050405020304" pitchFamily="18" charset="0"/>
-                          </a:endParaRPr>
-                        </a:p>
-                      </a:txBody>
-                      <a:tcPr marL="72743" marR="72743" marT="0" marB="0" anchor="ctr"/>
-                    </a:tc>
-                    <a:extLst>
-                      <a:ext uri="{0D108BD9-81ED-4DB2-BD59-A6C34878D82A}">
-                        <a16:rowId xmlns:a16="http://schemas.microsoft.com/office/drawing/2014/main" val="3307369629"/>
-                      </a:ext>
-                    </a:extLst>
-                  </a:tr>
-                  <a:tr h="276075">
-                    <a:tc>
-                      <a:txBody>
-                        <a:bodyPr/>
-                        <a:lstStyle/>
-                        <a:p>
-                          <a:pPr algn="ctr">
-                            <a:lnSpc>
-                              <a:spcPct val="106000"/>
-                            </a:lnSpc>
-                            <a:spcAft>
-                              <a:spcPts val="0"/>
-                            </a:spcAft>
-                          </a:pPr>
-                          <a:r>
-                            <a:rPr lang="ru-RU" sz="1400">
-                              <a:effectLst/>
-                            </a:rPr>
-                            <a:t>Эксперт 3</a:t>
-                          </a:r>
-                          <a:endParaRPr lang="ru-RU" sz="1100">
-                            <a:effectLst/>
-                            <a:latin typeface="Calibri" panose="020F0502020204030204" pitchFamily="34" charset="0"/>
-                            <a:ea typeface="Calibri" panose="020F0502020204030204" pitchFamily="34" charset="0"/>
-                            <a:cs typeface="Times New Roman" panose="02020603050405020304" pitchFamily="18" charset="0"/>
-                          </a:endParaRPr>
-                        </a:p>
-                      </a:txBody>
-                      <a:tcPr marL="72743" marR="72743" marT="0" marB="0" anchor="ctr"/>
-                    </a:tc>
-                    <a:tc>
-                      <a:txBody>
-                        <a:bodyPr/>
-                        <a:lstStyle/>
-                        <a:p>
-                          <a:pPr algn="ctr">
-                            <a:lnSpc>
-                              <a:spcPct val="106000"/>
-                            </a:lnSpc>
-                            <a:spcAft>
-                              <a:spcPts val="0"/>
-                            </a:spcAft>
-                          </a:pPr>
-                          <a:r>
-                            <a:rPr lang="ru-RU" sz="1200">
-                              <a:effectLst/>
-                            </a:rPr>
-                            <a:t>5</a:t>
-                          </a:r>
-                          <a:endParaRPr lang="ru-RU" sz="1100">
-                            <a:effectLst/>
-                            <a:latin typeface="Calibri" panose="020F0502020204030204" pitchFamily="34" charset="0"/>
-                            <a:ea typeface="Calibri" panose="020F0502020204030204" pitchFamily="34" charset="0"/>
-                            <a:cs typeface="Times New Roman" panose="02020603050405020304" pitchFamily="18" charset="0"/>
-                          </a:endParaRPr>
-                        </a:p>
-                      </a:txBody>
-                      <a:tcPr marL="72743" marR="72743" marT="0" marB="0" anchor="ctr"/>
-                    </a:tc>
-                    <a:tc>
-                      <a:txBody>
-                        <a:bodyPr/>
-                        <a:lstStyle/>
-                        <a:p>
-                          <a:pPr algn="ctr">
-                            <a:lnSpc>
-                              <a:spcPct val="106000"/>
-                            </a:lnSpc>
-                            <a:spcAft>
-                              <a:spcPts val="0"/>
-                            </a:spcAft>
-                          </a:pPr>
-                          <a:r>
-                            <a:rPr lang="ru-RU" sz="1200">
-                              <a:effectLst/>
-                            </a:rPr>
-                            <a:t>5</a:t>
-                          </a:r>
-                          <a:endParaRPr lang="ru-RU" sz="1100">
-                            <a:effectLst/>
-                            <a:latin typeface="Calibri" panose="020F0502020204030204" pitchFamily="34" charset="0"/>
-                            <a:ea typeface="Calibri" panose="020F0502020204030204" pitchFamily="34" charset="0"/>
-                            <a:cs typeface="Times New Roman" panose="02020603050405020304" pitchFamily="18" charset="0"/>
-                          </a:endParaRPr>
-                        </a:p>
-                      </a:txBody>
-                      <a:tcPr marL="72743" marR="72743" marT="0" marB="0" anchor="ctr"/>
-                    </a:tc>
-                    <a:tc>
-                      <a:txBody>
-                        <a:bodyPr/>
-                        <a:lstStyle/>
-                        <a:p>
-                          <a:pPr algn="ctr">
-                            <a:lnSpc>
-                              <a:spcPct val="106000"/>
-                            </a:lnSpc>
-                            <a:spcAft>
-                              <a:spcPts val="0"/>
-                            </a:spcAft>
-                          </a:pPr>
-                          <a:r>
-                            <a:rPr lang="ru-RU" sz="1200" dirty="0">
-                              <a:effectLst/>
-                            </a:rPr>
-                            <a:t>4</a:t>
-                          </a:r>
-                          <a:endParaRPr lang="ru-RU" sz="1100" dirty="0">
-                            <a:effectLst/>
-                            <a:latin typeface="Calibri" panose="020F0502020204030204" pitchFamily="34" charset="0"/>
-                            <a:ea typeface="Calibri" panose="020F0502020204030204" pitchFamily="34" charset="0"/>
-                            <a:cs typeface="Times New Roman" panose="02020603050405020304" pitchFamily="18" charset="0"/>
-                          </a:endParaRPr>
-                        </a:p>
-                      </a:txBody>
-                      <a:tcPr marL="72743" marR="72743" marT="0" marB="0" anchor="ctr"/>
-                    </a:tc>
-                    <a:extLst>
-                      <a:ext uri="{0D108BD9-81ED-4DB2-BD59-A6C34878D82A}">
-                        <a16:rowId xmlns:a16="http://schemas.microsoft.com/office/drawing/2014/main" val="2928514819"/>
-                      </a:ext>
-                    </a:extLst>
-                  </a:tr>
-                  <a:tr h="276075">
-                    <a:tc>
-                      <a:txBody>
-                        <a:bodyPr/>
-                        <a:lstStyle/>
-                        <a:p>
-                          <a:pPr algn="ctr">
-                            <a:lnSpc>
-                              <a:spcPct val="106000"/>
-                            </a:lnSpc>
-                            <a:spcAft>
-                              <a:spcPts val="0"/>
-                            </a:spcAft>
-                          </a:pPr>
-                          <a:r>
-                            <a:rPr lang="ru-RU" sz="1400">
-                              <a:effectLst/>
-                            </a:rPr>
-                            <a:t>Эксперт 4</a:t>
-                          </a:r>
-                          <a:endParaRPr lang="ru-RU" sz="1100">
-                            <a:effectLst/>
-                            <a:latin typeface="Calibri" panose="020F0502020204030204" pitchFamily="34" charset="0"/>
-                            <a:ea typeface="Calibri" panose="020F0502020204030204" pitchFamily="34" charset="0"/>
-                            <a:cs typeface="Times New Roman" panose="02020603050405020304" pitchFamily="18" charset="0"/>
-                          </a:endParaRPr>
-                        </a:p>
-                      </a:txBody>
-                      <a:tcPr marL="72743" marR="72743" marT="0" marB="0" anchor="ctr"/>
-                    </a:tc>
-                    <a:tc>
-                      <a:txBody>
-                        <a:bodyPr/>
-                        <a:lstStyle/>
-                        <a:p>
-                          <a:pPr algn="ctr">
-                            <a:lnSpc>
-                              <a:spcPct val="106000"/>
-                            </a:lnSpc>
-                            <a:spcAft>
-                              <a:spcPts val="0"/>
-                            </a:spcAft>
-                          </a:pPr>
-                          <a:r>
-                            <a:rPr lang="ru-RU" sz="1200">
-                              <a:effectLst/>
-                            </a:rPr>
-                            <a:t>5</a:t>
-                          </a:r>
-                          <a:endParaRPr lang="ru-RU" sz="1100">
-                            <a:effectLst/>
-                            <a:latin typeface="Calibri" panose="020F0502020204030204" pitchFamily="34" charset="0"/>
-                            <a:ea typeface="Calibri" panose="020F0502020204030204" pitchFamily="34" charset="0"/>
-                            <a:cs typeface="Times New Roman" panose="02020603050405020304" pitchFamily="18" charset="0"/>
-                          </a:endParaRPr>
-                        </a:p>
-                      </a:txBody>
-                      <a:tcPr marL="72743" marR="72743" marT="0" marB="0" anchor="ctr"/>
-                    </a:tc>
-                    <a:tc>
-                      <a:txBody>
-                        <a:bodyPr/>
-                        <a:lstStyle/>
-                        <a:p>
-                          <a:pPr algn="ctr">
-                            <a:lnSpc>
-                              <a:spcPct val="106000"/>
-                            </a:lnSpc>
-                            <a:spcAft>
-                              <a:spcPts val="0"/>
-                            </a:spcAft>
-                          </a:pPr>
-                          <a:r>
-                            <a:rPr lang="ru-RU" sz="1200">
-                              <a:effectLst/>
-                            </a:rPr>
-                            <a:t>4</a:t>
-                          </a:r>
-                          <a:endParaRPr lang="ru-RU" sz="1100">
-                            <a:effectLst/>
-                            <a:latin typeface="Calibri" panose="020F0502020204030204" pitchFamily="34" charset="0"/>
-                            <a:ea typeface="Calibri" panose="020F0502020204030204" pitchFamily="34" charset="0"/>
-                            <a:cs typeface="Times New Roman" panose="02020603050405020304" pitchFamily="18" charset="0"/>
-                          </a:endParaRPr>
-                        </a:p>
-                      </a:txBody>
-                      <a:tcPr marL="72743" marR="72743" marT="0" marB="0" anchor="ctr"/>
-                    </a:tc>
-                    <a:tc>
-                      <a:txBody>
-                        <a:bodyPr/>
-                        <a:lstStyle/>
-                        <a:p>
-                          <a:pPr algn="ctr">
-                            <a:lnSpc>
-                              <a:spcPct val="106000"/>
-                            </a:lnSpc>
-                            <a:spcAft>
-                              <a:spcPts val="0"/>
-                            </a:spcAft>
-                          </a:pPr>
-                          <a:r>
-                            <a:rPr lang="ru-RU" sz="1200">
-                              <a:effectLst/>
-                            </a:rPr>
-                            <a:t>5</a:t>
-                          </a:r>
-                          <a:endParaRPr lang="ru-RU" sz="1100">
-                            <a:effectLst/>
-                            <a:latin typeface="Calibri" panose="020F0502020204030204" pitchFamily="34" charset="0"/>
-                            <a:ea typeface="Calibri" panose="020F0502020204030204" pitchFamily="34" charset="0"/>
-                            <a:cs typeface="Times New Roman" panose="02020603050405020304" pitchFamily="18" charset="0"/>
-                          </a:endParaRPr>
-                        </a:p>
-                      </a:txBody>
-                      <a:tcPr marL="72743" marR="72743" marT="0" marB="0" anchor="ctr"/>
-                    </a:tc>
-                    <a:extLst>
-                      <a:ext uri="{0D108BD9-81ED-4DB2-BD59-A6C34878D82A}">
-                        <a16:rowId xmlns:a16="http://schemas.microsoft.com/office/drawing/2014/main" val="1216530820"/>
-                      </a:ext>
-                    </a:extLst>
-                  </a:tr>
-                  <a:tr h="348386">
-                    <a:tc>
-                      <a:txBody>
-                        <a:bodyPr/>
-                        <a:lstStyle/>
-                        <a:p>
-                          <a:pPr algn="ctr">
-                            <a:lnSpc>
-                              <a:spcPct val="106000"/>
-                            </a:lnSpc>
-                            <a:spcAft>
-                              <a:spcPts val="0"/>
-                            </a:spcAft>
-                          </a:pPr>
-                          <a:r>
-                            <a:rPr lang="ru-RU" sz="1400">
-                              <a:effectLst/>
-                            </a:rPr>
-                            <a:t>Эксперт 5</a:t>
-                          </a:r>
-                          <a:endParaRPr lang="ru-RU" sz="1100">
-                            <a:effectLst/>
-                            <a:latin typeface="Calibri" panose="020F0502020204030204" pitchFamily="34" charset="0"/>
-                            <a:ea typeface="Calibri" panose="020F0502020204030204" pitchFamily="34" charset="0"/>
-                            <a:cs typeface="Times New Roman" panose="02020603050405020304" pitchFamily="18" charset="0"/>
-                          </a:endParaRPr>
-                        </a:p>
-                      </a:txBody>
-                      <a:tcPr marL="72743" marR="72743" marT="0" marB="0" anchor="ctr"/>
-                    </a:tc>
-                    <a:tc>
-                      <a:txBody>
-                        <a:bodyPr/>
-                        <a:lstStyle/>
-                        <a:p>
-                          <a:pPr algn="ctr">
-                            <a:lnSpc>
-                              <a:spcPct val="106000"/>
-                            </a:lnSpc>
-                            <a:spcAft>
-                              <a:spcPts val="0"/>
-                            </a:spcAft>
-                          </a:pPr>
-                          <a:r>
-                            <a:rPr lang="ru-RU" sz="1200">
-                              <a:effectLst/>
-                            </a:rPr>
-                            <a:t>4</a:t>
-                          </a:r>
-                          <a:endParaRPr lang="ru-RU" sz="1100">
-                            <a:effectLst/>
-                            <a:latin typeface="Calibri" panose="020F0502020204030204" pitchFamily="34" charset="0"/>
-                            <a:ea typeface="Calibri" panose="020F0502020204030204" pitchFamily="34" charset="0"/>
-                            <a:cs typeface="Times New Roman" panose="02020603050405020304" pitchFamily="18" charset="0"/>
-                          </a:endParaRPr>
-                        </a:p>
-                      </a:txBody>
-                      <a:tcPr marL="72743" marR="72743" marT="0" marB="0" anchor="ctr"/>
-                    </a:tc>
-                    <a:tc>
-                      <a:txBody>
-                        <a:bodyPr/>
-                        <a:lstStyle/>
-                        <a:p>
-                          <a:pPr algn="ctr">
-                            <a:lnSpc>
-                              <a:spcPct val="106000"/>
-                            </a:lnSpc>
-                            <a:spcAft>
-                              <a:spcPts val="0"/>
-                            </a:spcAft>
-                          </a:pPr>
-                          <a:r>
-                            <a:rPr lang="ru-RU" sz="1200">
-                              <a:effectLst/>
-                            </a:rPr>
-                            <a:t>4</a:t>
-                          </a:r>
-                          <a:endParaRPr lang="ru-RU" sz="1100">
-                            <a:effectLst/>
-                            <a:latin typeface="Calibri" panose="020F0502020204030204" pitchFamily="34" charset="0"/>
-                            <a:ea typeface="Calibri" panose="020F0502020204030204" pitchFamily="34" charset="0"/>
-                            <a:cs typeface="Times New Roman" panose="02020603050405020304" pitchFamily="18" charset="0"/>
-                          </a:endParaRPr>
-                        </a:p>
-                      </a:txBody>
-                      <a:tcPr marL="72743" marR="72743" marT="0" marB="0" anchor="ctr"/>
-                    </a:tc>
-                    <a:tc>
-                      <a:txBody>
-                        <a:bodyPr/>
-                        <a:lstStyle/>
-                        <a:p>
-                          <a:pPr algn="ctr">
-                            <a:lnSpc>
-                              <a:spcPct val="106000"/>
-                            </a:lnSpc>
-                            <a:spcAft>
-                              <a:spcPts val="0"/>
-                            </a:spcAft>
-                          </a:pPr>
-                          <a:r>
-                            <a:rPr lang="ru-RU" sz="1200">
-                              <a:effectLst/>
-                            </a:rPr>
-                            <a:t>5</a:t>
-                          </a:r>
-                          <a:endParaRPr lang="ru-RU" sz="1100">
-                            <a:effectLst/>
-                            <a:latin typeface="Calibri" panose="020F0502020204030204" pitchFamily="34" charset="0"/>
-                            <a:ea typeface="Calibri" panose="020F0502020204030204" pitchFamily="34" charset="0"/>
-                            <a:cs typeface="Times New Roman" panose="02020603050405020304" pitchFamily="18" charset="0"/>
-                          </a:endParaRPr>
-                        </a:p>
-                      </a:txBody>
-                      <a:tcPr marL="72743" marR="72743" marT="0" marB="0" anchor="ctr"/>
-                    </a:tc>
-                    <a:extLst>
-                      <a:ext uri="{0D108BD9-81ED-4DB2-BD59-A6C34878D82A}">
-                        <a16:rowId xmlns:a16="http://schemas.microsoft.com/office/drawing/2014/main" val="2868299042"/>
-                      </a:ext>
-                    </a:extLst>
-                  </a:tr>
-                  <a:tr h="276075">
-                    <a:tc>
-                      <a:txBody>
-                        <a:bodyPr/>
-                        <a:lstStyle/>
-                        <a:p>
-                          <a:pPr algn="ctr">
-                            <a:lnSpc>
-                              <a:spcPct val="106000"/>
-                            </a:lnSpc>
-                            <a:spcAft>
-                              <a:spcPts val="0"/>
-                            </a:spcAft>
-                          </a:pPr>
-                          <a:r>
-                            <a:rPr lang="ru-RU" sz="1400">
-                              <a:effectLst/>
-                            </a:rPr>
-                            <a:t>Ср. оценка</a:t>
-                          </a:r>
-                          <a:endParaRPr lang="ru-RU" sz="1100">
-                            <a:effectLst/>
-                            <a:latin typeface="Calibri" panose="020F0502020204030204" pitchFamily="34" charset="0"/>
-                            <a:ea typeface="Calibri" panose="020F0502020204030204" pitchFamily="34" charset="0"/>
-                            <a:cs typeface="Times New Roman" panose="02020603050405020304" pitchFamily="18" charset="0"/>
-                          </a:endParaRPr>
-                        </a:p>
-                      </a:txBody>
-                      <a:tcPr marL="72743" marR="72743" marT="0" marB="0" anchor="ctr"/>
-                    </a:tc>
-                    <a:tc>
-                      <a:txBody>
-                        <a:bodyPr/>
-                        <a:lstStyle/>
-                        <a:p>
-                          <a:pPr algn="ctr">
-                            <a:lnSpc>
-                              <a:spcPct val="106000"/>
-                            </a:lnSpc>
-                            <a:spcAft>
-                              <a:spcPts val="0"/>
-                            </a:spcAft>
-                          </a:pPr>
-                          <a:r>
-                            <a:rPr lang="ru-RU" sz="1200" dirty="0">
-                              <a:effectLst/>
-                            </a:rPr>
-                            <a:t>4</a:t>
-                          </a:r>
-                          <a:r>
-                            <a:rPr lang="en-US" sz="1200" dirty="0">
-                              <a:effectLst/>
-                            </a:rPr>
-                            <a:t>,8</a:t>
-                          </a:r>
-                          <a:endParaRPr lang="ru-RU" sz="1100" dirty="0">
-                            <a:effectLst/>
-                            <a:latin typeface="Calibri" panose="020F0502020204030204" pitchFamily="34" charset="0"/>
-                            <a:ea typeface="Calibri" panose="020F0502020204030204" pitchFamily="34" charset="0"/>
-                            <a:cs typeface="Times New Roman" panose="02020603050405020304" pitchFamily="18" charset="0"/>
-                          </a:endParaRPr>
-                        </a:p>
-                      </a:txBody>
-                      <a:tcPr marL="72743" marR="72743" marT="0" marB="0" anchor="ctr"/>
-                    </a:tc>
-                    <a:tc>
-                      <a:txBody>
-                        <a:bodyPr/>
-                        <a:lstStyle/>
-                        <a:p>
-                          <a:pPr algn="ctr">
-                            <a:lnSpc>
-                              <a:spcPct val="106000"/>
-                            </a:lnSpc>
-                            <a:spcAft>
-                              <a:spcPts val="0"/>
-                            </a:spcAft>
-                          </a:pPr>
-                          <a:r>
-                            <a:rPr lang="en-US" sz="1200" dirty="0">
-                              <a:effectLst/>
-                            </a:rPr>
-                            <a:t>4,6</a:t>
-                          </a:r>
-                          <a:endParaRPr lang="ru-RU" sz="1100" dirty="0">
-                            <a:effectLst/>
-                            <a:latin typeface="Calibri" panose="020F0502020204030204" pitchFamily="34" charset="0"/>
-                            <a:ea typeface="Calibri" panose="020F0502020204030204" pitchFamily="34" charset="0"/>
-                            <a:cs typeface="Times New Roman" panose="02020603050405020304" pitchFamily="18" charset="0"/>
-                          </a:endParaRPr>
-                        </a:p>
-                      </a:txBody>
-                      <a:tcPr marL="72743" marR="72743" marT="0" marB="0" anchor="ctr"/>
-                    </a:tc>
-                    <a:tc>
-                      <a:txBody>
-                        <a:bodyPr/>
-                        <a:lstStyle/>
-                        <a:p>
-                          <a:pPr algn="ctr">
-                            <a:lnSpc>
-                              <a:spcPct val="106000"/>
-                            </a:lnSpc>
-                            <a:spcAft>
-                              <a:spcPts val="0"/>
-                            </a:spcAft>
-                          </a:pPr>
-                          <a:r>
-                            <a:rPr lang="en-US" sz="1200" dirty="0" smtClean="0">
-                              <a:effectLst/>
-                            </a:rPr>
-                            <a:t>4,6</a:t>
-                          </a:r>
-                          <a:endParaRPr lang="ru-RU" sz="1200" dirty="0" smtClean="0">
-                            <a:effectLst/>
-                          </a:endParaRPr>
-                        </a:p>
-                      </a:txBody>
-                      <a:tcPr marL="72743" marR="72743" marT="0" marB="0" anchor="ctr"/>
-                    </a:tc>
-                    <a:extLst>
-                      <a:ext uri="{0D108BD9-81ED-4DB2-BD59-A6C34878D82A}">
-                        <a16:rowId xmlns:a16="http://schemas.microsoft.com/office/drawing/2014/main" val="1628162115"/>
-                      </a:ext>
-                    </a:extLst>
-                  </a:tr>
-                  <a:tr h="325396">
-                    <a:tc>
-                      <a:txBody>
-                        <a:bodyPr/>
-                        <a:lstStyle/>
-                        <a:p>
-                          <a:endParaRPr lang="ru-RU"/>
-                        </a:p>
-                      </a:txBody>
-                      <a:tcPr marL="72743" marR="72743" marT="0" marB="0" anchor="ctr">
-                        <a:blipFill>
-                          <a:blip r:embed="rId5"/>
-                          <a:stretch>
-                            <a:fillRect l="-461" t="-701852" r="-192166" b="-20370"/>
-                          </a:stretch>
-                        </a:blipFill>
-                      </a:tcPr>
-                    </a:tc>
-                    <a:tc>
-                      <a:txBody>
-                        <a:bodyPr/>
-                        <a:lstStyle/>
-                        <a:p>
-                          <a:pPr marL="0" marR="0" indent="0" algn="ctr" defTabSz="914400" rtl="0" eaLnBrk="1" fontAlgn="auto" latinLnBrk="0" hangingPunct="1">
-                            <a:lnSpc>
-                              <a:spcPct val="106000"/>
-                            </a:lnSpc>
-                            <a:spcBef>
-                              <a:spcPts val="0"/>
-                            </a:spcBef>
-                            <a:spcAft>
-                              <a:spcPts val="0"/>
-                            </a:spcAft>
-                            <a:buClrTx/>
-                            <a:buSzTx/>
-                            <a:buFontTx/>
-                            <a:buNone/>
-                            <a:tabLst/>
-                            <a:defRPr/>
-                          </a:pPr>
-                          <a:r>
-                            <a:rPr lang="en-US" sz="1200" dirty="0" smtClean="0">
-                              <a:effectLst/>
-                              <a:latin typeface="+mn-lt"/>
-                              <a:ea typeface="+mn-ea"/>
-                              <a:cs typeface="+mn-cs"/>
-                            </a:rPr>
-                            <a:t>0,333</a:t>
-                          </a:r>
-                          <a:endParaRPr lang="ru-RU" sz="1200" dirty="0" smtClean="0">
-                            <a:effectLst/>
-                            <a:latin typeface="Calibri" panose="020F0502020204030204" pitchFamily="34" charset="0"/>
-                            <a:ea typeface="Calibri" panose="020F0502020204030204" pitchFamily="34" charset="0"/>
-                            <a:cs typeface="Times New Roman" panose="02020603050405020304" pitchFamily="18" charset="0"/>
-                          </a:endParaRPr>
-                        </a:p>
-                      </a:txBody>
-                      <a:tcPr marL="72743" marR="72743" marT="0" marB="0" anchor="ctr"/>
-                    </a:tc>
-                    <a:tc>
-                      <a:txBody>
-                        <a:bodyPr/>
-                        <a:lstStyle/>
-                        <a:p>
-                          <a:pPr marL="0" marR="0" indent="0" algn="ctr" defTabSz="914400" rtl="0" eaLnBrk="1" fontAlgn="auto" latinLnBrk="0" hangingPunct="1">
-                            <a:lnSpc>
-                              <a:spcPct val="106000"/>
-                            </a:lnSpc>
-                            <a:spcBef>
-                              <a:spcPts val="0"/>
-                            </a:spcBef>
-                            <a:spcAft>
-                              <a:spcPts val="0"/>
-                            </a:spcAft>
-                            <a:buClrTx/>
-                            <a:buSzTx/>
-                            <a:buFontTx/>
-                            <a:buNone/>
-                            <a:tabLst/>
-                            <a:defRPr/>
-                          </a:pPr>
-                          <a:r>
-                            <a:rPr lang="en-US" sz="1200" dirty="0" smtClean="0">
-                              <a:effectLst/>
-                            </a:rPr>
-                            <a:t>0,316</a:t>
-                          </a:r>
-                          <a:endParaRPr lang="ru-RU" sz="1200" dirty="0" smtClean="0">
-                            <a:effectLst/>
-                            <a:latin typeface="Calibri" panose="020F0502020204030204" pitchFamily="34" charset="0"/>
-                            <a:ea typeface="Calibri" panose="020F0502020204030204" pitchFamily="34" charset="0"/>
-                            <a:cs typeface="Times New Roman" panose="02020603050405020304" pitchFamily="18" charset="0"/>
-                          </a:endParaRPr>
-                        </a:p>
-                      </a:txBody>
-                      <a:tcPr marL="72743" marR="72743" marT="0" marB="0" anchor="ctr"/>
-                    </a:tc>
-                    <a:tc>
-                      <a:txBody>
-                        <a:bodyPr/>
-                        <a:lstStyle/>
-                        <a:p>
-                          <a:pPr marL="0" marR="0" indent="0" algn="ctr" defTabSz="914400" rtl="0" eaLnBrk="1" fontAlgn="auto" latinLnBrk="0" hangingPunct="1">
-                            <a:lnSpc>
-                              <a:spcPct val="106000"/>
-                            </a:lnSpc>
-                            <a:spcBef>
-                              <a:spcPts val="0"/>
-                            </a:spcBef>
-                            <a:spcAft>
-                              <a:spcPts val="0"/>
-                            </a:spcAft>
-                            <a:buClrTx/>
-                            <a:buSzTx/>
-                            <a:buFontTx/>
-                            <a:buNone/>
-                            <a:tabLst/>
-                            <a:defRPr/>
-                          </a:pPr>
-                          <a:r>
-                            <a:rPr lang="en-US" sz="1200" dirty="0" smtClean="0">
-                              <a:effectLst/>
-                            </a:rPr>
-                            <a:t>0,35</a:t>
-                          </a:r>
-                          <a:endParaRPr lang="ru-RU" sz="1200" dirty="0" smtClean="0">
-                            <a:effectLst/>
-                            <a:latin typeface="Calibri" panose="020F0502020204030204" pitchFamily="34" charset="0"/>
-                            <a:ea typeface="Calibri" panose="020F0502020204030204" pitchFamily="34" charset="0"/>
-                            <a:cs typeface="Times New Roman" panose="02020603050405020304" pitchFamily="18" charset="0"/>
-                          </a:endParaRPr>
-                        </a:p>
-                      </a:txBody>
-                      <a:tcPr marL="72743" marR="72743" marT="0" marB="0" anchor="ctr"/>
-                    </a:tc>
-                    <a:extLst>
-                      <a:ext uri="{0D108BD9-81ED-4DB2-BD59-A6C34878D82A}">
-                        <a16:rowId xmlns:a16="http://schemas.microsoft.com/office/drawing/2014/main" val="3473109421"/>
-                      </a:ext>
-                    </a:extLst>
-                  </a:tr>
-                </a:tbl>
-              </a:graphicData>
-            </a:graphic>
-          </p:graphicFrame>
-        </mc:Fallback>
-      </mc:AlternateContent>
-      <p:sp>
-        <p:nvSpPr>
-          <p:cNvPr id="16" name="Объект 4"/>
-          <p:cNvSpPr txBox="1">
-            <a:spLocks/>
-          </p:cNvSpPr>
-          <p:nvPr/>
-        </p:nvSpPr>
-        <p:spPr>
-          <a:xfrm>
-            <a:off x="487043" y="5770018"/>
-            <a:ext cx="10866756" cy="431461"/>
-          </a:xfrm>
-          <a:prstGeom prst="rect">
-            <a:avLst/>
-          </a:prstGeom>
-        </p:spPr>
-        <p:txBody>
-          <a:bodyPr vert="horz" lIns="91440" tIns="45720" rIns="91440" bIns="45720" rtlCol="0">
-            <a:noAutofit/>
-          </a:bodyPr>
-          <a:lstStyle>
-            <a:lvl1pPr marL="228600" indent="-228600" algn="l" defTabSz="914400" rtl="0" eaLnBrk="1" latinLnBrk="0" hangingPunct="1">
-              <a:lnSpc>
-                <a:spcPct val="90000"/>
-              </a:lnSpc>
-              <a:spcBef>
-                <a:spcPts val="1000"/>
-              </a:spcBef>
-              <a:buFont typeface="Arial"/>
-              <a:buChar char="•"/>
-              <a:defRPr sz="2800" b="0" i="0" kern="1200">
-                <a:solidFill>
-                  <a:schemeClr val="tx1">
-                    <a:lumMod val="85000"/>
-                    <a:lumOff val="15000"/>
-                  </a:schemeClr>
-                </a:solidFill>
-                <a:latin typeface="+mn-lt"/>
-                <a:ea typeface="Open Sans Light" charset="0"/>
-                <a:cs typeface="Open Sans Light" charset="0"/>
-              </a:defRPr>
-            </a:lvl1pPr>
-            <a:lvl2pPr marL="685800" indent="-228600" algn="l" defTabSz="914400" rtl="0" eaLnBrk="1" latinLnBrk="0" hangingPunct="1">
-              <a:lnSpc>
-                <a:spcPct val="90000"/>
-              </a:lnSpc>
-              <a:spcBef>
-                <a:spcPts val="500"/>
-              </a:spcBef>
-              <a:buFont typeface="Arial"/>
-              <a:buChar char="•"/>
-              <a:defRPr sz="2400" b="0" i="0" kern="1200">
-                <a:solidFill>
-                  <a:schemeClr val="tx1"/>
-                </a:solidFill>
-                <a:latin typeface="+mn-lt"/>
-                <a:ea typeface="Open Sans Light" charset="0"/>
-                <a:cs typeface="Open Sans Light" charset="0"/>
-              </a:defRPr>
-            </a:lvl2pPr>
-            <a:lvl3pPr marL="1143000" indent="-228600" algn="l" defTabSz="914400" rtl="0" eaLnBrk="1" latinLnBrk="0" hangingPunct="1">
-              <a:lnSpc>
-                <a:spcPct val="90000"/>
-              </a:lnSpc>
-              <a:spcBef>
-                <a:spcPts val="500"/>
-              </a:spcBef>
-              <a:buFont typeface="Arial"/>
-              <a:buChar char="•"/>
-              <a:defRPr sz="2000" b="0" i="0" kern="1200">
-                <a:solidFill>
-                  <a:schemeClr val="tx1"/>
-                </a:solidFill>
-                <a:latin typeface="+mn-lt"/>
-                <a:ea typeface="Open Sans Light" charset="0"/>
-                <a:cs typeface="Open Sans Light" charset="0"/>
-              </a:defRPr>
-            </a:lvl3pPr>
-            <a:lvl4pPr marL="1600200" indent="-228600" algn="l" defTabSz="914400" rtl="0" eaLnBrk="1" latinLnBrk="0" hangingPunct="1">
-              <a:lnSpc>
-                <a:spcPct val="90000"/>
-              </a:lnSpc>
-              <a:spcBef>
-                <a:spcPts val="500"/>
-              </a:spcBef>
-              <a:buFont typeface="Arial"/>
-              <a:buChar char="•"/>
-              <a:defRPr sz="1800" b="0" i="0" kern="1200">
-                <a:solidFill>
-                  <a:schemeClr val="tx1"/>
-                </a:solidFill>
-                <a:latin typeface="+mn-lt"/>
-                <a:ea typeface="Open Sans Light" charset="0"/>
-                <a:cs typeface="Open Sans Light" charset="0"/>
-              </a:defRPr>
-            </a:lvl4pPr>
-            <a:lvl5pPr marL="2057400" indent="-228600" algn="l" defTabSz="914400" rtl="0" eaLnBrk="1" latinLnBrk="0" hangingPunct="1">
-              <a:lnSpc>
-                <a:spcPct val="90000"/>
-              </a:lnSpc>
-              <a:spcBef>
-                <a:spcPts val="500"/>
-              </a:spcBef>
-              <a:buFont typeface="Arial"/>
-              <a:buChar char="•"/>
-              <a:defRPr sz="1800" b="0" i="0" kern="1200">
-                <a:solidFill>
-                  <a:schemeClr val="tx1"/>
-                </a:solidFill>
-                <a:latin typeface="+mn-lt"/>
-                <a:ea typeface="Open Sans Light" charset="0"/>
-                <a:cs typeface="Open Sans Light" charset="0"/>
-              </a:defRPr>
-            </a:lvl5pPr>
-            <a:lvl6pPr marL="2514600" indent="-228600" algn="l" defTabSz="914400" rtl="0" eaLnBrk="1" latinLnBrk="0" hangingPunct="1">
-              <a:lnSpc>
-                <a:spcPct val="90000"/>
-              </a:lnSpc>
-              <a:spcBef>
-                <a:spcPts val="500"/>
-              </a:spcBef>
-              <a:buFont typeface="Arial"/>
-              <a:buChar char="•"/>
-              <a:defRPr sz="1800" kern="1200">
-                <a:solidFill>
-                  <a:schemeClr val="tx1"/>
-                </a:solidFill>
-                <a:latin typeface="+mn-lt"/>
-                <a:ea typeface="+mn-ea"/>
-                <a:cs typeface="+mn-cs"/>
-              </a:defRPr>
-            </a:lvl6pPr>
-            <a:lvl7pPr marL="2971800" indent="-228600" algn="l" defTabSz="914400" rtl="0" eaLnBrk="1" latinLnBrk="0" hangingPunct="1">
-              <a:lnSpc>
-                <a:spcPct val="90000"/>
-              </a:lnSpc>
-              <a:spcBef>
-                <a:spcPts val="500"/>
-              </a:spcBef>
-              <a:buFont typeface="Arial"/>
-              <a:buChar char="•"/>
-              <a:defRPr sz="1800" kern="1200">
-                <a:solidFill>
-                  <a:schemeClr val="tx1"/>
-                </a:solidFill>
-                <a:latin typeface="+mn-lt"/>
-                <a:ea typeface="+mn-ea"/>
-                <a:cs typeface="+mn-cs"/>
-              </a:defRPr>
-            </a:lvl7pPr>
-            <a:lvl8pPr marL="3429000" indent="-228600" algn="l" defTabSz="914400" rtl="0" eaLnBrk="1" latinLnBrk="0" hangingPunct="1">
-              <a:lnSpc>
-                <a:spcPct val="90000"/>
-              </a:lnSpc>
-              <a:spcBef>
-                <a:spcPts val="500"/>
-              </a:spcBef>
-              <a:buFont typeface="Arial"/>
-              <a:buChar char="•"/>
-              <a:defRPr sz="1800" kern="1200">
-                <a:solidFill>
-                  <a:schemeClr val="tx1"/>
-                </a:solidFill>
-                <a:latin typeface="+mn-lt"/>
-                <a:ea typeface="+mn-ea"/>
-                <a:cs typeface="+mn-cs"/>
-              </a:defRPr>
-            </a:lvl8pPr>
-            <a:lvl9pPr marL="3886200" indent="-228600" algn="l" defTabSz="914400" rtl="0" eaLnBrk="1" latinLnBrk="0" hangingPunct="1">
-              <a:lnSpc>
-                <a:spcPct val="90000"/>
-              </a:lnSpc>
-              <a:spcBef>
-                <a:spcPts val="500"/>
-              </a:spcBef>
-              <a:buFont typeface="Arial"/>
-              <a:buChar char="•"/>
-              <a:defRPr sz="1800" kern="1200">
-                <a:solidFill>
-                  <a:schemeClr val="tx1"/>
-                </a:solidFill>
-                <a:latin typeface="+mn-lt"/>
-                <a:ea typeface="+mn-ea"/>
-                <a:cs typeface="+mn-cs"/>
-              </a:defRPr>
-            </a:lvl9pPr>
-          </a:lstStyle>
-          <a:p>
-            <a:pPr marL="0" indent="0">
-              <a:buNone/>
-            </a:pPr>
-            <a:r>
-              <a:rPr lang="ru-RU" sz="2400" dirty="0" smtClean="0"/>
-              <a:t> В результате </a:t>
-            </a:r>
-            <a:r>
-              <a:rPr lang="ru-RU" sz="2400" dirty="0"/>
-              <a:t>оценки качества </a:t>
-            </a:r>
-            <a:r>
-              <a:rPr lang="ru-RU" sz="2400" dirty="0" smtClean="0"/>
-              <a:t>была </a:t>
-            </a:r>
-            <a:r>
-              <a:rPr lang="ru-RU" sz="2400" dirty="0"/>
-              <a:t>получена следующая оценка: </a:t>
-            </a:r>
-            <a:r>
-              <a:rPr lang="ru-RU" sz="2400" dirty="0" smtClean="0"/>
-              <a:t>4,667.</a:t>
-            </a:r>
-            <a:endParaRPr lang="ru-RU" sz="2400" dirty="0"/>
-          </a:p>
-        </p:txBody>
-      </p:sp>
       <p:graphicFrame>
         <p:nvGraphicFramePr>
-          <p:cNvPr id="21" name="Таблица 20"/>
+          <p:cNvPr id="2" name="Таблица 1"/>
           <p:cNvGraphicFramePr>
             <a:graphicFrameLocks noGrp="1"/>
           </p:cNvGraphicFramePr>
           <p:nvPr>
             <p:extLst>
               <p:ext uri="{D42A27DB-BD31-4B8C-83A1-F6EECF244321}">
-                <p14:modId xmlns:p14="http://schemas.microsoft.com/office/powerpoint/2010/main" val="3537362240"/>
+                <p14:modId xmlns:p14="http://schemas.microsoft.com/office/powerpoint/2010/main" val="1271122224"/>
               </p:ext>
             </p:extLst>
           </p:nvPr>
         </p:nvGraphicFramePr>
         <p:xfrm>
-          <a:off x="487043" y="1719473"/>
-          <a:ext cx="3441145" cy="1008223"/>
+          <a:off x="559082" y="1690688"/>
+          <a:ext cx="6081238" cy="4369168"/>
         </p:xfrm>
         <a:graphic>
           <a:graphicData uri="http://schemas.openxmlformats.org/drawingml/2006/table">
             <a:tbl>
               <a:tblPr firstRow="1" firstCol="1" bandRow="1">
-                <a:tableStyleId>{21E4AEA4-8DFA-4A89-87EB-49C32662AFE0}</a:tableStyleId>
+                <a:tableStyleId>{5C22544A-7EE6-4342-B048-85BDC9FD1C3A}</a:tableStyleId>
               </a:tblPr>
               <a:tblGrid>
-                <a:gridCol w="268651">
+                <a:gridCol w="1048405">
                   <a:extLst>
                     <a:ext uri="{9D8B030D-6E8A-4147-A177-3AD203B41FA5}">
-                      <a16:colId xmlns:a16="http://schemas.microsoft.com/office/drawing/2014/main" val="1504205120"/>
+                      <a16:colId xmlns:a16="http://schemas.microsoft.com/office/drawing/2014/main" val="3287389474"/>
                     </a:ext>
                   </a:extLst>
                 </a:gridCol>
-                <a:gridCol w="3172494">
+                <a:gridCol w="839211">
                   <a:extLst>
                     <a:ext uri="{9D8B030D-6E8A-4147-A177-3AD203B41FA5}">
-                      <a16:colId xmlns:a16="http://schemas.microsoft.com/office/drawing/2014/main" val="376924219"/>
+                      <a16:colId xmlns:a16="http://schemas.microsoft.com/office/drawing/2014/main" val="3580476201"/>
+                    </a:ext>
+                  </a:extLst>
+                </a:gridCol>
+                <a:gridCol w="839211">
+                  <a:extLst>
+                    <a:ext uri="{9D8B030D-6E8A-4147-A177-3AD203B41FA5}">
+                      <a16:colId xmlns:a16="http://schemas.microsoft.com/office/drawing/2014/main" val="1248210861"/>
+                    </a:ext>
+                  </a:extLst>
+                </a:gridCol>
+                <a:gridCol w="839211">
+                  <a:extLst>
+                    <a:ext uri="{9D8B030D-6E8A-4147-A177-3AD203B41FA5}">
+                      <a16:colId xmlns:a16="http://schemas.microsoft.com/office/drawing/2014/main" val="1976652826"/>
+                    </a:ext>
+                  </a:extLst>
+                </a:gridCol>
+                <a:gridCol w="839211">
+                  <a:extLst>
+                    <a:ext uri="{9D8B030D-6E8A-4147-A177-3AD203B41FA5}">
+                      <a16:colId xmlns:a16="http://schemas.microsoft.com/office/drawing/2014/main" val="1993657788"/>
+                    </a:ext>
+                  </a:extLst>
+                </a:gridCol>
+                <a:gridCol w="840427">
+                  <a:extLst>
+                    <a:ext uri="{9D8B030D-6E8A-4147-A177-3AD203B41FA5}">
+                      <a16:colId xmlns:a16="http://schemas.microsoft.com/office/drawing/2014/main" val="2155939074"/>
+                    </a:ext>
+                  </a:extLst>
+                </a:gridCol>
+                <a:gridCol w="835562">
+                  <a:extLst>
+                    <a:ext uri="{9D8B030D-6E8A-4147-A177-3AD203B41FA5}">
+                      <a16:colId xmlns:a16="http://schemas.microsoft.com/office/drawing/2014/main" val="1940196712"/>
                     </a:ext>
                   </a:extLst>
                 </a:gridCol>
               </a:tblGrid>
-              <a:tr h="275107">
-                <a:tc>
+              <a:tr h="257815">
+                <a:tc rowSpan="2">
                   <a:txBody>
                     <a:bodyPr/>
                     <a:lstStyle/>
                     <a:p>
                       <a:pPr algn="ctr">
                         <a:lnSpc>
-                          <a:spcPct val="106000"/>
-                        </a:lnSpc>
-                        <a:spcAft>
-                          <a:spcPts val="0"/>
-                        </a:spcAft>
-                      </a:pPr>
-                      <a:r>
-                        <a:rPr lang="ru-RU" sz="1400" dirty="0" smtClean="0">
-                          <a:effectLst/>
-                          <a:latin typeface="+mn-lt"/>
-                          <a:ea typeface="+mn-ea"/>
-                          <a:cs typeface="+mn-cs"/>
-                        </a:rPr>
-                        <a:t>№</a:t>
-                      </a:r>
-                      <a:endParaRPr lang="ru-RU" sz="1100" dirty="0">
-                        <a:effectLst/>
-                        <a:latin typeface="Calibri" panose="020F0502020204030204" pitchFamily="34" charset="0"/>
-                        <a:ea typeface="Calibri" panose="020F0502020204030204" pitchFamily="34" charset="0"/>
-                        <a:cs typeface="Times New Roman" panose="02020603050405020304" pitchFamily="18" charset="0"/>
-                      </a:endParaRPr>
-                    </a:p>
-                  </a:txBody>
-                  <a:tcPr marL="68580" marR="68580" marT="0" marB="0"/>
-                </a:tc>
-                <a:tc>
-                  <a:txBody>
-                    <a:bodyPr/>
-                    <a:lstStyle/>
-                    <a:p>
-                      <a:pPr algn="ctr">
-                        <a:lnSpc>
-                          <a:spcPct val="106000"/>
-                        </a:lnSpc>
-                        <a:spcAft>
-                          <a:spcPts val="0"/>
-                        </a:spcAft>
-                      </a:pPr>
-                      <a:r>
-                        <a:rPr lang="ru-RU" sz="1400" dirty="0">
-                          <a:effectLst/>
-                        </a:rPr>
-                        <a:t>Показатель</a:t>
-                      </a:r>
-                      <a:endParaRPr lang="ru-RU" sz="1100" dirty="0">
-                        <a:effectLst/>
-                        <a:latin typeface="Calibri" panose="020F0502020204030204" pitchFamily="34" charset="0"/>
-                        <a:ea typeface="Calibri" panose="020F0502020204030204" pitchFamily="34" charset="0"/>
-                        <a:cs typeface="Times New Roman" panose="02020603050405020304" pitchFamily="18" charset="0"/>
-                      </a:endParaRPr>
-                    </a:p>
-                  </a:txBody>
-                  <a:tcPr marL="68580" marR="68580" marT="0" marB="0"/>
-                </a:tc>
-                <a:extLst>
-                  <a:ext uri="{0D108BD9-81ED-4DB2-BD59-A6C34878D82A}">
-                    <a16:rowId xmlns:a16="http://schemas.microsoft.com/office/drawing/2014/main" val="314568210"/>
-                  </a:ext>
-                </a:extLst>
-              </a:tr>
-              <a:tr h="244372">
-                <a:tc>
-                  <a:txBody>
-                    <a:bodyPr/>
-                    <a:lstStyle/>
-                    <a:p>
-                      <a:pPr algn="ctr">
-                        <a:lnSpc>
-                          <a:spcPct val="106000"/>
+                          <a:spcPct val="150000"/>
                         </a:lnSpc>
                         <a:spcAft>
                           <a:spcPts val="0"/>
@@ -9355,7 +6772,7 @@
                         <a:rPr lang="ru-RU" sz="1400">
                           <a:effectLst/>
                         </a:rPr>
-                        <a:t>1</a:t>
+                        <a:t>Оценки</a:t>
                       </a:r>
                       <a:endParaRPr lang="ru-RU" sz="1100">
                         <a:effectLst/>
@@ -9365,52 +6782,16 @@
                       </a:endParaRPr>
                     </a:p>
                   </a:txBody>
-                  <a:tcPr marL="68580" marR="68580" marT="0" marB="0" anchor="ctr"/>
+                  <a:tcPr marL="72712" marR="72712" marT="0" marB="0" anchor="ctr"/>
                 </a:tc>
-                <a:tc>
-                  <a:txBody>
-                    <a:bodyPr/>
-                    <a:lstStyle/>
-                    <a:p>
-                      <a:pPr algn="just">
-                        <a:lnSpc>
-                          <a:spcPct val="106000"/>
-                        </a:lnSpc>
-                        <a:spcAft>
-                          <a:spcPts val="0"/>
-                        </a:spcAft>
-                      </a:pPr>
-                      <a:r>
-                        <a:rPr lang="ru-RU" sz="1400" dirty="0">
-                          <a:effectLst/>
-                        </a:rPr>
-                        <a:t>Доступность</a:t>
-                      </a:r>
-                      <a:endParaRPr lang="ru-RU" sz="1100" dirty="0">
-                        <a:effectLst/>
-                        <a:latin typeface="Calibri" panose="020F0502020204030204" pitchFamily="34" charset="0"/>
-                        <a:ea typeface="Calibri" panose="020F0502020204030204" pitchFamily="34" charset="0"/>
-                        <a:cs typeface="Times New Roman" panose="02020603050405020304" pitchFamily="18" charset="0"/>
-                      </a:endParaRPr>
-                    </a:p>
-                  </a:txBody>
-                  <a:tcPr marL="68580" marR="68580" marT="0" marB="0"/>
-                </a:tc>
-                <a:extLst>
-                  <a:ext uri="{0D108BD9-81ED-4DB2-BD59-A6C34878D82A}">
-                    <a16:rowId xmlns:a16="http://schemas.microsoft.com/office/drawing/2014/main" val="1228767796"/>
-                  </a:ext>
-                </a:extLst>
-              </a:tr>
-              <a:tr h="244372">
-                <a:tc>
+                <a:tc gridSpan="6">
                   <a:txBody>
                     <a:bodyPr/>
                     <a:lstStyle/>
                     <a:p>
                       <a:pPr algn="ctr">
                         <a:lnSpc>
-                          <a:spcPct val="106000"/>
+                          <a:spcPct val="150000"/>
                         </a:lnSpc>
                         <a:spcAft>
                           <a:spcPts val="0"/>
@@ -9420,7 +6801,7 @@
                         <a:rPr lang="ru-RU" sz="1400">
                           <a:effectLst/>
                         </a:rPr>
-                        <a:t>2</a:t>
+                        <a:t>№ критерия</a:t>
                       </a:r>
                       <a:endParaRPr lang="ru-RU" sz="1100">
                         <a:effectLst/>
@@ -9430,2381 +6811,37 @@
                       </a:endParaRPr>
                     </a:p>
                   </a:txBody>
-                  <a:tcPr marL="68580" marR="68580" marT="0" marB="0" anchor="ctr"/>
+                  <a:tcPr marL="72712" marR="72712" marT="0" marB="0" anchor="ctr"/>
                 </a:tc>
-                <a:tc>
+                <a:tc hMerge="1">
                   <a:txBody>
                     <a:bodyPr/>
                     <a:lstStyle/>
                     <a:p>
-                      <a:pPr algn="just">
-                        <a:lnSpc>
-                          <a:spcPct val="106000"/>
-                        </a:lnSpc>
-                        <a:spcAft>
-                          <a:spcPts val="0"/>
-                        </a:spcAft>
-                      </a:pPr>
-                      <a:r>
-                        <a:rPr lang="ru-RU" sz="1400" dirty="0">
-                          <a:effectLst/>
-                        </a:rPr>
-                        <a:t>Информативность отчётов</a:t>
-                      </a:r>
-                      <a:endParaRPr lang="ru-RU" sz="1100" dirty="0">
-                        <a:effectLst/>
-                        <a:latin typeface="Calibri" panose="020F0502020204030204" pitchFamily="34" charset="0"/>
-                        <a:ea typeface="Calibri" panose="020F0502020204030204" pitchFamily="34" charset="0"/>
-                        <a:cs typeface="Times New Roman" panose="02020603050405020304" pitchFamily="18" charset="0"/>
-                      </a:endParaRPr>
+                      <a:endParaRPr lang="ru-RU"/>
                     </a:p>
                   </a:txBody>
-                  <a:tcPr marL="68580" marR="68580" marT="0" marB="0"/>
+                  <a:tcPr/>
                 </a:tc>
-                <a:extLst>
-                  <a:ext uri="{0D108BD9-81ED-4DB2-BD59-A6C34878D82A}">
-                    <a16:rowId xmlns:a16="http://schemas.microsoft.com/office/drawing/2014/main" val="3453889802"/>
-                  </a:ext>
-                </a:extLst>
-              </a:tr>
-              <a:tr h="244372">
-                <a:tc>
+                <a:tc hMerge="1">
                   <a:txBody>
                     <a:bodyPr/>
                     <a:lstStyle/>
                     <a:p>
-                      <a:pPr algn="ctr">
-                        <a:lnSpc>
-                          <a:spcPct val="106000"/>
-                        </a:lnSpc>
-                        <a:spcAft>
-                          <a:spcPts val="0"/>
-                        </a:spcAft>
-                      </a:pPr>
-                      <a:r>
-                        <a:rPr lang="ru-RU" sz="1400">
-                          <a:effectLst/>
-                        </a:rPr>
-                        <a:t>3</a:t>
-                      </a:r>
-                      <a:endParaRPr lang="ru-RU" sz="1100">
-                        <a:effectLst/>
-                        <a:latin typeface="Calibri" panose="020F0502020204030204" pitchFamily="34" charset="0"/>
-                        <a:ea typeface="Calibri" panose="020F0502020204030204" pitchFamily="34" charset="0"/>
-                        <a:cs typeface="Times New Roman" panose="02020603050405020304" pitchFamily="18" charset="0"/>
-                      </a:endParaRPr>
+                      <a:endParaRPr lang="ru-RU"/>
                     </a:p>
                   </a:txBody>
-                  <a:tcPr marL="68580" marR="68580" marT="0" marB="0" anchor="ctr"/>
+                  <a:tcPr/>
                 </a:tc>
-                <a:tc>
+                <a:tc hMerge="1">
                   <a:txBody>
                     <a:bodyPr/>
                     <a:lstStyle/>
                     <a:p>
-                      <a:pPr algn="just">
-                        <a:lnSpc>
-                          <a:spcPct val="106000"/>
-                        </a:lnSpc>
-                        <a:spcAft>
-                          <a:spcPts val="0"/>
-                        </a:spcAft>
-                      </a:pPr>
-                      <a:r>
-                        <a:rPr lang="ru-RU" sz="1400" dirty="0">
-                          <a:effectLst/>
-                        </a:rPr>
-                        <a:t>Поддержка</a:t>
-                      </a:r>
-                      <a:endParaRPr lang="ru-RU" sz="1100" dirty="0">
-                        <a:effectLst/>
-                        <a:latin typeface="Calibri" panose="020F0502020204030204" pitchFamily="34" charset="0"/>
-                        <a:ea typeface="Calibri" panose="020F0502020204030204" pitchFamily="34" charset="0"/>
-                        <a:cs typeface="Times New Roman" panose="02020603050405020304" pitchFamily="18" charset="0"/>
-                      </a:endParaRPr>
+                      <a:endParaRPr lang="ru-RU"/>
                     </a:p>
                   </a:txBody>
-                  <a:tcPr marL="68580" marR="68580" marT="0" marB="0"/>
-                </a:tc>
-                <a:extLst>
-                  <a:ext uri="{0D108BD9-81ED-4DB2-BD59-A6C34878D82A}">
-                    <a16:rowId xmlns:a16="http://schemas.microsoft.com/office/drawing/2014/main" val="1655196384"/>
-                  </a:ext>
-                </a:extLst>
-              </a:tr>
-            </a:tbl>
-          </a:graphicData>
-        </a:graphic>
-      </p:graphicFrame>
-      <mc:AlternateContent xmlns:mc="http://schemas.openxmlformats.org/markup-compatibility/2006" xmlns:a14="http://schemas.microsoft.com/office/drawing/2010/main">
-        <mc:Choice Requires="a14">
-          <p:graphicFrame>
-            <p:nvGraphicFramePr>
-              <p:cNvPr id="22" name="Таблица 21"/>
-              <p:cNvGraphicFramePr>
-                <a:graphicFrameLocks noGrp="1"/>
-              </p:cNvGraphicFramePr>
-              <p:nvPr>
-                <p:extLst>
-                  <p:ext uri="{D42A27DB-BD31-4B8C-83A1-F6EECF244321}">
-                    <p14:modId xmlns:p14="http://schemas.microsoft.com/office/powerpoint/2010/main" val="1715255604"/>
-                  </p:ext>
-                </p:extLst>
-              </p:nvPr>
-            </p:nvGraphicFramePr>
-            <p:xfrm>
-              <a:off x="8436780" y="1690688"/>
-              <a:ext cx="3559277" cy="2827692"/>
-            </p:xfrm>
-            <a:graphic>
-              <a:graphicData uri="http://schemas.openxmlformats.org/drawingml/2006/table">
-                <a:tbl>
-                  <a:tblPr firstRow="1" firstCol="1" bandRow="1">
-                    <a:tableStyleId>{21E4AEA4-8DFA-4A89-87EB-49C32662AFE0}</a:tableStyleId>
-                  </a:tblPr>
-                  <a:tblGrid>
-                    <a:gridCol w="1599849">
-                      <a:extLst>
-                        <a:ext uri="{9D8B030D-6E8A-4147-A177-3AD203B41FA5}">
-                          <a16:colId xmlns:a16="http://schemas.microsoft.com/office/drawing/2014/main" val="1205946314"/>
-                        </a:ext>
-                      </a:extLst>
-                    </a:gridCol>
-                    <a:gridCol w="648789">
-                      <a:extLst>
-                        <a:ext uri="{9D8B030D-6E8A-4147-A177-3AD203B41FA5}">
-                          <a16:colId xmlns:a16="http://schemas.microsoft.com/office/drawing/2014/main" val="2605779932"/>
-                        </a:ext>
-                      </a:extLst>
-                    </a:gridCol>
-                    <a:gridCol w="563250">
-                      <a:extLst>
-                        <a:ext uri="{9D8B030D-6E8A-4147-A177-3AD203B41FA5}">
-                          <a16:colId xmlns:a16="http://schemas.microsoft.com/office/drawing/2014/main" val="718572341"/>
-                        </a:ext>
-                      </a:extLst>
-                    </a:gridCol>
-                    <a:gridCol w="747389">
-                      <a:extLst>
-                        <a:ext uri="{9D8B030D-6E8A-4147-A177-3AD203B41FA5}">
-                          <a16:colId xmlns:a16="http://schemas.microsoft.com/office/drawing/2014/main" val="2591767640"/>
-                        </a:ext>
-                      </a:extLst>
-                    </a:gridCol>
-                  </a:tblGrid>
-                  <a:tr h="315753">
-                    <a:tc rowSpan="2">
-                      <a:txBody>
-                        <a:bodyPr/>
-                        <a:lstStyle/>
-                        <a:p>
-                          <a:pPr indent="9525" algn="ctr">
-                            <a:lnSpc>
-                              <a:spcPct val="106000"/>
-                            </a:lnSpc>
-                            <a:spcAft>
-                              <a:spcPts val="0"/>
-                            </a:spcAft>
-                          </a:pPr>
-                          <a:r>
-                            <a:rPr lang="ru-RU" sz="1400" dirty="0">
-                              <a:effectLst/>
-                            </a:rPr>
-                            <a:t>Норм. ранжирование</a:t>
-                          </a:r>
-                          <a:endParaRPr lang="ru-RU" sz="1100" dirty="0">
-                            <a:effectLst/>
-                            <a:latin typeface="Calibri" panose="020F0502020204030204" pitchFamily="34" charset="0"/>
-                            <a:ea typeface="Calibri" panose="020F0502020204030204" pitchFamily="34" charset="0"/>
-                            <a:cs typeface="Times New Roman" panose="02020603050405020304" pitchFamily="18" charset="0"/>
-                          </a:endParaRPr>
-                        </a:p>
-                      </a:txBody>
-                      <a:tcPr marL="73025" marR="73025" marT="0" marB="0" anchor="ctr"/>
-                    </a:tc>
-                    <a:tc gridSpan="3">
-                      <a:txBody>
-                        <a:bodyPr/>
-                        <a:lstStyle/>
-                        <a:p>
-                          <a:pPr algn="ctr">
-                            <a:lnSpc>
-                              <a:spcPct val="106000"/>
-                            </a:lnSpc>
-                            <a:spcAft>
-                              <a:spcPts val="0"/>
-                            </a:spcAft>
-                          </a:pPr>
-                          <a:r>
-                            <a:rPr lang="ru-RU" sz="1400">
-                              <a:effectLst/>
-                            </a:rPr>
-                            <a:t>№ критерия</a:t>
-                          </a:r>
-                          <a:endParaRPr lang="ru-RU" sz="1100">
-                            <a:effectLst/>
-                            <a:latin typeface="Calibri" panose="020F0502020204030204" pitchFamily="34" charset="0"/>
-                            <a:ea typeface="Calibri" panose="020F0502020204030204" pitchFamily="34" charset="0"/>
-                            <a:cs typeface="Times New Roman" panose="02020603050405020304" pitchFamily="18" charset="0"/>
-                          </a:endParaRPr>
-                        </a:p>
-                      </a:txBody>
-                      <a:tcPr marL="73025" marR="73025" marT="0" marB="0" anchor="ctr"/>
-                    </a:tc>
-                    <a:tc hMerge="1">
-                      <a:txBody>
-                        <a:bodyPr/>
-                        <a:lstStyle/>
-                        <a:p>
-                          <a:endParaRPr lang="ru-RU"/>
-                        </a:p>
-                      </a:txBody>
-                      <a:tcPr/>
-                    </a:tc>
-                    <a:tc hMerge="1">
-                      <a:txBody>
-                        <a:bodyPr/>
-                        <a:lstStyle/>
-                        <a:p>
-                          <a:endParaRPr lang="ru-RU"/>
-                        </a:p>
-                      </a:txBody>
-                      <a:tcPr/>
-                    </a:tc>
-                    <a:extLst>
-                      <a:ext uri="{0D108BD9-81ED-4DB2-BD59-A6C34878D82A}">
-                        <a16:rowId xmlns:a16="http://schemas.microsoft.com/office/drawing/2014/main" val="1962512153"/>
-                      </a:ext>
-                    </a:extLst>
-                  </a:tr>
-                  <a:tr h="315753">
-                    <a:tc vMerge="1">
-                      <a:txBody>
-                        <a:bodyPr/>
-                        <a:lstStyle/>
-                        <a:p>
-                          <a:endParaRPr lang="ru-RU"/>
-                        </a:p>
-                      </a:txBody>
-                      <a:tcPr/>
-                    </a:tc>
-                    <a:tc>
-                      <a:txBody>
-                        <a:bodyPr/>
-                        <a:lstStyle/>
-                        <a:p>
-                          <a:pPr algn="ctr">
-                            <a:lnSpc>
-                              <a:spcPct val="106000"/>
-                            </a:lnSpc>
-                            <a:spcAft>
-                              <a:spcPts val="0"/>
-                            </a:spcAft>
-                          </a:pPr>
-                          <a:r>
-                            <a:rPr lang="ru-RU" sz="1400" dirty="0">
-                              <a:effectLst/>
-                            </a:rPr>
-                            <a:t>1</a:t>
-                          </a:r>
-                          <a:endParaRPr lang="ru-RU" sz="1100" dirty="0">
-                            <a:effectLst/>
-                            <a:latin typeface="Calibri" panose="020F0502020204030204" pitchFamily="34" charset="0"/>
-                            <a:ea typeface="Calibri" panose="020F0502020204030204" pitchFamily="34" charset="0"/>
-                            <a:cs typeface="Times New Roman" panose="02020603050405020304" pitchFamily="18" charset="0"/>
-                          </a:endParaRPr>
-                        </a:p>
-                      </a:txBody>
-                      <a:tcPr marL="73025" marR="73025" marT="0" marB="0" anchor="ctr"/>
-                    </a:tc>
-                    <a:tc>
-                      <a:txBody>
-                        <a:bodyPr/>
-                        <a:lstStyle/>
-                        <a:p>
-                          <a:pPr algn="ctr">
-                            <a:lnSpc>
-                              <a:spcPct val="106000"/>
-                            </a:lnSpc>
-                            <a:spcAft>
-                              <a:spcPts val="0"/>
-                            </a:spcAft>
-                          </a:pPr>
-                          <a:r>
-                            <a:rPr lang="ru-RU" sz="1400" dirty="0">
-                              <a:effectLst/>
-                            </a:rPr>
-                            <a:t>2</a:t>
-                          </a:r>
-                          <a:endParaRPr lang="ru-RU" sz="1100" dirty="0">
-                            <a:effectLst/>
-                            <a:latin typeface="Calibri" panose="020F0502020204030204" pitchFamily="34" charset="0"/>
-                            <a:ea typeface="Calibri" panose="020F0502020204030204" pitchFamily="34" charset="0"/>
-                            <a:cs typeface="Times New Roman" panose="02020603050405020304" pitchFamily="18" charset="0"/>
-                          </a:endParaRPr>
-                        </a:p>
-                      </a:txBody>
-                      <a:tcPr marL="73025" marR="73025" marT="0" marB="0" anchor="ctr"/>
-                    </a:tc>
-                    <a:tc>
-                      <a:txBody>
-                        <a:bodyPr/>
-                        <a:lstStyle/>
-                        <a:p>
-                          <a:pPr algn="ctr">
-                            <a:lnSpc>
-                              <a:spcPct val="106000"/>
-                            </a:lnSpc>
-                            <a:spcAft>
-                              <a:spcPts val="0"/>
-                            </a:spcAft>
-                          </a:pPr>
-                          <a:r>
-                            <a:rPr lang="ru-RU" sz="1400" dirty="0">
-                              <a:effectLst/>
-                            </a:rPr>
-                            <a:t>3</a:t>
-                          </a:r>
-                          <a:endParaRPr lang="ru-RU" sz="1100" dirty="0">
-                            <a:effectLst/>
-                            <a:latin typeface="Calibri" panose="020F0502020204030204" pitchFamily="34" charset="0"/>
-                            <a:ea typeface="Calibri" panose="020F0502020204030204" pitchFamily="34" charset="0"/>
-                            <a:cs typeface="Times New Roman" panose="02020603050405020304" pitchFamily="18" charset="0"/>
-                          </a:endParaRPr>
-                        </a:p>
-                      </a:txBody>
-                      <a:tcPr marL="73025" marR="73025" marT="0" marB="0" anchor="ctr"/>
-                    </a:tc>
-                    <a:extLst>
-                      <a:ext uri="{0D108BD9-81ED-4DB2-BD59-A6C34878D82A}">
-                        <a16:rowId xmlns:a16="http://schemas.microsoft.com/office/drawing/2014/main" val="2412281421"/>
-                      </a:ext>
-                    </a:extLst>
-                  </a:tr>
-                  <a:tr h="315753">
-                    <a:tc>
-                      <a:txBody>
-                        <a:bodyPr/>
-                        <a:lstStyle/>
-                        <a:p>
-                          <a:pPr algn="ctr">
-                            <a:lnSpc>
-                              <a:spcPct val="106000"/>
-                            </a:lnSpc>
-                            <a:spcAft>
-                              <a:spcPts val="0"/>
-                            </a:spcAft>
-                          </a:pPr>
-                          <a:r>
-                            <a:rPr lang="ru-RU" sz="1400">
-                              <a:effectLst/>
-                            </a:rPr>
-                            <a:t>Эксперт 1</a:t>
-                          </a:r>
-                          <a:endParaRPr lang="ru-RU" sz="1100">
-                            <a:effectLst/>
-                            <a:latin typeface="Calibri" panose="020F0502020204030204" pitchFamily="34" charset="0"/>
-                            <a:ea typeface="Calibri" panose="020F0502020204030204" pitchFamily="34" charset="0"/>
-                            <a:cs typeface="Times New Roman" panose="02020603050405020304" pitchFamily="18" charset="0"/>
-                          </a:endParaRPr>
-                        </a:p>
-                      </a:txBody>
-                      <a:tcPr marL="73025" marR="73025" marT="0" marB="0" anchor="ctr"/>
-                    </a:tc>
-                    <a:tc>
-                      <a:txBody>
-                        <a:bodyPr/>
-                        <a:lstStyle/>
-                        <a:p>
-                          <a:pPr algn="ctr">
-                            <a:lnSpc>
-                              <a:spcPct val="106000"/>
-                            </a:lnSpc>
-                            <a:spcAft>
-                              <a:spcPts val="0"/>
-                            </a:spcAft>
-                          </a:pPr>
-                          <a:r>
-                            <a:rPr lang="ru-RU" sz="1200">
-                              <a:effectLst/>
-                            </a:rPr>
-                            <a:t>3</a:t>
-                          </a:r>
-                          <a:endParaRPr lang="ru-RU" sz="1100">
-                            <a:effectLst/>
-                            <a:latin typeface="Calibri" panose="020F0502020204030204" pitchFamily="34" charset="0"/>
-                            <a:ea typeface="Calibri" panose="020F0502020204030204" pitchFamily="34" charset="0"/>
-                            <a:cs typeface="Times New Roman" panose="02020603050405020304" pitchFamily="18" charset="0"/>
-                          </a:endParaRPr>
-                        </a:p>
-                      </a:txBody>
-                      <a:tcPr marL="73025" marR="73025" marT="0" marB="0" anchor="ctr"/>
-                    </a:tc>
-                    <a:tc>
-                      <a:txBody>
-                        <a:bodyPr/>
-                        <a:lstStyle/>
-                        <a:p>
-                          <a:pPr algn="ctr">
-                            <a:lnSpc>
-                              <a:spcPct val="106000"/>
-                            </a:lnSpc>
-                            <a:spcAft>
-                              <a:spcPts val="0"/>
-                            </a:spcAft>
-                          </a:pPr>
-                          <a:r>
-                            <a:rPr lang="ru-RU" sz="1200">
-                              <a:effectLst/>
-                            </a:rPr>
-                            <a:t>2</a:t>
-                          </a:r>
-                          <a:endParaRPr lang="ru-RU" sz="1100">
-                            <a:effectLst/>
-                            <a:latin typeface="Calibri" panose="020F0502020204030204" pitchFamily="34" charset="0"/>
-                            <a:ea typeface="Calibri" panose="020F0502020204030204" pitchFamily="34" charset="0"/>
-                            <a:cs typeface="Times New Roman" panose="02020603050405020304" pitchFamily="18" charset="0"/>
-                          </a:endParaRPr>
-                        </a:p>
-                      </a:txBody>
-                      <a:tcPr marL="73025" marR="73025" marT="0" marB="0" anchor="ctr"/>
-                    </a:tc>
-                    <a:tc>
-                      <a:txBody>
-                        <a:bodyPr/>
-                        <a:lstStyle/>
-                        <a:p>
-                          <a:pPr algn="ctr">
-                            <a:lnSpc>
-                              <a:spcPct val="106000"/>
-                            </a:lnSpc>
-                            <a:spcAft>
-                              <a:spcPts val="0"/>
-                            </a:spcAft>
-                          </a:pPr>
-                          <a:r>
-                            <a:rPr lang="ru-RU" sz="1200" dirty="0">
-                              <a:effectLst/>
-                            </a:rPr>
-                            <a:t>1</a:t>
-                          </a:r>
-                          <a:endParaRPr lang="ru-RU" sz="1100" dirty="0">
-                            <a:effectLst/>
-                            <a:latin typeface="Calibri" panose="020F0502020204030204" pitchFamily="34" charset="0"/>
-                            <a:ea typeface="Calibri" panose="020F0502020204030204" pitchFamily="34" charset="0"/>
-                            <a:cs typeface="Times New Roman" panose="02020603050405020304" pitchFamily="18" charset="0"/>
-                          </a:endParaRPr>
-                        </a:p>
-                      </a:txBody>
-                      <a:tcPr marL="73025" marR="73025" marT="0" marB="0" anchor="ctr"/>
-                    </a:tc>
-                    <a:extLst>
-                      <a:ext uri="{0D108BD9-81ED-4DB2-BD59-A6C34878D82A}">
-                        <a16:rowId xmlns:a16="http://schemas.microsoft.com/office/drawing/2014/main" val="2884718959"/>
-                      </a:ext>
-                    </a:extLst>
-                  </a:tr>
-                  <a:tr h="315753">
-                    <a:tc>
-                      <a:txBody>
-                        <a:bodyPr/>
-                        <a:lstStyle/>
-                        <a:p>
-                          <a:pPr algn="ctr">
-                            <a:lnSpc>
-                              <a:spcPct val="106000"/>
-                            </a:lnSpc>
-                            <a:spcAft>
-                              <a:spcPts val="0"/>
-                            </a:spcAft>
-                          </a:pPr>
-                          <a:r>
-                            <a:rPr lang="ru-RU" sz="1400">
-                              <a:effectLst/>
-                            </a:rPr>
-                            <a:t>Эксперт 2</a:t>
-                          </a:r>
-                          <a:endParaRPr lang="ru-RU" sz="1100">
-                            <a:effectLst/>
-                            <a:latin typeface="Calibri" panose="020F0502020204030204" pitchFamily="34" charset="0"/>
-                            <a:ea typeface="Calibri" panose="020F0502020204030204" pitchFamily="34" charset="0"/>
-                            <a:cs typeface="Times New Roman" panose="02020603050405020304" pitchFamily="18" charset="0"/>
-                          </a:endParaRPr>
-                        </a:p>
-                      </a:txBody>
-                      <a:tcPr marL="73025" marR="73025" marT="0" marB="0" anchor="ctr"/>
-                    </a:tc>
-                    <a:tc>
-                      <a:txBody>
-                        <a:bodyPr/>
-                        <a:lstStyle/>
-                        <a:p>
-                          <a:pPr algn="ctr">
-                            <a:lnSpc>
-                              <a:spcPct val="106000"/>
-                            </a:lnSpc>
-                            <a:spcAft>
-                              <a:spcPts val="0"/>
-                            </a:spcAft>
-                          </a:pPr>
-                          <a:r>
-                            <a:rPr lang="ru-RU" sz="1200">
-                              <a:effectLst/>
-                            </a:rPr>
-                            <a:t>1</a:t>
-                          </a:r>
-                          <a:r>
-                            <a:rPr lang="en-US" sz="1200">
-                              <a:effectLst/>
-                            </a:rPr>
-                            <a:t>,5</a:t>
-                          </a:r>
-                          <a:endParaRPr lang="ru-RU" sz="1100">
-                            <a:effectLst/>
-                            <a:latin typeface="Calibri" panose="020F0502020204030204" pitchFamily="34" charset="0"/>
-                            <a:ea typeface="Calibri" panose="020F0502020204030204" pitchFamily="34" charset="0"/>
-                            <a:cs typeface="Times New Roman" panose="02020603050405020304" pitchFamily="18" charset="0"/>
-                          </a:endParaRPr>
-                        </a:p>
-                      </a:txBody>
-                      <a:tcPr marL="73025" marR="73025" marT="0" marB="0" anchor="ctr"/>
-                    </a:tc>
-                    <a:tc>
-                      <a:txBody>
-                        <a:bodyPr/>
-                        <a:lstStyle/>
-                        <a:p>
-                          <a:pPr algn="ctr">
-                            <a:lnSpc>
-                              <a:spcPct val="106000"/>
-                            </a:lnSpc>
-                            <a:spcAft>
-                              <a:spcPts val="0"/>
-                            </a:spcAft>
-                          </a:pPr>
-                          <a:r>
-                            <a:rPr lang="ru-RU" sz="1200">
-                              <a:effectLst/>
-                            </a:rPr>
-                            <a:t>3</a:t>
-                          </a:r>
-                          <a:endParaRPr lang="ru-RU" sz="1100">
-                            <a:effectLst/>
-                            <a:latin typeface="Calibri" panose="020F0502020204030204" pitchFamily="34" charset="0"/>
-                            <a:ea typeface="Calibri" panose="020F0502020204030204" pitchFamily="34" charset="0"/>
-                            <a:cs typeface="Times New Roman" panose="02020603050405020304" pitchFamily="18" charset="0"/>
-                          </a:endParaRPr>
-                        </a:p>
-                      </a:txBody>
-                      <a:tcPr marL="73025" marR="73025" marT="0" marB="0" anchor="ctr"/>
-                    </a:tc>
-                    <a:tc>
-                      <a:txBody>
-                        <a:bodyPr/>
-                        <a:lstStyle/>
-                        <a:p>
-                          <a:pPr algn="ctr">
-                            <a:lnSpc>
-                              <a:spcPct val="106000"/>
-                            </a:lnSpc>
-                            <a:spcAft>
-                              <a:spcPts val="0"/>
-                            </a:spcAft>
-                          </a:pPr>
-                          <a:r>
-                            <a:rPr lang="ru-RU" sz="1200">
-                              <a:effectLst/>
-                            </a:rPr>
-                            <a:t>1</a:t>
-                          </a:r>
-                          <a:r>
-                            <a:rPr lang="en-US" sz="1200">
-                              <a:effectLst/>
-                            </a:rPr>
-                            <a:t>,5</a:t>
-                          </a:r>
-                          <a:endParaRPr lang="ru-RU" sz="1100">
-                            <a:effectLst/>
-                            <a:latin typeface="Calibri" panose="020F0502020204030204" pitchFamily="34" charset="0"/>
-                            <a:ea typeface="Calibri" panose="020F0502020204030204" pitchFamily="34" charset="0"/>
-                            <a:cs typeface="Times New Roman" panose="02020603050405020304" pitchFamily="18" charset="0"/>
-                          </a:endParaRPr>
-                        </a:p>
-                      </a:txBody>
-                      <a:tcPr marL="73025" marR="73025" marT="0" marB="0" anchor="ctr"/>
-                    </a:tc>
-                    <a:extLst>
-                      <a:ext uri="{0D108BD9-81ED-4DB2-BD59-A6C34878D82A}">
-                        <a16:rowId xmlns:a16="http://schemas.microsoft.com/office/drawing/2014/main" val="1857253360"/>
-                      </a:ext>
-                    </a:extLst>
-                  </a:tr>
-                  <a:tr h="315753">
-                    <a:tc>
-                      <a:txBody>
-                        <a:bodyPr/>
-                        <a:lstStyle/>
-                        <a:p>
-                          <a:pPr algn="ctr">
-                            <a:lnSpc>
-                              <a:spcPct val="106000"/>
-                            </a:lnSpc>
-                            <a:spcAft>
-                              <a:spcPts val="0"/>
-                            </a:spcAft>
-                          </a:pPr>
-                          <a:r>
-                            <a:rPr lang="ru-RU" sz="1400">
-                              <a:effectLst/>
-                            </a:rPr>
-                            <a:t>Эксперт 3</a:t>
-                          </a:r>
-                          <a:endParaRPr lang="ru-RU" sz="1100">
-                            <a:effectLst/>
-                            <a:latin typeface="Calibri" panose="020F0502020204030204" pitchFamily="34" charset="0"/>
-                            <a:ea typeface="Calibri" panose="020F0502020204030204" pitchFamily="34" charset="0"/>
-                            <a:cs typeface="Times New Roman" panose="02020603050405020304" pitchFamily="18" charset="0"/>
-                          </a:endParaRPr>
-                        </a:p>
-                      </a:txBody>
-                      <a:tcPr marL="73025" marR="73025" marT="0" marB="0" anchor="ctr"/>
-                    </a:tc>
-                    <a:tc>
-                      <a:txBody>
-                        <a:bodyPr/>
-                        <a:lstStyle/>
-                        <a:p>
-                          <a:pPr algn="ctr">
-                            <a:lnSpc>
-                              <a:spcPct val="106000"/>
-                            </a:lnSpc>
-                            <a:spcAft>
-                              <a:spcPts val="0"/>
-                            </a:spcAft>
-                          </a:pPr>
-                          <a:r>
-                            <a:rPr lang="en-US" sz="1200">
-                              <a:effectLst/>
-                            </a:rPr>
-                            <a:t>1,5</a:t>
-                          </a:r>
-                          <a:endParaRPr lang="ru-RU" sz="1100">
-                            <a:effectLst/>
-                            <a:latin typeface="Calibri" panose="020F0502020204030204" pitchFamily="34" charset="0"/>
-                            <a:ea typeface="Calibri" panose="020F0502020204030204" pitchFamily="34" charset="0"/>
-                            <a:cs typeface="Times New Roman" panose="02020603050405020304" pitchFamily="18" charset="0"/>
-                          </a:endParaRPr>
-                        </a:p>
-                      </a:txBody>
-                      <a:tcPr marL="73025" marR="73025" marT="0" marB="0" anchor="ctr"/>
-                    </a:tc>
-                    <a:tc>
-                      <a:txBody>
-                        <a:bodyPr/>
-                        <a:lstStyle/>
-                        <a:p>
-                          <a:pPr algn="ctr">
-                            <a:lnSpc>
-                              <a:spcPct val="106000"/>
-                            </a:lnSpc>
-                            <a:spcAft>
-                              <a:spcPts val="0"/>
-                            </a:spcAft>
-                          </a:pPr>
-                          <a:r>
-                            <a:rPr lang="en-US" sz="1200">
-                              <a:effectLst/>
-                            </a:rPr>
-                            <a:t>1,5</a:t>
-                          </a:r>
-                          <a:endParaRPr lang="ru-RU" sz="1100">
-                            <a:effectLst/>
-                            <a:latin typeface="Calibri" panose="020F0502020204030204" pitchFamily="34" charset="0"/>
-                            <a:ea typeface="Calibri" panose="020F0502020204030204" pitchFamily="34" charset="0"/>
-                            <a:cs typeface="Times New Roman" panose="02020603050405020304" pitchFamily="18" charset="0"/>
-                          </a:endParaRPr>
-                        </a:p>
-                      </a:txBody>
-                      <a:tcPr marL="73025" marR="73025" marT="0" marB="0" anchor="ctr"/>
-                    </a:tc>
-                    <a:tc>
-                      <a:txBody>
-                        <a:bodyPr/>
-                        <a:lstStyle/>
-                        <a:p>
-                          <a:pPr algn="ctr">
-                            <a:lnSpc>
-                              <a:spcPct val="106000"/>
-                            </a:lnSpc>
-                            <a:spcAft>
-                              <a:spcPts val="0"/>
-                            </a:spcAft>
-                          </a:pPr>
-                          <a:r>
-                            <a:rPr lang="en-US" sz="1200">
-                              <a:effectLst/>
-                            </a:rPr>
-                            <a:t>3</a:t>
-                          </a:r>
-                          <a:endParaRPr lang="ru-RU" sz="1100">
-                            <a:effectLst/>
-                            <a:latin typeface="Calibri" panose="020F0502020204030204" pitchFamily="34" charset="0"/>
-                            <a:ea typeface="Calibri" panose="020F0502020204030204" pitchFamily="34" charset="0"/>
-                            <a:cs typeface="Times New Roman" panose="02020603050405020304" pitchFamily="18" charset="0"/>
-                          </a:endParaRPr>
-                        </a:p>
-                      </a:txBody>
-                      <a:tcPr marL="73025" marR="73025" marT="0" marB="0" anchor="ctr"/>
-                    </a:tc>
-                    <a:extLst>
-                      <a:ext uri="{0D108BD9-81ED-4DB2-BD59-A6C34878D82A}">
-                        <a16:rowId xmlns:a16="http://schemas.microsoft.com/office/drawing/2014/main" val="3351712514"/>
-                      </a:ext>
-                    </a:extLst>
-                  </a:tr>
-                  <a:tr h="315753">
-                    <a:tc>
-                      <a:txBody>
-                        <a:bodyPr/>
-                        <a:lstStyle/>
-                        <a:p>
-                          <a:pPr algn="ctr">
-                            <a:lnSpc>
-                              <a:spcPct val="106000"/>
-                            </a:lnSpc>
-                            <a:spcAft>
-                              <a:spcPts val="0"/>
-                            </a:spcAft>
-                          </a:pPr>
-                          <a:r>
-                            <a:rPr lang="ru-RU" sz="1400">
-                              <a:effectLst/>
-                            </a:rPr>
-                            <a:t>Эксперт 4</a:t>
-                          </a:r>
-                          <a:endParaRPr lang="ru-RU" sz="1100">
-                            <a:effectLst/>
-                            <a:latin typeface="Calibri" panose="020F0502020204030204" pitchFamily="34" charset="0"/>
-                            <a:ea typeface="Calibri" panose="020F0502020204030204" pitchFamily="34" charset="0"/>
-                            <a:cs typeface="Times New Roman" panose="02020603050405020304" pitchFamily="18" charset="0"/>
-                          </a:endParaRPr>
-                        </a:p>
-                      </a:txBody>
-                      <a:tcPr marL="73025" marR="73025" marT="0" marB="0" anchor="ctr"/>
-                    </a:tc>
-                    <a:tc>
-                      <a:txBody>
-                        <a:bodyPr/>
-                        <a:lstStyle/>
-                        <a:p>
-                          <a:pPr algn="ctr">
-                            <a:lnSpc>
-                              <a:spcPct val="106000"/>
-                            </a:lnSpc>
-                            <a:spcAft>
-                              <a:spcPts val="0"/>
-                            </a:spcAft>
-                          </a:pPr>
-                          <a:r>
-                            <a:rPr lang="ru-RU" sz="1200">
-                              <a:effectLst/>
-                            </a:rPr>
-                            <a:t>2</a:t>
-                          </a:r>
-                          <a:r>
-                            <a:rPr lang="en-US" sz="1200">
-                              <a:effectLst/>
-                            </a:rPr>
-                            <a:t>,5</a:t>
-                          </a:r>
-                          <a:endParaRPr lang="ru-RU" sz="1100">
-                            <a:effectLst/>
-                            <a:latin typeface="Calibri" panose="020F0502020204030204" pitchFamily="34" charset="0"/>
-                            <a:ea typeface="Calibri" panose="020F0502020204030204" pitchFamily="34" charset="0"/>
-                            <a:cs typeface="Times New Roman" panose="02020603050405020304" pitchFamily="18" charset="0"/>
-                          </a:endParaRPr>
-                        </a:p>
-                      </a:txBody>
-                      <a:tcPr marL="73025" marR="73025" marT="0" marB="0" anchor="ctr"/>
-                    </a:tc>
-                    <a:tc>
-                      <a:txBody>
-                        <a:bodyPr/>
-                        <a:lstStyle/>
-                        <a:p>
-                          <a:pPr algn="ctr">
-                            <a:lnSpc>
-                              <a:spcPct val="106000"/>
-                            </a:lnSpc>
-                            <a:spcAft>
-                              <a:spcPts val="0"/>
-                            </a:spcAft>
-                          </a:pPr>
-                          <a:r>
-                            <a:rPr lang="ru-RU" sz="1200">
-                              <a:effectLst/>
-                            </a:rPr>
-                            <a:t>1</a:t>
-                          </a:r>
-                          <a:endParaRPr lang="ru-RU" sz="1100">
-                            <a:effectLst/>
-                            <a:latin typeface="Calibri" panose="020F0502020204030204" pitchFamily="34" charset="0"/>
-                            <a:ea typeface="Calibri" panose="020F0502020204030204" pitchFamily="34" charset="0"/>
-                            <a:cs typeface="Times New Roman" panose="02020603050405020304" pitchFamily="18" charset="0"/>
-                          </a:endParaRPr>
-                        </a:p>
-                      </a:txBody>
-                      <a:tcPr marL="73025" marR="73025" marT="0" marB="0" anchor="ctr"/>
-                    </a:tc>
-                    <a:tc>
-                      <a:txBody>
-                        <a:bodyPr/>
-                        <a:lstStyle/>
-                        <a:p>
-                          <a:pPr algn="ctr">
-                            <a:lnSpc>
-                              <a:spcPct val="106000"/>
-                            </a:lnSpc>
-                            <a:spcAft>
-                              <a:spcPts val="0"/>
-                            </a:spcAft>
-                          </a:pPr>
-                          <a:r>
-                            <a:rPr lang="ru-RU" sz="1200">
-                              <a:effectLst/>
-                            </a:rPr>
-                            <a:t>2</a:t>
-                          </a:r>
-                          <a:r>
-                            <a:rPr lang="en-US" sz="1200">
-                              <a:effectLst/>
-                            </a:rPr>
-                            <a:t>,5</a:t>
-                          </a:r>
-                          <a:endParaRPr lang="ru-RU" sz="1100">
-                            <a:effectLst/>
-                            <a:latin typeface="Calibri" panose="020F0502020204030204" pitchFamily="34" charset="0"/>
-                            <a:ea typeface="Calibri" panose="020F0502020204030204" pitchFamily="34" charset="0"/>
-                            <a:cs typeface="Times New Roman" panose="02020603050405020304" pitchFamily="18" charset="0"/>
-                          </a:endParaRPr>
-                        </a:p>
-                      </a:txBody>
-                      <a:tcPr marL="73025" marR="73025" marT="0" marB="0" anchor="ctr"/>
-                    </a:tc>
-                    <a:extLst>
-                      <a:ext uri="{0D108BD9-81ED-4DB2-BD59-A6C34878D82A}">
-                        <a16:rowId xmlns:a16="http://schemas.microsoft.com/office/drawing/2014/main" val="4246673890"/>
-                      </a:ext>
-                    </a:extLst>
-                  </a:tr>
-                  <a:tr h="315753">
-                    <a:tc>
-                      <a:txBody>
-                        <a:bodyPr/>
-                        <a:lstStyle/>
-                        <a:p>
-                          <a:pPr algn="ctr">
-                            <a:lnSpc>
-                              <a:spcPct val="106000"/>
-                            </a:lnSpc>
-                            <a:spcAft>
-                              <a:spcPts val="0"/>
-                            </a:spcAft>
-                          </a:pPr>
-                          <a:r>
-                            <a:rPr lang="ru-RU" sz="1400">
-                              <a:effectLst/>
-                            </a:rPr>
-                            <a:t>Эксперт 5</a:t>
-                          </a:r>
-                          <a:endParaRPr lang="ru-RU" sz="1100">
-                            <a:effectLst/>
-                            <a:latin typeface="Calibri" panose="020F0502020204030204" pitchFamily="34" charset="0"/>
-                            <a:ea typeface="Calibri" panose="020F0502020204030204" pitchFamily="34" charset="0"/>
-                            <a:cs typeface="Times New Roman" panose="02020603050405020304" pitchFamily="18" charset="0"/>
-                          </a:endParaRPr>
-                        </a:p>
-                      </a:txBody>
-                      <a:tcPr marL="73025" marR="73025" marT="0" marB="0" anchor="ctr"/>
-                    </a:tc>
-                    <a:tc>
-                      <a:txBody>
-                        <a:bodyPr/>
-                        <a:lstStyle/>
-                        <a:p>
-                          <a:pPr algn="ctr">
-                            <a:lnSpc>
-                              <a:spcPct val="106000"/>
-                            </a:lnSpc>
-                            <a:spcAft>
-                              <a:spcPts val="0"/>
-                            </a:spcAft>
-                          </a:pPr>
-                          <a:r>
-                            <a:rPr lang="en-US" sz="1200">
-                              <a:effectLst/>
-                            </a:rPr>
-                            <a:t>1,5</a:t>
-                          </a:r>
-                          <a:endParaRPr lang="ru-RU" sz="1100">
-                            <a:effectLst/>
-                            <a:latin typeface="Calibri" panose="020F0502020204030204" pitchFamily="34" charset="0"/>
-                            <a:ea typeface="Calibri" panose="020F0502020204030204" pitchFamily="34" charset="0"/>
-                            <a:cs typeface="Times New Roman" panose="02020603050405020304" pitchFamily="18" charset="0"/>
-                          </a:endParaRPr>
-                        </a:p>
-                      </a:txBody>
-                      <a:tcPr marL="73025" marR="73025" marT="0" marB="0" anchor="ctr"/>
-                    </a:tc>
-                    <a:tc>
-                      <a:txBody>
-                        <a:bodyPr/>
-                        <a:lstStyle/>
-                        <a:p>
-                          <a:pPr algn="ctr">
-                            <a:lnSpc>
-                              <a:spcPct val="106000"/>
-                            </a:lnSpc>
-                            <a:spcAft>
-                              <a:spcPts val="0"/>
-                            </a:spcAft>
-                          </a:pPr>
-                          <a:r>
-                            <a:rPr lang="en-US" sz="1200">
-                              <a:effectLst/>
-                            </a:rPr>
-                            <a:t>3</a:t>
-                          </a:r>
-                          <a:endParaRPr lang="ru-RU" sz="1100">
-                            <a:effectLst/>
-                            <a:latin typeface="Calibri" panose="020F0502020204030204" pitchFamily="34" charset="0"/>
-                            <a:ea typeface="Calibri" panose="020F0502020204030204" pitchFamily="34" charset="0"/>
-                            <a:cs typeface="Times New Roman" panose="02020603050405020304" pitchFamily="18" charset="0"/>
-                          </a:endParaRPr>
-                        </a:p>
-                      </a:txBody>
-                      <a:tcPr marL="73025" marR="73025" marT="0" marB="0" anchor="ctr"/>
-                    </a:tc>
-                    <a:tc>
-                      <a:txBody>
-                        <a:bodyPr/>
-                        <a:lstStyle/>
-                        <a:p>
-                          <a:pPr algn="ctr">
-                            <a:lnSpc>
-                              <a:spcPct val="106000"/>
-                            </a:lnSpc>
-                            <a:spcAft>
-                              <a:spcPts val="0"/>
-                            </a:spcAft>
-                          </a:pPr>
-                          <a:r>
-                            <a:rPr lang="en-US" sz="1200">
-                              <a:effectLst/>
-                            </a:rPr>
-                            <a:t>1,5</a:t>
-                          </a:r>
-                          <a:endParaRPr lang="ru-RU" sz="1100">
-                            <a:effectLst/>
-                            <a:latin typeface="Calibri" panose="020F0502020204030204" pitchFamily="34" charset="0"/>
-                            <a:ea typeface="Calibri" panose="020F0502020204030204" pitchFamily="34" charset="0"/>
-                            <a:cs typeface="Times New Roman" panose="02020603050405020304" pitchFamily="18" charset="0"/>
-                          </a:endParaRPr>
-                        </a:p>
-                      </a:txBody>
-                      <a:tcPr marL="73025" marR="73025" marT="0" marB="0" anchor="ctr"/>
-                    </a:tc>
-                    <a:extLst>
-                      <a:ext uri="{0D108BD9-81ED-4DB2-BD59-A6C34878D82A}">
-                        <a16:rowId xmlns:a16="http://schemas.microsoft.com/office/drawing/2014/main" val="2696010294"/>
-                      </a:ext>
-                    </a:extLst>
-                  </a:tr>
-                  <a:tr h="617421">
-                    <a:tc>
-                      <a:txBody>
-                        <a:bodyPr/>
-                        <a:lstStyle/>
-                        <a:p>
-                          <a:pPr algn="ctr">
-                            <a:lnSpc>
-                              <a:spcPct val="106000"/>
-                            </a:lnSpc>
-                            <a:spcAft>
-                              <a:spcPts val="0"/>
-                            </a:spcAft>
-                          </a:pPr>
-                          <a14:m>
-                            <m:oMathPara xmlns:m="http://schemas.openxmlformats.org/officeDocument/2006/math">
-                              <m:oMathParaPr>
-                                <m:jc m:val="centerGroup"/>
-                              </m:oMathParaPr>
-                              <m:oMath xmlns:m="http://schemas.openxmlformats.org/officeDocument/2006/math">
-                                <m:sSub>
-                                  <m:sSubPr>
-                                    <m:ctrlPr>
-                                      <a:rPr lang="ru-RU" sz="1100" i="1">
-                                        <a:effectLst/>
-                                        <a:latin typeface="Cambria Math" panose="02040503050406030204" pitchFamily="18" charset="0"/>
-                                      </a:rPr>
-                                    </m:ctrlPr>
-                                  </m:sSubPr>
-                                  <m:e>
-                                    <m:r>
-                                      <a:rPr lang="ru-RU" sz="1100">
-                                        <a:effectLst/>
-                                        <a:latin typeface="Cambria Math" panose="02040503050406030204" pitchFamily="18" charset="0"/>
-                                      </a:rPr>
-                                      <m:t>𝑿</m:t>
-                                    </m:r>
-                                  </m:e>
-                                  <m:sub>
-                                    <m:r>
-                                      <a:rPr lang="ru-RU" sz="1100">
-                                        <a:effectLst/>
-                                        <a:latin typeface="Cambria Math" panose="02040503050406030204" pitchFamily="18" charset="0"/>
-                                      </a:rPr>
-                                      <m:t>𝒋</m:t>
-                                    </m:r>
-                                  </m:sub>
-                                </m:sSub>
-                                <m:r>
-                                  <a:rPr lang="ru-RU" sz="1100">
-                                    <a:effectLst/>
-                                    <a:latin typeface="Cambria Math" panose="02040503050406030204" pitchFamily="18" charset="0"/>
-                                  </a:rPr>
-                                  <m:t>=</m:t>
-                                </m:r>
-                                <m:nary>
-                                  <m:naryPr>
-                                    <m:chr m:val="∑"/>
-                                    <m:limLoc m:val="undOvr"/>
-                                    <m:ctrlPr>
-                                      <a:rPr lang="ru-RU" sz="1100" i="1">
-                                        <a:effectLst/>
-                                        <a:latin typeface="Cambria Math" panose="02040503050406030204" pitchFamily="18" charset="0"/>
-                                      </a:rPr>
-                                    </m:ctrlPr>
-                                  </m:naryPr>
-                                  <m:sub>
-                                    <m:r>
-                                      <a:rPr lang="en-US" sz="1100">
-                                        <a:effectLst/>
-                                        <a:latin typeface="Cambria Math" panose="02040503050406030204" pitchFamily="18" charset="0"/>
-                                      </a:rPr>
-                                      <m:t>𝒊</m:t>
-                                    </m:r>
-                                    <m:r>
-                                      <a:rPr lang="ru-RU" sz="1100">
-                                        <a:effectLst/>
-                                        <a:latin typeface="Cambria Math" panose="02040503050406030204" pitchFamily="18" charset="0"/>
-                                      </a:rPr>
-                                      <m:t>=</m:t>
-                                    </m:r>
-                                    <m:r>
-                                      <a:rPr lang="ru-RU" sz="1100">
-                                        <a:effectLst/>
-                                        <a:latin typeface="Cambria Math" panose="02040503050406030204" pitchFamily="18" charset="0"/>
-                                      </a:rPr>
-                                      <m:t>𝟏</m:t>
-                                    </m:r>
-                                  </m:sub>
-                                  <m:sup>
-                                    <m:r>
-                                      <a:rPr lang="ru-RU" sz="1100">
-                                        <a:effectLst/>
-                                        <a:latin typeface="Cambria Math" panose="02040503050406030204" pitchFamily="18" charset="0"/>
-                                      </a:rPr>
-                                      <m:t>𝒎</m:t>
-                                    </m:r>
-                                  </m:sup>
-                                  <m:e>
-                                    <m:sSub>
-                                      <m:sSubPr>
-                                        <m:ctrlPr>
-                                          <a:rPr lang="ru-RU" sz="1100" i="1">
-                                            <a:effectLst/>
-                                            <a:latin typeface="Cambria Math" panose="02040503050406030204" pitchFamily="18" charset="0"/>
-                                          </a:rPr>
-                                        </m:ctrlPr>
-                                      </m:sSubPr>
-                                      <m:e>
-                                        <m:sSub>
-                                          <m:sSubPr>
-                                            <m:ctrlPr>
-                                              <a:rPr lang="ru-RU" sz="1100" i="1">
-                                                <a:effectLst/>
-                                                <a:latin typeface="Cambria Math" panose="02040503050406030204" pitchFamily="18" charset="0"/>
-                                              </a:rPr>
-                                            </m:ctrlPr>
-                                          </m:sSubPr>
-                                          <m:e>
-                                            <m:r>
-                                              <a:rPr lang="ru-RU" sz="1100">
-                                                <a:effectLst/>
-                                                <a:latin typeface="Cambria Math" panose="02040503050406030204" pitchFamily="18" charset="0"/>
-                                              </a:rPr>
-                                              <m:t>𝑿</m:t>
-                                            </m:r>
-                                          </m:e>
-                                          <m:sub>
-                                            <m:r>
-                                              <a:rPr lang="ru-RU" sz="1100">
-                                                <a:effectLst/>
-                                                <a:latin typeface="Cambria Math" panose="02040503050406030204" pitchFamily="18" charset="0"/>
-                                              </a:rPr>
-                                              <m:t>𝒊𝒋</m:t>
-                                            </m:r>
-                                          </m:sub>
-                                        </m:sSub>
-                                      </m:e>
-                                      <m:sub>
-                                        <m:r>
-                                          <a:rPr lang="ru-RU" sz="1100">
-                                            <a:effectLst/>
-                                            <a:latin typeface="Cambria Math" panose="02040503050406030204" pitchFamily="18" charset="0"/>
-                                          </a:rPr>
-                                          <m:t> </m:t>
-                                        </m:r>
-                                      </m:sub>
-                                    </m:sSub>
-                                  </m:e>
-                                </m:nary>
-                              </m:oMath>
-                            </m:oMathPara>
-                          </a14:m>
-                          <a:endParaRPr lang="ru-RU" sz="1100" dirty="0">
-                            <a:effectLst/>
-                            <a:latin typeface="Calibri" panose="020F0502020204030204" pitchFamily="34" charset="0"/>
-                            <a:ea typeface="Calibri" panose="020F0502020204030204" pitchFamily="34" charset="0"/>
-                            <a:cs typeface="Times New Roman" panose="02020603050405020304" pitchFamily="18" charset="0"/>
-                          </a:endParaRPr>
-                        </a:p>
-                      </a:txBody>
-                      <a:tcPr marL="73025" marR="73025" marT="0" marB="0" anchor="ctr"/>
-                    </a:tc>
-                    <a:tc>
-                      <a:txBody>
-                        <a:bodyPr/>
-                        <a:lstStyle/>
-                        <a:p>
-                          <a:pPr algn="ctr">
-                            <a:lnSpc>
-                              <a:spcPct val="106000"/>
-                            </a:lnSpc>
-                            <a:spcAft>
-                              <a:spcPts val="0"/>
-                            </a:spcAft>
-                          </a:pPr>
-                          <a:r>
-                            <a:rPr lang="ru-RU" sz="1200">
-                              <a:effectLst/>
-                            </a:rPr>
-                            <a:t>10</a:t>
-                          </a:r>
-                          <a:endParaRPr lang="ru-RU" sz="1100">
-                            <a:effectLst/>
-                            <a:latin typeface="Calibri" panose="020F0502020204030204" pitchFamily="34" charset="0"/>
-                            <a:ea typeface="Calibri" panose="020F0502020204030204" pitchFamily="34" charset="0"/>
-                            <a:cs typeface="Times New Roman" panose="02020603050405020304" pitchFamily="18" charset="0"/>
-                          </a:endParaRPr>
-                        </a:p>
-                      </a:txBody>
-                      <a:tcPr marL="73025" marR="73025" marT="0" marB="0" anchor="ctr"/>
-                    </a:tc>
-                    <a:tc>
-                      <a:txBody>
-                        <a:bodyPr/>
-                        <a:lstStyle/>
-                        <a:p>
-                          <a:pPr algn="ctr">
-                            <a:lnSpc>
-                              <a:spcPct val="106000"/>
-                            </a:lnSpc>
-                            <a:spcAft>
-                              <a:spcPts val="0"/>
-                            </a:spcAft>
-                          </a:pPr>
-                          <a:r>
-                            <a:rPr lang="ru-RU" sz="1200">
-                              <a:effectLst/>
-                            </a:rPr>
-                            <a:t>10</a:t>
-                          </a:r>
-                          <a:r>
-                            <a:rPr lang="en-US" sz="1200">
-                              <a:effectLst/>
-                            </a:rPr>
-                            <a:t>,5</a:t>
-                          </a:r>
-                          <a:endParaRPr lang="ru-RU" sz="1100">
-                            <a:effectLst/>
-                            <a:latin typeface="Calibri" panose="020F0502020204030204" pitchFamily="34" charset="0"/>
-                            <a:ea typeface="Calibri" panose="020F0502020204030204" pitchFamily="34" charset="0"/>
-                            <a:cs typeface="Times New Roman" panose="02020603050405020304" pitchFamily="18" charset="0"/>
-                          </a:endParaRPr>
-                        </a:p>
-                      </a:txBody>
-                      <a:tcPr marL="73025" marR="73025" marT="0" marB="0" anchor="ctr"/>
-                    </a:tc>
-                    <a:tc>
-                      <a:txBody>
-                        <a:bodyPr/>
-                        <a:lstStyle/>
-                        <a:p>
-                          <a:pPr algn="ctr">
-                            <a:lnSpc>
-                              <a:spcPct val="106000"/>
-                            </a:lnSpc>
-                            <a:spcAft>
-                              <a:spcPts val="0"/>
-                            </a:spcAft>
-                          </a:pPr>
-                          <a:r>
-                            <a:rPr lang="en-US" sz="1200" dirty="0">
-                              <a:effectLst/>
-                            </a:rPr>
-                            <a:t>9,5</a:t>
-                          </a:r>
-                          <a:endParaRPr lang="ru-RU" sz="1100" dirty="0">
-                            <a:effectLst/>
-                            <a:latin typeface="Calibri" panose="020F0502020204030204" pitchFamily="34" charset="0"/>
-                            <a:ea typeface="Calibri" panose="020F0502020204030204" pitchFamily="34" charset="0"/>
-                            <a:cs typeface="Times New Roman" panose="02020603050405020304" pitchFamily="18" charset="0"/>
-                          </a:endParaRPr>
-                        </a:p>
-                      </a:txBody>
-                      <a:tcPr marL="73025" marR="73025" marT="0" marB="0" anchor="ctr"/>
-                    </a:tc>
-                    <a:extLst>
-                      <a:ext uri="{0D108BD9-81ED-4DB2-BD59-A6C34878D82A}">
-                        <a16:rowId xmlns:a16="http://schemas.microsoft.com/office/drawing/2014/main" val="2107736999"/>
-                      </a:ext>
-                    </a:extLst>
-                  </a:tr>
-                </a:tbl>
-              </a:graphicData>
-            </a:graphic>
-          </p:graphicFrame>
-        </mc:Choice>
-        <mc:Fallback xmlns="">
-          <p:graphicFrame>
-            <p:nvGraphicFramePr>
-              <p:cNvPr id="22" name="Таблица 21"/>
-              <p:cNvGraphicFramePr>
-                <a:graphicFrameLocks noGrp="1"/>
-              </p:cNvGraphicFramePr>
-              <p:nvPr>
-                <p:extLst>
-                  <p:ext uri="{D42A27DB-BD31-4B8C-83A1-F6EECF244321}">
-                    <p14:modId xmlns:p14="http://schemas.microsoft.com/office/powerpoint/2010/main" val="1715255604"/>
-                  </p:ext>
-                </p:extLst>
-              </p:nvPr>
-            </p:nvGraphicFramePr>
-            <p:xfrm>
-              <a:off x="8436780" y="1690688"/>
-              <a:ext cx="3559277" cy="2827692"/>
-            </p:xfrm>
-            <a:graphic>
-              <a:graphicData uri="http://schemas.openxmlformats.org/drawingml/2006/table">
-                <a:tbl>
-                  <a:tblPr firstRow="1" firstCol="1" bandRow="1">
-                    <a:tableStyleId>{21E4AEA4-8DFA-4A89-87EB-49C32662AFE0}</a:tableStyleId>
-                  </a:tblPr>
-                  <a:tblGrid>
-                    <a:gridCol w="1599849">
-                      <a:extLst>
-                        <a:ext uri="{9D8B030D-6E8A-4147-A177-3AD203B41FA5}">
-                          <a16:colId xmlns:a16="http://schemas.microsoft.com/office/drawing/2014/main" val="1205946314"/>
-                        </a:ext>
-                      </a:extLst>
-                    </a:gridCol>
-                    <a:gridCol w="648789">
-                      <a:extLst>
-                        <a:ext uri="{9D8B030D-6E8A-4147-A177-3AD203B41FA5}">
-                          <a16:colId xmlns:a16="http://schemas.microsoft.com/office/drawing/2014/main" val="2605779932"/>
-                        </a:ext>
-                      </a:extLst>
-                    </a:gridCol>
-                    <a:gridCol w="563250">
-                      <a:extLst>
-                        <a:ext uri="{9D8B030D-6E8A-4147-A177-3AD203B41FA5}">
-                          <a16:colId xmlns:a16="http://schemas.microsoft.com/office/drawing/2014/main" val="718572341"/>
-                        </a:ext>
-                      </a:extLst>
-                    </a:gridCol>
-                    <a:gridCol w="747389">
-                      <a:extLst>
-                        <a:ext uri="{9D8B030D-6E8A-4147-A177-3AD203B41FA5}">
-                          <a16:colId xmlns:a16="http://schemas.microsoft.com/office/drawing/2014/main" val="2591767640"/>
-                        </a:ext>
-                      </a:extLst>
-                    </a:gridCol>
-                  </a:tblGrid>
-                  <a:tr h="315753">
-                    <a:tc rowSpan="2">
-                      <a:txBody>
-                        <a:bodyPr/>
-                        <a:lstStyle/>
-                        <a:p>
-                          <a:pPr indent="9525" algn="ctr">
-                            <a:lnSpc>
-                              <a:spcPct val="106000"/>
-                            </a:lnSpc>
-                            <a:spcAft>
-                              <a:spcPts val="0"/>
-                            </a:spcAft>
-                          </a:pPr>
-                          <a:r>
-                            <a:rPr lang="ru-RU" sz="1400" dirty="0">
-                              <a:effectLst/>
-                            </a:rPr>
-                            <a:t>Норм. ранжирование</a:t>
-                          </a:r>
-                          <a:endParaRPr lang="ru-RU" sz="1100" dirty="0">
-                            <a:effectLst/>
-                            <a:latin typeface="Calibri" panose="020F0502020204030204" pitchFamily="34" charset="0"/>
-                            <a:ea typeface="Calibri" panose="020F0502020204030204" pitchFamily="34" charset="0"/>
-                            <a:cs typeface="Times New Roman" panose="02020603050405020304" pitchFamily="18" charset="0"/>
-                          </a:endParaRPr>
-                        </a:p>
-                      </a:txBody>
-                      <a:tcPr marL="73025" marR="73025" marT="0" marB="0" anchor="ctr"/>
-                    </a:tc>
-                    <a:tc gridSpan="3">
-                      <a:txBody>
-                        <a:bodyPr/>
-                        <a:lstStyle/>
-                        <a:p>
-                          <a:pPr algn="ctr">
-                            <a:lnSpc>
-                              <a:spcPct val="106000"/>
-                            </a:lnSpc>
-                            <a:spcAft>
-                              <a:spcPts val="0"/>
-                            </a:spcAft>
-                          </a:pPr>
-                          <a:r>
-                            <a:rPr lang="ru-RU" sz="1400">
-                              <a:effectLst/>
-                            </a:rPr>
-                            <a:t>№ критерия</a:t>
-                          </a:r>
-                          <a:endParaRPr lang="ru-RU" sz="1100">
-                            <a:effectLst/>
-                            <a:latin typeface="Calibri" panose="020F0502020204030204" pitchFamily="34" charset="0"/>
-                            <a:ea typeface="Calibri" panose="020F0502020204030204" pitchFamily="34" charset="0"/>
-                            <a:cs typeface="Times New Roman" panose="02020603050405020304" pitchFamily="18" charset="0"/>
-                          </a:endParaRPr>
-                        </a:p>
-                      </a:txBody>
-                      <a:tcPr marL="73025" marR="73025" marT="0" marB="0" anchor="ctr"/>
-                    </a:tc>
-                    <a:tc hMerge="1">
-                      <a:txBody>
-                        <a:bodyPr/>
-                        <a:lstStyle/>
-                        <a:p>
-                          <a:endParaRPr lang="ru-RU"/>
-                        </a:p>
-                      </a:txBody>
-                      <a:tcPr/>
-                    </a:tc>
-                    <a:tc hMerge="1">
-                      <a:txBody>
-                        <a:bodyPr/>
-                        <a:lstStyle/>
-                        <a:p>
-                          <a:endParaRPr lang="ru-RU"/>
-                        </a:p>
-                      </a:txBody>
-                      <a:tcPr/>
-                    </a:tc>
-                    <a:extLst>
-                      <a:ext uri="{0D108BD9-81ED-4DB2-BD59-A6C34878D82A}">
-                        <a16:rowId xmlns:a16="http://schemas.microsoft.com/office/drawing/2014/main" val="1962512153"/>
-                      </a:ext>
-                    </a:extLst>
-                  </a:tr>
-                  <a:tr h="315753">
-                    <a:tc vMerge="1">
-                      <a:txBody>
-                        <a:bodyPr/>
-                        <a:lstStyle/>
-                        <a:p>
-                          <a:endParaRPr lang="ru-RU"/>
-                        </a:p>
-                      </a:txBody>
-                      <a:tcPr/>
-                    </a:tc>
-                    <a:tc>
-                      <a:txBody>
-                        <a:bodyPr/>
-                        <a:lstStyle/>
-                        <a:p>
-                          <a:pPr algn="ctr">
-                            <a:lnSpc>
-                              <a:spcPct val="106000"/>
-                            </a:lnSpc>
-                            <a:spcAft>
-                              <a:spcPts val="0"/>
-                            </a:spcAft>
-                          </a:pPr>
-                          <a:r>
-                            <a:rPr lang="ru-RU" sz="1400" dirty="0">
-                              <a:effectLst/>
-                            </a:rPr>
-                            <a:t>1</a:t>
-                          </a:r>
-                          <a:endParaRPr lang="ru-RU" sz="1100" dirty="0">
-                            <a:effectLst/>
-                            <a:latin typeface="Calibri" panose="020F0502020204030204" pitchFamily="34" charset="0"/>
-                            <a:ea typeface="Calibri" panose="020F0502020204030204" pitchFamily="34" charset="0"/>
-                            <a:cs typeface="Times New Roman" panose="02020603050405020304" pitchFamily="18" charset="0"/>
-                          </a:endParaRPr>
-                        </a:p>
-                      </a:txBody>
-                      <a:tcPr marL="73025" marR="73025" marT="0" marB="0" anchor="ctr"/>
-                    </a:tc>
-                    <a:tc>
-                      <a:txBody>
-                        <a:bodyPr/>
-                        <a:lstStyle/>
-                        <a:p>
-                          <a:pPr algn="ctr">
-                            <a:lnSpc>
-                              <a:spcPct val="106000"/>
-                            </a:lnSpc>
-                            <a:spcAft>
-                              <a:spcPts val="0"/>
-                            </a:spcAft>
-                          </a:pPr>
-                          <a:r>
-                            <a:rPr lang="ru-RU" sz="1400" dirty="0">
-                              <a:effectLst/>
-                            </a:rPr>
-                            <a:t>2</a:t>
-                          </a:r>
-                          <a:endParaRPr lang="ru-RU" sz="1100" dirty="0">
-                            <a:effectLst/>
-                            <a:latin typeface="Calibri" panose="020F0502020204030204" pitchFamily="34" charset="0"/>
-                            <a:ea typeface="Calibri" panose="020F0502020204030204" pitchFamily="34" charset="0"/>
-                            <a:cs typeface="Times New Roman" panose="02020603050405020304" pitchFamily="18" charset="0"/>
-                          </a:endParaRPr>
-                        </a:p>
-                      </a:txBody>
-                      <a:tcPr marL="73025" marR="73025" marT="0" marB="0" anchor="ctr"/>
-                    </a:tc>
-                    <a:tc>
-                      <a:txBody>
-                        <a:bodyPr/>
-                        <a:lstStyle/>
-                        <a:p>
-                          <a:pPr algn="ctr">
-                            <a:lnSpc>
-                              <a:spcPct val="106000"/>
-                            </a:lnSpc>
-                            <a:spcAft>
-                              <a:spcPts val="0"/>
-                            </a:spcAft>
-                          </a:pPr>
-                          <a:r>
-                            <a:rPr lang="ru-RU" sz="1400" dirty="0">
-                              <a:effectLst/>
-                            </a:rPr>
-                            <a:t>3</a:t>
-                          </a:r>
-                          <a:endParaRPr lang="ru-RU" sz="1100" dirty="0">
-                            <a:effectLst/>
-                            <a:latin typeface="Calibri" panose="020F0502020204030204" pitchFamily="34" charset="0"/>
-                            <a:ea typeface="Calibri" panose="020F0502020204030204" pitchFamily="34" charset="0"/>
-                            <a:cs typeface="Times New Roman" panose="02020603050405020304" pitchFamily="18" charset="0"/>
-                          </a:endParaRPr>
-                        </a:p>
-                      </a:txBody>
-                      <a:tcPr marL="73025" marR="73025" marT="0" marB="0" anchor="ctr"/>
-                    </a:tc>
-                    <a:extLst>
-                      <a:ext uri="{0D108BD9-81ED-4DB2-BD59-A6C34878D82A}">
-                        <a16:rowId xmlns:a16="http://schemas.microsoft.com/office/drawing/2014/main" val="2412281421"/>
-                      </a:ext>
-                    </a:extLst>
-                  </a:tr>
-                  <a:tr h="315753">
-                    <a:tc>
-                      <a:txBody>
-                        <a:bodyPr/>
-                        <a:lstStyle/>
-                        <a:p>
-                          <a:pPr algn="ctr">
-                            <a:lnSpc>
-                              <a:spcPct val="106000"/>
-                            </a:lnSpc>
-                            <a:spcAft>
-                              <a:spcPts val="0"/>
-                            </a:spcAft>
-                          </a:pPr>
-                          <a:r>
-                            <a:rPr lang="ru-RU" sz="1400">
-                              <a:effectLst/>
-                            </a:rPr>
-                            <a:t>Эксперт 1</a:t>
-                          </a:r>
-                          <a:endParaRPr lang="ru-RU" sz="1100">
-                            <a:effectLst/>
-                            <a:latin typeface="Calibri" panose="020F0502020204030204" pitchFamily="34" charset="0"/>
-                            <a:ea typeface="Calibri" panose="020F0502020204030204" pitchFamily="34" charset="0"/>
-                            <a:cs typeface="Times New Roman" panose="02020603050405020304" pitchFamily="18" charset="0"/>
-                          </a:endParaRPr>
-                        </a:p>
-                      </a:txBody>
-                      <a:tcPr marL="73025" marR="73025" marT="0" marB="0" anchor="ctr"/>
-                    </a:tc>
-                    <a:tc>
-                      <a:txBody>
-                        <a:bodyPr/>
-                        <a:lstStyle/>
-                        <a:p>
-                          <a:pPr algn="ctr">
-                            <a:lnSpc>
-                              <a:spcPct val="106000"/>
-                            </a:lnSpc>
-                            <a:spcAft>
-                              <a:spcPts val="0"/>
-                            </a:spcAft>
-                          </a:pPr>
-                          <a:r>
-                            <a:rPr lang="ru-RU" sz="1200">
-                              <a:effectLst/>
-                            </a:rPr>
-                            <a:t>3</a:t>
-                          </a:r>
-                          <a:endParaRPr lang="ru-RU" sz="1100">
-                            <a:effectLst/>
-                            <a:latin typeface="Calibri" panose="020F0502020204030204" pitchFamily="34" charset="0"/>
-                            <a:ea typeface="Calibri" panose="020F0502020204030204" pitchFamily="34" charset="0"/>
-                            <a:cs typeface="Times New Roman" panose="02020603050405020304" pitchFamily="18" charset="0"/>
-                          </a:endParaRPr>
-                        </a:p>
-                      </a:txBody>
-                      <a:tcPr marL="73025" marR="73025" marT="0" marB="0" anchor="ctr"/>
-                    </a:tc>
-                    <a:tc>
-                      <a:txBody>
-                        <a:bodyPr/>
-                        <a:lstStyle/>
-                        <a:p>
-                          <a:pPr algn="ctr">
-                            <a:lnSpc>
-                              <a:spcPct val="106000"/>
-                            </a:lnSpc>
-                            <a:spcAft>
-                              <a:spcPts val="0"/>
-                            </a:spcAft>
-                          </a:pPr>
-                          <a:r>
-                            <a:rPr lang="ru-RU" sz="1200">
-                              <a:effectLst/>
-                            </a:rPr>
-                            <a:t>2</a:t>
-                          </a:r>
-                          <a:endParaRPr lang="ru-RU" sz="1100">
-                            <a:effectLst/>
-                            <a:latin typeface="Calibri" panose="020F0502020204030204" pitchFamily="34" charset="0"/>
-                            <a:ea typeface="Calibri" panose="020F0502020204030204" pitchFamily="34" charset="0"/>
-                            <a:cs typeface="Times New Roman" panose="02020603050405020304" pitchFamily="18" charset="0"/>
-                          </a:endParaRPr>
-                        </a:p>
-                      </a:txBody>
-                      <a:tcPr marL="73025" marR="73025" marT="0" marB="0" anchor="ctr"/>
-                    </a:tc>
-                    <a:tc>
-                      <a:txBody>
-                        <a:bodyPr/>
-                        <a:lstStyle/>
-                        <a:p>
-                          <a:pPr algn="ctr">
-                            <a:lnSpc>
-                              <a:spcPct val="106000"/>
-                            </a:lnSpc>
-                            <a:spcAft>
-                              <a:spcPts val="0"/>
-                            </a:spcAft>
-                          </a:pPr>
-                          <a:r>
-                            <a:rPr lang="ru-RU" sz="1200" dirty="0">
-                              <a:effectLst/>
-                            </a:rPr>
-                            <a:t>1</a:t>
-                          </a:r>
-                          <a:endParaRPr lang="ru-RU" sz="1100" dirty="0">
-                            <a:effectLst/>
-                            <a:latin typeface="Calibri" panose="020F0502020204030204" pitchFamily="34" charset="0"/>
-                            <a:ea typeface="Calibri" panose="020F0502020204030204" pitchFamily="34" charset="0"/>
-                            <a:cs typeface="Times New Roman" panose="02020603050405020304" pitchFamily="18" charset="0"/>
-                          </a:endParaRPr>
-                        </a:p>
-                      </a:txBody>
-                      <a:tcPr marL="73025" marR="73025" marT="0" marB="0" anchor="ctr"/>
-                    </a:tc>
-                    <a:extLst>
-                      <a:ext uri="{0D108BD9-81ED-4DB2-BD59-A6C34878D82A}">
-                        <a16:rowId xmlns:a16="http://schemas.microsoft.com/office/drawing/2014/main" val="2884718959"/>
-                      </a:ext>
-                    </a:extLst>
-                  </a:tr>
-                  <a:tr h="315753">
-                    <a:tc>
-                      <a:txBody>
-                        <a:bodyPr/>
-                        <a:lstStyle/>
-                        <a:p>
-                          <a:pPr algn="ctr">
-                            <a:lnSpc>
-                              <a:spcPct val="106000"/>
-                            </a:lnSpc>
-                            <a:spcAft>
-                              <a:spcPts val="0"/>
-                            </a:spcAft>
-                          </a:pPr>
-                          <a:r>
-                            <a:rPr lang="ru-RU" sz="1400">
-                              <a:effectLst/>
-                            </a:rPr>
-                            <a:t>Эксперт 2</a:t>
-                          </a:r>
-                          <a:endParaRPr lang="ru-RU" sz="1100">
-                            <a:effectLst/>
-                            <a:latin typeface="Calibri" panose="020F0502020204030204" pitchFamily="34" charset="0"/>
-                            <a:ea typeface="Calibri" panose="020F0502020204030204" pitchFamily="34" charset="0"/>
-                            <a:cs typeface="Times New Roman" panose="02020603050405020304" pitchFamily="18" charset="0"/>
-                          </a:endParaRPr>
-                        </a:p>
-                      </a:txBody>
-                      <a:tcPr marL="73025" marR="73025" marT="0" marB="0" anchor="ctr"/>
-                    </a:tc>
-                    <a:tc>
-                      <a:txBody>
-                        <a:bodyPr/>
-                        <a:lstStyle/>
-                        <a:p>
-                          <a:pPr algn="ctr">
-                            <a:lnSpc>
-                              <a:spcPct val="106000"/>
-                            </a:lnSpc>
-                            <a:spcAft>
-                              <a:spcPts val="0"/>
-                            </a:spcAft>
-                          </a:pPr>
-                          <a:r>
-                            <a:rPr lang="ru-RU" sz="1200">
-                              <a:effectLst/>
-                            </a:rPr>
-                            <a:t>1</a:t>
-                          </a:r>
-                          <a:r>
-                            <a:rPr lang="en-US" sz="1200">
-                              <a:effectLst/>
-                            </a:rPr>
-                            <a:t>,5</a:t>
-                          </a:r>
-                          <a:endParaRPr lang="ru-RU" sz="1100">
-                            <a:effectLst/>
-                            <a:latin typeface="Calibri" panose="020F0502020204030204" pitchFamily="34" charset="0"/>
-                            <a:ea typeface="Calibri" panose="020F0502020204030204" pitchFamily="34" charset="0"/>
-                            <a:cs typeface="Times New Roman" panose="02020603050405020304" pitchFamily="18" charset="0"/>
-                          </a:endParaRPr>
-                        </a:p>
-                      </a:txBody>
-                      <a:tcPr marL="73025" marR="73025" marT="0" marB="0" anchor="ctr"/>
-                    </a:tc>
-                    <a:tc>
-                      <a:txBody>
-                        <a:bodyPr/>
-                        <a:lstStyle/>
-                        <a:p>
-                          <a:pPr algn="ctr">
-                            <a:lnSpc>
-                              <a:spcPct val="106000"/>
-                            </a:lnSpc>
-                            <a:spcAft>
-                              <a:spcPts val="0"/>
-                            </a:spcAft>
-                          </a:pPr>
-                          <a:r>
-                            <a:rPr lang="ru-RU" sz="1200">
-                              <a:effectLst/>
-                            </a:rPr>
-                            <a:t>3</a:t>
-                          </a:r>
-                          <a:endParaRPr lang="ru-RU" sz="1100">
-                            <a:effectLst/>
-                            <a:latin typeface="Calibri" panose="020F0502020204030204" pitchFamily="34" charset="0"/>
-                            <a:ea typeface="Calibri" panose="020F0502020204030204" pitchFamily="34" charset="0"/>
-                            <a:cs typeface="Times New Roman" panose="02020603050405020304" pitchFamily="18" charset="0"/>
-                          </a:endParaRPr>
-                        </a:p>
-                      </a:txBody>
-                      <a:tcPr marL="73025" marR="73025" marT="0" marB="0" anchor="ctr"/>
-                    </a:tc>
-                    <a:tc>
-                      <a:txBody>
-                        <a:bodyPr/>
-                        <a:lstStyle/>
-                        <a:p>
-                          <a:pPr algn="ctr">
-                            <a:lnSpc>
-                              <a:spcPct val="106000"/>
-                            </a:lnSpc>
-                            <a:spcAft>
-                              <a:spcPts val="0"/>
-                            </a:spcAft>
-                          </a:pPr>
-                          <a:r>
-                            <a:rPr lang="ru-RU" sz="1200">
-                              <a:effectLst/>
-                            </a:rPr>
-                            <a:t>1</a:t>
-                          </a:r>
-                          <a:r>
-                            <a:rPr lang="en-US" sz="1200">
-                              <a:effectLst/>
-                            </a:rPr>
-                            <a:t>,5</a:t>
-                          </a:r>
-                          <a:endParaRPr lang="ru-RU" sz="1100">
-                            <a:effectLst/>
-                            <a:latin typeface="Calibri" panose="020F0502020204030204" pitchFamily="34" charset="0"/>
-                            <a:ea typeface="Calibri" panose="020F0502020204030204" pitchFamily="34" charset="0"/>
-                            <a:cs typeface="Times New Roman" panose="02020603050405020304" pitchFamily="18" charset="0"/>
-                          </a:endParaRPr>
-                        </a:p>
-                      </a:txBody>
-                      <a:tcPr marL="73025" marR="73025" marT="0" marB="0" anchor="ctr"/>
-                    </a:tc>
-                    <a:extLst>
-                      <a:ext uri="{0D108BD9-81ED-4DB2-BD59-A6C34878D82A}">
-                        <a16:rowId xmlns:a16="http://schemas.microsoft.com/office/drawing/2014/main" val="1857253360"/>
-                      </a:ext>
-                    </a:extLst>
-                  </a:tr>
-                  <a:tr h="315753">
-                    <a:tc>
-                      <a:txBody>
-                        <a:bodyPr/>
-                        <a:lstStyle/>
-                        <a:p>
-                          <a:pPr algn="ctr">
-                            <a:lnSpc>
-                              <a:spcPct val="106000"/>
-                            </a:lnSpc>
-                            <a:spcAft>
-                              <a:spcPts val="0"/>
-                            </a:spcAft>
-                          </a:pPr>
-                          <a:r>
-                            <a:rPr lang="ru-RU" sz="1400">
-                              <a:effectLst/>
-                            </a:rPr>
-                            <a:t>Эксперт 3</a:t>
-                          </a:r>
-                          <a:endParaRPr lang="ru-RU" sz="1100">
-                            <a:effectLst/>
-                            <a:latin typeface="Calibri" panose="020F0502020204030204" pitchFamily="34" charset="0"/>
-                            <a:ea typeface="Calibri" panose="020F0502020204030204" pitchFamily="34" charset="0"/>
-                            <a:cs typeface="Times New Roman" panose="02020603050405020304" pitchFamily="18" charset="0"/>
-                          </a:endParaRPr>
-                        </a:p>
-                      </a:txBody>
-                      <a:tcPr marL="73025" marR="73025" marT="0" marB="0" anchor="ctr"/>
-                    </a:tc>
-                    <a:tc>
-                      <a:txBody>
-                        <a:bodyPr/>
-                        <a:lstStyle/>
-                        <a:p>
-                          <a:pPr algn="ctr">
-                            <a:lnSpc>
-                              <a:spcPct val="106000"/>
-                            </a:lnSpc>
-                            <a:spcAft>
-                              <a:spcPts val="0"/>
-                            </a:spcAft>
-                          </a:pPr>
-                          <a:r>
-                            <a:rPr lang="en-US" sz="1200">
-                              <a:effectLst/>
-                            </a:rPr>
-                            <a:t>1,5</a:t>
-                          </a:r>
-                          <a:endParaRPr lang="ru-RU" sz="1100">
-                            <a:effectLst/>
-                            <a:latin typeface="Calibri" panose="020F0502020204030204" pitchFamily="34" charset="0"/>
-                            <a:ea typeface="Calibri" panose="020F0502020204030204" pitchFamily="34" charset="0"/>
-                            <a:cs typeface="Times New Roman" panose="02020603050405020304" pitchFamily="18" charset="0"/>
-                          </a:endParaRPr>
-                        </a:p>
-                      </a:txBody>
-                      <a:tcPr marL="73025" marR="73025" marT="0" marB="0" anchor="ctr"/>
-                    </a:tc>
-                    <a:tc>
-                      <a:txBody>
-                        <a:bodyPr/>
-                        <a:lstStyle/>
-                        <a:p>
-                          <a:pPr algn="ctr">
-                            <a:lnSpc>
-                              <a:spcPct val="106000"/>
-                            </a:lnSpc>
-                            <a:spcAft>
-                              <a:spcPts val="0"/>
-                            </a:spcAft>
-                          </a:pPr>
-                          <a:r>
-                            <a:rPr lang="en-US" sz="1200">
-                              <a:effectLst/>
-                            </a:rPr>
-                            <a:t>1,5</a:t>
-                          </a:r>
-                          <a:endParaRPr lang="ru-RU" sz="1100">
-                            <a:effectLst/>
-                            <a:latin typeface="Calibri" panose="020F0502020204030204" pitchFamily="34" charset="0"/>
-                            <a:ea typeface="Calibri" panose="020F0502020204030204" pitchFamily="34" charset="0"/>
-                            <a:cs typeface="Times New Roman" panose="02020603050405020304" pitchFamily="18" charset="0"/>
-                          </a:endParaRPr>
-                        </a:p>
-                      </a:txBody>
-                      <a:tcPr marL="73025" marR="73025" marT="0" marB="0" anchor="ctr"/>
-                    </a:tc>
-                    <a:tc>
-                      <a:txBody>
-                        <a:bodyPr/>
-                        <a:lstStyle/>
-                        <a:p>
-                          <a:pPr algn="ctr">
-                            <a:lnSpc>
-                              <a:spcPct val="106000"/>
-                            </a:lnSpc>
-                            <a:spcAft>
-                              <a:spcPts val="0"/>
-                            </a:spcAft>
-                          </a:pPr>
-                          <a:r>
-                            <a:rPr lang="en-US" sz="1200">
-                              <a:effectLst/>
-                            </a:rPr>
-                            <a:t>3</a:t>
-                          </a:r>
-                          <a:endParaRPr lang="ru-RU" sz="1100">
-                            <a:effectLst/>
-                            <a:latin typeface="Calibri" panose="020F0502020204030204" pitchFamily="34" charset="0"/>
-                            <a:ea typeface="Calibri" panose="020F0502020204030204" pitchFamily="34" charset="0"/>
-                            <a:cs typeface="Times New Roman" panose="02020603050405020304" pitchFamily="18" charset="0"/>
-                          </a:endParaRPr>
-                        </a:p>
-                      </a:txBody>
-                      <a:tcPr marL="73025" marR="73025" marT="0" marB="0" anchor="ctr"/>
-                    </a:tc>
-                    <a:extLst>
-                      <a:ext uri="{0D108BD9-81ED-4DB2-BD59-A6C34878D82A}">
-                        <a16:rowId xmlns:a16="http://schemas.microsoft.com/office/drawing/2014/main" val="3351712514"/>
-                      </a:ext>
-                    </a:extLst>
-                  </a:tr>
-                  <a:tr h="315753">
-                    <a:tc>
-                      <a:txBody>
-                        <a:bodyPr/>
-                        <a:lstStyle/>
-                        <a:p>
-                          <a:pPr algn="ctr">
-                            <a:lnSpc>
-                              <a:spcPct val="106000"/>
-                            </a:lnSpc>
-                            <a:spcAft>
-                              <a:spcPts val="0"/>
-                            </a:spcAft>
-                          </a:pPr>
-                          <a:r>
-                            <a:rPr lang="ru-RU" sz="1400">
-                              <a:effectLst/>
-                            </a:rPr>
-                            <a:t>Эксперт 4</a:t>
-                          </a:r>
-                          <a:endParaRPr lang="ru-RU" sz="1100">
-                            <a:effectLst/>
-                            <a:latin typeface="Calibri" panose="020F0502020204030204" pitchFamily="34" charset="0"/>
-                            <a:ea typeface="Calibri" panose="020F0502020204030204" pitchFamily="34" charset="0"/>
-                            <a:cs typeface="Times New Roman" panose="02020603050405020304" pitchFamily="18" charset="0"/>
-                          </a:endParaRPr>
-                        </a:p>
-                      </a:txBody>
-                      <a:tcPr marL="73025" marR="73025" marT="0" marB="0" anchor="ctr"/>
-                    </a:tc>
-                    <a:tc>
-                      <a:txBody>
-                        <a:bodyPr/>
-                        <a:lstStyle/>
-                        <a:p>
-                          <a:pPr algn="ctr">
-                            <a:lnSpc>
-                              <a:spcPct val="106000"/>
-                            </a:lnSpc>
-                            <a:spcAft>
-                              <a:spcPts val="0"/>
-                            </a:spcAft>
-                          </a:pPr>
-                          <a:r>
-                            <a:rPr lang="ru-RU" sz="1200">
-                              <a:effectLst/>
-                            </a:rPr>
-                            <a:t>2</a:t>
-                          </a:r>
-                          <a:r>
-                            <a:rPr lang="en-US" sz="1200">
-                              <a:effectLst/>
-                            </a:rPr>
-                            <a:t>,5</a:t>
-                          </a:r>
-                          <a:endParaRPr lang="ru-RU" sz="1100">
-                            <a:effectLst/>
-                            <a:latin typeface="Calibri" panose="020F0502020204030204" pitchFamily="34" charset="0"/>
-                            <a:ea typeface="Calibri" panose="020F0502020204030204" pitchFamily="34" charset="0"/>
-                            <a:cs typeface="Times New Roman" panose="02020603050405020304" pitchFamily="18" charset="0"/>
-                          </a:endParaRPr>
-                        </a:p>
-                      </a:txBody>
-                      <a:tcPr marL="73025" marR="73025" marT="0" marB="0" anchor="ctr"/>
-                    </a:tc>
-                    <a:tc>
-                      <a:txBody>
-                        <a:bodyPr/>
-                        <a:lstStyle/>
-                        <a:p>
-                          <a:pPr algn="ctr">
-                            <a:lnSpc>
-                              <a:spcPct val="106000"/>
-                            </a:lnSpc>
-                            <a:spcAft>
-                              <a:spcPts val="0"/>
-                            </a:spcAft>
-                          </a:pPr>
-                          <a:r>
-                            <a:rPr lang="ru-RU" sz="1200">
-                              <a:effectLst/>
-                            </a:rPr>
-                            <a:t>1</a:t>
-                          </a:r>
-                          <a:endParaRPr lang="ru-RU" sz="1100">
-                            <a:effectLst/>
-                            <a:latin typeface="Calibri" panose="020F0502020204030204" pitchFamily="34" charset="0"/>
-                            <a:ea typeface="Calibri" panose="020F0502020204030204" pitchFamily="34" charset="0"/>
-                            <a:cs typeface="Times New Roman" panose="02020603050405020304" pitchFamily="18" charset="0"/>
-                          </a:endParaRPr>
-                        </a:p>
-                      </a:txBody>
-                      <a:tcPr marL="73025" marR="73025" marT="0" marB="0" anchor="ctr"/>
-                    </a:tc>
-                    <a:tc>
-                      <a:txBody>
-                        <a:bodyPr/>
-                        <a:lstStyle/>
-                        <a:p>
-                          <a:pPr algn="ctr">
-                            <a:lnSpc>
-                              <a:spcPct val="106000"/>
-                            </a:lnSpc>
-                            <a:spcAft>
-                              <a:spcPts val="0"/>
-                            </a:spcAft>
-                          </a:pPr>
-                          <a:r>
-                            <a:rPr lang="ru-RU" sz="1200">
-                              <a:effectLst/>
-                            </a:rPr>
-                            <a:t>2</a:t>
-                          </a:r>
-                          <a:r>
-                            <a:rPr lang="en-US" sz="1200">
-                              <a:effectLst/>
-                            </a:rPr>
-                            <a:t>,5</a:t>
-                          </a:r>
-                          <a:endParaRPr lang="ru-RU" sz="1100">
-                            <a:effectLst/>
-                            <a:latin typeface="Calibri" panose="020F0502020204030204" pitchFamily="34" charset="0"/>
-                            <a:ea typeface="Calibri" panose="020F0502020204030204" pitchFamily="34" charset="0"/>
-                            <a:cs typeface="Times New Roman" panose="02020603050405020304" pitchFamily="18" charset="0"/>
-                          </a:endParaRPr>
-                        </a:p>
-                      </a:txBody>
-                      <a:tcPr marL="73025" marR="73025" marT="0" marB="0" anchor="ctr"/>
-                    </a:tc>
-                    <a:extLst>
-                      <a:ext uri="{0D108BD9-81ED-4DB2-BD59-A6C34878D82A}">
-                        <a16:rowId xmlns:a16="http://schemas.microsoft.com/office/drawing/2014/main" val="4246673890"/>
-                      </a:ext>
-                    </a:extLst>
-                  </a:tr>
-                  <a:tr h="315753">
-                    <a:tc>
-                      <a:txBody>
-                        <a:bodyPr/>
-                        <a:lstStyle/>
-                        <a:p>
-                          <a:pPr algn="ctr">
-                            <a:lnSpc>
-                              <a:spcPct val="106000"/>
-                            </a:lnSpc>
-                            <a:spcAft>
-                              <a:spcPts val="0"/>
-                            </a:spcAft>
-                          </a:pPr>
-                          <a:r>
-                            <a:rPr lang="ru-RU" sz="1400">
-                              <a:effectLst/>
-                            </a:rPr>
-                            <a:t>Эксперт 5</a:t>
-                          </a:r>
-                          <a:endParaRPr lang="ru-RU" sz="1100">
-                            <a:effectLst/>
-                            <a:latin typeface="Calibri" panose="020F0502020204030204" pitchFamily="34" charset="0"/>
-                            <a:ea typeface="Calibri" panose="020F0502020204030204" pitchFamily="34" charset="0"/>
-                            <a:cs typeface="Times New Roman" panose="02020603050405020304" pitchFamily="18" charset="0"/>
-                          </a:endParaRPr>
-                        </a:p>
-                      </a:txBody>
-                      <a:tcPr marL="73025" marR="73025" marT="0" marB="0" anchor="ctr"/>
-                    </a:tc>
-                    <a:tc>
-                      <a:txBody>
-                        <a:bodyPr/>
-                        <a:lstStyle/>
-                        <a:p>
-                          <a:pPr algn="ctr">
-                            <a:lnSpc>
-                              <a:spcPct val="106000"/>
-                            </a:lnSpc>
-                            <a:spcAft>
-                              <a:spcPts val="0"/>
-                            </a:spcAft>
-                          </a:pPr>
-                          <a:r>
-                            <a:rPr lang="en-US" sz="1200">
-                              <a:effectLst/>
-                            </a:rPr>
-                            <a:t>1,5</a:t>
-                          </a:r>
-                          <a:endParaRPr lang="ru-RU" sz="1100">
-                            <a:effectLst/>
-                            <a:latin typeface="Calibri" panose="020F0502020204030204" pitchFamily="34" charset="0"/>
-                            <a:ea typeface="Calibri" panose="020F0502020204030204" pitchFamily="34" charset="0"/>
-                            <a:cs typeface="Times New Roman" panose="02020603050405020304" pitchFamily="18" charset="0"/>
-                          </a:endParaRPr>
-                        </a:p>
-                      </a:txBody>
-                      <a:tcPr marL="73025" marR="73025" marT="0" marB="0" anchor="ctr"/>
-                    </a:tc>
-                    <a:tc>
-                      <a:txBody>
-                        <a:bodyPr/>
-                        <a:lstStyle/>
-                        <a:p>
-                          <a:pPr algn="ctr">
-                            <a:lnSpc>
-                              <a:spcPct val="106000"/>
-                            </a:lnSpc>
-                            <a:spcAft>
-                              <a:spcPts val="0"/>
-                            </a:spcAft>
-                          </a:pPr>
-                          <a:r>
-                            <a:rPr lang="en-US" sz="1200">
-                              <a:effectLst/>
-                            </a:rPr>
-                            <a:t>3</a:t>
-                          </a:r>
-                          <a:endParaRPr lang="ru-RU" sz="1100">
-                            <a:effectLst/>
-                            <a:latin typeface="Calibri" panose="020F0502020204030204" pitchFamily="34" charset="0"/>
-                            <a:ea typeface="Calibri" panose="020F0502020204030204" pitchFamily="34" charset="0"/>
-                            <a:cs typeface="Times New Roman" panose="02020603050405020304" pitchFamily="18" charset="0"/>
-                          </a:endParaRPr>
-                        </a:p>
-                      </a:txBody>
-                      <a:tcPr marL="73025" marR="73025" marT="0" marB="0" anchor="ctr"/>
-                    </a:tc>
-                    <a:tc>
-                      <a:txBody>
-                        <a:bodyPr/>
-                        <a:lstStyle/>
-                        <a:p>
-                          <a:pPr algn="ctr">
-                            <a:lnSpc>
-                              <a:spcPct val="106000"/>
-                            </a:lnSpc>
-                            <a:spcAft>
-                              <a:spcPts val="0"/>
-                            </a:spcAft>
-                          </a:pPr>
-                          <a:r>
-                            <a:rPr lang="en-US" sz="1200">
-                              <a:effectLst/>
-                            </a:rPr>
-                            <a:t>1,5</a:t>
-                          </a:r>
-                          <a:endParaRPr lang="ru-RU" sz="1100">
-                            <a:effectLst/>
-                            <a:latin typeface="Calibri" panose="020F0502020204030204" pitchFamily="34" charset="0"/>
-                            <a:ea typeface="Calibri" panose="020F0502020204030204" pitchFamily="34" charset="0"/>
-                            <a:cs typeface="Times New Roman" panose="02020603050405020304" pitchFamily="18" charset="0"/>
-                          </a:endParaRPr>
-                        </a:p>
-                      </a:txBody>
-                      <a:tcPr marL="73025" marR="73025" marT="0" marB="0" anchor="ctr"/>
-                    </a:tc>
-                    <a:extLst>
-                      <a:ext uri="{0D108BD9-81ED-4DB2-BD59-A6C34878D82A}">
-                        <a16:rowId xmlns:a16="http://schemas.microsoft.com/office/drawing/2014/main" val="2696010294"/>
-                      </a:ext>
-                    </a:extLst>
-                  </a:tr>
-                  <a:tr h="617421">
-                    <a:tc>
-                      <a:txBody>
-                        <a:bodyPr/>
-                        <a:lstStyle/>
-                        <a:p>
-                          <a:endParaRPr lang="ru-RU"/>
-                        </a:p>
-                      </a:txBody>
-                      <a:tcPr marL="73025" marR="73025" marT="0" marB="0" anchor="ctr">
-                        <a:blipFill>
-                          <a:blip r:embed="rId6"/>
-                          <a:stretch>
-                            <a:fillRect l="-380" t="-357843" r="-124335" b="-1961"/>
-                          </a:stretch>
-                        </a:blipFill>
-                      </a:tcPr>
-                    </a:tc>
-                    <a:tc>
-                      <a:txBody>
-                        <a:bodyPr/>
-                        <a:lstStyle/>
-                        <a:p>
-                          <a:pPr algn="ctr">
-                            <a:lnSpc>
-                              <a:spcPct val="106000"/>
-                            </a:lnSpc>
-                            <a:spcAft>
-                              <a:spcPts val="0"/>
-                            </a:spcAft>
-                          </a:pPr>
-                          <a:r>
-                            <a:rPr lang="ru-RU" sz="1200">
-                              <a:effectLst/>
-                            </a:rPr>
-                            <a:t>10</a:t>
-                          </a:r>
-                          <a:endParaRPr lang="ru-RU" sz="1100">
-                            <a:effectLst/>
-                            <a:latin typeface="Calibri" panose="020F0502020204030204" pitchFamily="34" charset="0"/>
-                            <a:ea typeface="Calibri" panose="020F0502020204030204" pitchFamily="34" charset="0"/>
-                            <a:cs typeface="Times New Roman" panose="02020603050405020304" pitchFamily="18" charset="0"/>
-                          </a:endParaRPr>
-                        </a:p>
-                      </a:txBody>
-                      <a:tcPr marL="73025" marR="73025" marT="0" marB="0" anchor="ctr"/>
-                    </a:tc>
-                    <a:tc>
-                      <a:txBody>
-                        <a:bodyPr/>
-                        <a:lstStyle/>
-                        <a:p>
-                          <a:pPr algn="ctr">
-                            <a:lnSpc>
-                              <a:spcPct val="106000"/>
-                            </a:lnSpc>
-                            <a:spcAft>
-                              <a:spcPts val="0"/>
-                            </a:spcAft>
-                          </a:pPr>
-                          <a:r>
-                            <a:rPr lang="ru-RU" sz="1200">
-                              <a:effectLst/>
-                            </a:rPr>
-                            <a:t>10</a:t>
-                          </a:r>
-                          <a:r>
-                            <a:rPr lang="en-US" sz="1200">
-                              <a:effectLst/>
-                            </a:rPr>
-                            <a:t>,5</a:t>
-                          </a:r>
-                          <a:endParaRPr lang="ru-RU" sz="1100">
-                            <a:effectLst/>
-                            <a:latin typeface="Calibri" panose="020F0502020204030204" pitchFamily="34" charset="0"/>
-                            <a:ea typeface="Calibri" panose="020F0502020204030204" pitchFamily="34" charset="0"/>
-                            <a:cs typeface="Times New Roman" panose="02020603050405020304" pitchFamily="18" charset="0"/>
-                          </a:endParaRPr>
-                        </a:p>
-                      </a:txBody>
-                      <a:tcPr marL="73025" marR="73025" marT="0" marB="0" anchor="ctr"/>
-                    </a:tc>
-                    <a:tc>
-                      <a:txBody>
-                        <a:bodyPr/>
-                        <a:lstStyle/>
-                        <a:p>
-                          <a:pPr algn="ctr">
-                            <a:lnSpc>
-                              <a:spcPct val="106000"/>
-                            </a:lnSpc>
-                            <a:spcAft>
-                              <a:spcPts val="0"/>
-                            </a:spcAft>
-                          </a:pPr>
-                          <a:r>
-                            <a:rPr lang="en-US" sz="1200" dirty="0">
-                              <a:effectLst/>
-                            </a:rPr>
-                            <a:t>9,5</a:t>
-                          </a:r>
-                          <a:endParaRPr lang="ru-RU" sz="1100" dirty="0">
-                            <a:effectLst/>
-                            <a:latin typeface="Calibri" panose="020F0502020204030204" pitchFamily="34" charset="0"/>
-                            <a:ea typeface="Calibri" panose="020F0502020204030204" pitchFamily="34" charset="0"/>
-                            <a:cs typeface="Times New Roman" panose="02020603050405020304" pitchFamily="18" charset="0"/>
-                          </a:endParaRPr>
-                        </a:p>
-                      </a:txBody>
-                      <a:tcPr marL="73025" marR="73025" marT="0" marB="0" anchor="ctr"/>
-                    </a:tc>
-                    <a:extLst>
-                      <a:ext uri="{0D108BD9-81ED-4DB2-BD59-A6C34878D82A}">
-                        <a16:rowId xmlns:a16="http://schemas.microsoft.com/office/drawing/2014/main" val="2107736999"/>
-                      </a:ext>
-                    </a:extLst>
-                  </a:tr>
-                </a:tbl>
-              </a:graphicData>
-            </a:graphic>
-          </p:graphicFrame>
-        </mc:Fallback>
-      </mc:AlternateContent>
-      <p:graphicFrame>
-        <p:nvGraphicFramePr>
-          <p:cNvPr id="24" name="Таблица 23"/>
-          <p:cNvGraphicFramePr>
-            <a:graphicFrameLocks noGrp="1"/>
-          </p:cNvGraphicFramePr>
-          <p:nvPr>
-            <p:extLst>
-              <p:ext uri="{D42A27DB-BD31-4B8C-83A1-F6EECF244321}">
-                <p14:modId xmlns:p14="http://schemas.microsoft.com/office/powerpoint/2010/main" val="2685187847"/>
-              </p:ext>
-            </p:extLst>
-          </p:nvPr>
-        </p:nvGraphicFramePr>
-        <p:xfrm>
-          <a:off x="4480770" y="1690688"/>
-          <a:ext cx="3793906" cy="2217803"/>
-        </p:xfrm>
-        <a:graphic>
-          <a:graphicData uri="http://schemas.openxmlformats.org/drawingml/2006/table">
-            <a:tbl>
-              <a:tblPr firstRow="1" firstCol="1" bandRow="1">
-                <a:tableStyleId>{21E4AEA4-8DFA-4A89-87EB-49C32662AFE0}</a:tableStyleId>
-              </a:tblPr>
-              <a:tblGrid>
-                <a:gridCol w="1713692">
-                  <a:extLst>
-                    <a:ext uri="{9D8B030D-6E8A-4147-A177-3AD203B41FA5}">
-                      <a16:colId xmlns:a16="http://schemas.microsoft.com/office/drawing/2014/main" val="833438753"/>
-                    </a:ext>
-                  </a:extLst>
-                </a:gridCol>
-                <a:gridCol w="655758">
-                  <a:extLst>
-                    <a:ext uri="{9D8B030D-6E8A-4147-A177-3AD203B41FA5}">
-                      <a16:colId xmlns:a16="http://schemas.microsoft.com/office/drawing/2014/main" val="4021806655"/>
-                    </a:ext>
-                  </a:extLst>
-                </a:gridCol>
-                <a:gridCol w="793917">
-                  <a:extLst>
-                    <a:ext uri="{9D8B030D-6E8A-4147-A177-3AD203B41FA5}">
-                      <a16:colId xmlns:a16="http://schemas.microsoft.com/office/drawing/2014/main" val="1378140194"/>
-                    </a:ext>
-                  </a:extLst>
-                </a:gridCol>
-                <a:gridCol w="630539">
-                  <a:extLst>
-                    <a:ext uri="{9D8B030D-6E8A-4147-A177-3AD203B41FA5}">
-                      <a16:colId xmlns:a16="http://schemas.microsoft.com/office/drawing/2014/main" val="2848014602"/>
-                    </a:ext>
-                  </a:extLst>
-                </a:gridCol>
-              </a:tblGrid>
-              <a:tr h="316829">
-                <a:tc rowSpan="2">
-                  <a:txBody>
-                    <a:bodyPr/>
-                    <a:lstStyle/>
-                    <a:p>
-                      <a:pPr indent="9525" algn="ctr">
-                        <a:lnSpc>
-                          <a:spcPct val="106000"/>
-                        </a:lnSpc>
-                        <a:spcAft>
-                          <a:spcPts val="0"/>
-                        </a:spcAft>
-                      </a:pPr>
-                      <a:r>
-                        <a:rPr lang="ru-RU" sz="1400" dirty="0">
-                          <a:effectLst/>
-                        </a:rPr>
-                        <a:t>Ранжирование</a:t>
-                      </a:r>
-                      <a:endParaRPr lang="ru-RU" sz="1100" dirty="0">
-                        <a:effectLst/>
-                        <a:latin typeface="Calibri" panose="020F0502020204030204" pitchFamily="34" charset="0"/>
-                        <a:ea typeface="Calibri" panose="020F0502020204030204" pitchFamily="34" charset="0"/>
-                        <a:cs typeface="Times New Roman" panose="02020603050405020304" pitchFamily="18" charset="0"/>
-                      </a:endParaRPr>
-                    </a:p>
-                  </a:txBody>
-                  <a:tcPr marL="73025" marR="73025" marT="0" marB="0" anchor="ctr"/>
-                </a:tc>
-                <a:tc gridSpan="3">
-                  <a:txBody>
-                    <a:bodyPr/>
-                    <a:lstStyle/>
-                    <a:p>
-                      <a:pPr algn="ctr">
-                        <a:lnSpc>
-                          <a:spcPct val="106000"/>
-                        </a:lnSpc>
-                        <a:spcAft>
-                          <a:spcPts val="0"/>
-                        </a:spcAft>
-                      </a:pPr>
-                      <a:r>
-                        <a:rPr lang="ru-RU" sz="1400" dirty="0">
-                          <a:effectLst/>
-                        </a:rPr>
-                        <a:t>№ критерия</a:t>
-                      </a:r>
-                      <a:endParaRPr lang="ru-RU" sz="1100" dirty="0">
-                        <a:effectLst/>
-                        <a:latin typeface="Calibri" panose="020F0502020204030204" pitchFamily="34" charset="0"/>
-                        <a:ea typeface="Calibri" panose="020F0502020204030204" pitchFamily="34" charset="0"/>
-                        <a:cs typeface="Times New Roman" panose="02020603050405020304" pitchFamily="18" charset="0"/>
-                      </a:endParaRPr>
-                    </a:p>
-                  </a:txBody>
-                  <a:tcPr marL="73025" marR="73025" marT="0" marB="0" anchor="ctr"/>
+                  <a:tcPr/>
                 </a:tc>
                 <a:tc hMerge="1">
                   <a:txBody>
@@ -11828,11 +6865,11 @@
                 </a:tc>
                 <a:extLst>
                   <a:ext uri="{0D108BD9-81ED-4DB2-BD59-A6C34878D82A}">
-                    <a16:rowId xmlns:a16="http://schemas.microsoft.com/office/drawing/2014/main" val="642685841"/>
+                    <a16:rowId xmlns:a16="http://schemas.microsoft.com/office/drawing/2014/main" val="3609833203"/>
                   </a:ext>
                 </a:extLst>
               </a:tr>
-              <a:tr h="316829">
+              <a:tr h="273161">
                 <a:tc vMerge="1">
                   <a:txBody>
                     <a:bodyPr/>
@@ -11850,19 +6887,19 @@
                     <a:p>
                       <a:pPr algn="ctr">
                         <a:lnSpc>
-                          <a:spcPct val="106000"/>
+                          <a:spcPct val="150000"/>
                         </a:lnSpc>
                         <a:spcAft>
                           <a:spcPts val="0"/>
                         </a:spcAft>
                       </a:pPr>
                       <a:r>
-                        <a:rPr lang="ru-RU" sz="1400" dirty="0">
+                        <a:rPr lang="ru-RU" sz="1400">
                           <a:effectLst/>
                         </a:rPr>
                         <a:t>1</a:t>
                       </a:r>
-                      <a:endParaRPr lang="ru-RU" sz="1100" dirty="0">
+                      <a:endParaRPr lang="ru-RU" sz="1100">
                         <a:effectLst/>
                         <a:latin typeface="Calibri" panose="020F0502020204030204" pitchFamily="34" charset="0"/>
                         <a:ea typeface="Calibri" panose="020F0502020204030204" pitchFamily="34" charset="0"/>
@@ -11870,7 +6907,7 @@
                       </a:endParaRPr>
                     </a:p>
                   </a:txBody>
-                  <a:tcPr marL="73025" marR="73025" marT="0" marB="0" anchor="ctr"/>
+                  <a:tcPr marL="72712" marR="72712" marT="0" marB="0" anchor="ctr"/>
                 </a:tc>
                 <a:tc>
                   <a:txBody>
@@ -11879,19 +6916,19 @@
                     <a:p>
                       <a:pPr algn="ctr">
                         <a:lnSpc>
-                          <a:spcPct val="106000"/>
+                          <a:spcPct val="150000"/>
                         </a:lnSpc>
                         <a:spcAft>
                           <a:spcPts val="0"/>
                         </a:spcAft>
                       </a:pPr>
                       <a:r>
-                        <a:rPr lang="ru-RU" sz="1400" dirty="0">
+                        <a:rPr lang="ru-RU" sz="1400">
                           <a:effectLst/>
                         </a:rPr>
                         <a:t>2</a:t>
                       </a:r>
-                      <a:endParaRPr lang="ru-RU" sz="1100" dirty="0">
+                      <a:endParaRPr lang="ru-RU" sz="1100">
                         <a:effectLst/>
                         <a:latin typeface="Calibri" panose="020F0502020204030204" pitchFamily="34" charset="0"/>
                         <a:ea typeface="Calibri" panose="020F0502020204030204" pitchFamily="34" charset="0"/>
@@ -11899,7 +6936,7 @@
                       </a:endParaRPr>
                     </a:p>
                   </a:txBody>
-                  <a:tcPr marL="73025" marR="73025" marT="0" marB="0" anchor="ctr"/>
+                  <a:tcPr marL="72712" marR="72712" marT="0" marB="0" anchor="ctr"/>
                 </a:tc>
                 <a:tc>
                   <a:txBody>
@@ -11908,19 +6945,19 @@
                     <a:p>
                       <a:pPr algn="ctr">
                         <a:lnSpc>
-                          <a:spcPct val="106000"/>
+                          <a:spcPct val="150000"/>
                         </a:lnSpc>
                         <a:spcAft>
                           <a:spcPts val="0"/>
                         </a:spcAft>
                       </a:pPr>
                       <a:r>
-                        <a:rPr lang="ru-RU" sz="1400" dirty="0">
+                        <a:rPr lang="ru-RU" sz="1400">
                           <a:effectLst/>
                         </a:rPr>
                         <a:t>3</a:t>
                       </a:r>
-                      <a:endParaRPr lang="ru-RU" sz="1100" dirty="0">
+                      <a:endParaRPr lang="ru-RU" sz="1100">
                         <a:effectLst/>
                         <a:latin typeface="Calibri" panose="020F0502020204030204" pitchFamily="34" charset="0"/>
                         <a:ea typeface="Calibri" panose="020F0502020204030204" pitchFamily="34" charset="0"/>
@@ -11928,15 +6965,8 @@
                       </a:endParaRPr>
                     </a:p>
                   </a:txBody>
-                  <a:tcPr marL="73025" marR="73025" marT="0" marB="0" anchor="ctr"/>
+                  <a:tcPr marL="72712" marR="72712" marT="0" marB="0" anchor="ctr"/>
                 </a:tc>
-                <a:extLst>
-                  <a:ext uri="{0D108BD9-81ED-4DB2-BD59-A6C34878D82A}">
-                    <a16:rowId xmlns:a16="http://schemas.microsoft.com/office/drawing/2014/main" val="2580011008"/>
-                  </a:ext>
-                </a:extLst>
-              </a:tr>
-              <a:tr h="316829">
                 <a:tc>
                   <a:txBody>
                     <a:bodyPr/>
@@ -11944,7 +6974,101 @@
                     <a:p>
                       <a:pPr algn="ctr">
                         <a:lnSpc>
-                          <a:spcPct val="106000"/>
+                          <a:spcPct val="150000"/>
+                        </a:lnSpc>
+                        <a:spcAft>
+                          <a:spcPts val="0"/>
+                        </a:spcAft>
+                      </a:pPr>
+                      <a:r>
+                        <a:rPr lang="ru-RU" sz="1400">
+                          <a:effectLst/>
+                        </a:rPr>
+                        <a:t>4</a:t>
+                      </a:r>
+                      <a:endParaRPr lang="ru-RU" sz="1100">
+                        <a:effectLst/>
+                        <a:latin typeface="Calibri" panose="020F0502020204030204" pitchFamily="34" charset="0"/>
+                        <a:ea typeface="Calibri" panose="020F0502020204030204" pitchFamily="34" charset="0"/>
+                        <a:cs typeface="Times New Roman" panose="02020603050405020304" pitchFamily="18" charset="0"/>
+                      </a:endParaRPr>
+                    </a:p>
+                  </a:txBody>
+                  <a:tcPr marL="9484" marR="9484" marT="9484" marB="9484" anchor="ctr"/>
+                </a:tc>
+                <a:tc>
+                  <a:txBody>
+                    <a:bodyPr/>
+                    <a:lstStyle/>
+                    <a:p>
+                      <a:pPr algn="ctr">
+                        <a:lnSpc>
+                          <a:spcPct val="150000"/>
+                        </a:lnSpc>
+                        <a:spcAft>
+                          <a:spcPts val="0"/>
+                        </a:spcAft>
+                      </a:pPr>
+                      <a:r>
+                        <a:rPr lang="ru-RU" sz="1400">
+                          <a:effectLst/>
+                        </a:rPr>
+                        <a:t>5</a:t>
+                      </a:r>
+                      <a:endParaRPr lang="ru-RU" sz="1100">
+                        <a:effectLst/>
+                        <a:latin typeface="Calibri" panose="020F0502020204030204" pitchFamily="34" charset="0"/>
+                        <a:ea typeface="Calibri" panose="020F0502020204030204" pitchFamily="34" charset="0"/>
+                        <a:cs typeface="Times New Roman" panose="02020603050405020304" pitchFamily="18" charset="0"/>
+                      </a:endParaRPr>
+                    </a:p>
+                  </a:txBody>
+                  <a:tcPr marL="9484" marR="9484" marT="9484" marB="9484" anchor="ctr"/>
+                </a:tc>
+                <a:tc>
+                  <a:txBody>
+                    <a:bodyPr/>
+                    <a:lstStyle/>
+                    <a:p>
+                      <a:pPr algn="ctr">
+                        <a:lnSpc>
+                          <a:spcPct val="150000"/>
+                        </a:lnSpc>
+                        <a:spcAft>
+                          <a:spcPts val="0"/>
+                        </a:spcAft>
+                      </a:pPr>
+                      <a:r>
+                        <a:rPr lang="ru-RU" sz="1400">
+                          <a:effectLst/>
+                        </a:rPr>
+                        <a:t>6</a:t>
+                      </a:r>
+                      <a:endParaRPr lang="ru-RU" sz="1100">
+                        <a:effectLst/>
+                        <a:latin typeface="Calibri" panose="020F0502020204030204" pitchFamily="34" charset="0"/>
+                        <a:ea typeface="Calibri" panose="020F0502020204030204" pitchFamily="34" charset="0"/>
+                        <a:cs typeface="Times New Roman" panose="02020603050405020304" pitchFamily="18" charset="0"/>
+                      </a:endParaRPr>
+                    </a:p>
+                  </a:txBody>
+                  <a:tcPr marL="9484" marR="9484" marT="9484" marB="9484" anchor="ctr"/>
+                </a:tc>
+                <a:extLst>
+                  <a:ext uri="{0D108BD9-81ED-4DB2-BD59-A6C34878D82A}">
+                    <a16:rowId xmlns:a16="http://schemas.microsoft.com/office/drawing/2014/main" val="3573463177"/>
+                  </a:ext>
+                </a:extLst>
+              </a:tr>
+              <a:tr h="273161">
+                <a:tc>
+                  <a:txBody>
+                    <a:bodyPr/>
+                    <a:lstStyle/>
+                    <a:p>
+                      <a:pPr algn="ctr">
+                        <a:lnSpc>
+                          <a:spcPct val="150000"/>
                         </a:lnSpc>
                         <a:spcAft>
                           <a:spcPts val="0"/>
@@ -11964,7 +7088,7 @@
                       </a:endParaRPr>
                     </a:p>
                   </a:txBody>
-                  <a:tcPr marL="73025" marR="73025" marT="0" marB="0" anchor="ctr"/>
+                  <a:tcPr marL="72712" marR="72712" marT="0" marB="0" anchor="ctr"/>
                 </a:tc>
                 <a:tc>
                   <a:txBody>
@@ -11973,17 +7097,17 @@
                     <a:p>
                       <a:pPr algn="ctr">
                         <a:lnSpc>
-                          <a:spcPct val="106000"/>
+                          <a:spcPct val="150000"/>
                         </a:lnSpc>
                         <a:spcAft>
                           <a:spcPts val="0"/>
                         </a:spcAft>
                       </a:pPr>
                       <a:r>
-                        <a:rPr lang="en-US" sz="1200">
+                        <a:rPr lang="ru-RU" sz="1400">
                           <a:effectLst/>
                         </a:rPr>
-                        <a:t>3</a:t>
+                        <a:t>5</a:t>
                       </a:r>
                       <a:endParaRPr lang="ru-RU" sz="1100">
                         <a:effectLst/>
@@ -11993,7 +7117,7 @@
                       </a:endParaRPr>
                     </a:p>
                   </a:txBody>
-                  <a:tcPr marL="73025" marR="73025" marT="0" marB="0" anchor="ctr"/>
+                  <a:tcPr marL="72712" marR="72712" marT="0" marB="0" anchor="ctr"/>
                 </a:tc>
                 <a:tc>
                   <a:txBody>
@@ -12002,17 +7126,17 @@
                     <a:p>
                       <a:pPr algn="ctr">
                         <a:lnSpc>
-                          <a:spcPct val="106000"/>
+                          <a:spcPct val="150000"/>
                         </a:lnSpc>
                         <a:spcAft>
                           <a:spcPts val="0"/>
                         </a:spcAft>
                       </a:pPr>
                       <a:r>
-                        <a:rPr lang="en-US" sz="1200">
+                        <a:rPr lang="ru-RU" sz="1400">
                           <a:effectLst/>
                         </a:rPr>
-                        <a:t>2</a:t>
+                        <a:t>5</a:t>
                       </a:r>
                       <a:endParaRPr lang="ru-RU" sz="1100">
                         <a:effectLst/>
@@ -12022,7 +7146,7 @@
                       </a:endParaRPr>
                     </a:p>
                   </a:txBody>
-                  <a:tcPr marL="73025" marR="73025" marT="0" marB="0" anchor="ctr"/>
+                  <a:tcPr marL="72712" marR="72712" marT="0" marB="0" anchor="ctr"/>
                 </a:tc>
                 <a:tc>
                   <a:txBody>
@@ -12031,19 +7155,19 @@
                     <a:p>
                       <a:pPr algn="ctr">
                         <a:lnSpc>
-                          <a:spcPct val="106000"/>
+                          <a:spcPct val="150000"/>
                         </a:lnSpc>
                         <a:spcAft>
                           <a:spcPts val="0"/>
                         </a:spcAft>
                       </a:pPr>
                       <a:r>
-                        <a:rPr lang="en-US" sz="1200" dirty="0">
+                        <a:rPr lang="ru-RU" sz="1400">
                           <a:effectLst/>
                         </a:rPr>
-                        <a:t>1</a:t>
+                        <a:t>5</a:t>
                       </a:r>
-                      <a:endParaRPr lang="ru-RU" sz="1100" dirty="0">
+                      <a:endParaRPr lang="ru-RU" sz="1100">
                         <a:effectLst/>
                         <a:latin typeface="Calibri" panose="020F0502020204030204" pitchFamily="34" charset="0"/>
                         <a:ea typeface="Calibri" panose="020F0502020204030204" pitchFamily="34" charset="0"/>
@@ -12051,15 +7175,8 @@
                       </a:endParaRPr>
                     </a:p>
                   </a:txBody>
-                  <a:tcPr marL="73025" marR="73025" marT="0" marB="0" anchor="ctr"/>
+                  <a:tcPr marL="72712" marR="72712" marT="0" marB="0" anchor="ctr"/>
                 </a:tc>
-                <a:extLst>
-                  <a:ext uri="{0D108BD9-81ED-4DB2-BD59-A6C34878D82A}">
-                    <a16:rowId xmlns:a16="http://schemas.microsoft.com/office/drawing/2014/main" val="1390166152"/>
-                  </a:ext>
-                </a:extLst>
-              </a:tr>
-              <a:tr h="316829">
                 <a:tc>
                   <a:txBody>
                     <a:bodyPr/>
@@ -12067,7 +7184,101 @@
                     <a:p>
                       <a:pPr algn="ctr">
                         <a:lnSpc>
-                          <a:spcPct val="106000"/>
+                          <a:spcPct val="150000"/>
+                        </a:lnSpc>
+                        <a:spcAft>
+                          <a:spcPts val="0"/>
+                        </a:spcAft>
+                      </a:pPr>
+                      <a:r>
+                        <a:rPr lang="ru-RU" sz="1400">
+                          <a:effectLst/>
+                        </a:rPr>
+                        <a:t>5</a:t>
+                      </a:r>
+                      <a:endParaRPr lang="ru-RU" sz="1100">
+                        <a:effectLst/>
+                        <a:latin typeface="Calibri" panose="020F0502020204030204" pitchFamily="34" charset="0"/>
+                        <a:ea typeface="Calibri" panose="020F0502020204030204" pitchFamily="34" charset="0"/>
+                        <a:cs typeface="Times New Roman" panose="02020603050405020304" pitchFamily="18" charset="0"/>
+                      </a:endParaRPr>
+                    </a:p>
+                  </a:txBody>
+                  <a:tcPr marL="9484" marR="9484" marT="9484" marB="9484" anchor="ctr"/>
+                </a:tc>
+                <a:tc>
+                  <a:txBody>
+                    <a:bodyPr/>
+                    <a:lstStyle/>
+                    <a:p>
+                      <a:pPr algn="ctr">
+                        <a:lnSpc>
+                          <a:spcPct val="150000"/>
+                        </a:lnSpc>
+                        <a:spcAft>
+                          <a:spcPts val="0"/>
+                        </a:spcAft>
+                      </a:pPr>
+                      <a:r>
+                        <a:rPr lang="ru-RU" sz="1400">
+                          <a:effectLst/>
+                        </a:rPr>
+                        <a:t>4</a:t>
+                      </a:r>
+                      <a:endParaRPr lang="ru-RU" sz="1100">
+                        <a:effectLst/>
+                        <a:latin typeface="Calibri" panose="020F0502020204030204" pitchFamily="34" charset="0"/>
+                        <a:ea typeface="Calibri" panose="020F0502020204030204" pitchFamily="34" charset="0"/>
+                        <a:cs typeface="Times New Roman" panose="02020603050405020304" pitchFamily="18" charset="0"/>
+                      </a:endParaRPr>
+                    </a:p>
+                  </a:txBody>
+                  <a:tcPr marL="9484" marR="9484" marT="9484" marB="9484" anchor="ctr"/>
+                </a:tc>
+                <a:tc>
+                  <a:txBody>
+                    <a:bodyPr/>
+                    <a:lstStyle/>
+                    <a:p>
+                      <a:pPr algn="ctr">
+                        <a:lnSpc>
+                          <a:spcPct val="150000"/>
+                        </a:lnSpc>
+                        <a:spcAft>
+                          <a:spcPts val="0"/>
+                        </a:spcAft>
+                      </a:pPr>
+                      <a:r>
+                        <a:rPr lang="ru-RU" sz="1400">
+                          <a:effectLst/>
+                        </a:rPr>
+                        <a:t>4</a:t>
+                      </a:r>
+                      <a:endParaRPr lang="ru-RU" sz="1100">
+                        <a:effectLst/>
+                        <a:latin typeface="Calibri" panose="020F0502020204030204" pitchFamily="34" charset="0"/>
+                        <a:ea typeface="Calibri" panose="020F0502020204030204" pitchFamily="34" charset="0"/>
+                        <a:cs typeface="Times New Roman" panose="02020603050405020304" pitchFamily="18" charset="0"/>
+                      </a:endParaRPr>
+                    </a:p>
+                  </a:txBody>
+                  <a:tcPr marL="9484" marR="9484" marT="9484" marB="9484" anchor="ctr"/>
+                </a:tc>
+                <a:extLst>
+                  <a:ext uri="{0D108BD9-81ED-4DB2-BD59-A6C34878D82A}">
+                    <a16:rowId xmlns:a16="http://schemas.microsoft.com/office/drawing/2014/main" val="3442057112"/>
+                  </a:ext>
+                </a:extLst>
+              </a:tr>
+              <a:tr h="273161">
+                <a:tc>
+                  <a:txBody>
+                    <a:bodyPr/>
+                    <a:lstStyle/>
+                    <a:p>
+                      <a:pPr algn="ctr">
+                        <a:lnSpc>
+                          <a:spcPct val="150000"/>
                         </a:lnSpc>
                         <a:spcAft>
                           <a:spcPts val="0"/>
@@ -12087,7 +7298,7 @@
                       </a:endParaRPr>
                     </a:p>
                   </a:txBody>
-                  <a:tcPr marL="73025" marR="73025" marT="0" marB="0" anchor="ctr"/>
+                  <a:tcPr marL="72712" marR="72712" marT="0" marB="0" anchor="ctr"/>
                 </a:tc>
                 <a:tc>
                   <a:txBody>
@@ -12096,17 +7307,17 @@
                     <a:p>
                       <a:pPr algn="ctr">
                         <a:lnSpc>
-                          <a:spcPct val="106000"/>
+                          <a:spcPct val="150000"/>
                         </a:lnSpc>
                         <a:spcAft>
                           <a:spcPts val="0"/>
                         </a:spcAft>
                       </a:pPr>
                       <a:r>
-                        <a:rPr lang="en-US" sz="1200">
+                        <a:rPr lang="ru-RU" sz="1400">
                           <a:effectLst/>
                         </a:rPr>
-                        <a:t>1</a:t>
+                        <a:t>5</a:t>
                       </a:r>
                       <a:endParaRPr lang="ru-RU" sz="1100">
                         <a:effectLst/>
@@ -12116,7 +7327,7 @@
                       </a:endParaRPr>
                     </a:p>
                   </a:txBody>
-                  <a:tcPr marL="73025" marR="73025" marT="0" marB="0" anchor="ctr"/>
+                  <a:tcPr marL="72712" marR="72712" marT="0" marB="0" anchor="ctr"/>
                 </a:tc>
                 <a:tc>
                   <a:txBody>
@@ -12125,17 +7336,17 @@
                     <a:p>
                       <a:pPr algn="ctr">
                         <a:lnSpc>
-                          <a:spcPct val="106000"/>
+                          <a:spcPct val="150000"/>
                         </a:lnSpc>
                         <a:spcAft>
                           <a:spcPts val="0"/>
                         </a:spcAft>
                       </a:pPr>
                       <a:r>
-                        <a:rPr lang="en-US" sz="1200">
+                        <a:rPr lang="ru-RU" sz="1400">
                           <a:effectLst/>
                         </a:rPr>
-                        <a:t>2</a:t>
+                        <a:t>5</a:t>
                       </a:r>
                       <a:endParaRPr lang="ru-RU" sz="1100">
                         <a:effectLst/>
@@ -12145,7 +7356,7 @@
                       </a:endParaRPr>
                     </a:p>
                   </a:txBody>
-                  <a:tcPr marL="73025" marR="73025" marT="0" marB="0" anchor="ctr"/>
+                  <a:tcPr marL="72712" marR="72712" marT="0" marB="0" anchor="ctr"/>
                 </a:tc>
                 <a:tc>
                   <a:txBody>
@@ -12154,17 +7365,17 @@
                     <a:p>
                       <a:pPr algn="ctr">
                         <a:lnSpc>
-                          <a:spcPct val="106000"/>
+                          <a:spcPct val="150000"/>
                         </a:lnSpc>
                         <a:spcAft>
                           <a:spcPts val="0"/>
                         </a:spcAft>
                       </a:pPr>
                       <a:r>
-                        <a:rPr lang="en-US" sz="1200">
+                        <a:rPr lang="ru-RU" sz="1400">
                           <a:effectLst/>
                         </a:rPr>
-                        <a:t>1</a:t>
+                        <a:t>4</a:t>
                       </a:r>
                       <a:endParaRPr lang="ru-RU" sz="1100">
                         <a:effectLst/>
@@ -12174,15 +7385,8 @@
                       </a:endParaRPr>
                     </a:p>
                   </a:txBody>
-                  <a:tcPr marL="73025" marR="73025" marT="0" marB="0" anchor="ctr"/>
+                  <a:tcPr marL="72712" marR="72712" marT="0" marB="0" anchor="ctr"/>
                 </a:tc>
-                <a:extLst>
-                  <a:ext uri="{0D108BD9-81ED-4DB2-BD59-A6C34878D82A}">
-                    <a16:rowId xmlns:a16="http://schemas.microsoft.com/office/drawing/2014/main" val="1106267485"/>
-                  </a:ext>
-                </a:extLst>
-              </a:tr>
-              <a:tr h="316829">
                 <a:tc>
                   <a:txBody>
                     <a:bodyPr/>
@@ -12190,7 +7394,101 @@
                     <a:p>
                       <a:pPr algn="ctr">
                         <a:lnSpc>
-                          <a:spcPct val="106000"/>
+                          <a:spcPct val="150000"/>
+                        </a:lnSpc>
+                        <a:spcAft>
+                          <a:spcPts val="0"/>
+                        </a:spcAft>
+                      </a:pPr>
+                      <a:r>
+                        <a:rPr lang="ru-RU" sz="1400">
+                          <a:effectLst/>
+                        </a:rPr>
+                        <a:t>5</a:t>
+                      </a:r>
+                      <a:endParaRPr lang="ru-RU" sz="1100">
+                        <a:effectLst/>
+                        <a:latin typeface="Calibri" panose="020F0502020204030204" pitchFamily="34" charset="0"/>
+                        <a:ea typeface="Calibri" panose="020F0502020204030204" pitchFamily="34" charset="0"/>
+                        <a:cs typeface="Times New Roman" panose="02020603050405020304" pitchFamily="18" charset="0"/>
+                      </a:endParaRPr>
+                    </a:p>
+                  </a:txBody>
+                  <a:tcPr marL="9484" marR="9484" marT="9484" marB="9484" anchor="ctr"/>
+                </a:tc>
+                <a:tc>
+                  <a:txBody>
+                    <a:bodyPr/>
+                    <a:lstStyle/>
+                    <a:p>
+                      <a:pPr algn="ctr">
+                        <a:lnSpc>
+                          <a:spcPct val="150000"/>
+                        </a:lnSpc>
+                        <a:spcAft>
+                          <a:spcPts val="0"/>
+                        </a:spcAft>
+                      </a:pPr>
+                      <a:r>
+                        <a:rPr lang="ru-RU" sz="1400">
+                          <a:effectLst/>
+                        </a:rPr>
+                        <a:t>4</a:t>
+                      </a:r>
+                      <a:endParaRPr lang="ru-RU" sz="1100">
+                        <a:effectLst/>
+                        <a:latin typeface="Calibri" panose="020F0502020204030204" pitchFamily="34" charset="0"/>
+                        <a:ea typeface="Calibri" panose="020F0502020204030204" pitchFamily="34" charset="0"/>
+                        <a:cs typeface="Times New Roman" panose="02020603050405020304" pitchFamily="18" charset="0"/>
+                      </a:endParaRPr>
+                    </a:p>
+                  </a:txBody>
+                  <a:tcPr marL="9484" marR="9484" marT="9484" marB="9484" anchor="ctr"/>
+                </a:tc>
+                <a:tc>
+                  <a:txBody>
+                    <a:bodyPr/>
+                    <a:lstStyle/>
+                    <a:p>
+                      <a:pPr algn="ctr">
+                        <a:lnSpc>
+                          <a:spcPct val="150000"/>
+                        </a:lnSpc>
+                        <a:spcAft>
+                          <a:spcPts val="0"/>
+                        </a:spcAft>
+                      </a:pPr>
+                      <a:r>
+                        <a:rPr lang="ru-RU" sz="1400">
+                          <a:effectLst/>
+                        </a:rPr>
+                        <a:t>5</a:t>
+                      </a:r>
+                      <a:endParaRPr lang="ru-RU" sz="1100">
+                        <a:effectLst/>
+                        <a:latin typeface="Calibri" panose="020F0502020204030204" pitchFamily="34" charset="0"/>
+                        <a:ea typeface="Calibri" panose="020F0502020204030204" pitchFamily="34" charset="0"/>
+                        <a:cs typeface="Times New Roman" panose="02020603050405020304" pitchFamily="18" charset="0"/>
+                      </a:endParaRPr>
+                    </a:p>
+                  </a:txBody>
+                  <a:tcPr marL="9484" marR="9484" marT="9484" marB="9484" anchor="ctr"/>
+                </a:tc>
+                <a:extLst>
+                  <a:ext uri="{0D108BD9-81ED-4DB2-BD59-A6C34878D82A}">
+                    <a16:rowId xmlns:a16="http://schemas.microsoft.com/office/drawing/2014/main" val="1042606394"/>
+                  </a:ext>
+                </a:extLst>
+              </a:tr>
+              <a:tr h="273161">
+                <a:tc>
+                  <a:txBody>
+                    <a:bodyPr/>
+                    <a:lstStyle/>
+                    <a:p>
+                      <a:pPr algn="ctr">
+                        <a:lnSpc>
+                          <a:spcPct val="150000"/>
                         </a:lnSpc>
                         <a:spcAft>
                           <a:spcPts val="0"/>
@@ -12210,7 +7508,7 @@
                       </a:endParaRPr>
                     </a:p>
                   </a:txBody>
-                  <a:tcPr marL="73025" marR="73025" marT="0" marB="0" anchor="ctr"/>
+                  <a:tcPr marL="72712" marR="72712" marT="0" marB="0" anchor="ctr"/>
                 </a:tc>
                 <a:tc>
                   <a:txBody>
@@ -12219,17 +7517,17 @@
                     <a:p>
                       <a:pPr algn="ctr">
                         <a:lnSpc>
-                          <a:spcPct val="106000"/>
+                          <a:spcPct val="150000"/>
                         </a:lnSpc>
                         <a:spcAft>
                           <a:spcPts val="0"/>
                         </a:spcAft>
                       </a:pPr>
                       <a:r>
-                        <a:rPr lang="en-US" sz="1200">
+                        <a:rPr lang="ru-RU" sz="1400">
                           <a:effectLst/>
                         </a:rPr>
-                        <a:t>1</a:t>
+                        <a:t>5</a:t>
                       </a:r>
                       <a:endParaRPr lang="ru-RU" sz="1100">
                         <a:effectLst/>
@@ -12239,7 +7537,7 @@
                       </a:endParaRPr>
                     </a:p>
                   </a:txBody>
-                  <a:tcPr marL="73025" marR="73025" marT="0" marB="0" anchor="ctr"/>
+                  <a:tcPr marL="72712" marR="72712" marT="0" marB="0" anchor="ctr"/>
                 </a:tc>
                 <a:tc>
                   <a:txBody>
@@ -12248,17 +7546,17 @@
                     <a:p>
                       <a:pPr algn="ctr">
                         <a:lnSpc>
-                          <a:spcPct val="106000"/>
+                          <a:spcPct val="150000"/>
                         </a:lnSpc>
                         <a:spcAft>
                           <a:spcPts val="0"/>
                         </a:spcAft>
                       </a:pPr>
                       <a:r>
-                        <a:rPr lang="en-US" sz="1200">
+                        <a:rPr lang="ru-RU" sz="1400">
                           <a:effectLst/>
                         </a:rPr>
-                        <a:t>1</a:t>
+                        <a:t>5</a:t>
                       </a:r>
                       <a:endParaRPr lang="ru-RU" sz="1100">
                         <a:effectLst/>
@@ -12268,7 +7566,7 @@
                       </a:endParaRPr>
                     </a:p>
                   </a:txBody>
-                  <a:tcPr marL="73025" marR="73025" marT="0" marB="0" anchor="ctr"/>
+                  <a:tcPr marL="72712" marR="72712" marT="0" marB="0" anchor="ctr"/>
                 </a:tc>
                 <a:tc>
                   <a:txBody>
@@ -12277,17 +7575,17 @@
                     <a:p>
                       <a:pPr algn="ctr">
                         <a:lnSpc>
-                          <a:spcPct val="106000"/>
+                          <a:spcPct val="150000"/>
                         </a:lnSpc>
                         <a:spcAft>
                           <a:spcPts val="0"/>
                         </a:spcAft>
                       </a:pPr>
                       <a:r>
-                        <a:rPr lang="en-US" sz="1200">
+                        <a:rPr lang="ru-RU" sz="1400">
                           <a:effectLst/>
                         </a:rPr>
-                        <a:t>2</a:t>
+                        <a:t>4</a:t>
                       </a:r>
                       <a:endParaRPr lang="ru-RU" sz="1100">
                         <a:effectLst/>
@@ -12297,15 +7595,8 @@
                       </a:endParaRPr>
                     </a:p>
                   </a:txBody>
-                  <a:tcPr marL="73025" marR="73025" marT="0" marB="0" anchor="ctr"/>
+                  <a:tcPr marL="72712" marR="72712" marT="0" marB="0" anchor="ctr"/>
                 </a:tc>
-                <a:extLst>
-                  <a:ext uri="{0D108BD9-81ED-4DB2-BD59-A6C34878D82A}">
-                    <a16:rowId xmlns:a16="http://schemas.microsoft.com/office/drawing/2014/main" val="2942439722"/>
-                  </a:ext>
-                </a:extLst>
-              </a:tr>
-              <a:tr h="316829">
                 <a:tc>
                   <a:txBody>
                     <a:bodyPr/>
@@ -12313,7 +7604,101 @@
                     <a:p>
                       <a:pPr algn="ctr">
                         <a:lnSpc>
-                          <a:spcPct val="106000"/>
+                          <a:spcPct val="150000"/>
+                        </a:lnSpc>
+                        <a:spcAft>
+                          <a:spcPts val="0"/>
+                        </a:spcAft>
+                      </a:pPr>
+                      <a:r>
+                        <a:rPr lang="ru-RU" sz="1400">
+                          <a:effectLst/>
+                        </a:rPr>
+                        <a:t>5</a:t>
+                      </a:r>
+                      <a:endParaRPr lang="ru-RU" sz="1100">
+                        <a:effectLst/>
+                        <a:latin typeface="Calibri" panose="020F0502020204030204" pitchFamily="34" charset="0"/>
+                        <a:ea typeface="Calibri" panose="020F0502020204030204" pitchFamily="34" charset="0"/>
+                        <a:cs typeface="Times New Roman" panose="02020603050405020304" pitchFamily="18" charset="0"/>
+                      </a:endParaRPr>
+                    </a:p>
+                  </a:txBody>
+                  <a:tcPr marL="9484" marR="9484" marT="9484" marB="9484" anchor="ctr"/>
+                </a:tc>
+                <a:tc>
+                  <a:txBody>
+                    <a:bodyPr/>
+                    <a:lstStyle/>
+                    <a:p>
+                      <a:pPr algn="ctr">
+                        <a:lnSpc>
+                          <a:spcPct val="150000"/>
+                        </a:lnSpc>
+                        <a:spcAft>
+                          <a:spcPts val="0"/>
+                        </a:spcAft>
+                      </a:pPr>
+                      <a:r>
+                        <a:rPr lang="ru-RU" sz="1400">
+                          <a:effectLst/>
+                        </a:rPr>
+                        <a:t>4</a:t>
+                      </a:r>
+                      <a:endParaRPr lang="ru-RU" sz="1100">
+                        <a:effectLst/>
+                        <a:latin typeface="Calibri" panose="020F0502020204030204" pitchFamily="34" charset="0"/>
+                        <a:ea typeface="Calibri" panose="020F0502020204030204" pitchFamily="34" charset="0"/>
+                        <a:cs typeface="Times New Roman" panose="02020603050405020304" pitchFamily="18" charset="0"/>
+                      </a:endParaRPr>
+                    </a:p>
+                  </a:txBody>
+                  <a:tcPr marL="9484" marR="9484" marT="9484" marB="9484" anchor="ctr"/>
+                </a:tc>
+                <a:tc>
+                  <a:txBody>
+                    <a:bodyPr/>
+                    <a:lstStyle/>
+                    <a:p>
+                      <a:pPr algn="ctr">
+                        <a:lnSpc>
+                          <a:spcPct val="150000"/>
+                        </a:lnSpc>
+                        <a:spcAft>
+                          <a:spcPts val="0"/>
+                        </a:spcAft>
+                      </a:pPr>
+                      <a:r>
+                        <a:rPr lang="ru-RU" sz="1400">
+                          <a:effectLst/>
+                        </a:rPr>
+                        <a:t>5</a:t>
+                      </a:r>
+                      <a:endParaRPr lang="ru-RU" sz="1100">
+                        <a:effectLst/>
+                        <a:latin typeface="Calibri" panose="020F0502020204030204" pitchFamily="34" charset="0"/>
+                        <a:ea typeface="Calibri" panose="020F0502020204030204" pitchFamily="34" charset="0"/>
+                        <a:cs typeface="Times New Roman" panose="02020603050405020304" pitchFamily="18" charset="0"/>
+                      </a:endParaRPr>
+                    </a:p>
+                  </a:txBody>
+                  <a:tcPr marL="9484" marR="9484" marT="9484" marB="9484" anchor="ctr"/>
+                </a:tc>
+                <a:extLst>
+                  <a:ext uri="{0D108BD9-81ED-4DB2-BD59-A6C34878D82A}">
+                    <a16:rowId xmlns:a16="http://schemas.microsoft.com/office/drawing/2014/main" val="3105382858"/>
+                  </a:ext>
+                </a:extLst>
+              </a:tr>
+              <a:tr h="273161">
+                <a:tc>
+                  <a:txBody>
+                    <a:bodyPr/>
+                    <a:lstStyle/>
+                    <a:p>
+                      <a:pPr algn="ctr">
+                        <a:lnSpc>
+                          <a:spcPct val="150000"/>
                         </a:lnSpc>
                         <a:spcAft>
                           <a:spcPts val="0"/>
@@ -12333,7 +7718,1477 @@
                       </a:endParaRPr>
                     </a:p>
                   </a:txBody>
-                  <a:tcPr marL="73025" marR="73025" marT="0" marB="0" anchor="ctr"/>
+                  <a:tcPr marL="72712" marR="72712" marT="0" marB="0" anchor="ctr"/>
+                </a:tc>
+                <a:tc>
+                  <a:txBody>
+                    <a:bodyPr/>
+                    <a:lstStyle/>
+                    <a:p>
+                      <a:pPr algn="ctr">
+                        <a:lnSpc>
+                          <a:spcPct val="150000"/>
+                        </a:lnSpc>
+                        <a:spcAft>
+                          <a:spcPts val="0"/>
+                        </a:spcAft>
+                      </a:pPr>
+                      <a:r>
+                        <a:rPr lang="ru-RU" sz="1400">
+                          <a:effectLst/>
+                        </a:rPr>
+                        <a:t>5</a:t>
+                      </a:r>
+                      <a:endParaRPr lang="ru-RU" sz="1100">
+                        <a:effectLst/>
+                        <a:latin typeface="Calibri" panose="020F0502020204030204" pitchFamily="34" charset="0"/>
+                        <a:ea typeface="Calibri" panose="020F0502020204030204" pitchFamily="34" charset="0"/>
+                        <a:cs typeface="Times New Roman" panose="02020603050405020304" pitchFamily="18" charset="0"/>
+                      </a:endParaRPr>
+                    </a:p>
+                  </a:txBody>
+                  <a:tcPr marL="72712" marR="72712" marT="0" marB="0" anchor="ctr"/>
+                </a:tc>
+                <a:tc>
+                  <a:txBody>
+                    <a:bodyPr/>
+                    <a:lstStyle/>
+                    <a:p>
+                      <a:pPr algn="ctr">
+                        <a:lnSpc>
+                          <a:spcPct val="150000"/>
+                        </a:lnSpc>
+                        <a:spcAft>
+                          <a:spcPts val="0"/>
+                        </a:spcAft>
+                      </a:pPr>
+                      <a:r>
+                        <a:rPr lang="ru-RU" sz="1400">
+                          <a:effectLst/>
+                        </a:rPr>
+                        <a:t>4</a:t>
+                      </a:r>
+                      <a:endParaRPr lang="ru-RU" sz="1100">
+                        <a:effectLst/>
+                        <a:latin typeface="Calibri" panose="020F0502020204030204" pitchFamily="34" charset="0"/>
+                        <a:ea typeface="Calibri" panose="020F0502020204030204" pitchFamily="34" charset="0"/>
+                        <a:cs typeface="Times New Roman" panose="02020603050405020304" pitchFamily="18" charset="0"/>
+                      </a:endParaRPr>
+                    </a:p>
+                  </a:txBody>
+                  <a:tcPr marL="72712" marR="72712" marT="0" marB="0" anchor="ctr"/>
+                </a:tc>
+                <a:tc>
+                  <a:txBody>
+                    <a:bodyPr/>
+                    <a:lstStyle/>
+                    <a:p>
+                      <a:pPr algn="ctr">
+                        <a:lnSpc>
+                          <a:spcPct val="150000"/>
+                        </a:lnSpc>
+                        <a:spcAft>
+                          <a:spcPts val="0"/>
+                        </a:spcAft>
+                      </a:pPr>
+                      <a:r>
+                        <a:rPr lang="ru-RU" sz="1400">
+                          <a:effectLst/>
+                        </a:rPr>
+                        <a:t>5</a:t>
+                      </a:r>
+                      <a:endParaRPr lang="ru-RU" sz="1100">
+                        <a:effectLst/>
+                        <a:latin typeface="Calibri" panose="020F0502020204030204" pitchFamily="34" charset="0"/>
+                        <a:ea typeface="Calibri" panose="020F0502020204030204" pitchFamily="34" charset="0"/>
+                        <a:cs typeface="Times New Roman" panose="02020603050405020304" pitchFamily="18" charset="0"/>
+                      </a:endParaRPr>
+                    </a:p>
+                  </a:txBody>
+                  <a:tcPr marL="72712" marR="72712" marT="0" marB="0" anchor="ctr"/>
+                </a:tc>
+                <a:tc>
+                  <a:txBody>
+                    <a:bodyPr/>
+                    <a:lstStyle/>
+                    <a:p>
+                      <a:pPr algn="ctr">
+                        <a:lnSpc>
+                          <a:spcPct val="150000"/>
+                        </a:lnSpc>
+                        <a:spcAft>
+                          <a:spcPts val="0"/>
+                        </a:spcAft>
+                      </a:pPr>
+                      <a:r>
+                        <a:rPr lang="ru-RU" sz="1400">
+                          <a:effectLst/>
+                        </a:rPr>
+                        <a:t>5</a:t>
+                      </a:r>
+                      <a:endParaRPr lang="ru-RU" sz="1100">
+                        <a:effectLst/>
+                        <a:latin typeface="Calibri" panose="020F0502020204030204" pitchFamily="34" charset="0"/>
+                        <a:ea typeface="Calibri" panose="020F0502020204030204" pitchFamily="34" charset="0"/>
+                        <a:cs typeface="Times New Roman" panose="02020603050405020304" pitchFamily="18" charset="0"/>
+                      </a:endParaRPr>
+                    </a:p>
+                  </a:txBody>
+                  <a:tcPr marL="9484" marR="9484" marT="9484" marB="9484" anchor="ctr"/>
+                </a:tc>
+                <a:tc>
+                  <a:txBody>
+                    <a:bodyPr/>
+                    <a:lstStyle/>
+                    <a:p>
+                      <a:pPr algn="ctr">
+                        <a:lnSpc>
+                          <a:spcPct val="150000"/>
+                        </a:lnSpc>
+                        <a:spcAft>
+                          <a:spcPts val="0"/>
+                        </a:spcAft>
+                      </a:pPr>
+                      <a:r>
+                        <a:rPr lang="ru-RU" sz="1400">
+                          <a:effectLst/>
+                        </a:rPr>
+                        <a:t>5</a:t>
+                      </a:r>
+                      <a:endParaRPr lang="ru-RU" sz="1100">
+                        <a:effectLst/>
+                        <a:latin typeface="Calibri" panose="020F0502020204030204" pitchFamily="34" charset="0"/>
+                        <a:ea typeface="Calibri" panose="020F0502020204030204" pitchFamily="34" charset="0"/>
+                        <a:cs typeface="Times New Roman" panose="02020603050405020304" pitchFamily="18" charset="0"/>
+                      </a:endParaRPr>
+                    </a:p>
+                  </a:txBody>
+                  <a:tcPr marL="9484" marR="9484" marT="9484" marB="9484" anchor="ctr"/>
+                </a:tc>
+                <a:tc>
+                  <a:txBody>
+                    <a:bodyPr/>
+                    <a:lstStyle/>
+                    <a:p>
+                      <a:pPr algn="ctr">
+                        <a:lnSpc>
+                          <a:spcPct val="150000"/>
+                        </a:lnSpc>
+                        <a:spcAft>
+                          <a:spcPts val="0"/>
+                        </a:spcAft>
+                      </a:pPr>
+                      <a:r>
+                        <a:rPr lang="ru-RU" sz="1400">
+                          <a:effectLst/>
+                        </a:rPr>
+                        <a:t>4</a:t>
+                      </a:r>
+                      <a:endParaRPr lang="ru-RU" sz="1100">
+                        <a:effectLst/>
+                        <a:latin typeface="Calibri" panose="020F0502020204030204" pitchFamily="34" charset="0"/>
+                        <a:ea typeface="Calibri" panose="020F0502020204030204" pitchFamily="34" charset="0"/>
+                        <a:cs typeface="Times New Roman" panose="02020603050405020304" pitchFamily="18" charset="0"/>
+                      </a:endParaRPr>
+                    </a:p>
+                  </a:txBody>
+                  <a:tcPr marL="9484" marR="9484" marT="9484" marB="9484" anchor="ctr"/>
+                </a:tc>
+                <a:extLst>
+                  <a:ext uri="{0D108BD9-81ED-4DB2-BD59-A6C34878D82A}">
+                    <a16:rowId xmlns:a16="http://schemas.microsoft.com/office/drawing/2014/main" val="3450764660"/>
+                  </a:ext>
+                </a:extLst>
+              </a:tr>
+              <a:tr h="273161">
+                <a:tc>
+                  <a:txBody>
+                    <a:bodyPr/>
+                    <a:lstStyle/>
+                    <a:p>
+                      <a:pPr algn="ctr">
+                        <a:lnSpc>
+                          <a:spcPct val="150000"/>
+                        </a:lnSpc>
+                        <a:spcAft>
+                          <a:spcPts val="0"/>
+                        </a:spcAft>
+                      </a:pPr>
+                      <a:r>
+                        <a:rPr lang="ru-RU" sz="1400">
+                          <a:effectLst/>
+                        </a:rPr>
+                        <a:t>Эксперт 5</a:t>
+                      </a:r>
+                      <a:endParaRPr lang="ru-RU" sz="1100">
+                        <a:effectLst/>
+                        <a:latin typeface="Calibri" panose="020F0502020204030204" pitchFamily="34" charset="0"/>
+                        <a:ea typeface="Calibri" panose="020F0502020204030204" pitchFamily="34" charset="0"/>
+                        <a:cs typeface="Times New Roman" panose="02020603050405020304" pitchFamily="18" charset="0"/>
+                      </a:endParaRPr>
+                    </a:p>
+                  </a:txBody>
+                  <a:tcPr marL="72712" marR="72712" marT="0" marB="0" anchor="ctr"/>
+                </a:tc>
+                <a:tc>
+                  <a:txBody>
+                    <a:bodyPr/>
+                    <a:lstStyle/>
+                    <a:p>
+                      <a:pPr algn="ctr">
+                        <a:lnSpc>
+                          <a:spcPct val="150000"/>
+                        </a:lnSpc>
+                        <a:spcAft>
+                          <a:spcPts val="0"/>
+                        </a:spcAft>
+                      </a:pPr>
+                      <a:r>
+                        <a:rPr lang="ru-RU" sz="1400">
+                          <a:effectLst/>
+                        </a:rPr>
+                        <a:t>4</a:t>
+                      </a:r>
+                      <a:endParaRPr lang="ru-RU" sz="1100">
+                        <a:effectLst/>
+                        <a:latin typeface="Calibri" panose="020F0502020204030204" pitchFamily="34" charset="0"/>
+                        <a:ea typeface="Calibri" panose="020F0502020204030204" pitchFamily="34" charset="0"/>
+                        <a:cs typeface="Times New Roman" panose="02020603050405020304" pitchFamily="18" charset="0"/>
+                      </a:endParaRPr>
+                    </a:p>
+                  </a:txBody>
+                  <a:tcPr marL="72712" marR="72712" marT="0" marB="0" anchor="ctr"/>
+                </a:tc>
+                <a:tc>
+                  <a:txBody>
+                    <a:bodyPr/>
+                    <a:lstStyle/>
+                    <a:p>
+                      <a:pPr algn="ctr">
+                        <a:lnSpc>
+                          <a:spcPct val="150000"/>
+                        </a:lnSpc>
+                        <a:spcAft>
+                          <a:spcPts val="0"/>
+                        </a:spcAft>
+                      </a:pPr>
+                      <a:r>
+                        <a:rPr lang="ru-RU" sz="1400">
+                          <a:effectLst/>
+                        </a:rPr>
+                        <a:t>4</a:t>
+                      </a:r>
+                      <a:endParaRPr lang="ru-RU" sz="1100">
+                        <a:effectLst/>
+                        <a:latin typeface="Calibri" panose="020F0502020204030204" pitchFamily="34" charset="0"/>
+                        <a:ea typeface="Calibri" panose="020F0502020204030204" pitchFamily="34" charset="0"/>
+                        <a:cs typeface="Times New Roman" panose="02020603050405020304" pitchFamily="18" charset="0"/>
+                      </a:endParaRPr>
+                    </a:p>
+                  </a:txBody>
+                  <a:tcPr marL="72712" marR="72712" marT="0" marB="0" anchor="ctr"/>
+                </a:tc>
+                <a:tc>
+                  <a:txBody>
+                    <a:bodyPr/>
+                    <a:lstStyle/>
+                    <a:p>
+                      <a:pPr algn="ctr">
+                        <a:lnSpc>
+                          <a:spcPct val="150000"/>
+                        </a:lnSpc>
+                        <a:spcAft>
+                          <a:spcPts val="0"/>
+                        </a:spcAft>
+                      </a:pPr>
+                      <a:r>
+                        <a:rPr lang="ru-RU" sz="1400">
+                          <a:effectLst/>
+                        </a:rPr>
+                        <a:t>5</a:t>
+                      </a:r>
+                      <a:endParaRPr lang="ru-RU" sz="1100">
+                        <a:effectLst/>
+                        <a:latin typeface="Calibri" panose="020F0502020204030204" pitchFamily="34" charset="0"/>
+                        <a:ea typeface="Calibri" panose="020F0502020204030204" pitchFamily="34" charset="0"/>
+                        <a:cs typeface="Times New Roman" panose="02020603050405020304" pitchFamily="18" charset="0"/>
+                      </a:endParaRPr>
+                    </a:p>
+                  </a:txBody>
+                  <a:tcPr marL="72712" marR="72712" marT="0" marB="0" anchor="ctr"/>
+                </a:tc>
+                <a:tc>
+                  <a:txBody>
+                    <a:bodyPr/>
+                    <a:lstStyle/>
+                    <a:p>
+                      <a:pPr algn="ctr">
+                        <a:lnSpc>
+                          <a:spcPct val="150000"/>
+                        </a:lnSpc>
+                        <a:spcAft>
+                          <a:spcPts val="0"/>
+                        </a:spcAft>
+                      </a:pPr>
+                      <a:r>
+                        <a:rPr lang="ru-RU" sz="1400">
+                          <a:effectLst/>
+                        </a:rPr>
+                        <a:t>4</a:t>
+                      </a:r>
+                      <a:endParaRPr lang="ru-RU" sz="1100">
+                        <a:effectLst/>
+                        <a:latin typeface="Calibri" panose="020F0502020204030204" pitchFamily="34" charset="0"/>
+                        <a:ea typeface="Calibri" panose="020F0502020204030204" pitchFamily="34" charset="0"/>
+                        <a:cs typeface="Times New Roman" panose="02020603050405020304" pitchFamily="18" charset="0"/>
+                      </a:endParaRPr>
+                    </a:p>
+                  </a:txBody>
+                  <a:tcPr marL="9484" marR="9484" marT="9484" marB="9484" anchor="ctr"/>
+                </a:tc>
+                <a:tc>
+                  <a:txBody>
+                    <a:bodyPr/>
+                    <a:lstStyle/>
+                    <a:p>
+                      <a:pPr algn="ctr">
+                        <a:lnSpc>
+                          <a:spcPct val="150000"/>
+                        </a:lnSpc>
+                        <a:spcAft>
+                          <a:spcPts val="0"/>
+                        </a:spcAft>
+                      </a:pPr>
+                      <a:r>
+                        <a:rPr lang="ru-RU" sz="1400">
+                          <a:effectLst/>
+                        </a:rPr>
+                        <a:t>4</a:t>
+                      </a:r>
+                      <a:endParaRPr lang="ru-RU" sz="1100">
+                        <a:effectLst/>
+                        <a:latin typeface="Calibri" panose="020F0502020204030204" pitchFamily="34" charset="0"/>
+                        <a:ea typeface="Calibri" panose="020F0502020204030204" pitchFamily="34" charset="0"/>
+                        <a:cs typeface="Times New Roman" panose="02020603050405020304" pitchFamily="18" charset="0"/>
+                      </a:endParaRPr>
+                    </a:p>
+                  </a:txBody>
+                  <a:tcPr marL="9484" marR="9484" marT="9484" marB="9484" anchor="ctr"/>
+                </a:tc>
+                <a:tc>
+                  <a:txBody>
+                    <a:bodyPr/>
+                    <a:lstStyle/>
+                    <a:p>
+                      <a:pPr algn="ctr">
+                        <a:lnSpc>
+                          <a:spcPct val="150000"/>
+                        </a:lnSpc>
+                        <a:spcAft>
+                          <a:spcPts val="0"/>
+                        </a:spcAft>
+                      </a:pPr>
+                      <a:r>
+                        <a:rPr lang="ru-RU" sz="1400">
+                          <a:effectLst/>
+                        </a:rPr>
+                        <a:t>5</a:t>
+                      </a:r>
+                      <a:endParaRPr lang="ru-RU" sz="1100">
+                        <a:effectLst/>
+                        <a:latin typeface="Calibri" panose="020F0502020204030204" pitchFamily="34" charset="0"/>
+                        <a:ea typeface="Calibri" panose="020F0502020204030204" pitchFamily="34" charset="0"/>
+                        <a:cs typeface="Times New Roman" panose="02020603050405020304" pitchFamily="18" charset="0"/>
+                      </a:endParaRPr>
+                    </a:p>
+                  </a:txBody>
+                  <a:tcPr marL="9484" marR="9484" marT="9484" marB="9484" anchor="ctr"/>
+                </a:tc>
+                <a:extLst>
+                  <a:ext uri="{0D108BD9-81ED-4DB2-BD59-A6C34878D82A}">
+                    <a16:rowId xmlns:a16="http://schemas.microsoft.com/office/drawing/2014/main" val="3899163208"/>
+                  </a:ext>
+                </a:extLst>
+              </a:tr>
+              <a:tr h="273161">
+                <a:tc>
+                  <a:txBody>
+                    <a:bodyPr/>
+                    <a:lstStyle/>
+                    <a:p>
+                      <a:pPr algn="ctr">
+                        <a:lnSpc>
+                          <a:spcPct val="150000"/>
+                        </a:lnSpc>
+                        <a:spcAft>
+                          <a:spcPts val="0"/>
+                        </a:spcAft>
+                      </a:pPr>
+                      <a:r>
+                        <a:rPr lang="ru-RU" sz="1400">
+                          <a:effectLst/>
+                        </a:rPr>
+                        <a:t>Эксперт 6</a:t>
+                      </a:r>
+                      <a:endParaRPr lang="ru-RU" sz="1100">
+                        <a:effectLst/>
+                        <a:latin typeface="Calibri" panose="020F0502020204030204" pitchFamily="34" charset="0"/>
+                        <a:ea typeface="Calibri" panose="020F0502020204030204" pitchFamily="34" charset="0"/>
+                        <a:cs typeface="Times New Roman" panose="02020603050405020304" pitchFamily="18" charset="0"/>
+                      </a:endParaRPr>
+                    </a:p>
+                  </a:txBody>
+                  <a:tcPr marL="72712" marR="72712" marT="0" marB="0" anchor="ctr"/>
+                </a:tc>
+                <a:tc>
+                  <a:txBody>
+                    <a:bodyPr/>
+                    <a:lstStyle/>
+                    <a:p>
+                      <a:pPr algn="ctr">
+                        <a:lnSpc>
+                          <a:spcPct val="150000"/>
+                        </a:lnSpc>
+                        <a:spcAft>
+                          <a:spcPts val="0"/>
+                        </a:spcAft>
+                      </a:pPr>
+                      <a:r>
+                        <a:rPr lang="ru-RU" sz="1400">
+                          <a:effectLst/>
+                        </a:rPr>
+                        <a:t>5</a:t>
+                      </a:r>
+                      <a:endParaRPr lang="ru-RU" sz="1100">
+                        <a:effectLst/>
+                        <a:latin typeface="Calibri" panose="020F0502020204030204" pitchFamily="34" charset="0"/>
+                        <a:ea typeface="Calibri" panose="020F0502020204030204" pitchFamily="34" charset="0"/>
+                        <a:cs typeface="Times New Roman" panose="02020603050405020304" pitchFamily="18" charset="0"/>
+                      </a:endParaRPr>
+                    </a:p>
+                  </a:txBody>
+                  <a:tcPr marL="72712" marR="72712" marT="0" marB="0" anchor="ctr"/>
+                </a:tc>
+                <a:tc>
+                  <a:txBody>
+                    <a:bodyPr/>
+                    <a:lstStyle/>
+                    <a:p>
+                      <a:pPr algn="ctr">
+                        <a:lnSpc>
+                          <a:spcPct val="150000"/>
+                        </a:lnSpc>
+                        <a:spcAft>
+                          <a:spcPts val="0"/>
+                        </a:spcAft>
+                      </a:pPr>
+                      <a:r>
+                        <a:rPr lang="ru-RU" sz="1400">
+                          <a:effectLst/>
+                        </a:rPr>
+                        <a:t>5</a:t>
+                      </a:r>
+                      <a:endParaRPr lang="ru-RU" sz="1100">
+                        <a:effectLst/>
+                        <a:latin typeface="Calibri" panose="020F0502020204030204" pitchFamily="34" charset="0"/>
+                        <a:ea typeface="Calibri" panose="020F0502020204030204" pitchFamily="34" charset="0"/>
+                        <a:cs typeface="Times New Roman" panose="02020603050405020304" pitchFamily="18" charset="0"/>
+                      </a:endParaRPr>
+                    </a:p>
+                  </a:txBody>
+                  <a:tcPr marL="72712" marR="72712" marT="0" marB="0" anchor="ctr"/>
+                </a:tc>
+                <a:tc>
+                  <a:txBody>
+                    <a:bodyPr/>
+                    <a:lstStyle/>
+                    <a:p>
+                      <a:pPr algn="ctr">
+                        <a:lnSpc>
+                          <a:spcPct val="150000"/>
+                        </a:lnSpc>
+                        <a:spcAft>
+                          <a:spcPts val="0"/>
+                        </a:spcAft>
+                      </a:pPr>
+                      <a:r>
+                        <a:rPr lang="ru-RU" sz="1400">
+                          <a:effectLst/>
+                        </a:rPr>
+                        <a:t>4</a:t>
+                      </a:r>
+                      <a:endParaRPr lang="ru-RU" sz="1100">
+                        <a:effectLst/>
+                        <a:latin typeface="Calibri" panose="020F0502020204030204" pitchFamily="34" charset="0"/>
+                        <a:ea typeface="Calibri" panose="020F0502020204030204" pitchFamily="34" charset="0"/>
+                        <a:cs typeface="Times New Roman" panose="02020603050405020304" pitchFamily="18" charset="0"/>
+                      </a:endParaRPr>
+                    </a:p>
+                  </a:txBody>
+                  <a:tcPr marL="72712" marR="72712" marT="0" marB="0" anchor="ctr"/>
+                </a:tc>
+                <a:tc>
+                  <a:txBody>
+                    <a:bodyPr/>
+                    <a:lstStyle/>
+                    <a:p>
+                      <a:pPr algn="ctr">
+                        <a:lnSpc>
+                          <a:spcPct val="150000"/>
+                        </a:lnSpc>
+                        <a:spcAft>
+                          <a:spcPts val="0"/>
+                        </a:spcAft>
+                      </a:pPr>
+                      <a:r>
+                        <a:rPr lang="ru-RU" sz="1400">
+                          <a:effectLst/>
+                        </a:rPr>
+                        <a:t>5</a:t>
+                      </a:r>
+                      <a:endParaRPr lang="ru-RU" sz="1100">
+                        <a:effectLst/>
+                        <a:latin typeface="Calibri" panose="020F0502020204030204" pitchFamily="34" charset="0"/>
+                        <a:ea typeface="Calibri" panose="020F0502020204030204" pitchFamily="34" charset="0"/>
+                        <a:cs typeface="Times New Roman" panose="02020603050405020304" pitchFamily="18" charset="0"/>
+                      </a:endParaRPr>
+                    </a:p>
+                  </a:txBody>
+                  <a:tcPr marL="9484" marR="9484" marT="9484" marB="9484" anchor="ctr"/>
+                </a:tc>
+                <a:tc>
+                  <a:txBody>
+                    <a:bodyPr/>
+                    <a:lstStyle/>
+                    <a:p>
+                      <a:pPr algn="ctr">
+                        <a:lnSpc>
+                          <a:spcPct val="150000"/>
+                        </a:lnSpc>
+                        <a:spcAft>
+                          <a:spcPts val="0"/>
+                        </a:spcAft>
+                      </a:pPr>
+                      <a:r>
+                        <a:rPr lang="ru-RU" sz="1400">
+                          <a:effectLst/>
+                        </a:rPr>
+                        <a:t>5</a:t>
+                      </a:r>
+                      <a:endParaRPr lang="ru-RU" sz="1100">
+                        <a:effectLst/>
+                        <a:latin typeface="Calibri" panose="020F0502020204030204" pitchFamily="34" charset="0"/>
+                        <a:ea typeface="Calibri" panose="020F0502020204030204" pitchFamily="34" charset="0"/>
+                        <a:cs typeface="Times New Roman" panose="02020603050405020304" pitchFamily="18" charset="0"/>
+                      </a:endParaRPr>
+                    </a:p>
+                  </a:txBody>
+                  <a:tcPr marL="9484" marR="9484" marT="9484" marB="9484" anchor="ctr"/>
+                </a:tc>
+                <a:tc>
+                  <a:txBody>
+                    <a:bodyPr/>
+                    <a:lstStyle/>
+                    <a:p>
+                      <a:pPr algn="ctr">
+                        <a:lnSpc>
+                          <a:spcPct val="150000"/>
+                        </a:lnSpc>
+                        <a:spcAft>
+                          <a:spcPts val="0"/>
+                        </a:spcAft>
+                      </a:pPr>
+                      <a:r>
+                        <a:rPr lang="ru-RU" sz="1400">
+                          <a:effectLst/>
+                        </a:rPr>
+                        <a:t>5</a:t>
+                      </a:r>
+                      <a:endParaRPr lang="ru-RU" sz="1100">
+                        <a:effectLst/>
+                        <a:latin typeface="Calibri" panose="020F0502020204030204" pitchFamily="34" charset="0"/>
+                        <a:ea typeface="Calibri" panose="020F0502020204030204" pitchFamily="34" charset="0"/>
+                        <a:cs typeface="Times New Roman" panose="02020603050405020304" pitchFamily="18" charset="0"/>
+                      </a:endParaRPr>
+                    </a:p>
+                  </a:txBody>
+                  <a:tcPr marL="9484" marR="9484" marT="9484" marB="9484" anchor="ctr"/>
+                </a:tc>
+                <a:extLst>
+                  <a:ext uri="{0D108BD9-81ED-4DB2-BD59-A6C34878D82A}">
+                    <a16:rowId xmlns:a16="http://schemas.microsoft.com/office/drawing/2014/main" val="140374682"/>
+                  </a:ext>
+                </a:extLst>
+              </a:tr>
+              <a:tr h="273161">
+                <a:tc>
+                  <a:txBody>
+                    <a:bodyPr/>
+                    <a:lstStyle/>
+                    <a:p>
+                      <a:pPr algn="ctr">
+                        <a:lnSpc>
+                          <a:spcPct val="150000"/>
+                        </a:lnSpc>
+                        <a:spcAft>
+                          <a:spcPts val="0"/>
+                        </a:spcAft>
+                      </a:pPr>
+                      <a:r>
+                        <a:rPr lang="ru-RU" sz="1400">
+                          <a:effectLst/>
+                        </a:rPr>
+                        <a:t>Эксперт 7</a:t>
+                      </a:r>
+                      <a:endParaRPr lang="ru-RU" sz="1100">
+                        <a:effectLst/>
+                        <a:latin typeface="Calibri" panose="020F0502020204030204" pitchFamily="34" charset="0"/>
+                        <a:ea typeface="Calibri" panose="020F0502020204030204" pitchFamily="34" charset="0"/>
+                        <a:cs typeface="Times New Roman" panose="02020603050405020304" pitchFamily="18" charset="0"/>
+                      </a:endParaRPr>
+                    </a:p>
+                  </a:txBody>
+                  <a:tcPr marL="72712" marR="72712" marT="0" marB="0" anchor="ctr"/>
+                </a:tc>
+                <a:tc>
+                  <a:txBody>
+                    <a:bodyPr/>
+                    <a:lstStyle/>
+                    <a:p>
+                      <a:pPr algn="ctr">
+                        <a:lnSpc>
+                          <a:spcPct val="150000"/>
+                        </a:lnSpc>
+                        <a:spcAft>
+                          <a:spcPts val="0"/>
+                        </a:spcAft>
+                      </a:pPr>
+                      <a:r>
+                        <a:rPr lang="ru-RU" sz="1400">
+                          <a:effectLst/>
+                        </a:rPr>
+                        <a:t>5</a:t>
+                      </a:r>
+                      <a:endParaRPr lang="ru-RU" sz="1100">
+                        <a:effectLst/>
+                        <a:latin typeface="Calibri" panose="020F0502020204030204" pitchFamily="34" charset="0"/>
+                        <a:ea typeface="Calibri" panose="020F0502020204030204" pitchFamily="34" charset="0"/>
+                        <a:cs typeface="Times New Roman" panose="02020603050405020304" pitchFamily="18" charset="0"/>
+                      </a:endParaRPr>
+                    </a:p>
+                  </a:txBody>
+                  <a:tcPr marL="72712" marR="72712" marT="0" marB="0" anchor="ctr"/>
+                </a:tc>
+                <a:tc>
+                  <a:txBody>
+                    <a:bodyPr/>
+                    <a:lstStyle/>
+                    <a:p>
+                      <a:pPr algn="ctr">
+                        <a:lnSpc>
+                          <a:spcPct val="150000"/>
+                        </a:lnSpc>
+                        <a:spcAft>
+                          <a:spcPts val="0"/>
+                        </a:spcAft>
+                      </a:pPr>
+                      <a:r>
+                        <a:rPr lang="ru-RU" sz="1400">
+                          <a:effectLst/>
+                        </a:rPr>
+                        <a:t>5</a:t>
+                      </a:r>
+                      <a:endParaRPr lang="ru-RU" sz="1100">
+                        <a:effectLst/>
+                        <a:latin typeface="Calibri" panose="020F0502020204030204" pitchFamily="34" charset="0"/>
+                        <a:ea typeface="Calibri" panose="020F0502020204030204" pitchFamily="34" charset="0"/>
+                        <a:cs typeface="Times New Roman" panose="02020603050405020304" pitchFamily="18" charset="0"/>
+                      </a:endParaRPr>
+                    </a:p>
+                  </a:txBody>
+                  <a:tcPr marL="72712" marR="72712" marT="0" marB="0" anchor="ctr"/>
+                </a:tc>
+                <a:tc>
+                  <a:txBody>
+                    <a:bodyPr/>
+                    <a:lstStyle/>
+                    <a:p>
+                      <a:pPr algn="ctr">
+                        <a:lnSpc>
+                          <a:spcPct val="150000"/>
+                        </a:lnSpc>
+                        <a:spcAft>
+                          <a:spcPts val="0"/>
+                        </a:spcAft>
+                      </a:pPr>
+                      <a:r>
+                        <a:rPr lang="ru-RU" sz="1400">
+                          <a:effectLst/>
+                        </a:rPr>
+                        <a:t>5</a:t>
+                      </a:r>
+                      <a:endParaRPr lang="ru-RU" sz="1100">
+                        <a:effectLst/>
+                        <a:latin typeface="Calibri" panose="020F0502020204030204" pitchFamily="34" charset="0"/>
+                        <a:ea typeface="Calibri" panose="020F0502020204030204" pitchFamily="34" charset="0"/>
+                        <a:cs typeface="Times New Roman" panose="02020603050405020304" pitchFamily="18" charset="0"/>
+                      </a:endParaRPr>
+                    </a:p>
+                  </a:txBody>
+                  <a:tcPr marL="72712" marR="72712" marT="0" marB="0" anchor="ctr"/>
+                </a:tc>
+                <a:tc>
+                  <a:txBody>
+                    <a:bodyPr/>
+                    <a:lstStyle/>
+                    <a:p>
+                      <a:pPr algn="ctr">
+                        <a:lnSpc>
+                          <a:spcPct val="150000"/>
+                        </a:lnSpc>
+                        <a:spcAft>
+                          <a:spcPts val="0"/>
+                        </a:spcAft>
+                      </a:pPr>
+                      <a:r>
+                        <a:rPr lang="ru-RU" sz="1400">
+                          <a:effectLst/>
+                        </a:rPr>
+                        <a:t>5</a:t>
+                      </a:r>
+                      <a:endParaRPr lang="ru-RU" sz="1100">
+                        <a:effectLst/>
+                        <a:latin typeface="Calibri" panose="020F0502020204030204" pitchFamily="34" charset="0"/>
+                        <a:ea typeface="Calibri" panose="020F0502020204030204" pitchFamily="34" charset="0"/>
+                        <a:cs typeface="Times New Roman" panose="02020603050405020304" pitchFamily="18" charset="0"/>
+                      </a:endParaRPr>
+                    </a:p>
+                  </a:txBody>
+                  <a:tcPr marL="9484" marR="9484" marT="9484" marB="9484" anchor="ctr"/>
+                </a:tc>
+                <a:tc>
+                  <a:txBody>
+                    <a:bodyPr/>
+                    <a:lstStyle/>
+                    <a:p>
+                      <a:pPr algn="ctr">
+                        <a:lnSpc>
+                          <a:spcPct val="150000"/>
+                        </a:lnSpc>
+                        <a:spcAft>
+                          <a:spcPts val="0"/>
+                        </a:spcAft>
+                      </a:pPr>
+                      <a:r>
+                        <a:rPr lang="ru-RU" sz="1400">
+                          <a:effectLst/>
+                        </a:rPr>
+                        <a:t>4</a:t>
+                      </a:r>
+                      <a:endParaRPr lang="ru-RU" sz="1100">
+                        <a:effectLst/>
+                        <a:latin typeface="Calibri" panose="020F0502020204030204" pitchFamily="34" charset="0"/>
+                        <a:ea typeface="Calibri" panose="020F0502020204030204" pitchFamily="34" charset="0"/>
+                        <a:cs typeface="Times New Roman" panose="02020603050405020304" pitchFamily="18" charset="0"/>
+                      </a:endParaRPr>
+                    </a:p>
+                  </a:txBody>
+                  <a:tcPr marL="9484" marR="9484" marT="9484" marB="9484" anchor="ctr"/>
+                </a:tc>
+                <a:tc>
+                  <a:txBody>
+                    <a:bodyPr/>
+                    <a:lstStyle/>
+                    <a:p>
+                      <a:pPr algn="ctr">
+                        <a:lnSpc>
+                          <a:spcPct val="150000"/>
+                        </a:lnSpc>
+                        <a:spcAft>
+                          <a:spcPts val="0"/>
+                        </a:spcAft>
+                      </a:pPr>
+                      <a:r>
+                        <a:rPr lang="ru-RU" sz="1400">
+                          <a:effectLst/>
+                        </a:rPr>
+                        <a:t>5</a:t>
+                      </a:r>
+                      <a:endParaRPr lang="ru-RU" sz="1100">
+                        <a:effectLst/>
+                        <a:latin typeface="Calibri" panose="020F0502020204030204" pitchFamily="34" charset="0"/>
+                        <a:ea typeface="Calibri" panose="020F0502020204030204" pitchFamily="34" charset="0"/>
+                        <a:cs typeface="Times New Roman" panose="02020603050405020304" pitchFamily="18" charset="0"/>
+                      </a:endParaRPr>
+                    </a:p>
+                  </a:txBody>
+                  <a:tcPr marL="9484" marR="9484" marT="9484" marB="9484" anchor="ctr"/>
+                </a:tc>
+                <a:extLst>
+                  <a:ext uri="{0D108BD9-81ED-4DB2-BD59-A6C34878D82A}">
+                    <a16:rowId xmlns:a16="http://schemas.microsoft.com/office/drawing/2014/main" val="2932273443"/>
+                  </a:ext>
+                </a:extLst>
+              </a:tr>
+              <a:tr h="273161">
+                <a:tc>
+                  <a:txBody>
+                    <a:bodyPr/>
+                    <a:lstStyle/>
+                    <a:p>
+                      <a:pPr algn="ctr">
+                        <a:lnSpc>
+                          <a:spcPct val="150000"/>
+                        </a:lnSpc>
+                        <a:spcAft>
+                          <a:spcPts val="0"/>
+                        </a:spcAft>
+                      </a:pPr>
+                      <a:r>
+                        <a:rPr lang="ru-RU" sz="1400">
+                          <a:effectLst/>
+                        </a:rPr>
+                        <a:t>Эксперт 8</a:t>
+                      </a:r>
+                      <a:endParaRPr lang="ru-RU" sz="1100">
+                        <a:effectLst/>
+                        <a:latin typeface="Calibri" panose="020F0502020204030204" pitchFamily="34" charset="0"/>
+                        <a:ea typeface="Calibri" panose="020F0502020204030204" pitchFamily="34" charset="0"/>
+                        <a:cs typeface="Times New Roman" panose="02020603050405020304" pitchFamily="18" charset="0"/>
+                      </a:endParaRPr>
+                    </a:p>
+                  </a:txBody>
+                  <a:tcPr marL="72712" marR="72712" marT="0" marB="0" anchor="ctr"/>
+                </a:tc>
+                <a:tc>
+                  <a:txBody>
+                    <a:bodyPr/>
+                    <a:lstStyle/>
+                    <a:p>
+                      <a:pPr algn="ctr">
+                        <a:lnSpc>
+                          <a:spcPct val="150000"/>
+                        </a:lnSpc>
+                        <a:spcAft>
+                          <a:spcPts val="0"/>
+                        </a:spcAft>
+                      </a:pPr>
+                      <a:r>
+                        <a:rPr lang="ru-RU" sz="1400">
+                          <a:effectLst/>
+                        </a:rPr>
+                        <a:t>5</a:t>
+                      </a:r>
+                      <a:endParaRPr lang="ru-RU" sz="1100">
+                        <a:effectLst/>
+                        <a:latin typeface="Calibri" panose="020F0502020204030204" pitchFamily="34" charset="0"/>
+                        <a:ea typeface="Calibri" panose="020F0502020204030204" pitchFamily="34" charset="0"/>
+                        <a:cs typeface="Times New Roman" panose="02020603050405020304" pitchFamily="18" charset="0"/>
+                      </a:endParaRPr>
+                    </a:p>
+                  </a:txBody>
+                  <a:tcPr marL="72712" marR="72712" marT="0" marB="0" anchor="ctr"/>
+                </a:tc>
+                <a:tc>
+                  <a:txBody>
+                    <a:bodyPr/>
+                    <a:lstStyle/>
+                    <a:p>
+                      <a:pPr algn="ctr">
+                        <a:lnSpc>
+                          <a:spcPct val="150000"/>
+                        </a:lnSpc>
+                        <a:spcAft>
+                          <a:spcPts val="0"/>
+                        </a:spcAft>
+                      </a:pPr>
+                      <a:r>
+                        <a:rPr lang="ru-RU" sz="1400">
+                          <a:effectLst/>
+                        </a:rPr>
+                        <a:t>4</a:t>
+                      </a:r>
+                      <a:endParaRPr lang="ru-RU" sz="1100">
+                        <a:effectLst/>
+                        <a:latin typeface="Calibri" panose="020F0502020204030204" pitchFamily="34" charset="0"/>
+                        <a:ea typeface="Calibri" panose="020F0502020204030204" pitchFamily="34" charset="0"/>
+                        <a:cs typeface="Times New Roman" panose="02020603050405020304" pitchFamily="18" charset="0"/>
+                      </a:endParaRPr>
+                    </a:p>
+                  </a:txBody>
+                  <a:tcPr marL="72712" marR="72712" marT="0" marB="0" anchor="ctr"/>
+                </a:tc>
+                <a:tc>
+                  <a:txBody>
+                    <a:bodyPr/>
+                    <a:lstStyle/>
+                    <a:p>
+                      <a:pPr algn="ctr">
+                        <a:lnSpc>
+                          <a:spcPct val="150000"/>
+                        </a:lnSpc>
+                        <a:spcAft>
+                          <a:spcPts val="0"/>
+                        </a:spcAft>
+                      </a:pPr>
+                      <a:r>
+                        <a:rPr lang="ru-RU" sz="1400">
+                          <a:effectLst/>
+                        </a:rPr>
+                        <a:t>5</a:t>
+                      </a:r>
+                      <a:endParaRPr lang="ru-RU" sz="1100">
+                        <a:effectLst/>
+                        <a:latin typeface="Calibri" panose="020F0502020204030204" pitchFamily="34" charset="0"/>
+                        <a:ea typeface="Calibri" panose="020F0502020204030204" pitchFamily="34" charset="0"/>
+                        <a:cs typeface="Times New Roman" panose="02020603050405020304" pitchFamily="18" charset="0"/>
+                      </a:endParaRPr>
+                    </a:p>
+                  </a:txBody>
+                  <a:tcPr marL="72712" marR="72712" marT="0" marB="0" anchor="ctr"/>
+                </a:tc>
+                <a:tc>
+                  <a:txBody>
+                    <a:bodyPr/>
+                    <a:lstStyle/>
+                    <a:p>
+                      <a:pPr algn="ctr">
+                        <a:lnSpc>
+                          <a:spcPct val="150000"/>
+                        </a:lnSpc>
+                        <a:spcAft>
+                          <a:spcPts val="0"/>
+                        </a:spcAft>
+                      </a:pPr>
+                      <a:r>
+                        <a:rPr lang="ru-RU" sz="1400">
+                          <a:effectLst/>
+                        </a:rPr>
+                        <a:t>5</a:t>
+                      </a:r>
+                      <a:endParaRPr lang="ru-RU" sz="1100">
+                        <a:effectLst/>
+                        <a:latin typeface="Calibri" panose="020F0502020204030204" pitchFamily="34" charset="0"/>
+                        <a:ea typeface="Calibri" panose="020F0502020204030204" pitchFamily="34" charset="0"/>
+                        <a:cs typeface="Times New Roman" panose="02020603050405020304" pitchFamily="18" charset="0"/>
+                      </a:endParaRPr>
+                    </a:p>
+                  </a:txBody>
+                  <a:tcPr marL="9484" marR="9484" marT="9484" marB="9484" anchor="ctr"/>
+                </a:tc>
+                <a:tc>
+                  <a:txBody>
+                    <a:bodyPr/>
+                    <a:lstStyle/>
+                    <a:p>
+                      <a:pPr algn="ctr">
+                        <a:lnSpc>
+                          <a:spcPct val="150000"/>
+                        </a:lnSpc>
+                        <a:spcAft>
+                          <a:spcPts val="0"/>
+                        </a:spcAft>
+                      </a:pPr>
+                      <a:r>
+                        <a:rPr lang="ru-RU" sz="1400">
+                          <a:effectLst/>
+                        </a:rPr>
+                        <a:t>5</a:t>
+                      </a:r>
+                      <a:endParaRPr lang="ru-RU" sz="1100">
+                        <a:effectLst/>
+                        <a:latin typeface="Calibri" panose="020F0502020204030204" pitchFamily="34" charset="0"/>
+                        <a:ea typeface="Calibri" panose="020F0502020204030204" pitchFamily="34" charset="0"/>
+                        <a:cs typeface="Times New Roman" panose="02020603050405020304" pitchFamily="18" charset="0"/>
+                      </a:endParaRPr>
+                    </a:p>
+                  </a:txBody>
+                  <a:tcPr marL="9484" marR="9484" marT="9484" marB="9484" anchor="ctr"/>
+                </a:tc>
+                <a:tc>
+                  <a:txBody>
+                    <a:bodyPr/>
+                    <a:lstStyle/>
+                    <a:p>
+                      <a:pPr algn="ctr">
+                        <a:lnSpc>
+                          <a:spcPct val="150000"/>
+                        </a:lnSpc>
+                        <a:spcAft>
+                          <a:spcPts val="0"/>
+                        </a:spcAft>
+                      </a:pPr>
+                      <a:r>
+                        <a:rPr lang="ru-RU" sz="1400">
+                          <a:effectLst/>
+                        </a:rPr>
+                        <a:t>4</a:t>
+                      </a:r>
+                      <a:endParaRPr lang="ru-RU" sz="1100">
+                        <a:effectLst/>
+                        <a:latin typeface="Calibri" panose="020F0502020204030204" pitchFamily="34" charset="0"/>
+                        <a:ea typeface="Calibri" panose="020F0502020204030204" pitchFamily="34" charset="0"/>
+                        <a:cs typeface="Times New Roman" panose="02020603050405020304" pitchFamily="18" charset="0"/>
+                      </a:endParaRPr>
+                    </a:p>
+                  </a:txBody>
+                  <a:tcPr marL="9484" marR="9484" marT="9484" marB="9484" anchor="ctr"/>
+                </a:tc>
+                <a:extLst>
+                  <a:ext uri="{0D108BD9-81ED-4DB2-BD59-A6C34878D82A}">
+                    <a16:rowId xmlns:a16="http://schemas.microsoft.com/office/drawing/2014/main" val="2444415857"/>
+                  </a:ext>
+                </a:extLst>
+              </a:tr>
+              <a:tr h="273161">
+                <a:tc>
+                  <a:txBody>
+                    <a:bodyPr/>
+                    <a:lstStyle/>
+                    <a:p>
+                      <a:pPr algn="ctr">
+                        <a:lnSpc>
+                          <a:spcPct val="150000"/>
+                        </a:lnSpc>
+                        <a:spcAft>
+                          <a:spcPts val="0"/>
+                        </a:spcAft>
+                      </a:pPr>
+                      <a:r>
+                        <a:rPr lang="ru-RU" sz="1400">
+                          <a:effectLst/>
+                        </a:rPr>
+                        <a:t>Эксперт 9</a:t>
+                      </a:r>
+                      <a:endParaRPr lang="ru-RU" sz="1100">
+                        <a:effectLst/>
+                        <a:latin typeface="Calibri" panose="020F0502020204030204" pitchFamily="34" charset="0"/>
+                        <a:ea typeface="Calibri" panose="020F0502020204030204" pitchFamily="34" charset="0"/>
+                        <a:cs typeface="Times New Roman" panose="02020603050405020304" pitchFamily="18" charset="0"/>
+                      </a:endParaRPr>
+                    </a:p>
+                  </a:txBody>
+                  <a:tcPr marL="72712" marR="72712" marT="0" marB="0" anchor="ctr"/>
+                </a:tc>
+                <a:tc>
+                  <a:txBody>
+                    <a:bodyPr/>
+                    <a:lstStyle/>
+                    <a:p>
+                      <a:pPr algn="ctr">
+                        <a:lnSpc>
+                          <a:spcPct val="150000"/>
+                        </a:lnSpc>
+                        <a:spcAft>
+                          <a:spcPts val="0"/>
+                        </a:spcAft>
+                      </a:pPr>
+                      <a:r>
+                        <a:rPr lang="ru-RU" sz="1400">
+                          <a:effectLst/>
+                        </a:rPr>
+                        <a:t>4</a:t>
+                      </a:r>
+                      <a:endParaRPr lang="ru-RU" sz="1100">
+                        <a:effectLst/>
+                        <a:latin typeface="Calibri" panose="020F0502020204030204" pitchFamily="34" charset="0"/>
+                        <a:ea typeface="Calibri" panose="020F0502020204030204" pitchFamily="34" charset="0"/>
+                        <a:cs typeface="Times New Roman" panose="02020603050405020304" pitchFamily="18" charset="0"/>
+                      </a:endParaRPr>
+                    </a:p>
+                  </a:txBody>
+                  <a:tcPr marL="72712" marR="72712" marT="0" marB="0" anchor="ctr"/>
+                </a:tc>
+                <a:tc>
+                  <a:txBody>
+                    <a:bodyPr/>
+                    <a:lstStyle/>
+                    <a:p>
+                      <a:pPr algn="ctr">
+                        <a:lnSpc>
+                          <a:spcPct val="150000"/>
+                        </a:lnSpc>
+                        <a:spcAft>
+                          <a:spcPts val="0"/>
+                        </a:spcAft>
+                      </a:pPr>
+                      <a:r>
+                        <a:rPr lang="ru-RU" sz="1400">
+                          <a:effectLst/>
+                        </a:rPr>
+                        <a:t>5</a:t>
+                      </a:r>
+                      <a:endParaRPr lang="ru-RU" sz="1100">
+                        <a:effectLst/>
+                        <a:latin typeface="Calibri" panose="020F0502020204030204" pitchFamily="34" charset="0"/>
+                        <a:ea typeface="Calibri" panose="020F0502020204030204" pitchFamily="34" charset="0"/>
+                        <a:cs typeface="Times New Roman" panose="02020603050405020304" pitchFamily="18" charset="0"/>
+                      </a:endParaRPr>
+                    </a:p>
+                  </a:txBody>
+                  <a:tcPr marL="72712" marR="72712" marT="0" marB="0" anchor="ctr"/>
+                </a:tc>
+                <a:tc>
+                  <a:txBody>
+                    <a:bodyPr/>
+                    <a:lstStyle/>
+                    <a:p>
+                      <a:pPr algn="ctr">
+                        <a:lnSpc>
+                          <a:spcPct val="150000"/>
+                        </a:lnSpc>
+                        <a:spcAft>
+                          <a:spcPts val="0"/>
+                        </a:spcAft>
+                      </a:pPr>
+                      <a:r>
+                        <a:rPr lang="ru-RU" sz="1400">
+                          <a:effectLst/>
+                        </a:rPr>
+                        <a:t>5</a:t>
+                      </a:r>
+                      <a:endParaRPr lang="ru-RU" sz="1100">
+                        <a:effectLst/>
+                        <a:latin typeface="Calibri" panose="020F0502020204030204" pitchFamily="34" charset="0"/>
+                        <a:ea typeface="Calibri" panose="020F0502020204030204" pitchFamily="34" charset="0"/>
+                        <a:cs typeface="Times New Roman" panose="02020603050405020304" pitchFamily="18" charset="0"/>
+                      </a:endParaRPr>
+                    </a:p>
+                  </a:txBody>
+                  <a:tcPr marL="72712" marR="72712" marT="0" marB="0" anchor="ctr"/>
+                </a:tc>
+                <a:tc>
+                  <a:txBody>
+                    <a:bodyPr/>
+                    <a:lstStyle/>
+                    <a:p>
+                      <a:pPr algn="ctr">
+                        <a:lnSpc>
+                          <a:spcPct val="150000"/>
+                        </a:lnSpc>
+                        <a:spcAft>
+                          <a:spcPts val="0"/>
+                        </a:spcAft>
+                      </a:pPr>
+                      <a:r>
+                        <a:rPr lang="ru-RU" sz="1400">
+                          <a:effectLst/>
+                        </a:rPr>
+                        <a:t>5</a:t>
+                      </a:r>
+                      <a:endParaRPr lang="ru-RU" sz="1100">
+                        <a:effectLst/>
+                        <a:latin typeface="Calibri" panose="020F0502020204030204" pitchFamily="34" charset="0"/>
+                        <a:ea typeface="Calibri" panose="020F0502020204030204" pitchFamily="34" charset="0"/>
+                        <a:cs typeface="Times New Roman" panose="02020603050405020304" pitchFamily="18" charset="0"/>
+                      </a:endParaRPr>
+                    </a:p>
+                  </a:txBody>
+                  <a:tcPr marL="9484" marR="9484" marT="9484" marB="9484" anchor="ctr"/>
+                </a:tc>
+                <a:tc>
+                  <a:txBody>
+                    <a:bodyPr/>
+                    <a:lstStyle/>
+                    <a:p>
+                      <a:pPr algn="ctr">
+                        <a:lnSpc>
+                          <a:spcPct val="150000"/>
+                        </a:lnSpc>
+                        <a:spcAft>
+                          <a:spcPts val="0"/>
+                        </a:spcAft>
+                      </a:pPr>
+                      <a:r>
+                        <a:rPr lang="ru-RU" sz="1400">
+                          <a:effectLst/>
+                        </a:rPr>
+                        <a:t>4</a:t>
+                      </a:r>
+                      <a:endParaRPr lang="ru-RU" sz="1100">
+                        <a:effectLst/>
+                        <a:latin typeface="Calibri" panose="020F0502020204030204" pitchFamily="34" charset="0"/>
+                        <a:ea typeface="Calibri" panose="020F0502020204030204" pitchFamily="34" charset="0"/>
+                        <a:cs typeface="Times New Roman" panose="02020603050405020304" pitchFamily="18" charset="0"/>
+                      </a:endParaRPr>
+                    </a:p>
+                  </a:txBody>
+                  <a:tcPr marL="9484" marR="9484" marT="9484" marB="9484" anchor="ctr"/>
+                </a:tc>
+                <a:tc>
+                  <a:txBody>
+                    <a:bodyPr/>
+                    <a:lstStyle/>
+                    <a:p>
+                      <a:pPr algn="ctr">
+                        <a:lnSpc>
+                          <a:spcPct val="150000"/>
+                        </a:lnSpc>
+                        <a:spcAft>
+                          <a:spcPts val="0"/>
+                        </a:spcAft>
+                      </a:pPr>
+                      <a:r>
+                        <a:rPr lang="ru-RU" sz="1400">
+                          <a:effectLst/>
+                        </a:rPr>
+                        <a:t>4</a:t>
+                      </a:r>
+                      <a:endParaRPr lang="ru-RU" sz="1100">
+                        <a:effectLst/>
+                        <a:latin typeface="Calibri" panose="020F0502020204030204" pitchFamily="34" charset="0"/>
+                        <a:ea typeface="Calibri" panose="020F0502020204030204" pitchFamily="34" charset="0"/>
+                        <a:cs typeface="Times New Roman" panose="02020603050405020304" pitchFamily="18" charset="0"/>
+                      </a:endParaRPr>
+                    </a:p>
+                  </a:txBody>
+                  <a:tcPr marL="9484" marR="9484" marT="9484" marB="9484" anchor="ctr"/>
+                </a:tc>
+                <a:extLst>
+                  <a:ext uri="{0D108BD9-81ED-4DB2-BD59-A6C34878D82A}">
+                    <a16:rowId xmlns:a16="http://schemas.microsoft.com/office/drawing/2014/main" val="62252785"/>
+                  </a:ext>
+                </a:extLst>
+              </a:tr>
+              <a:tr h="273161">
+                <a:tc>
+                  <a:txBody>
+                    <a:bodyPr/>
+                    <a:lstStyle/>
+                    <a:p>
+                      <a:pPr algn="ctr">
+                        <a:lnSpc>
+                          <a:spcPct val="150000"/>
+                        </a:lnSpc>
+                        <a:spcAft>
+                          <a:spcPts val="0"/>
+                        </a:spcAft>
+                      </a:pPr>
+                      <a:r>
+                        <a:rPr lang="ru-RU" sz="1400">
+                          <a:effectLst/>
+                        </a:rPr>
+                        <a:t>Эксперт 10</a:t>
+                      </a:r>
+                      <a:endParaRPr lang="ru-RU" sz="1100">
+                        <a:effectLst/>
+                        <a:latin typeface="Calibri" panose="020F0502020204030204" pitchFamily="34" charset="0"/>
+                        <a:ea typeface="Calibri" panose="020F0502020204030204" pitchFamily="34" charset="0"/>
+                        <a:cs typeface="Times New Roman" panose="02020603050405020304" pitchFamily="18" charset="0"/>
+                      </a:endParaRPr>
+                    </a:p>
+                  </a:txBody>
+                  <a:tcPr marL="72712" marR="72712" marT="0" marB="0" anchor="ctr"/>
+                </a:tc>
+                <a:tc>
+                  <a:txBody>
+                    <a:bodyPr/>
+                    <a:lstStyle/>
+                    <a:p>
+                      <a:pPr algn="ctr">
+                        <a:lnSpc>
+                          <a:spcPct val="150000"/>
+                        </a:lnSpc>
+                        <a:spcAft>
+                          <a:spcPts val="0"/>
+                        </a:spcAft>
+                      </a:pPr>
+                      <a:r>
+                        <a:rPr lang="ru-RU" sz="1400">
+                          <a:effectLst/>
+                        </a:rPr>
+                        <a:t>5</a:t>
+                      </a:r>
+                      <a:endParaRPr lang="ru-RU" sz="1100">
+                        <a:effectLst/>
+                        <a:latin typeface="Calibri" panose="020F0502020204030204" pitchFamily="34" charset="0"/>
+                        <a:ea typeface="Calibri" panose="020F0502020204030204" pitchFamily="34" charset="0"/>
+                        <a:cs typeface="Times New Roman" panose="02020603050405020304" pitchFamily="18" charset="0"/>
+                      </a:endParaRPr>
+                    </a:p>
+                  </a:txBody>
+                  <a:tcPr marL="72712" marR="72712" marT="0" marB="0" anchor="ctr"/>
+                </a:tc>
+                <a:tc>
+                  <a:txBody>
+                    <a:bodyPr/>
+                    <a:lstStyle/>
+                    <a:p>
+                      <a:pPr algn="ctr">
+                        <a:lnSpc>
+                          <a:spcPct val="150000"/>
+                        </a:lnSpc>
+                        <a:spcAft>
+                          <a:spcPts val="0"/>
+                        </a:spcAft>
+                      </a:pPr>
+                      <a:r>
+                        <a:rPr lang="ru-RU" sz="1400">
+                          <a:effectLst/>
+                        </a:rPr>
+                        <a:t>5</a:t>
+                      </a:r>
+                      <a:endParaRPr lang="ru-RU" sz="1100">
+                        <a:effectLst/>
+                        <a:latin typeface="Calibri" panose="020F0502020204030204" pitchFamily="34" charset="0"/>
+                        <a:ea typeface="Calibri" panose="020F0502020204030204" pitchFamily="34" charset="0"/>
+                        <a:cs typeface="Times New Roman" panose="02020603050405020304" pitchFamily="18" charset="0"/>
+                      </a:endParaRPr>
+                    </a:p>
+                  </a:txBody>
+                  <a:tcPr marL="72712" marR="72712" marT="0" marB="0" anchor="ctr"/>
+                </a:tc>
+                <a:tc>
+                  <a:txBody>
+                    <a:bodyPr/>
+                    <a:lstStyle/>
+                    <a:p>
+                      <a:pPr algn="ctr">
+                        <a:lnSpc>
+                          <a:spcPct val="150000"/>
+                        </a:lnSpc>
+                        <a:spcAft>
+                          <a:spcPts val="0"/>
+                        </a:spcAft>
+                      </a:pPr>
+                      <a:r>
+                        <a:rPr lang="ru-RU" sz="1400">
+                          <a:effectLst/>
+                        </a:rPr>
+                        <a:t>5</a:t>
+                      </a:r>
+                      <a:endParaRPr lang="ru-RU" sz="1100">
+                        <a:effectLst/>
+                        <a:latin typeface="Calibri" panose="020F0502020204030204" pitchFamily="34" charset="0"/>
+                        <a:ea typeface="Calibri" panose="020F0502020204030204" pitchFamily="34" charset="0"/>
+                        <a:cs typeface="Times New Roman" panose="02020603050405020304" pitchFamily="18" charset="0"/>
+                      </a:endParaRPr>
+                    </a:p>
+                  </a:txBody>
+                  <a:tcPr marL="72712" marR="72712" marT="0" marB="0" anchor="ctr"/>
+                </a:tc>
+                <a:tc>
+                  <a:txBody>
+                    <a:bodyPr/>
+                    <a:lstStyle/>
+                    <a:p>
+                      <a:pPr algn="ctr">
+                        <a:lnSpc>
+                          <a:spcPct val="150000"/>
+                        </a:lnSpc>
+                        <a:spcAft>
+                          <a:spcPts val="0"/>
+                        </a:spcAft>
+                      </a:pPr>
+                      <a:r>
+                        <a:rPr lang="ru-RU" sz="1400">
+                          <a:effectLst/>
+                        </a:rPr>
+                        <a:t>5</a:t>
+                      </a:r>
+                      <a:endParaRPr lang="ru-RU" sz="1100">
+                        <a:effectLst/>
+                        <a:latin typeface="Calibri" panose="020F0502020204030204" pitchFamily="34" charset="0"/>
+                        <a:ea typeface="Calibri" panose="020F0502020204030204" pitchFamily="34" charset="0"/>
+                        <a:cs typeface="Times New Roman" panose="02020603050405020304" pitchFamily="18" charset="0"/>
+                      </a:endParaRPr>
+                    </a:p>
+                  </a:txBody>
+                  <a:tcPr marL="9484" marR="9484" marT="9484" marB="9484" anchor="ctr"/>
+                </a:tc>
+                <a:tc>
+                  <a:txBody>
+                    <a:bodyPr/>
+                    <a:lstStyle/>
+                    <a:p>
+                      <a:pPr algn="ctr">
+                        <a:lnSpc>
+                          <a:spcPct val="150000"/>
+                        </a:lnSpc>
+                        <a:spcAft>
+                          <a:spcPts val="0"/>
+                        </a:spcAft>
+                      </a:pPr>
+                      <a:r>
+                        <a:rPr lang="ru-RU" sz="1400">
+                          <a:effectLst/>
+                        </a:rPr>
+                        <a:t>4</a:t>
+                      </a:r>
+                      <a:endParaRPr lang="ru-RU" sz="1100">
+                        <a:effectLst/>
+                        <a:latin typeface="Calibri" panose="020F0502020204030204" pitchFamily="34" charset="0"/>
+                        <a:ea typeface="Calibri" panose="020F0502020204030204" pitchFamily="34" charset="0"/>
+                        <a:cs typeface="Times New Roman" panose="02020603050405020304" pitchFamily="18" charset="0"/>
+                      </a:endParaRPr>
+                    </a:p>
+                  </a:txBody>
+                  <a:tcPr marL="9484" marR="9484" marT="9484" marB="9484" anchor="ctr"/>
+                </a:tc>
+                <a:tc>
+                  <a:txBody>
+                    <a:bodyPr/>
+                    <a:lstStyle/>
+                    <a:p>
+                      <a:pPr algn="ctr">
+                        <a:lnSpc>
+                          <a:spcPct val="150000"/>
+                        </a:lnSpc>
+                        <a:spcAft>
+                          <a:spcPts val="0"/>
+                        </a:spcAft>
+                      </a:pPr>
+                      <a:r>
+                        <a:rPr lang="ru-RU" sz="1400">
+                          <a:effectLst/>
+                        </a:rPr>
+                        <a:t>5</a:t>
+                      </a:r>
+                      <a:endParaRPr lang="ru-RU" sz="1100">
+                        <a:effectLst/>
+                        <a:latin typeface="Calibri" panose="020F0502020204030204" pitchFamily="34" charset="0"/>
+                        <a:ea typeface="Calibri" panose="020F0502020204030204" pitchFamily="34" charset="0"/>
+                        <a:cs typeface="Times New Roman" panose="02020603050405020304" pitchFamily="18" charset="0"/>
+                      </a:endParaRPr>
+                    </a:p>
+                  </a:txBody>
+                  <a:tcPr marL="9484" marR="9484" marT="9484" marB="9484" anchor="ctr"/>
+                </a:tc>
+                <a:extLst>
+                  <a:ext uri="{0D108BD9-81ED-4DB2-BD59-A6C34878D82A}">
+                    <a16:rowId xmlns:a16="http://schemas.microsoft.com/office/drawing/2014/main" val="112640907"/>
+                  </a:ext>
+                </a:extLst>
+              </a:tr>
+              <a:tr h="257815">
+                <a:tc>
+                  <a:txBody>
+                    <a:bodyPr/>
+                    <a:lstStyle/>
+                    <a:p>
+                      <a:pPr algn="ctr">
+                        <a:lnSpc>
+                          <a:spcPct val="150000"/>
+                        </a:lnSpc>
+                        <a:spcAft>
+                          <a:spcPts val="0"/>
+                        </a:spcAft>
+                      </a:pPr>
+                      <a:r>
+                        <a:rPr lang="ru-RU" sz="1400">
+                          <a:effectLst/>
+                        </a:rPr>
+                        <a:t>Ср. оценка</a:t>
+                      </a:r>
+                      <a:endParaRPr lang="ru-RU" sz="1100">
+                        <a:effectLst/>
+                        <a:latin typeface="Calibri" panose="020F0502020204030204" pitchFamily="34" charset="0"/>
+                        <a:ea typeface="Calibri" panose="020F0502020204030204" pitchFamily="34" charset="0"/>
+                        <a:cs typeface="Times New Roman" panose="02020603050405020304" pitchFamily="18" charset="0"/>
+                      </a:endParaRPr>
+                    </a:p>
+                  </a:txBody>
+                  <a:tcPr marL="72712" marR="72712" marT="0" marB="0" anchor="ctr"/>
                 </a:tc>
                 <a:tc>
                   <a:txBody>
@@ -12345,16 +9200,16 @@
                           <a:spcPct val="106000"/>
                         </a:lnSpc>
                         <a:spcAft>
-                          <a:spcPts val="0"/>
+                          <a:spcPts val="800"/>
                         </a:spcAft>
                       </a:pPr>
                       <a:r>
-                        <a:rPr lang="en-US" sz="1200">
+                        <a:rPr lang="ru-RU" sz="1400" dirty="0">
                           <a:effectLst/>
                         </a:rPr>
-                        <a:t>2</a:t>
+                        <a:t>4,8</a:t>
                       </a:r>
-                      <a:endParaRPr lang="ru-RU" sz="1100">
+                      <a:endParaRPr lang="ru-RU" sz="1100" dirty="0">
                         <a:effectLst/>
                         <a:latin typeface="Calibri" panose="020F0502020204030204" pitchFamily="34" charset="0"/>
                         <a:ea typeface="Calibri" panose="020F0502020204030204" pitchFamily="34" charset="0"/>
@@ -12362,7 +9217,7 @@
                       </a:endParaRPr>
                     </a:p>
                   </a:txBody>
-                  <a:tcPr marL="73025" marR="73025" marT="0" marB="0" anchor="ctr"/>
+                  <a:tcPr marL="72712" marR="72712" marT="0" marB="0" anchor="ctr"/>
                 </a:tc>
                 <a:tc>
                   <a:txBody>
@@ -12374,14 +9229,14 @@
                           <a:spcPct val="106000"/>
                         </a:lnSpc>
                         <a:spcAft>
-                          <a:spcPts val="0"/>
+                          <a:spcPts val="800"/>
                         </a:spcAft>
                       </a:pPr>
                       <a:r>
-                        <a:rPr lang="en-US" sz="1200">
+                        <a:rPr lang="ru-RU" sz="1400">
                           <a:effectLst/>
                         </a:rPr>
-                        <a:t>1</a:t>
+                        <a:t>4,7</a:t>
                       </a:r>
                       <a:endParaRPr lang="ru-RU" sz="1100">
                         <a:effectLst/>
@@ -12391,7 +9246,7 @@
                       </a:endParaRPr>
                     </a:p>
                   </a:txBody>
-                  <a:tcPr marL="73025" marR="73025" marT="0" marB="0" anchor="ctr"/>
+                  <a:tcPr marL="72712" marR="72712" marT="0" marB="0" anchor="ctr"/>
                 </a:tc>
                 <a:tc>
                   <a:txBody>
@@ -12403,14 +9258,14 @@
                           <a:spcPct val="106000"/>
                         </a:lnSpc>
                         <a:spcAft>
-                          <a:spcPts val="0"/>
+                          <a:spcPts val="800"/>
                         </a:spcAft>
                       </a:pPr>
                       <a:r>
-                        <a:rPr lang="en-US" sz="1200">
+                        <a:rPr lang="ru-RU" sz="1400">
                           <a:effectLst/>
                         </a:rPr>
-                        <a:t>2</a:t>
+                        <a:t>4,7</a:t>
                       </a:r>
                       <a:endParaRPr lang="ru-RU" sz="1100">
                         <a:effectLst/>
@@ -12420,43 +9275,7 @@
                       </a:endParaRPr>
                     </a:p>
                   </a:txBody>
-                  <a:tcPr marL="73025" marR="73025" marT="0" marB="0" anchor="ctr"/>
-                </a:tc>
-                <a:extLst>
-                  <a:ext uri="{0D108BD9-81ED-4DB2-BD59-A6C34878D82A}">
-                    <a16:rowId xmlns:a16="http://schemas.microsoft.com/office/drawing/2014/main" val="1839067615"/>
-                  </a:ext>
-                </a:extLst>
-              </a:tr>
-              <a:tr h="316829">
-                <a:tc>
-                  <a:txBody>
-                    <a:bodyPr/>
-                    <a:lstStyle/>
-                    <a:p>
-                      <a:pPr algn="ctr">
-                        <a:lnSpc>
-                          <a:spcPct val="106000"/>
-                        </a:lnSpc>
-                        <a:spcAft>
-                          <a:spcPts val="0"/>
-                        </a:spcAft>
-                      </a:pPr>
-                      <a:r>
-                        <a:rPr lang="ru-RU" sz="1400" dirty="0">
-                          <a:effectLst/>
-                        </a:rPr>
-                        <a:t>Эксперт 5</a:t>
-                      </a:r>
-                      <a:endParaRPr lang="ru-RU" sz="1100" dirty="0">
-                        <a:effectLst/>
-                        <a:latin typeface="Calibri" panose="020F0502020204030204" pitchFamily="34" charset="0"/>
-                        <a:ea typeface="Calibri" panose="020F0502020204030204" pitchFamily="34" charset="0"/>
-                        <a:cs typeface="Times New Roman" panose="02020603050405020304" pitchFamily="18" charset="0"/>
-                      </a:endParaRPr>
-                    </a:p>
-                  </a:txBody>
-                  <a:tcPr marL="73025" marR="73025" marT="0" marB="0" anchor="ctr"/>
+                  <a:tcPr marL="72712" marR="72712" marT="0" marB="0" anchor="ctr"/>
                 </a:tc>
                 <a:tc>
                   <a:txBody>
@@ -12468,14 +9287,14 @@
                           <a:spcPct val="106000"/>
                         </a:lnSpc>
                         <a:spcAft>
-                          <a:spcPts val="0"/>
+                          <a:spcPts val="800"/>
                         </a:spcAft>
                       </a:pPr>
                       <a:r>
-                        <a:rPr lang="en-US" sz="1200">
+                        <a:rPr lang="ru-RU" sz="1400">
                           <a:effectLst/>
                         </a:rPr>
-                        <a:t>1</a:t>
+                        <a:t>4,9</a:t>
                       </a:r>
                       <a:endParaRPr lang="ru-RU" sz="1100">
                         <a:effectLst/>
@@ -12485,7 +9304,7 @@
                       </a:endParaRPr>
                     </a:p>
                   </a:txBody>
-                  <a:tcPr marL="73025" marR="73025" marT="0" marB="0" anchor="ctr"/>
+                  <a:tcPr marL="9484" marR="9484" marT="9484" marB="9484" anchor="ctr"/>
                 </a:tc>
                 <a:tc>
                   <a:txBody>
@@ -12497,14 +9316,14 @@
                           <a:spcPct val="106000"/>
                         </a:lnSpc>
                         <a:spcAft>
-                          <a:spcPts val="0"/>
+                          <a:spcPts val="800"/>
                         </a:spcAft>
                       </a:pPr>
                       <a:r>
-                        <a:rPr lang="en-US" sz="1200">
+                        <a:rPr lang="ru-RU" sz="1400">
                           <a:effectLst/>
                         </a:rPr>
-                        <a:t>2</a:t>
+                        <a:t>4,3</a:t>
                       </a:r>
                       <a:endParaRPr lang="ru-RU" sz="1100">
                         <a:effectLst/>
@@ -12514,7 +9333,7 @@
                       </a:endParaRPr>
                     </a:p>
                   </a:txBody>
-                  <a:tcPr marL="73025" marR="73025" marT="0" marB="0" anchor="ctr"/>
+                  <a:tcPr marL="9484" marR="9484" marT="9484" marB="9484" anchor="ctr"/>
                 </a:tc>
                 <a:tc>
                   <a:txBody>
@@ -12526,14 +9345,14 @@
                           <a:spcPct val="106000"/>
                         </a:lnSpc>
                         <a:spcAft>
-                          <a:spcPts val="0"/>
+                          <a:spcPts val="800"/>
                         </a:spcAft>
                       </a:pPr>
                       <a:r>
-                        <a:rPr lang="en-US" sz="1200" dirty="0">
+                        <a:rPr lang="ru-RU" sz="1400" dirty="0">
                           <a:effectLst/>
                         </a:rPr>
-                        <a:t>1</a:t>
+                        <a:t>4,6</a:t>
                       </a:r>
                       <a:endParaRPr lang="ru-RU" sz="1100" dirty="0">
                         <a:effectLst/>
@@ -12543,11 +9362,11 @@
                       </a:endParaRPr>
                     </a:p>
                   </a:txBody>
-                  <a:tcPr marL="73025" marR="73025" marT="0" marB="0" anchor="ctr"/>
+                  <a:tcPr marL="9484" marR="9484" marT="9484" marB="9484" anchor="ctr"/>
                 </a:tc>
                 <a:extLst>
                   <a:ext uri="{0D108BD9-81ED-4DB2-BD59-A6C34878D82A}">
-                    <a16:rowId xmlns:a16="http://schemas.microsoft.com/office/drawing/2014/main" val="3648046027"/>
+                    <a16:rowId xmlns:a16="http://schemas.microsoft.com/office/drawing/2014/main" val="3711260165"/>
                   </a:ext>
                 </a:extLst>
               </a:tr>
@@ -12555,199 +9374,529 @@
           </a:graphicData>
         </a:graphic>
       </p:graphicFrame>
-      <mc:AlternateContent xmlns:mc="http://schemas.openxmlformats.org/markup-compatibility/2006" xmlns:a14="http://schemas.microsoft.com/office/drawing/2010/main">
-        <mc:Choice Requires="a14">
-          <p:sp>
-            <p:nvSpPr>
-              <p:cNvPr id="25" name="Прямоугольник 24"/>
-              <p:cNvSpPr/>
-              <p:nvPr/>
-            </p:nvSpPr>
-            <p:spPr>
-              <a:xfrm>
-                <a:off x="4775968" y="4101323"/>
-                <a:ext cx="3203510" cy="967444"/>
-              </a:xfrm>
-              <a:prstGeom prst="rect">
-                <a:avLst/>
-              </a:prstGeom>
-            </p:spPr>
-            <p:txBody>
-              <a:bodyPr wrap="square">
-                <a:spAutoFit/>
-              </a:bodyPr>
-              <a:lstStyle/>
-              <a:p>
-                <a:pPr/>
-                <a14:m>
-                  <m:oMathPara xmlns:m="http://schemas.openxmlformats.org/officeDocument/2006/math">
-                    <m:oMathParaPr>
-                      <m:jc m:val="centerGroup"/>
-                    </m:oMathParaPr>
-                    <m:oMath xmlns:m="http://schemas.openxmlformats.org/officeDocument/2006/math">
-                      <m:r>
-                        <a:rPr lang="ru-RU" sz="2000" i="1">
-                          <a:latin typeface="Cambria Math" panose="02040503050406030204" pitchFamily="18" charset="0"/>
+      <p:graphicFrame>
+        <p:nvGraphicFramePr>
+          <p:cNvPr id="4" name="Таблица 3"/>
+          <p:cNvGraphicFramePr>
+            <a:graphicFrameLocks noGrp="1"/>
+          </p:cNvGraphicFramePr>
+          <p:nvPr>
+            <p:extLst>
+              <p:ext uri="{D42A27DB-BD31-4B8C-83A1-F6EECF244321}">
+                <p14:modId xmlns:p14="http://schemas.microsoft.com/office/powerpoint/2010/main" val="2069157775"/>
+              </p:ext>
+            </p:extLst>
+          </p:nvPr>
+        </p:nvGraphicFramePr>
+        <p:xfrm>
+          <a:off x="6640320" y="1690688"/>
+          <a:ext cx="5119638" cy="4377335"/>
+        </p:xfrm>
+        <a:graphic>
+          <a:graphicData uri="http://schemas.openxmlformats.org/drawingml/2006/table">
+            <a:tbl>
+              <a:tblPr firstRow="1" firstCol="1" bandRow="1">
+                <a:tableStyleId>{5C22544A-7EE6-4342-B048-85BDC9FD1C3A}</a:tableStyleId>
+              </a:tblPr>
+              <a:tblGrid>
+                <a:gridCol w="1851338">
+                  <a:extLst>
+                    <a:ext uri="{9D8B030D-6E8A-4147-A177-3AD203B41FA5}">
+                      <a16:colId xmlns:a16="http://schemas.microsoft.com/office/drawing/2014/main" val="431950291"/>
+                    </a:ext>
+                  </a:extLst>
+                </a:gridCol>
+                <a:gridCol w="3268300">
+                  <a:extLst>
+                    <a:ext uri="{9D8B030D-6E8A-4147-A177-3AD203B41FA5}">
+                      <a16:colId xmlns:a16="http://schemas.microsoft.com/office/drawing/2014/main" val="2612921570"/>
+                    </a:ext>
+                  </a:extLst>
+                </a:gridCol>
+              </a:tblGrid>
+              <a:tr h="538783">
+                <a:tc>
+                  <a:txBody>
+                    <a:bodyPr/>
+                    <a:lstStyle/>
+                    <a:p>
+                      <a:pPr algn="ctr">
+                        <a:lnSpc>
+                          <a:spcPct val="150000"/>
+                        </a:lnSpc>
+                        <a:spcAft>
+                          <a:spcPts val="0"/>
+                        </a:spcAft>
+                      </a:pPr>
+                      <a:r>
+                        <a:rPr lang="ru-RU" sz="1400" dirty="0">
+                          <a:effectLst/>
                         </a:rPr>
-                        <m:t>𝑥</m:t>
-                      </m:r>
-                      <m:r>
-                        <a:rPr lang="ru-RU" sz="2000" i="0">
-                          <a:latin typeface="Cambria Math" panose="02040503050406030204" pitchFamily="18" charset="0"/>
+                        <a:t>Показатель</a:t>
+                      </a:r>
+                      <a:endParaRPr lang="ru-RU" sz="1100" dirty="0">
+                        <a:effectLst/>
+                        <a:latin typeface="Calibri" panose="020F0502020204030204" pitchFamily="34" charset="0"/>
+                        <a:ea typeface="Calibri" panose="020F0502020204030204" pitchFamily="34" charset="0"/>
+                        <a:cs typeface="Times New Roman" panose="02020603050405020304" pitchFamily="18" charset="0"/>
+                      </a:endParaRPr>
+                    </a:p>
+                  </a:txBody>
+                  <a:tcPr marL="68580" marR="68580" marT="0" marB="0" anchor="ctr"/>
+                </a:tc>
+                <a:tc>
+                  <a:txBody>
+                    <a:bodyPr/>
+                    <a:lstStyle/>
+                    <a:p>
+                      <a:pPr algn="ctr">
+                        <a:lnSpc>
+                          <a:spcPct val="150000"/>
+                        </a:lnSpc>
+                        <a:spcAft>
+                          <a:spcPts val="0"/>
+                        </a:spcAft>
+                      </a:pPr>
+                      <a:r>
+                        <a:rPr lang="ru-RU" sz="1400">
+                          <a:effectLst/>
                         </a:rPr>
-                        <m:t>= </m:t>
-                      </m:r>
-                      <m:nary>
-                        <m:naryPr>
-                          <m:chr m:val="∑"/>
-                          <m:limLoc m:val="undOvr"/>
-                          <m:ctrlPr>
-                            <a:rPr lang="ru-RU" sz="2000" i="1">
-                              <a:latin typeface="Cambria Math" panose="02040503050406030204" pitchFamily="18" charset="0"/>
-                            </a:rPr>
-                          </m:ctrlPr>
-                        </m:naryPr>
-                        <m:sub>
-                          <m:r>
-                            <a:rPr lang="ru-RU" sz="2000" i="1">
-                              <a:latin typeface="Cambria Math" panose="02040503050406030204" pitchFamily="18" charset="0"/>
-                            </a:rPr>
-                            <m:t>𝑗</m:t>
-                          </m:r>
-                          <m:r>
-                            <a:rPr lang="ru-RU" sz="2000" i="0">
-                              <a:latin typeface="Cambria Math" panose="02040503050406030204" pitchFamily="18" charset="0"/>
-                            </a:rPr>
-                            <m:t>=1</m:t>
-                          </m:r>
-                        </m:sub>
-                        <m:sup>
-                          <m:r>
-                            <a:rPr lang="ru-RU" sz="2000" i="1">
-                              <a:latin typeface="Cambria Math" panose="02040503050406030204" pitchFamily="18" charset="0"/>
-                            </a:rPr>
-                            <m:t>𝑛</m:t>
-                          </m:r>
-                        </m:sup>
-                        <m:e>
-                          <m:sSub>
-                            <m:sSubPr>
-                              <m:ctrlPr>
-                                <a:rPr lang="ru-RU" sz="2000" i="1">
-                                  <a:latin typeface="Cambria Math" panose="02040503050406030204" pitchFamily="18" charset="0"/>
-                                </a:rPr>
-                              </m:ctrlPr>
-                            </m:sSubPr>
-                            <m:e>
-                              <m:r>
-                                <a:rPr lang="ru-RU" sz="2000" i="1">
-                                  <a:latin typeface="Cambria Math" panose="02040503050406030204" pitchFamily="18" charset="0"/>
-                                </a:rPr>
-                                <m:t>𝑋</m:t>
-                              </m:r>
-                            </m:e>
-                            <m:sub>
-                              <m:r>
-                                <a:rPr lang="ru-RU" sz="2000" i="1">
-                                  <a:latin typeface="Cambria Math" panose="02040503050406030204" pitchFamily="18" charset="0"/>
-                                </a:rPr>
-                                <m:t>𝑗</m:t>
-                              </m:r>
-                            </m:sub>
-                          </m:sSub>
-                          <m:r>
-                            <a:rPr lang="ru-RU" sz="2000" i="0">
-                              <a:latin typeface="Cambria Math" panose="02040503050406030204" pitchFamily="18" charset="0"/>
-                            </a:rPr>
-                            <m:t>∗ </m:t>
-                          </m:r>
-                          <m:sSub>
-                            <m:sSubPr>
-                              <m:ctrlPr>
-                                <a:rPr lang="ru-RU" sz="2000" i="1">
-                                  <a:latin typeface="Cambria Math" panose="02040503050406030204" pitchFamily="18" charset="0"/>
-                                </a:rPr>
-                              </m:ctrlPr>
-                            </m:sSubPr>
-                            <m:e>
-                              <m:r>
-                                <a:rPr lang="ru-RU" sz="2000" i="1" smtClean="0">
-                                  <a:latin typeface="Cambria Math" panose="02040503050406030204" pitchFamily="18" charset="0"/>
-                                  <a:ea typeface="Cambria Math" panose="02040503050406030204" pitchFamily="18" charset="0"/>
-                                </a:rPr>
-                                <m:t>𝛽</m:t>
-                              </m:r>
-                            </m:e>
-                            <m:sub>
-                              <m:r>
-                                <a:rPr lang="ru-RU" sz="2000" i="1">
-                                  <a:latin typeface="Cambria Math" panose="02040503050406030204" pitchFamily="18" charset="0"/>
-                                </a:rPr>
-                                <m:t>𝑗</m:t>
-                              </m:r>
-                              <m:r>
-                                <a:rPr lang="ru-RU" sz="2000" i="0">
-                                  <a:latin typeface="Cambria Math" panose="02040503050406030204" pitchFamily="18" charset="0"/>
-                                </a:rPr>
-                                <m:t> </m:t>
-                              </m:r>
-                            </m:sub>
-                          </m:sSub>
-                        </m:e>
-                      </m:nary>
-                      <m:r>
-                        <a:rPr lang="ru-RU" sz="2000" i="0">
-                          <a:latin typeface="Cambria Math" panose="02040503050406030204" pitchFamily="18" charset="0"/>
+                        <a:t>Описание</a:t>
+                      </a:r>
+                      <a:endParaRPr lang="ru-RU" sz="1100">
+                        <a:effectLst/>
+                        <a:latin typeface="Calibri" panose="020F0502020204030204" pitchFamily="34" charset="0"/>
+                        <a:ea typeface="Calibri" panose="020F0502020204030204" pitchFamily="34" charset="0"/>
+                        <a:cs typeface="Times New Roman" panose="02020603050405020304" pitchFamily="18" charset="0"/>
+                      </a:endParaRPr>
+                    </a:p>
+                  </a:txBody>
+                  <a:tcPr marL="68580" marR="68580" marT="0" marB="0" anchor="ctr"/>
+                </a:tc>
+                <a:extLst>
+                  <a:ext uri="{0D108BD9-81ED-4DB2-BD59-A6C34878D82A}">
+                    <a16:rowId xmlns:a16="http://schemas.microsoft.com/office/drawing/2014/main" val="1261706335"/>
+                  </a:ext>
+                </a:extLst>
+              </a:tr>
+              <a:tr h="538783">
+                <a:tc>
+                  <a:txBody>
+                    <a:bodyPr/>
+                    <a:lstStyle/>
+                    <a:p>
+                      <a:pPr algn="ctr">
+                        <a:lnSpc>
+                          <a:spcPct val="150000"/>
+                        </a:lnSpc>
+                        <a:spcAft>
+                          <a:spcPts val="0"/>
+                        </a:spcAft>
+                      </a:pPr>
+                      <a:r>
+                        <a:rPr lang="ru-RU" sz="1400" dirty="0">
+                          <a:effectLst/>
                         </a:rPr>
-                        <m:t>=4,667</m:t>
-                      </m:r>
-                    </m:oMath>
-                  </m:oMathPara>
-                </a14:m>
-                <a:endParaRPr lang="ru-RU" sz="2000" dirty="0"/>
-              </a:p>
-            </p:txBody>
-          </p:sp>
-        </mc:Choice>
-        <mc:Fallback xmlns="">
-          <p:sp>
-            <p:nvSpPr>
-              <p:cNvPr id="25" name="Прямоугольник 24"/>
-              <p:cNvSpPr>
-                <a:spLocks noRot="1" noChangeAspect="1" noMove="1" noResize="1" noEditPoints="1" noAdjustHandles="1" noChangeArrowheads="1" noChangeShapeType="1" noTextEdit="1"/>
-              </p:cNvSpPr>
-              <p:nvPr/>
-            </p:nvSpPr>
-            <p:spPr>
-              <a:xfrm>
-                <a:off x="4775968" y="4101323"/>
-                <a:ext cx="3203510" cy="967444"/>
-              </a:xfrm>
-              <a:prstGeom prst="rect">
-                <a:avLst/>
-              </a:prstGeom>
-              <a:blipFill>
-                <a:blip r:embed="rId7"/>
-                <a:stretch>
-                  <a:fillRect/>
-                </a:stretch>
-              </a:blipFill>
-            </p:spPr>
-            <p:txBody>
-              <a:bodyPr/>
-              <a:lstStyle/>
-              <a:p>
-                <a:r>
-                  <a:rPr lang="ru-RU">
-                    <a:noFill/>
-                  </a:rPr>
-                  <a:t> </a:t>
-                </a:r>
-              </a:p>
-            </p:txBody>
-          </p:sp>
-        </mc:Fallback>
-      </mc:AlternateContent>
+                        <a:t>Доступность</a:t>
+                      </a:r>
+                      <a:endParaRPr lang="ru-RU" sz="1100" dirty="0">
+                        <a:effectLst/>
+                        <a:latin typeface="Calibri" panose="020F0502020204030204" pitchFamily="34" charset="0"/>
+                        <a:ea typeface="Calibri" panose="020F0502020204030204" pitchFamily="34" charset="0"/>
+                        <a:cs typeface="Times New Roman" panose="02020603050405020304" pitchFamily="18" charset="0"/>
+                      </a:endParaRPr>
+                    </a:p>
+                  </a:txBody>
+                  <a:tcPr marL="68580" marR="68580" marT="0" marB="0" anchor="ctr"/>
+                </a:tc>
+                <a:tc>
+                  <a:txBody>
+                    <a:bodyPr/>
+                    <a:lstStyle/>
+                    <a:p>
+                      <a:pPr algn="just">
+                        <a:lnSpc>
+                          <a:spcPct val="150000"/>
+                        </a:lnSpc>
+                        <a:spcAft>
+                          <a:spcPts val="0"/>
+                        </a:spcAft>
+                      </a:pPr>
+                      <a:r>
+                        <a:rPr lang="ru-RU" sz="1400">
+                          <a:effectLst/>
+                        </a:rPr>
+                        <a:t>Простота написания нового сценария</a:t>
+                      </a:r>
+                      <a:endParaRPr lang="ru-RU" sz="1100">
+                        <a:effectLst/>
+                        <a:latin typeface="Calibri" panose="020F0502020204030204" pitchFamily="34" charset="0"/>
+                        <a:ea typeface="Calibri" panose="020F0502020204030204" pitchFamily="34" charset="0"/>
+                        <a:cs typeface="Times New Roman" panose="02020603050405020304" pitchFamily="18" charset="0"/>
+                      </a:endParaRPr>
+                    </a:p>
+                  </a:txBody>
+                  <a:tcPr marL="68580" marR="68580" marT="0" marB="0" anchor="ctr"/>
+                </a:tc>
+                <a:extLst>
+                  <a:ext uri="{0D108BD9-81ED-4DB2-BD59-A6C34878D82A}">
+                    <a16:rowId xmlns:a16="http://schemas.microsoft.com/office/drawing/2014/main" val="1626747100"/>
+                  </a:ext>
+                </a:extLst>
+              </a:tr>
+              <a:tr h="597686">
+                <a:tc>
+                  <a:txBody>
+                    <a:bodyPr/>
+                    <a:lstStyle/>
+                    <a:p>
+                      <a:pPr algn="ctr">
+                        <a:lnSpc>
+                          <a:spcPct val="150000"/>
+                        </a:lnSpc>
+                        <a:spcAft>
+                          <a:spcPts val="0"/>
+                        </a:spcAft>
+                      </a:pPr>
+                      <a:r>
+                        <a:rPr lang="ru-RU" sz="1400" dirty="0" smtClean="0">
+                          <a:effectLst/>
+                        </a:rPr>
+                        <a:t>Информативность</a:t>
+                      </a:r>
+                      <a:endParaRPr lang="ru-RU" sz="1100" dirty="0">
+                        <a:effectLst/>
+                        <a:latin typeface="Calibri" panose="020F0502020204030204" pitchFamily="34" charset="0"/>
+                        <a:ea typeface="Calibri" panose="020F0502020204030204" pitchFamily="34" charset="0"/>
+                        <a:cs typeface="Times New Roman" panose="02020603050405020304" pitchFamily="18" charset="0"/>
+                      </a:endParaRPr>
+                    </a:p>
+                  </a:txBody>
+                  <a:tcPr marL="68580" marR="68580" marT="0" marB="0" anchor="ctr"/>
+                </a:tc>
+                <a:tc>
+                  <a:txBody>
+                    <a:bodyPr/>
+                    <a:lstStyle/>
+                    <a:p>
+                      <a:pPr algn="just">
+                        <a:lnSpc>
+                          <a:spcPct val="150000"/>
+                        </a:lnSpc>
+                        <a:spcAft>
+                          <a:spcPts val="0"/>
+                        </a:spcAft>
+                      </a:pPr>
+                      <a:r>
+                        <a:rPr lang="ru-RU" sz="1400" dirty="0">
+                          <a:effectLst/>
+                        </a:rPr>
+                        <a:t>Информативность </a:t>
+                      </a:r>
+                      <a:r>
+                        <a:rPr lang="ru-RU" sz="1400" dirty="0" smtClean="0">
+                          <a:effectLst/>
+                        </a:rPr>
+                        <a:t>результирующих отчётов</a:t>
+                      </a:r>
+                      <a:endParaRPr lang="ru-RU" sz="1100" dirty="0">
+                        <a:effectLst/>
+                        <a:latin typeface="Calibri" panose="020F0502020204030204" pitchFamily="34" charset="0"/>
+                        <a:ea typeface="Calibri" panose="020F0502020204030204" pitchFamily="34" charset="0"/>
+                        <a:cs typeface="Times New Roman" panose="02020603050405020304" pitchFamily="18" charset="0"/>
+                      </a:endParaRPr>
+                    </a:p>
+                  </a:txBody>
+                  <a:tcPr marL="68580" marR="68580" marT="0" marB="0" anchor="ctr"/>
+                </a:tc>
+                <a:extLst>
+                  <a:ext uri="{0D108BD9-81ED-4DB2-BD59-A6C34878D82A}">
+                    <a16:rowId xmlns:a16="http://schemas.microsoft.com/office/drawing/2014/main" val="1306794243"/>
+                  </a:ext>
+                </a:extLst>
+              </a:tr>
+              <a:tr h="538783">
+                <a:tc>
+                  <a:txBody>
+                    <a:bodyPr/>
+                    <a:lstStyle/>
+                    <a:p>
+                      <a:pPr algn="ctr">
+                        <a:lnSpc>
+                          <a:spcPct val="150000"/>
+                        </a:lnSpc>
+                        <a:spcAft>
+                          <a:spcPts val="0"/>
+                        </a:spcAft>
+                      </a:pPr>
+                      <a:r>
+                        <a:rPr lang="ru-RU" sz="1400">
+                          <a:effectLst/>
+                        </a:rPr>
+                        <a:t>Поддержка</a:t>
+                      </a:r>
+                      <a:endParaRPr lang="ru-RU" sz="1100">
+                        <a:effectLst/>
+                        <a:latin typeface="Calibri" panose="020F0502020204030204" pitchFamily="34" charset="0"/>
+                        <a:ea typeface="Calibri" panose="020F0502020204030204" pitchFamily="34" charset="0"/>
+                        <a:cs typeface="Times New Roman" panose="02020603050405020304" pitchFamily="18" charset="0"/>
+                      </a:endParaRPr>
+                    </a:p>
+                  </a:txBody>
+                  <a:tcPr marL="68580" marR="68580" marT="0" marB="0" anchor="ctr"/>
+                </a:tc>
+                <a:tc>
+                  <a:txBody>
+                    <a:bodyPr/>
+                    <a:lstStyle/>
+                    <a:p>
+                      <a:pPr algn="just">
+                        <a:lnSpc>
+                          <a:spcPct val="150000"/>
+                        </a:lnSpc>
+                        <a:spcAft>
+                          <a:spcPts val="0"/>
+                        </a:spcAft>
+                      </a:pPr>
+                      <a:r>
+                        <a:rPr lang="ru-RU" sz="1400" dirty="0">
+                          <a:effectLst/>
+                        </a:rPr>
+                        <a:t>Простота поддержки </a:t>
+                      </a:r>
+                      <a:r>
+                        <a:rPr lang="ru-RU" sz="1400" dirty="0" err="1">
+                          <a:effectLst/>
+                        </a:rPr>
+                        <a:t>фреймворка</a:t>
+                      </a:r>
+                      <a:endParaRPr lang="ru-RU" sz="1100" dirty="0">
+                        <a:effectLst/>
+                        <a:latin typeface="Calibri" panose="020F0502020204030204" pitchFamily="34" charset="0"/>
+                        <a:ea typeface="Calibri" panose="020F0502020204030204" pitchFamily="34" charset="0"/>
+                        <a:cs typeface="Times New Roman" panose="02020603050405020304" pitchFamily="18" charset="0"/>
+                      </a:endParaRPr>
+                    </a:p>
+                  </a:txBody>
+                  <a:tcPr marL="68580" marR="68580" marT="0" marB="0" anchor="ctr"/>
+                </a:tc>
+                <a:extLst>
+                  <a:ext uri="{0D108BD9-81ED-4DB2-BD59-A6C34878D82A}">
+                    <a16:rowId xmlns:a16="http://schemas.microsoft.com/office/drawing/2014/main" val="1387908185"/>
+                  </a:ext>
+                </a:extLst>
+              </a:tr>
+              <a:tr h="538783">
+                <a:tc>
+                  <a:txBody>
+                    <a:bodyPr/>
+                    <a:lstStyle/>
+                    <a:p>
+                      <a:pPr algn="ctr">
+                        <a:lnSpc>
+                          <a:spcPct val="150000"/>
+                        </a:lnSpc>
+                        <a:spcAft>
+                          <a:spcPts val="0"/>
+                        </a:spcAft>
+                      </a:pPr>
+                      <a:r>
+                        <a:rPr lang="ru-RU" sz="1400">
+                          <a:effectLst/>
+                        </a:rPr>
+                        <a:t>Скорость</a:t>
+                      </a:r>
+                      <a:endParaRPr lang="ru-RU" sz="1100">
+                        <a:effectLst/>
+                        <a:latin typeface="Calibri" panose="020F0502020204030204" pitchFamily="34" charset="0"/>
+                        <a:ea typeface="Calibri" panose="020F0502020204030204" pitchFamily="34" charset="0"/>
+                        <a:cs typeface="Times New Roman" panose="02020603050405020304" pitchFamily="18" charset="0"/>
+                      </a:endParaRPr>
+                    </a:p>
+                  </a:txBody>
+                  <a:tcPr marL="68580" marR="68580" marT="0" marB="0" anchor="ctr"/>
+                </a:tc>
+                <a:tc>
+                  <a:txBody>
+                    <a:bodyPr/>
+                    <a:lstStyle/>
+                    <a:p>
+                      <a:pPr algn="just">
+                        <a:lnSpc>
+                          <a:spcPct val="150000"/>
+                        </a:lnSpc>
+                        <a:spcAft>
+                          <a:spcPts val="0"/>
+                        </a:spcAft>
+                      </a:pPr>
+                      <a:r>
+                        <a:rPr lang="ru-RU" sz="1400">
+                          <a:effectLst/>
+                        </a:rPr>
+                        <a:t>Скорость выполнения шагов сценария</a:t>
+                      </a:r>
+                      <a:endParaRPr lang="ru-RU" sz="1100">
+                        <a:effectLst/>
+                        <a:latin typeface="Calibri" panose="020F0502020204030204" pitchFamily="34" charset="0"/>
+                        <a:ea typeface="Calibri" panose="020F0502020204030204" pitchFamily="34" charset="0"/>
+                        <a:cs typeface="Times New Roman" panose="02020603050405020304" pitchFamily="18" charset="0"/>
+                      </a:endParaRPr>
+                    </a:p>
+                  </a:txBody>
+                  <a:tcPr marL="68580" marR="68580" marT="0" marB="0" anchor="ctr"/>
+                </a:tc>
+                <a:extLst>
+                  <a:ext uri="{0D108BD9-81ED-4DB2-BD59-A6C34878D82A}">
+                    <a16:rowId xmlns:a16="http://schemas.microsoft.com/office/drawing/2014/main" val="1487341160"/>
+                  </a:ext>
+                </a:extLst>
+              </a:tr>
+              <a:tr h="538783">
+                <a:tc>
+                  <a:txBody>
+                    <a:bodyPr/>
+                    <a:lstStyle/>
+                    <a:p>
+                      <a:pPr algn="ctr">
+                        <a:lnSpc>
+                          <a:spcPct val="150000"/>
+                        </a:lnSpc>
+                        <a:spcAft>
+                          <a:spcPts val="0"/>
+                        </a:spcAft>
+                      </a:pPr>
+                      <a:r>
+                        <a:rPr lang="ru-RU" sz="1400">
+                          <a:effectLst/>
+                        </a:rPr>
+                        <a:t>Функциональность</a:t>
+                      </a:r>
+                      <a:endParaRPr lang="ru-RU" sz="1100">
+                        <a:effectLst/>
+                        <a:latin typeface="Calibri" panose="020F0502020204030204" pitchFamily="34" charset="0"/>
+                        <a:ea typeface="Calibri" panose="020F0502020204030204" pitchFamily="34" charset="0"/>
+                        <a:cs typeface="Times New Roman" panose="02020603050405020304" pitchFamily="18" charset="0"/>
+                      </a:endParaRPr>
+                    </a:p>
+                  </a:txBody>
+                  <a:tcPr marL="68580" marR="68580" marT="0" marB="0" anchor="ctr"/>
+                </a:tc>
+                <a:tc>
+                  <a:txBody>
+                    <a:bodyPr/>
+                    <a:lstStyle/>
+                    <a:p>
+                      <a:pPr algn="just">
+                        <a:lnSpc>
+                          <a:spcPct val="150000"/>
+                        </a:lnSpc>
+                        <a:spcAft>
+                          <a:spcPts val="0"/>
+                        </a:spcAft>
+                      </a:pPr>
+                      <a:r>
+                        <a:rPr lang="ru-RU" sz="1400">
+                          <a:effectLst/>
+                        </a:rPr>
+                        <a:t>Широта реализованного функционала</a:t>
+                      </a:r>
+                      <a:endParaRPr lang="ru-RU" sz="1100">
+                        <a:effectLst/>
+                        <a:latin typeface="Calibri" panose="020F0502020204030204" pitchFamily="34" charset="0"/>
+                        <a:ea typeface="Calibri" panose="020F0502020204030204" pitchFamily="34" charset="0"/>
+                        <a:cs typeface="Times New Roman" panose="02020603050405020304" pitchFamily="18" charset="0"/>
+                      </a:endParaRPr>
+                    </a:p>
+                  </a:txBody>
+                  <a:tcPr marL="68580" marR="68580" marT="0" marB="0" anchor="ctr"/>
+                </a:tc>
+                <a:extLst>
+                  <a:ext uri="{0D108BD9-81ED-4DB2-BD59-A6C34878D82A}">
+                    <a16:rowId xmlns:a16="http://schemas.microsoft.com/office/drawing/2014/main" val="2734739104"/>
+                  </a:ext>
+                </a:extLst>
+              </a:tr>
+              <a:tr h="1077566">
+                <a:tc>
+                  <a:txBody>
+                    <a:bodyPr/>
+                    <a:lstStyle/>
+                    <a:p>
+                      <a:pPr algn="ctr">
+                        <a:lnSpc>
+                          <a:spcPct val="150000"/>
+                        </a:lnSpc>
+                        <a:spcAft>
+                          <a:spcPts val="0"/>
+                        </a:spcAft>
+                      </a:pPr>
+                      <a:r>
+                        <a:rPr lang="ru-RU" sz="1400">
+                          <a:effectLst/>
+                        </a:rPr>
+                        <a:t>Обучаемость</a:t>
+                      </a:r>
+                      <a:endParaRPr lang="ru-RU" sz="1100">
+                        <a:effectLst/>
+                        <a:latin typeface="Calibri" panose="020F0502020204030204" pitchFamily="34" charset="0"/>
+                        <a:ea typeface="Calibri" panose="020F0502020204030204" pitchFamily="34" charset="0"/>
+                        <a:cs typeface="Times New Roman" panose="02020603050405020304" pitchFamily="18" charset="0"/>
+                      </a:endParaRPr>
+                    </a:p>
+                  </a:txBody>
+                  <a:tcPr marL="68580" marR="68580" marT="0" marB="0" anchor="ctr"/>
+                </a:tc>
+                <a:tc>
+                  <a:txBody>
+                    <a:bodyPr/>
+                    <a:lstStyle/>
+                    <a:p>
+                      <a:pPr algn="just">
+                        <a:lnSpc>
+                          <a:spcPct val="150000"/>
+                        </a:lnSpc>
+                        <a:spcAft>
+                          <a:spcPts val="0"/>
+                        </a:spcAft>
+                      </a:pPr>
+                      <a:r>
+                        <a:rPr lang="ru-RU" sz="1400" dirty="0">
+                          <a:effectLst/>
+                        </a:rPr>
+                        <a:t>Лёгкость перехода специалистов с обычного </a:t>
+                      </a:r>
+                      <a:r>
+                        <a:rPr lang="ru-RU" sz="1400" dirty="0" err="1">
+                          <a:effectLst/>
+                        </a:rPr>
+                        <a:t>фреймворка</a:t>
+                      </a:r>
+                      <a:r>
+                        <a:rPr lang="ru-RU" sz="1400" dirty="0">
+                          <a:effectLst/>
+                        </a:rPr>
+                        <a:t> на гибридный</a:t>
+                      </a:r>
+                      <a:endParaRPr lang="ru-RU" sz="1100" dirty="0">
+                        <a:effectLst/>
+                        <a:latin typeface="Calibri" panose="020F0502020204030204" pitchFamily="34" charset="0"/>
+                        <a:ea typeface="Calibri" panose="020F0502020204030204" pitchFamily="34" charset="0"/>
+                        <a:cs typeface="Times New Roman" panose="02020603050405020304" pitchFamily="18" charset="0"/>
+                      </a:endParaRPr>
+                    </a:p>
+                  </a:txBody>
+                  <a:tcPr marL="68580" marR="68580" marT="0" marB="0" anchor="ctr"/>
+                </a:tc>
+                <a:extLst>
+                  <a:ext uri="{0D108BD9-81ED-4DB2-BD59-A6C34878D82A}">
+                    <a16:rowId xmlns:a16="http://schemas.microsoft.com/office/drawing/2014/main" val="1390359593"/>
+                  </a:ext>
+                </a:extLst>
+              </a:tr>
+            </a:tbl>
+          </a:graphicData>
+        </a:graphic>
+      </p:graphicFrame>
     </p:spTree>
     <p:extLst>
       <p:ext uri="{BB962C8B-B14F-4D97-AF65-F5344CB8AC3E}">
@@ -15170,13 +12319,13 @@
           <a:lstStyle/>
           <a:p>
             <a:r>
-              <a:rPr lang="ru-RU" sz="2000" dirty="0" smtClean="0">
+              <a:rPr lang="ru-RU" sz="2000" dirty="0">
                 <a:solidFill>
                   <a:schemeClr val="bg1"/>
                 </a:solidFill>
                 <a:latin typeface="Montserrat" pitchFamily="2" charset="0"/>
               </a:rPr>
-              <a:t>5</a:t>
+              <a:t>6</a:t>
             </a:r>
             <a:endParaRPr lang="ru-RU" sz="2000" dirty="0">
               <a:solidFill>
@@ -15544,13 +12693,13 @@
           <a:lstStyle/>
           <a:p>
             <a:r>
-              <a:rPr lang="ru-RU" sz="2000" dirty="0" smtClean="0">
+              <a:rPr lang="ru-RU" sz="2000" dirty="0">
                 <a:solidFill>
                   <a:schemeClr val="bg1"/>
                 </a:solidFill>
                 <a:latin typeface="Montserrat" pitchFamily="2" charset="0"/>
               </a:rPr>
-              <a:t>6</a:t>
+              <a:t>7</a:t>
             </a:r>
             <a:endParaRPr lang="ru-RU" sz="2000" dirty="0">
               <a:solidFill>
@@ -15920,13 +13069,13 @@
           <a:lstStyle/>
           <a:p>
             <a:r>
-              <a:rPr lang="ru-RU" sz="2000" dirty="0" smtClean="0">
+              <a:rPr lang="ru-RU" sz="2000" dirty="0">
                 <a:solidFill>
                   <a:schemeClr val="bg1"/>
                 </a:solidFill>
                 <a:latin typeface="Montserrat" pitchFamily="2" charset="0"/>
               </a:rPr>
-              <a:t>7</a:t>
+              <a:t>8</a:t>
             </a:r>
             <a:endParaRPr lang="ru-RU" sz="2000" dirty="0">
               <a:solidFill>

--- a/презентация.pptx
+++ b/презентация.pptx
@@ -5,10 +5,10 @@
     <p:sldMasterId id="2147483648" r:id="rId1"/>
   </p:sldMasterIdLst>
   <p:notesMasterIdLst>
-    <p:notesMasterId r:id="rId16"/>
+    <p:notesMasterId r:id="rId18"/>
   </p:notesMasterIdLst>
   <p:handoutMasterIdLst>
-    <p:handoutMasterId r:id="rId17"/>
+    <p:handoutMasterId r:id="rId19"/>
   </p:handoutMasterIdLst>
   <p:sldIdLst>
     <p:sldId id="256" r:id="rId2"/>
@@ -18,13 +18,15 @@
     <p:sldId id="268" r:id="rId6"/>
     <p:sldId id="278" r:id="rId7"/>
     <p:sldId id="271" r:id="rId8"/>
-    <p:sldId id="269" r:id="rId9"/>
-    <p:sldId id="274" r:id="rId10"/>
-    <p:sldId id="279" r:id="rId11"/>
-    <p:sldId id="277" r:id="rId12"/>
-    <p:sldId id="275" r:id="rId13"/>
-    <p:sldId id="276" r:id="rId14"/>
-    <p:sldId id="263" r:id="rId15"/>
+    <p:sldId id="280" r:id="rId9"/>
+    <p:sldId id="269" r:id="rId10"/>
+    <p:sldId id="274" r:id="rId11"/>
+    <p:sldId id="279" r:id="rId12"/>
+    <p:sldId id="277" r:id="rId13"/>
+    <p:sldId id="275" r:id="rId14"/>
+    <p:sldId id="276" r:id="rId15"/>
+    <p:sldId id="281" r:id="rId16"/>
+    <p:sldId id="263" r:id="rId17"/>
   </p:sldIdLst>
   <p:sldSz cx="12192000" cy="6858000"/>
   <p:notesSz cx="6858000" cy="9144000"/>
@@ -224,7 +226,7 @@
           <a:p>
             <a:fld id="{EE4BEA0C-B298-4F3F-8EAA-78E653AF7C43}" type="datetimeFigureOut">
               <a:rPr lang="ru-RU" smtClean="0"/>
-              <a:t>09.06.2022</a:t>
+              <a:t>11.06.2022</a:t>
             </a:fld>
             <a:endParaRPr lang="ru-RU"/>
           </a:p>
@@ -389,7 +391,7 @@
           <a:p>
             <a:fld id="{56F03E67-5427-4260-B62A-5770CE0A55F7}" type="datetimeFigureOut">
               <a:rPr lang="ru-RU" smtClean="0"/>
-              <a:t>09.06.2022</a:t>
+              <a:t>11.06.2022</a:t>
             </a:fld>
             <a:endParaRPr lang="ru-RU"/>
           </a:p>
@@ -941,7 +943,7 @@
           <a:p>
             <a:fld id="{61BBDE8E-1A21-4D39-9CDA-17B1B51844FA}" type="datetimeFigureOut">
               <a:rPr lang="ru-RU" smtClean="0"/>
-              <a:t>09.06.2022</a:t>
+              <a:t>11.06.2022</a:t>
             </a:fld>
             <a:endParaRPr lang="ru-RU"/>
           </a:p>
@@ -1241,7 +1243,7 @@
           <a:p>
             <a:fld id="{61BBDE8E-1A21-4D39-9CDA-17B1B51844FA}" type="datetimeFigureOut">
               <a:rPr lang="ru-RU" smtClean="0"/>
-              <a:t>09.06.2022</a:t>
+              <a:t>11.06.2022</a:t>
             </a:fld>
             <a:endParaRPr lang="ru-RU"/>
           </a:p>
@@ -1501,7 +1503,7 @@
           <a:p>
             <a:fld id="{61BBDE8E-1A21-4D39-9CDA-17B1B51844FA}" type="datetimeFigureOut">
               <a:rPr lang="ru-RU" smtClean="0"/>
-              <a:t>09.06.2022</a:t>
+              <a:t>11.06.2022</a:t>
             </a:fld>
             <a:endParaRPr lang="ru-RU"/>
           </a:p>
@@ -2182,7 +2184,7 @@
           <a:p>
             <a:fld id="{61BBDE8E-1A21-4D39-9CDA-17B1B51844FA}" type="datetimeFigureOut">
               <a:rPr lang="ru-RU" smtClean="0"/>
-              <a:t>09.06.2022</a:t>
+              <a:t>11.06.2022</a:t>
             </a:fld>
             <a:endParaRPr lang="ru-RU"/>
           </a:p>
@@ -4516,7 +4518,7 @@
           <a:p>
             <a:fld id="{61BBDE8E-1A21-4D39-9CDA-17B1B51844FA}" type="datetimeFigureOut">
               <a:rPr lang="ru-RU" smtClean="0"/>
-              <a:t>09.06.2022</a:t>
+              <a:t>11.06.2022</a:t>
             </a:fld>
             <a:endParaRPr lang="ru-RU"/>
           </a:p>
@@ -5408,8 +5410,8 @@
         </p:nvSpPr>
         <p:spPr>
           <a:xfrm>
-            <a:off x="11573346" y="6380852"/>
-            <a:ext cx="465729" cy="400110"/>
+            <a:off x="11633634" y="6380852"/>
+            <a:ext cx="405441" cy="400110"/>
           </a:xfrm>
           <a:prstGeom prst="rect">
             <a:avLst/>
@@ -5429,7 +5431,7 @@
                 </a:solidFill>
                 <a:latin typeface="Montserrat" pitchFamily="2" charset="0"/>
               </a:rPr>
-              <a:t>10</a:t>
+              <a:t>9</a:t>
             </a:r>
             <a:endParaRPr lang="ru-RU" sz="2000" dirty="0">
               <a:solidFill>
@@ -5535,20 +5537,17 @@
           <a:lstStyle/>
           <a:p>
             <a:r>
-              <a:rPr lang="ru-RU" sz="3200" dirty="0" smtClean="0">
+              <a:rPr lang="ru-RU" sz="3200" dirty="0">
                 <a:latin typeface="Montserrat" pitchFamily="2" charset="0"/>
               </a:rPr>
-              <a:t>Пример сценария</a:t>
-            </a:r>
-            <a:endParaRPr lang="ru-RU" sz="3200" dirty="0">
-              <a:latin typeface="Montserrat" pitchFamily="2" charset="0"/>
-            </a:endParaRPr>
+              <a:t>Пример применения типовой модели автоматизированных тестов </a:t>
+            </a:r>
           </a:p>
         </p:txBody>
       </p:sp>
       <p:pic>
         <p:nvPicPr>
-          <p:cNvPr id="2" name="Рисунок 1"/>
+          <p:cNvPr id="5" name="Рисунок 4"/>
           <p:cNvPicPr>
             <a:picLocks noChangeAspect="1"/>
           </p:cNvPicPr>
@@ -5562,18 +5561,77 @@
         </p:blipFill>
         <p:spPr>
           <a:xfrm>
-            <a:off x="3197337" y="1690688"/>
-            <a:ext cx="6429340" cy="4504839"/>
+            <a:off x="838200" y="3143494"/>
+            <a:ext cx="3293984" cy="2722748"/>
           </a:xfrm>
           <a:prstGeom prst="rect">
             <a:avLst/>
           </a:prstGeom>
         </p:spPr>
       </p:pic>
+      <p:pic>
+        <p:nvPicPr>
+          <p:cNvPr id="6" name="Рисунок 5"/>
+          <p:cNvPicPr>
+            <a:picLocks noChangeAspect="1"/>
+          </p:cNvPicPr>
+          <p:nvPr/>
+        </p:nvPicPr>
+        <p:blipFill>
+          <a:blip r:embed="rId6"/>
+          <a:stretch>
+            <a:fillRect/>
+          </a:stretch>
+        </p:blipFill>
+        <p:spPr>
+          <a:xfrm>
+            <a:off x="4132184" y="3143494"/>
+            <a:ext cx="7854858" cy="2814180"/>
+          </a:xfrm>
+          <a:prstGeom prst="rect">
+            <a:avLst/>
+          </a:prstGeom>
+        </p:spPr>
+      </p:pic>
+      <p:sp>
+        <p:nvSpPr>
+          <p:cNvPr id="16" name="TextBox 15">
+            <a:extLst>
+              <a:ext uri="{FF2B5EF4-FFF2-40B4-BE49-F238E27FC236}">
+                <a16:creationId xmlns:a16="http://schemas.microsoft.com/office/drawing/2014/main" id="{64D3E2F6-04B4-4424-9399-B88A2C4EF0DB}"/>
+              </a:ext>
+            </a:extLst>
+          </p:cNvPr>
+          <p:cNvSpPr txBox="1"/>
+          <p:nvPr/>
+        </p:nvSpPr>
+        <p:spPr>
+          <a:xfrm>
+            <a:off x="843280" y="1816586"/>
+            <a:ext cx="10730066" cy="830997"/>
+          </a:xfrm>
+          <a:prstGeom prst="rect">
+            <a:avLst/>
+          </a:prstGeom>
+          <a:noFill/>
+        </p:spPr>
+        <p:txBody>
+          <a:bodyPr wrap="square" rtlCol="0">
+            <a:spAutoFit/>
+          </a:bodyPr>
+          <a:lstStyle/>
+          <a:p>
+            <a:r>
+              <a:rPr lang="ru-RU" sz="2400" dirty="0" smtClean="0"/>
+              <a:t>В качестве демонстрации был использован интернет-магазин с минимальным набором функций. (авторизация, выбор продукта, корзина, покупка)</a:t>
+            </a:r>
+          </a:p>
+        </p:txBody>
+      </p:sp>
     </p:spTree>
     <p:extLst>
       <p:ext uri="{BB962C8B-B14F-4D97-AF65-F5344CB8AC3E}">
-        <p14:creationId xmlns:p14="http://schemas.microsoft.com/office/powerpoint/2010/main" val="52214983"/>
+        <p14:creationId xmlns:p14="http://schemas.microsoft.com/office/powerpoint/2010/main" val="1975627555"/>
       </p:ext>
     </p:extLst>
   </p:cSld>
@@ -5799,7 +5857,7 @@
                 </a:solidFill>
                 <a:latin typeface="Montserrat" pitchFamily="2" charset="0"/>
               </a:rPr>
-              <a:t>11</a:t>
+              <a:t>10</a:t>
             </a:r>
             <a:endParaRPr lang="ru-RU" sz="2000" dirty="0">
               <a:solidFill>
@@ -5908,7 +5966,7 @@
               <a:rPr lang="ru-RU" sz="3200" dirty="0" smtClean="0">
                 <a:latin typeface="Montserrat" pitchFamily="2" charset="0"/>
               </a:rPr>
-              <a:t>Результирующий отчёт</a:t>
+              <a:t>Пример сценария</a:t>
             </a:r>
             <a:endParaRPr lang="ru-RU" sz="3200" dirty="0">
               <a:latin typeface="Montserrat" pitchFamily="2" charset="0"/>
@@ -5918,7 +5976,7 @@
       </p:sp>
       <p:pic>
         <p:nvPicPr>
-          <p:cNvPr id="10" name="Объект 5"/>
+          <p:cNvPr id="2" name="Рисунок 1"/>
           <p:cNvPicPr>
             <a:picLocks noChangeAspect="1"/>
           </p:cNvPicPr>
@@ -5932,8 +5990,8 @@
         </p:blipFill>
         <p:spPr>
           <a:xfrm>
-            <a:off x="1482589" y="1690688"/>
-            <a:ext cx="9226821" cy="4252912"/>
+            <a:off x="3197337" y="1690688"/>
+            <a:ext cx="6429340" cy="4504839"/>
           </a:xfrm>
           <a:prstGeom prst="rect">
             <a:avLst/>
@@ -5943,7 +6001,7 @@
     </p:spTree>
     <p:extLst>
       <p:ext uri="{BB962C8B-B14F-4D97-AF65-F5344CB8AC3E}">
-        <p14:creationId xmlns:p14="http://schemas.microsoft.com/office/powerpoint/2010/main" val="2306136745"/>
+        <p14:creationId xmlns:p14="http://schemas.microsoft.com/office/powerpoint/2010/main" val="52214983"/>
       </p:ext>
     </p:extLst>
   </p:cSld>
@@ -6169,7 +6227,7 @@
                 </a:solidFill>
                 <a:latin typeface="Montserrat" pitchFamily="2" charset="0"/>
               </a:rPr>
-              <a:t>12</a:t>
+              <a:t>11</a:t>
             </a:r>
             <a:endParaRPr lang="ru-RU" sz="2000" dirty="0">
               <a:solidFill>
@@ -6278,7 +6336,7 @@
               <a:rPr lang="ru-RU" sz="3200" dirty="0" smtClean="0">
                 <a:latin typeface="Montserrat" pitchFamily="2" charset="0"/>
               </a:rPr>
-              <a:t>Отчёты об ошибках</a:t>
+              <a:t>Результирующий отчёт</a:t>
             </a:r>
             <a:endParaRPr lang="ru-RU" sz="3200" dirty="0">
               <a:latin typeface="Montserrat" pitchFamily="2" charset="0"/>
@@ -6288,45 +6346,22 @@
       </p:sp>
       <p:pic>
         <p:nvPicPr>
-          <p:cNvPr id="11" name="Объект 9"/>
+          <p:cNvPr id="10" name="Объект 5"/>
           <p:cNvPicPr>
-            <a:picLocks/>
-          </p:cNvPicPr>
-          <p:nvPr/>
-        </p:nvPicPr>
-        <p:blipFill rotWithShape="1">
-          <a:blip r:embed="rId5"/>
-          <a:srcRect l="56586"/>
-          <a:stretch/>
-        </p:blipFill>
-        <p:spPr>
-          <a:xfrm>
-            <a:off x="1508626" y="1686286"/>
-            <a:ext cx="3905394" cy="4355549"/>
-          </a:xfrm>
-          <a:prstGeom prst="rect">
-            <a:avLst/>
-          </a:prstGeom>
-        </p:spPr>
-      </p:pic>
-      <p:pic>
-        <p:nvPicPr>
-          <p:cNvPr id="14" name="Объект 5"/>
-          <p:cNvPicPr>
-            <a:picLocks/>
+            <a:picLocks noChangeAspect="1"/>
           </p:cNvPicPr>
           <p:nvPr/>
         </p:nvPicPr>
         <p:blipFill>
-          <a:blip r:embed="rId6"/>
+          <a:blip r:embed="rId5"/>
           <a:stretch>
             <a:fillRect/>
           </a:stretch>
         </p:blipFill>
         <p:spPr>
           <a:xfrm>
-            <a:off x="6595165" y="1686286"/>
-            <a:ext cx="4193330" cy="4533988"/>
+            <a:off x="1482589" y="1690688"/>
+            <a:ext cx="9226821" cy="4252912"/>
           </a:xfrm>
           <a:prstGeom prst="rect">
             <a:avLst/>
@@ -6336,7 +6371,7 @@
     </p:spTree>
     <p:extLst>
       <p:ext uri="{BB962C8B-B14F-4D97-AF65-F5344CB8AC3E}">
-        <p14:creationId xmlns:p14="http://schemas.microsoft.com/office/powerpoint/2010/main" val="3293478297"/>
+        <p14:creationId xmlns:p14="http://schemas.microsoft.com/office/powerpoint/2010/main" val="2306136745"/>
       </p:ext>
     </p:extLst>
   </p:cSld>
@@ -6541,8 +6576,8 @@
         </p:nvSpPr>
         <p:spPr>
           <a:xfrm>
-            <a:off x="11573346" y="6377052"/>
-            <a:ext cx="534430" cy="400110"/>
+            <a:off x="11573346" y="6380852"/>
+            <a:ext cx="465729" cy="400110"/>
           </a:xfrm>
           <a:prstGeom prst="rect">
             <a:avLst/>
@@ -6562,7 +6597,7 @@
                 </a:solidFill>
                 <a:latin typeface="Montserrat" pitchFamily="2" charset="0"/>
               </a:rPr>
-              <a:t>13</a:t>
+              <a:t>12</a:t>
             </a:r>
             <a:endParaRPr lang="ru-RU" sz="2000" dirty="0">
               <a:solidFill>
@@ -6671,6 +6706,8779 @@
               <a:rPr lang="ru-RU" sz="3200" dirty="0" smtClean="0">
                 <a:latin typeface="Montserrat" pitchFamily="2" charset="0"/>
               </a:rPr>
+              <a:t>Отчёты об ошибках</a:t>
+            </a:r>
+            <a:endParaRPr lang="ru-RU" sz="3200" dirty="0">
+              <a:latin typeface="Montserrat" pitchFamily="2" charset="0"/>
+            </a:endParaRPr>
+          </a:p>
+        </p:txBody>
+      </p:sp>
+      <p:pic>
+        <p:nvPicPr>
+          <p:cNvPr id="11" name="Объект 9"/>
+          <p:cNvPicPr>
+            <a:picLocks/>
+          </p:cNvPicPr>
+          <p:nvPr/>
+        </p:nvPicPr>
+        <p:blipFill rotWithShape="1">
+          <a:blip r:embed="rId5"/>
+          <a:srcRect l="56586"/>
+          <a:stretch/>
+        </p:blipFill>
+        <p:spPr>
+          <a:xfrm>
+            <a:off x="1508626" y="1686286"/>
+            <a:ext cx="3905394" cy="4355549"/>
+          </a:xfrm>
+          <a:prstGeom prst="rect">
+            <a:avLst/>
+          </a:prstGeom>
+        </p:spPr>
+      </p:pic>
+      <p:pic>
+        <p:nvPicPr>
+          <p:cNvPr id="14" name="Объект 5"/>
+          <p:cNvPicPr>
+            <a:picLocks/>
+          </p:cNvPicPr>
+          <p:nvPr/>
+        </p:nvPicPr>
+        <p:blipFill>
+          <a:blip r:embed="rId6"/>
+          <a:stretch>
+            <a:fillRect/>
+          </a:stretch>
+        </p:blipFill>
+        <p:spPr>
+          <a:xfrm>
+            <a:off x="6595165" y="1686286"/>
+            <a:ext cx="4193330" cy="4533988"/>
+          </a:xfrm>
+          <a:prstGeom prst="rect">
+            <a:avLst/>
+          </a:prstGeom>
+        </p:spPr>
+      </p:pic>
+    </p:spTree>
+    <p:extLst>
+      <p:ext uri="{BB962C8B-B14F-4D97-AF65-F5344CB8AC3E}">
+        <p14:creationId xmlns:p14="http://schemas.microsoft.com/office/powerpoint/2010/main" val="3293478297"/>
+      </p:ext>
+    </p:extLst>
+  </p:cSld>
+  <p:clrMapOvr>
+    <a:masterClrMapping/>
+  </p:clrMapOvr>
+  <p:timing>
+    <p:tnLst>
+      <p:par>
+        <p:cTn id="1" dur="indefinite" restart="never" nodeType="tmRoot"/>
+      </p:par>
+    </p:tnLst>
+  </p:timing>
+</p:sld>
+</file>
+
+<file path=ppt/slides/slide14.xml><?xml version="1.0" encoding="utf-8"?>
+<p:sld xmlns:a="http://schemas.openxmlformats.org/drawingml/2006/main" xmlns:r="http://schemas.openxmlformats.org/officeDocument/2006/relationships" xmlns:p="http://schemas.openxmlformats.org/presentationml/2006/main">
+  <p:cSld>
+    <p:spTree>
+      <p:nvGrpSpPr>
+        <p:cNvPr id="1" name=""/>
+        <p:cNvGrpSpPr/>
+        <p:nvPr/>
+      </p:nvGrpSpPr>
+      <p:grpSpPr>
+        <a:xfrm>
+          <a:off x="0" y="0"/>
+          <a:ext cx="0" cy="0"/>
+          <a:chOff x="0" y="0"/>
+          <a:chExt cx="0" cy="0"/>
+        </a:xfrm>
+      </p:grpSpPr>
+      <p:sp>
+        <p:nvSpPr>
+          <p:cNvPr id="13" name="TextBox 12">
+            <a:extLst>
+              <a:ext uri="{FF2B5EF4-FFF2-40B4-BE49-F238E27FC236}">
+                <a16:creationId xmlns:a16="http://schemas.microsoft.com/office/drawing/2014/main" id="{A68819C7-B34B-F044-B35A-498FAAC374C9}"/>
+              </a:ext>
+            </a:extLst>
+          </p:cNvPr>
+          <p:cNvSpPr txBox="1"/>
+          <p:nvPr/>
+        </p:nvSpPr>
+        <p:spPr>
+          <a:xfrm>
+            <a:off x="8691830" y="6394311"/>
+            <a:ext cx="2881516" cy="400110"/>
+          </a:xfrm>
+          <a:prstGeom prst="rect">
+            <a:avLst/>
+          </a:prstGeom>
+          <a:noFill/>
+        </p:spPr>
+        <p:txBody>
+          <a:bodyPr wrap="square" rtlCol="0">
+            <a:spAutoFit/>
+          </a:bodyPr>
+          <a:lstStyle/>
+          <a:p>
+            <a:r>
+              <a:rPr lang="ru-RU" sz="1000" dirty="0">
+                <a:solidFill>
+                  <a:schemeClr val="bg1"/>
+                </a:solidFill>
+                <a:latin typeface="Montserrat" pitchFamily="2" charset="0"/>
+              </a:rPr>
+              <a:t>Студент:</a:t>
+            </a:r>
+          </a:p>
+          <a:p>
+            <a:r>
+              <a:rPr lang="ru-RU" sz="1000" dirty="0" smtClean="0">
+                <a:solidFill>
+                  <a:schemeClr val="bg1"/>
+                </a:solidFill>
+                <a:latin typeface="Montserrat" pitchFamily="2" charset="0"/>
+              </a:rPr>
+              <a:t>Романов Даниил Николаевич, УВА-411</a:t>
+            </a:r>
+            <a:endParaRPr lang="ru-RU" sz="1000" dirty="0">
+              <a:solidFill>
+                <a:schemeClr val="bg1"/>
+              </a:solidFill>
+              <a:latin typeface="Montserrat" pitchFamily="2" charset="0"/>
+            </a:endParaRPr>
+          </a:p>
+        </p:txBody>
+      </p:sp>
+      <p:pic>
+        <p:nvPicPr>
+          <p:cNvPr id="17" name="Рисунок 16">
+            <a:extLst>
+              <a:ext uri="{FF2B5EF4-FFF2-40B4-BE49-F238E27FC236}">
+                <a16:creationId xmlns:a16="http://schemas.microsoft.com/office/drawing/2014/main" id="{2CDB9450-EAD1-8C44-975B-72463ABE8C46}"/>
+              </a:ext>
+            </a:extLst>
+          </p:cNvPr>
+          <p:cNvPicPr>
+            <a:picLocks noChangeAspect="1"/>
+          </p:cNvPicPr>
+          <p:nvPr/>
+        </p:nvPicPr>
+        <p:blipFill>
+          <a:blip r:embed="rId2">
+            <a:extLst>
+              <a:ext uri="{28A0092B-C50C-407E-A947-70E740481C1C}">
+                <a14:useLocalDpi xmlns:a14="http://schemas.microsoft.com/office/drawing/2010/main" val="0"/>
+              </a:ext>
+            </a:extLst>
+          </a:blip>
+          <a:stretch>
+            <a:fillRect/>
+          </a:stretch>
+        </p:blipFill>
+        <p:spPr>
+          <a:xfrm>
+            <a:off x="231285" y="6362677"/>
+            <a:ext cx="1893079" cy="446879"/>
+          </a:xfrm>
+          <a:prstGeom prst="rect">
+            <a:avLst/>
+          </a:prstGeom>
+        </p:spPr>
+      </p:pic>
+      <p:sp>
+        <p:nvSpPr>
+          <p:cNvPr id="18" name="TextBox 17">
+            <a:extLst>
+              <a:ext uri="{FF2B5EF4-FFF2-40B4-BE49-F238E27FC236}">
+                <a16:creationId xmlns:a16="http://schemas.microsoft.com/office/drawing/2014/main" id="{3B276D71-247A-DA4E-A47F-057FC1898AEA}"/>
+              </a:ext>
+            </a:extLst>
+          </p:cNvPr>
+          <p:cNvSpPr txBox="1"/>
+          <p:nvPr/>
+        </p:nvSpPr>
+        <p:spPr>
+          <a:xfrm>
+            <a:off x="4132184" y="6394311"/>
+            <a:ext cx="4559646" cy="400110"/>
+          </a:xfrm>
+          <a:prstGeom prst="rect">
+            <a:avLst/>
+          </a:prstGeom>
+          <a:noFill/>
+        </p:spPr>
+        <p:txBody>
+          <a:bodyPr wrap="square" rtlCol="0">
+            <a:spAutoFit/>
+          </a:bodyPr>
+          <a:lstStyle/>
+          <a:p>
+            <a:r>
+              <a:rPr lang="ru-RU" sz="1000" dirty="0" smtClean="0">
+                <a:solidFill>
+                  <a:schemeClr val="bg1"/>
+                </a:solidFill>
+                <a:latin typeface="Montserrat" pitchFamily="2" charset="0"/>
+              </a:rPr>
+              <a:t>Разработка гибридного </a:t>
+            </a:r>
+            <a:r>
+              <a:rPr lang="ru-RU" sz="1000" dirty="0" err="1" smtClean="0">
+                <a:solidFill>
+                  <a:schemeClr val="bg1"/>
+                </a:solidFill>
+                <a:latin typeface="Montserrat" pitchFamily="2" charset="0"/>
+              </a:rPr>
+              <a:t>фреймворка</a:t>
+            </a:r>
+            <a:r>
+              <a:rPr lang="ru-RU" sz="1000" dirty="0" smtClean="0">
+                <a:solidFill>
+                  <a:schemeClr val="bg1"/>
+                </a:solidFill>
+                <a:latin typeface="Montserrat" pitchFamily="2" charset="0"/>
+              </a:rPr>
+              <a:t> для автоматизации тестирования приложений</a:t>
+            </a:r>
+            <a:endParaRPr lang="ru-RU" sz="1000" dirty="0">
+              <a:solidFill>
+                <a:schemeClr val="bg1"/>
+              </a:solidFill>
+              <a:latin typeface="Montserrat" pitchFamily="2" charset="0"/>
+            </a:endParaRPr>
+          </a:p>
+        </p:txBody>
+      </p:sp>
+      <p:sp>
+        <p:nvSpPr>
+          <p:cNvPr id="19" name="TextBox 18">
+            <a:extLst>
+              <a:ext uri="{FF2B5EF4-FFF2-40B4-BE49-F238E27FC236}">
+                <a16:creationId xmlns:a16="http://schemas.microsoft.com/office/drawing/2014/main" id="{41ADB531-3E72-8F40-B990-1C1289A6F934}"/>
+              </a:ext>
+            </a:extLst>
+          </p:cNvPr>
+          <p:cNvSpPr txBox="1"/>
+          <p:nvPr/>
+        </p:nvSpPr>
+        <p:spPr>
+          <a:xfrm>
+            <a:off x="11573346" y="6377052"/>
+            <a:ext cx="534430" cy="400110"/>
+          </a:xfrm>
+          <a:prstGeom prst="rect">
+            <a:avLst/>
+          </a:prstGeom>
+          <a:noFill/>
+        </p:spPr>
+        <p:txBody>
+          <a:bodyPr wrap="square" rtlCol="0">
+            <a:spAutoFit/>
+          </a:bodyPr>
+          <a:lstStyle/>
+          <a:p>
+            <a:r>
+              <a:rPr lang="ru-RU" sz="2000" dirty="0" smtClean="0">
+                <a:solidFill>
+                  <a:schemeClr val="bg1"/>
+                </a:solidFill>
+                <a:latin typeface="Montserrat" pitchFamily="2" charset="0"/>
+              </a:rPr>
+              <a:t>13</a:t>
+            </a:r>
+            <a:endParaRPr lang="ru-RU" sz="2000" dirty="0">
+              <a:solidFill>
+                <a:schemeClr val="bg1"/>
+              </a:solidFill>
+              <a:latin typeface="Montserrat" pitchFamily="2" charset="0"/>
+            </a:endParaRPr>
+          </a:p>
+        </p:txBody>
+      </p:sp>
+      <p:pic>
+        <p:nvPicPr>
+          <p:cNvPr id="20" name="Объект 14">
+            <a:extLst>
+              <a:ext uri="{FF2B5EF4-FFF2-40B4-BE49-F238E27FC236}">
+                <a16:creationId xmlns:a16="http://schemas.microsoft.com/office/drawing/2014/main" id="{7BF412CF-0B35-BA41-A1BA-428FFFCDD4AC}"/>
+              </a:ext>
+            </a:extLst>
+          </p:cNvPr>
+          <p:cNvPicPr>
+            <a:picLocks noChangeAspect="1"/>
+          </p:cNvPicPr>
+          <p:nvPr/>
+        </p:nvPicPr>
+        <p:blipFill>
+          <a:blip r:embed="rId3">
+            <a:extLst>
+              <a:ext uri="{28A0092B-C50C-407E-A947-70E740481C1C}">
+                <a14:useLocalDpi xmlns:a14="http://schemas.microsoft.com/office/drawing/2010/main" val="0"/>
+              </a:ext>
+            </a:extLst>
+          </a:blip>
+          <a:stretch>
+            <a:fillRect/>
+          </a:stretch>
+        </p:blipFill>
+        <p:spPr>
+          <a:xfrm>
+            <a:off x="2342176" y="6338773"/>
+            <a:ext cx="685696" cy="519227"/>
+          </a:xfrm>
+          <a:prstGeom prst="rect">
+            <a:avLst/>
+          </a:prstGeom>
+        </p:spPr>
+      </p:pic>
+      <p:pic>
+        <p:nvPicPr>
+          <p:cNvPr id="12" name="Рисунок 11">
+            <a:extLst>
+              <a:ext uri="{FF2B5EF4-FFF2-40B4-BE49-F238E27FC236}">
+                <a16:creationId xmlns:a16="http://schemas.microsoft.com/office/drawing/2014/main" id="{6B3DC32E-0346-454B-9E36-EA8962DE6D5C}"/>
+              </a:ext>
+            </a:extLst>
+          </p:cNvPr>
+          <p:cNvPicPr>
+            <a:picLocks noChangeAspect="1"/>
+          </p:cNvPicPr>
+          <p:nvPr/>
+        </p:nvPicPr>
+        <p:blipFill>
+          <a:blip r:embed="rId4"/>
+          <a:stretch>
+            <a:fillRect/>
+          </a:stretch>
+        </p:blipFill>
+        <p:spPr>
+          <a:xfrm>
+            <a:off x="3245684" y="6327643"/>
+            <a:ext cx="431278" cy="498929"/>
+          </a:xfrm>
+          <a:prstGeom prst="rect">
+            <a:avLst/>
+          </a:prstGeom>
+        </p:spPr>
+      </p:pic>
+      <p:sp>
+        <p:nvSpPr>
+          <p:cNvPr id="23" name="Заголовок 1">
+            <a:extLst>
+              <a:ext uri="{FF2B5EF4-FFF2-40B4-BE49-F238E27FC236}">
+                <a16:creationId xmlns:a16="http://schemas.microsoft.com/office/drawing/2014/main" id="{B045726F-AAD5-41B2-8887-181C872C98CE}"/>
+              </a:ext>
+            </a:extLst>
+          </p:cNvPr>
+          <p:cNvSpPr>
+            <a:spLocks noGrp="1"/>
+          </p:cNvSpPr>
+          <p:nvPr>
+            <p:ph type="title"/>
+          </p:nvPr>
+        </p:nvSpPr>
+        <p:spPr>
+          <a:xfrm>
+            <a:off x="838200" y="365125"/>
+            <a:ext cx="10515600" cy="1325563"/>
+          </a:xfrm>
+        </p:spPr>
+        <p:txBody>
+          <a:bodyPr>
+            <a:normAutofit/>
+          </a:bodyPr>
+          <a:lstStyle/>
+          <a:p>
+            <a:r>
+              <a:rPr lang="ru-RU" sz="3200" dirty="0" smtClean="0">
+                <a:latin typeface="Montserrat" pitchFamily="2" charset="0"/>
+              </a:rPr>
+              <a:t>Экспертные оценки</a:t>
+            </a:r>
+            <a:endParaRPr lang="ru-RU" sz="3200" dirty="0">
+              <a:latin typeface="Montserrat" pitchFamily="2" charset="0"/>
+            </a:endParaRPr>
+          </a:p>
+        </p:txBody>
+      </p:sp>
+      <mc:AlternateContent xmlns:mc="http://schemas.openxmlformats.org/markup-compatibility/2006">
+        <mc:Choice xmlns:a14="http://schemas.microsoft.com/office/drawing/2010/main" Requires="a14">
+          <p:graphicFrame>
+            <p:nvGraphicFramePr>
+              <p:cNvPr id="3" name="Таблица 2"/>
+              <p:cNvGraphicFramePr>
+                <a:graphicFrameLocks noGrp="1"/>
+              </p:cNvGraphicFramePr>
+              <p:nvPr>
+                <p:extLst>
+                  <p:ext uri="{D42A27DB-BD31-4B8C-83A1-F6EECF244321}">
+                    <p14:modId xmlns:p14="http://schemas.microsoft.com/office/powerpoint/2010/main" val="549248873"/>
+                  </p:ext>
+                </p:extLst>
+              </p:nvPr>
+            </p:nvGraphicFramePr>
+            <p:xfrm>
+              <a:off x="838200" y="1690688"/>
+              <a:ext cx="5899072" cy="4393940"/>
+            </p:xfrm>
+            <a:graphic>
+              <a:graphicData uri="http://schemas.openxmlformats.org/drawingml/2006/table">
+                <a:tbl>
+                  <a:tblPr firstRow="1" firstCol="1" bandRow="1">
+                    <a:tableStyleId>{5C22544A-7EE6-4342-B048-85BDC9FD1C3A}</a:tableStyleId>
+                  </a:tblPr>
+                  <a:tblGrid>
+                    <a:gridCol w="1574298">
+                      <a:extLst>
+                        <a:ext uri="{9D8B030D-6E8A-4147-A177-3AD203B41FA5}">
+                          <a16:colId xmlns:a16="http://schemas.microsoft.com/office/drawing/2014/main" val="1555396327"/>
+                        </a:ext>
+                      </a:extLst>
+                    </a:gridCol>
+                    <a:gridCol w="614809">
+                      <a:extLst>
+                        <a:ext uri="{9D8B030D-6E8A-4147-A177-3AD203B41FA5}">
+                          <a16:colId xmlns:a16="http://schemas.microsoft.com/office/drawing/2014/main" val="3675735117"/>
+                        </a:ext>
+                      </a:extLst>
+                    </a:gridCol>
+                    <a:gridCol w="614809">
+                      <a:extLst>
+                        <a:ext uri="{9D8B030D-6E8A-4147-A177-3AD203B41FA5}">
+                          <a16:colId xmlns:a16="http://schemas.microsoft.com/office/drawing/2014/main" val="2810000691"/>
+                        </a:ext>
+                      </a:extLst>
+                    </a:gridCol>
+                    <a:gridCol w="614809">
+                      <a:extLst>
+                        <a:ext uri="{9D8B030D-6E8A-4147-A177-3AD203B41FA5}">
+                          <a16:colId xmlns:a16="http://schemas.microsoft.com/office/drawing/2014/main" val="16326854"/>
+                        </a:ext>
+                      </a:extLst>
+                    </a:gridCol>
+                    <a:gridCol w="614809">
+                      <a:extLst>
+                        <a:ext uri="{9D8B030D-6E8A-4147-A177-3AD203B41FA5}">
+                          <a16:colId xmlns:a16="http://schemas.microsoft.com/office/drawing/2014/main" val="2558606110"/>
+                        </a:ext>
+                      </a:extLst>
+                    </a:gridCol>
+                    <a:gridCol w="614809">
+                      <a:extLst>
+                        <a:ext uri="{9D8B030D-6E8A-4147-A177-3AD203B41FA5}">
+                          <a16:colId xmlns:a16="http://schemas.microsoft.com/office/drawing/2014/main" val="3741257044"/>
+                        </a:ext>
+                      </a:extLst>
+                    </a:gridCol>
+                    <a:gridCol w="614809">
+                      <a:extLst>
+                        <a:ext uri="{9D8B030D-6E8A-4147-A177-3AD203B41FA5}">
+                          <a16:colId xmlns:a16="http://schemas.microsoft.com/office/drawing/2014/main" val="774578678"/>
+                        </a:ext>
+                      </a:extLst>
+                    </a:gridCol>
+                    <a:gridCol w="635920">
+                      <a:extLst>
+                        <a:ext uri="{9D8B030D-6E8A-4147-A177-3AD203B41FA5}">
+                          <a16:colId xmlns:a16="http://schemas.microsoft.com/office/drawing/2014/main" val="3308535111"/>
+                        </a:ext>
+                      </a:extLst>
+                    </a:gridCol>
+                  </a:tblGrid>
+                  <a:tr h="276704">
+                    <a:tc rowSpan="2">
+                      <a:txBody>
+                        <a:bodyPr/>
+                        <a:lstStyle/>
+                        <a:p>
+                          <a:pPr indent="8255" algn="ctr">
+                            <a:lnSpc>
+                              <a:spcPct val="150000"/>
+                            </a:lnSpc>
+                            <a:spcAft>
+                              <a:spcPts val="0"/>
+                            </a:spcAft>
+                          </a:pPr>
+                          <a:endParaRPr lang="ru-RU" sz="1000" dirty="0">
+                            <a:effectLst/>
+                            <a:latin typeface="Calibri" panose="020F0502020204030204" pitchFamily="34" charset="0"/>
+                            <a:ea typeface="Calibri" panose="020F0502020204030204" pitchFamily="34" charset="0"/>
+                            <a:cs typeface="Times New Roman" panose="02020603050405020304" pitchFamily="18" charset="0"/>
+                          </a:endParaRPr>
+                        </a:p>
+                      </a:txBody>
+                      <a:tcPr marL="63272" marR="63272" marT="0" marB="0" anchor="ctr"/>
+                    </a:tc>
+                    <a:tc gridSpan="6">
+                      <a:txBody>
+                        <a:bodyPr/>
+                        <a:lstStyle/>
+                        <a:p>
+                          <a:pPr indent="8255" algn="ctr">
+                            <a:lnSpc>
+                              <a:spcPct val="150000"/>
+                            </a:lnSpc>
+                            <a:spcAft>
+                              <a:spcPts val="0"/>
+                            </a:spcAft>
+                          </a:pPr>
+                          <a:r>
+                            <a:rPr lang="ru-RU" sz="1200">
+                              <a:effectLst/>
+                            </a:rPr>
+                            <a:t>№ критерия</a:t>
+                          </a:r>
+                          <a:endParaRPr lang="ru-RU" sz="1000">
+                            <a:effectLst/>
+                            <a:latin typeface="Calibri" panose="020F0502020204030204" pitchFamily="34" charset="0"/>
+                            <a:ea typeface="Calibri" panose="020F0502020204030204" pitchFamily="34" charset="0"/>
+                            <a:cs typeface="Times New Roman" panose="02020603050405020304" pitchFamily="18" charset="0"/>
+                          </a:endParaRPr>
+                        </a:p>
+                      </a:txBody>
+                      <a:tcPr marL="63272" marR="63272" marT="0" marB="0" anchor="ctr"/>
+                    </a:tc>
+                    <a:tc hMerge="1">
+                      <a:txBody>
+                        <a:bodyPr/>
+                        <a:lstStyle/>
+                        <a:p>
+                          <a:endParaRPr lang="ru-RU"/>
+                        </a:p>
+                      </a:txBody>
+                      <a:tcPr/>
+                    </a:tc>
+                    <a:tc hMerge="1">
+                      <a:txBody>
+                        <a:bodyPr/>
+                        <a:lstStyle/>
+                        <a:p>
+                          <a:endParaRPr lang="ru-RU"/>
+                        </a:p>
+                      </a:txBody>
+                      <a:tcPr/>
+                    </a:tc>
+                    <a:tc hMerge="1">
+                      <a:txBody>
+                        <a:bodyPr/>
+                        <a:lstStyle/>
+                        <a:p>
+                          <a:endParaRPr lang="ru-RU"/>
+                        </a:p>
+                      </a:txBody>
+                      <a:tcPr/>
+                    </a:tc>
+                    <a:tc hMerge="1">
+                      <a:txBody>
+                        <a:bodyPr/>
+                        <a:lstStyle/>
+                        <a:p>
+                          <a:endParaRPr lang="ru-RU"/>
+                        </a:p>
+                      </a:txBody>
+                      <a:tcPr/>
+                    </a:tc>
+                    <a:tc hMerge="1">
+                      <a:txBody>
+                        <a:bodyPr/>
+                        <a:lstStyle/>
+                        <a:p>
+                          <a:endParaRPr lang="ru-RU"/>
+                        </a:p>
+                      </a:txBody>
+                      <a:tcPr/>
+                    </a:tc>
+                    <a:tc rowSpan="2">
+                      <a:txBody>
+                        <a:bodyPr/>
+                        <a:lstStyle/>
+                        <a:p>
+                          <a:pPr indent="8255" algn="ctr">
+                            <a:lnSpc>
+                              <a:spcPct val="150000"/>
+                            </a:lnSpc>
+                            <a:spcAft>
+                              <a:spcPts val="0"/>
+                            </a:spcAft>
+                          </a:pPr>
+                          <a:r>
+                            <a:rPr lang="ru-RU" sz="1200">
+                              <a:effectLst/>
+                            </a:rPr>
+                            <a:t>Сумма</a:t>
+                          </a:r>
+                          <a:endParaRPr lang="ru-RU" sz="1000">
+                            <a:effectLst/>
+                            <a:latin typeface="Calibri" panose="020F0502020204030204" pitchFamily="34" charset="0"/>
+                            <a:ea typeface="Calibri" panose="020F0502020204030204" pitchFamily="34" charset="0"/>
+                            <a:cs typeface="Times New Roman" panose="02020603050405020304" pitchFamily="18" charset="0"/>
+                          </a:endParaRPr>
+                        </a:p>
+                      </a:txBody>
+                      <a:tcPr marL="8253" marR="8253" marT="8253" marB="8253" anchor="ctr"/>
+                    </a:tc>
+                    <a:extLst>
+                      <a:ext uri="{0D108BD9-81ED-4DB2-BD59-A6C34878D82A}">
+                        <a16:rowId xmlns:a16="http://schemas.microsoft.com/office/drawing/2014/main" val="424060753"/>
+                      </a:ext>
+                    </a:extLst>
+                  </a:tr>
+                  <a:tr h="293175">
+                    <a:tc vMerge="1">
+                      <a:txBody>
+                        <a:bodyPr/>
+                        <a:lstStyle/>
+                        <a:p>
+                          <a:endParaRPr lang="ru-RU"/>
+                        </a:p>
+                      </a:txBody>
+                      <a:tcPr/>
+                    </a:tc>
+                    <a:tc>
+                      <a:txBody>
+                        <a:bodyPr/>
+                        <a:lstStyle/>
+                        <a:p>
+                          <a:pPr indent="8255" algn="ctr">
+                            <a:lnSpc>
+                              <a:spcPct val="150000"/>
+                            </a:lnSpc>
+                            <a:spcAft>
+                              <a:spcPts val="0"/>
+                            </a:spcAft>
+                          </a:pPr>
+                          <a:r>
+                            <a:rPr lang="ru-RU" sz="1200" dirty="0">
+                              <a:effectLst/>
+                            </a:rPr>
+                            <a:t>1</a:t>
+                          </a:r>
+                          <a:endParaRPr lang="ru-RU" sz="1000" dirty="0">
+                            <a:effectLst/>
+                            <a:latin typeface="Calibri" panose="020F0502020204030204" pitchFamily="34" charset="0"/>
+                            <a:ea typeface="Calibri" panose="020F0502020204030204" pitchFamily="34" charset="0"/>
+                            <a:cs typeface="Times New Roman" panose="02020603050405020304" pitchFamily="18" charset="0"/>
+                          </a:endParaRPr>
+                        </a:p>
+                      </a:txBody>
+                      <a:tcPr marL="63272" marR="63272" marT="0" marB="0" anchor="ctr"/>
+                    </a:tc>
+                    <a:tc>
+                      <a:txBody>
+                        <a:bodyPr/>
+                        <a:lstStyle/>
+                        <a:p>
+                          <a:pPr indent="8255" algn="ctr">
+                            <a:lnSpc>
+                              <a:spcPct val="150000"/>
+                            </a:lnSpc>
+                            <a:spcAft>
+                              <a:spcPts val="0"/>
+                            </a:spcAft>
+                          </a:pPr>
+                          <a:r>
+                            <a:rPr lang="ru-RU" sz="1200">
+                              <a:effectLst/>
+                            </a:rPr>
+                            <a:t>2</a:t>
+                          </a:r>
+                          <a:endParaRPr lang="ru-RU" sz="1000">
+                            <a:effectLst/>
+                            <a:latin typeface="Calibri" panose="020F0502020204030204" pitchFamily="34" charset="0"/>
+                            <a:ea typeface="Calibri" panose="020F0502020204030204" pitchFamily="34" charset="0"/>
+                            <a:cs typeface="Times New Roman" panose="02020603050405020304" pitchFamily="18" charset="0"/>
+                          </a:endParaRPr>
+                        </a:p>
+                      </a:txBody>
+                      <a:tcPr marL="63272" marR="63272" marT="0" marB="0" anchor="ctr"/>
+                    </a:tc>
+                    <a:tc>
+                      <a:txBody>
+                        <a:bodyPr/>
+                        <a:lstStyle/>
+                        <a:p>
+                          <a:pPr indent="8255" algn="ctr">
+                            <a:lnSpc>
+                              <a:spcPct val="150000"/>
+                            </a:lnSpc>
+                            <a:spcAft>
+                              <a:spcPts val="0"/>
+                            </a:spcAft>
+                          </a:pPr>
+                          <a:r>
+                            <a:rPr lang="ru-RU" sz="1200">
+                              <a:effectLst/>
+                            </a:rPr>
+                            <a:t>3</a:t>
+                          </a:r>
+                          <a:endParaRPr lang="ru-RU" sz="1000">
+                            <a:effectLst/>
+                            <a:latin typeface="Calibri" panose="020F0502020204030204" pitchFamily="34" charset="0"/>
+                            <a:ea typeface="Calibri" panose="020F0502020204030204" pitchFamily="34" charset="0"/>
+                            <a:cs typeface="Times New Roman" panose="02020603050405020304" pitchFamily="18" charset="0"/>
+                          </a:endParaRPr>
+                        </a:p>
+                      </a:txBody>
+                      <a:tcPr marL="63272" marR="63272" marT="0" marB="0" anchor="ctr"/>
+                    </a:tc>
+                    <a:tc>
+                      <a:txBody>
+                        <a:bodyPr/>
+                        <a:lstStyle/>
+                        <a:p>
+                          <a:pPr indent="8255" algn="ctr">
+                            <a:lnSpc>
+                              <a:spcPct val="150000"/>
+                            </a:lnSpc>
+                            <a:spcAft>
+                              <a:spcPts val="0"/>
+                            </a:spcAft>
+                          </a:pPr>
+                          <a:r>
+                            <a:rPr lang="ru-RU" sz="1200">
+                              <a:effectLst/>
+                            </a:rPr>
+                            <a:t>4</a:t>
+                          </a:r>
+                          <a:endParaRPr lang="ru-RU" sz="1000">
+                            <a:effectLst/>
+                            <a:latin typeface="Calibri" panose="020F0502020204030204" pitchFamily="34" charset="0"/>
+                            <a:ea typeface="Calibri" panose="020F0502020204030204" pitchFamily="34" charset="0"/>
+                            <a:cs typeface="Times New Roman" panose="02020603050405020304" pitchFamily="18" charset="0"/>
+                          </a:endParaRPr>
+                        </a:p>
+                      </a:txBody>
+                      <a:tcPr marL="8253" marR="8253" marT="8253" marB="8253" anchor="ctr"/>
+                    </a:tc>
+                    <a:tc>
+                      <a:txBody>
+                        <a:bodyPr/>
+                        <a:lstStyle/>
+                        <a:p>
+                          <a:pPr indent="8255" algn="ctr">
+                            <a:lnSpc>
+                              <a:spcPct val="150000"/>
+                            </a:lnSpc>
+                            <a:spcAft>
+                              <a:spcPts val="0"/>
+                            </a:spcAft>
+                          </a:pPr>
+                          <a:r>
+                            <a:rPr lang="ru-RU" sz="1200">
+                              <a:effectLst/>
+                            </a:rPr>
+                            <a:t>5</a:t>
+                          </a:r>
+                          <a:endParaRPr lang="ru-RU" sz="1000">
+                            <a:effectLst/>
+                            <a:latin typeface="Calibri" panose="020F0502020204030204" pitchFamily="34" charset="0"/>
+                            <a:ea typeface="Calibri" panose="020F0502020204030204" pitchFamily="34" charset="0"/>
+                            <a:cs typeface="Times New Roman" panose="02020603050405020304" pitchFamily="18" charset="0"/>
+                          </a:endParaRPr>
+                        </a:p>
+                      </a:txBody>
+                      <a:tcPr marL="8253" marR="8253" marT="8253" marB="8253" anchor="ctr"/>
+                    </a:tc>
+                    <a:tc>
+                      <a:txBody>
+                        <a:bodyPr/>
+                        <a:lstStyle/>
+                        <a:p>
+                          <a:pPr indent="8255" algn="ctr">
+                            <a:lnSpc>
+                              <a:spcPct val="150000"/>
+                            </a:lnSpc>
+                            <a:spcAft>
+                              <a:spcPts val="0"/>
+                            </a:spcAft>
+                          </a:pPr>
+                          <a:r>
+                            <a:rPr lang="ru-RU" sz="1200" dirty="0">
+                              <a:effectLst/>
+                            </a:rPr>
+                            <a:t>6</a:t>
+                          </a:r>
+                          <a:endParaRPr lang="ru-RU" sz="1000" dirty="0">
+                            <a:effectLst/>
+                            <a:latin typeface="Calibri" panose="020F0502020204030204" pitchFamily="34" charset="0"/>
+                            <a:ea typeface="Calibri" panose="020F0502020204030204" pitchFamily="34" charset="0"/>
+                            <a:cs typeface="Times New Roman" panose="02020603050405020304" pitchFamily="18" charset="0"/>
+                          </a:endParaRPr>
+                        </a:p>
+                      </a:txBody>
+                      <a:tcPr marL="8253" marR="8253" marT="8253" marB="8253" anchor="ctr"/>
+                    </a:tc>
+                    <a:tc vMerge="1">
+                      <a:txBody>
+                        <a:bodyPr/>
+                        <a:lstStyle/>
+                        <a:p>
+                          <a:endParaRPr lang="ru-RU"/>
+                        </a:p>
+                      </a:txBody>
+                      <a:tcPr/>
+                    </a:tc>
+                    <a:extLst>
+                      <a:ext uri="{0D108BD9-81ED-4DB2-BD59-A6C34878D82A}">
+                        <a16:rowId xmlns:a16="http://schemas.microsoft.com/office/drawing/2014/main" val="1143726896"/>
+                      </a:ext>
+                    </a:extLst>
+                  </a:tr>
+                  <a:tr h="276704">
+                    <a:tc>
+                      <a:txBody>
+                        <a:bodyPr/>
+                        <a:lstStyle/>
+                        <a:p>
+                          <a:pPr indent="8255" algn="ctr">
+                            <a:lnSpc>
+                              <a:spcPct val="150000"/>
+                            </a:lnSpc>
+                            <a:spcAft>
+                              <a:spcPts val="0"/>
+                            </a:spcAft>
+                          </a:pPr>
+                          <a:r>
+                            <a:rPr lang="ru-RU" sz="1200">
+                              <a:effectLst/>
+                            </a:rPr>
+                            <a:t>Эксперт 1</a:t>
+                          </a:r>
+                          <a:endParaRPr lang="ru-RU" sz="1000">
+                            <a:effectLst/>
+                            <a:latin typeface="Calibri" panose="020F0502020204030204" pitchFamily="34" charset="0"/>
+                            <a:ea typeface="Calibri" panose="020F0502020204030204" pitchFamily="34" charset="0"/>
+                            <a:cs typeface="Times New Roman" panose="02020603050405020304" pitchFamily="18" charset="0"/>
+                          </a:endParaRPr>
+                        </a:p>
+                      </a:txBody>
+                      <a:tcPr marL="63272" marR="63272" marT="0" marB="0" anchor="ctr"/>
+                    </a:tc>
+                    <a:tc>
+                      <a:txBody>
+                        <a:bodyPr/>
+                        <a:lstStyle/>
+                        <a:p>
+                          <a:pPr marL="0" indent="8255" algn="ctr" defTabSz="914400" rtl="0" eaLnBrk="1" latinLnBrk="0" hangingPunct="1">
+                            <a:lnSpc>
+                              <a:spcPct val="150000"/>
+                            </a:lnSpc>
+                            <a:spcAft>
+                              <a:spcPts val="0"/>
+                            </a:spcAft>
+                          </a:pPr>
+                          <a:r>
+                            <a:rPr lang="ru-RU" sz="1200" kern="1200" dirty="0">
+                              <a:solidFill>
+                                <a:schemeClr val="dk1"/>
+                              </a:solidFill>
+                              <a:effectLst/>
+                              <a:latin typeface="+mn-lt"/>
+                              <a:ea typeface="+mn-ea"/>
+                              <a:cs typeface="+mn-cs"/>
+                            </a:rPr>
+                            <a:t>1</a:t>
+                          </a:r>
+                        </a:p>
+                      </a:txBody>
+                      <a:tcPr marL="73025" marR="73025" marT="0" marB="0" anchor="ctr"/>
+                    </a:tc>
+                    <a:tc>
+                      <a:txBody>
+                        <a:bodyPr/>
+                        <a:lstStyle/>
+                        <a:p>
+                          <a:pPr marL="0" indent="8255" algn="ctr" defTabSz="914400" rtl="0" eaLnBrk="1" latinLnBrk="0" hangingPunct="1">
+                            <a:lnSpc>
+                              <a:spcPct val="150000"/>
+                            </a:lnSpc>
+                            <a:spcAft>
+                              <a:spcPts val="0"/>
+                            </a:spcAft>
+                          </a:pPr>
+                          <a:r>
+                            <a:rPr lang="ru-RU" sz="1200" kern="1200">
+                              <a:solidFill>
+                                <a:schemeClr val="dk1"/>
+                              </a:solidFill>
+                              <a:effectLst/>
+                              <a:latin typeface="+mn-lt"/>
+                              <a:ea typeface="+mn-ea"/>
+                              <a:cs typeface="+mn-cs"/>
+                            </a:rPr>
+                            <a:t>6</a:t>
+                          </a:r>
+                        </a:p>
+                      </a:txBody>
+                      <a:tcPr marL="73025" marR="73025" marT="0" marB="0" anchor="ctr"/>
+                    </a:tc>
+                    <a:tc>
+                      <a:txBody>
+                        <a:bodyPr/>
+                        <a:lstStyle/>
+                        <a:p>
+                          <a:pPr marL="0" indent="8255" algn="ctr" defTabSz="914400" rtl="0" eaLnBrk="1" latinLnBrk="0" hangingPunct="1">
+                            <a:lnSpc>
+                              <a:spcPct val="150000"/>
+                            </a:lnSpc>
+                            <a:spcAft>
+                              <a:spcPts val="0"/>
+                            </a:spcAft>
+                          </a:pPr>
+                          <a:r>
+                            <a:rPr lang="ru-RU" sz="1200" kern="1200">
+                              <a:solidFill>
+                                <a:schemeClr val="dk1"/>
+                              </a:solidFill>
+                              <a:effectLst/>
+                              <a:latin typeface="+mn-lt"/>
+                              <a:ea typeface="+mn-ea"/>
+                              <a:cs typeface="+mn-cs"/>
+                            </a:rPr>
+                            <a:t>2</a:t>
+                          </a:r>
+                        </a:p>
+                      </a:txBody>
+                      <a:tcPr marL="73025" marR="73025" marT="0" marB="0" anchor="ctr"/>
+                    </a:tc>
+                    <a:tc>
+                      <a:txBody>
+                        <a:bodyPr/>
+                        <a:lstStyle/>
+                        <a:p>
+                          <a:pPr marL="0" indent="8255" algn="ctr" defTabSz="914400" rtl="0" eaLnBrk="1" latinLnBrk="0" hangingPunct="1">
+                            <a:lnSpc>
+                              <a:spcPct val="150000"/>
+                            </a:lnSpc>
+                            <a:spcAft>
+                              <a:spcPts val="0"/>
+                            </a:spcAft>
+                          </a:pPr>
+                          <a:r>
+                            <a:rPr lang="ru-RU" sz="1200" kern="1200">
+                              <a:solidFill>
+                                <a:schemeClr val="dk1"/>
+                              </a:solidFill>
+                              <a:effectLst/>
+                              <a:latin typeface="+mn-lt"/>
+                              <a:ea typeface="+mn-ea"/>
+                              <a:cs typeface="+mn-cs"/>
+                            </a:rPr>
+                            <a:t>5</a:t>
+                          </a:r>
+                        </a:p>
+                      </a:txBody>
+                      <a:tcPr marL="9525" marR="9525" marT="9525" marB="9525" anchor="ctr"/>
+                    </a:tc>
+                    <a:tc>
+                      <a:txBody>
+                        <a:bodyPr/>
+                        <a:lstStyle/>
+                        <a:p>
+                          <a:pPr marL="0" indent="8255" algn="ctr" defTabSz="914400" rtl="0" eaLnBrk="1" latinLnBrk="0" hangingPunct="1">
+                            <a:lnSpc>
+                              <a:spcPct val="150000"/>
+                            </a:lnSpc>
+                            <a:spcAft>
+                              <a:spcPts val="0"/>
+                            </a:spcAft>
+                          </a:pPr>
+                          <a:r>
+                            <a:rPr lang="ru-RU" sz="1200" kern="1200">
+                              <a:solidFill>
+                                <a:schemeClr val="dk1"/>
+                              </a:solidFill>
+                              <a:effectLst/>
+                              <a:latin typeface="+mn-lt"/>
+                              <a:ea typeface="+mn-ea"/>
+                              <a:cs typeface="+mn-cs"/>
+                            </a:rPr>
+                            <a:t>3</a:t>
+                          </a:r>
+                        </a:p>
+                      </a:txBody>
+                      <a:tcPr marL="9525" marR="9525" marT="9525" marB="9525" anchor="ctr"/>
+                    </a:tc>
+                    <a:tc>
+                      <a:txBody>
+                        <a:bodyPr/>
+                        <a:lstStyle/>
+                        <a:p>
+                          <a:pPr marL="0" indent="8255" algn="ctr" defTabSz="914400" rtl="0" eaLnBrk="1" latinLnBrk="0" hangingPunct="1">
+                            <a:lnSpc>
+                              <a:spcPct val="150000"/>
+                            </a:lnSpc>
+                            <a:spcAft>
+                              <a:spcPts val="0"/>
+                            </a:spcAft>
+                          </a:pPr>
+                          <a:r>
+                            <a:rPr lang="ru-RU" sz="1200" kern="1200">
+                              <a:solidFill>
+                                <a:schemeClr val="dk1"/>
+                              </a:solidFill>
+                              <a:effectLst/>
+                              <a:latin typeface="+mn-lt"/>
+                              <a:ea typeface="+mn-ea"/>
+                              <a:cs typeface="+mn-cs"/>
+                            </a:rPr>
+                            <a:t>4</a:t>
+                          </a:r>
+                        </a:p>
+                      </a:txBody>
+                      <a:tcPr marL="9525" marR="9525" marT="9525" marB="9525" anchor="ctr"/>
+                    </a:tc>
+                    <a:tc>
+                      <a:txBody>
+                        <a:bodyPr/>
+                        <a:lstStyle/>
+                        <a:p>
+                          <a:pPr marL="0" indent="8255" algn="ctr" defTabSz="914400" rtl="0" eaLnBrk="1" latinLnBrk="0" hangingPunct="1">
+                            <a:lnSpc>
+                              <a:spcPct val="150000"/>
+                            </a:lnSpc>
+                            <a:spcAft>
+                              <a:spcPts val="0"/>
+                            </a:spcAft>
+                          </a:pPr>
+                          <a:r>
+                            <a:rPr lang="ru-RU" sz="1200" kern="1200">
+                              <a:solidFill>
+                                <a:schemeClr val="dk1"/>
+                              </a:solidFill>
+                              <a:effectLst/>
+                              <a:latin typeface="+mn-lt"/>
+                              <a:ea typeface="+mn-ea"/>
+                              <a:cs typeface="+mn-cs"/>
+                            </a:rPr>
+                            <a:t>21</a:t>
+                          </a:r>
+                        </a:p>
+                      </a:txBody>
+                      <a:tcPr marL="9525" marR="9525" marT="9525" marB="9525" anchor="ctr"/>
+                    </a:tc>
+                    <a:extLst>
+                      <a:ext uri="{0D108BD9-81ED-4DB2-BD59-A6C34878D82A}">
+                        <a16:rowId xmlns:a16="http://schemas.microsoft.com/office/drawing/2014/main" val="1316716965"/>
+                      </a:ext>
+                    </a:extLst>
+                  </a:tr>
+                  <a:tr h="276704">
+                    <a:tc>
+                      <a:txBody>
+                        <a:bodyPr/>
+                        <a:lstStyle/>
+                        <a:p>
+                          <a:pPr indent="8255" algn="ctr">
+                            <a:lnSpc>
+                              <a:spcPct val="150000"/>
+                            </a:lnSpc>
+                            <a:spcAft>
+                              <a:spcPts val="0"/>
+                            </a:spcAft>
+                          </a:pPr>
+                          <a:r>
+                            <a:rPr lang="ru-RU" sz="1200">
+                              <a:effectLst/>
+                            </a:rPr>
+                            <a:t>Эксперт 2</a:t>
+                          </a:r>
+                          <a:endParaRPr lang="ru-RU" sz="1000">
+                            <a:effectLst/>
+                            <a:latin typeface="Calibri" panose="020F0502020204030204" pitchFamily="34" charset="0"/>
+                            <a:ea typeface="Calibri" panose="020F0502020204030204" pitchFamily="34" charset="0"/>
+                            <a:cs typeface="Times New Roman" panose="02020603050405020304" pitchFamily="18" charset="0"/>
+                          </a:endParaRPr>
+                        </a:p>
+                      </a:txBody>
+                      <a:tcPr marL="63272" marR="63272" marT="0" marB="0" anchor="ctr"/>
+                    </a:tc>
+                    <a:tc>
+                      <a:txBody>
+                        <a:bodyPr/>
+                        <a:lstStyle/>
+                        <a:p>
+                          <a:pPr marL="0" indent="8255" algn="ctr" defTabSz="914400" rtl="0" eaLnBrk="1" latinLnBrk="0" hangingPunct="1">
+                            <a:lnSpc>
+                              <a:spcPct val="150000"/>
+                            </a:lnSpc>
+                            <a:spcAft>
+                              <a:spcPts val="0"/>
+                            </a:spcAft>
+                          </a:pPr>
+                          <a:r>
+                            <a:rPr lang="ru-RU" sz="1200" kern="1200">
+                              <a:solidFill>
+                                <a:schemeClr val="dk1"/>
+                              </a:solidFill>
+                              <a:effectLst/>
+                              <a:latin typeface="+mn-lt"/>
+                              <a:ea typeface="+mn-ea"/>
+                              <a:cs typeface="+mn-cs"/>
+                            </a:rPr>
+                            <a:t>2</a:t>
+                          </a:r>
+                        </a:p>
+                      </a:txBody>
+                      <a:tcPr marL="73025" marR="73025" marT="0" marB="0" anchor="ctr"/>
+                    </a:tc>
+                    <a:tc>
+                      <a:txBody>
+                        <a:bodyPr/>
+                        <a:lstStyle/>
+                        <a:p>
+                          <a:pPr marL="0" indent="8255" algn="ctr" defTabSz="914400" rtl="0" eaLnBrk="1" latinLnBrk="0" hangingPunct="1">
+                            <a:lnSpc>
+                              <a:spcPct val="150000"/>
+                            </a:lnSpc>
+                            <a:spcAft>
+                              <a:spcPts val="0"/>
+                            </a:spcAft>
+                          </a:pPr>
+                          <a:r>
+                            <a:rPr lang="ru-RU" sz="1200" kern="1200">
+                              <a:solidFill>
+                                <a:schemeClr val="dk1"/>
+                              </a:solidFill>
+                              <a:effectLst/>
+                              <a:latin typeface="+mn-lt"/>
+                              <a:ea typeface="+mn-ea"/>
+                              <a:cs typeface="+mn-cs"/>
+                            </a:rPr>
+                            <a:t>5</a:t>
+                          </a:r>
+                        </a:p>
+                      </a:txBody>
+                      <a:tcPr marL="73025" marR="73025" marT="0" marB="0" anchor="ctr"/>
+                    </a:tc>
+                    <a:tc>
+                      <a:txBody>
+                        <a:bodyPr/>
+                        <a:lstStyle/>
+                        <a:p>
+                          <a:pPr marL="0" indent="8255" algn="ctr" defTabSz="914400" rtl="0" eaLnBrk="1" latinLnBrk="0" hangingPunct="1">
+                            <a:lnSpc>
+                              <a:spcPct val="150000"/>
+                            </a:lnSpc>
+                            <a:spcAft>
+                              <a:spcPts val="0"/>
+                            </a:spcAft>
+                          </a:pPr>
+                          <a:r>
+                            <a:rPr lang="ru-RU" sz="1200" kern="1200">
+                              <a:solidFill>
+                                <a:schemeClr val="dk1"/>
+                              </a:solidFill>
+                              <a:effectLst/>
+                              <a:latin typeface="+mn-lt"/>
+                              <a:ea typeface="+mn-ea"/>
+                              <a:cs typeface="+mn-cs"/>
+                            </a:rPr>
+                            <a:t>1</a:t>
+                          </a:r>
+                        </a:p>
+                      </a:txBody>
+                      <a:tcPr marL="73025" marR="73025" marT="0" marB="0" anchor="ctr"/>
+                    </a:tc>
+                    <a:tc>
+                      <a:txBody>
+                        <a:bodyPr/>
+                        <a:lstStyle/>
+                        <a:p>
+                          <a:pPr marL="0" indent="8255" algn="ctr" defTabSz="914400" rtl="0" eaLnBrk="1" latinLnBrk="0" hangingPunct="1">
+                            <a:lnSpc>
+                              <a:spcPct val="150000"/>
+                            </a:lnSpc>
+                            <a:spcAft>
+                              <a:spcPts val="0"/>
+                            </a:spcAft>
+                          </a:pPr>
+                          <a:r>
+                            <a:rPr lang="ru-RU" sz="1200" kern="1200">
+                              <a:solidFill>
+                                <a:schemeClr val="dk1"/>
+                              </a:solidFill>
+                              <a:effectLst/>
+                              <a:latin typeface="+mn-lt"/>
+                              <a:ea typeface="+mn-ea"/>
+                              <a:cs typeface="+mn-cs"/>
+                            </a:rPr>
+                            <a:t>6</a:t>
+                          </a:r>
+                        </a:p>
+                      </a:txBody>
+                      <a:tcPr marL="9525" marR="9525" marT="9525" marB="9525" anchor="ctr"/>
+                    </a:tc>
+                    <a:tc>
+                      <a:txBody>
+                        <a:bodyPr/>
+                        <a:lstStyle/>
+                        <a:p>
+                          <a:pPr marL="0" indent="8255" algn="ctr" defTabSz="914400" rtl="0" eaLnBrk="1" latinLnBrk="0" hangingPunct="1">
+                            <a:lnSpc>
+                              <a:spcPct val="150000"/>
+                            </a:lnSpc>
+                            <a:spcAft>
+                              <a:spcPts val="0"/>
+                            </a:spcAft>
+                          </a:pPr>
+                          <a:r>
+                            <a:rPr lang="ru-RU" sz="1200" kern="1200">
+                              <a:solidFill>
+                                <a:schemeClr val="dk1"/>
+                              </a:solidFill>
+                              <a:effectLst/>
+                              <a:latin typeface="+mn-lt"/>
+                              <a:ea typeface="+mn-ea"/>
+                              <a:cs typeface="+mn-cs"/>
+                            </a:rPr>
+                            <a:t>4</a:t>
+                          </a:r>
+                        </a:p>
+                      </a:txBody>
+                      <a:tcPr marL="9525" marR="9525" marT="9525" marB="9525" anchor="ctr"/>
+                    </a:tc>
+                    <a:tc>
+                      <a:txBody>
+                        <a:bodyPr/>
+                        <a:lstStyle/>
+                        <a:p>
+                          <a:pPr marL="0" indent="8255" algn="ctr" defTabSz="914400" rtl="0" eaLnBrk="1" latinLnBrk="0" hangingPunct="1">
+                            <a:lnSpc>
+                              <a:spcPct val="150000"/>
+                            </a:lnSpc>
+                            <a:spcAft>
+                              <a:spcPts val="0"/>
+                            </a:spcAft>
+                          </a:pPr>
+                          <a:r>
+                            <a:rPr lang="ru-RU" sz="1200" kern="1200">
+                              <a:solidFill>
+                                <a:schemeClr val="dk1"/>
+                              </a:solidFill>
+                              <a:effectLst/>
+                              <a:latin typeface="+mn-lt"/>
+                              <a:ea typeface="+mn-ea"/>
+                              <a:cs typeface="+mn-cs"/>
+                            </a:rPr>
+                            <a:t>3</a:t>
+                          </a:r>
+                        </a:p>
+                      </a:txBody>
+                      <a:tcPr marL="9525" marR="9525" marT="9525" marB="9525" anchor="ctr"/>
+                    </a:tc>
+                    <a:tc>
+                      <a:txBody>
+                        <a:bodyPr/>
+                        <a:lstStyle/>
+                        <a:p>
+                          <a:pPr marL="0" indent="8255" algn="ctr" defTabSz="914400" rtl="0" eaLnBrk="1" latinLnBrk="0" hangingPunct="1">
+                            <a:lnSpc>
+                              <a:spcPct val="150000"/>
+                            </a:lnSpc>
+                            <a:spcAft>
+                              <a:spcPts val="0"/>
+                            </a:spcAft>
+                          </a:pPr>
+                          <a:r>
+                            <a:rPr lang="ru-RU" sz="1200" kern="1200">
+                              <a:solidFill>
+                                <a:schemeClr val="dk1"/>
+                              </a:solidFill>
+                              <a:effectLst/>
+                              <a:latin typeface="+mn-lt"/>
+                              <a:ea typeface="+mn-ea"/>
+                              <a:cs typeface="+mn-cs"/>
+                            </a:rPr>
+                            <a:t>21</a:t>
+                          </a:r>
+                        </a:p>
+                      </a:txBody>
+                      <a:tcPr marL="9525" marR="9525" marT="9525" marB="9525" anchor="ctr"/>
+                    </a:tc>
+                    <a:extLst>
+                      <a:ext uri="{0D108BD9-81ED-4DB2-BD59-A6C34878D82A}">
+                        <a16:rowId xmlns:a16="http://schemas.microsoft.com/office/drawing/2014/main" val="523326710"/>
+                      </a:ext>
+                    </a:extLst>
+                  </a:tr>
+                  <a:tr h="276704">
+                    <a:tc>
+                      <a:txBody>
+                        <a:bodyPr/>
+                        <a:lstStyle/>
+                        <a:p>
+                          <a:pPr indent="8255" algn="ctr">
+                            <a:lnSpc>
+                              <a:spcPct val="150000"/>
+                            </a:lnSpc>
+                            <a:spcAft>
+                              <a:spcPts val="0"/>
+                            </a:spcAft>
+                          </a:pPr>
+                          <a:r>
+                            <a:rPr lang="ru-RU" sz="1200">
+                              <a:effectLst/>
+                            </a:rPr>
+                            <a:t>Эксперт 3</a:t>
+                          </a:r>
+                          <a:endParaRPr lang="ru-RU" sz="1000">
+                            <a:effectLst/>
+                            <a:latin typeface="Calibri" panose="020F0502020204030204" pitchFamily="34" charset="0"/>
+                            <a:ea typeface="Calibri" panose="020F0502020204030204" pitchFamily="34" charset="0"/>
+                            <a:cs typeface="Times New Roman" panose="02020603050405020304" pitchFamily="18" charset="0"/>
+                          </a:endParaRPr>
+                        </a:p>
+                      </a:txBody>
+                      <a:tcPr marL="63272" marR="63272" marT="0" marB="0" anchor="ctr"/>
+                    </a:tc>
+                    <a:tc>
+                      <a:txBody>
+                        <a:bodyPr/>
+                        <a:lstStyle/>
+                        <a:p>
+                          <a:pPr marL="0" indent="8255" algn="ctr" defTabSz="914400" rtl="0" eaLnBrk="1" latinLnBrk="0" hangingPunct="1">
+                            <a:lnSpc>
+                              <a:spcPct val="150000"/>
+                            </a:lnSpc>
+                            <a:spcAft>
+                              <a:spcPts val="0"/>
+                            </a:spcAft>
+                          </a:pPr>
+                          <a:r>
+                            <a:rPr lang="ru-RU" sz="1200" kern="1200">
+                              <a:solidFill>
+                                <a:schemeClr val="dk1"/>
+                              </a:solidFill>
+                              <a:effectLst/>
+                              <a:latin typeface="+mn-lt"/>
+                              <a:ea typeface="+mn-ea"/>
+                              <a:cs typeface="+mn-cs"/>
+                            </a:rPr>
+                            <a:t>1</a:t>
+                          </a:r>
+                        </a:p>
+                      </a:txBody>
+                      <a:tcPr marL="73025" marR="73025" marT="0" marB="0" anchor="ctr"/>
+                    </a:tc>
+                    <a:tc>
+                      <a:txBody>
+                        <a:bodyPr/>
+                        <a:lstStyle/>
+                        <a:p>
+                          <a:pPr marL="0" indent="8255" algn="ctr" defTabSz="914400" rtl="0" eaLnBrk="1" latinLnBrk="0" hangingPunct="1">
+                            <a:lnSpc>
+                              <a:spcPct val="150000"/>
+                            </a:lnSpc>
+                            <a:spcAft>
+                              <a:spcPts val="0"/>
+                            </a:spcAft>
+                          </a:pPr>
+                          <a:r>
+                            <a:rPr lang="ru-RU" sz="1200" kern="1200" dirty="0">
+                              <a:solidFill>
+                                <a:schemeClr val="dk1"/>
+                              </a:solidFill>
+                              <a:effectLst/>
+                              <a:latin typeface="+mn-lt"/>
+                              <a:ea typeface="+mn-ea"/>
+                              <a:cs typeface="+mn-cs"/>
+                            </a:rPr>
+                            <a:t>4</a:t>
+                          </a:r>
+                        </a:p>
+                      </a:txBody>
+                      <a:tcPr marL="73025" marR="73025" marT="0" marB="0" anchor="ctr"/>
+                    </a:tc>
+                    <a:tc>
+                      <a:txBody>
+                        <a:bodyPr/>
+                        <a:lstStyle/>
+                        <a:p>
+                          <a:pPr marL="0" indent="8255" algn="ctr" defTabSz="914400" rtl="0" eaLnBrk="1" latinLnBrk="0" hangingPunct="1">
+                            <a:lnSpc>
+                              <a:spcPct val="150000"/>
+                            </a:lnSpc>
+                            <a:spcAft>
+                              <a:spcPts val="0"/>
+                            </a:spcAft>
+                          </a:pPr>
+                          <a:r>
+                            <a:rPr lang="ru-RU" sz="1200" kern="1200">
+                              <a:solidFill>
+                                <a:schemeClr val="dk1"/>
+                              </a:solidFill>
+                              <a:effectLst/>
+                              <a:latin typeface="+mn-lt"/>
+                              <a:ea typeface="+mn-ea"/>
+                              <a:cs typeface="+mn-cs"/>
+                            </a:rPr>
+                            <a:t>2,5</a:t>
+                          </a:r>
+                        </a:p>
+                      </a:txBody>
+                      <a:tcPr marL="73025" marR="73025" marT="0" marB="0" anchor="ctr"/>
+                    </a:tc>
+                    <a:tc>
+                      <a:txBody>
+                        <a:bodyPr/>
+                        <a:lstStyle/>
+                        <a:p>
+                          <a:pPr marL="0" indent="8255" algn="ctr" defTabSz="914400" rtl="0" eaLnBrk="1" latinLnBrk="0" hangingPunct="1">
+                            <a:lnSpc>
+                              <a:spcPct val="150000"/>
+                            </a:lnSpc>
+                            <a:spcAft>
+                              <a:spcPts val="0"/>
+                            </a:spcAft>
+                          </a:pPr>
+                          <a:r>
+                            <a:rPr lang="ru-RU" sz="1200" kern="1200">
+                              <a:solidFill>
+                                <a:schemeClr val="dk1"/>
+                              </a:solidFill>
+                              <a:effectLst/>
+                              <a:latin typeface="+mn-lt"/>
+                              <a:ea typeface="+mn-ea"/>
+                              <a:cs typeface="+mn-cs"/>
+                            </a:rPr>
+                            <a:t>6</a:t>
+                          </a:r>
+                        </a:p>
+                      </a:txBody>
+                      <a:tcPr marL="9525" marR="9525" marT="9525" marB="9525" anchor="ctr"/>
+                    </a:tc>
+                    <a:tc>
+                      <a:txBody>
+                        <a:bodyPr/>
+                        <a:lstStyle/>
+                        <a:p>
+                          <a:pPr marL="0" indent="8255" algn="ctr" defTabSz="914400" rtl="0" eaLnBrk="1" latinLnBrk="0" hangingPunct="1">
+                            <a:lnSpc>
+                              <a:spcPct val="150000"/>
+                            </a:lnSpc>
+                            <a:spcAft>
+                              <a:spcPts val="0"/>
+                            </a:spcAft>
+                          </a:pPr>
+                          <a:r>
+                            <a:rPr lang="ru-RU" sz="1200" kern="1200">
+                              <a:solidFill>
+                                <a:schemeClr val="dk1"/>
+                              </a:solidFill>
+                              <a:effectLst/>
+                              <a:latin typeface="+mn-lt"/>
+                              <a:ea typeface="+mn-ea"/>
+                              <a:cs typeface="+mn-cs"/>
+                            </a:rPr>
+                            <a:t>5</a:t>
+                          </a:r>
+                        </a:p>
+                      </a:txBody>
+                      <a:tcPr marL="9525" marR="9525" marT="9525" marB="9525" anchor="ctr"/>
+                    </a:tc>
+                    <a:tc>
+                      <a:txBody>
+                        <a:bodyPr/>
+                        <a:lstStyle/>
+                        <a:p>
+                          <a:pPr marL="0" indent="8255" algn="ctr" defTabSz="914400" rtl="0" eaLnBrk="1" latinLnBrk="0" hangingPunct="1">
+                            <a:lnSpc>
+                              <a:spcPct val="150000"/>
+                            </a:lnSpc>
+                            <a:spcAft>
+                              <a:spcPts val="0"/>
+                            </a:spcAft>
+                          </a:pPr>
+                          <a:r>
+                            <a:rPr lang="ru-RU" sz="1200" kern="1200">
+                              <a:solidFill>
+                                <a:schemeClr val="dk1"/>
+                              </a:solidFill>
+                              <a:effectLst/>
+                              <a:latin typeface="+mn-lt"/>
+                              <a:ea typeface="+mn-ea"/>
+                              <a:cs typeface="+mn-cs"/>
+                            </a:rPr>
+                            <a:t>2,5</a:t>
+                          </a:r>
+                        </a:p>
+                      </a:txBody>
+                      <a:tcPr marL="9525" marR="9525" marT="9525" marB="9525" anchor="ctr"/>
+                    </a:tc>
+                    <a:tc>
+                      <a:txBody>
+                        <a:bodyPr/>
+                        <a:lstStyle/>
+                        <a:p>
+                          <a:pPr marL="0" indent="8255" algn="ctr" defTabSz="914400" rtl="0" eaLnBrk="1" latinLnBrk="0" hangingPunct="1">
+                            <a:lnSpc>
+                              <a:spcPct val="150000"/>
+                            </a:lnSpc>
+                            <a:spcAft>
+                              <a:spcPts val="0"/>
+                            </a:spcAft>
+                          </a:pPr>
+                          <a:r>
+                            <a:rPr lang="ru-RU" sz="1200" kern="1200">
+                              <a:solidFill>
+                                <a:schemeClr val="dk1"/>
+                              </a:solidFill>
+                              <a:effectLst/>
+                              <a:latin typeface="+mn-lt"/>
+                              <a:ea typeface="+mn-ea"/>
+                              <a:cs typeface="+mn-cs"/>
+                            </a:rPr>
+                            <a:t>21</a:t>
+                          </a:r>
+                        </a:p>
+                      </a:txBody>
+                      <a:tcPr marL="9525" marR="9525" marT="9525" marB="9525" anchor="ctr"/>
+                    </a:tc>
+                    <a:extLst>
+                      <a:ext uri="{0D108BD9-81ED-4DB2-BD59-A6C34878D82A}">
+                        <a16:rowId xmlns:a16="http://schemas.microsoft.com/office/drawing/2014/main" val="3457314715"/>
+                      </a:ext>
+                    </a:extLst>
+                  </a:tr>
+                  <a:tr h="276704">
+                    <a:tc>
+                      <a:txBody>
+                        <a:bodyPr/>
+                        <a:lstStyle/>
+                        <a:p>
+                          <a:pPr indent="8255" algn="ctr">
+                            <a:lnSpc>
+                              <a:spcPct val="150000"/>
+                            </a:lnSpc>
+                            <a:spcAft>
+                              <a:spcPts val="0"/>
+                            </a:spcAft>
+                          </a:pPr>
+                          <a:r>
+                            <a:rPr lang="ru-RU" sz="1200">
+                              <a:effectLst/>
+                            </a:rPr>
+                            <a:t>Эксперт 4</a:t>
+                          </a:r>
+                          <a:endParaRPr lang="ru-RU" sz="1000">
+                            <a:effectLst/>
+                            <a:latin typeface="Calibri" panose="020F0502020204030204" pitchFamily="34" charset="0"/>
+                            <a:ea typeface="Calibri" panose="020F0502020204030204" pitchFamily="34" charset="0"/>
+                            <a:cs typeface="Times New Roman" panose="02020603050405020304" pitchFamily="18" charset="0"/>
+                          </a:endParaRPr>
+                        </a:p>
+                      </a:txBody>
+                      <a:tcPr marL="63272" marR="63272" marT="0" marB="0" anchor="ctr"/>
+                    </a:tc>
+                    <a:tc>
+                      <a:txBody>
+                        <a:bodyPr/>
+                        <a:lstStyle/>
+                        <a:p>
+                          <a:pPr marL="0" indent="8255" algn="ctr" defTabSz="914400" rtl="0" eaLnBrk="1" latinLnBrk="0" hangingPunct="1">
+                            <a:lnSpc>
+                              <a:spcPct val="150000"/>
+                            </a:lnSpc>
+                            <a:spcAft>
+                              <a:spcPts val="0"/>
+                            </a:spcAft>
+                          </a:pPr>
+                          <a:r>
+                            <a:rPr lang="ru-RU" sz="1200" kern="1200">
+                              <a:solidFill>
+                                <a:schemeClr val="dk1"/>
+                              </a:solidFill>
+                              <a:effectLst/>
+                              <a:latin typeface="+mn-lt"/>
+                              <a:ea typeface="+mn-ea"/>
+                              <a:cs typeface="+mn-cs"/>
+                            </a:rPr>
+                            <a:t>2</a:t>
+                          </a:r>
+                        </a:p>
+                      </a:txBody>
+                      <a:tcPr marL="73025" marR="73025" marT="0" marB="0" anchor="ctr"/>
+                    </a:tc>
+                    <a:tc>
+                      <a:txBody>
+                        <a:bodyPr/>
+                        <a:lstStyle/>
+                        <a:p>
+                          <a:pPr marL="0" indent="8255" algn="ctr" defTabSz="914400" rtl="0" eaLnBrk="1" latinLnBrk="0" hangingPunct="1">
+                            <a:lnSpc>
+                              <a:spcPct val="150000"/>
+                            </a:lnSpc>
+                            <a:spcAft>
+                              <a:spcPts val="0"/>
+                            </a:spcAft>
+                          </a:pPr>
+                          <a:r>
+                            <a:rPr lang="ru-RU" sz="1200" kern="1200" dirty="0">
+                              <a:solidFill>
+                                <a:schemeClr val="dk1"/>
+                              </a:solidFill>
+                              <a:effectLst/>
+                              <a:latin typeface="+mn-lt"/>
+                              <a:ea typeface="+mn-ea"/>
+                              <a:cs typeface="+mn-cs"/>
+                            </a:rPr>
+                            <a:t>5</a:t>
+                          </a:r>
+                        </a:p>
+                      </a:txBody>
+                      <a:tcPr marL="73025" marR="73025" marT="0" marB="0" anchor="ctr"/>
+                    </a:tc>
+                    <a:tc>
+                      <a:txBody>
+                        <a:bodyPr/>
+                        <a:lstStyle/>
+                        <a:p>
+                          <a:pPr marL="0" indent="8255" algn="ctr" defTabSz="914400" rtl="0" eaLnBrk="1" latinLnBrk="0" hangingPunct="1">
+                            <a:lnSpc>
+                              <a:spcPct val="150000"/>
+                            </a:lnSpc>
+                            <a:spcAft>
+                              <a:spcPts val="0"/>
+                            </a:spcAft>
+                          </a:pPr>
+                          <a:r>
+                            <a:rPr lang="ru-RU" sz="1200" kern="1200" dirty="0">
+                              <a:solidFill>
+                                <a:schemeClr val="dk1"/>
+                              </a:solidFill>
+                              <a:effectLst/>
+                              <a:latin typeface="+mn-lt"/>
+                              <a:ea typeface="+mn-ea"/>
+                              <a:cs typeface="+mn-cs"/>
+                            </a:rPr>
+                            <a:t>1</a:t>
+                          </a:r>
+                        </a:p>
+                      </a:txBody>
+                      <a:tcPr marL="73025" marR="73025" marT="0" marB="0" anchor="ctr"/>
+                    </a:tc>
+                    <a:tc>
+                      <a:txBody>
+                        <a:bodyPr/>
+                        <a:lstStyle/>
+                        <a:p>
+                          <a:pPr marL="0" indent="8255" algn="ctr" defTabSz="914400" rtl="0" eaLnBrk="1" latinLnBrk="0" hangingPunct="1">
+                            <a:lnSpc>
+                              <a:spcPct val="150000"/>
+                            </a:lnSpc>
+                            <a:spcAft>
+                              <a:spcPts val="0"/>
+                            </a:spcAft>
+                          </a:pPr>
+                          <a:r>
+                            <a:rPr lang="ru-RU" sz="1200" kern="1200">
+                              <a:solidFill>
+                                <a:schemeClr val="dk1"/>
+                              </a:solidFill>
+                              <a:effectLst/>
+                              <a:latin typeface="+mn-lt"/>
+                              <a:ea typeface="+mn-ea"/>
+                              <a:cs typeface="+mn-cs"/>
+                            </a:rPr>
+                            <a:t>6</a:t>
+                          </a:r>
+                        </a:p>
+                      </a:txBody>
+                      <a:tcPr marL="9525" marR="9525" marT="9525" marB="9525" anchor="ctr"/>
+                    </a:tc>
+                    <a:tc>
+                      <a:txBody>
+                        <a:bodyPr/>
+                        <a:lstStyle/>
+                        <a:p>
+                          <a:pPr marL="0" indent="8255" algn="ctr" defTabSz="914400" rtl="0" eaLnBrk="1" latinLnBrk="0" hangingPunct="1">
+                            <a:lnSpc>
+                              <a:spcPct val="150000"/>
+                            </a:lnSpc>
+                            <a:spcAft>
+                              <a:spcPts val="0"/>
+                            </a:spcAft>
+                          </a:pPr>
+                          <a:r>
+                            <a:rPr lang="ru-RU" sz="1200" kern="1200">
+                              <a:solidFill>
+                                <a:schemeClr val="dk1"/>
+                              </a:solidFill>
+                              <a:effectLst/>
+                              <a:latin typeface="+mn-lt"/>
+                              <a:ea typeface="+mn-ea"/>
+                              <a:cs typeface="+mn-cs"/>
+                            </a:rPr>
+                            <a:t>3,5</a:t>
+                          </a:r>
+                        </a:p>
+                      </a:txBody>
+                      <a:tcPr marL="9525" marR="9525" marT="9525" marB="9525" anchor="ctr"/>
+                    </a:tc>
+                    <a:tc>
+                      <a:txBody>
+                        <a:bodyPr/>
+                        <a:lstStyle/>
+                        <a:p>
+                          <a:pPr marL="0" indent="8255" algn="ctr" defTabSz="914400" rtl="0" eaLnBrk="1" latinLnBrk="0" hangingPunct="1">
+                            <a:lnSpc>
+                              <a:spcPct val="150000"/>
+                            </a:lnSpc>
+                            <a:spcAft>
+                              <a:spcPts val="0"/>
+                            </a:spcAft>
+                          </a:pPr>
+                          <a:r>
+                            <a:rPr lang="ru-RU" sz="1200" kern="1200">
+                              <a:solidFill>
+                                <a:schemeClr val="dk1"/>
+                              </a:solidFill>
+                              <a:effectLst/>
+                              <a:latin typeface="+mn-lt"/>
+                              <a:ea typeface="+mn-ea"/>
+                              <a:cs typeface="+mn-cs"/>
+                            </a:rPr>
+                            <a:t>3,5</a:t>
+                          </a:r>
+                        </a:p>
+                      </a:txBody>
+                      <a:tcPr marL="9525" marR="9525" marT="9525" marB="9525" anchor="ctr"/>
+                    </a:tc>
+                    <a:tc>
+                      <a:txBody>
+                        <a:bodyPr/>
+                        <a:lstStyle/>
+                        <a:p>
+                          <a:pPr marL="0" indent="8255" algn="ctr" defTabSz="914400" rtl="0" eaLnBrk="1" latinLnBrk="0" hangingPunct="1">
+                            <a:lnSpc>
+                              <a:spcPct val="150000"/>
+                            </a:lnSpc>
+                            <a:spcAft>
+                              <a:spcPts val="0"/>
+                            </a:spcAft>
+                          </a:pPr>
+                          <a:r>
+                            <a:rPr lang="ru-RU" sz="1200" kern="1200">
+                              <a:solidFill>
+                                <a:schemeClr val="dk1"/>
+                              </a:solidFill>
+                              <a:effectLst/>
+                              <a:latin typeface="+mn-lt"/>
+                              <a:ea typeface="+mn-ea"/>
+                              <a:cs typeface="+mn-cs"/>
+                            </a:rPr>
+                            <a:t>21</a:t>
+                          </a:r>
+                        </a:p>
+                      </a:txBody>
+                      <a:tcPr marL="9525" marR="9525" marT="9525" marB="9525" anchor="ctr"/>
+                    </a:tc>
+                    <a:extLst>
+                      <a:ext uri="{0D108BD9-81ED-4DB2-BD59-A6C34878D82A}">
+                        <a16:rowId xmlns:a16="http://schemas.microsoft.com/office/drawing/2014/main" val="317443276"/>
+                      </a:ext>
+                    </a:extLst>
+                  </a:tr>
+                  <a:tr h="276704">
+                    <a:tc>
+                      <a:txBody>
+                        <a:bodyPr/>
+                        <a:lstStyle/>
+                        <a:p>
+                          <a:pPr indent="8255" algn="ctr">
+                            <a:lnSpc>
+                              <a:spcPct val="150000"/>
+                            </a:lnSpc>
+                            <a:spcAft>
+                              <a:spcPts val="0"/>
+                            </a:spcAft>
+                          </a:pPr>
+                          <a:r>
+                            <a:rPr lang="ru-RU" sz="1200">
+                              <a:effectLst/>
+                            </a:rPr>
+                            <a:t>Эксперт 5</a:t>
+                          </a:r>
+                          <a:endParaRPr lang="ru-RU" sz="1000">
+                            <a:effectLst/>
+                            <a:latin typeface="Calibri" panose="020F0502020204030204" pitchFamily="34" charset="0"/>
+                            <a:ea typeface="Calibri" panose="020F0502020204030204" pitchFamily="34" charset="0"/>
+                            <a:cs typeface="Times New Roman" panose="02020603050405020304" pitchFamily="18" charset="0"/>
+                          </a:endParaRPr>
+                        </a:p>
+                      </a:txBody>
+                      <a:tcPr marL="63272" marR="63272" marT="0" marB="0" anchor="ctr"/>
+                    </a:tc>
+                    <a:tc>
+                      <a:txBody>
+                        <a:bodyPr/>
+                        <a:lstStyle/>
+                        <a:p>
+                          <a:pPr marL="0" indent="8255" algn="ctr" defTabSz="914400" rtl="0" eaLnBrk="1" latinLnBrk="0" hangingPunct="1">
+                            <a:lnSpc>
+                              <a:spcPct val="150000"/>
+                            </a:lnSpc>
+                            <a:spcAft>
+                              <a:spcPts val="0"/>
+                            </a:spcAft>
+                          </a:pPr>
+                          <a:r>
+                            <a:rPr lang="ru-RU" sz="1200" kern="1200">
+                              <a:solidFill>
+                                <a:schemeClr val="dk1"/>
+                              </a:solidFill>
+                              <a:effectLst/>
+                              <a:latin typeface="+mn-lt"/>
+                              <a:ea typeface="+mn-ea"/>
+                              <a:cs typeface="+mn-cs"/>
+                            </a:rPr>
+                            <a:t>1</a:t>
+                          </a:r>
+                        </a:p>
+                      </a:txBody>
+                      <a:tcPr marL="73025" marR="73025" marT="0" marB="0" anchor="ctr"/>
+                    </a:tc>
+                    <a:tc>
+                      <a:txBody>
+                        <a:bodyPr/>
+                        <a:lstStyle/>
+                        <a:p>
+                          <a:pPr marL="0" indent="8255" algn="ctr" defTabSz="914400" rtl="0" eaLnBrk="1" latinLnBrk="0" hangingPunct="1">
+                            <a:lnSpc>
+                              <a:spcPct val="150000"/>
+                            </a:lnSpc>
+                            <a:spcAft>
+                              <a:spcPts val="0"/>
+                            </a:spcAft>
+                          </a:pPr>
+                          <a:r>
+                            <a:rPr lang="ru-RU" sz="1200" kern="1200">
+                              <a:solidFill>
+                                <a:schemeClr val="dk1"/>
+                              </a:solidFill>
+                              <a:effectLst/>
+                              <a:latin typeface="+mn-lt"/>
+                              <a:ea typeface="+mn-ea"/>
+                              <a:cs typeface="+mn-cs"/>
+                            </a:rPr>
+                            <a:t>6</a:t>
+                          </a:r>
+                        </a:p>
+                      </a:txBody>
+                      <a:tcPr marL="73025" marR="73025" marT="0" marB="0" anchor="ctr"/>
+                    </a:tc>
+                    <a:tc>
+                      <a:txBody>
+                        <a:bodyPr/>
+                        <a:lstStyle/>
+                        <a:p>
+                          <a:pPr marL="0" indent="8255" algn="ctr" defTabSz="914400" rtl="0" eaLnBrk="1" latinLnBrk="0" hangingPunct="1">
+                            <a:lnSpc>
+                              <a:spcPct val="150000"/>
+                            </a:lnSpc>
+                            <a:spcAft>
+                              <a:spcPts val="0"/>
+                            </a:spcAft>
+                          </a:pPr>
+                          <a:r>
+                            <a:rPr lang="ru-RU" sz="1200" kern="1200" dirty="0">
+                              <a:solidFill>
+                                <a:schemeClr val="dk1"/>
+                              </a:solidFill>
+                              <a:effectLst/>
+                              <a:latin typeface="+mn-lt"/>
+                              <a:ea typeface="+mn-ea"/>
+                              <a:cs typeface="+mn-cs"/>
+                            </a:rPr>
+                            <a:t>2,5</a:t>
+                          </a:r>
+                        </a:p>
+                      </a:txBody>
+                      <a:tcPr marL="73025" marR="73025" marT="0" marB="0" anchor="ctr"/>
+                    </a:tc>
+                    <a:tc>
+                      <a:txBody>
+                        <a:bodyPr/>
+                        <a:lstStyle/>
+                        <a:p>
+                          <a:pPr marL="0" indent="8255" algn="ctr" defTabSz="914400" rtl="0" eaLnBrk="1" latinLnBrk="0" hangingPunct="1">
+                            <a:lnSpc>
+                              <a:spcPct val="150000"/>
+                            </a:lnSpc>
+                            <a:spcAft>
+                              <a:spcPts val="0"/>
+                            </a:spcAft>
+                          </a:pPr>
+                          <a:r>
+                            <a:rPr lang="ru-RU" sz="1200" kern="1200">
+                              <a:solidFill>
+                                <a:schemeClr val="dk1"/>
+                              </a:solidFill>
+                              <a:effectLst/>
+                              <a:latin typeface="+mn-lt"/>
+                              <a:ea typeface="+mn-ea"/>
+                              <a:cs typeface="+mn-cs"/>
+                            </a:rPr>
+                            <a:t>5</a:t>
+                          </a:r>
+                        </a:p>
+                      </a:txBody>
+                      <a:tcPr marL="9525" marR="9525" marT="9525" marB="9525" anchor="ctr"/>
+                    </a:tc>
+                    <a:tc>
+                      <a:txBody>
+                        <a:bodyPr/>
+                        <a:lstStyle/>
+                        <a:p>
+                          <a:pPr marL="0" indent="8255" algn="ctr" defTabSz="914400" rtl="0" eaLnBrk="1" latinLnBrk="0" hangingPunct="1">
+                            <a:lnSpc>
+                              <a:spcPct val="150000"/>
+                            </a:lnSpc>
+                            <a:spcAft>
+                              <a:spcPts val="0"/>
+                            </a:spcAft>
+                          </a:pPr>
+                          <a:r>
+                            <a:rPr lang="ru-RU" sz="1200" kern="1200">
+                              <a:solidFill>
+                                <a:schemeClr val="dk1"/>
+                              </a:solidFill>
+                              <a:effectLst/>
+                              <a:latin typeface="+mn-lt"/>
+                              <a:ea typeface="+mn-ea"/>
+                              <a:cs typeface="+mn-cs"/>
+                            </a:rPr>
+                            <a:t>4</a:t>
+                          </a:r>
+                        </a:p>
+                      </a:txBody>
+                      <a:tcPr marL="9525" marR="9525" marT="9525" marB="9525" anchor="ctr"/>
+                    </a:tc>
+                    <a:tc>
+                      <a:txBody>
+                        <a:bodyPr/>
+                        <a:lstStyle/>
+                        <a:p>
+                          <a:pPr marL="0" indent="8255" algn="ctr" defTabSz="914400" rtl="0" eaLnBrk="1" latinLnBrk="0" hangingPunct="1">
+                            <a:lnSpc>
+                              <a:spcPct val="150000"/>
+                            </a:lnSpc>
+                            <a:spcAft>
+                              <a:spcPts val="0"/>
+                            </a:spcAft>
+                          </a:pPr>
+                          <a:r>
+                            <a:rPr lang="ru-RU" sz="1200" kern="1200">
+                              <a:solidFill>
+                                <a:schemeClr val="dk1"/>
+                              </a:solidFill>
+                              <a:effectLst/>
+                              <a:latin typeface="+mn-lt"/>
+                              <a:ea typeface="+mn-ea"/>
+                              <a:cs typeface="+mn-cs"/>
+                            </a:rPr>
+                            <a:t>2,5</a:t>
+                          </a:r>
+                        </a:p>
+                      </a:txBody>
+                      <a:tcPr marL="9525" marR="9525" marT="9525" marB="9525" anchor="ctr"/>
+                    </a:tc>
+                    <a:tc>
+                      <a:txBody>
+                        <a:bodyPr/>
+                        <a:lstStyle/>
+                        <a:p>
+                          <a:pPr marL="0" indent="8255" algn="ctr" defTabSz="914400" rtl="0" eaLnBrk="1" latinLnBrk="0" hangingPunct="1">
+                            <a:lnSpc>
+                              <a:spcPct val="150000"/>
+                            </a:lnSpc>
+                            <a:spcAft>
+                              <a:spcPts val="0"/>
+                            </a:spcAft>
+                          </a:pPr>
+                          <a:r>
+                            <a:rPr lang="ru-RU" sz="1200" kern="1200">
+                              <a:solidFill>
+                                <a:schemeClr val="dk1"/>
+                              </a:solidFill>
+                              <a:effectLst/>
+                              <a:latin typeface="+mn-lt"/>
+                              <a:ea typeface="+mn-ea"/>
+                              <a:cs typeface="+mn-cs"/>
+                            </a:rPr>
+                            <a:t>21</a:t>
+                          </a:r>
+                        </a:p>
+                      </a:txBody>
+                      <a:tcPr marL="9525" marR="9525" marT="9525" marB="9525" anchor="ctr"/>
+                    </a:tc>
+                    <a:extLst>
+                      <a:ext uri="{0D108BD9-81ED-4DB2-BD59-A6C34878D82A}">
+                        <a16:rowId xmlns:a16="http://schemas.microsoft.com/office/drawing/2014/main" val="2466659489"/>
+                      </a:ext>
+                    </a:extLst>
+                  </a:tr>
+                  <a:tr h="276704">
+                    <a:tc>
+                      <a:txBody>
+                        <a:bodyPr/>
+                        <a:lstStyle/>
+                        <a:p>
+                          <a:pPr indent="8255" algn="ctr">
+                            <a:lnSpc>
+                              <a:spcPct val="150000"/>
+                            </a:lnSpc>
+                            <a:spcAft>
+                              <a:spcPts val="0"/>
+                            </a:spcAft>
+                          </a:pPr>
+                          <a:r>
+                            <a:rPr lang="ru-RU" sz="1200">
+                              <a:effectLst/>
+                            </a:rPr>
+                            <a:t>Эксперт 6</a:t>
+                          </a:r>
+                          <a:endParaRPr lang="ru-RU" sz="1000">
+                            <a:effectLst/>
+                            <a:latin typeface="Calibri" panose="020F0502020204030204" pitchFamily="34" charset="0"/>
+                            <a:ea typeface="Calibri" panose="020F0502020204030204" pitchFamily="34" charset="0"/>
+                            <a:cs typeface="Times New Roman" panose="02020603050405020304" pitchFamily="18" charset="0"/>
+                          </a:endParaRPr>
+                        </a:p>
+                      </a:txBody>
+                      <a:tcPr marL="63272" marR="63272" marT="0" marB="0" anchor="ctr"/>
+                    </a:tc>
+                    <a:tc>
+                      <a:txBody>
+                        <a:bodyPr/>
+                        <a:lstStyle/>
+                        <a:p>
+                          <a:pPr marL="0" indent="8255" algn="ctr" defTabSz="914400" rtl="0" eaLnBrk="1" latinLnBrk="0" hangingPunct="1">
+                            <a:lnSpc>
+                              <a:spcPct val="150000"/>
+                            </a:lnSpc>
+                            <a:spcAft>
+                              <a:spcPts val="0"/>
+                            </a:spcAft>
+                          </a:pPr>
+                          <a:r>
+                            <a:rPr lang="ru-RU" sz="1200" kern="1200">
+                              <a:solidFill>
+                                <a:schemeClr val="dk1"/>
+                              </a:solidFill>
+                              <a:effectLst/>
+                              <a:latin typeface="+mn-lt"/>
+                              <a:ea typeface="+mn-ea"/>
+                              <a:cs typeface="+mn-cs"/>
+                            </a:rPr>
+                            <a:t>1</a:t>
+                          </a:r>
+                        </a:p>
+                      </a:txBody>
+                      <a:tcPr marL="73025" marR="73025" marT="0" marB="0" anchor="ctr"/>
+                    </a:tc>
+                    <a:tc>
+                      <a:txBody>
+                        <a:bodyPr/>
+                        <a:lstStyle/>
+                        <a:p>
+                          <a:pPr marL="0" indent="8255" algn="ctr" defTabSz="914400" rtl="0" eaLnBrk="1" latinLnBrk="0" hangingPunct="1">
+                            <a:lnSpc>
+                              <a:spcPct val="150000"/>
+                            </a:lnSpc>
+                            <a:spcAft>
+                              <a:spcPts val="0"/>
+                            </a:spcAft>
+                          </a:pPr>
+                          <a:r>
+                            <a:rPr lang="ru-RU" sz="1200" kern="1200">
+                              <a:solidFill>
+                                <a:schemeClr val="dk1"/>
+                              </a:solidFill>
+                              <a:effectLst/>
+                              <a:latin typeface="+mn-lt"/>
+                              <a:ea typeface="+mn-ea"/>
+                              <a:cs typeface="+mn-cs"/>
+                            </a:rPr>
+                            <a:t>5</a:t>
+                          </a:r>
+                        </a:p>
+                      </a:txBody>
+                      <a:tcPr marL="73025" marR="73025" marT="0" marB="0" anchor="ctr"/>
+                    </a:tc>
+                    <a:tc>
+                      <a:txBody>
+                        <a:bodyPr/>
+                        <a:lstStyle/>
+                        <a:p>
+                          <a:pPr marL="0" indent="8255" algn="ctr" defTabSz="914400" rtl="0" eaLnBrk="1" latinLnBrk="0" hangingPunct="1">
+                            <a:lnSpc>
+                              <a:spcPct val="150000"/>
+                            </a:lnSpc>
+                            <a:spcAft>
+                              <a:spcPts val="0"/>
+                            </a:spcAft>
+                          </a:pPr>
+                          <a:r>
+                            <a:rPr lang="ru-RU" sz="1200" kern="1200">
+                              <a:solidFill>
+                                <a:schemeClr val="dk1"/>
+                              </a:solidFill>
+                              <a:effectLst/>
+                              <a:latin typeface="+mn-lt"/>
+                              <a:ea typeface="+mn-ea"/>
+                              <a:cs typeface="+mn-cs"/>
+                            </a:rPr>
+                            <a:t>2</a:t>
+                          </a:r>
+                        </a:p>
+                      </a:txBody>
+                      <a:tcPr marL="73025" marR="73025" marT="0" marB="0" anchor="ctr"/>
+                    </a:tc>
+                    <a:tc>
+                      <a:txBody>
+                        <a:bodyPr/>
+                        <a:lstStyle/>
+                        <a:p>
+                          <a:pPr marL="0" indent="8255" algn="ctr" defTabSz="914400" rtl="0" eaLnBrk="1" latinLnBrk="0" hangingPunct="1">
+                            <a:lnSpc>
+                              <a:spcPct val="150000"/>
+                            </a:lnSpc>
+                            <a:spcAft>
+                              <a:spcPts val="0"/>
+                            </a:spcAft>
+                          </a:pPr>
+                          <a:r>
+                            <a:rPr lang="ru-RU" sz="1200" kern="1200" dirty="0">
+                              <a:solidFill>
+                                <a:schemeClr val="dk1"/>
+                              </a:solidFill>
+                              <a:effectLst/>
+                              <a:latin typeface="+mn-lt"/>
+                              <a:ea typeface="+mn-ea"/>
+                              <a:cs typeface="+mn-cs"/>
+                            </a:rPr>
+                            <a:t>6</a:t>
+                          </a:r>
+                        </a:p>
+                      </a:txBody>
+                      <a:tcPr marL="9525" marR="9525" marT="9525" marB="9525" anchor="ctr"/>
+                    </a:tc>
+                    <a:tc>
+                      <a:txBody>
+                        <a:bodyPr/>
+                        <a:lstStyle/>
+                        <a:p>
+                          <a:pPr marL="0" indent="8255" algn="ctr" defTabSz="914400" rtl="0" eaLnBrk="1" latinLnBrk="0" hangingPunct="1">
+                            <a:lnSpc>
+                              <a:spcPct val="150000"/>
+                            </a:lnSpc>
+                            <a:spcAft>
+                              <a:spcPts val="0"/>
+                            </a:spcAft>
+                          </a:pPr>
+                          <a:r>
+                            <a:rPr lang="ru-RU" sz="1200" kern="1200">
+                              <a:solidFill>
+                                <a:schemeClr val="dk1"/>
+                              </a:solidFill>
+                              <a:effectLst/>
+                              <a:latin typeface="+mn-lt"/>
+                              <a:ea typeface="+mn-ea"/>
+                              <a:cs typeface="+mn-cs"/>
+                            </a:rPr>
+                            <a:t>4</a:t>
+                          </a:r>
+                        </a:p>
+                      </a:txBody>
+                      <a:tcPr marL="9525" marR="9525" marT="9525" marB="9525" anchor="ctr"/>
+                    </a:tc>
+                    <a:tc>
+                      <a:txBody>
+                        <a:bodyPr/>
+                        <a:lstStyle/>
+                        <a:p>
+                          <a:pPr marL="0" indent="8255" algn="ctr" defTabSz="914400" rtl="0" eaLnBrk="1" latinLnBrk="0" hangingPunct="1">
+                            <a:lnSpc>
+                              <a:spcPct val="150000"/>
+                            </a:lnSpc>
+                            <a:spcAft>
+                              <a:spcPts val="0"/>
+                            </a:spcAft>
+                          </a:pPr>
+                          <a:r>
+                            <a:rPr lang="ru-RU" sz="1200" kern="1200">
+                              <a:solidFill>
+                                <a:schemeClr val="dk1"/>
+                              </a:solidFill>
+                              <a:effectLst/>
+                              <a:latin typeface="+mn-lt"/>
+                              <a:ea typeface="+mn-ea"/>
+                              <a:cs typeface="+mn-cs"/>
+                            </a:rPr>
+                            <a:t>3</a:t>
+                          </a:r>
+                        </a:p>
+                      </a:txBody>
+                      <a:tcPr marL="9525" marR="9525" marT="9525" marB="9525" anchor="ctr"/>
+                    </a:tc>
+                    <a:tc>
+                      <a:txBody>
+                        <a:bodyPr/>
+                        <a:lstStyle/>
+                        <a:p>
+                          <a:pPr marL="0" indent="8255" algn="ctr" defTabSz="914400" rtl="0" eaLnBrk="1" latinLnBrk="0" hangingPunct="1">
+                            <a:lnSpc>
+                              <a:spcPct val="150000"/>
+                            </a:lnSpc>
+                            <a:spcAft>
+                              <a:spcPts val="0"/>
+                            </a:spcAft>
+                          </a:pPr>
+                          <a:r>
+                            <a:rPr lang="ru-RU" sz="1200" kern="1200">
+                              <a:solidFill>
+                                <a:schemeClr val="dk1"/>
+                              </a:solidFill>
+                              <a:effectLst/>
+                              <a:latin typeface="+mn-lt"/>
+                              <a:ea typeface="+mn-ea"/>
+                              <a:cs typeface="+mn-cs"/>
+                            </a:rPr>
+                            <a:t>21</a:t>
+                          </a:r>
+                        </a:p>
+                      </a:txBody>
+                      <a:tcPr marL="9525" marR="9525" marT="9525" marB="9525" anchor="ctr"/>
+                    </a:tc>
+                    <a:extLst>
+                      <a:ext uri="{0D108BD9-81ED-4DB2-BD59-A6C34878D82A}">
+                        <a16:rowId xmlns:a16="http://schemas.microsoft.com/office/drawing/2014/main" val="1017247618"/>
+                      </a:ext>
+                    </a:extLst>
+                  </a:tr>
+                  <a:tr h="276704">
+                    <a:tc>
+                      <a:txBody>
+                        <a:bodyPr/>
+                        <a:lstStyle/>
+                        <a:p>
+                          <a:pPr indent="8255" algn="ctr">
+                            <a:lnSpc>
+                              <a:spcPct val="150000"/>
+                            </a:lnSpc>
+                            <a:spcAft>
+                              <a:spcPts val="0"/>
+                            </a:spcAft>
+                          </a:pPr>
+                          <a:r>
+                            <a:rPr lang="ru-RU" sz="1200">
+                              <a:effectLst/>
+                            </a:rPr>
+                            <a:t>Эксперт 7</a:t>
+                          </a:r>
+                          <a:endParaRPr lang="ru-RU" sz="1000">
+                            <a:effectLst/>
+                            <a:latin typeface="Calibri" panose="020F0502020204030204" pitchFamily="34" charset="0"/>
+                            <a:ea typeface="Calibri" panose="020F0502020204030204" pitchFamily="34" charset="0"/>
+                            <a:cs typeface="Times New Roman" panose="02020603050405020304" pitchFamily="18" charset="0"/>
+                          </a:endParaRPr>
+                        </a:p>
+                      </a:txBody>
+                      <a:tcPr marL="63272" marR="63272" marT="0" marB="0" anchor="ctr"/>
+                    </a:tc>
+                    <a:tc>
+                      <a:txBody>
+                        <a:bodyPr/>
+                        <a:lstStyle/>
+                        <a:p>
+                          <a:pPr marL="0" indent="8255" algn="ctr" defTabSz="914400" rtl="0" eaLnBrk="1" latinLnBrk="0" hangingPunct="1">
+                            <a:lnSpc>
+                              <a:spcPct val="150000"/>
+                            </a:lnSpc>
+                            <a:spcAft>
+                              <a:spcPts val="0"/>
+                            </a:spcAft>
+                          </a:pPr>
+                          <a:r>
+                            <a:rPr lang="ru-RU" sz="1200" kern="1200">
+                              <a:solidFill>
+                                <a:schemeClr val="dk1"/>
+                              </a:solidFill>
+                              <a:effectLst/>
+                              <a:latin typeface="+mn-lt"/>
+                              <a:ea typeface="+mn-ea"/>
+                              <a:cs typeface="+mn-cs"/>
+                            </a:rPr>
+                            <a:t>3</a:t>
+                          </a:r>
+                        </a:p>
+                      </a:txBody>
+                      <a:tcPr marL="73025" marR="73025" marT="0" marB="0" anchor="ctr"/>
+                    </a:tc>
+                    <a:tc>
+                      <a:txBody>
+                        <a:bodyPr/>
+                        <a:lstStyle/>
+                        <a:p>
+                          <a:pPr marL="0" indent="8255" algn="ctr" defTabSz="914400" rtl="0" eaLnBrk="1" latinLnBrk="0" hangingPunct="1">
+                            <a:lnSpc>
+                              <a:spcPct val="150000"/>
+                            </a:lnSpc>
+                            <a:spcAft>
+                              <a:spcPts val="0"/>
+                            </a:spcAft>
+                          </a:pPr>
+                          <a:r>
+                            <a:rPr lang="ru-RU" sz="1200" kern="1200">
+                              <a:solidFill>
+                                <a:schemeClr val="dk1"/>
+                              </a:solidFill>
+                              <a:effectLst/>
+                              <a:latin typeface="+mn-lt"/>
+                              <a:ea typeface="+mn-ea"/>
+                              <a:cs typeface="+mn-cs"/>
+                            </a:rPr>
+                            <a:t>4</a:t>
+                          </a:r>
+                        </a:p>
+                      </a:txBody>
+                      <a:tcPr marL="73025" marR="73025" marT="0" marB="0" anchor="ctr"/>
+                    </a:tc>
+                    <a:tc>
+                      <a:txBody>
+                        <a:bodyPr/>
+                        <a:lstStyle/>
+                        <a:p>
+                          <a:pPr marL="0" indent="8255" algn="ctr" defTabSz="914400" rtl="0" eaLnBrk="1" latinLnBrk="0" hangingPunct="1">
+                            <a:lnSpc>
+                              <a:spcPct val="150000"/>
+                            </a:lnSpc>
+                            <a:spcAft>
+                              <a:spcPts val="0"/>
+                            </a:spcAft>
+                          </a:pPr>
+                          <a:r>
+                            <a:rPr lang="ru-RU" sz="1200" kern="1200">
+                              <a:solidFill>
+                                <a:schemeClr val="dk1"/>
+                              </a:solidFill>
+                              <a:effectLst/>
+                              <a:latin typeface="+mn-lt"/>
+                              <a:ea typeface="+mn-ea"/>
+                              <a:cs typeface="+mn-cs"/>
+                            </a:rPr>
+                            <a:t>1</a:t>
+                          </a:r>
+                        </a:p>
+                      </a:txBody>
+                      <a:tcPr marL="73025" marR="73025" marT="0" marB="0" anchor="ctr"/>
+                    </a:tc>
+                    <a:tc>
+                      <a:txBody>
+                        <a:bodyPr/>
+                        <a:lstStyle/>
+                        <a:p>
+                          <a:pPr marL="0" indent="8255" algn="ctr" defTabSz="914400" rtl="0" eaLnBrk="1" latinLnBrk="0" hangingPunct="1">
+                            <a:lnSpc>
+                              <a:spcPct val="150000"/>
+                            </a:lnSpc>
+                            <a:spcAft>
+                              <a:spcPts val="0"/>
+                            </a:spcAft>
+                          </a:pPr>
+                          <a:r>
+                            <a:rPr lang="ru-RU" sz="1200" kern="1200" dirty="0">
+                              <a:solidFill>
+                                <a:schemeClr val="dk1"/>
+                              </a:solidFill>
+                              <a:effectLst/>
+                              <a:latin typeface="+mn-lt"/>
+                              <a:ea typeface="+mn-ea"/>
+                              <a:cs typeface="+mn-cs"/>
+                            </a:rPr>
+                            <a:t>5</a:t>
+                          </a:r>
+                        </a:p>
+                      </a:txBody>
+                      <a:tcPr marL="9525" marR="9525" marT="9525" marB="9525" anchor="ctr"/>
+                    </a:tc>
+                    <a:tc>
+                      <a:txBody>
+                        <a:bodyPr/>
+                        <a:lstStyle/>
+                        <a:p>
+                          <a:pPr marL="0" indent="8255" algn="ctr" defTabSz="914400" rtl="0" eaLnBrk="1" latinLnBrk="0" hangingPunct="1">
+                            <a:lnSpc>
+                              <a:spcPct val="150000"/>
+                            </a:lnSpc>
+                            <a:spcAft>
+                              <a:spcPts val="0"/>
+                            </a:spcAft>
+                          </a:pPr>
+                          <a:r>
+                            <a:rPr lang="ru-RU" sz="1200" kern="1200" dirty="0">
+                              <a:solidFill>
+                                <a:schemeClr val="dk1"/>
+                              </a:solidFill>
+                              <a:effectLst/>
+                              <a:latin typeface="+mn-lt"/>
+                              <a:ea typeface="+mn-ea"/>
+                              <a:cs typeface="+mn-cs"/>
+                            </a:rPr>
+                            <a:t>2</a:t>
+                          </a:r>
+                        </a:p>
+                      </a:txBody>
+                      <a:tcPr marL="9525" marR="9525" marT="9525" marB="9525" anchor="ctr"/>
+                    </a:tc>
+                    <a:tc>
+                      <a:txBody>
+                        <a:bodyPr/>
+                        <a:lstStyle/>
+                        <a:p>
+                          <a:pPr marL="0" indent="8255" algn="ctr" defTabSz="914400" rtl="0" eaLnBrk="1" latinLnBrk="0" hangingPunct="1">
+                            <a:lnSpc>
+                              <a:spcPct val="150000"/>
+                            </a:lnSpc>
+                            <a:spcAft>
+                              <a:spcPts val="0"/>
+                            </a:spcAft>
+                          </a:pPr>
+                          <a:r>
+                            <a:rPr lang="ru-RU" sz="1200" kern="1200">
+                              <a:solidFill>
+                                <a:schemeClr val="dk1"/>
+                              </a:solidFill>
+                              <a:effectLst/>
+                              <a:latin typeface="+mn-lt"/>
+                              <a:ea typeface="+mn-ea"/>
+                              <a:cs typeface="+mn-cs"/>
+                            </a:rPr>
+                            <a:t>6</a:t>
+                          </a:r>
+                        </a:p>
+                      </a:txBody>
+                      <a:tcPr marL="9525" marR="9525" marT="9525" marB="9525" anchor="ctr"/>
+                    </a:tc>
+                    <a:tc>
+                      <a:txBody>
+                        <a:bodyPr/>
+                        <a:lstStyle/>
+                        <a:p>
+                          <a:pPr marL="0" indent="8255" algn="ctr" defTabSz="914400" rtl="0" eaLnBrk="1" latinLnBrk="0" hangingPunct="1">
+                            <a:lnSpc>
+                              <a:spcPct val="150000"/>
+                            </a:lnSpc>
+                            <a:spcAft>
+                              <a:spcPts val="0"/>
+                            </a:spcAft>
+                          </a:pPr>
+                          <a:r>
+                            <a:rPr lang="ru-RU" sz="1200" kern="1200">
+                              <a:solidFill>
+                                <a:schemeClr val="dk1"/>
+                              </a:solidFill>
+                              <a:effectLst/>
+                              <a:latin typeface="+mn-lt"/>
+                              <a:ea typeface="+mn-ea"/>
+                              <a:cs typeface="+mn-cs"/>
+                            </a:rPr>
+                            <a:t>21</a:t>
+                          </a:r>
+                        </a:p>
+                      </a:txBody>
+                      <a:tcPr marL="9525" marR="9525" marT="9525" marB="9525" anchor="ctr"/>
+                    </a:tc>
+                    <a:extLst>
+                      <a:ext uri="{0D108BD9-81ED-4DB2-BD59-A6C34878D82A}">
+                        <a16:rowId xmlns:a16="http://schemas.microsoft.com/office/drawing/2014/main" val="1456016647"/>
+                      </a:ext>
+                    </a:extLst>
+                  </a:tr>
+                  <a:tr h="276704">
+                    <a:tc>
+                      <a:txBody>
+                        <a:bodyPr/>
+                        <a:lstStyle/>
+                        <a:p>
+                          <a:pPr indent="8255" algn="ctr">
+                            <a:lnSpc>
+                              <a:spcPct val="150000"/>
+                            </a:lnSpc>
+                            <a:spcAft>
+                              <a:spcPts val="0"/>
+                            </a:spcAft>
+                          </a:pPr>
+                          <a:r>
+                            <a:rPr lang="ru-RU" sz="1200">
+                              <a:effectLst/>
+                            </a:rPr>
+                            <a:t>Эксперт 8</a:t>
+                          </a:r>
+                          <a:endParaRPr lang="ru-RU" sz="1000">
+                            <a:effectLst/>
+                            <a:latin typeface="Calibri" panose="020F0502020204030204" pitchFamily="34" charset="0"/>
+                            <a:ea typeface="Calibri" panose="020F0502020204030204" pitchFamily="34" charset="0"/>
+                            <a:cs typeface="Times New Roman" panose="02020603050405020304" pitchFamily="18" charset="0"/>
+                          </a:endParaRPr>
+                        </a:p>
+                      </a:txBody>
+                      <a:tcPr marL="63272" marR="63272" marT="0" marB="0" anchor="ctr"/>
+                    </a:tc>
+                    <a:tc>
+                      <a:txBody>
+                        <a:bodyPr/>
+                        <a:lstStyle/>
+                        <a:p>
+                          <a:pPr marL="0" indent="8255" algn="ctr" defTabSz="914400" rtl="0" eaLnBrk="1" latinLnBrk="0" hangingPunct="1">
+                            <a:lnSpc>
+                              <a:spcPct val="150000"/>
+                            </a:lnSpc>
+                            <a:spcAft>
+                              <a:spcPts val="0"/>
+                            </a:spcAft>
+                          </a:pPr>
+                          <a:r>
+                            <a:rPr lang="ru-RU" sz="1200" kern="1200">
+                              <a:solidFill>
+                                <a:schemeClr val="dk1"/>
+                              </a:solidFill>
+                              <a:effectLst/>
+                              <a:latin typeface="+mn-lt"/>
+                              <a:ea typeface="+mn-ea"/>
+                              <a:cs typeface="+mn-cs"/>
+                            </a:rPr>
+                            <a:t>1</a:t>
+                          </a:r>
+                        </a:p>
+                      </a:txBody>
+                      <a:tcPr marL="73025" marR="73025" marT="0" marB="0" anchor="ctr"/>
+                    </a:tc>
+                    <a:tc>
+                      <a:txBody>
+                        <a:bodyPr/>
+                        <a:lstStyle/>
+                        <a:p>
+                          <a:pPr marL="0" indent="8255" algn="ctr" defTabSz="914400" rtl="0" eaLnBrk="1" latinLnBrk="0" hangingPunct="1">
+                            <a:lnSpc>
+                              <a:spcPct val="150000"/>
+                            </a:lnSpc>
+                            <a:spcAft>
+                              <a:spcPts val="0"/>
+                            </a:spcAft>
+                          </a:pPr>
+                          <a:r>
+                            <a:rPr lang="ru-RU" sz="1200" kern="1200">
+                              <a:solidFill>
+                                <a:schemeClr val="dk1"/>
+                              </a:solidFill>
+                              <a:effectLst/>
+                              <a:latin typeface="+mn-lt"/>
+                              <a:ea typeface="+mn-ea"/>
+                              <a:cs typeface="+mn-cs"/>
+                            </a:rPr>
+                            <a:t>5</a:t>
+                          </a:r>
+                        </a:p>
+                      </a:txBody>
+                      <a:tcPr marL="73025" marR="73025" marT="0" marB="0" anchor="ctr"/>
+                    </a:tc>
+                    <a:tc>
+                      <a:txBody>
+                        <a:bodyPr/>
+                        <a:lstStyle/>
+                        <a:p>
+                          <a:pPr marL="0" indent="8255" algn="ctr" defTabSz="914400" rtl="0" eaLnBrk="1" latinLnBrk="0" hangingPunct="1">
+                            <a:lnSpc>
+                              <a:spcPct val="150000"/>
+                            </a:lnSpc>
+                            <a:spcAft>
+                              <a:spcPts val="0"/>
+                            </a:spcAft>
+                          </a:pPr>
+                          <a:r>
+                            <a:rPr lang="ru-RU" sz="1200" kern="1200">
+                              <a:solidFill>
+                                <a:schemeClr val="dk1"/>
+                              </a:solidFill>
+                              <a:effectLst/>
+                              <a:latin typeface="+mn-lt"/>
+                              <a:ea typeface="+mn-ea"/>
+                              <a:cs typeface="+mn-cs"/>
+                            </a:rPr>
+                            <a:t>2</a:t>
+                          </a:r>
+                        </a:p>
+                      </a:txBody>
+                      <a:tcPr marL="73025" marR="73025" marT="0" marB="0" anchor="ctr"/>
+                    </a:tc>
+                    <a:tc>
+                      <a:txBody>
+                        <a:bodyPr/>
+                        <a:lstStyle/>
+                        <a:p>
+                          <a:pPr marL="0" indent="8255" algn="ctr" defTabSz="914400" rtl="0" eaLnBrk="1" latinLnBrk="0" hangingPunct="1">
+                            <a:lnSpc>
+                              <a:spcPct val="150000"/>
+                            </a:lnSpc>
+                            <a:spcAft>
+                              <a:spcPts val="0"/>
+                            </a:spcAft>
+                          </a:pPr>
+                          <a:r>
+                            <a:rPr lang="ru-RU" sz="1200" kern="1200">
+                              <a:solidFill>
+                                <a:schemeClr val="dk1"/>
+                              </a:solidFill>
+                              <a:effectLst/>
+                              <a:latin typeface="+mn-lt"/>
+                              <a:ea typeface="+mn-ea"/>
+                              <a:cs typeface="+mn-cs"/>
+                            </a:rPr>
+                            <a:t>6</a:t>
+                          </a:r>
+                        </a:p>
+                      </a:txBody>
+                      <a:tcPr marL="9525" marR="9525" marT="9525" marB="9525" anchor="ctr"/>
+                    </a:tc>
+                    <a:tc>
+                      <a:txBody>
+                        <a:bodyPr/>
+                        <a:lstStyle/>
+                        <a:p>
+                          <a:pPr marL="0" indent="8255" algn="ctr" defTabSz="914400" rtl="0" eaLnBrk="1" latinLnBrk="0" hangingPunct="1">
+                            <a:lnSpc>
+                              <a:spcPct val="150000"/>
+                            </a:lnSpc>
+                            <a:spcAft>
+                              <a:spcPts val="0"/>
+                            </a:spcAft>
+                          </a:pPr>
+                          <a:r>
+                            <a:rPr lang="ru-RU" sz="1200" kern="1200" dirty="0">
+                              <a:solidFill>
+                                <a:schemeClr val="dk1"/>
+                              </a:solidFill>
+                              <a:effectLst/>
+                              <a:latin typeface="+mn-lt"/>
+                              <a:ea typeface="+mn-ea"/>
+                              <a:cs typeface="+mn-cs"/>
+                            </a:rPr>
+                            <a:t>3</a:t>
+                          </a:r>
+                        </a:p>
+                      </a:txBody>
+                      <a:tcPr marL="9525" marR="9525" marT="9525" marB="9525" anchor="ctr"/>
+                    </a:tc>
+                    <a:tc>
+                      <a:txBody>
+                        <a:bodyPr/>
+                        <a:lstStyle/>
+                        <a:p>
+                          <a:pPr marL="0" indent="8255" algn="ctr" defTabSz="914400" rtl="0" eaLnBrk="1" latinLnBrk="0" hangingPunct="1">
+                            <a:lnSpc>
+                              <a:spcPct val="150000"/>
+                            </a:lnSpc>
+                            <a:spcAft>
+                              <a:spcPts val="0"/>
+                            </a:spcAft>
+                          </a:pPr>
+                          <a:r>
+                            <a:rPr lang="ru-RU" sz="1200" kern="1200">
+                              <a:solidFill>
+                                <a:schemeClr val="dk1"/>
+                              </a:solidFill>
+                              <a:effectLst/>
+                              <a:latin typeface="+mn-lt"/>
+                              <a:ea typeface="+mn-ea"/>
+                              <a:cs typeface="+mn-cs"/>
+                            </a:rPr>
+                            <a:t>4</a:t>
+                          </a:r>
+                        </a:p>
+                      </a:txBody>
+                      <a:tcPr marL="9525" marR="9525" marT="9525" marB="9525" anchor="ctr"/>
+                    </a:tc>
+                    <a:tc>
+                      <a:txBody>
+                        <a:bodyPr/>
+                        <a:lstStyle/>
+                        <a:p>
+                          <a:pPr marL="0" indent="8255" algn="ctr" defTabSz="914400" rtl="0" eaLnBrk="1" latinLnBrk="0" hangingPunct="1">
+                            <a:lnSpc>
+                              <a:spcPct val="150000"/>
+                            </a:lnSpc>
+                            <a:spcAft>
+                              <a:spcPts val="0"/>
+                            </a:spcAft>
+                          </a:pPr>
+                          <a:r>
+                            <a:rPr lang="ru-RU" sz="1200" kern="1200">
+                              <a:solidFill>
+                                <a:schemeClr val="dk1"/>
+                              </a:solidFill>
+                              <a:effectLst/>
+                              <a:latin typeface="+mn-lt"/>
+                              <a:ea typeface="+mn-ea"/>
+                              <a:cs typeface="+mn-cs"/>
+                            </a:rPr>
+                            <a:t>21</a:t>
+                          </a:r>
+                        </a:p>
+                      </a:txBody>
+                      <a:tcPr marL="9525" marR="9525" marT="9525" marB="9525" anchor="ctr"/>
+                    </a:tc>
+                    <a:extLst>
+                      <a:ext uri="{0D108BD9-81ED-4DB2-BD59-A6C34878D82A}">
+                        <a16:rowId xmlns:a16="http://schemas.microsoft.com/office/drawing/2014/main" val="232042718"/>
+                      </a:ext>
+                    </a:extLst>
+                  </a:tr>
+                  <a:tr h="276704">
+                    <a:tc>
+                      <a:txBody>
+                        <a:bodyPr/>
+                        <a:lstStyle/>
+                        <a:p>
+                          <a:pPr indent="8255" algn="ctr">
+                            <a:lnSpc>
+                              <a:spcPct val="150000"/>
+                            </a:lnSpc>
+                            <a:spcAft>
+                              <a:spcPts val="0"/>
+                            </a:spcAft>
+                          </a:pPr>
+                          <a:r>
+                            <a:rPr lang="ru-RU" sz="1200">
+                              <a:effectLst/>
+                            </a:rPr>
+                            <a:t>Эксперт 9</a:t>
+                          </a:r>
+                          <a:endParaRPr lang="ru-RU" sz="1000">
+                            <a:effectLst/>
+                            <a:latin typeface="Calibri" panose="020F0502020204030204" pitchFamily="34" charset="0"/>
+                            <a:ea typeface="Calibri" panose="020F0502020204030204" pitchFamily="34" charset="0"/>
+                            <a:cs typeface="Times New Roman" panose="02020603050405020304" pitchFamily="18" charset="0"/>
+                          </a:endParaRPr>
+                        </a:p>
+                      </a:txBody>
+                      <a:tcPr marL="63272" marR="63272" marT="0" marB="0" anchor="ctr"/>
+                    </a:tc>
+                    <a:tc>
+                      <a:txBody>
+                        <a:bodyPr/>
+                        <a:lstStyle/>
+                        <a:p>
+                          <a:pPr marL="0" indent="8255" algn="ctr" defTabSz="914400" rtl="0" eaLnBrk="1" latinLnBrk="0" hangingPunct="1">
+                            <a:lnSpc>
+                              <a:spcPct val="150000"/>
+                            </a:lnSpc>
+                            <a:spcAft>
+                              <a:spcPts val="0"/>
+                            </a:spcAft>
+                          </a:pPr>
+                          <a:r>
+                            <a:rPr lang="ru-RU" sz="1200" kern="1200">
+                              <a:solidFill>
+                                <a:schemeClr val="dk1"/>
+                              </a:solidFill>
+                              <a:effectLst/>
+                              <a:latin typeface="+mn-lt"/>
+                              <a:ea typeface="+mn-ea"/>
+                              <a:cs typeface="+mn-cs"/>
+                            </a:rPr>
+                            <a:t>2</a:t>
+                          </a:r>
+                        </a:p>
+                      </a:txBody>
+                      <a:tcPr marL="73025" marR="73025" marT="0" marB="0" anchor="ctr"/>
+                    </a:tc>
+                    <a:tc>
+                      <a:txBody>
+                        <a:bodyPr/>
+                        <a:lstStyle/>
+                        <a:p>
+                          <a:pPr marL="0" indent="8255" algn="ctr" defTabSz="914400" rtl="0" eaLnBrk="1" latinLnBrk="0" hangingPunct="1">
+                            <a:lnSpc>
+                              <a:spcPct val="150000"/>
+                            </a:lnSpc>
+                            <a:spcAft>
+                              <a:spcPts val="0"/>
+                            </a:spcAft>
+                          </a:pPr>
+                          <a:r>
+                            <a:rPr lang="ru-RU" sz="1200" kern="1200">
+                              <a:solidFill>
+                                <a:schemeClr val="dk1"/>
+                              </a:solidFill>
+                              <a:effectLst/>
+                              <a:latin typeface="+mn-lt"/>
+                              <a:ea typeface="+mn-ea"/>
+                              <a:cs typeface="+mn-cs"/>
+                            </a:rPr>
+                            <a:t>3</a:t>
+                          </a:r>
+                        </a:p>
+                      </a:txBody>
+                      <a:tcPr marL="73025" marR="73025" marT="0" marB="0" anchor="ctr"/>
+                    </a:tc>
+                    <a:tc>
+                      <a:txBody>
+                        <a:bodyPr/>
+                        <a:lstStyle/>
+                        <a:p>
+                          <a:pPr marL="0" indent="8255" algn="ctr" defTabSz="914400" rtl="0" eaLnBrk="1" latinLnBrk="0" hangingPunct="1">
+                            <a:lnSpc>
+                              <a:spcPct val="150000"/>
+                            </a:lnSpc>
+                            <a:spcAft>
+                              <a:spcPts val="0"/>
+                            </a:spcAft>
+                          </a:pPr>
+                          <a:r>
+                            <a:rPr lang="ru-RU" sz="1200" kern="1200">
+                              <a:solidFill>
+                                <a:schemeClr val="dk1"/>
+                              </a:solidFill>
+                              <a:effectLst/>
+                              <a:latin typeface="+mn-lt"/>
+                              <a:ea typeface="+mn-ea"/>
+                              <a:cs typeface="+mn-cs"/>
+                            </a:rPr>
+                            <a:t>1</a:t>
+                          </a:r>
+                        </a:p>
+                      </a:txBody>
+                      <a:tcPr marL="73025" marR="73025" marT="0" marB="0" anchor="ctr"/>
+                    </a:tc>
+                    <a:tc>
+                      <a:txBody>
+                        <a:bodyPr/>
+                        <a:lstStyle/>
+                        <a:p>
+                          <a:pPr marL="0" indent="8255" algn="ctr" defTabSz="914400" rtl="0" eaLnBrk="1" latinLnBrk="0" hangingPunct="1">
+                            <a:lnSpc>
+                              <a:spcPct val="150000"/>
+                            </a:lnSpc>
+                            <a:spcAft>
+                              <a:spcPts val="0"/>
+                            </a:spcAft>
+                          </a:pPr>
+                          <a:r>
+                            <a:rPr lang="ru-RU" sz="1200" kern="1200">
+                              <a:solidFill>
+                                <a:schemeClr val="dk1"/>
+                              </a:solidFill>
+                              <a:effectLst/>
+                              <a:latin typeface="+mn-lt"/>
+                              <a:ea typeface="+mn-ea"/>
+                              <a:cs typeface="+mn-cs"/>
+                            </a:rPr>
+                            <a:t>4</a:t>
+                          </a:r>
+                        </a:p>
+                      </a:txBody>
+                      <a:tcPr marL="9525" marR="9525" marT="9525" marB="9525" anchor="ctr"/>
+                    </a:tc>
+                    <a:tc>
+                      <a:txBody>
+                        <a:bodyPr/>
+                        <a:lstStyle/>
+                        <a:p>
+                          <a:pPr marL="0" indent="8255" algn="ctr" defTabSz="914400" rtl="0" eaLnBrk="1" latinLnBrk="0" hangingPunct="1">
+                            <a:lnSpc>
+                              <a:spcPct val="150000"/>
+                            </a:lnSpc>
+                            <a:spcAft>
+                              <a:spcPts val="0"/>
+                            </a:spcAft>
+                          </a:pPr>
+                          <a:r>
+                            <a:rPr lang="ru-RU" sz="1200" kern="1200" dirty="0">
+                              <a:solidFill>
+                                <a:schemeClr val="dk1"/>
+                              </a:solidFill>
+                              <a:effectLst/>
+                              <a:latin typeface="+mn-lt"/>
+                              <a:ea typeface="+mn-ea"/>
+                              <a:cs typeface="+mn-cs"/>
+                            </a:rPr>
+                            <a:t>6</a:t>
+                          </a:r>
+                        </a:p>
+                      </a:txBody>
+                      <a:tcPr marL="9525" marR="9525" marT="9525" marB="9525" anchor="ctr"/>
+                    </a:tc>
+                    <a:tc>
+                      <a:txBody>
+                        <a:bodyPr/>
+                        <a:lstStyle/>
+                        <a:p>
+                          <a:pPr marL="0" indent="8255" algn="ctr" defTabSz="914400" rtl="0" eaLnBrk="1" latinLnBrk="0" hangingPunct="1">
+                            <a:lnSpc>
+                              <a:spcPct val="150000"/>
+                            </a:lnSpc>
+                            <a:spcAft>
+                              <a:spcPts val="0"/>
+                            </a:spcAft>
+                          </a:pPr>
+                          <a:r>
+                            <a:rPr lang="ru-RU" sz="1200" kern="1200">
+                              <a:solidFill>
+                                <a:schemeClr val="dk1"/>
+                              </a:solidFill>
+                              <a:effectLst/>
+                              <a:latin typeface="+mn-lt"/>
+                              <a:ea typeface="+mn-ea"/>
+                              <a:cs typeface="+mn-cs"/>
+                            </a:rPr>
+                            <a:t>5</a:t>
+                          </a:r>
+                        </a:p>
+                      </a:txBody>
+                      <a:tcPr marL="9525" marR="9525" marT="9525" marB="9525" anchor="ctr"/>
+                    </a:tc>
+                    <a:tc>
+                      <a:txBody>
+                        <a:bodyPr/>
+                        <a:lstStyle/>
+                        <a:p>
+                          <a:pPr marL="0" indent="8255" algn="ctr" defTabSz="914400" rtl="0" eaLnBrk="1" latinLnBrk="0" hangingPunct="1">
+                            <a:lnSpc>
+                              <a:spcPct val="150000"/>
+                            </a:lnSpc>
+                            <a:spcAft>
+                              <a:spcPts val="0"/>
+                            </a:spcAft>
+                          </a:pPr>
+                          <a:r>
+                            <a:rPr lang="ru-RU" sz="1200" kern="1200">
+                              <a:solidFill>
+                                <a:schemeClr val="dk1"/>
+                              </a:solidFill>
+                              <a:effectLst/>
+                              <a:latin typeface="+mn-lt"/>
+                              <a:ea typeface="+mn-ea"/>
+                              <a:cs typeface="+mn-cs"/>
+                            </a:rPr>
+                            <a:t>21</a:t>
+                          </a:r>
+                        </a:p>
+                      </a:txBody>
+                      <a:tcPr marL="9525" marR="9525" marT="9525" marB="9525" anchor="ctr"/>
+                    </a:tc>
+                    <a:extLst>
+                      <a:ext uri="{0D108BD9-81ED-4DB2-BD59-A6C34878D82A}">
+                        <a16:rowId xmlns:a16="http://schemas.microsoft.com/office/drawing/2014/main" val="762658407"/>
+                      </a:ext>
+                    </a:extLst>
+                  </a:tr>
+                  <a:tr h="276704">
+                    <a:tc>
+                      <a:txBody>
+                        <a:bodyPr/>
+                        <a:lstStyle/>
+                        <a:p>
+                          <a:pPr indent="8255" algn="ctr">
+                            <a:lnSpc>
+                              <a:spcPct val="150000"/>
+                            </a:lnSpc>
+                            <a:spcAft>
+                              <a:spcPts val="0"/>
+                            </a:spcAft>
+                          </a:pPr>
+                          <a:r>
+                            <a:rPr lang="ru-RU" sz="1200">
+                              <a:effectLst/>
+                            </a:rPr>
+                            <a:t>Эксперт 10</a:t>
+                          </a:r>
+                          <a:endParaRPr lang="ru-RU" sz="1000">
+                            <a:effectLst/>
+                            <a:latin typeface="Calibri" panose="020F0502020204030204" pitchFamily="34" charset="0"/>
+                            <a:ea typeface="Calibri" panose="020F0502020204030204" pitchFamily="34" charset="0"/>
+                            <a:cs typeface="Times New Roman" panose="02020603050405020304" pitchFamily="18" charset="0"/>
+                          </a:endParaRPr>
+                        </a:p>
+                      </a:txBody>
+                      <a:tcPr marL="63272" marR="63272" marT="0" marB="0" anchor="ctr"/>
+                    </a:tc>
+                    <a:tc>
+                      <a:txBody>
+                        <a:bodyPr/>
+                        <a:lstStyle/>
+                        <a:p>
+                          <a:pPr marL="0" indent="8255" algn="ctr" defTabSz="914400" rtl="0" eaLnBrk="1" latinLnBrk="0" hangingPunct="1">
+                            <a:lnSpc>
+                              <a:spcPct val="150000"/>
+                            </a:lnSpc>
+                            <a:spcAft>
+                              <a:spcPts val="0"/>
+                            </a:spcAft>
+                          </a:pPr>
+                          <a:r>
+                            <a:rPr lang="ru-RU" sz="1200" kern="1200">
+                              <a:solidFill>
+                                <a:schemeClr val="dk1"/>
+                              </a:solidFill>
+                              <a:effectLst/>
+                              <a:latin typeface="+mn-lt"/>
+                              <a:ea typeface="+mn-ea"/>
+                              <a:cs typeface="+mn-cs"/>
+                            </a:rPr>
+                            <a:t>1,5</a:t>
+                          </a:r>
+                        </a:p>
+                      </a:txBody>
+                      <a:tcPr marL="73025" marR="73025" marT="0" marB="0" anchor="ctr"/>
+                    </a:tc>
+                    <a:tc>
+                      <a:txBody>
+                        <a:bodyPr/>
+                        <a:lstStyle/>
+                        <a:p>
+                          <a:pPr marL="0" indent="8255" algn="ctr" defTabSz="914400" rtl="0" eaLnBrk="1" latinLnBrk="0" hangingPunct="1">
+                            <a:lnSpc>
+                              <a:spcPct val="150000"/>
+                            </a:lnSpc>
+                            <a:spcAft>
+                              <a:spcPts val="0"/>
+                            </a:spcAft>
+                          </a:pPr>
+                          <a:r>
+                            <a:rPr lang="ru-RU" sz="1200" kern="1200">
+                              <a:solidFill>
+                                <a:schemeClr val="dk1"/>
+                              </a:solidFill>
+                              <a:effectLst/>
+                              <a:latin typeface="+mn-lt"/>
+                              <a:ea typeface="+mn-ea"/>
+                              <a:cs typeface="+mn-cs"/>
+                            </a:rPr>
+                            <a:t>3</a:t>
+                          </a:r>
+                        </a:p>
+                      </a:txBody>
+                      <a:tcPr marL="73025" marR="73025" marT="0" marB="0" anchor="ctr"/>
+                    </a:tc>
+                    <a:tc>
+                      <a:txBody>
+                        <a:bodyPr/>
+                        <a:lstStyle/>
+                        <a:p>
+                          <a:pPr marL="0" indent="8255" algn="ctr" defTabSz="914400" rtl="0" eaLnBrk="1" latinLnBrk="0" hangingPunct="1">
+                            <a:lnSpc>
+                              <a:spcPct val="150000"/>
+                            </a:lnSpc>
+                            <a:spcAft>
+                              <a:spcPts val="0"/>
+                            </a:spcAft>
+                          </a:pPr>
+                          <a:r>
+                            <a:rPr lang="ru-RU" sz="1200" kern="1200">
+                              <a:solidFill>
+                                <a:schemeClr val="dk1"/>
+                              </a:solidFill>
+                              <a:effectLst/>
+                              <a:latin typeface="+mn-lt"/>
+                              <a:ea typeface="+mn-ea"/>
+                              <a:cs typeface="+mn-cs"/>
+                            </a:rPr>
+                            <a:t>1,5</a:t>
+                          </a:r>
+                        </a:p>
+                      </a:txBody>
+                      <a:tcPr marL="73025" marR="73025" marT="0" marB="0" anchor="ctr"/>
+                    </a:tc>
+                    <a:tc>
+                      <a:txBody>
+                        <a:bodyPr/>
+                        <a:lstStyle/>
+                        <a:p>
+                          <a:pPr marL="0" indent="8255" algn="ctr" defTabSz="914400" rtl="0" eaLnBrk="1" latinLnBrk="0" hangingPunct="1">
+                            <a:lnSpc>
+                              <a:spcPct val="150000"/>
+                            </a:lnSpc>
+                            <a:spcAft>
+                              <a:spcPts val="0"/>
+                            </a:spcAft>
+                          </a:pPr>
+                          <a:r>
+                            <a:rPr lang="ru-RU" sz="1200" kern="1200">
+                              <a:solidFill>
+                                <a:schemeClr val="dk1"/>
+                              </a:solidFill>
+                              <a:effectLst/>
+                              <a:latin typeface="+mn-lt"/>
+                              <a:ea typeface="+mn-ea"/>
+                              <a:cs typeface="+mn-cs"/>
+                            </a:rPr>
+                            <a:t>5,5</a:t>
+                          </a:r>
+                        </a:p>
+                      </a:txBody>
+                      <a:tcPr marL="9525" marR="9525" marT="9525" marB="9525" anchor="ctr"/>
+                    </a:tc>
+                    <a:tc>
+                      <a:txBody>
+                        <a:bodyPr/>
+                        <a:lstStyle/>
+                        <a:p>
+                          <a:pPr marL="0" indent="8255" algn="ctr" defTabSz="914400" rtl="0" eaLnBrk="1" latinLnBrk="0" hangingPunct="1">
+                            <a:lnSpc>
+                              <a:spcPct val="150000"/>
+                            </a:lnSpc>
+                            <a:spcAft>
+                              <a:spcPts val="0"/>
+                            </a:spcAft>
+                          </a:pPr>
+                          <a:r>
+                            <a:rPr lang="ru-RU" sz="1200" kern="1200" dirty="0">
+                              <a:solidFill>
+                                <a:schemeClr val="dk1"/>
+                              </a:solidFill>
+                              <a:effectLst/>
+                              <a:latin typeface="+mn-lt"/>
+                              <a:ea typeface="+mn-ea"/>
+                              <a:cs typeface="+mn-cs"/>
+                            </a:rPr>
+                            <a:t>4</a:t>
+                          </a:r>
+                        </a:p>
+                      </a:txBody>
+                      <a:tcPr marL="9525" marR="9525" marT="9525" marB="9525" anchor="ctr"/>
+                    </a:tc>
+                    <a:tc>
+                      <a:txBody>
+                        <a:bodyPr/>
+                        <a:lstStyle/>
+                        <a:p>
+                          <a:pPr marL="0" indent="8255" algn="ctr" defTabSz="914400" rtl="0" eaLnBrk="1" latinLnBrk="0" hangingPunct="1">
+                            <a:lnSpc>
+                              <a:spcPct val="150000"/>
+                            </a:lnSpc>
+                            <a:spcAft>
+                              <a:spcPts val="0"/>
+                            </a:spcAft>
+                          </a:pPr>
+                          <a:r>
+                            <a:rPr lang="ru-RU" sz="1200" kern="1200" dirty="0">
+                              <a:solidFill>
+                                <a:schemeClr val="dk1"/>
+                              </a:solidFill>
+                              <a:effectLst/>
+                              <a:latin typeface="+mn-lt"/>
+                              <a:ea typeface="+mn-ea"/>
+                              <a:cs typeface="+mn-cs"/>
+                            </a:rPr>
+                            <a:t>5,5</a:t>
+                          </a:r>
+                        </a:p>
+                      </a:txBody>
+                      <a:tcPr marL="9525" marR="9525" marT="9525" marB="9525" anchor="ctr"/>
+                    </a:tc>
+                    <a:tc>
+                      <a:txBody>
+                        <a:bodyPr/>
+                        <a:lstStyle/>
+                        <a:p>
+                          <a:pPr marL="0" indent="8255" algn="ctr" defTabSz="914400" rtl="0" eaLnBrk="1" latinLnBrk="0" hangingPunct="1">
+                            <a:lnSpc>
+                              <a:spcPct val="150000"/>
+                            </a:lnSpc>
+                            <a:spcAft>
+                              <a:spcPts val="0"/>
+                            </a:spcAft>
+                          </a:pPr>
+                          <a:r>
+                            <a:rPr lang="ru-RU" sz="1200" kern="1200">
+                              <a:solidFill>
+                                <a:schemeClr val="dk1"/>
+                              </a:solidFill>
+                              <a:effectLst/>
+                              <a:latin typeface="+mn-lt"/>
+                              <a:ea typeface="+mn-ea"/>
+                              <a:cs typeface="+mn-cs"/>
+                            </a:rPr>
+                            <a:t>21</a:t>
+                          </a:r>
+                        </a:p>
+                      </a:txBody>
+                      <a:tcPr marL="9525" marR="9525" marT="9525" marB="9525" anchor="ctr"/>
+                    </a:tc>
+                    <a:extLst>
+                      <a:ext uri="{0D108BD9-81ED-4DB2-BD59-A6C34878D82A}">
+                        <a16:rowId xmlns:a16="http://schemas.microsoft.com/office/drawing/2014/main" val="2029796577"/>
+                      </a:ext>
+                    </a:extLst>
+                  </a:tr>
+                  <a:tr h="621734">
+                    <a:tc>
+                      <a:txBody>
+                        <a:bodyPr/>
+                        <a:lstStyle/>
+                        <a:p>
+                          <a:pPr indent="8255" algn="ctr">
+                            <a:lnSpc>
+                              <a:spcPct val="150000"/>
+                            </a:lnSpc>
+                            <a:spcAft>
+                              <a:spcPts val="0"/>
+                            </a:spcAft>
+                          </a:pPr>
+                          <a14:m>
+                            <m:oMathPara xmlns:m="http://schemas.openxmlformats.org/officeDocument/2006/math">
+                              <m:oMathParaPr>
+                                <m:jc m:val="centerGroup"/>
+                              </m:oMathParaPr>
+                              <m:oMath xmlns:m="http://schemas.openxmlformats.org/officeDocument/2006/math">
+                                <m:sSub>
+                                  <m:sSubPr>
+                                    <m:ctrlPr>
+                                      <a:rPr lang="ru-RU" sz="1000">
+                                        <a:effectLst/>
+                                      </a:rPr>
+                                    </m:ctrlPr>
+                                  </m:sSubPr>
+                                  <m:e>
+                                    <m:r>
+                                      <a:rPr lang="ru-RU" sz="1000">
+                                        <a:effectLst/>
+                                      </a:rPr>
+                                      <m:t>𝑿</m:t>
+                                    </m:r>
+                                  </m:e>
+                                  <m:sub>
+                                    <m:r>
+                                      <a:rPr lang="ru-RU" sz="1000">
+                                        <a:effectLst/>
+                                      </a:rPr>
+                                      <m:t>𝒋</m:t>
+                                    </m:r>
+                                  </m:sub>
+                                </m:sSub>
+                                <m:r>
+                                  <a:rPr lang="ru-RU" sz="1000">
+                                    <a:effectLst/>
+                                  </a:rPr>
+                                  <m:t>=</m:t>
+                                </m:r>
+                                <m:nary>
+                                  <m:naryPr>
+                                    <m:chr m:val="∑"/>
+                                    <m:limLoc m:val="undOvr"/>
+                                    <m:ctrlPr>
+                                      <a:rPr lang="ru-RU" sz="1000">
+                                        <a:effectLst/>
+                                      </a:rPr>
+                                    </m:ctrlPr>
+                                  </m:naryPr>
+                                  <m:sub>
+                                    <m:r>
+                                      <a:rPr lang="en-US" sz="1000">
+                                        <a:effectLst/>
+                                      </a:rPr>
+                                      <m:t>𝒊</m:t>
+                                    </m:r>
+                                    <m:r>
+                                      <a:rPr lang="ru-RU" sz="1000">
+                                        <a:effectLst/>
+                                      </a:rPr>
+                                      <m:t>=</m:t>
+                                    </m:r>
+                                    <m:r>
+                                      <a:rPr lang="ru-RU" sz="1000">
+                                        <a:effectLst/>
+                                      </a:rPr>
+                                      <m:t>𝟏</m:t>
+                                    </m:r>
+                                  </m:sub>
+                                  <m:sup>
+                                    <m:r>
+                                      <a:rPr lang="en-US" sz="1000">
+                                        <a:effectLst/>
+                                      </a:rPr>
+                                      <m:t>𝒎</m:t>
+                                    </m:r>
+                                  </m:sup>
+                                  <m:e>
+                                    <m:sSub>
+                                      <m:sSubPr>
+                                        <m:ctrlPr>
+                                          <a:rPr lang="ru-RU" sz="1000">
+                                            <a:effectLst/>
+                                          </a:rPr>
+                                        </m:ctrlPr>
+                                      </m:sSubPr>
+                                      <m:e>
+                                        <m:sSub>
+                                          <m:sSubPr>
+                                            <m:ctrlPr>
+                                              <a:rPr lang="ru-RU" sz="1000">
+                                                <a:effectLst/>
+                                              </a:rPr>
+                                            </m:ctrlPr>
+                                          </m:sSubPr>
+                                          <m:e>
+                                            <m:r>
+                                              <a:rPr lang="ru-RU" sz="1000">
+                                                <a:effectLst/>
+                                              </a:rPr>
+                                              <m:t>𝑿</m:t>
+                                            </m:r>
+                                          </m:e>
+                                          <m:sub>
+                                            <m:r>
+                                              <a:rPr lang="ru-RU" sz="1000">
+                                                <a:effectLst/>
+                                              </a:rPr>
+                                              <m:t>𝒊𝒋</m:t>
+                                            </m:r>
+                                          </m:sub>
+                                        </m:sSub>
+                                      </m:e>
+                                      <m:sub>
+                                        <m:r>
+                                          <a:rPr lang="ru-RU" sz="1000">
+                                            <a:effectLst/>
+                                          </a:rPr>
+                                          <m:t> </m:t>
+                                        </m:r>
+                                      </m:sub>
+                                    </m:sSub>
+                                  </m:e>
+                                </m:nary>
+                              </m:oMath>
+                            </m:oMathPara>
+                          </a14:m>
+                          <a:endParaRPr lang="ru-RU" sz="1000">
+                            <a:effectLst/>
+                            <a:latin typeface="Calibri" panose="020F0502020204030204" pitchFamily="34" charset="0"/>
+                            <a:ea typeface="Calibri" panose="020F0502020204030204" pitchFamily="34" charset="0"/>
+                            <a:cs typeface="Times New Roman" panose="02020603050405020304" pitchFamily="18" charset="0"/>
+                          </a:endParaRPr>
+                        </a:p>
+                      </a:txBody>
+                      <a:tcPr marL="63272" marR="63272" marT="0" marB="0" anchor="ctr"/>
+                    </a:tc>
+                    <a:tc>
+                      <a:txBody>
+                        <a:bodyPr/>
+                        <a:lstStyle/>
+                        <a:p>
+                          <a:pPr marL="0" indent="8255" algn="ctr" defTabSz="914400" rtl="0" eaLnBrk="1" latinLnBrk="0" hangingPunct="1">
+                            <a:lnSpc>
+                              <a:spcPct val="150000"/>
+                            </a:lnSpc>
+                            <a:spcAft>
+                              <a:spcPts val="0"/>
+                            </a:spcAft>
+                          </a:pPr>
+                          <a:r>
+                            <a:rPr lang="ru-RU" sz="1200" kern="1200">
+                              <a:solidFill>
+                                <a:schemeClr val="dk1"/>
+                              </a:solidFill>
+                              <a:effectLst/>
+                              <a:latin typeface="+mn-lt"/>
+                              <a:ea typeface="+mn-ea"/>
+                              <a:cs typeface="+mn-cs"/>
+                            </a:rPr>
+                            <a:t>15,5</a:t>
+                          </a:r>
+                        </a:p>
+                      </a:txBody>
+                      <a:tcPr marL="73025" marR="73025" marT="0" marB="0" anchor="ctr"/>
+                    </a:tc>
+                    <a:tc>
+                      <a:txBody>
+                        <a:bodyPr/>
+                        <a:lstStyle/>
+                        <a:p>
+                          <a:pPr marL="0" indent="8255" algn="ctr" defTabSz="914400" rtl="0" eaLnBrk="1" latinLnBrk="0" hangingPunct="1">
+                            <a:lnSpc>
+                              <a:spcPct val="150000"/>
+                            </a:lnSpc>
+                            <a:spcAft>
+                              <a:spcPts val="0"/>
+                            </a:spcAft>
+                          </a:pPr>
+                          <a:r>
+                            <a:rPr lang="ru-RU" sz="1200" kern="1200">
+                              <a:solidFill>
+                                <a:schemeClr val="dk1"/>
+                              </a:solidFill>
+                              <a:effectLst/>
+                              <a:latin typeface="+mn-lt"/>
+                              <a:ea typeface="+mn-ea"/>
+                              <a:cs typeface="+mn-cs"/>
+                            </a:rPr>
+                            <a:t>46</a:t>
+                          </a:r>
+                        </a:p>
+                      </a:txBody>
+                      <a:tcPr marL="73025" marR="73025" marT="0" marB="0" anchor="ctr"/>
+                    </a:tc>
+                    <a:tc>
+                      <a:txBody>
+                        <a:bodyPr/>
+                        <a:lstStyle/>
+                        <a:p>
+                          <a:pPr marL="0" indent="8255" algn="ctr" defTabSz="914400" rtl="0" eaLnBrk="1" latinLnBrk="0" hangingPunct="1">
+                            <a:lnSpc>
+                              <a:spcPct val="150000"/>
+                            </a:lnSpc>
+                            <a:spcAft>
+                              <a:spcPts val="0"/>
+                            </a:spcAft>
+                          </a:pPr>
+                          <a:r>
+                            <a:rPr lang="ru-RU" sz="1200" kern="1200">
+                              <a:solidFill>
+                                <a:schemeClr val="dk1"/>
+                              </a:solidFill>
+                              <a:effectLst/>
+                              <a:latin typeface="+mn-lt"/>
+                              <a:ea typeface="+mn-ea"/>
+                              <a:cs typeface="+mn-cs"/>
+                            </a:rPr>
+                            <a:t>16,5</a:t>
+                          </a:r>
+                        </a:p>
+                      </a:txBody>
+                      <a:tcPr marL="73025" marR="73025" marT="0" marB="0" anchor="ctr"/>
+                    </a:tc>
+                    <a:tc>
+                      <a:txBody>
+                        <a:bodyPr/>
+                        <a:lstStyle/>
+                        <a:p>
+                          <a:pPr marL="0" indent="8255" algn="ctr" defTabSz="914400" rtl="0" eaLnBrk="1" latinLnBrk="0" hangingPunct="1">
+                            <a:lnSpc>
+                              <a:spcPct val="150000"/>
+                            </a:lnSpc>
+                            <a:spcAft>
+                              <a:spcPts val="0"/>
+                            </a:spcAft>
+                          </a:pPr>
+                          <a:r>
+                            <a:rPr lang="ru-RU" sz="1200" kern="1200">
+                              <a:solidFill>
+                                <a:schemeClr val="dk1"/>
+                              </a:solidFill>
+                              <a:effectLst/>
+                              <a:latin typeface="+mn-lt"/>
+                              <a:ea typeface="+mn-ea"/>
+                              <a:cs typeface="+mn-cs"/>
+                            </a:rPr>
+                            <a:t>54,5</a:t>
+                          </a:r>
+                        </a:p>
+                      </a:txBody>
+                      <a:tcPr marL="9525" marR="9525" marT="9525" marB="9525" anchor="ctr"/>
+                    </a:tc>
+                    <a:tc>
+                      <a:txBody>
+                        <a:bodyPr/>
+                        <a:lstStyle/>
+                        <a:p>
+                          <a:pPr marL="0" indent="8255" algn="ctr" defTabSz="914400" rtl="0" eaLnBrk="1" latinLnBrk="0" hangingPunct="1">
+                            <a:lnSpc>
+                              <a:spcPct val="150000"/>
+                            </a:lnSpc>
+                            <a:spcAft>
+                              <a:spcPts val="0"/>
+                            </a:spcAft>
+                          </a:pPr>
+                          <a:r>
+                            <a:rPr lang="ru-RU" sz="1200" kern="1200">
+                              <a:solidFill>
+                                <a:schemeClr val="dk1"/>
+                              </a:solidFill>
+                              <a:effectLst/>
+                              <a:latin typeface="+mn-lt"/>
+                              <a:ea typeface="+mn-ea"/>
+                              <a:cs typeface="+mn-cs"/>
+                            </a:rPr>
+                            <a:t>38,5</a:t>
+                          </a:r>
+                        </a:p>
+                      </a:txBody>
+                      <a:tcPr marL="9525" marR="9525" marT="9525" marB="9525" anchor="ctr"/>
+                    </a:tc>
+                    <a:tc>
+                      <a:txBody>
+                        <a:bodyPr/>
+                        <a:lstStyle/>
+                        <a:p>
+                          <a:pPr marL="0" indent="8255" algn="ctr" defTabSz="914400" rtl="0" eaLnBrk="1" latinLnBrk="0" hangingPunct="1">
+                            <a:lnSpc>
+                              <a:spcPct val="150000"/>
+                            </a:lnSpc>
+                            <a:spcAft>
+                              <a:spcPts val="0"/>
+                            </a:spcAft>
+                          </a:pPr>
+                          <a:r>
+                            <a:rPr lang="ru-RU" sz="1200" kern="1200" dirty="0">
+                              <a:solidFill>
+                                <a:schemeClr val="dk1"/>
+                              </a:solidFill>
+                              <a:effectLst/>
+                              <a:latin typeface="+mn-lt"/>
+                              <a:ea typeface="+mn-ea"/>
+                              <a:cs typeface="+mn-cs"/>
+                            </a:rPr>
+                            <a:t>39</a:t>
+                          </a:r>
+                        </a:p>
+                      </a:txBody>
+                      <a:tcPr marL="9525" marR="9525" marT="9525" marB="9525" anchor="ctr"/>
+                    </a:tc>
+                    <a:tc>
+                      <a:txBody>
+                        <a:bodyPr/>
+                        <a:lstStyle/>
+                        <a:p>
+                          <a:pPr marL="0" indent="8255" algn="ctr" defTabSz="914400" rtl="0" eaLnBrk="1" latinLnBrk="0" hangingPunct="1">
+                            <a:lnSpc>
+                              <a:spcPct val="150000"/>
+                            </a:lnSpc>
+                            <a:spcAft>
+                              <a:spcPts val="0"/>
+                            </a:spcAft>
+                          </a:pPr>
+                          <a:r>
+                            <a:rPr lang="ru-RU" sz="1200" kern="1200" dirty="0">
+                              <a:solidFill>
+                                <a:schemeClr val="dk1"/>
+                              </a:solidFill>
+                              <a:effectLst/>
+                              <a:latin typeface="+mn-lt"/>
+                              <a:ea typeface="+mn-ea"/>
+                              <a:cs typeface="+mn-cs"/>
+                            </a:rPr>
+                            <a:t>210</a:t>
+                          </a:r>
+                        </a:p>
+                      </a:txBody>
+                      <a:tcPr marL="9525" marR="9525" marT="9525" marB="9525" anchor="ctr"/>
+                    </a:tc>
+                    <a:extLst>
+                      <a:ext uri="{0D108BD9-81ED-4DB2-BD59-A6C34878D82A}">
+                        <a16:rowId xmlns:a16="http://schemas.microsoft.com/office/drawing/2014/main" val="3303604921"/>
+                      </a:ext>
+                    </a:extLst>
+                  </a:tr>
+                  <a:tr h="433034">
+                    <a:tc>
+                      <a:txBody>
+                        <a:bodyPr/>
+                        <a:lstStyle/>
+                        <a:p>
+                          <a:pPr indent="8255" algn="ctr">
+                            <a:lnSpc>
+                              <a:spcPct val="150000"/>
+                            </a:lnSpc>
+                            <a:spcAft>
+                              <a:spcPts val="0"/>
+                            </a:spcAft>
+                          </a:pPr>
+                          <a14:m>
+                            <m:oMathPara xmlns:m="http://schemas.openxmlformats.org/officeDocument/2006/math">
+                              <m:oMathParaPr>
+                                <m:jc m:val="centerGroup"/>
+                              </m:oMathParaPr>
+                              <m:oMath xmlns:m="http://schemas.openxmlformats.org/officeDocument/2006/math">
+                                <m:sSubSup>
+                                  <m:sSubSupPr>
+                                    <m:ctrlPr>
+                                      <a:rPr lang="ru-RU" sz="1000">
+                                        <a:effectLst/>
+                                      </a:rPr>
+                                    </m:ctrlPr>
+                                  </m:sSubSupPr>
+                                  <m:e>
+                                    <m:r>
+                                      <a:rPr lang="ru-RU" sz="1000">
+                                        <a:effectLst/>
+                                      </a:rPr>
+                                      <m:t>𝒅</m:t>
+                                    </m:r>
+                                  </m:e>
+                                  <m:sub>
+                                    <m:r>
+                                      <a:rPr lang="ru-RU" sz="1000">
+                                        <a:effectLst/>
+                                      </a:rPr>
+                                      <m:t>𝒋</m:t>
+                                    </m:r>
+                                  </m:sub>
+                                  <m:sup>
+                                    <m:r>
+                                      <a:rPr lang="ru-RU" sz="1000">
+                                        <a:effectLst/>
+                                      </a:rPr>
+                                      <m:t>𝟐</m:t>
+                                    </m:r>
+                                  </m:sup>
+                                </m:sSubSup>
+                                <m:r>
+                                  <a:rPr lang="ru-RU" sz="1000">
+                                    <a:effectLst/>
+                                  </a:rPr>
+                                  <m:t>=(</m:t>
+                                </m:r>
+                                <m:sSub>
+                                  <m:sSubPr>
+                                    <m:ctrlPr>
+                                      <a:rPr lang="ru-RU" sz="1000">
+                                        <a:effectLst/>
+                                      </a:rPr>
+                                    </m:ctrlPr>
+                                  </m:sSubPr>
+                                  <m:e>
+                                    <m:r>
+                                      <a:rPr lang="ru-RU" sz="1000">
+                                        <a:effectLst/>
+                                      </a:rPr>
+                                      <m:t>𝒙</m:t>
+                                    </m:r>
+                                  </m:e>
+                                  <m:sub>
+                                    <m:r>
+                                      <a:rPr lang="ru-RU" sz="1000">
+                                        <a:effectLst/>
+                                      </a:rPr>
+                                      <m:t>𝒊</m:t>
+                                    </m:r>
+                                  </m:sub>
+                                </m:sSub>
+                                <m:r>
+                                  <a:rPr lang="ru-RU" sz="1000">
+                                    <a:effectLst/>
+                                  </a:rPr>
+                                  <m:t>−</m:t>
+                                </m:r>
+                                <m:sSup>
+                                  <m:sSupPr>
+                                    <m:ctrlPr>
+                                      <a:rPr lang="ru-RU" sz="1000">
+                                        <a:effectLst/>
+                                      </a:rPr>
+                                    </m:ctrlPr>
+                                  </m:sSupPr>
+                                  <m:e>
+                                    <m:f>
+                                      <m:fPr>
+                                        <m:ctrlPr>
+                                          <a:rPr lang="ru-RU" sz="1000">
+                                            <a:effectLst/>
+                                          </a:rPr>
+                                        </m:ctrlPr>
+                                      </m:fPr>
+                                      <m:num>
+                                        <m:r>
+                                          <a:rPr lang="ru-RU" sz="1000">
+                                            <a:effectLst/>
+                                          </a:rPr>
+                                          <m:t>𝒎</m:t>
+                                        </m:r>
+                                        <m:r>
+                                          <a:rPr lang="ru-RU" sz="1000">
+                                            <a:effectLst/>
+                                          </a:rPr>
+                                          <m:t>∗(</m:t>
+                                        </m:r>
+                                        <m:r>
+                                          <a:rPr lang="ru-RU" sz="1000">
+                                            <a:effectLst/>
+                                          </a:rPr>
+                                          <m:t>𝒏</m:t>
+                                        </m:r>
+                                        <m:r>
+                                          <a:rPr lang="ru-RU" sz="1000">
+                                            <a:effectLst/>
+                                          </a:rPr>
+                                          <m:t>+</m:t>
+                                        </m:r>
+                                        <m:r>
+                                          <a:rPr lang="ru-RU" sz="1000">
+                                            <a:effectLst/>
+                                          </a:rPr>
+                                          <m:t>𝟏</m:t>
+                                        </m:r>
+                                        <m:r>
+                                          <a:rPr lang="ru-RU" sz="1000">
+                                            <a:effectLst/>
+                                          </a:rPr>
+                                          <m:t>)</m:t>
+                                        </m:r>
+                                      </m:num>
+                                      <m:den>
+                                        <m:r>
+                                          <a:rPr lang="ru-RU" sz="1000">
+                                            <a:effectLst/>
+                                          </a:rPr>
+                                          <m:t>𝟐</m:t>
+                                        </m:r>
+                                      </m:den>
+                                    </m:f>
+                                    <m:r>
+                                      <a:rPr lang="ru-RU" sz="1000">
+                                        <a:effectLst/>
+                                      </a:rPr>
+                                      <m:t>)</m:t>
+                                    </m:r>
+                                  </m:e>
+                                  <m:sup>
+                                    <m:r>
+                                      <a:rPr lang="ru-RU" sz="1000">
+                                        <a:effectLst/>
+                                      </a:rPr>
+                                      <m:t>𝟐</m:t>
+                                    </m:r>
+                                  </m:sup>
+                                </m:sSup>
+                              </m:oMath>
+                            </m:oMathPara>
+                          </a14:m>
+                          <a:endParaRPr lang="ru-RU" sz="1000" dirty="0">
+                            <a:effectLst/>
+                            <a:latin typeface="Calibri" panose="020F0502020204030204" pitchFamily="34" charset="0"/>
+                            <a:ea typeface="Calibri" panose="020F0502020204030204" pitchFamily="34" charset="0"/>
+                            <a:cs typeface="Times New Roman" panose="02020603050405020304" pitchFamily="18" charset="0"/>
+                          </a:endParaRPr>
+                        </a:p>
+                      </a:txBody>
+                      <a:tcPr marL="63272" marR="63272" marT="0" marB="0" anchor="ctr"/>
+                    </a:tc>
+                    <a:tc>
+                      <a:txBody>
+                        <a:bodyPr/>
+                        <a:lstStyle/>
+                        <a:p>
+                          <a:pPr marL="0" indent="8255" algn="ctr" defTabSz="914400" rtl="0" eaLnBrk="1" latinLnBrk="0" hangingPunct="1">
+                            <a:lnSpc>
+                              <a:spcPct val="150000"/>
+                            </a:lnSpc>
+                            <a:spcAft>
+                              <a:spcPts val="0"/>
+                            </a:spcAft>
+                          </a:pPr>
+                          <a:r>
+                            <a:rPr lang="ru-RU" sz="1200" kern="1200">
+                              <a:solidFill>
+                                <a:schemeClr val="dk1"/>
+                              </a:solidFill>
+                              <a:effectLst/>
+                              <a:latin typeface="+mn-lt"/>
+                              <a:ea typeface="+mn-ea"/>
+                              <a:cs typeface="+mn-cs"/>
+                            </a:rPr>
+                            <a:t>380,25</a:t>
+                          </a:r>
+                        </a:p>
+                      </a:txBody>
+                      <a:tcPr marL="73025" marR="73025" marT="0" marB="0" anchor="ctr"/>
+                    </a:tc>
+                    <a:tc>
+                      <a:txBody>
+                        <a:bodyPr/>
+                        <a:lstStyle/>
+                        <a:p>
+                          <a:pPr marL="0" indent="8255" algn="ctr" defTabSz="914400" rtl="0" eaLnBrk="1" latinLnBrk="0" hangingPunct="1">
+                            <a:lnSpc>
+                              <a:spcPct val="150000"/>
+                            </a:lnSpc>
+                            <a:spcAft>
+                              <a:spcPts val="0"/>
+                            </a:spcAft>
+                          </a:pPr>
+                          <a:r>
+                            <a:rPr lang="ru-RU" sz="1200" kern="1200">
+                              <a:solidFill>
+                                <a:schemeClr val="dk1"/>
+                              </a:solidFill>
+                              <a:effectLst/>
+                              <a:latin typeface="+mn-lt"/>
+                              <a:ea typeface="+mn-ea"/>
+                              <a:cs typeface="+mn-cs"/>
+                            </a:rPr>
+                            <a:t>121</a:t>
+                          </a:r>
+                        </a:p>
+                      </a:txBody>
+                      <a:tcPr marL="73025" marR="73025" marT="0" marB="0" anchor="ctr"/>
+                    </a:tc>
+                    <a:tc>
+                      <a:txBody>
+                        <a:bodyPr/>
+                        <a:lstStyle/>
+                        <a:p>
+                          <a:pPr marL="0" indent="8255" algn="ctr" defTabSz="914400" rtl="0" eaLnBrk="1" latinLnBrk="0" hangingPunct="1">
+                            <a:lnSpc>
+                              <a:spcPct val="150000"/>
+                            </a:lnSpc>
+                            <a:spcAft>
+                              <a:spcPts val="0"/>
+                            </a:spcAft>
+                          </a:pPr>
+                          <a:r>
+                            <a:rPr lang="ru-RU" sz="1200" kern="1200">
+                              <a:solidFill>
+                                <a:schemeClr val="dk1"/>
+                              </a:solidFill>
+                              <a:effectLst/>
+                              <a:latin typeface="+mn-lt"/>
+                              <a:ea typeface="+mn-ea"/>
+                              <a:cs typeface="+mn-cs"/>
+                            </a:rPr>
+                            <a:t>342,25</a:t>
+                          </a:r>
+                        </a:p>
+                      </a:txBody>
+                      <a:tcPr marL="73025" marR="73025" marT="0" marB="0" anchor="ctr"/>
+                    </a:tc>
+                    <a:tc>
+                      <a:txBody>
+                        <a:bodyPr/>
+                        <a:lstStyle/>
+                        <a:p>
+                          <a:pPr marL="0" indent="8255" algn="ctr" defTabSz="914400" rtl="0" eaLnBrk="1" latinLnBrk="0" hangingPunct="1">
+                            <a:lnSpc>
+                              <a:spcPct val="150000"/>
+                            </a:lnSpc>
+                            <a:spcAft>
+                              <a:spcPts val="0"/>
+                            </a:spcAft>
+                          </a:pPr>
+                          <a:r>
+                            <a:rPr lang="ru-RU" sz="1200" kern="1200">
+                              <a:solidFill>
+                                <a:schemeClr val="dk1"/>
+                              </a:solidFill>
+                              <a:effectLst/>
+                              <a:latin typeface="+mn-lt"/>
+                              <a:ea typeface="+mn-ea"/>
+                              <a:cs typeface="+mn-cs"/>
+                            </a:rPr>
+                            <a:t>380,25</a:t>
+                          </a:r>
+                        </a:p>
+                      </a:txBody>
+                      <a:tcPr marL="9525" marR="9525" marT="9525" marB="9525" anchor="ctr"/>
+                    </a:tc>
+                    <a:tc>
+                      <a:txBody>
+                        <a:bodyPr/>
+                        <a:lstStyle/>
+                        <a:p>
+                          <a:pPr marL="0" indent="8255" algn="ctr" defTabSz="914400" rtl="0" eaLnBrk="1" latinLnBrk="0" hangingPunct="1">
+                            <a:lnSpc>
+                              <a:spcPct val="150000"/>
+                            </a:lnSpc>
+                            <a:spcAft>
+                              <a:spcPts val="0"/>
+                            </a:spcAft>
+                          </a:pPr>
+                          <a:r>
+                            <a:rPr lang="ru-RU" sz="1200" kern="1200">
+                              <a:solidFill>
+                                <a:schemeClr val="dk1"/>
+                              </a:solidFill>
+                              <a:effectLst/>
+                              <a:latin typeface="+mn-lt"/>
+                              <a:ea typeface="+mn-ea"/>
+                              <a:cs typeface="+mn-cs"/>
+                            </a:rPr>
+                            <a:t>12,25</a:t>
+                          </a:r>
+                        </a:p>
+                      </a:txBody>
+                      <a:tcPr marL="9525" marR="9525" marT="9525" marB="9525" anchor="ctr"/>
+                    </a:tc>
+                    <a:tc>
+                      <a:txBody>
+                        <a:bodyPr/>
+                        <a:lstStyle/>
+                        <a:p>
+                          <a:pPr marL="0" indent="8255" algn="ctr" defTabSz="914400" rtl="0" eaLnBrk="1" latinLnBrk="0" hangingPunct="1">
+                            <a:lnSpc>
+                              <a:spcPct val="150000"/>
+                            </a:lnSpc>
+                            <a:spcAft>
+                              <a:spcPts val="0"/>
+                            </a:spcAft>
+                          </a:pPr>
+                          <a:r>
+                            <a:rPr lang="ru-RU" sz="1200" kern="1200">
+                              <a:solidFill>
+                                <a:schemeClr val="dk1"/>
+                              </a:solidFill>
+                              <a:effectLst/>
+                              <a:latin typeface="+mn-lt"/>
+                              <a:ea typeface="+mn-ea"/>
+                              <a:cs typeface="+mn-cs"/>
+                            </a:rPr>
+                            <a:t>16</a:t>
+                          </a:r>
+                        </a:p>
+                      </a:txBody>
+                      <a:tcPr marL="9525" marR="9525" marT="9525" marB="9525" anchor="ctr"/>
+                    </a:tc>
+                    <a:tc>
+                      <a:txBody>
+                        <a:bodyPr/>
+                        <a:lstStyle/>
+                        <a:p>
+                          <a:pPr marL="0" indent="8255" algn="ctr" defTabSz="914400" rtl="0" eaLnBrk="1" latinLnBrk="0" hangingPunct="1">
+                            <a:lnSpc>
+                              <a:spcPct val="150000"/>
+                            </a:lnSpc>
+                            <a:spcAft>
+                              <a:spcPts val="0"/>
+                            </a:spcAft>
+                          </a:pPr>
+                          <a:r>
+                            <a:rPr lang="ru-RU" sz="1200" kern="1200" dirty="0">
+                              <a:solidFill>
+                                <a:schemeClr val="dk1"/>
+                              </a:solidFill>
+                              <a:effectLst/>
+                              <a:latin typeface="+mn-lt"/>
+                              <a:ea typeface="+mn-ea"/>
+                              <a:cs typeface="+mn-cs"/>
+                            </a:rPr>
+                            <a:t>1252</a:t>
+                          </a:r>
+                        </a:p>
+                      </a:txBody>
+                      <a:tcPr marL="9525" marR="9525" marT="9525" marB="9525" anchor="ctr"/>
+                    </a:tc>
+                    <a:extLst>
+                      <a:ext uri="{0D108BD9-81ED-4DB2-BD59-A6C34878D82A}">
+                        <a16:rowId xmlns:a16="http://schemas.microsoft.com/office/drawing/2014/main" val="3855035645"/>
+                      </a:ext>
+                    </a:extLst>
+                  </a:tr>
+                </a:tbl>
+              </a:graphicData>
+            </a:graphic>
+          </p:graphicFrame>
+        </mc:Choice>
+        <mc:Fallback>
+          <p:graphicFrame>
+            <p:nvGraphicFramePr>
+              <p:cNvPr id="3" name="Таблица 2"/>
+              <p:cNvGraphicFramePr>
+                <a:graphicFrameLocks noGrp="1"/>
+              </p:cNvGraphicFramePr>
+              <p:nvPr>
+                <p:extLst>
+                  <p:ext uri="{D42A27DB-BD31-4B8C-83A1-F6EECF244321}">
+                    <p14:modId xmlns:p14="http://schemas.microsoft.com/office/powerpoint/2010/main" val="549248873"/>
+                  </p:ext>
+                </p:extLst>
+              </p:nvPr>
+            </p:nvGraphicFramePr>
+            <p:xfrm>
+              <a:off x="838200" y="1690688"/>
+              <a:ext cx="5899072" cy="4393940"/>
+            </p:xfrm>
+            <a:graphic>
+              <a:graphicData uri="http://schemas.openxmlformats.org/drawingml/2006/table">
+                <a:tbl>
+                  <a:tblPr firstRow="1" firstCol="1" bandRow="1">
+                    <a:tableStyleId>{5C22544A-7EE6-4342-B048-85BDC9FD1C3A}</a:tableStyleId>
+                  </a:tblPr>
+                  <a:tblGrid>
+                    <a:gridCol w="1574298">
+                      <a:extLst>
+                        <a:ext uri="{9D8B030D-6E8A-4147-A177-3AD203B41FA5}">
+                          <a16:colId xmlns:a16="http://schemas.microsoft.com/office/drawing/2014/main" val="1555396327"/>
+                        </a:ext>
+                      </a:extLst>
+                    </a:gridCol>
+                    <a:gridCol w="614809">
+                      <a:extLst>
+                        <a:ext uri="{9D8B030D-6E8A-4147-A177-3AD203B41FA5}">
+                          <a16:colId xmlns:a16="http://schemas.microsoft.com/office/drawing/2014/main" val="3675735117"/>
+                        </a:ext>
+                      </a:extLst>
+                    </a:gridCol>
+                    <a:gridCol w="614809">
+                      <a:extLst>
+                        <a:ext uri="{9D8B030D-6E8A-4147-A177-3AD203B41FA5}">
+                          <a16:colId xmlns:a16="http://schemas.microsoft.com/office/drawing/2014/main" val="2810000691"/>
+                        </a:ext>
+                      </a:extLst>
+                    </a:gridCol>
+                    <a:gridCol w="614809">
+                      <a:extLst>
+                        <a:ext uri="{9D8B030D-6E8A-4147-A177-3AD203B41FA5}">
+                          <a16:colId xmlns:a16="http://schemas.microsoft.com/office/drawing/2014/main" val="16326854"/>
+                        </a:ext>
+                      </a:extLst>
+                    </a:gridCol>
+                    <a:gridCol w="614809">
+                      <a:extLst>
+                        <a:ext uri="{9D8B030D-6E8A-4147-A177-3AD203B41FA5}">
+                          <a16:colId xmlns:a16="http://schemas.microsoft.com/office/drawing/2014/main" val="2558606110"/>
+                        </a:ext>
+                      </a:extLst>
+                    </a:gridCol>
+                    <a:gridCol w="614809">
+                      <a:extLst>
+                        <a:ext uri="{9D8B030D-6E8A-4147-A177-3AD203B41FA5}">
+                          <a16:colId xmlns:a16="http://schemas.microsoft.com/office/drawing/2014/main" val="3741257044"/>
+                        </a:ext>
+                      </a:extLst>
+                    </a:gridCol>
+                    <a:gridCol w="614809">
+                      <a:extLst>
+                        <a:ext uri="{9D8B030D-6E8A-4147-A177-3AD203B41FA5}">
+                          <a16:colId xmlns:a16="http://schemas.microsoft.com/office/drawing/2014/main" val="774578678"/>
+                        </a:ext>
+                      </a:extLst>
+                    </a:gridCol>
+                    <a:gridCol w="635920">
+                      <a:extLst>
+                        <a:ext uri="{9D8B030D-6E8A-4147-A177-3AD203B41FA5}">
+                          <a16:colId xmlns:a16="http://schemas.microsoft.com/office/drawing/2014/main" val="3308535111"/>
+                        </a:ext>
+                      </a:extLst>
+                    </a:gridCol>
+                  </a:tblGrid>
+                  <a:tr h="276704">
+                    <a:tc rowSpan="2">
+                      <a:txBody>
+                        <a:bodyPr/>
+                        <a:lstStyle/>
+                        <a:p>
+                          <a:pPr indent="8255" algn="ctr">
+                            <a:lnSpc>
+                              <a:spcPct val="150000"/>
+                            </a:lnSpc>
+                            <a:spcAft>
+                              <a:spcPts val="0"/>
+                            </a:spcAft>
+                          </a:pPr>
+                          <a:endParaRPr lang="ru-RU" sz="1000" dirty="0">
+                            <a:effectLst/>
+                            <a:latin typeface="Calibri" panose="020F0502020204030204" pitchFamily="34" charset="0"/>
+                            <a:ea typeface="Calibri" panose="020F0502020204030204" pitchFamily="34" charset="0"/>
+                            <a:cs typeface="Times New Roman" panose="02020603050405020304" pitchFamily="18" charset="0"/>
+                          </a:endParaRPr>
+                        </a:p>
+                      </a:txBody>
+                      <a:tcPr marL="63272" marR="63272" marT="0" marB="0" anchor="ctr"/>
+                    </a:tc>
+                    <a:tc gridSpan="6">
+                      <a:txBody>
+                        <a:bodyPr/>
+                        <a:lstStyle/>
+                        <a:p>
+                          <a:pPr indent="8255" algn="ctr">
+                            <a:lnSpc>
+                              <a:spcPct val="150000"/>
+                            </a:lnSpc>
+                            <a:spcAft>
+                              <a:spcPts val="0"/>
+                            </a:spcAft>
+                          </a:pPr>
+                          <a:r>
+                            <a:rPr lang="ru-RU" sz="1200">
+                              <a:effectLst/>
+                            </a:rPr>
+                            <a:t>№ критерия</a:t>
+                          </a:r>
+                          <a:endParaRPr lang="ru-RU" sz="1000">
+                            <a:effectLst/>
+                            <a:latin typeface="Calibri" panose="020F0502020204030204" pitchFamily="34" charset="0"/>
+                            <a:ea typeface="Calibri" panose="020F0502020204030204" pitchFamily="34" charset="0"/>
+                            <a:cs typeface="Times New Roman" panose="02020603050405020304" pitchFamily="18" charset="0"/>
+                          </a:endParaRPr>
+                        </a:p>
+                      </a:txBody>
+                      <a:tcPr marL="63272" marR="63272" marT="0" marB="0" anchor="ctr"/>
+                    </a:tc>
+                    <a:tc hMerge="1">
+                      <a:txBody>
+                        <a:bodyPr/>
+                        <a:lstStyle/>
+                        <a:p>
+                          <a:endParaRPr lang="ru-RU"/>
+                        </a:p>
+                      </a:txBody>
+                      <a:tcPr/>
+                    </a:tc>
+                    <a:tc hMerge="1">
+                      <a:txBody>
+                        <a:bodyPr/>
+                        <a:lstStyle/>
+                        <a:p>
+                          <a:endParaRPr lang="ru-RU"/>
+                        </a:p>
+                      </a:txBody>
+                      <a:tcPr/>
+                    </a:tc>
+                    <a:tc hMerge="1">
+                      <a:txBody>
+                        <a:bodyPr/>
+                        <a:lstStyle/>
+                        <a:p>
+                          <a:endParaRPr lang="ru-RU"/>
+                        </a:p>
+                      </a:txBody>
+                      <a:tcPr/>
+                    </a:tc>
+                    <a:tc hMerge="1">
+                      <a:txBody>
+                        <a:bodyPr/>
+                        <a:lstStyle/>
+                        <a:p>
+                          <a:endParaRPr lang="ru-RU"/>
+                        </a:p>
+                      </a:txBody>
+                      <a:tcPr/>
+                    </a:tc>
+                    <a:tc hMerge="1">
+                      <a:txBody>
+                        <a:bodyPr/>
+                        <a:lstStyle/>
+                        <a:p>
+                          <a:endParaRPr lang="ru-RU"/>
+                        </a:p>
+                      </a:txBody>
+                      <a:tcPr/>
+                    </a:tc>
+                    <a:tc rowSpan="2">
+                      <a:txBody>
+                        <a:bodyPr/>
+                        <a:lstStyle/>
+                        <a:p>
+                          <a:pPr indent="8255" algn="ctr">
+                            <a:lnSpc>
+                              <a:spcPct val="150000"/>
+                            </a:lnSpc>
+                            <a:spcAft>
+                              <a:spcPts val="0"/>
+                            </a:spcAft>
+                          </a:pPr>
+                          <a:r>
+                            <a:rPr lang="ru-RU" sz="1200">
+                              <a:effectLst/>
+                            </a:rPr>
+                            <a:t>Сумма</a:t>
+                          </a:r>
+                          <a:endParaRPr lang="ru-RU" sz="1000">
+                            <a:effectLst/>
+                            <a:latin typeface="Calibri" panose="020F0502020204030204" pitchFamily="34" charset="0"/>
+                            <a:ea typeface="Calibri" panose="020F0502020204030204" pitchFamily="34" charset="0"/>
+                            <a:cs typeface="Times New Roman" panose="02020603050405020304" pitchFamily="18" charset="0"/>
+                          </a:endParaRPr>
+                        </a:p>
+                      </a:txBody>
+                      <a:tcPr marL="8253" marR="8253" marT="8253" marB="8253" anchor="ctr"/>
+                    </a:tc>
+                    <a:extLst>
+                      <a:ext uri="{0D108BD9-81ED-4DB2-BD59-A6C34878D82A}">
+                        <a16:rowId xmlns:a16="http://schemas.microsoft.com/office/drawing/2014/main" val="424060753"/>
+                      </a:ext>
+                    </a:extLst>
+                  </a:tr>
+                  <a:tr h="293175">
+                    <a:tc vMerge="1">
+                      <a:txBody>
+                        <a:bodyPr/>
+                        <a:lstStyle/>
+                        <a:p>
+                          <a:endParaRPr lang="ru-RU"/>
+                        </a:p>
+                      </a:txBody>
+                      <a:tcPr/>
+                    </a:tc>
+                    <a:tc>
+                      <a:txBody>
+                        <a:bodyPr/>
+                        <a:lstStyle/>
+                        <a:p>
+                          <a:pPr indent="8255" algn="ctr">
+                            <a:lnSpc>
+                              <a:spcPct val="150000"/>
+                            </a:lnSpc>
+                            <a:spcAft>
+                              <a:spcPts val="0"/>
+                            </a:spcAft>
+                          </a:pPr>
+                          <a:r>
+                            <a:rPr lang="ru-RU" sz="1200" dirty="0">
+                              <a:effectLst/>
+                            </a:rPr>
+                            <a:t>1</a:t>
+                          </a:r>
+                          <a:endParaRPr lang="ru-RU" sz="1000" dirty="0">
+                            <a:effectLst/>
+                            <a:latin typeface="Calibri" panose="020F0502020204030204" pitchFamily="34" charset="0"/>
+                            <a:ea typeface="Calibri" panose="020F0502020204030204" pitchFamily="34" charset="0"/>
+                            <a:cs typeface="Times New Roman" panose="02020603050405020304" pitchFamily="18" charset="0"/>
+                          </a:endParaRPr>
+                        </a:p>
+                      </a:txBody>
+                      <a:tcPr marL="63272" marR="63272" marT="0" marB="0" anchor="ctr"/>
+                    </a:tc>
+                    <a:tc>
+                      <a:txBody>
+                        <a:bodyPr/>
+                        <a:lstStyle/>
+                        <a:p>
+                          <a:pPr indent="8255" algn="ctr">
+                            <a:lnSpc>
+                              <a:spcPct val="150000"/>
+                            </a:lnSpc>
+                            <a:spcAft>
+                              <a:spcPts val="0"/>
+                            </a:spcAft>
+                          </a:pPr>
+                          <a:r>
+                            <a:rPr lang="ru-RU" sz="1200">
+                              <a:effectLst/>
+                            </a:rPr>
+                            <a:t>2</a:t>
+                          </a:r>
+                          <a:endParaRPr lang="ru-RU" sz="1000">
+                            <a:effectLst/>
+                            <a:latin typeface="Calibri" panose="020F0502020204030204" pitchFamily="34" charset="0"/>
+                            <a:ea typeface="Calibri" panose="020F0502020204030204" pitchFamily="34" charset="0"/>
+                            <a:cs typeface="Times New Roman" panose="02020603050405020304" pitchFamily="18" charset="0"/>
+                          </a:endParaRPr>
+                        </a:p>
+                      </a:txBody>
+                      <a:tcPr marL="63272" marR="63272" marT="0" marB="0" anchor="ctr"/>
+                    </a:tc>
+                    <a:tc>
+                      <a:txBody>
+                        <a:bodyPr/>
+                        <a:lstStyle/>
+                        <a:p>
+                          <a:pPr indent="8255" algn="ctr">
+                            <a:lnSpc>
+                              <a:spcPct val="150000"/>
+                            </a:lnSpc>
+                            <a:spcAft>
+                              <a:spcPts val="0"/>
+                            </a:spcAft>
+                          </a:pPr>
+                          <a:r>
+                            <a:rPr lang="ru-RU" sz="1200">
+                              <a:effectLst/>
+                            </a:rPr>
+                            <a:t>3</a:t>
+                          </a:r>
+                          <a:endParaRPr lang="ru-RU" sz="1000">
+                            <a:effectLst/>
+                            <a:latin typeface="Calibri" panose="020F0502020204030204" pitchFamily="34" charset="0"/>
+                            <a:ea typeface="Calibri" panose="020F0502020204030204" pitchFamily="34" charset="0"/>
+                            <a:cs typeface="Times New Roman" panose="02020603050405020304" pitchFamily="18" charset="0"/>
+                          </a:endParaRPr>
+                        </a:p>
+                      </a:txBody>
+                      <a:tcPr marL="63272" marR="63272" marT="0" marB="0" anchor="ctr"/>
+                    </a:tc>
+                    <a:tc>
+                      <a:txBody>
+                        <a:bodyPr/>
+                        <a:lstStyle/>
+                        <a:p>
+                          <a:pPr indent="8255" algn="ctr">
+                            <a:lnSpc>
+                              <a:spcPct val="150000"/>
+                            </a:lnSpc>
+                            <a:spcAft>
+                              <a:spcPts val="0"/>
+                            </a:spcAft>
+                          </a:pPr>
+                          <a:r>
+                            <a:rPr lang="ru-RU" sz="1200">
+                              <a:effectLst/>
+                            </a:rPr>
+                            <a:t>4</a:t>
+                          </a:r>
+                          <a:endParaRPr lang="ru-RU" sz="1000">
+                            <a:effectLst/>
+                            <a:latin typeface="Calibri" panose="020F0502020204030204" pitchFamily="34" charset="0"/>
+                            <a:ea typeface="Calibri" panose="020F0502020204030204" pitchFamily="34" charset="0"/>
+                            <a:cs typeface="Times New Roman" panose="02020603050405020304" pitchFamily="18" charset="0"/>
+                          </a:endParaRPr>
+                        </a:p>
+                      </a:txBody>
+                      <a:tcPr marL="8253" marR="8253" marT="8253" marB="8253" anchor="ctr"/>
+                    </a:tc>
+                    <a:tc>
+                      <a:txBody>
+                        <a:bodyPr/>
+                        <a:lstStyle/>
+                        <a:p>
+                          <a:pPr indent="8255" algn="ctr">
+                            <a:lnSpc>
+                              <a:spcPct val="150000"/>
+                            </a:lnSpc>
+                            <a:spcAft>
+                              <a:spcPts val="0"/>
+                            </a:spcAft>
+                          </a:pPr>
+                          <a:r>
+                            <a:rPr lang="ru-RU" sz="1200">
+                              <a:effectLst/>
+                            </a:rPr>
+                            <a:t>5</a:t>
+                          </a:r>
+                          <a:endParaRPr lang="ru-RU" sz="1000">
+                            <a:effectLst/>
+                            <a:latin typeface="Calibri" panose="020F0502020204030204" pitchFamily="34" charset="0"/>
+                            <a:ea typeface="Calibri" panose="020F0502020204030204" pitchFamily="34" charset="0"/>
+                            <a:cs typeface="Times New Roman" panose="02020603050405020304" pitchFamily="18" charset="0"/>
+                          </a:endParaRPr>
+                        </a:p>
+                      </a:txBody>
+                      <a:tcPr marL="8253" marR="8253" marT="8253" marB="8253" anchor="ctr"/>
+                    </a:tc>
+                    <a:tc>
+                      <a:txBody>
+                        <a:bodyPr/>
+                        <a:lstStyle/>
+                        <a:p>
+                          <a:pPr indent="8255" algn="ctr">
+                            <a:lnSpc>
+                              <a:spcPct val="150000"/>
+                            </a:lnSpc>
+                            <a:spcAft>
+                              <a:spcPts val="0"/>
+                            </a:spcAft>
+                          </a:pPr>
+                          <a:r>
+                            <a:rPr lang="ru-RU" sz="1200" dirty="0">
+                              <a:effectLst/>
+                            </a:rPr>
+                            <a:t>6</a:t>
+                          </a:r>
+                          <a:endParaRPr lang="ru-RU" sz="1000" dirty="0">
+                            <a:effectLst/>
+                            <a:latin typeface="Calibri" panose="020F0502020204030204" pitchFamily="34" charset="0"/>
+                            <a:ea typeface="Calibri" panose="020F0502020204030204" pitchFamily="34" charset="0"/>
+                            <a:cs typeface="Times New Roman" panose="02020603050405020304" pitchFamily="18" charset="0"/>
+                          </a:endParaRPr>
+                        </a:p>
+                      </a:txBody>
+                      <a:tcPr marL="8253" marR="8253" marT="8253" marB="8253" anchor="ctr"/>
+                    </a:tc>
+                    <a:tc vMerge="1">
+                      <a:txBody>
+                        <a:bodyPr/>
+                        <a:lstStyle/>
+                        <a:p>
+                          <a:endParaRPr lang="ru-RU"/>
+                        </a:p>
+                      </a:txBody>
+                      <a:tcPr/>
+                    </a:tc>
+                    <a:extLst>
+                      <a:ext uri="{0D108BD9-81ED-4DB2-BD59-A6C34878D82A}">
+                        <a16:rowId xmlns:a16="http://schemas.microsoft.com/office/drawing/2014/main" val="1143726896"/>
+                      </a:ext>
+                    </a:extLst>
+                  </a:tr>
+                  <a:tr h="276704">
+                    <a:tc>
+                      <a:txBody>
+                        <a:bodyPr/>
+                        <a:lstStyle/>
+                        <a:p>
+                          <a:pPr indent="8255" algn="ctr">
+                            <a:lnSpc>
+                              <a:spcPct val="150000"/>
+                            </a:lnSpc>
+                            <a:spcAft>
+                              <a:spcPts val="0"/>
+                            </a:spcAft>
+                          </a:pPr>
+                          <a:r>
+                            <a:rPr lang="ru-RU" sz="1200">
+                              <a:effectLst/>
+                            </a:rPr>
+                            <a:t>Эксперт 1</a:t>
+                          </a:r>
+                          <a:endParaRPr lang="ru-RU" sz="1000">
+                            <a:effectLst/>
+                            <a:latin typeface="Calibri" panose="020F0502020204030204" pitchFamily="34" charset="0"/>
+                            <a:ea typeface="Calibri" panose="020F0502020204030204" pitchFamily="34" charset="0"/>
+                            <a:cs typeface="Times New Roman" panose="02020603050405020304" pitchFamily="18" charset="0"/>
+                          </a:endParaRPr>
+                        </a:p>
+                      </a:txBody>
+                      <a:tcPr marL="63272" marR="63272" marT="0" marB="0" anchor="ctr"/>
+                    </a:tc>
+                    <a:tc>
+                      <a:txBody>
+                        <a:bodyPr/>
+                        <a:lstStyle/>
+                        <a:p>
+                          <a:pPr marL="0" indent="8255" algn="ctr" defTabSz="914400" rtl="0" eaLnBrk="1" latinLnBrk="0" hangingPunct="1">
+                            <a:lnSpc>
+                              <a:spcPct val="150000"/>
+                            </a:lnSpc>
+                            <a:spcAft>
+                              <a:spcPts val="0"/>
+                            </a:spcAft>
+                          </a:pPr>
+                          <a:r>
+                            <a:rPr lang="ru-RU" sz="1200" kern="1200" dirty="0">
+                              <a:solidFill>
+                                <a:schemeClr val="dk1"/>
+                              </a:solidFill>
+                              <a:effectLst/>
+                              <a:latin typeface="+mn-lt"/>
+                              <a:ea typeface="+mn-ea"/>
+                              <a:cs typeface="+mn-cs"/>
+                            </a:rPr>
+                            <a:t>1</a:t>
+                          </a:r>
+                        </a:p>
+                      </a:txBody>
+                      <a:tcPr marL="73025" marR="73025" marT="0" marB="0" anchor="ctr"/>
+                    </a:tc>
+                    <a:tc>
+                      <a:txBody>
+                        <a:bodyPr/>
+                        <a:lstStyle/>
+                        <a:p>
+                          <a:pPr marL="0" indent="8255" algn="ctr" defTabSz="914400" rtl="0" eaLnBrk="1" latinLnBrk="0" hangingPunct="1">
+                            <a:lnSpc>
+                              <a:spcPct val="150000"/>
+                            </a:lnSpc>
+                            <a:spcAft>
+                              <a:spcPts val="0"/>
+                            </a:spcAft>
+                          </a:pPr>
+                          <a:r>
+                            <a:rPr lang="ru-RU" sz="1200" kern="1200">
+                              <a:solidFill>
+                                <a:schemeClr val="dk1"/>
+                              </a:solidFill>
+                              <a:effectLst/>
+                              <a:latin typeface="+mn-lt"/>
+                              <a:ea typeface="+mn-ea"/>
+                              <a:cs typeface="+mn-cs"/>
+                            </a:rPr>
+                            <a:t>6</a:t>
+                          </a:r>
+                        </a:p>
+                      </a:txBody>
+                      <a:tcPr marL="73025" marR="73025" marT="0" marB="0" anchor="ctr"/>
+                    </a:tc>
+                    <a:tc>
+                      <a:txBody>
+                        <a:bodyPr/>
+                        <a:lstStyle/>
+                        <a:p>
+                          <a:pPr marL="0" indent="8255" algn="ctr" defTabSz="914400" rtl="0" eaLnBrk="1" latinLnBrk="0" hangingPunct="1">
+                            <a:lnSpc>
+                              <a:spcPct val="150000"/>
+                            </a:lnSpc>
+                            <a:spcAft>
+                              <a:spcPts val="0"/>
+                            </a:spcAft>
+                          </a:pPr>
+                          <a:r>
+                            <a:rPr lang="ru-RU" sz="1200" kern="1200">
+                              <a:solidFill>
+                                <a:schemeClr val="dk1"/>
+                              </a:solidFill>
+                              <a:effectLst/>
+                              <a:latin typeface="+mn-lt"/>
+                              <a:ea typeface="+mn-ea"/>
+                              <a:cs typeface="+mn-cs"/>
+                            </a:rPr>
+                            <a:t>2</a:t>
+                          </a:r>
+                        </a:p>
+                      </a:txBody>
+                      <a:tcPr marL="73025" marR="73025" marT="0" marB="0" anchor="ctr"/>
+                    </a:tc>
+                    <a:tc>
+                      <a:txBody>
+                        <a:bodyPr/>
+                        <a:lstStyle/>
+                        <a:p>
+                          <a:pPr marL="0" indent="8255" algn="ctr" defTabSz="914400" rtl="0" eaLnBrk="1" latinLnBrk="0" hangingPunct="1">
+                            <a:lnSpc>
+                              <a:spcPct val="150000"/>
+                            </a:lnSpc>
+                            <a:spcAft>
+                              <a:spcPts val="0"/>
+                            </a:spcAft>
+                          </a:pPr>
+                          <a:r>
+                            <a:rPr lang="ru-RU" sz="1200" kern="1200">
+                              <a:solidFill>
+                                <a:schemeClr val="dk1"/>
+                              </a:solidFill>
+                              <a:effectLst/>
+                              <a:latin typeface="+mn-lt"/>
+                              <a:ea typeface="+mn-ea"/>
+                              <a:cs typeface="+mn-cs"/>
+                            </a:rPr>
+                            <a:t>5</a:t>
+                          </a:r>
+                        </a:p>
+                      </a:txBody>
+                      <a:tcPr marL="9525" marR="9525" marT="9525" marB="9525" anchor="ctr"/>
+                    </a:tc>
+                    <a:tc>
+                      <a:txBody>
+                        <a:bodyPr/>
+                        <a:lstStyle/>
+                        <a:p>
+                          <a:pPr marL="0" indent="8255" algn="ctr" defTabSz="914400" rtl="0" eaLnBrk="1" latinLnBrk="0" hangingPunct="1">
+                            <a:lnSpc>
+                              <a:spcPct val="150000"/>
+                            </a:lnSpc>
+                            <a:spcAft>
+                              <a:spcPts val="0"/>
+                            </a:spcAft>
+                          </a:pPr>
+                          <a:r>
+                            <a:rPr lang="ru-RU" sz="1200" kern="1200">
+                              <a:solidFill>
+                                <a:schemeClr val="dk1"/>
+                              </a:solidFill>
+                              <a:effectLst/>
+                              <a:latin typeface="+mn-lt"/>
+                              <a:ea typeface="+mn-ea"/>
+                              <a:cs typeface="+mn-cs"/>
+                            </a:rPr>
+                            <a:t>3</a:t>
+                          </a:r>
+                        </a:p>
+                      </a:txBody>
+                      <a:tcPr marL="9525" marR="9525" marT="9525" marB="9525" anchor="ctr"/>
+                    </a:tc>
+                    <a:tc>
+                      <a:txBody>
+                        <a:bodyPr/>
+                        <a:lstStyle/>
+                        <a:p>
+                          <a:pPr marL="0" indent="8255" algn="ctr" defTabSz="914400" rtl="0" eaLnBrk="1" latinLnBrk="0" hangingPunct="1">
+                            <a:lnSpc>
+                              <a:spcPct val="150000"/>
+                            </a:lnSpc>
+                            <a:spcAft>
+                              <a:spcPts val="0"/>
+                            </a:spcAft>
+                          </a:pPr>
+                          <a:r>
+                            <a:rPr lang="ru-RU" sz="1200" kern="1200">
+                              <a:solidFill>
+                                <a:schemeClr val="dk1"/>
+                              </a:solidFill>
+                              <a:effectLst/>
+                              <a:latin typeface="+mn-lt"/>
+                              <a:ea typeface="+mn-ea"/>
+                              <a:cs typeface="+mn-cs"/>
+                            </a:rPr>
+                            <a:t>4</a:t>
+                          </a:r>
+                        </a:p>
+                      </a:txBody>
+                      <a:tcPr marL="9525" marR="9525" marT="9525" marB="9525" anchor="ctr"/>
+                    </a:tc>
+                    <a:tc>
+                      <a:txBody>
+                        <a:bodyPr/>
+                        <a:lstStyle/>
+                        <a:p>
+                          <a:pPr marL="0" indent="8255" algn="ctr" defTabSz="914400" rtl="0" eaLnBrk="1" latinLnBrk="0" hangingPunct="1">
+                            <a:lnSpc>
+                              <a:spcPct val="150000"/>
+                            </a:lnSpc>
+                            <a:spcAft>
+                              <a:spcPts val="0"/>
+                            </a:spcAft>
+                          </a:pPr>
+                          <a:r>
+                            <a:rPr lang="ru-RU" sz="1200" kern="1200">
+                              <a:solidFill>
+                                <a:schemeClr val="dk1"/>
+                              </a:solidFill>
+                              <a:effectLst/>
+                              <a:latin typeface="+mn-lt"/>
+                              <a:ea typeface="+mn-ea"/>
+                              <a:cs typeface="+mn-cs"/>
+                            </a:rPr>
+                            <a:t>21</a:t>
+                          </a:r>
+                        </a:p>
+                      </a:txBody>
+                      <a:tcPr marL="9525" marR="9525" marT="9525" marB="9525" anchor="ctr"/>
+                    </a:tc>
+                    <a:extLst>
+                      <a:ext uri="{0D108BD9-81ED-4DB2-BD59-A6C34878D82A}">
+                        <a16:rowId xmlns:a16="http://schemas.microsoft.com/office/drawing/2014/main" val="1316716965"/>
+                      </a:ext>
+                    </a:extLst>
+                  </a:tr>
+                  <a:tr h="276704">
+                    <a:tc>
+                      <a:txBody>
+                        <a:bodyPr/>
+                        <a:lstStyle/>
+                        <a:p>
+                          <a:pPr indent="8255" algn="ctr">
+                            <a:lnSpc>
+                              <a:spcPct val="150000"/>
+                            </a:lnSpc>
+                            <a:spcAft>
+                              <a:spcPts val="0"/>
+                            </a:spcAft>
+                          </a:pPr>
+                          <a:r>
+                            <a:rPr lang="ru-RU" sz="1200">
+                              <a:effectLst/>
+                            </a:rPr>
+                            <a:t>Эксперт 2</a:t>
+                          </a:r>
+                          <a:endParaRPr lang="ru-RU" sz="1000">
+                            <a:effectLst/>
+                            <a:latin typeface="Calibri" panose="020F0502020204030204" pitchFamily="34" charset="0"/>
+                            <a:ea typeface="Calibri" panose="020F0502020204030204" pitchFamily="34" charset="0"/>
+                            <a:cs typeface="Times New Roman" panose="02020603050405020304" pitchFamily="18" charset="0"/>
+                          </a:endParaRPr>
+                        </a:p>
+                      </a:txBody>
+                      <a:tcPr marL="63272" marR="63272" marT="0" marB="0" anchor="ctr"/>
+                    </a:tc>
+                    <a:tc>
+                      <a:txBody>
+                        <a:bodyPr/>
+                        <a:lstStyle/>
+                        <a:p>
+                          <a:pPr marL="0" indent="8255" algn="ctr" defTabSz="914400" rtl="0" eaLnBrk="1" latinLnBrk="0" hangingPunct="1">
+                            <a:lnSpc>
+                              <a:spcPct val="150000"/>
+                            </a:lnSpc>
+                            <a:spcAft>
+                              <a:spcPts val="0"/>
+                            </a:spcAft>
+                          </a:pPr>
+                          <a:r>
+                            <a:rPr lang="ru-RU" sz="1200" kern="1200">
+                              <a:solidFill>
+                                <a:schemeClr val="dk1"/>
+                              </a:solidFill>
+                              <a:effectLst/>
+                              <a:latin typeface="+mn-lt"/>
+                              <a:ea typeface="+mn-ea"/>
+                              <a:cs typeface="+mn-cs"/>
+                            </a:rPr>
+                            <a:t>2</a:t>
+                          </a:r>
+                        </a:p>
+                      </a:txBody>
+                      <a:tcPr marL="73025" marR="73025" marT="0" marB="0" anchor="ctr"/>
+                    </a:tc>
+                    <a:tc>
+                      <a:txBody>
+                        <a:bodyPr/>
+                        <a:lstStyle/>
+                        <a:p>
+                          <a:pPr marL="0" indent="8255" algn="ctr" defTabSz="914400" rtl="0" eaLnBrk="1" latinLnBrk="0" hangingPunct="1">
+                            <a:lnSpc>
+                              <a:spcPct val="150000"/>
+                            </a:lnSpc>
+                            <a:spcAft>
+                              <a:spcPts val="0"/>
+                            </a:spcAft>
+                          </a:pPr>
+                          <a:r>
+                            <a:rPr lang="ru-RU" sz="1200" kern="1200">
+                              <a:solidFill>
+                                <a:schemeClr val="dk1"/>
+                              </a:solidFill>
+                              <a:effectLst/>
+                              <a:latin typeface="+mn-lt"/>
+                              <a:ea typeface="+mn-ea"/>
+                              <a:cs typeface="+mn-cs"/>
+                            </a:rPr>
+                            <a:t>5</a:t>
+                          </a:r>
+                        </a:p>
+                      </a:txBody>
+                      <a:tcPr marL="73025" marR="73025" marT="0" marB="0" anchor="ctr"/>
+                    </a:tc>
+                    <a:tc>
+                      <a:txBody>
+                        <a:bodyPr/>
+                        <a:lstStyle/>
+                        <a:p>
+                          <a:pPr marL="0" indent="8255" algn="ctr" defTabSz="914400" rtl="0" eaLnBrk="1" latinLnBrk="0" hangingPunct="1">
+                            <a:lnSpc>
+                              <a:spcPct val="150000"/>
+                            </a:lnSpc>
+                            <a:spcAft>
+                              <a:spcPts val="0"/>
+                            </a:spcAft>
+                          </a:pPr>
+                          <a:r>
+                            <a:rPr lang="ru-RU" sz="1200" kern="1200">
+                              <a:solidFill>
+                                <a:schemeClr val="dk1"/>
+                              </a:solidFill>
+                              <a:effectLst/>
+                              <a:latin typeface="+mn-lt"/>
+                              <a:ea typeface="+mn-ea"/>
+                              <a:cs typeface="+mn-cs"/>
+                            </a:rPr>
+                            <a:t>1</a:t>
+                          </a:r>
+                        </a:p>
+                      </a:txBody>
+                      <a:tcPr marL="73025" marR="73025" marT="0" marB="0" anchor="ctr"/>
+                    </a:tc>
+                    <a:tc>
+                      <a:txBody>
+                        <a:bodyPr/>
+                        <a:lstStyle/>
+                        <a:p>
+                          <a:pPr marL="0" indent="8255" algn="ctr" defTabSz="914400" rtl="0" eaLnBrk="1" latinLnBrk="0" hangingPunct="1">
+                            <a:lnSpc>
+                              <a:spcPct val="150000"/>
+                            </a:lnSpc>
+                            <a:spcAft>
+                              <a:spcPts val="0"/>
+                            </a:spcAft>
+                          </a:pPr>
+                          <a:r>
+                            <a:rPr lang="ru-RU" sz="1200" kern="1200">
+                              <a:solidFill>
+                                <a:schemeClr val="dk1"/>
+                              </a:solidFill>
+                              <a:effectLst/>
+                              <a:latin typeface="+mn-lt"/>
+                              <a:ea typeface="+mn-ea"/>
+                              <a:cs typeface="+mn-cs"/>
+                            </a:rPr>
+                            <a:t>6</a:t>
+                          </a:r>
+                        </a:p>
+                      </a:txBody>
+                      <a:tcPr marL="9525" marR="9525" marT="9525" marB="9525" anchor="ctr"/>
+                    </a:tc>
+                    <a:tc>
+                      <a:txBody>
+                        <a:bodyPr/>
+                        <a:lstStyle/>
+                        <a:p>
+                          <a:pPr marL="0" indent="8255" algn="ctr" defTabSz="914400" rtl="0" eaLnBrk="1" latinLnBrk="0" hangingPunct="1">
+                            <a:lnSpc>
+                              <a:spcPct val="150000"/>
+                            </a:lnSpc>
+                            <a:spcAft>
+                              <a:spcPts val="0"/>
+                            </a:spcAft>
+                          </a:pPr>
+                          <a:r>
+                            <a:rPr lang="ru-RU" sz="1200" kern="1200">
+                              <a:solidFill>
+                                <a:schemeClr val="dk1"/>
+                              </a:solidFill>
+                              <a:effectLst/>
+                              <a:latin typeface="+mn-lt"/>
+                              <a:ea typeface="+mn-ea"/>
+                              <a:cs typeface="+mn-cs"/>
+                            </a:rPr>
+                            <a:t>4</a:t>
+                          </a:r>
+                        </a:p>
+                      </a:txBody>
+                      <a:tcPr marL="9525" marR="9525" marT="9525" marB="9525" anchor="ctr"/>
+                    </a:tc>
+                    <a:tc>
+                      <a:txBody>
+                        <a:bodyPr/>
+                        <a:lstStyle/>
+                        <a:p>
+                          <a:pPr marL="0" indent="8255" algn="ctr" defTabSz="914400" rtl="0" eaLnBrk="1" latinLnBrk="0" hangingPunct="1">
+                            <a:lnSpc>
+                              <a:spcPct val="150000"/>
+                            </a:lnSpc>
+                            <a:spcAft>
+                              <a:spcPts val="0"/>
+                            </a:spcAft>
+                          </a:pPr>
+                          <a:r>
+                            <a:rPr lang="ru-RU" sz="1200" kern="1200">
+                              <a:solidFill>
+                                <a:schemeClr val="dk1"/>
+                              </a:solidFill>
+                              <a:effectLst/>
+                              <a:latin typeface="+mn-lt"/>
+                              <a:ea typeface="+mn-ea"/>
+                              <a:cs typeface="+mn-cs"/>
+                            </a:rPr>
+                            <a:t>3</a:t>
+                          </a:r>
+                        </a:p>
+                      </a:txBody>
+                      <a:tcPr marL="9525" marR="9525" marT="9525" marB="9525" anchor="ctr"/>
+                    </a:tc>
+                    <a:tc>
+                      <a:txBody>
+                        <a:bodyPr/>
+                        <a:lstStyle/>
+                        <a:p>
+                          <a:pPr marL="0" indent="8255" algn="ctr" defTabSz="914400" rtl="0" eaLnBrk="1" latinLnBrk="0" hangingPunct="1">
+                            <a:lnSpc>
+                              <a:spcPct val="150000"/>
+                            </a:lnSpc>
+                            <a:spcAft>
+                              <a:spcPts val="0"/>
+                            </a:spcAft>
+                          </a:pPr>
+                          <a:r>
+                            <a:rPr lang="ru-RU" sz="1200" kern="1200">
+                              <a:solidFill>
+                                <a:schemeClr val="dk1"/>
+                              </a:solidFill>
+                              <a:effectLst/>
+                              <a:latin typeface="+mn-lt"/>
+                              <a:ea typeface="+mn-ea"/>
+                              <a:cs typeface="+mn-cs"/>
+                            </a:rPr>
+                            <a:t>21</a:t>
+                          </a:r>
+                        </a:p>
+                      </a:txBody>
+                      <a:tcPr marL="9525" marR="9525" marT="9525" marB="9525" anchor="ctr"/>
+                    </a:tc>
+                    <a:extLst>
+                      <a:ext uri="{0D108BD9-81ED-4DB2-BD59-A6C34878D82A}">
+                        <a16:rowId xmlns:a16="http://schemas.microsoft.com/office/drawing/2014/main" val="523326710"/>
+                      </a:ext>
+                    </a:extLst>
+                  </a:tr>
+                  <a:tr h="276704">
+                    <a:tc>
+                      <a:txBody>
+                        <a:bodyPr/>
+                        <a:lstStyle/>
+                        <a:p>
+                          <a:pPr indent="8255" algn="ctr">
+                            <a:lnSpc>
+                              <a:spcPct val="150000"/>
+                            </a:lnSpc>
+                            <a:spcAft>
+                              <a:spcPts val="0"/>
+                            </a:spcAft>
+                          </a:pPr>
+                          <a:r>
+                            <a:rPr lang="ru-RU" sz="1200">
+                              <a:effectLst/>
+                            </a:rPr>
+                            <a:t>Эксперт 3</a:t>
+                          </a:r>
+                          <a:endParaRPr lang="ru-RU" sz="1000">
+                            <a:effectLst/>
+                            <a:latin typeface="Calibri" panose="020F0502020204030204" pitchFamily="34" charset="0"/>
+                            <a:ea typeface="Calibri" panose="020F0502020204030204" pitchFamily="34" charset="0"/>
+                            <a:cs typeface="Times New Roman" panose="02020603050405020304" pitchFamily="18" charset="0"/>
+                          </a:endParaRPr>
+                        </a:p>
+                      </a:txBody>
+                      <a:tcPr marL="63272" marR="63272" marT="0" marB="0" anchor="ctr"/>
+                    </a:tc>
+                    <a:tc>
+                      <a:txBody>
+                        <a:bodyPr/>
+                        <a:lstStyle/>
+                        <a:p>
+                          <a:pPr marL="0" indent="8255" algn="ctr" defTabSz="914400" rtl="0" eaLnBrk="1" latinLnBrk="0" hangingPunct="1">
+                            <a:lnSpc>
+                              <a:spcPct val="150000"/>
+                            </a:lnSpc>
+                            <a:spcAft>
+                              <a:spcPts val="0"/>
+                            </a:spcAft>
+                          </a:pPr>
+                          <a:r>
+                            <a:rPr lang="ru-RU" sz="1200" kern="1200">
+                              <a:solidFill>
+                                <a:schemeClr val="dk1"/>
+                              </a:solidFill>
+                              <a:effectLst/>
+                              <a:latin typeface="+mn-lt"/>
+                              <a:ea typeface="+mn-ea"/>
+                              <a:cs typeface="+mn-cs"/>
+                            </a:rPr>
+                            <a:t>1</a:t>
+                          </a:r>
+                        </a:p>
+                      </a:txBody>
+                      <a:tcPr marL="73025" marR="73025" marT="0" marB="0" anchor="ctr"/>
+                    </a:tc>
+                    <a:tc>
+                      <a:txBody>
+                        <a:bodyPr/>
+                        <a:lstStyle/>
+                        <a:p>
+                          <a:pPr marL="0" indent="8255" algn="ctr" defTabSz="914400" rtl="0" eaLnBrk="1" latinLnBrk="0" hangingPunct="1">
+                            <a:lnSpc>
+                              <a:spcPct val="150000"/>
+                            </a:lnSpc>
+                            <a:spcAft>
+                              <a:spcPts val="0"/>
+                            </a:spcAft>
+                          </a:pPr>
+                          <a:r>
+                            <a:rPr lang="ru-RU" sz="1200" kern="1200" dirty="0">
+                              <a:solidFill>
+                                <a:schemeClr val="dk1"/>
+                              </a:solidFill>
+                              <a:effectLst/>
+                              <a:latin typeface="+mn-lt"/>
+                              <a:ea typeface="+mn-ea"/>
+                              <a:cs typeface="+mn-cs"/>
+                            </a:rPr>
+                            <a:t>4</a:t>
+                          </a:r>
+                        </a:p>
+                      </a:txBody>
+                      <a:tcPr marL="73025" marR="73025" marT="0" marB="0" anchor="ctr"/>
+                    </a:tc>
+                    <a:tc>
+                      <a:txBody>
+                        <a:bodyPr/>
+                        <a:lstStyle/>
+                        <a:p>
+                          <a:pPr marL="0" indent="8255" algn="ctr" defTabSz="914400" rtl="0" eaLnBrk="1" latinLnBrk="0" hangingPunct="1">
+                            <a:lnSpc>
+                              <a:spcPct val="150000"/>
+                            </a:lnSpc>
+                            <a:spcAft>
+                              <a:spcPts val="0"/>
+                            </a:spcAft>
+                          </a:pPr>
+                          <a:r>
+                            <a:rPr lang="ru-RU" sz="1200" kern="1200">
+                              <a:solidFill>
+                                <a:schemeClr val="dk1"/>
+                              </a:solidFill>
+                              <a:effectLst/>
+                              <a:latin typeface="+mn-lt"/>
+                              <a:ea typeface="+mn-ea"/>
+                              <a:cs typeface="+mn-cs"/>
+                            </a:rPr>
+                            <a:t>2,5</a:t>
+                          </a:r>
+                        </a:p>
+                      </a:txBody>
+                      <a:tcPr marL="73025" marR="73025" marT="0" marB="0" anchor="ctr"/>
+                    </a:tc>
+                    <a:tc>
+                      <a:txBody>
+                        <a:bodyPr/>
+                        <a:lstStyle/>
+                        <a:p>
+                          <a:pPr marL="0" indent="8255" algn="ctr" defTabSz="914400" rtl="0" eaLnBrk="1" latinLnBrk="0" hangingPunct="1">
+                            <a:lnSpc>
+                              <a:spcPct val="150000"/>
+                            </a:lnSpc>
+                            <a:spcAft>
+                              <a:spcPts val="0"/>
+                            </a:spcAft>
+                          </a:pPr>
+                          <a:r>
+                            <a:rPr lang="ru-RU" sz="1200" kern="1200">
+                              <a:solidFill>
+                                <a:schemeClr val="dk1"/>
+                              </a:solidFill>
+                              <a:effectLst/>
+                              <a:latin typeface="+mn-lt"/>
+                              <a:ea typeface="+mn-ea"/>
+                              <a:cs typeface="+mn-cs"/>
+                            </a:rPr>
+                            <a:t>6</a:t>
+                          </a:r>
+                        </a:p>
+                      </a:txBody>
+                      <a:tcPr marL="9525" marR="9525" marT="9525" marB="9525" anchor="ctr"/>
+                    </a:tc>
+                    <a:tc>
+                      <a:txBody>
+                        <a:bodyPr/>
+                        <a:lstStyle/>
+                        <a:p>
+                          <a:pPr marL="0" indent="8255" algn="ctr" defTabSz="914400" rtl="0" eaLnBrk="1" latinLnBrk="0" hangingPunct="1">
+                            <a:lnSpc>
+                              <a:spcPct val="150000"/>
+                            </a:lnSpc>
+                            <a:spcAft>
+                              <a:spcPts val="0"/>
+                            </a:spcAft>
+                          </a:pPr>
+                          <a:r>
+                            <a:rPr lang="ru-RU" sz="1200" kern="1200">
+                              <a:solidFill>
+                                <a:schemeClr val="dk1"/>
+                              </a:solidFill>
+                              <a:effectLst/>
+                              <a:latin typeface="+mn-lt"/>
+                              <a:ea typeface="+mn-ea"/>
+                              <a:cs typeface="+mn-cs"/>
+                            </a:rPr>
+                            <a:t>5</a:t>
+                          </a:r>
+                        </a:p>
+                      </a:txBody>
+                      <a:tcPr marL="9525" marR="9525" marT="9525" marB="9525" anchor="ctr"/>
+                    </a:tc>
+                    <a:tc>
+                      <a:txBody>
+                        <a:bodyPr/>
+                        <a:lstStyle/>
+                        <a:p>
+                          <a:pPr marL="0" indent="8255" algn="ctr" defTabSz="914400" rtl="0" eaLnBrk="1" latinLnBrk="0" hangingPunct="1">
+                            <a:lnSpc>
+                              <a:spcPct val="150000"/>
+                            </a:lnSpc>
+                            <a:spcAft>
+                              <a:spcPts val="0"/>
+                            </a:spcAft>
+                          </a:pPr>
+                          <a:r>
+                            <a:rPr lang="ru-RU" sz="1200" kern="1200">
+                              <a:solidFill>
+                                <a:schemeClr val="dk1"/>
+                              </a:solidFill>
+                              <a:effectLst/>
+                              <a:latin typeface="+mn-lt"/>
+                              <a:ea typeface="+mn-ea"/>
+                              <a:cs typeface="+mn-cs"/>
+                            </a:rPr>
+                            <a:t>2,5</a:t>
+                          </a:r>
+                        </a:p>
+                      </a:txBody>
+                      <a:tcPr marL="9525" marR="9525" marT="9525" marB="9525" anchor="ctr"/>
+                    </a:tc>
+                    <a:tc>
+                      <a:txBody>
+                        <a:bodyPr/>
+                        <a:lstStyle/>
+                        <a:p>
+                          <a:pPr marL="0" indent="8255" algn="ctr" defTabSz="914400" rtl="0" eaLnBrk="1" latinLnBrk="0" hangingPunct="1">
+                            <a:lnSpc>
+                              <a:spcPct val="150000"/>
+                            </a:lnSpc>
+                            <a:spcAft>
+                              <a:spcPts val="0"/>
+                            </a:spcAft>
+                          </a:pPr>
+                          <a:r>
+                            <a:rPr lang="ru-RU" sz="1200" kern="1200">
+                              <a:solidFill>
+                                <a:schemeClr val="dk1"/>
+                              </a:solidFill>
+                              <a:effectLst/>
+                              <a:latin typeface="+mn-lt"/>
+                              <a:ea typeface="+mn-ea"/>
+                              <a:cs typeface="+mn-cs"/>
+                            </a:rPr>
+                            <a:t>21</a:t>
+                          </a:r>
+                        </a:p>
+                      </a:txBody>
+                      <a:tcPr marL="9525" marR="9525" marT="9525" marB="9525" anchor="ctr"/>
+                    </a:tc>
+                    <a:extLst>
+                      <a:ext uri="{0D108BD9-81ED-4DB2-BD59-A6C34878D82A}">
+                        <a16:rowId xmlns:a16="http://schemas.microsoft.com/office/drawing/2014/main" val="3457314715"/>
+                      </a:ext>
+                    </a:extLst>
+                  </a:tr>
+                  <a:tr h="276704">
+                    <a:tc>
+                      <a:txBody>
+                        <a:bodyPr/>
+                        <a:lstStyle/>
+                        <a:p>
+                          <a:pPr indent="8255" algn="ctr">
+                            <a:lnSpc>
+                              <a:spcPct val="150000"/>
+                            </a:lnSpc>
+                            <a:spcAft>
+                              <a:spcPts val="0"/>
+                            </a:spcAft>
+                          </a:pPr>
+                          <a:r>
+                            <a:rPr lang="ru-RU" sz="1200">
+                              <a:effectLst/>
+                            </a:rPr>
+                            <a:t>Эксперт 4</a:t>
+                          </a:r>
+                          <a:endParaRPr lang="ru-RU" sz="1000">
+                            <a:effectLst/>
+                            <a:latin typeface="Calibri" panose="020F0502020204030204" pitchFamily="34" charset="0"/>
+                            <a:ea typeface="Calibri" panose="020F0502020204030204" pitchFamily="34" charset="0"/>
+                            <a:cs typeface="Times New Roman" panose="02020603050405020304" pitchFamily="18" charset="0"/>
+                          </a:endParaRPr>
+                        </a:p>
+                      </a:txBody>
+                      <a:tcPr marL="63272" marR="63272" marT="0" marB="0" anchor="ctr"/>
+                    </a:tc>
+                    <a:tc>
+                      <a:txBody>
+                        <a:bodyPr/>
+                        <a:lstStyle/>
+                        <a:p>
+                          <a:pPr marL="0" indent="8255" algn="ctr" defTabSz="914400" rtl="0" eaLnBrk="1" latinLnBrk="0" hangingPunct="1">
+                            <a:lnSpc>
+                              <a:spcPct val="150000"/>
+                            </a:lnSpc>
+                            <a:spcAft>
+                              <a:spcPts val="0"/>
+                            </a:spcAft>
+                          </a:pPr>
+                          <a:r>
+                            <a:rPr lang="ru-RU" sz="1200" kern="1200">
+                              <a:solidFill>
+                                <a:schemeClr val="dk1"/>
+                              </a:solidFill>
+                              <a:effectLst/>
+                              <a:latin typeface="+mn-lt"/>
+                              <a:ea typeface="+mn-ea"/>
+                              <a:cs typeface="+mn-cs"/>
+                            </a:rPr>
+                            <a:t>2</a:t>
+                          </a:r>
+                        </a:p>
+                      </a:txBody>
+                      <a:tcPr marL="73025" marR="73025" marT="0" marB="0" anchor="ctr"/>
+                    </a:tc>
+                    <a:tc>
+                      <a:txBody>
+                        <a:bodyPr/>
+                        <a:lstStyle/>
+                        <a:p>
+                          <a:pPr marL="0" indent="8255" algn="ctr" defTabSz="914400" rtl="0" eaLnBrk="1" latinLnBrk="0" hangingPunct="1">
+                            <a:lnSpc>
+                              <a:spcPct val="150000"/>
+                            </a:lnSpc>
+                            <a:spcAft>
+                              <a:spcPts val="0"/>
+                            </a:spcAft>
+                          </a:pPr>
+                          <a:r>
+                            <a:rPr lang="ru-RU" sz="1200" kern="1200" dirty="0">
+                              <a:solidFill>
+                                <a:schemeClr val="dk1"/>
+                              </a:solidFill>
+                              <a:effectLst/>
+                              <a:latin typeface="+mn-lt"/>
+                              <a:ea typeface="+mn-ea"/>
+                              <a:cs typeface="+mn-cs"/>
+                            </a:rPr>
+                            <a:t>5</a:t>
+                          </a:r>
+                        </a:p>
+                      </a:txBody>
+                      <a:tcPr marL="73025" marR="73025" marT="0" marB="0" anchor="ctr"/>
+                    </a:tc>
+                    <a:tc>
+                      <a:txBody>
+                        <a:bodyPr/>
+                        <a:lstStyle/>
+                        <a:p>
+                          <a:pPr marL="0" indent="8255" algn="ctr" defTabSz="914400" rtl="0" eaLnBrk="1" latinLnBrk="0" hangingPunct="1">
+                            <a:lnSpc>
+                              <a:spcPct val="150000"/>
+                            </a:lnSpc>
+                            <a:spcAft>
+                              <a:spcPts val="0"/>
+                            </a:spcAft>
+                          </a:pPr>
+                          <a:r>
+                            <a:rPr lang="ru-RU" sz="1200" kern="1200" dirty="0">
+                              <a:solidFill>
+                                <a:schemeClr val="dk1"/>
+                              </a:solidFill>
+                              <a:effectLst/>
+                              <a:latin typeface="+mn-lt"/>
+                              <a:ea typeface="+mn-ea"/>
+                              <a:cs typeface="+mn-cs"/>
+                            </a:rPr>
+                            <a:t>1</a:t>
+                          </a:r>
+                        </a:p>
+                      </a:txBody>
+                      <a:tcPr marL="73025" marR="73025" marT="0" marB="0" anchor="ctr"/>
+                    </a:tc>
+                    <a:tc>
+                      <a:txBody>
+                        <a:bodyPr/>
+                        <a:lstStyle/>
+                        <a:p>
+                          <a:pPr marL="0" indent="8255" algn="ctr" defTabSz="914400" rtl="0" eaLnBrk="1" latinLnBrk="0" hangingPunct="1">
+                            <a:lnSpc>
+                              <a:spcPct val="150000"/>
+                            </a:lnSpc>
+                            <a:spcAft>
+                              <a:spcPts val="0"/>
+                            </a:spcAft>
+                          </a:pPr>
+                          <a:r>
+                            <a:rPr lang="ru-RU" sz="1200" kern="1200">
+                              <a:solidFill>
+                                <a:schemeClr val="dk1"/>
+                              </a:solidFill>
+                              <a:effectLst/>
+                              <a:latin typeface="+mn-lt"/>
+                              <a:ea typeface="+mn-ea"/>
+                              <a:cs typeface="+mn-cs"/>
+                            </a:rPr>
+                            <a:t>6</a:t>
+                          </a:r>
+                        </a:p>
+                      </a:txBody>
+                      <a:tcPr marL="9525" marR="9525" marT="9525" marB="9525" anchor="ctr"/>
+                    </a:tc>
+                    <a:tc>
+                      <a:txBody>
+                        <a:bodyPr/>
+                        <a:lstStyle/>
+                        <a:p>
+                          <a:pPr marL="0" indent="8255" algn="ctr" defTabSz="914400" rtl="0" eaLnBrk="1" latinLnBrk="0" hangingPunct="1">
+                            <a:lnSpc>
+                              <a:spcPct val="150000"/>
+                            </a:lnSpc>
+                            <a:spcAft>
+                              <a:spcPts val="0"/>
+                            </a:spcAft>
+                          </a:pPr>
+                          <a:r>
+                            <a:rPr lang="ru-RU" sz="1200" kern="1200">
+                              <a:solidFill>
+                                <a:schemeClr val="dk1"/>
+                              </a:solidFill>
+                              <a:effectLst/>
+                              <a:latin typeface="+mn-lt"/>
+                              <a:ea typeface="+mn-ea"/>
+                              <a:cs typeface="+mn-cs"/>
+                            </a:rPr>
+                            <a:t>3,5</a:t>
+                          </a:r>
+                        </a:p>
+                      </a:txBody>
+                      <a:tcPr marL="9525" marR="9525" marT="9525" marB="9525" anchor="ctr"/>
+                    </a:tc>
+                    <a:tc>
+                      <a:txBody>
+                        <a:bodyPr/>
+                        <a:lstStyle/>
+                        <a:p>
+                          <a:pPr marL="0" indent="8255" algn="ctr" defTabSz="914400" rtl="0" eaLnBrk="1" latinLnBrk="0" hangingPunct="1">
+                            <a:lnSpc>
+                              <a:spcPct val="150000"/>
+                            </a:lnSpc>
+                            <a:spcAft>
+                              <a:spcPts val="0"/>
+                            </a:spcAft>
+                          </a:pPr>
+                          <a:r>
+                            <a:rPr lang="ru-RU" sz="1200" kern="1200">
+                              <a:solidFill>
+                                <a:schemeClr val="dk1"/>
+                              </a:solidFill>
+                              <a:effectLst/>
+                              <a:latin typeface="+mn-lt"/>
+                              <a:ea typeface="+mn-ea"/>
+                              <a:cs typeface="+mn-cs"/>
+                            </a:rPr>
+                            <a:t>3,5</a:t>
+                          </a:r>
+                        </a:p>
+                      </a:txBody>
+                      <a:tcPr marL="9525" marR="9525" marT="9525" marB="9525" anchor="ctr"/>
+                    </a:tc>
+                    <a:tc>
+                      <a:txBody>
+                        <a:bodyPr/>
+                        <a:lstStyle/>
+                        <a:p>
+                          <a:pPr marL="0" indent="8255" algn="ctr" defTabSz="914400" rtl="0" eaLnBrk="1" latinLnBrk="0" hangingPunct="1">
+                            <a:lnSpc>
+                              <a:spcPct val="150000"/>
+                            </a:lnSpc>
+                            <a:spcAft>
+                              <a:spcPts val="0"/>
+                            </a:spcAft>
+                          </a:pPr>
+                          <a:r>
+                            <a:rPr lang="ru-RU" sz="1200" kern="1200">
+                              <a:solidFill>
+                                <a:schemeClr val="dk1"/>
+                              </a:solidFill>
+                              <a:effectLst/>
+                              <a:latin typeface="+mn-lt"/>
+                              <a:ea typeface="+mn-ea"/>
+                              <a:cs typeface="+mn-cs"/>
+                            </a:rPr>
+                            <a:t>21</a:t>
+                          </a:r>
+                        </a:p>
+                      </a:txBody>
+                      <a:tcPr marL="9525" marR="9525" marT="9525" marB="9525" anchor="ctr"/>
+                    </a:tc>
+                    <a:extLst>
+                      <a:ext uri="{0D108BD9-81ED-4DB2-BD59-A6C34878D82A}">
+                        <a16:rowId xmlns:a16="http://schemas.microsoft.com/office/drawing/2014/main" val="317443276"/>
+                      </a:ext>
+                    </a:extLst>
+                  </a:tr>
+                  <a:tr h="276704">
+                    <a:tc>
+                      <a:txBody>
+                        <a:bodyPr/>
+                        <a:lstStyle/>
+                        <a:p>
+                          <a:pPr indent="8255" algn="ctr">
+                            <a:lnSpc>
+                              <a:spcPct val="150000"/>
+                            </a:lnSpc>
+                            <a:spcAft>
+                              <a:spcPts val="0"/>
+                            </a:spcAft>
+                          </a:pPr>
+                          <a:r>
+                            <a:rPr lang="ru-RU" sz="1200">
+                              <a:effectLst/>
+                            </a:rPr>
+                            <a:t>Эксперт 5</a:t>
+                          </a:r>
+                          <a:endParaRPr lang="ru-RU" sz="1000">
+                            <a:effectLst/>
+                            <a:latin typeface="Calibri" panose="020F0502020204030204" pitchFamily="34" charset="0"/>
+                            <a:ea typeface="Calibri" panose="020F0502020204030204" pitchFamily="34" charset="0"/>
+                            <a:cs typeface="Times New Roman" panose="02020603050405020304" pitchFamily="18" charset="0"/>
+                          </a:endParaRPr>
+                        </a:p>
+                      </a:txBody>
+                      <a:tcPr marL="63272" marR="63272" marT="0" marB="0" anchor="ctr"/>
+                    </a:tc>
+                    <a:tc>
+                      <a:txBody>
+                        <a:bodyPr/>
+                        <a:lstStyle/>
+                        <a:p>
+                          <a:pPr marL="0" indent="8255" algn="ctr" defTabSz="914400" rtl="0" eaLnBrk="1" latinLnBrk="0" hangingPunct="1">
+                            <a:lnSpc>
+                              <a:spcPct val="150000"/>
+                            </a:lnSpc>
+                            <a:spcAft>
+                              <a:spcPts val="0"/>
+                            </a:spcAft>
+                          </a:pPr>
+                          <a:r>
+                            <a:rPr lang="ru-RU" sz="1200" kern="1200">
+                              <a:solidFill>
+                                <a:schemeClr val="dk1"/>
+                              </a:solidFill>
+                              <a:effectLst/>
+                              <a:latin typeface="+mn-lt"/>
+                              <a:ea typeface="+mn-ea"/>
+                              <a:cs typeface="+mn-cs"/>
+                            </a:rPr>
+                            <a:t>1</a:t>
+                          </a:r>
+                        </a:p>
+                      </a:txBody>
+                      <a:tcPr marL="73025" marR="73025" marT="0" marB="0" anchor="ctr"/>
+                    </a:tc>
+                    <a:tc>
+                      <a:txBody>
+                        <a:bodyPr/>
+                        <a:lstStyle/>
+                        <a:p>
+                          <a:pPr marL="0" indent="8255" algn="ctr" defTabSz="914400" rtl="0" eaLnBrk="1" latinLnBrk="0" hangingPunct="1">
+                            <a:lnSpc>
+                              <a:spcPct val="150000"/>
+                            </a:lnSpc>
+                            <a:spcAft>
+                              <a:spcPts val="0"/>
+                            </a:spcAft>
+                          </a:pPr>
+                          <a:r>
+                            <a:rPr lang="ru-RU" sz="1200" kern="1200">
+                              <a:solidFill>
+                                <a:schemeClr val="dk1"/>
+                              </a:solidFill>
+                              <a:effectLst/>
+                              <a:latin typeface="+mn-lt"/>
+                              <a:ea typeface="+mn-ea"/>
+                              <a:cs typeface="+mn-cs"/>
+                            </a:rPr>
+                            <a:t>6</a:t>
+                          </a:r>
+                        </a:p>
+                      </a:txBody>
+                      <a:tcPr marL="73025" marR="73025" marT="0" marB="0" anchor="ctr"/>
+                    </a:tc>
+                    <a:tc>
+                      <a:txBody>
+                        <a:bodyPr/>
+                        <a:lstStyle/>
+                        <a:p>
+                          <a:pPr marL="0" indent="8255" algn="ctr" defTabSz="914400" rtl="0" eaLnBrk="1" latinLnBrk="0" hangingPunct="1">
+                            <a:lnSpc>
+                              <a:spcPct val="150000"/>
+                            </a:lnSpc>
+                            <a:spcAft>
+                              <a:spcPts val="0"/>
+                            </a:spcAft>
+                          </a:pPr>
+                          <a:r>
+                            <a:rPr lang="ru-RU" sz="1200" kern="1200" dirty="0">
+                              <a:solidFill>
+                                <a:schemeClr val="dk1"/>
+                              </a:solidFill>
+                              <a:effectLst/>
+                              <a:latin typeface="+mn-lt"/>
+                              <a:ea typeface="+mn-ea"/>
+                              <a:cs typeface="+mn-cs"/>
+                            </a:rPr>
+                            <a:t>2,5</a:t>
+                          </a:r>
+                        </a:p>
+                      </a:txBody>
+                      <a:tcPr marL="73025" marR="73025" marT="0" marB="0" anchor="ctr"/>
+                    </a:tc>
+                    <a:tc>
+                      <a:txBody>
+                        <a:bodyPr/>
+                        <a:lstStyle/>
+                        <a:p>
+                          <a:pPr marL="0" indent="8255" algn="ctr" defTabSz="914400" rtl="0" eaLnBrk="1" latinLnBrk="0" hangingPunct="1">
+                            <a:lnSpc>
+                              <a:spcPct val="150000"/>
+                            </a:lnSpc>
+                            <a:spcAft>
+                              <a:spcPts val="0"/>
+                            </a:spcAft>
+                          </a:pPr>
+                          <a:r>
+                            <a:rPr lang="ru-RU" sz="1200" kern="1200">
+                              <a:solidFill>
+                                <a:schemeClr val="dk1"/>
+                              </a:solidFill>
+                              <a:effectLst/>
+                              <a:latin typeface="+mn-lt"/>
+                              <a:ea typeface="+mn-ea"/>
+                              <a:cs typeface="+mn-cs"/>
+                            </a:rPr>
+                            <a:t>5</a:t>
+                          </a:r>
+                        </a:p>
+                      </a:txBody>
+                      <a:tcPr marL="9525" marR="9525" marT="9525" marB="9525" anchor="ctr"/>
+                    </a:tc>
+                    <a:tc>
+                      <a:txBody>
+                        <a:bodyPr/>
+                        <a:lstStyle/>
+                        <a:p>
+                          <a:pPr marL="0" indent="8255" algn="ctr" defTabSz="914400" rtl="0" eaLnBrk="1" latinLnBrk="0" hangingPunct="1">
+                            <a:lnSpc>
+                              <a:spcPct val="150000"/>
+                            </a:lnSpc>
+                            <a:spcAft>
+                              <a:spcPts val="0"/>
+                            </a:spcAft>
+                          </a:pPr>
+                          <a:r>
+                            <a:rPr lang="ru-RU" sz="1200" kern="1200">
+                              <a:solidFill>
+                                <a:schemeClr val="dk1"/>
+                              </a:solidFill>
+                              <a:effectLst/>
+                              <a:latin typeface="+mn-lt"/>
+                              <a:ea typeface="+mn-ea"/>
+                              <a:cs typeface="+mn-cs"/>
+                            </a:rPr>
+                            <a:t>4</a:t>
+                          </a:r>
+                        </a:p>
+                      </a:txBody>
+                      <a:tcPr marL="9525" marR="9525" marT="9525" marB="9525" anchor="ctr"/>
+                    </a:tc>
+                    <a:tc>
+                      <a:txBody>
+                        <a:bodyPr/>
+                        <a:lstStyle/>
+                        <a:p>
+                          <a:pPr marL="0" indent="8255" algn="ctr" defTabSz="914400" rtl="0" eaLnBrk="1" latinLnBrk="0" hangingPunct="1">
+                            <a:lnSpc>
+                              <a:spcPct val="150000"/>
+                            </a:lnSpc>
+                            <a:spcAft>
+                              <a:spcPts val="0"/>
+                            </a:spcAft>
+                          </a:pPr>
+                          <a:r>
+                            <a:rPr lang="ru-RU" sz="1200" kern="1200">
+                              <a:solidFill>
+                                <a:schemeClr val="dk1"/>
+                              </a:solidFill>
+                              <a:effectLst/>
+                              <a:latin typeface="+mn-lt"/>
+                              <a:ea typeface="+mn-ea"/>
+                              <a:cs typeface="+mn-cs"/>
+                            </a:rPr>
+                            <a:t>2,5</a:t>
+                          </a:r>
+                        </a:p>
+                      </a:txBody>
+                      <a:tcPr marL="9525" marR="9525" marT="9525" marB="9525" anchor="ctr"/>
+                    </a:tc>
+                    <a:tc>
+                      <a:txBody>
+                        <a:bodyPr/>
+                        <a:lstStyle/>
+                        <a:p>
+                          <a:pPr marL="0" indent="8255" algn="ctr" defTabSz="914400" rtl="0" eaLnBrk="1" latinLnBrk="0" hangingPunct="1">
+                            <a:lnSpc>
+                              <a:spcPct val="150000"/>
+                            </a:lnSpc>
+                            <a:spcAft>
+                              <a:spcPts val="0"/>
+                            </a:spcAft>
+                          </a:pPr>
+                          <a:r>
+                            <a:rPr lang="ru-RU" sz="1200" kern="1200">
+                              <a:solidFill>
+                                <a:schemeClr val="dk1"/>
+                              </a:solidFill>
+                              <a:effectLst/>
+                              <a:latin typeface="+mn-lt"/>
+                              <a:ea typeface="+mn-ea"/>
+                              <a:cs typeface="+mn-cs"/>
+                            </a:rPr>
+                            <a:t>21</a:t>
+                          </a:r>
+                        </a:p>
+                      </a:txBody>
+                      <a:tcPr marL="9525" marR="9525" marT="9525" marB="9525" anchor="ctr"/>
+                    </a:tc>
+                    <a:extLst>
+                      <a:ext uri="{0D108BD9-81ED-4DB2-BD59-A6C34878D82A}">
+                        <a16:rowId xmlns:a16="http://schemas.microsoft.com/office/drawing/2014/main" val="2466659489"/>
+                      </a:ext>
+                    </a:extLst>
+                  </a:tr>
+                  <a:tr h="276704">
+                    <a:tc>
+                      <a:txBody>
+                        <a:bodyPr/>
+                        <a:lstStyle/>
+                        <a:p>
+                          <a:pPr indent="8255" algn="ctr">
+                            <a:lnSpc>
+                              <a:spcPct val="150000"/>
+                            </a:lnSpc>
+                            <a:spcAft>
+                              <a:spcPts val="0"/>
+                            </a:spcAft>
+                          </a:pPr>
+                          <a:r>
+                            <a:rPr lang="ru-RU" sz="1200">
+                              <a:effectLst/>
+                            </a:rPr>
+                            <a:t>Эксперт 6</a:t>
+                          </a:r>
+                          <a:endParaRPr lang="ru-RU" sz="1000">
+                            <a:effectLst/>
+                            <a:latin typeface="Calibri" panose="020F0502020204030204" pitchFamily="34" charset="0"/>
+                            <a:ea typeface="Calibri" panose="020F0502020204030204" pitchFamily="34" charset="0"/>
+                            <a:cs typeface="Times New Roman" panose="02020603050405020304" pitchFamily="18" charset="0"/>
+                          </a:endParaRPr>
+                        </a:p>
+                      </a:txBody>
+                      <a:tcPr marL="63272" marR="63272" marT="0" marB="0" anchor="ctr"/>
+                    </a:tc>
+                    <a:tc>
+                      <a:txBody>
+                        <a:bodyPr/>
+                        <a:lstStyle/>
+                        <a:p>
+                          <a:pPr marL="0" indent="8255" algn="ctr" defTabSz="914400" rtl="0" eaLnBrk="1" latinLnBrk="0" hangingPunct="1">
+                            <a:lnSpc>
+                              <a:spcPct val="150000"/>
+                            </a:lnSpc>
+                            <a:spcAft>
+                              <a:spcPts val="0"/>
+                            </a:spcAft>
+                          </a:pPr>
+                          <a:r>
+                            <a:rPr lang="ru-RU" sz="1200" kern="1200">
+                              <a:solidFill>
+                                <a:schemeClr val="dk1"/>
+                              </a:solidFill>
+                              <a:effectLst/>
+                              <a:latin typeface="+mn-lt"/>
+                              <a:ea typeface="+mn-ea"/>
+                              <a:cs typeface="+mn-cs"/>
+                            </a:rPr>
+                            <a:t>1</a:t>
+                          </a:r>
+                        </a:p>
+                      </a:txBody>
+                      <a:tcPr marL="73025" marR="73025" marT="0" marB="0" anchor="ctr"/>
+                    </a:tc>
+                    <a:tc>
+                      <a:txBody>
+                        <a:bodyPr/>
+                        <a:lstStyle/>
+                        <a:p>
+                          <a:pPr marL="0" indent="8255" algn="ctr" defTabSz="914400" rtl="0" eaLnBrk="1" latinLnBrk="0" hangingPunct="1">
+                            <a:lnSpc>
+                              <a:spcPct val="150000"/>
+                            </a:lnSpc>
+                            <a:spcAft>
+                              <a:spcPts val="0"/>
+                            </a:spcAft>
+                          </a:pPr>
+                          <a:r>
+                            <a:rPr lang="ru-RU" sz="1200" kern="1200">
+                              <a:solidFill>
+                                <a:schemeClr val="dk1"/>
+                              </a:solidFill>
+                              <a:effectLst/>
+                              <a:latin typeface="+mn-lt"/>
+                              <a:ea typeface="+mn-ea"/>
+                              <a:cs typeface="+mn-cs"/>
+                            </a:rPr>
+                            <a:t>5</a:t>
+                          </a:r>
+                        </a:p>
+                      </a:txBody>
+                      <a:tcPr marL="73025" marR="73025" marT="0" marB="0" anchor="ctr"/>
+                    </a:tc>
+                    <a:tc>
+                      <a:txBody>
+                        <a:bodyPr/>
+                        <a:lstStyle/>
+                        <a:p>
+                          <a:pPr marL="0" indent="8255" algn="ctr" defTabSz="914400" rtl="0" eaLnBrk="1" latinLnBrk="0" hangingPunct="1">
+                            <a:lnSpc>
+                              <a:spcPct val="150000"/>
+                            </a:lnSpc>
+                            <a:spcAft>
+                              <a:spcPts val="0"/>
+                            </a:spcAft>
+                          </a:pPr>
+                          <a:r>
+                            <a:rPr lang="ru-RU" sz="1200" kern="1200">
+                              <a:solidFill>
+                                <a:schemeClr val="dk1"/>
+                              </a:solidFill>
+                              <a:effectLst/>
+                              <a:latin typeface="+mn-lt"/>
+                              <a:ea typeface="+mn-ea"/>
+                              <a:cs typeface="+mn-cs"/>
+                            </a:rPr>
+                            <a:t>2</a:t>
+                          </a:r>
+                        </a:p>
+                      </a:txBody>
+                      <a:tcPr marL="73025" marR="73025" marT="0" marB="0" anchor="ctr"/>
+                    </a:tc>
+                    <a:tc>
+                      <a:txBody>
+                        <a:bodyPr/>
+                        <a:lstStyle/>
+                        <a:p>
+                          <a:pPr marL="0" indent="8255" algn="ctr" defTabSz="914400" rtl="0" eaLnBrk="1" latinLnBrk="0" hangingPunct="1">
+                            <a:lnSpc>
+                              <a:spcPct val="150000"/>
+                            </a:lnSpc>
+                            <a:spcAft>
+                              <a:spcPts val="0"/>
+                            </a:spcAft>
+                          </a:pPr>
+                          <a:r>
+                            <a:rPr lang="ru-RU" sz="1200" kern="1200" dirty="0">
+                              <a:solidFill>
+                                <a:schemeClr val="dk1"/>
+                              </a:solidFill>
+                              <a:effectLst/>
+                              <a:latin typeface="+mn-lt"/>
+                              <a:ea typeface="+mn-ea"/>
+                              <a:cs typeface="+mn-cs"/>
+                            </a:rPr>
+                            <a:t>6</a:t>
+                          </a:r>
+                        </a:p>
+                      </a:txBody>
+                      <a:tcPr marL="9525" marR="9525" marT="9525" marB="9525" anchor="ctr"/>
+                    </a:tc>
+                    <a:tc>
+                      <a:txBody>
+                        <a:bodyPr/>
+                        <a:lstStyle/>
+                        <a:p>
+                          <a:pPr marL="0" indent="8255" algn="ctr" defTabSz="914400" rtl="0" eaLnBrk="1" latinLnBrk="0" hangingPunct="1">
+                            <a:lnSpc>
+                              <a:spcPct val="150000"/>
+                            </a:lnSpc>
+                            <a:spcAft>
+                              <a:spcPts val="0"/>
+                            </a:spcAft>
+                          </a:pPr>
+                          <a:r>
+                            <a:rPr lang="ru-RU" sz="1200" kern="1200">
+                              <a:solidFill>
+                                <a:schemeClr val="dk1"/>
+                              </a:solidFill>
+                              <a:effectLst/>
+                              <a:latin typeface="+mn-lt"/>
+                              <a:ea typeface="+mn-ea"/>
+                              <a:cs typeface="+mn-cs"/>
+                            </a:rPr>
+                            <a:t>4</a:t>
+                          </a:r>
+                        </a:p>
+                      </a:txBody>
+                      <a:tcPr marL="9525" marR="9525" marT="9525" marB="9525" anchor="ctr"/>
+                    </a:tc>
+                    <a:tc>
+                      <a:txBody>
+                        <a:bodyPr/>
+                        <a:lstStyle/>
+                        <a:p>
+                          <a:pPr marL="0" indent="8255" algn="ctr" defTabSz="914400" rtl="0" eaLnBrk="1" latinLnBrk="0" hangingPunct="1">
+                            <a:lnSpc>
+                              <a:spcPct val="150000"/>
+                            </a:lnSpc>
+                            <a:spcAft>
+                              <a:spcPts val="0"/>
+                            </a:spcAft>
+                          </a:pPr>
+                          <a:r>
+                            <a:rPr lang="ru-RU" sz="1200" kern="1200">
+                              <a:solidFill>
+                                <a:schemeClr val="dk1"/>
+                              </a:solidFill>
+                              <a:effectLst/>
+                              <a:latin typeface="+mn-lt"/>
+                              <a:ea typeface="+mn-ea"/>
+                              <a:cs typeface="+mn-cs"/>
+                            </a:rPr>
+                            <a:t>3</a:t>
+                          </a:r>
+                        </a:p>
+                      </a:txBody>
+                      <a:tcPr marL="9525" marR="9525" marT="9525" marB="9525" anchor="ctr"/>
+                    </a:tc>
+                    <a:tc>
+                      <a:txBody>
+                        <a:bodyPr/>
+                        <a:lstStyle/>
+                        <a:p>
+                          <a:pPr marL="0" indent="8255" algn="ctr" defTabSz="914400" rtl="0" eaLnBrk="1" latinLnBrk="0" hangingPunct="1">
+                            <a:lnSpc>
+                              <a:spcPct val="150000"/>
+                            </a:lnSpc>
+                            <a:spcAft>
+                              <a:spcPts val="0"/>
+                            </a:spcAft>
+                          </a:pPr>
+                          <a:r>
+                            <a:rPr lang="ru-RU" sz="1200" kern="1200">
+                              <a:solidFill>
+                                <a:schemeClr val="dk1"/>
+                              </a:solidFill>
+                              <a:effectLst/>
+                              <a:latin typeface="+mn-lt"/>
+                              <a:ea typeface="+mn-ea"/>
+                              <a:cs typeface="+mn-cs"/>
+                            </a:rPr>
+                            <a:t>21</a:t>
+                          </a:r>
+                        </a:p>
+                      </a:txBody>
+                      <a:tcPr marL="9525" marR="9525" marT="9525" marB="9525" anchor="ctr"/>
+                    </a:tc>
+                    <a:extLst>
+                      <a:ext uri="{0D108BD9-81ED-4DB2-BD59-A6C34878D82A}">
+                        <a16:rowId xmlns:a16="http://schemas.microsoft.com/office/drawing/2014/main" val="1017247618"/>
+                      </a:ext>
+                    </a:extLst>
+                  </a:tr>
+                  <a:tr h="276704">
+                    <a:tc>
+                      <a:txBody>
+                        <a:bodyPr/>
+                        <a:lstStyle/>
+                        <a:p>
+                          <a:pPr indent="8255" algn="ctr">
+                            <a:lnSpc>
+                              <a:spcPct val="150000"/>
+                            </a:lnSpc>
+                            <a:spcAft>
+                              <a:spcPts val="0"/>
+                            </a:spcAft>
+                          </a:pPr>
+                          <a:r>
+                            <a:rPr lang="ru-RU" sz="1200">
+                              <a:effectLst/>
+                            </a:rPr>
+                            <a:t>Эксперт 7</a:t>
+                          </a:r>
+                          <a:endParaRPr lang="ru-RU" sz="1000">
+                            <a:effectLst/>
+                            <a:latin typeface="Calibri" panose="020F0502020204030204" pitchFamily="34" charset="0"/>
+                            <a:ea typeface="Calibri" panose="020F0502020204030204" pitchFamily="34" charset="0"/>
+                            <a:cs typeface="Times New Roman" panose="02020603050405020304" pitchFamily="18" charset="0"/>
+                          </a:endParaRPr>
+                        </a:p>
+                      </a:txBody>
+                      <a:tcPr marL="63272" marR="63272" marT="0" marB="0" anchor="ctr"/>
+                    </a:tc>
+                    <a:tc>
+                      <a:txBody>
+                        <a:bodyPr/>
+                        <a:lstStyle/>
+                        <a:p>
+                          <a:pPr marL="0" indent="8255" algn="ctr" defTabSz="914400" rtl="0" eaLnBrk="1" latinLnBrk="0" hangingPunct="1">
+                            <a:lnSpc>
+                              <a:spcPct val="150000"/>
+                            </a:lnSpc>
+                            <a:spcAft>
+                              <a:spcPts val="0"/>
+                            </a:spcAft>
+                          </a:pPr>
+                          <a:r>
+                            <a:rPr lang="ru-RU" sz="1200" kern="1200">
+                              <a:solidFill>
+                                <a:schemeClr val="dk1"/>
+                              </a:solidFill>
+                              <a:effectLst/>
+                              <a:latin typeface="+mn-lt"/>
+                              <a:ea typeface="+mn-ea"/>
+                              <a:cs typeface="+mn-cs"/>
+                            </a:rPr>
+                            <a:t>3</a:t>
+                          </a:r>
+                        </a:p>
+                      </a:txBody>
+                      <a:tcPr marL="73025" marR="73025" marT="0" marB="0" anchor="ctr"/>
+                    </a:tc>
+                    <a:tc>
+                      <a:txBody>
+                        <a:bodyPr/>
+                        <a:lstStyle/>
+                        <a:p>
+                          <a:pPr marL="0" indent="8255" algn="ctr" defTabSz="914400" rtl="0" eaLnBrk="1" latinLnBrk="0" hangingPunct="1">
+                            <a:lnSpc>
+                              <a:spcPct val="150000"/>
+                            </a:lnSpc>
+                            <a:spcAft>
+                              <a:spcPts val="0"/>
+                            </a:spcAft>
+                          </a:pPr>
+                          <a:r>
+                            <a:rPr lang="ru-RU" sz="1200" kern="1200">
+                              <a:solidFill>
+                                <a:schemeClr val="dk1"/>
+                              </a:solidFill>
+                              <a:effectLst/>
+                              <a:latin typeface="+mn-lt"/>
+                              <a:ea typeface="+mn-ea"/>
+                              <a:cs typeface="+mn-cs"/>
+                            </a:rPr>
+                            <a:t>4</a:t>
+                          </a:r>
+                        </a:p>
+                      </a:txBody>
+                      <a:tcPr marL="73025" marR="73025" marT="0" marB="0" anchor="ctr"/>
+                    </a:tc>
+                    <a:tc>
+                      <a:txBody>
+                        <a:bodyPr/>
+                        <a:lstStyle/>
+                        <a:p>
+                          <a:pPr marL="0" indent="8255" algn="ctr" defTabSz="914400" rtl="0" eaLnBrk="1" latinLnBrk="0" hangingPunct="1">
+                            <a:lnSpc>
+                              <a:spcPct val="150000"/>
+                            </a:lnSpc>
+                            <a:spcAft>
+                              <a:spcPts val="0"/>
+                            </a:spcAft>
+                          </a:pPr>
+                          <a:r>
+                            <a:rPr lang="ru-RU" sz="1200" kern="1200">
+                              <a:solidFill>
+                                <a:schemeClr val="dk1"/>
+                              </a:solidFill>
+                              <a:effectLst/>
+                              <a:latin typeface="+mn-lt"/>
+                              <a:ea typeface="+mn-ea"/>
+                              <a:cs typeface="+mn-cs"/>
+                            </a:rPr>
+                            <a:t>1</a:t>
+                          </a:r>
+                        </a:p>
+                      </a:txBody>
+                      <a:tcPr marL="73025" marR="73025" marT="0" marB="0" anchor="ctr"/>
+                    </a:tc>
+                    <a:tc>
+                      <a:txBody>
+                        <a:bodyPr/>
+                        <a:lstStyle/>
+                        <a:p>
+                          <a:pPr marL="0" indent="8255" algn="ctr" defTabSz="914400" rtl="0" eaLnBrk="1" latinLnBrk="0" hangingPunct="1">
+                            <a:lnSpc>
+                              <a:spcPct val="150000"/>
+                            </a:lnSpc>
+                            <a:spcAft>
+                              <a:spcPts val="0"/>
+                            </a:spcAft>
+                          </a:pPr>
+                          <a:r>
+                            <a:rPr lang="ru-RU" sz="1200" kern="1200" dirty="0">
+                              <a:solidFill>
+                                <a:schemeClr val="dk1"/>
+                              </a:solidFill>
+                              <a:effectLst/>
+                              <a:latin typeface="+mn-lt"/>
+                              <a:ea typeface="+mn-ea"/>
+                              <a:cs typeface="+mn-cs"/>
+                            </a:rPr>
+                            <a:t>5</a:t>
+                          </a:r>
+                        </a:p>
+                      </a:txBody>
+                      <a:tcPr marL="9525" marR="9525" marT="9525" marB="9525" anchor="ctr"/>
+                    </a:tc>
+                    <a:tc>
+                      <a:txBody>
+                        <a:bodyPr/>
+                        <a:lstStyle/>
+                        <a:p>
+                          <a:pPr marL="0" indent="8255" algn="ctr" defTabSz="914400" rtl="0" eaLnBrk="1" latinLnBrk="0" hangingPunct="1">
+                            <a:lnSpc>
+                              <a:spcPct val="150000"/>
+                            </a:lnSpc>
+                            <a:spcAft>
+                              <a:spcPts val="0"/>
+                            </a:spcAft>
+                          </a:pPr>
+                          <a:r>
+                            <a:rPr lang="ru-RU" sz="1200" kern="1200" dirty="0">
+                              <a:solidFill>
+                                <a:schemeClr val="dk1"/>
+                              </a:solidFill>
+                              <a:effectLst/>
+                              <a:latin typeface="+mn-lt"/>
+                              <a:ea typeface="+mn-ea"/>
+                              <a:cs typeface="+mn-cs"/>
+                            </a:rPr>
+                            <a:t>2</a:t>
+                          </a:r>
+                        </a:p>
+                      </a:txBody>
+                      <a:tcPr marL="9525" marR="9525" marT="9525" marB="9525" anchor="ctr"/>
+                    </a:tc>
+                    <a:tc>
+                      <a:txBody>
+                        <a:bodyPr/>
+                        <a:lstStyle/>
+                        <a:p>
+                          <a:pPr marL="0" indent="8255" algn="ctr" defTabSz="914400" rtl="0" eaLnBrk="1" latinLnBrk="0" hangingPunct="1">
+                            <a:lnSpc>
+                              <a:spcPct val="150000"/>
+                            </a:lnSpc>
+                            <a:spcAft>
+                              <a:spcPts val="0"/>
+                            </a:spcAft>
+                          </a:pPr>
+                          <a:r>
+                            <a:rPr lang="ru-RU" sz="1200" kern="1200">
+                              <a:solidFill>
+                                <a:schemeClr val="dk1"/>
+                              </a:solidFill>
+                              <a:effectLst/>
+                              <a:latin typeface="+mn-lt"/>
+                              <a:ea typeface="+mn-ea"/>
+                              <a:cs typeface="+mn-cs"/>
+                            </a:rPr>
+                            <a:t>6</a:t>
+                          </a:r>
+                        </a:p>
+                      </a:txBody>
+                      <a:tcPr marL="9525" marR="9525" marT="9525" marB="9525" anchor="ctr"/>
+                    </a:tc>
+                    <a:tc>
+                      <a:txBody>
+                        <a:bodyPr/>
+                        <a:lstStyle/>
+                        <a:p>
+                          <a:pPr marL="0" indent="8255" algn="ctr" defTabSz="914400" rtl="0" eaLnBrk="1" latinLnBrk="0" hangingPunct="1">
+                            <a:lnSpc>
+                              <a:spcPct val="150000"/>
+                            </a:lnSpc>
+                            <a:spcAft>
+                              <a:spcPts val="0"/>
+                            </a:spcAft>
+                          </a:pPr>
+                          <a:r>
+                            <a:rPr lang="ru-RU" sz="1200" kern="1200">
+                              <a:solidFill>
+                                <a:schemeClr val="dk1"/>
+                              </a:solidFill>
+                              <a:effectLst/>
+                              <a:latin typeface="+mn-lt"/>
+                              <a:ea typeface="+mn-ea"/>
+                              <a:cs typeface="+mn-cs"/>
+                            </a:rPr>
+                            <a:t>21</a:t>
+                          </a:r>
+                        </a:p>
+                      </a:txBody>
+                      <a:tcPr marL="9525" marR="9525" marT="9525" marB="9525" anchor="ctr"/>
+                    </a:tc>
+                    <a:extLst>
+                      <a:ext uri="{0D108BD9-81ED-4DB2-BD59-A6C34878D82A}">
+                        <a16:rowId xmlns:a16="http://schemas.microsoft.com/office/drawing/2014/main" val="1456016647"/>
+                      </a:ext>
+                    </a:extLst>
+                  </a:tr>
+                  <a:tr h="276704">
+                    <a:tc>
+                      <a:txBody>
+                        <a:bodyPr/>
+                        <a:lstStyle/>
+                        <a:p>
+                          <a:pPr indent="8255" algn="ctr">
+                            <a:lnSpc>
+                              <a:spcPct val="150000"/>
+                            </a:lnSpc>
+                            <a:spcAft>
+                              <a:spcPts val="0"/>
+                            </a:spcAft>
+                          </a:pPr>
+                          <a:r>
+                            <a:rPr lang="ru-RU" sz="1200">
+                              <a:effectLst/>
+                            </a:rPr>
+                            <a:t>Эксперт 8</a:t>
+                          </a:r>
+                          <a:endParaRPr lang="ru-RU" sz="1000">
+                            <a:effectLst/>
+                            <a:latin typeface="Calibri" panose="020F0502020204030204" pitchFamily="34" charset="0"/>
+                            <a:ea typeface="Calibri" panose="020F0502020204030204" pitchFamily="34" charset="0"/>
+                            <a:cs typeface="Times New Roman" panose="02020603050405020304" pitchFamily="18" charset="0"/>
+                          </a:endParaRPr>
+                        </a:p>
+                      </a:txBody>
+                      <a:tcPr marL="63272" marR="63272" marT="0" marB="0" anchor="ctr"/>
+                    </a:tc>
+                    <a:tc>
+                      <a:txBody>
+                        <a:bodyPr/>
+                        <a:lstStyle/>
+                        <a:p>
+                          <a:pPr marL="0" indent="8255" algn="ctr" defTabSz="914400" rtl="0" eaLnBrk="1" latinLnBrk="0" hangingPunct="1">
+                            <a:lnSpc>
+                              <a:spcPct val="150000"/>
+                            </a:lnSpc>
+                            <a:spcAft>
+                              <a:spcPts val="0"/>
+                            </a:spcAft>
+                          </a:pPr>
+                          <a:r>
+                            <a:rPr lang="ru-RU" sz="1200" kern="1200">
+                              <a:solidFill>
+                                <a:schemeClr val="dk1"/>
+                              </a:solidFill>
+                              <a:effectLst/>
+                              <a:latin typeface="+mn-lt"/>
+                              <a:ea typeface="+mn-ea"/>
+                              <a:cs typeface="+mn-cs"/>
+                            </a:rPr>
+                            <a:t>1</a:t>
+                          </a:r>
+                        </a:p>
+                      </a:txBody>
+                      <a:tcPr marL="73025" marR="73025" marT="0" marB="0" anchor="ctr"/>
+                    </a:tc>
+                    <a:tc>
+                      <a:txBody>
+                        <a:bodyPr/>
+                        <a:lstStyle/>
+                        <a:p>
+                          <a:pPr marL="0" indent="8255" algn="ctr" defTabSz="914400" rtl="0" eaLnBrk="1" latinLnBrk="0" hangingPunct="1">
+                            <a:lnSpc>
+                              <a:spcPct val="150000"/>
+                            </a:lnSpc>
+                            <a:spcAft>
+                              <a:spcPts val="0"/>
+                            </a:spcAft>
+                          </a:pPr>
+                          <a:r>
+                            <a:rPr lang="ru-RU" sz="1200" kern="1200">
+                              <a:solidFill>
+                                <a:schemeClr val="dk1"/>
+                              </a:solidFill>
+                              <a:effectLst/>
+                              <a:latin typeface="+mn-lt"/>
+                              <a:ea typeface="+mn-ea"/>
+                              <a:cs typeface="+mn-cs"/>
+                            </a:rPr>
+                            <a:t>5</a:t>
+                          </a:r>
+                        </a:p>
+                      </a:txBody>
+                      <a:tcPr marL="73025" marR="73025" marT="0" marB="0" anchor="ctr"/>
+                    </a:tc>
+                    <a:tc>
+                      <a:txBody>
+                        <a:bodyPr/>
+                        <a:lstStyle/>
+                        <a:p>
+                          <a:pPr marL="0" indent="8255" algn="ctr" defTabSz="914400" rtl="0" eaLnBrk="1" latinLnBrk="0" hangingPunct="1">
+                            <a:lnSpc>
+                              <a:spcPct val="150000"/>
+                            </a:lnSpc>
+                            <a:spcAft>
+                              <a:spcPts val="0"/>
+                            </a:spcAft>
+                          </a:pPr>
+                          <a:r>
+                            <a:rPr lang="ru-RU" sz="1200" kern="1200">
+                              <a:solidFill>
+                                <a:schemeClr val="dk1"/>
+                              </a:solidFill>
+                              <a:effectLst/>
+                              <a:latin typeface="+mn-lt"/>
+                              <a:ea typeface="+mn-ea"/>
+                              <a:cs typeface="+mn-cs"/>
+                            </a:rPr>
+                            <a:t>2</a:t>
+                          </a:r>
+                        </a:p>
+                      </a:txBody>
+                      <a:tcPr marL="73025" marR="73025" marT="0" marB="0" anchor="ctr"/>
+                    </a:tc>
+                    <a:tc>
+                      <a:txBody>
+                        <a:bodyPr/>
+                        <a:lstStyle/>
+                        <a:p>
+                          <a:pPr marL="0" indent="8255" algn="ctr" defTabSz="914400" rtl="0" eaLnBrk="1" latinLnBrk="0" hangingPunct="1">
+                            <a:lnSpc>
+                              <a:spcPct val="150000"/>
+                            </a:lnSpc>
+                            <a:spcAft>
+                              <a:spcPts val="0"/>
+                            </a:spcAft>
+                          </a:pPr>
+                          <a:r>
+                            <a:rPr lang="ru-RU" sz="1200" kern="1200">
+                              <a:solidFill>
+                                <a:schemeClr val="dk1"/>
+                              </a:solidFill>
+                              <a:effectLst/>
+                              <a:latin typeface="+mn-lt"/>
+                              <a:ea typeface="+mn-ea"/>
+                              <a:cs typeface="+mn-cs"/>
+                            </a:rPr>
+                            <a:t>6</a:t>
+                          </a:r>
+                        </a:p>
+                      </a:txBody>
+                      <a:tcPr marL="9525" marR="9525" marT="9525" marB="9525" anchor="ctr"/>
+                    </a:tc>
+                    <a:tc>
+                      <a:txBody>
+                        <a:bodyPr/>
+                        <a:lstStyle/>
+                        <a:p>
+                          <a:pPr marL="0" indent="8255" algn="ctr" defTabSz="914400" rtl="0" eaLnBrk="1" latinLnBrk="0" hangingPunct="1">
+                            <a:lnSpc>
+                              <a:spcPct val="150000"/>
+                            </a:lnSpc>
+                            <a:spcAft>
+                              <a:spcPts val="0"/>
+                            </a:spcAft>
+                          </a:pPr>
+                          <a:r>
+                            <a:rPr lang="ru-RU" sz="1200" kern="1200" dirty="0">
+                              <a:solidFill>
+                                <a:schemeClr val="dk1"/>
+                              </a:solidFill>
+                              <a:effectLst/>
+                              <a:latin typeface="+mn-lt"/>
+                              <a:ea typeface="+mn-ea"/>
+                              <a:cs typeface="+mn-cs"/>
+                            </a:rPr>
+                            <a:t>3</a:t>
+                          </a:r>
+                        </a:p>
+                      </a:txBody>
+                      <a:tcPr marL="9525" marR="9525" marT="9525" marB="9525" anchor="ctr"/>
+                    </a:tc>
+                    <a:tc>
+                      <a:txBody>
+                        <a:bodyPr/>
+                        <a:lstStyle/>
+                        <a:p>
+                          <a:pPr marL="0" indent="8255" algn="ctr" defTabSz="914400" rtl="0" eaLnBrk="1" latinLnBrk="0" hangingPunct="1">
+                            <a:lnSpc>
+                              <a:spcPct val="150000"/>
+                            </a:lnSpc>
+                            <a:spcAft>
+                              <a:spcPts val="0"/>
+                            </a:spcAft>
+                          </a:pPr>
+                          <a:r>
+                            <a:rPr lang="ru-RU" sz="1200" kern="1200">
+                              <a:solidFill>
+                                <a:schemeClr val="dk1"/>
+                              </a:solidFill>
+                              <a:effectLst/>
+                              <a:latin typeface="+mn-lt"/>
+                              <a:ea typeface="+mn-ea"/>
+                              <a:cs typeface="+mn-cs"/>
+                            </a:rPr>
+                            <a:t>4</a:t>
+                          </a:r>
+                        </a:p>
+                      </a:txBody>
+                      <a:tcPr marL="9525" marR="9525" marT="9525" marB="9525" anchor="ctr"/>
+                    </a:tc>
+                    <a:tc>
+                      <a:txBody>
+                        <a:bodyPr/>
+                        <a:lstStyle/>
+                        <a:p>
+                          <a:pPr marL="0" indent="8255" algn="ctr" defTabSz="914400" rtl="0" eaLnBrk="1" latinLnBrk="0" hangingPunct="1">
+                            <a:lnSpc>
+                              <a:spcPct val="150000"/>
+                            </a:lnSpc>
+                            <a:spcAft>
+                              <a:spcPts val="0"/>
+                            </a:spcAft>
+                          </a:pPr>
+                          <a:r>
+                            <a:rPr lang="ru-RU" sz="1200" kern="1200">
+                              <a:solidFill>
+                                <a:schemeClr val="dk1"/>
+                              </a:solidFill>
+                              <a:effectLst/>
+                              <a:latin typeface="+mn-lt"/>
+                              <a:ea typeface="+mn-ea"/>
+                              <a:cs typeface="+mn-cs"/>
+                            </a:rPr>
+                            <a:t>21</a:t>
+                          </a:r>
+                        </a:p>
+                      </a:txBody>
+                      <a:tcPr marL="9525" marR="9525" marT="9525" marB="9525" anchor="ctr"/>
+                    </a:tc>
+                    <a:extLst>
+                      <a:ext uri="{0D108BD9-81ED-4DB2-BD59-A6C34878D82A}">
+                        <a16:rowId xmlns:a16="http://schemas.microsoft.com/office/drawing/2014/main" val="232042718"/>
+                      </a:ext>
+                    </a:extLst>
+                  </a:tr>
+                  <a:tr h="276704">
+                    <a:tc>
+                      <a:txBody>
+                        <a:bodyPr/>
+                        <a:lstStyle/>
+                        <a:p>
+                          <a:pPr indent="8255" algn="ctr">
+                            <a:lnSpc>
+                              <a:spcPct val="150000"/>
+                            </a:lnSpc>
+                            <a:spcAft>
+                              <a:spcPts val="0"/>
+                            </a:spcAft>
+                          </a:pPr>
+                          <a:r>
+                            <a:rPr lang="ru-RU" sz="1200">
+                              <a:effectLst/>
+                            </a:rPr>
+                            <a:t>Эксперт 9</a:t>
+                          </a:r>
+                          <a:endParaRPr lang="ru-RU" sz="1000">
+                            <a:effectLst/>
+                            <a:latin typeface="Calibri" panose="020F0502020204030204" pitchFamily="34" charset="0"/>
+                            <a:ea typeface="Calibri" panose="020F0502020204030204" pitchFamily="34" charset="0"/>
+                            <a:cs typeface="Times New Roman" panose="02020603050405020304" pitchFamily="18" charset="0"/>
+                          </a:endParaRPr>
+                        </a:p>
+                      </a:txBody>
+                      <a:tcPr marL="63272" marR="63272" marT="0" marB="0" anchor="ctr"/>
+                    </a:tc>
+                    <a:tc>
+                      <a:txBody>
+                        <a:bodyPr/>
+                        <a:lstStyle/>
+                        <a:p>
+                          <a:pPr marL="0" indent="8255" algn="ctr" defTabSz="914400" rtl="0" eaLnBrk="1" latinLnBrk="0" hangingPunct="1">
+                            <a:lnSpc>
+                              <a:spcPct val="150000"/>
+                            </a:lnSpc>
+                            <a:spcAft>
+                              <a:spcPts val="0"/>
+                            </a:spcAft>
+                          </a:pPr>
+                          <a:r>
+                            <a:rPr lang="ru-RU" sz="1200" kern="1200">
+                              <a:solidFill>
+                                <a:schemeClr val="dk1"/>
+                              </a:solidFill>
+                              <a:effectLst/>
+                              <a:latin typeface="+mn-lt"/>
+                              <a:ea typeface="+mn-ea"/>
+                              <a:cs typeface="+mn-cs"/>
+                            </a:rPr>
+                            <a:t>2</a:t>
+                          </a:r>
+                        </a:p>
+                      </a:txBody>
+                      <a:tcPr marL="73025" marR="73025" marT="0" marB="0" anchor="ctr"/>
+                    </a:tc>
+                    <a:tc>
+                      <a:txBody>
+                        <a:bodyPr/>
+                        <a:lstStyle/>
+                        <a:p>
+                          <a:pPr marL="0" indent="8255" algn="ctr" defTabSz="914400" rtl="0" eaLnBrk="1" latinLnBrk="0" hangingPunct="1">
+                            <a:lnSpc>
+                              <a:spcPct val="150000"/>
+                            </a:lnSpc>
+                            <a:spcAft>
+                              <a:spcPts val="0"/>
+                            </a:spcAft>
+                          </a:pPr>
+                          <a:r>
+                            <a:rPr lang="ru-RU" sz="1200" kern="1200">
+                              <a:solidFill>
+                                <a:schemeClr val="dk1"/>
+                              </a:solidFill>
+                              <a:effectLst/>
+                              <a:latin typeface="+mn-lt"/>
+                              <a:ea typeface="+mn-ea"/>
+                              <a:cs typeface="+mn-cs"/>
+                            </a:rPr>
+                            <a:t>3</a:t>
+                          </a:r>
+                        </a:p>
+                      </a:txBody>
+                      <a:tcPr marL="73025" marR="73025" marT="0" marB="0" anchor="ctr"/>
+                    </a:tc>
+                    <a:tc>
+                      <a:txBody>
+                        <a:bodyPr/>
+                        <a:lstStyle/>
+                        <a:p>
+                          <a:pPr marL="0" indent="8255" algn="ctr" defTabSz="914400" rtl="0" eaLnBrk="1" latinLnBrk="0" hangingPunct="1">
+                            <a:lnSpc>
+                              <a:spcPct val="150000"/>
+                            </a:lnSpc>
+                            <a:spcAft>
+                              <a:spcPts val="0"/>
+                            </a:spcAft>
+                          </a:pPr>
+                          <a:r>
+                            <a:rPr lang="ru-RU" sz="1200" kern="1200">
+                              <a:solidFill>
+                                <a:schemeClr val="dk1"/>
+                              </a:solidFill>
+                              <a:effectLst/>
+                              <a:latin typeface="+mn-lt"/>
+                              <a:ea typeface="+mn-ea"/>
+                              <a:cs typeface="+mn-cs"/>
+                            </a:rPr>
+                            <a:t>1</a:t>
+                          </a:r>
+                        </a:p>
+                      </a:txBody>
+                      <a:tcPr marL="73025" marR="73025" marT="0" marB="0" anchor="ctr"/>
+                    </a:tc>
+                    <a:tc>
+                      <a:txBody>
+                        <a:bodyPr/>
+                        <a:lstStyle/>
+                        <a:p>
+                          <a:pPr marL="0" indent="8255" algn="ctr" defTabSz="914400" rtl="0" eaLnBrk="1" latinLnBrk="0" hangingPunct="1">
+                            <a:lnSpc>
+                              <a:spcPct val="150000"/>
+                            </a:lnSpc>
+                            <a:spcAft>
+                              <a:spcPts val="0"/>
+                            </a:spcAft>
+                          </a:pPr>
+                          <a:r>
+                            <a:rPr lang="ru-RU" sz="1200" kern="1200">
+                              <a:solidFill>
+                                <a:schemeClr val="dk1"/>
+                              </a:solidFill>
+                              <a:effectLst/>
+                              <a:latin typeface="+mn-lt"/>
+                              <a:ea typeface="+mn-ea"/>
+                              <a:cs typeface="+mn-cs"/>
+                            </a:rPr>
+                            <a:t>4</a:t>
+                          </a:r>
+                        </a:p>
+                      </a:txBody>
+                      <a:tcPr marL="9525" marR="9525" marT="9525" marB="9525" anchor="ctr"/>
+                    </a:tc>
+                    <a:tc>
+                      <a:txBody>
+                        <a:bodyPr/>
+                        <a:lstStyle/>
+                        <a:p>
+                          <a:pPr marL="0" indent="8255" algn="ctr" defTabSz="914400" rtl="0" eaLnBrk="1" latinLnBrk="0" hangingPunct="1">
+                            <a:lnSpc>
+                              <a:spcPct val="150000"/>
+                            </a:lnSpc>
+                            <a:spcAft>
+                              <a:spcPts val="0"/>
+                            </a:spcAft>
+                          </a:pPr>
+                          <a:r>
+                            <a:rPr lang="ru-RU" sz="1200" kern="1200" dirty="0">
+                              <a:solidFill>
+                                <a:schemeClr val="dk1"/>
+                              </a:solidFill>
+                              <a:effectLst/>
+                              <a:latin typeface="+mn-lt"/>
+                              <a:ea typeface="+mn-ea"/>
+                              <a:cs typeface="+mn-cs"/>
+                            </a:rPr>
+                            <a:t>6</a:t>
+                          </a:r>
+                        </a:p>
+                      </a:txBody>
+                      <a:tcPr marL="9525" marR="9525" marT="9525" marB="9525" anchor="ctr"/>
+                    </a:tc>
+                    <a:tc>
+                      <a:txBody>
+                        <a:bodyPr/>
+                        <a:lstStyle/>
+                        <a:p>
+                          <a:pPr marL="0" indent="8255" algn="ctr" defTabSz="914400" rtl="0" eaLnBrk="1" latinLnBrk="0" hangingPunct="1">
+                            <a:lnSpc>
+                              <a:spcPct val="150000"/>
+                            </a:lnSpc>
+                            <a:spcAft>
+                              <a:spcPts val="0"/>
+                            </a:spcAft>
+                          </a:pPr>
+                          <a:r>
+                            <a:rPr lang="ru-RU" sz="1200" kern="1200">
+                              <a:solidFill>
+                                <a:schemeClr val="dk1"/>
+                              </a:solidFill>
+                              <a:effectLst/>
+                              <a:latin typeface="+mn-lt"/>
+                              <a:ea typeface="+mn-ea"/>
+                              <a:cs typeface="+mn-cs"/>
+                            </a:rPr>
+                            <a:t>5</a:t>
+                          </a:r>
+                        </a:p>
+                      </a:txBody>
+                      <a:tcPr marL="9525" marR="9525" marT="9525" marB="9525" anchor="ctr"/>
+                    </a:tc>
+                    <a:tc>
+                      <a:txBody>
+                        <a:bodyPr/>
+                        <a:lstStyle/>
+                        <a:p>
+                          <a:pPr marL="0" indent="8255" algn="ctr" defTabSz="914400" rtl="0" eaLnBrk="1" latinLnBrk="0" hangingPunct="1">
+                            <a:lnSpc>
+                              <a:spcPct val="150000"/>
+                            </a:lnSpc>
+                            <a:spcAft>
+                              <a:spcPts val="0"/>
+                            </a:spcAft>
+                          </a:pPr>
+                          <a:r>
+                            <a:rPr lang="ru-RU" sz="1200" kern="1200">
+                              <a:solidFill>
+                                <a:schemeClr val="dk1"/>
+                              </a:solidFill>
+                              <a:effectLst/>
+                              <a:latin typeface="+mn-lt"/>
+                              <a:ea typeface="+mn-ea"/>
+                              <a:cs typeface="+mn-cs"/>
+                            </a:rPr>
+                            <a:t>21</a:t>
+                          </a:r>
+                        </a:p>
+                      </a:txBody>
+                      <a:tcPr marL="9525" marR="9525" marT="9525" marB="9525" anchor="ctr"/>
+                    </a:tc>
+                    <a:extLst>
+                      <a:ext uri="{0D108BD9-81ED-4DB2-BD59-A6C34878D82A}">
+                        <a16:rowId xmlns:a16="http://schemas.microsoft.com/office/drawing/2014/main" val="762658407"/>
+                      </a:ext>
+                    </a:extLst>
+                  </a:tr>
+                  <a:tr h="276704">
+                    <a:tc>
+                      <a:txBody>
+                        <a:bodyPr/>
+                        <a:lstStyle/>
+                        <a:p>
+                          <a:pPr indent="8255" algn="ctr">
+                            <a:lnSpc>
+                              <a:spcPct val="150000"/>
+                            </a:lnSpc>
+                            <a:spcAft>
+                              <a:spcPts val="0"/>
+                            </a:spcAft>
+                          </a:pPr>
+                          <a:r>
+                            <a:rPr lang="ru-RU" sz="1200">
+                              <a:effectLst/>
+                            </a:rPr>
+                            <a:t>Эксперт 10</a:t>
+                          </a:r>
+                          <a:endParaRPr lang="ru-RU" sz="1000">
+                            <a:effectLst/>
+                            <a:latin typeface="Calibri" panose="020F0502020204030204" pitchFamily="34" charset="0"/>
+                            <a:ea typeface="Calibri" panose="020F0502020204030204" pitchFamily="34" charset="0"/>
+                            <a:cs typeface="Times New Roman" panose="02020603050405020304" pitchFamily="18" charset="0"/>
+                          </a:endParaRPr>
+                        </a:p>
+                      </a:txBody>
+                      <a:tcPr marL="63272" marR="63272" marT="0" marB="0" anchor="ctr"/>
+                    </a:tc>
+                    <a:tc>
+                      <a:txBody>
+                        <a:bodyPr/>
+                        <a:lstStyle/>
+                        <a:p>
+                          <a:pPr marL="0" indent="8255" algn="ctr" defTabSz="914400" rtl="0" eaLnBrk="1" latinLnBrk="0" hangingPunct="1">
+                            <a:lnSpc>
+                              <a:spcPct val="150000"/>
+                            </a:lnSpc>
+                            <a:spcAft>
+                              <a:spcPts val="0"/>
+                            </a:spcAft>
+                          </a:pPr>
+                          <a:r>
+                            <a:rPr lang="ru-RU" sz="1200" kern="1200">
+                              <a:solidFill>
+                                <a:schemeClr val="dk1"/>
+                              </a:solidFill>
+                              <a:effectLst/>
+                              <a:latin typeface="+mn-lt"/>
+                              <a:ea typeface="+mn-ea"/>
+                              <a:cs typeface="+mn-cs"/>
+                            </a:rPr>
+                            <a:t>1,5</a:t>
+                          </a:r>
+                        </a:p>
+                      </a:txBody>
+                      <a:tcPr marL="73025" marR="73025" marT="0" marB="0" anchor="ctr"/>
+                    </a:tc>
+                    <a:tc>
+                      <a:txBody>
+                        <a:bodyPr/>
+                        <a:lstStyle/>
+                        <a:p>
+                          <a:pPr marL="0" indent="8255" algn="ctr" defTabSz="914400" rtl="0" eaLnBrk="1" latinLnBrk="0" hangingPunct="1">
+                            <a:lnSpc>
+                              <a:spcPct val="150000"/>
+                            </a:lnSpc>
+                            <a:spcAft>
+                              <a:spcPts val="0"/>
+                            </a:spcAft>
+                          </a:pPr>
+                          <a:r>
+                            <a:rPr lang="ru-RU" sz="1200" kern="1200">
+                              <a:solidFill>
+                                <a:schemeClr val="dk1"/>
+                              </a:solidFill>
+                              <a:effectLst/>
+                              <a:latin typeface="+mn-lt"/>
+                              <a:ea typeface="+mn-ea"/>
+                              <a:cs typeface="+mn-cs"/>
+                            </a:rPr>
+                            <a:t>3</a:t>
+                          </a:r>
+                        </a:p>
+                      </a:txBody>
+                      <a:tcPr marL="73025" marR="73025" marT="0" marB="0" anchor="ctr"/>
+                    </a:tc>
+                    <a:tc>
+                      <a:txBody>
+                        <a:bodyPr/>
+                        <a:lstStyle/>
+                        <a:p>
+                          <a:pPr marL="0" indent="8255" algn="ctr" defTabSz="914400" rtl="0" eaLnBrk="1" latinLnBrk="0" hangingPunct="1">
+                            <a:lnSpc>
+                              <a:spcPct val="150000"/>
+                            </a:lnSpc>
+                            <a:spcAft>
+                              <a:spcPts val="0"/>
+                            </a:spcAft>
+                          </a:pPr>
+                          <a:r>
+                            <a:rPr lang="ru-RU" sz="1200" kern="1200">
+                              <a:solidFill>
+                                <a:schemeClr val="dk1"/>
+                              </a:solidFill>
+                              <a:effectLst/>
+                              <a:latin typeface="+mn-lt"/>
+                              <a:ea typeface="+mn-ea"/>
+                              <a:cs typeface="+mn-cs"/>
+                            </a:rPr>
+                            <a:t>1,5</a:t>
+                          </a:r>
+                        </a:p>
+                      </a:txBody>
+                      <a:tcPr marL="73025" marR="73025" marT="0" marB="0" anchor="ctr"/>
+                    </a:tc>
+                    <a:tc>
+                      <a:txBody>
+                        <a:bodyPr/>
+                        <a:lstStyle/>
+                        <a:p>
+                          <a:pPr marL="0" indent="8255" algn="ctr" defTabSz="914400" rtl="0" eaLnBrk="1" latinLnBrk="0" hangingPunct="1">
+                            <a:lnSpc>
+                              <a:spcPct val="150000"/>
+                            </a:lnSpc>
+                            <a:spcAft>
+                              <a:spcPts val="0"/>
+                            </a:spcAft>
+                          </a:pPr>
+                          <a:r>
+                            <a:rPr lang="ru-RU" sz="1200" kern="1200">
+                              <a:solidFill>
+                                <a:schemeClr val="dk1"/>
+                              </a:solidFill>
+                              <a:effectLst/>
+                              <a:latin typeface="+mn-lt"/>
+                              <a:ea typeface="+mn-ea"/>
+                              <a:cs typeface="+mn-cs"/>
+                            </a:rPr>
+                            <a:t>5,5</a:t>
+                          </a:r>
+                        </a:p>
+                      </a:txBody>
+                      <a:tcPr marL="9525" marR="9525" marT="9525" marB="9525" anchor="ctr"/>
+                    </a:tc>
+                    <a:tc>
+                      <a:txBody>
+                        <a:bodyPr/>
+                        <a:lstStyle/>
+                        <a:p>
+                          <a:pPr marL="0" indent="8255" algn="ctr" defTabSz="914400" rtl="0" eaLnBrk="1" latinLnBrk="0" hangingPunct="1">
+                            <a:lnSpc>
+                              <a:spcPct val="150000"/>
+                            </a:lnSpc>
+                            <a:spcAft>
+                              <a:spcPts val="0"/>
+                            </a:spcAft>
+                          </a:pPr>
+                          <a:r>
+                            <a:rPr lang="ru-RU" sz="1200" kern="1200" dirty="0">
+                              <a:solidFill>
+                                <a:schemeClr val="dk1"/>
+                              </a:solidFill>
+                              <a:effectLst/>
+                              <a:latin typeface="+mn-lt"/>
+                              <a:ea typeface="+mn-ea"/>
+                              <a:cs typeface="+mn-cs"/>
+                            </a:rPr>
+                            <a:t>4</a:t>
+                          </a:r>
+                        </a:p>
+                      </a:txBody>
+                      <a:tcPr marL="9525" marR="9525" marT="9525" marB="9525" anchor="ctr"/>
+                    </a:tc>
+                    <a:tc>
+                      <a:txBody>
+                        <a:bodyPr/>
+                        <a:lstStyle/>
+                        <a:p>
+                          <a:pPr marL="0" indent="8255" algn="ctr" defTabSz="914400" rtl="0" eaLnBrk="1" latinLnBrk="0" hangingPunct="1">
+                            <a:lnSpc>
+                              <a:spcPct val="150000"/>
+                            </a:lnSpc>
+                            <a:spcAft>
+                              <a:spcPts val="0"/>
+                            </a:spcAft>
+                          </a:pPr>
+                          <a:r>
+                            <a:rPr lang="ru-RU" sz="1200" kern="1200" dirty="0">
+                              <a:solidFill>
+                                <a:schemeClr val="dk1"/>
+                              </a:solidFill>
+                              <a:effectLst/>
+                              <a:latin typeface="+mn-lt"/>
+                              <a:ea typeface="+mn-ea"/>
+                              <a:cs typeface="+mn-cs"/>
+                            </a:rPr>
+                            <a:t>5,5</a:t>
+                          </a:r>
+                        </a:p>
+                      </a:txBody>
+                      <a:tcPr marL="9525" marR="9525" marT="9525" marB="9525" anchor="ctr"/>
+                    </a:tc>
+                    <a:tc>
+                      <a:txBody>
+                        <a:bodyPr/>
+                        <a:lstStyle/>
+                        <a:p>
+                          <a:pPr marL="0" indent="8255" algn="ctr" defTabSz="914400" rtl="0" eaLnBrk="1" latinLnBrk="0" hangingPunct="1">
+                            <a:lnSpc>
+                              <a:spcPct val="150000"/>
+                            </a:lnSpc>
+                            <a:spcAft>
+                              <a:spcPts val="0"/>
+                            </a:spcAft>
+                          </a:pPr>
+                          <a:r>
+                            <a:rPr lang="ru-RU" sz="1200" kern="1200">
+                              <a:solidFill>
+                                <a:schemeClr val="dk1"/>
+                              </a:solidFill>
+                              <a:effectLst/>
+                              <a:latin typeface="+mn-lt"/>
+                              <a:ea typeface="+mn-ea"/>
+                              <a:cs typeface="+mn-cs"/>
+                            </a:rPr>
+                            <a:t>21</a:t>
+                          </a:r>
+                        </a:p>
+                      </a:txBody>
+                      <a:tcPr marL="9525" marR="9525" marT="9525" marB="9525" anchor="ctr"/>
+                    </a:tc>
+                    <a:extLst>
+                      <a:ext uri="{0D108BD9-81ED-4DB2-BD59-A6C34878D82A}">
+                        <a16:rowId xmlns:a16="http://schemas.microsoft.com/office/drawing/2014/main" val="2029796577"/>
+                      </a:ext>
+                    </a:extLst>
+                  </a:tr>
+                  <a:tr h="623062">
+                    <a:tc>
+                      <a:txBody>
+                        <a:bodyPr/>
+                        <a:lstStyle/>
+                        <a:p>
+                          <a:endParaRPr lang="ru-RU"/>
+                        </a:p>
+                      </a:txBody>
+                      <a:tcPr marL="63272" marR="63272" marT="0" marB="0" anchor="ctr">
+                        <a:blipFill>
+                          <a:blip r:embed="rId5"/>
+                          <a:stretch>
+                            <a:fillRect l="-386" t="-533010" r="-275676" b="-70874"/>
+                          </a:stretch>
+                        </a:blipFill>
+                      </a:tcPr>
+                    </a:tc>
+                    <a:tc>
+                      <a:txBody>
+                        <a:bodyPr/>
+                        <a:lstStyle/>
+                        <a:p>
+                          <a:pPr marL="0" indent="8255" algn="ctr" defTabSz="914400" rtl="0" eaLnBrk="1" latinLnBrk="0" hangingPunct="1">
+                            <a:lnSpc>
+                              <a:spcPct val="150000"/>
+                            </a:lnSpc>
+                            <a:spcAft>
+                              <a:spcPts val="0"/>
+                            </a:spcAft>
+                          </a:pPr>
+                          <a:r>
+                            <a:rPr lang="ru-RU" sz="1200" kern="1200">
+                              <a:solidFill>
+                                <a:schemeClr val="dk1"/>
+                              </a:solidFill>
+                              <a:effectLst/>
+                              <a:latin typeface="+mn-lt"/>
+                              <a:ea typeface="+mn-ea"/>
+                              <a:cs typeface="+mn-cs"/>
+                            </a:rPr>
+                            <a:t>15,5</a:t>
+                          </a:r>
+                        </a:p>
+                      </a:txBody>
+                      <a:tcPr marL="73025" marR="73025" marT="0" marB="0" anchor="ctr"/>
+                    </a:tc>
+                    <a:tc>
+                      <a:txBody>
+                        <a:bodyPr/>
+                        <a:lstStyle/>
+                        <a:p>
+                          <a:pPr marL="0" indent="8255" algn="ctr" defTabSz="914400" rtl="0" eaLnBrk="1" latinLnBrk="0" hangingPunct="1">
+                            <a:lnSpc>
+                              <a:spcPct val="150000"/>
+                            </a:lnSpc>
+                            <a:spcAft>
+                              <a:spcPts val="0"/>
+                            </a:spcAft>
+                          </a:pPr>
+                          <a:r>
+                            <a:rPr lang="ru-RU" sz="1200" kern="1200">
+                              <a:solidFill>
+                                <a:schemeClr val="dk1"/>
+                              </a:solidFill>
+                              <a:effectLst/>
+                              <a:latin typeface="+mn-lt"/>
+                              <a:ea typeface="+mn-ea"/>
+                              <a:cs typeface="+mn-cs"/>
+                            </a:rPr>
+                            <a:t>46</a:t>
+                          </a:r>
+                        </a:p>
+                      </a:txBody>
+                      <a:tcPr marL="73025" marR="73025" marT="0" marB="0" anchor="ctr"/>
+                    </a:tc>
+                    <a:tc>
+                      <a:txBody>
+                        <a:bodyPr/>
+                        <a:lstStyle/>
+                        <a:p>
+                          <a:pPr marL="0" indent="8255" algn="ctr" defTabSz="914400" rtl="0" eaLnBrk="1" latinLnBrk="0" hangingPunct="1">
+                            <a:lnSpc>
+                              <a:spcPct val="150000"/>
+                            </a:lnSpc>
+                            <a:spcAft>
+                              <a:spcPts val="0"/>
+                            </a:spcAft>
+                          </a:pPr>
+                          <a:r>
+                            <a:rPr lang="ru-RU" sz="1200" kern="1200">
+                              <a:solidFill>
+                                <a:schemeClr val="dk1"/>
+                              </a:solidFill>
+                              <a:effectLst/>
+                              <a:latin typeface="+mn-lt"/>
+                              <a:ea typeface="+mn-ea"/>
+                              <a:cs typeface="+mn-cs"/>
+                            </a:rPr>
+                            <a:t>16,5</a:t>
+                          </a:r>
+                        </a:p>
+                      </a:txBody>
+                      <a:tcPr marL="73025" marR="73025" marT="0" marB="0" anchor="ctr"/>
+                    </a:tc>
+                    <a:tc>
+                      <a:txBody>
+                        <a:bodyPr/>
+                        <a:lstStyle/>
+                        <a:p>
+                          <a:pPr marL="0" indent="8255" algn="ctr" defTabSz="914400" rtl="0" eaLnBrk="1" latinLnBrk="0" hangingPunct="1">
+                            <a:lnSpc>
+                              <a:spcPct val="150000"/>
+                            </a:lnSpc>
+                            <a:spcAft>
+                              <a:spcPts val="0"/>
+                            </a:spcAft>
+                          </a:pPr>
+                          <a:r>
+                            <a:rPr lang="ru-RU" sz="1200" kern="1200">
+                              <a:solidFill>
+                                <a:schemeClr val="dk1"/>
+                              </a:solidFill>
+                              <a:effectLst/>
+                              <a:latin typeface="+mn-lt"/>
+                              <a:ea typeface="+mn-ea"/>
+                              <a:cs typeface="+mn-cs"/>
+                            </a:rPr>
+                            <a:t>54,5</a:t>
+                          </a:r>
+                        </a:p>
+                      </a:txBody>
+                      <a:tcPr marL="9525" marR="9525" marT="9525" marB="9525" anchor="ctr"/>
+                    </a:tc>
+                    <a:tc>
+                      <a:txBody>
+                        <a:bodyPr/>
+                        <a:lstStyle/>
+                        <a:p>
+                          <a:pPr marL="0" indent="8255" algn="ctr" defTabSz="914400" rtl="0" eaLnBrk="1" latinLnBrk="0" hangingPunct="1">
+                            <a:lnSpc>
+                              <a:spcPct val="150000"/>
+                            </a:lnSpc>
+                            <a:spcAft>
+                              <a:spcPts val="0"/>
+                            </a:spcAft>
+                          </a:pPr>
+                          <a:r>
+                            <a:rPr lang="ru-RU" sz="1200" kern="1200">
+                              <a:solidFill>
+                                <a:schemeClr val="dk1"/>
+                              </a:solidFill>
+                              <a:effectLst/>
+                              <a:latin typeface="+mn-lt"/>
+                              <a:ea typeface="+mn-ea"/>
+                              <a:cs typeface="+mn-cs"/>
+                            </a:rPr>
+                            <a:t>38,5</a:t>
+                          </a:r>
+                        </a:p>
+                      </a:txBody>
+                      <a:tcPr marL="9525" marR="9525" marT="9525" marB="9525" anchor="ctr"/>
+                    </a:tc>
+                    <a:tc>
+                      <a:txBody>
+                        <a:bodyPr/>
+                        <a:lstStyle/>
+                        <a:p>
+                          <a:pPr marL="0" indent="8255" algn="ctr" defTabSz="914400" rtl="0" eaLnBrk="1" latinLnBrk="0" hangingPunct="1">
+                            <a:lnSpc>
+                              <a:spcPct val="150000"/>
+                            </a:lnSpc>
+                            <a:spcAft>
+                              <a:spcPts val="0"/>
+                            </a:spcAft>
+                          </a:pPr>
+                          <a:r>
+                            <a:rPr lang="ru-RU" sz="1200" kern="1200" dirty="0">
+                              <a:solidFill>
+                                <a:schemeClr val="dk1"/>
+                              </a:solidFill>
+                              <a:effectLst/>
+                              <a:latin typeface="+mn-lt"/>
+                              <a:ea typeface="+mn-ea"/>
+                              <a:cs typeface="+mn-cs"/>
+                            </a:rPr>
+                            <a:t>39</a:t>
+                          </a:r>
+                        </a:p>
+                      </a:txBody>
+                      <a:tcPr marL="9525" marR="9525" marT="9525" marB="9525" anchor="ctr"/>
+                    </a:tc>
+                    <a:tc>
+                      <a:txBody>
+                        <a:bodyPr/>
+                        <a:lstStyle/>
+                        <a:p>
+                          <a:pPr marL="0" indent="8255" algn="ctr" defTabSz="914400" rtl="0" eaLnBrk="1" latinLnBrk="0" hangingPunct="1">
+                            <a:lnSpc>
+                              <a:spcPct val="150000"/>
+                            </a:lnSpc>
+                            <a:spcAft>
+                              <a:spcPts val="0"/>
+                            </a:spcAft>
+                          </a:pPr>
+                          <a:r>
+                            <a:rPr lang="ru-RU" sz="1200" kern="1200" dirty="0">
+                              <a:solidFill>
+                                <a:schemeClr val="dk1"/>
+                              </a:solidFill>
+                              <a:effectLst/>
+                              <a:latin typeface="+mn-lt"/>
+                              <a:ea typeface="+mn-ea"/>
+                              <a:cs typeface="+mn-cs"/>
+                            </a:rPr>
+                            <a:t>210</a:t>
+                          </a:r>
+                        </a:p>
+                      </a:txBody>
+                      <a:tcPr marL="9525" marR="9525" marT="9525" marB="9525" anchor="ctr"/>
+                    </a:tc>
+                    <a:extLst>
+                      <a:ext uri="{0D108BD9-81ED-4DB2-BD59-A6C34878D82A}">
+                        <a16:rowId xmlns:a16="http://schemas.microsoft.com/office/drawing/2014/main" val="3303604921"/>
+                      </a:ext>
+                    </a:extLst>
+                  </a:tr>
+                  <a:tr h="433959">
+                    <a:tc>
+                      <a:txBody>
+                        <a:bodyPr/>
+                        <a:lstStyle/>
+                        <a:p>
+                          <a:endParaRPr lang="ru-RU"/>
+                        </a:p>
+                      </a:txBody>
+                      <a:tcPr marL="63272" marR="63272" marT="0" marB="0" anchor="ctr">
+                        <a:blipFill>
+                          <a:blip r:embed="rId5"/>
+                          <a:stretch>
+                            <a:fillRect l="-386" t="-918310" r="-275676" b="-2817"/>
+                          </a:stretch>
+                        </a:blipFill>
+                      </a:tcPr>
+                    </a:tc>
+                    <a:tc>
+                      <a:txBody>
+                        <a:bodyPr/>
+                        <a:lstStyle/>
+                        <a:p>
+                          <a:pPr marL="0" indent="8255" algn="ctr" defTabSz="914400" rtl="0" eaLnBrk="1" latinLnBrk="0" hangingPunct="1">
+                            <a:lnSpc>
+                              <a:spcPct val="150000"/>
+                            </a:lnSpc>
+                            <a:spcAft>
+                              <a:spcPts val="0"/>
+                            </a:spcAft>
+                          </a:pPr>
+                          <a:r>
+                            <a:rPr lang="ru-RU" sz="1200" kern="1200">
+                              <a:solidFill>
+                                <a:schemeClr val="dk1"/>
+                              </a:solidFill>
+                              <a:effectLst/>
+                              <a:latin typeface="+mn-lt"/>
+                              <a:ea typeface="+mn-ea"/>
+                              <a:cs typeface="+mn-cs"/>
+                            </a:rPr>
+                            <a:t>380,25</a:t>
+                          </a:r>
+                        </a:p>
+                      </a:txBody>
+                      <a:tcPr marL="73025" marR="73025" marT="0" marB="0" anchor="ctr"/>
+                    </a:tc>
+                    <a:tc>
+                      <a:txBody>
+                        <a:bodyPr/>
+                        <a:lstStyle/>
+                        <a:p>
+                          <a:pPr marL="0" indent="8255" algn="ctr" defTabSz="914400" rtl="0" eaLnBrk="1" latinLnBrk="0" hangingPunct="1">
+                            <a:lnSpc>
+                              <a:spcPct val="150000"/>
+                            </a:lnSpc>
+                            <a:spcAft>
+                              <a:spcPts val="0"/>
+                            </a:spcAft>
+                          </a:pPr>
+                          <a:r>
+                            <a:rPr lang="ru-RU" sz="1200" kern="1200">
+                              <a:solidFill>
+                                <a:schemeClr val="dk1"/>
+                              </a:solidFill>
+                              <a:effectLst/>
+                              <a:latin typeface="+mn-lt"/>
+                              <a:ea typeface="+mn-ea"/>
+                              <a:cs typeface="+mn-cs"/>
+                            </a:rPr>
+                            <a:t>121</a:t>
+                          </a:r>
+                        </a:p>
+                      </a:txBody>
+                      <a:tcPr marL="73025" marR="73025" marT="0" marB="0" anchor="ctr"/>
+                    </a:tc>
+                    <a:tc>
+                      <a:txBody>
+                        <a:bodyPr/>
+                        <a:lstStyle/>
+                        <a:p>
+                          <a:pPr marL="0" indent="8255" algn="ctr" defTabSz="914400" rtl="0" eaLnBrk="1" latinLnBrk="0" hangingPunct="1">
+                            <a:lnSpc>
+                              <a:spcPct val="150000"/>
+                            </a:lnSpc>
+                            <a:spcAft>
+                              <a:spcPts val="0"/>
+                            </a:spcAft>
+                          </a:pPr>
+                          <a:r>
+                            <a:rPr lang="ru-RU" sz="1200" kern="1200">
+                              <a:solidFill>
+                                <a:schemeClr val="dk1"/>
+                              </a:solidFill>
+                              <a:effectLst/>
+                              <a:latin typeface="+mn-lt"/>
+                              <a:ea typeface="+mn-ea"/>
+                              <a:cs typeface="+mn-cs"/>
+                            </a:rPr>
+                            <a:t>342,25</a:t>
+                          </a:r>
+                        </a:p>
+                      </a:txBody>
+                      <a:tcPr marL="73025" marR="73025" marT="0" marB="0" anchor="ctr"/>
+                    </a:tc>
+                    <a:tc>
+                      <a:txBody>
+                        <a:bodyPr/>
+                        <a:lstStyle/>
+                        <a:p>
+                          <a:pPr marL="0" indent="8255" algn="ctr" defTabSz="914400" rtl="0" eaLnBrk="1" latinLnBrk="0" hangingPunct="1">
+                            <a:lnSpc>
+                              <a:spcPct val="150000"/>
+                            </a:lnSpc>
+                            <a:spcAft>
+                              <a:spcPts val="0"/>
+                            </a:spcAft>
+                          </a:pPr>
+                          <a:r>
+                            <a:rPr lang="ru-RU" sz="1200" kern="1200">
+                              <a:solidFill>
+                                <a:schemeClr val="dk1"/>
+                              </a:solidFill>
+                              <a:effectLst/>
+                              <a:latin typeface="+mn-lt"/>
+                              <a:ea typeface="+mn-ea"/>
+                              <a:cs typeface="+mn-cs"/>
+                            </a:rPr>
+                            <a:t>380,25</a:t>
+                          </a:r>
+                        </a:p>
+                      </a:txBody>
+                      <a:tcPr marL="9525" marR="9525" marT="9525" marB="9525" anchor="ctr"/>
+                    </a:tc>
+                    <a:tc>
+                      <a:txBody>
+                        <a:bodyPr/>
+                        <a:lstStyle/>
+                        <a:p>
+                          <a:pPr marL="0" indent="8255" algn="ctr" defTabSz="914400" rtl="0" eaLnBrk="1" latinLnBrk="0" hangingPunct="1">
+                            <a:lnSpc>
+                              <a:spcPct val="150000"/>
+                            </a:lnSpc>
+                            <a:spcAft>
+                              <a:spcPts val="0"/>
+                            </a:spcAft>
+                          </a:pPr>
+                          <a:r>
+                            <a:rPr lang="ru-RU" sz="1200" kern="1200">
+                              <a:solidFill>
+                                <a:schemeClr val="dk1"/>
+                              </a:solidFill>
+                              <a:effectLst/>
+                              <a:latin typeface="+mn-lt"/>
+                              <a:ea typeface="+mn-ea"/>
+                              <a:cs typeface="+mn-cs"/>
+                            </a:rPr>
+                            <a:t>12,25</a:t>
+                          </a:r>
+                        </a:p>
+                      </a:txBody>
+                      <a:tcPr marL="9525" marR="9525" marT="9525" marB="9525" anchor="ctr"/>
+                    </a:tc>
+                    <a:tc>
+                      <a:txBody>
+                        <a:bodyPr/>
+                        <a:lstStyle/>
+                        <a:p>
+                          <a:pPr marL="0" indent="8255" algn="ctr" defTabSz="914400" rtl="0" eaLnBrk="1" latinLnBrk="0" hangingPunct="1">
+                            <a:lnSpc>
+                              <a:spcPct val="150000"/>
+                            </a:lnSpc>
+                            <a:spcAft>
+                              <a:spcPts val="0"/>
+                            </a:spcAft>
+                          </a:pPr>
+                          <a:r>
+                            <a:rPr lang="ru-RU" sz="1200" kern="1200">
+                              <a:solidFill>
+                                <a:schemeClr val="dk1"/>
+                              </a:solidFill>
+                              <a:effectLst/>
+                              <a:latin typeface="+mn-lt"/>
+                              <a:ea typeface="+mn-ea"/>
+                              <a:cs typeface="+mn-cs"/>
+                            </a:rPr>
+                            <a:t>16</a:t>
+                          </a:r>
+                        </a:p>
+                      </a:txBody>
+                      <a:tcPr marL="9525" marR="9525" marT="9525" marB="9525" anchor="ctr"/>
+                    </a:tc>
+                    <a:tc>
+                      <a:txBody>
+                        <a:bodyPr/>
+                        <a:lstStyle/>
+                        <a:p>
+                          <a:pPr marL="0" indent="8255" algn="ctr" defTabSz="914400" rtl="0" eaLnBrk="1" latinLnBrk="0" hangingPunct="1">
+                            <a:lnSpc>
+                              <a:spcPct val="150000"/>
+                            </a:lnSpc>
+                            <a:spcAft>
+                              <a:spcPts val="0"/>
+                            </a:spcAft>
+                          </a:pPr>
+                          <a:r>
+                            <a:rPr lang="ru-RU" sz="1200" kern="1200" dirty="0">
+                              <a:solidFill>
+                                <a:schemeClr val="dk1"/>
+                              </a:solidFill>
+                              <a:effectLst/>
+                              <a:latin typeface="+mn-lt"/>
+                              <a:ea typeface="+mn-ea"/>
+                              <a:cs typeface="+mn-cs"/>
+                            </a:rPr>
+                            <a:t>1252</a:t>
+                          </a:r>
+                        </a:p>
+                      </a:txBody>
+                      <a:tcPr marL="9525" marR="9525" marT="9525" marB="9525" anchor="ctr"/>
+                    </a:tc>
+                    <a:extLst>
+                      <a:ext uri="{0D108BD9-81ED-4DB2-BD59-A6C34878D82A}">
+                        <a16:rowId xmlns:a16="http://schemas.microsoft.com/office/drawing/2014/main" val="3855035645"/>
+                      </a:ext>
+                    </a:extLst>
+                  </a:tr>
+                </a:tbl>
+              </a:graphicData>
+            </a:graphic>
+          </p:graphicFrame>
+        </mc:Fallback>
+      </mc:AlternateContent>
+      <mc:AlternateContent xmlns:mc="http://schemas.openxmlformats.org/markup-compatibility/2006">
+        <mc:Choice xmlns:a14="http://schemas.microsoft.com/office/drawing/2010/main" Requires="a14">
+          <p:sp>
+            <p:nvSpPr>
+              <p:cNvPr id="5" name="Прямоугольник 4"/>
+              <p:cNvSpPr/>
+              <p:nvPr/>
+            </p:nvSpPr>
+            <p:spPr>
+              <a:xfrm>
+                <a:off x="7302454" y="1496263"/>
+                <a:ext cx="3708131" cy="834459"/>
+              </a:xfrm>
+              <a:prstGeom prst="rect">
+                <a:avLst/>
+              </a:prstGeom>
+            </p:spPr>
+            <p:txBody>
+              <a:bodyPr wrap="none">
+                <a:spAutoFit/>
+              </a:bodyPr>
+              <a:lstStyle/>
+              <a:p>
+                <a14:m>
+                  <m:oMathPara xmlns:m="http://schemas.openxmlformats.org/officeDocument/2006/math">
+                    <m:oMathParaPr>
+                      <m:jc m:val="centerGroup"/>
+                    </m:oMathParaPr>
+                    <m:oMath xmlns:m="http://schemas.openxmlformats.org/officeDocument/2006/math">
+                      <m:sSub>
+                        <m:sSubPr>
+                          <m:ctrlPr>
+                            <a:rPr lang="ru-RU">
+                              <a:latin typeface="Cambria Math" panose="02040503050406030204" pitchFamily="18" charset="0"/>
+                            </a:rPr>
+                          </m:ctrlPr>
+                        </m:sSubPr>
+                        <m:e>
+                          <m:r>
+                            <a:rPr lang="ru-RU" i="1">
+                              <a:latin typeface="Cambria Math" panose="02040503050406030204" pitchFamily="18" charset="0"/>
+                            </a:rPr>
+                            <m:t>𝑘</m:t>
+                          </m:r>
+                        </m:e>
+                        <m:sub>
+                          <m:r>
+                            <a:rPr lang="ru-RU" i="0">
+                              <a:latin typeface="Cambria Math" panose="02040503050406030204" pitchFamily="18" charset="0"/>
+                            </a:rPr>
+                            <m:t>0</m:t>
+                          </m:r>
+                        </m:sub>
+                      </m:sSub>
+                      <m:r>
+                        <a:rPr lang="ru-RU" i="0">
+                          <a:latin typeface="Cambria Math" panose="02040503050406030204" pitchFamily="18" charset="0"/>
+                        </a:rPr>
+                        <m:t>=</m:t>
+                      </m:r>
+                      <m:f>
+                        <m:fPr>
+                          <m:ctrlPr>
+                            <a:rPr lang="ru-RU" i="1">
+                              <a:latin typeface="Cambria Math" panose="02040503050406030204" pitchFamily="18" charset="0"/>
+                            </a:rPr>
+                          </m:ctrlPr>
+                        </m:fPr>
+                        <m:num>
+                          <m:r>
+                            <a:rPr lang="ru-RU" i="1">
+                              <a:latin typeface="Cambria Math" panose="02040503050406030204" pitchFamily="18" charset="0"/>
+                            </a:rPr>
+                            <m:t>𝑆</m:t>
+                          </m:r>
+                        </m:num>
+                        <m:den>
+                          <m:f>
+                            <m:fPr>
+                              <m:ctrlPr>
+                                <a:rPr lang="ru-RU" i="1">
+                                  <a:latin typeface="Cambria Math" panose="02040503050406030204" pitchFamily="18" charset="0"/>
+                                </a:rPr>
+                              </m:ctrlPr>
+                            </m:fPr>
+                            <m:num>
+                              <m:r>
+                                <a:rPr lang="ru-RU" i="0">
+                                  <a:latin typeface="Cambria Math" panose="02040503050406030204" pitchFamily="18" charset="0"/>
+                                </a:rPr>
+                                <m:t>1</m:t>
+                              </m:r>
+                            </m:num>
+                            <m:den>
+                              <m:r>
+                                <a:rPr lang="ru-RU" i="0">
+                                  <a:latin typeface="Cambria Math" panose="02040503050406030204" pitchFamily="18" charset="0"/>
+                                </a:rPr>
+                                <m:t>12</m:t>
+                              </m:r>
+                            </m:den>
+                          </m:f>
+                          <m:sSup>
+                            <m:sSupPr>
+                              <m:ctrlPr>
+                                <a:rPr lang="ru-RU" i="1">
+                                  <a:latin typeface="Cambria Math" panose="02040503050406030204" pitchFamily="18" charset="0"/>
+                                </a:rPr>
+                              </m:ctrlPr>
+                            </m:sSupPr>
+                            <m:e>
+                              <m:r>
+                                <a:rPr lang="ru-RU" i="1">
+                                  <a:latin typeface="Cambria Math" panose="02040503050406030204" pitchFamily="18" charset="0"/>
+                                </a:rPr>
+                                <m:t>𝑚</m:t>
+                              </m:r>
+                            </m:e>
+                            <m:sup>
+                              <m:r>
+                                <a:rPr lang="ru-RU" i="0">
+                                  <a:latin typeface="Cambria Math" panose="02040503050406030204" pitchFamily="18" charset="0"/>
+                                </a:rPr>
+                                <m:t>2</m:t>
+                              </m:r>
+                            </m:sup>
+                          </m:sSup>
+                          <m:d>
+                            <m:dPr>
+                              <m:ctrlPr>
+                                <a:rPr lang="ru-RU" i="1">
+                                  <a:latin typeface="Cambria Math" panose="02040503050406030204" pitchFamily="18" charset="0"/>
+                                </a:rPr>
+                              </m:ctrlPr>
+                            </m:dPr>
+                            <m:e>
+                              <m:sSup>
+                                <m:sSupPr>
+                                  <m:ctrlPr>
+                                    <a:rPr lang="ru-RU" i="1">
+                                      <a:latin typeface="Cambria Math" panose="02040503050406030204" pitchFamily="18" charset="0"/>
+                                    </a:rPr>
+                                  </m:ctrlPr>
+                                </m:sSupPr>
+                                <m:e>
+                                  <m:r>
+                                    <a:rPr lang="ru-RU" i="1">
+                                      <a:latin typeface="Cambria Math" panose="02040503050406030204" pitchFamily="18" charset="0"/>
+                                    </a:rPr>
+                                    <m:t>𝑛</m:t>
+                                  </m:r>
+                                </m:e>
+                                <m:sup>
+                                  <m:r>
+                                    <a:rPr lang="ru-RU" i="0">
+                                      <a:latin typeface="Cambria Math" panose="02040503050406030204" pitchFamily="18" charset="0"/>
+                                    </a:rPr>
+                                    <m:t>3</m:t>
+                                  </m:r>
+                                </m:sup>
+                              </m:sSup>
+                              <m:r>
+                                <a:rPr lang="ru-RU" i="0">
+                                  <a:latin typeface="Cambria Math" panose="02040503050406030204" pitchFamily="18" charset="0"/>
+                                </a:rPr>
+                                <m:t>−</m:t>
+                              </m:r>
+                              <m:r>
+                                <a:rPr lang="ru-RU" i="1">
+                                  <a:latin typeface="Cambria Math" panose="02040503050406030204" pitchFamily="18" charset="0"/>
+                                </a:rPr>
+                                <m:t>𝑛</m:t>
+                              </m:r>
+                            </m:e>
+                          </m:d>
+                          <m:r>
+                            <a:rPr lang="ru-RU" i="0">
+                              <a:latin typeface="Cambria Math" panose="02040503050406030204" pitchFamily="18" charset="0"/>
+                            </a:rPr>
+                            <m:t>−</m:t>
+                          </m:r>
+                          <m:f>
+                            <m:fPr>
+                              <m:ctrlPr>
+                                <a:rPr lang="ru-RU" i="1">
+                                  <a:latin typeface="Cambria Math" panose="02040503050406030204" pitchFamily="18" charset="0"/>
+                                </a:rPr>
+                              </m:ctrlPr>
+                            </m:fPr>
+                            <m:num>
+                              <m:r>
+                                <a:rPr lang="ru-RU" i="0">
+                                  <a:latin typeface="Cambria Math" panose="02040503050406030204" pitchFamily="18" charset="0"/>
+                                </a:rPr>
+                                <m:t>1</m:t>
+                              </m:r>
+                            </m:num>
+                            <m:den>
+                              <m:r>
+                                <a:rPr lang="ru-RU" i="0">
+                                  <a:latin typeface="Cambria Math" panose="02040503050406030204" pitchFamily="18" charset="0"/>
+                                </a:rPr>
+                                <m:t>12</m:t>
+                              </m:r>
+                            </m:den>
+                          </m:f>
+                          <m:r>
+                            <a:rPr lang="ru-RU" i="1">
+                              <a:latin typeface="Cambria Math" panose="02040503050406030204" pitchFamily="18" charset="0"/>
+                            </a:rPr>
+                            <m:t>𝑚</m:t>
+                          </m:r>
+                          <m:nary>
+                            <m:naryPr>
+                              <m:chr m:val="∑"/>
+                              <m:limLoc m:val="undOvr"/>
+                              <m:ctrlPr>
+                                <a:rPr lang="ru-RU" i="1">
+                                  <a:latin typeface="Cambria Math" panose="02040503050406030204" pitchFamily="18" charset="0"/>
+                                </a:rPr>
+                              </m:ctrlPr>
+                            </m:naryPr>
+                            <m:sub>
+                              <m:r>
+                                <a:rPr lang="ru-RU" i="1">
+                                  <a:latin typeface="Cambria Math" panose="02040503050406030204" pitchFamily="18" charset="0"/>
+                                </a:rPr>
+                                <m:t>𝑖</m:t>
+                              </m:r>
+                              <m:r>
+                                <a:rPr lang="ru-RU" i="0">
+                                  <a:latin typeface="Cambria Math" panose="02040503050406030204" pitchFamily="18" charset="0"/>
+                                </a:rPr>
+                                <m:t>=1</m:t>
+                              </m:r>
+                            </m:sub>
+                            <m:sup>
+                              <m:r>
+                                <a:rPr lang="ru-RU" i="1">
+                                  <a:latin typeface="Cambria Math" panose="02040503050406030204" pitchFamily="18" charset="0"/>
+                                </a:rPr>
+                                <m:t>𝑚</m:t>
+                              </m:r>
+                            </m:sup>
+                            <m:e>
+                              <m:sSub>
+                                <m:sSubPr>
+                                  <m:ctrlPr>
+                                    <a:rPr lang="ru-RU" i="1">
+                                      <a:latin typeface="Cambria Math" panose="02040503050406030204" pitchFamily="18" charset="0"/>
+                                    </a:rPr>
+                                  </m:ctrlPr>
+                                </m:sSubPr>
+                                <m:e>
+                                  <m:r>
+                                    <a:rPr lang="ru-RU" i="1">
+                                      <a:latin typeface="Cambria Math" panose="02040503050406030204" pitchFamily="18" charset="0"/>
+                                    </a:rPr>
+                                    <m:t>𝑇</m:t>
+                                  </m:r>
+                                </m:e>
+                                <m:sub>
+                                  <m:r>
+                                    <a:rPr lang="ru-RU" i="1">
+                                      <a:latin typeface="Cambria Math" panose="02040503050406030204" pitchFamily="18" charset="0"/>
+                                    </a:rPr>
+                                    <m:t>𝑖</m:t>
+                                  </m:r>
+                                </m:sub>
+                              </m:sSub>
+                            </m:e>
+                          </m:nary>
+                        </m:den>
+                      </m:f>
+                    </m:oMath>
+                  </m:oMathPara>
+                </a14:m>
+                <a:endParaRPr lang="ru-RU" dirty="0"/>
+              </a:p>
+            </p:txBody>
+          </p:sp>
+        </mc:Choice>
+        <mc:Fallback>
+          <p:sp>
+            <p:nvSpPr>
+              <p:cNvPr id="5" name="Прямоугольник 4"/>
+              <p:cNvSpPr>
+                <a:spLocks noRot="1" noChangeAspect="1" noMove="1" noResize="1" noEditPoints="1" noAdjustHandles="1" noChangeArrowheads="1" noChangeShapeType="1" noTextEdit="1"/>
+              </p:cNvSpPr>
+              <p:nvPr/>
+            </p:nvSpPr>
+            <p:spPr>
+              <a:xfrm>
+                <a:off x="7302454" y="1496263"/>
+                <a:ext cx="3708131" cy="834459"/>
+              </a:xfrm>
+              <a:prstGeom prst="rect">
+                <a:avLst/>
+              </a:prstGeom>
+              <a:blipFill>
+                <a:blip r:embed="rId6"/>
+                <a:stretch>
+                  <a:fillRect/>
+                </a:stretch>
+              </a:blipFill>
+            </p:spPr>
+            <p:txBody>
+              <a:bodyPr/>
+              <a:lstStyle/>
+              <a:p>
+                <a:r>
+                  <a:rPr lang="ru-RU">
+                    <a:noFill/>
+                  </a:rPr>
+                  <a:t> </a:t>
+                </a:r>
+              </a:p>
+            </p:txBody>
+          </p:sp>
+        </mc:Fallback>
+      </mc:AlternateContent>
+      <mc:AlternateContent xmlns:mc="http://schemas.openxmlformats.org/markup-compatibility/2006">
+        <mc:Choice xmlns:a14="http://schemas.microsoft.com/office/drawing/2010/main" Requires="a14">
+          <p:sp>
+            <p:nvSpPr>
+              <p:cNvPr id="6" name="Прямоугольник 5"/>
+              <p:cNvSpPr/>
+              <p:nvPr/>
+            </p:nvSpPr>
+            <p:spPr>
+              <a:xfrm>
+                <a:off x="6737272" y="2486503"/>
+                <a:ext cx="5042512" cy="369332"/>
+              </a:xfrm>
+              <a:prstGeom prst="rect">
+                <a:avLst/>
+              </a:prstGeom>
+            </p:spPr>
+            <p:txBody>
+              <a:bodyPr wrap="square">
+                <a:spAutoFit/>
+              </a:bodyPr>
+              <a:lstStyle/>
+              <a:p>
+                <a14:m>
+                  <m:oMathPara xmlns:m="http://schemas.openxmlformats.org/officeDocument/2006/math">
+                    <m:oMathParaPr>
+                      <m:jc m:val="centerGroup"/>
+                    </m:oMathParaPr>
+                    <m:oMath xmlns:m="http://schemas.openxmlformats.org/officeDocument/2006/math">
+                      <m:r>
+                        <m:rPr>
+                          <m:sty m:val="p"/>
+                        </m:rPr>
+                        <a:rPr lang="ru-RU" smtClean="0">
+                          <a:latin typeface="Cambria Math" panose="02040503050406030204" pitchFamily="18" charset="0"/>
+                        </a:rPr>
+                        <m:t>S</m:t>
+                      </m:r>
+                      <m:r>
+                        <a:rPr lang="ru-RU" i="0">
+                          <a:latin typeface="Cambria Math" panose="02040503050406030204" pitchFamily="18" charset="0"/>
+                        </a:rPr>
+                        <m:t>=</m:t>
+                      </m:r>
+                      <m:r>
+                        <a:rPr lang="en-US" b="0" i="0" smtClean="0">
+                          <a:latin typeface="Cambria Math" panose="02040503050406030204" pitchFamily="18" charset="0"/>
+                        </a:rPr>
+                        <m:t>1252</m:t>
+                      </m:r>
+                    </m:oMath>
+                  </m:oMathPara>
+                </a14:m>
+                <a:endParaRPr lang="ru-RU" dirty="0"/>
+              </a:p>
+            </p:txBody>
+          </p:sp>
+        </mc:Choice>
+        <mc:Fallback>
+          <p:sp>
+            <p:nvSpPr>
+              <p:cNvPr id="6" name="Прямоугольник 5"/>
+              <p:cNvSpPr>
+                <a:spLocks noRot="1" noChangeAspect="1" noMove="1" noResize="1" noEditPoints="1" noAdjustHandles="1" noChangeArrowheads="1" noChangeShapeType="1" noTextEdit="1"/>
+              </p:cNvSpPr>
+              <p:nvPr/>
+            </p:nvSpPr>
+            <p:spPr>
+              <a:xfrm>
+                <a:off x="6737272" y="2486503"/>
+                <a:ext cx="5042512" cy="369332"/>
+              </a:xfrm>
+              <a:prstGeom prst="rect">
+                <a:avLst/>
+              </a:prstGeom>
+              <a:blipFill>
+                <a:blip r:embed="rId7"/>
+                <a:stretch>
+                  <a:fillRect/>
+                </a:stretch>
+              </a:blipFill>
+            </p:spPr>
+            <p:txBody>
+              <a:bodyPr/>
+              <a:lstStyle/>
+              <a:p>
+                <a:r>
+                  <a:rPr lang="ru-RU">
+                    <a:noFill/>
+                  </a:rPr>
+                  <a:t> </a:t>
+                </a:r>
+              </a:p>
+            </p:txBody>
+          </p:sp>
+        </mc:Fallback>
+      </mc:AlternateContent>
+      <mc:AlternateContent xmlns:mc="http://schemas.openxmlformats.org/markup-compatibility/2006">
+        <mc:Choice xmlns:a14="http://schemas.microsoft.com/office/drawing/2010/main" Requires="a14">
+          <p:sp>
+            <p:nvSpPr>
+              <p:cNvPr id="7" name="Прямоугольник 6"/>
+              <p:cNvSpPr/>
+              <p:nvPr/>
+            </p:nvSpPr>
+            <p:spPr>
+              <a:xfrm>
+                <a:off x="8232742" y="2993417"/>
+                <a:ext cx="2182199" cy="879856"/>
+              </a:xfrm>
+              <a:prstGeom prst="rect">
+                <a:avLst/>
+              </a:prstGeom>
+            </p:spPr>
+            <p:txBody>
+              <a:bodyPr wrap="none">
+                <a:spAutoFit/>
+              </a:bodyPr>
+              <a:lstStyle/>
+              <a:p>
+                <a14:m>
+                  <m:oMathPara xmlns:m="http://schemas.openxmlformats.org/officeDocument/2006/math">
+                    <m:oMathParaPr>
+                      <m:jc m:val="centerGroup"/>
+                    </m:oMathParaPr>
+                    <m:oMath xmlns:m="http://schemas.openxmlformats.org/officeDocument/2006/math">
+                      <m:sSub>
+                        <m:sSubPr>
+                          <m:ctrlPr>
+                            <a:rPr lang="ru-RU">
+                              <a:latin typeface="Cambria Math" panose="02040503050406030204" pitchFamily="18" charset="0"/>
+                            </a:rPr>
+                          </m:ctrlPr>
+                        </m:sSubPr>
+                        <m:e>
+                          <m:r>
+                            <a:rPr lang="ru-RU" i="1">
+                              <a:latin typeface="Cambria Math" panose="02040503050406030204" pitchFamily="18" charset="0"/>
+                            </a:rPr>
+                            <m:t>𝑇</m:t>
+                          </m:r>
+                        </m:e>
+                        <m:sub>
+                          <m:r>
+                            <a:rPr lang="ru-RU" i="1">
+                              <a:latin typeface="Cambria Math" panose="02040503050406030204" pitchFamily="18" charset="0"/>
+                            </a:rPr>
+                            <m:t>𝑖</m:t>
+                          </m:r>
+                        </m:sub>
+                      </m:sSub>
+                      <m:r>
+                        <a:rPr lang="ru-RU" i="0">
+                          <a:latin typeface="Cambria Math" panose="02040503050406030204" pitchFamily="18" charset="0"/>
+                        </a:rPr>
+                        <m:t>=</m:t>
+                      </m:r>
+                      <m:nary>
+                        <m:naryPr>
+                          <m:chr m:val="∑"/>
+                          <m:limLoc m:val="undOvr"/>
+                          <m:ctrlPr>
+                            <a:rPr lang="ru-RU" i="1">
+                              <a:latin typeface="Cambria Math" panose="02040503050406030204" pitchFamily="18" charset="0"/>
+                            </a:rPr>
+                          </m:ctrlPr>
+                        </m:naryPr>
+                        <m:sub>
+                          <m:r>
+                            <a:rPr lang="ru-RU" i="1">
+                              <a:latin typeface="Cambria Math" panose="02040503050406030204" pitchFamily="18" charset="0"/>
+                            </a:rPr>
+                            <m:t>𝜇</m:t>
+                          </m:r>
+                          <m:r>
+                            <a:rPr lang="ru-RU" i="0">
+                              <a:latin typeface="Cambria Math" panose="02040503050406030204" pitchFamily="18" charset="0"/>
+                            </a:rPr>
+                            <m:t>=1</m:t>
+                          </m:r>
+                        </m:sub>
+                        <m:sup>
+                          <m:r>
+                            <a:rPr lang="ru-RU" i="1">
+                              <a:latin typeface="Cambria Math" panose="02040503050406030204" pitchFamily="18" charset="0"/>
+                            </a:rPr>
+                            <m:t>𝑛</m:t>
+                          </m:r>
+                        </m:sup>
+                        <m:e>
+                          <m:d>
+                            <m:dPr>
+                              <m:begChr m:val=""/>
+                              <m:ctrlPr>
+                                <a:rPr lang="ru-RU" i="1">
+                                  <a:latin typeface="Cambria Math" panose="02040503050406030204" pitchFamily="18" charset="0"/>
+                                </a:rPr>
+                              </m:ctrlPr>
+                            </m:dPr>
+                            <m:e>
+                              <m:sSubSup>
+                                <m:sSubSupPr>
+                                  <m:ctrlPr>
+                                    <a:rPr lang="ru-RU" i="1">
+                                      <a:latin typeface="Cambria Math" panose="02040503050406030204" pitchFamily="18" charset="0"/>
+                                    </a:rPr>
+                                  </m:ctrlPr>
+                                </m:sSubSupPr>
+                                <m:e>
+                                  <m:d>
+                                    <m:dPr>
+                                      <m:endChr m:val=""/>
+                                      <m:ctrlPr>
+                                        <a:rPr lang="ru-RU" i="1">
+                                          <a:latin typeface="Cambria Math" panose="02040503050406030204" pitchFamily="18" charset="0"/>
+                                        </a:rPr>
+                                      </m:ctrlPr>
+                                    </m:dPr>
+                                    <m:e>
+                                      <m:r>
+                                        <a:rPr lang="ru-RU" i="1">
+                                          <a:latin typeface="Cambria Math" panose="02040503050406030204" pitchFamily="18" charset="0"/>
+                                        </a:rPr>
+                                        <m:t>𝑡</m:t>
+                                      </m:r>
+                                    </m:e>
+                                  </m:d>
+                                </m:e>
+                                <m:sub>
+                                  <m:r>
+                                    <a:rPr lang="ru-RU" i="1">
+                                      <a:latin typeface="Cambria Math" panose="02040503050406030204" pitchFamily="18" charset="0"/>
+                                    </a:rPr>
+                                    <m:t>𝜇</m:t>
+                                  </m:r>
+                                  <m:r>
+                                    <a:rPr lang="ru-RU" i="1">
+                                      <a:latin typeface="Cambria Math" panose="02040503050406030204" pitchFamily="18" charset="0"/>
+                                    </a:rPr>
+                                    <m:t>𝑖</m:t>
+                                  </m:r>
+                                </m:sub>
+                                <m:sup>
+                                  <m:r>
+                                    <a:rPr lang="ru-RU" i="0">
+                                      <a:latin typeface="Cambria Math" panose="02040503050406030204" pitchFamily="18" charset="0"/>
+                                    </a:rPr>
+                                    <m:t>3</m:t>
+                                  </m:r>
+                                </m:sup>
+                              </m:sSubSup>
+                              <m:r>
+                                <a:rPr lang="ru-RU" i="0">
+                                  <a:latin typeface="Cambria Math" panose="02040503050406030204" pitchFamily="18" charset="0"/>
+                                </a:rPr>
+                                <m:t>−</m:t>
+                              </m:r>
+                              <m:sSub>
+                                <m:sSubPr>
+                                  <m:ctrlPr>
+                                    <a:rPr lang="ru-RU" i="1">
+                                      <a:latin typeface="Cambria Math" panose="02040503050406030204" pitchFamily="18" charset="0"/>
+                                    </a:rPr>
+                                  </m:ctrlPr>
+                                </m:sSubPr>
+                                <m:e>
+                                  <m:r>
+                                    <a:rPr lang="ru-RU" i="1">
+                                      <a:latin typeface="Cambria Math" panose="02040503050406030204" pitchFamily="18" charset="0"/>
+                                    </a:rPr>
+                                    <m:t>𝑡</m:t>
+                                  </m:r>
+                                </m:e>
+                                <m:sub>
+                                  <m:r>
+                                    <a:rPr lang="ru-RU" i="1">
+                                      <a:latin typeface="Cambria Math" panose="02040503050406030204" pitchFamily="18" charset="0"/>
+                                    </a:rPr>
+                                    <m:t>𝜇</m:t>
+                                  </m:r>
+                                  <m:r>
+                                    <a:rPr lang="ru-RU" i="1">
+                                      <a:latin typeface="Cambria Math" panose="02040503050406030204" pitchFamily="18" charset="0"/>
+                                    </a:rPr>
+                                    <m:t>𝑖</m:t>
+                                  </m:r>
+                                </m:sub>
+                              </m:sSub>
+                            </m:e>
+                          </m:d>
+                        </m:e>
+                      </m:nary>
+                      <m:r>
+                        <a:rPr lang="ru-RU" i="0">
+                          <a:latin typeface="Cambria Math" panose="02040503050406030204" pitchFamily="18" charset="0"/>
+                        </a:rPr>
+                        <m:t> </m:t>
+                      </m:r>
+                    </m:oMath>
+                  </m:oMathPara>
+                </a14:m>
+                <a:endParaRPr lang="ru-RU" dirty="0"/>
+              </a:p>
+            </p:txBody>
+          </p:sp>
+        </mc:Choice>
+        <mc:Fallback>
+          <p:sp>
+            <p:nvSpPr>
+              <p:cNvPr id="7" name="Прямоугольник 6"/>
+              <p:cNvSpPr>
+                <a:spLocks noRot="1" noChangeAspect="1" noMove="1" noResize="1" noEditPoints="1" noAdjustHandles="1" noChangeArrowheads="1" noChangeShapeType="1" noTextEdit="1"/>
+              </p:cNvSpPr>
+              <p:nvPr/>
+            </p:nvSpPr>
+            <p:spPr>
+              <a:xfrm>
+                <a:off x="8232742" y="2993417"/>
+                <a:ext cx="2182199" cy="879856"/>
+              </a:xfrm>
+              <a:prstGeom prst="rect">
+                <a:avLst/>
+              </a:prstGeom>
+              <a:blipFill>
+                <a:blip r:embed="rId8"/>
+                <a:stretch>
+                  <a:fillRect/>
+                </a:stretch>
+              </a:blipFill>
+            </p:spPr>
+            <p:txBody>
+              <a:bodyPr/>
+              <a:lstStyle/>
+              <a:p>
+                <a:r>
+                  <a:rPr lang="ru-RU">
+                    <a:noFill/>
+                  </a:rPr>
+                  <a:t> </a:t>
+                </a:r>
+              </a:p>
+            </p:txBody>
+          </p:sp>
+        </mc:Fallback>
+      </mc:AlternateContent>
+      <mc:AlternateContent xmlns:mc="http://schemas.openxmlformats.org/markup-compatibility/2006">
+        <mc:Choice xmlns:a14="http://schemas.microsoft.com/office/drawing/2010/main" Requires="a14">
+          <p:sp>
+            <p:nvSpPr>
+              <p:cNvPr id="8" name="Прямоугольник 7"/>
+              <p:cNvSpPr/>
+              <p:nvPr/>
+            </p:nvSpPr>
+            <p:spPr>
+              <a:xfrm>
+                <a:off x="6958932" y="4010855"/>
+                <a:ext cx="4729820" cy="834459"/>
+              </a:xfrm>
+              <a:prstGeom prst="rect">
+                <a:avLst/>
+              </a:prstGeom>
+            </p:spPr>
+            <p:txBody>
+              <a:bodyPr wrap="none">
+                <a:spAutoFit/>
+              </a:bodyPr>
+              <a:lstStyle/>
+              <a:p>
+                <a14:m>
+                  <m:oMathPara xmlns:m="http://schemas.openxmlformats.org/officeDocument/2006/math">
+                    <m:oMathParaPr>
+                      <m:jc m:val="centerGroup"/>
+                    </m:oMathParaPr>
+                    <m:oMath xmlns:m="http://schemas.openxmlformats.org/officeDocument/2006/math">
+                      <m:sSub>
+                        <m:sSubPr>
+                          <m:ctrlPr>
+                            <a:rPr lang="ru-RU" smtClean="0">
+                              <a:latin typeface="Cambria Math" panose="02040503050406030204" pitchFamily="18" charset="0"/>
+                            </a:rPr>
+                          </m:ctrlPr>
+                        </m:sSubPr>
+                        <m:e>
+                          <m:r>
+                            <a:rPr lang="ru-RU" i="1">
+                              <a:latin typeface="Cambria Math" panose="02040503050406030204" pitchFamily="18" charset="0"/>
+                            </a:rPr>
+                            <m:t>𝑘</m:t>
+                          </m:r>
+                        </m:e>
+                        <m:sub>
+                          <m:r>
+                            <a:rPr lang="ru-RU" i="0">
+                              <a:latin typeface="Cambria Math" panose="02040503050406030204" pitchFamily="18" charset="0"/>
+                            </a:rPr>
+                            <m:t>0</m:t>
+                          </m:r>
+                        </m:sub>
+                      </m:sSub>
+                      <m:r>
+                        <a:rPr lang="ru-RU" i="0">
+                          <a:latin typeface="Cambria Math" panose="02040503050406030204" pitchFamily="18" charset="0"/>
+                        </a:rPr>
+                        <m:t>=</m:t>
+                      </m:r>
+                      <m:f>
+                        <m:fPr>
+                          <m:ctrlPr>
+                            <a:rPr lang="ru-RU" i="1">
+                              <a:latin typeface="Cambria Math" panose="02040503050406030204" pitchFamily="18" charset="0"/>
+                            </a:rPr>
+                          </m:ctrlPr>
+                        </m:fPr>
+                        <m:num>
+                          <m:r>
+                            <a:rPr lang="en-US">
+                              <a:latin typeface="Cambria Math" panose="02040503050406030204" pitchFamily="18" charset="0"/>
+                            </a:rPr>
+                            <m:t>1252</m:t>
+                          </m:r>
+                        </m:num>
+                        <m:den>
+                          <m:f>
+                            <m:fPr>
+                              <m:ctrlPr>
+                                <a:rPr lang="ru-RU" i="1">
+                                  <a:latin typeface="Cambria Math" panose="02040503050406030204" pitchFamily="18" charset="0"/>
+                                </a:rPr>
+                              </m:ctrlPr>
+                            </m:fPr>
+                            <m:num>
+                              <m:r>
+                                <a:rPr lang="ru-RU" i="0">
+                                  <a:latin typeface="Cambria Math" panose="02040503050406030204" pitchFamily="18" charset="0"/>
+                                </a:rPr>
+                                <m:t>1</m:t>
+                              </m:r>
+                            </m:num>
+                            <m:den>
+                              <m:r>
+                                <a:rPr lang="ru-RU" i="0">
+                                  <a:latin typeface="Cambria Math" panose="02040503050406030204" pitchFamily="18" charset="0"/>
+                                </a:rPr>
+                                <m:t>12</m:t>
+                              </m:r>
+                            </m:den>
+                          </m:f>
+                          <m:sSup>
+                            <m:sSupPr>
+                              <m:ctrlPr>
+                                <a:rPr lang="ru-RU" i="1">
+                                  <a:latin typeface="Cambria Math" panose="02040503050406030204" pitchFamily="18" charset="0"/>
+                                </a:rPr>
+                              </m:ctrlPr>
+                            </m:sSupPr>
+                            <m:e>
+                              <m:r>
+                                <a:rPr lang="ru-RU" i="0">
+                                  <a:latin typeface="Cambria Math" panose="02040503050406030204" pitchFamily="18" charset="0"/>
+                                </a:rPr>
+                                <m:t>10</m:t>
+                              </m:r>
+                            </m:e>
+                            <m:sup>
+                              <m:r>
+                                <a:rPr lang="ru-RU" i="0">
+                                  <a:latin typeface="Cambria Math" panose="02040503050406030204" pitchFamily="18" charset="0"/>
+                                </a:rPr>
+                                <m:t>2</m:t>
+                              </m:r>
+                            </m:sup>
+                          </m:sSup>
+                          <m:d>
+                            <m:dPr>
+                              <m:ctrlPr>
+                                <a:rPr lang="ru-RU" i="1">
+                                  <a:latin typeface="Cambria Math" panose="02040503050406030204" pitchFamily="18" charset="0"/>
+                                </a:rPr>
+                              </m:ctrlPr>
+                            </m:dPr>
+                            <m:e>
+                              <m:sSup>
+                                <m:sSupPr>
+                                  <m:ctrlPr>
+                                    <a:rPr lang="ru-RU" i="1">
+                                      <a:latin typeface="Cambria Math" panose="02040503050406030204" pitchFamily="18" charset="0"/>
+                                    </a:rPr>
+                                  </m:ctrlPr>
+                                </m:sSupPr>
+                                <m:e>
+                                  <m:r>
+                                    <a:rPr lang="ru-RU" i="0">
+                                      <a:latin typeface="Cambria Math" panose="02040503050406030204" pitchFamily="18" charset="0"/>
+                                    </a:rPr>
+                                    <m:t>6</m:t>
+                                  </m:r>
+                                </m:e>
+                                <m:sup>
+                                  <m:r>
+                                    <a:rPr lang="ru-RU" i="0">
+                                      <a:latin typeface="Cambria Math" panose="02040503050406030204" pitchFamily="18" charset="0"/>
+                                    </a:rPr>
+                                    <m:t>3</m:t>
+                                  </m:r>
+                                </m:sup>
+                              </m:sSup>
+                              <m:r>
+                                <a:rPr lang="ru-RU" i="0">
+                                  <a:latin typeface="Cambria Math" panose="02040503050406030204" pitchFamily="18" charset="0"/>
+                                </a:rPr>
+                                <m:t>−6</m:t>
+                              </m:r>
+                            </m:e>
+                          </m:d>
+                          <m:r>
+                            <a:rPr lang="ru-RU" i="0">
+                              <a:latin typeface="Cambria Math" panose="02040503050406030204" pitchFamily="18" charset="0"/>
+                            </a:rPr>
+                            <m:t>−</m:t>
+                          </m:r>
+                          <m:f>
+                            <m:fPr>
+                              <m:ctrlPr>
+                                <a:rPr lang="ru-RU" i="1">
+                                  <a:latin typeface="Cambria Math" panose="02040503050406030204" pitchFamily="18" charset="0"/>
+                                </a:rPr>
+                              </m:ctrlPr>
+                            </m:fPr>
+                            <m:num>
+                              <m:r>
+                                <a:rPr lang="ru-RU" i="0">
+                                  <a:latin typeface="Cambria Math" panose="02040503050406030204" pitchFamily="18" charset="0"/>
+                                </a:rPr>
+                                <m:t>1</m:t>
+                              </m:r>
+                            </m:num>
+                            <m:den>
+                              <m:r>
+                                <a:rPr lang="ru-RU" i="0">
+                                  <a:latin typeface="Cambria Math" panose="02040503050406030204" pitchFamily="18" charset="0"/>
+                                </a:rPr>
+                                <m:t>12</m:t>
+                              </m:r>
+                            </m:den>
+                          </m:f>
+                          <m:r>
+                            <a:rPr lang="ru-RU" i="0">
+                              <a:latin typeface="Cambria Math" panose="02040503050406030204" pitchFamily="18" charset="0"/>
+                            </a:rPr>
+                            <m:t>∗10∗30</m:t>
+                          </m:r>
+                        </m:den>
+                      </m:f>
+                      <m:r>
+                        <a:rPr lang="ru-RU" i="0">
+                          <a:latin typeface="Cambria Math" panose="02040503050406030204" pitchFamily="18" charset="0"/>
+                        </a:rPr>
+                        <m:t>≈0,</m:t>
+                      </m:r>
+                      <m:r>
+                        <a:rPr lang="en-US" b="0" i="0" smtClean="0">
+                          <a:latin typeface="Cambria Math" panose="02040503050406030204" pitchFamily="18" charset="0"/>
+                        </a:rPr>
+                        <m:t>72</m:t>
+                      </m:r>
+                      <m:r>
+                        <a:rPr lang="ru-RU" i="0">
+                          <a:latin typeface="Cambria Math" panose="02040503050406030204" pitchFamily="18" charset="0"/>
+                        </a:rPr>
+                        <m:t>58</m:t>
+                      </m:r>
+                    </m:oMath>
+                  </m:oMathPara>
+                </a14:m>
+                <a:endParaRPr lang="ru-RU" dirty="0"/>
+              </a:p>
+            </p:txBody>
+          </p:sp>
+        </mc:Choice>
+        <mc:Fallback>
+          <p:sp>
+            <p:nvSpPr>
+              <p:cNvPr id="8" name="Прямоугольник 7"/>
+              <p:cNvSpPr>
+                <a:spLocks noRot="1" noChangeAspect="1" noMove="1" noResize="1" noEditPoints="1" noAdjustHandles="1" noChangeArrowheads="1" noChangeShapeType="1" noTextEdit="1"/>
+              </p:cNvSpPr>
+              <p:nvPr/>
+            </p:nvSpPr>
+            <p:spPr>
+              <a:xfrm>
+                <a:off x="6958932" y="4010855"/>
+                <a:ext cx="4729820" cy="834459"/>
+              </a:xfrm>
+              <a:prstGeom prst="rect">
+                <a:avLst/>
+              </a:prstGeom>
+              <a:blipFill>
+                <a:blip r:embed="rId9"/>
+                <a:stretch>
+                  <a:fillRect/>
+                </a:stretch>
+              </a:blipFill>
+            </p:spPr>
+            <p:txBody>
+              <a:bodyPr/>
+              <a:lstStyle/>
+              <a:p>
+                <a:r>
+                  <a:rPr lang="ru-RU">
+                    <a:noFill/>
+                  </a:rPr>
+                  <a:t> </a:t>
+                </a:r>
+              </a:p>
+            </p:txBody>
+          </p:sp>
+        </mc:Fallback>
+      </mc:AlternateContent>
+      <mc:AlternateContent xmlns:mc="http://schemas.openxmlformats.org/markup-compatibility/2006">
+        <mc:Choice xmlns:a14="http://schemas.microsoft.com/office/drawing/2010/main" Requires="a14">
+          <p:sp>
+            <p:nvSpPr>
+              <p:cNvPr id="10" name="Прямоугольник 9"/>
+              <p:cNvSpPr/>
+              <p:nvPr/>
+            </p:nvSpPr>
+            <p:spPr>
+              <a:xfrm>
+                <a:off x="6958932" y="5084718"/>
+                <a:ext cx="2725361" cy="369332"/>
+              </a:xfrm>
+              <a:prstGeom prst="rect">
+                <a:avLst/>
+              </a:prstGeom>
+            </p:spPr>
+            <p:txBody>
+              <a:bodyPr wrap="none">
+                <a:spAutoFit/>
+              </a:bodyPr>
+              <a:lstStyle/>
+              <a:p>
+                <a14:m>
+                  <m:oMathPara xmlns:m="http://schemas.openxmlformats.org/officeDocument/2006/math">
+                    <m:oMathParaPr>
+                      <m:jc m:val="centerGroup"/>
+                    </m:oMathParaPr>
+                    <m:oMath xmlns:m="http://schemas.openxmlformats.org/officeDocument/2006/math">
+                      <m:r>
+                        <a:rPr lang="ru-RU" i="1" smtClean="0">
+                          <a:latin typeface="Cambria Math" panose="02040503050406030204" pitchFamily="18" charset="0"/>
+                        </a:rPr>
+                        <m:t>𝑋</m:t>
+                      </m:r>
+                      <m:r>
+                        <a:rPr lang="ru-RU" i="0">
+                          <a:latin typeface="Cambria Math" panose="02040503050406030204" pitchFamily="18" charset="0"/>
+                        </a:rPr>
+                        <m:t>=</m:t>
+                      </m:r>
+                      <m:r>
+                        <a:rPr lang="ru-RU" i="1">
+                          <a:latin typeface="Cambria Math" panose="02040503050406030204" pitchFamily="18" charset="0"/>
+                        </a:rPr>
+                        <m:t>𝑚</m:t>
+                      </m:r>
+                      <m:d>
+                        <m:dPr>
+                          <m:ctrlPr>
+                            <a:rPr lang="ru-RU" i="0">
+                              <a:latin typeface="Cambria Math" panose="02040503050406030204" pitchFamily="18" charset="0"/>
+                            </a:rPr>
+                          </m:ctrlPr>
+                        </m:dPr>
+                        <m:e>
+                          <m:r>
+                            <a:rPr lang="ru-RU" i="1">
+                              <a:latin typeface="Cambria Math" panose="02040503050406030204" pitchFamily="18" charset="0"/>
+                            </a:rPr>
+                            <m:t>𝑛</m:t>
+                          </m:r>
+                          <m:r>
+                            <a:rPr lang="ru-RU" i="0">
+                              <a:latin typeface="Cambria Math" panose="02040503050406030204" pitchFamily="18" charset="0"/>
+                            </a:rPr>
+                            <m:t>−1</m:t>
+                          </m:r>
+                        </m:e>
+                      </m:d>
+                      <m:sSub>
+                        <m:sSubPr>
+                          <m:ctrlPr>
+                            <a:rPr lang="ru-RU" i="1">
+                              <a:latin typeface="Cambria Math" panose="02040503050406030204" pitchFamily="18" charset="0"/>
+                            </a:rPr>
+                          </m:ctrlPr>
+                        </m:sSubPr>
+                        <m:e>
+                          <m:r>
+                            <a:rPr lang="ru-RU" i="1">
+                              <a:latin typeface="Cambria Math" panose="02040503050406030204" pitchFamily="18" charset="0"/>
+                            </a:rPr>
+                            <m:t>𝑘</m:t>
+                          </m:r>
+                        </m:e>
+                        <m:sub>
+                          <m:r>
+                            <a:rPr lang="ru-RU" i="0">
+                              <a:latin typeface="Cambria Math" panose="02040503050406030204" pitchFamily="18" charset="0"/>
+                            </a:rPr>
+                            <m:t>0</m:t>
+                          </m:r>
+                        </m:sub>
+                      </m:sSub>
+                      <m:r>
+                        <a:rPr lang="en-US" b="0" i="1" smtClean="0">
+                          <a:latin typeface="Cambria Math" panose="02040503050406030204" pitchFamily="18" charset="0"/>
+                        </a:rPr>
+                        <m:t>=36,29</m:t>
+                      </m:r>
+                    </m:oMath>
+                  </m:oMathPara>
+                </a14:m>
+                <a:endParaRPr lang="ru-RU" dirty="0"/>
+              </a:p>
+            </p:txBody>
+          </p:sp>
+        </mc:Choice>
+        <mc:Fallback>
+          <p:sp>
+            <p:nvSpPr>
+              <p:cNvPr id="10" name="Прямоугольник 9"/>
+              <p:cNvSpPr>
+                <a:spLocks noRot="1" noChangeAspect="1" noMove="1" noResize="1" noEditPoints="1" noAdjustHandles="1" noChangeArrowheads="1" noChangeShapeType="1" noTextEdit="1"/>
+              </p:cNvSpPr>
+              <p:nvPr/>
+            </p:nvSpPr>
+            <p:spPr>
+              <a:xfrm>
+                <a:off x="6958932" y="5084718"/>
+                <a:ext cx="2725361" cy="369332"/>
+              </a:xfrm>
+              <a:prstGeom prst="rect">
+                <a:avLst/>
+              </a:prstGeom>
+              <a:blipFill>
+                <a:blip r:embed="rId10"/>
+                <a:stretch>
+                  <a:fillRect/>
+                </a:stretch>
+              </a:blipFill>
+            </p:spPr>
+            <p:txBody>
+              <a:bodyPr/>
+              <a:lstStyle/>
+              <a:p>
+                <a:r>
+                  <a:rPr lang="ru-RU">
+                    <a:noFill/>
+                  </a:rPr>
+                  <a:t> </a:t>
+                </a:r>
+              </a:p>
+            </p:txBody>
+          </p:sp>
+        </mc:Fallback>
+      </mc:AlternateContent>
+      <mc:AlternateContent xmlns:mc="http://schemas.openxmlformats.org/markup-compatibility/2006">
+        <mc:Choice xmlns:a14="http://schemas.microsoft.com/office/drawing/2010/main" Requires="a14">
+          <p:sp>
+            <p:nvSpPr>
+              <p:cNvPr id="11" name="Прямоугольник 10"/>
+              <p:cNvSpPr/>
+              <p:nvPr/>
+            </p:nvSpPr>
+            <p:spPr>
+              <a:xfrm>
+                <a:off x="10332418" y="5086120"/>
+                <a:ext cx="1356333" cy="369332"/>
+              </a:xfrm>
+              <a:prstGeom prst="rect">
+                <a:avLst/>
+              </a:prstGeom>
+            </p:spPr>
+            <p:txBody>
+              <a:bodyPr wrap="none">
+                <a:spAutoFit/>
+              </a:bodyPr>
+              <a:lstStyle/>
+              <a:p>
+                <a14:m>
+                  <m:oMathPara xmlns:m="http://schemas.openxmlformats.org/officeDocument/2006/math">
+                    <m:oMathParaPr>
+                      <m:jc m:val="centerGroup"/>
+                    </m:oMathParaPr>
+                    <m:oMath xmlns:m="http://schemas.openxmlformats.org/officeDocument/2006/math">
+                      <m:sSup>
+                        <m:sSupPr>
+                          <m:ctrlPr>
+                            <a:rPr lang="ru-RU" smtClean="0">
+                              <a:latin typeface="Cambria Math" panose="02040503050406030204" pitchFamily="18" charset="0"/>
+                            </a:rPr>
+                          </m:ctrlPr>
+                        </m:sSupPr>
+                        <m:e>
+                          <m:r>
+                            <a:rPr lang="ru-RU" i="1">
+                              <a:latin typeface="Cambria Math" panose="02040503050406030204" pitchFamily="18" charset="0"/>
+                            </a:rPr>
+                            <m:t>𝜒</m:t>
+                          </m:r>
+                        </m:e>
+                        <m:sup>
+                          <m:r>
+                            <a:rPr lang="ru-RU" i="0">
+                              <a:latin typeface="Cambria Math" panose="02040503050406030204" pitchFamily="18" charset="0"/>
+                            </a:rPr>
+                            <m:t>2</m:t>
+                          </m:r>
+                        </m:sup>
+                      </m:sSup>
+                      <m:r>
+                        <a:rPr lang="en-US" b="0" i="1" smtClean="0">
+                          <a:latin typeface="Cambria Math" panose="02040503050406030204" pitchFamily="18" charset="0"/>
+                        </a:rPr>
+                        <m:t>=15,08</m:t>
+                      </m:r>
+                    </m:oMath>
+                  </m:oMathPara>
+                </a14:m>
+                <a:endParaRPr lang="ru-RU" dirty="0"/>
+              </a:p>
+            </p:txBody>
+          </p:sp>
+        </mc:Choice>
+        <mc:Fallback>
+          <p:sp>
+            <p:nvSpPr>
+              <p:cNvPr id="11" name="Прямоугольник 10"/>
+              <p:cNvSpPr>
+                <a:spLocks noRot="1" noChangeAspect="1" noMove="1" noResize="1" noEditPoints="1" noAdjustHandles="1" noChangeArrowheads="1" noChangeShapeType="1" noTextEdit="1"/>
+              </p:cNvSpPr>
+              <p:nvPr/>
+            </p:nvSpPr>
+            <p:spPr>
+              <a:xfrm>
+                <a:off x="10332418" y="5086120"/>
+                <a:ext cx="1356333" cy="369332"/>
+              </a:xfrm>
+              <a:prstGeom prst="rect">
+                <a:avLst/>
+              </a:prstGeom>
+              <a:blipFill>
+                <a:blip r:embed="rId11"/>
+                <a:stretch>
+                  <a:fillRect b="-4918"/>
+                </a:stretch>
+              </a:blipFill>
+            </p:spPr>
+            <p:txBody>
+              <a:bodyPr/>
+              <a:lstStyle/>
+              <a:p>
+                <a:r>
+                  <a:rPr lang="ru-RU">
+                    <a:noFill/>
+                  </a:rPr>
+                  <a:t> </a:t>
+                </a:r>
+              </a:p>
+            </p:txBody>
+          </p:sp>
+        </mc:Fallback>
+      </mc:AlternateContent>
+    </p:spTree>
+    <p:extLst>
+      <p:ext uri="{BB962C8B-B14F-4D97-AF65-F5344CB8AC3E}">
+        <p14:creationId xmlns:p14="http://schemas.microsoft.com/office/powerpoint/2010/main" val="1807272286"/>
+      </p:ext>
+    </p:extLst>
+  </p:cSld>
+  <p:clrMapOvr>
+    <a:masterClrMapping/>
+  </p:clrMapOvr>
+  <p:timing>
+    <p:tnLst>
+      <p:par>
+        <p:cTn id="1" dur="indefinite" restart="never" nodeType="tmRoot"/>
+      </p:par>
+    </p:tnLst>
+  </p:timing>
+</p:sld>
+</file>
+
+<file path=ppt/slides/slide15.xml><?xml version="1.0" encoding="utf-8"?>
+<p:sld xmlns:a="http://schemas.openxmlformats.org/drawingml/2006/main" xmlns:r="http://schemas.openxmlformats.org/officeDocument/2006/relationships" xmlns:p="http://schemas.openxmlformats.org/presentationml/2006/main">
+  <p:cSld>
+    <p:spTree>
+      <p:nvGrpSpPr>
+        <p:cNvPr id="1" name=""/>
+        <p:cNvGrpSpPr/>
+        <p:nvPr/>
+      </p:nvGrpSpPr>
+      <p:grpSpPr>
+        <a:xfrm>
+          <a:off x="0" y="0"/>
+          <a:ext cx="0" cy="0"/>
+          <a:chOff x="0" y="0"/>
+          <a:chExt cx="0" cy="0"/>
+        </a:xfrm>
+      </p:grpSpPr>
+      <p:sp>
+        <p:nvSpPr>
+          <p:cNvPr id="13" name="TextBox 12">
+            <a:extLst>
+              <a:ext uri="{FF2B5EF4-FFF2-40B4-BE49-F238E27FC236}">
+                <a16:creationId xmlns:a16="http://schemas.microsoft.com/office/drawing/2014/main" id="{A68819C7-B34B-F044-B35A-498FAAC374C9}"/>
+              </a:ext>
+            </a:extLst>
+          </p:cNvPr>
+          <p:cNvSpPr txBox="1"/>
+          <p:nvPr/>
+        </p:nvSpPr>
+        <p:spPr>
+          <a:xfrm>
+            <a:off x="8691830" y="6394311"/>
+            <a:ext cx="2881516" cy="400110"/>
+          </a:xfrm>
+          <a:prstGeom prst="rect">
+            <a:avLst/>
+          </a:prstGeom>
+          <a:noFill/>
+        </p:spPr>
+        <p:txBody>
+          <a:bodyPr wrap="square" rtlCol="0">
+            <a:spAutoFit/>
+          </a:bodyPr>
+          <a:lstStyle/>
+          <a:p>
+            <a:r>
+              <a:rPr lang="ru-RU" sz="1000" dirty="0">
+                <a:solidFill>
+                  <a:schemeClr val="bg1"/>
+                </a:solidFill>
+                <a:latin typeface="Montserrat" pitchFamily="2" charset="0"/>
+              </a:rPr>
+              <a:t>Студент:</a:t>
+            </a:r>
+          </a:p>
+          <a:p>
+            <a:r>
+              <a:rPr lang="ru-RU" sz="1000" dirty="0" smtClean="0">
+                <a:solidFill>
+                  <a:schemeClr val="bg1"/>
+                </a:solidFill>
+                <a:latin typeface="Montserrat" pitchFamily="2" charset="0"/>
+              </a:rPr>
+              <a:t>Романов Даниил Николаевич, УВА-411</a:t>
+            </a:r>
+            <a:endParaRPr lang="ru-RU" sz="1000" dirty="0">
+              <a:solidFill>
+                <a:schemeClr val="bg1"/>
+              </a:solidFill>
+              <a:latin typeface="Montserrat" pitchFamily="2" charset="0"/>
+            </a:endParaRPr>
+          </a:p>
+        </p:txBody>
+      </p:sp>
+      <p:pic>
+        <p:nvPicPr>
+          <p:cNvPr id="17" name="Рисунок 16">
+            <a:extLst>
+              <a:ext uri="{FF2B5EF4-FFF2-40B4-BE49-F238E27FC236}">
+                <a16:creationId xmlns:a16="http://schemas.microsoft.com/office/drawing/2014/main" id="{2CDB9450-EAD1-8C44-975B-72463ABE8C46}"/>
+              </a:ext>
+            </a:extLst>
+          </p:cNvPr>
+          <p:cNvPicPr>
+            <a:picLocks noChangeAspect="1"/>
+          </p:cNvPicPr>
+          <p:nvPr/>
+        </p:nvPicPr>
+        <p:blipFill>
+          <a:blip r:embed="rId2">
+            <a:extLst>
+              <a:ext uri="{28A0092B-C50C-407E-A947-70E740481C1C}">
+                <a14:useLocalDpi xmlns:a14="http://schemas.microsoft.com/office/drawing/2010/main" val="0"/>
+              </a:ext>
+            </a:extLst>
+          </a:blip>
+          <a:stretch>
+            <a:fillRect/>
+          </a:stretch>
+        </p:blipFill>
+        <p:spPr>
+          <a:xfrm>
+            <a:off x="231285" y="6362677"/>
+            <a:ext cx="1893079" cy="446879"/>
+          </a:xfrm>
+          <a:prstGeom prst="rect">
+            <a:avLst/>
+          </a:prstGeom>
+        </p:spPr>
+      </p:pic>
+      <p:sp>
+        <p:nvSpPr>
+          <p:cNvPr id="18" name="TextBox 17">
+            <a:extLst>
+              <a:ext uri="{FF2B5EF4-FFF2-40B4-BE49-F238E27FC236}">
+                <a16:creationId xmlns:a16="http://schemas.microsoft.com/office/drawing/2014/main" id="{3B276D71-247A-DA4E-A47F-057FC1898AEA}"/>
+              </a:ext>
+            </a:extLst>
+          </p:cNvPr>
+          <p:cNvSpPr txBox="1"/>
+          <p:nvPr/>
+        </p:nvSpPr>
+        <p:spPr>
+          <a:xfrm>
+            <a:off x="4132184" y="6394311"/>
+            <a:ext cx="4559646" cy="400110"/>
+          </a:xfrm>
+          <a:prstGeom prst="rect">
+            <a:avLst/>
+          </a:prstGeom>
+          <a:noFill/>
+        </p:spPr>
+        <p:txBody>
+          <a:bodyPr wrap="square" rtlCol="0">
+            <a:spAutoFit/>
+          </a:bodyPr>
+          <a:lstStyle/>
+          <a:p>
+            <a:r>
+              <a:rPr lang="ru-RU" sz="1000" dirty="0" smtClean="0">
+                <a:solidFill>
+                  <a:schemeClr val="bg1"/>
+                </a:solidFill>
+                <a:latin typeface="Montserrat" pitchFamily="2" charset="0"/>
+              </a:rPr>
+              <a:t>Разработка гибридного </a:t>
+            </a:r>
+            <a:r>
+              <a:rPr lang="ru-RU" sz="1000" dirty="0" err="1" smtClean="0">
+                <a:solidFill>
+                  <a:schemeClr val="bg1"/>
+                </a:solidFill>
+                <a:latin typeface="Montserrat" pitchFamily="2" charset="0"/>
+              </a:rPr>
+              <a:t>фреймворка</a:t>
+            </a:r>
+            <a:r>
+              <a:rPr lang="ru-RU" sz="1000" dirty="0" smtClean="0">
+                <a:solidFill>
+                  <a:schemeClr val="bg1"/>
+                </a:solidFill>
+                <a:latin typeface="Montserrat" pitchFamily="2" charset="0"/>
+              </a:rPr>
+              <a:t> для автоматизации тестирования приложений</a:t>
+            </a:r>
+            <a:endParaRPr lang="ru-RU" sz="1000" dirty="0">
+              <a:solidFill>
+                <a:schemeClr val="bg1"/>
+              </a:solidFill>
+              <a:latin typeface="Montserrat" pitchFamily="2" charset="0"/>
+            </a:endParaRPr>
+          </a:p>
+        </p:txBody>
+      </p:sp>
+      <p:sp>
+        <p:nvSpPr>
+          <p:cNvPr id="19" name="TextBox 18">
+            <a:extLst>
+              <a:ext uri="{FF2B5EF4-FFF2-40B4-BE49-F238E27FC236}">
+                <a16:creationId xmlns:a16="http://schemas.microsoft.com/office/drawing/2014/main" id="{41ADB531-3E72-8F40-B990-1C1289A6F934}"/>
+              </a:ext>
+            </a:extLst>
+          </p:cNvPr>
+          <p:cNvSpPr txBox="1"/>
+          <p:nvPr/>
+        </p:nvSpPr>
+        <p:spPr>
+          <a:xfrm>
+            <a:off x="11573346" y="6377052"/>
+            <a:ext cx="534430" cy="400110"/>
+          </a:xfrm>
+          <a:prstGeom prst="rect">
+            <a:avLst/>
+          </a:prstGeom>
+          <a:noFill/>
+        </p:spPr>
+        <p:txBody>
+          <a:bodyPr wrap="square" rtlCol="0">
+            <a:spAutoFit/>
+          </a:bodyPr>
+          <a:lstStyle/>
+          <a:p>
+            <a:r>
+              <a:rPr lang="ru-RU" sz="2000" dirty="0" smtClean="0">
+                <a:solidFill>
+                  <a:schemeClr val="bg1"/>
+                </a:solidFill>
+                <a:latin typeface="Montserrat" pitchFamily="2" charset="0"/>
+              </a:rPr>
+              <a:t>13</a:t>
+            </a:r>
+            <a:endParaRPr lang="ru-RU" sz="2000" dirty="0">
+              <a:solidFill>
+                <a:schemeClr val="bg1"/>
+              </a:solidFill>
+              <a:latin typeface="Montserrat" pitchFamily="2" charset="0"/>
+            </a:endParaRPr>
+          </a:p>
+        </p:txBody>
+      </p:sp>
+      <p:pic>
+        <p:nvPicPr>
+          <p:cNvPr id="20" name="Объект 14">
+            <a:extLst>
+              <a:ext uri="{FF2B5EF4-FFF2-40B4-BE49-F238E27FC236}">
+                <a16:creationId xmlns:a16="http://schemas.microsoft.com/office/drawing/2014/main" id="{7BF412CF-0B35-BA41-A1BA-428FFFCDD4AC}"/>
+              </a:ext>
+            </a:extLst>
+          </p:cNvPr>
+          <p:cNvPicPr>
+            <a:picLocks noChangeAspect="1"/>
+          </p:cNvPicPr>
+          <p:nvPr/>
+        </p:nvPicPr>
+        <p:blipFill>
+          <a:blip r:embed="rId3">
+            <a:extLst>
+              <a:ext uri="{28A0092B-C50C-407E-A947-70E740481C1C}">
+                <a14:useLocalDpi xmlns:a14="http://schemas.microsoft.com/office/drawing/2010/main" val="0"/>
+              </a:ext>
+            </a:extLst>
+          </a:blip>
+          <a:stretch>
+            <a:fillRect/>
+          </a:stretch>
+        </p:blipFill>
+        <p:spPr>
+          <a:xfrm>
+            <a:off x="2342176" y="6338773"/>
+            <a:ext cx="685696" cy="519227"/>
+          </a:xfrm>
+          <a:prstGeom prst="rect">
+            <a:avLst/>
+          </a:prstGeom>
+        </p:spPr>
+      </p:pic>
+      <p:pic>
+        <p:nvPicPr>
+          <p:cNvPr id="12" name="Рисунок 11">
+            <a:extLst>
+              <a:ext uri="{FF2B5EF4-FFF2-40B4-BE49-F238E27FC236}">
+                <a16:creationId xmlns:a16="http://schemas.microsoft.com/office/drawing/2014/main" id="{6B3DC32E-0346-454B-9E36-EA8962DE6D5C}"/>
+              </a:ext>
+            </a:extLst>
+          </p:cNvPr>
+          <p:cNvPicPr>
+            <a:picLocks noChangeAspect="1"/>
+          </p:cNvPicPr>
+          <p:nvPr/>
+        </p:nvPicPr>
+        <p:blipFill>
+          <a:blip r:embed="rId4"/>
+          <a:stretch>
+            <a:fillRect/>
+          </a:stretch>
+        </p:blipFill>
+        <p:spPr>
+          <a:xfrm>
+            <a:off x="3245684" y="6327643"/>
+            <a:ext cx="431278" cy="498929"/>
+          </a:xfrm>
+          <a:prstGeom prst="rect">
+            <a:avLst/>
+          </a:prstGeom>
+        </p:spPr>
+      </p:pic>
+      <p:sp>
+        <p:nvSpPr>
+          <p:cNvPr id="23" name="Заголовок 1">
+            <a:extLst>
+              <a:ext uri="{FF2B5EF4-FFF2-40B4-BE49-F238E27FC236}">
+                <a16:creationId xmlns:a16="http://schemas.microsoft.com/office/drawing/2014/main" id="{B045726F-AAD5-41B2-8887-181C872C98CE}"/>
+              </a:ext>
+            </a:extLst>
+          </p:cNvPr>
+          <p:cNvSpPr>
+            <a:spLocks noGrp="1"/>
+          </p:cNvSpPr>
+          <p:nvPr>
+            <p:ph type="title"/>
+          </p:nvPr>
+        </p:nvSpPr>
+        <p:spPr>
+          <a:xfrm>
+            <a:off x="838200" y="365125"/>
+            <a:ext cx="10515600" cy="1325563"/>
+          </a:xfrm>
+        </p:spPr>
+        <p:txBody>
+          <a:bodyPr>
+            <a:normAutofit/>
+          </a:bodyPr>
+          <a:lstStyle/>
+          <a:p>
+            <a:r>
+              <a:rPr lang="ru-RU" sz="3200" dirty="0" smtClean="0">
+                <a:latin typeface="Montserrat" pitchFamily="2" charset="0"/>
+              </a:rPr>
               <a:t>Экспертные оценки</a:t>
             </a:r>
             <a:endParaRPr lang="ru-RU" sz="3200" dirty="0">
@@ -6686,11 +15494,7 @@
             <a:graphicFrameLocks noGrp="1"/>
           </p:cNvGraphicFramePr>
           <p:nvPr>
-            <p:extLst>
-              <p:ext uri="{D42A27DB-BD31-4B8C-83A1-F6EECF244321}">
-                <p14:modId xmlns:p14="http://schemas.microsoft.com/office/powerpoint/2010/main" val="1271122224"/>
-              </p:ext>
-            </p:extLst>
+            <p:extLst/>
           </p:nvPr>
         </p:nvGraphicFramePr>
         <p:xfrm>
@@ -9320,12 +18124,12 @@
                         </a:spcAft>
                       </a:pPr>
                       <a:r>
-                        <a:rPr lang="ru-RU" sz="1400">
+                        <a:rPr lang="ru-RU" sz="1400" dirty="0">
                           <a:effectLst/>
                         </a:rPr>
                         <a:t>4,3</a:t>
                       </a:r>
-                      <a:endParaRPr lang="ru-RU" sz="1100">
+                      <a:endParaRPr lang="ru-RU" sz="1100" dirty="0">
                         <a:effectLst/>
                         <a:latin typeface="Calibri" panose="020F0502020204030204" pitchFamily="34" charset="0"/>
                         <a:ea typeface="Calibri" panose="020F0502020204030204" pitchFamily="34" charset="0"/>
@@ -9381,16 +18185,12 @@
             <a:graphicFrameLocks noGrp="1"/>
           </p:cNvGraphicFramePr>
           <p:nvPr>
-            <p:extLst>
-              <p:ext uri="{D42A27DB-BD31-4B8C-83A1-F6EECF244321}">
-                <p14:modId xmlns:p14="http://schemas.microsoft.com/office/powerpoint/2010/main" val="2069157775"/>
-              </p:ext>
-            </p:extLst>
+            <p:extLst/>
           </p:nvPr>
         </p:nvGraphicFramePr>
         <p:xfrm>
           <a:off x="6640320" y="1690688"/>
-          <a:ext cx="5119638" cy="4377335"/>
+          <a:ext cx="5119638" cy="4411561"/>
         </p:xfrm>
         <a:graphic>
           <a:graphicData uri="http://schemas.openxmlformats.org/drawingml/2006/table">
@@ -9900,7 +18700,7 @@
     </p:spTree>
     <p:extLst>
       <p:ext uri="{BB962C8B-B14F-4D97-AF65-F5344CB8AC3E}">
-        <p14:creationId xmlns:p14="http://schemas.microsoft.com/office/powerpoint/2010/main" val="1807272286"/>
+        <p14:creationId xmlns:p14="http://schemas.microsoft.com/office/powerpoint/2010/main" val="2808788168"/>
       </p:ext>
     </p:extLst>
   </p:cSld>
@@ -9917,7 +18717,7 @@
 </p:sld>
 </file>
 
-<file path=ppt/slides/slide14.xml><?xml version="1.0" encoding="utf-8"?>
+<file path=ppt/slides/slide16.xml><?xml version="1.0" encoding="utf-8"?>
 <p:sld xmlns:a="http://schemas.openxmlformats.org/drawingml/2006/main" xmlns:r="http://schemas.openxmlformats.org/officeDocument/2006/relationships" xmlns:p="http://schemas.openxmlformats.org/presentationml/2006/main">
   <p:cSld>
     <p:spTree>
@@ -11550,7 +20350,15 @@
             </a:pPr>
             <a:r>
               <a:rPr lang="ru-RU" sz="2000" dirty="0"/>
-              <a:t>разработать доступного удобный и доступный для специалистов по ручному тестированию конструктор </a:t>
+              <a:t>разработать </a:t>
+            </a:r>
+            <a:r>
+              <a:rPr lang="ru-RU" sz="2000" dirty="0" smtClean="0"/>
+              <a:t>удобный </a:t>
+            </a:r>
+            <a:r>
+              <a:rPr lang="ru-RU" sz="2000" dirty="0"/>
+              <a:t>и доступный для специалистов по ручному тестированию конструктор </a:t>
             </a:r>
             <a:r>
               <a:rPr lang="ru-RU" sz="2000" dirty="0" smtClean="0"/>
@@ -12327,12 +21135,6 @@
               </a:rPr>
               <a:t>6</a:t>
             </a:r>
-            <a:endParaRPr lang="ru-RU" sz="2000" dirty="0">
-              <a:solidFill>
-                <a:schemeClr val="bg1"/>
-              </a:solidFill>
-              <a:latin typeface="Montserrat" pitchFamily="2" charset="0"/>
-            </a:endParaRPr>
           </a:p>
         </p:txBody>
       </p:sp>
@@ -12440,7 +21242,7 @@
               <a:rPr lang="ru-RU" sz="3200" dirty="0" err="1" smtClean="0">
                 <a:latin typeface="Montserrat" pitchFamily="2" charset="0"/>
               </a:rPr>
-              <a:t>фреймоворка</a:t>
+              <a:t>фреймворка</a:t>
             </a:r>
             <a:endParaRPr lang="ru-RU" sz="3200" dirty="0">
               <a:latin typeface="Montserrat" pitchFamily="2" charset="0"/>
@@ -12462,14 +21264,63 @@
         </p:blipFill>
         <p:spPr>
           <a:xfrm>
-            <a:off x="2283667" y="1690688"/>
-            <a:ext cx="7624665" cy="4545181"/>
+            <a:off x="5271019" y="2609829"/>
+            <a:ext cx="6082781" cy="3626040"/>
           </a:xfrm>
           <a:prstGeom prst="rect">
             <a:avLst/>
           </a:prstGeom>
         </p:spPr>
       </p:pic>
+      <p:sp>
+        <p:nvSpPr>
+          <p:cNvPr id="10" name="TextBox 9">
+            <a:extLst>
+              <a:ext uri="{FF2B5EF4-FFF2-40B4-BE49-F238E27FC236}">
+                <a16:creationId xmlns:a16="http://schemas.microsoft.com/office/drawing/2014/main" id="{64D3E2F6-04B4-4424-9399-B88A2C4EF0DB}"/>
+              </a:ext>
+            </a:extLst>
+          </p:cNvPr>
+          <p:cNvSpPr txBox="1"/>
+          <p:nvPr/>
+        </p:nvSpPr>
+        <p:spPr>
+          <a:xfrm>
+            <a:off x="808931" y="1376428"/>
+            <a:ext cx="10730066" cy="1569660"/>
+          </a:xfrm>
+          <a:prstGeom prst="rect">
+            <a:avLst/>
+          </a:prstGeom>
+          <a:noFill/>
+        </p:spPr>
+        <p:txBody>
+          <a:bodyPr wrap="square" rtlCol="0">
+            <a:spAutoFit/>
+          </a:bodyPr>
+          <a:lstStyle/>
+          <a:p>
+            <a:r>
+              <a:rPr lang="ru-RU" sz="2400" b="1" i="1" dirty="0" smtClean="0"/>
+              <a:t>Тестовый сценарий </a:t>
+            </a:r>
+            <a:r>
+              <a:rPr lang="ru-RU" sz="2400" dirty="0" smtClean="0"/>
+              <a:t>– это последовательность действий, выполняемая над проверяемым программным обеспечением с целью выявить недостатки.</a:t>
+            </a:r>
+          </a:p>
+          <a:p>
+            <a:r>
+              <a:rPr lang="ru-RU" sz="2400" b="1" i="1" dirty="0" smtClean="0"/>
+              <a:t>Шаблон (метод) </a:t>
+            </a:r>
+            <a:r>
+              <a:rPr lang="ru-RU" sz="2400" dirty="0" smtClean="0"/>
+              <a:t>– обобщённое действие, которое можно произвести в рамках тестового сценария.</a:t>
+            </a:r>
+          </a:p>
+        </p:txBody>
+      </p:sp>
     </p:spTree>
     <p:extLst>
       <p:ext uri="{BB962C8B-B14F-4D97-AF65-F5344CB8AC3E}">
@@ -12701,12 +21552,6 @@
               </a:rPr>
               <a:t>7</a:t>
             </a:r>
-            <a:endParaRPr lang="ru-RU" sz="2000" dirty="0">
-              <a:solidFill>
-                <a:schemeClr val="bg1"/>
-              </a:solidFill>
-              <a:latin typeface="Montserrat" pitchFamily="2" charset="0"/>
-            </a:endParaRPr>
           </a:p>
         </p:txBody>
       </p:sp>
@@ -12836,7 +21681,7 @@
           <a:p>
             <a:r>
               <a:rPr lang="ru-RU" sz="2800" dirty="0" smtClean="0"/>
-              <a:t>Архитектура взаимодействия модулей гибридного </a:t>
+              <a:t>Логическая архитектура модулей гибридного </a:t>
             </a:r>
             <a:r>
               <a:rPr lang="ru-RU" sz="2800" dirty="0" err="1" smtClean="0"/>
@@ -13075,14 +21920,8 @@
                 </a:solidFill>
                 <a:latin typeface="Montserrat" pitchFamily="2" charset="0"/>
               </a:rPr>
-              <a:t>8</a:t>
-            </a:r>
-            <a:endParaRPr lang="ru-RU" sz="2000" dirty="0">
-              <a:solidFill>
-                <a:schemeClr val="bg1"/>
-              </a:solidFill>
-              <a:latin typeface="Montserrat" pitchFamily="2" charset="0"/>
-            </a:endParaRPr>
+              <a:t>7</a:t>
+            </a:r>
           </a:p>
         </p:txBody>
       </p:sp>
@@ -13154,7 +21993,7 @@
       </p:pic>
       <p:sp>
         <p:nvSpPr>
-          <p:cNvPr id="11" name="TextBox 10">
+          <p:cNvPr id="16" name="TextBox 15">
             <a:extLst>
               <a:ext uri="{FF2B5EF4-FFF2-40B4-BE49-F238E27FC236}">
                 <a16:creationId xmlns:a16="http://schemas.microsoft.com/office/drawing/2014/main" id="{64D3E2F6-04B4-4424-9399-B88A2C4EF0DB}"/>
@@ -13166,8 +22005,8 @@
         </p:nvSpPr>
         <p:spPr>
           <a:xfrm>
-            <a:off x="843280" y="1816586"/>
-            <a:ext cx="10730066" cy="1569660"/>
+            <a:off x="1215099" y="5635261"/>
+            <a:ext cx="9761801" cy="523220"/>
           </a:xfrm>
           <a:prstGeom prst="rect">
             <a:avLst/>
@@ -13181,90 +22020,35 @@
           <a:lstStyle/>
           <a:p>
             <a:r>
-              <a:rPr lang="ru-RU" sz="2400" b="1" i="1" dirty="0" smtClean="0"/>
-              <a:t>Тестовый сценарий </a:t>
-            </a:r>
-            <a:r>
-              <a:rPr lang="ru-RU" sz="2400" dirty="0" smtClean="0"/>
-              <a:t>– это последовательность действий, выполняемая над проверяемым программным обеспечением с целью выявить недостатки.</a:t>
-            </a:r>
-          </a:p>
-          <a:p>
-            <a:r>
-              <a:rPr lang="ru-RU" sz="2400" b="1" i="1" dirty="0" smtClean="0"/>
-              <a:t>Шаблон (метод) </a:t>
-            </a:r>
-            <a:r>
-              <a:rPr lang="ru-RU" sz="2400" dirty="0" smtClean="0"/>
-              <a:t>– обобщённое действие, которое можно произвести в рамках тестового сценария.</a:t>
-            </a:r>
-          </a:p>
-        </p:txBody>
-      </p:sp>
-      <p:sp>
-        <p:nvSpPr>
-          <p:cNvPr id="23" name="Заголовок 1">
-            <a:extLst>
-              <a:ext uri="{FF2B5EF4-FFF2-40B4-BE49-F238E27FC236}">
-                <a16:creationId xmlns:a16="http://schemas.microsoft.com/office/drawing/2014/main" id="{B045726F-AAD5-41B2-8887-181C872C98CE}"/>
-              </a:ext>
-            </a:extLst>
-          </p:cNvPr>
-          <p:cNvSpPr>
-            <a:spLocks noGrp="1"/>
-          </p:cNvSpPr>
-          <p:nvPr>
-            <p:ph type="title"/>
-          </p:nvPr>
-        </p:nvSpPr>
-        <p:spPr>
-          <a:xfrm>
-            <a:off x="838200" y="365125"/>
-            <a:ext cx="10515600" cy="1325563"/>
-          </a:xfrm>
-        </p:spPr>
-        <p:txBody>
-          <a:bodyPr>
-            <a:normAutofit/>
-          </a:bodyPr>
-          <a:lstStyle/>
-          <a:p>
-            <a:r>
-              <a:rPr lang="ru-RU" sz="3200" dirty="0" smtClean="0">
-                <a:latin typeface="Montserrat" pitchFamily="2" charset="0"/>
-              </a:rPr>
-              <a:t>Шаблоны для унификации формирования тестовых сценариев</a:t>
-            </a:r>
-            <a:endParaRPr lang="ru-RU" sz="3200" dirty="0">
-              <a:latin typeface="Montserrat" pitchFamily="2" charset="0"/>
-            </a:endParaRPr>
+              <a:rPr lang="ru-RU" sz="2800" dirty="0" smtClean="0"/>
+              <a:t>Техническая архитектура модулей гибридного </a:t>
+            </a:r>
+            <a:r>
+              <a:rPr lang="ru-RU" sz="2800" dirty="0" err="1" smtClean="0"/>
+              <a:t>фреймворка</a:t>
+            </a:r>
+            <a:endParaRPr lang="ru-RU" sz="2800" dirty="0"/>
           </a:p>
         </p:txBody>
       </p:sp>
       <p:pic>
         <p:nvPicPr>
-          <p:cNvPr id="4" name="Рисунок 3"/>
+          <p:cNvPr id="3" name="Рисунок 2"/>
           <p:cNvPicPr>
             <a:picLocks noChangeAspect="1"/>
           </p:cNvPicPr>
           <p:nvPr/>
         </p:nvPicPr>
         <p:blipFill>
-          <a:blip r:embed="rId5">
-            <a:extLst>
-              <a:ext uri="{28A0092B-C50C-407E-A947-70E740481C1C}">
-                <a14:useLocalDpi xmlns:a14="http://schemas.microsoft.com/office/drawing/2010/main" val="0"/>
-              </a:ext>
-            </a:extLst>
-          </a:blip>
+          <a:blip r:embed="rId5"/>
           <a:stretch>
             <a:fillRect/>
           </a:stretch>
         </p:blipFill>
         <p:spPr>
           <a:xfrm>
-            <a:off x="838200" y="3650096"/>
-            <a:ext cx="10711447" cy="2361537"/>
+            <a:off x="2207977" y="359862"/>
+            <a:ext cx="7776043" cy="5350397"/>
           </a:xfrm>
           <a:prstGeom prst="rect">
             <a:avLst/>
@@ -13274,7 +22058,7 @@
     </p:spTree>
     <p:extLst>
       <p:ext uri="{BB962C8B-B14F-4D97-AF65-F5344CB8AC3E}">
-        <p14:creationId xmlns:p14="http://schemas.microsoft.com/office/powerpoint/2010/main" val="3929514100"/>
+        <p14:creationId xmlns:p14="http://schemas.microsoft.com/office/powerpoint/2010/main" val="3247964063"/>
       </p:ext>
     </p:extLst>
   </p:cSld>
@@ -13494,20 +22278,14 @@
           <a:lstStyle/>
           <a:p>
             <a:r>
-              <a:rPr lang="ru-RU" sz="2000" dirty="0" smtClean="0">
+              <a:rPr lang="ru-RU" sz="2000" dirty="0">
                 <a:solidFill>
                   <a:schemeClr val="bg1"/>
                 </a:solidFill>
                 <a:latin typeface="Montserrat" pitchFamily="2" charset="0"/>
               </a:rPr>
-              <a:t>9</a:t>
-            </a:r>
-            <a:endParaRPr lang="ru-RU" sz="2000" dirty="0">
-              <a:solidFill>
-                <a:schemeClr val="bg1"/>
-              </a:solidFill>
-              <a:latin typeface="Montserrat" pitchFamily="2" charset="0"/>
-            </a:endParaRPr>
+              <a:t>8</a:t>
+            </a:r>
           </a:p>
         </p:txBody>
       </p:sp>
@@ -13606,101 +22384,51 @@
           <a:lstStyle/>
           <a:p>
             <a:r>
-              <a:rPr lang="ru-RU" sz="3200" dirty="0">
+              <a:rPr lang="ru-RU" sz="3200" dirty="0" smtClean="0">
                 <a:latin typeface="Montserrat" pitchFamily="2" charset="0"/>
               </a:rPr>
-              <a:t>Пример применения типовой модели автоматизированных тестов </a:t>
-            </a:r>
+              <a:t>Шаблоны для унификации формирования тестовых сценариев</a:t>
+            </a:r>
+            <a:endParaRPr lang="ru-RU" sz="3200" dirty="0">
+              <a:latin typeface="Montserrat" pitchFamily="2" charset="0"/>
+            </a:endParaRPr>
           </a:p>
         </p:txBody>
       </p:sp>
       <p:pic>
         <p:nvPicPr>
-          <p:cNvPr id="5" name="Рисунок 4"/>
+          <p:cNvPr id="4" name="Рисунок 3"/>
           <p:cNvPicPr>
             <a:picLocks noChangeAspect="1"/>
           </p:cNvPicPr>
           <p:nvPr/>
         </p:nvPicPr>
         <p:blipFill>
-          <a:blip r:embed="rId5"/>
+          <a:blip r:embed="rId5">
+            <a:extLst>
+              <a:ext uri="{28A0092B-C50C-407E-A947-70E740481C1C}">
+                <a14:useLocalDpi xmlns:a14="http://schemas.microsoft.com/office/drawing/2010/main" val="0"/>
+              </a:ext>
+            </a:extLst>
+          </a:blip>
           <a:stretch>
             <a:fillRect/>
           </a:stretch>
         </p:blipFill>
         <p:spPr>
           <a:xfrm>
-            <a:off x="838200" y="3143494"/>
-            <a:ext cx="3293984" cy="2722748"/>
+            <a:off x="1056283" y="2567745"/>
+            <a:ext cx="10711447" cy="2361537"/>
           </a:xfrm>
           <a:prstGeom prst="rect">
             <a:avLst/>
           </a:prstGeom>
         </p:spPr>
       </p:pic>
-      <p:pic>
-        <p:nvPicPr>
-          <p:cNvPr id="6" name="Рисунок 5"/>
-          <p:cNvPicPr>
-            <a:picLocks noChangeAspect="1"/>
-          </p:cNvPicPr>
-          <p:nvPr/>
-        </p:nvPicPr>
-        <p:blipFill>
-          <a:blip r:embed="rId6"/>
-          <a:stretch>
-            <a:fillRect/>
-          </a:stretch>
-        </p:blipFill>
-        <p:spPr>
-          <a:xfrm>
-            <a:off x="4132184" y="3143494"/>
-            <a:ext cx="7854858" cy="2814180"/>
-          </a:xfrm>
-          <a:prstGeom prst="rect">
-            <a:avLst/>
-          </a:prstGeom>
-        </p:spPr>
-      </p:pic>
-      <p:sp>
-        <p:nvSpPr>
-          <p:cNvPr id="16" name="TextBox 15">
-            <a:extLst>
-              <a:ext uri="{FF2B5EF4-FFF2-40B4-BE49-F238E27FC236}">
-                <a16:creationId xmlns:a16="http://schemas.microsoft.com/office/drawing/2014/main" id="{64D3E2F6-04B4-4424-9399-B88A2C4EF0DB}"/>
-              </a:ext>
-            </a:extLst>
-          </p:cNvPr>
-          <p:cNvSpPr txBox="1"/>
-          <p:nvPr/>
-        </p:nvSpPr>
-        <p:spPr>
-          <a:xfrm>
-            <a:off x="843280" y="1816586"/>
-            <a:ext cx="10730066" cy="830997"/>
-          </a:xfrm>
-          <a:prstGeom prst="rect">
-            <a:avLst/>
-          </a:prstGeom>
-          <a:noFill/>
-        </p:spPr>
-        <p:txBody>
-          <a:bodyPr wrap="square" rtlCol="0">
-            <a:spAutoFit/>
-          </a:bodyPr>
-          <a:lstStyle/>
-          <a:p>
-            <a:r>
-              <a:rPr lang="ru-RU" sz="2400" dirty="0" smtClean="0"/>
-              <a:t>В качестве демонстрации был использован интернет-магазин с минимальным набором функций. (авторизация, выбор продукта, корзина, покупка)</a:t>
-            </a:r>
-          </a:p>
-        </p:txBody>
-      </p:sp>
     </p:spTree>
     <p:extLst>
       <p:ext uri="{BB962C8B-B14F-4D97-AF65-F5344CB8AC3E}">
-        <p14:creationId xmlns:p14="http://schemas.microsoft.com/office/powerpoint/2010/main" val="1975627555"/>
+        <p14:creationId xmlns:p14="http://schemas.microsoft.com/office/powerpoint/2010/main" val="3929514100"/>
       </p:ext>
     </p:extLst>
   </p:cSld>

--- a/презентация.pptx
+++ b/презентация.pptx
@@ -7144,7 +7144,6 @@
               <a:rPr lang="ru-RU" sz="2400" dirty="0" smtClean="0"/>
               <a:t>популярный фреймворк для автоматизации тестирования, который содержит в себе часто встречающиеся обобщённые характеристики и паттерны работы.</a:t>
             </a:r>
-            <a:endParaRPr lang="ru-RU" sz="2400" dirty="0" smtClean="0"/>
           </a:p>
         </p:txBody>
       </p:sp>
@@ -7502,7 +7501,7 @@
         </p:nvSpPr>
         <p:spPr>
           <a:xfrm>
-            <a:off x="838200" y="365125"/>
+            <a:off x="821028" y="267057"/>
             <a:ext cx="10515600" cy="1325563"/>
           </a:xfrm>
         </p:spPr>
@@ -8251,14 +8250,14 @@
               <p:nvPr>
                 <p:extLst>
                   <p:ext uri="{D42A27DB-BD31-4B8C-83A1-F6EECF244321}">
-                    <p14:modId xmlns:p14="http://schemas.microsoft.com/office/powerpoint/2010/main" val="320517090"/>
+                    <p14:modId xmlns:p14="http://schemas.microsoft.com/office/powerpoint/2010/main" val="1644963498"/>
                   </p:ext>
                 </p:extLst>
               </p:nvPr>
             </p:nvGraphicFramePr>
             <p:xfrm>
-              <a:off x="5170772" y="1592620"/>
-              <a:ext cx="6937005" cy="4636318"/>
+              <a:off x="5153600" y="1592620"/>
+              <a:ext cx="6937005" cy="4223763"/>
             </p:xfrm>
             <a:graphic>
               <a:graphicData uri="http://schemas.openxmlformats.org/drawingml/2006/table">
@@ -8708,10 +8707,39 @@
                             </a:spcAft>
                           </a:pPr>
                           <a:r>
+                            <a:rPr lang="ru-RU" sz="1400" dirty="0">
+                              <a:effectLst/>
+                            </a:rPr>
+                            <a:t>Эксперт 1</a:t>
+                          </a:r>
+                          <a:endParaRPr lang="ru-RU" sz="1050" dirty="0">
+                            <a:effectLst/>
+                            <a:latin typeface="Calibri" panose="020F0502020204030204" pitchFamily="34" charset="0"/>
+                            <a:ea typeface="Calibri" panose="020F0502020204030204" pitchFamily="34" charset="0"/>
+                            <a:cs typeface="Times New Roman" panose="02020603050405020304" pitchFamily="18" charset="0"/>
+                          </a:endParaRPr>
+                        </a:p>
+                      </a:txBody>
+                      <a:tcPr marL="63272" marR="63272" marT="0" marB="0" anchor="ctr"/>
+                    </a:tc>
+                    <a:tc>
+                      <a:txBody>
+                        <a:bodyPr/>
+                        <a:lstStyle/>
+                        <a:p>
+                          <a:pPr algn="ctr">
+                            <a:lnSpc>
+                              <a:spcPct val="106000"/>
+                            </a:lnSpc>
+                            <a:spcAft>
+                              <a:spcPts val="800"/>
+                            </a:spcAft>
+                          </a:pPr>
+                          <a:r>
                             <a:rPr lang="ru-RU" sz="1600" dirty="0">
                               <a:effectLst/>
                             </a:rPr>
-                            <a:t>Эксперт 1</a:t>
+                            <a:t>1</a:t>
                           </a:r>
                           <a:endParaRPr lang="ru-RU" sz="1100" dirty="0">
                             <a:effectLst/>
@@ -8737,12 +8765,12 @@
                             </a:spcAft>
                           </a:pPr>
                           <a:r>
-                            <a:rPr lang="ru-RU" sz="1800" dirty="0">
+                            <a:rPr lang="ru-RU" sz="1600" dirty="0">
                               <a:effectLst/>
                             </a:rPr>
-                            <a:t>1</a:t>
+                            <a:t>6</a:t>
                           </a:r>
-                          <a:endParaRPr lang="ru-RU" sz="1200" dirty="0">
+                          <a:endParaRPr lang="ru-RU" sz="1100" dirty="0">
                             <a:effectLst/>
                             <a:latin typeface="Calibri" panose="020F0502020204030204" pitchFamily="34" charset="0"/>
                             <a:ea typeface="Calibri" panose="020F0502020204030204" pitchFamily="34" charset="0"/>
@@ -8766,12 +8794,12 @@
                             </a:spcAft>
                           </a:pPr>
                           <a:r>
-                            <a:rPr lang="ru-RU" sz="1800" dirty="0">
+                            <a:rPr lang="ru-RU" sz="1600" dirty="0">
                               <a:effectLst/>
                             </a:rPr>
-                            <a:t>6</a:t>
+                            <a:t>2</a:t>
                           </a:r>
-                          <a:endParaRPr lang="ru-RU" sz="1200" dirty="0">
+                          <a:endParaRPr lang="ru-RU" sz="1100" dirty="0">
                             <a:effectLst/>
                             <a:latin typeface="Calibri" panose="020F0502020204030204" pitchFamily="34" charset="0"/>
                             <a:ea typeface="Calibri" panose="020F0502020204030204" pitchFamily="34" charset="0"/>
@@ -8795,12 +8823,12 @@
                             </a:spcAft>
                           </a:pPr>
                           <a:r>
-                            <a:rPr lang="ru-RU" sz="1800" dirty="0">
+                            <a:rPr lang="ru-RU" sz="1600">
                               <a:effectLst/>
                             </a:rPr>
-                            <a:t>2</a:t>
+                            <a:t>5</a:t>
                           </a:r>
-                          <a:endParaRPr lang="ru-RU" sz="1200" dirty="0">
+                          <a:endParaRPr lang="ru-RU" sz="1100">
                             <a:effectLst/>
                             <a:latin typeface="Calibri" panose="020F0502020204030204" pitchFamily="34" charset="0"/>
                             <a:ea typeface="Calibri" panose="020F0502020204030204" pitchFamily="34" charset="0"/>
@@ -8808,7 +8836,7 @@
                           </a:endParaRPr>
                         </a:p>
                       </a:txBody>
-                      <a:tcPr marL="63272" marR="63272" marT="0" marB="0" anchor="ctr"/>
+                      <a:tcPr marL="8253" marR="8253" marT="8253" marB="8253" anchor="ctr"/>
                     </a:tc>
                     <a:tc>
                       <a:txBody>
@@ -8824,12 +8852,12 @@
                             </a:spcAft>
                           </a:pPr>
                           <a:r>
-                            <a:rPr lang="ru-RU" sz="1800">
+                            <a:rPr lang="ru-RU" sz="1600">
                               <a:effectLst/>
                             </a:rPr>
-                            <a:t>5</a:t>
+                            <a:t>3</a:t>
                           </a:r>
-                          <a:endParaRPr lang="ru-RU" sz="1200">
+                          <a:endParaRPr lang="ru-RU" sz="1100">
                             <a:effectLst/>
                             <a:latin typeface="Calibri" panose="020F0502020204030204" pitchFamily="34" charset="0"/>
                             <a:ea typeface="Calibri" panose="020F0502020204030204" pitchFamily="34" charset="0"/>
@@ -8853,12 +8881,12 @@
                             </a:spcAft>
                           </a:pPr>
                           <a:r>
-                            <a:rPr lang="ru-RU" sz="1800">
+                            <a:rPr lang="ru-RU" sz="1600">
                               <a:effectLst/>
                             </a:rPr>
-                            <a:t>3</a:t>
+                            <a:t>4</a:t>
                           </a:r>
-                          <a:endParaRPr lang="ru-RU" sz="1200">
+                          <a:endParaRPr lang="ru-RU" sz="1100">
                             <a:effectLst/>
                             <a:latin typeface="Calibri" panose="020F0502020204030204" pitchFamily="34" charset="0"/>
                             <a:ea typeface="Calibri" panose="020F0502020204030204" pitchFamily="34" charset="0"/>
@@ -8882,41 +8910,12 @@
                             </a:spcAft>
                           </a:pPr>
                           <a:r>
-                            <a:rPr lang="ru-RU" sz="1800">
-                              <a:effectLst/>
-                            </a:rPr>
-                            <a:t>4</a:t>
-                          </a:r>
-                          <a:endParaRPr lang="ru-RU" sz="1200">
-                            <a:effectLst/>
-                            <a:latin typeface="Calibri" panose="020F0502020204030204" pitchFamily="34" charset="0"/>
-                            <a:ea typeface="Calibri" panose="020F0502020204030204" pitchFamily="34" charset="0"/>
-                            <a:cs typeface="Times New Roman" panose="02020603050405020304" pitchFamily="18" charset="0"/>
-                          </a:endParaRPr>
-                        </a:p>
-                      </a:txBody>
-                      <a:tcPr marL="8253" marR="8253" marT="8253" marB="8253" anchor="ctr"/>
-                    </a:tc>
-                    <a:tc>
-                      <a:txBody>
-                        <a:bodyPr/>
-                        <a:lstStyle/>
-                        <a:p>
-                          <a:pPr algn="ctr">
-                            <a:lnSpc>
-                              <a:spcPct val="106000"/>
-                            </a:lnSpc>
-                            <a:spcAft>
-                              <a:spcPts val="800"/>
-                            </a:spcAft>
-                          </a:pPr>
-                          <a:r>
-                            <a:rPr lang="ru-RU" sz="1800" dirty="0">
+                            <a:rPr lang="ru-RU" sz="1600" dirty="0">
                               <a:effectLst/>
                             </a:rPr>
                             <a:t>21</a:t>
                           </a:r>
-                          <a:endParaRPr lang="ru-RU" sz="1200" dirty="0">
+                          <a:endParaRPr lang="ru-RU" sz="1100" dirty="0">
                             <a:effectLst/>
                             <a:latin typeface="Calibri" panose="020F0502020204030204" pitchFamily="34" charset="0"/>
                             <a:ea typeface="Calibri" panose="020F0502020204030204" pitchFamily="34" charset="0"/>
@@ -8947,10 +8946,39 @@
                             </a:spcAft>
                           </a:pPr>
                           <a:r>
+                            <a:rPr lang="ru-RU" sz="1400" dirty="0">
+                              <a:effectLst/>
+                            </a:rPr>
+                            <a:t>Эксперт 2</a:t>
+                          </a:r>
+                          <a:endParaRPr lang="ru-RU" sz="1050" dirty="0">
+                            <a:effectLst/>
+                            <a:latin typeface="Calibri" panose="020F0502020204030204" pitchFamily="34" charset="0"/>
+                            <a:ea typeface="Calibri" panose="020F0502020204030204" pitchFamily="34" charset="0"/>
+                            <a:cs typeface="Times New Roman" panose="02020603050405020304" pitchFamily="18" charset="0"/>
+                          </a:endParaRPr>
+                        </a:p>
+                      </a:txBody>
+                      <a:tcPr marL="63272" marR="63272" marT="0" marB="0" anchor="ctr"/>
+                    </a:tc>
+                    <a:tc>
+                      <a:txBody>
+                        <a:bodyPr/>
+                        <a:lstStyle/>
+                        <a:p>
+                          <a:pPr algn="ctr">
+                            <a:lnSpc>
+                              <a:spcPct val="106000"/>
+                            </a:lnSpc>
+                            <a:spcAft>
+                              <a:spcPts val="800"/>
+                            </a:spcAft>
+                          </a:pPr>
+                          <a:r>
                             <a:rPr lang="ru-RU" sz="1600" dirty="0">
                               <a:effectLst/>
                             </a:rPr>
-                            <a:t>Эксперт 2</a:t>
+                            <a:t>2</a:t>
                           </a:r>
                           <a:endParaRPr lang="ru-RU" sz="1100" dirty="0">
                             <a:effectLst/>
@@ -8976,12 +9004,12 @@
                             </a:spcAft>
                           </a:pPr>
                           <a:r>
-                            <a:rPr lang="ru-RU" sz="1800" dirty="0">
+                            <a:rPr lang="ru-RU" sz="1600" dirty="0">
                               <a:effectLst/>
                             </a:rPr>
-                            <a:t>2</a:t>
+                            <a:t>5</a:t>
                           </a:r>
-                          <a:endParaRPr lang="ru-RU" sz="1200" dirty="0">
+                          <a:endParaRPr lang="ru-RU" sz="1100" dirty="0">
                             <a:effectLst/>
                             <a:latin typeface="Calibri" panose="020F0502020204030204" pitchFamily="34" charset="0"/>
                             <a:ea typeface="Calibri" panose="020F0502020204030204" pitchFamily="34" charset="0"/>
@@ -9005,12 +9033,12 @@
                             </a:spcAft>
                           </a:pPr>
                           <a:r>
-                            <a:rPr lang="ru-RU" sz="1800" dirty="0">
+                            <a:rPr lang="ru-RU" sz="1600" dirty="0">
                               <a:effectLst/>
                             </a:rPr>
-                            <a:t>5</a:t>
+                            <a:t>1</a:t>
                           </a:r>
-                          <a:endParaRPr lang="ru-RU" sz="1200" dirty="0">
+                          <a:endParaRPr lang="ru-RU" sz="1100" dirty="0">
                             <a:effectLst/>
                             <a:latin typeface="Calibri" panose="020F0502020204030204" pitchFamily="34" charset="0"/>
                             <a:ea typeface="Calibri" panose="020F0502020204030204" pitchFamily="34" charset="0"/>
@@ -9034,12 +9062,12 @@
                             </a:spcAft>
                           </a:pPr>
                           <a:r>
-                            <a:rPr lang="ru-RU" sz="1800" dirty="0">
+                            <a:rPr lang="ru-RU" sz="1600">
                               <a:effectLst/>
                             </a:rPr>
-                            <a:t>1</a:t>
+                            <a:t>6</a:t>
                           </a:r>
-                          <a:endParaRPr lang="ru-RU" sz="1200" dirty="0">
+                          <a:endParaRPr lang="ru-RU" sz="1100">
                             <a:effectLst/>
                             <a:latin typeface="Calibri" panose="020F0502020204030204" pitchFamily="34" charset="0"/>
                             <a:ea typeface="Calibri" panose="020F0502020204030204" pitchFamily="34" charset="0"/>
@@ -9047,7 +9075,7 @@
                           </a:endParaRPr>
                         </a:p>
                       </a:txBody>
-                      <a:tcPr marL="63272" marR="63272" marT="0" marB="0" anchor="ctr"/>
+                      <a:tcPr marL="8253" marR="8253" marT="8253" marB="8253" anchor="ctr"/>
                     </a:tc>
                     <a:tc>
                       <a:txBody>
@@ -9063,12 +9091,12 @@
                             </a:spcAft>
                           </a:pPr>
                           <a:r>
-                            <a:rPr lang="ru-RU" sz="1800">
+                            <a:rPr lang="ru-RU" sz="1600">
                               <a:effectLst/>
                             </a:rPr>
-                            <a:t>6</a:t>
+                            <a:t>4</a:t>
                           </a:r>
-                          <a:endParaRPr lang="ru-RU" sz="1200">
+                          <a:endParaRPr lang="ru-RU" sz="1100">
                             <a:effectLst/>
                             <a:latin typeface="Calibri" panose="020F0502020204030204" pitchFamily="34" charset="0"/>
                             <a:ea typeface="Calibri" panose="020F0502020204030204" pitchFamily="34" charset="0"/>
@@ -9092,12 +9120,12 @@
                             </a:spcAft>
                           </a:pPr>
                           <a:r>
-                            <a:rPr lang="ru-RU" sz="1800">
+                            <a:rPr lang="ru-RU" sz="1600">
                               <a:effectLst/>
                             </a:rPr>
-                            <a:t>4</a:t>
+                            <a:t>3</a:t>
                           </a:r>
-                          <a:endParaRPr lang="ru-RU" sz="1200">
+                          <a:endParaRPr lang="ru-RU" sz="1100">
                             <a:effectLst/>
                             <a:latin typeface="Calibri" panose="020F0502020204030204" pitchFamily="34" charset="0"/>
                             <a:ea typeface="Calibri" panose="020F0502020204030204" pitchFamily="34" charset="0"/>
@@ -9121,41 +9149,12 @@
                             </a:spcAft>
                           </a:pPr>
                           <a:r>
-                            <a:rPr lang="ru-RU" sz="1800">
-                              <a:effectLst/>
-                            </a:rPr>
-                            <a:t>3</a:t>
-                          </a:r>
-                          <a:endParaRPr lang="ru-RU" sz="1200">
-                            <a:effectLst/>
-                            <a:latin typeface="Calibri" panose="020F0502020204030204" pitchFamily="34" charset="0"/>
-                            <a:ea typeface="Calibri" panose="020F0502020204030204" pitchFamily="34" charset="0"/>
-                            <a:cs typeface="Times New Roman" panose="02020603050405020304" pitchFamily="18" charset="0"/>
-                          </a:endParaRPr>
-                        </a:p>
-                      </a:txBody>
-                      <a:tcPr marL="8253" marR="8253" marT="8253" marB="8253" anchor="ctr"/>
-                    </a:tc>
-                    <a:tc>
-                      <a:txBody>
-                        <a:bodyPr/>
-                        <a:lstStyle/>
-                        <a:p>
-                          <a:pPr algn="ctr">
-                            <a:lnSpc>
-                              <a:spcPct val="106000"/>
-                            </a:lnSpc>
-                            <a:spcAft>
-                              <a:spcPts val="800"/>
-                            </a:spcAft>
-                          </a:pPr>
-                          <a:r>
-                            <a:rPr lang="ru-RU" sz="1800" dirty="0">
+                            <a:rPr lang="ru-RU" sz="1600" dirty="0">
                               <a:effectLst/>
                             </a:rPr>
                             <a:t>21</a:t>
                           </a:r>
-                          <a:endParaRPr lang="ru-RU" sz="1200" dirty="0">
+                          <a:endParaRPr lang="ru-RU" sz="1100" dirty="0">
                             <a:effectLst/>
                             <a:latin typeface="Calibri" panose="020F0502020204030204" pitchFamily="34" charset="0"/>
                             <a:ea typeface="Calibri" panose="020F0502020204030204" pitchFamily="34" charset="0"/>
@@ -9186,10 +9185,39 @@
                             </a:spcAft>
                           </a:pPr>
                           <a:r>
+                            <a:rPr lang="ru-RU" sz="1400" dirty="0">
+                              <a:effectLst/>
+                            </a:rPr>
+                            <a:t>Эксперт 3</a:t>
+                          </a:r>
+                          <a:endParaRPr lang="ru-RU" sz="1050" dirty="0">
+                            <a:effectLst/>
+                            <a:latin typeface="Calibri" panose="020F0502020204030204" pitchFamily="34" charset="0"/>
+                            <a:ea typeface="Calibri" panose="020F0502020204030204" pitchFamily="34" charset="0"/>
+                            <a:cs typeface="Times New Roman" panose="02020603050405020304" pitchFamily="18" charset="0"/>
+                          </a:endParaRPr>
+                        </a:p>
+                      </a:txBody>
+                      <a:tcPr marL="63272" marR="63272" marT="0" marB="0" anchor="ctr"/>
+                    </a:tc>
+                    <a:tc>
+                      <a:txBody>
+                        <a:bodyPr/>
+                        <a:lstStyle/>
+                        <a:p>
+                          <a:pPr algn="ctr">
+                            <a:lnSpc>
+                              <a:spcPct val="106000"/>
+                            </a:lnSpc>
+                            <a:spcAft>
+                              <a:spcPts val="800"/>
+                            </a:spcAft>
+                          </a:pPr>
+                          <a:r>
                             <a:rPr lang="ru-RU" sz="1600" dirty="0">
                               <a:effectLst/>
                             </a:rPr>
-                            <a:t>Эксперт 3</a:t>
+                            <a:t>1</a:t>
                           </a:r>
                           <a:endParaRPr lang="ru-RU" sz="1100" dirty="0">
                             <a:effectLst/>
@@ -9215,12 +9243,12 @@
                             </a:spcAft>
                           </a:pPr>
                           <a:r>
-                            <a:rPr lang="ru-RU" sz="1800" dirty="0">
+                            <a:rPr lang="ru-RU" sz="1600" dirty="0">
                               <a:effectLst/>
                             </a:rPr>
-                            <a:t>1</a:t>
+                            <a:t>4</a:t>
                           </a:r>
-                          <a:endParaRPr lang="ru-RU" sz="1200" dirty="0">
+                          <a:endParaRPr lang="ru-RU" sz="1100" dirty="0">
                             <a:effectLst/>
                             <a:latin typeface="Calibri" panose="020F0502020204030204" pitchFamily="34" charset="0"/>
                             <a:ea typeface="Calibri" panose="020F0502020204030204" pitchFamily="34" charset="0"/>
@@ -9244,12 +9272,12 @@
                             </a:spcAft>
                           </a:pPr>
                           <a:r>
-                            <a:rPr lang="ru-RU" sz="1800" dirty="0">
+                            <a:rPr lang="ru-RU" sz="1600" dirty="0">
                               <a:effectLst/>
                             </a:rPr>
-                            <a:t>4</a:t>
+                            <a:t>2</a:t>
                           </a:r>
-                          <a:endParaRPr lang="ru-RU" sz="1200" dirty="0">
+                          <a:endParaRPr lang="ru-RU" sz="1100" dirty="0">
                             <a:effectLst/>
                             <a:latin typeface="Calibri" panose="020F0502020204030204" pitchFamily="34" charset="0"/>
                             <a:ea typeface="Calibri" panose="020F0502020204030204" pitchFamily="34" charset="0"/>
@@ -9273,12 +9301,12 @@
                             </a:spcAft>
                           </a:pPr>
                           <a:r>
-                            <a:rPr lang="ru-RU" sz="1800" dirty="0">
+                            <a:rPr lang="ru-RU" sz="1600" dirty="0">
                               <a:effectLst/>
                             </a:rPr>
-                            <a:t>2</a:t>
+                            <a:t>6</a:t>
                           </a:r>
-                          <a:endParaRPr lang="ru-RU" sz="1200" dirty="0">
+                          <a:endParaRPr lang="ru-RU" sz="1100" dirty="0">
                             <a:effectLst/>
                             <a:latin typeface="Calibri" panose="020F0502020204030204" pitchFamily="34" charset="0"/>
                             <a:ea typeface="Calibri" panose="020F0502020204030204" pitchFamily="34" charset="0"/>
@@ -9286,7 +9314,7 @@
                           </a:endParaRPr>
                         </a:p>
                       </a:txBody>
-                      <a:tcPr marL="63272" marR="63272" marT="0" marB="0" anchor="ctr"/>
+                      <a:tcPr marL="8253" marR="8253" marT="8253" marB="8253" anchor="ctr"/>
                     </a:tc>
                     <a:tc>
                       <a:txBody>
@@ -9302,12 +9330,12 @@
                             </a:spcAft>
                           </a:pPr>
                           <a:r>
-                            <a:rPr lang="ru-RU" sz="1800" dirty="0">
+                            <a:rPr lang="ru-RU" sz="1600" dirty="0">
                               <a:effectLst/>
                             </a:rPr>
-                            <a:t>6</a:t>
+                            <a:t>5</a:t>
                           </a:r>
-                          <a:endParaRPr lang="ru-RU" sz="1200" dirty="0">
+                          <a:endParaRPr lang="ru-RU" sz="1100" dirty="0">
                             <a:effectLst/>
                             <a:latin typeface="Calibri" panose="020F0502020204030204" pitchFamily="34" charset="0"/>
                             <a:ea typeface="Calibri" panose="020F0502020204030204" pitchFamily="34" charset="0"/>
@@ -9331,12 +9359,12 @@
                             </a:spcAft>
                           </a:pPr>
                           <a:r>
-                            <a:rPr lang="ru-RU" sz="1800" dirty="0">
+                            <a:rPr lang="ru-RU" sz="1600" dirty="0">
                               <a:effectLst/>
                             </a:rPr>
-                            <a:t>5</a:t>
+                            <a:t>3</a:t>
                           </a:r>
-                          <a:endParaRPr lang="ru-RU" sz="1200" dirty="0">
+                          <a:endParaRPr lang="ru-RU" sz="1100" dirty="0">
                             <a:effectLst/>
                             <a:latin typeface="Calibri" panose="020F0502020204030204" pitchFamily="34" charset="0"/>
                             <a:ea typeface="Calibri" panose="020F0502020204030204" pitchFamily="34" charset="0"/>
@@ -9360,41 +9388,12 @@
                             </a:spcAft>
                           </a:pPr>
                           <a:r>
-                            <a:rPr lang="ru-RU" sz="1800" dirty="0">
-                              <a:effectLst/>
-                            </a:rPr>
-                            <a:t>3</a:t>
-                          </a:r>
-                          <a:endParaRPr lang="ru-RU" sz="1200" dirty="0">
-                            <a:effectLst/>
-                            <a:latin typeface="Calibri" panose="020F0502020204030204" pitchFamily="34" charset="0"/>
-                            <a:ea typeface="Calibri" panose="020F0502020204030204" pitchFamily="34" charset="0"/>
-                            <a:cs typeface="Times New Roman" panose="02020603050405020304" pitchFamily="18" charset="0"/>
-                          </a:endParaRPr>
-                        </a:p>
-                      </a:txBody>
-                      <a:tcPr marL="8253" marR="8253" marT="8253" marB="8253" anchor="ctr"/>
-                    </a:tc>
-                    <a:tc>
-                      <a:txBody>
-                        <a:bodyPr/>
-                        <a:lstStyle/>
-                        <a:p>
-                          <a:pPr algn="ctr">
-                            <a:lnSpc>
-                              <a:spcPct val="106000"/>
-                            </a:lnSpc>
-                            <a:spcAft>
-                              <a:spcPts val="800"/>
-                            </a:spcAft>
-                          </a:pPr>
-                          <a:r>
-                            <a:rPr lang="ru-RU" sz="1800" dirty="0">
+                            <a:rPr lang="ru-RU" sz="1600" dirty="0">
                               <a:effectLst/>
                             </a:rPr>
                             <a:t>21</a:t>
                           </a:r>
-                          <a:endParaRPr lang="ru-RU" sz="1200" dirty="0">
+                          <a:endParaRPr lang="ru-RU" sz="1100" dirty="0">
                             <a:effectLst/>
                             <a:latin typeface="Calibri" panose="020F0502020204030204" pitchFamily="34" charset="0"/>
                             <a:ea typeface="Calibri" panose="020F0502020204030204" pitchFamily="34" charset="0"/>
@@ -9425,10 +9424,39 @@
                             </a:spcAft>
                           </a:pPr>
                           <a:r>
+                            <a:rPr lang="ru-RU" sz="1400" dirty="0">
+                              <a:effectLst/>
+                            </a:rPr>
+                            <a:t>Эксперт 4</a:t>
+                          </a:r>
+                          <a:endParaRPr lang="ru-RU" sz="1050" dirty="0">
+                            <a:effectLst/>
+                            <a:latin typeface="Calibri" panose="020F0502020204030204" pitchFamily="34" charset="0"/>
+                            <a:ea typeface="Calibri" panose="020F0502020204030204" pitchFamily="34" charset="0"/>
+                            <a:cs typeface="Times New Roman" panose="02020603050405020304" pitchFamily="18" charset="0"/>
+                          </a:endParaRPr>
+                        </a:p>
+                      </a:txBody>
+                      <a:tcPr marL="63272" marR="63272" marT="0" marB="0" anchor="ctr"/>
+                    </a:tc>
+                    <a:tc>
+                      <a:txBody>
+                        <a:bodyPr/>
+                        <a:lstStyle/>
+                        <a:p>
+                          <a:pPr algn="ctr">
+                            <a:lnSpc>
+                              <a:spcPct val="106000"/>
+                            </a:lnSpc>
+                            <a:spcAft>
+                              <a:spcPts val="800"/>
+                            </a:spcAft>
+                          </a:pPr>
+                          <a:r>
                             <a:rPr lang="ru-RU" sz="1600" dirty="0">
                               <a:effectLst/>
                             </a:rPr>
-                            <a:t>Эксперт 4</a:t>
+                            <a:t>2</a:t>
                           </a:r>
                           <a:endParaRPr lang="ru-RU" sz="1100" dirty="0">
                             <a:effectLst/>
@@ -9454,12 +9482,12 @@
                             </a:spcAft>
                           </a:pPr>
                           <a:r>
-                            <a:rPr lang="ru-RU" sz="1800" dirty="0">
+                            <a:rPr lang="ru-RU" sz="1600" dirty="0">
                               <a:effectLst/>
                             </a:rPr>
-                            <a:t>2</a:t>
+                            <a:t>5</a:t>
                           </a:r>
-                          <a:endParaRPr lang="ru-RU" sz="1200" dirty="0">
+                          <a:endParaRPr lang="ru-RU" sz="1100" dirty="0">
                             <a:effectLst/>
                             <a:latin typeface="Calibri" panose="020F0502020204030204" pitchFamily="34" charset="0"/>
                             <a:ea typeface="Calibri" panose="020F0502020204030204" pitchFamily="34" charset="0"/>
@@ -9483,12 +9511,12 @@
                             </a:spcAft>
                           </a:pPr>
                           <a:r>
-                            <a:rPr lang="ru-RU" sz="1800" dirty="0">
+                            <a:rPr lang="ru-RU" sz="1600" dirty="0">
                               <a:effectLst/>
                             </a:rPr>
-                            <a:t>5</a:t>
+                            <a:t>1</a:t>
                           </a:r>
-                          <a:endParaRPr lang="ru-RU" sz="1200" dirty="0">
+                          <a:endParaRPr lang="ru-RU" sz="1100" dirty="0">
                             <a:effectLst/>
                             <a:latin typeface="Calibri" panose="020F0502020204030204" pitchFamily="34" charset="0"/>
                             <a:ea typeface="Calibri" panose="020F0502020204030204" pitchFamily="34" charset="0"/>
@@ -9512,12 +9540,12 @@
                             </a:spcAft>
                           </a:pPr>
                           <a:r>
-                            <a:rPr lang="ru-RU" sz="1800" dirty="0">
+                            <a:rPr lang="ru-RU" sz="1600" dirty="0">
                               <a:effectLst/>
                             </a:rPr>
-                            <a:t>1</a:t>
+                            <a:t>6</a:t>
                           </a:r>
-                          <a:endParaRPr lang="ru-RU" sz="1200" dirty="0">
+                          <a:endParaRPr lang="ru-RU" sz="1100" dirty="0">
                             <a:effectLst/>
                             <a:latin typeface="Calibri" panose="020F0502020204030204" pitchFamily="34" charset="0"/>
                             <a:ea typeface="Calibri" panose="020F0502020204030204" pitchFamily="34" charset="0"/>
@@ -9525,7 +9553,7 @@
                           </a:endParaRPr>
                         </a:p>
                       </a:txBody>
-                      <a:tcPr marL="63272" marR="63272" marT="0" marB="0" anchor="ctr"/>
+                      <a:tcPr marL="8253" marR="8253" marT="8253" marB="8253" anchor="ctr"/>
                     </a:tc>
                     <a:tc>
                       <a:txBody>
@@ -9541,12 +9569,12 @@
                             </a:spcAft>
                           </a:pPr>
                           <a:r>
-                            <a:rPr lang="ru-RU" sz="1800" dirty="0">
+                            <a:rPr lang="ru-RU" sz="1600" dirty="0">
                               <a:effectLst/>
                             </a:rPr>
-                            <a:t>6</a:t>
+                            <a:t>4</a:t>
                           </a:r>
-                          <a:endParaRPr lang="ru-RU" sz="1200" dirty="0">
+                          <a:endParaRPr lang="ru-RU" sz="1100" dirty="0">
                             <a:effectLst/>
                             <a:latin typeface="Calibri" panose="020F0502020204030204" pitchFamily="34" charset="0"/>
                             <a:ea typeface="Calibri" panose="020F0502020204030204" pitchFamily="34" charset="0"/>
@@ -9570,12 +9598,12 @@
                             </a:spcAft>
                           </a:pPr>
                           <a:r>
-                            <a:rPr lang="ru-RU" sz="1800" dirty="0">
+                            <a:rPr lang="ru-RU" sz="1600" dirty="0">
                               <a:effectLst/>
                             </a:rPr>
-                            <a:t>4</a:t>
+                            <a:t>3</a:t>
                           </a:r>
-                          <a:endParaRPr lang="ru-RU" sz="1200" dirty="0">
+                          <a:endParaRPr lang="ru-RU" sz="1100" dirty="0">
                             <a:effectLst/>
                             <a:latin typeface="Calibri" panose="020F0502020204030204" pitchFamily="34" charset="0"/>
                             <a:ea typeface="Calibri" panose="020F0502020204030204" pitchFamily="34" charset="0"/>
@@ -9599,41 +9627,12 @@
                             </a:spcAft>
                           </a:pPr>
                           <a:r>
-                            <a:rPr lang="ru-RU" sz="1800" dirty="0">
-                              <a:effectLst/>
-                            </a:rPr>
-                            <a:t>3</a:t>
-                          </a:r>
-                          <a:endParaRPr lang="ru-RU" sz="1200" dirty="0">
-                            <a:effectLst/>
-                            <a:latin typeface="Calibri" panose="020F0502020204030204" pitchFamily="34" charset="0"/>
-                            <a:ea typeface="Calibri" panose="020F0502020204030204" pitchFamily="34" charset="0"/>
-                            <a:cs typeface="Times New Roman" panose="02020603050405020304" pitchFamily="18" charset="0"/>
-                          </a:endParaRPr>
-                        </a:p>
-                      </a:txBody>
-                      <a:tcPr marL="8253" marR="8253" marT="8253" marB="8253" anchor="ctr"/>
-                    </a:tc>
-                    <a:tc>
-                      <a:txBody>
-                        <a:bodyPr/>
-                        <a:lstStyle/>
-                        <a:p>
-                          <a:pPr algn="ctr">
-                            <a:lnSpc>
-                              <a:spcPct val="106000"/>
-                            </a:lnSpc>
-                            <a:spcAft>
-                              <a:spcPts val="800"/>
-                            </a:spcAft>
-                          </a:pPr>
-                          <a:r>
-                            <a:rPr lang="ru-RU" sz="1800" dirty="0">
+                            <a:rPr lang="ru-RU" sz="1600" dirty="0">
                               <a:effectLst/>
                             </a:rPr>
                             <a:t>21</a:t>
                           </a:r>
-                          <a:endParaRPr lang="ru-RU" sz="1200" dirty="0">
+                          <a:endParaRPr lang="ru-RU" sz="1100" dirty="0">
                             <a:effectLst/>
                             <a:latin typeface="Calibri" panose="020F0502020204030204" pitchFamily="34" charset="0"/>
                             <a:ea typeface="Calibri" panose="020F0502020204030204" pitchFamily="34" charset="0"/>
@@ -9664,10 +9663,68 @@
                             </a:spcAft>
                           </a:pPr>
                           <a:r>
+                            <a:rPr lang="ru-RU" sz="1400" dirty="0">
+                              <a:effectLst/>
+                            </a:rPr>
+                            <a:t>Эксперт 5</a:t>
+                          </a:r>
+                          <a:endParaRPr lang="ru-RU" sz="1050" dirty="0">
+                            <a:effectLst/>
+                            <a:latin typeface="Calibri" panose="020F0502020204030204" pitchFamily="34" charset="0"/>
+                            <a:ea typeface="Calibri" panose="020F0502020204030204" pitchFamily="34" charset="0"/>
+                            <a:cs typeface="Times New Roman" panose="02020603050405020304" pitchFamily="18" charset="0"/>
+                          </a:endParaRPr>
+                        </a:p>
+                      </a:txBody>
+                      <a:tcPr marL="63272" marR="63272" marT="0" marB="0" anchor="ctr"/>
+                    </a:tc>
+                    <a:tc>
+                      <a:txBody>
+                        <a:bodyPr/>
+                        <a:lstStyle/>
+                        <a:p>
+                          <a:pPr algn="ctr">
+                            <a:lnSpc>
+                              <a:spcPct val="106000"/>
+                            </a:lnSpc>
+                            <a:spcAft>
+                              <a:spcPts val="800"/>
+                            </a:spcAft>
+                          </a:pPr>
+                          <a:r>
+                            <a:rPr lang="ru-RU" sz="1600">
+                              <a:effectLst/>
+                            </a:rPr>
+                            <a:t>1</a:t>
+                          </a:r>
+                          <a:endParaRPr lang="ru-RU" sz="1100">
+                            <a:effectLst/>
+                            <a:latin typeface="Calibri" panose="020F0502020204030204" pitchFamily="34" charset="0"/>
+                            <a:ea typeface="Calibri" panose="020F0502020204030204" pitchFamily="34" charset="0"/>
+                            <a:cs typeface="Times New Roman" panose="02020603050405020304" pitchFamily="18" charset="0"/>
+                          </a:endParaRPr>
+                        </a:p>
+                      </a:txBody>
+                      <a:tcPr marL="63272" marR="63272" marT="0" marB="0" anchor="ctr"/>
+                    </a:tc>
+                    <a:tc>
+                      <a:txBody>
+                        <a:bodyPr/>
+                        <a:lstStyle/>
+                        <a:p>
+                          <a:pPr algn="ctr">
+                            <a:lnSpc>
+                              <a:spcPct val="106000"/>
+                            </a:lnSpc>
+                            <a:spcAft>
+                              <a:spcPts val="800"/>
+                            </a:spcAft>
+                          </a:pPr>
+                          <a:r>
                             <a:rPr lang="ru-RU" sz="1600" dirty="0">
                               <a:effectLst/>
                             </a:rPr>
-                            <a:t>Эксперт 5</a:t>
+                            <a:t>6</a:t>
                           </a:r>
                           <a:endParaRPr lang="ru-RU" sz="1100" dirty="0">
                             <a:effectLst/>
@@ -9693,12 +9750,12 @@
                             </a:spcAft>
                           </a:pPr>
                           <a:r>
-                            <a:rPr lang="ru-RU" sz="1800">
+                            <a:rPr lang="ru-RU" sz="1600" dirty="0">
                               <a:effectLst/>
                             </a:rPr>
-                            <a:t>1</a:t>
+                            <a:t>2</a:t>
                           </a:r>
-                          <a:endParaRPr lang="ru-RU" sz="1200">
+                          <a:endParaRPr lang="ru-RU" sz="1100" dirty="0">
                             <a:effectLst/>
                             <a:latin typeface="Calibri" panose="020F0502020204030204" pitchFamily="34" charset="0"/>
                             <a:ea typeface="Calibri" panose="020F0502020204030204" pitchFamily="34" charset="0"/>
@@ -9722,12 +9779,12 @@
                             </a:spcAft>
                           </a:pPr>
                           <a:r>
-                            <a:rPr lang="ru-RU" sz="1800" dirty="0">
+                            <a:rPr lang="ru-RU" sz="1600" dirty="0">
                               <a:effectLst/>
                             </a:rPr>
-                            <a:t>6</a:t>
+                            <a:t>5</a:t>
                           </a:r>
-                          <a:endParaRPr lang="ru-RU" sz="1200" dirty="0">
+                          <a:endParaRPr lang="ru-RU" sz="1100" dirty="0">
                             <a:effectLst/>
                             <a:latin typeface="Calibri" panose="020F0502020204030204" pitchFamily="34" charset="0"/>
                             <a:ea typeface="Calibri" panose="020F0502020204030204" pitchFamily="34" charset="0"/>
@@ -9735,7 +9792,7 @@
                           </a:endParaRPr>
                         </a:p>
                       </a:txBody>
-                      <a:tcPr marL="63272" marR="63272" marT="0" marB="0" anchor="ctr"/>
+                      <a:tcPr marL="8253" marR="8253" marT="8253" marB="8253" anchor="ctr"/>
                     </a:tc>
                     <a:tc>
                       <a:txBody>
@@ -9751,12 +9808,12 @@
                             </a:spcAft>
                           </a:pPr>
                           <a:r>
-                            <a:rPr lang="ru-RU" sz="1800" dirty="0">
+                            <a:rPr lang="ru-RU" sz="1600">
                               <a:effectLst/>
                             </a:rPr>
-                            <a:t>2</a:t>
+                            <a:t>3</a:t>
                           </a:r>
-                          <a:endParaRPr lang="ru-RU" sz="1200" dirty="0">
+                          <a:endParaRPr lang="ru-RU" sz="1100">
                             <a:effectLst/>
                             <a:latin typeface="Calibri" panose="020F0502020204030204" pitchFamily="34" charset="0"/>
                             <a:ea typeface="Calibri" panose="020F0502020204030204" pitchFamily="34" charset="0"/>
@@ -9764,7 +9821,7 @@
                           </a:endParaRPr>
                         </a:p>
                       </a:txBody>
-                      <a:tcPr marL="63272" marR="63272" marT="0" marB="0" anchor="ctr"/>
+                      <a:tcPr marL="8253" marR="8253" marT="8253" marB="8253" anchor="ctr"/>
                     </a:tc>
                     <a:tc>
                       <a:txBody>
@@ -9780,12 +9837,12 @@
                             </a:spcAft>
                           </a:pPr>
                           <a:r>
-                            <a:rPr lang="ru-RU" sz="1800">
+                            <a:rPr lang="ru-RU" sz="1600">
                               <a:effectLst/>
                             </a:rPr>
-                            <a:t>5</a:t>
+                            <a:t>4</a:t>
                           </a:r>
-                          <a:endParaRPr lang="ru-RU" sz="1200">
+                          <a:endParaRPr lang="ru-RU" sz="1100">
                             <a:effectLst/>
                             <a:latin typeface="Calibri" panose="020F0502020204030204" pitchFamily="34" charset="0"/>
                             <a:ea typeface="Calibri" panose="020F0502020204030204" pitchFamily="34" charset="0"/>
@@ -9809,70 +9866,12 @@
                             </a:spcAft>
                           </a:pPr>
                           <a:r>
-                            <a:rPr lang="ru-RU" sz="1800">
-                              <a:effectLst/>
-                            </a:rPr>
-                            <a:t>3</a:t>
-                          </a:r>
-                          <a:endParaRPr lang="ru-RU" sz="1200">
-                            <a:effectLst/>
-                            <a:latin typeface="Calibri" panose="020F0502020204030204" pitchFamily="34" charset="0"/>
-                            <a:ea typeface="Calibri" panose="020F0502020204030204" pitchFamily="34" charset="0"/>
-                            <a:cs typeface="Times New Roman" panose="02020603050405020304" pitchFamily="18" charset="0"/>
-                          </a:endParaRPr>
-                        </a:p>
-                      </a:txBody>
-                      <a:tcPr marL="8253" marR="8253" marT="8253" marB="8253" anchor="ctr"/>
-                    </a:tc>
-                    <a:tc>
-                      <a:txBody>
-                        <a:bodyPr/>
-                        <a:lstStyle/>
-                        <a:p>
-                          <a:pPr algn="ctr">
-                            <a:lnSpc>
-                              <a:spcPct val="106000"/>
-                            </a:lnSpc>
-                            <a:spcAft>
-                              <a:spcPts val="800"/>
-                            </a:spcAft>
-                          </a:pPr>
-                          <a:r>
-                            <a:rPr lang="ru-RU" sz="1800">
-                              <a:effectLst/>
-                            </a:rPr>
-                            <a:t>4</a:t>
-                          </a:r>
-                          <a:endParaRPr lang="ru-RU" sz="1200">
-                            <a:effectLst/>
-                            <a:latin typeface="Calibri" panose="020F0502020204030204" pitchFamily="34" charset="0"/>
-                            <a:ea typeface="Calibri" panose="020F0502020204030204" pitchFamily="34" charset="0"/>
-                            <a:cs typeface="Times New Roman" panose="02020603050405020304" pitchFamily="18" charset="0"/>
-                          </a:endParaRPr>
-                        </a:p>
-                      </a:txBody>
-                      <a:tcPr marL="8253" marR="8253" marT="8253" marB="8253" anchor="ctr"/>
-                    </a:tc>
-                    <a:tc>
-                      <a:txBody>
-                        <a:bodyPr/>
-                        <a:lstStyle/>
-                        <a:p>
-                          <a:pPr algn="ctr">
-                            <a:lnSpc>
-                              <a:spcPct val="106000"/>
-                            </a:lnSpc>
-                            <a:spcAft>
-                              <a:spcPts val="800"/>
-                            </a:spcAft>
-                          </a:pPr>
-                          <a:r>
-                            <a:rPr lang="ru-RU" sz="1800" dirty="0">
+                            <a:rPr lang="ru-RU" sz="1600" dirty="0">
                               <a:effectLst/>
                             </a:rPr>
                             <a:t>21</a:t>
                           </a:r>
-                          <a:endParaRPr lang="ru-RU" sz="1200" dirty="0">
+                          <a:endParaRPr lang="ru-RU" sz="1100" dirty="0">
                             <a:effectLst/>
                             <a:latin typeface="Calibri" panose="020F0502020204030204" pitchFamily="34" charset="0"/>
                             <a:ea typeface="Calibri" panose="020F0502020204030204" pitchFamily="34" charset="0"/>
@@ -9903,10 +9902,68 @@
                             </a:spcAft>
                           </a:pPr>
                           <a:r>
+                            <a:rPr lang="ru-RU" sz="1400" dirty="0">
+                              <a:effectLst/>
+                            </a:rPr>
+                            <a:t>Эксперт 6</a:t>
+                          </a:r>
+                          <a:endParaRPr lang="ru-RU" sz="1050" dirty="0">
+                            <a:effectLst/>
+                            <a:latin typeface="Calibri" panose="020F0502020204030204" pitchFamily="34" charset="0"/>
+                            <a:ea typeface="Calibri" panose="020F0502020204030204" pitchFamily="34" charset="0"/>
+                            <a:cs typeface="Times New Roman" panose="02020603050405020304" pitchFamily="18" charset="0"/>
+                          </a:endParaRPr>
+                        </a:p>
+                      </a:txBody>
+                      <a:tcPr marL="63272" marR="63272" marT="0" marB="0" anchor="ctr"/>
+                    </a:tc>
+                    <a:tc>
+                      <a:txBody>
+                        <a:bodyPr/>
+                        <a:lstStyle/>
+                        <a:p>
+                          <a:pPr algn="ctr">
+                            <a:lnSpc>
+                              <a:spcPct val="106000"/>
+                            </a:lnSpc>
+                            <a:spcAft>
+                              <a:spcPts val="800"/>
+                            </a:spcAft>
+                          </a:pPr>
+                          <a:r>
+                            <a:rPr lang="ru-RU" sz="1600">
+                              <a:effectLst/>
+                            </a:rPr>
+                            <a:t>1</a:t>
+                          </a:r>
+                          <a:endParaRPr lang="ru-RU" sz="1100">
+                            <a:effectLst/>
+                            <a:latin typeface="Calibri" panose="020F0502020204030204" pitchFamily="34" charset="0"/>
+                            <a:ea typeface="Calibri" panose="020F0502020204030204" pitchFamily="34" charset="0"/>
+                            <a:cs typeface="Times New Roman" panose="02020603050405020304" pitchFamily="18" charset="0"/>
+                          </a:endParaRPr>
+                        </a:p>
+                      </a:txBody>
+                      <a:tcPr marL="63272" marR="63272" marT="0" marB="0" anchor="ctr"/>
+                    </a:tc>
+                    <a:tc>
+                      <a:txBody>
+                        <a:bodyPr/>
+                        <a:lstStyle/>
+                        <a:p>
+                          <a:pPr algn="ctr">
+                            <a:lnSpc>
+                              <a:spcPct val="106000"/>
+                            </a:lnSpc>
+                            <a:spcAft>
+                              <a:spcPts val="800"/>
+                            </a:spcAft>
+                          </a:pPr>
+                          <a:r>
                             <a:rPr lang="ru-RU" sz="1600" dirty="0">
                               <a:effectLst/>
                             </a:rPr>
-                            <a:t>Эксперт 6</a:t>
+                            <a:t>5</a:t>
                           </a:r>
                           <a:endParaRPr lang="ru-RU" sz="1100" dirty="0">
                             <a:effectLst/>
@@ -9932,12 +9989,12 @@
                             </a:spcAft>
                           </a:pPr>
                           <a:r>
-                            <a:rPr lang="ru-RU" sz="1800">
+                            <a:rPr lang="ru-RU" sz="1600" dirty="0">
                               <a:effectLst/>
                             </a:rPr>
-                            <a:t>1</a:t>
+                            <a:t>2</a:t>
                           </a:r>
-                          <a:endParaRPr lang="ru-RU" sz="1200">
+                          <a:endParaRPr lang="ru-RU" sz="1100" dirty="0">
                             <a:effectLst/>
                             <a:latin typeface="Calibri" panose="020F0502020204030204" pitchFamily="34" charset="0"/>
                             <a:ea typeface="Calibri" panose="020F0502020204030204" pitchFamily="34" charset="0"/>
@@ -9961,12 +10018,12 @@
                             </a:spcAft>
                           </a:pPr>
                           <a:r>
-                            <a:rPr lang="ru-RU" sz="1800" dirty="0">
+                            <a:rPr lang="ru-RU" sz="1600" dirty="0">
                               <a:effectLst/>
                             </a:rPr>
-                            <a:t>5</a:t>
+                            <a:t>6</a:t>
                           </a:r>
-                          <a:endParaRPr lang="ru-RU" sz="1200" dirty="0">
+                          <a:endParaRPr lang="ru-RU" sz="1100" dirty="0">
                             <a:effectLst/>
                             <a:latin typeface="Calibri" panose="020F0502020204030204" pitchFamily="34" charset="0"/>
                             <a:ea typeface="Calibri" panose="020F0502020204030204" pitchFamily="34" charset="0"/>
@@ -9974,7 +10031,7 @@
                           </a:endParaRPr>
                         </a:p>
                       </a:txBody>
-                      <a:tcPr marL="63272" marR="63272" marT="0" marB="0" anchor="ctr"/>
+                      <a:tcPr marL="8253" marR="8253" marT="8253" marB="8253" anchor="ctr"/>
                     </a:tc>
                     <a:tc>
                       <a:txBody>
@@ -9990,12 +10047,12 @@
                             </a:spcAft>
                           </a:pPr>
                           <a:r>
-                            <a:rPr lang="ru-RU" sz="1800" dirty="0">
+                            <a:rPr lang="ru-RU" sz="1600" dirty="0">
                               <a:effectLst/>
                             </a:rPr>
-                            <a:t>2</a:t>
+                            <a:t>4</a:t>
                           </a:r>
-                          <a:endParaRPr lang="ru-RU" sz="1200" dirty="0">
+                          <a:endParaRPr lang="ru-RU" sz="1100" dirty="0">
                             <a:effectLst/>
                             <a:latin typeface="Calibri" panose="020F0502020204030204" pitchFamily="34" charset="0"/>
                             <a:ea typeface="Calibri" panose="020F0502020204030204" pitchFamily="34" charset="0"/>
@@ -10003,7 +10060,7 @@
                           </a:endParaRPr>
                         </a:p>
                       </a:txBody>
-                      <a:tcPr marL="63272" marR="63272" marT="0" marB="0" anchor="ctr"/>
+                      <a:tcPr marL="8253" marR="8253" marT="8253" marB="8253" anchor="ctr"/>
                     </a:tc>
                     <a:tc>
                       <a:txBody>
@@ -10019,12 +10076,12 @@
                             </a:spcAft>
                           </a:pPr>
                           <a:r>
-                            <a:rPr lang="ru-RU" sz="1800">
+                            <a:rPr lang="ru-RU" sz="1600">
                               <a:effectLst/>
                             </a:rPr>
-                            <a:t>6</a:t>
+                            <a:t>3</a:t>
                           </a:r>
-                          <a:endParaRPr lang="ru-RU" sz="1200">
+                          <a:endParaRPr lang="ru-RU" sz="1100">
                             <a:effectLst/>
                             <a:latin typeface="Calibri" panose="020F0502020204030204" pitchFamily="34" charset="0"/>
                             <a:ea typeface="Calibri" panose="020F0502020204030204" pitchFamily="34" charset="0"/>
@@ -10048,70 +10105,12 @@
                             </a:spcAft>
                           </a:pPr>
                           <a:r>
-                            <a:rPr lang="ru-RU" sz="1800">
-                              <a:effectLst/>
-                            </a:rPr>
-                            <a:t>4</a:t>
-                          </a:r>
-                          <a:endParaRPr lang="ru-RU" sz="1200">
-                            <a:effectLst/>
-                            <a:latin typeface="Calibri" panose="020F0502020204030204" pitchFamily="34" charset="0"/>
-                            <a:ea typeface="Calibri" panose="020F0502020204030204" pitchFamily="34" charset="0"/>
-                            <a:cs typeface="Times New Roman" panose="02020603050405020304" pitchFamily="18" charset="0"/>
-                          </a:endParaRPr>
-                        </a:p>
-                      </a:txBody>
-                      <a:tcPr marL="8253" marR="8253" marT="8253" marB="8253" anchor="ctr"/>
-                    </a:tc>
-                    <a:tc>
-                      <a:txBody>
-                        <a:bodyPr/>
-                        <a:lstStyle/>
-                        <a:p>
-                          <a:pPr algn="ctr">
-                            <a:lnSpc>
-                              <a:spcPct val="106000"/>
-                            </a:lnSpc>
-                            <a:spcAft>
-                              <a:spcPts val="800"/>
-                            </a:spcAft>
-                          </a:pPr>
-                          <a:r>
-                            <a:rPr lang="ru-RU" sz="1800">
-                              <a:effectLst/>
-                            </a:rPr>
-                            <a:t>3</a:t>
-                          </a:r>
-                          <a:endParaRPr lang="ru-RU" sz="1200">
-                            <a:effectLst/>
-                            <a:latin typeface="Calibri" panose="020F0502020204030204" pitchFamily="34" charset="0"/>
-                            <a:ea typeface="Calibri" panose="020F0502020204030204" pitchFamily="34" charset="0"/>
-                            <a:cs typeface="Times New Roman" panose="02020603050405020304" pitchFamily="18" charset="0"/>
-                          </a:endParaRPr>
-                        </a:p>
-                      </a:txBody>
-                      <a:tcPr marL="8253" marR="8253" marT="8253" marB="8253" anchor="ctr"/>
-                    </a:tc>
-                    <a:tc>
-                      <a:txBody>
-                        <a:bodyPr/>
-                        <a:lstStyle/>
-                        <a:p>
-                          <a:pPr algn="ctr">
-                            <a:lnSpc>
-                              <a:spcPct val="106000"/>
-                            </a:lnSpc>
-                            <a:spcAft>
-                              <a:spcPts val="800"/>
-                            </a:spcAft>
-                          </a:pPr>
-                          <a:r>
-                            <a:rPr lang="ru-RU" sz="1800" dirty="0">
+                            <a:rPr lang="ru-RU" sz="1600" dirty="0">
                               <a:effectLst/>
                             </a:rPr>
                             <a:t>21</a:t>
                           </a:r>
-                          <a:endParaRPr lang="ru-RU" sz="1200" dirty="0">
+                          <a:endParaRPr lang="ru-RU" sz="1100" dirty="0">
                             <a:effectLst/>
                             <a:latin typeface="Calibri" panose="020F0502020204030204" pitchFamily="34" charset="0"/>
                             <a:ea typeface="Calibri" panose="020F0502020204030204" pitchFamily="34" charset="0"/>
@@ -10142,10 +10141,68 @@
                             </a:spcAft>
                           </a:pPr>
                           <a:r>
+                            <a:rPr lang="ru-RU" sz="1400" dirty="0">
+                              <a:effectLst/>
+                            </a:rPr>
+                            <a:t>Эксперт 7</a:t>
+                          </a:r>
+                          <a:endParaRPr lang="ru-RU" sz="1050" dirty="0">
+                            <a:effectLst/>
+                            <a:latin typeface="Calibri" panose="020F0502020204030204" pitchFamily="34" charset="0"/>
+                            <a:ea typeface="Calibri" panose="020F0502020204030204" pitchFamily="34" charset="0"/>
+                            <a:cs typeface="Times New Roman" panose="02020603050405020304" pitchFamily="18" charset="0"/>
+                          </a:endParaRPr>
+                        </a:p>
+                      </a:txBody>
+                      <a:tcPr marL="63272" marR="63272" marT="0" marB="0" anchor="ctr"/>
+                    </a:tc>
+                    <a:tc>
+                      <a:txBody>
+                        <a:bodyPr/>
+                        <a:lstStyle/>
+                        <a:p>
+                          <a:pPr algn="ctr">
+                            <a:lnSpc>
+                              <a:spcPct val="106000"/>
+                            </a:lnSpc>
+                            <a:spcAft>
+                              <a:spcPts val="800"/>
+                            </a:spcAft>
+                          </a:pPr>
+                          <a:r>
+                            <a:rPr lang="ru-RU" sz="1600">
+                              <a:effectLst/>
+                            </a:rPr>
+                            <a:t>3</a:t>
+                          </a:r>
+                          <a:endParaRPr lang="ru-RU" sz="1100">
+                            <a:effectLst/>
+                            <a:latin typeface="Calibri" panose="020F0502020204030204" pitchFamily="34" charset="0"/>
+                            <a:ea typeface="Calibri" panose="020F0502020204030204" pitchFamily="34" charset="0"/>
+                            <a:cs typeface="Times New Roman" panose="02020603050405020304" pitchFamily="18" charset="0"/>
+                          </a:endParaRPr>
+                        </a:p>
+                      </a:txBody>
+                      <a:tcPr marL="63272" marR="63272" marT="0" marB="0" anchor="ctr"/>
+                    </a:tc>
+                    <a:tc>
+                      <a:txBody>
+                        <a:bodyPr/>
+                        <a:lstStyle/>
+                        <a:p>
+                          <a:pPr algn="ctr">
+                            <a:lnSpc>
+                              <a:spcPct val="106000"/>
+                            </a:lnSpc>
+                            <a:spcAft>
+                              <a:spcPts val="800"/>
+                            </a:spcAft>
+                          </a:pPr>
+                          <a:r>
                             <a:rPr lang="ru-RU" sz="1600" dirty="0">
                               <a:effectLst/>
                             </a:rPr>
-                            <a:t>Эксперт 7</a:t>
+                            <a:t>4</a:t>
                           </a:r>
                           <a:endParaRPr lang="ru-RU" sz="1100" dirty="0">
                             <a:effectLst/>
@@ -10171,12 +10228,12 @@
                             </a:spcAft>
                           </a:pPr>
                           <a:r>
-                            <a:rPr lang="ru-RU" sz="1800">
+                            <a:rPr lang="ru-RU" sz="1600" dirty="0">
                               <a:effectLst/>
                             </a:rPr>
-                            <a:t>3</a:t>
+                            <a:t>1</a:t>
                           </a:r>
-                          <a:endParaRPr lang="ru-RU" sz="1200">
+                          <a:endParaRPr lang="ru-RU" sz="1100" dirty="0">
                             <a:effectLst/>
                             <a:latin typeface="Calibri" panose="020F0502020204030204" pitchFamily="34" charset="0"/>
                             <a:ea typeface="Calibri" panose="020F0502020204030204" pitchFamily="34" charset="0"/>
@@ -10200,12 +10257,12 @@
                             </a:spcAft>
                           </a:pPr>
                           <a:r>
-                            <a:rPr lang="ru-RU" sz="1800" dirty="0">
+                            <a:rPr lang="ru-RU" sz="1600" dirty="0">
                               <a:effectLst/>
                             </a:rPr>
-                            <a:t>4</a:t>
+                            <a:t>5</a:t>
                           </a:r>
-                          <a:endParaRPr lang="ru-RU" sz="1200" dirty="0">
+                          <a:endParaRPr lang="ru-RU" sz="1100" dirty="0">
                             <a:effectLst/>
                             <a:latin typeface="Calibri" panose="020F0502020204030204" pitchFamily="34" charset="0"/>
                             <a:ea typeface="Calibri" panose="020F0502020204030204" pitchFamily="34" charset="0"/>
@@ -10213,7 +10270,7 @@
                           </a:endParaRPr>
                         </a:p>
                       </a:txBody>
-                      <a:tcPr marL="63272" marR="63272" marT="0" marB="0" anchor="ctr"/>
+                      <a:tcPr marL="8253" marR="8253" marT="8253" marB="8253" anchor="ctr"/>
                     </a:tc>
                     <a:tc>
                       <a:txBody>
@@ -10229,12 +10286,12 @@
                             </a:spcAft>
                           </a:pPr>
                           <a:r>
-                            <a:rPr lang="ru-RU" sz="1800" dirty="0">
+                            <a:rPr lang="ru-RU" sz="1600" dirty="0">
                               <a:effectLst/>
                             </a:rPr>
-                            <a:t>1</a:t>
+                            <a:t>2</a:t>
                           </a:r>
-                          <a:endParaRPr lang="ru-RU" sz="1200" dirty="0">
+                          <a:endParaRPr lang="ru-RU" sz="1100" dirty="0">
                             <a:effectLst/>
                             <a:latin typeface="Calibri" panose="020F0502020204030204" pitchFamily="34" charset="0"/>
                             <a:ea typeface="Calibri" panose="020F0502020204030204" pitchFamily="34" charset="0"/>
@@ -10242,7 +10299,7 @@
                           </a:endParaRPr>
                         </a:p>
                       </a:txBody>
-                      <a:tcPr marL="63272" marR="63272" marT="0" marB="0" anchor="ctr"/>
+                      <a:tcPr marL="8253" marR="8253" marT="8253" marB="8253" anchor="ctr"/>
                     </a:tc>
                     <a:tc>
                       <a:txBody>
@@ -10258,12 +10315,12 @@
                             </a:spcAft>
                           </a:pPr>
                           <a:r>
-                            <a:rPr lang="ru-RU" sz="1800">
+                            <a:rPr lang="ru-RU" sz="1600">
                               <a:effectLst/>
                             </a:rPr>
-                            <a:t>5</a:t>
+                            <a:t>6</a:t>
                           </a:r>
-                          <a:endParaRPr lang="ru-RU" sz="1200">
+                          <a:endParaRPr lang="ru-RU" sz="1100">
                             <a:effectLst/>
                             <a:latin typeface="Calibri" panose="020F0502020204030204" pitchFamily="34" charset="0"/>
                             <a:ea typeface="Calibri" panose="020F0502020204030204" pitchFamily="34" charset="0"/>
@@ -10287,70 +10344,12 @@
                             </a:spcAft>
                           </a:pPr>
                           <a:r>
-                            <a:rPr lang="ru-RU" sz="1800">
-                              <a:effectLst/>
-                            </a:rPr>
-                            <a:t>2</a:t>
-                          </a:r>
-                          <a:endParaRPr lang="ru-RU" sz="1200">
-                            <a:effectLst/>
-                            <a:latin typeface="Calibri" panose="020F0502020204030204" pitchFamily="34" charset="0"/>
-                            <a:ea typeface="Calibri" panose="020F0502020204030204" pitchFamily="34" charset="0"/>
-                            <a:cs typeface="Times New Roman" panose="02020603050405020304" pitchFamily="18" charset="0"/>
-                          </a:endParaRPr>
-                        </a:p>
-                      </a:txBody>
-                      <a:tcPr marL="8253" marR="8253" marT="8253" marB="8253" anchor="ctr"/>
-                    </a:tc>
-                    <a:tc>
-                      <a:txBody>
-                        <a:bodyPr/>
-                        <a:lstStyle/>
-                        <a:p>
-                          <a:pPr algn="ctr">
-                            <a:lnSpc>
-                              <a:spcPct val="106000"/>
-                            </a:lnSpc>
-                            <a:spcAft>
-                              <a:spcPts val="800"/>
-                            </a:spcAft>
-                          </a:pPr>
-                          <a:r>
-                            <a:rPr lang="ru-RU" sz="1800">
-                              <a:effectLst/>
-                            </a:rPr>
-                            <a:t>6</a:t>
-                          </a:r>
-                          <a:endParaRPr lang="ru-RU" sz="1200">
-                            <a:effectLst/>
-                            <a:latin typeface="Calibri" panose="020F0502020204030204" pitchFamily="34" charset="0"/>
-                            <a:ea typeface="Calibri" panose="020F0502020204030204" pitchFamily="34" charset="0"/>
-                            <a:cs typeface="Times New Roman" panose="02020603050405020304" pitchFamily="18" charset="0"/>
-                          </a:endParaRPr>
-                        </a:p>
-                      </a:txBody>
-                      <a:tcPr marL="8253" marR="8253" marT="8253" marB="8253" anchor="ctr"/>
-                    </a:tc>
-                    <a:tc>
-                      <a:txBody>
-                        <a:bodyPr/>
-                        <a:lstStyle/>
-                        <a:p>
-                          <a:pPr algn="ctr">
-                            <a:lnSpc>
-                              <a:spcPct val="106000"/>
-                            </a:lnSpc>
-                            <a:spcAft>
-                              <a:spcPts val="800"/>
-                            </a:spcAft>
-                          </a:pPr>
-                          <a:r>
-                            <a:rPr lang="ru-RU" sz="1800" dirty="0">
+                            <a:rPr lang="ru-RU" sz="1600" dirty="0">
                               <a:effectLst/>
                             </a:rPr>
                             <a:t>21</a:t>
                           </a:r>
-                          <a:endParaRPr lang="ru-RU" sz="1200" dirty="0">
+                          <a:endParaRPr lang="ru-RU" sz="1100" dirty="0">
                             <a:effectLst/>
                             <a:latin typeface="Calibri" panose="020F0502020204030204" pitchFamily="34" charset="0"/>
                             <a:ea typeface="Calibri" panose="020F0502020204030204" pitchFamily="34" charset="0"/>
@@ -10381,10 +10380,97 @@
                             </a:spcAft>
                           </a:pPr>
                           <a:r>
+                            <a:rPr lang="ru-RU" sz="1400" dirty="0">
+                              <a:effectLst/>
+                            </a:rPr>
+                            <a:t>Эксперт 8</a:t>
+                          </a:r>
+                          <a:endParaRPr lang="ru-RU" sz="1050" dirty="0">
+                            <a:effectLst/>
+                            <a:latin typeface="Calibri" panose="020F0502020204030204" pitchFamily="34" charset="0"/>
+                            <a:ea typeface="Calibri" panose="020F0502020204030204" pitchFamily="34" charset="0"/>
+                            <a:cs typeface="Times New Roman" panose="02020603050405020304" pitchFamily="18" charset="0"/>
+                          </a:endParaRPr>
+                        </a:p>
+                      </a:txBody>
+                      <a:tcPr marL="63272" marR="63272" marT="0" marB="0" anchor="ctr"/>
+                    </a:tc>
+                    <a:tc>
+                      <a:txBody>
+                        <a:bodyPr/>
+                        <a:lstStyle/>
+                        <a:p>
+                          <a:pPr algn="ctr">
+                            <a:lnSpc>
+                              <a:spcPct val="106000"/>
+                            </a:lnSpc>
+                            <a:spcAft>
+                              <a:spcPts val="800"/>
+                            </a:spcAft>
+                          </a:pPr>
+                          <a:r>
+                            <a:rPr lang="ru-RU" sz="1600">
+                              <a:effectLst/>
+                            </a:rPr>
+                            <a:t>1</a:t>
+                          </a:r>
+                          <a:endParaRPr lang="ru-RU" sz="1100">
+                            <a:effectLst/>
+                            <a:latin typeface="Calibri" panose="020F0502020204030204" pitchFamily="34" charset="0"/>
+                            <a:ea typeface="Calibri" panose="020F0502020204030204" pitchFamily="34" charset="0"/>
+                            <a:cs typeface="Times New Roman" panose="02020603050405020304" pitchFamily="18" charset="0"/>
+                          </a:endParaRPr>
+                        </a:p>
+                      </a:txBody>
+                      <a:tcPr marL="63272" marR="63272" marT="0" marB="0" anchor="ctr"/>
+                    </a:tc>
+                    <a:tc>
+                      <a:txBody>
+                        <a:bodyPr/>
+                        <a:lstStyle/>
+                        <a:p>
+                          <a:pPr algn="ctr">
+                            <a:lnSpc>
+                              <a:spcPct val="106000"/>
+                            </a:lnSpc>
+                            <a:spcAft>
+                              <a:spcPts val="800"/>
+                            </a:spcAft>
+                          </a:pPr>
+                          <a:r>
+                            <a:rPr lang="ru-RU" sz="1600">
+                              <a:effectLst/>
+                            </a:rPr>
+                            <a:t>5</a:t>
+                          </a:r>
+                          <a:endParaRPr lang="ru-RU" sz="1100">
+                            <a:effectLst/>
+                            <a:latin typeface="Calibri" panose="020F0502020204030204" pitchFamily="34" charset="0"/>
+                            <a:ea typeface="Calibri" panose="020F0502020204030204" pitchFamily="34" charset="0"/>
+                            <a:cs typeface="Times New Roman" panose="02020603050405020304" pitchFamily="18" charset="0"/>
+                          </a:endParaRPr>
+                        </a:p>
+                      </a:txBody>
+                      <a:tcPr marL="63272" marR="63272" marT="0" marB="0" anchor="ctr"/>
+                    </a:tc>
+                    <a:tc>
+                      <a:txBody>
+                        <a:bodyPr/>
+                        <a:lstStyle/>
+                        <a:p>
+                          <a:pPr algn="ctr">
+                            <a:lnSpc>
+                              <a:spcPct val="106000"/>
+                            </a:lnSpc>
+                            <a:spcAft>
+                              <a:spcPts val="800"/>
+                            </a:spcAft>
+                          </a:pPr>
+                          <a:r>
                             <a:rPr lang="ru-RU" sz="1600" dirty="0">
                               <a:effectLst/>
                             </a:rPr>
-                            <a:t>Эксперт 8</a:t>
+                            <a:t>2</a:t>
                           </a:r>
                           <a:endParaRPr lang="ru-RU" sz="1100" dirty="0">
                             <a:effectLst/>
@@ -10410,12 +10496,12 @@
                             </a:spcAft>
                           </a:pPr>
                           <a:r>
-                            <a:rPr lang="ru-RU" sz="1800">
+                            <a:rPr lang="ru-RU" sz="1600" dirty="0">
                               <a:effectLst/>
                             </a:rPr>
-                            <a:t>1</a:t>
+                            <a:t>6</a:t>
                           </a:r>
-                          <a:endParaRPr lang="ru-RU" sz="1200">
+                          <a:endParaRPr lang="ru-RU" sz="1100" dirty="0">
                             <a:effectLst/>
                             <a:latin typeface="Calibri" panose="020F0502020204030204" pitchFamily="34" charset="0"/>
                             <a:ea typeface="Calibri" panose="020F0502020204030204" pitchFamily="34" charset="0"/>
@@ -10423,7 +10509,7 @@
                           </a:endParaRPr>
                         </a:p>
                       </a:txBody>
-                      <a:tcPr marL="63272" marR="63272" marT="0" marB="0" anchor="ctr"/>
+                      <a:tcPr marL="8253" marR="8253" marT="8253" marB="8253" anchor="ctr"/>
                     </a:tc>
                     <a:tc>
                       <a:txBody>
@@ -10439,12 +10525,12 @@
                             </a:spcAft>
                           </a:pPr>
                           <a:r>
-                            <a:rPr lang="ru-RU" sz="1800">
+                            <a:rPr lang="ru-RU" sz="1600" dirty="0">
                               <a:effectLst/>
                             </a:rPr>
-                            <a:t>5</a:t>
+                            <a:t>3</a:t>
                           </a:r>
-                          <a:endParaRPr lang="ru-RU" sz="1200">
+                          <a:endParaRPr lang="ru-RU" sz="1100" dirty="0">
                             <a:effectLst/>
                             <a:latin typeface="Calibri" panose="020F0502020204030204" pitchFamily="34" charset="0"/>
                             <a:ea typeface="Calibri" panose="020F0502020204030204" pitchFamily="34" charset="0"/>
@@ -10452,7 +10538,7 @@
                           </a:endParaRPr>
                         </a:p>
                       </a:txBody>
-                      <a:tcPr marL="63272" marR="63272" marT="0" marB="0" anchor="ctr"/>
+                      <a:tcPr marL="8253" marR="8253" marT="8253" marB="8253" anchor="ctr"/>
                     </a:tc>
                     <a:tc>
                       <a:txBody>
@@ -10468,12 +10554,12 @@
                             </a:spcAft>
                           </a:pPr>
                           <a:r>
-                            <a:rPr lang="ru-RU" sz="1800" dirty="0">
+                            <a:rPr lang="ru-RU" sz="1600" dirty="0">
                               <a:effectLst/>
                             </a:rPr>
-                            <a:t>2</a:t>
+                            <a:t>4</a:t>
                           </a:r>
-                          <a:endParaRPr lang="ru-RU" sz="1200" dirty="0">
+                          <a:endParaRPr lang="ru-RU" sz="1100" dirty="0">
                             <a:effectLst/>
                             <a:latin typeface="Calibri" panose="020F0502020204030204" pitchFamily="34" charset="0"/>
                             <a:ea typeface="Calibri" panose="020F0502020204030204" pitchFamily="34" charset="0"/>
@@ -10481,7 +10567,7 @@
                           </a:endParaRPr>
                         </a:p>
                       </a:txBody>
-                      <a:tcPr marL="63272" marR="63272" marT="0" marB="0" anchor="ctr"/>
+                      <a:tcPr marL="8253" marR="8253" marT="8253" marB="8253" anchor="ctr"/>
                     </a:tc>
                     <a:tc>
                       <a:txBody>
@@ -10497,99 +10583,12 @@
                             </a:spcAft>
                           </a:pPr>
                           <a:r>
-                            <a:rPr lang="ru-RU" sz="1800" dirty="0">
-                              <a:effectLst/>
-                            </a:rPr>
-                            <a:t>6</a:t>
-                          </a:r>
-                          <a:endParaRPr lang="ru-RU" sz="1200" dirty="0">
-                            <a:effectLst/>
-                            <a:latin typeface="Calibri" panose="020F0502020204030204" pitchFamily="34" charset="0"/>
-                            <a:ea typeface="Calibri" panose="020F0502020204030204" pitchFamily="34" charset="0"/>
-                            <a:cs typeface="Times New Roman" panose="02020603050405020304" pitchFamily="18" charset="0"/>
-                          </a:endParaRPr>
-                        </a:p>
-                      </a:txBody>
-                      <a:tcPr marL="8253" marR="8253" marT="8253" marB="8253" anchor="ctr"/>
-                    </a:tc>
-                    <a:tc>
-                      <a:txBody>
-                        <a:bodyPr/>
-                        <a:lstStyle/>
-                        <a:p>
-                          <a:pPr algn="ctr">
-                            <a:lnSpc>
-                              <a:spcPct val="106000"/>
-                            </a:lnSpc>
-                            <a:spcAft>
-                              <a:spcPts val="800"/>
-                            </a:spcAft>
-                          </a:pPr>
-                          <a:r>
-                            <a:rPr lang="ru-RU" sz="1800">
-                              <a:effectLst/>
-                            </a:rPr>
-                            <a:t>3</a:t>
-                          </a:r>
-                          <a:endParaRPr lang="ru-RU" sz="1200">
-                            <a:effectLst/>
-                            <a:latin typeface="Calibri" panose="020F0502020204030204" pitchFamily="34" charset="0"/>
-                            <a:ea typeface="Calibri" panose="020F0502020204030204" pitchFamily="34" charset="0"/>
-                            <a:cs typeface="Times New Roman" panose="02020603050405020304" pitchFamily="18" charset="0"/>
-                          </a:endParaRPr>
-                        </a:p>
-                      </a:txBody>
-                      <a:tcPr marL="8253" marR="8253" marT="8253" marB="8253" anchor="ctr"/>
-                    </a:tc>
-                    <a:tc>
-                      <a:txBody>
-                        <a:bodyPr/>
-                        <a:lstStyle/>
-                        <a:p>
-                          <a:pPr algn="ctr">
-                            <a:lnSpc>
-                              <a:spcPct val="106000"/>
-                            </a:lnSpc>
-                            <a:spcAft>
-                              <a:spcPts val="800"/>
-                            </a:spcAft>
-                          </a:pPr>
-                          <a:r>
-                            <a:rPr lang="ru-RU" sz="1800">
-                              <a:effectLst/>
-                            </a:rPr>
-                            <a:t>4</a:t>
-                          </a:r>
-                          <a:endParaRPr lang="ru-RU" sz="1200">
-                            <a:effectLst/>
-                            <a:latin typeface="Calibri" panose="020F0502020204030204" pitchFamily="34" charset="0"/>
-                            <a:ea typeface="Calibri" panose="020F0502020204030204" pitchFamily="34" charset="0"/>
-                            <a:cs typeface="Times New Roman" panose="02020603050405020304" pitchFamily="18" charset="0"/>
-                          </a:endParaRPr>
-                        </a:p>
-                      </a:txBody>
-                      <a:tcPr marL="8253" marR="8253" marT="8253" marB="8253" anchor="ctr"/>
-                    </a:tc>
-                    <a:tc>
-                      <a:txBody>
-                        <a:bodyPr/>
-                        <a:lstStyle/>
-                        <a:p>
-                          <a:pPr algn="ctr">
-                            <a:lnSpc>
-                              <a:spcPct val="106000"/>
-                            </a:lnSpc>
-                            <a:spcAft>
-                              <a:spcPts val="800"/>
-                            </a:spcAft>
-                          </a:pPr>
-                          <a:r>
-                            <a:rPr lang="ru-RU" sz="1800" dirty="0">
+                            <a:rPr lang="ru-RU" sz="1600" dirty="0">
                               <a:effectLst/>
                             </a:rPr>
                             <a:t>21</a:t>
                           </a:r>
-                          <a:endParaRPr lang="ru-RU" sz="1200" dirty="0">
+                          <a:endParaRPr lang="ru-RU" sz="1100" dirty="0">
                             <a:effectLst/>
                             <a:latin typeface="Calibri" panose="020F0502020204030204" pitchFamily="34" charset="0"/>
                             <a:ea typeface="Calibri" panose="020F0502020204030204" pitchFamily="34" charset="0"/>
@@ -10620,10 +10619,97 @@
                             </a:spcAft>
                           </a:pPr>
                           <a:r>
+                            <a:rPr lang="ru-RU" sz="1400" dirty="0">
+                              <a:effectLst/>
+                            </a:rPr>
+                            <a:t>Эксперт 9</a:t>
+                          </a:r>
+                          <a:endParaRPr lang="ru-RU" sz="1050" dirty="0">
+                            <a:effectLst/>
+                            <a:latin typeface="Calibri" panose="020F0502020204030204" pitchFamily="34" charset="0"/>
+                            <a:ea typeface="Calibri" panose="020F0502020204030204" pitchFamily="34" charset="0"/>
+                            <a:cs typeface="Times New Roman" panose="02020603050405020304" pitchFamily="18" charset="0"/>
+                          </a:endParaRPr>
+                        </a:p>
+                      </a:txBody>
+                      <a:tcPr marL="63272" marR="63272" marT="0" marB="0" anchor="ctr"/>
+                    </a:tc>
+                    <a:tc>
+                      <a:txBody>
+                        <a:bodyPr/>
+                        <a:lstStyle/>
+                        <a:p>
+                          <a:pPr algn="ctr">
+                            <a:lnSpc>
+                              <a:spcPct val="106000"/>
+                            </a:lnSpc>
+                            <a:spcAft>
+                              <a:spcPts val="800"/>
+                            </a:spcAft>
+                          </a:pPr>
+                          <a:r>
+                            <a:rPr lang="ru-RU" sz="1600">
+                              <a:effectLst/>
+                            </a:rPr>
+                            <a:t>2</a:t>
+                          </a:r>
+                          <a:endParaRPr lang="ru-RU" sz="1100">
+                            <a:effectLst/>
+                            <a:latin typeface="Calibri" panose="020F0502020204030204" pitchFamily="34" charset="0"/>
+                            <a:ea typeface="Calibri" panose="020F0502020204030204" pitchFamily="34" charset="0"/>
+                            <a:cs typeface="Times New Roman" panose="02020603050405020304" pitchFamily="18" charset="0"/>
+                          </a:endParaRPr>
+                        </a:p>
+                      </a:txBody>
+                      <a:tcPr marL="63272" marR="63272" marT="0" marB="0" anchor="ctr"/>
+                    </a:tc>
+                    <a:tc>
+                      <a:txBody>
+                        <a:bodyPr/>
+                        <a:lstStyle/>
+                        <a:p>
+                          <a:pPr algn="ctr">
+                            <a:lnSpc>
+                              <a:spcPct val="106000"/>
+                            </a:lnSpc>
+                            <a:spcAft>
+                              <a:spcPts val="800"/>
+                            </a:spcAft>
+                          </a:pPr>
+                          <a:r>
+                            <a:rPr lang="ru-RU" sz="1600">
+                              <a:effectLst/>
+                            </a:rPr>
+                            <a:t>3</a:t>
+                          </a:r>
+                          <a:endParaRPr lang="ru-RU" sz="1100">
+                            <a:effectLst/>
+                            <a:latin typeface="Calibri" panose="020F0502020204030204" pitchFamily="34" charset="0"/>
+                            <a:ea typeface="Calibri" panose="020F0502020204030204" pitchFamily="34" charset="0"/>
+                            <a:cs typeface="Times New Roman" panose="02020603050405020304" pitchFamily="18" charset="0"/>
+                          </a:endParaRPr>
+                        </a:p>
+                      </a:txBody>
+                      <a:tcPr marL="63272" marR="63272" marT="0" marB="0" anchor="ctr"/>
+                    </a:tc>
+                    <a:tc>
+                      <a:txBody>
+                        <a:bodyPr/>
+                        <a:lstStyle/>
+                        <a:p>
+                          <a:pPr algn="ctr">
+                            <a:lnSpc>
+                              <a:spcPct val="106000"/>
+                            </a:lnSpc>
+                            <a:spcAft>
+                              <a:spcPts val="800"/>
+                            </a:spcAft>
+                          </a:pPr>
+                          <a:r>
                             <a:rPr lang="ru-RU" sz="1600" dirty="0">
                               <a:effectLst/>
                             </a:rPr>
-                            <a:t>Эксперт 9</a:t>
+                            <a:t>1</a:t>
                           </a:r>
                           <a:endParaRPr lang="ru-RU" sz="1100" dirty="0">
                             <a:effectLst/>
@@ -10649,12 +10735,12 @@
                             </a:spcAft>
                           </a:pPr>
                           <a:r>
-                            <a:rPr lang="ru-RU" sz="1800">
+                            <a:rPr lang="ru-RU" sz="1600" dirty="0">
                               <a:effectLst/>
                             </a:rPr>
-                            <a:t>2</a:t>
+                            <a:t>4</a:t>
                           </a:r>
-                          <a:endParaRPr lang="ru-RU" sz="1200">
+                          <a:endParaRPr lang="ru-RU" sz="1100" dirty="0">
                             <a:effectLst/>
                             <a:latin typeface="Calibri" panose="020F0502020204030204" pitchFamily="34" charset="0"/>
                             <a:ea typeface="Calibri" panose="020F0502020204030204" pitchFamily="34" charset="0"/>
@@ -10662,7 +10748,7 @@
                           </a:endParaRPr>
                         </a:p>
                       </a:txBody>
-                      <a:tcPr marL="63272" marR="63272" marT="0" marB="0" anchor="ctr"/>
+                      <a:tcPr marL="8253" marR="8253" marT="8253" marB="8253" anchor="ctr"/>
                     </a:tc>
                     <a:tc>
                       <a:txBody>
@@ -10678,12 +10764,12 @@
                             </a:spcAft>
                           </a:pPr>
                           <a:r>
-                            <a:rPr lang="ru-RU" sz="1800">
+                            <a:rPr lang="ru-RU" sz="1600" dirty="0">
                               <a:effectLst/>
                             </a:rPr>
-                            <a:t>3</a:t>
+                            <a:t>6</a:t>
                           </a:r>
-                          <a:endParaRPr lang="ru-RU" sz="1200">
+                          <a:endParaRPr lang="ru-RU" sz="1100" dirty="0">
                             <a:effectLst/>
                             <a:latin typeface="Calibri" panose="020F0502020204030204" pitchFamily="34" charset="0"/>
                             <a:ea typeface="Calibri" panose="020F0502020204030204" pitchFamily="34" charset="0"/>
@@ -10691,7 +10777,7 @@
                           </a:endParaRPr>
                         </a:p>
                       </a:txBody>
-                      <a:tcPr marL="63272" marR="63272" marT="0" marB="0" anchor="ctr"/>
+                      <a:tcPr marL="8253" marR="8253" marT="8253" marB="8253" anchor="ctr"/>
                     </a:tc>
                     <a:tc>
                       <a:txBody>
@@ -10707,12 +10793,12 @@
                             </a:spcAft>
                           </a:pPr>
                           <a:r>
-                            <a:rPr lang="ru-RU" sz="1800" dirty="0">
+                            <a:rPr lang="ru-RU" sz="1600" dirty="0">
                               <a:effectLst/>
                             </a:rPr>
-                            <a:t>1</a:t>
+                            <a:t>5</a:t>
                           </a:r>
-                          <a:endParaRPr lang="ru-RU" sz="1200" dirty="0">
+                          <a:endParaRPr lang="ru-RU" sz="1100" dirty="0">
                             <a:effectLst/>
                             <a:latin typeface="Calibri" panose="020F0502020204030204" pitchFamily="34" charset="0"/>
                             <a:ea typeface="Calibri" panose="020F0502020204030204" pitchFamily="34" charset="0"/>
@@ -10720,7 +10806,7 @@
                           </a:endParaRPr>
                         </a:p>
                       </a:txBody>
-                      <a:tcPr marL="63272" marR="63272" marT="0" marB="0" anchor="ctr"/>
+                      <a:tcPr marL="8253" marR="8253" marT="8253" marB="8253" anchor="ctr"/>
                     </a:tc>
                     <a:tc>
                       <a:txBody>
@@ -10736,99 +10822,12 @@
                             </a:spcAft>
                           </a:pPr>
                           <a:r>
-                            <a:rPr lang="ru-RU" sz="1800" dirty="0">
-                              <a:effectLst/>
-                            </a:rPr>
-                            <a:t>4</a:t>
-                          </a:r>
-                          <a:endParaRPr lang="ru-RU" sz="1200" dirty="0">
-                            <a:effectLst/>
-                            <a:latin typeface="Calibri" panose="020F0502020204030204" pitchFamily="34" charset="0"/>
-                            <a:ea typeface="Calibri" panose="020F0502020204030204" pitchFamily="34" charset="0"/>
-                            <a:cs typeface="Times New Roman" panose="02020603050405020304" pitchFamily="18" charset="0"/>
-                          </a:endParaRPr>
-                        </a:p>
-                      </a:txBody>
-                      <a:tcPr marL="8253" marR="8253" marT="8253" marB="8253" anchor="ctr"/>
-                    </a:tc>
-                    <a:tc>
-                      <a:txBody>
-                        <a:bodyPr/>
-                        <a:lstStyle/>
-                        <a:p>
-                          <a:pPr algn="ctr">
-                            <a:lnSpc>
-                              <a:spcPct val="106000"/>
-                            </a:lnSpc>
-                            <a:spcAft>
-                              <a:spcPts val="800"/>
-                            </a:spcAft>
-                          </a:pPr>
-                          <a:r>
-                            <a:rPr lang="ru-RU" sz="1800" dirty="0">
-                              <a:effectLst/>
-                            </a:rPr>
-                            <a:t>6</a:t>
-                          </a:r>
-                          <a:endParaRPr lang="ru-RU" sz="1200" dirty="0">
-                            <a:effectLst/>
-                            <a:latin typeface="Calibri" panose="020F0502020204030204" pitchFamily="34" charset="0"/>
-                            <a:ea typeface="Calibri" panose="020F0502020204030204" pitchFamily="34" charset="0"/>
-                            <a:cs typeface="Times New Roman" panose="02020603050405020304" pitchFamily="18" charset="0"/>
-                          </a:endParaRPr>
-                        </a:p>
-                      </a:txBody>
-                      <a:tcPr marL="8253" marR="8253" marT="8253" marB="8253" anchor="ctr"/>
-                    </a:tc>
-                    <a:tc>
-                      <a:txBody>
-                        <a:bodyPr/>
-                        <a:lstStyle/>
-                        <a:p>
-                          <a:pPr algn="ctr">
-                            <a:lnSpc>
-                              <a:spcPct val="106000"/>
-                            </a:lnSpc>
-                            <a:spcAft>
-                              <a:spcPts val="800"/>
-                            </a:spcAft>
-                          </a:pPr>
-                          <a:r>
-                            <a:rPr lang="ru-RU" sz="1800">
-                              <a:effectLst/>
-                            </a:rPr>
-                            <a:t>5</a:t>
-                          </a:r>
-                          <a:endParaRPr lang="ru-RU" sz="1200">
-                            <a:effectLst/>
-                            <a:latin typeface="Calibri" panose="020F0502020204030204" pitchFamily="34" charset="0"/>
-                            <a:ea typeface="Calibri" panose="020F0502020204030204" pitchFamily="34" charset="0"/>
-                            <a:cs typeface="Times New Roman" panose="02020603050405020304" pitchFamily="18" charset="0"/>
-                          </a:endParaRPr>
-                        </a:p>
-                      </a:txBody>
-                      <a:tcPr marL="8253" marR="8253" marT="8253" marB="8253" anchor="ctr"/>
-                    </a:tc>
-                    <a:tc>
-                      <a:txBody>
-                        <a:bodyPr/>
-                        <a:lstStyle/>
-                        <a:p>
-                          <a:pPr algn="ctr">
-                            <a:lnSpc>
-                              <a:spcPct val="106000"/>
-                            </a:lnSpc>
-                            <a:spcAft>
-                              <a:spcPts val="800"/>
-                            </a:spcAft>
-                          </a:pPr>
-                          <a:r>
-                            <a:rPr lang="ru-RU" sz="1800" dirty="0">
+                            <a:rPr lang="ru-RU" sz="1600" dirty="0">
                               <a:effectLst/>
                             </a:rPr>
                             <a:t>21</a:t>
                           </a:r>
-                          <a:endParaRPr lang="ru-RU" sz="1200" dirty="0">
+                          <a:endParaRPr lang="ru-RU" sz="1100" dirty="0">
                             <a:effectLst/>
                             <a:latin typeface="Calibri" panose="020F0502020204030204" pitchFamily="34" charset="0"/>
                             <a:ea typeface="Calibri" panose="020F0502020204030204" pitchFamily="34" charset="0"/>
@@ -10859,10 +10858,126 @@
                             </a:spcAft>
                           </a:pPr>
                           <a:r>
+                            <a:rPr lang="ru-RU" sz="1400" dirty="0">
+                              <a:effectLst/>
+                            </a:rPr>
+                            <a:t>Эксперт 10</a:t>
+                          </a:r>
+                          <a:endParaRPr lang="ru-RU" sz="1050" dirty="0">
+                            <a:effectLst/>
+                            <a:latin typeface="Calibri" panose="020F0502020204030204" pitchFamily="34" charset="0"/>
+                            <a:ea typeface="Calibri" panose="020F0502020204030204" pitchFamily="34" charset="0"/>
+                            <a:cs typeface="Times New Roman" panose="02020603050405020304" pitchFamily="18" charset="0"/>
+                          </a:endParaRPr>
+                        </a:p>
+                      </a:txBody>
+                      <a:tcPr marL="63272" marR="63272" marT="0" marB="0" anchor="ctr"/>
+                    </a:tc>
+                    <a:tc>
+                      <a:txBody>
+                        <a:bodyPr/>
+                        <a:lstStyle/>
+                        <a:p>
+                          <a:pPr algn="ctr">
+                            <a:lnSpc>
+                              <a:spcPct val="106000"/>
+                            </a:lnSpc>
+                            <a:spcAft>
+                              <a:spcPts val="800"/>
+                            </a:spcAft>
+                          </a:pPr>
+                          <a:r>
+                            <a:rPr lang="ru-RU" sz="1600">
+                              <a:effectLst/>
+                            </a:rPr>
+                            <a:t>1</a:t>
+                          </a:r>
+                          <a:endParaRPr lang="ru-RU" sz="1100">
+                            <a:effectLst/>
+                            <a:latin typeface="Calibri" panose="020F0502020204030204" pitchFamily="34" charset="0"/>
+                            <a:ea typeface="Calibri" panose="020F0502020204030204" pitchFamily="34" charset="0"/>
+                            <a:cs typeface="Times New Roman" panose="02020603050405020304" pitchFamily="18" charset="0"/>
+                          </a:endParaRPr>
+                        </a:p>
+                      </a:txBody>
+                      <a:tcPr marL="63272" marR="63272" marT="0" marB="0" anchor="ctr"/>
+                    </a:tc>
+                    <a:tc>
+                      <a:txBody>
+                        <a:bodyPr/>
+                        <a:lstStyle/>
+                        <a:p>
+                          <a:pPr algn="ctr">
+                            <a:lnSpc>
+                              <a:spcPct val="106000"/>
+                            </a:lnSpc>
+                            <a:spcAft>
+                              <a:spcPts val="800"/>
+                            </a:spcAft>
+                          </a:pPr>
+                          <a:r>
+                            <a:rPr lang="ru-RU" sz="1600">
+                              <a:effectLst/>
+                            </a:rPr>
+                            <a:t>4</a:t>
+                          </a:r>
+                          <a:endParaRPr lang="ru-RU" sz="1100">
+                            <a:effectLst/>
+                            <a:latin typeface="Calibri" panose="020F0502020204030204" pitchFamily="34" charset="0"/>
+                            <a:ea typeface="Calibri" panose="020F0502020204030204" pitchFamily="34" charset="0"/>
+                            <a:cs typeface="Times New Roman" panose="02020603050405020304" pitchFamily="18" charset="0"/>
+                          </a:endParaRPr>
+                        </a:p>
+                      </a:txBody>
+                      <a:tcPr marL="63272" marR="63272" marT="0" marB="0" anchor="ctr"/>
+                    </a:tc>
+                    <a:tc>
+                      <a:txBody>
+                        <a:bodyPr/>
+                        <a:lstStyle/>
+                        <a:p>
+                          <a:pPr algn="ctr">
+                            <a:lnSpc>
+                              <a:spcPct val="106000"/>
+                            </a:lnSpc>
+                            <a:spcAft>
+                              <a:spcPts val="800"/>
+                            </a:spcAft>
+                          </a:pPr>
+                          <a:r>
+                            <a:rPr lang="ru-RU" sz="1600">
+                              <a:effectLst/>
+                            </a:rPr>
+                            <a:t>2</a:t>
+                          </a:r>
+                          <a:endParaRPr lang="ru-RU" sz="1100">
+                            <a:effectLst/>
+                            <a:latin typeface="Calibri" panose="020F0502020204030204" pitchFamily="34" charset="0"/>
+                            <a:ea typeface="Calibri" panose="020F0502020204030204" pitchFamily="34" charset="0"/>
+                            <a:cs typeface="Times New Roman" panose="02020603050405020304" pitchFamily="18" charset="0"/>
+                          </a:endParaRPr>
+                        </a:p>
+                      </a:txBody>
+                      <a:tcPr marL="63272" marR="63272" marT="0" marB="0" anchor="ctr"/>
+                    </a:tc>
+                    <a:tc>
+                      <a:txBody>
+                        <a:bodyPr/>
+                        <a:lstStyle/>
+                        <a:p>
+                          <a:pPr algn="ctr">
+                            <a:lnSpc>
+                              <a:spcPct val="106000"/>
+                            </a:lnSpc>
+                            <a:spcAft>
+                              <a:spcPts val="800"/>
+                            </a:spcAft>
+                          </a:pPr>
+                          <a:r>
                             <a:rPr lang="ru-RU" sz="1600" dirty="0">
                               <a:effectLst/>
                             </a:rPr>
-                            <a:t>Эксперт 10</a:t>
+                            <a:t>6</a:t>
                           </a:r>
                           <a:endParaRPr lang="ru-RU" sz="1100" dirty="0">
                             <a:effectLst/>
@@ -10872,7 +10987,7 @@
                           </a:endParaRPr>
                         </a:p>
                       </a:txBody>
-                      <a:tcPr marL="63272" marR="63272" marT="0" marB="0" anchor="ctr"/>
+                      <a:tcPr marL="8253" marR="8253" marT="8253" marB="8253" anchor="ctr"/>
                     </a:tc>
                     <a:tc>
                       <a:txBody>
@@ -10888,12 +11003,12 @@
                             </a:spcAft>
                           </a:pPr>
                           <a:r>
-                            <a:rPr lang="ru-RU" sz="1800">
+                            <a:rPr lang="ru-RU" sz="1600" dirty="0">
                               <a:effectLst/>
                             </a:rPr>
-                            <a:t>1</a:t>
+                            <a:t>3</a:t>
                           </a:r>
-                          <a:endParaRPr lang="ru-RU" sz="1200">
+                          <a:endParaRPr lang="ru-RU" sz="1100" dirty="0">
                             <a:effectLst/>
                             <a:latin typeface="Calibri" panose="020F0502020204030204" pitchFamily="34" charset="0"/>
                             <a:ea typeface="Calibri" panose="020F0502020204030204" pitchFamily="34" charset="0"/>
@@ -10901,7 +11016,7 @@
                           </a:endParaRPr>
                         </a:p>
                       </a:txBody>
-                      <a:tcPr marL="63272" marR="63272" marT="0" marB="0" anchor="ctr"/>
+                      <a:tcPr marL="8253" marR="8253" marT="8253" marB="8253" anchor="ctr"/>
                     </a:tc>
                     <a:tc>
                       <a:txBody>
@@ -10917,12 +11032,12 @@
                             </a:spcAft>
                           </a:pPr>
                           <a:r>
-                            <a:rPr lang="ru-RU" sz="1800">
+                            <a:rPr lang="ru-RU" sz="1600" dirty="0">
                               <a:effectLst/>
                             </a:rPr>
-                            <a:t>4</a:t>
+                            <a:t>5</a:t>
                           </a:r>
-                          <a:endParaRPr lang="ru-RU" sz="1200">
+                          <a:endParaRPr lang="ru-RU" sz="1100" dirty="0">
                             <a:effectLst/>
                             <a:latin typeface="Calibri" panose="020F0502020204030204" pitchFamily="34" charset="0"/>
                             <a:ea typeface="Calibri" panose="020F0502020204030204" pitchFamily="34" charset="0"/>
@@ -10930,7 +11045,7 @@
                           </a:endParaRPr>
                         </a:p>
                       </a:txBody>
-                      <a:tcPr marL="63272" marR="63272" marT="0" marB="0" anchor="ctr"/>
+                      <a:tcPr marL="8253" marR="8253" marT="8253" marB="8253" anchor="ctr"/>
                     </a:tc>
                     <a:tc>
                       <a:txBody>
@@ -10946,128 +11061,12 @@
                             </a:spcAft>
                           </a:pPr>
                           <a:r>
-                            <a:rPr lang="ru-RU" sz="1800">
-                              <a:effectLst/>
-                            </a:rPr>
-                            <a:t>2</a:t>
-                          </a:r>
-                          <a:endParaRPr lang="ru-RU" sz="1200">
-                            <a:effectLst/>
-                            <a:latin typeface="Calibri" panose="020F0502020204030204" pitchFamily="34" charset="0"/>
-                            <a:ea typeface="Calibri" panose="020F0502020204030204" pitchFamily="34" charset="0"/>
-                            <a:cs typeface="Times New Roman" panose="02020603050405020304" pitchFamily="18" charset="0"/>
-                          </a:endParaRPr>
-                        </a:p>
-                      </a:txBody>
-                      <a:tcPr marL="63272" marR="63272" marT="0" marB="0" anchor="ctr"/>
-                    </a:tc>
-                    <a:tc>
-                      <a:txBody>
-                        <a:bodyPr/>
-                        <a:lstStyle/>
-                        <a:p>
-                          <a:pPr algn="ctr">
-                            <a:lnSpc>
-                              <a:spcPct val="106000"/>
-                            </a:lnSpc>
-                            <a:spcAft>
-                              <a:spcPts val="800"/>
-                            </a:spcAft>
-                          </a:pPr>
-                          <a:r>
-                            <a:rPr lang="ru-RU" sz="1800" dirty="0">
-                              <a:effectLst/>
-                            </a:rPr>
-                            <a:t>6</a:t>
-                          </a:r>
-                          <a:endParaRPr lang="ru-RU" sz="1200" dirty="0">
-                            <a:effectLst/>
-                            <a:latin typeface="Calibri" panose="020F0502020204030204" pitchFamily="34" charset="0"/>
-                            <a:ea typeface="Calibri" panose="020F0502020204030204" pitchFamily="34" charset="0"/>
-                            <a:cs typeface="Times New Roman" panose="02020603050405020304" pitchFamily="18" charset="0"/>
-                          </a:endParaRPr>
-                        </a:p>
-                      </a:txBody>
-                      <a:tcPr marL="8253" marR="8253" marT="8253" marB="8253" anchor="ctr"/>
-                    </a:tc>
-                    <a:tc>
-                      <a:txBody>
-                        <a:bodyPr/>
-                        <a:lstStyle/>
-                        <a:p>
-                          <a:pPr algn="ctr">
-                            <a:lnSpc>
-                              <a:spcPct val="106000"/>
-                            </a:lnSpc>
-                            <a:spcAft>
-                              <a:spcPts val="800"/>
-                            </a:spcAft>
-                          </a:pPr>
-                          <a:r>
-                            <a:rPr lang="ru-RU" sz="1800" dirty="0">
-                              <a:effectLst/>
-                            </a:rPr>
-                            <a:t>3</a:t>
-                          </a:r>
-                          <a:endParaRPr lang="ru-RU" sz="1200" dirty="0">
-                            <a:effectLst/>
-                            <a:latin typeface="Calibri" panose="020F0502020204030204" pitchFamily="34" charset="0"/>
-                            <a:ea typeface="Calibri" panose="020F0502020204030204" pitchFamily="34" charset="0"/>
-                            <a:cs typeface="Times New Roman" panose="02020603050405020304" pitchFamily="18" charset="0"/>
-                          </a:endParaRPr>
-                        </a:p>
-                      </a:txBody>
-                      <a:tcPr marL="8253" marR="8253" marT="8253" marB="8253" anchor="ctr"/>
-                    </a:tc>
-                    <a:tc>
-                      <a:txBody>
-                        <a:bodyPr/>
-                        <a:lstStyle/>
-                        <a:p>
-                          <a:pPr algn="ctr">
-                            <a:lnSpc>
-                              <a:spcPct val="106000"/>
-                            </a:lnSpc>
-                            <a:spcAft>
-                              <a:spcPts val="800"/>
-                            </a:spcAft>
-                          </a:pPr>
-                          <a:r>
-                            <a:rPr lang="ru-RU" sz="1800" dirty="0">
-                              <a:effectLst/>
-                            </a:rPr>
-                            <a:t>5</a:t>
-                          </a:r>
-                          <a:endParaRPr lang="ru-RU" sz="1200" dirty="0">
-                            <a:effectLst/>
-                            <a:latin typeface="Calibri" panose="020F0502020204030204" pitchFamily="34" charset="0"/>
-                            <a:ea typeface="Calibri" panose="020F0502020204030204" pitchFamily="34" charset="0"/>
-                            <a:cs typeface="Times New Roman" panose="02020603050405020304" pitchFamily="18" charset="0"/>
-                          </a:endParaRPr>
-                        </a:p>
-                      </a:txBody>
-                      <a:tcPr marL="8253" marR="8253" marT="8253" marB="8253" anchor="ctr"/>
-                    </a:tc>
-                    <a:tc>
-                      <a:txBody>
-                        <a:bodyPr/>
-                        <a:lstStyle/>
-                        <a:p>
-                          <a:pPr algn="ctr">
-                            <a:lnSpc>
-                              <a:spcPct val="106000"/>
-                            </a:lnSpc>
-                            <a:spcAft>
-                              <a:spcPts val="800"/>
-                            </a:spcAft>
-                          </a:pPr>
-                          <a:r>
-                            <a:rPr lang="ru-RU" sz="1800" dirty="0">
+                            <a:rPr lang="ru-RU" sz="1600" dirty="0">
                               <a:effectLst/>
                             </a:rPr>
                             <a:t>21</a:t>
                           </a:r>
-                          <a:endParaRPr lang="ru-RU" sz="1200" dirty="0">
+                          <a:endParaRPr lang="ru-RU" sz="1100" dirty="0">
                             <a:effectLst/>
                             <a:latin typeface="Calibri" panose="020F0502020204030204" pitchFamily="34" charset="0"/>
                             <a:ea typeface="Calibri" panose="020F0502020204030204" pitchFamily="34" charset="0"/>
@@ -11106,8 +11105,9 @@
                                 <m:sSub>
                                   <m:sSubPr>
                                     <m:ctrlPr>
-                                      <a:rPr lang="ru-RU" sz="1000">
+                                      <a:rPr lang="ru-RU" sz="1000" i="1">
                                         <a:effectLst/>
+                                        <a:latin typeface="Cambria Math" panose="02040503050406030204" pitchFamily="18" charset="0"/>
                                       </a:rPr>
                                     </m:ctrlPr>
                                   </m:sSubPr>
@@ -11115,6 +11115,7 @@
                                     <m:r>
                                       <a:rPr lang="ru-RU" sz="1000">
                                         <a:effectLst/>
+                                        <a:latin typeface="Cambria Math" panose="02040503050406030204" pitchFamily="18" charset="0"/>
                                       </a:rPr>
                                       <m:t>𝑿</m:t>
                                     </m:r>
@@ -11123,6 +11124,7 @@
                                     <m:r>
                                       <a:rPr lang="ru-RU" sz="1000">
                                         <a:effectLst/>
+                                        <a:latin typeface="Cambria Math" panose="02040503050406030204" pitchFamily="18" charset="0"/>
                                       </a:rPr>
                                       <m:t>𝒊</m:t>
                                     </m:r>
@@ -11155,12 +11157,12 @@
                             </a:spcAft>
                           </a:pPr>
                           <a:r>
-                            <a:rPr lang="ru-RU" sz="1800">
+                            <a:rPr lang="ru-RU" sz="1600">
                               <a:effectLst/>
                             </a:rPr>
                             <a:t>15</a:t>
                           </a:r>
-                          <a:endParaRPr lang="ru-RU" sz="1200">
+                          <a:endParaRPr lang="ru-RU" sz="1100">
                             <a:effectLst/>
                             <a:latin typeface="Calibri" panose="020F0502020204030204" pitchFamily="34" charset="0"/>
                             <a:ea typeface="Calibri" panose="020F0502020204030204" pitchFamily="34" charset="0"/>
@@ -11184,12 +11186,12 @@
                             </a:spcAft>
                           </a:pPr>
                           <a:r>
-                            <a:rPr lang="ru-RU" sz="1800">
+                            <a:rPr lang="ru-RU" sz="1600">
                               <a:effectLst/>
                             </a:rPr>
                             <a:t>47</a:t>
                           </a:r>
-                          <a:endParaRPr lang="ru-RU" sz="1200">
+                          <a:endParaRPr lang="ru-RU" sz="1100">
                             <a:effectLst/>
                             <a:latin typeface="Calibri" panose="020F0502020204030204" pitchFamily="34" charset="0"/>
                             <a:ea typeface="Calibri" panose="020F0502020204030204" pitchFamily="34" charset="0"/>
@@ -11213,12 +11215,12 @@
                             </a:spcAft>
                           </a:pPr>
                           <a:r>
-                            <a:rPr lang="ru-RU" sz="1800">
+                            <a:rPr lang="ru-RU" sz="1600">
                               <a:effectLst/>
                             </a:rPr>
                             <a:t>16</a:t>
                           </a:r>
-                          <a:endParaRPr lang="ru-RU" sz="1200">
+                          <a:endParaRPr lang="ru-RU" sz="1100">
                             <a:effectLst/>
                             <a:latin typeface="Calibri" panose="020F0502020204030204" pitchFamily="34" charset="0"/>
                             <a:ea typeface="Calibri" panose="020F0502020204030204" pitchFamily="34" charset="0"/>
@@ -11242,12 +11244,12 @@
                             </a:spcAft>
                           </a:pPr>
                           <a:r>
-                            <a:rPr lang="ru-RU" sz="1800">
+                            <a:rPr lang="ru-RU" sz="1600">
                               <a:effectLst/>
                             </a:rPr>
                             <a:t>55</a:t>
                           </a:r>
-                          <a:endParaRPr lang="ru-RU" sz="1200">
+                          <a:endParaRPr lang="ru-RU" sz="1100">
                             <a:effectLst/>
                             <a:latin typeface="Calibri" panose="020F0502020204030204" pitchFamily="34" charset="0"/>
                             <a:ea typeface="Calibri" panose="020F0502020204030204" pitchFamily="34" charset="0"/>
@@ -11271,12 +11273,12 @@
                             </a:spcAft>
                           </a:pPr>
                           <a:r>
-                            <a:rPr lang="ru-RU" sz="1800" dirty="0">
+                            <a:rPr lang="ru-RU" sz="1600" dirty="0">
                               <a:effectLst/>
                             </a:rPr>
                             <a:t>37</a:t>
                           </a:r>
-                          <a:endParaRPr lang="ru-RU" sz="1200" dirty="0">
+                          <a:endParaRPr lang="ru-RU" sz="1100" dirty="0">
                             <a:effectLst/>
                             <a:latin typeface="Calibri" panose="020F0502020204030204" pitchFamily="34" charset="0"/>
                             <a:ea typeface="Calibri" panose="020F0502020204030204" pitchFamily="34" charset="0"/>
@@ -11300,12 +11302,12 @@
                             </a:spcAft>
                           </a:pPr>
                           <a:r>
-                            <a:rPr lang="ru-RU" sz="1800" dirty="0">
+                            <a:rPr lang="ru-RU" sz="1600" dirty="0">
                               <a:effectLst/>
                             </a:rPr>
                             <a:t>40</a:t>
                           </a:r>
-                          <a:endParaRPr lang="ru-RU" sz="1200" dirty="0">
+                          <a:endParaRPr lang="ru-RU" sz="1100" dirty="0">
                             <a:effectLst/>
                             <a:latin typeface="Calibri" panose="020F0502020204030204" pitchFamily="34" charset="0"/>
                             <a:ea typeface="Calibri" panose="020F0502020204030204" pitchFamily="34" charset="0"/>
@@ -11329,12 +11331,12 @@
                             </a:spcAft>
                           </a:pPr>
                           <a:r>
-                            <a:rPr lang="ru-RU" sz="1800" dirty="0">
+                            <a:rPr lang="ru-RU" sz="1600" dirty="0">
                               <a:effectLst/>
                             </a:rPr>
                             <a:t>210</a:t>
                           </a:r>
-                          <a:endParaRPr lang="ru-RU" sz="1200" dirty="0">
+                          <a:endParaRPr lang="ru-RU" sz="1100" dirty="0">
                             <a:effectLst/>
                             <a:latin typeface="Calibri" panose="020F0502020204030204" pitchFamily="34" charset="0"/>
                             <a:ea typeface="Calibri" panose="020F0502020204030204" pitchFamily="34" charset="0"/>
@@ -11373,8 +11375,9 @@
                                 <m:sSubSup>
                                   <m:sSubSupPr>
                                     <m:ctrlPr>
-                                      <a:rPr lang="ru-RU" sz="1000">
+                                      <a:rPr lang="ru-RU" sz="1000" i="1">
                                         <a:effectLst/>
+                                        <a:latin typeface="Cambria Math" panose="02040503050406030204" pitchFamily="18" charset="0"/>
                                       </a:rPr>
                                     </m:ctrlPr>
                                   </m:sSubSupPr>
@@ -11382,6 +11385,7 @@
                                     <m:r>
                                       <a:rPr lang="ru-RU" sz="1000">
                                         <a:effectLst/>
+                                        <a:latin typeface="Cambria Math" panose="02040503050406030204" pitchFamily="18" charset="0"/>
                                       </a:rPr>
                                       <m:t>𝒅</m:t>
                                     </m:r>
@@ -11390,6 +11394,7 @@
                                     <m:r>
                                       <a:rPr lang="ru-RU" sz="1000">
                                         <a:effectLst/>
+                                        <a:latin typeface="Cambria Math" panose="02040503050406030204" pitchFamily="18" charset="0"/>
                                       </a:rPr>
                                       <m:t>𝒋</m:t>
                                     </m:r>
@@ -11398,6 +11403,7 @@
                                     <m:r>
                                       <a:rPr lang="ru-RU" sz="1000">
                                         <a:effectLst/>
+                                        <a:latin typeface="Cambria Math" panose="02040503050406030204" pitchFamily="18" charset="0"/>
                                       </a:rPr>
                                       <m:t>𝟐</m:t>
                                     </m:r>
@@ -11430,12 +11436,12 @@
                             </a:spcAft>
                           </a:pPr>
                           <a:r>
-                            <a:rPr lang="ru-RU" sz="1800" dirty="0">
+                            <a:rPr lang="ru-RU" sz="1600" dirty="0">
                               <a:effectLst/>
                             </a:rPr>
                             <a:t>400</a:t>
                           </a:r>
-                          <a:endParaRPr lang="ru-RU" sz="1200" dirty="0">
+                          <a:endParaRPr lang="ru-RU" sz="1100" dirty="0">
                             <a:effectLst/>
                             <a:latin typeface="Calibri" panose="020F0502020204030204" pitchFamily="34" charset="0"/>
                             <a:ea typeface="Calibri" panose="020F0502020204030204" pitchFamily="34" charset="0"/>
@@ -11459,12 +11465,12 @@
                             </a:spcAft>
                           </a:pPr>
                           <a:r>
-                            <a:rPr lang="ru-RU" sz="1800" dirty="0">
+                            <a:rPr lang="ru-RU" sz="1600" dirty="0">
                               <a:effectLst/>
                             </a:rPr>
                             <a:t>144</a:t>
                           </a:r>
-                          <a:endParaRPr lang="ru-RU" sz="1200" dirty="0">
+                          <a:endParaRPr lang="ru-RU" sz="1100" dirty="0">
                             <a:effectLst/>
                             <a:latin typeface="Calibri" panose="020F0502020204030204" pitchFamily="34" charset="0"/>
                             <a:ea typeface="Calibri" panose="020F0502020204030204" pitchFamily="34" charset="0"/>
@@ -11488,12 +11494,12 @@
                             </a:spcAft>
                           </a:pPr>
                           <a:r>
-                            <a:rPr lang="ru-RU" sz="1800" dirty="0">
+                            <a:rPr lang="ru-RU" sz="1600" dirty="0">
                               <a:effectLst/>
                             </a:rPr>
                             <a:t>361</a:t>
                           </a:r>
-                          <a:endParaRPr lang="ru-RU" sz="1200" dirty="0">
+                          <a:endParaRPr lang="ru-RU" sz="1100" dirty="0">
                             <a:effectLst/>
                             <a:latin typeface="Calibri" panose="020F0502020204030204" pitchFamily="34" charset="0"/>
                             <a:ea typeface="Calibri" panose="020F0502020204030204" pitchFamily="34" charset="0"/>
@@ -11517,12 +11523,12 @@
                             </a:spcAft>
                           </a:pPr>
                           <a:r>
-                            <a:rPr lang="ru-RU" sz="1800" dirty="0">
+                            <a:rPr lang="ru-RU" sz="1600" dirty="0">
                               <a:effectLst/>
                             </a:rPr>
                             <a:t>400</a:t>
                           </a:r>
-                          <a:endParaRPr lang="ru-RU" sz="1200" dirty="0">
+                          <a:endParaRPr lang="ru-RU" sz="1100" dirty="0">
                             <a:effectLst/>
                             <a:latin typeface="Calibri" panose="020F0502020204030204" pitchFamily="34" charset="0"/>
                             <a:ea typeface="Calibri" panose="020F0502020204030204" pitchFamily="34" charset="0"/>
@@ -11546,12 +11552,12 @@
                             </a:spcAft>
                           </a:pPr>
                           <a:r>
-                            <a:rPr lang="ru-RU" sz="1800" dirty="0">
+                            <a:rPr lang="ru-RU" sz="1600" dirty="0">
                               <a:effectLst/>
                             </a:rPr>
                             <a:t>4</a:t>
                           </a:r>
-                          <a:endParaRPr lang="ru-RU" sz="1200" dirty="0">
+                          <a:endParaRPr lang="ru-RU" sz="1100" dirty="0">
                             <a:effectLst/>
                             <a:latin typeface="Calibri" panose="020F0502020204030204" pitchFamily="34" charset="0"/>
                             <a:ea typeface="Calibri" panose="020F0502020204030204" pitchFamily="34" charset="0"/>
@@ -11575,12 +11581,12 @@
                             </a:spcAft>
                           </a:pPr>
                           <a:r>
-                            <a:rPr lang="ru-RU" sz="1800" dirty="0">
+                            <a:rPr lang="ru-RU" sz="1600" dirty="0">
                               <a:effectLst/>
                             </a:rPr>
                             <a:t>25</a:t>
                           </a:r>
-                          <a:endParaRPr lang="ru-RU" sz="1200" dirty="0">
+                          <a:endParaRPr lang="ru-RU" sz="1100" dirty="0">
                             <a:effectLst/>
                             <a:latin typeface="Calibri" panose="020F0502020204030204" pitchFamily="34" charset="0"/>
                             <a:ea typeface="Calibri" panose="020F0502020204030204" pitchFamily="34" charset="0"/>
@@ -11604,12 +11610,12 @@
                             </a:spcAft>
                           </a:pPr>
                           <a:r>
-                            <a:rPr lang="en-US" sz="1800" dirty="0">
+                            <a:rPr lang="en-US" sz="1600" dirty="0">
                               <a:effectLst/>
                             </a:rPr>
                             <a:t>1334</a:t>
                           </a:r>
-                          <a:endParaRPr lang="ru-RU" sz="1200" dirty="0">
+                          <a:endParaRPr lang="ru-RU" sz="1100" dirty="0">
                             <a:effectLst/>
                             <a:latin typeface="Calibri" panose="020F0502020204030204" pitchFamily="34" charset="0"/>
                             <a:ea typeface="Calibri" panose="020F0502020204030204" pitchFamily="34" charset="0"/>
@@ -11640,14 +11646,14 @@
               <p:nvPr>
                 <p:extLst>
                   <p:ext uri="{D42A27DB-BD31-4B8C-83A1-F6EECF244321}">
-                    <p14:modId xmlns:p14="http://schemas.microsoft.com/office/powerpoint/2010/main" val="320517090"/>
+                    <p14:modId xmlns:p14="http://schemas.microsoft.com/office/powerpoint/2010/main" val="1644963498"/>
                   </p:ext>
                 </p:extLst>
               </p:nvPr>
             </p:nvGraphicFramePr>
             <p:xfrm>
-              <a:off x="5170772" y="1592620"/>
-              <a:ext cx="6937005" cy="4636318"/>
+              <a:off x="5153600" y="1592620"/>
+              <a:ext cx="6937005" cy="4223763"/>
             </p:xfrm>
             <a:graphic>
               <a:graphicData uri="http://schemas.openxmlformats.org/drawingml/2006/table">
@@ -11713,7 +11719,7 @@
                       </a:extLst>
                     </a:gridCol>
                   </a:tblGrid>
-                  <a:tr h="326644">
+                  <a:tr h="365760">
                     <a:tc rowSpan="2">
                       <a:txBody>
                         <a:bodyPr/>
@@ -11857,7 +11863,7 @@
                       </a:ext>
                     </a:extLst>
                   </a:tr>
-                  <a:tr h="365760">
+                  <a:tr h="382266">
                     <a:tc vMerge="1">
                       <a:txBody>
                         <a:bodyPr/>
@@ -12082,7 +12088,7 @@
                       </a:ext>
                     </a:extLst>
                   </a:tr>
-                  <a:tr h="326644">
+                  <a:tr h="285814">
                     <a:tc>
                       <a:txBody>
                         <a:bodyPr/>
@@ -12094,13 +12100,42 @@
                             </a:lnSpc>
                             <a:spcAft>
                               <a:spcPts val="0"/>
+                            </a:spcAft>
+                          </a:pPr>
+                          <a:r>
+                            <a:rPr lang="ru-RU" sz="1400" dirty="0">
+                              <a:effectLst/>
+                            </a:rPr>
+                            <a:t>Эксперт 1</a:t>
+                          </a:r>
+                          <a:endParaRPr lang="ru-RU" sz="1050" dirty="0">
+                            <a:effectLst/>
+                            <a:latin typeface="Calibri" panose="020F0502020204030204" pitchFamily="34" charset="0"/>
+                            <a:ea typeface="Calibri" panose="020F0502020204030204" pitchFamily="34" charset="0"/>
+                            <a:cs typeface="Times New Roman" panose="02020603050405020304" pitchFamily="18" charset="0"/>
+                          </a:endParaRPr>
+                        </a:p>
+                      </a:txBody>
+                      <a:tcPr marL="63272" marR="63272" marT="0" marB="0" anchor="ctr"/>
+                    </a:tc>
+                    <a:tc>
+                      <a:txBody>
+                        <a:bodyPr/>
+                        <a:lstStyle/>
+                        <a:p>
+                          <a:pPr algn="ctr">
+                            <a:lnSpc>
+                              <a:spcPct val="106000"/>
+                            </a:lnSpc>
+                            <a:spcAft>
+                              <a:spcPts val="800"/>
                             </a:spcAft>
                           </a:pPr>
                           <a:r>
                             <a:rPr lang="ru-RU" sz="1600" dirty="0">
                               <a:effectLst/>
                             </a:rPr>
-                            <a:t>Эксперт 1</a:t>
+                            <a:t>1</a:t>
                           </a:r>
                           <a:endParaRPr lang="ru-RU" sz="1100" dirty="0">
                             <a:effectLst/>
@@ -12126,220 +12161,10 @@
                             </a:spcAft>
                           </a:pPr>
                           <a:r>
-                            <a:rPr lang="ru-RU" sz="1800" dirty="0">
-                              <a:effectLst/>
-                            </a:rPr>
-                            <a:t>1</a:t>
-                          </a:r>
-                          <a:endParaRPr lang="ru-RU" sz="1200" dirty="0">
-                            <a:effectLst/>
-                            <a:latin typeface="Calibri" panose="020F0502020204030204" pitchFamily="34" charset="0"/>
-                            <a:ea typeface="Calibri" panose="020F0502020204030204" pitchFamily="34" charset="0"/>
-                            <a:cs typeface="Times New Roman" panose="02020603050405020304" pitchFamily="18" charset="0"/>
-                          </a:endParaRPr>
-                        </a:p>
-                      </a:txBody>
-                      <a:tcPr marL="63272" marR="63272" marT="0" marB="0" anchor="ctr"/>
-                    </a:tc>
-                    <a:tc>
-                      <a:txBody>
-                        <a:bodyPr/>
-                        <a:lstStyle/>
-                        <a:p>
-                          <a:pPr algn="ctr">
-                            <a:lnSpc>
-                              <a:spcPct val="106000"/>
-                            </a:lnSpc>
-                            <a:spcAft>
-                              <a:spcPts val="800"/>
-                            </a:spcAft>
-                          </a:pPr>
-                          <a:r>
-                            <a:rPr lang="ru-RU" sz="1800" dirty="0">
-                              <a:effectLst/>
-                            </a:rPr>
-                            <a:t>6</a:t>
-                          </a:r>
-                          <a:endParaRPr lang="ru-RU" sz="1200" dirty="0">
-                            <a:effectLst/>
-                            <a:latin typeface="Calibri" panose="020F0502020204030204" pitchFamily="34" charset="0"/>
-                            <a:ea typeface="Calibri" panose="020F0502020204030204" pitchFamily="34" charset="0"/>
-                            <a:cs typeface="Times New Roman" panose="02020603050405020304" pitchFamily="18" charset="0"/>
-                          </a:endParaRPr>
-                        </a:p>
-                      </a:txBody>
-                      <a:tcPr marL="63272" marR="63272" marT="0" marB="0" anchor="ctr"/>
-                    </a:tc>
-                    <a:tc>
-                      <a:txBody>
-                        <a:bodyPr/>
-                        <a:lstStyle/>
-                        <a:p>
-                          <a:pPr algn="ctr">
-                            <a:lnSpc>
-                              <a:spcPct val="106000"/>
-                            </a:lnSpc>
-                            <a:spcAft>
-                              <a:spcPts val="800"/>
-                            </a:spcAft>
-                          </a:pPr>
-                          <a:r>
-                            <a:rPr lang="ru-RU" sz="1800" dirty="0">
-                              <a:effectLst/>
-                            </a:rPr>
-                            <a:t>2</a:t>
-                          </a:r>
-                          <a:endParaRPr lang="ru-RU" sz="1200" dirty="0">
-                            <a:effectLst/>
-                            <a:latin typeface="Calibri" panose="020F0502020204030204" pitchFamily="34" charset="0"/>
-                            <a:ea typeface="Calibri" panose="020F0502020204030204" pitchFamily="34" charset="0"/>
-                            <a:cs typeface="Times New Roman" panose="02020603050405020304" pitchFamily="18" charset="0"/>
-                          </a:endParaRPr>
-                        </a:p>
-                      </a:txBody>
-                      <a:tcPr marL="63272" marR="63272" marT="0" marB="0" anchor="ctr"/>
-                    </a:tc>
-                    <a:tc>
-                      <a:txBody>
-                        <a:bodyPr/>
-                        <a:lstStyle/>
-                        <a:p>
-                          <a:pPr algn="ctr">
-                            <a:lnSpc>
-                              <a:spcPct val="106000"/>
-                            </a:lnSpc>
-                            <a:spcAft>
-                              <a:spcPts val="800"/>
-                            </a:spcAft>
-                          </a:pPr>
-                          <a:r>
-                            <a:rPr lang="ru-RU" sz="1800">
-                              <a:effectLst/>
-                            </a:rPr>
-                            <a:t>5</a:t>
-                          </a:r>
-                          <a:endParaRPr lang="ru-RU" sz="1200">
-                            <a:effectLst/>
-                            <a:latin typeface="Calibri" panose="020F0502020204030204" pitchFamily="34" charset="0"/>
-                            <a:ea typeface="Calibri" panose="020F0502020204030204" pitchFamily="34" charset="0"/>
-                            <a:cs typeface="Times New Roman" panose="02020603050405020304" pitchFamily="18" charset="0"/>
-                          </a:endParaRPr>
-                        </a:p>
-                      </a:txBody>
-                      <a:tcPr marL="8253" marR="8253" marT="8253" marB="8253" anchor="ctr"/>
-                    </a:tc>
-                    <a:tc>
-                      <a:txBody>
-                        <a:bodyPr/>
-                        <a:lstStyle/>
-                        <a:p>
-                          <a:pPr algn="ctr">
-                            <a:lnSpc>
-                              <a:spcPct val="106000"/>
-                            </a:lnSpc>
-                            <a:spcAft>
-                              <a:spcPts val="800"/>
-                            </a:spcAft>
-                          </a:pPr>
-                          <a:r>
-                            <a:rPr lang="ru-RU" sz="1800">
-                              <a:effectLst/>
-                            </a:rPr>
-                            <a:t>3</a:t>
-                          </a:r>
-                          <a:endParaRPr lang="ru-RU" sz="1200">
-                            <a:effectLst/>
-                            <a:latin typeface="Calibri" panose="020F0502020204030204" pitchFamily="34" charset="0"/>
-                            <a:ea typeface="Calibri" panose="020F0502020204030204" pitchFamily="34" charset="0"/>
-                            <a:cs typeface="Times New Roman" panose="02020603050405020304" pitchFamily="18" charset="0"/>
-                          </a:endParaRPr>
-                        </a:p>
-                      </a:txBody>
-                      <a:tcPr marL="8253" marR="8253" marT="8253" marB="8253" anchor="ctr"/>
-                    </a:tc>
-                    <a:tc>
-                      <a:txBody>
-                        <a:bodyPr/>
-                        <a:lstStyle/>
-                        <a:p>
-                          <a:pPr algn="ctr">
-                            <a:lnSpc>
-                              <a:spcPct val="106000"/>
-                            </a:lnSpc>
-                            <a:spcAft>
-                              <a:spcPts val="800"/>
-                            </a:spcAft>
-                          </a:pPr>
-                          <a:r>
-                            <a:rPr lang="ru-RU" sz="1800">
-                              <a:effectLst/>
-                            </a:rPr>
-                            <a:t>4</a:t>
-                          </a:r>
-                          <a:endParaRPr lang="ru-RU" sz="1200">
-                            <a:effectLst/>
-                            <a:latin typeface="Calibri" panose="020F0502020204030204" pitchFamily="34" charset="0"/>
-                            <a:ea typeface="Calibri" panose="020F0502020204030204" pitchFamily="34" charset="0"/>
-                            <a:cs typeface="Times New Roman" panose="02020603050405020304" pitchFamily="18" charset="0"/>
-                          </a:endParaRPr>
-                        </a:p>
-                      </a:txBody>
-                      <a:tcPr marL="8253" marR="8253" marT="8253" marB="8253" anchor="ctr"/>
-                    </a:tc>
-                    <a:tc>
-                      <a:txBody>
-                        <a:bodyPr/>
-                        <a:lstStyle/>
-                        <a:p>
-                          <a:pPr algn="ctr">
-                            <a:lnSpc>
-                              <a:spcPct val="106000"/>
-                            </a:lnSpc>
-                            <a:spcAft>
-                              <a:spcPts val="800"/>
-                            </a:spcAft>
-                          </a:pPr>
-                          <a:r>
-                            <a:rPr lang="ru-RU" sz="1800" dirty="0">
-                              <a:effectLst/>
-                            </a:rPr>
-                            <a:t>21</a:t>
-                          </a:r>
-                          <a:endParaRPr lang="ru-RU" sz="1200" dirty="0">
-                            <a:effectLst/>
-                            <a:latin typeface="Calibri" panose="020F0502020204030204" pitchFamily="34" charset="0"/>
-                            <a:ea typeface="Calibri" panose="020F0502020204030204" pitchFamily="34" charset="0"/>
-                            <a:cs typeface="Times New Roman" panose="02020603050405020304" pitchFamily="18" charset="0"/>
-                          </a:endParaRPr>
-                        </a:p>
-                      </a:txBody>
-                      <a:tcPr marL="8253" marR="8253" marT="8253" marB="8253" anchor="ctr"/>
-                    </a:tc>
-                    <a:extLst>
-                      <a:ext uri="{0D108BD9-81ED-4DB2-BD59-A6C34878D82A}">
-                        <a16:rowId xmlns:a16="http://schemas.microsoft.com/office/drawing/2014/main" val="633737297"/>
-                      </a:ext>
-                    </a:extLst>
-                  </a:tr>
-                  <a:tr h="326644">
-                    <a:tc>
-                      <a:txBody>
-                        <a:bodyPr/>
-                        <a:lstStyle/>
-                        <a:p>
-                          <a:pPr indent="8255" algn="ctr">
-                            <a:lnSpc>
-                              <a:spcPct val="150000"/>
-                            </a:lnSpc>
-                            <a:spcAft>
-                              <a:spcPts val="0"/>
-                            </a:spcAft>
-                          </a:pPr>
-                          <a:r>
                             <a:rPr lang="ru-RU" sz="1600" dirty="0">
                               <a:effectLst/>
                             </a:rPr>
-                            <a:t>Эксперт 2</a:t>
+                            <a:t>6</a:t>
                           </a:r>
                           <a:endParaRPr lang="ru-RU" sz="1100" dirty="0">
                             <a:effectLst/>
@@ -12365,220 +12190,10 @@
                             </a:spcAft>
                           </a:pPr>
                           <a:r>
-                            <a:rPr lang="ru-RU" sz="1800" dirty="0">
-                              <a:effectLst/>
-                            </a:rPr>
-                            <a:t>2</a:t>
-                          </a:r>
-                          <a:endParaRPr lang="ru-RU" sz="1200" dirty="0">
-                            <a:effectLst/>
-                            <a:latin typeface="Calibri" panose="020F0502020204030204" pitchFamily="34" charset="0"/>
-                            <a:ea typeface="Calibri" panose="020F0502020204030204" pitchFamily="34" charset="0"/>
-                            <a:cs typeface="Times New Roman" panose="02020603050405020304" pitchFamily="18" charset="0"/>
-                          </a:endParaRPr>
-                        </a:p>
-                      </a:txBody>
-                      <a:tcPr marL="63272" marR="63272" marT="0" marB="0" anchor="ctr"/>
-                    </a:tc>
-                    <a:tc>
-                      <a:txBody>
-                        <a:bodyPr/>
-                        <a:lstStyle/>
-                        <a:p>
-                          <a:pPr algn="ctr">
-                            <a:lnSpc>
-                              <a:spcPct val="106000"/>
-                            </a:lnSpc>
-                            <a:spcAft>
-                              <a:spcPts val="800"/>
-                            </a:spcAft>
-                          </a:pPr>
-                          <a:r>
-                            <a:rPr lang="ru-RU" sz="1800" dirty="0">
-                              <a:effectLst/>
-                            </a:rPr>
-                            <a:t>5</a:t>
-                          </a:r>
-                          <a:endParaRPr lang="ru-RU" sz="1200" dirty="0">
-                            <a:effectLst/>
-                            <a:latin typeface="Calibri" panose="020F0502020204030204" pitchFamily="34" charset="0"/>
-                            <a:ea typeface="Calibri" panose="020F0502020204030204" pitchFamily="34" charset="0"/>
-                            <a:cs typeface="Times New Roman" panose="02020603050405020304" pitchFamily="18" charset="0"/>
-                          </a:endParaRPr>
-                        </a:p>
-                      </a:txBody>
-                      <a:tcPr marL="63272" marR="63272" marT="0" marB="0" anchor="ctr"/>
-                    </a:tc>
-                    <a:tc>
-                      <a:txBody>
-                        <a:bodyPr/>
-                        <a:lstStyle/>
-                        <a:p>
-                          <a:pPr algn="ctr">
-                            <a:lnSpc>
-                              <a:spcPct val="106000"/>
-                            </a:lnSpc>
-                            <a:spcAft>
-                              <a:spcPts val="800"/>
-                            </a:spcAft>
-                          </a:pPr>
-                          <a:r>
-                            <a:rPr lang="ru-RU" sz="1800" dirty="0">
-                              <a:effectLst/>
-                            </a:rPr>
-                            <a:t>1</a:t>
-                          </a:r>
-                          <a:endParaRPr lang="ru-RU" sz="1200" dirty="0">
-                            <a:effectLst/>
-                            <a:latin typeface="Calibri" panose="020F0502020204030204" pitchFamily="34" charset="0"/>
-                            <a:ea typeface="Calibri" panose="020F0502020204030204" pitchFamily="34" charset="0"/>
-                            <a:cs typeface="Times New Roman" panose="02020603050405020304" pitchFamily="18" charset="0"/>
-                          </a:endParaRPr>
-                        </a:p>
-                      </a:txBody>
-                      <a:tcPr marL="63272" marR="63272" marT="0" marB="0" anchor="ctr"/>
-                    </a:tc>
-                    <a:tc>
-                      <a:txBody>
-                        <a:bodyPr/>
-                        <a:lstStyle/>
-                        <a:p>
-                          <a:pPr algn="ctr">
-                            <a:lnSpc>
-                              <a:spcPct val="106000"/>
-                            </a:lnSpc>
-                            <a:spcAft>
-                              <a:spcPts val="800"/>
-                            </a:spcAft>
-                          </a:pPr>
-                          <a:r>
-                            <a:rPr lang="ru-RU" sz="1800">
-                              <a:effectLst/>
-                            </a:rPr>
-                            <a:t>6</a:t>
-                          </a:r>
-                          <a:endParaRPr lang="ru-RU" sz="1200">
-                            <a:effectLst/>
-                            <a:latin typeface="Calibri" panose="020F0502020204030204" pitchFamily="34" charset="0"/>
-                            <a:ea typeface="Calibri" panose="020F0502020204030204" pitchFamily="34" charset="0"/>
-                            <a:cs typeface="Times New Roman" panose="02020603050405020304" pitchFamily="18" charset="0"/>
-                          </a:endParaRPr>
-                        </a:p>
-                      </a:txBody>
-                      <a:tcPr marL="8253" marR="8253" marT="8253" marB="8253" anchor="ctr"/>
-                    </a:tc>
-                    <a:tc>
-                      <a:txBody>
-                        <a:bodyPr/>
-                        <a:lstStyle/>
-                        <a:p>
-                          <a:pPr algn="ctr">
-                            <a:lnSpc>
-                              <a:spcPct val="106000"/>
-                            </a:lnSpc>
-                            <a:spcAft>
-                              <a:spcPts val="800"/>
-                            </a:spcAft>
-                          </a:pPr>
-                          <a:r>
-                            <a:rPr lang="ru-RU" sz="1800">
-                              <a:effectLst/>
-                            </a:rPr>
-                            <a:t>4</a:t>
-                          </a:r>
-                          <a:endParaRPr lang="ru-RU" sz="1200">
-                            <a:effectLst/>
-                            <a:latin typeface="Calibri" panose="020F0502020204030204" pitchFamily="34" charset="0"/>
-                            <a:ea typeface="Calibri" panose="020F0502020204030204" pitchFamily="34" charset="0"/>
-                            <a:cs typeface="Times New Roman" panose="02020603050405020304" pitchFamily="18" charset="0"/>
-                          </a:endParaRPr>
-                        </a:p>
-                      </a:txBody>
-                      <a:tcPr marL="8253" marR="8253" marT="8253" marB="8253" anchor="ctr"/>
-                    </a:tc>
-                    <a:tc>
-                      <a:txBody>
-                        <a:bodyPr/>
-                        <a:lstStyle/>
-                        <a:p>
-                          <a:pPr algn="ctr">
-                            <a:lnSpc>
-                              <a:spcPct val="106000"/>
-                            </a:lnSpc>
-                            <a:spcAft>
-                              <a:spcPts val="800"/>
-                            </a:spcAft>
-                          </a:pPr>
-                          <a:r>
-                            <a:rPr lang="ru-RU" sz="1800">
-                              <a:effectLst/>
-                            </a:rPr>
-                            <a:t>3</a:t>
-                          </a:r>
-                          <a:endParaRPr lang="ru-RU" sz="1200">
-                            <a:effectLst/>
-                            <a:latin typeface="Calibri" panose="020F0502020204030204" pitchFamily="34" charset="0"/>
-                            <a:ea typeface="Calibri" panose="020F0502020204030204" pitchFamily="34" charset="0"/>
-                            <a:cs typeface="Times New Roman" panose="02020603050405020304" pitchFamily="18" charset="0"/>
-                          </a:endParaRPr>
-                        </a:p>
-                      </a:txBody>
-                      <a:tcPr marL="8253" marR="8253" marT="8253" marB="8253" anchor="ctr"/>
-                    </a:tc>
-                    <a:tc>
-                      <a:txBody>
-                        <a:bodyPr/>
-                        <a:lstStyle/>
-                        <a:p>
-                          <a:pPr algn="ctr">
-                            <a:lnSpc>
-                              <a:spcPct val="106000"/>
-                            </a:lnSpc>
-                            <a:spcAft>
-                              <a:spcPts val="800"/>
-                            </a:spcAft>
-                          </a:pPr>
-                          <a:r>
-                            <a:rPr lang="ru-RU" sz="1800" dirty="0">
-                              <a:effectLst/>
-                            </a:rPr>
-                            <a:t>21</a:t>
-                          </a:r>
-                          <a:endParaRPr lang="ru-RU" sz="1200" dirty="0">
-                            <a:effectLst/>
-                            <a:latin typeface="Calibri" panose="020F0502020204030204" pitchFamily="34" charset="0"/>
-                            <a:ea typeface="Calibri" panose="020F0502020204030204" pitchFamily="34" charset="0"/>
-                            <a:cs typeface="Times New Roman" panose="02020603050405020304" pitchFamily="18" charset="0"/>
-                          </a:endParaRPr>
-                        </a:p>
-                      </a:txBody>
-                      <a:tcPr marL="8253" marR="8253" marT="8253" marB="8253" anchor="ctr"/>
-                    </a:tc>
-                    <a:extLst>
-                      <a:ext uri="{0D108BD9-81ED-4DB2-BD59-A6C34878D82A}">
-                        <a16:rowId xmlns:a16="http://schemas.microsoft.com/office/drawing/2014/main" val="2565140641"/>
-                      </a:ext>
-                    </a:extLst>
-                  </a:tr>
-                  <a:tr h="326644">
-                    <a:tc>
-                      <a:txBody>
-                        <a:bodyPr/>
-                        <a:lstStyle/>
-                        <a:p>
-                          <a:pPr indent="8255" algn="ctr">
-                            <a:lnSpc>
-                              <a:spcPct val="150000"/>
-                            </a:lnSpc>
-                            <a:spcAft>
-                              <a:spcPts val="0"/>
-                            </a:spcAft>
-                          </a:pPr>
-                          <a:r>
                             <a:rPr lang="ru-RU" sz="1600" dirty="0">
                               <a:effectLst/>
                             </a:rPr>
-                            <a:t>Эксперт 3</a:t>
+                            <a:t>2</a:t>
                           </a:r>
                           <a:endParaRPr lang="ru-RU" sz="1100" dirty="0">
                             <a:effectLst/>
@@ -12604,12 +12219,12 @@
                             </a:spcAft>
                           </a:pPr>
                           <a:r>
-                            <a:rPr lang="ru-RU" sz="1800" dirty="0">
+                            <a:rPr lang="ru-RU" sz="1600">
                               <a:effectLst/>
                             </a:rPr>
-                            <a:t>1</a:t>
+                            <a:t>5</a:t>
                           </a:r>
-                          <a:endParaRPr lang="ru-RU" sz="1200" dirty="0">
+                          <a:endParaRPr lang="ru-RU" sz="1100">
                             <a:effectLst/>
                             <a:latin typeface="Calibri" panose="020F0502020204030204" pitchFamily="34" charset="0"/>
                             <a:ea typeface="Calibri" panose="020F0502020204030204" pitchFamily="34" charset="0"/>
@@ -12617,7 +12232,7 @@
                           </a:endParaRPr>
                         </a:p>
                       </a:txBody>
-                      <a:tcPr marL="63272" marR="63272" marT="0" marB="0" anchor="ctr"/>
+                      <a:tcPr marL="8253" marR="8253" marT="8253" marB="8253" anchor="ctr"/>
                     </a:tc>
                     <a:tc>
                       <a:txBody>
@@ -12633,12 +12248,12 @@
                             </a:spcAft>
                           </a:pPr>
                           <a:r>
-                            <a:rPr lang="ru-RU" sz="1800" dirty="0">
+                            <a:rPr lang="ru-RU" sz="1600">
                               <a:effectLst/>
                             </a:rPr>
-                            <a:t>4</a:t>
+                            <a:t>3</a:t>
                           </a:r>
-                          <a:endParaRPr lang="ru-RU" sz="1200" dirty="0">
+                          <a:endParaRPr lang="ru-RU" sz="1100">
                             <a:effectLst/>
                             <a:latin typeface="Calibri" panose="020F0502020204030204" pitchFamily="34" charset="0"/>
                             <a:ea typeface="Calibri" panose="020F0502020204030204" pitchFamily="34" charset="0"/>
@@ -12646,7 +12261,7 @@
                           </a:endParaRPr>
                         </a:p>
                       </a:txBody>
-                      <a:tcPr marL="63272" marR="63272" marT="0" marB="0" anchor="ctr"/>
+                      <a:tcPr marL="8253" marR="8253" marT="8253" marB="8253" anchor="ctr"/>
                     </a:tc>
                     <a:tc>
                       <a:txBody>
@@ -12662,12 +12277,12 @@
                             </a:spcAft>
                           </a:pPr>
                           <a:r>
-                            <a:rPr lang="ru-RU" sz="1800" dirty="0">
+                            <a:rPr lang="ru-RU" sz="1600">
                               <a:effectLst/>
                             </a:rPr>
-                            <a:t>2</a:t>
+                            <a:t>4</a:t>
                           </a:r>
-                          <a:endParaRPr lang="ru-RU" sz="1200" dirty="0">
+                          <a:endParaRPr lang="ru-RU" sz="1100">
                             <a:effectLst/>
                             <a:latin typeface="Calibri" panose="020F0502020204030204" pitchFamily="34" charset="0"/>
                             <a:ea typeface="Calibri" panose="020F0502020204030204" pitchFamily="34" charset="0"/>
@@ -12675,7 +12290,7 @@
                           </a:endParaRPr>
                         </a:p>
                       </a:txBody>
-                      <a:tcPr marL="63272" marR="63272" marT="0" marB="0" anchor="ctr"/>
+                      <a:tcPr marL="8253" marR="8253" marT="8253" marB="8253" anchor="ctr"/>
                     </a:tc>
                     <a:tc>
                       <a:txBody>
@@ -12688,136 +12303,13 @@
                             </a:lnSpc>
                             <a:spcAft>
                               <a:spcPts val="800"/>
-                            </a:spcAft>
-                          </a:pPr>
-                          <a:r>
-                            <a:rPr lang="ru-RU" sz="1800" dirty="0">
-                              <a:effectLst/>
-                            </a:rPr>
-                            <a:t>6</a:t>
-                          </a:r>
-                          <a:endParaRPr lang="ru-RU" sz="1200" dirty="0">
-                            <a:effectLst/>
-                            <a:latin typeface="Calibri" panose="020F0502020204030204" pitchFamily="34" charset="0"/>
-                            <a:ea typeface="Calibri" panose="020F0502020204030204" pitchFamily="34" charset="0"/>
-                            <a:cs typeface="Times New Roman" panose="02020603050405020304" pitchFamily="18" charset="0"/>
-                          </a:endParaRPr>
-                        </a:p>
-                      </a:txBody>
-                      <a:tcPr marL="8253" marR="8253" marT="8253" marB="8253" anchor="ctr"/>
-                    </a:tc>
-                    <a:tc>
-                      <a:txBody>
-                        <a:bodyPr/>
-                        <a:lstStyle/>
-                        <a:p>
-                          <a:pPr algn="ctr">
-                            <a:lnSpc>
-                              <a:spcPct val="106000"/>
-                            </a:lnSpc>
-                            <a:spcAft>
-                              <a:spcPts val="800"/>
-                            </a:spcAft>
-                          </a:pPr>
-                          <a:r>
-                            <a:rPr lang="ru-RU" sz="1800" dirty="0">
-                              <a:effectLst/>
-                            </a:rPr>
-                            <a:t>5</a:t>
-                          </a:r>
-                          <a:endParaRPr lang="ru-RU" sz="1200" dirty="0">
-                            <a:effectLst/>
-                            <a:latin typeface="Calibri" panose="020F0502020204030204" pitchFamily="34" charset="0"/>
-                            <a:ea typeface="Calibri" panose="020F0502020204030204" pitchFamily="34" charset="0"/>
-                            <a:cs typeface="Times New Roman" panose="02020603050405020304" pitchFamily="18" charset="0"/>
-                          </a:endParaRPr>
-                        </a:p>
-                      </a:txBody>
-                      <a:tcPr marL="8253" marR="8253" marT="8253" marB="8253" anchor="ctr"/>
-                    </a:tc>
-                    <a:tc>
-                      <a:txBody>
-                        <a:bodyPr/>
-                        <a:lstStyle/>
-                        <a:p>
-                          <a:pPr algn="ctr">
-                            <a:lnSpc>
-                              <a:spcPct val="106000"/>
-                            </a:lnSpc>
-                            <a:spcAft>
-                              <a:spcPts val="800"/>
-                            </a:spcAft>
-                          </a:pPr>
-                          <a:r>
-                            <a:rPr lang="ru-RU" sz="1800" dirty="0">
-                              <a:effectLst/>
-                            </a:rPr>
-                            <a:t>3</a:t>
-                          </a:r>
-                          <a:endParaRPr lang="ru-RU" sz="1200" dirty="0">
-                            <a:effectLst/>
-                            <a:latin typeface="Calibri" panose="020F0502020204030204" pitchFamily="34" charset="0"/>
-                            <a:ea typeface="Calibri" panose="020F0502020204030204" pitchFamily="34" charset="0"/>
-                            <a:cs typeface="Times New Roman" panose="02020603050405020304" pitchFamily="18" charset="0"/>
-                          </a:endParaRPr>
-                        </a:p>
-                      </a:txBody>
-                      <a:tcPr marL="8253" marR="8253" marT="8253" marB="8253" anchor="ctr"/>
-                    </a:tc>
-                    <a:tc>
-                      <a:txBody>
-                        <a:bodyPr/>
-                        <a:lstStyle/>
-                        <a:p>
-                          <a:pPr algn="ctr">
-                            <a:lnSpc>
-                              <a:spcPct val="106000"/>
-                            </a:lnSpc>
-                            <a:spcAft>
-                              <a:spcPts val="800"/>
-                            </a:spcAft>
-                          </a:pPr>
-                          <a:r>
-                            <a:rPr lang="ru-RU" sz="1800" dirty="0">
-                              <a:effectLst/>
-                            </a:rPr>
-                            <a:t>21</a:t>
-                          </a:r>
-                          <a:endParaRPr lang="ru-RU" sz="1200" dirty="0">
-                            <a:effectLst/>
-                            <a:latin typeface="Calibri" panose="020F0502020204030204" pitchFamily="34" charset="0"/>
-                            <a:ea typeface="Calibri" panose="020F0502020204030204" pitchFamily="34" charset="0"/>
-                            <a:cs typeface="Times New Roman" panose="02020603050405020304" pitchFamily="18" charset="0"/>
-                          </a:endParaRPr>
-                        </a:p>
-                      </a:txBody>
-                      <a:tcPr marL="8253" marR="8253" marT="8253" marB="8253" anchor="ctr"/>
-                    </a:tc>
-                    <a:extLst>
-                      <a:ext uri="{0D108BD9-81ED-4DB2-BD59-A6C34878D82A}">
-                        <a16:rowId xmlns:a16="http://schemas.microsoft.com/office/drawing/2014/main" val="4217999156"/>
-                      </a:ext>
-                    </a:extLst>
-                  </a:tr>
-                  <a:tr h="326644">
-                    <a:tc>
-                      <a:txBody>
-                        <a:bodyPr/>
-                        <a:lstStyle/>
-                        <a:p>
-                          <a:pPr indent="8255" algn="ctr">
-                            <a:lnSpc>
-                              <a:spcPct val="150000"/>
-                            </a:lnSpc>
-                            <a:spcAft>
-                              <a:spcPts val="0"/>
                             </a:spcAft>
                           </a:pPr>
                           <a:r>
                             <a:rPr lang="ru-RU" sz="1600" dirty="0">
                               <a:effectLst/>
                             </a:rPr>
-                            <a:t>Эксперт 4</a:t>
+                            <a:t>21</a:t>
                           </a:r>
                           <a:endParaRPr lang="ru-RU" sz="1100" dirty="0">
                             <a:effectLst/>
@@ -12827,28 +12319,35 @@
                           </a:endParaRPr>
                         </a:p>
                       </a:txBody>
-                      <a:tcPr marL="63272" marR="63272" marT="0" marB="0" anchor="ctr"/>
-                    </a:tc>
-                    <a:tc>
-                      <a:txBody>
-                        <a:bodyPr/>
-                        <a:lstStyle/>
-                        <a:p>
-                          <a:pPr algn="ctr">
-                            <a:lnSpc>
-                              <a:spcPct val="106000"/>
-                            </a:lnSpc>
-                            <a:spcAft>
-                              <a:spcPts val="800"/>
+                      <a:tcPr marL="8253" marR="8253" marT="8253" marB="8253" anchor="ctr"/>
+                    </a:tc>
+                    <a:extLst>
+                      <a:ext uri="{0D108BD9-81ED-4DB2-BD59-A6C34878D82A}">
+                        <a16:rowId xmlns:a16="http://schemas.microsoft.com/office/drawing/2014/main" val="633737297"/>
+                      </a:ext>
+                    </a:extLst>
+                  </a:tr>
+                  <a:tr h="285814">
+                    <a:tc>
+                      <a:txBody>
+                        <a:bodyPr/>
+                        <a:lstStyle/>
+                        <a:p>
+                          <a:pPr indent="8255" algn="ctr">
+                            <a:lnSpc>
+                              <a:spcPct val="150000"/>
+                            </a:lnSpc>
+                            <a:spcAft>
+                              <a:spcPts val="0"/>
                             </a:spcAft>
                           </a:pPr>
                           <a:r>
-                            <a:rPr lang="ru-RU" sz="1800" dirty="0">
+                            <a:rPr lang="ru-RU" sz="1400" dirty="0">
                               <a:effectLst/>
                             </a:rPr>
-                            <a:t>2</a:t>
+                            <a:t>Эксперт 2</a:t>
                           </a:r>
-                          <a:endParaRPr lang="ru-RU" sz="1200" dirty="0">
+                          <a:endParaRPr lang="ru-RU" sz="1050" dirty="0">
                             <a:effectLst/>
                             <a:latin typeface="Calibri" panose="020F0502020204030204" pitchFamily="34" charset="0"/>
                             <a:ea typeface="Calibri" panose="020F0502020204030204" pitchFamily="34" charset="0"/>
@@ -12872,191 +12371,10 @@
                             </a:spcAft>
                           </a:pPr>
                           <a:r>
-                            <a:rPr lang="ru-RU" sz="1800" dirty="0">
-                              <a:effectLst/>
-                            </a:rPr>
-                            <a:t>5</a:t>
-                          </a:r>
-                          <a:endParaRPr lang="ru-RU" sz="1200" dirty="0">
-                            <a:effectLst/>
-                            <a:latin typeface="Calibri" panose="020F0502020204030204" pitchFamily="34" charset="0"/>
-                            <a:ea typeface="Calibri" panose="020F0502020204030204" pitchFamily="34" charset="0"/>
-                            <a:cs typeface="Times New Roman" panose="02020603050405020304" pitchFamily="18" charset="0"/>
-                          </a:endParaRPr>
-                        </a:p>
-                      </a:txBody>
-                      <a:tcPr marL="63272" marR="63272" marT="0" marB="0" anchor="ctr"/>
-                    </a:tc>
-                    <a:tc>
-                      <a:txBody>
-                        <a:bodyPr/>
-                        <a:lstStyle/>
-                        <a:p>
-                          <a:pPr algn="ctr">
-                            <a:lnSpc>
-                              <a:spcPct val="106000"/>
-                            </a:lnSpc>
-                            <a:spcAft>
-                              <a:spcPts val="800"/>
-                            </a:spcAft>
-                          </a:pPr>
-                          <a:r>
-                            <a:rPr lang="ru-RU" sz="1800" dirty="0">
-                              <a:effectLst/>
-                            </a:rPr>
-                            <a:t>1</a:t>
-                          </a:r>
-                          <a:endParaRPr lang="ru-RU" sz="1200" dirty="0">
-                            <a:effectLst/>
-                            <a:latin typeface="Calibri" panose="020F0502020204030204" pitchFamily="34" charset="0"/>
-                            <a:ea typeface="Calibri" panose="020F0502020204030204" pitchFamily="34" charset="0"/>
-                            <a:cs typeface="Times New Roman" panose="02020603050405020304" pitchFamily="18" charset="0"/>
-                          </a:endParaRPr>
-                        </a:p>
-                      </a:txBody>
-                      <a:tcPr marL="63272" marR="63272" marT="0" marB="0" anchor="ctr"/>
-                    </a:tc>
-                    <a:tc>
-                      <a:txBody>
-                        <a:bodyPr/>
-                        <a:lstStyle/>
-                        <a:p>
-                          <a:pPr algn="ctr">
-                            <a:lnSpc>
-                              <a:spcPct val="106000"/>
-                            </a:lnSpc>
-                            <a:spcAft>
-                              <a:spcPts val="800"/>
-                            </a:spcAft>
-                          </a:pPr>
-                          <a:r>
-                            <a:rPr lang="ru-RU" sz="1800" dirty="0">
-                              <a:effectLst/>
-                            </a:rPr>
-                            <a:t>6</a:t>
-                          </a:r>
-                          <a:endParaRPr lang="ru-RU" sz="1200" dirty="0">
-                            <a:effectLst/>
-                            <a:latin typeface="Calibri" panose="020F0502020204030204" pitchFamily="34" charset="0"/>
-                            <a:ea typeface="Calibri" panose="020F0502020204030204" pitchFamily="34" charset="0"/>
-                            <a:cs typeface="Times New Roman" panose="02020603050405020304" pitchFamily="18" charset="0"/>
-                          </a:endParaRPr>
-                        </a:p>
-                      </a:txBody>
-                      <a:tcPr marL="8253" marR="8253" marT="8253" marB="8253" anchor="ctr"/>
-                    </a:tc>
-                    <a:tc>
-                      <a:txBody>
-                        <a:bodyPr/>
-                        <a:lstStyle/>
-                        <a:p>
-                          <a:pPr algn="ctr">
-                            <a:lnSpc>
-                              <a:spcPct val="106000"/>
-                            </a:lnSpc>
-                            <a:spcAft>
-                              <a:spcPts val="800"/>
-                            </a:spcAft>
-                          </a:pPr>
-                          <a:r>
-                            <a:rPr lang="ru-RU" sz="1800" dirty="0">
-                              <a:effectLst/>
-                            </a:rPr>
-                            <a:t>4</a:t>
-                          </a:r>
-                          <a:endParaRPr lang="ru-RU" sz="1200" dirty="0">
-                            <a:effectLst/>
-                            <a:latin typeface="Calibri" panose="020F0502020204030204" pitchFamily="34" charset="0"/>
-                            <a:ea typeface="Calibri" panose="020F0502020204030204" pitchFamily="34" charset="0"/>
-                            <a:cs typeface="Times New Roman" panose="02020603050405020304" pitchFamily="18" charset="0"/>
-                          </a:endParaRPr>
-                        </a:p>
-                      </a:txBody>
-                      <a:tcPr marL="8253" marR="8253" marT="8253" marB="8253" anchor="ctr"/>
-                    </a:tc>
-                    <a:tc>
-                      <a:txBody>
-                        <a:bodyPr/>
-                        <a:lstStyle/>
-                        <a:p>
-                          <a:pPr algn="ctr">
-                            <a:lnSpc>
-                              <a:spcPct val="106000"/>
-                            </a:lnSpc>
-                            <a:spcAft>
-                              <a:spcPts val="800"/>
-                            </a:spcAft>
-                          </a:pPr>
-                          <a:r>
-                            <a:rPr lang="ru-RU" sz="1800" dirty="0">
-                              <a:effectLst/>
-                            </a:rPr>
-                            <a:t>3</a:t>
-                          </a:r>
-                          <a:endParaRPr lang="ru-RU" sz="1200" dirty="0">
-                            <a:effectLst/>
-                            <a:latin typeface="Calibri" panose="020F0502020204030204" pitchFamily="34" charset="0"/>
-                            <a:ea typeface="Calibri" panose="020F0502020204030204" pitchFamily="34" charset="0"/>
-                            <a:cs typeface="Times New Roman" panose="02020603050405020304" pitchFamily="18" charset="0"/>
-                          </a:endParaRPr>
-                        </a:p>
-                      </a:txBody>
-                      <a:tcPr marL="8253" marR="8253" marT="8253" marB="8253" anchor="ctr"/>
-                    </a:tc>
-                    <a:tc>
-                      <a:txBody>
-                        <a:bodyPr/>
-                        <a:lstStyle/>
-                        <a:p>
-                          <a:pPr algn="ctr">
-                            <a:lnSpc>
-                              <a:spcPct val="106000"/>
-                            </a:lnSpc>
-                            <a:spcAft>
-                              <a:spcPts val="800"/>
-                            </a:spcAft>
-                          </a:pPr>
-                          <a:r>
-                            <a:rPr lang="ru-RU" sz="1800" dirty="0">
-                              <a:effectLst/>
-                            </a:rPr>
-                            <a:t>21</a:t>
-                          </a:r>
-                          <a:endParaRPr lang="ru-RU" sz="1200" dirty="0">
-                            <a:effectLst/>
-                            <a:latin typeface="Calibri" panose="020F0502020204030204" pitchFamily="34" charset="0"/>
-                            <a:ea typeface="Calibri" panose="020F0502020204030204" pitchFamily="34" charset="0"/>
-                            <a:cs typeface="Times New Roman" panose="02020603050405020304" pitchFamily="18" charset="0"/>
-                          </a:endParaRPr>
-                        </a:p>
-                      </a:txBody>
-                      <a:tcPr marL="8253" marR="8253" marT="8253" marB="8253" anchor="ctr"/>
-                    </a:tc>
-                    <a:extLst>
-                      <a:ext uri="{0D108BD9-81ED-4DB2-BD59-A6C34878D82A}">
-                        <a16:rowId xmlns:a16="http://schemas.microsoft.com/office/drawing/2014/main" val="2806017134"/>
-                      </a:ext>
-                    </a:extLst>
-                  </a:tr>
-                  <a:tr h="326644">
-                    <a:tc>
-                      <a:txBody>
-                        <a:bodyPr/>
-                        <a:lstStyle/>
-                        <a:p>
-                          <a:pPr indent="8255" algn="ctr">
-                            <a:lnSpc>
-                              <a:spcPct val="150000"/>
-                            </a:lnSpc>
-                            <a:spcAft>
-                              <a:spcPts val="0"/>
-                            </a:spcAft>
-                          </a:pPr>
-                          <a:r>
                             <a:rPr lang="ru-RU" sz="1600" dirty="0">
                               <a:effectLst/>
                             </a:rPr>
-                            <a:t>Эксперт 5</a:t>
+                            <a:t>2</a:t>
                           </a:r>
                           <a:endParaRPr lang="ru-RU" sz="1100" dirty="0">
                             <a:effectLst/>
@@ -13082,220 +12400,10 @@
                             </a:spcAft>
                           </a:pPr>
                           <a:r>
-                            <a:rPr lang="ru-RU" sz="1800">
-                              <a:effectLst/>
-                            </a:rPr>
-                            <a:t>1</a:t>
-                          </a:r>
-                          <a:endParaRPr lang="ru-RU" sz="1200">
-                            <a:effectLst/>
-                            <a:latin typeface="Calibri" panose="020F0502020204030204" pitchFamily="34" charset="0"/>
-                            <a:ea typeface="Calibri" panose="020F0502020204030204" pitchFamily="34" charset="0"/>
-                            <a:cs typeface="Times New Roman" panose="02020603050405020304" pitchFamily="18" charset="0"/>
-                          </a:endParaRPr>
-                        </a:p>
-                      </a:txBody>
-                      <a:tcPr marL="63272" marR="63272" marT="0" marB="0" anchor="ctr"/>
-                    </a:tc>
-                    <a:tc>
-                      <a:txBody>
-                        <a:bodyPr/>
-                        <a:lstStyle/>
-                        <a:p>
-                          <a:pPr algn="ctr">
-                            <a:lnSpc>
-                              <a:spcPct val="106000"/>
-                            </a:lnSpc>
-                            <a:spcAft>
-                              <a:spcPts val="800"/>
-                            </a:spcAft>
-                          </a:pPr>
-                          <a:r>
-                            <a:rPr lang="ru-RU" sz="1800" dirty="0">
-                              <a:effectLst/>
-                            </a:rPr>
-                            <a:t>6</a:t>
-                          </a:r>
-                          <a:endParaRPr lang="ru-RU" sz="1200" dirty="0">
-                            <a:effectLst/>
-                            <a:latin typeface="Calibri" panose="020F0502020204030204" pitchFamily="34" charset="0"/>
-                            <a:ea typeface="Calibri" panose="020F0502020204030204" pitchFamily="34" charset="0"/>
-                            <a:cs typeface="Times New Roman" panose="02020603050405020304" pitchFamily="18" charset="0"/>
-                          </a:endParaRPr>
-                        </a:p>
-                      </a:txBody>
-                      <a:tcPr marL="63272" marR="63272" marT="0" marB="0" anchor="ctr"/>
-                    </a:tc>
-                    <a:tc>
-                      <a:txBody>
-                        <a:bodyPr/>
-                        <a:lstStyle/>
-                        <a:p>
-                          <a:pPr algn="ctr">
-                            <a:lnSpc>
-                              <a:spcPct val="106000"/>
-                            </a:lnSpc>
-                            <a:spcAft>
-                              <a:spcPts val="800"/>
-                            </a:spcAft>
-                          </a:pPr>
-                          <a:r>
-                            <a:rPr lang="ru-RU" sz="1800" dirty="0">
-                              <a:effectLst/>
-                            </a:rPr>
-                            <a:t>2</a:t>
-                          </a:r>
-                          <a:endParaRPr lang="ru-RU" sz="1200" dirty="0">
-                            <a:effectLst/>
-                            <a:latin typeface="Calibri" panose="020F0502020204030204" pitchFamily="34" charset="0"/>
-                            <a:ea typeface="Calibri" panose="020F0502020204030204" pitchFamily="34" charset="0"/>
-                            <a:cs typeface="Times New Roman" panose="02020603050405020304" pitchFamily="18" charset="0"/>
-                          </a:endParaRPr>
-                        </a:p>
-                      </a:txBody>
-                      <a:tcPr marL="63272" marR="63272" marT="0" marB="0" anchor="ctr"/>
-                    </a:tc>
-                    <a:tc>
-                      <a:txBody>
-                        <a:bodyPr/>
-                        <a:lstStyle/>
-                        <a:p>
-                          <a:pPr algn="ctr">
-                            <a:lnSpc>
-                              <a:spcPct val="106000"/>
-                            </a:lnSpc>
-                            <a:spcAft>
-                              <a:spcPts val="800"/>
-                            </a:spcAft>
-                          </a:pPr>
-                          <a:r>
-                            <a:rPr lang="ru-RU" sz="1800">
-                              <a:effectLst/>
-                            </a:rPr>
-                            <a:t>5</a:t>
-                          </a:r>
-                          <a:endParaRPr lang="ru-RU" sz="1200">
-                            <a:effectLst/>
-                            <a:latin typeface="Calibri" panose="020F0502020204030204" pitchFamily="34" charset="0"/>
-                            <a:ea typeface="Calibri" panose="020F0502020204030204" pitchFamily="34" charset="0"/>
-                            <a:cs typeface="Times New Roman" panose="02020603050405020304" pitchFamily="18" charset="0"/>
-                          </a:endParaRPr>
-                        </a:p>
-                      </a:txBody>
-                      <a:tcPr marL="8253" marR="8253" marT="8253" marB="8253" anchor="ctr"/>
-                    </a:tc>
-                    <a:tc>
-                      <a:txBody>
-                        <a:bodyPr/>
-                        <a:lstStyle/>
-                        <a:p>
-                          <a:pPr algn="ctr">
-                            <a:lnSpc>
-                              <a:spcPct val="106000"/>
-                            </a:lnSpc>
-                            <a:spcAft>
-                              <a:spcPts val="800"/>
-                            </a:spcAft>
-                          </a:pPr>
-                          <a:r>
-                            <a:rPr lang="ru-RU" sz="1800">
-                              <a:effectLst/>
-                            </a:rPr>
-                            <a:t>3</a:t>
-                          </a:r>
-                          <a:endParaRPr lang="ru-RU" sz="1200">
-                            <a:effectLst/>
-                            <a:latin typeface="Calibri" panose="020F0502020204030204" pitchFamily="34" charset="0"/>
-                            <a:ea typeface="Calibri" panose="020F0502020204030204" pitchFamily="34" charset="0"/>
-                            <a:cs typeface="Times New Roman" panose="02020603050405020304" pitchFamily="18" charset="0"/>
-                          </a:endParaRPr>
-                        </a:p>
-                      </a:txBody>
-                      <a:tcPr marL="8253" marR="8253" marT="8253" marB="8253" anchor="ctr"/>
-                    </a:tc>
-                    <a:tc>
-                      <a:txBody>
-                        <a:bodyPr/>
-                        <a:lstStyle/>
-                        <a:p>
-                          <a:pPr algn="ctr">
-                            <a:lnSpc>
-                              <a:spcPct val="106000"/>
-                            </a:lnSpc>
-                            <a:spcAft>
-                              <a:spcPts val="800"/>
-                            </a:spcAft>
-                          </a:pPr>
-                          <a:r>
-                            <a:rPr lang="ru-RU" sz="1800">
-                              <a:effectLst/>
-                            </a:rPr>
-                            <a:t>4</a:t>
-                          </a:r>
-                          <a:endParaRPr lang="ru-RU" sz="1200">
-                            <a:effectLst/>
-                            <a:latin typeface="Calibri" panose="020F0502020204030204" pitchFamily="34" charset="0"/>
-                            <a:ea typeface="Calibri" panose="020F0502020204030204" pitchFamily="34" charset="0"/>
-                            <a:cs typeface="Times New Roman" panose="02020603050405020304" pitchFamily="18" charset="0"/>
-                          </a:endParaRPr>
-                        </a:p>
-                      </a:txBody>
-                      <a:tcPr marL="8253" marR="8253" marT="8253" marB="8253" anchor="ctr"/>
-                    </a:tc>
-                    <a:tc>
-                      <a:txBody>
-                        <a:bodyPr/>
-                        <a:lstStyle/>
-                        <a:p>
-                          <a:pPr algn="ctr">
-                            <a:lnSpc>
-                              <a:spcPct val="106000"/>
-                            </a:lnSpc>
-                            <a:spcAft>
-                              <a:spcPts val="800"/>
-                            </a:spcAft>
-                          </a:pPr>
-                          <a:r>
-                            <a:rPr lang="ru-RU" sz="1800" dirty="0">
-                              <a:effectLst/>
-                            </a:rPr>
-                            <a:t>21</a:t>
-                          </a:r>
-                          <a:endParaRPr lang="ru-RU" sz="1200" dirty="0">
-                            <a:effectLst/>
-                            <a:latin typeface="Calibri" panose="020F0502020204030204" pitchFamily="34" charset="0"/>
-                            <a:ea typeface="Calibri" panose="020F0502020204030204" pitchFamily="34" charset="0"/>
-                            <a:cs typeface="Times New Roman" panose="02020603050405020304" pitchFamily="18" charset="0"/>
-                          </a:endParaRPr>
-                        </a:p>
-                      </a:txBody>
-                      <a:tcPr marL="8253" marR="8253" marT="8253" marB="8253" anchor="ctr"/>
-                    </a:tc>
-                    <a:extLst>
-                      <a:ext uri="{0D108BD9-81ED-4DB2-BD59-A6C34878D82A}">
-                        <a16:rowId xmlns:a16="http://schemas.microsoft.com/office/drawing/2014/main" val="534473352"/>
-                      </a:ext>
-                    </a:extLst>
-                  </a:tr>
-                  <a:tr h="326644">
-                    <a:tc>
-                      <a:txBody>
-                        <a:bodyPr/>
-                        <a:lstStyle/>
-                        <a:p>
-                          <a:pPr indent="8255" algn="ctr">
-                            <a:lnSpc>
-                              <a:spcPct val="150000"/>
-                            </a:lnSpc>
-                            <a:spcAft>
-                              <a:spcPts val="0"/>
-                            </a:spcAft>
-                          </a:pPr>
-                          <a:r>
                             <a:rPr lang="ru-RU" sz="1600" dirty="0">
                               <a:effectLst/>
                             </a:rPr>
-                            <a:t>Эксперт 6</a:t>
+                            <a:t>5</a:t>
                           </a:r>
                           <a:endParaRPr lang="ru-RU" sz="1100" dirty="0">
                             <a:effectLst/>
@@ -13321,220 +12429,10 @@
                             </a:spcAft>
                           </a:pPr>
                           <a:r>
-                            <a:rPr lang="ru-RU" sz="1800">
-                              <a:effectLst/>
-                            </a:rPr>
-                            <a:t>1</a:t>
-                          </a:r>
-                          <a:endParaRPr lang="ru-RU" sz="1200">
-                            <a:effectLst/>
-                            <a:latin typeface="Calibri" panose="020F0502020204030204" pitchFamily="34" charset="0"/>
-                            <a:ea typeface="Calibri" panose="020F0502020204030204" pitchFamily="34" charset="0"/>
-                            <a:cs typeface="Times New Roman" panose="02020603050405020304" pitchFamily="18" charset="0"/>
-                          </a:endParaRPr>
-                        </a:p>
-                      </a:txBody>
-                      <a:tcPr marL="63272" marR="63272" marT="0" marB="0" anchor="ctr"/>
-                    </a:tc>
-                    <a:tc>
-                      <a:txBody>
-                        <a:bodyPr/>
-                        <a:lstStyle/>
-                        <a:p>
-                          <a:pPr algn="ctr">
-                            <a:lnSpc>
-                              <a:spcPct val="106000"/>
-                            </a:lnSpc>
-                            <a:spcAft>
-                              <a:spcPts val="800"/>
-                            </a:spcAft>
-                          </a:pPr>
-                          <a:r>
-                            <a:rPr lang="ru-RU" sz="1800" dirty="0">
-                              <a:effectLst/>
-                            </a:rPr>
-                            <a:t>5</a:t>
-                          </a:r>
-                          <a:endParaRPr lang="ru-RU" sz="1200" dirty="0">
-                            <a:effectLst/>
-                            <a:latin typeface="Calibri" panose="020F0502020204030204" pitchFamily="34" charset="0"/>
-                            <a:ea typeface="Calibri" panose="020F0502020204030204" pitchFamily="34" charset="0"/>
-                            <a:cs typeface="Times New Roman" panose="02020603050405020304" pitchFamily="18" charset="0"/>
-                          </a:endParaRPr>
-                        </a:p>
-                      </a:txBody>
-                      <a:tcPr marL="63272" marR="63272" marT="0" marB="0" anchor="ctr"/>
-                    </a:tc>
-                    <a:tc>
-                      <a:txBody>
-                        <a:bodyPr/>
-                        <a:lstStyle/>
-                        <a:p>
-                          <a:pPr algn="ctr">
-                            <a:lnSpc>
-                              <a:spcPct val="106000"/>
-                            </a:lnSpc>
-                            <a:spcAft>
-                              <a:spcPts val="800"/>
-                            </a:spcAft>
-                          </a:pPr>
-                          <a:r>
-                            <a:rPr lang="ru-RU" sz="1800" dirty="0">
-                              <a:effectLst/>
-                            </a:rPr>
-                            <a:t>2</a:t>
-                          </a:r>
-                          <a:endParaRPr lang="ru-RU" sz="1200" dirty="0">
-                            <a:effectLst/>
-                            <a:latin typeface="Calibri" panose="020F0502020204030204" pitchFamily="34" charset="0"/>
-                            <a:ea typeface="Calibri" panose="020F0502020204030204" pitchFamily="34" charset="0"/>
-                            <a:cs typeface="Times New Roman" panose="02020603050405020304" pitchFamily="18" charset="0"/>
-                          </a:endParaRPr>
-                        </a:p>
-                      </a:txBody>
-                      <a:tcPr marL="63272" marR="63272" marT="0" marB="0" anchor="ctr"/>
-                    </a:tc>
-                    <a:tc>
-                      <a:txBody>
-                        <a:bodyPr/>
-                        <a:lstStyle/>
-                        <a:p>
-                          <a:pPr algn="ctr">
-                            <a:lnSpc>
-                              <a:spcPct val="106000"/>
-                            </a:lnSpc>
-                            <a:spcAft>
-                              <a:spcPts val="800"/>
-                            </a:spcAft>
-                          </a:pPr>
-                          <a:r>
-                            <a:rPr lang="ru-RU" sz="1800">
-                              <a:effectLst/>
-                            </a:rPr>
-                            <a:t>6</a:t>
-                          </a:r>
-                          <a:endParaRPr lang="ru-RU" sz="1200">
-                            <a:effectLst/>
-                            <a:latin typeface="Calibri" panose="020F0502020204030204" pitchFamily="34" charset="0"/>
-                            <a:ea typeface="Calibri" panose="020F0502020204030204" pitchFamily="34" charset="0"/>
-                            <a:cs typeface="Times New Roman" panose="02020603050405020304" pitchFamily="18" charset="0"/>
-                          </a:endParaRPr>
-                        </a:p>
-                      </a:txBody>
-                      <a:tcPr marL="8253" marR="8253" marT="8253" marB="8253" anchor="ctr"/>
-                    </a:tc>
-                    <a:tc>
-                      <a:txBody>
-                        <a:bodyPr/>
-                        <a:lstStyle/>
-                        <a:p>
-                          <a:pPr algn="ctr">
-                            <a:lnSpc>
-                              <a:spcPct val="106000"/>
-                            </a:lnSpc>
-                            <a:spcAft>
-                              <a:spcPts val="800"/>
-                            </a:spcAft>
-                          </a:pPr>
-                          <a:r>
-                            <a:rPr lang="ru-RU" sz="1800">
-                              <a:effectLst/>
-                            </a:rPr>
-                            <a:t>4</a:t>
-                          </a:r>
-                          <a:endParaRPr lang="ru-RU" sz="1200">
-                            <a:effectLst/>
-                            <a:latin typeface="Calibri" panose="020F0502020204030204" pitchFamily="34" charset="0"/>
-                            <a:ea typeface="Calibri" panose="020F0502020204030204" pitchFamily="34" charset="0"/>
-                            <a:cs typeface="Times New Roman" panose="02020603050405020304" pitchFamily="18" charset="0"/>
-                          </a:endParaRPr>
-                        </a:p>
-                      </a:txBody>
-                      <a:tcPr marL="8253" marR="8253" marT="8253" marB="8253" anchor="ctr"/>
-                    </a:tc>
-                    <a:tc>
-                      <a:txBody>
-                        <a:bodyPr/>
-                        <a:lstStyle/>
-                        <a:p>
-                          <a:pPr algn="ctr">
-                            <a:lnSpc>
-                              <a:spcPct val="106000"/>
-                            </a:lnSpc>
-                            <a:spcAft>
-                              <a:spcPts val="800"/>
-                            </a:spcAft>
-                          </a:pPr>
-                          <a:r>
-                            <a:rPr lang="ru-RU" sz="1800">
-                              <a:effectLst/>
-                            </a:rPr>
-                            <a:t>3</a:t>
-                          </a:r>
-                          <a:endParaRPr lang="ru-RU" sz="1200">
-                            <a:effectLst/>
-                            <a:latin typeface="Calibri" panose="020F0502020204030204" pitchFamily="34" charset="0"/>
-                            <a:ea typeface="Calibri" panose="020F0502020204030204" pitchFamily="34" charset="0"/>
-                            <a:cs typeface="Times New Roman" panose="02020603050405020304" pitchFamily="18" charset="0"/>
-                          </a:endParaRPr>
-                        </a:p>
-                      </a:txBody>
-                      <a:tcPr marL="8253" marR="8253" marT="8253" marB="8253" anchor="ctr"/>
-                    </a:tc>
-                    <a:tc>
-                      <a:txBody>
-                        <a:bodyPr/>
-                        <a:lstStyle/>
-                        <a:p>
-                          <a:pPr algn="ctr">
-                            <a:lnSpc>
-                              <a:spcPct val="106000"/>
-                            </a:lnSpc>
-                            <a:spcAft>
-                              <a:spcPts val="800"/>
-                            </a:spcAft>
-                          </a:pPr>
-                          <a:r>
-                            <a:rPr lang="ru-RU" sz="1800" dirty="0">
-                              <a:effectLst/>
-                            </a:rPr>
-                            <a:t>21</a:t>
-                          </a:r>
-                          <a:endParaRPr lang="ru-RU" sz="1200" dirty="0">
-                            <a:effectLst/>
-                            <a:latin typeface="Calibri" panose="020F0502020204030204" pitchFamily="34" charset="0"/>
-                            <a:ea typeface="Calibri" panose="020F0502020204030204" pitchFamily="34" charset="0"/>
-                            <a:cs typeface="Times New Roman" panose="02020603050405020304" pitchFamily="18" charset="0"/>
-                          </a:endParaRPr>
-                        </a:p>
-                      </a:txBody>
-                      <a:tcPr marL="8253" marR="8253" marT="8253" marB="8253" anchor="ctr"/>
-                    </a:tc>
-                    <a:extLst>
-                      <a:ext uri="{0D108BD9-81ED-4DB2-BD59-A6C34878D82A}">
-                        <a16:rowId xmlns:a16="http://schemas.microsoft.com/office/drawing/2014/main" val="2534464182"/>
-                      </a:ext>
-                    </a:extLst>
-                  </a:tr>
-                  <a:tr h="326644">
-                    <a:tc>
-                      <a:txBody>
-                        <a:bodyPr/>
-                        <a:lstStyle/>
-                        <a:p>
-                          <a:pPr indent="8255" algn="ctr">
-                            <a:lnSpc>
-                              <a:spcPct val="150000"/>
-                            </a:lnSpc>
-                            <a:spcAft>
-                              <a:spcPts val="0"/>
-                            </a:spcAft>
-                          </a:pPr>
-                          <a:r>
                             <a:rPr lang="ru-RU" sz="1600" dirty="0">
                               <a:effectLst/>
                             </a:rPr>
-                            <a:t>Эксперт 7</a:t>
+                            <a:t>1</a:t>
                           </a:r>
                           <a:endParaRPr lang="ru-RU" sz="1100" dirty="0">
                             <a:effectLst/>
@@ -13560,12 +12458,12 @@
                             </a:spcAft>
                           </a:pPr>
                           <a:r>
-                            <a:rPr lang="ru-RU" sz="1800">
+                            <a:rPr lang="ru-RU" sz="1600">
                               <a:effectLst/>
                             </a:rPr>
-                            <a:t>3</a:t>
+                            <a:t>6</a:t>
                           </a:r>
-                          <a:endParaRPr lang="ru-RU" sz="1200">
+                          <a:endParaRPr lang="ru-RU" sz="1100">
                             <a:effectLst/>
                             <a:latin typeface="Calibri" panose="020F0502020204030204" pitchFamily="34" charset="0"/>
                             <a:ea typeface="Calibri" panose="020F0502020204030204" pitchFamily="34" charset="0"/>
@@ -13573,7 +12471,7 @@
                           </a:endParaRPr>
                         </a:p>
                       </a:txBody>
-                      <a:tcPr marL="63272" marR="63272" marT="0" marB="0" anchor="ctr"/>
+                      <a:tcPr marL="8253" marR="8253" marT="8253" marB="8253" anchor="ctr"/>
                     </a:tc>
                     <a:tc>
                       <a:txBody>
@@ -13589,12 +12487,12 @@
                             </a:spcAft>
                           </a:pPr>
                           <a:r>
-                            <a:rPr lang="ru-RU" sz="1800" dirty="0">
+                            <a:rPr lang="ru-RU" sz="1600">
                               <a:effectLst/>
                             </a:rPr>
                             <a:t>4</a:t>
                           </a:r>
-                          <a:endParaRPr lang="ru-RU" sz="1200" dirty="0">
+                          <a:endParaRPr lang="ru-RU" sz="1100">
                             <a:effectLst/>
                             <a:latin typeface="Calibri" panose="020F0502020204030204" pitchFamily="34" charset="0"/>
                             <a:ea typeface="Calibri" panose="020F0502020204030204" pitchFamily="34" charset="0"/>
@@ -13602,7 +12500,7 @@
                           </a:endParaRPr>
                         </a:p>
                       </a:txBody>
-                      <a:tcPr marL="63272" marR="63272" marT="0" marB="0" anchor="ctr"/>
+                      <a:tcPr marL="8253" marR="8253" marT="8253" marB="8253" anchor="ctr"/>
                     </a:tc>
                     <a:tc>
                       <a:txBody>
@@ -13618,12 +12516,12 @@
                             </a:spcAft>
                           </a:pPr>
                           <a:r>
-                            <a:rPr lang="ru-RU" sz="1800" dirty="0">
+                            <a:rPr lang="ru-RU" sz="1600">
                               <a:effectLst/>
                             </a:rPr>
-                            <a:t>1</a:t>
+                            <a:t>3</a:t>
                           </a:r>
-                          <a:endParaRPr lang="ru-RU" sz="1200" dirty="0">
+                          <a:endParaRPr lang="ru-RU" sz="1100">
                             <a:effectLst/>
                             <a:latin typeface="Calibri" panose="020F0502020204030204" pitchFamily="34" charset="0"/>
                             <a:ea typeface="Calibri" panose="020F0502020204030204" pitchFamily="34" charset="0"/>
@@ -13631,7 +12529,7 @@
                           </a:endParaRPr>
                         </a:p>
                       </a:txBody>
-                      <a:tcPr marL="63272" marR="63272" marT="0" marB="0" anchor="ctr"/>
+                      <a:tcPr marL="8253" marR="8253" marT="8253" marB="8253" anchor="ctr"/>
                     </a:tc>
                     <a:tc>
                       <a:txBody>
@@ -13644,136 +12542,13 @@
                             </a:lnSpc>
                             <a:spcAft>
                               <a:spcPts val="800"/>
-                            </a:spcAft>
-                          </a:pPr>
-                          <a:r>
-                            <a:rPr lang="ru-RU" sz="1800">
-                              <a:effectLst/>
-                            </a:rPr>
-                            <a:t>5</a:t>
-                          </a:r>
-                          <a:endParaRPr lang="ru-RU" sz="1200">
-                            <a:effectLst/>
-                            <a:latin typeface="Calibri" panose="020F0502020204030204" pitchFamily="34" charset="0"/>
-                            <a:ea typeface="Calibri" panose="020F0502020204030204" pitchFamily="34" charset="0"/>
-                            <a:cs typeface="Times New Roman" panose="02020603050405020304" pitchFamily="18" charset="0"/>
-                          </a:endParaRPr>
-                        </a:p>
-                      </a:txBody>
-                      <a:tcPr marL="8253" marR="8253" marT="8253" marB="8253" anchor="ctr"/>
-                    </a:tc>
-                    <a:tc>
-                      <a:txBody>
-                        <a:bodyPr/>
-                        <a:lstStyle/>
-                        <a:p>
-                          <a:pPr algn="ctr">
-                            <a:lnSpc>
-                              <a:spcPct val="106000"/>
-                            </a:lnSpc>
-                            <a:spcAft>
-                              <a:spcPts val="800"/>
-                            </a:spcAft>
-                          </a:pPr>
-                          <a:r>
-                            <a:rPr lang="ru-RU" sz="1800">
-                              <a:effectLst/>
-                            </a:rPr>
-                            <a:t>2</a:t>
-                          </a:r>
-                          <a:endParaRPr lang="ru-RU" sz="1200">
-                            <a:effectLst/>
-                            <a:latin typeface="Calibri" panose="020F0502020204030204" pitchFamily="34" charset="0"/>
-                            <a:ea typeface="Calibri" panose="020F0502020204030204" pitchFamily="34" charset="0"/>
-                            <a:cs typeface="Times New Roman" panose="02020603050405020304" pitchFamily="18" charset="0"/>
-                          </a:endParaRPr>
-                        </a:p>
-                      </a:txBody>
-                      <a:tcPr marL="8253" marR="8253" marT="8253" marB="8253" anchor="ctr"/>
-                    </a:tc>
-                    <a:tc>
-                      <a:txBody>
-                        <a:bodyPr/>
-                        <a:lstStyle/>
-                        <a:p>
-                          <a:pPr algn="ctr">
-                            <a:lnSpc>
-                              <a:spcPct val="106000"/>
-                            </a:lnSpc>
-                            <a:spcAft>
-                              <a:spcPts val="800"/>
-                            </a:spcAft>
-                          </a:pPr>
-                          <a:r>
-                            <a:rPr lang="ru-RU" sz="1800">
-                              <a:effectLst/>
-                            </a:rPr>
-                            <a:t>6</a:t>
-                          </a:r>
-                          <a:endParaRPr lang="ru-RU" sz="1200">
-                            <a:effectLst/>
-                            <a:latin typeface="Calibri" panose="020F0502020204030204" pitchFamily="34" charset="0"/>
-                            <a:ea typeface="Calibri" panose="020F0502020204030204" pitchFamily="34" charset="0"/>
-                            <a:cs typeface="Times New Roman" panose="02020603050405020304" pitchFamily="18" charset="0"/>
-                          </a:endParaRPr>
-                        </a:p>
-                      </a:txBody>
-                      <a:tcPr marL="8253" marR="8253" marT="8253" marB="8253" anchor="ctr"/>
-                    </a:tc>
-                    <a:tc>
-                      <a:txBody>
-                        <a:bodyPr/>
-                        <a:lstStyle/>
-                        <a:p>
-                          <a:pPr algn="ctr">
-                            <a:lnSpc>
-                              <a:spcPct val="106000"/>
-                            </a:lnSpc>
-                            <a:spcAft>
-                              <a:spcPts val="800"/>
-                            </a:spcAft>
-                          </a:pPr>
-                          <a:r>
-                            <a:rPr lang="ru-RU" sz="1800" dirty="0">
-                              <a:effectLst/>
-                            </a:rPr>
-                            <a:t>21</a:t>
-                          </a:r>
-                          <a:endParaRPr lang="ru-RU" sz="1200" dirty="0">
-                            <a:effectLst/>
-                            <a:latin typeface="Calibri" panose="020F0502020204030204" pitchFamily="34" charset="0"/>
-                            <a:ea typeface="Calibri" panose="020F0502020204030204" pitchFamily="34" charset="0"/>
-                            <a:cs typeface="Times New Roman" panose="02020603050405020304" pitchFamily="18" charset="0"/>
-                          </a:endParaRPr>
-                        </a:p>
-                      </a:txBody>
-                      <a:tcPr marL="8253" marR="8253" marT="8253" marB="8253" anchor="ctr"/>
-                    </a:tc>
-                    <a:extLst>
-                      <a:ext uri="{0D108BD9-81ED-4DB2-BD59-A6C34878D82A}">
-                        <a16:rowId xmlns:a16="http://schemas.microsoft.com/office/drawing/2014/main" val="2348352899"/>
-                      </a:ext>
-                    </a:extLst>
-                  </a:tr>
-                  <a:tr h="326644">
-                    <a:tc>
-                      <a:txBody>
-                        <a:bodyPr/>
-                        <a:lstStyle/>
-                        <a:p>
-                          <a:pPr indent="8255" algn="ctr">
-                            <a:lnSpc>
-                              <a:spcPct val="150000"/>
-                            </a:lnSpc>
-                            <a:spcAft>
-                              <a:spcPts val="0"/>
                             </a:spcAft>
                           </a:pPr>
                           <a:r>
                             <a:rPr lang="ru-RU" sz="1600" dirty="0">
                               <a:effectLst/>
                             </a:rPr>
-                            <a:t>Эксперт 8</a:t>
+                            <a:t>21</a:t>
                           </a:r>
                           <a:endParaRPr lang="ru-RU" sz="1100" dirty="0">
                             <a:effectLst/>
@@ -13783,28 +12558,35 @@
                           </a:endParaRPr>
                         </a:p>
                       </a:txBody>
-                      <a:tcPr marL="63272" marR="63272" marT="0" marB="0" anchor="ctr"/>
-                    </a:tc>
-                    <a:tc>
-                      <a:txBody>
-                        <a:bodyPr/>
-                        <a:lstStyle/>
-                        <a:p>
-                          <a:pPr algn="ctr">
-                            <a:lnSpc>
-                              <a:spcPct val="106000"/>
-                            </a:lnSpc>
-                            <a:spcAft>
-                              <a:spcPts val="800"/>
+                      <a:tcPr marL="8253" marR="8253" marT="8253" marB="8253" anchor="ctr"/>
+                    </a:tc>
+                    <a:extLst>
+                      <a:ext uri="{0D108BD9-81ED-4DB2-BD59-A6C34878D82A}">
+                        <a16:rowId xmlns:a16="http://schemas.microsoft.com/office/drawing/2014/main" val="2565140641"/>
+                      </a:ext>
+                    </a:extLst>
+                  </a:tr>
+                  <a:tr h="285814">
+                    <a:tc>
+                      <a:txBody>
+                        <a:bodyPr/>
+                        <a:lstStyle/>
+                        <a:p>
+                          <a:pPr indent="8255" algn="ctr">
+                            <a:lnSpc>
+                              <a:spcPct val="150000"/>
+                            </a:lnSpc>
+                            <a:spcAft>
+                              <a:spcPts val="0"/>
                             </a:spcAft>
                           </a:pPr>
                           <a:r>
-                            <a:rPr lang="ru-RU" sz="1800">
+                            <a:rPr lang="ru-RU" sz="1400" dirty="0">
                               <a:effectLst/>
                             </a:rPr>
-                            <a:t>1</a:t>
+                            <a:t>Эксперт 3</a:t>
                           </a:r>
-                          <a:endParaRPr lang="ru-RU" sz="1200">
+                          <a:endParaRPr lang="ru-RU" sz="1050" dirty="0">
                             <a:effectLst/>
                             <a:latin typeface="Calibri" panose="020F0502020204030204" pitchFamily="34" charset="0"/>
                             <a:ea typeface="Calibri" panose="020F0502020204030204" pitchFamily="34" charset="0"/>
@@ -13828,191 +12610,10 @@
                             </a:spcAft>
                           </a:pPr>
                           <a:r>
-                            <a:rPr lang="ru-RU" sz="1800">
-                              <a:effectLst/>
-                            </a:rPr>
-                            <a:t>5</a:t>
-                          </a:r>
-                          <a:endParaRPr lang="ru-RU" sz="1200">
-                            <a:effectLst/>
-                            <a:latin typeface="Calibri" panose="020F0502020204030204" pitchFamily="34" charset="0"/>
-                            <a:ea typeface="Calibri" panose="020F0502020204030204" pitchFamily="34" charset="0"/>
-                            <a:cs typeface="Times New Roman" panose="02020603050405020304" pitchFamily="18" charset="0"/>
-                          </a:endParaRPr>
-                        </a:p>
-                      </a:txBody>
-                      <a:tcPr marL="63272" marR="63272" marT="0" marB="0" anchor="ctr"/>
-                    </a:tc>
-                    <a:tc>
-                      <a:txBody>
-                        <a:bodyPr/>
-                        <a:lstStyle/>
-                        <a:p>
-                          <a:pPr algn="ctr">
-                            <a:lnSpc>
-                              <a:spcPct val="106000"/>
-                            </a:lnSpc>
-                            <a:spcAft>
-                              <a:spcPts val="800"/>
-                            </a:spcAft>
-                          </a:pPr>
-                          <a:r>
-                            <a:rPr lang="ru-RU" sz="1800" dirty="0">
-                              <a:effectLst/>
-                            </a:rPr>
-                            <a:t>2</a:t>
-                          </a:r>
-                          <a:endParaRPr lang="ru-RU" sz="1200" dirty="0">
-                            <a:effectLst/>
-                            <a:latin typeface="Calibri" panose="020F0502020204030204" pitchFamily="34" charset="0"/>
-                            <a:ea typeface="Calibri" panose="020F0502020204030204" pitchFamily="34" charset="0"/>
-                            <a:cs typeface="Times New Roman" panose="02020603050405020304" pitchFamily="18" charset="0"/>
-                          </a:endParaRPr>
-                        </a:p>
-                      </a:txBody>
-                      <a:tcPr marL="63272" marR="63272" marT="0" marB="0" anchor="ctr"/>
-                    </a:tc>
-                    <a:tc>
-                      <a:txBody>
-                        <a:bodyPr/>
-                        <a:lstStyle/>
-                        <a:p>
-                          <a:pPr algn="ctr">
-                            <a:lnSpc>
-                              <a:spcPct val="106000"/>
-                            </a:lnSpc>
-                            <a:spcAft>
-                              <a:spcPts val="800"/>
-                            </a:spcAft>
-                          </a:pPr>
-                          <a:r>
-                            <a:rPr lang="ru-RU" sz="1800" dirty="0">
-                              <a:effectLst/>
-                            </a:rPr>
-                            <a:t>6</a:t>
-                          </a:r>
-                          <a:endParaRPr lang="ru-RU" sz="1200" dirty="0">
-                            <a:effectLst/>
-                            <a:latin typeface="Calibri" panose="020F0502020204030204" pitchFamily="34" charset="0"/>
-                            <a:ea typeface="Calibri" panose="020F0502020204030204" pitchFamily="34" charset="0"/>
-                            <a:cs typeface="Times New Roman" panose="02020603050405020304" pitchFamily="18" charset="0"/>
-                          </a:endParaRPr>
-                        </a:p>
-                      </a:txBody>
-                      <a:tcPr marL="8253" marR="8253" marT="8253" marB="8253" anchor="ctr"/>
-                    </a:tc>
-                    <a:tc>
-                      <a:txBody>
-                        <a:bodyPr/>
-                        <a:lstStyle/>
-                        <a:p>
-                          <a:pPr algn="ctr">
-                            <a:lnSpc>
-                              <a:spcPct val="106000"/>
-                            </a:lnSpc>
-                            <a:spcAft>
-                              <a:spcPts val="800"/>
-                            </a:spcAft>
-                          </a:pPr>
-                          <a:r>
-                            <a:rPr lang="ru-RU" sz="1800">
-                              <a:effectLst/>
-                            </a:rPr>
-                            <a:t>3</a:t>
-                          </a:r>
-                          <a:endParaRPr lang="ru-RU" sz="1200">
-                            <a:effectLst/>
-                            <a:latin typeface="Calibri" panose="020F0502020204030204" pitchFamily="34" charset="0"/>
-                            <a:ea typeface="Calibri" panose="020F0502020204030204" pitchFamily="34" charset="0"/>
-                            <a:cs typeface="Times New Roman" panose="02020603050405020304" pitchFamily="18" charset="0"/>
-                          </a:endParaRPr>
-                        </a:p>
-                      </a:txBody>
-                      <a:tcPr marL="8253" marR="8253" marT="8253" marB="8253" anchor="ctr"/>
-                    </a:tc>
-                    <a:tc>
-                      <a:txBody>
-                        <a:bodyPr/>
-                        <a:lstStyle/>
-                        <a:p>
-                          <a:pPr algn="ctr">
-                            <a:lnSpc>
-                              <a:spcPct val="106000"/>
-                            </a:lnSpc>
-                            <a:spcAft>
-                              <a:spcPts val="800"/>
-                            </a:spcAft>
-                          </a:pPr>
-                          <a:r>
-                            <a:rPr lang="ru-RU" sz="1800">
-                              <a:effectLst/>
-                            </a:rPr>
-                            <a:t>4</a:t>
-                          </a:r>
-                          <a:endParaRPr lang="ru-RU" sz="1200">
-                            <a:effectLst/>
-                            <a:latin typeface="Calibri" panose="020F0502020204030204" pitchFamily="34" charset="0"/>
-                            <a:ea typeface="Calibri" panose="020F0502020204030204" pitchFamily="34" charset="0"/>
-                            <a:cs typeface="Times New Roman" panose="02020603050405020304" pitchFamily="18" charset="0"/>
-                          </a:endParaRPr>
-                        </a:p>
-                      </a:txBody>
-                      <a:tcPr marL="8253" marR="8253" marT="8253" marB="8253" anchor="ctr"/>
-                    </a:tc>
-                    <a:tc>
-                      <a:txBody>
-                        <a:bodyPr/>
-                        <a:lstStyle/>
-                        <a:p>
-                          <a:pPr algn="ctr">
-                            <a:lnSpc>
-                              <a:spcPct val="106000"/>
-                            </a:lnSpc>
-                            <a:spcAft>
-                              <a:spcPts val="800"/>
-                            </a:spcAft>
-                          </a:pPr>
-                          <a:r>
-                            <a:rPr lang="ru-RU" sz="1800" dirty="0">
-                              <a:effectLst/>
-                            </a:rPr>
-                            <a:t>21</a:t>
-                          </a:r>
-                          <a:endParaRPr lang="ru-RU" sz="1200" dirty="0">
-                            <a:effectLst/>
-                            <a:latin typeface="Calibri" panose="020F0502020204030204" pitchFamily="34" charset="0"/>
-                            <a:ea typeface="Calibri" panose="020F0502020204030204" pitchFamily="34" charset="0"/>
-                            <a:cs typeface="Times New Roman" panose="02020603050405020304" pitchFamily="18" charset="0"/>
-                          </a:endParaRPr>
-                        </a:p>
-                      </a:txBody>
-                      <a:tcPr marL="8253" marR="8253" marT="8253" marB="8253" anchor="ctr"/>
-                    </a:tc>
-                    <a:extLst>
-                      <a:ext uri="{0D108BD9-81ED-4DB2-BD59-A6C34878D82A}">
-                        <a16:rowId xmlns:a16="http://schemas.microsoft.com/office/drawing/2014/main" val="4137046555"/>
-                      </a:ext>
-                    </a:extLst>
-                  </a:tr>
-                  <a:tr h="326644">
-                    <a:tc>
-                      <a:txBody>
-                        <a:bodyPr/>
-                        <a:lstStyle/>
-                        <a:p>
-                          <a:pPr indent="8255" algn="ctr">
-                            <a:lnSpc>
-                              <a:spcPct val="150000"/>
-                            </a:lnSpc>
-                            <a:spcAft>
-                              <a:spcPts val="0"/>
-                            </a:spcAft>
-                          </a:pPr>
-                          <a:r>
                             <a:rPr lang="ru-RU" sz="1600" dirty="0">
                               <a:effectLst/>
                             </a:rPr>
-                            <a:t>Эксперт 9</a:t>
+                            <a:t>1</a:t>
                           </a:r>
                           <a:endParaRPr lang="ru-RU" sz="1100" dirty="0">
                             <a:effectLst/>
@@ -14038,220 +12639,10 @@
                             </a:spcAft>
                           </a:pPr>
                           <a:r>
-                            <a:rPr lang="ru-RU" sz="1800">
-                              <a:effectLst/>
-                            </a:rPr>
-                            <a:t>2</a:t>
-                          </a:r>
-                          <a:endParaRPr lang="ru-RU" sz="1200">
-                            <a:effectLst/>
-                            <a:latin typeface="Calibri" panose="020F0502020204030204" pitchFamily="34" charset="0"/>
-                            <a:ea typeface="Calibri" panose="020F0502020204030204" pitchFamily="34" charset="0"/>
-                            <a:cs typeface="Times New Roman" panose="02020603050405020304" pitchFamily="18" charset="0"/>
-                          </a:endParaRPr>
-                        </a:p>
-                      </a:txBody>
-                      <a:tcPr marL="63272" marR="63272" marT="0" marB="0" anchor="ctr"/>
-                    </a:tc>
-                    <a:tc>
-                      <a:txBody>
-                        <a:bodyPr/>
-                        <a:lstStyle/>
-                        <a:p>
-                          <a:pPr algn="ctr">
-                            <a:lnSpc>
-                              <a:spcPct val="106000"/>
-                            </a:lnSpc>
-                            <a:spcAft>
-                              <a:spcPts val="800"/>
-                            </a:spcAft>
-                          </a:pPr>
-                          <a:r>
-                            <a:rPr lang="ru-RU" sz="1800">
-                              <a:effectLst/>
-                            </a:rPr>
-                            <a:t>3</a:t>
-                          </a:r>
-                          <a:endParaRPr lang="ru-RU" sz="1200">
-                            <a:effectLst/>
-                            <a:latin typeface="Calibri" panose="020F0502020204030204" pitchFamily="34" charset="0"/>
-                            <a:ea typeface="Calibri" panose="020F0502020204030204" pitchFamily="34" charset="0"/>
-                            <a:cs typeface="Times New Roman" panose="02020603050405020304" pitchFamily="18" charset="0"/>
-                          </a:endParaRPr>
-                        </a:p>
-                      </a:txBody>
-                      <a:tcPr marL="63272" marR="63272" marT="0" marB="0" anchor="ctr"/>
-                    </a:tc>
-                    <a:tc>
-                      <a:txBody>
-                        <a:bodyPr/>
-                        <a:lstStyle/>
-                        <a:p>
-                          <a:pPr algn="ctr">
-                            <a:lnSpc>
-                              <a:spcPct val="106000"/>
-                            </a:lnSpc>
-                            <a:spcAft>
-                              <a:spcPts val="800"/>
-                            </a:spcAft>
-                          </a:pPr>
-                          <a:r>
-                            <a:rPr lang="ru-RU" sz="1800" dirty="0">
-                              <a:effectLst/>
-                            </a:rPr>
-                            <a:t>1</a:t>
-                          </a:r>
-                          <a:endParaRPr lang="ru-RU" sz="1200" dirty="0">
-                            <a:effectLst/>
-                            <a:latin typeface="Calibri" panose="020F0502020204030204" pitchFamily="34" charset="0"/>
-                            <a:ea typeface="Calibri" panose="020F0502020204030204" pitchFamily="34" charset="0"/>
-                            <a:cs typeface="Times New Roman" panose="02020603050405020304" pitchFamily="18" charset="0"/>
-                          </a:endParaRPr>
-                        </a:p>
-                      </a:txBody>
-                      <a:tcPr marL="63272" marR="63272" marT="0" marB="0" anchor="ctr"/>
-                    </a:tc>
-                    <a:tc>
-                      <a:txBody>
-                        <a:bodyPr/>
-                        <a:lstStyle/>
-                        <a:p>
-                          <a:pPr algn="ctr">
-                            <a:lnSpc>
-                              <a:spcPct val="106000"/>
-                            </a:lnSpc>
-                            <a:spcAft>
-                              <a:spcPts val="800"/>
-                            </a:spcAft>
-                          </a:pPr>
-                          <a:r>
-                            <a:rPr lang="ru-RU" sz="1800" dirty="0">
-                              <a:effectLst/>
-                            </a:rPr>
-                            <a:t>4</a:t>
-                          </a:r>
-                          <a:endParaRPr lang="ru-RU" sz="1200" dirty="0">
-                            <a:effectLst/>
-                            <a:latin typeface="Calibri" panose="020F0502020204030204" pitchFamily="34" charset="0"/>
-                            <a:ea typeface="Calibri" panose="020F0502020204030204" pitchFamily="34" charset="0"/>
-                            <a:cs typeface="Times New Roman" panose="02020603050405020304" pitchFamily="18" charset="0"/>
-                          </a:endParaRPr>
-                        </a:p>
-                      </a:txBody>
-                      <a:tcPr marL="8253" marR="8253" marT="8253" marB="8253" anchor="ctr"/>
-                    </a:tc>
-                    <a:tc>
-                      <a:txBody>
-                        <a:bodyPr/>
-                        <a:lstStyle/>
-                        <a:p>
-                          <a:pPr algn="ctr">
-                            <a:lnSpc>
-                              <a:spcPct val="106000"/>
-                            </a:lnSpc>
-                            <a:spcAft>
-                              <a:spcPts val="800"/>
-                            </a:spcAft>
-                          </a:pPr>
-                          <a:r>
-                            <a:rPr lang="ru-RU" sz="1800" dirty="0">
-                              <a:effectLst/>
-                            </a:rPr>
-                            <a:t>6</a:t>
-                          </a:r>
-                          <a:endParaRPr lang="ru-RU" sz="1200" dirty="0">
-                            <a:effectLst/>
-                            <a:latin typeface="Calibri" panose="020F0502020204030204" pitchFamily="34" charset="0"/>
-                            <a:ea typeface="Calibri" panose="020F0502020204030204" pitchFamily="34" charset="0"/>
-                            <a:cs typeface="Times New Roman" panose="02020603050405020304" pitchFamily="18" charset="0"/>
-                          </a:endParaRPr>
-                        </a:p>
-                      </a:txBody>
-                      <a:tcPr marL="8253" marR="8253" marT="8253" marB="8253" anchor="ctr"/>
-                    </a:tc>
-                    <a:tc>
-                      <a:txBody>
-                        <a:bodyPr/>
-                        <a:lstStyle/>
-                        <a:p>
-                          <a:pPr algn="ctr">
-                            <a:lnSpc>
-                              <a:spcPct val="106000"/>
-                            </a:lnSpc>
-                            <a:spcAft>
-                              <a:spcPts val="800"/>
-                            </a:spcAft>
-                          </a:pPr>
-                          <a:r>
-                            <a:rPr lang="ru-RU" sz="1800">
-                              <a:effectLst/>
-                            </a:rPr>
-                            <a:t>5</a:t>
-                          </a:r>
-                          <a:endParaRPr lang="ru-RU" sz="1200">
-                            <a:effectLst/>
-                            <a:latin typeface="Calibri" panose="020F0502020204030204" pitchFamily="34" charset="0"/>
-                            <a:ea typeface="Calibri" panose="020F0502020204030204" pitchFamily="34" charset="0"/>
-                            <a:cs typeface="Times New Roman" panose="02020603050405020304" pitchFamily="18" charset="0"/>
-                          </a:endParaRPr>
-                        </a:p>
-                      </a:txBody>
-                      <a:tcPr marL="8253" marR="8253" marT="8253" marB="8253" anchor="ctr"/>
-                    </a:tc>
-                    <a:tc>
-                      <a:txBody>
-                        <a:bodyPr/>
-                        <a:lstStyle/>
-                        <a:p>
-                          <a:pPr algn="ctr">
-                            <a:lnSpc>
-                              <a:spcPct val="106000"/>
-                            </a:lnSpc>
-                            <a:spcAft>
-                              <a:spcPts val="800"/>
-                            </a:spcAft>
-                          </a:pPr>
-                          <a:r>
-                            <a:rPr lang="ru-RU" sz="1800" dirty="0">
-                              <a:effectLst/>
-                            </a:rPr>
-                            <a:t>21</a:t>
-                          </a:r>
-                          <a:endParaRPr lang="ru-RU" sz="1200" dirty="0">
-                            <a:effectLst/>
-                            <a:latin typeface="Calibri" panose="020F0502020204030204" pitchFamily="34" charset="0"/>
-                            <a:ea typeface="Calibri" panose="020F0502020204030204" pitchFamily="34" charset="0"/>
-                            <a:cs typeface="Times New Roman" panose="02020603050405020304" pitchFamily="18" charset="0"/>
-                          </a:endParaRPr>
-                        </a:p>
-                      </a:txBody>
-                      <a:tcPr marL="8253" marR="8253" marT="8253" marB="8253" anchor="ctr"/>
-                    </a:tc>
-                    <a:extLst>
-                      <a:ext uri="{0D108BD9-81ED-4DB2-BD59-A6C34878D82A}">
-                        <a16:rowId xmlns:a16="http://schemas.microsoft.com/office/drawing/2014/main" val="2891048993"/>
-                      </a:ext>
-                    </a:extLst>
-                  </a:tr>
-                  <a:tr h="326644">
-                    <a:tc>
-                      <a:txBody>
-                        <a:bodyPr/>
-                        <a:lstStyle/>
-                        <a:p>
-                          <a:pPr indent="8255" algn="ctr">
-                            <a:lnSpc>
-                              <a:spcPct val="150000"/>
-                            </a:lnSpc>
-                            <a:spcAft>
-                              <a:spcPts val="0"/>
-                            </a:spcAft>
-                          </a:pPr>
-                          <a:r>
                             <a:rPr lang="ru-RU" sz="1600" dirty="0">
                               <a:effectLst/>
                             </a:rPr>
-                            <a:t>Эксперт 10</a:t>
+                            <a:t>4</a:t>
                           </a:r>
                           <a:endParaRPr lang="ru-RU" sz="1100" dirty="0">
                             <a:effectLst/>
@@ -14277,12 +12668,12 @@
                             </a:spcAft>
                           </a:pPr>
                           <a:r>
-                            <a:rPr lang="ru-RU" sz="1800">
+                            <a:rPr lang="ru-RU" sz="1600" dirty="0">
                               <a:effectLst/>
                             </a:rPr>
-                            <a:t>1</a:t>
+                            <a:t>2</a:t>
                           </a:r>
-                          <a:endParaRPr lang="ru-RU" sz="1200">
+                          <a:endParaRPr lang="ru-RU" sz="1100" dirty="0">
                             <a:effectLst/>
                             <a:latin typeface="Calibri" panose="020F0502020204030204" pitchFamily="34" charset="0"/>
                             <a:ea typeface="Calibri" panose="020F0502020204030204" pitchFamily="34" charset="0"/>
@@ -14306,12 +12697,12 @@
                             </a:spcAft>
                           </a:pPr>
                           <a:r>
-                            <a:rPr lang="ru-RU" sz="1800">
+                            <a:rPr lang="ru-RU" sz="1600" dirty="0">
                               <a:effectLst/>
                             </a:rPr>
-                            <a:t>4</a:t>
+                            <a:t>6</a:t>
                           </a:r>
-                          <a:endParaRPr lang="ru-RU" sz="1200">
+                          <a:endParaRPr lang="ru-RU" sz="1100" dirty="0">
                             <a:effectLst/>
                             <a:latin typeface="Calibri" panose="020F0502020204030204" pitchFamily="34" charset="0"/>
                             <a:ea typeface="Calibri" panose="020F0502020204030204" pitchFamily="34" charset="0"/>
@@ -14319,7 +12710,7 @@
                           </a:endParaRPr>
                         </a:p>
                       </a:txBody>
-                      <a:tcPr marL="63272" marR="63272" marT="0" marB="0" anchor="ctr"/>
+                      <a:tcPr marL="8253" marR="8253" marT="8253" marB="8253" anchor="ctr"/>
                     </a:tc>
                     <a:tc>
                       <a:txBody>
@@ -14335,12 +12726,12 @@
                             </a:spcAft>
                           </a:pPr>
                           <a:r>
-                            <a:rPr lang="ru-RU" sz="1800">
+                            <a:rPr lang="ru-RU" sz="1600" dirty="0">
                               <a:effectLst/>
                             </a:rPr>
-                            <a:t>2</a:t>
+                            <a:t>5</a:t>
                           </a:r>
-                          <a:endParaRPr lang="ru-RU" sz="1200">
+                          <a:endParaRPr lang="ru-RU" sz="1100" dirty="0">
                             <a:effectLst/>
                             <a:latin typeface="Calibri" panose="020F0502020204030204" pitchFamily="34" charset="0"/>
                             <a:ea typeface="Calibri" panose="020F0502020204030204" pitchFamily="34" charset="0"/>
@@ -14348,7 +12739,7 @@
                           </a:endParaRPr>
                         </a:p>
                       </a:txBody>
-                      <a:tcPr marL="63272" marR="63272" marT="0" marB="0" anchor="ctr"/>
+                      <a:tcPr marL="8253" marR="8253" marT="8253" marB="8253" anchor="ctr"/>
                     </a:tc>
                     <a:tc>
                       <a:txBody>
@@ -14364,12 +12755,12 @@
                             </a:spcAft>
                           </a:pPr>
                           <a:r>
-                            <a:rPr lang="ru-RU" sz="1800" dirty="0">
+                            <a:rPr lang="ru-RU" sz="1600" dirty="0">
                               <a:effectLst/>
                             </a:rPr>
-                            <a:t>6</a:t>
+                            <a:t>3</a:t>
                           </a:r>
-                          <a:endParaRPr lang="ru-RU" sz="1200" dirty="0">
+                          <a:endParaRPr lang="ru-RU" sz="1100" dirty="0">
                             <a:effectLst/>
                             <a:latin typeface="Calibri" panose="020F0502020204030204" pitchFamily="34" charset="0"/>
                             <a:ea typeface="Calibri" panose="020F0502020204030204" pitchFamily="34" charset="0"/>
@@ -14393,12 +12784,12 @@
                             </a:spcAft>
                           </a:pPr>
                           <a:r>
-                            <a:rPr lang="ru-RU" sz="1800" dirty="0">
+                            <a:rPr lang="ru-RU" sz="1600" dirty="0">
                               <a:effectLst/>
                             </a:rPr>
-                            <a:t>3</a:t>
+                            <a:t>21</a:t>
                           </a:r>
-                          <a:endParaRPr lang="ru-RU" sz="1200" dirty="0">
+                          <a:endParaRPr lang="ru-RU" sz="1100" dirty="0">
                             <a:effectLst/>
                             <a:latin typeface="Calibri" panose="020F0502020204030204" pitchFamily="34" charset="0"/>
                             <a:ea typeface="Calibri" panose="020F0502020204030204" pitchFamily="34" charset="0"/>
@@ -14408,26 +12799,33 @@
                       </a:txBody>
                       <a:tcPr marL="8253" marR="8253" marT="8253" marB="8253" anchor="ctr"/>
                     </a:tc>
-                    <a:tc>
-                      <a:txBody>
-                        <a:bodyPr/>
-                        <a:lstStyle/>
-                        <a:p>
-                          <a:pPr algn="ctr">
-                            <a:lnSpc>
-                              <a:spcPct val="106000"/>
-                            </a:lnSpc>
-                            <a:spcAft>
-                              <a:spcPts val="800"/>
+                    <a:extLst>
+                      <a:ext uri="{0D108BD9-81ED-4DB2-BD59-A6C34878D82A}">
+                        <a16:rowId xmlns:a16="http://schemas.microsoft.com/office/drawing/2014/main" val="4217999156"/>
+                      </a:ext>
+                    </a:extLst>
+                  </a:tr>
+                  <a:tr h="285814">
+                    <a:tc>
+                      <a:txBody>
+                        <a:bodyPr/>
+                        <a:lstStyle/>
+                        <a:p>
+                          <a:pPr indent="8255" algn="ctr">
+                            <a:lnSpc>
+                              <a:spcPct val="150000"/>
+                            </a:lnSpc>
+                            <a:spcAft>
+                              <a:spcPts val="0"/>
                             </a:spcAft>
                           </a:pPr>
                           <a:r>
-                            <a:rPr lang="ru-RU" sz="1800" dirty="0">
+                            <a:rPr lang="ru-RU" sz="1400" dirty="0">
                               <a:effectLst/>
                             </a:rPr>
-                            <a:t>5</a:t>
+                            <a:t>Эксперт 4</a:t>
                           </a:r>
-                          <a:endParaRPr lang="ru-RU" sz="1200" dirty="0">
+                          <a:endParaRPr lang="ru-RU" sz="1050" dirty="0">
                             <a:effectLst/>
                             <a:latin typeface="Calibri" panose="020F0502020204030204" pitchFamily="34" charset="0"/>
                             <a:ea typeface="Calibri" panose="020F0502020204030204" pitchFamily="34" charset="0"/>
@@ -14435,6 +12833,122 @@
                           </a:endParaRPr>
                         </a:p>
                       </a:txBody>
+                      <a:tcPr marL="63272" marR="63272" marT="0" marB="0" anchor="ctr"/>
+                    </a:tc>
+                    <a:tc>
+                      <a:txBody>
+                        <a:bodyPr/>
+                        <a:lstStyle/>
+                        <a:p>
+                          <a:pPr algn="ctr">
+                            <a:lnSpc>
+                              <a:spcPct val="106000"/>
+                            </a:lnSpc>
+                            <a:spcAft>
+                              <a:spcPts val="800"/>
+                            </a:spcAft>
+                          </a:pPr>
+                          <a:r>
+                            <a:rPr lang="ru-RU" sz="1600" dirty="0">
+                              <a:effectLst/>
+                            </a:rPr>
+                            <a:t>2</a:t>
+                          </a:r>
+                          <a:endParaRPr lang="ru-RU" sz="1100" dirty="0">
+                            <a:effectLst/>
+                            <a:latin typeface="Calibri" panose="020F0502020204030204" pitchFamily="34" charset="0"/>
+                            <a:ea typeface="Calibri" panose="020F0502020204030204" pitchFamily="34" charset="0"/>
+                            <a:cs typeface="Times New Roman" panose="02020603050405020304" pitchFamily="18" charset="0"/>
+                          </a:endParaRPr>
+                        </a:p>
+                      </a:txBody>
+                      <a:tcPr marL="63272" marR="63272" marT="0" marB="0" anchor="ctr"/>
+                    </a:tc>
+                    <a:tc>
+                      <a:txBody>
+                        <a:bodyPr/>
+                        <a:lstStyle/>
+                        <a:p>
+                          <a:pPr algn="ctr">
+                            <a:lnSpc>
+                              <a:spcPct val="106000"/>
+                            </a:lnSpc>
+                            <a:spcAft>
+                              <a:spcPts val="800"/>
+                            </a:spcAft>
+                          </a:pPr>
+                          <a:r>
+                            <a:rPr lang="ru-RU" sz="1600" dirty="0">
+                              <a:effectLst/>
+                            </a:rPr>
+                            <a:t>5</a:t>
+                          </a:r>
+                          <a:endParaRPr lang="ru-RU" sz="1100" dirty="0">
+                            <a:effectLst/>
+                            <a:latin typeface="Calibri" panose="020F0502020204030204" pitchFamily="34" charset="0"/>
+                            <a:ea typeface="Calibri" panose="020F0502020204030204" pitchFamily="34" charset="0"/>
+                            <a:cs typeface="Times New Roman" panose="02020603050405020304" pitchFamily="18" charset="0"/>
+                          </a:endParaRPr>
+                        </a:p>
+                      </a:txBody>
+                      <a:tcPr marL="63272" marR="63272" marT="0" marB="0" anchor="ctr"/>
+                    </a:tc>
+                    <a:tc>
+                      <a:txBody>
+                        <a:bodyPr/>
+                        <a:lstStyle/>
+                        <a:p>
+                          <a:pPr algn="ctr">
+                            <a:lnSpc>
+                              <a:spcPct val="106000"/>
+                            </a:lnSpc>
+                            <a:spcAft>
+                              <a:spcPts val="800"/>
+                            </a:spcAft>
+                          </a:pPr>
+                          <a:r>
+                            <a:rPr lang="ru-RU" sz="1600" dirty="0">
+                              <a:effectLst/>
+                            </a:rPr>
+                            <a:t>1</a:t>
+                          </a:r>
+                          <a:endParaRPr lang="ru-RU" sz="1100" dirty="0">
+                            <a:effectLst/>
+                            <a:latin typeface="Calibri" panose="020F0502020204030204" pitchFamily="34" charset="0"/>
+                            <a:ea typeface="Calibri" panose="020F0502020204030204" pitchFamily="34" charset="0"/>
+                            <a:cs typeface="Times New Roman" panose="02020603050405020304" pitchFamily="18" charset="0"/>
+                          </a:endParaRPr>
+                        </a:p>
+                      </a:txBody>
+                      <a:tcPr marL="63272" marR="63272" marT="0" marB="0" anchor="ctr"/>
+                    </a:tc>
+                    <a:tc>
+                      <a:txBody>
+                        <a:bodyPr/>
+                        <a:lstStyle/>
+                        <a:p>
+                          <a:pPr algn="ctr">
+                            <a:lnSpc>
+                              <a:spcPct val="106000"/>
+                            </a:lnSpc>
+                            <a:spcAft>
+                              <a:spcPts val="800"/>
+                            </a:spcAft>
+                          </a:pPr>
+                          <a:r>
+                            <a:rPr lang="ru-RU" sz="1600" dirty="0">
+                              <a:effectLst/>
+                            </a:rPr>
+                            <a:t>6</a:t>
+                          </a:r>
+                          <a:endParaRPr lang="ru-RU" sz="1100" dirty="0">
+                            <a:effectLst/>
+                            <a:latin typeface="Calibri" panose="020F0502020204030204" pitchFamily="34" charset="0"/>
+                            <a:ea typeface="Calibri" panose="020F0502020204030204" pitchFamily="34" charset="0"/>
+                            <a:cs typeface="Times New Roman" panose="02020603050405020304" pitchFamily="18" charset="0"/>
+                          </a:endParaRPr>
+                        </a:p>
+                      </a:txBody>
                       <a:tcPr marL="8253" marR="8253" marT="8253" marB="8253" anchor="ctr"/>
                     </a:tc>
                     <a:tc>
@@ -14451,12 +12965,1504 @@
                             </a:spcAft>
                           </a:pPr>
                           <a:r>
-                            <a:rPr lang="ru-RU" sz="1800" dirty="0">
+                            <a:rPr lang="ru-RU" sz="1600" dirty="0">
+                              <a:effectLst/>
+                            </a:rPr>
+                            <a:t>4</a:t>
+                          </a:r>
+                          <a:endParaRPr lang="ru-RU" sz="1100" dirty="0">
+                            <a:effectLst/>
+                            <a:latin typeface="Calibri" panose="020F0502020204030204" pitchFamily="34" charset="0"/>
+                            <a:ea typeface="Calibri" panose="020F0502020204030204" pitchFamily="34" charset="0"/>
+                            <a:cs typeface="Times New Roman" panose="02020603050405020304" pitchFamily="18" charset="0"/>
+                          </a:endParaRPr>
+                        </a:p>
+                      </a:txBody>
+                      <a:tcPr marL="8253" marR="8253" marT="8253" marB="8253" anchor="ctr"/>
+                    </a:tc>
+                    <a:tc>
+                      <a:txBody>
+                        <a:bodyPr/>
+                        <a:lstStyle/>
+                        <a:p>
+                          <a:pPr algn="ctr">
+                            <a:lnSpc>
+                              <a:spcPct val="106000"/>
+                            </a:lnSpc>
+                            <a:spcAft>
+                              <a:spcPts val="800"/>
+                            </a:spcAft>
+                          </a:pPr>
+                          <a:r>
+                            <a:rPr lang="ru-RU" sz="1600" dirty="0">
+                              <a:effectLst/>
+                            </a:rPr>
+                            <a:t>3</a:t>
+                          </a:r>
+                          <a:endParaRPr lang="ru-RU" sz="1100" dirty="0">
+                            <a:effectLst/>
+                            <a:latin typeface="Calibri" panose="020F0502020204030204" pitchFamily="34" charset="0"/>
+                            <a:ea typeface="Calibri" panose="020F0502020204030204" pitchFamily="34" charset="0"/>
+                            <a:cs typeface="Times New Roman" panose="02020603050405020304" pitchFamily="18" charset="0"/>
+                          </a:endParaRPr>
+                        </a:p>
+                      </a:txBody>
+                      <a:tcPr marL="8253" marR="8253" marT="8253" marB="8253" anchor="ctr"/>
+                    </a:tc>
+                    <a:tc>
+                      <a:txBody>
+                        <a:bodyPr/>
+                        <a:lstStyle/>
+                        <a:p>
+                          <a:pPr algn="ctr">
+                            <a:lnSpc>
+                              <a:spcPct val="106000"/>
+                            </a:lnSpc>
+                            <a:spcAft>
+                              <a:spcPts val="800"/>
+                            </a:spcAft>
+                          </a:pPr>
+                          <a:r>
+                            <a:rPr lang="ru-RU" sz="1600" dirty="0">
                               <a:effectLst/>
                             </a:rPr>
                             <a:t>21</a:t>
                           </a:r>
-                          <a:endParaRPr lang="ru-RU" sz="1200" dirty="0">
+                          <a:endParaRPr lang="ru-RU" sz="1100" dirty="0">
+                            <a:effectLst/>
+                            <a:latin typeface="Calibri" panose="020F0502020204030204" pitchFamily="34" charset="0"/>
+                            <a:ea typeface="Calibri" panose="020F0502020204030204" pitchFamily="34" charset="0"/>
+                            <a:cs typeface="Times New Roman" panose="02020603050405020304" pitchFamily="18" charset="0"/>
+                          </a:endParaRPr>
+                        </a:p>
+                      </a:txBody>
+                      <a:tcPr marL="8253" marR="8253" marT="8253" marB="8253" anchor="ctr"/>
+                    </a:tc>
+                    <a:extLst>
+                      <a:ext uri="{0D108BD9-81ED-4DB2-BD59-A6C34878D82A}">
+                        <a16:rowId xmlns:a16="http://schemas.microsoft.com/office/drawing/2014/main" val="2806017134"/>
+                      </a:ext>
+                    </a:extLst>
+                  </a:tr>
+                  <a:tr h="285814">
+                    <a:tc>
+                      <a:txBody>
+                        <a:bodyPr/>
+                        <a:lstStyle/>
+                        <a:p>
+                          <a:pPr indent="8255" algn="ctr">
+                            <a:lnSpc>
+                              <a:spcPct val="150000"/>
+                            </a:lnSpc>
+                            <a:spcAft>
+                              <a:spcPts val="0"/>
+                            </a:spcAft>
+                          </a:pPr>
+                          <a:r>
+                            <a:rPr lang="ru-RU" sz="1400" dirty="0">
+                              <a:effectLst/>
+                            </a:rPr>
+                            <a:t>Эксперт 5</a:t>
+                          </a:r>
+                          <a:endParaRPr lang="ru-RU" sz="1050" dirty="0">
+                            <a:effectLst/>
+                            <a:latin typeface="Calibri" panose="020F0502020204030204" pitchFamily="34" charset="0"/>
+                            <a:ea typeface="Calibri" panose="020F0502020204030204" pitchFamily="34" charset="0"/>
+                            <a:cs typeface="Times New Roman" panose="02020603050405020304" pitchFamily="18" charset="0"/>
+                          </a:endParaRPr>
+                        </a:p>
+                      </a:txBody>
+                      <a:tcPr marL="63272" marR="63272" marT="0" marB="0" anchor="ctr"/>
+                    </a:tc>
+                    <a:tc>
+                      <a:txBody>
+                        <a:bodyPr/>
+                        <a:lstStyle/>
+                        <a:p>
+                          <a:pPr algn="ctr">
+                            <a:lnSpc>
+                              <a:spcPct val="106000"/>
+                            </a:lnSpc>
+                            <a:spcAft>
+                              <a:spcPts val="800"/>
+                            </a:spcAft>
+                          </a:pPr>
+                          <a:r>
+                            <a:rPr lang="ru-RU" sz="1600">
+                              <a:effectLst/>
+                            </a:rPr>
+                            <a:t>1</a:t>
+                          </a:r>
+                          <a:endParaRPr lang="ru-RU" sz="1100">
+                            <a:effectLst/>
+                            <a:latin typeface="Calibri" panose="020F0502020204030204" pitchFamily="34" charset="0"/>
+                            <a:ea typeface="Calibri" panose="020F0502020204030204" pitchFamily="34" charset="0"/>
+                            <a:cs typeface="Times New Roman" panose="02020603050405020304" pitchFamily="18" charset="0"/>
+                          </a:endParaRPr>
+                        </a:p>
+                      </a:txBody>
+                      <a:tcPr marL="63272" marR="63272" marT="0" marB="0" anchor="ctr"/>
+                    </a:tc>
+                    <a:tc>
+                      <a:txBody>
+                        <a:bodyPr/>
+                        <a:lstStyle/>
+                        <a:p>
+                          <a:pPr algn="ctr">
+                            <a:lnSpc>
+                              <a:spcPct val="106000"/>
+                            </a:lnSpc>
+                            <a:spcAft>
+                              <a:spcPts val="800"/>
+                            </a:spcAft>
+                          </a:pPr>
+                          <a:r>
+                            <a:rPr lang="ru-RU" sz="1600" dirty="0">
+                              <a:effectLst/>
+                            </a:rPr>
+                            <a:t>6</a:t>
+                          </a:r>
+                          <a:endParaRPr lang="ru-RU" sz="1100" dirty="0">
+                            <a:effectLst/>
+                            <a:latin typeface="Calibri" panose="020F0502020204030204" pitchFamily="34" charset="0"/>
+                            <a:ea typeface="Calibri" panose="020F0502020204030204" pitchFamily="34" charset="0"/>
+                            <a:cs typeface="Times New Roman" panose="02020603050405020304" pitchFamily="18" charset="0"/>
+                          </a:endParaRPr>
+                        </a:p>
+                      </a:txBody>
+                      <a:tcPr marL="63272" marR="63272" marT="0" marB="0" anchor="ctr"/>
+                    </a:tc>
+                    <a:tc>
+                      <a:txBody>
+                        <a:bodyPr/>
+                        <a:lstStyle/>
+                        <a:p>
+                          <a:pPr algn="ctr">
+                            <a:lnSpc>
+                              <a:spcPct val="106000"/>
+                            </a:lnSpc>
+                            <a:spcAft>
+                              <a:spcPts val="800"/>
+                            </a:spcAft>
+                          </a:pPr>
+                          <a:r>
+                            <a:rPr lang="ru-RU" sz="1600" dirty="0">
+                              <a:effectLst/>
+                            </a:rPr>
+                            <a:t>2</a:t>
+                          </a:r>
+                          <a:endParaRPr lang="ru-RU" sz="1100" dirty="0">
+                            <a:effectLst/>
+                            <a:latin typeface="Calibri" panose="020F0502020204030204" pitchFamily="34" charset="0"/>
+                            <a:ea typeface="Calibri" panose="020F0502020204030204" pitchFamily="34" charset="0"/>
+                            <a:cs typeface="Times New Roman" panose="02020603050405020304" pitchFamily="18" charset="0"/>
+                          </a:endParaRPr>
+                        </a:p>
+                      </a:txBody>
+                      <a:tcPr marL="63272" marR="63272" marT="0" marB="0" anchor="ctr"/>
+                    </a:tc>
+                    <a:tc>
+                      <a:txBody>
+                        <a:bodyPr/>
+                        <a:lstStyle/>
+                        <a:p>
+                          <a:pPr algn="ctr">
+                            <a:lnSpc>
+                              <a:spcPct val="106000"/>
+                            </a:lnSpc>
+                            <a:spcAft>
+                              <a:spcPts val="800"/>
+                            </a:spcAft>
+                          </a:pPr>
+                          <a:r>
+                            <a:rPr lang="ru-RU" sz="1600" dirty="0">
+                              <a:effectLst/>
+                            </a:rPr>
+                            <a:t>5</a:t>
+                          </a:r>
+                          <a:endParaRPr lang="ru-RU" sz="1100" dirty="0">
+                            <a:effectLst/>
+                            <a:latin typeface="Calibri" panose="020F0502020204030204" pitchFamily="34" charset="0"/>
+                            <a:ea typeface="Calibri" panose="020F0502020204030204" pitchFamily="34" charset="0"/>
+                            <a:cs typeface="Times New Roman" panose="02020603050405020304" pitchFamily="18" charset="0"/>
+                          </a:endParaRPr>
+                        </a:p>
+                      </a:txBody>
+                      <a:tcPr marL="8253" marR="8253" marT="8253" marB="8253" anchor="ctr"/>
+                    </a:tc>
+                    <a:tc>
+                      <a:txBody>
+                        <a:bodyPr/>
+                        <a:lstStyle/>
+                        <a:p>
+                          <a:pPr algn="ctr">
+                            <a:lnSpc>
+                              <a:spcPct val="106000"/>
+                            </a:lnSpc>
+                            <a:spcAft>
+                              <a:spcPts val="800"/>
+                            </a:spcAft>
+                          </a:pPr>
+                          <a:r>
+                            <a:rPr lang="ru-RU" sz="1600">
+                              <a:effectLst/>
+                            </a:rPr>
+                            <a:t>3</a:t>
+                          </a:r>
+                          <a:endParaRPr lang="ru-RU" sz="1100">
+                            <a:effectLst/>
+                            <a:latin typeface="Calibri" panose="020F0502020204030204" pitchFamily="34" charset="0"/>
+                            <a:ea typeface="Calibri" panose="020F0502020204030204" pitchFamily="34" charset="0"/>
+                            <a:cs typeface="Times New Roman" panose="02020603050405020304" pitchFamily="18" charset="0"/>
+                          </a:endParaRPr>
+                        </a:p>
+                      </a:txBody>
+                      <a:tcPr marL="8253" marR="8253" marT="8253" marB="8253" anchor="ctr"/>
+                    </a:tc>
+                    <a:tc>
+                      <a:txBody>
+                        <a:bodyPr/>
+                        <a:lstStyle/>
+                        <a:p>
+                          <a:pPr algn="ctr">
+                            <a:lnSpc>
+                              <a:spcPct val="106000"/>
+                            </a:lnSpc>
+                            <a:spcAft>
+                              <a:spcPts val="800"/>
+                            </a:spcAft>
+                          </a:pPr>
+                          <a:r>
+                            <a:rPr lang="ru-RU" sz="1600">
+                              <a:effectLst/>
+                            </a:rPr>
+                            <a:t>4</a:t>
+                          </a:r>
+                          <a:endParaRPr lang="ru-RU" sz="1100">
+                            <a:effectLst/>
+                            <a:latin typeface="Calibri" panose="020F0502020204030204" pitchFamily="34" charset="0"/>
+                            <a:ea typeface="Calibri" panose="020F0502020204030204" pitchFamily="34" charset="0"/>
+                            <a:cs typeface="Times New Roman" panose="02020603050405020304" pitchFamily="18" charset="0"/>
+                          </a:endParaRPr>
+                        </a:p>
+                      </a:txBody>
+                      <a:tcPr marL="8253" marR="8253" marT="8253" marB="8253" anchor="ctr"/>
+                    </a:tc>
+                    <a:tc>
+                      <a:txBody>
+                        <a:bodyPr/>
+                        <a:lstStyle/>
+                        <a:p>
+                          <a:pPr algn="ctr">
+                            <a:lnSpc>
+                              <a:spcPct val="106000"/>
+                            </a:lnSpc>
+                            <a:spcAft>
+                              <a:spcPts val="800"/>
+                            </a:spcAft>
+                          </a:pPr>
+                          <a:r>
+                            <a:rPr lang="ru-RU" sz="1600" dirty="0">
+                              <a:effectLst/>
+                            </a:rPr>
+                            <a:t>21</a:t>
+                          </a:r>
+                          <a:endParaRPr lang="ru-RU" sz="1100" dirty="0">
+                            <a:effectLst/>
+                            <a:latin typeface="Calibri" panose="020F0502020204030204" pitchFamily="34" charset="0"/>
+                            <a:ea typeface="Calibri" panose="020F0502020204030204" pitchFamily="34" charset="0"/>
+                            <a:cs typeface="Times New Roman" panose="02020603050405020304" pitchFamily="18" charset="0"/>
+                          </a:endParaRPr>
+                        </a:p>
+                      </a:txBody>
+                      <a:tcPr marL="8253" marR="8253" marT="8253" marB="8253" anchor="ctr"/>
+                    </a:tc>
+                    <a:extLst>
+                      <a:ext uri="{0D108BD9-81ED-4DB2-BD59-A6C34878D82A}">
+                        <a16:rowId xmlns:a16="http://schemas.microsoft.com/office/drawing/2014/main" val="534473352"/>
+                      </a:ext>
+                    </a:extLst>
+                  </a:tr>
+                  <a:tr h="285814">
+                    <a:tc>
+                      <a:txBody>
+                        <a:bodyPr/>
+                        <a:lstStyle/>
+                        <a:p>
+                          <a:pPr indent="8255" algn="ctr">
+                            <a:lnSpc>
+                              <a:spcPct val="150000"/>
+                            </a:lnSpc>
+                            <a:spcAft>
+                              <a:spcPts val="0"/>
+                            </a:spcAft>
+                          </a:pPr>
+                          <a:r>
+                            <a:rPr lang="ru-RU" sz="1400" dirty="0">
+                              <a:effectLst/>
+                            </a:rPr>
+                            <a:t>Эксперт 6</a:t>
+                          </a:r>
+                          <a:endParaRPr lang="ru-RU" sz="1050" dirty="0">
+                            <a:effectLst/>
+                            <a:latin typeface="Calibri" panose="020F0502020204030204" pitchFamily="34" charset="0"/>
+                            <a:ea typeface="Calibri" panose="020F0502020204030204" pitchFamily="34" charset="0"/>
+                            <a:cs typeface="Times New Roman" panose="02020603050405020304" pitchFamily="18" charset="0"/>
+                          </a:endParaRPr>
+                        </a:p>
+                      </a:txBody>
+                      <a:tcPr marL="63272" marR="63272" marT="0" marB="0" anchor="ctr"/>
+                    </a:tc>
+                    <a:tc>
+                      <a:txBody>
+                        <a:bodyPr/>
+                        <a:lstStyle/>
+                        <a:p>
+                          <a:pPr algn="ctr">
+                            <a:lnSpc>
+                              <a:spcPct val="106000"/>
+                            </a:lnSpc>
+                            <a:spcAft>
+                              <a:spcPts val="800"/>
+                            </a:spcAft>
+                          </a:pPr>
+                          <a:r>
+                            <a:rPr lang="ru-RU" sz="1600">
+                              <a:effectLst/>
+                            </a:rPr>
+                            <a:t>1</a:t>
+                          </a:r>
+                          <a:endParaRPr lang="ru-RU" sz="1100">
+                            <a:effectLst/>
+                            <a:latin typeface="Calibri" panose="020F0502020204030204" pitchFamily="34" charset="0"/>
+                            <a:ea typeface="Calibri" panose="020F0502020204030204" pitchFamily="34" charset="0"/>
+                            <a:cs typeface="Times New Roman" panose="02020603050405020304" pitchFamily="18" charset="0"/>
+                          </a:endParaRPr>
+                        </a:p>
+                      </a:txBody>
+                      <a:tcPr marL="63272" marR="63272" marT="0" marB="0" anchor="ctr"/>
+                    </a:tc>
+                    <a:tc>
+                      <a:txBody>
+                        <a:bodyPr/>
+                        <a:lstStyle/>
+                        <a:p>
+                          <a:pPr algn="ctr">
+                            <a:lnSpc>
+                              <a:spcPct val="106000"/>
+                            </a:lnSpc>
+                            <a:spcAft>
+                              <a:spcPts val="800"/>
+                            </a:spcAft>
+                          </a:pPr>
+                          <a:r>
+                            <a:rPr lang="ru-RU" sz="1600" dirty="0">
+                              <a:effectLst/>
+                            </a:rPr>
+                            <a:t>5</a:t>
+                          </a:r>
+                          <a:endParaRPr lang="ru-RU" sz="1100" dirty="0">
+                            <a:effectLst/>
+                            <a:latin typeface="Calibri" panose="020F0502020204030204" pitchFamily="34" charset="0"/>
+                            <a:ea typeface="Calibri" panose="020F0502020204030204" pitchFamily="34" charset="0"/>
+                            <a:cs typeface="Times New Roman" panose="02020603050405020304" pitchFamily="18" charset="0"/>
+                          </a:endParaRPr>
+                        </a:p>
+                      </a:txBody>
+                      <a:tcPr marL="63272" marR="63272" marT="0" marB="0" anchor="ctr"/>
+                    </a:tc>
+                    <a:tc>
+                      <a:txBody>
+                        <a:bodyPr/>
+                        <a:lstStyle/>
+                        <a:p>
+                          <a:pPr algn="ctr">
+                            <a:lnSpc>
+                              <a:spcPct val="106000"/>
+                            </a:lnSpc>
+                            <a:spcAft>
+                              <a:spcPts val="800"/>
+                            </a:spcAft>
+                          </a:pPr>
+                          <a:r>
+                            <a:rPr lang="ru-RU" sz="1600" dirty="0">
+                              <a:effectLst/>
+                            </a:rPr>
+                            <a:t>2</a:t>
+                          </a:r>
+                          <a:endParaRPr lang="ru-RU" sz="1100" dirty="0">
+                            <a:effectLst/>
+                            <a:latin typeface="Calibri" panose="020F0502020204030204" pitchFamily="34" charset="0"/>
+                            <a:ea typeface="Calibri" panose="020F0502020204030204" pitchFamily="34" charset="0"/>
+                            <a:cs typeface="Times New Roman" panose="02020603050405020304" pitchFamily="18" charset="0"/>
+                          </a:endParaRPr>
+                        </a:p>
+                      </a:txBody>
+                      <a:tcPr marL="63272" marR="63272" marT="0" marB="0" anchor="ctr"/>
+                    </a:tc>
+                    <a:tc>
+                      <a:txBody>
+                        <a:bodyPr/>
+                        <a:lstStyle/>
+                        <a:p>
+                          <a:pPr algn="ctr">
+                            <a:lnSpc>
+                              <a:spcPct val="106000"/>
+                            </a:lnSpc>
+                            <a:spcAft>
+                              <a:spcPts val="800"/>
+                            </a:spcAft>
+                          </a:pPr>
+                          <a:r>
+                            <a:rPr lang="ru-RU" sz="1600" dirty="0">
+                              <a:effectLst/>
+                            </a:rPr>
+                            <a:t>6</a:t>
+                          </a:r>
+                          <a:endParaRPr lang="ru-RU" sz="1100" dirty="0">
+                            <a:effectLst/>
+                            <a:latin typeface="Calibri" panose="020F0502020204030204" pitchFamily="34" charset="0"/>
+                            <a:ea typeface="Calibri" panose="020F0502020204030204" pitchFamily="34" charset="0"/>
+                            <a:cs typeface="Times New Roman" panose="02020603050405020304" pitchFamily="18" charset="0"/>
+                          </a:endParaRPr>
+                        </a:p>
+                      </a:txBody>
+                      <a:tcPr marL="8253" marR="8253" marT="8253" marB="8253" anchor="ctr"/>
+                    </a:tc>
+                    <a:tc>
+                      <a:txBody>
+                        <a:bodyPr/>
+                        <a:lstStyle/>
+                        <a:p>
+                          <a:pPr algn="ctr">
+                            <a:lnSpc>
+                              <a:spcPct val="106000"/>
+                            </a:lnSpc>
+                            <a:spcAft>
+                              <a:spcPts val="800"/>
+                            </a:spcAft>
+                          </a:pPr>
+                          <a:r>
+                            <a:rPr lang="ru-RU" sz="1600" dirty="0">
+                              <a:effectLst/>
+                            </a:rPr>
+                            <a:t>4</a:t>
+                          </a:r>
+                          <a:endParaRPr lang="ru-RU" sz="1100" dirty="0">
+                            <a:effectLst/>
+                            <a:latin typeface="Calibri" panose="020F0502020204030204" pitchFamily="34" charset="0"/>
+                            <a:ea typeface="Calibri" panose="020F0502020204030204" pitchFamily="34" charset="0"/>
+                            <a:cs typeface="Times New Roman" panose="02020603050405020304" pitchFamily="18" charset="0"/>
+                          </a:endParaRPr>
+                        </a:p>
+                      </a:txBody>
+                      <a:tcPr marL="8253" marR="8253" marT="8253" marB="8253" anchor="ctr"/>
+                    </a:tc>
+                    <a:tc>
+                      <a:txBody>
+                        <a:bodyPr/>
+                        <a:lstStyle/>
+                        <a:p>
+                          <a:pPr algn="ctr">
+                            <a:lnSpc>
+                              <a:spcPct val="106000"/>
+                            </a:lnSpc>
+                            <a:spcAft>
+                              <a:spcPts val="800"/>
+                            </a:spcAft>
+                          </a:pPr>
+                          <a:r>
+                            <a:rPr lang="ru-RU" sz="1600">
+                              <a:effectLst/>
+                            </a:rPr>
+                            <a:t>3</a:t>
+                          </a:r>
+                          <a:endParaRPr lang="ru-RU" sz="1100">
+                            <a:effectLst/>
+                            <a:latin typeface="Calibri" panose="020F0502020204030204" pitchFamily="34" charset="0"/>
+                            <a:ea typeface="Calibri" panose="020F0502020204030204" pitchFamily="34" charset="0"/>
+                            <a:cs typeface="Times New Roman" panose="02020603050405020304" pitchFamily="18" charset="0"/>
+                          </a:endParaRPr>
+                        </a:p>
+                      </a:txBody>
+                      <a:tcPr marL="8253" marR="8253" marT="8253" marB="8253" anchor="ctr"/>
+                    </a:tc>
+                    <a:tc>
+                      <a:txBody>
+                        <a:bodyPr/>
+                        <a:lstStyle/>
+                        <a:p>
+                          <a:pPr algn="ctr">
+                            <a:lnSpc>
+                              <a:spcPct val="106000"/>
+                            </a:lnSpc>
+                            <a:spcAft>
+                              <a:spcPts val="800"/>
+                            </a:spcAft>
+                          </a:pPr>
+                          <a:r>
+                            <a:rPr lang="ru-RU" sz="1600" dirty="0">
+                              <a:effectLst/>
+                            </a:rPr>
+                            <a:t>21</a:t>
+                          </a:r>
+                          <a:endParaRPr lang="ru-RU" sz="1100" dirty="0">
+                            <a:effectLst/>
+                            <a:latin typeface="Calibri" panose="020F0502020204030204" pitchFamily="34" charset="0"/>
+                            <a:ea typeface="Calibri" panose="020F0502020204030204" pitchFamily="34" charset="0"/>
+                            <a:cs typeface="Times New Roman" panose="02020603050405020304" pitchFamily="18" charset="0"/>
+                          </a:endParaRPr>
+                        </a:p>
+                      </a:txBody>
+                      <a:tcPr marL="8253" marR="8253" marT="8253" marB="8253" anchor="ctr"/>
+                    </a:tc>
+                    <a:extLst>
+                      <a:ext uri="{0D108BD9-81ED-4DB2-BD59-A6C34878D82A}">
+                        <a16:rowId xmlns:a16="http://schemas.microsoft.com/office/drawing/2014/main" val="2534464182"/>
+                      </a:ext>
+                    </a:extLst>
+                  </a:tr>
+                  <a:tr h="285814">
+                    <a:tc>
+                      <a:txBody>
+                        <a:bodyPr/>
+                        <a:lstStyle/>
+                        <a:p>
+                          <a:pPr indent="8255" algn="ctr">
+                            <a:lnSpc>
+                              <a:spcPct val="150000"/>
+                            </a:lnSpc>
+                            <a:spcAft>
+                              <a:spcPts val="0"/>
+                            </a:spcAft>
+                          </a:pPr>
+                          <a:r>
+                            <a:rPr lang="ru-RU" sz="1400" dirty="0">
+                              <a:effectLst/>
+                            </a:rPr>
+                            <a:t>Эксперт 7</a:t>
+                          </a:r>
+                          <a:endParaRPr lang="ru-RU" sz="1050" dirty="0">
+                            <a:effectLst/>
+                            <a:latin typeface="Calibri" panose="020F0502020204030204" pitchFamily="34" charset="0"/>
+                            <a:ea typeface="Calibri" panose="020F0502020204030204" pitchFamily="34" charset="0"/>
+                            <a:cs typeface="Times New Roman" panose="02020603050405020304" pitchFamily="18" charset="0"/>
+                          </a:endParaRPr>
+                        </a:p>
+                      </a:txBody>
+                      <a:tcPr marL="63272" marR="63272" marT="0" marB="0" anchor="ctr"/>
+                    </a:tc>
+                    <a:tc>
+                      <a:txBody>
+                        <a:bodyPr/>
+                        <a:lstStyle/>
+                        <a:p>
+                          <a:pPr algn="ctr">
+                            <a:lnSpc>
+                              <a:spcPct val="106000"/>
+                            </a:lnSpc>
+                            <a:spcAft>
+                              <a:spcPts val="800"/>
+                            </a:spcAft>
+                          </a:pPr>
+                          <a:r>
+                            <a:rPr lang="ru-RU" sz="1600">
+                              <a:effectLst/>
+                            </a:rPr>
+                            <a:t>3</a:t>
+                          </a:r>
+                          <a:endParaRPr lang="ru-RU" sz="1100">
+                            <a:effectLst/>
+                            <a:latin typeface="Calibri" panose="020F0502020204030204" pitchFamily="34" charset="0"/>
+                            <a:ea typeface="Calibri" panose="020F0502020204030204" pitchFamily="34" charset="0"/>
+                            <a:cs typeface="Times New Roman" panose="02020603050405020304" pitchFamily="18" charset="0"/>
+                          </a:endParaRPr>
+                        </a:p>
+                      </a:txBody>
+                      <a:tcPr marL="63272" marR="63272" marT="0" marB="0" anchor="ctr"/>
+                    </a:tc>
+                    <a:tc>
+                      <a:txBody>
+                        <a:bodyPr/>
+                        <a:lstStyle/>
+                        <a:p>
+                          <a:pPr algn="ctr">
+                            <a:lnSpc>
+                              <a:spcPct val="106000"/>
+                            </a:lnSpc>
+                            <a:spcAft>
+                              <a:spcPts val="800"/>
+                            </a:spcAft>
+                          </a:pPr>
+                          <a:r>
+                            <a:rPr lang="ru-RU" sz="1600" dirty="0">
+                              <a:effectLst/>
+                            </a:rPr>
+                            <a:t>4</a:t>
+                          </a:r>
+                          <a:endParaRPr lang="ru-RU" sz="1100" dirty="0">
+                            <a:effectLst/>
+                            <a:latin typeface="Calibri" panose="020F0502020204030204" pitchFamily="34" charset="0"/>
+                            <a:ea typeface="Calibri" panose="020F0502020204030204" pitchFamily="34" charset="0"/>
+                            <a:cs typeface="Times New Roman" panose="02020603050405020304" pitchFamily="18" charset="0"/>
+                          </a:endParaRPr>
+                        </a:p>
+                      </a:txBody>
+                      <a:tcPr marL="63272" marR="63272" marT="0" marB="0" anchor="ctr"/>
+                    </a:tc>
+                    <a:tc>
+                      <a:txBody>
+                        <a:bodyPr/>
+                        <a:lstStyle/>
+                        <a:p>
+                          <a:pPr algn="ctr">
+                            <a:lnSpc>
+                              <a:spcPct val="106000"/>
+                            </a:lnSpc>
+                            <a:spcAft>
+                              <a:spcPts val="800"/>
+                            </a:spcAft>
+                          </a:pPr>
+                          <a:r>
+                            <a:rPr lang="ru-RU" sz="1600" dirty="0">
+                              <a:effectLst/>
+                            </a:rPr>
+                            <a:t>1</a:t>
+                          </a:r>
+                          <a:endParaRPr lang="ru-RU" sz="1100" dirty="0">
+                            <a:effectLst/>
+                            <a:latin typeface="Calibri" panose="020F0502020204030204" pitchFamily="34" charset="0"/>
+                            <a:ea typeface="Calibri" panose="020F0502020204030204" pitchFamily="34" charset="0"/>
+                            <a:cs typeface="Times New Roman" panose="02020603050405020304" pitchFamily="18" charset="0"/>
+                          </a:endParaRPr>
+                        </a:p>
+                      </a:txBody>
+                      <a:tcPr marL="63272" marR="63272" marT="0" marB="0" anchor="ctr"/>
+                    </a:tc>
+                    <a:tc>
+                      <a:txBody>
+                        <a:bodyPr/>
+                        <a:lstStyle/>
+                        <a:p>
+                          <a:pPr algn="ctr">
+                            <a:lnSpc>
+                              <a:spcPct val="106000"/>
+                            </a:lnSpc>
+                            <a:spcAft>
+                              <a:spcPts val="800"/>
+                            </a:spcAft>
+                          </a:pPr>
+                          <a:r>
+                            <a:rPr lang="ru-RU" sz="1600" dirty="0">
+                              <a:effectLst/>
+                            </a:rPr>
+                            <a:t>5</a:t>
+                          </a:r>
+                          <a:endParaRPr lang="ru-RU" sz="1100" dirty="0">
+                            <a:effectLst/>
+                            <a:latin typeface="Calibri" panose="020F0502020204030204" pitchFamily="34" charset="0"/>
+                            <a:ea typeface="Calibri" panose="020F0502020204030204" pitchFamily="34" charset="0"/>
+                            <a:cs typeface="Times New Roman" panose="02020603050405020304" pitchFamily="18" charset="0"/>
+                          </a:endParaRPr>
+                        </a:p>
+                      </a:txBody>
+                      <a:tcPr marL="8253" marR="8253" marT="8253" marB="8253" anchor="ctr"/>
+                    </a:tc>
+                    <a:tc>
+                      <a:txBody>
+                        <a:bodyPr/>
+                        <a:lstStyle/>
+                        <a:p>
+                          <a:pPr algn="ctr">
+                            <a:lnSpc>
+                              <a:spcPct val="106000"/>
+                            </a:lnSpc>
+                            <a:spcAft>
+                              <a:spcPts val="800"/>
+                            </a:spcAft>
+                          </a:pPr>
+                          <a:r>
+                            <a:rPr lang="ru-RU" sz="1600" dirty="0">
+                              <a:effectLst/>
+                            </a:rPr>
+                            <a:t>2</a:t>
+                          </a:r>
+                          <a:endParaRPr lang="ru-RU" sz="1100" dirty="0">
+                            <a:effectLst/>
+                            <a:latin typeface="Calibri" panose="020F0502020204030204" pitchFamily="34" charset="0"/>
+                            <a:ea typeface="Calibri" panose="020F0502020204030204" pitchFamily="34" charset="0"/>
+                            <a:cs typeface="Times New Roman" panose="02020603050405020304" pitchFamily="18" charset="0"/>
+                          </a:endParaRPr>
+                        </a:p>
+                      </a:txBody>
+                      <a:tcPr marL="8253" marR="8253" marT="8253" marB="8253" anchor="ctr"/>
+                    </a:tc>
+                    <a:tc>
+                      <a:txBody>
+                        <a:bodyPr/>
+                        <a:lstStyle/>
+                        <a:p>
+                          <a:pPr algn="ctr">
+                            <a:lnSpc>
+                              <a:spcPct val="106000"/>
+                            </a:lnSpc>
+                            <a:spcAft>
+                              <a:spcPts val="800"/>
+                            </a:spcAft>
+                          </a:pPr>
+                          <a:r>
+                            <a:rPr lang="ru-RU" sz="1600">
+                              <a:effectLst/>
+                            </a:rPr>
+                            <a:t>6</a:t>
+                          </a:r>
+                          <a:endParaRPr lang="ru-RU" sz="1100">
+                            <a:effectLst/>
+                            <a:latin typeface="Calibri" panose="020F0502020204030204" pitchFamily="34" charset="0"/>
+                            <a:ea typeface="Calibri" panose="020F0502020204030204" pitchFamily="34" charset="0"/>
+                            <a:cs typeface="Times New Roman" panose="02020603050405020304" pitchFamily="18" charset="0"/>
+                          </a:endParaRPr>
+                        </a:p>
+                      </a:txBody>
+                      <a:tcPr marL="8253" marR="8253" marT="8253" marB="8253" anchor="ctr"/>
+                    </a:tc>
+                    <a:tc>
+                      <a:txBody>
+                        <a:bodyPr/>
+                        <a:lstStyle/>
+                        <a:p>
+                          <a:pPr algn="ctr">
+                            <a:lnSpc>
+                              <a:spcPct val="106000"/>
+                            </a:lnSpc>
+                            <a:spcAft>
+                              <a:spcPts val="800"/>
+                            </a:spcAft>
+                          </a:pPr>
+                          <a:r>
+                            <a:rPr lang="ru-RU" sz="1600" dirty="0">
+                              <a:effectLst/>
+                            </a:rPr>
+                            <a:t>21</a:t>
+                          </a:r>
+                          <a:endParaRPr lang="ru-RU" sz="1100" dirty="0">
+                            <a:effectLst/>
+                            <a:latin typeface="Calibri" panose="020F0502020204030204" pitchFamily="34" charset="0"/>
+                            <a:ea typeface="Calibri" panose="020F0502020204030204" pitchFamily="34" charset="0"/>
+                            <a:cs typeface="Times New Roman" panose="02020603050405020304" pitchFamily="18" charset="0"/>
+                          </a:endParaRPr>
+                        </a:p>
+                      </a:txBody>
+                      <a:tcPr marL="8253" marR="8253" marT="8253" marB="8253" anchor="ctr"/>
+                    </a:tc>
+                    <a:extLst>
+                      <a:ext uri="{0D108BD9-81ED-4DB2-BD59-A6C34878D82A}">
+                        <a16:rowId xmlns:a16="http://schemas.microsoft.com/office/drawing/2014/main" val="2348352899"/>
+                      </a:ext>
+                    </a:extLst>
+                  </a:tr>
+                  <a:tr h="285814">
+                    <a:tc>
+                      <a:txBody>
+                        <a:bodyPr/>
+                        <a:lstStyle/>
+                        <a:p>
+                          <a:pPr indent="8255" algn="ctr">
+                            <a:lnSpc>
+                              <a:spcPct val="150000"/>
+                            </a:lnSpc>
+                            <a:spcAft>
+                              <a:spcPts val="0"/>
+                            </a:spcAft>
+                          </a:pPr>
+                          <a:r>
+                            <a:rPr lang="ru-RU" sz="1400" dirty="0">
+                              <a:effectLst/>
+                            </a:rPr>
+                            <a:t>Эксперт 8</a:t>
+                          </a:r>
+                          <a:endParaRPr lang="ru-RU" sz="1050" dirty="0">
+                            <a:effectLst/>
+                            <a:latin typeface="Calibri" panose="020F0502020204030204" pitchFamily="34" charset="0"/>
+                            <a:ea typeface="Calibri" panose="020F0502020204030204" pitchFamily="34" charset="0"/>
+                            <a:cs typeface="Times New Roman" panose="02020603050405020304" pitchFamily="18" charset="0"/>
+                          </a:endParaRPr>
+                        </a:p>
+                      </a:txBody>
+                      <a:tcPr marL="63272" marR="63272" marT="0" marB="0" anchor="ctr"/>
+                    </a:tc>
+                    <a:tc>
+                      <a:txBody>
+                        <a:bodyPr/>
+                        <a:lstStyle/>
+                        <a:p>
+                          <a:pPr algn="ctr">
+                            <a:lnSpc>
+                              <a:spcPct val="106000"/>
+                            </a:lnSpc>
+                            <a:spcAft>
+                              <a:spcPts val="800"/>
+                            </a:spcAft>
+                          </a:pPr>
+                          <a:r>
+                            <a:rPr lang="ru-RU" sz="1600">
+                              <a:effectLst/>
+                            </a:rPr>
+                            <a:t>1</a:t>
+                          </a:r>
+                          <a:endParaRPr lang="ru-RU" sz="1100">
+                            <a:effectLst/>
+                            <a:latin typeface="Calibri" panose="020F0502020204030204" pitchFamily="34" charset="0"/>
+                            <a:ea typeface="Calibri" panose="020F0502020204030204" pitchFamily="34" charset="0"/>
+                            <a:cs typeface="Times New Roman" panose="02020603050405020304" pitchFamily="18" charset="0"/>
+                          </a:endParaRPr>
+                        </a:p>
+                      </a:txBody>
+                      <a:tcPr marL="63272" marR="63272" marT="0" marB="0" anchor="ctr"/>
+                    </a:tc>
+                    <a:tc>
+                      <a:txBody>
+                        <a:bodyPr/>
+                        <a:lstStyle/>
+                        <a:p>
+                          <a:pPr algn="ctr">
+                            <a:lnSpc>
+                              <a:spcPct val="106000"/>
+                            </a:lnSpc>
+                            <a:spcAft>
+                              <a:spcPts val="800"/>
+                            </a:spcAft>
+                          </a:pPr>
+                          <a:r>
+                            <a:rPr lang="ru-RU" sz="1600">
+                              <a:effectLst/>
+                            </a:rPr>
+                            <a:t>5</a:t>
+                          </a:r>
+                          <a:endParaRPr lang="ru-RU" sz="1100">
+                            <a:effectLst/>
+                            <a:latin typeface="Calibri" panose="020F0502020204030204" pitchFamily="34" charset="0"/>
+                            <a:ea typeface="Calibri" panose="020F0502020204030204" pitchFamily="34" charset="0"/>
+                            <a:cs typeface="Times New Roman" panose="02020603050405020304" pitchFamily="18" charset="0"/>
+                          </a:endParaRPr>
+                        </a:p>
+                      </a:txBody>
+                      <a:tcPr marL="63272" marR="63272" marT="0" marB="0" anchor="ctr"/>
+                    </a:tc>
+                    <a:tc>
+                      <a:txBody>
+                        <a:bodyPr/>
+                        <a:lstStyle/>
+                        <a:p>
+                          <a:pPr algn="ctr">
+                            <a:lnSpc>
+                              <a:spcPct val="106000"/>
+                            </a:lnSpc>
+                            <a:spcAft>
+                              <a:spcPts val="800"/>
+                            </a:spcAft>
+                          </a:pPr>
+                          <a:r>
+                            <a:rPr lang="ru-RU" sz="1600" dirty="0">
+                              <a:effectLst/>
+                            </a:rPr>
+                            <a:t>2</a:t>
+                          </a:r>
+                          <a:endParaRPr lang="ru-RU" sz="1100" dirty="0">
+                            <a:effectLst/>
+                            <a:latin typeface="Calibri" panose="020F0502020204030204" pitchFamily="34" charset="0"/>
+                            <a:ea typeface="Calibri" panose="020F0502020204030204" pitchFamily="34" charset="0"/>
+                            <a:cs typeface="Times New Roman" panose="02020603050405020304" pitchFamily="18" charset="0"/>
+                          </a:endParaRPr>
+                        </a:p>
+                      </a:txBody>
+                      <a:tcPr marL="63272" marR="63272" marT="0" marB="0" anchor="ctr"/>
+                    </a:tc>
+                    <a:tc>
+                      <a:txBody>
+                        <a:bodyPr/>
+                        <a:lstStyle/>
+                        <a:p>
+                          <a:pPr algn="ctr">
+                            <a:lnSpc>
+                              <a:spcPct val="106000"/>
+                            </a:lnSpc>
+                            <a:spcAft>
+                              <a:spcPts val="800"/>
+                            </a:spcAft>
+                          </a:pPr>
+                          <a:r>
+                            <a:rPr lang="ru-RU" sz="1600" dirty="0">
+                              <a:effectLst/>
+                            </a:rPr>
+                            <a:t>6</a:t>
+                          </a:r>
+                          <a:endParaRPr lang="ru-RU" sz="1100" dirty="0">
+                            <a:effectLst/>
+                            <a:latin typeface="Calibri" panose="020F0502020204030204" pitchFamily="34" charset="0"/>
+                            <a:ea typeface="Calibri" panose="020F0502020204030204" pitchFamily="34" charset="0"/>
+                            <a:cs typeface="Times New Roman" panose="02020603050405020304" pitchFamily="18" charset="0"/>
+                          </a:endParaRPr>
+                        </a:p>
+                      </a:txBody>
+                      <a:tcPr marL="8253" marR="8253" marT="8253" marB="8253" anchor="ctr"/>
+                    </a:tc>
+                    <a:tc>
+                      <a:txBody>
+                        <a:bodyPr/>
+                        <a:lstStyle/>
+                        <a:p>
+                          <a:pPr algn="ctr">
+                            <a:lnSpc>
+                              <a:spcPct val="106000"/>
+                            </a:lnSpc>
+                            <a:spcAft>
+                              <a:spcPts val="800"/>
+                            </a:spcAft>
+                          </a:pPr>
+                          <a:r>
+                            <a:rPr lang="ru-RU" sz="1600" dirty="0">
+                              <a:effectLst/>
+                            </a:rPr>
+                            <a:t>3</a:t>
+                          </a:r>
+                          <a:endParaRPr lang="ru-RU" sz="1100" dirty="0">
+                            <a:effectLst/>
+                            <a:latin typeface="Calibri" panose="020F0502020204030204" pitchFamily="34" charset="0"/>
+                            <a:ea typeface="Calibri" panose="020F0502020204030204" pitchFamily="34" charset="0"/>
+                            <a:cs typeface="Times New Roman" panose="02020603050405020304" pitchFamily="18" charset="0"/>
+                          </a:endParaRPr>
+                        </a:p>
+                      </a:txBody>
+                      <a:tcPr marL="8253" marR="8253" marT="8253" marB="8253" anchor="ctr"/>
+                    </a:tc>
+                    <a:tc>
+                      <a:txBody>
+                        <a:bodyPr/>
+                        <a:lstStyle/>
+                        <a:p>
+                          <a:pPr algn="ctr">
+                            <a:lnSpc>
+                              <a:spcPct val="106000"/>
+                            </a:lnSpc>
+                            <a:spcAft>
+                              <a:spcPts val="800"/>
+                            </a:spcAft>
+                          </a:pPr>
+                          <a:r>
+                            <a:rPr lang="ru-RU" sz="1600" dirty="0">
+                              <a:effectLst/>
+                            </a:rPr>
+                            <a:t>4</a:t>
+                          </a:r>
+                          <a:endParaRPr lang="ru-RU" sz="1100" dirty="0">
+                            <a:effectLst/>
+                            <a:latin typeface="Calibri" panose="020F0502020204030204" pitchFamily="34" charset="0"/>
+                            <a:ea typeface="Calibri" panose="020F0502020204030204" pitchFamily="34" charset="0"/>
+                            <a:cs typeface="Times New Roman" panose="02020603050405020304" pitchFamily="18" charset="0"/>
+                          </a:endParaRPr>
+                        </a:p>
+                      </a:txBody>
+                      <a:tcPr marL="8253" marR="8253" marT="8253" marB="8253" anchor="ctr"/>
+                    </a:tc>
+                    <a:tc>
+                      <a:txBody>
+                        <a:bodyPr/>
+                        <a:lstStyle/>
+                        <a:p>
+                          <a:pPr algn="ctr">
+                            <a:lnSpc>
+                              <a:spcPct val="106000"/>
+                            </a:lnSpc>
+                            <a:spcAft>
+                              <a:spcPts val="800"/>
+                            </a:spcAft>
+                          </a:pPr>
+                          <a:r>
+                            <a:rPr lang="ru-RU" sz="1600" dirty="0">
+                              <a:effectLst/>
+                            </a:rPr>
+                            <a:t>21</a:t>
+                          </a:r>
+                          <a:endParaRPr lang="ru-RU" sz="1100" dirty="0">
+                            <a:effectLst/>
+                            <a:latin typeface="Calibri" panose="020F0502020204030204" pitchFamily="34" charset="0"/>
+                            <a:ea typeface="Calibri" panose="020F0502020204030204" pitchFamily="34" charset="0"/>
+                            <a:cs typeface="Times New Roman" panose="02020603050405020304" pitchFamily="18" charset="0"/>
+                          </a:endParaRPr>
+                        </a:p>
+                      </a:txBody>
+                      <a:tcPr marL="8253" marR="8253" marT="8253" marB="8253" anchor="ctr"/>
+                    </a:tc>
+                    <a:extLst>
+                      <a:ext uri="{0D108BD9-81ED-4DB2-BD59-A6C34878D82A}">
+                        <a16:rowId xmlns:a16="http://schemas.microsoft.com/office/drawing/2014/main" val="4137046555"/>
+                      </a:ext>
+                    </a:extLst>
+                  </a:tr>
+                  <a:tr h="285814">
+                    <a:tc>
+                      <a:txBody>
+                        <a:bodyPr/>
+                        <a:lstStyle/>
+                        <a:p>
+                          <a:pPr indent="8255" algn="ctr">
+                            <a:lnSpc>
+                              <a:spcPct val="150000"/>
+                            </a:lnSpc>
+                            <a:spcAft>
+                              <a:spcPts val="0"/>
+                            </a:spcAft>
+                          </a:pPr>
+                          <a:r>
+                            <a:rPr lang="ru-RU" sz="1400" dirty="0">
+                              <a:effectLst/>
+                            </a:rPr>
+                            <a:t>Эксперт 9</a:t>
+                          </a:r>
+                          <a:endParaRPr lang="ru-RU" sz="1050" dirty="0">
+                            <a:effectLst/>
+                            <a:latin typeface="Calibri" panose="020F0502020204030204" pitchFamily="34" charset="0"/>
+                            <a:ea typeface="Calibri" panose="020F0502020204030204" pitchFamily="34" charset="0"/>
+                            <a:cs typeface="Times New Roman" panose="02020603050405020304" pitchFamily="18" charset="0"/>
+                          </a:endParaRPr>
+                        </a:p>
+                      </a:txBody>
+                      <a:tcPr marL="63272" marR="63272" marT="0" marB="0" anchor="ctr"/>
+                    </a:tc>
+                    <a:tc>
+                      <a:txBody>
+                        <a:bodyPr/>
+                        <a:lstStyle/>
+                        <a:p>
+                          <a:pPr algn="ctr">
+                            <a:lnSpc>
+                              <a:spcPct val="106000"/>
+                            </a:lnSpc>
+                            <a:spcAft>
+                              <a:spcPts val="800"/>
+                            </a:spcAft>
+                          </a:pPr>
+                          <a:r>
+                            <a:rPr lang="ru-RU" sz="1600">
+                              <a:effectLst/>
+                            </a:rPr>
+                            <a:t>2</a:t>
+                          </a:r>
+                          <a:endParaRPr lang="ru-RU" sz="1100">
+                            <a:effectLst/>
+                            <a:latin typeface="Calibri" panose="020F0502020204030204" pitchFamily="34" charset="0"/>
+                            <a:ea typeface="Calibri" panose="020F0502020204030204" pitchFamily="34" charset="0"/>
+                            <a:cs typeface="Times New Roman" panose="02020603050405020304" pitchFamily="18" charset="0"/>
+                          </a:endParaRPr>
+                        </a:p>
+                      </a:txBody>
+                      <a:tcPr marL="63272" marR="63272" marT="0" marB="0" anchor="ctr"/>
+                    </a:tc>
+                    <a:tc>
+                      <a:txBody>
+                        <a:bodyPr/>
+                        <a:lstStyle/>
+                        <a:p>
+                          <a:pPr algn="ctr">
+                            <a:lnSpc>
+                              <a:spcPct val="106000"/>
+                            </a:lnSpc>
+                            <a:spcAft>
+                              <a:spcPts val="800"/>
+                            </a:spcAft>
+                          </a:pPr>
+                          <a:r>
+                            <a:rPr lang="ru-RU" sz="1600">
+                              <a:effectLst/>
+                            </a:rPr>
+                            <a:t>3</a:t>
+                          </a:r>
+                          <a:endParaRPr lang="ru-RU" sz="1100">
+                            <a:effectLst/>
+                            <a:latin typeface="Calibri" panose="020F0502020204030204" pitchFamily="34" charset="0"/>
+                            <a:ea typeface="Calibri" panose="020F0502020204030204" pitchFamily="34" charset="0"/>
+                            <a:cs typeface="Times New Roman" panose="02020603050405020304" pitchFamily="18" charset="0"/>
+                          </a:endParaRPr>
+                        </a:p>
+                      </a:txBody>
+                      <a:tcPr marL="63272" marR="63272" marT="0" marB="0" anchor="ctr"/>
+                    </a:tc>
+                    <a:tc>
+                      <a:txBody>
+                        <a:bodyPr/>
+                        <a:lstStyle/>
+                        <a:p>
+                          <a:pPr algn="ctr">
+                            <a:lnSpc>
+                              <a:spcPct val="106000"/>
+                            </a:lnSpc>
+                            <a:spcAft>
+                              <a:spcPts val="800"/>
+                            </a:spcAft>
+                          </a:pPr>
+                          <a:r>
+                            <a:rPr lang="ru-RU" sz="1600" dirty="0">
+                              <a:effectLst/>
+                            </a:rPr>
+                            <a:t>1</a:t>
+                          </a:r>
+                          <a:endParaRPr lang="ru-RU" sz="1100" dirty="0">
+                            <a:effectLst/>
+                            <a:latin typeface="Calibri" panose="020F0502020204030204" pitchFamily="34" charset="0"/>
+                            <a:ea typeface="Calibri" panose="020F0502020204030204" pitchFamily="34" charset="0"/>
+                            <a:cs typeface="Times New Roman" panose="02020603050405020304" pitchFamily="18" charset="0"/>
+                          </a:endParaRPr>
+                        </a:p>
+                      </a:txBody>
+                      <a:tcPr marL="63272" marR="63272" marT="0" marB="0" anchor="ctr"/>
+                    </a:tc>
+                    <a:tc>
+                      <a:txBody>
+                        <a:bodyPr/>
+                        <a:lstStyle/>
+                        <a:p>
+                          <a:pPr algn="ctr">
+                            <a:lnSpc>
+                              <a:spcPct val="106000"/>
+                            </a:lnSpc>
+                            <a:spcAft>
+                              <a:spcPts val="800"/>
+                            </a:spcAft>
+                          </a:pPr>
+                          <a:r>
+                            <a:rPr lang="ru-RU" sz="1600" dirty="0">
+                              <a:effectLst/>
+                            </a:rPr>
+                            <a:t>4</a:t>
+                          </a:r>
+                          <a:endParaRPr lang="ru-RU" sz="1100" dirty="0">
+                            <a:effectLst/>
+                            <a:latin typeface="Calibri" panose="020F0502020204030204" pitchFamily="34" charset="0"/>
+                            <a:ea typeface="Calibri" panose="020F0502020204030204" pitchFamily="34" charset="0"/>
+                            <a:cs typeface="Times New Roman" panose="02020603050405020304" pitchFamily="18" charset="0"/>
+                          </a:endParaRPr>
+                        </a:p>
+                      </a:txBody>
+                      <a:tcPr marL="8253" marR="8253" marT="8253" marB="8253" anchor="ctr"/>
+                    </a:tc>
+                    <a:tc>
+                      <a:txBody>
+                        <a:bodyPr/>
+                        <a:lstStyle/>
+                        <a:p>
+                          <a:pPr algn="ctr">
+                            <a:lnSpc>
+                              <a:spcPct val="106000"/>
+                            </a:lnSpc>
+                            <a:spcAft>
+                              <a:spcPts val="800"/>
+                            </a:spcAft>
+                          </a:pPr>
+                          <a:r>
+                            <a:rPr lang="ru-RU" sz="1600" dirty="0">
+                              <a:effectLst/>
+                            </a:rPr>
+                            <a:t>6</a:t>
+                          </a:r>
+                          <a:endParaRPr lang="ru-RU" sz="1100" dirty="0">
+                            <a:effectLst/>
+                            <a:latin typeface="Calibri" panose="020F0502020204030204" pitchFamily="34" charset="0"/>
+                            <a:ea typeface="Calibri" panose="020F0502020204030204" pitchFamily="34" charset="0"/>
+                            <a:cs typeface="Times New Roman" panose="02020603050405020304" pitchFamily="18" charset="0"/>
+                          </a:endParaRPr>
+                        </a:p>
+                      </a:txBody>
+                      <a:tcPr marL="8253" marR="8253" marT="8253" marB="8253" anchor="ctr"/>
+                    </a:tc>
+                    <a:tc>
+                      <a:txBody>
+                        <a:bodyPr/>
+                        <a:lstStyle/>
+                        <a:p>
+                          <a:pPr algn="ctr">
+                            <a:lnSpc>
+                              <a:spcPct val="106000"/>
+                            </a:lnSpc>
+                            <a:spcAft>
+                              <a:spcPts val="800"/>
+                            </a:spcAft>
+                          </a:pPr>
+                          <a:r>
+                            <a:rPr lang="ru-RU" sz="1600" dirty="0">
+                              <a:effectLst/>
+                            </a:rPr>
+                            <a:t>5</a:t>
+                          </a:r>
+                          <a:endParaRPr lang="ru-RU" sz="1100" dirty="0">
+                            <a:effectLst/>
+                            <a:latin typeface="Calibri" panose="020F0502020204030204" pitchFamily="34" charset="0"/>
+                            <a:ea typeface="Calibri" panose="020F0502020204030204" pitchFamily="34" charset="0"/>
+                            <a:cs typeface="Times New Roman" panose="02020603050405020304" pitchFamily="18" charset="0"/>
+                          </a:endParaRPr>
+                        </a:p>
+                      </a:txBody>
+                      <a:tcPr marL="8253" marR="8253" marT="8253" marB="8253" anchor="ctr"/>
+                    </a:tc>
+                    <a:tc>
+                      <a:txBody>
+                        <a:bodyPr/>
+                        <a:lstStyle/>
+                        <a:p>
+                          <a:pPr algn="ctr">
+                            <a:lnSpc>
+                              <a:spcPct val="106000"/>
+                            </a:lnSpc>
+                            <a:spcAft>
+                              <a:spcPts val="800"/>
+                            </a:spcAft>
+                          </a:pPr>
+                          <a:r>
+                            <a:rPr lang="ru-RU" sz="1600" dirty="0">
+                              <a:effectLst/>
+                            </a:rPr>
+                            <a:t>21</a:t>
+                          </a:r>
+                          <a:endParaRPr lang="ru-RU" sz="1100" dirty="0">
+                            <a:effectLst/>
+                            <a:latin typeface="Calibri" panose="020F0502020204030204" pitchFamily="34" charset="0"/>
+                            <a:ea typeface="Calibri" panose="020F0502020204030204" pitchFamily="34" charset="0"/>
+                            <a:cs typeface="Times New Roman" panose="02020603050405020304" pitchFamily="18" charset="0"/>
+                          </a:endParaRPr>
+                        </a:p>
+                      </a:txBody>
+                      <a:tcPr marL="8253" marR="8253" marT="8253" marB="8253" anchor="ctr"/>
+                    </a:tc>
+                    <a:extLst>
+                      <a:ext uri="{0D108BD9-81ED-4DB2-BD59-A6C34878D82A}">
+                        <a16:rowId xmlns:a16="http://schemas.microsoft.com/office/drawing/2014/main" val="2891048993"/>
+                      </a:ext>
+                    </a:extLst>
+                  </a:tr>
+                  <a:tr h="285814">
+                    <a:tc>
+                      <a:txBody>
+                        <a:bodyPr/>
+                        <a:lstStyle/>
+                        <a:p>
+                          <a:pPr indent="8255" algn="ctr">
+                            <a:lnSpc>
+                              <a:spcPct val="150000"/>
+                            </a:lnSpc>
+                            <a:spcAft>
+                              <a:spcPts val="0"/>
+                            </a:spcAft>
+                          </a:pPr>
+                          <a:r>
+                            <a:rPr lang="ru-RU" sz="1400" dirty="0">
+                              <a:effectLst/>
+                            </a:rPr>
+                            <a:t>Эксперт 10</a:t>
+                          </a:r>
+                          <a:endParaRPr lang="ru-RU" sz="1050" dirty="0">
+                            <a:effectLst/>
+                            <a:latin typeface="Calibri" panose="020F0502020204030204" pitchFamily="34" charset="0"/>
+                            <a:ea typeface="Calibri" panose="020F0502020204030204" pitchFamily="34" charset="0"/>
+                            <a:cs typeface="Times New Roman" panose="02020603050405020304" pitchFamily="18" charset="0"/>
+                          </a:endParaRPr>
+                        </a:p>
+                      </a:txBody>
+                      <a:tcPr marL="63272" marR="63272" marT="0" marB="0" anchor="ctr"/>
+                    </a:tc>
+                    <a:tc>
+                      <a:txBody>
+                        <a:bodyPr/>
+                        <a:lstStyle/>
+                        <a:p>
+                          <a:pPr algn="ctr">
+                            <a:lnSpc>
+                              <a:spcPct val="106000"/>
+                            </a:lnSpc>
+                            <a:spcAft>
+                              <a:spcPts val="800"/>
+                            </a:spcAft>
+                          </a:pPr>
+                          <a:r>
+                            <a:rPr lang="ru-RU" sz="1600">
+                              <a:effectLst/>
+                            </a:rPr>
+                            <a:t>1</a:t>
+                          </a:r>
+                          <a:endParaRPr lang="ru-RU" sz="1100">
+                            <a:effectLst/>
+                            <a:latin typeface="Calibri" panose="020F0502020204030204" pitchFamily="34" charset="0"/>
+                            <a:ea typeface="Calibri" panose="020F0502020204030204" pitchFamily="34" charset="0"/>
+                            <a:cs typeface="Times New Roman" panose="02020603050405020304" pitchFamily="18" charset="0"/>
+                          </a:endParaRPr>
+                        </a:p>
+                      </a:txBody>
+                      <a:tcPr marL="63272" marR="63272" marT="0" marB="0" anchor="ctr"/>
+                    </a:tc>
+                    <a:tc>
+                      <a:txBody>
+                        <a:bodyPr/>
+                        <a:lstStyle/>
+                        <a:p>
+                          <a:pPr algn="ctr">
+                            <a:lnSpc>
+                              <a:spcPct val="106000"/>
+                            </a:lnSpc>
+                            <a:spcAft>
+                              <a:spcPts val="800"/>
+                            </a:spcAft>
+                          </a:pPr>
+                          <a:r>
+                            <a:rPr lang="ru-RU" sz="1600">
+                              <a:effectLst/>
+                            </a:rPr>
+                            <a:t>4</a:t>
+                          </a:r>
+                          <a:endParaRPr lang="ru-RU" sz="1100">
+                            <a:effectLst/>
+                            <a:latin typeface="Calibri" panose="020F0502020204030204" pitchFamily="34" charset="0"/>
+                            <a:ea typeface="Calibri" panose="020F0502020204030204" pitchFamily="34" charset="0"/>
+                            <a:cs typeface="Times New Roman" panose="02020603050405020304" pitchFamily="18" charset="0"/>
+                          </a:endParaRPr>
+                        </a:p>
+                      </a:txBody>
+                      <a:tcPr marL="63272" marR="63272" marT="0" marB="0" anchor="ctr"/>
+                    </a:tc>
+                    <a:tc>
+                      <a:txBody>
+                        <a:bodyPr/>
+                        <a:lstStyle/>
+                        <a:p>
+                          <a:pPr algn="ctr">
+                            <a:lnSpc>
+                              <a:spcPct val="106000"/>
+                            </a:lnSpc>
+                            <a:spcAft>
+                              <a:spcPts val="800"/>
+                            </a:spcAft>
+                          </a:pPr>
+                          <a:r>
+                            <a:rPr lang="ru-RU" sz="1600">
+                              <a:effectLst/>
+                            </a:rPr>
+                            <a:t>2</a:t>
+                          </a:r>
+                          <a:endParaRPr lang="ru-RU" sz="1100">
+                            <a:effectLst/>
+                            <a:latin typeface="Calibri" panose="020F0502020204030204" pitchFamily="34" charset="0"/>
+                            <a:ea typeface="Calibri" panose="020F0502020204030204" pitchFamily="34" charset="0"/>
+                            <a:cs typeface="Times New Roman" panose="02020603050405020304" pitchFamily="18" charset="0"/>
+                          </a:endParaRPr>
+                        </a:p>
+                      </a:txBody>
+                      <a:tcPr marL="63272" marR="63272" marT="0" marB="0" anchor="ctr"/>
+                    </a:tc>
+                    <a:tc>
+                      <a:txBody>
+                        <a:bodyPr/>
+                        <a:lstStyle/>
+                        <a:p>
+                          <a:pPr algn="ctr">
+                            <a:lnSpc>
+                              <a:spcPct val="106000"/>
+                            </a:lnSpc>
+                            <a:spcAft>
+                              <a:spcPts val="800"/>
+                            </a:spcAft>
+                          </a:pPr>
+                          <a:r>
+                            <a:rPr lang="ru-RU" sz="1600" dirty="0">
+                              <a:effectLst/>
+                            </a:rPr>
+                            <a:t>6</a:t>
+                          </a:r>
+                          <a:endParaRPr lang="ru-RU" sz="1100" dirty="0">
+                            <a:effectLst/>
+                            <a:latin typeface="Calibri" panose="020F0502020204030204" pitchFamily="34" charset="0"/>
+                            <a:ea typeface="Calibri" panose="020F0502020204030204" pitchFamily="34" charset="0"/>
+                            <a:cs typeface="Times New Roman" panose="02020603050405020304" pitchFamily="18" charset="0"/>
+                          </a:endParaRPr>
+                        </a:p>
+                      </a:txBody>
+                      <a:tcPr marL="8253" marR="8253" marT="8253" marB="8253" anchor="ctr"/>
+                    </a:tc>
+                    <a:tc>
+                      <a:txBody>
+                        <a:bodyPr/>
+                        <a:lstStyle/>
+                        <a:p>
+                          <a:pPr algn="ctr">
+                            <a:lnSpc>
+                              <a:spcPct val="106000"/>
+                            </a:lnSpc>
+                            <a:spcAft>
+                              <a:spcPts val="800"/>
+                            </a:spcAft>
+                          </a:pPr>
+                          <a:r>
+                            <a:rPr lang="ru-RU" sz="1600" dirty="0">
+                              <a:effectLst/>
+                            </a:rPr>
+                            <a:t>3</a:t>
+                          </a:r>
+                          <a:endParaRPr lang="ru-RU" sz="1100" dirty="0">
+                            <a:effectLst/>
+                            <a:latin typeface="Calibri" panose="020F0502020204030204" pitchFamily="34" charset="0"/>
+                            <a:ea typeface="Calibri" panose="020F0502020204030204" pitchFamily="34" charset="0"/>
+                            <a:cs typeface="Times New Roman" panose="02020603050405020304" pitchFamily="18" charset="0"/>
+                          </a:endParaRPr>
+                        </a:p>
+                      </a:txBody>
+                      <a:tcPr marL="8253" marR="8253" marT="8253" marB="8253" anchor="ctr"/>
+                    </a:tc>
+                    <a:tc>
+                      <a:txBody>
+                        <a:bodyPr/>
+                        <a:lstStyle/>
+                        <a:p>
+                          <a:pPr algn="ctr">
+                            <a:lnSpc>
+                              <a:spcPct val="106000"/>
+                            </a:lnSpc>
+                            <a:spcAft>
+                              <a:spcPts val="800"/>
+                            </a:spcAft>
+                          </a:pPr>
+                          <a:r>
+                            <a:rPr lang="ru-RU" sz="1600" dirty="0">
+                              <a:effectLst/>
+                            </a:rPr>
+                            <a:t>5</a:t>
+                          </a:r>
+                          <a:endParaRPr lang="ru-RU" sz="1100" dirty="0">
+                            <a:effectLst/>
+                            <a:latin typeface="Calibri" panose="020F0502020204030204" pitchFamily="34" charset="0"/>
+                            <a:ea typeface="Calibri" panose="020F0502020204030204" pitchFamily="34" charset="0"/>
+                            <a:cs typeface="Times New Roman" panose="02020603050405020304" pitchFamily="18" charset="0"/>
+                          </a:endParaRPr>
+                        </a:p>
+                      </a:txBody>
+                      <a:tcPr marL="8253" marR="8253" marT="8253" marB="8253" anchor="ctr"/>
+                    </a:tc>
+                    <a:tc>
+                      <a:txBody>
+                        <a:bodyPr/>
+                        <a:lstStyle/>
+                        <a:p>
+                          <a:pPr algn="ctr">
+                            <a:lnSpc>
+                              <a:spcPct val="106000"/>
+                            </a:lnSpc>
+                            <a:spcAft>
+                              <a:spcPts val="800"/>
+                            </a:spcAft>
+                          </a:pPr>
+                          <a:r>
+                            <a:rPr lang="ru-RU" sz="1600" dirty="0">
+                              <a:effectLst/>
+                            </a:rPr>
+                            <a:t>21</a:t>
+                          </a:r>
+                          <a:endParaRPr lang="ru-RU" sz="1100" dirty="0">
                             <a:effectLst/>
                             <a:latin typeface="Calibri" panose="020F0502020204030204" pitchFamily="34" charset="0"/>
                             <a:ea typeface="Calibri" panose="020F0502020204030204" pitchFamily="34" charset="0"/>
@@ -14472,7 +14478,7 @@
                       </a:ext>
                     </a:extLst>
                   </a:tr>
-                  <a:tr h="383981">
+                  <a:tr h="343150">
                     <a:tc>
                       <a:txBody>
                         <a:bodyPr/>
@@ -14485,7 +14491,7 @@
                         <a:blipFill>
                           <a:blip r:embed="rId5"/>
                           <a:stretch>
-                            <a:fillRect l="-298" t="-1033333" r="-240179" b="-111111"/>
+                            <a:fillRect l="-298" t="-1060714" r="-240179" b="-110714"/>
                           </a:stretch>
                         </a:blipFill>
                       </a:tcPr>
@@ -14504,12 +14510,12 @@
                             </a:spcAft>
                           </a:pPr>
                           <a:r>
-                            <a:rPr lang="ru-RU" sz="1800">
+                            <a:rPr lang="ru-RU" sz="1600">
                               <a:effectLst/>
                             </a:rPr>
                             <a:t>15</a:t>
                           </a:r>
-                          <a:endParaRPr lang="ru-RU" sz="1200">
+                          <a:endParaRPr lang="ru-RU" sz="1100">
                             <a:effectLst/>
                             <a:latin typeface="Calibri" panose="020F0502020204030204" pitchFamily="34" charset="0"/>
                             <a:ea typeface="Calibri" panose="020F0502020204030204" pitchFamily="34" charset="0"/>
@@ -14533,12 +14539,12 @@
                             </a:spcAft>
                           </a:pPr>
                           <a:r>
-                            <a:rPr lang="ru-RU" sz="1800">
+                            <a:rPr lang="ru-RU" sz="1600">
                               <a:effectLst/>
                             </a:rPr>
                             <a:t>47</a:t>
                           </a:r>
-                          <a:endParaRPr lang="ru-RU" sz="1200">
+                          <a:endParaRPr lang="ru-RU" sz="1100">
                             <a:effectLst/>
                             <a:latin typeface="Calibri" panose="020F0502020204030204" pitchFamily="34" charset="0"/>
                             <a:ea typeface="Calibri" panose="020F0502020204030204" pitchFamily="34" charset="0"/>
@@ -14562,12 +14568,12 @@
                             </a:spcAft>
                           </a:pPr>
                           <a:r>
-                            <a:rPr lang="ru-RU" sz="1800">
+                            <a:rPr lang="ru-RU" sz="1600">
                               <a:effectLst/>
                             </a:rPr>
                             <a:t>16</a:t>
                           </a:r>
-                          <a:endParaRPr lang="ru-RU" sz="1200">
+                          <a:endParaRPr lang="ru-RU" sz="1100">
                             <a:effectLst/>
                             <a:latin typeface="Calibri" panose="020F0502020204030204" pitchFamily="34" charset="0"/>
                             <a:ea typeface="Calibri" panose="020F0502020204030204" pitchFamily="34" charset="0"/>
@@ -14591,12 +14597,12 @@
                             </a:spcAft>
                           </a:pPr>
                           <a:r>
-                            <a:rPr lang="ru-RU" sz="1800">
+                            <a:rPr lang="ru-RU" sz="1600">
                               <a:effectLst/>
                             </a:rPr>
                             <a:t>55</a:t>
                           </a:r>
-                          <a:endParaRPr lang="ru-RU" sz="1200">
+                          <a:endParaRPr lang="ru-RU" sz="1100">
                             <a:effectLst/>
                             <a:latin typeface="Calibri" panose="020F0502020204030204" pitchFamily="34" charset="0"/>
                             <a:ea typeface="Calibri" panose="020F0502020204030204" pitchFamily="34" charset="0"/>
@@ -14620,12 +14626,12 @@
                             </a:spcAft>
                           </a:pPr>
                           <a:r>
-                            <a:rPr lang="ru-RU" sz="1800" dirty="0">
+                            <a:rPr lang="ru-RU" sz="1600" dirty="0">
                               <a:effectLst/>
                             </a:rPr>
                             <a:t>37</a:t>
                           </a:r>
-                          <a:endParaRPr lang="ru-RU" sz="1200" dirty="0">
+                          <a:endParaRPr lang="ru-RU" sz="1100" dirty="0">
                             <a:effectLst/>
                             <a:latin typeface="Calibri" panose="020F0502020204030204" pitchFamily="34" charset="0"/>
                             <a:ea typeface="Calibri" panose="020F0502020204030204" pitchFamily="34" charset="0"/>
@@ -14649,12 +14655,12 @@
                             </a:spcAft>
                           </a:pPr>
                           <a:r>
-                            <a:rPr lang="ru-RU" sz="1800" dirty="0">
+                            <a:rPr lang="ru-RU" sz="1600" dirty="0">
                               <a:effectLst/>
                             </a:rPr>
                             <a:t>40</a:t>
                           </a:r>
-                          <a:endParaRPr lang="ru-RU" sz="1200" dirty="0">
+                          <a:endParaRPr lang="ru-RU" sz="1100" dirty="0">
                             <a:effectLst/>
                             <a:latin typeface="Calibri" panose="020F0502020204030204" pitchFamily="34" charset="0"/>
                             <a:ea typeface="Calibri" panose="020F0502020204030204" pitchFamily="34" charset="0"/>
@@ -14678,12 +14684,12 @@
                             </a:spcAft>
                           </a:pPr>
                           <a:r>
-                            <a:rPr lang="ru-RU" sz="1800" dirty="0">
+                            <a:rPr lang="ru-RU" sz="1600" dirty="0">
                               <a:effectLst/>
                             </a:rPr>
                             <a:t>210</a:t>
                           </a:r>
-                          <a:endParaRPr lang="ru-RU" sz="1200" dirty="0">
+                          <a:endParaRPr lang="ru-RU" sz="1100" dirty="0">
                             <a:effectLst/>
                             <a:latin typeface="Calibri" panose="020F0502020204030204" pitchFamily="34" charset="0"/>
                             <a:ea typeface="Calibri" panose="020F0502020204030204" pitchFamily="34" charset="0"/>
@@ -14699,7 +14705,7 @@
                       </a:ext>
                     </a:extLst>
                   </a:tr>
-                  <a:tr h="293493">
+                  <a:tr h="274447">
                     <a:tc>
                       <a:txBody>
                         <a:bodyPr/>
@@ -14712,7 +14718,7 @@
                         <a:blipFill>
                           <a:blip r:embed="rId5"/>
                           <a:stretch>
-                            <a:fillRect l="-298" t="-1487500" r="-240179" b="-45833"/>
+                            <a:fillRect l="-298" t="-1444444" r="-240179" b="-37778"/>
                           </a:stretch>
                         </a:blipFill>
                       </a:tcPr>
@@ -14731,12 +14737,12 @@
                             </a:spcAft>
                           </a:pPr>
                           <a:r>
-                            <a:rPr lang="ru-RU" sz="1800" dirty="0">
+                            <a:rPr lang="ru-RU" sz="1600" dirty="0">
                               <a:effectLst/>
                             </a:rPr>
                             <a:t>400</a:t>
                           </a:r>
-                          <a:endParaRPr lang="ru-RU" sz="1200" dirty="0">
+                          <a:endParaRPr lang="ru-RU" sz="1100" dirty="0">
                             <a:effectLst/>
                             <a:latin typeface="Calibri" panose="020F0502020204030204" pitchFamily="34" charset="0"/>
                             <a:ea typeface="Calibri" panose="020F0502020204030204" pitchFamily="34" charset="0"/>
@@ -14760,12 +14766,12 @@
                             </a:spcAft>
                           </a:pPr>
                           <a:r>
-                            <a:rPr lang="ru-RU" sz="1800" dirty="0">
+                            <a:rPr lang="ru-RU" sz="1600" dirty="0">
                               <a:effectLst/>
                             </a:rPr>
                             <a:t>144</a:t>
                           </a:r>
-                          <a:endParaRPr lang="ru-RU" sz="1200" dirty="0">
+                          <a:endParaRPr lang="ru-RU" sz="1100" dirty="0">
                             <a:effectLst/>
                             <a:latin typeface="Calibri" panose="020F0502020204030204" pitchFamily="34" charset="0"/>
                             <a:ea typeface="Calibri" panose="020F0502020204030204" pitchFamily="34" charset="0"/>
@@ -14789,12 +14795,12 @@
                             </a:spcAft>
                           </a:pPr>
                           <a:r>
-                            <a:rPr lang="ru-RU" sz="1800" dirty="0">
+                            <a:rPr lang="ru-RU" sz="1600" dirty="0">
                               <a:effectLst/>
                             </a:rPr>
                             <a:t>361</a:t>
                           </a:r>
-                          <a:endParaRPr lang="ru-RU" sz="1200" dirty="0">
+                          <a:endParaRPr lang="ru-RU" sz="1100" dirty="0">
                             <a:effectLst/>
                             <a:latin typeface="Calibri" panose="020F0502020204030204" pitchFamily="34" charset="0"/>
                             <a:ea typeface="Calibri" panose="020F0502020204030204" pitchFamily="34" charset="0"/>
@@ -14818,12 +14824,12 @@
                             </a:spcAft>
                           </a:pPr>
                           <a:r>
-                            <a:rPr lang="ru-RU" sz="1800" dirty="0">
+                            <a:rPr lang="ru-RU" sz="1600" dirty="0">
                               <a:effectLst/>
                             </a:rPr>
                             <a:t>400</a:t>
                           </a:r>
-                          <a:endParaRPr lang="ru-RU" sz="1200" dirty="0">
+                          <a:endParaRPr lang="ru-RU" sz="1100" dirty="0">
                             <a:effectLst/>
                             <a:latin typeface="Calibri" panose="020F0502020204030204" pitchFamily="34" charset="0"/>
                             <a:ea typeface="Calibri" panose="020F0502020204030204" pitchFamily="34" charset="0"/>
@@ -14847,12 +14853,12 @@
                             </a:spcAft>
                           </a:pPr>
                           <a:r>
-                            <a:rPr lang="ru-RU" sz="1800" dirty="0">
+                            <a:rPr lang="ru-RU" sz="1600" dirty="0">
                               <a:effectLst/>
                             </a:rPr>
                             <a:t>4</a:t>
                           </a:r>
-                          <a:endParaRPr lang="ru-RU" sz="1200" dirty="0">
+                          <a:endParaRPr lang="ru-RU" sz="1100" dirty="0">
                             <a:effectLst/>
                             <a:latin typeface="Calibri" panose="020F0502020204030204" pitchFamily="34" charset="0"/>
                             <a:ea typeface="Calibri" panose="020F0502020204030204" pitchFamily="34" charset="0"/>
@@ -14876,12 +14882,12 @@
                             </a:spcAft>
                           </a:pPr>
                           <a:r>
-                            <a:rPr lang="ru-RU" sz="1800" dirty="0">
+                            <a:rPr lang="ru-RU" sz="1600" dirty="0">
                               <a:effectLst/>
                             </a:rPr>
                             <a:t>25</a:t>
                           </a:r>
-                          <a:endParaRPr lang="ru-RU" sz="1200" dirty="0">
+                          <a:endParaRPr lang="ru-RU" sz="1100" dirty="0">
                             <a:effectLst/>
                             <a:latin typeface="Calibri" panose="020F0502020204030204" pitchFamily="34" charset="0"/>
                             <a:ea typeface="Calibri" panose="020F0502020204030204" pitchFamily="34" charset="0"/>
@@ -14905,12 +14911,12 @@
                             </a:spcAft>
                           </a:pPr>
                           <a:r>
-                            <a:rPr lang="en-US" sz="1800" dirty="0">
+                            <a:rPr lang="en-US" sz="1600" dirty="0">
                               <a:effectLst/>
                             </a:rPr>
                             <a:t>1334</a:t>
                           </a:r>
-                          <a:endParaRPr lang="ru-RU" sz="1200" dirty="0">
+                          <a:endParaRPr lang="ru-RU" sz="1100" dirty="0">
                             <a:effectLst/>
                             <a:latin typeface="Calibri" panose="020F0502020204030204" pitchFamily="34" charset="0"/>
                             <a:ea typeface="Calibri" panose="020F0502020204030204" pitchFamily="34" charset="0"/>
@@ -14932,8 +14938,8 @@
           </p:graphicFrame>
         </mc:Fallback>
       </mc:AlternateContent>
-      <mc:AlternateContent xmlns:mc="http://schemas.openxmlformats.org/markup-compatibility/2006">
-        <mc:Choice xmlns:a14="http://schemas.microsoft.com/office/drawing/2010/main" Requires="a14">
+      <mc:AlternateContent xmlns:mc="http://schemas.openxmlformats.org/markup-compatibility/2006" xmlns:a14="http://schemas.microsoft.com/office/drawing/2010/main">
+        <mc:Choice Requires="a14">
           <p:sp>
             <p:nvSpPr>
               <p:cNvPr id="14" name="Прямоугольник 13"/>
@@ -14955,6 +14961,7 @@
               </a:bodyPr>
               <a:lstStyle/>
               <a:p>
+                <a:pPr/>
                 <a14:m>
                   <m:oMathPara xmlns:m="http://schemas.openxmlformats.org/officeDocument/2006/math">
                     <m:oMathParaPr>
@@ -14964,7 +14971,7 @@
                       <m:sSub>
                         <m:sSubPr>
                           <m:ctrlPr>
-                            <a:rPr lang="ru-RU">
+                            <a:rPr lang="ru-RU" i="1">
                               <a:latin typeface="Cambria Math" panose="02040503050406030204" pitchFamily="18" charset="0"/>
                             </a:rPr>
                           </m:ctrlPr>
@@ -14993,7 +15000,9 @@
                         <m:t>=</m:t>
                       </m:r>
                       <m:r>
-                        <a:rPr lang="en-US" i="1"/>
+                        <a:rPr lang="en-US" i="1">
+                          <a:latin typeface="Cambria Math" panose="02040503050406030204" pitchFamily="18" charset="0"/>
+                        </a:rPr>
                         <m:t>0,7623</m:t>
                       </m:r>
                     </m:oMath>
@@ -15004,7 +15013,7 @@
             </p:txBody>
           </p:sp>
         </mc:Choice>
-        <mc:Fallback>
+        <mc:Fallback xmlns="">
           <p:sp>
             <p:nvSpPr>
               <p:cNvPr id="14" name="Прямоугольник 13"/>
@@ -15043,8 +15052,8 @@
           </p:sp>
         </mc:Fallback>
       </mc:AlternateContent>
-      <mc:AlternateContent xmlns:mc="http://schemas.openxmlformats.org/markup-compatibility/2006">
-        <mc:Choice xmlns:a14="http://schemas.microsoft.com/office/drawing/2010/main" Requires="a14">
+      <mc:AlternateContent xmlns:mc="http://schemas.openxmlformats.org/markup-compatibility/2006" xmlns:a14="http://schemas.microsoft.com/office/drawing/2010/main">
+        <mc:Choice Requires="a14">
           <p:sp>
             <p:nvSpPr>
               <p:cNvPr id="15" name="Прямоугольник 14"/>
@@ -15144,7 +15153,9 @@
                       <m:t> </m:t>
                     </m:r>
                     <m:r>
-                      <a:rPr lang="en-US" i="1"/>
+                      <a:rPr lang="en-US" i="1">
+                        <a:latin typeface="Cambria Math" panose="02040503050406030204" pitchFamily="18" charset="0"/>
+                      </a:rPr>
                       <m:t>38,11</m:t>
                     </m:r>
                   </m:oMath>
@@ -15154,7 +15165,7 @@
             </p:txBody>
           </p:sp>
         </mc:Choice>
-        <mc:Fallback>
+        <mc:Fallback xmlns="">
           <p:sp>
             <p:nvSpPr>
               <p:cNvPr id="15" name="Прямоугольник 14"/>
@@ -15193,8 +15204,8 @@
           </p:sp>
         </mc:Fallback>
       </mc:AlternateContent>
-      <mc:AlternateContent xmlns:mc="http://schemas.openxmlformats.org/markup-compatibility/2006">
-        <mc:Choice xmlns:a14="http://schemas.microsoft.com/office/drawing/2010/main" Requires="a14">
+      <mc:AlternateContent xmlns:mc="http://schemas.openxmlformats.org/markup-compatibility/2006" xmlns:a14="http://schemas.microsoft.com/office/drawing/2010/main">
+        <mc:Choice Requires="a14">
           <p:sp>
             <p:nvSpPr>
               <p:cNvPr id="16" name="Прямоугольник 15"/>
@@ -15221,7 +15232,7 @@
                     <m:sSubSup>
                       <m:sSubSupPr>
                         <m:ctrlPr>
-                          <a:rPr lang="ru-RU">
+                          <a:rPr lang="ru-RU" i="1">
                             <a:latin typeface="Cambria Math" panose="02040503050406030204" pitchFamily="18" charset="0"/>
                           </a:rPr>
                         </m:ctrlPr>
@@ -15276,7 +15287,7 @@
             </p:txBody>
           </p:sp>
         </mc:Choice>
-        <mc:Fallback>
+        <mc:Fallback xmlns="">
           <p:sp>
             <p:nvSpPr>
               <p:cNvPr id="16" name="Прямоугольник 15"/>
@@ -15661,8 +15672,8 @@
           </a:p>
         </p:txBody>
       </p:sp>
-      <mc:AlternateContent xmlns:mc="http://schemas.openxmlformats.org/markup-compatibility/2006">
-        <mc:Choice xmlns:a14="http://schemas.microsoft.com/office/drawing/2010/main" Requires="a14">
+      <mc:AlternateContent xmlns:mc="http://schemas.openxmlformats.org/markup-compatibility/2006" xmlns:a14="http://schemas.microsoft.com/office/drawing/2010/main">
+        <mc:Choice Requires="a14">
           <p:graphicFrame>
             <p:nvGraphicFramePr>
               <p:cNvPr id="3" name="Таблица 2"/>
@@ -15761,8 +15772,9 @@
                                 <m:sSub>
                                   <m:sSubPr>
                                     <m:ctrlPr>
-                                      <a:rPr lang="ru-RU" sz="1800">
+                                      <a:rPr lang="ru-RU" sz="1800" i="1">
                                         <a:effectLst/>
+                                        <a:latin typeface="Cambria Math" panose="02040503050406030204" pitchFamily="18" charset="0"/>
                                       </a:rPr>
                                     </m:ctrlPr>
                                   </m:sSubPr>
@@ -15770,6 +15782,7 @@
                                     <m:r>
                                       <a:rPr lang="en-US" sz="1800">
                                         <a:effectLst/>
+                                        <a:latin typeface="Cambria Math" panose="02040503050406030204" pitchFamily="18" charset="0"/>
                                       </a:rPr>
                                       <m:t>𝛽</m:t>
                                     </m:r>
@@ -15778,6 +15791,7 @@
                                     <m:r>
                                       <a:rPr lang="en-US" sz="1800">
                                         <a:effectLst/>
+                                        <a:latin typeface="Cambria Math" panose="02040503050406030204" pitchFamily="18" charset="0"/>
                                       </a:rPr>
                                       <m:t>1</m:t>
                                     </m:r>
@@ -15818,8 +15832,9 @@
                                 <m:sSub>
                                   <m:sSubPr>
                                     <m:ctrlPr>
-                                      <a:rPr lang="ru-RU" sz="1800">
+                                      <a:rPr lang="ru-RU" sz="1800" i="1">
                                         <a:effectLst/>
+                                        <a:latin typeface="Cambria Math" panose="02040503050406030204" pitchFamily="18" charset="0"/>
                                       </a:rPr>
                                     </m:ctrlPr>
                                   </m:sSubPr>
@@ -15827,6 +15842,7 @@
                                     <m:r>
                                       <a:rPr lang="en-US" sz="1800">
                                         <a:effectLst/>
+                                        <a:latin typeface="Cambria Math" panose="02040503050406030204" pitchFamily="18" charset="0"/>
                                       </a:rPr>
                                       <m:t>𝛽</m:t>
                                     </m:r>
@@ -15835,6 +15851,7 @@
                                     <m:r>
                                       <a:rPr lang="en-US" sz="1800">
                                         <a:effectLst/>
+                                        <a:latin typeface="Cambria Math" panose="02040503050406030204" pitchFamily="18" charset="0"/>
                                       </a:rPr>
                                       <m:t>2</m:t>
                                     </m:r>
@@ -15875,8 +15892,9 @@
                                 <m:sSub>
                                   <m:sSubPr>
                                     <m:ctrlPr>
-                                      <a:rPr lang="ru-RU" sz="1800">
+                                      <a:rPr lang="ru-RU" sz="1800" i="1">
                                         <a:effectLst/>
+                                        <a:latin typeface="Cambria Math" panose="02040503050406030204" pitchFamily="18" charset="0"/>
                                       </a:rPr>
                                     </m:ctrlPr>
                                   </m:sSubPr>
@@ -15884,6 +15902,7 @@
                                     <m:r>
                                       <a:rPr lang="en-US" sz="1800">
                                         <a:effectLst/>
+                                        <a:latin typeface="Cambria Math" panose="02040503050406030204" pitchFamily="18" charset="0"/>
                                       </a:rPr>
                                       <m:t>𝛽</m:t>
                                     </m:r>
@@ -15892,6 +15911,7 @@
                                     <m:r>
                                       <a:rPr lang="en-US" sz="1800">
                                         <a:effectLst/>
+                                        <a:latin typeface="Cambria Math" panose="02040503050406030204" pitchFamily="18" charset="0"/>
                                       </a:rPr>
                                       <m:t>3</m:t>
                                     </m:r>
@@ -15932,8 +15952,9 @@
                                 <m:sSub>
                                   <m:sSubPr>
                                     <m:ctrlPr>
-                                      <a:rPr lang="ru-RU" sz="1800">
+                                      <a:rPr lang="ru-RU" sz="1800" i="1">
                                         <a:effectLst/>
+                                        <a:latin typeface="Cambria Math" panose="02040503050406030204" pitchFamily="18" charset="0"/>
                                       </a:rPr>
                                     </m:ctrlPr>
                                   </m:sSubPr>
@@ -15941,6 +15962,7 @@
                                     <m:r>
                                       <a:rPr lang="en-US" sz="1800">
                                         <a:effectLst/>
+                                        <a:latin typeface="Cambria Math" panose="02040503050406030204" pitchFamily="18" charset="0"/>
                                       </a:rPr>
                                       <m:t>𝛽</m:t>
                                     </m:r>
@@ -15949,6 +15971,7 @@
                                     <m:r>
                                       <a:rPr lang="en-US" sz="1800">
                                         <a:effectLst/>
+                                        <a:latin typeface="Cambria Math" panose="02040503050406030204" pitchFamily="18" charset="0"/>
                                       </a:rPr>
                                       <m:t>4</m:t>
                                     </m:r>
@@ -15989,8 +16012,9 @@
                                 <m:sSub>
                                   <m:sSubPr>
                                     <m:ctrlPr>
-                                      <a:rPr lang="ru-RU" sz="1800">
+                                      <a:rPr lang="ru-RU" sz="1800" i="1">
                                         <a:effectLst/>
+                                        <a:latin typeface="Cambria Math" panose="02040503050406030204" pitchFamily="18" charset="0"/>
                                       </a:rPr>
                                     </m:ctrlPr>
                                   </m:sSubPr>
@@ -15998,6 +16022,7 @@
                                     <m:r>
                                       <a:rPr lang="en-US" sz="1800">
                                         <a:effectLst/>
+                                        <a:latin typeface="Cambria Math" panose="02040503050406030204" pitchFamily="18" charset="0"/>
                                       </a:rPr>
                                       <m:t>𝛽</m:t>
                                     </m:r>
@@ -16006,6 +16031,7 @@
                                     <m:r>
                                       <a:rPr lang="en-US" sz="1800">
                                         <a:effectLst/>
+                                        <a:latin typeface="Cambria Math" panose="02040503050406030204" pitchFamily="18" charset="0"/>
                                       </a:rPr>
                                       <m:t>5</m:t>
                                     </m:r>
@@ -16046,8 +16072,9 @@
                                 <m:sSub>
                                   <m:sSubPr>
                                     <m:ctrlPr>
-                                      <a:rPr lang="ru-RU" sz="1800">
+                                      <a:rPr lang="ru-RU" sz="1800" i="1">
                                         <a:effectLst/>
+                                        <a:latin typeface="Cambria Math" panose="02040503050406030204" pitchFamily="18" charset="0"/>
                                       </a:rPr>
                                     </m:ctrlPr>
                                   </m:sSubPr>
@@ -16055,6 +16082,7 @@
                                     <m:r>
                                       <a:rPr lang="en-US" sz="1800">
                                         <a:effectLst/>
+                                        <a:latin typeface="Cambria Math" panose="02040503050406030204" pitchFamily="18" charset="0"/>
                                       </a:rPr>
                                       <m:t>𝛽</m:t>
                                     </m:r>
@@ -16063,6 +16091,7 @@
                                     <m:r>
                                       <a:rPr lang="en-US" sz="1800">
                                         <a:effectLst/>
+                                        <a:latin typeface="Cambria Math" panose="02040503050406030204" pitchFamily="18" charset="0"/>
                                       </a:rPr>
                                       <m:t>6</m:t>
                                     </m:r>
@@ -16347,7 +16376,7 @@
             </a:graphic>
           </p:graphicFrame>
         </mc:Choice>
-        <mc:Fallback>
+        <mc:Fallback xmlns="">
           <p:graphicFrame>
             <p:nvGraphicFramePr>
               <p:cNvPr id="3" name="Таблица 2"/>
@@ -16793,8 +16822,8 @@
           </p:graphicFrame>
         </mc:Fallback>
       </mc:AlternateContent>
-      <mc:AlternateContent xmlns:mc="http://schemas.openxmlformats.org/markup-compatibility/2006">
-        <mc:Choice xmlns:a14="http://schemas.microsoft.com/office/drawing/2010/main" Requires="a14">
+      <mc:AlternateContent xmlns:mc="http://schemas.openxmlformats.org/markup-compatibility/2006" xmlns:a14="http://schemas.microsoft.com/office/drawing/2010/main">
+        <mc:Choice Requires="a14">
           <p:sp>
             <p:nvSpPr>
               <p:cNvPr id="5" name="Прямоугольник 4"/>
@@ -16816,6 +16845,7 @@
               </a:bodyPr>
               <a:lstStyle/>
               <a:p>
+                <a:pPr/>
                 <a14:m>
                   <m:oMathPara xmlns:m="http://schemas.openxmlformats.org/officeDocument/2006/math">
                     <m:oMathParaPr>
@@ -16825,7 +16855,7 @@
                       <m:sSub>
                         <m:sSubPr>
                           <m:ctrlPr>
-                            <a:rPr lang="ru-RU">
+                            <a:rPr lang="ru-RU" i="1">
                               <a:latin typeface="Cambria Math" panose="02040503050406030204" pitchFamily="18" charset="0"/>
                             </a:rPr>
                           </m:ctrlPr>
@@ -17019,7 +17049,7 @@
             </p:txBody>
           </p:sp>
         </mc:Choice>
-        <mc:Fallback>
+        <mc:Fallback xmlns="">
           <p:sp>
             <p:nvSpPr>
               <p:cNvPr id="5" name="Прямоугольник 4"/>
@@ -17058,8 +17088,8 @@
           </p:sp>
         </mc:Fallback>
       </mc:AlternateContent>
-      <mc:AlternateContent xmlns:mc="http://schemas.openxmlformats.org/markup-compatibility/2006">
-        <mc:Choice xmlns:a14="http://schemas.microsoft.com/office/drawing/2010/main" Requires="a14">
+      <mc:AlternateContent xmlns:mc="http://schemas.openxmlformats.org/markup-compatibility/2006" xmlns:a14="http://schemas.microsoft.com/office/drawing/2010/main">
+        <mc:Choice Requires="a14">
           <p:sp>
             <p:nvSpPr>
               <p:cNvPr id="6" name="Прямоугольник 5"/>
@@ -17081,6 +17111,7 @@
               </a:bodyPr>
               <a:lstStyle/>
               <a:p>
+                <a:pPr/>
                 <a14:m>
                   <m:oMathPara xmlns:m="http://schemas.openxmlformats.org/officeDocument/2006/math">
                     <m:oMathParaPr>
@@ -17090,7 +17121,7 @@
                       <m:sSub>
                         <m:sSubPr>
                           <m:ctrlPr>
-                            <a:rPr lang="ru-RU">
+                            <a:rPr lang="ru-RU" i="1">
                               <a:latin typeface="Cambria Math" panose="02040503050406030204" pitchFamily="18" charset="0"/>
                             </a:rPr>
                           </m:ctrlPr>
@@ -17223,7 +17254,7 @@
             </p:txBody>
           </p:sp>
         </mc:Choice>
-        <mc:Fallback>
+        <mc:Fallback xmlns="">
           <p:sp>
             <p:nvSpPr>
               <p:cNvPr id="6" name="Прямоугольник 5"/>
@@ -17262,8 +17293,8 @@
           </p:sp>
         </mc:Fallback>
       </mc:AlternateContent>
-      <mc:AlternateContent xmlns:mc="http://schemas.openxmlformats.org/markup-compatibility/2006">
-        <mc:Choice xmlns:a14="http://schemas.microsoft.com/office/drawing/2010/main" Requires="a14">
+      <mc:AlternateContent xmlns:mc="http://schemas.openxmlformats.org/markup-compatibility/2006" xmlns:a14="http://schemas.microsoft.com/office/drawing/2010/main">
+        <mc:Choice Requires="a14">
           <p:sp>
             <p:nvSpPr>
               <p:cNvPr id="7" name="Прямоугольник 6"/>
@@ -17290,7 +17321,7 @@
                     <m:sSub>
                       <m:sSubPr>
                         <m:ctrlPr>
-                          <a:rPr lang="ru-RU" sz="2400">
+                          <a:rPr lang="ru-RU" sz="2400" i="1">
                             <a:latin typeface="Cambria Math" panose="02040503050406030204" pitchFamily="18" charset="0"/>
                           </a:rPr>
                         </m:ctrlPr>
@@ -17333,7 +17364,7 @@
             </p:txBody>
           </p:sp>
         </mc:Choice>
-        <mc:Fallback>
+        <mc:Fallback xmlns="">
           <p:sp>
             <p:nvSpPr>
               <p:cNvPr id="7" name="Прямоугольник 6"/>
@@ -17372,8 +17403,8 @@
           </p:sp>
         </mc:Fallback>
       </mc:AlternateContent>
-      <mc:AlternateContent xmlns:mc="http://schemas.openxmlformats.org/markup-compatibility/2006">
-        <mc:Choice xmlns:a14="http://schemas.microsoft.com/office/drawing/2010/main" Requires="a14">
+      <mc:AlternateContent xmlns:mc="http://schemas.openxmlformats.org/markup-compatibility/2006" xmlns:a14="http://schemas.microsoft.com/office/drawing/2010/main">
+        <mc:Choice Requires="a14">
           <p:sp>
             <p:nvSpPr>
               <p:cNvPr id="15" name="Прямоугольник 14"/>
@@ -17400,7 +17431,7 @@
                     <m:sSub>
                       <m:sSubPr>
                         <m:ctrlPr>
-                          <a:rPr lang="ru-RU" sz="2400" smtClean="0">
+                          <a:rPr lang="ru-RU" sz="2400" i="1" smtClean="0">
                             <a:latin typeface="Cambria Math" panose="02040503050406030204" pitchFamily="18" charset="0"/>
                           </a:rPr>
                         </m:ctrlPr>
@@ -17443,7 +17474,7 @@
             </p:txBody>
           </p:sp>
         </mc:Choice>
-        <mc:Fallback>
+        <mc:Fallback xmlns="">
           <p:sp>
             <p:nvSpPr>
               <p:cNvPr id="15" name="Прямоугольник 14"/>
@@ -20985,11 +21016,7 @@
             <a:pPr algn="ctr"/>
             <a:r>
               <a:rPr lang="ru-RU" sz="2800" dirty="0" smtClean="0"/>
-              <a:t>Функциональная </a:t>
-            </a:r>
-            <a:r>
-              <a:rPr lang="ru-RU" sz="2800" dirty="0" smtClean="0"/>
-              <a:t>архитектура модулей гибридного </a:t>
+              <a:t>Функциональная архитектура модулей гибридного </a:t>
             </a:r>
             <a:r>
               <a:rPr lang="ru-RU" sz="2800" dirty="0" err="1" smtClean="0"/>

--- a/презентация.pptx
+++ b/презентация.pptx
@@ -227,7 +227,7 @@
           <a:p>
             <a:fld id="{EE4BEA0C-B298-4F3F-8EAA-78E653AF7C43}" type="datetimeFigureOut">
               <a:rPr lang="ru-RU" smtClean="0"/>
-              <a:t>13.06.2022</a:t>
+              <a:t>14.06.2022</a:t>
             </a:fld>
             <a:endParaRPr lang="ru-RU"/>
           </a:p>
@@ -392,7 +392,7 @@
           <a:p>
             <a:fld id="{56F03E67-5427-4260-B62A-5770CE0A55F7}" type="datetimeFigureOut">
               <a:rPr lang="ru-RU" smtClean="0"/>
-              <a:t>13.06.2022</a:t>
+              <a:t>14.06.2022</a:t>
             </a:fld>
             <a:endParaRPr lang="ru-RU"/>
           </a:p>
@@ -944,7 +944,7 @@
           <a:p>
             <a:fld id="{61BBDE8E-1A21-4D39-9CDA-17B1B51844FA}" type="datetimeFigureOut">
               <a:rPr lang="ru-RU" smtClean="0"/>
-              <a:t>13.06.2022</a:t>
+              <a:t>14.06.2022</a:t>
             </a:fld>
             <a:endParaRPr lang="ru-RU"/>
           </a:p>
@@ -1244,7 +1244,7 @@
           <a:p>
             <a:fld id="{61BBDE8E-1A21-4D39-9CDA-17B1B51844FA}" type="datetimeFigureOut">
               <a:rPr lang="ru-RU" smtClean="0"/>
-              <a:t>13.06.2022</a:t>
+              <a:t>14.06.2022</a:t>
             </a:fld>
             <a:endParaRPr lang="ru-RU"/>
           </a:p>
@@ -1504,7 +1504,7 @@
           <a:p>
             <a:fld id="{61BBDE8E-1A21-4D39-9CDA-17B1B51844FA}" type="datetimeFigureOut">
               <a:rPr lang="ru-RU" smtClean="0"/>
-              <a:t>13.06.2022</a:t>
+              <a:t>14.06.2022</a:t>
             </a:fld>
             <a:endParaRPr lang="ru-RU"/>
           </a:p>
@@ -2185,7 +2185,7 @@
           <a:p>
             <a:fld id="{61BBDE8E-1A21-4D39-9CDA-17B1B51844FA}" type="datetimeFigureOut">
               <a:rPr lang="ru-RU" smtClean="0"/>
-              <a:t>13.06.2022</a:t>
+              <a:t>14.06.2022</a:t>
             </a:fld>
             <a:endParaRPr lang="ru-RU"/>
           </a:p>
@@ -4519,7 +4519,7 @@
           <a:p>
             <a:fld id="{61BBDE8E-1A21-4D39-9CDA-17B1B51844FA}" type="datetimeFigureOut">
               <a:rPr lang="ru-RU" smtClean="0"/>
-              <a:t>13.06.2022</a:t>
+              <a:t>14.06.2022</a:t>
             </a:fld>
             <a:endParaRPr lang="ru-RU"/>
           </a:p>
@@ -8239,8 +8239,8 @@
           </a:graphicData>
         </a:graphic>
       </p:graphicFrame>
-      <mc:AlternateContent xmlns:mc="http://schemas.openxmlformats.org/markup-compatibility/2006">
-        <mc:Choice xmlns:a14="http://schemas.microsoft.com/office/drawing/2010/main" Requires="a14">
+      <mc:AlternateContent xmlns:mc="http://schemas.openxmlformats.org/markup-compatibility/2006" xmlns:a14="http://schemas.microsoft.com/office/drawing/2010/main">
+        <mc:Choice Requires="a14">
           <p:graphicFrame>
             <p:nvGraphicFramePr>
               <p:cNvPr id="9" name="Таблица 8"/>
@@ -8257,7 +8257,7 @@
             </p:nvGraphicFramePr>
             <p:xfrm>
               <a:off x="5153600" y="1592620"/>
-              <a:ext cx="6937005" cy="4223763"/>
+              <a:ext cx="6937005" cy="4605643"/>
             </p:xfrm>
             <a:graphic>
               <a:graphicData uri="http://schemas.openxmlformats.org/drawingml/2006/table">
@@ -11636,7 +11636,7 @@
             </a:graphic>
           </p:graphicFrame>
         </mc:Choice>
-        <mc:Fallback>
+        <mc:Fallback xmlns="">
           <p:graphicFrame>
             <p:nvGraphicFramePr>
               <p:cNvPr id="9" name="Таблица 8"/>
@@ -14938,18 +14938,18 @@
           </p:graphicFrame>
         </mc:Fallback>
       </mc:AlternateContent>
-      <mc:AlternateContent xmlns:mc="http://schemas.openxmlformats.org/markup-compatibility/2006" xmlns:a14="http://schemas.microsoft.com/office/drawing/2010/main">
-        <mc:Choice Requires="a14">
+      <mc:AlternateContent xmlns:mc="http://schemas.openxmlformats.org/markup-compatibility/2006">
+        <mc:Choice xmlns:a14="http://schemas.microsoft.com/office/drawing/2010/main" Requires="a14">
           <p:sp>
             <p:nvSpPr>
-              <p:cNvPr id="14" name="Прямоугольник 13"/>
+              <p:cNvPr id="21" name="Прямоугольник 20"/>
               <p:cNvSpPr/>
               <p:nvPr/>
             </p:nvSpPr>
             <p:spPr>
               <a:xfrm>
-                <a:off x="821028" y="4519087"/>
-                <a:ext cx="1467005" cy="369332"/>
+                <a:off x="449941" y="4414944"/>
+                <a:ext cx="4675447" cy="834459"/>
               </a:xfrm>
               <a:prstGeom prst="rect">
                 <a:avLst/>
@@ -14971,7 +14971,7 @@
                       <m:sSub>
                         <m:sSubPr>
                           <m:ctrlPr>
-                            <a:rPr lang="ru-RU" i="1">
+                            <a:rPr lang="ru-RU" i="1" smtClean="0">
                               <a:latin typeface="Cambria Math" panose="02040503050406030204" pitchFamily="18" charset="0"/>
                             </a:rPr>
                           </m:ctrlPr>
@@ -14993,6 +14993,226 @@
                           </m:r>
                         </m:sub>
                       </m:sSub>
+                      <m:r>
+                        <a:rPr lang="ru-RU" b="0" i="0" smtClean="0">
+                          <a:latin typeface="Cambria Math" panose="02040503050406030204" pitchFamily="18" charset="0"/>
+                        </a:rPr>
+                        <m:t>=</m:t>
+                      </m:r>
+                      <m:f>
+                        <m:fPr>
+                          <m:ctrlPr>
+                            <a:rPr lang="ru-RU" i="1">
+                              <a:latin typeface="Cambria Math" panose="02040503050406030204" pitchFamily="18" charset="0"/>
+                            </a:rPr>
+                          </m:ctrlPr>
+                        </m:fPr>
+                        <m:num>
+                          <m:r>
+                            <a:rPr lang="ru-RU" i="1">
+                              <a:latin typeface="Cambria Math" panose="02040503050406030204" pitchFamily="18" charset="0"/>
+                            </a:rPr>
+                            <m:t>𝑆</m:t>
+                          </m:r>
+                        </m:num>
+                        <m:den>
+                          <m:f>
+                            <m:fPr>
+                              <m:ctrlPr>
+                                <a:rPr lang="ru-RU" i="1">
+                                  <a:latin typeface="Cambria Math" panose="02040503050406030204" pitchFamily="18" charset="0"/>
+                                </a:rPr>
+                              </m:ctrlPr>
+                            </m:fPr>
+                            <m:num>
+                              <m:r>
+                                <a:rPr lang="ru-RU" i="1">
+                                  <a:latin typeface="Cambria Math" panose="02040503050406030204" pitchFamily="18" charset="0"/>
+                                </a:rPr>
+                                <m:t>1</m:t>
+                              </m:r>
+                            </m:num>
+                            <m:den>
+                              <m:r>
+                                <a:rPr lang="ru-RU" i="1">
+                                  <a:latin typeface="Cambria Math" panose="02040503050406030204" pitchFamily="18" charset="0"/>
+                                </a:rPr>
+                                <m:t>12</m:t>
+                              </m:r>
+                            </m:den>
+                          </m:f>
+                          <m:sSup>
+                            <m:sSupPr>
+                              <m:ctrlPr>
+                                <a:rPr lang="ru-RU" i="1">
+                                  <a:latin typeface="Cambria Math" panose="02040503050406030204" pitchFamily="18" charset="0"/>
+                                </a:rPr>
+                              </m:ctrlPr>
+                            </m:sSupPr>
+                            <m:e>
+                              <m:r>
+                                <a:rPr lang="ru-RU" i="1">
+                                  <a:latin typeface="Cambria Math" panose="02040503050406030204" pitchFamily="18" charset="0"/>
+                                </a:rPr>
+                                <m:t>𝑚</m:t>
+                              </m:r>
+                            </m:e>
+                            <m:sup>
+                              <m:r>
+                                <a:rPr lang="ru-RU" i="1">
+                                  <a:latin typeface="Cambria Math" panose="02040503050406030204" pitchFamily="18" charset="0"/>
+                                </a:rPr>
+                                <m:t>2</m:t>
+                              </m:r>
+                            </m:sup>
+                          </m:sSup>
+                          <m:d>
+                            <m:dPr>
+                              <m:ctrlPr>
+                                <a:rPr lang="ru-RU" i="1">
+                                  <a:latin typeface="Cambria Math" panose="02040503050406030204" pitchFamily="18" charset="0"/>
+                                </a:rPr>
+                              </m:ctrlPr>
+                            </m:dPr>
+                            <m:e>
+                              <m:sSup>
+                                <m:sSupPr>
+                                  <m:ctrlPr>
+                                    <a:rPr lang="ru-RU" i="1">
+                                      <a:latin typeface="Cambria Math" panose="02040503050406030204" pitchFamily="18" charset="0"/>
+                                    </a:rPr>
+                                  </m:ctrlPr>
+                                </m:sSupPr>
+                                <m:e>
+                                  <m:r>
+                                    <a:rPr lang="ru-RU" i="1">
+                                      <a:latin typeface="Cambria Math" panose="02040503050406030204" pitchFamily="18" charset="0"/>
+                                    </a:rPr>
+                                    <m:t>𝑛</m:t>
+                                  </m:r>
+                                </m:e>
+                                <m:sup>
+                                  <m:r>
+                                    <a:rPr lang="ru-RU" i="1">
+                                      <a:latin typeface="Cambria Math" panose="02040503050406030204" pitchFamily="18" charset="0"/>
+                                    </a:rPr>
+                                    <m:t>3</m:t>
+                                  </m:r>
+                                </m:sup>
+                              </m:sSup>
+                              <m:r>
+                                <a:rPr lang="ru-RU" i="1">
+                                  <a:latin typeface="Cambria Math" panose="02040503050406030204" pitchFamily="18" charset="0"/>
+                                </a:rPr>
+                                <m:t>−</m:t>
+                              </m:r>
+                              <m:r>
+                                <a:rPr lang="ru-RU" i="1">
+                                  <a:latin typeface="Cambria Math" panose="02040503050406030204" pitchFamily="18" charset="0"/>
+                                </a:rPr>
+                                <m:t>𝑛</m:t>
+                              </m:r>
+                            </m:e>
+                          </m:d>
+                          <m:r>
+                            <a:rPr lang="ru-RU" i="1">
+                              <a:latin typeface="Cambria Math" panose="02040503050406030204" pitchFamily="18" charset="0"/>
+                            </a:rPr>
+                            <m:t>−</m:t>
+                          </m:r>
+                          <m:f>
+                            <m:fPr>
+                              <m:ctrlPr>
+                                <a:rPr lang="ru-RU" i="1">
+                                  <a:latin typeface="Cambria Math" panose="02040503050406030204" pitchFamily="18" charset="0"/>
+                                </a:rPr>
+                              </m:ctrlPr>
+                            </m:fPr>
+                            <m:num>
+                              <m:r>
+                                <a:rPr lang="ru-RU" i="1">
+                                  <a:latin typeface="Cambria Math" panose="02040503050406030204" pitchFamily="18" charset="0"/>
+                                </a:rPr>
+                                <m:t>1</m:t>
+                              </m:r>
+                            </m:num>
+                            <m:den>
+                              <m:r>
+                                <a:rPr lang="ru-RU" i="1">
+                                  <a:latin typeface="Cambria Math" panose="02040503050406030204" pitchFamily="18" charset="0"/>
+                                </a:rPr>
+                                <m:t>12</m:t>
+                              </m:r>
+                            </m:den>
+                          </m:f>
+                          <m:r>
+                            <a:rPr lang="ru-RU" i="1">
+                              <a:latin typeface="Cambria Math" panose="02040503050406030204" pitchFamily="18" charset="0"/>
+                            </a:rPr>
+                            <m:t>𝑚</m:t>
+                          </m:r>
+                          <m:nary>
+                            <m:naryPr>
+                              <m:chr m:val="∑"/>
+                              <m:limLoc m:val="undOvr"/>
+                              <m:ctrlPr>
+                                <a:rPr lang="ru-RU" i="1">
+                                  <a:latin typeface="Cambria Math" panose="02040503050406030204" pitchFamily="18" charset="0"/>
+                                </a:rPr>
+                              </m:ctrlPr>
+                            </m:naryPr>
+                            <m:sub>
+                              <m:r>
+                                <a:rPr lang="ru-RU" i="1">
+                                  <a:latin typeface="Cambria Math" panose="02040503050406030204" pitchFamily="18" charset="0"/>
+                                </a:rPr>
+                                <m:t>𝑖</m:t>
+                              </m:r>
+                              <m:r>
+                                <a:rPr lang="ru-RU" i="1">
+                                  <a:latin typeface="Cambria Math" panose="02040503050406030204" pitchFamily="18" charset="0"/>
+                                </a:rPr>
+                                <m:t>=1</m:t>
+                              </m:r>
+                            </m:sub>
+                            <m:sup>
+                              <m:r>
+                                <a:rPr lang="ru-RU" i="1">
+                                  <a:latin typeface="Cambria Math" panose="02040503050406030204" pitchFamily="18" charset="0"/>
+                                </a:rPr>
+                                <m:t>𝑚</m:t>
+                              </m:r>
+                            </m:sup>
+                            <m:e>
+                              <m:sSub>
+                                <m:sSubPr>
+                                  <m:ctrlPr>
+                                    <a:rPr lang="ru-RU" i="1">
+                                      <a:latin typeface="Cambria Math" panose="02040503050406030204" pitchFamily="18" charset="0"/>
+                                    </a:rPr>
+                                  </m:ctrlPr>
+                                </m:sSubPr>
+                                <m:e>
+                                  <m:r>
+                                    <a:rPr lang="ru-RU" i="1">
+                                      <a:latin typeface="Cambria Math" panose="02040503050406030204" pitchFamily="18" charset="0"/>
+                                    </a:rPr>
+                                    <m:t>𝑇</m:t>
+                                  </m:r>
+                                </m:e>
+                                <m:sub>
+                                  <m:r>
+                                    <a:rPr lang="ru-RU" i="1">
+                                      <a:latin typeface="Cambria Math" panose="02040503050406030204" pitchFamily="18" charset="0"/>
+                                    </a:rPr>
+                                    <m:t>𝑖</m:t>
+                                  </m:r>
+                                </m:sub>
+                              </m:sSub>
+                            </m:e>
+                          </m:nary>
+                        </m:den>
+                      </m:f>
                       <m:r>
                         <a:rPr lang="ru-RU" i="0">
                           <a:latin typeface="Cambria Math" panose="02040503050406030204" pitchFamily="18" charset="0"/>
@@ -15013,10 +15233,10 @@
             </p:txBody>
           </p:sp>
         </mc:Choice>
-        <mc:Fallback xmlns="">
+        <mc:Fallback>
           <p:sp>
             <p:nvSpPr>
-              <p:cNvPr id="14" name="Прямоугольник 13"/>
+              <p:cNvPr id="21" name="Прямоугольник 20"/>
               <p:cNvSpPr>
                 <a:spLocks noRot="1" noChangeAspect="1" noMove="1" noResize="1" noEditPoints="1" noAdjustHandles="1" noChangeArrowheads="1" noChangeShapeType="1" noTextEdit="1"/>
               </p:cNvSpPr>
@@ -15024,8 +15244,8 @@
             </p:nvSpPr>
             <p:spPr>
               <a:xfrm>
-                <a:off x="821028" y="4519087"/>
-                <a:ext cx="1467005" cy="369332"/>
+                <a:off x="449941" y="4414944"/>
+                <a:ext cx="4675447" cy="834459"/>
               </a:xfrm>
               <a:prstGeom prst="rect">
                 <a:avLst/>
@@ -15052,17 +15272,17 @@
           </p:sp>
         </mc:Fallback>
       </mc:AlternateContent>
-      <mc:AlternateContent xmlns:mc="http://schemas.openxmlformats.org/markup-compatibility/2006" xmlns:a14="http://schemas.microsoft.com/office/drawing/2010/main">
-        <mc:Choice Requires="a14">
+      <mc:AlternateContent xmlns:mc="http://schemas.openxmlformats.org/markup-compatibility/2006">
+        <mc:Choice xmlns:a14="http://schemas.microsoft.com/office/drawing/2010/main" Requires="a14">
           <p:sp>
             <p:nvSpPr>
-              <p:cNvPr id="15" name="Прямоугольник 14"/>
+              <p:cNvPr id="22" name="Прямоугольник 21"/>
               <p:cNvSpPr/>
               <p:nvPr/>
             </p:nvSpPr>
             <p:spPr>
               <a:xfrm>
-                <a:off x="821028" y="5047646"/>
+                <a:off x="474997" y="5349518"/>
                 <a:ext cx="2605906" cy="369332"/>
               </a:xfrm>
               <a:prstGeom prst="rect">
@@ -15165,10 +15385,10 @@
             </p:txBody>
           </p:sp>
         </mc:Choice>
-        <mc:Fallback xmlns="">
+        <mc:Fallback>
           <p:sp>
             <p:nvSpPr>
-              <p:cNvPr id="15" name="Прямоугольник 14"/>
+              <p:cNvPr id="22" name="Прямоугольник 21"/>
               <p:cNvSpPr>
                 <a:spLocks noRot="1" noChangeAspect="1" noMove="1" noResize="1" noEditPoints="1" noAdjustHandles="1" noChangeArrowheads="1" noChangeShapeType="1" noTextEdit="1"/>
               </p:cNvSpPr>
@@ -15176,7 +15396,7 @@
             </p:nvSpPr>
             <p:spPr>
               <a:xfrm>
-                <a:off x="821028" y="5047646"/>
+                <a:off x="474997" y="5349518"/>
                 <a:ext cx="2605906" cy="369332"/>
               </a:xfrm>
               <a:prstGeom prst="rect">
@@ -15185,7 +15405,7 @@
               <a:blipFill>
                 <a:blip r:embed="rId7"/>
                 <a:stretch>
-                  <a:fillRect t="-8197" b="-24590"/>
+                  <a:fillRect t="-10000" b="-26667"/>
                 </a:stretch>
               </a:blipFill>
             </p:spPr>
@@ -15204,17 +15424,17 @@
           </p:sp>
         </mc:Fallback>
       </mc:AlternateContent>
-      <mc:AlternateContent xmlns:mc="http://schemas.openxmlformats.org/markup-compatibility/2006" xmlns:a14="http://schemas.microsoft.com/office/drawing/2010/main">
-        <mc:Choice Requires="a14">
+      <mc:AlternateContent xmlns:mc="http://schemas.openxmlformats.org/markup-compatibility/2006">
+        <mc:Choice xmlns:a14="http://schemas.microsoft.com/office/drawing/2010/main" Requires="a14">
           <p:sp>
             <p:nvSpPr>
-              <p:cNvPr id="16" name="Прямоугольник 15"/>
+              <p:cNvPr id="24" name="Прямоугольник 23"/>
               <p:cNvSpPr/>
               <p:nvPr/>
             </p:nvSpPr>
             <p:spPr>
               <a:xfrm>
-                <a:off x="821028" y="5576205"/>
+                <a:off x="474997" y="5819570"/>
                 <a:ext cx="1244123" cy="378693"/>
               </a:xfrm>
               <a:prstGeom prst="rect">
@@ -15287,10 +15507,10 @@
             </p:txBody>
           </p:sp>
         </mc:Choice>
-        <mc:Fallback xmlns="">
+        <mc:Fallback>
           <p:sp>
             <p:nvSpPr>
-              <p:cNvPr id="16" name="Прямоугольник 15"/>
+              <p:cNvPr id="24" name="Прямоугольник 23"/>
               <p:cNvSpPr>
                 <a:spLocks noRot="1" noChangeAspect="1" noMove="1" noResize="1" noEditPoints="1" noAdjustHandles="1" noChangeArrowheads="1" noChangeShapeType="1" noTextEdit="1"/>
               </p:cNvSpPr>
@@ -15298,7 +15518,7 @@
             </p:nvSpPr>
             <p:spPr>
               <a:xfrm>
-                <a:off x="821028" y="5576205"/>
+                <a:off x="474997" y="5819570"/>
                 <a:ext cx="1244123" cy="378693"/>
               </a:xfrm>
               <a:prstGeom prst="rect">
@@ -15308,6 +15528,101 @@
                 <a:blip r:embed="rId8"/>
                 <a:stretch>
                   <a:fillRect t="-6452" r="-3922" b="-25806"/>
+                </a:stretch>
+              </a:blipFill>
+            </p:spPr>
+            <p:txBody>
+              <a:bodyPr/>
+              <a:lstStyle/>
+              <a:p>
+                <a:r>
+                  <a:rPr lang="ru-RU">
+                    <a:noFill/>
+                  </a:rPr>
+                  <a:t> </a:t>
+                </a:r>
+              </a:p>
+            </p:txBody>
+          </p:sp>
+        </mc:Fallback>
+      </mc:AlternateContent>
+      <mc:AlternateContent xmlns:mc="http://schemas.openxmlformats.org/markup-compatibility/2006">
+        <mc:Choice xmlns:a14="http://schemas.microsoft.com/office/drawing/2010/main" Requires="a14">
+          <p:sp>
+            <p:nvSpPr>
+              <p:cNvPr id="25" name="Прямоугольник 24"/>
+              <p:cNvSpPr/>
+              <p:nvPr/>
+            </p:nvSpPr>
+            <p:spPr>
+              <a:xfrm>
+                <a:off x="1980784" y="5818965"/>
+                <a:ext cx="1116588" cy="369332"/>
+              </a:xfrm>
+              <a:prstGeom prst="rect">
+                <a:avLst/>
+              </a:prstGeom>
+            </p:spPr>
+            <p:txBody>
+              <a:bodyPr wrap="none">
+                <a:spAutoFit/>
+              </a:bodyPr>
+              <a:lstStyle/>
+              <a:p>
+                <a14:m>
+                  <m:oMath xmlns:m="http://schemas.openxmlformats.org/officeDocument/2006/math">
+                    <m:r>
+                      <a:rPr lang="ru-RU" i="1">
+                        <a:latin typeface="Cambria Math" panose="02040503050406030204" pitchFamily="18" charset="0"/>
+                        <a:ea typeface="Calibri" panose="020F0502020204030204" pitchFamily="34" charset="0"/>
+                        <a:cs typeface="Times New Roman" panose="02020603050405020304" pitchFamily="18" charset="0"/>
+                      </a:rPr>
+                      <m:t>𝛼</m:t>
+                    </m:r>
+                    <m:r>
+                      <a:rPr lang="ru-RU">
+                        <a:latin typeface="Cambria Math" panose="02040503050406030204" pitchFamily="18" charset="0"/>
+                        <a:ea typeface="Calibri" panose="020F0502020204030204" pitchFamily="34" charset="0"/>
+                        <a:cs typeface="Times New Roman" panose="02020603050405020304" pitchFamily="18" charset="0"/>
+                      </a:rPr>
+                      <m:t>=0,01</m:t>
+                    </m:r>
+                  </m:oMath>
+                </a14:m>
+                <a:r>
+                  <a:rPr lang="ru-RU" dirty="0">
+                    <a:latin typeface="Calibri" panose="020F0502020204030204" pitchFamily="34" charset="0"/>
+                    <a:ea typeface="Calibri" panose="020F0502020204030204" pitchFamily="34" charset="0"/>
+                    <a:cs typeface="Times New Roman" panose="02020603050405020304" pitchFamily="18" charset="0"/>
+                  </a:rPr>
+                  <a:t> </a:t>
+                </a:r>
+                <a:endParaRPr lang="ru-RU" dirty="0"/>
+              </a:p>
+            </p:txBody>
+          </p:sp>
+        </mc:Choice>
+        <mc:Fallback>
+          <p:sp>
+            <p:nvSpPr>
+              <p:cNvPr id="25" name="Прямоугольник 24"/>
+              <p:cNvSpPr>
+                <a:spLocks noRot="1" noChangeAspect="1" noMove="1" noResize="1" noEditPoints="1" noAdjustHandles="1" noChangeArrowheads="1" noChangeShapeType="1" noTextEdit="1"/>
+              </p:cNvSpPr>
+              <p:nvPr/>
+            </p:nvSpPr>
+            <p:spPr>
+              <a:xfrm>
+                <a:off x="1980784" y="5818965"/>
+                <a:ext cx="1116588" cy="369332"/>
+              </a:xfrm>
+              <a:prstGeom prst="rect">
+                <a:avLst/>
+              </a:prstGeom>
+              <a:blipFill>
+                <a:blip r:embed="rId9"/>
+                <a:stretch>
+                  <a:fillRect/>
                 </a:stretch>
               </a:blipFill>
             </p:spPr>
